--- a/Slides/Sports Analytics 1/Sports_Analytics_1_Lecture.pptx
+++ b/Slides/Sports Analytics 1/Sports_Analytics_1_Lecture.pptx
@@ -5,26 +5,29 @@
     <p:sldMasterId id="2147483648" r:id="rId1"/>
   </p:sldMasterIdLst>
   <p:notesMasterIdLst>
-    <p:notesMasterId r:id="rId19"/>
+    <p:notesMasterId r:id="rId22"/>
   </p:notesMasterIdLst>
   <p:sldIdLst>
     <p:sldId id="256" r:id="rId2"/>
-    <p:sldId id="258" r:id="rId3"/>
-    <p:sldId id="260" r:id="rId4"/>
-    <p:sldId id="259" r:id="rId5"/>
-    <p:sldId id="261" r:id="rId6"/>
-    <p:sldId id="262" r:id="rId7"/>
-    <p:sldId id="263" r:id="rId8"/>
-    <p:sldId id="264" r:id="rId9"/>
-    <p:sldId id="265" r:id="rId10"/>
-    <p:sldId id="266" r:id="rId11"/>
-    <p:sldId id="267" r:id="rId12"/>
-    <p:sldId id="268" r:id="rId13"/>
-    <p:sldId id="269" r:id="rId14"/>
-    <p:sldId id="270" r:id="rId15"/>
-    <p:sldId id="271" r:id="rId16"/>
-    <p:sldId id="272" r:id="rId17"/>
-    <p:sldId id="281" r:id="rId18"/>
+    <p:sldId id="282" r:id="rId3"/>
+    <p:sldId id="258" r:id="rId4"/>
+    <p:sldId id="283" r:id="rId5"/>
+    <p:sldId id="284" r:id="rId6"/>
+    <p:sldId id="260" r:id="rId7"/>
+    <p:sldId id="259" r:id="rId8"/>
+    <p:sldId id="261" r:id="rId9"/>
+    <p:sldId id="262" r:id="rId10"/>
+    <p:sldId id="263" r:id="rId11"/>
+    <p:sldId id="264" r:id="rId12"/>
+    <p:sldId id="265" r:id="rId13"/>
+    <p:sldId id="266" r:id="rId14"/>
+    <p:sldId id="267" r:id="rId15"/>
+    <p:sldId id="268" r:id="rId16"/>
+    <p:sldId id="269" r:id="rId17"/>
+    <p:sldId id="270" r:id="rId18"/>
+    <p:sldId id="271" r:id="rId19"/>
+    <p:sldId id="272" r:id="rId20"/>
+    <p:sldId id="281" r:id="rId21"/>
   </p:sldIdLst>
   <p:sldSz cx="12192000" cy="6858000"/>
   <p:notesSz cx="6858000" cy="9144000"/>
@@ -213,7 +216,7 @@
           <a:p>
             <a:fld id="{C04E5E84-956F-4423-97B3-5936A6D8EEEE}" type="datetimeFigureOut">
               <a:rPr lang="en-US" smtClean="0"/>
-              <a:t>8/25/2019</a:t>
+              <a:t>8/12/2020</a:t>
             </a:fld>
             <a:endParaRPr lang="en-US"/>
           </a:p>
@@ -545,7 +548,7 @@
           <a:p>
             <a:fld id="{323D9EF6-5B6D-4923-9412-628692DCC0E7}" type="slidenum">
               <a:rPr lang="en-US" smtClean="0"/>
-              <a:t>6</a:t>
+              <a:t>9</a:t>
             </a:fld>
             <a:endParaRPr lang="en-US"/>
           </a:p>
@@ -629,7 +632,7 @@
           <a:p>
             <a:fld id="{323D9EF6-5B6D-4923-9412-628692DCC0E7}" type="slidenum">
               <a:rPr lang="en-US" smtClean="0"/>
-              <a:t>15</a:t>
+              <a:t>18</a:t>
             </a:fld>
             <a:endParaRPr lang="en-US"/>
           </a:p>
@@ -713,7 +716,7 @@
           <a:p>
             <a:fld id="{323D9EF6-5B6D-4923-9412-628692DCC0E7}" type="slidenum">
               <a:rPr lang="en-US" smtClean="0"/>
-              <a:t>16</a:t>
+              <a:t>19</a:t>
             </a:fld>
             <a:endParaRPr lang="en-US"/>
           </a:p>
@@ -797,7 +800,7 @@
           <a:p>
             <a:fld id="{323D9EF6-5B6D-4923-9412-628692DCC0E7}" type="slidenum">
               <a:rPr lang="en-US" smtClean="0"/>
-              <a:t>7</a:t>
+              <a:t>10</a:t>
             </a:fld>
             <a:endParaRPr lang="en-US"/>
           </a:p>
@@ -881,7 +884,7 @@
           <a:p>
             <a:fld id="{323D9EF6-5B6D-4923-9412-628692DCC0E7}" type="slidenum">
               <a:rPr lang="en-US" smtClean="0"/>
-              <a:t>8</a:t>
+              <a:t>11</a:t>
             </a:fld>
             <a:endParaRPr lang="en-US"/>
           </a:p>
@@ -965,7 +968,7 @@
           <a:p>
             <a:fld id="{323D9EF6-5B6D-4923-9412-628692DCC0E7}" type="slidenum">
               <a:rPr lang="en-US" smtClean="0"/>
-              <a:t>9</a:t>
+              <a:t>12</a:t>
             </a:fld>
             <a:endParaRPr lang="en-US"/>
           </a:p>
@@ -1049,7 +1052,7 @@
           <a:p>
             <a:fld id="{323D9EF6-5B6D-4923-9412-628692DCC0E7}" type="slidenum">
               <a:rPr lang="en-US" smtClean="0"/>
-              <a:t>10</a:t>
+              <a:t>13</a:t>
             </a:fld>
             <a:endParaRPr lang="en-US"/>
           </a:p>
@@ -1133,7 +1136,7 @@
           <a:p>
             <a:fld id="{323D9EF6-5B6D-4923-9412-628692DCC0E7}" type="slidenum">
               <a:rPr lang="en-US" smtClean="0"/>
-              <a:t>11</a:t>
+              <a:t>14</a:t>
             </a:fld>
             <a:endParaRPr lang="en-US"/>
           </a:p>
@@ -1217,7 +1220,7 @@
           <a:p>
             <a:fld id="{323D9EF6-5B6D-4923-9412-628692DCC0E7}" type="slidenum">
               <a:rPr lang="en-US" smtClean="0"/>
-              <a:t>12</a:t>
+              <a:t>15</a:t>
             </a:fld>
             <a:endParaRPr lang="en-US"/>
           </a:p>
@@ -1301,7 +1304,7 @@
           <a:p>
             <a:fld id="{323D9EF6-5B6D-4923-9412-628692DCC0E7}" type="slidenum">
               <a:rPr lang="en-US" smtClean="0"/>
-              <a:t>13</a:t>
+              <a:t>16</a:t>
             </a:fld>
             <a:endParaRPr lang="en-US"/>
           </a:p>
@@ -1385,7 +1388,7 @@
           <a:p>
             <a:fld id="{323D9EF6-5B6D-4923-9412-628692DCC0E7}" type="slidenum">
               <a:rPr lang="en-US" smtClean="0"/>
-              <a:t>14</a:t>
+              <a:t>17</a:t>
             </a:fld>
             <a:endParaRPr lang="en-US"/>
           </a:p>
@@ -1551,7 +1554,7 @@
           <a:p>
             <a:fld id="{3881C039-66A3-4640-815B-3B5A8B7D868D}" type="datetimeFigureOut">
               <a:rPr lang="en-US" smtClean="0"/>
-              <a:t>8/25/2019</a:t>
+              <a:t>8/12/2020</a:t>
             </a:fld>
             <a:endParaRPr lang="en-US"/>
           </a:p>
@@ -1749,7 +1752,7 @@
           <a:p>
             <a:fld id="{3881C039-66A3-4640-815B-3B5A8B7D868D}" type="datetimeFigureOut">
               <a:rPr lang="en-US" smtClean="0"/>
-              <a:t>8/25/2019</a:t>
+              <a:t>8/12/2020</a:t>
             </a:fld>
             <a:endParaRPr lang="en-US"/>
           </a:p>
@@ -1957,7 +1960,7 @@
           <a:p>
             <a:fld id="{3881C039-66A3-4640-815B-3B5A8B7D868D}" type="datetimeFigureOut">
               <a:rPr lang="en-US" smtClean="0"/>
-              <a:t>8/25/2019</a:t>
+              <a:t>8/12/2020</a:t>
             </a:fld>
             <a:endParaRPr lang="en-US"/>
           </a:p>
@@ -2155,7 +2158,7 @@
           <a:p>
             <a:fld id="{3881C039-66A3-4640-815B-3B5A8B7D868D}" type="datetimeFigureOut">
               <a:rPr lang="en-US" smtClean="0"/>
-              <a:t>8/25/2019</a:t>
+              <a:t>8/12/2020</a:t>
             </a:fld>
             <a:endParaRPr lang="en-US"/>
           </a:p>
@@ -2430,7 +2433,7 @@
           <a:p>
             <a:fld id="{3881C039-66A3-4640-815B-3B5A8B7D868D}" type="datetimeFigureOut">
               <a:rPr lang="en-US" smtClean="0"/>
-              <a:t>8/25/2019</a:t>
+              <a:t>8/12/2020</a:t>
             </a:fld>
             <a:endParaRPr lang="en-US"/>
           </a:p>
@@ -2695,7 +2698,7 @@
           <a:p>
             <a:fld id="{3881C039-66A3-4640-815B-3B5A8B7D868D}" type="datetimeFigureOut">
               <a:rPr lang="en-US" smtClean="0"/>
-              <a:t>8/25/2019</a:t>
+              <a:t>8/12/2020</a:t>
             </a:fld>
             <a:endParaRPr lang="en-US"/>
           </a:p>
@@ -3107,7 +3110,7 @@
           <a:p>
             <a:fld id="{3881C039-66A3-4640-815B-3B5A8B7D868D}" type="datetimeFigureOut">
               <a:rPr lang="en-US" smtClean="0"/>
-              <a:t>8/25/2019</a:t>
+              <a:t>8/12/2020</a:t>
             </a:fld>
             <a:endParaRPr lang="en-US"/>
           </a:p>
@@ -3248,7 +3251,7 @@
           <a:p>
             <a:fld id="{3881C039-66A3-4640-815B-3B5A8B7D868D}" type="datetimeFigureOut">
               <a:rPr lang="en-US" smtClean="0"/>
-              <a:t>8/25/2019</a:t>
+              <a:t>8/12/2020</a:t>
             </a:fld>
             <a:endParaRPr lang="en-US"/>
           </a:p>
@@ -3361,7 +3364,7 @@
           <a:p>
             <a:fld id="{3881C039-66A3-4640-815B-3B5A8B7D868D}" type="datetimeFigureOut">
               <a:rPr lang="en-US" smtClean="0"/>
-              <a:t>8/25/2019</a:t>
+              <a:t>8/12/2020</a:t>
             </a:fld>
             <a:endParaRPr lang="en-US"/>
           </a:p>
@@ -3672,7 +3675,7 @@
           <a:p>
             <a:fld id="{3881C039-66A3-4640-815B-3B5A8B7D868D}" type="datetimeFigureOut">
               <a:rPr lang="en-US" smtClean="0"/>
-              <a:t>8/25/2019</a:t>
+              <a:t>8/12/2020</a:t>
             </a:fld>
             <a:endParaRPr lang="en-US"/>
           </a:p>
@@ -3960,7 +3963,7 @@
           <a:p>
             <a:fld id="{3881C039-66A3-4640-815B-3B5A8B7D868D}" type="datetimeFigureOut">
               <a:rPr lang="en-US" smtClean="0"/>
-              <a:t>8/25/2019</a:t>
+              <a:t>8/12/2020</a:t>
             </a:fld>
             <a:endParaRPr lang="en-US"/>
           </a:p>
@@ -4204,7 +4207,7 @@
           <a:p>
             <a:fld id="{3881C039-66A3-4640-815B-3B5A8B7D868D}" type="datetimeFigureOut">
               <a:rPr lang="en-US" smtClean="0"/>
-              <a:t>8/25/2019</a:t>
+              <a:t>8/12/2020</a:t>
             </a:fld>
             <a:endParaRPr lang="en-US"/>
           </a:p>
@@ -4960,7 +4963,7 @@
         <p:spPr>
           <a:xfrm>
             <a:off x="838199" y="2021249"/>
-            <a:ext cx="7324166" cy="4581257"/>
+            <a:ext cx="6833347" cy="1132085"/>
           </a:xfrm>
         </p:spPr>
         <p:txBody>
@@ -4973,7 +4976,7 @@
               <a:rPr lang="en-US" sz="2400" dirty="0">
                 <a:latin typeface="Selawik Semibold" panose="020B0702040204020203" pitchFamily="34" charset="0"/>
               </a:rPr>
-              <a:t>Revenue in Sports Leagues (howmuch.net)</a:t>
+              <a:t>Most Popular World Sports (sportsshow.net)</a:t>
             </a:r>
           </a:p>
           <a:p>
@@ -4988,115 +4991,8 @@
               <a:rPr lang="en-US" sz="2000" dirty="0">
                 <a:latin typeface="Selawik Semibold" panose="020B0702040204020203" pitchFamily="34" charset="0"/>
               </a:rPr>
-              <a:t>Majority Soccer Leagues (14/20)</a:t>
-            </a:r>
-          </a:p>
-          <a:p>
-            <a:pPr lvl="1"/>
-            <a:endParaRPr lang="en-US" sz="2000" dirty="0">
-              <a:latin typeface="Selawik Semibold" panose="020B0702040204020203" pitchFamily="34" charset="0"/>
-            </a:endParaRPr>
-          </a:p>
-          <a:p>
-            <a:pPr lvl="1"/>
-            <a:r>
-              <a:rPr lang="en-US" sz="2000" dirty="0">
-                <a:latin typeface="Selawik Semibold" panose="020B0702040204020203" pitchFamily="34" charset="0"/>
-              </a:rPr>
-              <a:t>Combined Soccer Leagues Revenue = $19.4B</a:t>
-            </a:r>
-          </a:p>
-          <a:p>
-            <a:pPr lvl="1"/>
-            <a:endParaRPr lang="en-US" sz="2000" dirty="0">
-              <a:latin typeface="Selawik Semibold" panose="020B0702040204020203" pitchFamily="34" charset="0"/>
-            </a:endParaRPr>
-          </a:p>
-          <a:p>
-            <a:pPr lvl="1"/>
-            <a:r>
-              <a:rPr lang="en-US" sz="2000" dirty="0">
-                <a:latin typeface="Selawik Semibold" panose="020B0702040204020203" pitchFamily="34" charset="0"/>
-              </a:rPr>
-              <a:t>MLS is 18</a:t>
-            </a:r>
-            <a:r>
-              <a:rPr lang="en-US" sz="2000" baseline="30000" dirty="0">
-                <a:latin typeface="Selawik Semibold" panose="020B0702040204020203" pitchFamily="34" charset="0"/>
-              </a:rPr>
-              <a:t>th</a:t>
-            </a:r>
-            <a:r>
-              <a:rPr lang="en-US" sz="2000" dirty="0">
-                <a:latin typeface="Selawik Semibold" panose="020B0702040204020203" pitchFamily="34" charset="0"/>
-              </a:rPr>
-              <a:t> on the List = $461M</a:t>
-            </a:r>
-            <a:br>
-              <a:rPr lang="en-US" sz="2000" dirty="0">
-                <a:latin typeface="Selawik Semibold" panose="020B0702040204020203" pitchFamily="34" charset="0"/>
-              </a:rPr>
-            </a:br>
-            <a:endParaRPr lang="en-US" sz="2000" dirty="0">
-              <a:latin typeface="Selawik Semibold" panose="020B0702040204020203" pitchFamily="34" charset="0"/>
-            </a:endParaRPr>
-          </a:p>
-          <a:p>
-            <a:pPr lvl="1"/>
-            <a:r>
-              <a:rPr lang="en-US" sz="2000" dirty="0">
-                <a:latin typeface="Selawik Semibold" panose="020B0702040204020203" pitchFamily="34" charset="0"/>
-              </a:rPr>
-              <a:t>4 out of top 5 are US/Canadian Leagues</a:t>
-            </a:r>
-          </a:p>
-          <a:p>
-            <a:pPr lvl="1"/>
-            <a:endParaRPr lang="en-US" sz="2000" dirty="0">
-              <a:latin typeface="Selawik Semibold" panose="020B0702040204020203" pitchFamily="34" charset="0"/>
-            </a:endParaRPr>
-          </a:p>
-          <a:p>
-            <a:pPr lvl="1"/>
-            <a:r>
-              <a:rPr lang="en-US" sz="2000" dirty="0">
-                <a:latin typeface="Selawik Semibold" panose="020B0702040204020203" pitchFamily="34" charset="0"/>
-              </a:rPr>
-              <a:t>NFL, MLB, NBA, NHL = $31</a:t>
-            </a:r>
-          </a:p>
-          <a:p>
-            <a:pPr lvl="1"/>
-            <a:endParaRPr lang="en-US" sz="2000" dirty="0">
-              <a:latin typeface="Selawik Semibold" panose="020B0702040204020203" pitchFamily="34" charset="0"/>
-            </a:endParaRPr>
-          </a:p>
-          <a:p>
-            <a:pPr lvl="1"/>
-            <a:r>
-              <a:rPr lang="en-US" sz="2000" dirty="0">
-                <a:latin typeface="Selawik Semibold" panose="020B0702040204020203" pitchFamily="34" charset="0"/>
-              </a:rPr>
-              <a:t>US Diverse Interests = Spans 5 Different Sports</a:t>
-            </a:r>
-          </a:p>
-          <a:p>
-            <a:pPr lvl="1"/>
-            <a:endParaRPr lang="en-US" sz="2000" dirty="0">
-              <a:latin typeface="Selawik Semibold" panose="020B0702040204020203" pitchFamily="34" charset="0"/>
-            </a:endParaRPr>
-          </a:p>
-          <a:p>
-            <a:pPr lvl="1"/>
-            <a:endParaRPr lang="en-US" sz="2000" dirty="0">
-              <a:latin typeface="Selawik Semibold" panose="020B0702040204020203" pitchFamily="34" charset="0"/>
-            </a:endParaRPr>
-          </a:p>
-          <a:p>
-            <a:pPr lvl="1"/>
-            <a:endParaRPr lang="en-US" sz="2000" dirty="0">
-              <a:latin typeface="Selawik Semibold" panose="020B0702040204020203" pitchFamily="34" charset="0"/>
-            </a:endParaRPr>
+              <a:t>Listed from Most to Least Popular</a:t>
+            </a:r>
           </a:p>
         </p:txBody>
       </p:sp>
@@ -5440,10 +5336,160 @@
           </a:p>
         </p:txBody>
       </p:sp>
+      <p:sp>
+        <p:nvSpPr>
+          <p:cNvPr id="3" name="TextBox 2">
+            <a:extLst>
+              <a:ext uri="{FF2B5EF4-FFF2-40B4-BE49-F238E27FC236}">
+                <a16:creationId xmlns:a16="http://schemas.microsoft.com/office/drawing/2014/main" id="{4D2D036B-AB3A-4C0B-ADAC-DCBDAFCE8A9B}"/>
+              </a:ext>
+            </a:extLst>
+          </p:cNvPr>
+          <p:cNvSpPr txBox="1"/>
+          <p:nvPr/>
+        </p:nvSpPr>
+        <p:spPr>
+          <a:xfrm>
+            <a:off x="1210993" y="3080230"/>
+            <a:ext cx="3964639" cy="2862322"/>
+          </a:xfrm>
+          <a:prstGeom prst="rect">
+            <a:avLst/>
+          </a:prstGeom>
+          <a:noFill/>
+        </p:spPr>
+        <p:txBody>
+          <a:bodyPr wrap="square" rtlCol="0">
+            <a:spAutoFit/>
+          </a:bodyPr>
+          <a:lstStyle/>
+          <a:p>
+            <a:pPr marL="742950" lvl="1" indent="-285750">
+              <a:buFont typeface="Arial" panose="020B0604020202020204" pitchFamily="34" charset="0"/>
+              <a:buChar char="•"/>
+            </a:pPr>
+            <a:r>
+              <a:rPr lang="en-US" dirty="0">
+                <a:latin typeface="Selawik Semibold" panose="020B0702040204020203" pitchFamily="34" charset="0"/>
+              </a:rPr>
+              <a:t>Soccer</a:t>
+            </a:r>
+          </a:p>
+          <a:p>
+            <a:pPr marL="742950" lvl="1" indent="-285750">
+              <a:buFont typeface="Arial" panose="020B0604020202020204" pitchFamily="34" charset="0"/>
+              <a:buChar char="•"/>
+            </a:pPr>
+            <a:r>
+              <a:rPr lang="en-US" dirty="0">
+                <a:latin typeface="Selawik Semibold" panose="020B0702040204020203" pitchFamily="34" charset="0"/>
+              </a:rPr>
+              <a:t>Cricket</a:t>
+            </a:r>
+          </a:p>
+          <a:p>
+            <a:pPr marL="742950" lvl="1" indent="-285750">
+              <a:buFont typeface="Arial" panose="020B0604020202020204" pitchFamily="34" charset="0"/>
+              <a:buChar char="•"/>
+            </a:pPr>
+            <a:r>
+              <a:rPr lang="en-US" dirty="0">
+                <a:latin typeface="Selawik Semibold" panose="020B0702040204020203" pitchFamily="34" charset="0"/>
+              </a:rPr>
+              <a:t>Basketball</a:t>
+            </a:r>
+          </a:p>
+          <a:p>
+            <a:pPr marL="742950" lvl="1" indent="-285750">
+              <a:buFont typeface="Arial" panose="020B0604020202020204" pitchFamily="34" charset="0"/>
+              <a:buChar char="•"/>
+            </a:pPr>
+            <a:r>
+              <a:rPr lang="en-US" dirty="0">
+                <a:latin typeface="Selawik Semibold" panose="020B0702040204020203" pitchFamily="34" charset="0"/>
+              </a:rPr>
+              <a:t>Field Hockey</a:t>
+            </a:r>
+          </a:p>
+          <a:p>
+            <a:pPr marL="742950" lvl="1" indent="-285750">
+              <a:buFont typeface="Arial" panose="020B0604020202020204" pitchFamily="34" charset="0"/>
+              <a:buChar char="•"/>
+            </a:pPr>
+            <a:r>
+              <a:rPr lang="en-US" dirty="0">
+                <a:latin typeface="Selawik Semibold" panose="020B0702040204020203" pitchFamily="34" charset="0"/>
+              </a:rPr>
+              <a:t>Tennis</a:t>
+            </a:r>
+          </a:p>
+          <a:p>
+            <a:pPr marL="742950" lvl="1" indent="-285750">
+              <a:buFont typeface="Arial" panose="020B0604020202020204" pitchFamily="34" charset="0"/>
+              <a:buChar char="•"/>
+            </a:pPr>
+            <a:r>
+              <a:rPr lang="en-US" dirty="0">
+                <a:latin typeface="Selawik Semibold" panose="020B0702040204020203" pitchFamily="34" charset="0"/>
+              </a:rPr>
+              <a:t>Volleyball</a:t>
+            </a:r>
+          </a:p>
+          <a:p>
+            <a:pPr marL="742950" lvl="1" indent="-285750">
+              <a:buFont typeface="Arial" panose="020B0604020202020204" pitchFamily="34" charset="0"/>
+              <a:buChar char="•"/>
+            </a:pPr>
+            <a:r>
+              <a:rPr lang="en-US" dirty="0">
+                <a:latin typeface="Selawik Semibold" panose="020B0702040204020203" pitchFamily="34" charset="0"/>
+              </a:rPr>
+              <a:t>Table Tennis</a:t>
+            </a:r>
+          </a:p>
+          <a:p>
+            <a:pPr marL="742950" lvl="1" indent="-285750">
+              <a:buFont typeface="Arial" panose="020B0604020202020204" pitchFamily="34" charset="0"/>
+              <a:buChar char="•"/>
+            </a:pPr>
+            <a:r>
+              <a:rPr lang="en-US" dirty="0">
+                <a:latin typeface="Selawik Semibold" panose="020B0702040204020203" pitchFamily="34" charset="0"/>
+              </a:rPr>
+              <a:t>Baseball</a:t>
+            </a:r>
+          </a:p>
+          <a:p>
+            <a:pPr marL="742950" lvl="1" indent="-285750">
+              <a:buFont typeface="Arial" panose="020B0604020202020204" pitchFamily="34" charset="0"/>
+              <a:buChar char="•"/>
+            </a:pPr>
+            <a:r>
+              <a:rPr lang="en-US" dirty="0">
+                <a:latin typeface="Selawik Semibold" panose="020B0702040204020203" pitchFamily="34" charset="0"/>
+              </a:rPr>
+              <a:t>American Football/Rugby</a:t>
+            </a:r>
+          </a:p>
+          <a:p>
+            <a:pPr marL="742950" lvl="1" indent="-285750">
+              <a:buFont typeface="Arial" panose="020B0604020202020204" pitchFamily="34" charset="0"/>
+              <a:buChar char="•"/>
+            </a:pPr>
+            <a:r>
+              <a:rPr lang="en-US" dirty="0">
+                <a:latin typeface="Selawik Semibold" panose="020B0702040204020203" pitchFamily="34" charset="0"/>
+              </a:rPr>
+              <a:t>Golf</a:t>
+            </a:r>
+            <a:endParaRPr lang="en-US" dirty="0"/>
+          </a:p>
+        </p:txBody>
+      </p:sp>
     </p:spTree>
     <p:extLst>
       <p:ext uri="{BB962C8B-B14F-4D97-AF65-F5344CB8AC3E}">
-        <p14:creationId xmlns:p14="http://schemas.microsoft.com/office/powerpoint/2010/main" val="80295406"/>
+        <p14:creationId xmlns:p14="http://schemas.microsoft.com/office/powerpoint/2010/main" val="1787284565"/>
       </p:ext>
     </p:extLst>
   </p:cSld>
@@ -5596,8 +5642,8 @@
         </p:nvSpPr>
         <p:spPr>
           <a:xfrm>
-            <a:off x="838199" y="2021249"/>
-            <a:ext cx="7324166" cy="4581257"/>
+            <a:off x="838200" y="2021249"/>
+            <a:ext cx="6369424" cy="4527469"/>
           </a:xfrm>
         </p:spPr>
         <p:txBody>
@@ -5610,21 +5656,99 @@
               <a:rPr lang="en-US" sz="2400" dirty="0">
                 <a:latin typeface="Selawik Semibold" panose="020B0702040204020203" pitchFamily="34" charset="0"/>
               </a:rPr>
-              <a:t>Growth in Team Sports (sisugaurd.com)</a:t>
-            </a:r>
-            <a:endParaRPr lang="en-US" sz="2000" dirty="0">
+              <a:t>Most Popular US Sports (sportsshow.net)</a:t>
+            </a:r>
+          </a:p>
+          <a:p>
+            <a:pPr marL="0" indent="0">
+              <a:buNone/>
+            </a:pPr>
+            <a:endParaRPr lang="en-US" sz="2400" dirty="0">
               <a:latin typeface="Selawik Semibold" panose="020B0702040204020203" pitchFamily="34" charset="0"/>
             </a:endParaRPr>
           </a:p>
           <a:p>
             <a:pPr lvl="1"/>
-            <a:endParaRPr lang="en-US" sz="2000" dirty="0">
+            <a:r>
+              <a:rPr lang="en-US" sz="2000" dirty="0">
+                <a:latin typeface="Selawik Semibold" panose="020B0702040204020203" pitchFamily="34" charset="0"/>
+              </a:rPr>
+              <a:t>Based on TV Viewership</a:t>
+            </a:r>
+          </a:p>
+          <a:p>
+            <a:pPr marL="457200" lvl="1" indent="0">
+              <a:buNone/>
+            </a:pPr>
+            <a:endParaRPr lang="en-US" sz="1600" dirty="0">
               <a:latin typeface="Selawik Semibold" panose="020B0702040204020203" pitchFamily="34" charset="0"/>
             </a:endParaRPr>
           </a:p>
           <a:p>
             <a:pPr lvl="1"/>
-            <a:endParaRPr lang="en-US" sz="2000" dirty="0">
+            <a:r>
+              <a:rPr lang="en-US" sz="2000" dirty="0">
+                <a:latin typeface="Selawik Semibold" panose="020B0702040204020203" pitchFamily="34" charset="0"/>
+              </a:rPr>
+              <a:t>Listed from Most to Least Popular</a:t>
+            </a:r>
+          </a:p>
+          <a:p>
+            <a:pPr lvl="2"/>
+            <a:r>
+              <a:rPr lang="en-US" sz="1800" dirty="0">
+                <a:latin typeface="Selawik Semibold" panose="020B0702040204020203" pitchFamily="34" charset="0"/>
+              </a:rPr>
+              <a:t>Football (38.8% Favorite, 111.9 Million)</a:t>
+            </a:r>
+          </a:p>
+          <a:p>
+            <a:pPr lvl="2"/>
+            <a:r>
+              <a:rPr lang="en-US" sz="1800" dirty="0">
+                <a:latin typeface="Selawik Semibold" panose="020B0702040204020203" pitchFamily="34" charset="0"/>
+              </a:rPr>
+              <a:t>Baseball (14.8% Favorite, 40.0 Million)</a:t>
+            </a:r>
+          </a:p>
+          <a:p>
+            <a:pPr lvl="2"/>
+            <a:r>
+              <a:rPr lang="en-US" sz="1800" dirty="0">
+                <a:latin typeface="Selawik Semibold" panose="020B0702040204020203" pitchFamily="34" charset="0"/>
+              </a:rPr>
+              <a:t>Basketball (15.3% Favorite, 30.8 Million)</a:t>
+            </a:r>
+          </a:p>
+          <a:p>
+            <a:pPr lvl="2"/>
+            <a:r>
+              <a:rPr lang="en-US" sz="1800" dirty="0">
+                <a:latin typeface="Selawik Semibold" panose="020B0702040204020203" pitchFamily="34" charset="0"/>
+              </a:rPr>
+              <a:t>Ice Hockey (3.8% Favorite, 27.6 Million)</a:t>
+            </a:r>
+          </a:p>
+          <a:p>
+            <a:pPr lvl="2"/>
+            <a:r>
+              <a:rPr lang="en-US" sz="1800" dirty="0">
+                <a:latin typeface="Selawik Semibold" panose="020B0702040204020203" pitchFamily="34" charset="0"/>
+              </a:rPr>
+              <a:t>Soccer (8.2% Favorite, 27.3 Million)</a:t>
+            </a:r>
+          </a:p>
+          <a:p>
+            <a:pPr marL="914400" lvl="2" indent="0">
+              <a:buNone/>
+            </a:pPr>
+            <a:endParaRPr lang="en-US" sz="1600" dirty="0">
+              <a:latin typeface="Selawik Semibold" panose="020B0702040204020203" pitchFamily="34" charset="0"/>
+            </a:endParaRPr>
+          </a:p>
+          <a:p>
+            <a:pPr lvl="2"/>
+            <a:endParaRPr lang="en-US" sz="1600" dirty="0">
               <a:latin typeface="Selawik Semibold" panose="020B0702040204020203" pitchFamily="34" charset="0"/>
             </a:endParaRPr>
           </a:p>
@@ -5970,93 +6094,10 @@
           </a:p>
         </p:txBody>
       </p:sp>
-      <p:pic>
-        <p:nvPicPr>
-          <p:cNvPr id="7" name="Picture 6" descr="A screenshot of a cell phone&#10;&#10;Description automatically generated">
-            <a:extLst>
-              <a:ext uri="{FF2B5EF4-FFF2-40B4-BE49-F238E27FC236}">
-                <a16:creationId xmlns:a16="http://schemas.microsoft.com/office/drawing/2014/main" id="{ED404A5E-A92F-40E3-803A-B7C744A38ED9}"/>
-              </a:ext>
-            </a:extLst>
-          </p:cNvPr>
-          <p:cNvPicPr>
-            <a:picLocks noChangeAspect="1"/>
-          </p:cNvPicPr>
-          <p:nvPr/>
-        </p:nvPicPr>
-        <p:blipFill>
-          <a:blip r:embed="rId5">
-            <a:extLst>
-              <a:ext uri="{28A0092B-C50C-407E-A947-70E740481C1C}">
-                <a14:useLocalDpi xmlns:a14="http://schemas.microsoft.com/office/drawing/2010/main" val="0"/>
-              </a:ext>
-            </a:extLst>
-          </a:blip>
-          <a:stretch>
-            <a:fillRect/>
-          </a:stretch>
-        </p:blipFill>
-        <p:spPr>
-          <a:xfrm>
-            <a:off x="1211998" y="2440640"/>
-            <a:ext cx="4911998" cy="4188125"/>
-          </a:xfrm>
-          <a:prstGeom prst="rect">
-            <a:avLst/>
-          </a:prstGeom>
-        </p:spPr>
-      </p:pic>
-      <p:sp>
-        <p:nvSpPr>
-          <p:cNvPr id="8" name="TextBox 7">
-            <a:extLst>
-              <a:ext uri="{FF2B5EF4-FFF2-40B4-BE49-F238E27FC236}">
-                <a16:creationId xmlns:a16="http://schemas.microsoft.com/office/drawing/2014/main" id="{2BF57D43-4A99-47D7-A02E-3A57D96B7B4F}"/>
-              </a:ext>
-            </a:extLst>
-          </p:cNvPr>
-          <p:cNvSpPr txBox="1"/>
-          <p:nvPr/>
-        </p:nvSpPr>
-        <p:spPr>
-          <a:xfrm>
-            <a:off x="6123996" y="5528278"/>
-            <a:ext cx="3825170" cy="1200329"/>
-          </a:xfrm>
-          <a:prstGeom prst="rect">
-            <a:avLst/>
-          </a:prstGeom>
-          <a:noFill/>
-        </p:spPr>
-        <p:txBody>
-          <a:bodyPr wrap="square" rtlCol="0">
-            <a:spAutoFit/>
-          </a:bodyPr>
-          <a:lstStyle/>
-          <a:p>
-            <a:r>
-              <a:rPr lang="en-US" dirty="0"/>
-              <a:t>Based on 2017 Annual Report </a:t>
-            </a:r>
-          </a:p>
-          <a:p>
-            <a:r>
-              <a:rPr lang="en-US" dirty="0"/>
-              <a:t>On US Trends in Team Sports </a:t>
-            </a:r>
-          </a:p>
-          <a:p>
-            <a:r>
-              <a:rPr lang="en-US" dirty="0"/>
-              <a:t>By Sports &amp; Fitness Industry Association (SFIA)</a:t>
-            </a:r>
-          </a:p>
-        </p:txBody>
-      </p:sp>
     </p:spTree>
     <p:extLst>
       <p:ext uri="{BB962C8B-B14F-4D97-AF65-F5344CB8AC3E}">
-        <p14:creationId xmlns:p14="http://schemas.microsoft.com/office/powerpoint/2010/main" val="567599230"/>
+        <p14:creationId xmlns:p14="http://schemas.microsoft.com/office/powerpoint/2010/main" val="540105019"/>
       </p:ext>
     </p:extLst>
   </p:cSld>
@@ -6209,8 +6250,8 @@
         </p:nvSpPr>
         <p:spPr>
           <a:xfrm>
-            <a:off x="838199" y="2021249"/>
-            <a:ext cx="7324166" cy="4581257"/>
+            <a:off x="838199" y="2021250"/>
+            <a:ext cx="6632943" cy="486626"/>
           </a:xfrm>
         </p:spPr>
         <p:txBody>
@@ -6223,129 +6264,12 @@
               <a:rPr lang="en-US" sz="2400" dirty="0">
                 <a:latin typeface="Selawik Semibold" panose="020B0702040204020203" pitchFamily="34" charset="0"/>
               </a:rPr>
-              <a:t>Growth in Team Sports (sisugaurd.com)</a:t>
-            </a:r>
-            <a:endParaRPr lang="en-US" sz="2000" dirty="0">
-              <a:latin typeface="Selawik Semibold" panose="020B0702040204020203" pitchFamily="34" charset="0"/>
-            </a:endParaRPr>
+              <a:t>Revenue in Sports Leagues (howmuch.net)</a:t>
+            </a:r>
           </a:p>
           <a:p>
             <a:pPr lvl="1"/>
             <a:endParaRPr lang="en-US" sz="2000" dirty="0">
-              <a:latin typeface="Selawik Semibold" panose="020B0702040204020203" pitchFamily="34" charset="0"/>
-            </a:endParaRPr>
-          </a:p>
-          <a:p>
-            <a:pPr lvl="1"/>
-            <a:r>
-              <a:rPr lang="en-US" sz="2000" dirty="0">
-                <a:latin typeface="Selawik Semibold" panose="020B0702040204020203" pitchFamily="34" charset="0"/>
-              </a:rPr>
-              <a:t>Increase of 10.9% Across All Sports (2014-2016)</a:t>
-            </a:r>
-          </a:p>
-          <a:p>
-            <a:pPr lvl="1"/>
-            <a:endParaRPr lang="en-US" sz="2000" dirty="0">
-              <a:latin typeface="Selawik Semibold" panose="020B0702040204020203" pitchFamily="34" charset="0"/>
-            </a:endParaRPr>
-          </a:p>
-          <a:p>
-            <a:pPr lvl="1"/>
-            <a:r>
-              <a:rPr lang="en-US" sz="2000" dirty="0">
-                <a:latin typeface="Selawik Semibold" panose="020B0702040204020203" pitchFamily="34" charset="0"/>
-              </a:rPr>
-              <a:t>Resilient Sports Based on Age of Participants</a:t>
-            </a:r>
-          </a:p>
-          <a:p>
-            <a:pPr lvl="2"/>
-            <a:r>
-              <a:rPr lang="en-US" sz="1600" dirty="0">
-                <a:latin typeface="Selawik Semibold" panose="020B0702040204020203" pitchFamily="34" charset="0"/>
-              </a:rPr>
-              <a:t>Soccer</a:t>
-            </a:r>
-          </a:p>
-          <a:p>
-            <a:pPr lvl="2"/>
-            <a:r>
-              <a:rPr lang="en-US" sz="1600" dirty="0">
-                <a:latin typeface="Selawik Semibold" panose="020B0702040204020203" pitchFamily="34" charset="0"/>
-              </a:rPr>
-              <a:t>Volleyball</a:t>
-            </a:r>
-          </a:p>
-          <a:p>
-            <a:pPr lvl="2"/>
-            <a:r>
-              <a:rPr lang="en-US" sz="1600" dirty="0">
-                <a:latin typeface="Selawik Semibold" panose="020B0702040204020203" pitchFamily="34" charset="0"/>
-              </a:rPr>
-              <a:t>Softball</a:t>
-            </a:r>
-          </a:p>
-          <a:p>
-            <a:pPr lvl="2"/>
-            <a:r>
-              <a:rPr lang="en-US" sz="1600" dirty="0">
-                <a:latin typeface="Selawik Semibold" panose="020B0702040204020203" pitchFamily="34" charset="0"/>
-              </a:rPr>
-              <a:t>Flag Football</a:t>
-            </a:r>
-          </a:p>
-          <a:p>
-            <a:pPr lvl="1"/>
-            <a:endParaRPr lang="en-US" sz="2000" dirty="0">
-              <a:latin typeface="Selawik Semibold" panose="020B0702040204020203" pitchFamily="34" charset="0"/>
-            </a:endParaRPr>
-          </a:p>
-          <a:p>
-            <a:pPr lvl="1"/>
-            <a:r>
-              <a:rPr lang="en-US" sz="2000" dirty="0">
-                <a:latin typeface="Selawik Semibold" panose="020B0702040204020203" pitchFamily="34" charset="0"/>
-              </a:rPr>
-              <a:t>Declining Sports Lost 9.3M Participants</a:t>
-            </a:r>
-          </a:p>
-          <a:p>
-            <a:pPr lvl="1"/>
-            <a:endParaRPr lang="en-US" sz="2000" dirty="0">
-              <a:latin typeface="Selawik Semibold" panose="020B0702040204020203" pitchFamily="34" charset="0"/>
-            </a:endParaRPr>
-          </a:p>
-          <a:p>
-            <a:pPr lvl="1"/>
-            <a:r>
-              <a:rPr lang="en-US" sz="2000" dirty="0">
-                <a:latin typeface="Selawik Semibold" panose="020B0702040204020203" pitchFamily="34" charset="0"/>
-              </a:rPr>
-              <a:t>Basketball Declined Most by 2.4M Participants</a:t>
-            </a:r>
-          </a:p>
-          <a:p>
-            <a:pPr lvl="2"/>
-            <a:endParaRPr lang="en-US" sz="1600" dirty="0">
-              <a:latin typeface="Selawik Semibold" panose="020B0702040204020203" pitchFamily="34" charset="0"/>
-            </a:endParaRPr>
-          </a:p>
-          <a:p>
-            <a:pPr lvl="2"/>
-            <a:endParaRPr lang="en-US" sz="1600" dirty="0">
-              <a:latin typeface="Selawik Semibold" panose="020B0702040204020203" pitchFamily="34" charset="0"/>
-            </a:endParaRPr>
-          </a:p>
-          <a:p>
-            <a:pPr lvl="2"/>
-            <a:endParaRPr lang="en-US" sz="1600" dirty="0">
-              <a:latin typeface="Selawik Semibold" panose="020B0702040204020203" pitchFamily="34" charset="0"/>
-            </a:endParaRPr>
-          </a:p>
-          <a:p>
-            <a:pPr lvl="2"/>
-            <a:endParaRPr lang="en-US" sz="1600" dirty="0">
               <a:latin typeface="Selawik Semibold" panose="020B0702040204020203" pitchFamily="34" charset="0"/>
             </a:endParaRPr>
           </a:p>
@@ -6691,10 +6615,46 @@
           </a:p>
         </p:txBody>
       </p:sp>
+      <p:pic>
+        <p:nvPicPr>
+          <p:cNvPr id="8" name="Picture 7" descr="A picture containing screenshot&#10;&#10;Description automatically generated">
+            <a:extLst>
+              <a:ext uri="{FF2B5EF4-FFF2-40B4-BE49-F238E27FC236}">
+                <a16:creationId xmlns:a16="http://schemas.microsoft.com/office/drawing/2014/main" id="{C7A60BA4-1F06-43FE-A8F3-A95243EAF4FE}"/>
+              </a:ext>
+            </a:extLst>
+          </p:cNvPr>
+          <p:cNvPicPr>
+            <a:picLocks noChangeAspect="1"/>
+          </p:cNvPicPr>
+          <p:nvPr/>
+        </p:nvPicPr>
+        <p:blipFill>
+          <a:blip r:embed="rId5">
+            <a:extLst>
+              <a:ext uri="{28A0092B-C50C-407E-A947-70E740481C1C}">
+                <a14:useLocalDpi xmlns:a14="http://schemas.microsoft.com/office/drawing/2010/main" val="0"/>
+              </a:ext>
+            </a:extLst>
+          </a:blip>
+          <a:stretch>
+            <a:fillRect/>
+          </a:stretch>
+        </p:blipFill>
+        <p:spPr>
+          <a:xfrm>
+            <a:off x="1176669" y="2450847"/>
+            <a:ext cx="6506282" cy="4042028"/>
+          </a:xfrm>
+          <a:prstGeom prst="rect">
+            <a:avLst/>
+          </a:prstGeom>
+        </p:spPr>
+      </p:pic>
     </p:spTree>
     <p:extLst>
       <p:ext uri="{BB962C8B-B14F-4D97-AF65-F5344CB8AC3E}">
-        <p14:creationId xmlns:p14="http://schemas.microsoft.com/office/powerpoint/2010/main" val="149536260"/>
+        <p14:creationId xmlns:p14="http://schemas.microsoft.com/office/powerpoint/2010/main" val="4260432087"/>
       </p:ext>
     </p:extLst>
   </p:cSld>
@@ -6824,7 +6784,7 @@
               <a:rPr lang="en-US" b="1" dirty="0">
                 <a:latin typeface="Selawik Semibold" panose="020B0604020202020204" pitchFamily="34" charset="0"/>
               </a:rPr>
-              <a:t>Dope Quote</a:t>
+              <a:t>Current Landscape of Sports</a:t>
             </a:r>
           </a:p>
         </p:txBody>
@@ -6847,134 +6807,142 @@
         </p:nvSpPr>
         <p:spPr>
           <a:xfrm>
-            <a:off x="838198" y="2021249"/>
-            <a:ext cx="7425020" cy="4581257"/>
+            <a:off x="838199" y="2021249"/>
+            <a:ext cx="7324166" cy="4581257"/>
           </a:xfrm>
         </p:spPr>
         <p:txBody>
           <a:bodyPr>
-            <a:normAutofit fontScale="92500" lnSpcReduction="10000"/>
+            <a:normAutofit/>
           </a:bodyPr>
           <a:lstStyle/>
           <a:p>
-            <a:pPr marL="0" indent="0">
-              <a:buNone/>
-            </a:pPr>
-            <a:r>
-              <a:rPr lang="en-US" dirty="0">
+            <a:r>
+              <a:rPr lang="en-US" sz="2400" dirty="0">
                 <a:latin typeface="Selawik Semibold" panose="020B0702040204020203" pitchFamily="34" charset="0"/>
               </a:rPr>
-              <a:t>The most meaningful way to</a:t>
-            </a:r>
-          </a:p>
-          <a:p>
-            <a:pPr marL="0" indent="0">
-              <a:buNone/>
-            </a:pPr>
-            <a:r>
-              <a:rPr lang="en-US" dirty="0">
+              <a:t>Revenue in Sports Leagues (howmuch.net)</a:t>
+            </a:r>
+          </a:p>
+          <a:p>
+            <a:pPr lvl="1"/>
+            <a:endParaRPr lang="en-US" sz="2000" dirty="0">
+              <a:latin typeface="Selawik Semibold" panose="020B0702040204020203" pitchFamily="34" charset="0"/>
+            </a:endParaRPr>
+          </a:p>
+          <a:p>
+            <a:pPr lvl="1"/>
+            <a:r>
+              <a:rPr lang="en-US" sz="2000" dirty="0">
                 <a:latin typeface="Selawik Semibold" panose="020B0702040204020203" pitchFamily="34" charset="0"/>
               </a:rPr>
-              <a:t>differentiate your company from your</a:t>
-            </a:r>
-          </a:p>
-          <a:p>
-            <a:pPr marL="0" indent="0">
-              <a:buNone/>
-            </a:pPr>
-            <a:r>
-              <a:rPr lang="en-US" dirty="0">
+              <a:t>Majority Soccer Leagues (14/20)</a:t>
+            </a:r>
+          </a:p>
+          <a:p>
+            <a:pPr lvl="1"/>
+            <a:endParaRPr lang="en-US" sz="2000" dirty="0">
+              <a:latin typeface="Selawik Semibold" panose="020B0702040204020203" pitchFamily="34" charset="0"/>
+            </a:endParaRPr>
+          </a:p>
+          <a:p>
+            <a:pPr lvl="1"/>
+            <a:r>
+              <a:rPr lang="en-US" sz="2000" dirty="0">
                 <a:latin typeface="Selawik Semibold" panose="020B0702040204020203" pitchFamily="34" charset="0"/>
               </a:rPr>
-              <a:t>competitors, the best way to put distance</a:t>
-            </a:r>
-          </a:p>
-          <a:p>
-            <a:pPr marL="0" indent="0">
-              <a:buNone/>
-            </a:pPr>
-            <a:r>
-              <a:rPr lang="en-US" dirty="0">
+              <a:t>Combined Soccer Leagues Revenue = $19.4B</a:t>
+            </a:r>
+          </a:p>
+          <a:p>
+            <a:pPr lvl="1"/>
+            <a:endParaRPr lang="en-US" sz="2000" dirty="0">
+              <a:latin typeface="Selawik Semibold" panose="020B0702040204020203" pitchFamily="34" charset="0"/>
+            </a:endParaRPr>
+          </a:p>
+          <a:p>
+            <a:pPr lvl="1"/>
+            <a:r>
+              <a:rPr lang="en-US" sz="2000" dirty="0">
                 <a:latin typeface="Selawik Semibold" panose="020B0702040204020203" pitchFamily="34" charset="0"/>
               </a:rPr>
-              <a:t>between you and the crowd is to do an</a:t>
-            </a:r>
-          </a:p>
-          <a:p>
-            <a:pPr marL="0" indent="0">
-              <a:buNone/>
-            </a:pPr>
-            <a:r>
-              <a:rPr lang="en-US" dirty="0">
+              <a:t>MLS is 18</a:t>
+            </a:r>
+            <a:r>
+              <a:rPr lang="en-US" sz="2000" baseline="30000" dirty="0">
                 <a:latin typeface="Selawik Semibold" panose="020B0702040204020203" pitchFamily="34" charset="0"/>
               </a:rPr>
-              <a:t>outstanding job with information. </a:t>
-            </a:r>
-          </a:p>
-          <a:p>
-            <a:pPr marL="0" indent="0">
-              <a:buNone/>
-            </a:pPr>
-            <a:endParaRPr lang="en-US" dirty="0">
+              <a:t>th</a:t>
+            </a:r>
+            <a:r>
+              <a:rPr lang="en-US" sz="2000" dirty="0">
+                <a:latin typeface="Selawik Semibold" panose="020B0702040204020203" pitchFamily="34" charset="0"/>
+              </a:rPr>
+              <a:t> on the List = $461M</a:t>
+            </a:r>
+            <a:br>
+              <a:rPr lang="en-US" sz="2000" dirty="0">
+                <a:latin typeface="Selawik Semibold" panose="020B0702040204020203" pitchFamily="34" charset="0"/>
+              </a:rPr>
+            </a:br>
+            <a:endParaRPr lang="en-US" sz="2000" dirty="0">
               <a:latin typeface="Selawik Semibold" panose="020B0702040204020203" pitchFamily="34" charset="0"/>
             </a:endParaRPr>
           </a:p>
           <a:p>
-            <a:pPr marL="0" indent="0">
-              <a:buNone/>
-            </a:pPr>
-            <a:r>
-              <a:rPr lang="en-US" dirty="0">
+            <a:pPr lvl="1"/>
+            <a:r>
+              <a:rPr lang="en-US" sz="2000" dirty="0">
                 <a:latin typeface="Selawik Semibold" panose="020B0702040204020203" pitchFamily="34" charset="0"/>
               </a:rPr>
-              <a:t>How you gather, manage, and use information</a:t>
-            </a:r>
-          </a:p>
-          <a:p>
-            <a:pPr marL="0" indent="0">
-              <a:buNone/>
-            </a:pPr>
-            <a:r>
-              <a:rPr lang="en-US" dirty="0">
+              <a:t>4 out of top 5 are US/Canadian Leagues</a:t>
+            </a:r>
+          </a:p>
+          <a:p>
+            <a:pPr lvl="1"/>
+            <a:endParaRPr lang="en-US" sz="2000" dirty="0">
+              <a:latin typeface="Selawik Semibold" panose="020B0702040204020203" pitchFamily="34" charset="0"/>
+            </a:endParaRPr>
+          </a:p>
+          <a:p>
+            <a:pPr lvl="1"/>
+            <a:r>
+              <a:rPr lang="en-US" sz="2000" dirty="0">
                 <a:latin typeface="Selawik Semibold" panose="020B0702040204020203" pitchFamily="34" charset="0"/>
               </a:rPr>
-              <a:t>will determine whether you win or lose.</a:t>
-            </a:r>
-          </a:p>
-          <a:p>
-            <a:pPr marL="0" indent="0">
-              <a:buNone/>
-            </a:pPr>
-            <a:endParaRPr lang="en-US" dirty="0">
+              <a:t>NFL, MLB, NBA, NHL = $31</a:t>
+            </a:r>
+          </a:p>
+          <a:p>
+            <a:pPr lvl="1"/>
+            <a:endParaRPr lang="en-US" sz="2000" dirty="0">
               <a:latin typeface="Selawik Semibold" panose="020B0702040204020203" pitchFamily="34" charset="0"/>
             </a:endParaRPr>
           </a:p>
           <a:p>
-            <a:pPr marL="0" indent="0">
-              <a:buNone/>
-            </a:pPr>
-            <a:r>
-              <a:rPr lang="en-US" dirty="0">
+            <a:pPr lvl="1"/>
+            <a:r>
+              <a:rPr lang="en-US" sz="2000" dirty="0">
                 <a:latin typeface="Selawik Semibold" panose="020B0702040204020203" pitchFamily="34" charset="0"/>
               </a:rPr>
-              <a:t>- Bill Gates</a:t>
-            </a:r>
-          </a:p>
-          <a:p>
-            <a:pPr lvl="2"/>
-            <a:endParaRPr lang="en-US" sz="1600" dirty="0">
+              <a:t>US Diverse Interests = Spans 5 Different Sports</a:t>
+            </a:r>
+          </a:p>
+          <a:p>
+            <a:pPr lvl="1"/>
+            <a:endParaRPr lang="en-US" sz="2000" dirty="0">
               <a:latin typeface="Selawik Semibold" panose="020B0702040204020203" pitchFamily="34" charset="0"/>
             </a:endParaRPr>
           </a:p>
           <a:p>
-            <a:pPr lvl="2"/>
-            <a:endParaRPr lang="en-US" sz="1600" dirty="0">
+            <a:pPr lvl="1"/>
+            <a:endParaRPr lang="en-US" sz="2000" dirty="0">
               <a:latin typeface="Selawik Semibold" panose="020B0702040204020203" pitchFamily="34" charset="0"/>
             </a:endParaRPr>
           </a:p>
           <a:p>
-            <a:pPr lvl="2"/>
-            <a:endParaRPr lang="en-US" sz="1600" dirty="0">
+            <a:pPr lvl="1"/>
+            <a:endParaRPr lang="en-US" sz="2000" dirty="0">
               <a:latin typeface="Selawik Semibold" panose="020B0702040204020203" pitchFamily="34" charset="0"/>
             </a:endParaRPr>
           </a:p>
@@ -7323,7 +7291,7 @@
     </p:spTree>
     <p:extLst>
       <p:ext uri="{BB962C8B-B14F-4D97-AF65-F5344CB8AC3E}">
-        <p14:creationId xmlns:p14="http://schemas.microsoft.com/office/powerpoint/2010/main" val="289489808"/>
+        <p14:creationId xmlns:p14="http://schemas.microsoft.com/office/powerpoint/2010/main" val="80295406"/>
       </p:ext>
     </p:extLst>
   </p:cSld>
@@ -7453,7 +7421,7 @@
               <a:rPr lang="en-US" b="1" dirty="0">
                 <a:latin typeface="Selawik Semibold" panose="020B0604020202020204" pitchFamily="34" charset="0"/>
               </a:rPr>
-              <a:t>What is Sports Analytics?</a:t>
+              <a:t>Current Landscape of Sports</a:t>
             </a:r>
           </a:p>
         </p:txBody>
@@ -7490,59 +7458,8 @@
               <a:rPr lang="en-US" sz="2400" dirty="0">
                 <a:latin typeface="Selawik Semibold" panose="020B0702040204020203" pitchFamily="34" charset="0"/>
               </a:rPr>
-              <a:t>Defined by Ben </a:t>
-            </a:r>
-            <a:r>
-              <a:rPr lang="en-US" sz="2400" dirty="0" err="1">
-                <a:latin typeface="Selawik Semibold" panose="020B0702040204020203" pitchFamily="34" charset="0"/>
-              </a:rPr>
-              <a:t>Alamar</a:t>
-            </a:r>
-            <a:endParaRPr lang="en-US" sz="2000" dirty="0">
-              <a:latin typeface="Selawik Semibold" panose="020B0702040204020203" pitchFamily="34" charset="0"/>
-            </a:endParaRPr>
-          </a:p>
-          <a:p>
-            <a:pPr lvl="1"/>
-            <a:r>
-              <a:rPr lang="en-US" sz="2000" dirty="0">
-                <a:latin typeface="Selawik Semibold" panose="020B0702040204020203" pitchFamily="34" charset="0"/>
-              </a:rPr>
-              <a:t>Data Management</a:t>
-            </a:r>
-          </a:p>
-          <a:p>
-            <a:pPr lvl="1"/>
-            <a:r>
-              <a:rPr lang="en-US" sz="2000" dirty="0">
-                <a:latin typeface="Selawik Semibold" panose="020B0702040204020203" pitchFamily="34" charset="0"/>
-              </a:rPr>
-              <a:t>Predictive Models</a:t>
-            </a:r>
-          </a:p>
-          <a:p>
-            <a:pPr lvl="1"/>
-            <a:r>
-              <a:rPr lang="en-US" sz="2000" dirty="0">
-                <a:latin typeface="Selawik Semibold" panose="020B0702040204020203" pitchFamily="34" charset="0"/>
-              </a:rPr>
-              <a:t>Information Systems</a:t>
-            </a:r>
-          </a:p>
-          <a:p>
-            <a:pPr lvl="1"/>
-            <a:endParaRPr lang="en-US" sz="2000" dirty="0">
-              <a:latin typeface="Selawik Semibold" panose="020B0702040204020203" pitchFamily="34" charset="0"/>
-            </a:endParaRPr>
-          </a:p>
-          <a:p>
-            <a:pPr lvl="1"/>
-            <a:endParaRPr lang="en-US" sz="2000" dirty="0">
-              <a:latin typeface="Selawik Semibold" panose="020B0702040204020203" pitchFamily="34" charset="0"/>
-            </a:endParaRPr>
-          </a:p>
-          <a:p>
-            <a:pPr lvl="1"/>
+              <a:t>Growth in Team Sports (sisugaurd.com)</a:t>
+            </a:r>
             <a:endParaRPr lang="en-US" sz="2000" dirty="0">
               <a:latin typeface="Selawik Semibold" panose="020B0702040204020203" pitchFamily="34" charset="0"/>
             </a:endParaRPr>
@@ -7901,168 +7818,12 @@
           </a:p>
         </p:txBody>
       </p:sp>
-      <p:sp>
-        <p:nvSpPr>
-          <p:cNvPr id="7" name="TextBox 6">
-            <a:extLst>
-              <a:ext uri="{FF2B5EF4-FFF2-40B4-BE49-F238E27FC236}">
-                <a16:creationId xmlns:a16="http://schemas.microsoft.com/office/drawing/2014/main" id="{122E552F-CD5E-4928-A884-3509AF0AAD36}"/>
-              </a:ext>
-            </a:extLst>
-          </p:cNvPr>
-          <p:cNvSpPr txBox="1"/>
-          <p:nvPr/>
-        </p:nvSpPr>
-        <p:spPr>
-          <a:xfrm>
-            <a:off x="365718" y="3783182"/>
-            <a:ext cx="2205318" cy="954107"/>
-          </a:xfrm>
-          <a:prstGeom prst="rect">
-            <a:avLst/>
-          </a:prstGeom>
-        </p:spPr>
-        <p:style>
-          <a:lnRef idx="1">
-            <a:schemeClr val="dk1"/>
-          </a:lnRef>
-          <a:fillRef idx="3">
-            <a:schemeClr val="dk1"/>
-          </a:fillRef>
-          <a:effectRef idx="2">
-            <a:schemeClr val="dk1"/>
-          </a:effectRef>
-          <a:fontRef idx="minor">
-            <a:schemeClr val="lt1"/>
-          </a:fontRef>
-        </p:style>
-        <p:txBody>
-          <a:bodyPr wrap="square" rtlCol="0">
-            <a:spAutoFit/>
-          </a:bodyPr>
-          <a:lstStyle/>
-          <a:p>
-            <a:r>
-              <a:rPr lang="en-US" sz="2800" dirty="0"/>
-              <a:t>Data </a:t>
-            </a:r>
-          </a:p>
-          <a:p>
-            <a:r>
-              <a:rPr lang="en-US" sz="2800" dirty="0"/>
-              <a:t>Management</a:t>
-            </a:r>
-          </a:p>
-        </p:txBody>
-      </p:sp>
-      <p:sp>
-        <p:nvSpPr>
-          <p:cNvPr id="12" name="TextBox 11">
-            <a:extLst>
-              <a:ext uri="{FF2B5EF4-FFF2-40B4-BE49-F238E27FC236}">
-                <a16:creationId xmlns:a16="http://schemas.microsoft.com/office/drawing/2014/main" id="{26DA0C6F-C9E0-47D4-9FC9-FCD1D65D2721}"/>
-              </a:ext>
-            </a:extLst>
-          </p:cNvPr>
-          <p:cNvSpPr txBox="1"/>
-          <p:nvPr/>
-        </p:nvSpPr>
-        <p:spPr>
-          <a:xfrm>
-            <a:off x="353916" y="5407416"/>
-            <a:ext cx="2205318" cy="954107"/>
-          </a:xfrm>
-          <a:prstGeom prst="rect">
-            <a:avLst/>
-          </a:prstGeom>
-        </p:spPr>
-        <p:style>
-          <a:lnRef idx="1">
-            <a:schemeClr val="dk1"/>
-          </a:lnRef>
-          <a:fillRef idx="3">
-            <a:schemeClr val="dk1"/>
-          </a:fillRef>
-          <a:effectRef idx="2">
-            <a:schemeClr val="dk1"/>
-          </a:effectRef>
-          <a:fontRef idx="minor">
-            <a:schemeClr val="lt1"/>
-          </a:fontRef>
-        </p:style>
-        <p:txBody>
-          <a:bodyPr wrap="square" rtlCol="0">
-            <a:spAutoFit/>
-          </a:bodyPr>
-          <a:lstStyle/>
-          <a:p>
-            <a:r>
-              <a:rPr lang="en-US" sz="2800" dirty="0"/>
-              <a:t>Analytic Models</a:t>
-            </a:r>
-          </a:p>
-        </p:txBody>
-      </p:sp>
-      <p:sp>
-        <p:nvSpPr>
-          <p:cNvPr id="13" name="TextBox 12">
-            <a:extLst>
-              <a:ext uri="{FF2B5EF4-FFF2-40B4-BE49-F238E27FC236}">
-                <a16:creationId xmlns:a16="http://schemas.microsoft.com/office/drawing/2014/main" id="{992BD579-13F5-48CC-B1C8-16F0934F3B44}"/>
-              </a:ext>
-            </a:extLst>
-          </p:cNvPr>
-          <p:cNvSpPr txBox="1"/>
-          <p:nvPr/>
-        </p:nvSpPr>
-        <p:spPr>
-          <a:xfrm>
-            <a:off x="3225728" y="4163036"/>
-            <a:ext cx="1907548" cy="954107"/>
-          </a:xfrm>
-          <a:prstGeom prst="rect">
-            <a:avLst/>
-          </a:prstGeom>
-        </p:spPr>
-        <p:style>
-          <a:lnRef idx="1">
-            <a:schemeClr val="dk1"/>
-          </a:lnRef>
-          <a:fillRef idx="3">
-            <a:schemeClr val="dk1"/>
-          </a:fillRef>
-          <a:effectRef idx="2">
-            <a:schemeClr val="dk1"/>
-          </a:effectRef>
-          <a:fontRef idx="minor">
-            <a:schemeClr val="lt1"/>
-          </a:fontRef>
-        </p:style>
-        <p:txBody>
-          <a:bodyPr wrap="square" rtlCol="0">
-            <a:spAutoFit/>
-          </a:bodyPr>
-          <a:lstStyle/>
-          <a:p>
-            <a:r>
-              <a:rPr lang="en-US" sz="2800" dirty="0"/>
-              <a:t>Information</a:t>
-            </a:r>
-          </a:p>
-          <a:p>
-            <a:r>
-              <a:rPr lang="en-US" sz="2800" dirty="0"/>
-              <a:t>Systems</a:t>
-            </a:r>
-          </a:p>
-        </p:txBody>
-      </p:sp>
       <p:pic>
         <p:nvPicPr>
-          <p:cNvPr id="10" name="Picture 9" descr="Decision Maker">
-            <a:extLst>
-              <a:ext uri="{FF2B5EF4-FFF2-40B4-BE49-F238E27FC236}">
-                <a16:creationId xmlns:a16="http://schemas.microsoft.com/office/drawing/2014/main" id="{2911B196-1EA3-4ECD-850B-F7838FAD07BC}"/>
+          <p:cNvPr id="7" name="Picture 6" descr="A screenshot of a cell phone&#10;&#10;Description automatically generated">
+            <a:extLst>
+              <a:ext uri="{FF2B5EF4-FFF2-40B4-BE49-F238E27FC236}">
+                <a16:creationId xmlns:a16="http://schemas.microsoft.com/office/drawing/2014/main" id="{ED404A5E-A92F-40E3-803A-B7C744A38ED9}"/>
               </a:ext>
             </a:extLst>
           </p:cNvPr>
@@ -8085,38 +7846,20 @@
         </p:blipFill>
         <p:spPr>
           <a:xfrm>
-            <a:off x="5787968" y="4375030"/>
-            <a:ext cx="2538848" cy="1516803"/>
+            <a:off x="1211998" y="2440640"/>
+            <a:ext cx="4911998" cy="4188125"/>
           </a:xfrm>
           <a:prstGeom prst="rect">
             <a:avLst/>
           </a:prstGeom>
-          <a:solidFill>
-            <a:srgbClr val="000000">
-              <a:shade val="95000"/>
-            </a:srgbClr>
-          </a:solidFill>
-          <a:ln w="28575" cap="sq">
-            <a:solidFill>
-              <a:srgbClr val="000000"/>
-            </a:solidFill>
-            <a:miter lim="800000"/>
-          </a:ln>
-          <a:effectLst>
-            <a:outerShdw blurRad="254000" dist="190500" dir="2700000" sy="90000" algn="bl" rotWithShape="0">
-              <a:srgbClr val="000000">
-                <a:alpha val="40000"/>
-              </a:srgbClr>
-            </a:outerShdw>
-          </a:effectLst>
         </p:spPr>
       </p:pic>
       <p:sp>
         <p:nvSpPr>
-          <p:cNvPr id="17" name="TextBox 16">
-            <a:extLst>
-              <a:ext uri="{FF2B5EF4-FFF2-40B4-BE49-F238E27FC236}">
-                <a16:creationId xmlns:a16="http://schemas.microsoft.com/office/drawing/2014/main" id="{50914ED0-975E-41B2-86EC-5995292303DF}"/>
+          <p:cNvPr id="8" name="TextBox 7">
+            <a:extLst>
+              <a:ext uri="{FF2B5EF4-FFF2-40B4-BE49-F238E27FC236}">
+                <a16:creationId xmlns:a16="http://schemas.microsoft.com/office/drawing/2014/main" id="{2BF57D43-4A99-47D7-A02E-3A57D96B7B4F}"/>
               </a:ext>
             </a:extLst>
           </p:cNvPr>
@@ -8125,27 +7868,14 @@
         </p:nvSpPr>
         <p:spPr>
           <a:xfrm>
-            <a:off x="5848506" y="5977904"/>
-            <a:ext cx="2421642" cy="523220"/>
+            <a:off x="6123996" y="5528278"/>
+            <a:ext cx="3825170" cy="1200329"/>
           </a:xfrm>
           <a:prstGeom prst="rect">
             <a:avLst/>
           </a:prstGeom>
-        </p:spPr>
-        <p:style>
-          <a:lnRef idx="1">
-            <a:schemeClr val="dk1"/>
-          </a:lnRef>
-          <a:fillRef idx="3">
-            <a:schemeClr val="dk1"/>
-          </a:fillRef>
-          <a:effectRef idx="2">
-            <a:schemeClr val="dk1"/>
-          </a:effectRef>
-          <a:fontRef idx="minor">
-            <a:schemeClr val="lt1"/>
-          </a:fontRef>
-        </p:style>
+          <a:noFill/>
+        </p:spPr>
         <p:txBody>
           <a:bodyPr wrap="square" rtlCol="0">
             <a:spAutoFit/>
@@ -8153,293 +7883,28 @@
           <a:lstStyle/>
           <a:p>
             <a:r>
-              <a:rPr lang="en-US" sz="2800" dirty="0"/>
-              <a:t>Decision Maker</a:t>
-            </a:r>
-          </a:p>
-        </p:txBody>
-      </p:sp>
-      <p:sp>
-        <p:nvSpPr>
-          <p:cNvPr id="18" name="Arrow: Right 17">
-            <a:extLst>
-              <a:ext uri="{FF2B5EF4-FFF2-40B4-BE49-F238E27FC236}">
-                <a16:creationId xmlns:a16="http://schemas.microsoft.com/office/drawing/2014/main" id="{034BACA9-7E25-4051-A7E8-D2B4C2C0145B}"/>
-              </a:ext>
-            </a:extLst>
-          </p:cNvPr>
-          <p:cNvSpPr/>
-          <p:nvPr/>
-        </p:nvSpPr>
-        <p:spPr>
-          <a:xfrm rot="5400000">
-            <a:off x="1139801" y="4911200"/>
-            <a:ext cx="497541" cy="318768"/>
-          </a:xfrm>
-          <a:prstGeom prst="rightArrow">
-            <a:avLst/>
-          </a:prstGeom>
-        </p:spPr>
-        <p:style>
-          <a:lnRef idx="2">
-            <a:schemeClr val="dk1">
-              <a:shade val="50000"/>
-            </a:schemeClr>
-          </a:lnRef>
-          <a:fillRef idx="1">
-            <a:schemeClr val="dk1"/>
-          </a:fillRef>
-          <a:effectRef idx="0">
-            <a:schemeClr val="dk1"/>
-          </a:effectRef>
-          <a:fontRef idx="minor">
-            <a:schemeClr val="lt1"/>
-          </a:fontRef>
-        </p:style>
-        <p:txBody>
-          <a:bodyPr rtlCol="0" anchor="ctr"/>
-          <a:lstStyle/>
-          <a:p>
-            <a:pPr algn="ctr"/>
-            <a:endParaRPr lang="en-US"/>
-          </a:p>
-        </p:txBody>
-      </p:sp>
-      <p:sp>
-        <p:nvSpPr>
-          <p:cNvPr id="20" name="Arrow: Right 19">
-            <a:extLst>
-              <a:ext uri="{FF2B5EF4-FFF2-40B4-BE49-F238E27FC236}">
-                <a16:creationId xmlns:a16="http://schemas.microsoft.com/office/drawing/2014/main" id="{8BA0E7CA-81EF-4647-8038-D30905E3C7C9}"/>
-              </a:ext>
-            </a:extLst>
-          </p:cNvPr>
-          <p:cNvSpPr/>
-          <p:nvPr/>
-        </p:nvSpPr>
-        <p:spPr>
-          <a:xfrm>
-            <a:off x="2660863" y="4375030"/>
-            <a:ext cx="497541" cy="318768"/>
-          </a:xfrm>
-          <a:prstGeom prst="rightArrow">
-            <a:avLst/>
-          </a:prstGeom>
-        </p:spPr>
-        <p:style>
-          <a:lnRef idx="2">
-            <a:schemeClr val="dk1">
-              <a:shade val="50000"/>
-            </a:schemeClr>
-          </a:lnRef>
-          <a:fillRef idx="1">
-            <a:schemeClr val="dk1"/>
-          </a:fillRef>
-          <a:effectRef idx="0">
-            <a:schemeClr val="dk1"/>
-          </a:effectRef>
-          <a:fontRef idx="minor">
-            <a:schemeClr val="lt1"/>
-          </a:fontRef>
-        </p:style>
-        <p:txBody>
-          <a:bodyPr rtlCol="0" anchor="ctr"/>
-          <a:lstStyle/>
-          <a:p>
-            <a:pPr algn="ctr"/>
-            <a:endParaRPr lang="en-US"/>
-          </a:p>
-        </p:txBody>
-      </p:sp>
-      <p:sp>
-        <p:nvSpPr>
-          <p:cNvPr id="21" name="Arrow: Right 20">
-            <a:extLst>
-              <a:ext uri="{FF2B5EF4-FFF2-40B4-BE49-F238E27FC236}">
-                <a16:creationId xmlns:a16="http://schemas.microsoft.com/office/drawing/2014/main" id="{56068537-B0AA-411A-BA6C-AF1101648815}"/>
-              </a:ext>
-            </a:extLst>
-          </p:cNvPr>
-          <p:cNvSpPr/>
-          <p:nvPr/>
-        </p:nvSpPr>
-        <p:spPr>
-          <a:xfrm rot="20363812">
-            <a:off x="2589987" y="5114621"/>
-            <a:ext cx="574536" cy="318768"/>
-          </a:xfrm>
-          <a:prstGeom prst="rightArrow">
-            <a:avLst/>
-          </a:prstGeom>
-        </p:spPr>
-        <p:style>
-          <a:lnRef idx="2">
-            <a:schemeClr val="dk1">
-              <a:shade val="50000"/>
-            </a:schemeClr>
-          </a:lnRef>
-          <a:fillRef idx="1">
-            <a:schemeClr val="dk1"/>
-          </a:fillRef>
-          <a:effectRef idx="0">
-            <a:schemeClr val="dk1"/>
-          </a:effectRef>
-          <a:fontRef idx="minor">
-            <a:schemeClr val="lt1"/>
-          </a:fontRef>
-        </p:style>
-        <p:txBody>
-          <a:bodyPr rtlCol="0" anchor="ctr"/>
-          <a:lstStyle/>
-          <a:p>
-            <a:pPr algn="ctr"/>
-            <a:endParaRPr lang="en-US"/>
-          </a:p>
-        </p:txBody>
-      </p:sp>
-      <p:sp>
-        <p:nvSpPr>
-          <p:cNvPr id="22" name="Arrow: Right 21">
-            <a:extLst>
-              <a:ext uri="{FF2B5EF4-FFF2-40B4-BE49-F238E27FC236}">
-                <a16:creationId xmlns:a16="http://schemas.microsoft.com/office/drawing/2014/main" id="{D65390E2-9ECB-47DE-9675-CB5E939AB195}"/>
-              </a:ext>
-            </a:extLst>
-          </p:cNvPr>
-          <p:cNvSpPr/>
-          <p:nvPr/>
-        </p:nvSpPr>
-        <p:spPr>
-          <a:xfrm>
-            <a:off x="2655762" y="5786866"/>
-            <a:ext cx="2965922" cy="318768"/>
-          </a:xfrm>
-          <a:prstGeom prst="rightArrow">
-            <a:avLst/>
-          </a:prstGeom>
-        </p:spPr>
-        <p:style>
-          <a:lnRef idx="2">
-            <a:schemeClr val="dk1">
-              <a:shade val="50000"/>
-            </a:schemeClr>
-          </a:lnRef>
-          <a:fillRef idx="1">
-            <a:schemeClr val="dk1"/>
-          </a:fillRef>
-          <a:effectRef idx="0">
-            <a:schemeClr val="dk1"/>
-          </a:effectRef>
-          <a:fontRef idx="minor">
-            <a:schemeClr val="lt1"/>
-          </a:fontRef>
-        </p:style>
-        <p:txBody>
-          <a:bodyPr rtlCol="0" anchor="ctr"/>
-          <a:lstStyle/>
-          <a:p>
-            <a:pPr algn="ctr"/>
-            <a:endParaRPr lang="en-US"/>
-          </a:p>
-        </p:txBody>
-      </p:sp>
-      <p:sp>
-        <p:nvSpPr>
-          <p:cNvPr id="23" name="Arrow: Right 22">
-            <a:extLst>
-              <a:ext uri="{FF2B5EF4-FFF2-40B4-BE49-F238E27FC236}">
-                <a16:creationId xmlns:a16="http://schemas.microsoft.com/office/drawing/2014/main" id="{C46C3C4B-3AA7-4E8E-8FCB-77B719504DD8}"/>
-              </a:ext>
-            </a:extLst>
-          </p:cNvPr>
-          <p:cNvSpPr/>
-          <p:nvPr/>
-        </p:nvSpPr>
-        <p:spPr>
-          <a:xfrm>
-            <a:off x="5214009" y="4695767"/>
-            <a:ext cx="497541" cy="318768"/>
-          </a:xfrm>
-          <a:prstGeom prst="rightArrow">
-            <a:avLst/>
-          </a:prstGeom>
-        </p:spPr>
-        <p:style>
-          <a:lnRef idx="2">
-            <a:schemeClr val="dk1">
-              <a:shade val="50000"/>
-            </a:schemeClr>
-          </a:lnRef>
-          <a:fillRef idx="1">
-            <a:schemeClr val="dk1"/>
-          </a:fillRef>
-          <a:effectRef idx="0">
-            <a:schemeClr val="dk1"/>
-          </a:effectRef>
-          <a:fontRef idx="minor">
-            <a:schemeClr val="lt1"/>
-          </a:fontRef>
-        </p:style>
-        <p:txBody>
-          <a:bodyPr rtlCol="0" anchor="ctr"/>
-          <a:lstStyle/>
-          <a:p>
-            <a:pPr algn="ctr"/>
-            <a:endParaRPr lang="en-US"/>
-          </a:p>
-        </p:txBody>
-      </p:sp>
-      <p:sp>
-        <p:nvSpPr>
-          <p:cNvPr id="19" name="Rectangle 18">
-            <a:extLst>
-              <a:ext uri="{FF2B5EF4-FFF2-40B4-BE49-F238E27FC236}">
-                <a16:creationId xmlns:a16="http://schemas.microsoft.com/office/drawing/2014/main" id="{0F2662DF-6B81-4BCB-BE84-0E68709D2B8F}"/>
-              </a:ext>
-            </a:extLst>
-          </p:cNvPr>
-          <p:cNvSpPr/>
-          <p:nvPr/>
-        </p:nvSpPr>
-        <p:spPr>
-          <a:xfrm>
-            <a:off x="260181" y="6334719"/>
-            <a:ext cx="4017387" cy="369332"/>
-          </a:xfrm>
-          <a:prstGeom prst="rect">
-            <a:avLst/>
-          </a:prstGeom>
-        </p:spPr>
-        <p:txBody>
-          <a:bodyPr wrap="square">
-            <a:spAutoFit/>
-          </a:bodyPr>
-          <a:lstStyle/>
-          <a:p>
-            <a:r>
               <a:rPr lang="en-US" dirty="0"/>
-              <a:t>Based on </a:t>
-            </a:r>
-            <a:r>
-              <a:rPr lang="en-US" i="1" dirty="0"/>
-              <a:t>Sports Analytics</a:t>
-            </a:r>
+              <a:t>Based on 2017 Annual Report </a:t>
+            </a:r>
+          </a:p>
+          <a:p>
             <a:r>
               <a:rPr lang="en-US" dirty="0"/>
-              <a:t> by Ben </a:t>
-            </a:r>
-            <a:r>
-              <a:rPr lang="en-US" dirty="0" err="1"/>
-              <a:t>Alamar</a:t>
-            </a:r>
-            <a:endParaRPr lang="en-US" dirty="0"/>
+              <a:t>On US Trends in Team Sports </a:t>
+            </a:r>
+          </a:p>
+          <a:p>
+            <a:r>
+              <a:rPr lang="en-US" dirty="0"/>
+              <a:t>By Sports &amp; Fitness Industry Association (SFIA)</a:t>
+            </a:r>
           </a:p>
         </p:txBody>
       </p:sp>
     </p:spTree>
     <p:extLst>
       <p:ext uri="{BB962C8B-B14F-4D97-AF65-F5344CB8AC3E}">
-        <p14:creationId xmlns:p14="http://schemas.microsoft.com/office/powerpoint/2010/main" val="4266006054"/>
+        <p14:creationId xmlns:p14="http://schemas.microsoft.com/office/powerpoint/2010/main" val="567599230"/>
       </p:ext>
     </p:extLst>
   </p:cSld>
@@ -8569,7 +8034,7 @@
               <a:rPr lang="en-US" b="1" dirty="0">
                 <a:latin typeface="Selawik Semibold" panose="020B0604020202020204" pitchFamily="34" charset="0"/>
               </a:rPr>
-              <a:t>What is Sports Analytics?</a:t>
+              <a:t>Current Landscape of Sports</a:t>
             </a:r>
           </a:p>
         </p:txBody>
@@ -8606,53 +8071,11 @@
               <a:rPr lang="en-US" sz="2400" dirty="0">
                 <a:latin typeface="Selawik Semibold" panose="020B0702040204020203" pitchFamily="34" charset="0"/>
               </a:rPr>
-              <a:t>Purpose: To Aid an Organization’s </a:t>
-            </a:r>
-            <a:r>
-              <a:rPr lang="en-US" sz="2400" u="sng" dirty="0">
-                <a:latin typeface="Selawik Semibold" panose="020B0702040204020203" pitchFamily="34" charset="0"/>
-              </a:rPr>
-              <a:t>Decision Makers</a:t>
-            </a:r>
-            <a:r>
-              <a:rPr lang="en-US" sz="2400" dirty="0">
-                <a:latin typeface="Selawik Semibold" panose="020B0702040204020203" pitchFamily="34" charset="0"/>
-              </a:rPr>
-              <a:t> in Gaining a Competitive Advantage</a:t>
-            </a:r>
-          </a:p>
-          <a:p>
-            <a:endParaRPr lang="en-US" sz="2400" dirty="0">
+              <a:t>Growth in Team Sports (sisugaurd.com)</a:t>
+            </a:r>
+            <a:endParaRPr lang="en-US" sz="2000" dirty="0">
               <a:latin typeface="Selawik Semibold" panose="020B0702040204020203" pitchFamily="34" charset="0"/>
             </a:endParaRPr>
-          </a:p>
-          <a:p>
-            <a:r>
-              <a:rPr lang="en-US" sz="2400" dirty="0">
-                <a:latin typeface="Selawik Semibold" panose="020B0702040204020203" pitchFamily="34" charset="0"/>
-              </a:rPr>
-              <a:t>Goals</a:t>
-            </a:r>
-          </a:p>
-          <a:p>
-            <a:pPr lvl="1"/>
-            <a:r>
-              <a:rPr lang="en-US" sz="2000" dirty="0">
-                <a:latin typeface="Selawik Semibold" panose="020B0702040204020203" pitchFamily="34" charset="0"/>
-              </a:rPr>
-              <a:t>Save the Decision Maker Time by Making Information Acquisition Efficient </a:t>
-            </a:r>
-          </a:p>
-          <a:p>
-            <a:pPr marL="457200" lvl="1" indent="0">
-              <a:buNone/>
-            </a:pPr>
-            <a:r>
-              <a:rPr lang="en-US" sz="2000" dirty="0">
-                <a:latin typeface="Selawik Semibold" panose="020B0702040204020203" pitchFamily="34" charset="0"/>
-              </a:rPr>
-              <a:t>   (Data Management/Information Systems)</a:t>
-            </a:r>
           </a:p>
           <a:p>
             <a:pPr lvl="1"/>
@@ -8666,34 +8089,7 @@
               <a:rPr lang="en-US" sz="2000" dirty="0">
                 <a:latin typeface="Selawik Semibold" panose="020B0702040204020203" pitchFamily="34" charset="0"/>
               </a:rPr>
-              <a:t>Provide Decision Makers with Novel Insight</a:t>
-            </a:r>
-          </a:p>
-          <a:p>
-            <a:pPr marL="457200" lvl="1" indent="0">
-              <a:buNone/>
-            </a:pPr>
-            <a:r>
-              <a:rPr lang="en-US" sz="2000" dirty="0">
-                <a:latin typeface="Selawik Semibold" panose="020B0702040204020203" pitchFamily="34" charset="0"/>
-              </a:rPr>
-              <a:t>   (Analytic Models)</a:t>
-            </a:r>
-          </a:p>
-          <a:p>
-            <a:pPr marL="457200" lvl="1" indent="0">
-              <a:buNone/>
-            </a:pPr>
-            <a:endParaRPr lang="en-US" sz="2000" dirty="0">
-              <a:latin typeface="Selawik Semibold" panose="020B0702040204020203" pitchFamily="34" charset="0"/>
-            </a:endParaRPr>
-          </a:p>
-          <a:p>
-            <a:r>
-              <a:rPr lang="en-US" sz="2400" dirty="0">
-                <a:latin typeface="Selawik Semibold" panose="020B0702040204020203" pitchFamily="34" charset="0"/>
-              </a:rPr>
-              <a:t>We are an Accessory to the Decision Maker</a:t>
+              <a:t>Increase of 10.9% Across All Sports (2014-2016)</a:t>
             </a:r>
           </a:p>
           <a:p>
@@ -8704,15 +8100,48 @@
           </a:p>
           <a:p>
             <a:pPr lvl="1"/>
-            <a:endParaRPr lang="en-US" sz="2000" dirty="0">
-              <a:latin typeface="Selawik Semibold" panose="020B0702040204020203" pitchFamily="34" charset="0"/>
-            </a:endParaRPr>
-          </a:p>
-          <a:p>
-            <a:pPr lvl="1"/>
-            <a:endParaRPr lang="en-US" sz="1600" dirty="0">
-              <a:latin typeface="Selawik Semibold" panose="020B0702040204020203" pitchFamily="34" charset="0"/>
-            </a:endParaRPr>
+            <a:r>
+              <a:rPr lang="en-US" sz="2000" dirty="0">
+                <a:latin typeface="Selawik Semibold" panose="020B0702040204020203" pitchFamily="34" charset="0"/>
+              </a:rPr>
+              <a:t>Resilient Sports Based on Age of Participants</a:t>
+            </a:r>
+          </a:p>
+          <a:p>
+            <a:pPr lvl="2"/>
+            <a:r>
+              <a:rPr lang="en-US" sz="1600" dirty="0">
+                <a:latin typeface="Selawik Semibold" panose="020B0702040204020203" pitchFamily="34" charset="0"/>
+              </a:rPr>
+              <a:t>Soccer</a:t>
+            </a:r>
+          </a:p>
+          <a:p>
+            <a:pPr lvl="2"/>
+            <a:r>
+              <a:rPr lang="en-US" sz="1600" dirty="0">
+                <a:latin typeface="Selawik Semibold" panose="020B0702040204020203" pitchFamily="34" charset="0"/>
+              </a:rPr>
+              <a:t>Volleyball</a:t>
+            </a:r>
+          </a:p>
+          <a:p>
+            <a:pPr lvl="2"/>
+            <a:r>
+              <a:rPr lang="en-US" sz="1600" dirty="0">
+                <a:latin typeface="Selawik Semibold" panose="020B0702040204020203" pitchFamily="34" charset="0"/>
+              </a:rPr>
+              <a:t>Softball</a:t>
+            </a:r>
+          </a:p>
+          <a:p>
+            <a:pPr lvl="2"/>
+            <a:r>
+              <a:rPr lang="en-US" sz="1600" dirty="0">
+                <a:latin typeface="Selawik Semibold" panose="020B0702040204020203" pitchFamily="34" charset="0"/>
+              </a:rPr>
+              <a:t>Flag Football</a:t>
+            </a:r>
           </a:p>
           <a:p>
             <a:pPr lvl="1"/>
@@ -8722,13 +8151,49 @@
           </a:p>
           <a:p>
             <a:pPr lvl="1"/>
+            <a:r>
+              <a:rPr lang="en-US" sz="2000" dirty="0">
+                <a:latin typeface="Selawik Semibold" panose="020B0702040204020203" pitchFamily="34" charset="0"/>
+              </a:rPr>
+              <a:t>Declining Sports Lost 9.3M Participants</a:t>
+            </a:r>
+          </a:p>
+          <a:p>
+            <a:pPr lvl="1"/>
             <a:endParaRPr lang="en-US" sz="2000" dirty="0">
               <a:latin typeface="Selawik Semibold" panose="020B0702040204020203" pitchFamily="34" charset="0"/>
             </a:endParaRPr>
           </a:p>
           <a:p>
             <a:pPr lvl="1"/>
-            <a:endParaRPr lang="en-US" sz="2000" dirty="0">
+            <a:r>
+              <a:rPr lang="en-US" sz="2000" dirty="0">
+                <a:latin typeface="Selawik Semibold" panose="020B0702040204020203" pitchFamily="34" charset="0"/>
+              </a:rPr>
+              <a:t>Basketball Declined Most by 2.4M Participants</a:t>
+            </a:r>
+          </a:p>
+          <a:p>
+            <a:pPr lvl="2"/>
+            <a:endParaRPr lang="en-US" sz="1600" dirty="0">
+              <a:latin typeface="Selawik Semibold" panose="020B0702040204020203" pitchFamily="34" charset="0"/>
+            </a:endParaRPr>
+          </a:p>
+          <a:p>
+            <a:pPr lvl="2"/>
+            <a:endParaRPr lang="en-US" sz="1600" dirty="0">
+              <a:latin typeface="Selawik Semibold" panose="020B0702040204020203" pitchFamily="34" charset="0"/>
+            </a:endParaRPr>
+          </a:p>
+          <a:p>
+            <a:pPr lvl="2"/>
+            <a:endParaRPr lang="en-US" sz="1600" dirty="0">
+              <a:latin typeface="Selawik Semibold" panose="020B0702040204020203" pitchFamily="34" charset="0"/>
+            </a:endParaRPr>
+          </a:p>
+          <a:p>
+            <a:pPr lvl="2"/>
+            <a:endParaRPr lang="en-US" sz="1600" dirty="0">
               <a:latin typeface="Selawik Semibold" panose="020B0702040204020203" pitchFamily="34" charset="0"/>
             </a:endParaRPr>
           </a:p>
@@ -9077,7 +8542,7 @@
     </p:spTree>
     <p:extLst>
       <p:ext uri="{BB962C8B-B14F-4D97-AF65-F5344CB8AC3E}">
-        <p14:creationId xmlns:p14="http://schemas.microsoft.com/office/powerpoint/2010/main" val="77696106"/>
+        <p14:creationId xmlns:p14="http://schemas.microsoft.com/office/powerpoint/2010/main" val="149536260"/>
       </p:ext>
     </p:extLst>
   </p:cSld>
@@ -9207,7 +8672,7 @@
               <a:rPr lang="en-US" b="1" dirty="0">
                 <a:latin typeface="Selawik Semibold" panose="020B0604020202020204" pitchFamily="34" charset="0"/>
               </a:rPr>
-              <a:t>What is Sports Analytics?</a:t>
+              <a:t>Dope Quote</a:t>
             </a:r>
           </a:p>
         </p:txBody>
@@ -9230,144 +8695,134 @@
         </p:nvSpPr>
         <p:spPr>
           <a:xfrm>
-            <a:off x="838199" y="2021249"/>
-            <a:ext cx="7324166" cy="4581257"/>
+            <a:off x="838198" y="2021249"/>
+            <a:ext cx="7425020" cy="4581257"/>
           </a:xfrm>
         </p:spPr>
         <p:txBody>
           <a:bodyPr>
-            <a:normAutofit/>
+            <a:normAutofit fontScale="92500" lnSpcReduction="10000"/>
           </a:bodyPr>
           <a:lstStyle/>
           <a:p>
-            <a:r>
-              <a:rPr lang="en-US" sz="2400" dirty="0">
+            <a:pPr marL="0" indent="0">
+              <a:buNone/>
+            </a:pPr>
+            <a:r>
+              <a:rPr lang="en-US" dirty="0">
                 <a:latin typeface="Selawik Semibold" panose="020B0702040204020203" pitchFamily="34" charset="0"/>
               </a:rPr>
-              <a:t>Different Decision Makers</a:t>
-            </a:r>
-            <a:endParaRPr lang="en-US" sz="2000" dirty="0">
+              <a:t>The most meaningful way to</a:t>
+            </a:r>
+          </a:p>
+          <a:p>
+            <a:pPr marL="0" indent="0">
+              <a:buNone/>
+            </a:pPr>
+            <a:r>
+              <a:rPr lang="en-US" dirty="0">
+                <a:latin typeface="Selawik Semibold" panose="020B0702040204020203" pitchFamily="34" charset="0"/>
+              </a:rPr>
+              <a:t>differentiate your company from your</a:t>
+            </a:r>
+          </a:p>
+          <a:p>
+            <a:pPr marL="0" indent="0">
+              <a:buNone/>
+            </a:pPr>
+            <a:r>
+              <a:rPr lang="en-US" dirty="0">
+                <a:latin typeface="Selawik Semibold" panose="020B0702040204020203" pitchFamily="34" charset="0"/>
+              </a:rPr>
+              <a:t>competitors, the best way to put distance</a:t>
+            </a:r>
+          </a:p>
+          <a:p>
+            <a:pPr marL="0" indent="0">
+              <a:buNone/>
+            </a:pPr>
+            <a:r>
+              <a:rPr lang="en-US" dirty="0">
+                <a:latin typeface="Selawik Semibold" panose="020B0702040204020203" pitchFamily="34" charset="0"/>
+              </a:rPr>
+              <a:t>between you and the crowd is to do an</a:t>
+            </a:r>
+          </a:p>
+          <a:p>
+            <a:pPr marL="0" indent="0">
+              <a:buNone/>
+            </a:pPr>
+            <a:r>
+              <a:rPr lang="en-US" dirty="0">
+                <a:latin typeface="Selawik Semibold" panose="020B0702040204020203" pitchFamily="34" charset="0"/>
+              </a:rPr>
+              <a:t>outstanding job with information. </a:t>
+            </a:r>
+          </a:p>
+          <a:p>
+            <a:pPr marL="0" indent="0">
+              <a:buNone/>
+            </a:pPr>
+            <a:endParaRPr lang="en-US" dirty="0">
               <a:latin typeface="Selawik Semibold" panose="020B0702040204020203" pitchFamily="34" charset="0"/>
             </a:endParaRPr>
           </a:p>
           <a:p>
-            <a:pPr lvl="1"/>
-            <a:r>
-              <a:rPr lang="en-US" sz="2000" dirty="0">
+            <a:pPr marL="0" indent="0">
+              <a:buNone/>
+            </a:pPr>
+            <a:r>
+              <a:rPr lang="en-US" dirty="0">
                 <a:latin typeface="Selawik Semibold" panose="020B0702040204020203" pitchFamily="34" charset="0"/>
               </a:rPr>
-              <a:t>Off-the-Field: Profit Driven</a:t>
-            </a:r>
-          </a:p>
-          <a:p>
-            <a:pPr lvl="1"/>
-            <a:r>
-              <a:rPr lang="en-US" sz="2000" dirty="0">
+              <a:t>How you gather, manage, and use information</a:t>
+            </a:r>
+          </a:p>
+          <a:p>
+            <a:pPr marL="0" indent="0">
+              <a:buNone/>
+            </a:pPr>
+            <a:r>
+              <a:rPr lang="en-US" dirty="0">
                 <a:latin typeface="Selawik Semibold" panose="020B0702040204020203" pitchFamily="34" charset="0"/>
               </a:rPr>
-              <a:t>On-the-Field: Performance Driven</a:t>
-            </a:r>
-          </a:p>
-          <a:p>
-            <a:endParaRPr lang="en-US" sz="2400" dirty="0">
+              <a:t>will determine whether you win or lose.</a:t>
+            </a:r>
+          </a:p>
+          <a:p>
+            <a:pPr marL="0" indent="0">
+              <a:buNone/>
+            </a:pPr>
+            <a:endParaRPr lang="en-US" dirty="0">
               <a:latin typeface="Selawik Semibold" panose="020B0702040204020203" pitchFamily="34" charset="0"/>
             </a:endParaRPr>
           </a:p>
           <a:p>
-            <a:r>
-              <a:rPr lang="en-US" sz="2400" dirty="0">
+            <a:pPr marL="0" indent="0">
+              <a:buNone/>
+            </a:pPr>
+            <a:r>
+              <a:rPr lang="en-US" dirty="0">
                 <a:latin typeface="Selawik Semibold" panose="020B0702040204020203" pitchFamily="34" charset="0"/>
               </a:rPr>
-              <a:t>Skills for the Data Analyst</a:t>
-            </a:r>
-          </a:p>
-          <a:p>
-            <a:pPr lvl="1"/>
-            <a:r>
-              <a:rPr lang="en-US" sz="2000" dirty="0">
-                <a:latin typeface="Selawik Semibold" panose="020B0702040204020203" pitchFamily="34" charset="0"/>
-              </a:rPr>
-              <a:t>Competence – Ben </a:t>
-            </a:r>
-            <a:r>
-              <a:rPr lang="en-US" sz="2000" dirty="0" err="1">
-                <a:latin typeface="Selawik Semibold" panose="020B0702040204020203" pitchFamily="34" charset="0"/>
-              </a:rPr>
-              <a:t>Alamar</a:t>
-            </a:r>
-            <a:endParaRPr lang="en-US" sz="2000" dirty="0">
-              <a:latin typeface="Selawik Semibold" panose="020B0702040204020203" pitchFamily="34" charset="0"/>
-            </a:endParaRPr>
-          </a:p>
-          <a:p>
-            <a:pPr lvl="1"/>
-            <a:r>
-              <a:rPr lang="en-US" sz="2000" dirty="0">
-                <a:latin typeface="Selawik Semibold" panose="020B0702040204020203" pitchFamily="34" charset="0"/>
-              </a:rPr>
-              <a:t>Leadership – Ben </a:t>
-            </a:r>
-            <a:r>
-              <a:rPr lang="en-US" sz="2000" dirty="0" err="1">
-                <a:latin typeface="Selawik Semibold" panose="020B0702040204020203" pitchFamily="34" charset="0"/>
-              </a:rPr>
-              <a:t>Alamar</a:t>
-            </a:r>
-            <a:endParaRPr lang="en-US" sz="2000" dirty="0">
-              <a:latin typeface="Selawik Semibold" panose="020B0702040204020203" pitchFamily="34" charset="0"/>
-            </a:endParaRPr>
-          </a:p>
-          <a:p>
-            <a:pPr lvl="1"/>
-            <a:r>
-              <a:rPr lang="en-US" sz="2000" dirty="0">
-                <a:latin typeface="Selawik Semibold" panose="020B0702040204020203" pitchFamily="34" charset="0"/>
-              </a:rPr>
-              <a:t>Humility – Dr. Mario</a:t>
-            </a:r>
-          </a:p>
-          <a:p>
-            <a:pPr lvl="1"/>
-            <a:r>
-              <a:rPr lang="en-US" sz="2000" dirty="0">
-                <a:latin typeface="Selawik Semibold" panose="020B0702040204020203" pitchFamily="34" charset="0"/>
-              </a:rPr>
-              <a:t>Honesty – Dr. Mario</a:t>
-            </a:r>
-          </a:p>
-          <a:p>
-            <a:pPr lvl="1"/>
-            <a:endParaRPr lang="en-US" sz="2000" dirty="0">
-              <a:latin typeface="Selawik Semibold" panose="020B0702040204020203" pitchFamily="34" charset="0"/>
-            </a:endParaRPr>
-          </a:p>
-          <a:p>
-            <a:pPr lvl="1"/>
-            <a:endParaRPr lang="en-US" sz="2000" dirty="0">
-              <a:latin typeface="Selawik Semibold" panose="020B0702040204020203" pitchFamily="34" charset="0"/>
-            </a:endParaRPr>
-          </a:p>
-          <a:p>
-            <a:pPr lvl="1"/>
+              <a:t>- Bill Gates</a:t>
+            </a:r>
+          </a:p>
+          <a:p>
+            <a:pPr lvl="2"/>
             <a:endParaRPr lang="en-US" sz="1600" dirty="0">
               <a:latin typeface="Selawik Semibold" panose="020B0702040204020203" pitchFamily="34" charset="0"/>
             </a:endParaRPr>
           </a:p>
           <a:p>
-            <a:pPr lvl="1"/>
-            <a:endParaRPr lang="en-US" sz="2000" dirty="0">
+            <a:pPr lvl="2"/>
+            <a:endParaRPr lang="en-US" sz="1600" dirty="0">
               <a:latin typeface="Selawik Semibold" panose="020B0702040204020203" pitchFamily="34" charset="0"/>
             </a:endParaRPr>
           </a:p>
           <a:p>
-            <a:pPr lvl="1"/>
-            <a:endParaRPr lang="en-US" sz="2000" dirty="0">
-              <a:latin typeface="Selawik Semibold" panose="020B0702040204020203" pitchFamily="34" charset="0"/>
-            </a:endParaRPr>
-          </a:p>
-          <a:p>
-            <a:pPr lvl="1"/>
-            <a:endParaRPr lang="en-US" sz="2000" dirty="0">
+            <a:pPr lvl="2"/>
+            <a:endParaRPr lang="en-US" sz="1600" dirty="0">
               <a:latin typeface="Selawik Semibold" panose="020B0702040204020203" pitchFamily="34" charset="0"/>
             </a:endParaRPr>
           </a:p>
@@ -9716,6 +9171,2399 @@
     </p:spTree>
     <p:extLst>
       <p:ext uri="{BB962C8B-B14F-4D97-AF65-F5344CB8AC3E}">
+        <p14:creationId xmlns:p14="http://schemas.microsoft.com/office/powerpoint/2010/main" val="289489808"/>
+      </p:ext>
+    </p:extLst>
+  </p:cSld>
+  <p:clrMapOvr>
+    <a:overrideClrMapping bg1="dk1" tx1="lt1" bg2="dk2" tx2="lt2" accent1="accent1" accent2="accent2" accent3="accent3" accent4="accent4" accent5="accent5" accent6="accent6" hlink="hlink" folHlink="folHlink"/>
+  </p:clrMapOvr>
+</p:sld>
+</file>
+
+<file path=ppt/slides/slide17.xml><?xml version="1.0" encoding="utf-8"?>
+<p:sld xmlns:a="http://schemas.openxmlformats.org/drawingml/2006/main" xmlns:r="http://schemas.openxmlformats.org/officeDocument/2006/relationships" xmlns:p="http://schemas.openxmlformats.org/presentationml/2006/main">
+  <p:cSld>
+    <p:bg>
+      <p:bgPr>
+        <a:solidFill>
+          <a:srgbClr val="395583"/>
+        </a:solidFill>
+        <a:effectLst/>
+      </p:bgPr>
+    </p:bg>
+    <p:spTree>
+      <p:nvGrpSpPr>
+        <p:cNvPr id="1" name=""/>
+        <p:cNvGrpSpPr/>
+        <p:nvPr/>
+      </p:nvGrpSpPr>
+      <p:grpSpPr>
+        <a:xfrm>
+          <a:off x="0" y="0"/>
+          <a:ext cx="0" cy="0"/>
+          <a:chOff x="0" y="0"/>
+          <a:chExt cx="0" cy="0"/>
+        </a:xfrm>
+      </p:grpSpPr>
+      <p:sp>
+        <p:nvSpPr>
+          <p:cNvPr id="25" name="Rectangle 24">
+            <a:extLst>
+              <a:ext uri="{FF2B5EF4-FFF2-40B4-BE49-F238E27FC236}">
+                <a16:creationId xmlns:a16="http://schemas.microsoft.com/office/drawing/2014/main" id="{A6792F05-2FD4-4F18-815E-15391E8B4A0E}"/>
+              </a:ext>
+              <a:ext uri="{C183D7F6-B498-43B3-948B-1728B52AA6E4}">
+                <adec:decorative xmlns:adec="http://schemas.microsoft.com/office/drawing/2017/decorative" val="1"/>
+              </a:ext>
+            </a:extLst>
+          </p:cNvPr>
+          <p:cNvSpPr>
+            <a:spLocks noGrp="1" noRot="1" noChangeAspect="1" noMove="1" noResize="1" noEditPoints="1" noAdjustHandles="1" noChangeArrowheads="1" noChangeShapeType="1" noTextEdit="1"/>
+          </p:cNvSpPr>
+          <p:nvPr>
+            <p:extLst>
+              <p:ext uri="{386F3935-93C4-4BCD-93E2-E3B085C9AB24}">
+                <p16:designElem xmlns:p16="http://schemas.microsoft.com/office/powerpoint/2015/main" val="1"/>
+              </p:ext>
+            </p:extLst>
+          </p:nvPr>
+        </p:nvSpPr>
+        <p:spPr>
+          <a:xfrm>
+            <a:off x="0" y="0"/>
+            <a:ext cx="12191999" cy="6858000"/>
+          </a:xfrm>
+          <a:prstGeom prst="rect">
+            <a:avLst/>
+          </a:prstGeom>
+          <a:solidFill>
+            <a:srgbClr val="395583"/>
+          </a:solidFill>
+          <a:ln>
+            <a:noFill/>
+          </a:ln>
+        </p:spPr>
+        <p:style>
+          <a:lnRef idx="2">
+            <a:schemeClr val="accent1">
+              <a:shade val="50000"/>
+            </a:schemeClr>
+          </a:lnRef>
+          <a:fillRef idx="1">
+            <a:schemeClr val="accent1"/>
+          </a:fillRef>
+          <a:effectRef idx="0">
+            <a:schemeClr val="accent1"/>
+          </a:effectRef>
+          <a:fontRef idx="minor">
+            <a:schemeClr val="lt1"/>
+          </a:fontRef>
+        </p:style>
+        <p:txBody>
+          <a:bodyPr rtlCol="0" anchor="ctr"/>
+          <a:lstStyle/>
+          <a:p>
+            <a:pPr algn="ctr"/>
+            <a:endParaRPr lang="en-US"/>
+          </a:p>
+        </p:txBody>
+      </p:sp>
+      <p:sp>
+        <p:nvSpPr>
+          <p:cNvPr id="2" name="Title 1">
+            <a:extLst>
+              <a:ext uri="{FF2B5EF4-FFF2-40B4-BE49-F238E27FC236}">
+                <a16:creationId xmlns:a16="http://schemas.microsoft.com/office/drawing/2014/main" id="{2589AFCC-0FF0-498C-B11F-8990DF0DAAA5}"/>
+              </a:ext>
+            </a:extLst>
+          </p:cNvPr>
+          <p:cNvSpPr>
+            <a:spLocks noGrp="1"/>
+          </p:cNvSpPr>
+          <p:nvPr>
+            <p:ph type="title"/>
+          </p:nvPr>
+        </p:nvSpPr>
+        <p:spPr>
+          <a:xfrm>
+            <a:off x="838200" y="365125"/>
+            <a:ext cx="10515600" cy="1325563"/>
+          </a:xfrm>
+        </p:spPr>
+        <p:txBody>
+          <a:bodyPr>
+            <a:normAutofit/>
+          </a:bodyPr>
+          <a:lstStyle/>
+          <a:p>
+            <a:r>
+              <a:rPr lang="en-US" b="1" dirty="0">
+                <a:latin typeface="Selawik Semibold" panose="020B0604020202020204" pitchFamily="34" charset="0"/>
+              </a:rPr>
+              <a:t>What is Sports Analytics?</a:t>
+            </a:r>
+          </a:p>
+        </p:txBody>
+      </p:sp>
+      <p:sp>
+        <p:nvSpPr>
+          <p:cNvPr id="9" name="Content Placeholder 8">
+            <a:extLst>
+              <a:ext uri="{FF2B5EF4-FFF2-40B4-BE49-F238E27FC236}">
+                <a16:creationId xmlns:a16="http://schemas.microsoft.com/office/drawing/2014/main" id="{2D995594-59F2-4020-AB6F-751BAE84ADB3}"/>
+              </a:ext>
+            </a:extLst>
+          </p:cNvPr>
+          <p:cNvSpPr>
+            <a:spLocks noGrp="1"/>
+          </p:cNvSpPr>
+          <p:nvPr>
+            <p:ph idx="1"/>
+          </p:nvPr>
+        </p:nvSpPr>
+        <p:spPr>
+          <a:xfrm>
+            <a:off x="838199" y="2021249"/>
+            <a:ext cx="7324166" cy="4581257"/>
+          </a:xfrm>
+        </p:spPr>
+        <p:txBody>
+          <a:bodyPr>
+            <a:normAutofit/>
+          </a:bodyPr>
+          <a:lstStyle/>
+          <a:p>
+            <a:r>
+              <a:rPr lang="en-US" sz="2400" dirty="0">
+                <a:latin typeface="Selawik Semibold" panose="020B0702040204020203" pitchFamily="34" charset="0"/>
+              </a:rPr>
+              <a:t>Defined by Ben </a:t>
+            </a:r>
+            <a:r>
+              <a:rPr lang="en-US" sz="2400" dirty="0" err="1">
+                <a:latin typeface="Selawik Semibold" panose="020B0702040204020203" pitchFamily="34" charset="0"/>
+              </a:rPr>
+              <a:t>Alamar</a:t>
+            </a:r>
+            <a:endParaRPr lang="en-US" sz="2000" dirty="0">
+              <a:latin typeface="Selawik Semibold" panose="020B0702040204020203" pitchFamily="34" charset="0"/>
+            </a:endParaRPr>
+          </a:p>
+          <a:p>
+            <a:pPr lvl="1"/>
+            <a:r>
+              <a:rPr lang="en-US" sz="2000" dirty="0">
+                <a:latin typeface="Selawik Semibold" panose="020B0702040204020203" pitchFamily="34" charset="0"/>
+              </a:rPr>
+              <a:t>Data Management</a:t>
+            </a:r>
+          </a:p>
+          <a:p>
+            <a:pPr lvl="1"/>
+            <a:r>
+              <a:rPr lang="en-US" sz="2000" dirty="0">
+                <a:latin typeface="Selawik Semibold" panose="020B0702040204020203" pitchFamily="34" charset="0"/>
+              </a:rPr>
+              <a:t>Predictive Models</a:t>
+            </a:r>
+          </a:p>
+          <a:p>
+            <a:pPr lvl="1"/>
+            <a:r>
+              <a:rPr lang="en-US" sz="2000" dirty="0">
+                <a:latin typeface="Selawik Semibold" panose="020B0702040204020203" pitchFamily="34" charset="0"/>
+              </a:rPr>
+              <a:t>Information Systems</a:t>
+            </a:r>
+          </a:p>
+          <a:p>
+            <a:pPr lvl="1"/>
+            <a:endParaRPr lang="en-US" sz="2000" dirty="0">
+              <a:latin typeface="Selawik Semibold" panose="020B0702040204020203" pitchFamily="34" charset="0"/>
+            </a:endParaRPr>
+          </a:p>
+          <a:p>
+            <a:pPr lvl="1"/>
+            <a:endParaRPr lang="en-US" sz="2000" dirty="0">
+              <a:latin typeface="Selawik Semibold" panose="020B0702040204020203" pitchFamily="34" charset="0"/>
+            </a:endParaRPr>
+          </a:p>
+          <a:p>
+            <a:pPr lvl="1"/>
+            <a:endParaRPr lang="en-US" sz="2000" dirty="0">
+              <a:latin typeface="Selawik Semibold" panose="020B0702040204020203" pitchFamily="34" charset="0"/>
+            </a:endParaRPr>
+          </a:p>
+          <a:p>
+            <a:pPr lvl="1"/>
+            <a:endParaRPr lang="en-US" sz="2000" dirty="0">
+              <a:latin typeface="Selawik Semibold" panose="020B0702040204020203" pitchFamily="34" charset="0"/>
+            </a:endParaRPr>
+          </a:p>
+          <a:p>
+            <a:pPr lvl="1"/>
+            <a:endParaRPr lang="en-US" sz="2000" dirty="0">
+              <a:latin typeface="Selawik Semibold" panose="020B0702040204020203" pitchFamily="34" charset="0"/>
+            </a:endParaRPr>
+          </a:p>
+        </p:txBody>
+      </p:sp>
+      <p:pic>
+        <p:nvPicPr>
+          <p:cNvPr id="4" name="Picture 3" descr="A drawing of a cartoon character&#10;&#10;Description automatically generated">
+            <a:extLst>
+              <a:ext uri="{FF2B5EF4-FFF2-40B4-BE49-F238E27FC236}">
+                <a16:creationId xmlns:a16="http://schemas.microsoft.com/office/drawing/2014/main" id="{A7FDC859-D890-4904-9C64-27F43DA90453}"/>
+              </a:ext>
+            </a:extLst>
+          </p:cNvPr>
+          <p:cNvPicPr>
+            <a:picLocks noChangeAspect="1"/>
+          </p:cNvPicPr>
+          <p:nvPr/>
+        </p:nvPicPr>
+        <p:blipFill rotWithShape="1">
+          <a:blip r:embed="rId3">
+            <a:extLst>
+              <a:ext uri="{28A0092B-C50C-407E-A947-70E740481C1C}">
+                <a14:useLocalDpi xmlns:a14="http://schemas.microsoft.com/office/drawing/2010/main" val="0"/>
+              </a:ext>
+            </a:extLst>
+          </a:blip>
+          <a:srcRect t="5616" r="2" b="2"/>
+          <a:stretch/>
+        </p:blipFill>
+        <p:spPr>
+          <a:xfrm>
+            <a:off x="7471144" y="1700078"/>
+            <a:ext cx="4720855" cy="2583792"/>
+          </a:xfrm>
+          <a:custGeom>
+            <a:avLst/>
+            <a:gdLst>
+              <a:gd name="connsiteX0" fmla="*/ 0 w 5475077"/>
+              <a:gd name="connsiteY0" fmla="*/ 0 h 2583792"/>
+              <a:gd name="connsiteX1" fmla="*/ 5475077 w 5475077"/>
+              <a:gd name="connsiteY1" fmla="*/ 0 h 2583792"/>
+              <a:gd name="connsiteX2" fmla="*/ 5475077 w 5475077"/>
+              <a:gd name="connsiteY2" fmla="*/ 2583792 h 2583792"/>
+              <a:gd name="connsiteX3" fmla="*/ 1197192 w 5475077"/>
+              <a:gd name="connsiteY3" fmla="*/ 2583792 h 2583792"/>
+            </a:gdLst>
+            <a:ahLst/>
+            <a:cxnLst>
+              <a:cxn ang="0">
+                <a:pos x="connsiteX0" y="connsiteY0"/>
+              </a:cxn>
+              <a:cxn ang="0">
+                <a:pos x="connsiteX1" y="connsiteY1"/>
+              </a:cxn>
+              <a:cxn ang="0">
+                <a:pos x="connsiteX2" y="connsiteY2"/>
+              </a:cxn>
+              <a:cxn ang="0">
+                <a:pos x="connsiteX3" y="connsiteY3"/>
+              </a:cxn>
+            </a:cxnLst>
+            <a:rect l="l" t="t" r="r" b="b"/>
+            <a:pathLst>
+              <a:path w="5475077" h="2583792">
+                <a:moveTo>
+                  <a:pt x="0" y="0"/>
+                </a:moveTo>
+                <a:lnTo>
+                  <a:pt x="5475077" y="0"/>
+                </a:lnTo>
+                <a:lnTo>
+                  <a:pt x="5475077" y="2583792"/>
+                </a:lnTo>
+                <a:lnTo>
+                  <a:pt x="1197192" y="2583792"/>
+                </a:lnTo>
+                <a:close/>
+              </a:path>
+            </a:pathLst>
+          </a:custGeom>
+        </p:spPr>
+      </p:pic>
+      <p:pic>
+        <p:nvPicPr>
+          <p:cNvPr id="5" name="Content Placeholder 4" descr="A picture containing indoor&#10;&#10;Description automatically generated">
+            <a:extLst>
+              <a:ext uri="{FF2B5EF4-FFF2-40B4-BE49-F238E27FC236}">
+                <a16:creationId xmlns:a16="http://schemas.microsoft.com/office/drawing/2014/main" id="{A58F0E55-21F3-485B-A07F-1CE74177BDD2}"/>
+              </a:ext>
+            </a:extLst>
+          </p:cNvPr>
+          <p:cNvPicPr>
+            <a:picLocks noChangeAspect="1"/>
+          </p:cNvPicPr>
+          <p:nvPr/>
+        </p:nvPicPr>
+        <p:blipFill rotWithShape="1">
+          <a:blip r:embed="rId4">
+            <a:extLst>
+              <a:ext uri="{28A0092B-C50C-407E-A947-70E740481C1C}">
+                <a14:useLocalDpi xmlns:a14="http://schemas.microsoft.com/office/drawing/2010/main" val="0"/>
+              </a:ext>
+            </a:extLst>
+          </a:blip>
+          <a:srcRect t="5300" r="3" b="6859"/>
+          <a:stretch/>
+        </p:blipFill>
+        <p:spPr>
+          <a:xfrm>
+            <a:off x="8491869" y="4283870"/>
+            <a:ext cx="3700129" cy="2583520"/>
+          </a:xfrm>
+          <a:custGeom>
+            <a:avLst/>
+            <a:gdLst>
+              <a:gd name="connsiteX0" fmla="*/ 0 w 4277884"/>
+              <a:gd name="connsiteY0" fmla="*/ 0 h 2583520"/>
+              <a:gd name="connsiteX1" fmla="*/ 4277884 w 4277884"/>
+              <a:gd name="connsiteY1" fmla="*/ 0 h 2583520"/>
+              <a:gd name="connsiteX2" fmla="*/ 4277884 w 4277884"/>
+              <a:gd name="connsiteY2" fmla="*/ 2583520 h 2583520"/>
+              <a:gd name="connsiteX3" fmla="*/ 1192437 w 4277884"/>
+              <a:gd name="connsiteY3" fmla="*/ 2583520 h 2583520"/>
+              <a:gd name="connsiteX4" fmla="*/ 1188085 w 4277884"/>
+              <a:gd name="connsiteY4" fmla="*/ 2574129 h 2583520"/>
+              <a:gd name="connsiteX5" fmla="*/ 1192715 w 4277884"/>
+              <a:gd name="connsiteY5" fmla="*/ 2574129 h 2583520"/>
+            </a:gdLst>
+            <a:ahLst/>
+            <a:cxnLst>
+              <a:cxn ang="0">
+                <a:pos x="connsiteX0" y="connsiteY0"/>
+              </a:cxn>
+              <a:cxn ang="0">
+                <a:pos x="connsiteX1" y="connsiteY1"/>
+              </a:cxn>
+              <a:cxn ang="0">
+                <a:pos x="connsiteX2" y="connsiteY2"/>
+              </a:cxn>
+              <a:cxn ang="0">
+                <a:pos x="connsiteX3" y="connsiteY3"/>
+              </a:cxn>
+              <a:cxn ang="0">
+                <a:pos x="connsiteX4" y="connsiteY4"/>
+              </a:cxn>
+              <a:cxn ang="0">
+                <a:pos x="connsiteX5" y="connsiteY5"/>
+              </a:cxn>
+            </a:cxnLst>
+            <a:rect l="l" t="t" r="r" b="b"/>
+            <a:pathLst>
+              <a:path w="4277884" h="2583520">
+                <a:moveTo>
+                  <a:pt x="0" y="0"/>
+                </a:moveTo>
+                <a:lnTo>
+                  <a:pt x="4277884" y="0"/>
+                </a:lnTo>
+                <a:lnTo>
+                  <a:pt x="4277884" y="2583520"/>
+                </a:lnTo>
+                <a:lnTo>
+                  <a:pt x="1192437" y="2583520"/>
+                </a:lnTo>
+                <a:lnTo>
+                  <a:pt x="1188085" y="2574129"/>
+                </a:lnTo>
+                <a:lnTo>
+                  <a:pt x="1192715" y="2574129"/>
+                </a:lnTo>
+                <a:close/>
+              </a:path>
+            </a:pathLst>
+          </a:custGeom>
+        </p:spPr>
+      </p:pic>
+      <p:sp>
+        <p:nvSpPr>
+          <p:cNvPr id="6" name="Rectangle 5">
+            <a:extLst>
+              <a:ext uri="{FF2B5EF4-FFF2-40B4-BE49-F238E27FC236}">
+                <a16:creationId xmlns:a16="http://schemas.microsoft.com/office/drawing/2014/main" id="{A2901312-C3C2-4CEC-80EF-823AB4FBB726}"/>
+              </a:ext>
+            </a:extLst>
+          </p:cNvPr>
+          <p:cNvSpPr/>
+          <p:nvPr/>
+        </p:nvSpPr>
+        <p:spPr>
+          <a:xfrm>
+            <a:off x="-1" y="1608918"/>
+            <a:ext cx="12191999" cy="91160"/>
+          </a:xfrm>
+          <a:prstGeom prst="rect">
+            <a:avLst/>
+          </a:prstGeom>
+          <a:solidFill>
+            <a:schemeClr val="bg1"/>
+          </a:solidFill>
+          <a:ln>
+            <a:noFill/>
+          </a:ln>
+        </p:spPr>
+        <p:style>
+          <a:lnRef idx="2">
+            <a:schemeClr val="accent1">
+              <a:shade val="50000"/>
+            </a:schemeClr>
+          </a:lnRef>
+          <a:fillRef idx="1">
+            <a:schemeClr val="accent1"/>
+          </a:fillRef>
+          <a:effectRef idx="0">
+            <a:schemeClr val="accent1"/>
+          </a:effectRef>
+          <a:fontRef idx="minor">
+            <a:schemeClr val="lt1"/>
+          </a:fontRef>
+        </p:style>
+        <p:txBody>
+          <a:bodyPr rtlCol="0" anchor="ctr"/>
+          <a:lstStyle/>
+          <a:p>
+            <a:pPr algn="ctr"/>
+            <a:endParaRPr lang="en-US">
+              <a:solidFill>
+                <a:srgbClr val="DB5B5C"/>
+              </a:solidFill>
+            </a:endParaRPr>
+          </a:p>
+        </p:txBody>
+      </p:sp>
+      <p:sp>
+        <p:nvSpPr>
+          <p:cNvPr id="15" name="Rectangle 14">
+            <a:extLst>
+              <a:ext uri="{FF2B5EF4-FFF2-40B4-BE49-F238E27FC236}">
+                <a16:creationId xmlns:a16="http://schemas.microsoft.com/office/drawing/2014/main" id="{AD0A7C9C-CA2C-4B9B-A125-2D09D5573B44}"/>
+              </a:ext>
+            </a:extLst>
+          </p:cNvPr>
+          <p:cNvSpPr/>
+          <p:nvPr/>
+        </p:nvSpPr>
+        <p:spPr>
+          <a:xfrm>
+            <a:off x="1" y="6677247"/>
+            <a:ext cx="12191999" cy="190143"/>
+          </a:xfrm>
+          <a:prstGeom prst="rect">
+            <a:avLst/>
+          </a:prstGeom>
+          <a:solidFill>
+            <a:schemeClr val="bg1"/>
+          </a:solidFill>
+          <a:ln>
+            <a:noFill/>
+          </a:ln>
+        </p:spPr>
+        <p:style>
+          <a:lnRef idx="2">
+            <a:schemeClr val="accent1">
+              <a:shade val="50000"/>
+            </a:schemeClr>
+          </a:lnRef>
+          <a:fillRef idx="1">
+            <a:schemeClr val="accent1"/>
+          </a:fillRef>
+          <a:effectRef idx="0">
+            <a:schemeClr val="accent1"/>
+          </a:effectRef>
+          <a:fontRef idx="minor">
+            <a:schemeClr val="lt1"/>
+          </a:fontRef>
+        </p:style>
+        <p:txBody>
+          <a:bodyPr rtlCol="0" anchor="ctr"/>
+          <a:lstStyle/>
+          <a:p>
+            <a:pPr algn="ctr"/>
+            <a:endParaRPr lang="en-US">
+              <a:solidFill>
+                <a:srgbClr val="DB5B5C"/>
+              </a:solidFill>
+            </a:endParaRPr>
+          </a:p>
+        </p:txBody>
+      </p:sp>
+      <p:sp>
+        <p:nvSpPr>
+          <p:cNvPr id="16" name="Rectangle 15">
+            <a:extLst>
+              <a:ext uri="{FF2B5EF4-FFF2-40B4-BE49-F238E27FC236}">
+                <a16:creationId xmlns:a16="http://schemas.microsoft.com/office/drawing/2014/main" id="{74A085FC-1866-46D4-97F7-51AA45E48D4F}"/>
+              </a:ext>
+            </a:extLst>
+          </p:cNvPr>
+          <p:cNvSpPr/>
+          <p:nvPr/>
+        </p:nvSpPr>
+        <p:spPr>
+          <a:xfrm rot="4092292">
+            <a:off x="5790668" y="4094517"/>
+            <a:ext cx="5446699" cy="137038"/>
+          </a:xfrm>
+          <a:prstGeom prst="rect">
+            <a:avLst/>
+          </a:prstGeom>
+          <a:solidFill>
+            <a:schemeClr val="bg1"/>
+          </a:solidFill>
+          <a:ln>
+            <a:noFill/>
+          </a:ln>
+        </p:spPr>
+        <p:style>
+          <a:lnRef idx="2">
+            <a:schemeClr val="accent1">
+              <a:shade val="50000"/>
+            </a:schemeClr>
+          </a:lnRef>
+          <a:fillRef idx="1">
+            <a:schemeClr val="accent1"/>
+          </a:fillRef>
+          <a:effectRef idx="0">
+            <a:schemeClr val="accent1"/>
+          </a:effectRef>
+          <a:fontRef idx="minor">
+            <a:schemeClr val="lt1"/>
+          </a:fontRef>
+        </p:style>
+        <p:txBody>
+          <a:bodyPr rtlCol="0" anchor="ctr"/>
+          <a:lstStyle/>
+          <a:p>
+            <a:pPr algn="ctr"/>
+            <a:endParaRPr lang="en-US">
+              <a:solidFill>
+                <a:srgbClr val="DB5B5C"/>
+              </a:solidFill>
+            </a:endParaRPr>
+          </a:p>
+        </p:txBody>
+      </p:sp>
+      <p:sp>
+        <p:nvSpPr>
+          <p:cNvPr id="7" name="TextBox 6">
+            <a:extLst>
+              <a:ext uri="{FF2B5EF4-FFF2-40B4-BE49-F238E27FC236}">
+                <a16:creationId xmlns:a16="http://schemas.microsoft.com/office/drawing/2014/main" id="{122E552F-CD5E-4928-A884-3509AF0AAD36}"/>
+              </a:ext>
+            </a:extLst>
+          </p:cNvPr>
+          <p:cNvSpPr txBox="1"/>
+          <p:nvPr/>
+        </p:nvSpPr>
+        <p:spPr>
+          <a:xfrm>
+            <a:off x="365718" y="3783182"/>
+            <a:ext cx="2205318" cy="954107"/>
+          </a:xfrm>
+          <a:prstGeom prst="rect">
+            <a:avLst/>
+          </a:prstGeom>
+        </p:spPr>
+        <p:style>
+          <a:lnRef idx="1">
+            <a:schemeClr val="dk1"/>
+          </a:lnRef>
+          <a:fillRef idx="3">
+            <a:schemeClr val="dk1"/>
+          </a:fillRef>
+          <a:effectRef idx="2">
+            <a:schemeClr val="dk1"/>
+          </a:effectRef>
+          <a:fontRef idx="minor">
+            <a:schemeClr val="lt1"/>
+          </a:fontRef>
+        </p:style>
+        <p:txBody>
+          <a:bodyPr wrap="square" rtlCol="0">
+            <a:spAutoFit/>
+          </a:bodyPr>
+          <a:lstStyle/>
+          <a:p>
+            <a:r>
+              <a:rPr lang="en-US" sz="2800" dirty="0"/>
+              <a:t>Data </a:t>
+            </a:r>
+          </a:p>
+          <a:p>
+            <a:r>
+              <a:rPr lang="en-US" sz="2800" dirty="0"/>
+              <a:t>Management</a:t>
+            </a:r>
+          </a:p>
+        </p:txBody>
+      </p:sp>
+      <p:sp>
+        <p:nvSpPr>
+          <p:cNvPr id="12" name="TextBox 11">
+            <a:extLst>
+              <a:ext uri="{FF2B5EF4-FFF2-40B4-BE49-F238E27FC236}">
+                <a16:creationId xmlns:a16="http://schemas.microsoft.com/office/drawing/2014/main" id="{26DA0C6F-C9E0-47D4-9FC9-FCD1D65D2721}"/>
+              </a:ext>
+            </a:extLst>
+          </p:cNvPr>
+          <p:cNvSpPr txBox="1"/>
+          <p:nvPr/>
+        </p:nvSpPr>
+        <p:spPr>
+          <a:xfrm>
+            <a:off x="353916" y="5407416"/>
+            <a:ext cx="2205318" cy="954107"/>
+          </a:xfrm>
+          <a:prstGeom prst="rect">
+            <a:avLst/>
+          </a:prstGeom>
+        </p:spPr>
+        <p:style>
+          <a:lnRef idx="1">
+            <a:schemeClr val="dk1"/>
+          </a:lnRef>
+          <a:fillRef idx="3">
+            <a:schemeClr val="dk1"/>
+          </a:fillRef>
+          <a:effectRef idx="2">
+            <a:schemeClr val="dk1"/>
+          </a:effectRef>
+          <a:fontRef idx="minor">
+            <a:schemeClr val="lt1"/>
+          </a:fontRef>
+        </p:style>
+        <p:txBody>
+          <a:bodyPr wrap="square" rtlCol="0">
+            <a:spAutoFit/>
+          </a:bodyPr>
+          <a:lstStyle/>
+          <a:p>
+            <a:r>
+              <a:rPr lang="en-US" sz="2800" dirty="0"/>
+              <a:t>Analytic Models</a:t>
+            </a:r>
+          </a:p>
+        </p:txBody>
+      </p:sp>
+      <p:sp>
+        <p:nvSpPr>
+          <p:cNvPr id="13" name="TextBox 12">
+            <a:extLst>
+              <a:ext uri="{FF2B5EF4-FFF2-40B4-BE49-F238E27FC236}">
+                <a16:creationId xmlns:a16="http://schemas.microsoft.com/office/drawing/2014/main" id="{992BD579-13F5-48CC-B1C8-16F0934F3B44}"/>
+              </a:ext>
+            </a:extLst>
+          </p:cNvPr>
+          <p:cNvSpPr txBox="1"/>
+          <p:nvPr/>
+        </p:nvSpPr>
+        <p:spPr>
+          <a:xfrm>
+            <a:off x="3225728" y="4163036"/>
+            <a:ext cx="1907548" cy="954107"/>
+          </a:xfrm>
+          <a:prstGeom prst="rect">
+            <a:avLst/>
+          </a:prstGeom>
+        </p:spPr>
+        <p:style>
+          <a:lnRef idx="1">
+            <a:schemeClr val="dk1"/>
+          </a:lnRef>
+          <a:fillRef idx="3">
+            <a:schemeClr val="dk1"/>
+          </a:fillRef>
+          <a:effectRef idx="2">
+            <a:schemeClr val="dk1"/>
+          </a:effectRef>
+          <a:fontRef idx="minor">
+            <a:schemeClr val="lt1"/>
+          </a:fontRef>
+        </p:style>
+        <p:txBody>
+          <a:bodyPr wrap="square" rtlCol="0">
+            <a:spAutoFit/>
+          </a:bodyPr>
+          <a:lstStyle/>
+          <a:p>
+            <a:r>
+              <a:rPr lang="en-US" sz="2800" dirty="0"/>
+              <a:t>Information</a:t>
+            </a:r>
+          </a:p>
+          <a:p>
+            <a:r>
+              <a:rPr lang="en-US" sz="2800" dirty="0"/>
+              <a:t>Systems</a:t>
+            </a:r>
+          </a:p>
+        </p:txBody>
+      </p:sp>
+      <p:pic>
+        <p:nvPicPr>
+          <p:cNvPr id="10" name="Picture 9" descr="Decision Maker">
+            <a:extLst>
+              <a:ext uri="{FF2B5EF4-FFF2-40B4-BE49-F238E27FC236}">
+                <a16:creationId xmlns:a16="http://schemas.microsoft.com/office/drawing/2014/main" id="{2911B196-1EA3-4ECD-850B-F7838FAD07BC}"/>
+              </a:ext>
+            </a:extLst>
+          </p:cNvPr>
+          <p:cNvPicPr>
+            <a:picLocks noChangeAspect="1"/>
+          </p:cNvPicPr>
+          <p:nvPr/>
+        </p:nvPicPr>
+        <p:blipFill>
+          <a:blip r:embed="rId5">
+            <a:extLst>
+              <a:ext uri="{28A0092B-C50C-407E-A947-70E740481C1C}">
+                <a14:useLocalDpi xmlns:a14="http://schemas.microsoft.com/office/drawing/2010/main" val="0"/>
+              </a:ext>
+            </a:extLst>
+          </a:blip>
+          <a:stretch>
+            <a:fillRect/>
+          </a:stretch>
+        </p:blipFill>
+        <p:spPr>
+          <a:xfrm>
+            <a:off x="5787968" y="4375030"/>
+            <a:ext cx="2538848" cy="1516803"/>
+          </a:xfrm>
+          <a:prstGeom prst="rect">
+            <a:avLst/>
+          </a:prstGeom>
+          <a:solidFill>
+            <a:srgbClr val="000000">
+              <a:shade val="95000"/>
+            </a:srgbClr>
+          </a:solidFill>
+          <a:ln w="28575" cap="sq">
+            <a:solidFill>
+              <a:srgbClr val="000000"/>
+            </a:solidFill>
+            <a:miter lim="800000"/>
+          </a:ln>
+          <a:effectLst>
+            <a:outerShdw blurRad="254000" dist="190500" dir="2700000" sy="90000" algn="bl" rotWithShape="0">
+              <a:srgbClr val="000000">
+                <a:alpha val="40000"/>
+              </a:srgbClr>
+            </a:outerShdw>
+          </a:effectLst>
+        </p:spPr>
+      </p:pic>
+      <p:sp>
+        <p:nvSpPr>
+          <p:cNvPr id="17" name="TextBox 16">
+            <a:extLst>
+              <a:ext uri="{FF2B5EF4-FFF2-40B4-BE49-F238E27FC236}">
+                <a16:creationId xmlns:a16="http://schemas.microsoft.com/office/drawing/2014/main" id="{50914ED0-975E-41B2-86EC-5995292303DF}"/>
+              </a:ext>
+            </a:extLst>
+          </p:cNvPr>
+          <p:cNvSpPr txBox="1"/>
+          <p:nvPr/>
+        </p:nvSpPr>
+        <p:spPr>
+          <a:xfrm>
+            <a:off x="5848506" y="5977904"/>
+            <a:ext cx="2421642" cy="523220"/>
+          </a:xfrm>
+          <a:prstGeom prst="rect">
+            <a:avLst/>
+          </a:prstGeom>
+        </p:spPr>
+        <p:style>
+          <a:lnRef idx="1">
+            <a:schemeClr val="dk1"/>
+          </a:lnRef>
+          <a:fillRef idx="3">
+            <a:schemeClr val="dk1"/>
+          </a:fillRef>
+          <a:effectRef idx="2">
+            <a:schemeClr val="dk1"/>
+          </a:effectRef>
+          <a:fontRef idx="minor">
+            <a:schemeClr val="lt1"/>
+          </a:fontRef>
+        </p:style>
+        <p:txBody>
+          <a:bodyPr wrap="square" rtlCol="0">
+            <a:spAutoFit/>
+          </a:bodyPr>
+          <a:lstStyle/>
+          <a:p>
+            <a:r>
+              <a:rPr lang="en-US" sz="2800" dirty="0"/>
+              <a:t>Decision Maker</a:t>
+            </a:r>
+          </a:p>
+        </p:txBody>
+      </p:sp>
+      <p:sp>
+        <p:nvSpPr>
+          <p:cNvPr id="18" name="Arrow: Right 17">
+            <a:extLst>
+              <a:ext uri="{FF2B5EF4-FFF2-40B4-BE49-F238E27FC236}">
+                <a16:creationId xmlns:a16="http://schemas.microsoft.com/office/drawing/2014/main" id="{034BACA9-7E25-4051-A7E8-D2B4C2C0145B}"/>
+              </a:ext>
+            </a:extLst>
+          </p:cNvPr>
+          <p:cNvSpPr/>
+          <p:nvPr/>
+        </p:nvSpPr>
+        <p:spPr>
+          <a:xfrm rot="5400000">
+            <a:off x="1139801" y="4911200"/>
+            <a:ext cx="497541" cy="318768"/>
+          </a:xfrm>
+          <a:prstGeom prst="rightArrow">
+            <a:avLst/>
+          </a:prstGeom>
+        </p:spPr>
+        <p:style>
+          <a:lnRef idx="2">
+            <a:schemeClr val="dk1">
+              <a:shade val="50000"/>
+            </a:schemeClr>
+          </a:lnRef>
+          <a:fillRef idx="1">
+            <a:schemeClr val="dk1"/>
+          </a:fillRef>
+          <a:effectRef idx="0">
+            <a:schemeClr val="dk1"/>
+          </a:effectRef>
+          <a:fontRef idx="minor">
+            <a:schemeClr val="lt1"/>
+          </a:fontRef>
+        </p:style>
+        <p:txBody>
+          <a:bodyPr rtlCol="0" anchor="ctr"/>
+          <a:lstStyle/>
+          <a:p>
+            <a:pPr algn="ctr"/>
+            <a:endParaRPr lang="en-US"/>
+          </a:p>
+        </p:txBody>
+      </p:sp>
+      <p:sp>
+        <p:nvSpPr>
+          <p:cNvPr id="20" name="Arrow: Right 19">
+            <a:extLst>
+              <a:ext uri="{FF2B5EF4-FFF2-40B4-BE49-F238E27FC236}">
+                <a16:creationId xmlns:a16="http://schemas.microsoft.com/office/drawing/2014/main" id="{8BA0E7CA-81EF-4647-8038-D30905E3C7C9}"/>
+              </a:ext>
+            </a:extLst>
+          </p:cNvPr>
+          <p:cNvSpPr/>
+          <p:nvPr/>
+        </p:nvSpPr>
+        <p:spPr>
+          <a:xfrm>
+            <a:off x="2660863" y="4375030"/>
+            <a:ext cx="497541" cy="318768"/>
+          </a:xfrm>
+          <a:prstGeom prst="rightArrow">
+            <a:avLst/>
+          </a:prstGeom>
+        </p:spPr>
+        <p:style>
+          <a:lnRef idx="2">
+            <a:schemeClr val="dk1">
+              <a:shade val="50000"/>
+            </a:schemeClr>
+          </a:lnRef>
+          <a:fillRef idx="1">
+            <a:schemeClr val="dk1"/>
+          </a:fillRef>
+          <a:effectRef idx="0">
+            <a:schemeClr val="dk1"/>
+          </a:effectRef>
+          <a:fontRef idx="minor">
+            <a:schemeClr val="lt1"/>
+          </a:fontRef>
+        </p:style>
+        <p:txBody>
+          <a:bodyPr rtlCol="0" anchor="ctr"/>
+          <a:lstStyle/>
+          <a:p>
+            <a:pPr algn="ctr"/>
+            <a:endParaRPr lang="en-US"/>
+          </a:p>
+        </p:txBody>
+      </p:sp>
+      <p:sp>
+        <p:nvSpPr>
+          <p:cNvPr id="21" name="Arrow: Right 20">
+            <a:extLst>
+              <a:ext uri="{FF2B5EF4-FFF2-40B4-BE49-F238E27FC236}">
+                <a16:creationId xmlns:a16="http://schemas.microsoft.com/office/drawing/2014/main" id="{56068537-B0AA-411A-BA6C-AF1101648815}"/>
+              </a:ext>
+            </a:extLst>
+          </p:cNvPr>
+          <p:cNvSpPr/>
+          <p:nvPr/>
+        </p:nvSpPr>
+        <p:spPr>
+          <a:xfrm rot="20363812">
+            <a:off x="2589987" y="5114621"/>
+            <a:ext cx="574536" cy="318768"/>
+          </a:xfrm>
+          <a:prstGeom prst="rightArrow">
+            <a:avLst/>
+          </a:prstGeom>
+        </p:spPr>
+        <p:style>
+          <a:lnRef idx="2">
+            <a:schemeClr val="dk1">
+              <a:shade val="50000"/>
+            </a:schemeClr>
+          </a:lnRef>
+          <a:fillRef idx="1">
+            <a:schemeClr val="dk1"/>
+          </a:fillRef>
+          <a:effectRef idx="0">
+            <a:schemeClr val="dk1"/>
+          </a:effectRef>
+          <a:fontRef idx="minor">
+            <a:schemeClr val="lt1"/>
+          </a:fontRef>
+        </p:style>
+        <p:txBody>
+          <a:bodyPr rtlCol="0" anchor="ctr"/>
+          <a:lstStyle/>
+          <a:p>
+            <a:pPr algn="ctr"/>
+            <a:endParaRPr lang="en-US"/>
+          </a:p>
+        </p:txBody>
+      </p:sp>
+      <p:sp>
+        <p:nvSpPr>
+          <p:cNvPr id="22" name="Arrow: Right 21">
+            <a:extLst>
+              <a:ext uri="{FF2B5EF4-FFF2-40B4-BE49-F238E27FC236}">
+                <a16:creationId xmlns:a16="http://schemas.microsoft.com/office/drawing/2014/main" id="{D65390E2-9ECB-47DE-9675-CB5E939AB195}"/>
+              </a:ext>
+            </a:extLst>
+          </p:cNvPr>
+          <p:cNvSpPr/>
+          <p:nvPr/>
+        </p:nvSpPr>
+        <p:spPr>
+          <a:xfrm>
+            <a:off x="2655762" y="5786866"/>
+            <a:ext cx="2965922" cy="318768"/>
+          </a:xfrm>
+          <a:prstGeom prst="rightArrow">
+            <a:avLst/>
+          </a:prstGeom>
+        </p:spPr>
+        <p:style>
+          <a:lnRef idx="2">
+            <a:schemeClr val="dk1">
+              <a:shade val="50000"/>
+            </a:schemeClr>
+          </a:lnRef>
+          <a:fillRef idx="1">
+            <a:schemeClr val="dk1"/>
+          </a:fillRef>
+          <a:effectRef idx="0">
+            <a:schemeClr val="dk1"/>
+          </a:effectRef>
+          <a:fontRef idx="minor">
+            <a:schemeClr val="lt1"/>
+          </a:fontRef>
+        </p:style>
+        <p:txBody>
+          <a:bodyPr rtlCol="0" anchor="ctr"/>
+          <a:lstStyle/>
+          <a:p>
+            <a:pPr algn="ctr"/>
+            <a:endParaRPr lang="en-US"/>
+          </a:p>
+        </p:txBody>
+      </p:sp>
+      <p:sp>
+        <p:nvSpPr>
+          <p:cNvPr id="23" name="Arrow: Right 22">
+            <a:extLst>
+              <a:ext uri="{FF2B5EF4-FFF2-40B4-BE49-F238E27FC236}">
+                <a16:creationId xmlns:a16="http://schemas.microsoft.com/office/drawing/2014/main" id="{C46C3C4B-3AA7-4E8E-8FCB-77B719504DD8}"/>
+              </a:ext>
+            </a:extLst>
+          </p:cNvPr>
+          <p:cNvSpPr/>
+          <p:nvPr/>
+        </p:nvSpPr>
+        <p:spPr>
+          <a:xfrm>
+            <a:off x="5214009" y="4695767"/>
+            <a:ext cx="497541" cy="318768"/>
+          </a:xfrm>
+          <a:prstGeom prst="rightArrow">
+            <a:avLst/>
+          </a:prstGeom>
+        </p:spPr>
+        <p:style>
+          <a:lnRef idx="2">
+            <a:schemeClr val="dk1">
+              <a:shade val="50000"/>
+            </a:schemeClr>
+          </a:lnRef>
+          <a:fillRef idx="1">
+            <a:schemeClr val="dk1"/>
+          </a:fillRef>
+          <a:effectRef idx="0">
+            <a:schemeClr val="dk1"/>
+          </a:effectRef>
+          <a:fontRef idx="minor">
+            <a:schemeClr val="lt1"/>
+          </a:fontRef>
+        </p:style>
+        <p:txBody>
+          <a:bodyPr rtlCol="0" anchor="ctr"/>
+          <a:lstStyle/>
+          <a:p>
+            <a:pPr algn="ctr"/>
+            <a:endParaRPr lang="en-US"/>
+          </a:p>
+        </p:txBody>
+      </p:sp>
+      <p:sp>
+        <p:nvSpPr>
+          <p:cNvPr id="19" name="Rectangle 18">
+            <a:extLst>
+              <a:ext uri="{FF2B5EF4-FFF2-40B4-BE49-F238E27FC236}">
+                <a16:creationId xmlns:a16="http://schemas.microsoft.com/office/drawing/2014/main" id="{0F2662DF-6B81-4BCB-BE84-0E68709D2B8F}"/>
+              </a:ext>
+            </a:extLst>
+          </p:cNvPr>
+          <p:cNvSpPr/>
+          <p:nvPr/>
+        </p:nvSpPr>
+        <p:spPr>
+          <a:xfrm>
+            <a:off x="260181" y="6334719"/>
+            <a:ext cx="4017387" cy="369332"/>
+          </a:xfrm>
+          <a:prstGeom prst="rect">
+            <a:avLst/>
+          </a:prstGeom>
+        </p:spPr>
+        <p:txBody>
+          <a:bodyPr wrap="square">
+            <a:spAutoFit/>
+          </a:bodyPr>
+          <a:lstStyle/>
+          <a:p>
+            <a:r>
+              <a:rPr lang="en-US" dirty="0"/>
+              <a:t>Based on </a:t>
+            </a:r>
+            <a:r>
+              <a:rPr lang="en-US" i="1" dirty="0"/>
+              <a:t>Sports Analytics</a:t>
+            </a:r>
+            <a:r>
+              <a:rPr lang="en-US" dirty="0"/>
+              <a:t> by Ben </a:t>
+            </a:r>
+            <a:r>
+              <a:rPr lang="en-US" dirty="0" err="1"/>
+              <a:t>Alamar</a:t>
+            </a:r>
+            <a:endParaRPr lang="en-US" dirty="0"/>
+          </a:p>
+        </p:txBody>
+      </p:sp>
+    </p:spTree>
+    <p:extLst>
+      <p:ext uri="{BB962C8B-B14F-4D97-AF65-F5344CB8AC3E}">
+        <p14:creationId xmlns:p14="http://schemas.microsoft.com/office/powerpoint/2010/main" val="4266006054"/>
+      </p:ext>
+    </p:extLst>
+  </p:cSld>
+  <p:clrMapOvr>
+    <a:overrideClrMapping bg1="dk1" tx1="lt1" bg2="dk2" tx2="lt2" accent1="accent1" accent2="accent2" accent3="accent3" accent4="accent4" accent5="accent5" accent6="accent6" hlink="hlink" folHlink="folHlink"/>
+  </p:clrMapOvr>
+</p:sld>
+</file>
+
+<file path=ppt/slides/slide18.xml><?xml version="1.0" encoding="utf-8"?>
+<p:sld xmlns:a="http://schemas.openxmlformats.org/drawingml/2006/main" xmlns:r="http://schemas.openxmlformats.org/officeDocument/2006/relationships" xmlns:p="http://schemas.openxmlformats.org/presentationml/2006/main">
+  <p:cSld>
+    <p:bg>
+      <p:bgPr>
+        <a:solidFill>
+          <a:srgbClr val="395583"/>
+        </a:solidFill>
+        <a:effectLst/>
+      </p:bgPr>
+    </p:bg>
+    <p:spTree>
+      <p:nvGrpSpPr>
+        <p:cNvPr id="1" name=""/>
+        <p:cNvGrpSpPr/>
+        <p:nvPr/>
+      </p:nvGrpSpPr>
+      <p:grpSpPr>
+        <a:xfrm>
+          <a:off x="0" y="0"/>
+          <a:ext cx="0" cy="0"/>
+          <a:chOff x="0" y="0"/>
+          <a:chExt cx="0" cy="0"/>
+        </a:xfrm>
+      </p:grpSpPr>
+      <p:sp>
+        <p:nvSpPr>
+          <p:cNvPr id="25" name="Rectangle 24">
+            <a:extLst>
+              <a:ext uri="{FF2B5EF4-FFF2-40B4-BE49-F238E27FC236}">
+                <a16:creationId xmlns:a16="http://schemas.microsoft.com/office/drawing/2014/main" id="{A6792F05-2FD4-4F18-815E-15391E8B4A0E}"/>
+              </a:ext>
+              <a:ext uri="{C183D7F6-B498-43B3-948B-1728B52AA6E4}">
+                <adec:decorative xmlns:adec="http://schemas.microsoft.com/office/drawing/2017/decorative" val="1"/>
+              </a:ext>
+            </a:extLst>
+          </p:cNvPr>
+          <p:cNvSpPr>
+            <a:spLocks noGrp="1" noRot="1" noChangeAspect="1" noMove="1" noResize="1" noEditPoints="1" noAdjustHandles="1" noChangeArrowheads="1" noChangeShapeType="1" noTextEdit="1"/>
+          </p:cNvSpPr>
+          <p:nvPr>
+            <p:extLst>
+              <p:ext uri="{386F3935-93C4-4BCD-93E2-E3B085C9AB24}">
+                <p16:designElem xmlns:p16="http://schemas.microsoft.com/office/powerpoint/2015/main" val="1"/>
+              </p:ext>
+            </p:extLst>
+          </p:nvPr>
+        </p:nvSpPr>
+        <p:spPr>
+          <a:xfrm>
+            <a:off x="0" y="0"/>
+            <a:ext cx="12191999" cy="6858000"/>
+          </a:xfrm>
+          <a:prstGeom prst="rect">
+            <a:avLst/>
+          </a:prstGeom>
+          <a:solidFill>
+            <a:srgbClr val="395583"/>
+          </a:solidFill>
+          <a:ln>
+            <a:noFill/>
+          </a:ln>
+        </p:spPr>
+        <p:style>
+          <a:lnRef idx="2">
+            <a:schemeClr val="accent1">
+              <a:shade val="50000"/>
+            </a:schemeClr>
+          </a:lnRef>
+          <a:fillRef idx="1">
+            <a:schemeClr val="accent1"/>
+          </a:fillRef>
+          <a:effectRef idx="0">
+            <a:schemeClr val="accent1"/>
+          </a:effectRef>
+          <a:fontRef idx="minor">
+            <a:schemeClr val="lt1"/>
+          </a:fontRef>
+        </p:style>
+        <p:txBody>
+          <a:bodyPr rtlCol="0" anchor="ctr"/>
+          <a:lstStyle/>
+          <a:p>
+            <a:pPr algn="ctr"/>
+            <a:endParaRPr lang="en-US"/>
+          </a:p>
+        </p:txBody>
+      </p:sp>
+      <p:sp>
+        <p:nvSpPr>
+          <p:cNvPr id="2" name="Title 1">
+            <a:extLst>
+              <a:ext uri="{FF2B5EF4-FFF2-40B4-BE49-F238E27FC236}">
+                <a16:creationId xmlns:a16="http://schemas.microsoft.com/office/drawing/2014/main" id="{2589AFCC-0FF0-498C-B11F-8990DF0DAAA5}"/>
+              </a:ext>
+            </a:extLst>
+          </p:cNvPr>
+          <p:cNvSpPr>
+            <a:spLocks noGrp="1"/>
+          </p:cNvSpPr>
+          <p:nvPr>
+            <p:ph type="title"/>
+          </p:nvPr>
+        </p:nvSpPr>
+        <p:spPr>
+          <a:xfrm>
+            <a:off x="838200" y="365125"/>
+            <a:ext cx="10515600" cy="1325563"/>
+          </a:xfrm>
+        </p:spPr>
+        <p:txBody>
+          <a:bodyPr>
+            <a:normAutofit/>
+          </a:bodyPr>
+          <a:lstStyle/>
+          <a:p>
+            <a:r>
+              <a:rPr lang="en-US" b="1" dirty="0">
+                <a:latin typeface="Selawik Semibold" panose="020B0604020202020204" pitchFamily="34" charset="0"/>
+              </a:rPr>
+              <a:t>What is Sports Analytics?</a:t>
+            </a:r>
+          </a:p>
+        </p:txBody>
+      </p:sp>
+      <p:sp>
+        <p:nvSpPr>
+          <p:cNvPr id="9" name="Content Placeholder 8">
+            <a:extLst>
+              <a:ext uri="{FF2B5EF4-FFF2-40B4-BE49-F238E27FC236}">
+                <a16:creationId xmlns:a16="http://schemas.microsoft.com/office/drawing/2014/main" id="{2D995594-59F2-4020-AB6F-751BAE84ADB3}"/>
+              </a:ext>
+            </a:extLst>
+          </p:cNvPr>
+          <p:cNvSpPr>
+            <a:spLocks noGrp="1"/>
+          </p:cNvSpPr>
+          <p:nvPr>
+            <p:ph idx="1"/>
+          </p:nvPr>
+        </p:nvSpPr>
+        <p:spPr>
+          <a:xfrm>
+            <a:off x="838199" y="2021249"/>
+            <a:ext cx="7324166" cy="4581257"/>
+          </a:xfrm>
+        </p:spPr>
+        <p:txBody>
+          <a:bodyPr>
+            <a:normAutofit/>
+          </a:bodyPr>
+          <a:lstStyle/>
+          <a:p>
+            <a:r>
+              <a:rPr lang="en-US" sz="2400" dirty="0">
+                <a:latin typeface="Selawik Semibold" panose="020B0702040204020203" pitchFamily="34" charset="0"/>
+              </a:rPr>
+              <a:t>Purpose: To Aid an Organization’s </a:t>
+            </a:r>
+            <a:r>
+              <a:rPr lang="en-US" sz="2400" u="sng" dirty="0">
+                <a:latin typeface="Selawik Semibold" panose="020B0702040204020203" pitchFamily="34" charset="0"/>
+              </a:rPr>
+              <a:t>Decision Makers</a:t>
+            </a:r>
+            <a:r>
+              <a:rPr lang="en-US" sz="2400" dirty="0">
+                <a:latin typeface="Selawik Semibold" panose="020B0702040204020203" pitchFamily="34" charset="0"/>
+              </a:rPr>
+              <a:t> in Gaining a Competitive Advantage</a:t>
+            </a:r>
+          </a:p>
+          <a:p>
+            <a:endParaRPr lang="en-US" sz="2400" dirty="0">
+              <a:latin typeface="Selawik Semibold" panose="020B0702040204020203" pitchFamily="34" charset="0"/>
+            </a:endParaRPr>
+          </a:p>
+          <a:p>
+            <a:r>
+              <a:rPr lang="en-US" sz="2400" dirty="0">
+                <a:latin typeface="Selawik Semibold" panose="020B0702040204020203" pitchFamily="34" charset="0"/>
+              </a:rPr>
+              <a:t>Goals</a:t>
+            </a:r>
+          </a:p>
+          <a:p>
+            <a:pPr lvl="1"/>
+            <a:r>
+              <a:rPr lang="en-US" sz="2000" dirty="0">
+                <a:latin typeface="Selawik Semibold" panose="020B0702040204020203" pitchFamily="34" charset="0"/>
+              </a:rPr>
+              <a:t>Save the Decision Maker Time by Making Information Acquisition Efficient </a:t>
+            </a:r>
+          </a:p>
+          <a:p>
+            <a:pPr marL="457200" lvl="1" indent="0">
+              <a:buNone/>
+            </a:pPr>
+            <a:r>
+              <a:rPr lang="en-US" sz="2000" dirty="0">
+                <a:latin typeface="Selawik Semibold" panose="020B0702040204020203" pitchFamily="34" charset="0"/>
+              </a:rPr>
+              <a:t>   (Data Management/Information Systems)</a:t>
+            </a:r>
+          </a:p>
+          <a:p>
+            <a:pPr lvl="1"/>
+            <a:endParaRPr lang="en-US" sz="2000" dirty="0">
+              <a:latin typeface="Selawik Semibold" panose="020B0702040204020203" pitchFamily="34" charset="0"/>
+            </a:endParaRPr>
+          </a:p>
+          <a:p>
+            <a:pPr lvl="1"/>
+            <a:r>
+              <a:rPr lang="en-US" sz="2000" dirty="0">
+                <a:latin typeface="Selawik Semibold" panose="020B0702040204020203" pitchFamily="34" charset="0"/>
+              </a:rPr>
+              <a:t>Provide Decision Makers with Novel Insight</a:t>
+            </a:r>
+          </a:p>
+          <a:p>
+            <a:pPr marL="457200" lvl="1" indent="0">
+              <a:buNone/>
+            </a:pPr>
+            <a:r>
+              <a:rPr lang="en-US" sz="2000" dirty="0">
+                <a:latin typeface="Selawik Semibold" panose="020B0702040204020203" pitchFamily="34" charset="0"/>
+              </a:rPr>
+              <a:t>   (Analytic Models)</a:t>
+            </a:r>
+          </a:p>
+          <a:p>
+            <a:pPr marL="457200" lvl="1" indent="0">
+              <a:buNone/>
+            </a:pPr>
+            <a:endParaRPr lang="en-US" sz="2000" dirty="0">
+              <a:latin typeface="Selawik Semibold" panose="020B0702040204020203" pitchFamily="34" charset="0"/>
+            </a:endParaRPr>
+          </a:p>
+          <a:p>
+            <a:r>
+              <a:rPr lang="en-US" sz="2400" dirty="0">
+                <a:latin typeface="Selawik Semibold" panose="020B0702040204020203" pitchFamily="34" charset="0"/>
+              </a:rPr>
+              <a:t>We are an Accessory to the Decision Maker</a:t>
+            </a:r>
+          </a:p>
+          <a:p>
+            <a:pPr lvl="1"/>
+            <a:endParaRPr lang="en-US" sz="2000" dirty="0">
+              <a:latin typeface="Selawik Semibold" panose="020B0702040204020203" pitchFamily="34" charset="0"/>
+            </a:endParaRPr>
+          </a:p>
+          <a:p>
+            <a:pPr lvl="1"/>
+            <a:endParaRPr lang="en-US" sz="2000" dirty="0">
+              <a:latin typeface="Selawik Semibold" panose="020B0702040204020203" pitchFamily="34" charset="0"/>
+            </a:endParaRPr>
+          </a:p>
+          <a:p>
+            <a:pPr lvl="1"/>
+            <a:endParaRPr lang="en-US" sz="1600" dirty="0">
+              <a:latin typeface="Selawik Semibold" panose="020B0702040204020203" pitchFamily="34" charset="0"/>
+            </a:endParaRPr>
+          </a:p>
+          <a:p>
+            <a:pPr lvl="1"/>
+            <a:endParaRPr lang="en-US" sz="2000" dirty="0">
+              <a:latin typeface="Selawik Semibold" panose="020B0702040204020203" pitchFamily="34" charset="0"/>
+            </a:endParaRPr>
+          </a:p>
+          <a:p>
+            <a:pPr lvl="1"/>
+            <a:endParaRPr lang="en-US" sz="2000" dirty="0">
+              <a:latin typeface="Selawik Semibold" panose="020B0702040204020203" pitchFamily="34" charset="0"/>
+            </a:endParaRPr>
+          </a:p>
+          <a:p>
+            <a:pPr lvl="1"/>
+            <a:endParaRPr lang="en-US" sz="2000" dirty="0">
+              <a:latin typeface="Selawik Semibold" panose="020B0702040204020203" pitchFamily="34" charset="0"/>
+            </a:endParaRPr>
+          </a:p>
+        </p:txBody>
+      </p:sp>
+      <p:pic>
+        <p:nvPicPr>
+          <p:cNvPr id="4" name="Picture 3" descr="A drawing of a cartoon character&#10;&#10;Description automatically generated">
+            <a:extLst>
+              <a:ext uri="{FF2B5EF4-FFF2-40B4-BE49-F238E27FC236}">
+                <a16:creationId xmlns:a16="http://schemas.microsoft.com/office/drawing/2014/main" id="{A7FDC859-D890-4904-9C64-27F43DA90453}"/>
+              </a:ext>
+            </a:extLst>
+          </p:cNvPr>
+          <p:cNvPicPr>
+            <a:picLocks noChangeAspect="1"/>
+          </p:cNvPicPr>
+          <p:nvPr/>
+        </p:nvPicPr>
+        <p:blipFill rotWithShape="1">
+          <a:blip r:embed="rId3">
+            <a:extLst>
+              <a:ext uri="{28A0092B-C50C-407E-A947-70E740481C1C}">
+                <a14:useLocalDpi xmlns:a14="http://schemas.microsoft.com/office/drawing/2010/main" val="0"/>
+              </a:ext>
+            </a:extLst>
+          </a:blip>
+          <a:srcRect t="5616" r="2" b="2"/>
+          <a:stretch/>
+        </p:blipFill>
+        <p:spPr>
+          <a:xfrm>
+            <a:off x="7471144" y="1700078"/>
+            <a:ext cx="4720855" cy="2583792"/>
+          </a:xfrm>
+          <a:custGeom>
+            <a:avLst/>
+            <a:gdLst>
+              <a:gd name="connsiteX0" fmla="*/ 0 w 5475077"/>
+              <a:gd name="connsiteY0" fmla="*/ 0 h 2583792"/>
+              <a:gd name="connsiteX1" fmla="*/ 5475077 w 5475077"/>
+              <a:gd name="connsiteY1" fmla="*/ 0 h 2583792"/>
+              <a:gd name="connsiteX2" fmla="*/ 5475077 w 5475077"/>
+              <a:gd name="connsiteY2" fmla="*/ 2583792 h 2583792"/>
+              <a:gd name="connsiteX3" fmla="*/ 1197192 w 5475077"/>
+              <a:gd name="connsiteY3" fmla="*/ 2583792 h 2583792"/>
+            </a:gdLst>
+            <a:ahLst/>
+            <a:cxnLst>
+              <a:cxn ang="0">
+                <a:pos x="connsiteX0" y="connsiteY0"/>
+              </a:cxn>
+              <a:cxn ang="0">
+                <a:pos x="connsiteX1" y="connsiteY1"/>
+              </a:cxn>
+              <a:cxn ang="0">
+                <a:pos x="connsiteX2" y="connsiteY2"/>
+              </a:cxn>
+              <a:cxn ang="0">
+                <a:pos x="connsiteX3" y="connsiteY3"/>
+              </a:cxn>
+            </a:cxnLst>
+            <a:rect l="l" t="t" r="r" b="b"/>
+            <a:pathLst>
+              <a:path w="5475077" h="2583792">
+                <a:moveTo>
+                  <a:pt x="0" y="0"/>
+                </a:moveTo>
+                <a:lnTo>
+                  <a:pt x="5475077" y="0"/>
+                </a:lnTo>
+                <a:lnTo>
+                  <a:pt x="5475077" y="2583792"/>
+                </a:lnTo>
+                <a:lnTo>
+                  <a:pt x="1197192" y="2583792"/>
+                </a:lnTo>
+                <a:close/>
+              </a:path>
+            </a:pathLst>
+          </a:custGeom>
+        </p:spPr>
+      </p:pic>
+      <p:pic>
+        <p:nvPicPr>
+          <p:cNvPr id="5" name="Content Placeholder 4" descr="A picture containing indoor&#10;&#10;Description automatically generated">
+            <a:extLst>
+              <a:ext uri="{FF2B5EF4-FFF2-40B4-BE49-F238E27FC236}">
+                <a16:creationId xmlns:a16="http://schemas.microsoft.com/office/drawing/2014/main" id="{A58F0E55-21F3-485B-A07F-1CE74177BDD2}"/>
+              </a:ext>
+            </a:extLst>
+          </p:cNvPr>
+          <p:cNvPicPr>
+            <a:picLocks noChangeAspect="1"/>
+          </p:cNvPicPr>
+          <p:nvPr/>
+        </p:nvPicPr>
+        <p:blipFill rotWithShape="1">
+          <a:blip r:embed="rId4">
+            <a:extLst>
+              <a:ext uri="{28A0092B-C50C-407E-A947-70E740481C1C}">
+                <a14:useLocalDpi xmlns:a14="http://schemas.microsoft.com/office/drawing/2010/main" val="0"/>
+              </a:ext>
+            </a:extLst>
+          </a:blip>
+          <a:srcRect t="5300" r="3" b="6859"/>
+          <a:stretch/>
+        </p:blipFill>
+        <p:spPr>
+          <a:xfrm>
+            <a:off x="8491869" y="4283870"/>
+            <a:ext cx="3700129" cy="2583520"/>
+          </a:xfrm>
+          <a:custGeom>
+            <a:avLst/>
+            <a:gdLst>
+              <a:gd name="connsiteX0" fmla="*/ 0 w 4277884"/>
+              <a:gd name="connsiteY0" fmla="*/ 0 h 2583520"/>
+              <a:gd name="connsiteX1" fmla="*/ 4277884 w 4277884"/>
+              <a:gd name="connsiteY1" fmla="*/ 0 h 2583520"/>
+              <a:gd name="connsiteX2" fmla="*/ 4277884 w 4277884"/>
+              <a:gd name="connsiteY2" fmla="*/ 2583520 h 2583520"/>
+              <a:gd name="connsiteX3" fmla="*/ 1192437 w 4277884"/>
+              <a:gd name="connsiteY3" fmla="*/ 2583520 h 2583520"/>
+              <a:gd name="connsiteX4" fmla="*/ 1188085 w 4277884"/>
+              <a:gd name="connsiteY4" fmla="*/ 2574129 h 2583520"/>
+              <a:gd name="connsiteX5" fmla="*/ 1192715 w 4277884"/>
+              <a:gd name="connsiteY5" fmla="*/ 2574129 h 2583520"/>
+            </a:gdLst>
+            <a:ahLst/>
+            <a:cxnLst>
+              <a:cxn ang="0">
+                <a:pos x="connsiteX0" y="connsiteY0"/>
+              </a:cxn>
+              <a:cxn ang="0">
+                <a:pos x="connsiteX1" y="connsiteY1"/>
+              </a:cxn>
+              <a:cxn ang="0">
+                <a:pos x="connsiteX2" y="connsiteY2"/>
+              </a:cxn>
+              <a:cxn ang="0">
+                <a:pos x="connsiteX3" y="connsiteY3"/>
+              </a:cxn>
+              <a:cxn ang="0">
+                <a:pos x="connsiteX4" y="connsiteY4"/>
+              </a:cxn>
+              <a:cxn ang="0">
+                <a:pos x="connsiteX5" y="connsiteY5"/>
+              </a:cxn>
+            </a:cxnLst>
+            <a:rect l="l" t="t" r="r" b="b"/>
+            <a:pathLst>
+              <a:path w="4277884" h="2583520">
+                <a:moveTo>
+                  <a:pt x="0" y="0"/>
+                </a:moveTo>
+                <a:lnTo>
+                  <a:pt x="4277884" y="0"/>
+                </a:lnTo>
+                <a:lnTo>
+                  <a:pt x="4277884" y="2583520"/>
+                </a:lnTo>
+                <a:lnTo>
+                  <a:pt x="1192437" y="2583520"/>
+                </a:lnTo>
+                <a:lnTo>
+                  <a:pt x="1188085" y="2574129"/>
+                </a:lnTo>
+                <a:lnTo>
+                  <a:pt x="1192715" y="2574129"/>
+                </a:lnTo>
+                <a:close/>
+              </a:path>
+            </a:pathLst>
+          </a:custGeom>
+        </p:spPr>
+      </p:pic>
+      <p:sp>
+        <p:nvSpPr>
+          <p:cNvPr id="6" name="Rectangle 5">
+            <a:extLst>
+              <a:ext uri="{FF2B5EF4-FFF2-40B4-BE49-F238E27FC236}">
+                <a16:creationId xmlns:a16="http://schemas.microsoft.com/office/drawing/2014/main" id="{A2901312-C3C2-4CEC-80EF-823AB4FBB726}"/>
+              </a:ext>
+            </a:extLst>
+          </p:cNvPr>
+          <p:cNvSpPr/>
+          <p:nvPr/>
+        </p:nvSpPr>
+        <p:spPr>
+          <a:xfrm>
+            <a:off x="-1" y="1608918"/>
+            <a:ext cx="12191999" cy="91160"/>
+          </a:xfrm>
+          <a:prstGeom prst="rect">
+            <a:avLst/>
+          </a:prstGeom>
+          <a:solidFill>
+            <a:schemeClr val="bg1"/>
+          </a:solidFill>
+          <a:ln>
+            <a:noFill/>
+          </a:ln>
+        </p:spPr>
+        <p:style>
+          <a:lnRef idx="2">
+            <a:schemeClr val="accent1">
+              <a:shade val="50000"/>
+            </a:schemeClr>
+          </a:lnRef>
+          <a:fillRef idx="1">
+            <a:schemeClr val="accent1"/>
+          </a:fillRef>
+          <a:effectRef idx="0">
+            <a:schemeClr val="accent1"/>
+          </a:effectRef>
+          <a:fontRef idx="minor">
+            <a:schemeClr val="lt1"/>
+          </a:fontRef>
+        </p:style>
+        <p:txBody>
+          <a:bodyPr rtlCol="0" anchor="ctr"/>
+          <a:lstStyle/>
+          <a:p>
+            <a:pPr algn="ctr"/>
+            <a:endParaRPr lang="en-US">
+              <a:solidFill>
+                <a:srgbClr val="DB5B5C"/>
+              </a:solidFill>
+            </a:endParaRPr>
+          </a:p>
+        </p:txBody>
+      </p:sp>
+      <p:sp>
+        <p:nvSpPr>
+          <p:cNvPr id="15" name="Rectangle 14">
+            <a:extLst>
+              <a:ext uri="{FF2B5EF4-FFF2-40B4-BE49-F238E27FC236}">
+                <a16:creationId xmlns:a16="http://schemas.microsoft.com/office/drawing/2014/main" id="{AD0A7C9C-CA2C-4B9B-A125-2D09D5573B44}"/>
+              </a:ext>
+            </a:extLst>
+          </p:cNvPr>
+          <p:cNvSpPr/>
+          <p:nvPr/>
+        </p:nvSpPr>
+        <p:spPr>
+          <a:xfrm>
+            <a:off x="1" y="6677247"/>
+            <a:ext cx="12191999" cy="190143"/>
+          </a:xfrm>
+          <a:prstGeom prst="rect">
+            <a:avLst/>
+          </a:prstGeom>
+          <a:solidFill>
+            <a:schemeClr val="bg1"/>
+          </a:solidFill>
+          <a:ln>
+            <a:noFill/>
+          </a:ln>
+        </p:spPr>
+        <p:style>
+          <a:lnRef idx="2">
+            <a:schemeClr val="accent1">
+              <a:shade val="50000"/>
+            </a:schemeClr>
+          </a:lnRef>
+          <a:fillRef idx="1">
+            <a:schemeClr val="accent1"/>
+          </a:fillRef>
+          <a:effectRef idx="0">
+            <a:schemeClr val="accent1"/>
+          </a:effectRef>
+          <a:fontRef idx="minor">
+            <a:schemeClr val="lt1"/>
+          </a:fontRef>
+        </p:style>
+        <p:txBody>
+          <a:bodyPr rtlCol="0" anchor="ctr"/>
+          <a:lstStyle/>
+          <a:p>
+            <a:pPr algn="ctr"/>
+            <a:endParaRPr lang="en-US">
+              <a:solidFill>
+                <a:srgbClr val="DB5B5C"/>
+              </a:solidFill>
+            </a:endParaRPr>
+          </a:p>
+        </p:txBody>
+      </p:sp>
+      <p:sp>
+        <p:nvSpPr>
+          <p:cNvPr id="16" name="Rectangle 15">
+            <a:extLst>
+              <a:ext uri="{FF2B5EF4-FFF2-40B4-BE49-F238E27FC236}">
+                <a16:creationId xmlns:a16="http://schemas.microsoft.com/office/drawing/2014/main" id="{74A085FC-1866-46D4-97F7-51AA45E48D4F}"/>
+              </a:ext>
+            </a:extLst>
+          </p:cNvPr>
+          <p:cNvSpPr/>
+          <p:nvPr/>
+        </p:nvSpPr>
+        <p:spPr>
+          <a:xfrm rot="4092292">
+            <a:off x="5790668" y="4094517"/>
+            <a:ext cx="5446699" cy="137038"/>
+          </a:xfrm>
+          <a:prstGeom prst="rect">
+            <a:avLst/>
+          </a:prstGeom>
+          <a:solidFill>
+            <a:schemeClr val="bg1"/>
+          </a:solidFill>
+          <a:ln>
+            <a:noFill/>
+          </a:ln>
+        </p:spPr>
+        <p:style>
+          <a:lnRef idx="2">
+            <a:schemeClr val="accent1">
+              <a:shade val="50000"/>
+            </a:schemeClr>
+          </a:lnRef>
+          <a:fillRef idx="1">
+            <a:schemeClr val="accent1"/>
+          </a:fillRef>
+          <a:effectRef idx="0">
+            <a:schemeClr val="accent1"/>
+          </a:effectRef>
+          <a:fontRef idx="minor">
+            <a:schemeClr val="lt1"/>
+          </a:fontRef>
+        </p:style>
+        <p:txBody>
+          <a:bodyPr rtlCol="0" anchor="ctr"/>
+          <a:lstStyle/>
+          <a:p>
+            <a:pPr algn="ctr"/>
+            <a:endParaRPr lang="en-US">
+              <a:solidFill>
+                <a:srgbClr val="DB5B5C"/>
+              </a:solidFill>
+            </a:endParaRPr>
+          </a:p>
+        </p:txBody>
+      </p:sp>
+    </p:spTree>
+    <p:extLst>
+      <p:ext uri="{BB962C8B-B14F-4D97-AF65-F5344CB8AC3E}">
+        <p14:creationId xmlns:p14="http://schemas.microsoft.com/office/powerpoint/2010/main" val="77696106"/>
+      </p:ext>
+    </p:extLst>
+  </p:cSld>
+  <p:clrMapOvr>
+    <a:overrideClrMapping bg1="dk1" tx1="lt1" bg2="dk2" tx2="lt2" accent1="accent1" accent2="accent2" accent3="accent3" accent4="accent4" accent5="accent5" accent6="accent6" hlink="hlink" folHlink="folHlink"/>
+  </p:clrMapOvr>
+</p:sld>
+</file>
+
+<file path=ppt/slides/slide19.xml><?xml version="1.0" encoding="utf-8"?>
+<p:sld xmlns:a="http://schemas.openxmlformats.org/drawingml/2006/main" xmlns:r="http://schemas.openxmlformats.org/officeDocument/2006/relationships" xmlns:p="http://schemas.openxmlformats.org/presentationml/2006/main">
+  <p:cSld>
+    <p:bg>
+      <p:bgPr>
+        <a:solidFill>
+          <a:srgbClr val="395583"/>
+        </a:solidFill>
+        <a:effectLst/>
+      </p:bgPr>
+    </p:bg>
+    <p:spTree>
+      <p:nvGrpSpPr>
+        <p:cNvPr id="1" name=""/>
+        <p:cNvGrpSpPr/>
+        <p:nvPr/>
+      </p:nvGrpSpPr>
+      <p:grpSpPr>
+        <a:xfrm>
+          <a:off x="0" y="0"/>
+          <a:ext cx="0" cy="0"/>
+          <a:chOff x="0" y="0"/>
+          <a:chExt cx="0" cy="0"/>
+        </a:xfrm>
+      </p:grpSpPr>
+      <p:sp>
+        <p:nvSpPr>
+          <p:cNvPr id="25" name="Rectangle 24">
+            <a:extLst>
+              <a:ext uri="{FF2B5EF4-FFF2-40B4-BE49-F238E27FC236}">
+                <a16:creationId xmlns:a16="http://schemas.microsoft.com/office/drawing/2014/main" id="{A6792F05-2FD4-4F18-815E-15391E8B4A0E}"/>
+              </a:ext>
+              <a:ext uri="{C183D7F6-B498-43B3-948B-1728B52AA6E4}">
+                <adec:decorative xmlns:adec="http://schemas.microsoft.com/office/drawing/2017/decorative" val="1"/>
+              </a:ext>
+            </a:extLst>
+          </p:cNvPr>
+          <p:cNvSpPr>
+            <a:spLocks noGrp="1" noRot="1" noChangeAspect="1" noMove="1" noResize="1" noEditPoints="1" noAdjustHandles="1" noChangeArrowheads="1" noChangeShapeType="1" noTextEdit="1"/>
+          </p:cNvSpPr>
+          <p:nvPr>
+            <p:extLst>
+              <p:ext uri="{386F3935-93C4-4BCD-93E2-E3B085C9AB24}">
+                <p16:designElem xmlns:p16="http://schemas.microsoft.com/office/powerpoint/2015/main" val="1"/>
+              </p:ext>
+            </p:extLst>
+          </p:nvPr>
+        </p:nvSpPr>
+        <p:spPr>
+          <a:xfrm>
+            <a:off x="0" y="0"/>
+            <a:ext cx="12191999" cy="6858000"/>
+          </a:xfrm>
+          <a:prstGeom prst="rect">
+            <a:avLst/>
+          </a:prstGeom>
+          <a:solidFill>
+            <a:srgbClr val="395583"/>
+          </a:solidFill>
+          <a:ln>
+            <a:noFill/>
+          </a:ln>
+        </p:spPr>
+        <p:style>
+          <a:lnRef idx="2">
+            <a:schemeClr val="accent1">
+              <a:shade val="50000"/>
+            </a:schemeClr>
+          </a:lnRef>
+          <a:fillRef idx="1">
+            <a:schemeClr val="accent1"/>
+          </a:fillRef>
+          <a:effectRef idx="0">
+            <a:schemeClr val="accent1"/>
+          </a:effectRef>
+          <a:fontRef idx="minor">
+            <a:schemeClr val="lt1"/>
+          </a:fontRef>
+        </p:style>
+        <p:txBody>
+          <a:bodyPr rtlCol="0" anchor="ctr"/>
+          <a:lstStyle/>
+          <a:p>
+            <a:pPr algn="ctr"/>
+            <a:endParaRPr lang="en-US"/>
+          </a:p>
+        </p:txBody>
+      </p:sp>
+      <p:sp>
+        <p:nvSpPr>
+          <p:cNvPr id="2" name="Title 1">
+            <a:extLst>
+              <a:ext uri="{FF2B5EF4-FFF2-40B4-BE49-F238E27FC236}">
+                <a16:creationId xmlns:a16="http://schemas.microsoft.com/office/drawing/2014/main" id="{2589AFCC-0FF0-498C-B11F-8990DF0DAAA5}"/>
+              </a:ext>
+            </a:extLst>
+          </p:cNvPr>
+          <p:cNvSpPr>
+            <a:spLocks noGrp="1"/>
+          </p:cNvSpPr>
+          <p:nvPr>
+            <p:ph type="title"/>
+          </p:nvPr>
+        </p:nvSpPr>
+        <p:spPr>
+          <a:xfrm>
+            <a:off x="838200" y="365125"/>
+            <a:ext cx="10515600" cy="1325563"/>
+          </a:xfrm>
+        </p:spPr>
+        <p:txBody>
+          <a:bodyPr>
+            <a:normAutofit/>
+          </a:bodyPr>
+          <a:lstStyle/>
+          <a:p>
+            <a:r>
+              <a:rPr lang="en-US" b="1" dirty="0">
+                <a:latin typeface="Selawik Semibold" panose="020B0604020202020204" pitchFamily="34" charset="0"/>
+              </a:rPr>
+              <a:t>What is Sports Analytics?</a:t>
+            </a:r>
+          </a:p>
+        </p:txBody>
+      </p:sp>
+      <p:sp>
+        <p:nvSpPr>
+          <p:cNvPr id="9" name="Content Placeholder 8">
+            <a:extLst>
+              <a:ext uri="{FF2B5EF4-FFF2-40B4-BE49-F238E27FC236}">
+                <a16:creationId xmlns:a16="http://schemas.microsoft.com/office/drawing/2014/main" id="{2D995594-59F2-4020-AB6F-751BAE84ADB3}"/>
+              </a:ext>
+            </a:extLst>
+          </p:cNvPr>
+          <p:cNvSpPr>
+            <a:spLocks noGrp="1"/>
+          </p:cNvSpPr>
+          <p:nvPr>
+            <p:ph idx="1"/>
+          </p:nvPr>
+        </p:nvSpPr>
+        <p:spPr>
+          <a:xfrm>
+            <a:off x="838199" y="2021249"/>
+            <a:ext cx="7324166" cy="4581257"/>
+          </a:xfrm>
+        </p:spPr>
+        <p:txBody>
+          <a:bodyPr>
+            <a:normAutofit/>
+          </a:bodyPr>
+          <a:lstStyle/>
+          <a:p>
+            <a:r>
+              <a:rPr lang="en-US" sz="2400" dirty="0">
+                <a:latin typeface="Selawik Semibold" panose="020B0702040204020203" pitchFamily="34" charset="0"/>
+              </a:rPr>
+              <a:t>Different Decision Makers</a:t>
+            </a:r>
+            <a:endParaRPr lang="en-US" sz="2000" dirty="0">
+              <a:latin typeface="Selawik Semibold" panose="020B0702040204020203" pitchFamily="34" charset="0"/>
+            </a:endParaRPr>
+          </a:p>
+          <a:p>
+            <a:pPr lvl="1"/>
+            <a:r>
+              <a:rPr lang="en-US" sz="2000" dirty="0">
+                <a:latin typeface="Selawik Semibold" panose="020B0702040204020203" pitchFamily="34" charset="0"/>
+              </a:rPr>
+              <a:t>Off-the-Field: Profit Driven</a:t>
+            </a:r>
+          </a:p>
+          <a:p>
+            <a:pPr lvl="1"/>
+            <a:r>
+              <a:rPr lang="en-US" sz="2000" dirty="0">
+                <a:latin typeface="Selawik Semibold" panose="020B0702040204020203" pitchFamily="34" charset="0"/>
+              </a:rPr>
+              <a:t>On-the-Field: Performance Driven</a:t>
+            </a:r>
+          </a:p>
+          <a:p>
+            <a:endParaRPr lang="en-US" sz="2400" dirty="0">
+              <a:latin typeface="Selawik Semibold" panose="020B0702040204020203" pitchFamily="34" charset="0"/>
+            </a:endParaRPr>
+          </a:p>
+          <a:p>
+            <a:r>
+              <a:rPr lang="en-US" sz="2400" dirty="0">
+                <a:latin typeface="Selawik Semibold" panose="020B0702040204020203" pitchFamily="34" charset="0"/>
+              </a:rPr>
+              <a:t>Skills for the Data Analyst</a:t>
+            </a:r>
+          </a:p>
+          <a:p>
+            <a:pPr lvl="1"/>
+            <a:r>
+              <a:rPr lang="en-US" sz="2000" dirty="0">
+                <a:latin typeface="Selawik Semibold" panose="020B0702040204020203" pitchFamily="34" charset="0"/>
+              </a:rPr>
+              <a:t>Competence – Ben </a:t>
+            </a:r>
+            <a:r>
+              <a:rPr lang="en-US" sz="2000" dirty="0" err="1">
+                <a:latin typeface="Selawik Semibold" panose="020B0702040204020203" pitchFamily="34" charset="0"/>
+              </a:rPr>
+              <a:t>Alamar</a:t>
+            </a:r>
+            <a:endParaRPr lang="en-US" sz="2000" dirty="0">
+              <a:latin typeface="Selawik Semibold" panose="020B0702040204020203" pitchFamily="34" charset="0"/>
+            </a:endParaRPr>
+          </a:p>
+          <a:p>
+            <a:pPr lvl="1"/>
+            <a:r>
+              <a:rPr lang="en-US" sz="2000" dirty="0">
+                <a:latin typeface="Selawik Semibold" panose="020B0702040204020203" pitchFamily="34" charset="0"/>
+              </a:rPr>
+              <a:t>Leadership – Ben </a:t>
+            </a:r>
+            <a:r>
+              <a:rPr lang="en-US" sz="2000" dirty="0" err="1">
+                <a:latin typeface="Selawik Semibold" panose="020B0702040204020203" pitchFamily="34" charset="0"/>
+              </a:rPr>
+              <a:t>Alamar</a:t>
+            </a:r>
+            <a:endParaRPr lang="en-US" sz="2000" dirty="0">
+              <a:latin typeface="Selawik Semibold" panose="020B0702040204020203" pitchFamily="34" charset="0"/>
+            </a:endParaRPr>
+          </a:p>
+          <a:p>
+            <a:pPr lvl="1"/>
+            <a:r>
+              <a:rPr lang="en-US" sz="2000" dirty="0">
+                <a:latin typeface="Selawik Semibold" panose="020B0702040204020203" pitchFamily="34" charset="0"/>
+              </a:rPr>
+              <a:t>Humility – Dr. Mario</a:t>
+            </a:r>
+          </a:p>
+          <a:p>
+            <a:pPr lvl="1"/>
+            <a:r>
+              <a:rPr lang="en-US" sz="2000" dirty="0">
+                <a:latin typeface="Selawik Semibold" panose="020B0702040204020203" pitchFamily="34" charset="0"/>
+              </a:rPr>
+              <a:t>Honesty – Dr. Mario</a:t>
+            </a:r>
+          </a:p>
+          <a:p>
+            <a:pPr lvl="1"/>
+            <a:endParaRPr lang="en-US" sz="2000" dirty="0">
+              <a:latin typeface="Selawik Semibold" panose="020B0702040204020203" pitchFamily="34" charset="0"/>
+            </a:endParaRPr>
+          </a:p>
+          <a:p>
+            <a:pPr lvl="1"/>
+            <a:endParaRPr lang="en-US" sz="2000" dirty="0">
+              <a:latin typeface="Selawik Semibold" panose="020B0702040204020203" pitchFamily="34" charset="0"/>
+            </a:endParaRPr>
+          </a:p>
+          <a:p>
+            <a:pPr lvl="1"/>
+            <a:endParaRPr lang="en-US" sz="1600" dirty="0">
+              <a:latin typeface="Selawik Semibold" panose="020B0702040204020203" pitchFamily="34" charset="0"/>
+            </a:endParaRPr>
+          </a:p>
+          <a:p>
+            <a:pPr lvl="1"/>
+            <a:endParaRPr lang="en-US" sz="2000" dirty="0">
+              <a:latin typeface="Selawik Semibold" panose="020B0702040204020203" pitchFamily="34" charset="0"/>
+            </a:endParaRPr>
+          </a:p>
+          <a:p>
+            <a:pPr lvl="1"/>
+            <a:endParaRPr lang="en-US" sz="2000" dirty="0">
+              <a:latin typeface="Selawik Semibold" panose="020B0702040204020203" pitchFamily="34" charset="0"/>
+            </a:endParaRPr>
+          </a:p>
+          <a:p>
+            <a:pPr lvl="1"/>
+            <a:endParaRPr lang="en-US" sz="2000" dirty="0">
+              <a:latin typeface="Selawik Semibold" panose="020B0702040204020203" pitchFamily="34" charset="0"/>
+            </a:endParaRPr>
+          </a:p>
+        </p:txBody>
+      </p:sp>
+      <p:pic>
+        <p:nvPicPr>
+          <p:cNvPr id="4" name="Picture 3" descr="A drawing of a cartoon character&#10;&#10;Description automatically generated">
+            <a:extLst>
+              <a:ext uri="{FF2B5EF4-FFF2-40B4-BE49-F238E27FC236}">
+                <a16:creationId xmlns:a16="http://schemas.microsoft.com/office/drawing/2014/main" id="{A7FDC859-D890-4904-9C64-27F43DA90453}"/>
+              </a:ext>
+            </a:extLst>
+          </p:cNvPr>
+          <p:cNvPicPr>
+            <a:picLocks noChangeAspect="1"/>
+          </p:cNvPicPr>
+          <p:nvPr/>
+        </p:nvPicPr>
+        <p:blipFill rotWithShape="1">
+          <a:blip r:embed="rId3">
+            <a:extLst>
+              <a:ext uri="{28A0092B-C50C-407E-A947-70E740481C1C}">
+                <a14:useLocalDpi xmlns:a14="http://schemas.microsoft.com/office/drawing/2010/main" val="0"/>
+              </a:ext>
+            </a:extLst>
+          </a:blip>
+          <a:srcRect t="5616" r="2" b="2"/>
+          <a:stretch/>
+        </p:blipFill>
+        <p:spPr>
+          <a:xfrm>
+            <a:off x="7471144" y="1700078"/>
+            <a:ext cx="4720855" cy="2583792"/>
+          </a:xfrm>
+          <a:custGeom>
+            <a:avLst/>
+            <a:gdLst>
+              <a:gd name="connsiteX0" fmla="*/ 0 w 5475077"/>
+              <a:gd name="connsiteY0" fmla="*/ 0 h 2583792"/>
+              <a:gd name="connsiteX1" fmla="*/ 5475077 w 5475077"/>
+              <a:gd name="connsiteY1" fmla="*/ 0 h 2583792"/>
+              <a:gd name="connsiteX2" fmla="*/ 5475077 w 5475077"/>
+              <a:gd name="connsiteY2" fmla="*/ 2583792 h 2583792"/>
+              <a:gd name="connsiteX3" fmla="*/ 1197192 w 5475077"/>
+              <a:gd name="connsiteY3" fmla="*/ 2583792 h 2583792"/>
+            </a:gdLst>
+            <a:ahLst/>
+            <a:cxnLst>
+              <a:cxn ang="0">
+                <a:pos x="connsiteX0" y="connsiteY0"/>
+              </a:cxn>
+              <a:cxn ang="0">
+                <a:pos x="connsiteX1" y="connsiteY1"/>
+              </a:cxn>
+              <a:cxn ang="0">
+                <a:pos x="connsiteX2" y="connsiteY2"/>
+              </a:cxn>
+              <a:cxn ang="0">
+                <a:pos x="connsiteX3" y="connsiteY3"/>
+              </a:cxn>
+            </a:cxnLst>
+            <a:rect l="l" t="t" r="r" b="b"/>
+            <a:pathLst>
+              <a:path w="5475077" h="2583792">
+                <a:moveTo>
+                  <a:pt x="0" y="0"/>
+                </a:moveTo>
+                <a:lnTo>
+                  <a:pt x="5475077" y="0"/>
+                </a:lnTo>
+                <a:lnTo>
+                  <a:pt x="5475077" y="2583792"/>
+                </a:lnTo>
+                <a:lnTo>
+                  <a:pt x="1197192" y="2583792"/>
+                </a:lnTo>
+                <a:close/>
+              </a:path>
+            </a:pathLst>
+          </a:custGeom>
+        </p:spPr>
+      </p:pic>
+      <p:pic>
+        <p:nvPicPr>
+          <p:cNvPr id="5" name="Content Placeholder 4" descr="A picture containing indoor&#10;&#10;Description automatically generated">
+            <a:extLst>
+              <a:ext uri="{FF2B5EF4-FFF2-40B4-BE49-F238E27FC236}">
+                <a16:creationId xmlns:a16="http://schemas.microsoft.com/office/drawing/2014/main" id="{A58F0E55-21F3-485B-A07F-1CE74177BDD2}"/>
+              </a:ext>
+            </a:extLst>
+          </p:cNvPr>
+          <p:cNvPicPr>
+            <a:picLocks noChangeAspect="1"/>
+          </p:cNvPicPr>
+          <p:nvPr/>
+        </p:nvPicPr>
+        <p:blipFill rotWithShape="1">
+          <a:blip r:embed="rId4">
+            <a:extLst>
+              <a:ext uri="{28A0092B-C50C-407E-A947-70E740481C1C}">
+                <a14:useLocalDpi xmlns:a14="http://schemas.microsoft.com/office/drawing/2010/main" val="0"/>
+              </a:ext>
+            </a:extLst>
+          </a:blip>
+          <a:srcRect t="5300" r="3" b="6859"/>
+          <a:stretch/>
+        </p:blipFill>
+        <p:spPr>
+          <a:xfrm>
+            <a:off x="8491869" y="4283870"/>
+            <a:ext cx="3700129" cy="2583520"/>
+          </a:xfrm>
+          <a:custGeom>
+            <a:avLst/>
+            <a:gdLst>
+              <a:gd name="connsiteX0" fmla="*/ 0 w 4277884"/>
+              <a:gd name="connsiteY0" fmla="*/ 0 h 2583520"/>
+              <a:gd name="connsiteX1" fmla="*/ 4277884 w 4277884"/>
+              <a:gd name="connsiteY1" fmla="*/ 0 h 2583520"/>
+              <a:gd name="connsiteX2" fmla="*/ 4277884 w 4277884"/>
+              <a:gd name="connsiteY2" fmla="*/ 2583520 h 2583520"/>
+              <a:gd name="connsiteX3" fmla="*/ 1192437 w 4277884"/>
+              <a:gd name="connsiteY3" fmla="*/ 2583520 h 2583520"/>
+              <a:gd name="connsiteX4" fmla="*/ 1188085 w 4277884"/>
+              <a:gd name="connsiteY4" fmla="*/ 2574129 h 2583520"/>
+              <a:gd name="connsiteX5" fmla="*/ 1192715 w 4277884"/>
+              <a:gd name="connsiteY5" fmla="*/ 2574129 h 2583520"/>
+            </a:gdLst>
+            <a:ahLst/>
+            <a:cxnLst>
+              <a:cxn ang="0">
+                <a:pos x="connsiteX0" y="connsiteY0"/>
+              </a:cxn>
+              <a:cxn ang="0">
+                <a:pos x="connsiteX1" y="connsiteY1"/>
+              </a:cxn>
+              <a:cxn ang="0">
+                <a:pos x="connsiteX2" y="connsiteY2"/>
+              </a:cxn>
+              <a:cxn ang="0">
+                <a:pos x="connsiteX3" y="connsiteY3"/>
+              </a:cxn>
+              <a:cxn ang="0">
+                <a:pos x="connsiteX4" y="connsiteY4"/>
+              </a:cxn>
+              <a:cxn ang="0">
+                <a:pos x="connsiteX5" y="connsiteY5"/>
+              </a:cxn>
+            </a:cxnLst>
+            <a:rect l="l" t="t" r="r" b="b"/>
+            <a:pathLst>
+              <a:path w="4277884" h="2583520">
+                <a:moveTo>
+                  <a:pt x="0" y="0"/>
+                </a:moveTo>
+                <a:lnTo>
+                  <a:pt x="4277884" y="0"/>
+                </a:lnTo>
+                <a:lnTo>
+                  <a:pt x="4277884" y="2583520"/>
+                </a:lnTo>
+                <a:lnTo>
+                  <a:pt x="1192437" y="2583520"/>
+                </a:lnTo>
+                <a:lnTo>
+                  <a:pt x="1188085" y="2574129"/>
+                </a:lnTo>
+                <a:lnTo>
+                  <a:pt x="1192715" y="2574129"/>
+                </a:lnTo>
+                <a:close/>
+              </a:path>
+            </a:pathLst>
+          </a:custGeom>
+        </p:spPr>
+      </p:pic>
+      <p:sp>
+        <p:nvSpPr>
+          <p:cNvPr id="6" name="Rectangle 5">
+            <a:extLst>
+              <a:ext uri="{FF2B5EF4-FFF2-40B4-BE49-F238E27FC236}">
+                <a16:creationId xmlns:a16="http://schemas.microsoft.com/office/drawing/2014/main" id="{A2901312-C3C2-4CEC-80EF-823AB4FBB726}"/>
+              </a:ext>
+            </a:extLst>
+          </p:cNvPr>
+          <p:cNvSpPr/>
+          <p:nvPr/>
+        </p:nvSpPr>
+        <p:spPr>
+          <a:xfrm>
+            <a:off x="-1" y="1608918"/>
+            <a:ext cx="12191999" cy="91160"/>
+          </a:xfrm>
+          <a:prstGeom prst="rect">
+            <a:avLst/>
+          </a:prstGeom>
+          <a:solidFill>
+            <a:schemeClr val="bg1"/>
+          </a:solidFill>
+          <a:ln>
+            <a:noFill/>
+          </a:ln>
+        </p:spPr>
+        <p:style>
+          <a:lnRef idx="2">
+            <a:schemeClr val="accent1">
+              <a:shade val="50000"/>
+            </a:schemeClr>
+          </a:lnRef>
+          <a:fillRef idx="1">
+            <a:schemeClr val="accent1"/>
+          </a:fillRef>
+          <a:effectRef idx="0">
+            <a:schemeClr val="accent1"/>
+          </a:effectRef>
+          <a:fontRef idx="minor">
+            <a:schemeClr val="lt1"/>
+          </a:fontRef>
+        </p:style>
+        <p:txBody>
+          <a:bodyPr rtlCol="0" anchor="ctr"/>
+          <a:lstStyle/>
+          <a:p>
+            <a:pPr algn="ctr"/>
+            <a:endParaRPr lang="en-US">
+              <a:solidFill>
+                <a:srgbClr val="DB5B5C"/>
+              </a:solidFill>
+            </a:endParaRPr>
+          </a:p>
+        </p:txBody>
+      </p:sp>
+      <p:sp>
+        <p:nvSpPr>
+          <p:cNvPr id="15" name="Rectangle 14">
+            <a:extLst>
+              <a:ext uri="{FF2B5EF4-FFF2-40B4-BE49-F238E27FC236}">
+                <a16:creationId xmlns:a16="http://schemas.microsoft.com/office/drawing/2014/main" id="{AD0A7C9C-CA2C-4B9B-A125-2D09D5573B44}"/>
+              </a:ext>
+            </a:extLst>
+          </p:cNvPr>
+          <p:cNvSpPr/>
+          <p:nvPr/>
+        </p:nvSpPr>
+        <p:spPr>
+          <a:xfrm>
+            <a:off x="1" y="6677247"/>
+            <a:ext cx="12191999" cy="190143"/>
+          </a:xfrm>
+          <a:prstGeom prst="rect">
+            <a:avLst/>
+          </a:prstGeom>
+          <a:solidFill>
+            <a:schemeClr val="bg1"/>
+          </a:solidFill>
+          <a:ln>
+            <a:noFill/>
+          </a:ln>
+        </p:spPr>
+        <p:style>
+          <a:lnRef idx="2">
+            <a:schemeClr val="accent1">
+              <a:shade val="50000"/>
+            </a:schemeClr>
+          </a:lnRef>
+          <a:fillRef idx="1">
+            <a:schemeClr val="accent1"/>
+          </a:fillRef>
+          <a:effectRef idx="0">
+            <a:schemeClr val="accent1"/>
+          </a:effectRef>
+          <a:fontRef idx="minor">
+            <a:schemeClr val="lt1"/>
+          </a:fontRef>
+        </p:style>
+        <p:txBody>
+          <a:bodyPr rtlCol="0" anchor="ctr"/>
+          <a:lstStyle/>
+          <a:p>
+            <a:pPr algn="ctr"/>
+            <a:endParaRPr lang="en-US">
+              <a:solidFill>
+                <a:srgbClr val="DB5B5C"/>
+              </a:solidFill>
+            </a:endParaRPr>
+          </a:p>
+        </p:txBody>
+      </p:sp>
+      <p:sp>
+        <p:nvSpPr>
+          <p:cNvPr id="16" name="Rectangle 15">
+            <a:extLst>
+              <a:ext uri="{FF2B5EF4-FFF2-40B4-BE49-F238E27FC236}">
+                <a16:creationId xmlns:a16="http://schemas.microsoft.com/office/drawing/2014/main" id="{74A085FC-1866-46D4-97F7-51AA45E48D4F}"/>
+              </a:ext>
+            </a:extLst>
+          </p:cNvPr>
+          <p:cNvSpPr/>
+          <p:nvPr/>
+        </p:nvSpPr>
+        <p:spPr>
+          <a:xfrm rot="4092292">
+            <a:off x="5790668" y="4094517"/>
+            <a:ext cx="5446699" cy="137038"/>
+          </a:xfrm>
+          <a:prstGeom prst="rect">
+            <a:avLst/>
+          </a:prstGeom>
+          <a:solidFill>
+            <a:schemeClr val="bg1"/>
+          </a:solidFill>
+          <a:ln>
+            <a:noFill/>
+          </a:ln>
+        </p:spPr>
+        <p:style>
+          <a:lnRef idx="2">
+            <a:schemeClr val="accent1">
+              <a:shade val="50000"/>
+            </a:schemeClr>
+          </a:lnRef>
+          <a:fillRef idx="1">
+            <a:schemeClr val="accent1"/>
+          </a:fillRef>
+          <a:effectRef idx="0">
+            <a:schemeClr val="accent1"/>
+          </a:effectRef>
+          <a:fontRef idx="minor">
+            <a:schemeClr val="lt1"/>
+          </a:fontRef>
+        </p:style>
+        <p:txBody>
+          <a:bodyPr rtlCol="0" anchor="ctr"/>
+          <a:lstStyle/>
+          <a:p>
+            <a:pPr algn="ctr"/>
+            <a:endParaRPr lang="en-US">
+              <a:solidFill>
+                <a:srgbClr val="DB5B5C"/>
+              </a:solidFill>
+            </a:endParaRPr>
+          </a:p>
+        </p:txBody>
+      </p:sp>
+    </p:spTree>
+    <p:extLst>
+      <p:ext uri="{BB962C8B-B14F-4D97-AF65-F5344CB8AC3E}">
         <p14:creationId xmlns:p14="http://schemas.microsoft.com/office/powerpoint/2010/main" val="459245495"/>
       </p:ext>
     </p:extLst>
@@ -9726,7 +11574,549 @@
 </p:sld>
 </file>
 
-<file path=ppt/slides/slide17.xml><?xml version="1.0" encoding="utf-8"?>
+<file path=ppt/slides/slide2.xml><?xml version="1.0" encoding="utf-8"?>
+<p:sld xmlns:a="http://schemas.openxmlformats.org/drawingml/2006/main" xmlns:r="http://schemas.openxmlformats.org/officeDocument/2006/relationships" xmlns:p="http://schemas.openxmlformats.org/presentationml/2006/main">
+  <p:cSld>
+    <p:bg>
+      <p:bgPr>
+        <a:solidFill>
+          <a:srgbClr val="395583"/>
+        </a:solidFill>
+        <a:effectLst/>
+      </p:bgPr>
+    </p:bg>
+    <p:spTree>
+      <p:nvGrpSpPr>
+        <p:cNvPr id="1" name=""/>
+        <p:cNvGrpSpPr/>
+        <p:nvPr/>
+      </p:nvGrpSpPr>
+      <p:grpSpPr>
+        <a:xfrm>
+          <a:off x="0" y="0"/>
+          <a:ext cx="0" cy="0"/>
+          <a:chOff x="0" y="0"/>
+          <a:chExt cx="0" cy="0"/>
+        </a:xfrm>
+      </p:grpSpPr>
+      <p:sp>
+        <p:nvSpPr>
+          <p:cNvPr id="25" name="Rectangle 24">
+            <a:extLst>
+              <a:ext uri="{FF2B5EF4-FFF2-40B4-BE49-F238E27FC236}">
+                <a16:creationId xmlns:a16="http://schemas.microsoft.com/office/drawing/2014/main" id="{A6792F05-2FD4-4F18-815E-15391E8B4A0E}"/>
+              </a:ext>
+              <a:ext uri="{C183D7F6-B498-43B3-948B-1728B52AA6E4}">
+                <adec:decorative xmlns:adec="http://schemas.microsoft.com/office/drawing/2017/decorative" val="1"/>
+              </a:ext>
+            </a:extLst>
+          </p:cNvPr>
+          <p:cNvSpPr>
+            <a:spLocks noGrp="1" noRot="1" noChangeAspect="1" noMove="1" noResize="1" noEditPoints="1" noAdjustHandles="1" noChangeArrowheads="1" noChangeShapeType="1" noTextEdit="1"/>
+          </p:cNvSpPr>
+          <p:nvPr>
+            <p:extLst>
+              <p:ext uri="{386F3935-93C4-4BCD-93E2-E3B085C9AB24}">
+                <p16:designElem xmlns:p16="http://schemas.microsoft.com/office/powerpoint/2015/main" val="1"/>
+              </p:ext>
+            </p:extLst>
+          </p:nvPr>
+        </p:nvSpPr>
+        <p:spPr>
+          <a:xfrm>
+            <a:off x="0" y="0"/>
+            <a:ext cx="12191999" cy="6858000"/>
+          </a:xfrm>
+          <a:prstGeom prst="rect">
+            <a:avLst/>
+          </a:prstGeom>
+          <a:solidFill>
+            <a:srgbClr val="395583"/>
+          </a:solidFill>
+          <a:ln>
+            <a:noFill/>
+          </a:ln>
+        </p:spPr>
+        <p:style>
+          <a:lnRef idx="2">
+            <a:schemeClr val="accent1">
+              <a:shade val="50000"/>
+            </a:schemeClr>
+          </a:lnRef>
+          <a:fillRef idx="1">
+            <a:schemeClr val="accent1"/>
+          </a:fillRef>
+          <a:effectRef idx="0">
+            <a:schemeClr val="accent1"/>
+          </a:effectRef>
+          <a:fontRef idx="minor">
+            <a:schemeClr val="lt1"/>
+          </a:fontRef>
+        </p:style>
+        <p:txBody>
+          <a:bodyPr rtlCol="0" anchor="ctr"/>
+          <a:lstStyle/>
+          <a:p>
+            <a:pPr algn="ctr"/>
+            <a:endParaRPr lang="en-US"/>
+          </a:p>
+        </p:txBody>
+      </p:sp>
+      <p:sp>
+        <p:nvSpPr>
+          <p:cNvPr id="2" name="Title 1">
+            <a:extLst>
+              <a:ext uri="{FF2B5EF4-FFF2-40B4-BE49-F238E27FC236}">
+                <a16:creationId xmlns:a16="http://schemas.microsoft.com/office/drawing/2014/main" id="{2589AFCC-0FF0-498C-B11F-8990DF0DAAA5}"/>
+              </a:ext>
+            </a:extLst>
+          </p:cNvPr>
+          <p:cNvSpPr>
+            <a:spLocks noGrp="1"/>
+          </p:cNvSpPr>
+          <p:nvPr>
+            <p:ph type="title"/>
+          </p:nvPr>
+        </p:nvSpPr>
+        <p:spPr>
+          <a:xfrm>
+            <a:off x="838200" y="365125"/>
+            <a:ext cx="10515600" cy="1325563"/>
+          </a:xfrm>
+        </p:spPr>
+        <p:txBody>
+          <a:bodyPr>
+            <a:normAutofit/>
+          </a:bodyPr>
+          <a:lstStyle/>
+          <a:p>
+            <a:r>
+              <a:rPr lang="en-US" b="1" dirty="0">
+                <a:latin typeface="Selawik Semibold" panose="020B0604020202020204" pitchFamily="34" charset="0"/>
+              </a:rPr>
+              <a:t>Survey on Sports</a:t>
+            </a:r>
+          </a:p>
+        </p:txBody>
+      </p:sp>
+      <p:sp>
+        <p:nvSpPr>
+          <p:cNvPr id="9" name="Content Placeholder 8">
+            <a:extLst>
+              <a:ext uri="{FF2B5EF4-FFF2-40B4-BE49-F238E27FC236}">
+                <a16:creationId xmlns:a16="http://schemas.microsoft.com/office/drawing/2014/main" id="{2D995594-59F2-4020-AB6F-751BAE84ADB3}"/>
+              </a:ext>
+            </a:extLst>
+          </p:cNvPr>
+          <p:cNvSpPr>
+            <a:spLocks noGrp="1"/>
+          </p:cNvSpPr>
+          <p:nvPr>
+            <p:ph idx="1"/>
+          </p:nvPr>
+        </p:nvSpPr>
+        <p:spPr>
+          <a:xfrm>
+            <a:off x="838200" y="2021249"/>
+            <a:ext cx="6369424" cy="4574533"/>
+          </a:xfrm>
+        </p:spPr>
+        <p:txBody>
+          <a:bodyPr>
+            <a:normAutofit/>
+          </a:bodyPr>
+          <a:lstStyle/>
+          <a:p>
+            <a:pPr marL="0" indent="0">
+              <a:buNone/>
+            </a:pPr>
+            <a:r>
+              <a:rPr lang="en-US" sz="4800" dirty="0">
+                <a:latin typeface="Selawik Semibold" panose="020B0702040204020203" pitchFamily="34" charset="0"/>
+              </a:rPr>
+              <a:t>Complete the … </a:t>
+            </a:r>
+          </a:p>
+          <a:p>
+            <a:pPr marL="0" indent="0" algn="ctr">
+              <a:buNone/>
+            </a:pPr>
+            <a:endParaRPr lang="en-US" sz="4000" dirty="0">
+              <a:latin typeface="Selawik Semibold" panose="020B0702040204020203" pitchFamily="34" charset="0"/>
+              <a:hlinkClick r:id="rId2"/>
+            </a:endParaRPr>
+          </a:p>
+          <a:p>
+            <a:pPr marL="0" indent="0" algn="ctr">
+              <a:buNone/>
+            </a:pPr>
+            <a:r>
+              <a:rPr lang="en-US" sz="8000" dirty="0">
+                <a:latin typeface="Selawik Semibold" panose="020B0702040204020203" pitchFamily="34" charset="0"/>
+                <a:hlinkClick r:id="rId2"/>
+              </a:rPr>
+              <a:t>Survey</a:t>
+            </a:r>
+            <a:endParaRPr lang="en-US" sz="8000" dirty="0">
+              <a:latin typeface="Selawik Semibold" panose="020B0702040204020203" pitchFamily="34" charset="0"/>
+            </a:endParaRPr>
+          </a:p>
+        </p:txBody>
+      </p:sp>
+      <p:pic>
+        <p:nvPicPr>
+          <p:cNvPr id="4" name="Picture 3" descr="A drawing of a cartoon character&#10;&#10;Description automatically generated">
+            <a:extLst>
+              <a:ext uri="{FF2B5EF4-FFF2-40B4-BE49-F238E27FC236}">
+                <a16:creationId xmlns:a16="http://schemas.microsoft.com/office/drawing/2014/main" id="{A7FDC859-D890-4904-9C64-27F43DA90453}"/>
+              </a:ext>
+            </a:extLst>
+          </p:cNvPr>
+          <p:cNvPicPr>
+            <a:picLocks noChangeAspect="1"/>
+          </p:cNvPicPr>
+          <p:nvPr/>
+        </p:nvPicPr>
+        <p:blipFill rotWithShape="1">
+          <a:blip r:embed="rId3">
+            <a:extLst>
+              <a:ext uri="{28A0092B-C50C-407E-A947-70E740481C1C}">
+                <a14:useLocalDpi xmlns:a14="http://schemas.microsoft.com/office/drawing/2010/main" val="0"/>
+              </a:ext>
+            </a:extLst>
+          </a:blip>
+          <a:srcRect t="5616" r="2" b="2"/>
+          <a:stretch/>
+        </p:blipFill>
+        <p:spPr>
+          <a:xfrm>
+            <a:off x="7471144" y="1700078"/>
+            <a:ext cx="4720855" cy="2583792"/>
+          </a:xfrm>
+          <a:custGeom>
+            <a:avLst/>
+            <a:gdLst>
+              <a:gd name="connsiteX0" fmla="*/ 0 w 5475077"/>
+              <a:gd name="connsiteY0" fmla="*/ 0 h 2583792"/>
+              <a:gd name="connsiteX1" fmla="*/ 5475077 w 5475077"/>
+              <a:gd name="connsiteY1" fmla="*/ 0 h 2583792"/>
+              <a:gd name="connsiteX2" fmla="*/ 5475077 w 5475077"/>
+              <a:gd name="connsiteY2" fmla="*/ 2583792 h 2583792"/>
+              <a:gd name="connsiteX3" fmla="*/ 1197192 w 5475077"/>
+              <a:gd name="connsiteY3" fmla="*/ 2583792 h 2583792"/>
+            </a:gdLst>
+            <a:ahLst/>
+            <a:cxnLst>
+              <a:cxn ang="0">
+                <a:pos x="connsiteX0" y="connsiteY0"/>
+              </a:cxn>
+              <a:cxn ang="0">
+                <a:pos x="connsiteX1" y="connsiteY1"/>
+              </a:cxn>
+              <a:cxn ang="0">
+                <a:pos x="connsiteX2" y="connsiteY2"/>
+              </a:cxn>
+              <a:cxn ang="0">
+                <a:pos x="connsiteX3" y="connsiteY3"/>
+              </a:cxn>
+            </a:cxnLst>
+            <a:rect l="l" t="t" r="r" b="b"/>
+            <a:pathLst>
+              <a:path w="5475077" h="2583792">
+                <a:moveTo>
+                  <a:pt x="0" y="0"/>
+                </a:moveTo>
+                <a:lnTo>
+                  <a:pt x="5475077" y="0"/>
+                </a:lnTo>
+                <a:lnTo>
+                  <a:pt x="5475077" y="2583792"/>
+                </a:lnTo>
+                <a:lnTo>
+                  <a:pt x="1197192" y="2583792"/>
+                </a:lnTo>
+                <a:close/>
+              </a:path>
+            </a:pathLst>
+          </a:custGeom>
+        </p:spPr>
+      </p:pic>
+      <p:pic>
+        <p:nvPicPr>
+          <p:cNvPr id="5" name="Content Placeholder 4" descr="A picture containing indoor&#10;&#10;Description automatically generated">
+            <a:extLst>
+              <a:ext uri="{FF2B5EF4-FFF2-40B4-BE49-F238E27FC236}">
+                <a16:creationId xmlns:a16="http://schemas.microsoft.com/office/drawing/2014/main" id="{A58F0E55-21F3-485B-A07F-1CE74177BDD2}"/>
+              </a:ext>
+            </a:extLst>
+          </p:cNvPr>
+          <p:cNvPicPr>
+            <a:picLocks noChangeAspect="1"/>
+          </p:cNvPicPr>
+          <p:nvPr/>
+        </p:nvPicPr>
+        <p:blipFill rotWithShape="1">
+          <a:blip r:embed="rId4">
+            <a:extLst>
+              <a:ext uri="{28A0092B-C50C-407E-A947-70E740481C1C}">
+                <a14:useLocalDpi xmlns:a14="http://schemas.microsoft.com/office/drawing/2010/main" val="0"/>
+              </a:ext>
+            </a:extLst>
+          </a:blip>
+          <a:srcRect t="5300" r="3" b="6859"/>
+          <a:stretch/>
+        </p:blipFill>
+        <p:spPr>
+          <a:xfrm>
+            <a:off x="8491869" y="4283870"/>
+            <a:ext cx="3700129" cy="2583520"/>
+          </a:xfrm>
+          <a:custGeom>
+            <a:avLst/>
+            <a:gdLst>
+              <a:gd name="connsiteX0" fmla="*/ 0 w 4277884"/>
+              <a:gd name="connsiteY0" fmla="*/ 0 h 2583520"/>
+              <a:gd name="connsiteX1" fmla="*/ 4277884 w 4277884"/>
+              <a:gd name="connsiteY1" fmla="*/ 0 h 2583520"/>
+              <a:gd name="connsiteX2" fmla="*/ 4277884 w 4277884"/>
+              <a:gd name="connsiteY2" fmla="*/ 2583520 h 2583520"/>
+              <a:gd name="connsiteX3" fmla="*/ 1192437 w 4277884"/>
+              <a:gd name="connsiteY3" fmla="*/ 2583520 h 2583520"/>
+              <a:gd name="connsiteX4" fmla="*/ 1188085 w 4277884"/>
+              <a:gd name="connsiteY4" fmla="*/ 2574129 h 2583520"/>
+              <a:gd name="connsiteX5" fmla="*/ 1192715 w 4277884"/>
+              <a:gd name="connsiteY5" fmla="*/ 2574129 h 2583520"/>
+            </a:gdLst>
+            <a:ahLst/>
+            <a:cxnLst>
+              <a:cxn ang="0">
+                <a:pos x="connsiteX0" y="connsiteY0"/>
+              </a:cxn>
+              <a:cxn ang="0">
+                <a:pos x="connsiteX1" y="connsiteY1"/>
+              </a:cxn>
+              <a:cxn ang="0">
+                <a:pos x="connsiteX2" y="connsiteY2"/>
+              </a:cxn>
+              <a:cxn ang="0">
+                <a:pos x="connsiteX3" y="connsiteY3"/>
+              </a:cxn>
+              <a:cxn ang="0">
+                <a:pos x="connsiteX4" y="connsiteY4"/>
+              </a:cxn>
+              <a:cxn ang="0">
+                <a:pos x="connsiteX5" y="connsiteY5"/>
+              </a:cxn>
+            </a:cxnLst>
+            <a:rect l="l" t="t" r="r" b="b"/>
+            <a:pathLst>
+              <a:path w="4277884" h="2583520">
+                <a:moveTo>
+                  <a:pt x="0" y="0"/>
+                </a:moveTo>
+                <a:lnTo>
+                  <a:pt x="4277884" y="0"/>
+                </a:lnTo>
+                <a:lnTo>
+                  <a:pt x="4277884" y="2583520"/>
+                </a:lnTo>
+                <a:lnTo>
+                  <a:pt x="1192437" y="2583520"/>
+                </a:lnTo>
+                <a:lnTo>
+                  <a:pt x="1188085" y="2574129"/>
+                </a:lnTo>
+                <a:lnTo>
+                  <a:pt x="1192715" y="2574129"/>
+                </a:lnTo>
+                <a:close/>
+              </a:path>
+            </a:pathLst>
+          </a:custGeom>
+        </p:spPr>
+      </p:pic>
+      <p:sp>
+        <p:nvSpPr>
+          <p:cNvPr id="6" name="Rectangle 5">
+            <a:extLst>
+              <a:ext uri="{FF2B5EF4-FFF2-40B4-BE49-F238E27FC236}">
+                <a16:creationId xmlns:a16="http://schemas.microsoft.com/office/drawing/2014/main" id="{A2901312-C3C2-4CEC-80EF-823AB4FBB726}"/>
+              </a:ext>
+            </a:extLst>
+          </p:cNvPr>
+          <p:cNvSpPr/>
+          <p:nvPr/>
+        </p:nvSpPr>
+        <p:spPr>
+          <a:xfrm>
+            <a:off x="-1" y="1608918"/>
+            <a:ext cx="12191999" cy="91160"/>
+          </a:xfrm>
+          <a:prstGeom prst="rect">
+            <a:avLst/>
+          </a:prstGeom>
+          <a:solidFill>
+            <a:schemeClr val="bg1"/>
+          </a:solidFill>
+          <a:ln>
+            <a:noFill/>
+          </a:ln>
+        </p:spPr>
+        <p:style>
+          <a:lnRef idx="2">
+            <a:schemeClr val="accent1">
+              <a:shade val="50000"/>
+            </a:schemeClr>
+          </a:lnRef>
+          <a:fillRef idx="1">
+            <a:schemeClr val="accent1"/>
+          </a:fillRef>
+          <a:effectRef idx="0">
+            <a:schemeClr val="accent1"/>
+          </a:effectRef>
+          <a:fontRef idx="minor">
+            <a:schemeClr val="lt1"/>
+          </a:fontRef>
+        </p:style>
+        <p:txBody>
+          <a:bodyPr rtlCol="0" anchor="ctr"/>
+          <a:lstStyle/>
+          <a:p>
+            <a:pPr algn="ctr"/>
+            <a:endParaRPr lang="en-US">
+              <a:solidFill>
+                <a:srgbClr val="DB5B5C"/>
+              </a:solidFill>
+            </a:endParaRPr>
+          </a:p>
+        </p:txBody>
+      </p:sp>
+      <p:sp>
+        <p:nvSpPr>
+          <p:cNvPr id="15" name="Rectangle 14">
+            <a:extLst>
+              <a:ext uri="{FF2B5EF4-FFF2-40B4-BE49-F238E27FC236}">
+                <a16:creationId xmlns:a16="http://schemas.microsoft.com/office/drawing/2014/main" id="{AD0A7C9C-CA2C-4B9B-A125-2D09D5573B44}"/>
+              </a:ext>
+            </a:extLst>
+          </p:cNvPr>
+          <p:cNvSpPr/>
+          <p:nvPr/>
+        </p:nvSpPr>
+        <p:spPr>
+          <a:xfrm>
+            <a:off x="1" y="6677247"/>
+            <a:ext cx="12191999" cy="190143"/>
+          </a:xfrm>
+          <a:prstGeom prst="rect">
+            <a:avLst/>
+          </a:prstGeom>
+          <a:solidFill>
+            <a:schemeClr val="bg1"/>
+          </a:solidFill>
+          <a:ln>
+            <a:noFill/>
+          </a:ln>
+        </p:spPr>
+        <p:style>
+          <a:lnRef idx="2">
+            <a:schemeClr val="accent1">
+              <a:shade val="50000"/>
+            </a:schemeClr>
+          </a:lnRef>
+          <a:fillRef idx="1">
+            <a:schemeClr val="accent1"/>
+          </a:fillRef>
+          <a:effectRef idx="0">
+            <a:schemeClr val="accent1"/>
+          </a:effectRef>
+          <a:fontRef idx="minor">
+            <a:schemeClr val="lt1"/>
+          </a:fontRef>
+        </p:style>
+        <p:txBody>
+          <a:bodyPr rtlCol="0" anchor="ctr"/>
+          <a:lstStyle/>
+          <a:p>
+            <a:pPr algn="ctr"/>
+            <a:endParaRPr lang="en-US">
+              <a:solidFill>
+                <a:srgbClr val="DB5B5C"/>
+              </a:solidFill>
+            </a:endParaRPr>
+          </a:p>
+        </p:txBody>
+      </p:sp>
+      <p:sp>
+        <p:nvSpPr>
+          <p:cNvPr id="16" name="Rectangle 15">
+            <a:extLst>
+              <a:ext uri="{FF2B5EF4-FFF2-40B4-BE49-F238E27FC236}">
+                <a16:creationId xmlns:a16="http://schemas.microsoft.com/office/drawing/2014/main" id="{74A085FC-1866-46D4-97F7-51AA45E48D4F}"/>
+              </a:ext>
+            </a:extLst>
+          </p:cNvPr>
+          <p:cNvSpPr/>
+          <p:nvPr/>
+        </p:nvSpPr>
+        <p:spPr>
+          <a:xfrm rot="4092292">
+            <a:off x="5790668" y="4094517"/>
+            <a:ext cx="5446699" cy="137038"/>
+          </a:xfrm>
+          <a:prstGeom prst="rect">
+            <a:avLst/>
+          </a:prstGeom>
+          <a:solidFill>
+            <a:schemeClr val="bg1"/>
+          </a:solidFill>
+          <a:ln>
+            <a:noFill/>
+          </a:ln>
+        </p:spPr>
+        <p:style>
+          <a:lnRef idx="2">
+            <a:schemeClr val="accent1">
+              <a:shade val="50000"/>
+            </a:schemeClr>
+          </a:lnRef>
+          <a:fillRef idx="1">
+            <a:schemeClr val="accent1"/>
+          </a:fillRef>
+          <a:effectRef idx="0">
+            <a:schemeClr val="accent1"/>
+          </a:effectRef>
+          <a:fontRef idx="minor">
+            <a:schemeClr val="lt1"/>
+          </a:fontRef>
+        </p:style>
+        <p:txBody>
+          <a:bodyPr rtlCol="0" anchor="ctr"/>
+          <a:lstStyle/>
+          <a:p>
+            <a:pPr algn="ctr"/>
+            <a:endParaRPr lang="en-US">
+              <a:solidFill>
+                <a:srgbClr val="DB5B5C"/>
+              </a:solidFill>
+            </a:endParaRPr>
+          </a:p>
+        </p:txBody>
+      </p:sp>
+    </p:spTree>
+    <p:extLst>
+      <p:ext uri="{BB962C8B-B14F-4D97-AF65-F5344CB8AC3E}">
+        <p14:creationId xmlns:p14="http://schemas.microsoft.com/office/powerpoint/2010/main" val="1804579077"/>
+      </p:ext>
+    </p:extLst>
+  </p:cSld>
+  <p:clrMapOvr>
+    <a:overrideClrMapping bg1="dk1" tx1="lt1" bg2="dk2" tx2="lt2" accent1="accent1" accent2="accent2" accent3="accent3" accent4="accent4" accent5="accent5" accent6="accent6" hlink="hlink" folHlink="folHlink"/>
+  </p:clrMapOvr>
+</p:sld>
+</file>
+
+<file path=ppt/slides/slide20.xml><?xml version="1.0" encoding="utf-8"?>
 <p:sld xmlns:a="http://schemas.openxmlformats.org/drawingml/2006/main" xmlns:r="http://schemas.openxmlformats.org/officeDocument/2006/relationships" xmlns:p="http://schemas.openxmlformats.org/presentationml/2006/main">
   <p:cSld>
     <p:bg>
@@ -10328,7 +12718,7 @@
 </p:sld>
 </file>
 
-<file path=ppt/slides/slide2.xml><?xml version="1.0" encoding="utf-8"?>
+<file path=ppt/slides/slide3.xml><?xml version="1.0" encoding="utf-8"?>
 <p:sld xmlns:a="http://schemas.openxmlformats.org/drawingml/2006/main" xmlns:r="http://schemas.openxmlformats.org/officeDocument/2006/relationships" xmlns:p="http://schemas.openxmlformats.org/presentationml/2006/main">
   <p:cSld>
     <p:bg>
@@ -10485,7 +12875,7 @@
               <a:rPr lang="en-US" sz="2400" dirty="0">
                 <a:latin typeface="Selawik Semibold" panose="020B0702040204020203" pitchFamily="34" charset="0"/>
               </a:rPr>
-              <a:t>30 Responses</a:t>
+              <a:t>48 Responses (Thank You!!)</a:t>
             </a:r>
           </a:p>
           <a:p>
@@ -10501,7 +12891,7 @@
               <a:rPr lang="en-US" sz="2400" dirty="0">
                 <a:latin typeface="Selawik Semibold" panose="020B0702040204020203" pitchFamily="34" charset="0"/>
               </a:rPr>
-              <a:t>Majority From the United States (29/30)</a:t>
+              <a:t>Majority are Seniors (34/48)</a:t>
             </a:r>
           </a:p>
           <a:p>
@@ -10517,23 +12907,7 @@
               <a:rPr lang="en-US" sz="2400" dirty="0">
                 <a:latin typeface="Selawik Semibold" panose="020B0702040204020203" pitchFamily="34" charset="0"/>
               </a:rPr>
-              <a:t>Majority From North Carolina (19/29)</a:t>
-            </a:r>
-          </a:p>
-          <a:p>
-            <a:pPr marL="0" indent="0">
-              <a:buNone/>
-            </a:pPr>
-            <a:endParaRPr lang="en-US" sz="2400" dirty="0">
-              <a:latin typeface="Selawik Semibold" panose="020B0702040204020203" pitchFamily="34" charset="0"/>
-            </a:endParaRPr>
-          </a:p>
-          <a:p>
-            <a:r>
-              <a:rPr lang="en-US" sz="2400" dirty="0">
-                <a:latin typeface="Selawik Semibold" panose="020B0702040204020203" pitchFamily="34" charset="0"/>
-              </a:rPr>
-              <a:t>Race Distribution</a:t>
+              <a:t>Distribution of Current Place</a:t>
             </a:r>
           </a:p>
           <a:p>
@@ -10542,7 +12916,7 @@
               <a:rPr lang="en-US" sz="2000" dirty="0">
                 <a:latin typeface="Selawik Semibold" panose="020B0702040204020203" pitchFamily="34" charset="0"/>
               </a:rPr>
-              <a:t>White (23/30)</a:t>
+              <a:t>45 in North Carolina</a:t>
             </a:r>
           </a:p>
           <a:p>
@@ -10551,7 +12925,7 @@
               <a:rPr lang="en-US" sz="2000" dirty="0">
                 <a:latin typeface="Selawik Semibold" panose="020B0702040204020203" pitchFamily="34" charset="0"/>
               </a:rPr>
-              <a:t>Asian (4/30)</a:t>
+              <a:t>2 in Another State</a:t>
             </a:r>
           </a:p>
           <a:p>
@@ -10560,17 +12934,14 @@
               <a:rPr lang="en-US" sz="2000" dirty="0">
                 <a:latin typeface="Selawik Semibold" panose="020B0702040204020203" pitchFamily="34" charset="0"/>
               </a:rPr>
-              <a:t>Black/African American (1/30)</a:t>
+              <a:t>1 in Another Country</a:t>
             </a:r>
           </a:p>
           <a:p>
             <a:pPr lvl="1"/>
-            <a:r>
-              <a:rPr lang="en-US" sz="2000" dirty="0">
-                <a:latin typeface="Selawik Semibold" panose="020B0702040204020203" pitchFamily="34" charset="0"/>
-              </a:rPr>
-              <a:t>Hispanic/Latino (1/30)</a:t>
-            </a:r>
+            <a:endParaRPr lang="en-US" sz="1600" dirty="0">
+              <a:latin typeface="Selawik Semibold" panose="020B0702040204020203" pitchFamily="34" charset="0"/>
+            </a:endParaRPr>
           </a:p>
           <a:p>
             <a:endParaRPr lang="en-US" sz="2400" dirty="0">
@@ -10923,520 +13294,6 @@
     <p:extLst>
       <p:ext uri="{BB962C8B-B14F-4D97-AF65-F5344CB8AC3E}">
         <p14:creationId xmlns:p14="http://schemas.microsoft.com/office/powerpoint/2010/main" val="1116115169"/>
-      </p:ext>
-    </p:extLst>
-  </p:cSld>
-  <p:clrMapOvr>
-    <a:overrideClrMapping bg1="dk1" tx1="lt1" bg2="dk2" tx2="lt2" accent1="accent1" accent2="accent2" accent3="accent3" accent4="accent4" accent5="accent5" accent6="accent6" hlink="hlink" folHlink="folHlink"/>
-  </p:clrMapOvr>
-</p:sld>
-</file>
-
-<file path=ppt/slides/slide3.xml><?xml version="1.0" encoding="utf-8"?>
-<p:sld xmlns:a="http://schemas.openxmlformats.org/drawingml/2006/main" xmlns:r="http://schemas.openxmlformats.org/officeDocument/2006/relationships" xmlns:p="http://schemas.openxmlformats.org/presentationml/2006/main">
-  <p:cSld>
-    <p:bg>
-      <p:bgPr>
-        <a:solidFill>
-          <a:srgbClr val="395583"/>
-        </a:solidFill>
-        <a:effectLst/>
-      </p:bgPr>
-    </p:bg>
-    <p:spTree>
-      <p:nvGrpSpPr>
-        <p:cNvPr id="1" name=""/>
-        <p:cNvGrpSpPr/>
-        <p:nvPr/>
-      </p:nvGrpSpPr>
-      <p:grpSpPr>
-        <a:xfrm>
-          <a:off x="0" y="0"/>
-          <a:ext cx="0" cy="0"/>
-          <a:chOff x="0" y="0"/>
-          <a:chExt cx="0" cy="0"/>
-        </a:xfrm>
-      </p:grpSpPr>
-      <p:sp>
-        <p:nvSpPr>
-          <p:cNvPr id="25" name="Rectangle 24">
-            <a:extLst>
-              <a:ext uri="{FF2B5EF4-FFF2-40B4-BE49-F238E27FC236}">
-                <a16:creationId xmlns:a16="http://schemas.microsoft.com/office/drawing/2014/main" id="{A6792F05-2FD4-4F18-815E-15391E8B4A0E}"/>
-              </a:ext>
-              <a:ext uri="{C183D7F6-B498-43B3-948B-1728B52AA6E4}">
-                <adec:decorative xmlns:adec="http://schemas.microsoft.com/office/drawing/2017/decorative" val="1"/>
-              </a:ext>
-            </a:extLst>
-          </p:cNvPr>
-          <p:cNvSpPr>
-            <a:spLocks noGrp="1" noRot="1" noChangeAspect="1" noMove="1" noResize="1" noEditPoints="1" noAdjustHandles="1" noChangeArrowheads="1" noChangeShapeType="1" noTextEdit="1"/>
-          </p:cNvSpPr>
-          <p:nvPr>
-            <p:extLst>
-              <p:ext uri="{386F3935-93C4-4BCD-93E2-E3B085C9AB24}">
-                <p16:designElem xmlns:p16="http://schemas.microsoft.com/office/powerpoint/2015/main" val="1"/>
-              </p:ext>
-            </p:extLst>
-          </p:nvPr>
-        </p:nvSpPr>
-        <p:spPr>
-          <a:xfrm>
-            <a:off x="0" y="0"/>
-            <a:ext cx="12191999" cy="6858000"/>
-          </a:xfrm>
-          <a:prstGeom prst="rect">
-            <a:avLst/>
-          </a:prstGeom>
-          <a:solidFill>
-            <a:srgbClr val="395583"/>
-          </a:solidFill>
-          <a:ln>
-            <a:noFill/>
-          </a:ln>
-        </p:spPr>
-        <p:style>
-          <a:lnRef idx="2">
-            <a:schemeClr val="accent1">
-              <a:shade val="50000"/>
-            </a:schemeClr>
-          </a:lnRef>
-          <a:fillRef idx="1">
-            <a:schemeClr val="accent1"/>
-          </a:fillRef>
-          <a:effectRef idx="0">
-            <a:schemeClr val="accent1"/>
-          </a:effectRef>
-          <a:fontRef idx="minor">
-            <a:schemeClr val="lt1"/>
-          </a:fontRef>
-        </p:style>
-        <p:txBody>
-          <a:bodyPr rtlCol="0" anchor="ctr"/>
-          <a:lstStyle/>
-          <a:p>
-            <a:pPr algn="ctr"/>
-            <a:endParaRPr lang="en-US"/>
-          </a:p>
-        </p:txBody>
-      </p:sp>
-      <p:sp>
-        <p:nvSpPr>
-          <p:cNvPr id="2" name="Title 1">
-            <a:extLst>
-              <a:ext uri="{FF2B5EF4-FFF2-40B4-BE49-F238E27FC236}">
-                <a16:creationId xmlns:a16="http://schemas.microsoft.com/office/drawing/2014/main" id="{2589AFCC-0FF0-498C-B11F-8990DF0DAAA5}"/>
-              </a:ext>
-            </a:extLst>
-          </p:cNvPr>
-          <p:cNvSpPr>
-            <a:spLocks noGrp="1"/>
-          </p:cNvSpPr>
-          <p:nvPr>
-            <p:ph type="title"/>
-          </p:nvPr>
-        </p:nvSpPr>
-        <p:spPr>
-          <a:xfrm>
-            <a:off x="838200" y="365125"/>
-            <a:ext cx="10515600" cy="1325563"/>
-          </a:xfrm>
-        </p:spPr>
-        <p:txBody>
-          <a:bodyPr>
-            <a:normAutofit/>
-          </a:bodyPr>
-          <a:lstStyle/>
-          <a:p>
-            <a:r>
-              <a:rPr lang="en-US" b="1" dirty="0">
-                <a:latin typeface="Selawik Semibold" panose="020B0604020202020204" pitchFamily="34" charset="0"/>
-              </a:rPr>
-              <a:t>Survey Results: Watched</a:t>
-            </a:r>
-          </a:p>
-        </p:txBody>
-      </p:sp>
-      <p:pic>
-        <p:nvPicPr>
-          <p:cNvPr id="4" name="Picture 3" descr="A drawing of a cartoon character&#10;&#10;Description automatically generated">
-            <a:extLst>
-              <a:ext uri="{FF2B5EF4-FFF2-40B4-BE49-F238E27FC236}">
-                <a16:creationId xmlns:a16="http://schemas.microsoft.com/office/drawing/2014/main" id="{A7FDC859-D890-4904-9C64-27F43DA90453}"/>
-              </a:ext>
-            </a:extLst>
-          </p:cNvPr>
-          <p:cNvPicPr>
-            <a:picLocks noChangeAspect="1"/>
-          </p:cNvPicPr>
-          <p:nvPr/>
-        </p:nvPicPr>
-        <p:blipFill rotWithShape="1">
-          <a:blip r:embed="rId2">
-            <a:extLst>
-              <a:ext uri="{28A0092B-C50C-407E-A947-70E740481C1C}">
-                <a14:useLocalDpi xmlns:a14="http://schemas.microsoft.com/office/drawing/2010/main" val="0"/>
-              </a:ext>
-            </a:extLst>
-          </a:blip>
-          <a:srcRect t="5616" r="2" b="2"/>
-          <a:stretch/>
-        </p:blipFill>
-        <p:spPr>
-          <a:xfrm>
-            <a:off x="7471144" y="1700078"/>
-            <a:ext cx="4720855" cy="2583792"/>
-          </a:xfrm>
-          <a:custGeom>
-            <a:avLst/>
-            <a:gdLst>
-              <a:gd name="connsiteX0" fmla="*/ 0 w 5475077"/>
-              <a:gd name="connsiteY0" fmla="*/ 0 h 2583792"/>
-              <a:gd name="connsiteX1" fmla="*/ 5475077 w 5475077"/>
-              <a:gd name="connsiteY1" fmla="*/ 0 h 2583792"/>
-              <a:gd name="connsiteX2" fmla="*/ 5475077 w 5475077"/>
-              <a:gd name="connsiteY2" fmla="*/ 2583792 h 2583792"/>
-              <a:gd name="connsiteX3" fmla="*/ 1197192 w 5475077"/>
-              <a:gd name="connsiteY3" fmla="*/ 2583792 h 2583792"/>
-            </a:gdLst>
-            <a:ahLst/>
-            <a:cxnLst>
-              <a:cxn ang="0">
-                <a:pos x="connsiteX0" y="connsiteY0"/>
-              </a:cxn>
-              <a:cxn ang="0">
-                <a:pos x="connsiteX1" y="connsiteY1"/>
-              </a:cxn>
-              <a:cxn ang="0">
-                <a:pos x="connsiteX2" y="connsiteY2"/>
-              </a:cxn>
-              <a:cxn ang="0">
-                <a:pos x="connsiteX3" y="connsiteY3"/>
-              </a:cxn>
-            </a:cxnLst>
-            <a:rect l="l" t="t" r="r" b="b"/>
-            <a:pathLst>
-              <a:path w="5475077" h="2583792">
-                <a:moveTo>
-                  <a:pt x="0" y="0"/>
-                </a:moveTo>
-                <a:lnTo>
-                  <a:pt x="5475077" y="0"/>
-                </a:lnTo>
-                <a:lnTo>
-                  <a:pt x="5475077" y="2583792"/>
-                </a:lnTo>
-                <a:lnTo>
-                  <a:pt x="1197192" y="2583792"/>
-                </a:lnTo>
-                <a:close/>
-              </a:path>
-            </a:pathLst>
-          </a:custGeom>
-        </p:spPr>
-      </p:pic>
-      <p:pic>
-        <p:nvPicPr>
-          <p:cNvPr id="5" name="Content Placeholder 4" descr="A picture containing indoor&#10;&#10;Description automatically generated">
-            <a:extLst>
-              <a:ext uri="{FF2B5EF4-FFF2-40B4-BE49-F238E27FC236}">
-                <a16:creationId xmlns:a16="http://schemas.microsoft.com/office/drawing/2014/main" id="{A58F0E55-21F3-485B-A07F-1CE74177BDD2}"/>
-              </a:ext>
-            </a:extLst>
-          </p:cNvPr>
-          <p:cNvPicPr>
-            <a:picLocks noChangeAspect="1"/>
-          </p:cNvPicPr>
-          <p:nvPr/>
-        </p:nvPicPr>
-        <p:blipFill rotWithShape="1">
-          <a:blip r:embed="rId3">
-            <a:extLst>
-              <a:ext uri="{28A0092B-C50C-407E-A947-70E740481C1C}">
-                <a14:useLocalDpi xmlns:a14="http://schemas.microsoft.com/office/drawing/2010/main" val="0"/>
-              </a:ext>
-            </a:extLst>
-          </a:blip>
-          <a:srcRect t="5300" r="3" b="6859"/>
-          <a:stretch/>
-        </p:blipFill>
-        <p:spPr>
-          <a:xfrm>
-            <a:off x="8491869" y="4283870"/>
-            <a:ext cx="3700129" cy="2583520"/>
-          </a:xfrm>
-          <a:custGeom>
-            <a:avLst/>
-            <a:gdLst>
-              <a:gd name="connsiteX0" fmla="*/ 0 w 4277884"/>
-              <a:gd name="connsiteY0" fmla="*/ 0 h 2583520"/>
-              <a:gd name="connsiteX1" fmla="*/ 4277884 w 4277884"/>
-              <a:gd name="connsiteY1" fmla="*/ 0 h 2583520"/>
-              <a:gd name="connsiteX2" fmla="*/ 4277884 w 4277884"/>
-              <a:gd name="connsiteY2" fmla="*/ 2583520 h 2583520"/>
-              <a:gd name="connsiteX3" fmla="*/ 1192437 w 4277884"/>
-              <a:gd name="connsiteY3" fmla="*/ 2583520 h 2583520"/>
-              <a:gd name="connsiteX4" fmla="*/ 1188085 w 4277884"/>
-              <a:gd name="connsiteY4" fmla="*/ 2574129 h 2583520"/>
-              <a:gd name="connsiteX5" fmla="*/ 1192715 w 4277884"/>
-              <a:gd name="connsiteY5" fmla="*/ 2574129 h 2583520"/>
-            </a:gdLst>
-            <a:ahLst/>
-            <a:cxnLst>
-              <a:cxn ang="0">
-                <a:pos x="connsiteX0" y="connsiteY0"/>
-              </a:cxn>
-              <a:cxn ang="0">
-                <a:pos x="connsiteX1" y="connsiteY1"/>
-              </a:cxn>
-              <a:cxn ang="0">
-                <a:pos x="connsiteX2" y="connsiteY2"/>
-              </a:cxn>
-              <a:cxn ang="0">
-                <a:pos x="connsiteX3" y="connsiteY3"/>
-              </a:cxn>
-              <a:cxn ang="0">
-                <a:pos x="connsiteX4" y="connsiteY4"/>
-              </a:cxn>
-              <a:cxn ang="0">
-                <a:pos x="connsiteX5" y="connsiteY5"/>
-              </a:cxn>
-            </a:cxnLst>
-            <a:rect l="l" t="t" r="r" b="b"/>
-            <a:pathLst>
-              <a:path w="4277884" h="2583520">
-                <a:moveTo>
-                  <a:pt x="0" y="0"/>
-                </a:moveTo>
-                <a:lnTo>
-                  <a:pt x="4277884" y="0"/>
-                </a:lnTo>
-                <a:lnTo>
-                  <a:pt x="4277884" y="2583520"/>
-                </a:lnTo>
-                <a:lnTo>
-                  <a:pt x="1192437" y="2583520"/>
-                </a:lnTo>
-                <a:lnTo>
-                  <a:pt x="1188085" y="2574129"/>
-                </a:lnTo>
-                <a:lnTo>
-                  <a:pt x="1192715" y="2574129"/>
-                </a:lnTo>
-                <a:close/>
-              </a:path>
-            </a:pathLst>
-          </a:custGeom>
-        </p:spPr>
-      </p:pic>
-      <p:sp>
-        <p:nvSpPr>
-          <p:cNvPr id="6" name="Rectangle 5">
-            <a:extLst>
-              <a:ext uri="{FF2B5EF4-FFF2-40B4-BE49-F238E27FC236}">
-                <a16:creationId xmlns:a16="http://schemas.microsoft.com/office/drawing/2014/main" id="{A2901312-C3C2-4CEC-80EF-823AB4FBB726}"/>
-              </a:ext>
-            </a:extLst>
-          </p:cNvPr>
-          <p:cNvSpPr/>
-          <p:nvPr/>
-        </p:nvSpPr>
-        <p:spPr>
-          <a:xfrm>
-            <a:off x="-1" y="1608918"/>
-            <a:ext cx="12191999" cy="91160"/>
-          </a:xfrm>
-          <a:prstGeom prst="rect">
-            <a:avLst/>
-          </a:prstGeom>
-          <a:solidFill>
-            <a:schemeClr val="bg1"/>
-          </a:solidFill>
-          <a:ln>
-            <a:noFill/>
-          </a:ln>
-        </p:spPr>
-        <p:style>
-          <a:lnRef idx="2">
-            <a:schemeClr val="accent1">
-              <a:shade val="50000"/>
-            </a:schemeClr>
-          </a:lnRef>
-          <a:fillRef idx="1">
-            <a:schemeClr val="accent1"/>
-          </a:fillRef>
-          <a:effectRef idx="0">
-            <a:schemeClr val="accent1"/>
-          </a:effectRef>
-          <a:fontRef idx="minor">
-            <a:schemeClr val="lt1"/>
-          </a:fontRef>
-        </p:style>
-        <p:txBody>
-          <a:bodyPr rtlCol="0" anchor="ctr"/>
-          <a:lstStyle/>
-          <a:p>
-            <a:pPr algn="ctr"/>
-            <a:endParaRPr lang="en-US">
-              <a:solidFill>
-                <a:srgbClr val="DB5B5C"/>
-              </a:solidFill>
-            </a:endParaRPr>
-          </a:p>
-        </p:txBody>
-      </p:sp>
-      <p:sp>
-        <p:nvSpPr>
-          <p:cNvPr id="15" name="Rectangle 14">
-            <a:extLst>
-              <a:ext uri="{FF2B5EF4-FFF2-40B4-BE49-F238E27FC236}">
-                <a16:creationId xmlns:a16="http://schemas.microsoft.com/office/drawing/2014/main" id="{AD0A7C9C-CA2C-4B9B-A125-2D09D5573B44}"/>
-              </a:ext>
-            </a:extLst>
-          </p:cNvPr>
-          <p:cNvSpPr/>
-          <p:nvPr/>
-        </p:nvSpPr>
-        <p:spPr>
-          <a:xfrm>
-            <a:off x="1" y="6677247"/>
-            <a:ext cx="12191999" cy="190143"/>
-          </a:xfrm>
-          <a:prstGeom prst="rect">
-            <a:avLst/>
-          </a:prstGeom>
-          <a:solidFill>
-            <a:schemeClr val="bg1"/>
-          </a:solidFill>
-          <a:ln>
-            <a:noFill/>
-          </a:ln>
-        </p:spPr>
-        <p:style>
-          <a:lnRef idx="2">
-            <a:schemeClr val="accent1">
-              <a:shade val="50000"/>
-            </a:schemeClr>
-          </a:lnRef>
-          <a:fillRef idx="1">
-            <a:schemeClr val="accent1"/>
-          </a:fillRef>
-          <a:effectRef idx="0">
-            <a:schemeClr val="accent1"/>
-          </a:effectRef>
-          <a:fontRef idx="minor">
-            <a:schemeClr val="lt1"/>
-          </a:fontRef>
-        </p:style>
-        <p:txBody>
-          <a:bodyPr rtlCol="0" anchor="ctr"/>
-          <a:lstStyle/>
-          <a:p>
-            <a:pPr algn="ctr"/>
-            <a:endParaRPr lang="en-US">
-              <a:solidFill>
-                <a:srgbClr val="DB5B5C"/>
-              </a:solidFill>
-            </a:endParaRPr>
-          </a:p>
-        </p:txBody>
-      </p:sp>
-      <p:sp>
-        <p:nvSpPr>
-          <p:cNvPr id="16" name="Rectangle 15">
-            <a:extLst>
-              <a:ext uri="{FF2B5EF4-FFF2-40B4-BE49-F238E27FC236}">
-                <a16:creationId xmlns:a16="http://schemas.microsoft.com/office/drawing/2014/main" id="{74A085FC-1866-46D4-97F7-51AA45E48D4F}"/>
-              </a:ext>
-            </a:extLst>
-          </p:cNvPr>
-          <p:cNvSpPr/>
-          <p:nvPr/>
-        </p:nvSpPr>
-        <p:spPr>
-          <a:xfrm rot="4092292">
-            <a:off x="5790668" y="4094517"/>
-            <a:ext cx="5446699" cy="137038"/>
-          </a:xfrm>
-          <a:prstGeom prst="rect">
-            <a:avLst/>
-          </a:prstGeom>
-          <a:solidFill>
-            <a:schemeClr val="bg1"/>
-          </a:solidFill>
-          <a:ln>
-            <a:noFill/>
-          </a:ln>
-        </p:spPr>
-        <p:style>
-          <a:lnRef idx="2">
-            <a:schemeClr val="accent1">
-              <a:shade val="50000"/>
-            </a:schemeClr>
-          </a:lnRef>
-          <a:fillRef idx="1">
-            <a:schemeClr val="accent1"/>
-          </a:fillRef>
-          <a:effectRef idx="0">
-            <a:schemeClr val="accent1"/>
-          </a:effectRef>
-          <a:fontRef idx="minor">
-            <a:schemeClr val="lt1"/>
-          </a:fontRef>
-        </p:style>
-        <p:txBody>
-          <a:bodyPr rtlCol="0" anchor="ctr"/>
-          <a:lstStyle/>
-          <a:p>
-            <a:pPr algn="ctr"/>
-            <a:endParaRPr lang="en-US">
-              <a:solidFill>
-                <a:srgbClr val="DB5B5C"/>
-              </a:solidFill>
-            </a:endParaRPr>
-          </a:p>
-        </p:txBody>
-      </p:sp>
-      <p:pic>
-        <p:nvPicPr>
-          <p:cNvPr id="12" name="Picture 11">
-            <a:extLst>
-              <a:ext uri="{FF2B5EF4-FFF2-40B4-BE49-F238E27FC236}">
-                <a16:creationId xmlns:a16="http://schemas.microsoft.com/office/drawing/2014/main" id="{0D53D00D-3E9F-404D-BC4F-7067FDD58716}"/>
-              </a:ext>
-            </a:extLst>
-          </p:cNvPr>
-          <p:cNvPicPr>
-            <a:picLocks noChangeAspect="1"/>
-          </p:cNvPicPr>
-          <p:nvPr/>
-        </p:nvPicPr>
-        <p:blipFill>
-          <a:blip r:embed="rId4">
-            <a:extLst>
-              <a:ext uri="{28A0092B-C50C-407E-A947-70E740481C1C}">
-                <a14:useLocalDpi xmlns:a14="http://schemas.microsoft.com/office/drawing/2010/main" val="0"/>
-              </a:ext>
-            </a:extLst>
-          </a:blip>
-          <a:stretch>
-            <a:fillRect/>
-          </a:stretch>
-        </p:blipFill>
-        <p:spPr>
-          <a:xfrm>
-            <a:off x="46320" y="1724354"/>
-            <a:ext cx="7392924" cy="4928616"/>
-          </a:xfrm>
-          <a:prstGeom prst="rect">
-            <a:avLst/>
-          </a:prstGeom>
-        </p:spPr>
-      </p:pic>
-    </p:spTree>
-    <p:extLst>
-      <p:ext uri="{BB962C8B-B14F-4D97-AF65-F5344CB8AC3E}">
-        <p14:creationId xmlns:p14="http://schemas.microsoft.com/office/powerpoint/2010/main" val="304653770"/>
       </p:ext>
     </p:extLst>
   </p:cSld>
@@ -11566,8 +13423,50 @@
               <a:rPr lang="en-US" b="1" dirty="0">
                 <a:latin typeface="Selawik Semibold" panose="020B0604020202020204" pitchFamily="34" charset="0"/>
               </a:rPr>
-              <a:t>Survey Results: Played</a:t>
-            </a:r>
+              <a:t>Survey Results: R Experience</a:t>
+            </a:r>
+          </a:p>
+        </p:txBody>
+      </p:sp>
+      <p:sp>
+        <p:nvSpPr>
+          <p:cNvPr id="9" name="Content Placeholder 8">
+            <a:extLst>
+              <a:ext uri="{FF2B5EF4-FFF2-40B4-BE49-F238E27FC236}">
+                <a16:creationId xmlns:a16="http://schemas.microsoft.com/office/drawing/2014/main" id="{2D995594-59F2-4020-AB6F-751BAE84ADB3}"/>
+              </a:ext>
+            </a:extLst>
+          </p:cNvPr>
+          <p:cNvSpPr>
+            <a:spLocks noGrp="1"/>
+          </p:cNvSpPr>
+          <p:nvPr>
+            <p:ph idx="1"/>
+          </p:nvPr>
+        </p:nvSpPr>
+        <p:spPr>
+          <a:xfrm>
+            <a:off x="838200" y="2021249"/>
+            <a:ext cx="6369424" cy="4574533"/>
+          </a:xfrm>
+        </p:spPr>
+        <p:txBody>
+          <a:bodyPr>
+            <a:normAutofit/>
+          </a:bodyPr>
+          <a:lstStyle/>
+          <a:p>
+            <a:pPr marL="457200" lvl="1" indent="0">
+              <a:buNone/>
+            </a:pPr>
+            <a:endParaRPr lang="en-US" sz="1600" dirty="0">
+              <a:latin typeface="Selawik Semibold" panose="020B0702040204020203" pitchFamily="34" charset="0"/>
+            </a:endParaRPr>
+          </a:p>
+          <a:p>
+            <a:endParaRPr lang="en-US" sz="2400" dirty="0">
+              <a:latin typeface="Selawik Semibold" panose="020B0702040204020203" pitchFamily="34" charset="0"/>
+            </a:endParaRPr>
           </a:p>
         </p:txBody>
       </p:sp>
@@ -11913,10 +13812,10 @@
       </p:sp>
       <p:pic>
         <p:nvPicPr>
-          <p:cNvPr id="10" name="Picture 9" descr="A screenshot of a cell phone&#10;&#10;Description automatically generated">
-            <a:extLst>
-              <a:ext uri="{FF2B5EF4-FFF2-40B4-BE49-F238E27FC236}">
-                <a16:creationId xmlns:a16="http://schemas.microsoft.com/office/drawing/2014/main" id="{A4FC7664-39C4-45B4-8C9E-2ED3CB7E665E}"/>
+          <p:cNvPr id="20" name="Picture 19" descr="A close up of a logo&#10;&#10;Description automatically generated">
+            <a:extLst>
+              <a:ext uri="{FF2B5EF4-FFF2-40B4-BE49-F238E27FC236}">
+                <a16:creationId xmlns:a16="http://schemas.microsoft.com/office/drawing/2014/main" id="{7F6CC78D-95FA-4BE8-B869-5B60251CE54A}"/>
               </a:ext>
             </a:extLst>
           </p:cNvPr>
@@ -11939,8 +13838,8 @@
         </p:blipFill>
         <p:spPr>
           <a:xfrm>
-            <a:off x="50083" y="1725608"/>
-            <a:ext cx="7389161" cy="4926108"/>
+            <a:off x="56748" y="1734316"/>
+            <a:ext cx="7414396" cy="4942931"/>
           </a:xfrm>
           <a:prstGeom prst="rect">
             <a:avLst/>
@@ -11950,7 +13849,7 @@
     </p:spTree>
     <p:extLst>
       <p:ext uri="{BB962C8B-B14F-4D97-AF65-F5344CB8AC3E}">
-        <p14:creationId xmlns:p14="http://schemas.microsoft.com/office/powerpoint/2010/main" val="142465839"/>
+        <p14:creationId xmlns:p14="http://schemas.microsoft.com/office/powerpoint/2010/main" val="2980825983"/>
       </p:ext>
     </p:extLst>
   </p:cSld>
@@ -12080,11 +13979,225 @@
               <a:rPr lang="en-US" b="1" dirty="0">
                 <a:latin typeface="Selawik Semibold" panose="020B0604020202020204" pitchFamily="34" charset="0"/>
               </a:rPr>
-              <a:t>Survey Results: Combined</a:t>
-            </a:r>
-          </a:p>
-        </p:txBody>
-      </p:sp>
+              <a:t>Survey Results: Goal After Graduation</a:t>
+            </a:r>
+          </a:p>
+        </p:txBody>
+      </p:sp>
+      <p:sp>
+        <p:nvSpPr>
+          <p:cNvPr id="9" name="Content Placeholder 8">
+            <a:extLst>
+              <a:ext uri="{FF2B5EF4-FFF2-40B4-BE49-F238E27FC236}">
+                <a16:creationId xmlns:a16="http://schemas.microsoft.com/office/drawing/2014/main" id="{2D995594-59F2-4020-AB6F-751BAE84ADB3}"/>
+              </a:ext>
+            </a:extLst>
+          </p:cNvPr>
+          <p:cNvSpPr>
+            <a:spLocks noGrp="1"/>
+          </p:cNvSpPr>
+          <p:nvPr>
+            <p:ph idx="1"/>
+          </p:nvPr>
+        </p:nvSpPr>
+        <p:spPr>
+          <a:xfrm>
+            <a:off x="838200" y="2021249"/>
+            <a:ext cx="6369424" cy="4574533"/>
+          </a:xfrm>
+        </p:spPr>
+        <p:txBody>
+          <a:bodyPr>
+            <a:normAutofit/>
+          </a:bodyPr>
+          <a:lstStyle/>
+          <a:p>
+            <a:pPr marL="457200" lvl="1" indent="0">
+              <a:buNone/>
+            </a:pPr>
+            <a:endParaRPr lang="en-US" sz="1600" dirty="0">
+              <a:latin typeface="Selawik Semibold" panose="020B0702040204020203" pitchFamily="34" charset="0"/>
+            </a:endParaRPr>
+          </a:p>
+          <a:p>
+            <a:endParaRPr lang="en-US" sz="2400" dirty="0">
+              <a:latin typeface="Selawik Semibold" panose="020B0702040204020203" pitchFamily="34" charset="0"/>
+            </a:endParaRPr>
+          </a:p>
+        </p:txBody>
+      </p:sp>
+      <p:pic>
+        <p:nvPicPr>
+          <p:cNvPr id="4" name="Picture 3" descr="A drawing of a cartoon character&#10;&#10;Description automatically generated">
+            <a:extLst>
+              <a:ext uri="{FF2B5EF4-FFF2-40B4-BE49-F238E27FC236}">
+                <a16:creationId xmlns:a16="http://schemas.microsoft.com/office/drawing/2014/main" id="{A7FDC859-D890-4904-9C64-27F43DA90453}"/>
+              </a:ext>
+            </a:extLst>
+          </p:cNvPr>
+          <p:cNvPicPr>
+            <a:picLocks noChangeAspect="1"/>
+          </p:cNvPicPr>
+          <p:nvPr/>
+        </p:nvPicPr>
+        <p:blipFill rotWithShape="1">
+          <a:blip r:embed="rId2">
+            <a:extLst>
+              <a:ext uri="{28A0092B-C50C-407E-A947-70E740481C1C}">
+                <a14:useLocalDpi xmlns:a14="http://schemas.microsoft.com/office/drawing/2010/main" val="0"/>
+              </a:ext>
+            </a:extLst>
+          </a:blip>
+          <a:srcRect t="5616" r="2" b="2"/>
+          <a:stretch/>
+        </p:blipFill>
+        <p:spPr>
+          <a:xfrm>
+            <a:off x="7471144" y="1700078"/>
+            <a:ext cx="4720855" cy="2583792"/>
+          </a:xfrm>
+          <a:custGeom>
+            <a:avLst/>
+            <a:gdLst>
+              <a:gd name="connsiteX0" fmla="*/ 0 w 5475077"/>
+              <a:gd name="connsiteY0" fmla="*/ 0 h 2583792"/>
+              <a:gd name="connsiteX1" fmla="*/ 5475077 w 5475077"/>
+              <a:gd name="connsiteY1" fmla="*/ 0 h 2583792"/>
+              <a:gd name="connsiteX2" fmla="*/ 5475077 w 5475077"/>
+              <a:gd name="connsiteY2" fmla="*/ 2583792 h 2583792"/>
+              <a:gd name="connsiteX3" fmla="*/ 1197192 w 5475077"/>
+              <a:gd name="connsiteY3" fmla="*/ 2583792 h 2583792"/>
+            </a:gdLst>
+            <a:ahLst/>
+            <a:cxnLst>
+              <a:cxn ang="0">
+                <a:pos x="connsiteX0" y="connsiteY0"/>
+              </a:cxn>
+              <a:cxn ang="0">
+                <a:pos x="connsiteX1" y="connsiteY1"/>
+              </a:cxn>
+              <a:cxn ang="0">
+                <a:pos x="connsiteX2" y="connsiteY2"/>
+              </a:cxn>
+              <a:cxn ang="0">
+                <a:pos x="connsiteX3" y="connsiteY3"/>
+              </a:cxn>
+            </a:cxnLst>
+            <a:rect l="l" t="t" r="r" b="b"/>
+            <a:pathLst>
+              <a:path w="5475077" h="2583792">
+                <a:moveTo>
+                  <a:pt x="0" y="0"/>
+                </a:moveTo>
+                <a:lnTo>
+                  <a:pt x="5475077" y="0"/>
+                </a:lnTo>
+                <a:lnTo>
+                  <a:pt x="5475077" y="2583792"/>
+                </a:lnTo>
+                <a:lnTo>
+                  <a:pt x="1197192" y="2583792"/>
+                </a:lnTo>
+                <a:close/>
+              </a:path>
+            </a:pathLst>
+          </a:custGeom>
+        </p:spPr>
+      </p:pic>
+      <p:pic>
+        <p:nvPicPr>
+          <p:cNvPr id="5" name="Content Placeholder 4" descr="A picture containing indoor&#10;&#10;Description automatically generated">
+            <a:extLst>
+              <a:ext uri="{FF2B5EF4-FFF2-40B4-BE49-F238E27FC236}">
+                <a16:creationId xmlns:a16="http://schemas.microsoft.com/office/drawing/2014/main" id="{A58F0E55-21F3-485B-A07F-1CE74177BDD2}"/>
+              </a:ext>
+            </a:extLst>
+          </p:cNvPr>
+          <p:cNvPicPr>
+            <a:picLocks noChangeAspect="1"/>
+          </p:cNvPicPr>
+          <p:nvPr/>
+        </p:nvPicPr>
+        <p:blipFill rotWithShape="1">
+          <a:blip r:embed="rId3">
+            <a:extLst>
+              <a:ext uri="{28A0092B-C50C-407E-A947-70E740481C1C}">
+                <a14:useLocalDpi xmlns:a14="http://schemas.microsoft.com/office/drawing/2010/main" val="0"/>
+              </a:ext>
+            </a:extLst>
+          </a:blip>
+          <a:srcRect t="5300" r="3" b="6859"/>
+          <a:stretch/>
+        </p:blipFill>
+        <p:spPr>
+          <a:xfrm>
+            <a:off x="8491869" y="4283870"/>
+            <a:ext cx="3700129" cy="2583520"/>
+          </a:xfrm>
+          <a:custGeom>
+            <a:avLst/>
+            <a:gdLst>
+              <a:gd name="connsiteX0" fmla="*/ 0 w 4277884"/>
+              <a:gd name="connsiteY0" fmla="*/ 0 h 2583520"/>
+              <a:gd name="connsiteX1" fmla="*/ 4277884 w 4277884"/>
+              <a:gd name="connsiteY1" fmla="*/ 0 h 2583520"/>
+              <a:gd name="connsiteX2" fmla="*/ 4277884 w 4277884"/>
+              <a:gd name="connsiteY2" fmla="*/ 2583520 h 2583520"/>
+              <a:gd name="connsiteX3" fmla="*/ 1192437 w 4277884"/>
+              <a:gd name="connsiteY3" fmla="*/ 2583520 h 2583520"/>
+              <a:gd name="connsiteX4" fmla="*/ 1188085 w 4277884"/>
+              <a:gd name="connsiteY4" fmla="*/ 2574129 h 2583520"/>
+              <a:gd name="connsiteX5" fmla="*/ 1192715 w 4277884"/>
+              <a:gd name="connsiteY5" fmla="*/ 2574129 h 2583520"/>
+            </a:gdLst>
+            <a:ahLst/>
+            <a:cxnLst>
+              <a:cxn ang="0">
+                <a:pos x="connsiteX0" y="connsiteY0"/>
+              </a:cxn>
+              <a:cxn ang="0">
+                <a:pos x="connsiteX1" y="connsiteY1"/>
+              </a:cxn>
+              <a:cxn ang="0">
+                <a:pos x="connsiteX2" y="connsiteY2"/>
+              </a:cxn>
+              <a:cxn ang="0">
+                <a:pos x="connsiteX3" y="connsiteY3"/>
+              </a:cxn>
+              <a:cxn ang="0">
+                <a:pos x="connsiteX4" y="connsiteY4"/>
+              </a:cxn>
+              <a:cxn ang="0">
+                <a:pos x="connsiteX5" y="connsiteY5"/>
+              </a:cxn>
+            </a:cxnLst>
+            <a:rect l="l" t="t" r="r" b="b"/>
+            <a:pathLst>
+              <a:path w="4277884" h="2583520">
+                <a:moveTo>
+                  <a:pt x="0" y="0"/>
+                </a:moveTo>
+                <a:lnTo>
+                  <a:pt x="4277884" y="0"/>
+                </a:lnTo>
+                <a:lnTo>
+                  <a:pt x="4277884" y="2583520"/>
+                </a:lnTo>
+                <a:lnTo>
+                  <a:pt x="1192437" y="2583520"/>
+                </a:lnTo>
+                <a:lnTo>
+                  <a:pt x="1188085" y="2574129"/>
+                </a:lnTo>
+                <a:lnTo>
+                  <a:pt x="1192715" y="2574129"/>
+                </a:lnTo>
+                <a:close/>
+              </a:path>
+            </a:pathLst>
+          </a:custGeom>
+        </p:spPr>
+      </p:pic>
       <p:sp>
         <p:nvSpPr>
           <p:cNvPr id="6" name="Rectangle 5">
@@ -12255,10 +14368,10 @@
       </p:sp>
       <p:pic>
         <p:nvPicPr>
-          <p:cNvPr id="18" name="Picture 17" descr="A screenshot of a cell phone&#10;&#10;Description automatically generated">
-            <a:extLst>
-              <a:ext uri="{FF2B5EF4-FFF2-40B4-BE49-F238E27FC236}">
-                <a16:creationId xmlns:a16="http://schemas.microsoft.com/office/drawing/2014/main" id="{5883E004-45E7-4000-9642-CB22A51CBF2E}"/>
+          <p:cNvPr id="10" name="Picture 9" descr="A screenshot of a cell phone&#10;&#10;Description automatically generated">
+            <a:extLst>
+              <a:ext uri="{FF2B5EF4-FFF2-40B4-BE49-F238E27FC236}">
+                <a16:creationId xmlns:a16="http://schemas.microsoft.com/office/drawing/2014/main" id="{C7F18944-D299-40FC-8205-2B8CF3DDA9D9}"/>
               </a:ext>
             </a:extLst>
           </p:cNvPr>
@@ -12268,7 +14381,7 @@
           <p:nvPr/>
         </p:nvPicPr>
         <p:blipFill>
-          <a:blip r:embed="rId2">
+          <a:blip r:embed="rId4">
             <a:extLst>
               <a:ext uri="{28A0092B-C50C-407E-A947-70E740481C1C}">
                 <a14:useLocalDpi xmlns:a14="http://schemas.microsoft.com/office/drawing/2010/main" val="0"/>
@@ -12281,8 +14394,8 @@
         </p:blipFill>
         <p:spPr>
           <a:xfrm>
-            <a:off x="962525" y="1700078"/>
-            <a:ext cx="9910261" cy="4955131"/>
+            <a:off x="57010" y="1709468"/>
+            <a:ext cx="7414134" cy="4942756"/>
           </a:xfrm>
           <a:prstGeom prst="rect">
             <a:avLst/>
@@ -12292,7 +14405,7 @@
     </p:spTree>
     <p:extLst>
       <p:ext uri="{BB962C8B-B14F-4D97-AF65-F5344CB8AC3E}">
-        <p14:creationId xmlns:p14="http://schemas.microsoft.com/office/powerpoint/2010/main" val="3056356804"/>
+        <p14:creationId xmlns:p14="http://schemas.microsoft.com/office/powerpoint/2010/main" val="4080632901"/>
       </p:ext>
     </p:extLst>
   </p:cSld>
@@ -12422,53 +14535,7 @@
               <a:rPr lang="en-US" b="1" dirty="0">
                 <a:latin typeface="Selawik Semibold" panose="020B0604020202020204" pitchFamily="34" charset="0"/>
               </a:rPr>
-              <a:t>Current Landscape of Sports</a:t>
-            </a:r>
-          </a:p>
-        </p:txBody>
-      </p:sp>
-      <p:sp>
-        <p:nvSpPr>
-          <p:cNvPr id="9" name="Content Placeholder 8">
-            <a:extLst>
-              <a:ext uri="{FF2B5EF4-FFF2-40B4-BE49-F238E27FC236}">
-                <a16:creationId xmlns:a16="http://schemas.microsoft.com/office/drawing/2014/main" id="{2D995594-59F2-4020-AB6F-751BAE84ADB3}"/>
-              </a:ext>
-            </a:extLst>
-          </p:cNvPr>
-          <p:cNvSpPr>
-            <a:spLocks noGrp="1"/>
-          </p:cNvSpPr>
-          <p:nvPr>
-            <p:ph idx="1"/>
-          </p:nvPr>
-        </p:nvSpPr>
-        <p:spPr>
-          <a:xfrm>
-            <a:off x="838200" y="2021250"/>
-            <a:ext cx="6987988" cy="1125362"/>
-          </a:xfrm>
-        </p:spPr>
-        <p:txBody>
-          <a:bodyPr>
-            <a:normAutofit/>
-          </a:bodyPr>
-          <a:lstStyle/>
-          <a:p>
-            <a:r>
-              <a:rPr lang="en-US" sz="2400" dirty="0">
-                <a:latin typeface="Selawik Semibold" panose="020B0702040204020203" pitchFamily="34" charset="0"/>
-              </a:rPr>
-              <a:t>Most Popular World Sports (sportsshow.net)</a:t>
-            </a:r>
-          </a:p>
-          <a:p>
-            <a:pPr lvl="1"/>
-            <a:r>
-              <a:rPr lang="en-US" sz="2000" dirty="0">
-                <a:latin typeface="Selawik Semibold" panose="020B0702040204020203" pitchFamily="34" charset="0"/>
-              </a:rPr>
-              <a:t>Based on 15 Criteria</a:t>
+              <a:t>Survey Results: Watched</a:t>
             </a:r>
           </a:p>
         </p:txBody>
@@ -12488,7 +14555,7 @@
           <p:nvPr/>
         </p:nvPicPr>
         <p:blipFill rotWithShape="1">
-          <a:blip r:embed="rId3">
+          <a:blip r:embed="rId2">
             <a:extLst>
               <a:ext uri="{28A0092B-C50C-407E-A947-70E740481C1C}">
                 <a14:useLocalDpi xmlns:a14="http://schemas.microsoft.com/office/drawing/2010/main" val="0"/>
@@ -12566,7 +14633,7 @@
           <p:nvPr/>
         </p:nvPicPr>
         <p:blipFill rotWithShape="1">
-          <a:blip r:embed="rId4">
+          <a:blip r:embed="rId3">
             <a:extLst>
               <a:ext uri="{28A0092B-C50C-407E-A947-70E740481C1C}">
                 <a14:useLocalDpi xmlns:a14="http://schemas.microsoft.com/office/drawing/2010/main" val="0"/>
@@ -12813,248 +14880,46 @@
           </a:p>
         </p:txBody>
       </p:sp>
-      <p:sp>
-        <p:nvSpPr>
-          <p:cNvPr id="3" name="TextBox 2">
-            <a:extLst>
-              <a:ext uri="{FF2B5EF4-FFF2-40B4-BE49-F238E27FC236}">
-                <a16:creationId xmlns:a16="http://schemas.microsoft.com/office/drawing/2014/main" id="{4D2D036B-AB3A-4C0B-ADAC-DCBDAFCE8A9B}"/>
-              </a:ext>
-            </a:extLst>
-          </p:cNvPr>
-          <p:cNvSpPr txBox="1"/>
+      <p:pic>
+        <p:nvPicPr>
+          <p:cNvPr id="7" name="Picture 6" descr="A screenshot of a cell phone&#10;&#10;Description automatically generated">
+            <a:extLst>
+              <a:ext uri="{FF2B5EF4-FFF2-40B4-BE49-F238E27FC236}">
+                <a16:creationId xmlns:a16="http://schemas.microsoft.com/office/drawing/2014/main" id="{3FBB8866-3EBB-40E5-9C20-A6BF12F0CA32}"/>
+              </a:ext>
+            </a:extLst>
+          </p:cNvPr>
+          <p:cNvPicPr>
+            <a:picLocks noChangeAspect="1"/>
+          </p:cNvPicPr>
           <p:nvPr/>
-        </p:nvSpPr>
-        <p:spPr>
-          <a:xfrm>
-            <a:off x="1078008" y="2741996"/>
-            <a:ext cx="3964639" cy="2308324"/>
+        </p:nvPicPr>
+        <p:blipFill>
+          <a:blip r:embed="rId4">
+            <a:extLst>
+              <a:ext uri="{28A0092B-C50C-407E-A947-70E740481C1C}">
+                <a14:useLocalDpi xmlns:a14="http://schemas.microsoft.com/office/drawing/2010/main" val="0"/>
+              </a:ext>
+            </a:extLst>
+          </a:blip>
+          <a:stretch>
+            <a:fillRect/>
+          </a:stretch>
+        </p:blipFill>
+        <p:spPr>
+          <a:xfrm>
+            <a:off x="54933" y="1728922"/>
+            <a:ext cx="7416211" cy="4944141"/>
           </a:xfrm>
           <a:prstGeom prst="rect">
             <a:avLst/>
           </a:prstGeom>
-          <a:noFill/>
-        </p:spPr>
-        <p:txBody>
-          <a:bodyPr wrap="square" rtlCol="0">
-            <a:spAutoFit/>
-          </a:bodyPr>
-          <a:lstStyle/>
-          <a:p>
-            <a:pPr marL="742950" lvl="1" indent="-285750">
-              <a:buFont typeface="Arial" panose="020B0604020202020204" pitchFamily="34" charset="0"/>
-              <a:buChar char="•"/>
-            </a:pPr>
-            <a:r>
-              <a:rPr lang="en-US" sz="1600" dirty="0">
-                <a:latin typeface="Selawik Semibold" panose="020B0702040204020203" pitchFamily="34" charset="0"/>
-              </a:rPr>
-              <a:t>Global Fan Base</a:t>
-            </a:r>
-          </a:p>
-          <a:p>
-            <a:pPr marL="742950" lvl="1" indent="-285750">
-              <a:buFont typeface="Arial" panose="020B0604020202020204" pitchFamily="34" charset="0"/>
-              <a:buChar char="•"/>
-            </a:pPr>
-            <a:r>
-              <a:rPr lang="en-US" sz="1600" dirty="0">
-                <a:latin typeface="Selawik Semibold" panose="020B0702040204020203" pitchFamily="34" charset="0"/>
-              </a:rPr>
-              <a:t>Viewership on TV</a:t>
-            </a:r>
-          </a:p>
-          <a:p>
-            <a:pPr marL="742950" lvl="1" indent="-285750">
-              <a:buFont typeface="Arial" panose="020B0604020202020204" pitchFamily="34" charset="0"/>
-              <a:buChar char="•"/>
-            </a:pPr>
-            <a:r>
-              <a:rPr lang="en-US" sz="1600" dirty="0">
-                <a:latin typeface="Selawik Semibold" panose="020B0702040204020203" pitchFamily="34" charset="0"/>
-              </a:rPr>
-              <a:t>TV Rights</a:t>
-            </a:r>
-          </a:p>
-          <a:p>
-            <a:pPr marL="742950" lvl="1" indent="-285750">
-              <a:buFont typeface="Arial" panose="020B0604020202020204" pitchFamily="34" charset="0"/>
-              <a:buChar char="•"/>
-            </a:pPr>
-            <a:r>
-              <a:rPr lang="en-US" sz="1600" dirty="0">
-                <a:latin typeface="Selawik Semibold" panose="020B0702040204020203" pitchFamily="34" charset="0"/>
-              </a:rPr>
-              <a:t>Internet Popularity</a:t>
-            </a:r>
-          </a:p>
-          <a:p>
-            <a:pPr marL="742950" lvl="1" indent="-285750">
-              <a:buFont typeface="Arial" panose="020B0604020202020204" pitchFamily="34" charset="0"/>
-              <a:buChar char="•"/>
-            </a:pPr>
-            <a:r>
-              <a:rPr lang="en-US" sz="1600" dirty="0">
-                <a:latin typeface="Selawik Semibold" panose="020B0702040204020203" pitchFamily="34" charset="0"/>
-              </a:rPr>
-              <a:t>Social Media Presence</a:t>
-            </a:r>
-          </a:p>
-          <a:p>
-            <a:pPr marL="742950" lvl="1" indent="-285750">
-              <a:buFont typeface="Arial" panose="020B0604020202020204" pitchFamily="34" charset="0"/>
-              <a:buChar char="•"/>
-            </a:pPr>
-            <a:r>
-              <a:rPr lang="en-US" sz="1600" dirty="0">
-                <a:latin typeface="Selawik Semibold" panose="020B0702040204020203" pitchFamily="34" charset="0"/>
-              </a:rPr>
-              <a:t>Number of Professional Leagues</a:t>
-            </a:r>
-          </a:p>
-          <a:p>
-            <a:pPr marL="742950" lvl="1" indent="-285750">
-              <a:buFont typeface="Arial" panose="020B0604020202020204" pitchFamily="34" charset="0"/>
-              <a:buChar char="•"/>
-            </a:pPr>
-            <a:r>
-              <a:rPr lang="en-US" sz="1600" dirty="0">
-                <a:latin typeface="Selawik Semibold" panose="020B0702040204020203" pitchFamily="34" charset="0"/>
-              </a:rPr>
-              <a:t>Average Salary of Athletes</a:t>
-            </a:r>
-          </a:p>
-          <a:p>
-            <a:pPr marL="742950" lvl="1" indent="-285750">
-              <a:buFont typeface="Arial" panose="020B0604020202020204" pitchFamily="34" charset="0"/>
-              <a:buChar char="•"/>
-            </a:pPr>
-            <a:r>
-              <a:rPr lang="en-US" sz="1600" dirty="0">
-                <a:latin typeface="Selawik Semibold" panose="020B0702040204020203" pitchFamily="34" charset="0"/>
-              </a:rPr>
-              <a:t>Sponsorship</a:t>
-            </a:r>
-          </a:p>
-          <a:p>
-            <a:pPr marL="742950" lvl="1" indent="-285750">
-              <a:buFont typeface="Arial" panose="020B0604020202020204" pitchFamily="34" charset="0"/>
-              <a:buChar char="•"/>
-            </a:pPr>
-            <a:r>
-              <a:rPr lang="en-US" sz="1600" dirty="0">
-                <a:latin typeface="Selawik Semibold" panose="020B0702040204020203" pitchFamily="34" charset="0"/>
-              </a:rPr>
-              <a:t>Number of Countries</a:t>
-            </a:r>
-            <a:endParaRPr lang="en-US" dirty="0"/>
-          </a:p>
-        </p:txBody>
-      </p:sp>
-      <p:sp>
-        <p:nvSpPr>
-          <p:cNvPr id="7" name="Rectangle 6">
-            <a:extLst>
-              <a:ext uri="{FF2B5EF4-FFF2-40B4-BE49-F238E27FC236}">
-                <a16:creationId xmlns:a16="http://schemas.microsoft.com/office/drawing/2014/main" id="{1DD01DA1-338C-4134-8F28-E709685D35DE}"/>
-              </a:ext>
-            </a:extLst>
-          </p:cNvPr>
-          <p:cNvSpPr/>
-          <p:nvPr/>
-        </p:nvSpPr>
-        <p:spPr>
-          <a:xfrm>
-            <a:off x="1076383" y="4939168"/>
-            <a:ext cx="3970017" cy="1569660"/>
-          </a:xfrm>
-          <a:prstGeom prst="rect">
-            <a:avLst/>
-          </a:prstGeom>
-        </p:spPr>
-        <p:txBody>
-          <a:bodyPr wrap="square">
-            <a:spAutoFit/>
-          </a:bodyPr>
-          <a:lstStyle/>
-          <a:p>
-            <a:pPr marL="742950" lvl="1" indent="-285750">
-              <a:buFont typeface="Arial" panose="020B0604020202020204" pitchFamily="34" charset="0"/>
-              <a:buChar char="•"/>
-            </a:pPr>
-            <a:r>
-              <a:rPr lang="en-US" sz="1600" dirty="0">
-                <a:latin typeface="Selawik Semibold" panose="020B0702040204020203" pitchFamily="34" charset="0"/>
-              </a:rPr>
-              <a:t>Biggest Competition</a:t>
-            </a:r>
-          </a:p>
-          <a:p>
-            <a:pPr marL="742950" lvl="1" indent="-285750">
-              <a:buFont typeface="Arial" panose="020B0604020202020204" pitchFamily="34" charset="0"/>
-              <a:buChar char="•"/>
-            </a:pPr>
-            <a:r>
-              <a:rPr lang="en-US" sz="1600" dirty="0">
-                <a:latin typeface="Selawik Semibold" panose="020B0702040204020203" pitchFamily="34" charset="0"/>
-              </a:rPr>
-              <a:t>Relevancy Throughout the Year</a:t>
-            </a:r>
-          </a:p>
-          <a:p>
-            <a:pPr marL="742950" lvl="1" indent="-285750">
-              <a:buFont typeface="Arial" panose="020B0604020202020204" pitchFamily="34" charset="0"/>
-              <a:buChar char="•"/>
-            </a:pPr>
-            <a:r>
-              <a:rPr lang="en-US" sz="1600" dirty="0">
-                <a:latin typeface="Selawik Semibold" panose="020B0702040204020203" pitchFamily="34" charset="0"/>
-              </a:rPr>
-              <a:t>Gender equality</a:t>
-            </a:r>
-          </a:p>
-          <a:p>
-            <a:pPr marL="742950" lvl="1" indent="-285750">
-              <a:buFont typeface="Arial" panose="020B0604020202020204" pitchFamily="34" charset="0"/>
-              <a:buChar char="•"/>
-            </a:pPr>
-            <a:r>
-              <a:rPr lang="en-US" sz="1600" dirty="0">
-                <a:latin typeface="Selawik Semibold" panose="020B0702040204020203" pitchFamily="34" charset="0"/>
-              </a:rPr>
-              <a:t>Access to the General Public</a:t>
-            </a:r>
-          </a:p>
-          <a:p>
-            <a:pPr marL="742950" lvl="1" indent="-285750">
-              <a:buFont typeface="Arial" panose="020B0604020202020204" pitchFamily="34" charset="0"/>
-              <a:buChar char="•"/>
-            </a:pPr>
-            <a:r>
-              <a:rPr lang="en-US" sz="1600" dirty="0">
-                <a:latin typeface="Selawik Semibold" panose="020B0702040204020203" pitchFamily="34" charset="0"/>
-              </a:rPr>
-              <a:t>Number of Amateurs</a:t>
-            </a:r>
-          </a:p>
-          <a:p>
-            <a:pPr marL="742950" lvl="1" indent="-285750">
-              <a:buFont typeface="Arial" panose="020B0604020202020204" pitchFamily="34" charset="0"/>
-              <a:buChar char="•"/>
-            </a:pPr>
-            <a:r>
-              <a:rPr lang="en-US" sz="1600" dirty="0">
-                <a:latin typeface="Selawik Semibold" panose="020B0702040204020203" pitchFamily="34" charset="0"/>
-              </a:rPr>
-              <a:t>Prominence in Headlines</a:t>
-            </a:r>
-          </a:p>
-        </p:txBody>
-      </p:sp>
+        </p:spPr>
+      </p:pic>
     </p:spTree>
     <p:extLst>
       <p:ext uri="{BB962C8B-B14F-4D97-AF65-F5344CB8AC3E}">
-        <p14:creationId xmlns:p14="http://schemas.microsoft.com/office/powerpoint/2010/main" val="3372904333"/>
+        <p14:creationId xmlns:p14="http://schemas.microsoft.com/office/powerpoint/2010/main" val="304653770"/>
       </p:ext>
     </p:extLst>
   </p:cSld>
@@ -13184,59 +15049,7 @@
               <a:rPr lang="en-US" b="1" dirty="0">
                 <a:latin typeface="Selawik Semibold" panose="020B0604020202020204" pitchFamily="34" charset="0"/>
               </a:rPr>
-              <a:t>Current Landscape of Sports</a:t>
-            </a:r>
-          </a:p>
-        </p:txBody>
-      </p:sp>
-      <p:sp>
-        <p:nvSpPr>
-          <p:cNvPr id="9" name="Content Placeholder 8">
-            <a:extLst>
-              <a:ext uri="{FF2B5EF4-FFF2-40B4-BE49-F238E27FC236}">
-                <a16:creationId xmlns:a16="http://schemas.microsoft.com/office/drawing/2014/main" id="{2D995594-59F2-4020-AB6F-751BAE84ADB3}"/>
-              </a:ext>
-            </a:extLst>
-          </p:cNvPr>
-          <p:cNvSpPr>
-            <a:spLocks noGrp="1"/>
-          </p:cNvSpPr>
-          <p:nvPr>
-            <p:ph idx="1"/>
-          </p:nvPr>
-        </p:nvSpPr>
-        <p:spPr>
-          <a:xfrm>
-            <a:off x="838199" y="2021249"/>
-            <a:ext cx="6833347" cy="1132085"/>
-          </a:xfrm>
-        </p:spPr>
-        <p:txBody>
-          <a:bodyPr>
-            <a:normAutofit/>
-          </a:bodyPr>
-          <a:lstStyle/>
-          <a:p>
-            <a:r>
-              <a:rPr lang="en-US" sz="2400" dirty="0">
-                <a:latin typeface="Selawik Semibold" panose="020B0702040204020203" pitchFamily="34" charset="0"/>
-              </a:rPr>
-              <a:t>Most Popular World Sports (sportsshow.net)</a:t>
-            </a:r>
-          </a:p>
-          <a:p>
-            <a:pPr lvl="1"/>
-            <a:endParaRPr lang="en-US" sz="2000" dirty="0">
-              <a:latin typeface="Selawik Semibold" panose="020B0702040204020203" pitchFamily="34" charset="0"/>
-            </a:endParaRPr>
-          </a:p>
-          <a:p>
-            <a:pPr lvl="1"/>
-            <a:r>
-              <a:rPr lang="en-US" sz="2000" dirty="0">
-                <a:latin typeface="Selawik Semibold" panose="020B0702040204020203" pitchFamily="34" charset="0"/>
-              </a:rPr>
-              <a:t>Listed from Most to Least Popular</a:t>
+              <a:t>Survey Results: Played</a:t>
             </a:r>
           </a:p>
         </p:txBody>
@@ -13256,7 +15069,7 @@
           <p:nvPr/>
         </p:nvPicPr>
         <p:blipFill rotWithShape="1">
-          <a:blip r:embed="rId3">
+          <a:blip r:embed="rId2">
             <a:extLst>
               <a:ext uri="{28A0092B-C50C-407E-A947-70E740481C1C}">
                 <a14:useLocalDpi xmlns:a14="http://schemas.microsoft.com/office/drawing/2010/main" val="0"/>
@@ -13334,7 +15147,7 @@
           <p:nvPr/>
         </p:nvPicPr>
         <p:blipFill rotWithShape="1">
-          <a:blip r:embed="rId4">
+          <a:blip r:embed="rId3">
             <a:extLst>
               <a:ext uri="{28A0092B-C50C-407E-A947-70E740481C1C}">
                 <a14:useLocalDpi xmlns:a14="http://schemas.microsoft.com/office/drawing/2010/main" val="0"/>
@@ -13581,160 +15394,46 @@
           </a:p>
         </p:txBody>
       </p:sp>
-      <p:sp>
-        <p:nvSpPr>
-          <p:cNvPr id="3" name="TextBox 2">
-            <a:extLst>
-              <a:ext uri="{FF2B5EF4-FFF2-40B4-BE49-F238E27FC236}">
-                <a16:creationId xmlns:a16="http://schemas.microsoft.com/office/drawing/2014/main" id="{4D2D036B-AB3A-4C0B-ADAC-DCBDAFCE8A9B}"/>
-              </a:ext>
-            </a:extLst>
-          </p:cNvPr>
-          <p:cNvSpPr txBox="1"/>
+      <p:pic>
+        <p:nvPicPr>
+          <p:cNvPr id="7" name="Picture 6" descr="A screenshot of a cell phone&#10;&#10;Description automatically generated">
+            <a:extLst>
+              <a:ext uri="{FF2B5EF4-FFF2-40B4-BE49-F238E27FC236}">
+                <a16:creationId xmlns:a16="http://schemas.microsoft.com/office/drawing/2014/main" id="{37AE2684-264D-4569-A6EF-A0DE8FFF1186}"/>
+              </a:ext>
+            </a:extLst>
+          </p:cNvPr>
+          <p:cNvPicPr>
+            <a:picLocks noChangeAspect="1"/>
+          </p:cNvPicPr>
           <p:nvPr/>
-        </p:nvSpPr>
-        <p:spPr>
-          <a:xfrm>
-            <a:off x="1210993" y="3080230"/>
-            <a:ext cx="3964639" cy="2862322"/>
+        </p:nvPicPr>
+        <p:blipFill>
+          <a:blip r:embed="rId4">
+            <a:extLst>
+              <a:ext uri="{28A0092B-C50C-407E-A947-70E740481C1C}">
+                <a14:useLocalDpi xmlns:a14="http://schemas.microsoft.com/office/drawing/2010/main" val="0"/>
+              </a:ext>
+            </a:extLst>
+          </a:blip>
+          <a:stretch>
+            <a:fillRect/>
+          </a:stretch>
+        </p:blipFill>
+        <p:spPr>
+          <a:xfrm>
+            <a:off x="54933" y="1728922"/>
+            <a:ext cx="7416211" cy="4944141"/>
           </a:xfrm>
           <a:prstGeom prst="rect">
             <a:avLst/>
           </a:prstGeom>
-          <a:noFill/>
-        </p:spPr>
-        <p:txBody>
-          <a:bodyPr wrap="square" rtlCol="0">
-            <a:spAutoFit/>
-          </a:bodyPr>
-          <a:lstStyle/>
-          <a:p>
-            <a:pPr marL="742950" lvl="1" indent="-285750">
-              <a:buFont typeface="Arial" panose="020B0604020202020204" pitchFamily="34" charset="0"/>
-              <a:buChar char="•"/>
-            </a:pPr>
-            <a:r>
-              <a:rPr lang="en-US" dirty="0">
-                <a:latin typeface="Selawik Semibold" panose="020B0702040204020203" pitchFamily="34" charset="0"/>
-              </a:rPr>
-              <a:t>Soccer</a:t>
-            </a:r>
-          </a:p>
-          <a:p>
-            <a:pPr marL="742950" lvl="1" indent="-285750">
-              <a:buFont typeface="Arial" panose="020B0604020202020204" pitchFamily="34" charset="0"/>
-              <a:buChar char="•"/>
-            </a:pPr>
-            <a:r>
-              <a:rPr lang="en-US" dirty="0">
-                <a:latin typeface="Selawik Semibold" panose="020B0702040204020203" pitchFamily="34" charset="0"/>
-              </a:rPr>
-              <a:t>Cricket</a:t>
-            </a:r>
-          </a:p>
-          <a:p>
-            <a:pPr marL="742950" lvl="1" indent="-285750">
-              <a:buFont typeface="Arial" panose="020B0604020202020204" pitchFamily="34" charset="0"/>
-              <a:buChar char="•"/>
-            </a:pPr>
-            <a:r>
-              <a:rPr lang="en-US" dirty="0">
-                <a:latin typeface="Selawik Semibold" panose="020B0702040204020203" pitchFamily="34" charset="0"/>
-              </a:rPr>
-              <a:t>Basketball</a:t>
-            </a:r>
-          </a:p>
-          <a:p>
-            <a:pPr marL="742950" lvl="1" indent="-285750">
-              <a:buFont typeface="Arial" panose="020B0604020202020204" pitchFamily="34" charset="0"/>
-              <a:buChar char="•"/>
-            </a:pPr>
-            <a:r>
-              <a:rPr lang="en-US" dirty="0">
-                <a:latin typeface="Selawik Semibold" panose="020B0702040204020203" pitchFamily="34" charset="0"/>
-              </a:rPr>
-              <a:t>Field Hockey</a:t>
-            </a:r>
-          </a:p>
-          <a:p>
-            <a:pPr marL="742950" lvl="1" indent="-285750">
-              <a:buFont typeface="Arial" panose="020B0604020202020204" pitchFamily="34" charset="0"/>
-              <a:buChar char="•"/>
-            </a:pPr>
-            <a:r>
-              <a:rPr lang="en-US" dirty="0">
-                <a:latin typeface="Selawik Semibold" panose="020B0702040204020203" pitchFamily="34" charset="0"/>
-              </a:rPr>
-              <a:t>Tennis</a:t>
-            </a:r>
-          </a:p>
-          <a:p>
-            <a:pPr marL="742950" lvl="1" indent="-285750">
-              <a:buFont typeface="Arial" panose="020B0604020202020204" pitchFamily="34" charset="0"/>
-              <a:buChar char="•"/>
-            </a:pPr>
-            <a:r>
-              <a:rPr lang="en-US" dirty="0">
-                <a:latin typeface="Selawik Semibold" panose="020B0702040204020203" pitchFamily="34" charset="0"/>
-              </a:rPr>
-              <a:t>Volleyball</a:t>
-            </a:r>
-          </a:p>
-          <a:p>
-            <a:pPr marL="742950" lvl="1" indent="-285750">
-              <a:buFont typeface="Arial" panose="020B0604020202020204" pitchFamily="34" charset="0"/>
-              <a:buChar char="•"/>
-            </a:pPr>
-            <a:r>
-              <a:rPr lang="en-US" dirty="0">
-                <a:latin typeface="Selawik Semibold" panose="020B0702040204020203" pitchFamily="34" charset="0"/>
-              </a:rPr>
-              <a:t>Table Tennis</a:t>
-            </a:r>
-          </a:p>
-          <a:p>
-            <a:pPr marL="742950" lvl="1" indent="-285750">
-              <a:buFont typeface="Arial" panose="020B0604020202020204" pitchFamily="34" charset="0"/>
-              <a:buChar char="•"/>
-            </a:pPr>
-            <a:r>
-              <a:rPr lang="en-US" dirty="0">
-                <a:latin typeface="Selawik Semibold" panose="020B0702040204020203" pitchFamily="34" charset="0"/>
-              </a:rPr>
-              <a:t>Baseball</a:t>
-            </a:r>
-          </a:p>
-          <a:p>
-            <a:pPr marL="742950" lvl="1" indent="-285750">
-              <a:buFont typeface="Arial" panose="020B0604020202020204" pitchFamily="34" charset="0"/>
-              <a:buChar char="•"/>
-            </a:pPr>
-            <a:r>
-              <a:rPr lang="en-US" dirty="0">
-                <a:latin typeface="Selawik Semibold" panose="020B0702040204020203" pitchFamily="34" charset="0"/>
-              </a:rPr>
-              <a:t>American Football/Rugby</a:t>
-            </a:r>
-          </a:p>
-          <a:p>
-            <a:pPr marL="742950" lvl="1" indent="-285750">
-              <a:buFont typeface="Arial" panose="020B0604020202020204" pitchFamily="34" charset="0"/>
-              <a:buChar char="•"/>
-            </a:pPr>
-            <a:r>
-              <a:rPr lang="en-US" dirty="0">
-                <a:latin typeface="Selawik Semibold" panose="020B0702040204020203" pitchFamily="34" charset="0"/>
-              </a:rPr>
-              <a:t>Golf</a:t>
-            </a:r>
-            <a:endParaRPr lang="en-US" dirty="0"/>
-          </a:p>
-        </p:txBody>
-      </p:sp>
+        </p:spPr>
+      </p:pic>
     </p:spTree>
     <p:extLst>
       <p:ext uri="{BB962C8B-B14F-4D97-AF65-F5344CB8AC3E}">
-        <p14:creationId xmlns:p14="http://schemas.microsoft.com/office/powerpoint/2010/main" val="1787284565"/>
+        <p14:creationId xmlns:p14="http://schemas.microsoft.com/office/powerpoint/2010/main" val="142465839"/>
       </p:ext>
     </p:extLst>
   </p:cSld>
@@ -13864,313 +15563,11 @@
               <a:rPr lang="en-US" b="1" dirty="0">
                 <a:latin typeface="Selawik Semibold" panose="020B0604020202020204" pitchFamily="34" charset="0"/>
               </a:rPr>
-              <a:t>Current Landscape of Sports</a:t>
-            </a:r>
-          </a:p>
-        </p:txBody>
-      </p:sp>
-      <p:sp>
-        <p:nvSpPr>
-          <p:cNvPr id="9" name="Content Placeholder 8">
-            <a:extLst>
-              <a:ext uri="{FF2B5EF4-FFF2-40B4-BE49-F238E27FC236}">
-                <a16:creationId xmlns:a16="http://schemas.microsoft.com/office/drawing/2014/main" id="{2D995594-59F2-4020-AB6F-751BAE84ADB3}"/>
-              </a:ext>
-            </a:extLst>
-          </p:cNvPr>
-          <p:cNvSpPr>
-            <a:spLocks noGrp="1"/>
-          </p:cNvSpPr>
-          <p:nvPr>
-            <p:ph idx="1"/>
-          </p:nvPr>
-        </p:nvSpPr>
-        <p:spPr>
-          <a:xfrm>
-            <a:off x="838200" y="2021249"/>
-            <a:ext cx="6369424" cy="4527469"/>
-          </a:xfrm>
-        </p:spPr>
-        <p:txBody>
-          <a:bodyPr>
-            <a:normAutofit/>
-          </a:bodyPr>
-          <a:lstStyle/>
-          <a:p>
-            <a:r>
-              <a:rPr lang="en-US" sz="2400" dirty="0">
-                <a:latin typeface="Selawik Semibold" panose="020B0702040204020203" pitchFamily="34" charset="0"/>
-              </a:rPr>
-              <a:t>Most Popular US Sports (sportsshow.net)</a:t>
-            </a:r>
-          </a:p>
-          <a:p>
-            <a:pPr marL="0" indent="0">
-              <a:buNone/>
-            </a:pPr>
-            <a:endParaRPr lang="en-US" sz="2400" dirty="0">
-              <a:latin typeface="Selawik Semibold" panose="020B0702040204020203" pitchFamily="34" charset="0"/>
-            </a:endParaRPr>
-          </a:p>
-          <a:p>
-            <a:pPr lvl="1"/>
-            <a:r>
-              <a:rPr lang="en-US" sz="2000" dirty="0">
-                <a:latin typeface="Selawik Semibold" panose="020B0702040204020203" pitchFamily="34" charset="0"/>
-              </a:rPr>
-              <a:t>Based on TV Viewership</a:t>
-            </a:r>
-          </a:p>
-          <a:p>
-            <a:pPr marL="457200" lvl="1" indent="0">
-              <a:buNone/>
-            </a:pPr>
-            <a:endParaRPr lang="en-US" sz="1600" dirty="0">
-              <a:latin typeface="Selawik Semibold" panose="020B0702040204020203" pitchFamily="34" charset="0"/>
-            </a:endParaRPr>
-          </a:p>
-          <a:p>
-            <a:pPr lvl="1"/>
-            <a:r>
-              <a:rPr lang="en-US" sz="2000" dirty="0">
-                <a:latin typeface="Selawik Semibold" panose="020B0702040204020203" pitchFamily="34" charset="0"/>
-              </a:rPr>
-              <a:t>Listed from Most to Least Popular</a:t>
-            </a:r>
-          </a:p>
-          <a:p>
-            <a:pPr lvl="2"/>
-            <a:r>
-              <a:rPr lang="en-US" sz="1800" dirty="0">
-                <a:latin typeface="Selawik Semibold" panose="020B0702040204020203" pitchFamily="34" charset="0"/>
-              </a:rPr>
-              <a:t>Football (38.8% Favorite, 111.9 Million)</a:t>
-            </a:r>
-          </a:p>
-          <a:p>
-            <a:pPr lvl="2"/>
-            <a:r>
-              <a:rPr lang="en-US" sz="1800" dirty="0">
-                <a:latin typeface="Selawik Semibold" panose="020B0702040204020203" pitchFamily="34" charset="0"/>
-              </a:rPr>
-              <a:t>Baseball (14.8% Favorite, 40.0 Million)</a:t>
-            </a:r>
-          </a:p>
-          <a:p>
-            <a:pPr lvl="2"/>
-            <a:r>
-              <a:rPr lang="en-US" sz="1800" dirty="0">
-                <a:latin typeface="Selawik Semibold" panose="020B0702040204020203" pitchFamily="34" charset="0"/>
-              </a:rPr>
-              <a:t>Basketball (15.3% Favorite, 30.8 Million)</a:t>
-            </a:r>
-          </a:p>
-          <a:p>
-            <a:pPr lvl="2"/>
-            <a:r>
-              <a:rPr lang="en-US" sz="1800" dirty="0">
-                <a:latin typeface="Selawik Semibold" panose="020B0702040204020203" pitchFamily="34" charset="0"/>
-              </a:rPr>
-              <a:t>Ice Hockey (3.8% Favorite, 27.6 Million)</a:t>
-            </a:r>
-          </a:p>
-          <a:p>
-            <a:pPr lvl="2"/>
-            <a:r>
-              <a:rPr lang="en-US" sz="1800" dirty="0">
-                <a:latin typeface="Selawik Semibold" panose="020B0702040204020203" pitchFamily="34" charset="0"/>
-              </a:rPr>
-              <a:t>Soccer (8.2% Favorite, 27.3 Million)</a:t>
-            </a:r>
-          </a:p>
-          <a:p>
-            <a:pPr marL="914400" lvl="2" indent="0">
-              <a:buNone/>
-            </a:pPr>
-            <a:endParaRPr lang="en-US" sz="1600" dirty="0">
-              <a:latin typeface="Selawik Semibold" panose="020B0702040204020203" pitchFamily="34" charset="0"/>
-            </a:endParaRPr>
-          </a:p>
-          <a:p>
-            <a:pPr lvl="2"/>
-            <a:endParaRPr lang="en-US" sz="1600" dirty="0">
-              <a:latin typeface="Selawik Semibold" panose="020B0702040204020203" pitchFamily="34" charset="0"/>
-            </a:endParaRPr>
-          </a:p>
-        </p:txBody>
-      </p:sp>
-      <p:pic>
-        <p:nvPicPr>
-          <p:cNvPr id="4" name="Picture 3" descr="A drawing of a cartoon character&#10;&#10;Description automatically generated">
-            <a:extLst>
-              <a:ext uri="{FF2B5EF4-FFF2-40B4-BE49-F238E27FC236}">
-                <a16:creationId xmlns:a16="http://schemas.microsoft.com/office/drawing/2014/main" id="{A7FDC859-D890-4904-9C64-27F43DA90453}"/>
-              </a:ext>
-            </a:extLst>
-          </p:cNvPr>
-          <p:cNvPicPr>
-            <a:picLocks noChangeAspect="1"/>
-          </p:cNvPicPr>
-          <p:nvPr/>
-        </p:nvPicPr>
-        <p:blipFill rotWithShape="1">
-          <a:blip r:embed="rId3">
-            <a:extLst>
-              <a:ext uri="{28A0092B-C50C-407E-A947-70E740481C1C}">
-                <a14:useLocalDpi xmlns:a14="http://schemas.microsoft.com/office/drawing/2010/main" val="0"/>
-              </a:ext>
-            </a:extLst>
-          </a:blip>
-          <a:srcRect t="5616" r="2" b="2"/>
-          <a:stretch/>
-        </p:blipFill>
-        <p:spPr>
-          <a:xfrm>
-            <a:off x="7471144" y="1700078"/>
-            <a:ext cx="4720855" cy="2583792"/>
-          </a:xfrm>
-          <a:custGeom>
-            <a:avLst/>
-            <a:gdLst>
-              <a:gd name="connsiteX0" fmla="*/ 0 w 5475077"/>
-              <a:gd name="connsiteY0" fmla="*/ 0 h 2583792"/>
-              <a:gd name="connsiteX1" fmla="*/ 5475077 w 5475077"/>
-              <a:gd name="connsiteY1" fmla="*/ 0 h 2583792"/>
-              <a:gd name="connsiteX2" fmla="*/ 5475077 w 5475077"/>
-              <a:gd name="connsiteY2" fmla="*/ 2583792 h 2583792"/>
-              <a:gd name="connsiteX3" fmla="*/ 1197192 w 5475077"/>
-              <a:gd name="connsiteY3" fmla="*/ 2583792 h 2583792"/>
-            </a:gdLst>
-            <a:ahLst/>
-            <a:cxnLst>
-              <a:cxn ang="0">
-                <a:pos x="connsiteX0" y="connsiteY0"/>
-              </a:cxn>
-              <a:cxn ang="0">
-                <a:pos x="connsiteX1" y="connsiteY1"/>
-              </a:cxn>
-              <a:cxn ang="0">
-                <a:pos x="connsiteX2" y="connsiteY2"/>
-              </a:cxn>
-              <a:cxn ang="0">
-                <a:pos x="connsiteX3" y="connsiteY3"/>
-              </a:cxn>
-            </a:cxnLst>
-            <a:rect l="l" t="t" r="r" b="b"/>
-            <a:pathLst>
-              <a:path w="5475077" h="2583792">
-                <a:moveTo>
-                  <a:pt x="0" y="0"/>
-                </a:moveTo>
-                <a:lnTo>
-                  <a:pt x="5475077" y="0"/>
-                </a:lnTo>
-                <a:lnTo>
-                  <a:pt x="5475077" y="2583792"/>
-                </a:lnTo>
-                <a:lnTo>
-                  <a:pt x="1197192" y="2583792"/>
-                </a:lnTo>
-                <a:close/>
-              </a:path>
-            </a:pathLst>
-          </a:custGeom>
-        </p:spPr>
-      </p:pic>
-      <p:pic>
-        <p:nvPicPr>
-          <p:cNvPr id="5" name="Content Placeholder 4" descr="A picture containing indoor&#10;&#10;Description automatically generated">
-            <a:extLst>
-              <a:ext uri="{FF2B5EF4-FFF2-40B4-BE49-F238E27FC236}">
-                <a16:creationId xmlns:a16="http://schemas.microsoft.com/office/drawing/2014/main" id="{A58F0E55-21F3-485B-A07F-1CE74177BDD2}"/>
-              </a:ext>
-            </a:extLst>
-          </p:cNvPr>
-          <p:cNvPicPr>
-            <a:picLocks noChangeAspect="1"/>
-          </p:cNvPicPr>
-          <p:nvPr/>
-        </p:nvPicPr>
-        <p:blipFill rotWithShape="1">
-          <a:blip r:embed="rId4">
-            <a:extLst>
-              <a:ext uri="{28A0092B-C50C-407E-A947-70E740481C1C}">
-                <a14:useLocalDpi xmlns:a14="http://schemas.microsoft.com/office/drawing/2010/main" val="0"/>
-              </a:ext>
-            </a:extLst>
-          </a:blip>
-          <a:srcRect t="5300" r="3" b="6859"/>
-          <a:stretch/>
-        </p:blipFill>
-        <p:spPr>
-          <a:xfrm>
-            <a:off x="8491869" y="4283870"/>
-            <a:ext cx="3700129" cy="2583520"/>
-          </a:xfrm>
-          <a:custGeom>
-            <a:avLst/>
-            <a:gdLst>
-              <a:gd name="connsiteX0" fmla="*/ 0 w 4277884"/>
-              <a:gd name="connsiteY0" fmla="*/ 0 h 2583520"/>
-              <a:gd name="connsiteX1" fmla="*/ 4277884 w 4277884"/>
-              <a:gd name="connsiteY1" fmla="*/ 0 h 2583520"/>
-              <a:gd name="connsiteX2" fmla="*/ 4277884 w 4277884"/>
-              <a:gd name="connsiteY2" fmla="*/ 2583520 h 2583520"/>
-              <a:gd name="connsiteX3" fmla="*/ 1192437 w 4277884"/>
-              <a:gd name="connsiteY3" fmla="*/ 2583520 h 2583520"/>
-              <a:gd name="connsiteX4" fmla="*/ 1188085 w 4277884"/>
-              <a:gd name="connsiteY4" fmla="*/ 2574129 h 2583520"/>
-              <a:gd name="connsiteX5" fmla="*/ 1192715 w 4277884"/>
-              <a:gd name="connsiteY5" fmla="*/ 2574129 h 2583520"/>
-            </a:gdLst>
-            <a:ahLst/>
-            <a:cxnLst>
-              <a:cxn ang="0">
-                <a:pos x="connsiteX0" y="connsiteY0"/>
-              </a:cxn>
-              <a:cxn ang="0">
-                <a:pos x="connsiteX1" y="connsiteY1"/>
-              </a:cxn>
-              <a:cxn ang="0">
-                <a:pos x="connsiteX2" y="connsiteY2"/>
-              </a:cxn>
-              <a:cxn ang="0">
-                <a:pos x="connsiteX3" y="connsiteY3"/>
-              </a:cxn>
-              <a:cxn ang="0">
-                <a:pos x="connsiteX4" y="connsiteY4"/>
-              </a:cxn>
-              <a:cxn ang="0">
-                <a:pos x="connsiteX5" y="connsiteY5"/>
-              </a:cxn>
-            </a:cxnLst>
-            <a:rect l="l" t="t" r="r" b="b"/>
-            <a:pathLst>
-              <a:path w="4277884" h="2583520">
-                <a:moveTo>
-                  <a:pt x="0" y="0"/>
-                </a:moveTo>
-                <a:lnTo>
-                  <a:pt x="4277884" y="0"/>
-                </a:lnTo>
-                <a:lnTo>
-                  <a:pt x="4277884" y="2583520"/>
-                </a:lnTo>
-                <a:lnTo>
-                  <a:pt x="1192437" y="2583520"/>
-                </a:lnTo>
-                <a:lnTo>
-                  <a:pt x="1188085" y="2574129"/>
-                </a:lnTo>
-                <a:lnTo>
-                  <a:pt x="1192715" y="2574129"/>
-                </a:lnTo>
-                <a:close/>
-              </a:path>
-            </a:pathLst>
-          </a:custGeom>
-        </p:spPr>
-      </p:pic>
+              <a:t>Survey Results: Combined</a:t>
+            </a:r>
+          </a:p>
+        </p:txBody>
+      </p:sp>
       <p:sp>
         <p:nvSpPr>
           <p:cNvPr id="6" name="Rectangle 5">
@@ -14339,10 +15736,46 @@
           </a:p>
         </p:txBody>
       </p:sp>
+      <p:pic>
+        <p:nvPicPr>
+          <p:cNvPr id="7" name="Picture 6" descr="A screenshot of a cell phone&#10;&#10;Description automatically generated">
+            <a:extLst>
+              <a:ext uri="{FF2B5EF4-FFF2-40B4-BE49-F238E27FC236}">
+                <a16:creationId xmlns:a16="http://schemas.microsoft.com/office/drawing/2014/main" id="{95008AB6-8320-4E7F-8725-4783BDC4003B}"/>
+              </a:ext>
+            </a:extLst>
+          </p:cNvPr>
+          <p:cNvPicPr>
+            <a:picLocks noChangeAspect="1"/>
+          </p:cNvPicPr>
+          <p:nvPr/>
+        </p:nvPicPr>
+        <p:blipFill>
+          <a:blip r:embed="rId2">
+            <a:extLst>
+              <a:ext uri="{28A0092B-C50C-407E-A947-70E740481C1C}">
+                <a14:useLocalDpi xmlns:a14="http://schemas.microsoft.com/office/drawing/2010/main" val="0"/>
+              </a:ext>
+            </a:extLst>
+          </a:blip>
+          <a:stretch>
+            <a:fillRect/>
+          </a:stretch>
+        </p:blipFill>
+        <p:spPr>
+          <a:xfrm>
+            <a:off x="964503" y="1736777"/>
+            <a:ext cx="9862159" cy="4931080"/>
+          </a:xfrm>
+          <a:prstGeom prst="rect">
+            <a:avLst/>
+          </a:prstGeom>
+        </p:spPr>
+      </p:pic>
     </p:spTree>
     <p:extLst>
       <p:ext uri="{BB962C8B-B14F-4D97-AF65-F5344CB8AC3E}">
-        <p14:creationId xmlns:p14="http://schemas.microsoft.com/office/powerpoint/2010/main" val="540105019"/>
+        <p14:creationId xmlns:p14="http://schemas.microsoft.com/office/powerpoint/2010/main" val="3056356804"/>
       </p:ext>
     </p:extLst>
   </p:cSld>
@@ -14495,8 +15928,8 @@
         </p:nvSpPr>
         <p:spPr>
           <a:xfrm>
-            <a:off x="838199" y="2021250"/>
-            <a:ext cx="6632943" cy="486626"/>
+            <a:off x="838200" y="2021250"/>
+            <a:ext cx="6987988" cy="1125362"/>
           </a:xfrm>
         </p:spPr>
         <p:txBody>
@@ -14509,14 +15942,17 @@
               <a:rPr lang="en-US" sz="2400" dirty="0">
                 <a:latin typeface="Selawik Semibold" panose="020B0702040204020203" pitchFamily="34" charset="0"/>
               </a:rPr>
-              <a:t>Revenue in Sports Leagues (howmuch.net)</a:t>
+              <a:t>Most Popular World Sports (sportsshow.net)</a:t>
             </a:r>
           </a:p>
           <a:p>
             <a:pPr lvl="1"/>
-            <a:endParaRPr lang="en-US" sz="2000" dirty="0">
-              <a:latin typeface="Selawik Semibold" panose="020B0702040204020203" pitchFamily="34" charset="0"/>
-            </a:endParaRPr>
+            <a:r>
+              <a:rPr lang="en-US" sz="2000" dirty="0">
+                <a:latin typeface="Selawik Semibold" panose="020B0702040204020203" pitchFamily="34" charset="0"/>
+              </a:rPr>
+              <a:t>Based on 15 Criteria</a:t>
+            </a:r>
           </a:p>
         </p:txBody>
       </p:sp>
@@ -14860,46 +16296,248 @@
           </a:p>
         </p:txBody>
       </p:sp>
-      <p:pic>
-        <p:nvPicPr>
-          <p:cNvPr id="8" name="Picture 7" descr="A picture containing screenshot&#10;&#10;Description automatically generated">
-            <a:extLst>
-              <a:ext uri="{FF2B5EF4-FFF2-40B4-BE49-F238E27FC236}">
-                <a16:creationId xmlns:a16="http://schemas.microsoft.com/office/drawing/2014/main" id="{C7A60BA4-1F06-43FE-A8F3-A95243EAF4FE}"/>
-              </a:ext>
-            </a:extLst>
-          </p:cNvPr>
-          <p:cNvPicPr>
-            <a:picLocks noChangeAspect="1"/>
-          </p:cNvPicPr>
+      <p:sp>
+        <p:nvSpPr>
+          <p:cNvPr id="3" name="TextBox 2">
+            <a:extLst>
+              <a:ext uri="{FF2B5EF4-FFF2-40B4-BE49-F238E27FC236}">
+                <a16:creationId xmlns:a16="http://schemas.microsoft.com/office/drawing/2014/main" id="{4D2D036B-AB3A-4C0B-ADAC-DCBDAFCE8A9B}"/>
+              </a:ext>
+            </a:extLst>
+          </p:cNvPr>
+          <p:cNvSpPr txBox="1"/>
           <p:nvPr/>
-        </p:nvPicPr>
-        <p:blipFill>
-          <a:blip r:embed="rId5">
-            <a:extLst>
-              <a:ext uri="{28A0092B-C50C-407E-A947-70E740481C1C}">
-                <a14:useLocalDpi xmlns:a14="http://schemas.microsoft.com/office/drawing/2010/main" val="0"/>
-              </a:ext>
-            </a:extLst>
-          </a:blip>
-          <a:stretch>
-            <a:fillRect/>
-          </a:stretch>
-        </p:blipFill>
-        <p:spPr>
-          <a:xfrm>
-            <a:off x="1176669" y="2450847"/>
-            <a:ext cx="6506282" cy="4042028"/>
+        </p:nvSpPr>
+        <p:spPr>
+          <a:xfrm>
+            <a:off x="1078008" y="2741996"/>
+            <a:ext cx="3964639" cy="2308324"/>
           </a:xfrm>
           <a:prstGeom prst="rect">
             <a:avLst/>
           </a:prstGeom>
-        </p:spPr>
-      </p:pic>
+          <a:noFill/>
+        </p:spPr>
+        <p:txBody>
+          <a:bodyPr wrap="square" rtlCol="0">
+            <a:spAutoFit/>
+          </a:bodyPr>
+          <a:lstStyle/>
+          <a:p>
+            <a:pPr marL="742950" lvl="1" indent="-285750">
+              <a:buFont typeface="Arial" panose="020B0604020202020204" pitchFamily="34" charset="0"/>
+              <a:buChar char="•"/>
+            </a:pPr>
+            <a:r>
+              <a:rPr lang="en-US" sz="1600" dirty="0">
+                <a:latin typeface="Selawik Semibold" panose="020B0702040204020203" pitchFamily="34" charset="0"/>
+              </a:rPr>
+              <a:t>Global Fan Base</a:t>
+            </a:r>
+          </a:p>
+          <a:p>
+            <a:pPr marL="742950" lvl="1" indent="-285750">
+              <a:buFont typeface="Arial" panose="020B0604020202020204" pitchFamily="34" charset="0"/>
+              <a:buChar char="•"/>
+            </a:pPr>
+            <a:r>
+              <a:rPr lang="en-US" sz="1600" dirty="0">
+                <a:latin typeface="Selawik Semibold" panose="020B0702040204020203" pitchFamily="34" charset="0"/>
+              </a:rPr>
+              <a:t>Viewership on TV</a:t>
+            </a:r>
+          </a:p>
+          <a:p>
+            <a:pPr marL="742950" lvl="1" indent="-285750">
+              <a:buFont typeface="Arial" panose="020B0604020202020204" pitchFamily="34" charset="0"/>
+              <a:buChar char="•"/>
+            </a:pPr>
+            <a:r>
+              <a:rPr lang="en-US" sz="1600" dirty="0">
+                <a:latin typeface="Selawik Semibold" panose="020B0702040204020203" pitchFamily="34" charset="0"/>
+              </a:rPr>
+              <a:t>TV Rights</a:t>
+            </a:r>
+          </a:p>
+          <a:p>
+            <a:pPr marL="742950" lvl="1" indent="-285750">
+              <a:buFont typeface="Arial" panose="020B0604020202020204" pitchFamily="34" charset="0"/>
+              <a:buChar char="•"/>
+            </a:pPr>
+            <a:r>
+              <a:rPr lang="en-US" sz="1600" dirty="0">
+                <a:latin typeface="Selawik Semibold" panose="020B0702040204020203" pitchFamily="34" charset="0"/>
+              </a:rPr>
+              <a:t>Internet Popularity</a:t>
+            </a:r>
+          </a:p>
+          <a:p>
+            <a:pPr marL="742950" lvl="1" indent="-285750">
+              <a:buFont typeface="Arial" panose="020B0604020202020204" pitchFamily="34" charset="0"/>
+              <a:buChar char="•"/>
+            </a:pPr>
+            <a:r>
+              <a:rPr lang="en-US" sz="1600" dirty="0">
+                <a:latin typeface="Selawik Semibold" panose="020B0702040204020203" pitchFamily="34" charset="0"/>
+              </a:rPr>
+              <a:t>Social Media Presence</a:t>
+            </a:r>
+          </a:p>
+          <a:p>
+            <a:pPr marL="742950" lvl="1" indent="-285750">
+              <a:buFont typeface="Arial" panose="020B0604020202020204" pitchFamily="34" charset="0"/>
+              <a:buChar char="•"/>
+            </a:pPr>
+            <a:r>
+              <a:rPr lang="en-US" sz="1600" dirty="0">
+                <a:latin typeface="Selawik Semibold" panose="020B0702040204020203" pitchFamily="34" charset="0"/>
+              </a:rPr>
+              <a:t>Number of Professional Leagues</a:t>
+            </a:r>
+          </a:p>
+          <a:p>
+            <a:pPr marL="742950" lvl="1" indent="-285750">
+              <a:buFont typeface="Arial" panose="020B0604020202020204" pitchFamily="34" charset="0"/>
+              <a:buChar char="•"/>
+            </a:pPr>
+            <a:r>
+              <a:rPr lang="en-US" sz="1600" dirty="0">
+                <a:latin typeface="Selawik Semibold" panose="020B0702040204020203" pitchFamily="34" charset="0"/>
+              </a:rPr>
+              <a:t>Average Salary of Athletes</a:t>
+            </a:r>
+          </a:p>
+          <a:p>
+            <a:pPr marL="742950" lvl="1" indent="-285750">
+              <a:buFont typeface="Arial" panose="020B0604020202020204" pitchFamily="34" charset="0"/>
+              <a:buChar char="•"/>
+            </a:pPr>
+            <a:r>
+              <a:rPr lang="en-US" sz="1600" dirty="0">
+                <a:latin typeface="Selawik Semibold" panose="020B0702040204020203" pitchFamily="34" charset="0"/>
+              </a:rPr>
+              <a:t>Sponsorship</a:t>
+            </a:r>
+          </a:p>
+          <a:p>
+            <a:pPr marL="742950" lvl="1" indent="-285750">
+              <a:buFont typeface="Arial" panose="020B0604020202020204" pitchFamily="34" charset="0"/>
+              <a:buChar char="•"/>
+            </a:pPr>
+            <a:r>
+              <a:rPr lang="en-US" sz="1600" dirty="0">
+                <a:latin typeface="Selawik Semibold" panose="020B0702040204020203" pitchFamily="34" charset="0"/>
+              </a:rPr>
+              <a:t>Number of Countries</a:t>
+            </a:r>
+            <a:endParaRPr lang="en-US" dirty="0"/>
+          </a:p>
+        </p:txBody>
+      </p:sp>
+      <p:sp>
+        <p:nvSpPr>
+          <p:cNvPr id="7" name="Rectangle 6">
+            <a:extLst>
+              <a:ext uri="{FF2B5EF4-FFF2-40B4-BE49-F238E27FC236}">
+                <a16:creationId xmlns:a16="http://schemas.microsoft.com/office/drawing/2014/main" id="{1DD01DA1-338C-4134-8F28-E709685D35DE}"/>
+              </a:ext>
+            </a:extLst>
+          </p:cNvPr>
+          <p:cNvSpPr/>
+          <p:nvPr/>
+        </p:nvSpPr>
+        <p:spPr>
+          <a:xfrm>
+            <a:off x="1076383" y="4939168"/>
+            <a:ext cx="3970017" cy="1569660"/>
+          </a:xfrm>
+          <a:prstGeom prst="rect">
+            <a:avLst/>
+          </a:prstGeom>
+        </p:spPr>
+        <p:txBody>
+          <a:bodyPr wrap="square">
+            <a:spAutoFit/>
+          </a:bodyPr>
+          <a:lstStyle/>
+          <a:p>
+            <a:pPr marL="742950" lvl="1" indent="-285750">
+              <a:buFont typeface="Arial" panose="020B0604020202020204" pitchFamily="34" charset="0"/>
+              <a:buChar char="•"/>
+            </a:pPr>
+            <a:r>
+              <a:rPr lang="en-US" sz="1600" dirty="0">
+                <a:latin typeface="Selawik Semibold" panose="020B0702040204020203" pitchFamily="34" charset="0"/>
+              </a:rPr>
+              <a:t>Biggest Competition</a:t>
+            </a:r>
+          </a:p>
+          <a:p>
+            <a:pPr marL="742950" lvl="1" indent="-285750">
+              <a:buFont typeface="Arial" panose="020B0604020202020204" pitchFamily="34" charset="0"/>
+              <a:buChar char="•"/>
+            </a:pPr>
+            <a:r>
+              <a:rPr lang="en-US" sz="1600" dirty="0">
+                <a:latin typeface="Selawik Semibold" panose="020B0702040204020203" pitchFamily="34" charset="0"/>
+              </a:rPr>
+              <a:t>Relevancy Throughout the Year</a:t>
+            </a:r>
+          </a:p>
+          <a:p>
+            <a:pPr marL="742950" lvl="1" indent="-285750">
+              <a:buFont typeface="Arial" panose="020B0604020202020204" pitchFamily="34" charset="0"/>
+              <a:buChar char="•"/>
+            </a:pPr>
+            <a:r>
+              <a:rPr lang="en-US" sz="1600" dirty="0">
+                <a:latin typeface="Selawik Semibold" panose="020B0702040204020203" pitchFamily="34" charset="0"/>
+              </a:rPr>
+              <a:t>Gender equality</a:t>
+            </a:r>
+          </a:p>
+          <a:p>
+            <a:pPr marL="742950" lvl="1" indent="-285750">
+              <a:buFont typeface="Arial" panose="020B0604020202020204" pitchFamily="34" charset="0"/>
+              <a:buChar char="•"/>
+            </a:pPr>
+            <a:r>
+              <a:rPr lang="en-US" sz="1600" dirty="0">
+                <a:latin typeface="Selawik Semibold" panose="020B0702040204020203" pitchFamily="34" charset="0"/>
+              </a:rPr>
+              <a:t>Access to the General Public</a:t>
+            </a:r>
+          </a:p>
+          <a:p>
+            <a:pPr marL="742950" lvl="1" indent="-285750">
+              <a:buFont typeface="Arial" panose="020B0604020202020204" pitchFamily="34" charset="0"/>
+              <a:buChar char="•"/>
+            </a:pPr>
+            <a:r>
+              <a:rPr lang="en-US" sz="1600" dirty="0">
+                <a:latin typeface="Selawik Semibold" panose="020B0702040204020203" pitchFamily="34" charset="0"/>
+              </a:rPr>
+              <a:t>Number of Amateurs</a:t>
+            </a:r>
+          </a:p>
+          <a:p>
+            <a:pPr marL="742950" lvl="1" indent="-285750">
+              <a:buFont typeface="Arial" panose="020B0604020202020204" pitchFamily="34" charset="0"/>
+              <a:buChar char="•"/>
+            </a:pPr>
+            <a:r>
+              <a:rPr lang="en-US" sz="1600" dirty="0">
+                <a:latin typeface="Selawik Semibold" panose="020B0702040204020203" pitchFamily="34" charset="0"/>
+              </a:rPr>
+              <a:t>Prominence in Headlines</a:t>
+            </a:r>
+          </a:p>
+        </p:txBody>
+      </p:sp>
     </p:spTree>
     <p:extLst>
       <p:ext uri="{BB962C8B-B14F-4D97-AF65-F5344CB8AC3E}">
-        <p14:creationId xmlns:p14="http://schemas.microsoft.com/office/powerpoint/2010/main" val="4260432087"/>
+        <p14:creationId xmlns:p14="http://schemas.microsoft.com/office/powerpoint/2010/main" val="3372904333"/>
       </p:ext>
     </p:extLst>
   </p:cSld>

--- a/Slides/Sports Analytics 1/Sports_Analytics_1_Lecture.pptx
+++ b/Slides/Sports Analytics 1/Sports_Analytics_1_Lecture.pptx
@@ -216,7 +216,7 @@
           <a:p>
             <a:fld id="{C04E5E84-956F-4423-97B3-5936A6D8EEEE}" type="datetimeFigureOut">
               <a:rPr lang="en-US" smtClean="0"/>
-              <a:t>8/12/2020</a:t>
+              <a:t>8/21/2020</a:t>
             </a:fld>
             <a:endParaRPr lang="en-US"/>
           </a:p>
@@ -1554,7 +1554,7 @@
           <a:p>
             <a:fld id="{3881C039-66A3-4640-815B-3B5A8B7D868D}" type="datetimeFigureOut">
               <a:rPr lang="en-US" smtClean="0"/>
-              <a:t>8/12/2020</a:t>
+              <a:t>8/21/2020</a:t>
             </a:fld>
             <a:endParaRPr lang="en-US"/>
           </a:p>
@@ -1752,7 +1752,7 @@
           <a:p>
             <a:fld id="{3881C039-66A3-4640-815B-3B5A8B7D868D}" type="datetimeFigureOut">
               <a:rPr lang="en-US" smtClean="0"/>
-              <a:t>8/12/2020</a:t>
+              <a:t>8/21/2020</a:t>
             </a:fld>
             <a:endParaRPr lang="en-US"/>
           </a:p>
@@ -1960,7 +1960,7 @@
           <a:p>
             <a:fld id="{3881C039-66A3-4640-815B-3B5A8B7D868D}" type="datetimeFigureOut">
               <a:rPr lang="en-US" smtClean="0"/>
-              <a:t>8/12/2020</a:t>
+              <a:t>8/21/2020</a:t>
             </a:fld>
             <a:endParaRPr lang="en-US"/>
           </a:p>
@@ -2158,7 +2158,7 @@
           <a:p>
             <a:fld id="{3881C039-66A3-4640-815B-3B5A8B7D868D}" type="datetimeFigureOut">
               <a:rPr lang="en-US" smtClean="0"/>
-              <a:t>8/12/2020</a:t>
+              <a:t>8/21/2020</a:t>
             </a:fld>
             <a:endParaRPr lang="en-US"/>
           </a:p>
@@ -2433,7 +2433,7 @@
           <a:p>
             <a:fld id="{3881C039-66A3-4640-815B-3B5A8B7D868D}" type="datetimeFigureOut">
               <a:rPr lang="en-US" smtClean="0"/>
-              <a:t>8/12/2020</a:t>
+              <a:t>8/21/2020</a:t>
             </a:fld>
             <a:endParaRPr lang="en-US"/>
           </a:p>
@@ -2698,7 +2698,7 @@
           <a:p>
             <a:fld id="{3881C039-66A3-4640-815B-3B5A8B7D868D}" type="datetimeFigureOut">
               <a:rPr lang="en-US" smtClean="0"/>
-              <a:t>8/12/2020</a:t>
+              <a:t>8/21/2020</a:t>
             </a:fld>
             <a:endParaRPr lang="en-US"/>
           </a:p>
@@ -3110,7 +3110,7 @@
           <a:p>
             <a:fld id="{3881C039-66A3-4640-815B-3B5A8B7D868D}" type="datetimeFigureOut">
               <a:rPr lang="en-US" smtClean="0"/>
-              <a:t>8/12/2020</a:t>
+              <a:t>8/21/2020</a:t>
             </a:fld>
             <a:endParaRPr lang="en-US"/>
           </a:p>
@@ -3251,7 +3251,7 @@
           <a:p>
             <a:fld id="{3881C039-66A3-4640-815B-3B5A8B7D868D}" type="datetimeFigureOut">
               <a:rPr lang="en-US" smtClean="0"/>
-              <a:t>8/12/2020</a:t>
+              <a:t>8/21/2020</a:t>
             </a:fld>
             <a:endParaRPr lang="en-US"/>
           </a:p>
@@ -3364,7 +3364,7 @@
           <a:p>
             <a:fld id="{3881C039-66A3-4640-815B-3B5A8B7D868D}" type="datetimeFigureOut">
               <a:rPr lang="en-US" smtClean="0"/>
-              <a:t>8/12/2020</a:t>
+              <a:t>8/21/2020</a:t>
             </a:fld>
             <a:endParaRPr lang="en-US"/>
           </a:p>
@@ -3675,7 +3675,7 @@
           <a:p>
             <a:fld id="{3881C039-66A3-4640-815B-3B5A8B7D868D}" type="datetimeFigureOut">
               <a:rPr lang="en-US" smtClean="0"/>
-              <a:t>8/12/2020</a:t>
+              <a:t>8/21/2020</a:t>
             </a:fld>
             <a:endParaRPr lang="en-US"/>
           </a:p>
@@ -3963,7 +3963,7 @@
           <a:p>
             <a:fld id="{3881C039-66A3-4640-815B-3B5A8B7D868D}" type="datetimeFigureOut">
               <a:rPr lang="en-US" smtClean="0"/>
-              <a:t>8/12/2020</a:t>
+              <a:t>8/21/2020</a:t>
             </a:fld>
             <a:endParaRPr lang="en-US"/>
           </a:p>
@@ -4207,7 +4207,7 @@
           <a:p>
             <a:fld id="{3881C039-66A3-4640-815B-3B5A8B7D868D}" type="datetimeFigureOut">
               <a:rPr lang="en-US" smtClean="0"/>
-              <a:t>8/12/2020</a:t>
+              <a:t>8/21/2020</a:t>
             </a:fld>
             <a:endParaRPr lang="en-US"/>
           </a:p>
@@ -6910,8 +6910,17 @@
               <a:rPr lang="en-US" sz="2000" dirty="0">
                 <a:latin typeface="Selawik Semibold" panose="020B0702040204020203" pitchFamily="34" charset="0"/>
               </a:rPr>
-              <a:t>NFL, MLB, NBA, NHL = $31</a:t>
-            </a:r>
+              <a:t>NFL, MLB, NBA, NHL = </a:t>
+            </a:r>
+            <a:r>
+              <a:rPr lang="en-US" sz="2000">
+                <a:latin typeface="Selawik Semibold" panose="020B0702040204020203" pitchFamily="34" charset="0"/>
+              </a:rPr>
+              <a:t>$31B</a:t>
+            </a:r>
+            <a:endParaRPr lang="en-US" sz="2000" dirty="0">
+              <a:latin typeface="Selawik Semibold" panose="020B0702040204020203" pitchFamily="34" charset="0"/>
+            </a:endParaRPr>
           </a:p>
           <a:p>
             <a:pPr lvl="1"/>

--- a/Slides/Sports Analytics 1/Sports_Analytics_1_Lecture.pptx
+++ b/Slides/Sports Analytics 1/Sports_Analytics_1_Lecture.pptx
@@ -216,7 +216,7 @@
           <a:p>
             <a:fld id="{C04E5E84-956F-4423-97B3-5936A6D8EEEE}" type="datetimeFigureOut">
               <a:rPr lang="en-US" smtClean="0"/>
-              <a:t>8/21/2020</a:t>
+              <a:t>1/21/2021</a:t>
             </a:fld>
             <a:endParaRPr lang="en-US"/>
           </a:p>
@@ -1554,7 +1554,7 @@
           <a:p>
             <a:fld id="{3881C039-66A3-4640-815B-3B5A8B7D868D}" type="datetimeFigureOut">
               <a:rPr lang="en-US" smtClean="0"/>
-              <a:t>8/21/2020</a:t>
+              <a:t>1/21/2021</a:t>
             </a:fld>
             <a:endParaRPr lang="en-US"/>
           </a:p>
@@ -1752,7 +1752,7 @@
           <a:p>
             <a:fld id="{3881C039-66A3-4640-815B-3B5A8B7D868D}" type="datetimeFigureOut">
               <a:rPr lang="en-US" smtClean="0"/>
-              <a:t>8/21/2020</a:t>
+              <a:t>1/21/2021</a:t>
             </a:fld>
             <a:endParaRPr lang="en-US"/>
           </a:p>
@@ -1960,7 +1960,7 @@
           <a:p>
             <a:fld id="{3881C039-66A3-4640-815B-3B5A8B7D868D}" type="datetimeFigureOut">
               <a:rPr lang="en-US" smtClean="0"/>
-              <a:t>8/21/2020</a:t>
+              <a:t>1/21/2021</a:t>
             </a:fld>
             <a:endParaRPr lang="en-US"/>
           </a:p>
@@ -2158,7 +2158,7 @@
           <a:p>
             <a:fld id="{3881C039-66A3-4640-815B-3B5A8B7D868D}" type="datetimeFigureOut">
               <a:rPr lang="en-US" smtClean="0"/>
-              <a:t>8/21/2020</a:t>
+              <a:t>1/21/2021</a:t>
             </a:fld>
             <a:endParaRPr lang="en-US"/>
           </a:p>
@@ -2433,7 +2433,7 @@
           <a:p>
             <a:fld id="{3881C039-66A3-4640-815B-3B5A8B7D868D}" type="datetimeFigureOut">
               <a:rPr lang="en-US" smtClean="0"/>
-              <a:t>8/21/2020</a:t>
+              <a:t>1/21/2021</a:t>
             </a:fld>
             <a:endParaRPr lang="en-US"/>
           </a:p>
@@ -2698,7 +2698,7 @@
           <a:p>
             <a:fld id="{3881C039-66A3-4640-815B-3B5A8B7D868D}" type="datetimeFigureOut">
               <a:rPr lang="en-US" smtClean="0"/>
-              <a:t>8/21/2020</a:t>
+              <a:t>1/21/2021</a:t>
             </a:fld>
             <a:endParaRPr lang="en-US"/>
           </a:p>
@@ -3110,7 +3110,7 @@
           <a:p>
             <a:fld id="{3881C039-66A3-4640-815B-3B5A8B7D868D}" type="datetimeFigureOut">
               <a:rPr lang="en-US" smtClean="0"/>
-              <a:t>8/21/2020</a:t>
+              <a:t>1/21/2021</a:t>
             </a:fld>
             <a:endParaRPr lang="en-US"/>
           </a:p>
@@ -3251,7 +3251,7 @@
           <a:p>
             <a:fld id="{3881C039-66A3-4640-815B-3B5A8B7D868D}" type="datetimeFigureOut">
               <a:rPr lang="en-US" smtClean="0"/>
-              <a:t>8/21/2020</a:t>
+              <a:t>1/21/2021</a:t>
             </a:fld>
             <a:endParaRPr lang="en-US"/>
           </a:p>
@@ -3364,7 +3364,7 @@
           <a:p>
             <a:fld id="{3881C039-66A3-4640-815B-3B5A8B7D868D}" type="datetimeFigureOut">
               <a:rPr lang="en-US" smtClean="0"/>
-              <a:t>8/21/2020</a:t>
+              <a:t>1/21/2021</a:t>
             </a:fld>
             <a:endParaRPr lang="en-US"/>
           </a:p>
@@ -3675,7 +3675,7 @@
           <a:p>
             <a:fld id="{3881C039-66A3-4640-815B-3B5A8B7D868D}" type="datetimeFigureOut">
               <a:rPr lang="en-US" smtClean="0"/>
-              <a:t>8/21/2020</a:t>
+              <a:t>1/21/2021</a:t>
             </a:fld>
             <a:endParaRPr lang="en-US"/>
           </a:p>
@@ -3963,7 +3963,7 @@
           <a:p>
             <a:fld id="{3881C039-66A3-4640-815B-3B5A8B7D868D}" type="datetimeFigureOut">
               <a:rPr lang="en-US" smtClean="0"/>
-              <a:t>8/21/2020</a:t>
+              <a:t>1/21/2021</a:t>
             </a:fld>
             <a:endParaRPr lang="en-US"/>
           </a:p>
@@ -4207,7 +4207,7 @@
           <a:p>
             <a:fld id="{3881C039-66A3-4640-815B-3B5A8B7D868D}" type="datetimeFigureOut">
               <a:rPr lang="en-US" smtClean="0"/>
-              <a:t>8/21/2020</a:t>
+              <a:t>1/21/2021</a:t>
             </a:fld>
             <a:endParaRPr lang="en-US"/>
           </a:p>
@@ -12884,7 +12884,7 @@
               <a:rPr lang="en-US" sz="2400" dirty="0">
                 <a:latin typeface="Selawik Semibold" panose="020B0702040204020203" pitchFamily="34" charset="0"/>
               </a:rPr>
-              <a:t>48 Responses (Thank You!!)</a:t>
+              <a:t>64 Responses (Thank You!!)</a:t>
             </a:r>
           </a:p>
           <a:p>
@@ -12900,7 +12900,7 @@
               <a:rPr lang="en-US" sz="2400" dirty="0">
                 <a:latin typeface="Selawik Semibold" panose="020B0702040204020203" pitchFamily="34" charset="0"/>
               </a:rPr>
-              <a:t>Majority are Seniors (34/48)</a:t>
+              <a:t>Majority are Seniors (34/64)</a:t>
             </a:r>
           </a:p>
           <a:p>
@@ -12925,7 +12925,7 @@
               <a:rPr lang="en-US" sz="2000" dirty="0">
                 <a:latin typeface="Selawik Semibold" panose="020B0702040204020203" pitchFamily="34" charset="0"/>
               </a:rPr>
-              <a:t>45 in North Carolina</a:t>
+              <a:t>58 in North Carolina</a:t>
             </a:r>
           </a:p>
           <a:p>
@@ -12934,16 +12934,28 @@
               <a:rPr lang="en-US" sz="2000" dirty="0">
                 <a:latin typeface="Selawik Semibold" panose="020B0702040204020203" pitchFamily="34" charset="0"/>
               </a:rPr>
-              <a:t>2 in Another State</a:t>
-            </a:r>
-          </a:p>
-          <a:p>
-            <a:pPr lvl="1"/>
+              <a:t>3</a:t>
+            </a:r>
+            <a:r>
+              <a:rPr lang="en-US" sz="2000">
+                <a:latin typeface="Selawik Semibold" panose="020B0702040204020203" pitchFamily="34" charset="0"/>
+              </a:rPr>
+              <a:t> </a:t>
+            </a:r>
             <a:r>
               <a:rPr lang="en-US" sz="2000" dirty="0">
                 <a:latin typeface="Selawik Semibold" panose="020B0702040204020203" pitchFamily="34" charset="0"/>
               </a:rPr>
-              <a:t>1 in Another Country</a:t>
+              <a:t>in Another State</a:t>
+            </a:r>
+          </a:p>
+          <a:p>
+            <a:pPr lvl="1"/>
+            <a:r>
+              <a:rPr lang="en-US" sz="2000" dirty="0">
+                <a:latin typeface="Selawik Semibold" panose="020B0702040204020203" pitchFamily="34" charset="0"/>
+              </a:rPr>
+              <a:t>3 in Another Country</a:t>
             </a:r>
           </a:p>
           <a:p>
@@ -13821,10 +13833,10 @@
       </p:sp>
       <p:pic>
         <p:nvPicPr>
-          <p:cNvPr id="20" name="Picture 19" descr="A close up of a logo&#10;&#10;Description automatically generated">
-            <a:extLst>
-              <a:ext uri="{FF2B5EF4-FFF2-40B4-BE49-F238E27FC236}">
-                <a16:creationId xmlns:a16="http://schemas.microsoft.com/office/drawing/2014/main" id="{7F6CC78D-95FA-4BE8-B869-5B60251CE54A}"/>
+          <p:cNvPr id="7" name="Picture 6" descr="Chart, bar chart&#10;&#10;Description automatically generated">
+            <a:extLst>
+              <a:ext uri="{FF2B5EF4-FFF2-40B4-BE49-F238E27FC236}">
+                <a16:creationId xmlns:a16="http://schemas.microsoft.com/office/drawing/2014/main" id="{85F7E936-0E52-454D-99BA-8C5C3A85C2B9}"/>
               </a:ext>
             </a:extLst>
           </p:cNvPr>
@@ -13847,8 +13859,8 @@
         </p:blipFill>
         <p:spPr>
           <a:xfrm>
-            <a:off x="56748" y="1734316"/>
-            <a:ext cx="7414396" cy="4942931"/>
+            <a:off x="57090" y="1717311"/>
+            <a:ext cx="7414054" cy="4942703"/>
           </a:xfrm>
           <a:prstGeom prst="rect">
             <a:avLst/>
@@ -14377,10 +14389,10 @@
       </p:sp>
       <p:pic>
         <p:nvPicPr>
-          <p:cNvPr id="10" name="Picture 9" descr="A screenshot of a cell phone&#10;&#10;Description automatically generated">
-            <a:extLst>
-              <a:ext uri="{FF2B5EF4-FFF2-40B4-BE49-F238E27FC236}">
-                <a16:creationId xmlns:a16="http://schemas.microsoft.com/office/drawing/2014/main" id="{C7F18944-D299-40FC-8205-2B8CF3DDA9D9}"/>
+          <p:cNvPr id="7" name="Picture 6" descr="Chart, waterfall chart&#10;&#10;Description automatically generated">
+            <a:extLst>
+              <a:ext uri="{FF2B5EF4-FFF2-40B4-BE49-F238E27FC236}">
+                <a16:creationId xmlns:a16="http://schemas.microsoft.com/office/drawing/2014/main" id="{BB70A876-35F2-493B-8B88-9E2AC3F9AA10}"/>
               </a:ext>
             </a:extLst>
           </p:cNvPr>
@@ -14403,8 +14415,8 @@
         </p:blipFill>
         <p:spPr>
           <a:xfrm>
-            <a:off x="57010" y="1709468"/>
-            <a:ext cx="7414134" cy="4942756"/>
+            <a:off x="141673" y="1745505"/>
+            <a:ext cx="7329471" cy="4886314"/>
           </a:xfrm>
           <a:prstGeom prst="rect">
             <a:avLst/>
@@ -14891,10 +14903,10 @@
       </p:sp>
       <p:pic>
         <p:nvPicPr>
-          <p:cNvPr id="7" name="Picture 6" descr="A screenshot of a cell phone&#10;&#10;Description automatically generated">
-            <a:extLst>
-              <a:ext uri="{FF2B5EF4-FFF2-40B4-BE49-F238E27FC236}">
-                <a16:creationId xmlns:a16="http://schemas.microsoft.com/office/drawing/2014/main" id="{3FBB8866-3EBB-40E5-9C20-A6BF12F0CA32}"/>
+          <p:cNvPr id="10" name="Picture 9" descr="Chart, histogram&#10;&#10;Description automatically generated">
+            <a:extLst>
+              <a:ext uri="{FF2B5EF4-FFF2-40B4-BE49-F238E27FC236}">
+                <a16:creationId xmlns:a16="http://schemas.microsoft.com/office/drawing/2014/main" id="{B4572C55-6A3F-4AD0-B802-4BCD6CE3039E}"/>
               </a:ext>
             </a:extLst>
           </p:cNvPr>
@@ -14918,7 +14930,7 @@
         <p:spPr>
           <a:xfrm>
             <a:off x="54933" y="1728922"/>
-            <a:ext cx="7416211" cy="4944141"/>
+            <a:ext cx="7408403" cy="4938935"/>
           </a:xfrm>
           <a:prstGeom prst="rect">
             <a:avLst/>
@@ -15405,10 +15417,10 @@
       </p:sp>
       <p:pic>
         <p:nvPicPr>
-          <p:cNvPr id="7" name="Picture 6" descr="A screenshot of a cell phone&#10;&#10;Description automatically generated">
-            <a:extLst>
-              <a:ext uri="{FF2B5EF4-FFF2-40B4-BE49-F238E27FC236}">
-                <a16:creationId xmlns:a16="http://schemas.microsoft.com/office/drawing/2014/main" id="{37AE2684-264D-4569-A6EF-A0DE8FFF1186}"/>
+          <p:cNvPr id="10" name="Picture 9" descr="Chart, histogram&#10;&#10;Description automatically generated">
+            <a:extLst>
+              <a:ext uri="{FF2B5EF4-FFF2-40B4-BE49-F238E27FC236}">
+                <a16:creationId xmlns:a16="http://schemas.microsoft.com/office/drawing/2014/main" id="{49B1C893-B8A1-4988-B0F9-526DD2171B55}"/>
               </a:ext>
             </a:extLst>
           </p:cNvPr>
@@ -15431,7 +15443,7 @@
         </p:blipFill>
         <p:spPr>
           <a:xfrm>
-            <a:off x="54933" y="1728922"/>
+            <a:off x="54933" y="1700078"/>
             <a:ext cx="7416211" cy="4944141"/>
           </a:xfrm>
           <a:prstGeom prst="rect">

--- a/Slides/Sports Analytics 1/Sports_Analytics_1_Lecture.pptx
+++ b/Slides/Sports Analytics 1/Sports_Analytics_1_Lecture.pptx
@@ -216,7 +216,7 @@
           <a:p>
             <a:fld id="{C04E5E84-956F-4423-97B3-5936A6D8EEEE}" type="datetimeFigureOut">
               <a:rPr lang="en-US" smtClean="0"/>
-              <a:t>1/21/2021</a:t>
+              <a:t>1/22/2021</a:t>
             </a:fld>
             <a:endParaRPr lang="en-US"/>
           </a:p>
@@ -548,7 +548,7 @@
           <a:p>
             <a:fld id="{323D9EF6-5B6D-4923-9412-628692DCC0E7}" type="slidenum">
               <a:rPr lang="en-US" smtClean="0"/>
-              <a:t>9</a:t>
+              <a:t>4</a:t>
             </a:fld>
             <a:endParaRPr lang="en-US"/>
           </a:p>
@@ -557,7 +557,7 @@
     </p:spTree>
     <p:extLst>
       <p:ext uri="{BB962C8B-B14F-4D97-AF65-F5344CB8AC3E}">
-        <p14:creationId xmlns:p14="http://schemas.microsoft.com/office/powerpoint/2010/main" val="120620059"/>
+        <p14:creationId xmlns:p14="http://schemas.microsoft.com/office/powerpoint/2010/main" val="1916574600"/>
       </p:ext>
     </p:extLst>
   </p:cSld>
@@ -632,6 +632,174 @@
           <a:p>
             <a:fld id="{323D9EF6-5B6D-4923-9412-628692DCC0E7}" type="slidenum">
               <a:rPr lang="en-US" smtClean="0"/>
+              <a:t>16</a:t>
+            </a:fld>
+            <a:endParaRPr lang="en-US"/>
+          </a:p>
+        </p:txBody>
+      </p:sp>
+    </p:spTree>
+    <p:extLst>
+      <p:ext uri="{BB962C8B-B14F-4D97-AF65-F5344CB8AC3E}">
+        <p14:creationId xmlns:p14="http://schemas.microsoft.com/office/powerpoint/2010/main" val="457975726"/>
+      </p:ext>
+    </p:extLst>
+  </p:cSld>
+  <p:clrMapOvr>
+    <a:masterClrMapping/>
+  </p:clrMapOvr>
+</p:notes>
+</file>
+
+<file path=ppt/notesSlides/notesSlide11.xml><?xml version="1.0" encoding="utf-8"?>
+<p:notes xmlns:a="http://schemas.openxmlformats.org/drawingml/2006/main" xmlns:r="http://schemas.openxmlformats.org/officeDocument/2006/relationships" xmlns:p="http://schemas.openxmlformats.org/presentationml/2006/main">
+  <p:cSld>
+    <p:spTree>
+      <p:nvGrpSpPr>
+        <p:cNvPr id="1" name=""/>
+        <p:cNvGrpSpPr/>
+        <p:nvPr/>
+      </p:nvGrpSpPr>
+      <p:grpSpPr>
+        <a:xfrm>
+          <a:off x="0" y="0"/>
+          <a:ext cx="0" cy="0"/>
+          <a:chOff x="0" y="0"/>
+          <a:chExt cx="0" cy="0"/>
+        </a:xfrm>
+      </p:grpSpPr>
+      <p:sp>
+        <p:nvSpPr>
+          <p:cNvPr id="2" name="Slide Image Placeholder 1"/>
+          <p:cNvSpPr>
+            <a:spLocks noGrp="1" noRot="1" noChangeAspect="1"/>
+          </p:cNvSpPr>
+          <p:nvPr>
+            <p:ph type="sldImg"/>
+          </p:nvPr>
+        </p:nvSpPr>
+        <p:spPr/>
+      </p:sp>
+      <p:sp>
+        <p:nvSpPr>
+          <p:cNvPr id="3" name="Notes Placeholder 2"/>
+          <p:cNvSpPr>
+            <a:spLocks noGrp="1"/>
+          </p:cNvSpPr>
+          <p:nvPr>
+            <p:ph type="body" idx="1"/>
+          </p:nvPr>
+        </p:nvSpPr>
+        <p:spPr/>
+        <p:txBody>
+          <a:bodyPr/>
+          <a:lstStyle/>
+          <a:p>
+            <a:endParaRPr lang="en-US" dirty="0"/>
+          </a:p>
+        </p:txBody>
+      </p:sp>
+      <p:sp>
+        <p:nvSpPr>
+          <p:cNvPr id="4" name="Slide Number Placeholder 3"/>
+          <p:cNvSpPr>
+            <a:spLocks noGrp="1"/>
+          </p:cNvSpPr>
+          <p:nvPr>
+            <p:ph type="sldNum" sz="quarter" idx="5"/>
+          </p:nvPr>
+        </p:nvSpPr>
+        <p:spPr/>
+        <p:txBody>
+          <a:bodyPr/>
+          <a:lstStyle/>
+          <a:p>
+            <a:fld id="{323D9EF6-5B6D-4923-9412-628692DCC0E7}" type="slidenum">
+              <a:rPr lang="en-US" smtClean="0"/>
+              <a:t>17</a:t>
+            </a:fld>
+            <a:endParaRPr lang="en-US"/>
+          </a:p>
+        </p:txBody>
+      </p:sp>
+    </p:spTree>
+    <p:extLst>
+      <p:ext uri="{BB962C8B-B14F-4D97-AF65-F5344CB8AC3E}">
+        <p14:creationId xmlns:p14="http://schemas.microsoft.com/office/powerpoint/2010/main" val="432002752"/>
+      </p:ext>
+    </p:extLst>
+  </p:cSld>
+  <p:clrMapOvr>
+    <a:masterClrMapping/>
+  </p:clrMapOvr>
+</p:notes>
+</file>
+
+<file path=ppt/notesSlides/notesSlide12.xml><?xml version="1.0" encoding="utf-8"?>
+<p:notes xmlns:a="http://schemas.openxmlformats.org/drawingml/2006/main" xmlns:r="http://schemas.openxmlformats.org/officeDocument/2006/relationships" xmlns:p="http://schemas.openxmlformats.org/presentationml/2006/main">
+  <p:cSld>
+    <p:spTree>
+      <p:nvGrpSpPr>
+        <p:cNvPr id="1" name=""/>
+        <p:cNvGrpSpPr/>
+        <p:nvPr/>
+      </p:nvGrpSpPr>
+      <p:grpSpPr>
+        <a:xfrm>
+          <a:off x="0" y="0"/>
+          <a:ext cx="0" cy="0"/>
+          <a:chOff x="0" y="0"/>
+          <a:chExt cx="0" cy="0"/>
+        </a:xfrm>
+      </p:grpSpPr>
+      <p:sp>
+        <p:nvSpPr>
+          <p:cNvPr id="2" name="Slide Image Placeholder 1"/>
+          <p:cNvSpPr>
+            <a:spLocks noGrp="1" noRot="1" noChangeAspect="1"/>
+          </p:cNvSpPr>
+          <p:nvPr>
+            <p:ph type="sldImg"/>
+          </p:nvPr>
+        </p:nvSpPr>
+        <p:spPr/>
+      </p:sp>
+      <p:sp>
+        <p:nvSpPr>
+          <p:cNvPr id="3" name="Notes Placeholder 2"/>
+          <p:cNvSpPr>
+            <a:spLocks noGrp="1"/>
+          </p:cNvSpPr>
+          <p:nvPr>
+            <p:ph type="body" idx="1"/>
+          </p:nvPr>
+        </p:nvSpPr>
+        <p:spPr/>
+        <p:txBody>
+          <a:bodyPr/>
+          <a:lstStyle/>
+          <a:p>
+            <a:endParaRPr lang="en-US" dirty="0"/>
+          </a:p>
+        </p:txBody>
+      </p:sp>
+      <p:sp>
+        <p:nvSpPr>
+          <p:cNvPr id="4" name="Slide Number Placeholder 3"/>
+          <p:cNvSpPr>
+            <a:spLocks noGrp="1"/>
+          </p:cNvSpPr>
+          <p:nvPr>
+            <p:ph type="sldNum" sz="quarter" idx="5"/>
+          </p:nvPr>
+        </p:nvSpPr>
+        <p:spPr/>
+        <p:txBody>
+          <a:bodyPr/>
+          <a:lstStyle/>
+          <a:p>
+            <a:fld id="{323D9EF6-5B6D-4923-9412-628692DCC0E7}" type="slidenum">
+              <a:rPr lang="en-US" smtClean="0"/>
               <a:t>18</a:t>
             </a:fld>
             <a:endParaRPr lang="en-US"/>
@@ -651,7 +819,7 @@
 </p:notes>
 </file>
 
-<file path=ppt/notesSlides/notesSlide11.xml><?xml version="1.0" encoding="utf-8"?>
+<file path=ppt/notesSlides/notesSlide13.xml><?xml version="1.0" encoding="utf-8"?>
 <p:notes xmlns:a="http://schemas.openxmlformats.org/drawingml/2006/main" xmlns:r="http://schemas.openxmlformats.org/officeDocument/2006/relationships" xmlns:p="http://schemas.openxmlformats.org/presentationml/2006/main">
   <p:cSld>
     <p:spTree>
@@ -800,7 +968,7 @@
           <a:p>
             <a:fld id="{323D9EF6-5B6D-4923-9412-628692DCC0E7}" type="slidenum">
               <a:rPr lang="en-US" smtClean="0"/>
-              <a:t>10</a:t>
+              <a:t>5</a:t>
             </a:fld>
             <a:endParaRPr lang="en-US"/>
           </a:p>
@@ -809,7 +977,7 @@
     </p:spTree>
     <p:extLst>
       <p:ext uri="{BB962C8B-B14F-4D97-AF65-F5344CB8AC3E}">
-        <p14:creationId xmlns:p14="http://schemas.microsoft.com/office/powerpoint/2010/main" val="1428420199"/>
+        <p14:creationId xmlns:p14="http://schemas.microsoft.com/office/powerpoint/2010/main" val="3246925537"/>
       </p:ext>
     </p:extLst>
   </p:cSld>
@@ -884,7 +1052,7 @@
           <a:p>
             <a:fld id="{323D9EF6-5B6D-4923-9412-628692DCC0E7}" type="slidenum">
               <a:rPr lang="en-US" smtClean="0"/>
-              <a:t>11</a:t>
+              <a:t>9</a:t>
             </a:fld>
             <a:endParaRPr lang="en-US"/>
           </a:p>
@@ -893,7 +1061,7 @@
     </p:spTree>
     <p:extLst>
       <p:ext uri="{BB962C8B-B14F-4D97-AF65-F5344CB8AC3E}">
-        <p14:creationId xmlns:p14="http://schemas.microsoft.com/office/powerpoint/2010/main" val="1751330610"/>
+        <p14:creationId xmlns:p14="http://schemas.microsoft.com/office/powerpoint/2010/main" val="120620059"/>
       </p:ext>
     </p:extLst>
   </p:cSld>
@@ -968,7 +1136,7 @@
           <a:p>
             <a:fld id="{323D9EF6-5B6D-4923-9412-628692DCC0E7}" type="slidenum">
               <a:rPr lang="en-US" smtClean="0"/>
-              <a:t>12</a:t>
+              <a:t>10</a:t>
             </a:fld>
             <a:endParaRPr lang="en-US"/>
           </a:p>
@@ -977,7 +1145,7 @@
     </p:spTree>
     <p:extLst>
       <p:ext uri="{BB962C8B-B14F-4D97-AF65-F5344CB8AC3E}">
-        <p14:creationId xmlns:p14="http://schemas.microsoft.com/office/powerpoint/2010/main" val="3126848250"/>
+        <p14:creationId xmlns:p14="http://schemas.microsoft.com/office/powerpoint/2010/main" val="1428420199"/>
       </p:ext>
     </p:extLst>
   </p:cSld>
@@ -1052,7 +1220,7 @@
           <a:p>
             <a:fld id="{323D9EF6-5B6D-4923-9412-628692DCC0E7}" type="slidenum">
               <a:rPr lang="en-US" smtClean="0"/>
-              <a:t>13</a:t>
+              <a:t>11</a:t>
             </a:fld>
             <a:endParaRPr lang="en-US"/>
           </a:p>
@@ -1061,7 +1229,7 @@
     </p:spTree>
     <p:extLst>
       <p:ext uri="{BB962C8B-B14F-4D97-AF65-F5344CB8AC3E}">
-        <p14:creationId xmlns:p14="http://schemas.microsoft.com/office/powerpoint/2010/main" val="270339087"/>
+        <p14:creationId xmlns:p14="http://schemas.microsoft.com/office/powerpoint/2010/main" val="1751330610"/>
       </p:ext>
     </p:extLst>
   </p:cSld>
@@ -1136,7 +1304,7 @@
           <a:p>
             <a:fld id="{323D9EF6-5B6D-4923-9412-628692DCC0E7}" type="slidenum">
               <a:rPr lang="en-US" smtClean="0"/>
-              <a:t>14</a:t>
+              <a:t>12</a:t>
             </a:fld>
             <a:endParaRPr lang="en-US"/>
           </a:p>
@@ -1145,7 +1313,7 @@
     </p:spTree>
     <p:extLst>
       <p:ext uri="{BB962C8B-B14F-4D97-AF65-F5344CB8AC3E}">
-        <p14:creationId xmlns:p14="http://schemas.microsoft.com/office/powerpoint/2010/main" val="3204056461"/>
+        <p14:creationId xmlns:p14="http://schemas.microsoft.com/office/powerpoint/2010/main" val="3126848250"/>
       </p:ext>
     </p:extLst>
   </p:cSld>
@@ -1220,7 +1388,7 @@
           <a:p>
             <a:fld id="{323D9EF6-5B6D-4923-9412-628692DCC0E7}" type="slidenum">
               <a:rPr lang="en-US" smtClean="0"/>
-              <a:t>15</a:t>
+              <a:t>13</a:t>
             </a:fld>
             <a:endParaRPr lang="en-US"/>
           </a:p>
@@ -1229,7 +1397,7 @@
     </p:spTree>
     <p:extLst>
       <p:ext uri="{BB962C8B-B14F-4D97-AF65-F5344CB8AC3E}">
-        <p14:creationId xmlns:p14="http://schemas.microsoft.com/office/powerpoint/2010/main" val="3068367738"/>
+        <p14:creationId xmlns:p14="http://schemas.microsoft.com/office/powerpoint/2010/main" val="270339087"/>
       </p:ext>
     </p:extLst>
   </p:cSld>
@@ -1304,7 +1472,7 @@
           <a:p>
             <a:fld id="{323D9EF6-5B6D-4923-9412-628692DCC0E7}" type="slidenum">
               <a:rPr lang="en-US" smtClean="0"/>
-              <a:t>16</a:t>
+              <a:t>14</a:t>
             </a:fld>
             <a:endParaRPr lang="en-US"/>
           </a:p>
@@ -1313,7 +1481,7 @@
     </p:spTree>
     <p:extLst>
       <p:ext uri="{BB962C8B-B14F-4D97-AF65-F5344CB8AC3E}">
-        <p14:creationId xmlns:p14="http://schemas.microsoft.com/office/powerpoint/2010/main" val="457975726"/>
+        <p14:creationId xmlns:p14="http://schemas.microsoft.com/office/powerpoint/2010/main" val="3204056461"/>
       </p:ext>
     </p:extLst>
   </p:cSld>
@@ -1388,7 +1556,7 @@
           <a:p>
             <a:fld id="{323D9EF6-5B6D-4923-9412-628692DCC0E7}" type="slidenum">
               <a:rPr lang="en-US" smtClean="0"/>
-              <a:t>17</a:t>
+              <a:t>15</a:t>
             </a:fld>
             <a:endParaRPr lang="en-US"/>
           </a:p>
@@ -1397,7 +1565,7 @@
     </p:spTree>
     <p:extLst>
       <p:ext uri="{BB962C8B-B14F-4D97-AF65-F5344CB8AC3E}">
-        <p14:creationId xmlns:p14="http://schemas.microsoft.com/office/powerpoint/2010/main" val="432002752"/>
+        <p14:creationId xmlns:p14="http://schemas.microsoft.com/office/powerpoint/2010/main" val="3068367738"/>
       </p:ext>
     </p:extLst>
   </p:cSld>
@@ -1554,7 +1722,7 @@
           <a:p>
             <a:fld id="{3881C039-66A3-4640-815B-3B5A8B7D868D}" type="datetimeFigureOut">
               <a:rPr lang="en-US" smtClean="0"/>
-              <a:t>1/21/2021</a:t>
+              <a:t>1/22/2021</a:t>
             </a:fld>
             <a:endParaRPr lang="en-US"/>
           </a:p>
@@ -1752,7 +1920,7 @@
           <a:p>
             <a:fld id="{3881C039-66A3-4640-815B-3B5A8B7D868D}" type="datetimeFigureOut">
               <a:rPr lang="en-US" smtClean="0"/>
-              <a:t>1/21/2021</a:t>
+              <a:t>1/22/2021</a:t>
             </a:fld>
             <a:endParaRPr lang="en-US"/>
           </a:p>
@@ -1960,7 +2128,7 @@
           <a:p>
             <a:fld id="{3881C039-66A3-4640-815B-3B5A8B7D868D}" type="datetimeFigureOut">
               <a:rPr lang="en-US" smtClean="0"/>
-              <a:t>1/21/2021</a:t>
+              <a:t>1/22/2021</a:t>
             </a:fld>
             <a:endParaRPr lang="en-US"/>
           </a:p>
@@ -2158,7 +2326,7 @@
           <a:p>
             <a:fld id="{3881C039-66A3-4640-815B-3B5A8B7D868D}" type="datetimeFigureOut">
               <a:rPr lang="en-US" smtClean="0"/>
-              <a:t>1/21/2021</a:t>
+              <a:t>1/22/2021</a:t>
             </a:fld>
             <a:endParaRPr lang="en-US"/>
           </a:p>
@@ -2433,7 +2601,7 @@
           <a:p>
             <a:fld id="{3881C039-66A3-4640-815B-3B5A8B7D868D}" type="datetimeFigureOut">
               <a:rPr lang="en-US" smtClean="0"/>
-              <a:t>1/21/2021</a:t>
+              <a:t>1/22/2021</a:t>
             </a:fld>
             <a:endParaRPr lang="en-US"/>
           </a:p>
@@ -2698,7 +2866,7 @@
           <a:p>
             <a:fld id="{3881C039-66A3-4640-815B-3B5A8B7D868D}" type="datetimeFigureOut">
               <a:rPr lang="en-US" smtClean="0"/>
-              <a:t>1/21/2021</a:t>
+              <a:t>1/22/2021</a:t>
             </a:fld>
             <a:endParaRPr lang="en-US"/>
           </a:p>
@@ -3110,7 +3278,7 @@
           <a:p>
             <a:fld id="{3881C039-66A3-4640-815B-3B5A8B7D868D}" type="datetimeFigureOut">
               <a:rPr lang="en-US" smtClean="0"/>
-              <a:t>1/21/2021</a:t>
+              <a:t>1/22/2021</a:t>
             </a:fld>
             <a:endParaRPr lang="en-US"/>
           </a:p>
@@ -3251,7 +3419,7 @@
           <a:p>
             <a:fld id="{3881C039-66A3-4640-815B-3B5A8B7D868D}" type="datetimeFigureOut">
               <a:rPr lang="en-US" smtClean="0"/>
-              <a:t>1/21/2021</a:t>
+              <a:t>1/22/2021</a:t>
             </a:fld>
             <a:endParaRPr lang="en-US"/>
           </a:p>
@@ -3364,7 +3532,7 @@
           <a:p>
             <a:fld id="{3881C039-66A3-4640-815B-3B5A8B7D868D}" type="datetimeFigureOut">
               <a:rPr lang="en-US" smtClean="0"/>
-              <a:t>1/21/2021</a:t>
+              <a:t>1/22/2021</a:t>
             </a:fld>
             <a:endParaRPr lang="en-US"/>
           </a:p>
@@ -3675,7 +3843,7 @@
           <a:p>
             <a:fld id="{3881C039-66A3-4640-815B-3B5A8B7D868D}" type="datetimeFigureOut">
               <a:rPr lang="en-US" smtClean="0"/>
-              <a:t>1/21/2021</a:t>
+              <a:t>1/22/2021</a:t>
             </a:fld>
             <a:endParaRPr lang="en-US"/>
           </a:p>
@@ -3963,7 +4131,7 @@
           <a:p>
             <a:fld id="{3881C039-66A3-4640-815B-3B5A8B7D868D}" type="datetimeFigureOut">
               <a:rPr lang="en-US" smtClean="0"/>
-              <a:t>1/21/2021</a:t>
+              <a:t>1/22/2021</a:t>
             </a:fld>
             <a:endParaRPr lang="en-US"/>
           </a:p>
@@ -4207,7 +4375,7 @@
           <a:p>
             <a:fld id="{3881C039-66A3-4640-815B-3B5A8B7D868D}" type="datetimeFigureOut">
               <a:rPr lang="en-US" smtClean="0"/>
-              <a:t>1/21/2021</a:t>
+              <a:t>1/22/2021</a:t>
             </a:fld>
             <a:endParaRPr lang="en-US"/>
           </a:p>
@@ -13506,7 +13674,7 @@
           <p:nvPr/>
         </p:nvPicPr>
         <p:blipFill rotWithShape="1">
-          <a:blip r:embed="rId2">
+          <a:blip r:embed="rId3">
             <a:extLst>
               <a:ext uri="{28A0092B-C50C-407E-A947-70E740481C1C}">
                 <a14:useLocalDpi xmlns:a14="http://schemas.microsoft.com/office/drawing/2010/main" val="0"/>
@@ -13584,7 +13752,7 @@
           <p:nvPr/>
         </p:nvPicPr>
         <p:blipFill rotWithShape="1">
-          <a:blip r:embed="rId3">
+          <a:blip r:embed="rId4">
             <a:extLst>
               <a:ext uri="{28A0092B-C50C-407E-A947-70E740481C1C}">
                 <a14:useLocalDpi xmlns:a14="http://schemas.microsoft.com/office/drawing/2010/main" val="0"/>
@@ -13833,10 +14001,10 @@
       </p:sp>
       <p:pic>
         <p:nvPicPr>
-          <p:cNvPr id="7" name="Picture 6" descr="Chart, bar chart&#10;&#10;Description automatically generated">
-            <a:extLst>
-              <a:ext uri="{FF2B5EF4-FFF2-40B4-BE49-F238E27FC236}">
-                <a16:creationId xmlns:a16="http://schemas.microsoft.com/office/drawing/2014/main" id="{85F7E936-0E52-454D-99BA-8C5C3A85C2B9}"/>
+          <p:cNvPr id="8" name="Picture 7" descr="Chart, bar chart&#10;&#10;Description automatically generated">
+            <a:extLst>
+              <a:ext uri="{FF2B5EF4-FFF2-40B4-BE49-F238E27FC236}">
+                <a16:creationId xmlns:a16="http://schemas.microsoft.com/office/drawing/2014/main" id="{3B02761C-0D5B-490B-81CB-8EAAB47B017E}"/>
               </a:ext>
             </a:extLst>
           </p:cNvPr>
@@ -13846,7 +14014,7 @@
           <p:nvPr/>
         </p:nvPicPr>
         <p:blipFill>
-          <a:blip r:embed="rId4">
+          <a:blip r:embed="rId5">
             <a:extLst>
               <a:ext uri="{28A0092B-C50C-407E-A947-70E740481C1C}">
                 <a14:useLocalDpi xmlns:a14="http://schemas.microsoft.com/office/drawing/2010/main" val="0"/>
@@ -13859,8 +14027,8 @@
         </p:blipFill>
         <p:spPr>
           <a:xfrm>
-            <a:off x="57090" y="1717311"/>
-            <a:ext cx="7414054" cy="4942703"/>
+            <a:off x="98808" y="1762356"/>
+            <a:ext cx="7372336" cy="4914891"/>
           </a:xfrm>
           <a:prstGeom prst="rect">
             <a:avLst/>
@@ -14062,7 +14230,7 @@
           <p:nvPr/>
         </p:nvPicPr>
         <p:blipFill rotWithShape="1">
-          <a:blip r:embed="rId2">
+          <a:blip r:embed="rId3">
             <a:extLst>
               <a:ext uri="{28A0092B-C50C-407E-A947-70E740481C1C}">
                 <a14:useLocalDpi xmlns:a14="http://schemas.microsoft.com/office/drawing/2010/main" val="0"/>
@@ -14140,7 +14308,7 @@
           <p:nvPr/>
         </p:nvPicPr>
         <p:blipFill rotWithShape="1">
-          <a:blip r:embed="rId3">
+          <a:blip r:embed="rId4">
             <a:extLst>
               <a:ext uri="{28A0092B-C50C-407E-A947-70E740481C1C}">
                 <a14:useLocalDpi xmlns:a14="http://schemas.microsoft.com/office/drawing/2010/main" val="0"/>
@@ -14389,10 +14557,10 @@
       </p:sp>
       <p:pic>
         <p:nvPicPr>
-          <p:cNvPr id="7" name="Picture 6" descr="Chart, waterfall chart&#10;&#10;Description automatically generated">
-            <a:extLst>
-              <a:ext uri="{FF2B5EF4-FFF2-40B4-BE49-F238E27FC236}">
-                <a16:creationId xmlns:a16="http://schemas.microsoft.com/office/drawing/2014/main" id="{BB70A876-35F2-493B-8B88-9E2AC3F9AA10}"/>
+          <p:cNvPr id="8" name="Picture 7" descr="Chart, waterfall chart&#10;&#10;Description automatically generated">
+            <a:extLst>
+              <a:ext uri="{FF2B5EF4-FFF2-40B4-BE49-F238E27FC236}">
+                <a16:creationId xmlns:a16="http://schemas.microsoft.com/office/drawing/2014/main" id="{FAF30B90-73DE-4840-A3E5-228394818434}"/>
               </a:ext>
             </a:extLst>
           </p:cNvPr>
@@ -14402,7 +14570,7 @@
           <p:nvPr/>
         </p:nvPicPr>
         <p:blipFill>
-          <a:blip r:embed="rId4">
+          <a:blip r:embed="rId5">
             <a:extLst>
               <a:ext uri="{28A0092B-C50C-407E-A947-70E740481C1C}">
                 <a14:useLocalDpi xmlns:a14="http://schemas.microsoft.com/office/drawing/2010/main" val="0"/>
@@ -14415,8 +14583,8 @@
         </p:blipFill>
         <p:spPr>
           <a:xfrm>
-            <a:off x="141673" y="1745505"/>
-            <a:ext cx="7329471" cy="4886314"/>
+            <a:off x="162838" y="1730166"/>
+            <a:ext cx="7406536" cy="4937691"/>
           </a:xfrm>
           <a:prstGeom prst="rect">
             <a:avLst/>

--- a/Slides/Sports Analytics 1/Sports_Analytics_1_Lecture.pptx
+++ b/Slides/Sports Analytics 1/Sports_Analytics_1_Lecture.pptx
@@ -216,7 +216,7 @@
           <a:p>
             <a:fld id="{C04E5E84-956F-4423-97B3-5936A6D8EEEE}" type="datetimeFigureOut">
               <a:rPr lang="en-US" smtClean="0"/>
-              <a:t>1/22/2021</a:t>
+              <a:t>1/26/2021</a:t>
             </a:fld>
             <a:endParaRPr lang="en-US"/>
           </a:p>
@@ -1722,7 +1722,7 @@
           <a:p>
             <a:fld id="{3881C039-66A3-4640-815B-3B5A8B7D868D}" type="datetimeFigureOut">
               <a:rPr lang="en-US" smtClean="0"/>
-              <a:t>1/22/2021</a:t>
+              <a:t>1/26/2021</a:t>
             </a:fld>
             <a:endParaRPr lang="en-US"/>
           </a:p>
@@ -1920,7 +1920,7 @@
           <a:p>
             <a:fld id="{3881C039-66A3-4640-815B-3B5A8B7D868D}" type="datetimeFigureOut">
               <a:rPr lang="en-US" smtClean="0"/>
-              <a:t>1/22/2021</a:t>
+              <a:t>1/26/2021</a:t>
             </a:fld>
             <a:endParaRPr lang="en-US"/>
           </a:p>
@@ -2128,7 +2128,7 @@
           <a:p>
             <a:fld id="{3881C039-66A3-4640-815B-3B5A8B7D868D}" type="datetimeFigureOut">
               <a:rPr lang="en-US" smtClean="0"/>
-              <a:t>1/22/2021</a:t>
+              <a:t>1/26/2021</a:t>
             </a:fld>
             <a:endParaRPr lang="en-US"/>
           </a:p>
@@ -2326,7 +2326,7 @@
           <a:p>
             <a:fld id="{3881C039-66A3-4640-815B-3B5A8B7D868D}" type="datetimeFigureOut">
               <a:rPr lang="en-US" smtClean="0"/>
-              <a:t>1/22/2021</a:t>
+              <a:t>1/26/2021</a:t>
             </a:fld>
             <a:endParaRPr lang="en-US"/>
           </a:p>
@@ -2601,7 +2601,7 @@
           <a:p>
             <a:fld id="{3881C039-66A3-4640-815B-3B5A8B7D868D}" type="datetimeFigureOut">
               <a:rPr lang="en-US" smtClean="0"/>
-              <a:t>1/22/2021</a:t>
+              <a:t>1/26/2021</a:t>
             </a:fld>
             <a:endParaRPr lang="en-US"/>
           </a:p>
@@ -2866,7 +2866,7 @@
           <a:p>
             <a:fld id="{3881C039-66A3-4640-815B-3B5A8B7D868D}" type="datetimeFigureOut">
               <a:rPr lang="en-US" smtClean="0"/>
-              <a:t>1/22/2021</a:t>
+              <a:t>1/26/2021</a:t>
             </a:fld>
             <a:endParaRPr lang="en-US"/>
           </a:p>
@@ -3278,7 +3278,7 @@
           <a:p>
             <a:fld id="{3881C039-66A3-4640-815B-3B5A8B7D868D}" type="datetimeFigureOut">
               <a:rPr lang="en-US" smtClean="0"/>
-              <a:t>1/22/2021</a:t>
+              <a:t>1/26/2021</a:t>
             </a:fld>
             <a:endParaRPr lang="en-US"/>
           </a:p>
@@ -3419,7 +3419,7 @@
           <a:p>
             <a:fld id="{3881C039-66A3-4640-815B-3B5A8B7D868D}" type="datetimeFigureOut">
               <a:rPr lang="en-US" smtClean="0"/>
-              <a:t>1/22/2021</a:t>
+              <a:t>1/26/2021</a:t>
             </a:fld>
             <a:endParaRPr lang="en-US"/>
           </a:p>
@@ -3532,7 +3532,7 @@
           <a:p>
             <a:fld id="{3881C039-66A3-4640-815B-3B5A8B7D868D}" type="datetimeFigureOut">
               <a:rPr lang="en-US" smtClean="0"/>
-              <a:t>1/22/2021</a:t>
+              <a:t>1/26/2021</a:t>
             </a:fld>
             <a:endParaRPr lang="en-US"/>
           </a:p>
@@ -3843,7 +3843,7 @@
           <a:p>
             <a:fld id="{3881C039-66A3-4640-815B-3B5A8B7D868D}" type="datetimeFigureOut">
               <a:rPr lang="en-US" smtClean="0"/>
-              <a:t>1/22/2021</a:t>
+              <a:t>1/26/2021</a:t>
             </a:fld>
             <a:endParaRPr lang="en-US"/>
           </a:p>
@@ -4131,7 +4131,7 @@
           <a:p>
             <a:fld id="{3881C039-66A3-4640-815B-3B5A8B7D868D}" type="datetimeFigureOut">
               <a:rPr lang="en-US" smtClean="0"/>
-              <a:t>1/22/2021</a:t>
+              <a:t>1/26/2021</a:t>
             </a:fld>
             <a:endParaRPr lang="en-US"/>
           </a:p>
@@ -4375,7 +4375,7 @@
           <a:p>
             <a:fld id="{3881C039-66A3-4640-815B-3B5A8B7D868D}" type="datetimeFigureOut">
               <a:rPr lang="en-US" smtClean="0"/>
-              <a:t>1/22/2021</a:t>
+              <a:t>1/26/2021</a:t>
             </a:fld>
             <a:endParaRPr lang="en-US"/>
           </a:p>
@@ -4880,8 +4880,17 @@
               <a:rPr lang="en-US" sz="2000" dirty="0">
                 <a:latin typeface="Selawik Semibold" panose="020B0702040204020203" pitchFamily="34" charset="0"/>
               </a:rPr>
-              <a:t>UNC STOR 390</a:t>
-            </a:r>
+              <a:t>UNC </a:t>
+            </a:r>
+            <a:r>
+              <a:rPr lang="en-US" sz="2000">
+                <a:latin typeface="Selawik Semibold" panose="020B0702040204020203" pitchFamily="34" charset="0"/>
+              </a:rPr>
+              <a:t>STOR 538</a:t>
+            </a:r>
+            <a:endParaRPr lang="en-US" sz="2000" dirty="0">
+              <a:latin typeface="Selawik Semibold" panose="020B0702040204020203" pitchFamily="34" charset="0"/>
+            </a:endParaRPr>
           </a:p>
         </p:txBody>
       </p:sp>

--- a/Slides/Sports Analytics 1/Sports_Analytics_1_Lecture.pptx
+++ b/Slides/Sports Analytics 1/Sports_Analytics_1_Lecture.pptx
@@ -5,7 +5,7 @@
     <p:sldMasterId id="2147483648" r:id="rId1"/>
   </p:sldMasterIdLst>
   <p:notesMasterIdLst>
-    <p:notesMasterId r:id="rId22"/>
+    <p:notesMasterId r:id="rId23"/>
   </p:notesMasterIdLst>
   <p:sldIdLst>
     <p:sldId id="256" r:id="rId2"/>
@@ -21,13 +21,14 @@
     <p:sldId id="264" r:id="rId12"/>
     <p:sldId id="265" r:id="rId13"/>
     <p:sldId id="266" r:id="rId14"/>
-    <p:sldId id="267" r:id="rId15"/>
-    <p:sldId id="268" r:id="rId16"/>
-    <p:sldId id="269" r:id="rId17"/>
-    <p:sldId id="270" r:id="rId18"/>
-    <p:sldId id="271" r:id="rId19"/>
-    <p:sldId id="272" r:id="rId20"/>
-    <p:sldId id="281" r:id="rId21"/>
+    <p:sldId id="285" r:id="rId15"/>
+    <p:sldId id="267" r:id="rId16"/>
+    <p:sldId id="268" r:id="rId17"/>
+    <p:sldId id="269" r:id="rId18"/>
+    <p:sldId id="270" r:id="rId19"/>
+    <p:sldId id="271" r:id="rId20"/>
+    <p:sldId id="272" r:id="rId21"/>
+    <p:sldId id="281" r:id="rId22"/>
   </p:sldIdLst>
   <p:sldSz cx="12192000" cy="6858000"/>
   <p:notesSz cx="6858000" cy="9144000"/>
@@ -216,7 +217,7 @@
           <a:p>
             <a:fld id="{C04E5E84-956F-4423-97B3-5936A6D8EEEE}" type="datetimeFigureOut">
               <a:rPr lang="en-US" smtClean="0"/>
-              <a:t>1/26/2021</a:t>
+              <a:t>8/19/2021</a:t>
             </a:fld>
             <a:endParaRPr lang="en-US"/>
           </a:p>
@@ -641,7 +642,7 @@
     </p:spTree>
     <p:extLst>
       <p:ext uri="{BB962C8B-B14F-4D97-AF65-F5344CB8AC3E}">
-        <p14:creationId xmlns:p14="http://schemas.microsoft.com/office/powerpoint/2010/main" val="457975726"/>
+        <p14:creationId xmlns:p14="http://schemas.microsoft.com/office/powerpoint/2010/main" val="3068367738"/>
       </p:ext>
     </p:extLst>
   </p:cSld>
@@ -725,7 +726,7 @@
     </p:spTree>
     <p:extLst>
       <p:ext uri="{BB962C8B-B14F-4D97-AF65-F5344CB8AC3E}">
-        <p14:creationId xmlns:p14="http://schemas.microsoft.com/office/powerpoint/2010/main" val="432002752"/>
+        <p14:creationId xmlns:p14="http://schemas.microsoft.com/office/powerpoint/2010/main" val="457975726"/>
       </p:ext>
     </p:extLst>
   </p:cSld>
@@ -809,7 +810,7 @@
     </p:spTree>
     <p:extLst>
       <p:ext uri="{BB962C8B-B14F-4D97-AF65-F5344CB8AC3E}">
-        <p14:creationId xmlns:p14="http://schemas.microsoft.com/office/powerpoint/2010/main" val="1454380535"/>
+        <p14:creationId xmlns:p14="http://schemas.microsoft.com/office/powerpoint/2010/main" val="432002752"/>
       </p:ext>
     </p:extLst>
   </p:cSld>
@@ -885,6 +886,90 @@
             <a:fld id="{323D9EF6-5B6D-4923-9412-628692DCC0E7}" type="slidenum">
               <a:rPr lang="en-US" smtClean="0"/>
               <a:t>19</a:t>
+            </a:fld>
+            <a:endParaRPr lang="en-US"/>
+          </a:p>
+        </p:txBody>
+      </p:sp>
+    </p:spTree>
+    <p:extLst>
+      <p:ext uri="{BB962C8B-B14F-4D97-AF65-F5344CB8AC3E}">
+        <p14:creationId xmlns:p14="http://schemas.microsoft.com/office/powerpoint/2010/main" val="1454380535"/>
+      </p:ext>
+    </p:extLst>
+  </p:cSld>
+  <p:clrMapOvr>
+    <a:masterClrMapping/>
+  </p:clrMapOvr>
+</p:notes>
+</file>
+
+<file path=ppt/notesSlides/notesSlide14.xml><?xml version="1.0" encoding="utf-8"?>
+<p:notes xmlns:a="http://schemas.openxmlformats.org/drawingml/2006/main" xmlns:r="http://schemas.openxmlformats.org/officeDocument/2006/relationships" xmlns:p="http://schemas.openxmlformats.org/presentationml/2006/main">
+  <p:cSld>
+    <p:spTree>
+      <p:nvGrpSpPr>
+        <p:cNvPr id="1" name=""/>
+        <p:cNvGrpSpPr/>
+        <p:nvPr/>
+      </p:nvGrpSpPr>
+      <p:grpSpPr>
+        <a:xfrm>
+          <a:off x="0" y="0"/>
+          <a:ext cx="0" cy="0"/>
+          <a:chOff x="0" y="0"/>
+          <a:chExt cx="0" cy="0"/>
+        </a:xfrm>
+      </p:grpSpPr>
+      <p:sp>
+        <p:nvSpPr>
+          <p:cNvPr id="2" name="Slide Image Placeholder 1"/>
+          <p:cNvSpPr>
+            <a:spLocks noGrp="1" noRot="1" noChangeAspect="1"/>
+          </p:cNvSpPr>
+          <p:nvPr>
+            <p:ph type="sldImg"/>
+          </p:nvPr>
+        </p:nvSpPr>
+        <p:spPr/>
+      </p:sp>
+      <p:sp>
+        <p:nvSpPr>
+          <p:cNvPr id="3" name="Notes Placeholder 2"/>
+          <p:cNvSpPr>
+            <a:spLocks noGrp="1"/>
+          </p:cNvSpPr>
+          <p:nvPr>
+            <p:ph type="body" idx="1"/>
+          </p:nvPr>
+        </p:nvSpPr>
+        <p:spPr/>
+        <p:txBody>
+          <a:bodyPr/>
+          <a:lstStyle/>
+          <a:p>
+            <a:endParaRPr lang="en-US" dirty="0"/>
+          </a:p>
+        </p:txBody>
+      </p:sp>
+      <p:sp>
+        <p:nvSpPr>
+          <p:cNvPr id="4" name="Slide Number Placeholder 3"/>
+          <p:cNvSpPr>
+            <a:spLocks noGrp="1"/>
+          </p:cNvSpPr>
+          <p:nvPr>
+            <p:ph type="sldNum" sz="quarter" idx="5"/>
+          </p:nvPr>
+        </p:nvSpPr>
+        <p:spPr/>
+        <p:txBody>
+          <a:bodyPr/>
+          <a:lstStyle/>
+          <a:p>
+            <a:fld id="{323D9EF6-5B6D-4923-9412-628692DCC0E7}" type="slidenum">
+              <a:rPr lang="en-US" smtClean="0"/>
+              <a:t>20</a:t>
             </a:fld>
             <a:endParaRPr lang="en-US"/>
           </a:p>
@@ -1481,7 +1566,7 @@
     </p:spTree>
     <p:extLst>
       <p:ext uri="{BB962C8B-B14F-4D97-AF65-F5344CB8AC3E}">
-        <p14:creationId xmlns:p14="http://schemas.microsoft.com/office/powerpoint/2010/main" val="3204056461"/>
+        <p14:creationId xmlns:p14="http://schemas.microsoft.com/office/powerpoint/2010/main" val="673645520"/>
       </p:ext>
     </p:extLst>
   </p:cSld>
@@ -1565,7 +1650,7 @@
     </p:spTree>
     <p:extLst>
       <p:ext uri="{BB962C8B-B14F-4D97-AF65-F5344CB8AC3E}">
-        <p14:creationId xmlns:p14="http://schemas.microsoft.com/office/powerpoint/2010/main" val="3068367738"/>
+        <p14:creationId xmlns:p14="http://schemas.microsoft.com/office/powerpoint/2010/main" val="3204056461"/>
       </p:ext>
     </p:extLst>
   </p:cSld>
@@ -1722,7 +1807,7 @@
           <a:p>
             <a:fld id="{3881C039-66A3-4640-815B-3B5A8B7D868D}" type="datetimeFigureOut">
               <a:rPr lang="en-US" smtClean="0"/>
-              <a:t>1/26/2021</a:t>
+              <a:t>8/19/2021</a:t>
             </a:fld>
             <a:endParaRPr lang="en-US"/>
           </a:p>
@@ -1920,7 +2005,7 @@
           <a:p>
             <a:fld id="{3881C039-66A3-4640-815B-3B5A8B7D868D}" type="datetimeFigureOut">
               <a:rPr lang="en-US" smtClean="0"/>
-              <a:t>1/26/2021</a:t>
+              <a:t>8/19/2021</a:t>
             </a:fld>
             <a:endParaRPr lang="en-US"/>
           </a:p>
@@ -2128,7 +2213,7 @@
           <a:p>
             <a:fld id="{3881C039-66A3-4640-815B-3B5A8B7D868D}" type="datetimeFigureOut">
               <a:rPr lang="en-US" smtClean="0"/>
-              <a:t>1/26/2021</a:t>
+              <a:t>8/19/2021</a:t>
             </a:fld>
             <a:endParaRPr lang="en-US"/>
           </a:p>
@@ -2326,7 +2411,7 @@
           <a:p>
             <a:fld id="{3881C039-66A3-4640-815B-3B5A8B7D868D}" type="datetimeFigureOut">
               <a:rPr lang="en-US" smtClean="0"/>
-              <a:t>1/26/2021</a:t>
+              <a:t>8/19/2021</a:t>
             </a:fld>
             <a:endParaRPr lang="en-US"/>
           </a:p>
@@ -2601,7 +2686,7 @@
           <a:p>
             <a:fld id="{3881C039-66A3-4640-815B-3B5A8B7D868D}" type="datetimeFigureOut">
               <a:rPr lang="en-US" smtClean="0"/>
-              <a:t>1/26/2021</a:t>
+              <a:t>8/19/2021</a:t>
             </a:fld>
             <a:endParaRPr lang="en-US"/>
           </a:p>
@@ -2866,7 +2951,7 @@
           <a:p>
             <a:fld id="{3881C039-66A3-4640-815B-3B5A8B7D868D}" type="datetimeFigureOut">
               <a:rPr lang="en-US" smtClean="0"/>
-              <a:t>1/26/2021</a:t>
+              <a:t>8/19/2021</a:t>
             </a:fld>
             <a:endParaRPr lang="en-US"/>
           </a:p>
@@ -3278,7 +3363,7 @@
           <a:p>
             <a:fld id="{3881C039-66A3-4640-815B-3B5A8B7D868D}" type="datetimeFigureOut">
               <a:rPr lang="en-US" smtClean="0"/>
-              <a:t>1/26/2021</a:t>
+              <a:t>8/19/2021</a:t>
             </a:fld>
             <a:endParaRPr lang="en-US"/>
           </a:p>
@@ -3419,7 +3504,7 @@
           <a:p>
             <a:fld id="{3881C039-66A3-4640-815B-3B5A8B7D868D}" type="datetimeFigureOut">
               <a:rPr lang="en-US" smtClean="0"/>
-              <a:t>1/26/2021</a:t>
+              <a:t>8/19/2021</a:t>
             </a:fld>
             <a:endParaRPr lang="en-US"/>
           </a:p>
@@ -3532,7 +3617,7 @@
           <a:p>
             <a:fld id="{3881C039-66A3-4640-815B-3B5A8B7D868D}" type="datetimeFigureOut">
               <a:rPr lang="en-US" smtClean="0"/>
-              <a:t>1/26/2021</a:t>
+              <a:t>8/19/2021</a:t>
             </a:fld>
             <a:endParaRPr lang="en-US"/>
           </a:p>
@@ -3843,7 +3928,7 @@
           <a:p>
             <a:fld id="{3881C039-66A3-4640-815B-3B5A8B7D868D}" type="datetimeFigureOut">
               <a:rPr lang="en-US" smtClean="0"/>
-              <a:t>1/26/2021</a:t>
+              <a:t>8/19/2021</a:t>
             </a:fld>
             <a:endParaRPr lang="en-US"/>
           </a:p>
@@ -4131,7 +4216,7 @@
           <a:p>
             <a:fld id="{3881C039-66A3-4640-815B-3B5A8B7D868D}" type="datetimeFigureOut">
               <a:rPr lang="en-US" smtClean="0"/>
-              <a:t>1/26/2021</a:t>
+              <a:t>8/19/2021</a:t>
             </a:fld>
             <a:endParaRPr lang="en-US"/>
           </a:p>
@@ -4375,7 +4460,7 @@
           <a:p>
             <a:fld id="{3881C039-66A3-4640-815B-3B5A8B7D868D}" type="datetimeFigureOut">
               <a:rPr lang="en-US" smtClean="0"/>
-              <a:t>1/26/2021</a:t>
+              <a:t>8/19/2021</a:t>
             </a:fld>
             <a:endParaRPr lang="en-US"/>
           </a:p>
@@ -7644,8 +7729,41 @@
               <a:rPr lang="en-US" sz="2400" dirty="0">
                 <a:latin typeface="Selawik Semibold" panose="020B0702040204020203" pitchFamily="34" charset="0"/>
               </a:rPr>
-              <a:t>Growth in Team Sports (sisugaurd.com)</a:t>
-            </a:r>
+              <a:t>Profit of Sports Leagues (Athletic Panda)</a:t>
+            </a:r>
+          </a:p>
+          <a:p>
+            <a:pPr lvl="1"/>
+            <a:endParaRPr lang="en-US" sz="2000" dirty="0">
+              <a:latin typeface="Selawik Semibold" panose="020B0702040204020203" pitchFamily="34" charset="0"/>
+            </a:endParaRPr>
+          </a:p>
+          <a:p>
+            <a:pPr lvl="1"/>
+            <a:r>
+              <a:rPr lang="en-US" sz="2000" dirty="0">
+                <a:latin typeface="Selawik Semibold" panose="020B0702040204020203" pitchFamily="34" charset="0"/>
+              </a:rPr>
+              <a:t>Previous Info From 2016</a:t>
+            </a:r>
+          </a:p>
+          <a:p>
+            <a:pPr lvl="1"/>
+            <a:endParaRPr lang="en-US" sz="2000" dirty="0">
+              <a:latin typeface="Selawik Semibold" panose="020B0702040204020203" pitchFamily="34" charset="0"/>
+            </a:endParaRPr>
+          </a:p>
+          <a:p>
+            <a:pPr lvl="1"/>
+            <a:r>
+              <a:rPr lang="en-US" sz="2000" dirty="0">
+                <a:latin typeface="Selawik Semibold" panose="020B0702040204020203" pitchFamily="34" charset="0"/>
+              </a:rPr>
+              <a:t>Updated to 2020</a:t>
+            </a:r>
+          </a:p>
+          <a:p>
+            <a:pPr lvl="1"/>
             <a:endParaRPr lang="en-US" sz="2000" dirty="0">
               <a:latin typeface="Selawik Semibold" panose="020B0702040204020203" pitchFamily="34" charset="0"/>
             </a:endParaRPr>
@@ -8006,10 +8124,10 @@
       </p:sp>
       <p:pic>
         <p:nvPicPr>
-          <p:cNvPr id="7" name="Picture 6" descr="A screenshot of a cell phone&#10;&#10;Description automatically generated">
-            <a:extLst>
-              <a:ext uri="{FF2B5EF4-FFF2-40B4-BE49-F238E27FC236}">
-                <a16:creationId xmlns:a16="http://schemas.microsoft.com/office/drawing/2014/main" id="{ED404A5E-A92F-40E3-803A-B7C744A38ED9}"/>
+          <p:cNvPr id="7" name="Picture 6" descr="Text&#10;&#10;Description automatically generated">
+            <a:extLst>
+              <a:ext uri="{FF2B5EF4-FFF2-40B4-BE49-F238E27FC236}">
+                <a16:creationId xmlns:a16="http://schemas.microsoft.com/office/drawing/2014/main" id="{CA76271E-1D27-4872-A942-B6BB5A59BD85}"/>
               </a:ext>
             </a:extLst>
           </p:cNvPr>
@@ -8019,78 +8137,25 @@
           <p:nvPr/>
         </p:nvPicPr>
         <p:blipFill>
-          <a:blip r:embed="rId5">
-            <a:extLst>
-              <a:ext uri="{28A0092B-C50C-407E-A947-70E740481C1C}">
-                <a14:useLocalDpi xmlns:a14="http://schemas.microsoft.com/office/drawing/2010/main" val="0"/>
-              </a:ext>
-            </a:extLst>
-          </a:blip>
+          <a:blip r:embed="rId5"/>
           <a:stretch>
             <a:fillRect/>
           </a:stretch>
         </p:blipFill>
         <p:spPr>
           <a:xfrm>
-            <a:off x="1211998" y="2440640"/>
-            <a:ext cx="4911998" cy="4188125"/>
+            <a:off x="1644992" y="3825379"/>
+            <a:ext cx="4148188" cy="2777127"/>
           </a:xfrm>
           <a:prstGeom prst="rect">
             <a:avLst/>
           </a:prstGeom>
         </p:spPr>
       </p:pic>
-      <p:sp>
-        <p:nvSpPr>
-          <p:cNvPr id="8" name="TextBox 7">
-            <a:extLst>
-              <a:ext uri="{FF2B5EF4-FFF2-40B4-BE49-F238E27FC236}">
-                <a16:creationId xmlns:a16="http://schemas.microsoft.com/office/drawing/2014/main" id="{2BF57D43-4A99-47D7-A02E-3A57D96B7B4F}"/>
-              </a:ext>
-            </a:extLst>
-          </p:cNvPr>
-          <p:cNvSpPr txBox="1"/>
-          <p:nvPr/>
-        </p:nvSpPr>
-        <p:spPr>
-          <a:xfrm>
-            <a:off x="6123996" y="5528278"/>
-            <a:ext cx="3825170" cy="1200329"/>
-          </a:xfrm>
-          <a:prstGeom prst="rect">
-            <a:avLst/>
-          </a:prstGeom>
-          <a:noFill/>
-        </p:spPr>
-        <p:txBody>
-          <a:bodyPr wrap="square" rtlCol="0">
-            <a:spAutoFit/>
-          </a:bodyPr>
-          <a:lstStyle/>
-          <a:p>
-            <a:r>
-              <a:rPr lang="en-US" dirty="0"/>
-              <a:t>Based on 2017 Annual Report </a:t>
-            </a:r>
-          </a:p>
-          <a:p>
-            <a:r>
-              <a:rPr lang="en-US" dirty="0"/>
-              <a:t>On US Trends in Team Sports </a:t>
-            </a:r>
-          </a:p>
-          <a:p>
-            <a:r>
-              <a:rPr lang="en-US" dirty="0"/>
-              <a:t>By Sports &amp; Fitness Industry Association (SFIA)</a:t>
-            </a:r>
-          </a:p>
-        </p:txBody>
-      </p:sp>
     </p:spTree>
     <p:extLst>
       <p:ext uri="{BB962C8B-B14F-4D97-AF65-F5344CB8AC3E}">
-        <p14:creationId xmlns:p14="http://schemas.microsoft.com/office/powerpoint/2010/main" val="567599230"/>
+        <p14:creationId xmlns:p14="http://schemas.microsoft.com/office/powerpoint/2010/main" val="3218843434"/>
       </p:ext>
     </p:extLst>
   </p:cSld>
@@ -8271,115 +8336,7 @@
           </a:p>
           <a:p>
             <a:pPr lvl="1"/>
-            <a:r>
-              <a:rPr lang="en-US" sz="2000" dirty="0">
-                <a:latin typeface="Selawik Semibold" panose="020B0702040204020203" pitchFamily="34" charset="0"/>
-              </a:rPr>
-              <a:t>Increase of 10.9% Across All Sports (2014-2016)</a:t>
-            </a:r>
-          </a:p>
-          <a:p>
-            <a:pPr lvl="1"/>
             <a:endParaRPr lang="en-US" sz="2000" dirty="0">
-              <a:latin typeface="Selawik Semibold" panose="020B0702040204020203" pitchFamily="34" charset="0"/>
-            </a:endParaRPr>
-          </a:p>
-          <a:p>
-            <a:pPr lvl="1"/>
-            <a:r>
-              <a:rPr lang="en-US" sz="2000" dirty="0">
-                <a:latin typeface="Selawik Semibold" panose="020B0702040204020203" pitchFamily="34" charset="0"/>
-              </a:rPr>
-              <a:t>Resilient Sports Based on Age of Participants</a:t>
-            </a:r>
-          </a:p>
-          <a:p>
-            <a:pPr lvl="2"/>
-            <a:r>
-              <a:rPr lang="en-US" sz="1600" dirty="0">
-                <a:latin typeface="Selawik Semibold" panose="020B0702040204020203" pitchFamily="34" charset="0"/>
-              </a:rPr>
-              <a:t>Soccer</a:t>
-            </a:r>
-          </a:p>
-          <a:p>
-            <a:pPr lvl="2"/>
-            <a:r>
-              <a:rPr lang="en-US" sz="1600" dirty="0">
-                <a:latin typeface="Selawik Semibold" panose="020B0702040204020203" pitchFamily="34" charset="0"/>
-              </a:rPr>
-              <a:t>Volleyball</a:t>
-            </a:r>
-          </a:p>
-          <a:p>
-            <a:pPr lvl="2"/>
-            <a:r>
-              <a:rPr lang="en-US" sz="1600" dirty="0">
-                <a:latin typeface="Selawik Semibold" panose="020B0702040204020203" pitchFamily="34" charset="0"/>
-              </a:rPr>
-              <a:t>Softball</a:t>
-            </a:r>
-          </a:p>
-          <a:p>
-            <a:pPr lvl="2"/>
-            <a:r>
-              <a:rPr lang="en-US" sz="1600" dirty="0">
-                <a:latin typeface="Selawik Semibold" panose="020B0702040204020203" pitchFamily="34" charset="0"/>
-              </a:rPr>
-              <a:t>Flag Football</a:t>
-            </a:r>
-          </a:p>
-          <a:p>
-            <a:pPr lvl="1"/>
-            <a:endParaRPr lang="en-US" sz="2000" dirty="0">
-              <a:latin typeface="Selawik Semibold" panose="020B0702040204020203" pitchFamily="34" charset="0"/>
-            </a:endParaRPr>
-          </a:p>
-          <a:p>
-            <a:pPr lvl="1"/>
-            <a:r>
-              <a:rPr lang="en-US" sz="2000" dirty="0">
-                <a:latin typeface="Selawik Semibold" panose="020B0702040204020203" pitchFamily="34" charset="0"/>
-              </a:rPr>
-              <a:t>Declining Sports Lost 9.3M Participants</a:t>
-            </a:r>
-          </a:p>
-          <a:p>
-            <a:pPr lvl="1"/>
-            <a:endParaRPr lang="en-US" sz="2000" dirty="0">
-              <a:latin typeface="Selawik Semibold" panose="020B0702040204020203" pitchFamily="34" charset="0"/>
-            </a:endParaRPr>
-          </a:p>
-          <a:p>
-            <a:pPr lvl="1"/>
-            <a:r>
-              <a:rPr lang="en-US" sz="2000" dirty="0">
-                <a:latin typeface="Selawik Semibold" panose="020B0702040204020203" pitchFamily="34" charset="0"/>
-              </a:rPr>
-              <a:t>Basketball Declined Most by 2.4M Participants</a:t>
-            </a:r>
-          </a:p>
-          <a:p>
-            <a:pPr lvl="2"/>
-            <a:endParaRPr lang="en-US" sz="1600" dirty="0">
-              <a:latin typeface="Selawik Semibold" panose="020B0702040204020203" pitchFamily="34" charset="0"/>
-            </a:endParaRPr>
-          </a:p>
-          <a:p>
-            <a:pPr lvl="2"/>
-            <a:endParaRPr lang="en-US" sz="1600" dirty="0">
-              <a:latin typeface="Selawik Semibold" panose="020B0702040204020203" pitchFamily="34" charset="0"/>
-            </a:endParaRPr>
-          </a:p>
-          <a:p>
-            <a:pPr lvl="2"/>
-            <a:endParaRPr lang="en-US" sz="1600" dirty="0">
-              <a:latin typeface="Selawik Semibold" panose="020B0702040204020203" pitchFamily="34" charset="0"/>
-            </a:endParaRPr>
-          </a:p>
-          <a:p>
-            <a:pPr lvl="2"/>
-            <a:endParaRPr lang="en-US" sz="1600" dirty="0">
               <a:latin typeface="Selawik Semibold" panose="020B0702040204020203" pitchFamily="34" charset="0"/>
             </a:endParaRPr>
           </a:p>
@@ -8725,10 +8682,93 @@
           </a:p>
         </p:txBody>
       </p:sp>
+      <p:pic>
+        <p:nvPicPr>
+          <p:cNvPr id="7" name="Picture 6" descr="A screenshot of a cell phone&#10;&#10;Description automatically generated">
+            <a:extLst>
+              <a:ext uri="{FF2B5EF4-FFF2-40B4-BE49-F238E27FC236}">
+                <a16:creationId xmlns:a16="http://schemas.microsoft.com/office/drawing/2014/main" id="{ED404A5E-A92F-40E3-803A-B7C744A38ED9}"/>
+              </a:ext>
+            </a:extLst>
+          </p:cNvPr>
+          <p:cNvPicPr>
+            <a:picLocks noChangeAspect="1"/>
+          </p:cNvPicPr>
+          <p:nvPr/>
+        </p:nvPicPr>
+        <p:blipFill>
+          <a:blip r:embed="rId5">
+            <a:extLst>
+              <a:ext uri="{28A0092B-C50C-407E-A947-70E740481C1C}">
+                <a14:useLocalDpi xmlns:a14="http://schemas.microsoft.com/office/drawing/2010/main" val="0"/>
+              </a:ext>
+            </a:extLst>
+          </a:blip>
+          <a:stretch>
+            <a:fillRect/>
+          </a:stretch>
+        </p:blipFill>
+        <p:spPr>
+          <a:xfrm>
+            <a:off x="1211998" y="2440640"/>
+            <a:ext cx="4911998" cy="4188125"/>
+          </a:xfrm>
+          <a:prstGeom prst="rect">
+            <a:avLst/>
+          </a:prstGeom>
+        </p:spPr>
+      </p:pic>
+      <p:sp>
+        <p:nvSpPr>
+          <p:cNvPr id="8" name="TextBox 7">
+            <a:extLst>
+              <a:ext uri="{FF2B5EF4-FFF2-40B4-BE49-F238E27FC236}">
+                <a16:creationId xmlns:a16="http://schemas.microsoft.com/office/drawing/2014/main" id="{2BF57D43-4A99-47D7-A02E-3A57D96B7B4F}"/>
+              </a:ext>
+            </a:extLst>
+          </p:cNvPr>
+          <p:cNvSpPr txBox="1"/>
+          <p:nvPr/>
+        </p:nvSpPr>
+        <p:spPr>
+          <a:xfrm>
+            <a:off x="6123996" y="5528278"/>
+            <a:ext cx="3825170" cy="1200329"/>
+          </a:xfrm>
+          <a:prstGeom prst="rect">
+            <a:avLst/>
+          </a:prstGeom>
+          <a:noFill/>
+        </p:spPr>
+        <p:txBody>
+          <a:bodyPr wrap="square" rtlCol="0">
+            <a:spAutoFit/>
+          </a:bodyPr>
+          <a:lstStyle/>
+          <a:p>
+            <a:r>
+              <a:rPr lang="en-US" dirty="0"/>
+              <a:t>Based on 2017 Annual Report </a:t>
+            </a:r>
+          </a:p>
+          <a:p>
+            <a:r>
+              <a:rPr lang="en-US" dirty="0"/>
+              <a:t>On US Trends in Team Sports </a:t>
+            </a:r>
+          </a:p>
+          <a:p>
+            <a:r>
+              <a:rPr lang="en-US" dirty="0"/>
+              <a:t>By Sports &amp; Fitness Industry Association (SFIA)</a:t>
+            </a:r>
+          </a:p>
+        </p:txBody>
+      </p:sp>
     </p:spTree>
     <p:extLst>
       <p:ext uri="{BB962C8B-B14F-4D97-AF65-F5344CB8AC3E}">
-        <p14:creationId xmlns:p14="http://schemas.microsoft.com/office/powerpoint/2010/main" val="149536260"/>
+        <p14:creationId xmlns:p14="http://schemas.microsoft.com/office/powerpoint/2010/main" val="567599230"/>
       </p:ext>
     </p:extLst>
   </p:cSld>
@@ -8858,7 +8898,7 @@
               <a:rPr lang="en-US" b="1" dirty="0">
                 <a:latin typeface="Selawik Semibold" panose="020B0604020202020204" pitchFamily="34" charset="0"/>
               </a:rPr>
-              <a:t>Dope Quote</a:t>
+              <a:t>Current Landscape of Sports</a:t>
             </a:r>
           </a:p>
         </p:txBody>
@@ -8881,118 +8921,127 @@
         </p:nvSpPr>
         <p:spPr>
           <a:xfrm>
-            <a:off x="838198" y="2021249"/>
-            <a:ext cx="7425020" cy="4581257"/>
+            <a:off x="838199" y="2021249"/>
+            <a:ext cx="7324166" cy="4581257"/>
           </a:xfrm>
         </p:spPr>
         <p:txBody>
           <a:bodyPr>
-            <a:normAutofit fontScale="92500" lnSpcReduction="10000"/>
+            <a:normAutofit/>
           </a:bodyPr>
           <a:lstStyle/>
           <a:p>
-            <a:pPr marL="0" indent="0">
-              <a:buNone/>
-            </a:pPr>
-            <a:r>
-              <a:rPr lang="en-US" dirty="0">
+            <a:r>
+              <a:rPr lang="en-US" sz="2400" dirty="0">
                 <a:latin typeface="Selawik Semibold" panose="020B0702040204020203" pitchFamily="34" charset="0"/>
               </a:rPr>
-              <a:t>The most meaningful way to</a:t>
-            </a:r>
-          </a:p>
-          <a:p>
-            <a:pPr marL="0" indent="0">
-              <a:buNone/>
-            </a:pPr>
-            <a:r>
-              <a:rPr lang="en-US" dirty="0">
+              <a:t>Growth in Team Sports (sisugaurd.com)</a:t>
+            </a:r>
+            <a:endParaRPr lang="en-US" sz="2000" dirty="0">
+              <a:latin typeface="Selawik Semibold" panose="020B0702040204020203" pitchFamily="34" charset="0"/>
+            </a:endParaRPr>
+          </a:p>
+          <a:p>
+            <a:pPr lvl="1"/>
+            <a:endParaRPr lang="en-US" sz="2000" dirty="0">
+              <a:latin typeface="Selawik Semibold" panose="020B0702040204020203" pitchFamily="34" charset="0"/>
+            </a:endParaRPr>
+          </a:p>
+          <a:p>
+            <a:pPr lvl="1"/>
+            <a:r>
+              <a:rPr lang="en-US" sz="2000" dirty="0">
                 <a:latin typeface="Selawik Semibold" panose="020B0702040204020203" pitchFamily="34" charset="0"/>
               </a:rPr>
-              <a:t>differentiate your company from your</a:t>
-            </a:r>
-          </a:p>
-          <a:p>
-            <a:pPr marL="0" indent="0">
-              <a:buNone/>
-            </a:pPr>
-            <a:r>
-              <a:rPr lang="en-US" dirty="0">
+              <a:t>Increase of 10.9% Across All Sports (2014-2016)</a:t>
+            </a:r>
+          </a:p>
+          <a:p>
+            <a:pPr lvl="1"/>
+            <a:endParaRPr lang="en-US" sz="2000" dirty="0">
+              <a:latin typeface="Selawik Semibold" panose="020B0702040204020203" pitchFamily="34" charset="0"/>
+            </a:endParaRPr>
+          </a:p>
+          <a:p>
+            <a:pPr lvl="1"/>
+            <a:r>
+              <a:rPr lang="en-US" sz="2000" dirty="0">
                 <a:latin typeface="Selawik Semibold" panose="020B0702040204020203" pitchFamily="34" charset="0"/>
               </a:rPr>
-              <a:t>competitors, the best way to put distance</a:t>
-            </a:r>
-          </a:p>
-          <a:p>
-            <a:pPr marL="0" indent="0">
-              <a:buNone/>
-            </a:pPr>
-            <a:r>
-              <a:rPr lang="en-US" dirty="0">
+              <a:t>Resilient Sports Based on Age of Participants</a:t>
+            </a:r>
+          </a:p>
+          <a:p>
+            <a:pPr lvl="2"/>
+            <a:r>
+              <a:rPr lang="en-US" sz="1600" dirty="0">
                 <a:latin typeface="Selawik Semibold" panose="020B0702040204020203" pitchFamily="34" charset="0"/>
               </a:rPr>
-              <a:t>between you and the crowd is to do an</a:t>
-            </a:r>
-          </a:p>
-          <a:p>
-            <a:pPr marL="0" indent="0">
-              <a:buNone/>
-            </a:pPr>
-            <a:r>
-              <a:rPr lang="en-US" dirty="0">
+              <a:t>Soccer</a:t>
+            </a:r>
+          </a:p>
+          <a:p>
+            <a:pPr lvl="2"/>
+            <a:r>
+              <a:rPr lang="en-US" sz="1600" dirty="0">
                 <a:latin typeface="Selawik Semibold" panose="020B0702040204020203" pitchFamily="34" charset="0"/>
               </a:rPr>
-              <a:t>outstanding job with information. </a:t>
-            </a:r>
-          </a:p>
-          <a:p>
-            <a:pPr marL="0" indent="0">
-              <a:buNone/>
-            </a:pPr>
-            <a:endParaRPr lang="en-US" dirty="0">
+              <a:t>Volleyball</a:t>
+            </a:r>
+          </a:p>
+          <a:p>
+            <a:pPr lvl="2"/>
+            <a:r>
+              <a:rPr lang="en-US" sz="1600" dirty="0">
+                <a:latin typeface="Selawik Semibold" panose="020B0702040204020203" pitchFamily="34" charset="0"/>
+              </a:rPr>
+              <a:t>Softball</a:t>
+            </a:r>
+          </a:p>
+          <a:p>
+            <a:pPr lvl="2"/>
+            <a:r>
+              <a:rPr lang="en-US" sz="1600" dirty="0">
+                <a:latin typeface="Selawik Semibold" panose="020B0702040204020203" pitchFamily="34" charset="0"/>
+              </a:rPr>
+              <a:t>Flag Football</a:t>
+            </a:r>
+          </a:p>
+          <a:p>
+            <a:pPr lvl="1"/>
+            <a:endParaRPr lang="en-US" sz="2000" dirty="0">
               <a:latin typeface="Selawik Semibold" panose="020B0702040204020203" pitchFamily="34" charset="0"/>
             </a:endParaRPr>
           </a:p>
           <a:p>
-            <a:pPr marL="0" indent="0">
-              <a:buNone/>
-            </a:pPr>
-            <a:r>
-              <a:rPr lang="en-US" dirty="0">
+            <a:pPr lvl="1"/>
+            <a:r>
+              <a:rPr lang="en-US" sz="2000" dirty="0">
                 <a:latin typeface="Selawik Semibold" panose="020B0702040204020203" pitchFamily="34" charset="0"/>
               </a:rPr>
-              <a:t>How you gather, manage, and use information</a:t>
-            </a:r>
-          </a:p>
-          <a:p>
-            <a:pPr marL="0" indent="0">
-              <a:buNone/>
-            </a:pPr>
-            <a:r>
-              <a:rPr lang="en-US" dirty="0">
+              <a:t>Declining Sports Lost 9.3M Participants</a:t>
+            </a:r>
+          </a:p>
+          <a:p>
+            <a:pPr lvl="1"/>
+            <a:endParaRPr lang="en-US" sz="2000" dirty="0">
+              <a:latin typeface="Selawik Semibold" panose="020B0702040204020203" pitchFamily="34" charset="0"/>
+            </a:endParaRPr>
+          </a:p>
+          <a:p>
+            <a:pPr lvl="1"/>
+            <a:r>
+              <a:rPr lang="en-US" sz="2000" dirty="0">
                 <a:latin typeface="Selawik Semibold" panose="020B0702040204020203" pitchFamily="34" charset="0"/>
               </a:rPr>
-              <a:t>will determine whether you win or lose.</a:t>
-            </a:r>
-          </a:p>
-          <a:p>
-            <a:pPr marL="0" indent="0">
-              <a:buNone/>
-            </a:pPr>
-            <a:endParaRPr lang="en-US" dirty="0">
+              <a:t>Basketball Declined Most by 2.4M Participants</a:t>
+            </a:r>
+          </a:p>
+          <a:p>
+            <a:pPr lvl="2"/>
+            <a:endParaRPr lang="en-US" sz="1600" dirty="0">
               <a:latin typeface="Selawik Semibold" panose="020B0702040204020203" pitchFamily="34" charset="0"/>
             </a:endParaRPr>
-          </a:p>
-          <a:p>
-            <a:pPr marL="0" indent="0">
-              <a:buNone/>
-            </a:pPr>
-            <a:r>
-              <a:rPr lang="en-US" dirty="0">
-                <a:latin typeface="Selawik Semibold" panose="020B0702040204020203" pitchFamily="34" charset="0"/>
-              </a:rPr>
-              <a:t>- Bill Gates</a:t>
-            </a:r>
           </a:p>
           <a:p>
             <a:pPr lvl="2"/>
@@ -9357,7 +9406,7 @@
     </p:spTree>
     <p:extLst>
       <p:ext uri="{BB962C8B-B14F-4D97-AF65-F5344CB8AC3E}">
-        <p14:creationId xmlns:p14="http://schemas.microsoft.com/office/powerpoint/2010/main" val="289489808"/>
+        <p14:creationId xmlns:p14="http://schemas.microsoft.com/office/powerpoint/2010/main" val="149536260"/>
       </p:ext>
     </p:extLst>
   </p:cSld>
@@ -9487,7 +9536,7 @@
               <a:rPr lang="en-US" b="1" dirty="0">
                 <a:latin typeface="Selawik Semibold" panose="020B0604020202020204" pitchFamily="34" charset="0"/>
               </a:rPr>
-              <a:t>What is Sports Analytics?</a:t>
+              <a:t>Dope Quote</a:t>
             </a:r>
           </a:p>
         </p:txBody>
@@ -9510,86 +9559,134 @@
         </p:nvSpPr>
         <p:spPr>
           <a:xfrm>
-            <a:off x="838199" y="2021249"/>
-            <a:ext cx="7324166" cy="4581257"/>
+            <a:off x="838198" y="2021249"/>
+            <a:ext cx="7425020" cy="4581257"/>
           </a:xfrm>
         </p:spPr>
         <p:txBody>
           <a:bodyPr>
-            <a:normAutofit/>
+            <a:normAutofit fontScale="92500" lnSpcReduction="10000"/>
           </a:bodyPr>
           <a:lstStyle/>
           <a:p>
-            <a:r>
-              <a:rPr lang="en-US" sz="2400" dirty="0">
+            <a:pPr marL="0" indent="0">
+              <a:buNone/>
+            </a:pPr>
+            <a:r>
+              <a:rPr lang="en-US" dirty="0">
                 <a:latin typeface="Selawik Semibold" panose="020B0702040204020203" pitchFamily="34" charset="0"/>
               </a:rPr>
-              <a:t>Defined by Ben </a:t>
-            </a:r>
-            <a:r>
-              <a:rPr lang="en-US" sz="2400" dirty="0" err="1">
+              <a:t>The most meaningful way to</a:t>
+            </a:r>
+          </a:p>
+          <a:p>
+            <a:pPr marL="0" indent="0">
+              <a:buNone/>
+            </a:pPr>
+            <a:r>
+              <a:rPr lang="en-US" dirty="0">
                 <a:latin typeface="Selawik Semibold" panose="020B0702040204020203" pitchFamily="34" charset="0"/>
               </a:rPr>
-              <a:t>Alamar</a:t>
-            </a:r>
-            <a:endParaRPr lang="en-US" sz="2000" dirty="0">
+              <a:t>differentiate your company from your</a:t>
+            </a:r>
+          </a:p>
+          <a:p>
+            <a:pPr marL="0" indent="0">
+              <a:buNone/>
+            </a:pPr>
+            <a:r>
+              <a:rPr lang="en-US" dirty="0">
+                <a:latin typeface="Selawik Semibold" panose="020B0702040204020203" pitchFamily="34" charset="0"/>
+              </a:rPr>
+              <a:t>competitors, the best way to put distance</a:t>
+            </a:r>
+          </a:p>
+          <a:p>
+            <a:pPr marL="0" indent="0">
+              <a:buNone/>
+            </a:pPr>
+            <a:r>
+              <a:rPr lang="en-US" dirty="0">
+                <a:latin typeface="Selawik Semibold" panose="020B0702040204020203" pitchFamily="34" charset="0"/>
+              </a:rPr>
+              <a:t>between you and the crowd is to do an</a:t>
+            </a:r>
+          </a:p>
+          <a:p>
+            <a:pPr marL="0" indent="0">
+              <a:buNone/>
+            </a:pPr>
+            <a:r>
+              <a:rPr lang="en-US" dirty="0">
+                <a:latin typeface="Selawik Semibold" panose="020B0702040204020203" pitchFamily="34" charset="0"/>
+              </a:rPr>
+              <a:t>outstanding job with information. </a:t>
+            </a:r>
+          </a:p>
+          <a:p>
+            <a:pPr marL="0" indent="0">
+              <a:buNone/>
+            </a:pPr>
+            <a:endParaRPr lang="en-US" dirty="0">
               <a:latin typeface="Selawik Semibold" panose="020B0702040204020203" pitchFamily="34" charset="0"/>
             </a:endParaRPr>
           </a:p>
           <a:p>
-            <a:pPr lvl="1"/>
-            <a:r>
-              <a:rPr lang="en-US" sz="2000" dirty="0">
+            <a:pPr marL="0" indent="0">
+              <a:buNone/>
+            </a:pPr>
+            <a:r>
+              <a:rPr lang="en-US" dirty="0">
                 <a:latin typeface="Selawik Semibold" panose="020B0702040204020203" pitchFamily="34" charset="0"/>
               </a:rPr>
-              <a:t>Data Management</a:t>
-            </a:r>
-          </a:p>
-          <a:p>
-            <a:pPr lvl="1"/>
-            <a:r>
-              <a:rPr lang="en-US" sz="2000" dirty="0">
+              <a:t>How you gather, manage, and use information</a:t>
+            </a:r>
+          </a:p>
+          <a:p>
+            <a:pPr marL="0" indent="0">
+              <a:buNone/>
+            </a:pPr>
+            <a:r>
+              <a:rPr lang="en-US" dirty="0">
                 <a:latin typeface="Selawik Semibold" panose="020B0702040204020203" pitchFamily="34" charset="0"/>
               </a:rPr>
-              <a:t>Predictive Models</a:t>
-            </a:r>
-          </a:p>
-          <a:p>
-            <a:pPr lvl="1"/>
-            <a:r>
-              <a:rPr lang="en-US" sz="2000" dirty="0">
+              <a:t>will determine whether you win or lose.</a:t>
+            </a:r>
+          </a:p>
+          <a:p>
+            <a:pPr marL="0" indent="0">
+              <a:buNone/>
+            </a:pPr>
+            <a:endParaRPr lang="en-US" dirty="0">
+              <a:latin typeface="Selawik Semibold" panose="020B0702040204020203" pitchFamily="34" charset="0"/>
+            </a:endParaRPr>
+          </a:p>
+          <a:p>
+            <a:pPr marL="0" indent="0">
+              <a:buNone/>
+            </a:pPr>
+            <a:r>
+              <a:rPr lang="en-US" dirty="0">
                 <a:latin typeface="Selawik Semibold" panose="020B0702040204020203" pitchFamily="34" charset="0"/>
               </a:rPr>
-              <a:t>Information Systems</a:t>
-            </a:r>
-          </a:p>
-          <a:p>
-            <a:pPr lvl="1"/>
-            <a:endParaRPr lang="en-US" sz="2000" dirty="0">
+              <a:t>- Bill Gates</a:t>
+            </a:r>
+          </a:p>
+          <a:p>
+            <a:pPr lvl="2"/>
+            <a:endParaRPr lang="en-US" sz="1600" dirty="0">
               <a:latin typeface="Selawik Semibold" panose="020B0702040204020203" pitchFamily="34" charset="0"/>
             </a:endParaRPr>
           </a:p>
           <a:p>
-            <a:pPr lvl="1"/>
-            <a:endParaRPr lang="en-US" sz="2000" dirty="0">
+            <a:pPr lvl="2"/>
+            <a:endParaRPr lang="en-US" sz="1600" dirty="0">
               <a:latin typeface="Selawik Semibold" panose="020B0702040204020203" pitchFamily="34" charset="0"/>
             </a:endParaRPr>
           </a:p>
           <a:p>
-            <a:pPr lvl="1"/>
-            <a:endParaRPr lang="en-US" sz="2000" dirty="0">
-              <a:latin typeface="Selawik Semibold" panose="020B0702040204020203" pitchFamily="34" charset="0"/>
-            </a:endParaRPr>
-          </a:p>
-          <a:p>
-            <a:pPr lvl="1"/>
-            <a:endParaRPr lang="en-US" sz="2000" dirty="0">
-              <a:latin typeface="Selawik Semibold" panose="020B0702040204020203" pitchFamily="34" charset="0"/>
-            </a:endParaRPr>
-          </a:p>
-          <a:p>
-            <a:pPr lvl="1"/>
-            <a:endParaRPr lang="en-US" sz="2000" dirty="0">
+            <a:pPr lvl="2"/>
+            <a:endParaRPr lang="en-US" sz="1600" dirty="0">
               <a:latin typeface="Selawik Semibold" panose="020B0702040204020203" pitchFamily="34" charset="0"/>
             </a:endParaRPr>
           </a:p>
@@ -9935,545 +10032,10 @@
           </a:p>
         </p:txBody>
       </p:sp>
-      <p:sp>
-        <p:nvSpPr>
-          <p:cNvPr id="7" name="TextBox 6">
-            <a:extLst>
-              <a:ext uri="{FF2B5EF4-FFF2-40B4-BE49-F238E27FC236}">
-                <a16:creationId xmlns:a16="http://schemas.microsoft.com/office/drawing/2014/main" id="{122E552F-CD5E-4928-A884-3509AF0AAD36}"/>
-              </a:ext>
-            </a:extLst>
-          </p:cNvPr>
-          <p:cNvSpPr txBox="1"/>
-          <p:nvPr/>
-        </p:nvSpPr>
-        <p:spPr>
-          <a:xfrm>
-            <a:off x="365718" y="3783182"/>
-            <a:ext cx="2205318" cy="954107"/>
-          </a:xfrm>
-          <a:prstGeom prst="rect">
-            <a:avLst/>
-          </a:prstGeom>
-        </p:spPr>
-        <p:style>
-          <a:lnRef idx="1">
-            <a:schemeClr val="dk1"/>
-          </a:lnRef>
-          <a:fillRef idx="3">
-            <a:schemeClr val="dk1"/>
-          </a:fillRef>
-          <a:effectRef idx="2">
-            <a:schemeClr val="dk1"/>
-          </a:effectRef>
-          <a:fontRef idx="minor">
-            <a:schemeClr val="lt1"/>
-          </a:fontRef>
-        </p:style>
-        <p:txBody>
-          <a:bodyPr wrap="square" rtlCol="0">
-            <a:spAutoFit/>
-          </a:bodyPr>
-          <a:lstStyle/>
-          <a:p>
-            <a:r>
-              <a:rPr lang="en-US" sz="2800" dirty="0"/>
-              <a:t>Data </a:t>
-            </a:r>
-          </a:p>
-          <a:p>
-            <a:r>
-              <a:rPr lang="en-US" sz="2800" dirty="0"/>
-              <a:t>Management</a:t>
-            </a:r>
-          </a:p>
-        </p:txBody>
-      </p:sp>
-      <p:sp>
-        <p:nvSpPr>
-          <p:cNvPr id="12" name="TextBox 11">
-            <a:extLst>
-              <a:ext uri="{FF2B5EF4-FFF2-40B4-BE49-F238E27FC236}">
-                <a16:creationId xmlns:a16="http://schemas.microsoft.com/office/drawing/2014/main" id="{26DA0C6F-C9E0-47D4-9FC9-FCD1D65D2721}"/>
-              </a:ext>
-            </a:extLst>
-          </p:cNvPr>
-          <p:cNvSpPr txBox="1"/>
-          <p:nvPr/>
-        </p:nvSpPr>
-        <p:spPr>
-          <a:xfrm>
-            <a:off x="353916" y="5407416"/>
-            <a:ext cx="2205318" cy="954107"/>
-          </a:xfrm>
-          <a:prstGeom prst="rect">
-            <a:avLst/>
-          </a:prstGeom>
-        </p:spPr>
-        <p:style>
-          <a:lnRef idx="1">
-            <a:schemeClr val="dk1"/>
-          </a:lnRef>
-          <a:fillRef idx="3">
-            <a:schemeClr val="dk1"/>
-          </a:fillRef>
-          <a:effectRef idx="2">
-            <a:schemeClr val="dk1"/>
-          </a:effectRef>
-          <a:fontRef idx="minor">
-            <a:schemeClr val="lt1"/>
-          </a:fontRef>
-        </p:style>
-        <p:txBody>
-          <a:bodyPr wrap="square" rtlCol="0">
-            <a:spAutoFit/>
-          </a:bodyPr>
-          <a:lstStyle/>
-          <a:p>
-            <a:r>
-              <a:rPr lang="en-US" sz="2800" dirty="0"/>
-              <a:t>Analytic Models</a:t>
-            </a:r>
-          </a:p>
-        </p:txBody>
-      </p:sp>
-      <p:sp>
-        <p:nvSpPr>
-          <p:cNvPr id="13" name="TextBox 12">
-            <a:extLst>
-              <a:ext uri="{FF2B5EF4-FFF2-40B4-BE49-F238E27FC236}">
-                <a16:creationId xmlns:a16="http://schemas.microsoft.com/office/drawing/2014/main" id="{992BD579-13F5-48CC-B1C8-16F0934F3B44}"/>
-              </a:ext>
-            </a:extLst>
-          </p:cNvPr>
-          <p:cNvSpPr txBox="1"/>
-          <p:nvPr/>
-        </p:nvSpPr>
-        <p:spPr>
-          <a:xfrm>
-            <a:off x="3225728" y="4163036"/>
-            <a:ext cx="1907548" cy="954107"/>
-          </a:xfrm>
-          <a:prstGeom prst="rect">
-            <a:avLst/>
-          </a:prstGeom>
-        </p:spPr>
-        <p:style>
-          <a:lnRef idx="1">
-            <a:schemeClr val="dk1"/>
-          </a:lnRef>
-          <a:fillRef idx="3">
-            <a:schemeClr val="dk1"/>
-          </a:fillRef>
-          <a:effectRef idx="2">
-            <a:schemeClr val="dk1"/>
-          </a:effectRef>
-          <a:fontRef idx="minor">
-            <a:schemeClr val="lt1"/>
-          </a:fontRef>
-        </p:style>
-        <p:txBody>
-          <a:bodyPr wrap="square" rtlCol="0">
-            <a:spAutoFit/>
-          </a:bodyPr>
-          <a:lstStyle/>
-          <a:p>
-            <a:r>
-              <a:rPr lang="en-US" sz="2800" dirty="0"/>
-              <a:t>Information</a:t>
-            </a:r>
-          </a:p>
-          <a:p>
-            <a:r>
-              <a:rPr lang="en-US" sz="2800" dirty="0"/>
-              <a:t>Systems</a:t>
-            </a:r>
-          </a:p>
-        </p:txBody>
-      </p:sp>
-      <p:pic>
-        <p:nvPicPr>
-          <p:cNvPr id="10" name="Picture 9" descr="Decision Maker">
-            <a:extLst>
-              <a:ext uri="{FF2B5EF4-FFF2-40B4-BE49-F238E27FC236}">
-                <a16:creationId xmlns:a16="http://schemas.microsoft.com/office/drawing/2014/main" id="{2911B196-1EA3-4ECD-850B-F7838FAD07BC}"/>
-              </a:ext>
-            </a:extLst>
-          </p:cNvPr>
-          <p:cNvPicPr>
-            <a:picLocks noChangeAspect="1"/>
-          </p:cNvPicPr>
-          <p:nvPr/>
-        </p:nvPicPr>
-        <p:blipFill>
-          <a:blip r:embed="rId5">
-            <a:extLst>
-              <a:ext uri="{28A0092B-C50C-407E-A947-70E740481C1C}">
-                <a14:useLocalDpi xmlns:a14="http://schemas.microsoft.com/office/drawing/2010/main" val="0"/>
-              </a:ext>
-            </a:extLst>
-          </a:blip>
-          <a:stretch>
-            <a:fillRect/>
-          </a:stretch>
-        </p:blipFill>
-        <p:spPr>
-          <a:xfrm>
-            <a:off x="5787968" y="4375030"/>
-            <a:ext cx="2538848" cy="1516803"/>
-          </a:xfrm>
-          <a:prstGeom prst="rect">
-            <a:avLst/>
-          </a:prstGeom>
-          <a:solidFill>
-            <a:srgbClr val="000000">
-              <a:shade val="95000"/>
-            </a:srgbClr>
-          </a:solidFill>
-          <a:ln w="28575" cap="sq">
-            <a:solidFill>
-              <a:srgbClr val="000000"/>
-            </a:solidFill>
-            <a:miter lim="800000"/>
-          </a:ln>
-          <a:effectLst>
-            <a:outerShdw blurRad="254000" dist="190500" dir="2700000" sy="90000" algn="bl" rotWithShape="0">
-              <a:srgbClr val="000000">
-                <a:alpha val="40000"/>
-              </a:srgbClr>
-            </a:outerShdw>
-          </a:effectLst>
-        </p:spPr>
-      </p:pic>
-      <p:sp>
-        <p:nvSpPr>
-          <p:cNvPr id="17" name="TextBox 16">
-            <a:extLst>
-              <a:ext uri="{FF2B5EF4-FFF2-40B4-BE49-F238E27FC236}">
-                <a16:creationId xmlns:a16="http://schemas.microsoft.com/office/drawing/2014/main" id="{50914ED0-975E-41B2-86EC-5995292303DF}"/>
-              </a:ext>
-            </a:extLst>
-          </p:cNvPr>
-          <p:cNvSpPr txBox="1"/>
-          <p:nvPr/>
-        </p:nvSpPr>
-        <p:spPr>
-          <a:xfrm>
-            <a:off x="5848506" y="5977904"/>
-            <a:ext cx="2421642" cy="523220"/>
-          </a:xfrm>
-          <a:prstGeom prst="rect">
-            <a:avLst/>
-          </a:prstGeom>
-        </p:spPr>
-        <p:style>
-          <a:lnRef idx="1">
-            <a:schemeClr val="dk1"/>
-          </a:lnRef>
-          <a:fillRef idx="3">
-            <a:schemeClr val="dk1"/>
-          </a:fillRef>
-          <a:effectRef idx="2">
-            <a:schemeClr val="dk1"/>
-          </a:effectRef>
-          <a:fontRef idx="minor">
-            <a:schemeClr val="lt1"/>
-          </a:fontRef>
-        </p:style>
-        <p:txBody>
-          <a:bodyPr wrap="square" rtlCol="0">
-            <a:spAutoFit/>
-          </a:bodyPr>
-          <a:lstStyle/>
-          <a:p>
-            <a:r>
-              <a:rPr lang="en-US" sz="2800" dirty="0"/>
-              <a:t>Decision Maker</a:t>
-            </a:r>
-          </a:p>
-        </p:txBody>
-      </p:sp>
-      <p:sp>
-        <p:nvSpPr>
-          <p:cNvPr id="18" name="Arrow: Right 17">
-            <a:extLst>
-              <a:ext uri="{FF2B5EF4-FFF2-40B4-BE49-F238E27FC236}">
-                <a16:creationId xmlns:a16="http://schemas.microsoft.com/office/drawing/2014/main" id="{034BACA9-7E25-4051-A7E8-D2B4C2C0145B}"/>
-              </a:ext>
-            </a:extLst>
-          </p:cNvPr>
-          <p:cNvSpPr/>
-          <p:nvPr/>
-        </p:nvSpPr>
-        <p:spPr>
-          <a:xfrm rot="5400000">
-            <a:off x="1139801" y="4911200"/>
-            <a:ext cx="497541" cy="318768"/>
-          </a:xfrm>
-          <a:prstGeom prst="rightArrow">
-            <a:avLst/>
-          </a:prstGeom>
-        </p:spPr>
-        <p:style>
-          <a:lnRef idx="2">
-            <a:schemeClr val="dk1">
-              <a:shade val="50000"/>
-            </a:schemeClr>
-          </a:lnRef>
-          <a:fillRef idx="1">
-            <a:schemeClr val="dk1"/>
-          </a:fillRef>
-          <a:effectRef idx="0">
-            <a:schemeClr val="dk1"/>
-          </a:effectRef>
-          <a:fontRef idx="minor">
-            <a:schemeClr val="lt1"/>
-          </a:fontRef>
-        </p:style>
-        <p:txBody>
-          <a:bodyPr rtlCol="0" anchor="ctr"/>
-          <a:lstStyle/>
-          <a:p>
-            <a:pPr algn="ctr"/>
-            <a:endParaRPr lang="en-US"/>
-          </a:p>
-        </p:txBody>
-      </p:sp>
-      <p:sp>
-        <p:nvSpPr>
-          <p:cNvPr id="20" name="Arrow: Right 19">
-            <a:extLst>
-              <a:ext uri="{FF2B5EF4-FFF2-40B4-BE49-F238E27FC236}">
-                <a16:creationId xmlns:a16="http://schemas.microsoft.com/office/drawing/2014/main" id="{8BA0E7CA-81EF-4647-8038-D30905E3C7C9}"/>
-              </a:ext>
-            </a:extLst>
-          </p:cNvPr>
-          <p:cNvSpPr/>
-          <p:nvPr/>
-        </p:nvSpPr>
-        <p:spPr>
-          <a:xfrm>
-            <a:off x="2660863" y="4375030"/>
-            <a:ext cx="497541" cy="318768"/>
-          </a:xfrm>
-          <a:prstGeom prst="rightArrow">
-            <a:avLst/>
-          </a:prstGeom>
-        </p:spPr>
-        <p:style>
-          <a:lnRef idx="2">
-            <a:schemeClr val="dk1">
-              <a:shade val="50000"/>
-            </a:schemeClr>
-          </a:lnRef>
-          <a:fillRef idx="1">
-            <a:schemeClr val="dk1"/>
-          </a:fillRef>
-          <a:effectRef idx="0">
-            <a:schemeClr val="dk1"/>
-          </a:effectRef>
-          <a:fontRef idx="minor">
-            <a:schemeClr val="lt1"/>
-          </a:fontRef>
-        </p:style>
-        <p:txBody>
-          <a:bodyPr rtlCol="0" anchor="ctr"/>
-          <a:lstStyle/>
-          <a:p>
-            <a:pPr algn="ctr"/>
-            <a:endParaRPr lang="en-US"/>
-          </a:p>
-        </p:txBody>
-      </p:sp>
-      <p:sp>
-        <p:nvSpPr>
-          <p:cNvPr id="21" name="Arrow: Right 20">
-            <a:extLst>
-              <a:ext uri="{FF2B5EF4-FFF2-40B4-BE49-F238E27FC236}">
-                <a16:creationId xmlns:a16="http://schemas.microsoft.com/office/drawing/2014/main" id="{56068537-B0AA-411A-BA6C-AF1101648815}"/>
-              </a:ext>
-            </a:extLst>
-          </p:cNvPr>
-          <p:cNvSpPr/>
-          <p:nvPr/>
-        </p:nvSpPr>
-        <p:spPr>
-          <a:xfrm rot="20363812">
-            <a:off x="2589987" y="5114621"/>
-            <a:ext cx="574536" cy="318768"/>
-          </a:xfrm>
-          <a:prstGeom prst="rightArrow">
-            <a:avLst/>
-          </a:prstGeom>
-        </p:spPr>
-        <p:style>
-          <a:lnRef idx="2">
-            <a:schemeClr val="dk1">
-              <a:shade val="50000"/>
-            </a:schemeClr>
-          </a:lnRef>
-          <a:fillRef idx="1">
-            <a:schemeClr val="dk1"/>
-          </a:fillRef>
-          <a:effectRef idx="0">
-            <a:schemeClr val="dk1"/>
-          </a:effectRef>
-          <a:fontRef idx="minor">
-            <a:schemeClr val="lt1"/>
-          </a:fontRef>
-        </p:style>
-        <p:txBody>
-          <a:bodyPr rtlCol="0" anchor="ctr"/>
-          <a:lstStyle/>
-          <a:p>
-            <a:pPr algn="ctr"/>
-            <a:endParaRPr lang="en-US"/>
-          </a:p>
-        </p:txBody>
-      </p:sp>
-      <p:sp>
-        <p:nvSpPr>
-          <p:cNvPr id="22" name="Arrow: Right 21">
-            <a:extLst>
-              <a:ext uri="{FF2B5EF4-FFF2-40B4-BE49-F238E27FC236}">
-                <a16:creationId xmlns:a16="http://schemas.microsoft.com/office/drawing/2014/main" id="{D65390E2-9ECB-47DE-9675-CB5E939AB195}"/>
-              </a:ext>
-            </a:extLst>
-          </p:cNvPr>
-          <p:cNvSpPr/>
-          <p:nvPr/>
-        </p:nvSpPr>
-        <p:spPr>
-          <a:xfrm>
-            <a:off x="2655762" y="5786866"/>
-            <a:ext cx="2965922" cy="318768"/>
-          </a:xfrm>
-          <a:prstGeom prst="rightArrow">
-            <a:avLst/>
-          </a:prstGeom>
-        </p:spPr>
-        <p:style>
-          <a:lnRef idx="2">
-            <a:schemeClr val="dk1">
-              <a:shade val="50000"/>
-            </a:schemeClr>
-          </a:lnRef>
-          <a:fillRef idx="1">
-            <a:schemeClr val="dk1"/>
-          </a:fillRef>
-          <a:effectRef idx="0">
-            <a:schemeClr val="dk1"/>
-          </a:effectRef>
-          <a:fontRef idx="minor">
-            <a:schemeClr val="lt1"/>
-          </a:fontRef>
-        </p:style>
-        <p:txBody>
-          <a:bodyPr rtlCol="0" anchor="ctr"/>
-          <a:lstStyle/>
-          <a:p>
-            <a:pPr algn="ctr"/>
-            <a:endParaRPr lang="en-US"/>
-          </a:p>
-        </p:txBody>
-      </p:sp>
-      <p:sp>
-        <p:nvSpPr>
-          <p:cNvPr id="23" name="Arrow: Right 22">
-            <a:extLst>
-              <a:ext uri="{FF2B5EF4-FFF2-40B4-BE49-F238E27FC236}">
-                <a16:creationId xmlns:a16="http://schemas.microsoft.com/office/drawing/2014/main" id="{C46C3C4B-3AA7-4E8E-8FCB-77B719504DD8}"/>
-              </a:ext>
-            </a:extLst>
-          </p:cNvPr>
-          <p:cNvSpPr/>
-          <p:nvPr/>
-        </p:nvSpPr>
-        <p:spPr>
-          <a:xfrm>
-            <a:off x="5214009" y="4695767"/>
-            <a:ext cx="497541" cy="318768"/>
-          </a:xfrm>
-          <a:prstGeom prst="rightArrow">
-            <a:avLst/>
-          </a:prstGeom>
-        </p:spPr>
-        <p:style>
-          <a:lnRef idx="2">
-            <a:schemeClr val="dk1">
-              <a:shade val="50000"/>
-            </a:schemeClr>
-          </a:lnRef>
-          <a:fillRef idx="1">
-            <a:schemeClr val="dk1"/>
-          </a:fillRef>
-          <a:effectRef idx="0">
-            <a:schemeClr val="dk1"/>
-          </a:effectRef>
-          <a:fontRef idx="minor">
-            <a:schemeClr val="lt1"/>
-          </a:fontRef>
-        </p:style>
-        <p:txBody>
-          <a:bodyPr rtlCol="0" anchor="ctr"/>
-          <a:lstStyle/>
-          <a:p>
-            <a:pPr algn="ctr"/>
-            <a:endParaRPr lang="en-US"/>
-          </a:p>
-        </p:txBody>
-      </p:sp>
-      <p:sp>
-        <p:nvSpPr>
-          <p:cNvPr id="19" name="Rectangle 18">
-            <a:extLst>
-              <a:ext uri="{FF2B5EF4-FFF2-40B4-BE49-F238E27FC236}">
-                <a16:creationId xmlns:a16="http://schemas.microsoft.com/office/drawing/2014/main" id="{0F2662DF-6B81-4BCB-BE84-0E68709D2B8F}"/>
-              </a:ext>
-            </a:extLst>
-          </p:cNvPr>
-          <p:cNvSpPr/>
-          <p:nvPr/>
-        </p:nvSpPr>
-        <p:spPr>
-          <a:xfrm>
-            <a:off x="260181" y="6334719"/>
-            <a:ext cx="4017387" cy="369332"/>
-          </a:xfrm>
-          <a:prstGeom prst="rect">
-            <a:avLst/>
-          </a:prstGeom>
-        </p:spPr>
-        <p:txBody>
-          <a:bodyPr wrap="square">
-            <a:spAutoFit/>
-          </a:bodyPr>
-          <a:lstStyle/>
-          <a:p>
-            <a:r>
-              <a:rPr lang="en-US" dirty="0"/>
-              <a:t>Based on </a:t>
-            </a:r>
-            <a:r>
-              <a:rPr lang="en-US" i="1" dirty="0"/>
-              <a:t>Sports Analytics</a:t>
-            </a:r>
-            <a:r>
-              <a:rPr lang="en-US" dirty="0"/>
-              <a:t> by Ben </a:t>
-            </a:r>
-            <a:r>
-              <a:rPr lang="en-US" dirty="0" err="1"/>
-              <a:t>Alamar</a:t>
-            </a:r>
-            <a:endParaRPr lang="en-US" dirty="0"/>
-          </a:p>
-        </p:txBody>
-      </p:sp>
     </p:spTree>
     <p:extLst>
       <p:ext uri="{BB962C8B-B14F-4D97-AF65-F5344CB8AC3E}">
-        <p14:creationId xmlns:p14="http://schemas.microsoft.com/office/powerpoint/2010/main" val="4266006054"/>
+        <p14:creationId xmlns:p14="http://schemas.microsoft.com/office/powerpoint/2010/main" val="289489808"/>
       </p:ext>
     </p:extLst>
   </p:cSld>
@@ -10640,33 +10202,17 @@
               <a:rPr lang="en-US" sz="2400" dirty="0">
                 <a:latin typeface="Selawik Semibold" panose="020B0702040204020203" pitchFamily="34" charset="0"/>
               </a:rPr>
-              <a:t>Purpose: To Aid an Organization’s </a:t>
-            </a:r>
-            <a:r>
-              <a:rPr lang="en-US" sz="2400" u="sng" dirty="0">
+              <a:t>Defined by Ben </a:t>
+            </a:r>
+            <a:r>
+              <a:rPr lang="en-US" sz="2400" dirty="0" err="1">
                 <a:latin typeface="Selawik Semibold" panose="020B0702040204020203" pitchFamily="34" charset="0"/>
               </a:rPr>
-              <a:t>Decision Makers</a:t>
-            </a:r>
-            <a:r>
-              <a:rPr lang="en-US" sz="2400" dirty="0">
-                <a:latin typeface="Selawik Semibold" panose="020B0702040204020203" pitchFamily="34" charset="0"/>
-              </a:rPr>
-              <a:t> in Gaining a Competitive Advantage</a:t>
-            </a:r>
-          </a:p>
-          <a:p>
-            <a:endParaRPr lang="en-US" sz="2400" dirty="0">
+              <a:t>Alamar</a:t>
+            </a:r>
+            <a:endParaRPr lang="en-US" sz="2000" dirty="0">
               <a:latin typeface="Selawik Semibold" panose="020B0702040204020203" pitchFamily="34" charset="0"/>
             </a:endParaRPr>
-          </a:p>
-          <a:p>
-            <a:r>
-              <a:rPr lang="en-US" sz="2400" dirty="0">
-                <a:latin typeface="Selawik Semibold" panose="020B0702040204020203" pitchFamily="34" charset="0"/>
-              </a:rPr>
-              <a:t>Goals</a:t>
-            </a:r>
           </a:p>
           <a:p>
             <a:pPr lvl="1"/>
@@ -10674,18 +10220,25 @@
               <a:rPr lang="en-US" sz="2000" dirty="0">
                 <a:latin typeface="Selawik Semibold" panose="020B0702040204020203" pitchFamily="34" charset="0"/>
               </a:rPr>
-              <a:t>Save the Decision Maker Time by Making Information Acquisition Efficient </a:t>
-            </a:r>
-          </a:p>
-          <a:p>
-            <a:pPr marL="457200" lvl="1" indent="0">
-              <a:buNone/>
-            </a:pPr>
+              <a:t>Data Management</a:t>
+            </a:r>
+          </a:p>
+          <a:p>
+            <a:pPr lvl="1"/>
             <a:r>
               <a:rPr lang="en-US" sz="2000" dirty="0">
                 <a:latin typeface="Selawik Semibold" panose="020B0702040204020203" pitchFamily="34" charset="0"/>
               </a:rPr>
-              <a:t>   (Data Management/Information Systems)</a:t>
+              <a:t>Predictive Models</a:t>
+            </a:r>
+          </a:p>
+          <a:p>
+            <a:pPr lvl="1"/>
+            <a:r>
+              <a:rPr lang="en-US" sz="2000" dirty="0">
+                <a:latin typeface="Selawik Semibold" panose="020B0702040204020203" pitchFamily="34" charset="0"/>
+              </a:rPr>
+              <a:t>Information Systems</a:t>
             </a:r>
           </a:p>
           <a:p>
@@ -10696,55 +10249,7 @@
           </a:p>
           <a:p>
             <a:pPr lvl="1"/>
-            <a:r>
-              <a:rPr lang="en-US" sz="2000" dirty="0">
-                <a:latin typeface="Selawik Semibold" panose="020B0702040204020203" pitchFamily="34" charset="0"/>
-              </a:rPr>
-              <a:t>Provide Decision Makers with Novel Insight</a:t>
-            </a:r>
-          </a:p>
-          <a:p>
-            <a:pPr marL="457200" lvl="1" indent="0">
-              <a:buNone/>
-            </a:pPr>
-            <a:r>
-              <a:rPr lang="en-US" sz="2000" dirty="0">
-                <a:latin typeface="Selawik Semibold" panose="020B0702040204020203" pitchFamily="34" charset="0"/>
-              </a:rPr>
-              <a:t>   (Analytic Models)</a:t>
-            </a:r>
-          </a:p>
-          <a:p>
-            <a:pPr marL="457200" lvl="1" indent="0">
-              <a:buNone/>
-            </a:pPr>
             <a:endParaRPr lang="en-US" sz="2000" dirty="0">
-              <a:latin typeface="Selawik Semibold" panose="020B0702040204020203" pitchFamily="34" charset="0"/>
-            </a:endParaRPr>
-          </a:p>
-          <a:p>
-            <a:r>
-              <a:rPr lang="en-US" sz="2400" dirty="0">
-                <a:latin typeface="Selawik Semibold" panose="020B0702040204020203" pitchFamily="34" charset="0"/>
-              </a:rPr>
-              <a:t>We are an Accessory to the Decision Maker</a:t>
-            </a:r>
-          </a:p>
-          <a:p>
-            <a:pPr lvl="1"/>
-            <a:endParaRPr lang="en-US" sz="2000" dirty="0">
-              <a:latin typeface="Selawik Semibold" panose="020B0702040204020203" pitchFamily="34" charset="0"/>
-            </a:endParaRPr>
-          </a:p>
-          <a:p>
-            <a:pPr lvl="1"/>
-            <a:endParaRPr lang="en-US" sz="2000" dirty="0">
-              <a:latin typeface="Selawik Semibold" panose="020B0702040204020203" pitchFamily="34" charset="0"/>
-            </a:endParaRPr>
-          </a:p>
-          <a:p>
-            <a:pPr lvl="1"/>
-            <a:endParaRPr lang="en-US" sz="1600" dirty="0">
               <a:latin typeface="Selawik Semibold" panose="020B0702040204020203" pitchFamily="34" charset="0"/>
             </a:endParaRPr>
           </a:p>
@@ -11108,10 +10613,545 @@
           </a:p>
         </p:txBody>
       </p:sp>
+      <p:sp>
+        <p:nvSpPr>
+          <p:cNvPr id="7" name="TextBox 6">
+            <a:extLst>
+              <a:ext uri="{FF2B5EF4-FFF2-40B4-BE49-F238E27FC236}">
+                <a16:creationId xmlns:a16="http://schemas.microsoft.com/office/drawing/2014/main" id="{122E552F-CD5E-4928-A884-3509AF0AAD36}"/>
+              </a:ext>
+            </a:extLst>
+          </p:cNvPr>
+          <p:cNvSpPr txBox="1"/>
+          <p:nvPr/>
+        </p:nvSpPr>
+        <p:spPr>
+          <a:xfrm>
+            <a:off x="365718" y="3783182"/>
+            <a:ext cx="2205318" cy="954107"/>
+          </a:xfrm>
+          <a:prstGeom prst="rect">
+            <a:avLst/>
+          </a:prstGeom>
+        </p:spPr>
+        <p:style>
+          <a:lnRef idx="1">
+            <a:schemeClr val="dk1"/>
+          </a:lnRef>
+          <a:fillRef idx="3">
+            <a:schemeClr val="dk1"/>
+          </a:fillRef>
+          <a:effectRef idx="2">
+            <a:schemeClr val="dk1"/>
+          </a:effectRef>
+          <a:fontRef idx="minor">
+            <a:schemeClr val="lt1"/>
+          </a:fontRef>
+        </p:style>
+        <p:txBody>
+          <a:bodyPr wrap="square" rtlCol="0">
+            <a:spAutoFit/>
+          </a:bodyPr>
+          <a:lstStyle/>
+          <a:p>
+            <a:r>
+              <a:rPr lang="en-US" sz="2800" dirty="0"/>
+              <a:t>Data </a:t>
+            </a:r>
+          </a:p>
+          <a:p>
+            <a:r>
+              <a:rPr lang="en-US" sz="2800" dirty="0"/>
+              <a:t>Management</a:t>
+            </a:r>
+          </a:p>
+        </p:txBody>
+      </p:sp>
+      <p:sp>
+        <p:nvSpPr>
+          <p:cNvPr id="12" name="TextBox 11">
+            <a:extLst>
+              <a:ext uri="{FF2B5EF4-FFF2-40B4-BE49-F238E27FC236}">
+                <a16:creationId xmlns:a16="http://schemas.microsoft.com/office/drawing/2014/main" id="{26DA0C6F-C9E0-47D4-9FC9-FCD1D65D2721}"/>
+              </a:ext>
+            </a:extLst>
+          </p:cNvPr>
+          <p:cNvSpPr txBox="1"/>
+          <p:nvPr/>
+        </p:nvSpPr>
+        <p:spPr>
+          <a:xfrm>
+            <a:off x="353916" y="5407416"/>
+            <a:ext cx="2205318" cy="954107"/>
+          </a:xfrm>
+          <a:prstGeom prst="rect">
+            <a:avLst/>
+          </a:prstGeom>
+        </p:spPr>
+        <p:style>
+          <a:lnRef idx="1">
+            <a:schemeClr val="dk1"/>
+          </a:lnRef>
+          <a:fillRef idx="3">
+            <a:schemeClr val="dk1"/>
+          </a:fillRef>
+          <a:effectRef idx="2">
+            <a:schemeClr val="dk1"/>
+          </a:effectRef>
+          <a:fontRef idx="minor">
+            <a:schemeClr val="lt1"/>
+          </a:fontRef>
+        </p:style>
+        <p:txBody>
+          <a:bodyPr wrap="square" rtlCol="0">
+            <a:spAutoFit/>
+          </a:bodyPr>
+          <a:lstStyle/>
+          <a:p>
+            <a:r>
+              <a:rPr lang="en-US" sz="2800" dirty="0"/>
+              <a:t>Analytic Models</a:t>
+            </a:r>
+          </a:p>
+        </p:txBody>
+      </p:sp>
+      <p:sp>
+        <p:nvSpPr>
+          <p:cNvPr id="13" name="TextBox 12">
+            <a:extLst>
+              <a:ext uri="{FF2B5EF4-FFF2-40B4-BE49-F238E27FC236}">
+                <a16:creationId xmlns:a16="http://schemas.microsoft.com/office/drawing/2014/main" id="{992BD579-13F5-48CC-B1C8-16F0934F3B44}"/>
+              </a:ext>
+            </a:extLst>
+          </p:cNvPr>
+          <p:cNvSpPr txBox="1"/>
+          <p:nvPr/>
+        </p:nvSpPr>
+        <p:spPr>
+          <a:xfrm>
+            <a:off x="3225728" y="4163036"/>
+            <a:ext cx="1907548" cy="954107"/>
+          </a:xfrm>
+          <a:prstGeom prst="rect">
+            <a:avLst/>
+          </a:prstGeom>
+        </p:spPr>
+        <p:style>
+          <a:lnRef idx="1">
+            <a:schemeClr val="dk1"/>
+          </a:lnRef>
+          <a:fillRef idx="3">
+            <a:schemeClr val="dk1"/>
+          </a:fillRef>
+          <a:effectRef idx="2">
+            <a:schemeClr val="dk1"/>
+          </a:effectRef>
+          <a:fontRef idx="minor">
+            <a:schemeClr val="lt1"/>
+          </a:fontRef>
+        </p:style>
+        <p:txBody>
+          <a:bodyPr wrap="square" rtlCol="0">
+            <a:spAutoFit/>
+          </a:bodyPr>
+          <a:lstStyle/>
+          <a:p>
+            <a:r>
+              <a:rPr lang="en-US" sz="2800" dirty="0"/>
+              <a:t>Information</a:t>
+            </a:r>
+          </a:p>
+          <a:p>
+            <a:r>
+              <a:rPr lang="en-US" sz="2800" dirty="0"/>
+              <a:t>Systems</a:t>
+            </a:r>
+          </a:p>
+        </p:txBody>
+      </p:sp>
+      <p:pic>
+        <p:nvPicPr>
+          <p:cNvPr id="10" name="Picture 9" descr="Decision Maker">
+            <a:extLst>
+              <a:ext uri="{FF2B5EF4-FFF2-40B4-BE49-F238E27FC236}">
+                <a16:creationId xmlns:a16="http://schemas.microsoft.com/office/drawing/2014/main" id="{2911B196-1EA3-4ECD-850B-F7838FAD07BC}"/>
+              </a:ext>
+            </a:extLst>
+          </p:cNvPr>
+          <p:cNvPicPr>
+            <a:picLocks noChangeAspect="1"/>
+          </p:cNvPicPr>
+          <p:nvPr/>
+        </p:nvPicPr>
+        <p:blipFill>
+          <a:blip r:embed="rId5">
+            <a:extLst>
+              <a:ext uri="{28A0092B-C50C-407E-A947-70E740481C1C}">
+                <a14:useLocalDpi xmlns:a14="http://schemas.microsoft.com/office/drawing/2010/main" val="0"/>
+              </a:ext>
+            </a:extLst>
+          </a:blip>
+          <a:stretch>
+            <a:fillRect/>
+          </a:stretch>
+        </p:blipFill>
+        <p:spPr>
+          <a:xfrm>
+            <a:off x="5787968" y="4375030"/>
+            <a:ext cx="2538848" cy="1516803"/>
+          </a:xfrm>
+          <a:prstGeom prst="rect">
+            <a:avLst/>
+          </a:prstGeom>
+          <a:solidFill>
+            <a:srgbClr val="000000">
+              <a:shade val="95000"/>
+            </a:srgbClr>
+          </a:solidFill>
+          <a:ln w="28575" cap="sq">
+            <a:solidFill>
+              <a:srgbClr val="000000"/>
+            </a:solidFill>
+            <a:miter lim="800000"/>
+          </a:ln>
+          <a:effectLst>
+            <a:outerShdw blurRad="254000" dist="190500" dir="2700000" sy="90000" algn="bl" rotWithShape="0">
+              <a:srgbClr val="000000">
+                <a:alpha val="40000"/>
+              </a:srgbClr>
+            </a:outerShdw>
+          </a:effectLst>
+        </p:spPr>
+      </p:pic>
+      <p:sp>
+        <p:nvSpPr>
+          <p:cNvPr id="17" name="TextBox 16">
+            <a:extLst>
+              <a:ext uri="{FF2B5EF4-FFF2-40B4-BE49-F238E27FC236}">
+                <a16:creationId xmlns:a16="http://schemas.microsoft.com/office/drawing/2014/main" id="{50914ED0-975E-41B2-86EC-5995292303DF}"/>
+              </a:ext>
+            </a:extLst>
+          </p:cNvPr>
+          <p:cNvSpPr txBox="1"/>
+          <p:nvPr/>
+        </p:nvSpPr>
+        <p:spPr>
+          <a:xfrm>
+            <a:off x="5848506" y="5977904"/>
+            <a:ext cx="2421642" cy="523220"/>
+          </a:xfrm>
+          <a:prstGeom prst="rect">
+            <a:avLst/>
+          </a:prstGeom>
+        </p:spPr>
+        <p:style>
+          <a:lnRef idx="1">
+            <a:schemeClr val="dk1"/>
+          </a:lnRef>
+          <a:fillRef idx="3">
+            <a:schemeClr val="dk1"/>
+          </a:fillRef>
+          <a:effectRef idx="2">
+            <a:schemeClr val="dk1"/>
+          </a:effectRef>
+          <a:fontRef idx="minor">
+            <a:schemeClr val="lt1"/>
+          </a:fontRef>
+        </p:style>
+        <p:txBody>
+          <a:bodyPr wrap="square" rtlCol="0">
+            <a:spAutoFit/>
+          </a:bodyPr>
+          <a:lstStyle/>
+          <a:p>
+            <a:r>
+              <a:rPr lang="en-US" sz="2800" dirty="0"/>
+              <a:t>Decision Maker</a:t>
+            </a:r>
+          </a:p>
+        </p:txBody>
+      </p:sp>
+      <p:sp>
+        <p:nvSpPr>
+          <p:cNvPr id="18" name="Arrow: Right 17">
+            <a:extLst>
+              <a:ext uri="{FF2B5EF4-FFF2-40B4-BE49-F238E27FC236}">
+                <a16:creationId xmlns:a16="http://schemas.microsoft.com/office/drawing/2014/main" id="{034BACA9-7E25-4051-A7E8-D2B4C2C0145B}"/>
+              </a:ext>
+            </a:extLst>
+          </p:cNvPr>
+          <p:cNvSpPr/>
+          <p:nvPr/>
+        </p:nvSpPr>
+        <p:spPr>
+          <a:xfrm rot="5400000">
+            <a:off x="1139801" y="4911200"/>
+            <a:ext cx="497541" cy="318768"/>
+          </a:xfrm>
+          <a:prstGeom prst="rightArrow">
+            <a:avLst/>
+          </a:prstGeom>
+        </p:spPr>
+        <p:style>
+          <a:lnRef idx="2">
+            <a:schemeClr val="dk1">
+              <a:shade val="50000"/>
+            </a:schemeClr>
+          </a:lnRef>
+          <a:fillRef idx="1">
+            <a:schemeClr val="dk1"/>
+          </a:fillRef>
+          <a:effectRef idx="0">
+            <a:schemeClr val="dk1"/>
+          </a:effectRef>
+          <a:fontRef idx="minor">
+            <a:schemeClr val="lt1"/>
+          </a:fontRef>
+        </p:style>
+        <p:txBody>
+          <a:bodyPr rtlCol="0" anchor="ctr"/>
+          <a:lstStyle/>
+          <a:p>
+            <a:pPr algn="ctr"/>
+            <a:endParaRPr lang="en-US"/>
+          </a:p>
+        </p:txBody>
+      </p:sp>
+      <p:sp>
+        <p:nvSpPr>
+          <p:cNvPr id="20" name="Arrow: Right 19">
+            <a:extLst>
+              <a:ext uri="{FF2B5EF4-FFF2-40B4-BE49-F238E27FC236}">
+                <a16:creationId xmlns:a16="http://schemas.microsoft.com/office/drawing/2014/main" id="{8BA0E7CA-81EF-4647-8038-D30905E3C7C9}"/>
+              </a:ext>
+            </a:extLst>
+          </p:cNvPr>
+          <p:cNvSpPr/>
+          <p:nvPr/>
+        </p:nvSpPr>
+        <p:spPr>
+          <a:xfrm>
+            <a:off x="2660863" y="4375030"/>
+            <a:ext cx="497541" cy="318768"/>
+          </a:xfrm>
+          <a:prstGeom prst="rightArrow">
+            <a:avLst/>
+          </a:prstGeom>
+        </p:spPr>
+        <p:style>
+          <a:lnRef idx="2">
+            <a:schemeClr val="dk1">
+              <a:shade val="50000"/>
+            </a:schemeClr>
+          </a:lnRef>
+          <a:fillRef idx="1">
+            <a:schemeClr val="dk1"/>
+          </a:fillRef>
+          <a:effectRef idx="0">
+            <a:schemeClr val="dk1"/>
+          </a:effectRef>
+          <a:fontRef idx="minor">
+            <a:schemeClr val="lt1"/>
+          </a:fontRef>
+        </p:style>
+        <p:txBody>
+          <a:bodyPr rtlCol="0" anchor="ctr"/>
+          <a:lstStyle/>
+          <a:p>
+            <a:pPr algn="ctr"/>
+            <a:endParaRPr lang="en-US"/>
+          </a:p>
+        </p:txBody>
+      </p:sp>
+      <p:sp>
+        <p:nvSpPr>
+          <p:cNvPr id="21" name="Arrow: Right 20">
+            <a:extLst>
+              <a:ext uri="{FF2B5EF4-FFF2-40B4-BE49-F238E27FC236}">
+                <a16:creationId xmlns:a16="http://schemas.microsoft.com/office/drawing/2014/main" id="{56068537-B0AA-411A-BA6C-AF1101648815}"/>
+              </a:ext>
+            </a:extLst>
+          </p:cNvPr>
+          <p:cNvSpPr/>
+          <p:nvPr/>
+        </p:nvSpPr>
+        <p:spPr>
+          <a:xfrm rot="20363812">
+            <a:off x="2589987" y="5114621"/>
+            <a:ext cx="574536" cy="318768"/>
+          </a:xfrm>
+          <a:prstGeom prst="rightArrow">
+            <a:avLst/>
+          </a:prstGeom>
+        </p:spPr>
+        <p:style>
+          <a:lnRef idx="2">
+            <a:schemeClr val="dk1">
+              <a:shade val="50000"/>
+            </a:schemeClr>
+          </a:lnRef>
+          <a:fillRef idx="1">
+            <a:schemeClr val="dk1"/>
+          </a:fillRef>
+          <a:effectRef idx="0">
+            <a:schemeClr val="dk1"/>
+          </a:effectRef>
+          <a:fontRef idx="minor">
+            <a:schemeClr val="lt1"/>
+          </a:fontRef>
+        </p:style>
+        <p:txBody>
+          <a:bodyPr rtlCol="0" anchor="ctr"/>
+          <a:lstStyle/>
+          <a:p>
+            <a:pPr algn="ctr"/>
+            <a:endParaRPr lang="en-US"/>
+          </a:p>
+        </p:txBody>
+      </p:sp>
+      <p:sp>
+        <p:nvSpPr>
+          <p:cNvPr id="22" name="Arrow: Right 21">
+            <a:extLst>
+              <a:ext uri="{FF2B5EF4-FFF2-40B4-BE49-F238E27FC236}">
+                <a16:creationId xmlns:a16="http://schemas.microsoft.com/office/drawing/2014/main" id="{D65390E2-9ECB-47DE-9675-CB5E939AB195}"/>
+              </a:ext>
+            </a:extLst>
+          </p:cNvPr>
+          <p:cNvSpPr/>
+          <p:nvPr/>
+        </p:nvSpPr>
+        <p:spPr>
+          <a:xfrm>
+            <a:off x="2655762" y="5786866"/>
+            <a:ext cx="2965922" cy="318768"/>
+          </a:xfrm>
+          <a:prstGeom prst="rightArrow">
+            <a:avLst/>
+          </a:prstGeom>
+        </p:spPr>
+        <p:style>
+          <a:lnRef idx="2">
+            <a:schemeClr val="dk1">
+              <a:shade val="50000"/>
+            </a:schemeClr>
+          </a:lnRef>
+          <a:fillRef idx="1">
+            <a:schemeClr val="dk1"/>
+          </a:fillRef>
+          <a:effectRef idx="0">
+            <a:schemeClr val="dk1"/>
+          </a:effectRef>
+          <a:fontRef idx="minor">
+            <a:schemeClr val="lt1"/>
+          </a:fontRef>
+        </p:style>
+        <p:txBody>
+          <a:bodyPr rtlCol="0" anchor="ctr"/>
+          <a:lstStyle/>
+          <a:p>
+            <a:pPr algn="ctr"/>
+            <a:endParaRPr lang="en-US"/>
+          </a:p>
+        </p:txBody>
+      </p:sp>
+      <p:sp>
+        <p:nvSpPr>
+          <p:cNvPr id="23" name="Arrow: Right 22">
+            <a:extLst>
+              <a:ext uri="{FF2B5EF4-FFF2-40B4-BE49-F238E27FC236}">
+                <a16:creationId xmlns:a16="http://schemas.microsoft.com/office/drawing/2014/main" id="{C46C3C4B-3AA7-4E8E-8FCB-77B719504DD8}"/>
+              </a:ext>
+            </a:extLst>
+          </p:cNvPr>
+          <p:cNvSpPr/>
+          <p:nvPr/>
+        </p:nvSpPr>
+        <p:spPr>
+          <a:xfrm>
+            <a:off x="5214009" y="4695767"/>
+            <a:ext cx="497541" cy="318768"/>
+          </a:xfrm>
+          <a:prstGeom prst="rightArrow">
+            <a:avLst/>
+          </a:prstGeom>
+        </p:spPr>
+        <p:style>
+          <a:lnRef idx="2">
+            <a:schemeClr val="dk1">
+              <a:shade val="50000"/>
+            </a:schemeClr>
+          </a:lnRef>
+          <a:fillRef idx="1">
+            <a:schemeClr val="dk1"/>
+          </a:fillRef>
+          <a:effectRef idx="0">
+            <a:schemeClr val="dk1"/>
+          </a:effectRef>
+          <a:fontRef idx="minor">
+            <a:schemeClr val="lt1"/>
+          </a:fontRef>
+        </p:style>
+        <p:txBody>
+          <a:bodyPr rtlCol="0" anchor="ctr"/>
+          <a:lstStyle/>
+          <a:p>
+            <a:pPr algn="ctr"/>
+            <a:endParaRPr lang="en-US"/>
+          </a:p>
+        </p:txBody>
+      </p:sp>
+      <p:sp>
+        <p:nvSpPr>
+          <p:cNvPr id="19" name="Rectangle 18">
+            <a:extLst>
+              <a:ext uri="{FF2B5EF4-FFF2-40B4-BE49-F238E27FC236}">
+                <a16:creationId xmlns:a16="http://schemas.microsoft.com/office/drawing/2014/main" id="{0F2662DF-6B81-4BCB-BE84-0E68709D2B8F}"/>
+              </a:ext>
+            </a:extLst>
+          </p:cNvPr>
+          <p:cNvSpPr/>
+          <p:nvPr/>
+        </p:nvSpPr>
+        <p:spPr>
+          <a:xfrm>
+            <a:off x="260181" y="6334719"/>
+            <a:ext cx="4017387" cy="369332"/>
+          </a:xfrm>
+          <a:prstGeom prst="rect">
+            <a:avLst/>
+          </a:prstGeom>
+        </p:spPr>
+        <p:txBody>
+          <a:bodyPr wrap="square">
+            <a:spAutoFit/>
+          </a:bodyPr>
+          <a:lstStyle/>
+          <a:p>
+            <a:r>
+              <a:rPr lang="en-US" dirty="0"/>
+              <a:t>Based on </a:t>
+            </a:r>
+            <a:r>
+              <a:rPr lang="en-US" i="1" dirty="0"/>
+              <a:t>Sports Analytics</a:t>
+            </a:r>
+            <a:r>
+              <a:rPr lang="en-US" dirty="0"/>
+              <a:t> by Ben </a:t>
+            </a:r>
+            <a:r>
+              <a:rPr lang="en-US" dirty="0" err="1"/>
+              <a:t>Alamar</a:t>
+            </a:r>
+            <a:endParaRPr lang="en-US" dirty="0"/>
+          </a:p>
+        </p:txBody>
+      </p:sp>
     </p:spTree>
     <p:extLst>
       <p:ext uri="{BB962C8B-B14F-4D97-AF65-F5344CB8AC3E}">
-        <p14:creationId xmlns:p14="http://schemas.microsoft.com/office/powerpoint/2010/main" val="77696106"/>
+        <p14:creationId xmlns:p14="http://schemas.microsoft.com/office/powerpoint/2010/main" val="4266006054"/>
       </p:ext>
     </p:extLst>
   </p:cSld>
@@ -11278,8 +11318,56 @@
               <a:rPr lang="en-US" sz="2400" dirty="0">
                 <a:latin typeface="Selawik Semibold" panose="020B0702040204020203" pitchFamily="34" charset="0"/>
               </a:rPr>
-              <a:t>Different Decision Makers</a:t>
-            </a:r>
+              <a:t>Purpose: To Aid an Organization’s </a:t>
+            </a:r>
+            <a:r>
+              <a:rPr lang="en-US" sz="2400" u="sng" dirty="0">
+                <a:latin typeface="Selawik Semibold" panose="020B0702040204020203" pitchFamily="34" charset="0"/>
+              </a:rPr>
+              <a:t>Decision Makers</a:t>
+            </a:r>
+            <a:r>
+              <a:rPr lang="en-US" sz="2400" dirty="0">
+                <a:latin typeface="Selawik Semibold" panose="020B0702040204020203" pitchFamily="34" charset="0"/>
+              </a:rPr>
+              <a:t> in Gaining a Competitive Advantage</a:t>
+            </a:r>
+          </a:p>
+          <a:p>
+            <a:endParaRPr lang="en-US" sz="2400" dirty="0">
+              <a:latin typeface="Selawik Semibold" panose="020B0702040204020203" pitchFamily="34" charset="0"/>
+            </a:endParaRPr>
+          </a:p>
+          <a:p>
+            <a:r>
+              <a:rPr lang="en-US" sz="2400" dirty="0">
+                <a:latin typeface="Selawik Semibold" panose="020B0702040204020203" pitchFamily="34" charset="0"/>
+              </a:rPr>
+              <a:t>Goals</a:t>
+            </a:r>
+          </a:p>
+          <a:p>
+            <a:pPr lvl="1"/>
+            <a:r>
+              <a:rPr lang="en-US" sz="2000" dirty="0">
+                <a:latin typeface="Selawik Semibold" panose="020B0702040204020203" pitchFamily="34" charset="0"/>
+              </a:rPr>
+              <a:t>Save the Decision Maker Time by Making Information Acquisition Efficient </a:t>
+            </a:r>
+          </a:p>
+          <a:p>
+            <a:pPr marL="457200" lvl="1" indent="0">
+              <a:buNone/>
+            </a:pPr>
+            <a:r>
+              <a:rPr lang="en-US" sz="2000" dirty="0">
+                <a:latin typeface="Selawik Semibold" panose="020B0702040204020203" pitchFamily="34" charset="0"/>
+              </a:rPr>
+              <a:t>   (Data Management/Information Systems)</a:t>
+            </a:r>
+          </a:p>
+          <a:p>
+            <a:pPr lvl="1"/>
             <a:endParaRPr lang="en-US" sz="2000" dirty="0">
               <a:latin typeface="Selawik Semibold" panose="020B0702040204020203" pitchFamily="34" charset="0"/>
             </a:endParaRPr>
@@ -11290,20 +11378,25 @@
               <a:rPr lang="en-US" sz="2000" dirty="0">
                 <a:latin typeface="Selawik Semibold" panose="020B0702040204020203" pitchFamily="34" charset="0"/>
               </a:rPr>
-              <a:t>Off-the-Field: Profit Driven</a:t>
-            </a:r>
-          </a:p>
-          <a:p>
-            <a:pPr lvl="1"/>
+              <a:t>Provide Decision Makers with Novel Insight</a:t>
+            </a:r>
+          </a:p>
+          <a:p>
+            <a:pPr marL="457200" lvl="1" indent="0">
+              <a:buNone/>
+            </a:pPr>
             <a:r>
               <a:rPr lang="en-US" sz="2000" dirty="0">
                 <a:latin typeface="Selawik Semibold" panose="020B0702040204020203" pitchFamily="34" charset="0"/>
               </a:rPr>
-              <a:t>On-the-Field: Performance Driven</a:t>
-            </a:r>
-          </a:p>
-          <a:p>
-            <a:endParaRPr lang="en-US" sz="2400" dirty="0">
+              <a:t>   (Analytic Models)</a:t>
+            </a:r>
+          </a:p>
+          <a:p>
+            <a:pPr marL="457200" lvl="1" indent="0">
+              <a:buNone/>
+            </a:pPr>
+            <a:endParaRPr lang="en-US" sz="2000" dirty="0">
               <a:latin typeface="Selawik Semibold" panose="020B0702040204020203" pitchFamily="34" charset="0"/>
             </a:endParaRPr>
           </a:p>
@@ -11312,61 +11405,7 @@
               <a:rPr lang="en-US" sz="2400" dirty="0">
                 <a:latin typeface="Selawik Semibold" panose="020B0702040204020203" pitchFamily="34" charset="0"/>
               </a:rPr>
-              <a:t>Skills for the Data Analyst</a:t>
-            </a:r>
-          </a:p>
-          <a:p>
-            <a:pPr lvl="1"/>
-            <a:r>
-              <a:rPr lang="en-US" sz="2000" dirty="0">
-                <a:latin typeface="Selawik Semibold" panose="020B0702040204020203" pitchFamily="34" charset="0"/>
-              </a:rPr>
-              <a:t>Competence – Ben </a:t>
-            </a:r>
-            <a:r>
-              <a:rPr lang="en-US" sz="2000" dirty="0" err="1">
-                <a:latin typeface="Selawik Semibold" panose="020B0702040204020203" pitchFamily="34" charset="0"/>
-              </a:rPr>
-              <a:t>Alamar</a:t>
-            </a:r>
-            <a:endParaRPr lang="en-US" sz="2000" dirty="0">
-              <a:latin typeface="Selawik Semibold" panose="020B0702040204020203" pitchFamily="34" charset="0"/>
-            </a:endParaRPr>
-          </a:p>
-          <a:p>
-            <a:pPr lvl="1"/>
-            <a:r>
-              <a:rPr lang="en-US" sz="2000" dirty="0">
-                <a:latin typeface="Selawik Semibold" panose="020B0702040204020203" pitchFamily="34" charset="0"/>
-              </a:rPr>
-              <a:t>Leadership – Ben </a:t>
-            </a:r>
-            <a:r>
-              <a:rPr lang="en-US" sz="2000" dirty="0" err="1">
-                <a:latin typeface="Selawik Semibold" panose="020B0702040204020203" pitchFamily="34" charset="0"/>
-              </a:rPr>
-              <a:t>Alamar</a:t>
-            </a:r>
-            <a:endParaRPr lang="en-US" sz="2000" dirty="0">
-              <a:latin typeface="Selawik Semibold" panose="020B0702040204020203" pitchFamily="34" charset="0"/>
-            </a:endParaRPr>
-          </a:p>
-          <a:p>
-            <a:pPr lvl="1"/>
-            <a:r>
-              <a:rPr lang="en-US" sz="2000" dirty="0">
-                <a:latin typeface="Selawik Semibold" panose="020B0702040204020203" pitchFamily="34" charset="0"/>
-              </a:rPr>
-              <a:t>Humility – Dr. Mario</a:t>
-            </a:r>
-          </a:p>
-          <a:p>
-            <a:pPr lvl="1"/>
-            <a:r>
-              <a:rPr lang="en-US" sz="2000" dirty="0">
-                <a:latin typeface="Selawik Semibold" panose="020B0702040204020203" pitchFamily="34" charset="0"/>
-              </a:rPr>
-              <a:t>Honesty – Dr. Mario</a:t>
+              <a:t>We are an Accessory to the Decision Maker</a:t>
             </a:r>
           </a:p>
           <a:p>
@@ -11750,7 +11789,7 @@
     </p:spTree>
     <p:extLst>
       <p:ext uri="{BB962C8B-B14F-4D97-AF65-F5344CB8AC3E}">
-        <p14:creationId xmlns:p14="http://schemas.microsoft.com/office/powerpoint/2010/main" val="459245495"/>
+        <p14:creationId xmlns:p14="http://schemas.microsoft.com/office/powerpoint/2010/main" val="77696106"/>
       </p:ext>
     </p:extLst>
   </p:cSld>
@@ -12303,6 +12342,645 @@
 </file>
 
 <file path=ppt/slides/slide20.xml><?xml version="1.0" encoding="utf-8"?>
+<p:sld xmlns:a="http://schemas.openxmlformats.org/drawingml/2006/main" xmlns:r="http://schemas.openxmlformats.org/officeDocument/2006/relationships" xmlns:p="http://schemas.openxmlformats.org/presentationml/2006/main">
+  <p:cSld>
+    <p:bg>
+      <p:bgPr>
+        <a:solidFill>
+          <a:srgbClr val="395583"/>
+        </a:solidFill>
+        <a:effectLst/>
+      </p:bgPr>
+    </p:bg>
+    <p:spTree>
+      <p:nvGrpSpPr>
+        <p:cNvPr id="1" name=""/>
+        <p:cNvGrpSpPr/>
+        <p:nvPr/>
+      </p:nvGrpSpPr>
+      <p:grpSpPr>
+        <a:xfrm>
+          <a:off x="0" y="0"/>
+          <a:ext cx="0" cy="0"/>
+          <a:chOff x="0" y="0"/>
+          <a:chExt cx="0" cy="0"/>
+        </a:xfrm>
+      </p:grpSpPr>
+      <p:sp>
+        <p:nvSpPr>
+          <p:cNvPr id="25" name="Rectangle 24">
+            <a:extLst>
+              <a:ext uri="{FF2B5EF4-FFF2-40B4-BE49-F238E27FC236}">
+                <a16:creationId xmlns:a16="http://schemas.microsoft.com/office/drawing/2014/main" id="{A6792F05-2FD4-4F18-815E-15391E8B4A0E}"/>
+              </a:ext>
+              <a:ext uri="{C183D7F6-B498-43B3-948B-1728B52AA6E4}">
+                <adec:decorative xmlns:adec="http://schemas.microsoft.com/office/drawing/2017/decorative" val="1"/>
+              </a:ext>
+            </a:extLst>
+          </p:cNvPr>
+          <p:cNvSpPr>
+            <a:spLocks noGrp="1" noRot="1" noChangeAspect="1" noMove="1" noResize="1" noEditPoints="1" noAdjustHandles="1" noChangeArrowheads="1" noChangeShapeType="1" noTextEdit="1"/>
+          </p:cNvSpPr>
+          <p:nvPr>
+            <p:extLst>
+              <p:ext uri="{386F3935-93C4-4BCD-93E2-E3B085C9AB24}">
+                <p16:designElem xmlns:p16="http://schemas.microsoft.com/office/powerpoint/2015/main" val="1"/>
+              </p:ext>
+            </p:extLst>
+          </p:nvPr>
+        </p:nvSpPr>
+        <p:spPr>
+          <a:xfrm>
+            <a:off x="0" y="0"/>
+            <a:ext cx="12191999" cy="6858000"/>
+          </a:xfrm>
+          <a:prstGeom prst="rect">
+            <a:avLst/>
+          </a:prstGeom>
+          <a:solidFill>
+            <a:srgbClr val="395583"/>
+          </a:solidFill>
+          <a:ln>
+            <a:noFill/>
+          </a:ln>
+        </p:spPr>
+        <p:style>
+          <a:lnRef idx="2">
+            <a:schemeClr val="accent1">
+              <a:shade val="50000"/>
+            </a:schemeClr>
+          </a:lnRef>
+          <a:fillRef idx="1">
+            <a:schemeClr val="accent1"/>
+          </a:fillRef>
+          <a:effectRef idx="0">
+            <a:schemeClr val="accent1"/>
+          </a:effectRef>
+          <a:fontRef idx="minor">
+            <a:schemeClr val="lt1"/>
+          </a:fontRef>
+        </p:style>
+        <p:txBody>
+          <a:bodyPr rtlCol="0" anchor="ctr"/>
+          <a:lstStyle/>
+          <a:p>
+            <a:pPr algn="ctr"/>
+            <a:endParaRPr lang="en-US"/>
+          </a:p>
+        </p:txBody>
+      </p:sp>
+      <p:sp>
+        <p:nvSpPr>
+          <p:cNvPr id="2" name="Title 1">
+            <a:extLst>
+              <a:ext uri="{FF2B5EF4-FFF2-40B4-BE49-F238E27FC236}">
+                <a16:creationId xmlns:a16="http://schemas.microsoft.com/office/drawing/2014/main" id="{2589AFCC-0FF0-498C-B11F-8990DF0DAAA5}"/>
+              </a:ext>
+            </a:extLst>
+          </p:cNvPr>
+          <p:cNvSpPr>
+            <a:spLocks noGrp="1"/>
+          </p:cNvSpPr>
+          <p:nvPr>
+            <p:ph type="title"/>
+          </p:nvPr>
+        </p:nvSpPr>
+        <p:spPr>
+          <a:xfrm>
+            <a:off x="838200" y="365125"/>
+            <a:ext cx="10515600" cy="1325563"/>
+          </a:xfrm>
+        </p:spPr>
+        <p:txBody>
+          <a:bodyPr>
+            <a:normAutofit/>
+          </a:bodyPr>
+          <a:lstStyle/>
+          <a:p>
+            <a:r>
+              <a:rPr lang="en-US" b="1" dirty="0">
+                <a:latin typeface="Selawik Semibold" panose="020B0604020202020204" pitchFamily="34" charset="0"/>
+              </a:rPr>
+              <a:t>What is Sports Analytics?</a:t>
+            </a:r>
+          </a:p>
+        </p:txBody>
+      </p:sp>
+      <p:sp>
+        <p:nvSpPr>
+          <p:cNvPr id="9" name="Content Placeholder 8">
+            <a:extLst>
+              <a:ext uri="{FF2B5EF4-FFF2-40B4-BE49-F238E27FC236}">
+                <a16:creationId xmlns:a16="http://schemas.microsoft.com/office/drawing/2014/main" id="{2D995594-59F2-4020-AB6F-751BAE84ADB3}"/>
+              </a:ext>
+            </a:extLst>
+          </p:cNvPr>
+          <p:cNvSpPr>
+            <a:spLocks noGrp="1"/>
+          </p:cNvSpPr>
+          <p:nvPr>
+            <p:ph idx="1"/>
+          </p:nvPr>
+        </p:nvSpPr>
+        <p:spPr>
+          <a:xfrm>
+            <a:off x="838199" y="2021249"/>
+            <a:ext cx="7324166" cy="4581257"/>
+          </a:xfrm>
+        </p:spPr>
+        <p:txBody>
+          <a:bodyPr>
+            <a:normAutofit/>
+          </a:bodyPr>
+          <a:lstStyle/>
+          <a:p>
+            <a:r>
+              <a:rPr lang="en-US" sz="2400" dirty="0">
+                <a:latin typeface="Selawik Semibold" panose="020B0702040204020203" pitchFamily="34" charset="0"/>
+              </a:rPr>
+              <a:t>Different Decision Makers</a:t>
+            </a:r>
+            <a:endParaRPr lang="en-US" sz="2000" dirty="0">
+              <a:latin typeface="Selawik Semibold" panose="020B0702040204020203" pitchFamily="34" charset="0"/>
+            </a:endParaRPr>
+          </a:p>
+          <a:p>
+            <a:pPr lvl="1"/>
+            <a:r>
+              <a:rPr lang="en-US" sz="2000" dirty="0">
+                <a:latin typeface="Selawik Semibold" panose="020B0702040204020203" pitchFamily="34" charset="0"/>
+              </a:rPr>
+              <a:t>Off-the-Field: Profit Driven</a:t>
+            </a:r>
+          </a:p>
+          <a:p>
+            <a:pPr lvl="1"/>
+            <a:r>
+              <a:rPr lang="en-US" sz="2000" dirty="0">
+                <a:latin typeface="Selawik Semibold" panose="020B0702040204020203" pitchFamily="34" charset="0"/>
+              </a:rPr>
+              <a:t>On-the-Field: Performance Driven</a:t>
+            </a:r>
+          </a:p>
+          <a:p>
+            <a:endParaRPr lang="en-US" sz="2400" dirty="0">
+              <a:latin typeface="Selawik Semibold" panose="020B0702040204020203" pitchFamily="34" charset="0"/>
+            </a:endParaRPr>
+          </a:p>
+          <a:p>
+            <a:r>
+              <a:rPr lang="en-US" sz="2400" dirty="0">
+                <a:latin typeface="Selawik Semibold" panose="020B0702040204020203" pitchFamily="34" charset="0"/>
+              </a:rPr>
+              <a:t>Skills for the Data Analyst</a:t>
+            </a:r>
+          </a:p>
+          <a:p>
+            <a:pPr lvl="1"/>
+            <a:r>
+              <a:rPr lang="en-US" sz="2000" dirty="0">
+                <a:latin typeface="Selawik Semibold" panose="020B0702040204020203" pitchFamily="34" charset="0"/>
+              </a:rPr>
+              <a:t>Competence – Ben </a:t>
+            </a:r>
+            <a:r>
+              <a:rPr lang="en-US" sz="2000" dirty="0" err="1">
+                <a:latin typeface="Selawik Semibold" panose="020B0702040204020203" pitchFamily="34" charset="0"/>
+              </a:rPr>
+              <a:t>Alamar</a:t>
+            </a:r>
+            <a:endParaRPr lang="en-US" sz="2000" dirty="0">
+              <a:latin typeface="Selawik Semibold" panose="020B0702040204020203" pitchFamily="34" charset="0"/>
+            </a:endParaRPr>
+          </a:p>
+          <a:p>
+            <a:pPr lvl="1"/>
+            <a:r>
+              <a:rPr lang="en-US" sz="2000" dirty="0">
+                <a:latin typeface="Selawik Semibold" panose="020B0702040204020203" pitchFamily="34" charset="0"/>
+              </a:rPr>
+              <a:t>Leadership – Ben </a:t>
+            </a:r>
+            <a:r>
+              <a:rPr lang="en-US" sz="2000" dirty="0" err="1">
+                <a:latin typeface="Selawik Semibold" panose="020B0702040204020203" pitchFamily="34" charset="0"/>
+              </a:rPr>
+              <a:t>Alamar</a:t>
+            </a:r>
+            <a:endParaRPr lang="en-US" sz="2000" dirty="0">
+              <a:latin typeface="Selawik Semibold" panose="020B0702040204020203" pitchFamily="34" charset="0"/>
+            </a:endParaRPr>
+          </a:p>
+          <a:p>
+            <a:pPr lvl="1"/>
+            <a:r>
+              <a:rPr lang="en-US" sz="2000" dirty="0">
+                <a:latin typeface="Selawik Semibold" panose="020B0702040204020203" pitchFamily="34" charset="0"/>
+              </a:rPr>
+              <a:t>Humility – Dr. Mario</a:t>
+            </a:r>
+          </a:p>
+          <a:p>
+            <a:pPr lvl="1"/>
+            <a:r>
+              <a:rPr lang="en-US" sz="2000" dirty="0">
+                <a:latin typeface="Selawik Semibold" panose="020B0702040204020203" pitchFamily="34" charset="0"/>
+              </a:rPr>
+              <a:t>Honesty – Dr. Mario</a:t>
+            </a:r>
+          </a:p>
+          <a:p>
+            <a:pPr lvl="1"/>
+            <a:endParaRPr lang="en-US" sz="2000" dirty="0">
+              <a:latin typeface="Selawik Semibold" panose="020B0702040204020203" pitchFamily="34" charset="0"/>
+            </a:endParaRPr>
+          </a:p>
+          <a:p>
+            <a:pPr lvl="1"/>
+            <a:endParaRPr lang="en-US" sz="2000" dirty="0">
+              <a:latin typeface="Selawik Semibold" panose="020B0702040204020203" pitchFamily="34" charset="0"/>
+            </a:endParaRPr>
+          </a:p>
+          <a:p>
+            <a:pPr lvl="1"/>
+            <a:endParaRPr lang="en-US" sz="1600" dirty="0">
+              <a:latin typeface="Selawik Semibold" panose="020B0702040204020203" pitchFamily="34" charset="0"/>
+            </a:endParaRPr>
+          </a:p>
+          <a:p>
+            <a:pPr lvl="1"/>
+            <a:endParaRPr lang="en-US" sz="2000" dirty="0">
+              <a:latin typeface="Selawik Semibold" panose="020B0702040204020203" pitchFamily="34" charset="0"/>
+            </a:endParaRPr>
+          </a:p>
+          <a:p>
+            <a:pPr lvl="1"/>
+            <a:endParaRPr lang="en-US" sz="2000" dirty="0">
+              <a:latin typeface="Selawik Semibold" panose="020B0702040204020203" pitchFamily="34" charset="0"/>
+            </a:endParaRPr>
+          </a:p>
+          <a:p>
+            <a:pPr lvl="1"/>
+            <a:endParaRPr lang="en-US" sz="2000" dirty="0">
+              <a:latin typeface="Selawik Semibold" panose="020B0702040204020203" pitchFamily="34" charset="0"/>
+            </a:endParaRPr>
+          </a:p>
+        </p:txBody>
+      </p:sp>
+      <p:pic>
+        <p:nvPicPr>
+          <p:cNvPr id="4" name="Picture 3" descr="A drawing of a cartoon character&#10;&#10;Description automatically generated">
+            <a:extLst>
+              <a:ext uri="{FF2B5EF4-FFF2-40B4-BE49-F238E27FC236}">
+                <a16:creationId xmlns:a16="http://schemas.microsoft.com/office/drawing/2014/main" id="{A7FDC859-D890-4904-9C64-27F43DA90453}"/>
+              </a:ext>
+            </a:extLst>
+          </p:cNvPr>
+          <p:cNvPicPr>
+            <a:picLocks noChangeAspect="1"/>
+          </p:cNvPicPr>
+          <p:nvPr/>
+        </p:nvPicPr>
+        <p:blipFill rotWithShape="1">
+          <a:blip r:embed="rId3">
+            <a:extLst>
+              <a:ext uri="{28A0092B-C50C-407E-A947-70E740481C1C}">
+                <a14:useLocalDpi xmlns:a14="http://schemas.microsoft.com/office/drawing/2010/main" val="0"/>
+              </a:ext>
+            </a:extLst>
+          </a:blip>
+          <a:srcRect t="5616" r="2" b="2"/>
+          <a:stretch/>
+        </p:blipFill>
+        <p:spPr>
+          <a:xfrm>
+            <a:off x="7471144" y="1700078"/>
+            <a:ext cx="4720855" cy="2583792"/>
+          </a:xfrm>
+          <a:custGeom>
+            <a:avLst/>
+            <a:gdLst>
+              <a:gd name="connsiteX0" fmla="*/ 0 w 5475077"/>
+              <a:gd name="connsiteY0" fmla="*/ 0 h 2583792"/>
+              <a:gd name="connsiteX1" fmla="*/ 5475077 w 5475077"/>
+              <a:gd name="connsiteY1" fmla="*/ 0 h 2583792"/>
+              <a:gd name="connsiteX2" fmla="*/ 5475077 w 5475077"/>
+              <a:gd name="connsiteY2" fmla="*/ 2583792 h 2583792"/>
+              <a:gd name="connsiteX3" fmla="*/ 1197192 w 5475077"/>
+              <a:gd name="connsiteY3" fmla="*/ 2583792 h 2583792"/>
+            </a:gdLst>
+            <a:ahLst/>
+            <a:cxnLst>
+              <a:cxn ang="0">
+                <a:pos x="connsiteX0" y="connsiteY0"/>
+              </a:cxn>
+              <a:cxn ang="0">
+                <a:pos x="connsiteX1" y="connsiteY1"/>
+              </a:cxn>
+              <a:cxn ang="0">
+                <a:pos x="connsiteX2" y="connsiteY2"/>
+              </a:cxn>
+              <a:cxn ang="0">
+                <a:pos x="connsiteX3" y="connsiteY3"/>
+              </a:cxn>
+            </a:cxnLst>
+            <a:rect l="l" t="t" r="r" b="b"/>
+            <a:pathLst>
+              <a:path w="5475077" h="2583792">
+                <a:moveTo>
+                  <a:pt x="0" y="0"/>
+                </a:moveTo>
+                <a:lnTo>
+                  <a:pt x="5475077" y="0"/>
+                </a:lnTo>
+                <a:lnTo>
+                  <a:pt x="5475077" y="2583792"/>
+                </a:lnTo>
+                <a:lnTo>
+                  <a:pt x="1197192" y="2583792"/>
+                </a:lnTo>
+                <a:close/>
+              </a:path>
+            </a:pathLst>
+          </a:custGeom>
+        </p:spPr>
+      </p:pic>
+      <p:pic>
+        <p:nvPicPr>
+          <p:cNvPr id="5" name="Content Placeholder 4" descr="A picture containing indoor&#10;&#10;Description automatically generated">
+            <a:extLst>
+              <a:ext uri="{FF2B5EF4-FFF2-40B4-BE49-F238E27FC236}">
+                <a16:creationId xmlns:a16="http://schemas.microsoft.com/office/drawing/2014/main" id="{A58F0E55-21F3-485B-A07F-1CE74177BDD2}"/>
+              </a:ext>
+            </a:extLst>
+          </p:cNvPr>
+          <p:cNvPicPr>
+            <a:picLocks noChangeAspect="1"/>
+          </p:cNvPicPr>
+          <p:nvPr/>
+        </p:nvPicPr>
+        <p:blipFill rotWithShape="1">
+          <a:blip r:embed="rId4">
+            <a:extLst>
+              <a:ext uri="{28A0092B-C50C-407E-A947-70E740481C1C}">
+                <a14:useLocalDpi xmlns:a14="http://schemas.microsoft.com/office/drawing/2010/main" val="0"/>
+              </a:ext>
+            </a:extLst>
+          </a:blip>
+          <a:srcRect t="5300" r="3" b="6859"/>
+          <a:stretch/>
+        </p:blipFill>
+        <p:spPr>
+          <a:xfrm>
+            <a:off x="8491869" y="4283870"/>
+            <a:ext cx="3700129" cy="2583520"/>
+          </a:xfrm>
+          <a:custGeom>
+            <a:avLst/>
+            <a:gdLst>
+              <a:gd name="connsiteX0" fmla="*/ 0 w 4277884"/>
+              <a:gd name="connsiteY0" fmla="*/ 0 h 2583520"/>
+              <a:gd name="connsiteX1" fmla="*/ 4277884 w 4277884"/>
+              <a:gd name="connsiteY1" fmla="*/ 0 h 2583520"/>
+              <a:gd name="connsiteX2" fmla="*/ 4277884 w 4277884"/>
+              <a:gd name="connsiteY2" fmla="*/ 2583520 h 2583520"/>
+              <a:gd name="connsiteX3" fmla="*/ 1192437 w 4277884"/>
+              <a:gd name="connsiteY3" fmla="*/ 2583520 h 2583520"/>
+              <a:gd name="connsiteX4" fmla="*/ 1188085 w 4277884"/>
+              <a:gd name="connsiteY4" fmla="*/ 2574129 h 2583520"/>
+              <a:gd name="connsiteX5" fmla="*/ 1192715 w 4277884"/>
+              <a:gd name="connsiteY5" fmla="*/ 2574129 h 2583520"/>
+            </a:gdLst>
+            <a:ahLst/>
+            <a:cxnLst>
+              <a:cxn ang="0">
+                <a:pos x="connsiteX0" y="connsiteY0"/>
+              </a:cxn>
+              <a:cxn ang="0">
+                <a:pos x="connsiteX1" y="connsiteY1"/>
+              </a:cxn>
+              <a:cxn ang="0">
+                <a:pos x="connsiteX2" y="connsiteY2"/>
+              </a:cxn>
+              <a:cxn ang="0">
+                <a:pos x="connsiteX3" y="connsiteY3"/>
+              </a:cxn>
+              <a:cxn ang="0">
+                <a:pos x="connsiteX4" y="connsiteY4"/>
+              </a:cxn>
+              <a:cxn ang="0">
+                <a:pos x="connsiteX5" y="connsiteY5"/>
+              </a:cxn>
+            </a:cxnLst>
+            <a:rect l="l" t="t" r="r" b="b"/>
+            <a:pathLst>
+              <a:path w="4277884" h="2583520">
+                <a:moveTo>
+                  <a:pt x="0" y="0"/>
+                </a:moveTo>
+                <a:lnTo>
+                  <a:pt x="4277884" y="0"/>
+                </a:lnTo>
+                <a:lnTo>
+                  <a:pt x="4277884" y="2583520"/>
+                </a:lnTo>
+                <a:lnTo>
+                  <a:pt x="1192437" y="2583520"/>
+                </a:lnTo>
+                <a:lnTo>
+                  <a:pt x="1188085" y="2574129"/>
+                </a:lnTo>
+                <a:lnTo>
+                  <a:pt x="1192715" y="2574129"/>
+                </a:lnTo>
+                <a:close/>
+              </a:path>
+            </a:pathLst>
+          </a:custGeom>
+        </p:spPr>
+      </p:pic>
+      <p:sp>
+        <p:nvSpPr>
+          <p:cNvPr id="6" name="Rectangle 5">
+            <a:extLst>
+              <a:ext uri="{FF2B5EF4-FFF2-40B4-BE49-F238E27FC236}">
+                <a16:creationId xmlns:a16="http://schemas.microsoft.com/office/drawing/2014/main" id="{A2901312-C3C2-4CEC-80EF-823AB4FBB726}"/>
+              </a:ext>
+            </a:extLst>
+          </p:cNvPr>
+          <p:cNvSpPr/>
+          <p:nvPr/>
+        </p:nvSpPr>
+        <p:spPr>
+          <a:xfrm>
+            <a:off x="-1" y="1608918"/>
+            <a:ext cx="12191999" cy="91160"/>
+          </a:xfrm>
+          <a:prstGeom prst="rect">
+            <a:avLst/>
+          </a:prstGeom>
+          <a:solidFill>
+            <a:schemeClr val="bg1"/>
+          </a:solidFill>
+          <a:ln>
+            <a:noFill/>
+          </a:ln>
+        </p:spPr>
+        <p:style>
+          <a:lnRef idx="2">
+            <a:schemeClr val="accent1">
+              <a:shade val="50000"/>
+            </a:schemeClr>
+          </a:lnRef>
+          <a:fillRef idx="1">
+            <a:schemeClr val="accent1"/>
+          </a:fillRef>
+          <a:effectRef idx="0">
+            <a:schemeClr val="accent1"/>
+          </a:effectRef>
+          <a:fontRef idx="minor">
+            <a:schemeClr val="lt1"/>
+          </a:fontRef>
+        </p:style>
+        <p:txBody>
+          <a:bodyPr rtlCol="0" anchor="ctr"/>
+          <a:lstStyle/>
+          <a:p>
+            <a:pPr algn="ctr"/>
+            <a:endParaRPr lang="en-US">
+              <a:solidFill>
+                <a:srgbClr val="DB5B5C"/>
+              </a:solidFill>
+            </a:endParaRPr>
+          </a:p>
+        </p:txBody>
+      </p:sp>
+      <p:sp>
+        <p:nvSpPr>
+          <p:cNvPr id="15" name="Rectangle 14">
+            <a:extLst>
+              <a:ext uri="{FF2B5EF4-FFF2-40B4-BE49-F238E27FC236}">
+                <a16:creationId xmlns:a16="http://schemas.microsoft.com/office/drawing/2014/main" id="{AD0A7C9C-CA2C-4B9B-A125-2D09D5573B44}"/>
+              </a:ext>
+            </a:extLst>
+          </p:cNvPr>
+          <p:cNvSpPr/>
+          <p:nvPr/>
+        </p:nvSpPr>
+        <p:spPr>
+          <a:xfrm>
+            <a:off x="1" y="6677247"/>
+            <a:ext cx="12191999" cy="190143"/>
+          </a:xfrm>
+          <a:prstGeom prst="rect">
+            <a:avLst/>
+          </a:prstGeom>
+          <a:solidFill>
+            <a:schemeClr val="bg1"/>
+          </a:solidFill>
+          <a:ln>
+            <a:noFill/>
+          </a:ln>
+        </p:spPr>
+        <p:style>
+          <a:lnRef idx="2">
+            <a:schemeClr val="accent1">
+              <a:shade val="50000"/>
+            </a:schemeClr>
+          </a:lnRef>
+          <a:fillRef idx="1">
+            <a:schemeClr val="accent1"/>
+          </a:fillRef>
+          <a:effectRef idx="0">
+            <a:schemeClr val="accent1"/>
+          </a:effectRef>
+          <a:fontRef idx="minor">
+            <a:schemeClr val="lt1"/>
+          </a:fontRef>
+        </p:style>
+        <p:txBody>
+          <a:bodyPr rtlCol="0" anchor="ctr"/>
+          <a:lstStyle/>
+          <a:p>
+            <a:pPr algn="ctr"/>
+            <a:endParaRPr lang="en-US">
+              <a:solidFill>
+                <a:srgbClr val="DB5B5C"/>
+              </a:solidFill>
+            </a:endParaRPr>
+          </a:p>
+        </p:txBody>
+      </p:sp>
+      <p:sp>
+        <p:nvSpPr>
+          <p:cNvPr id="16" name="Rectangle 15">
+            <a:extLst>
+              <a:ext uri="{FF2B5EF4-FFF2-40B4-BE49-F238E27FC236}">
+                <a16:creationId xmlns:a16="http://schemas.microsoft.com/office/drawing/2014/main" id="{74A085FC-1866-46D4-97F7-51AA45E48D4F}"/>
+              </a:ext>
+            </a:extLst>
+          </p:cNvPr>
+          <p:cNvSpPr/>
+          <p:nvPr/>
+        </p:nvSpPr>
+        <p:spPr>
+          <a:xfrm rot="4092292">
+            <a:off x="5790668" y="4094517"/>
+            <a:ext cx="5446699" cy="137038"/>
+          </a:xfrm>
+          <a:prstGeom prst="rect">
+            <a:avLst/>
+          </a:prstGeom>
+          <a:solidFill>
+            <a:schemeClr val="bg1"/>
+          </a:solidFill>
+          <a:ln>
+            <a:noFill/>
+          </a:ln>
+        </p:spPr>
+        <p:style>
+          <a:lnRef idx="2">
+            <a:schemeClr val="accent1">
+              <a:shade val="50000"/>
+            </a:schemeClr>
+          </a:lnRef>
+          <a:fillRef idx="1">
+            <a:schemeClr val="accent1"/>
+          </a:fillRef>
+          <a:effectRef idx="0">
+            <a:schemeClr val="accent1"/>
+          </a:effectRef>
+          <a:fontRef idx="minor">
+            <a:schemeClr val="lt1"/>
+          </a:fontRef>
+        </p:style>
+        <p:txBody>
+          <a:bodyPr rtlCol="0" anchor="ctr"/>
+          <a:lstStyle/>
+          <a:p>
+            <a:pPr algn="ctr"/>
+            <a:endParaRPr lang="en-US">
+              <a:solidFill>
+                <a:srgbClr val="DB5B5C"/>
+              </a:solidFill>
+            </a:endParaRPr>
+          </a:p>
+        </p:txBody>
+      </p:sp>
+    </p:spTree>
+    <p:extLst>
+      <p:ext uri="{BB962C8B-B14F-4D97-AF65-F5344CB8AC3E}">
+        <p14:creationId xmlns:p14="http://schemas.microsoft.com/office/powerpoint/2010/main" val="459245495"/>
+      </p:ext>
+    </p:extLst>
+  </p:cSld>
+  <p:clrMapOvr>
+    <a:overrideClrMapping bg1="dk1" tx1="lt1" bg2="dk2" tx2="lt2" accent1="accent1" accent2="accent2" accent3="accent3" accent4="accent4" accent5="accent5" accent6="accent6" hlink="hlink" folHlink="folHlink"/>
+  </p:clrMapOvr>
+</p:sld>
+</file>
+
+<file path=ppt/slides/slide21.xml><?xml version="1.0" encoding="utf-8"?>
 <p:sld xmlns:a="http://schemas.openxmlformats.org/drawingml/2006/main" xmlns:r="http://schemas.openxmlformats.org/officeDocument/2006/relationships" xmlns:p="http://schemas.openxmlformats.org/presentationml/2006/main">
   <p:cSld>
     <p:bg>
@@ -13061,7 +13739,7 @@
               <a:rPr lang="en-US" sz="2400" dirty="0">
                 <a:latin typeface="Selawik Semibold" panose="020B0702040204020203" pitchFamily="34" charset="0"/>
               </a:rPr>
-              <a:t>64 Responses (Thank You!!)</a:t>
+              <a:t>67 Responses (Thank You!!)</a:t>
             </a:r>
           </a:p>
           <a:p>
@@ -13077,66 +13755,8 @@
               <a:rPr lang="en-US" sz="2400" dirty="0">
                 <a:latin typeface="Selawik Semibold" panose="020B0702040204020203" pitchFamily="34" charset="0"/>
               </a:rPr>
-              <a:t>Majority are Seniors (34/64)</a:t>
-            </a:r>
-          </a:p>
-          <a:p>
-            <a:pPr marL="0" indent="0">
-              <a:buNone/>
-            </a:pPr>
-            <a:endParaRPr lang="en-US" sz="2400" dirty="0">
-              <a:latin typeface="Selawik Semibold" panose="020B0702040204020203" pitchFamily="34" charset="0"/>
-            </a:endParaRPr>
-          </a:p>
-          <a:p>
-            <a:r>
-              <a:rPr lang="en-US" sz="2400" dirty="0">
-                <a:latin typeface="Selawik Semibold" panose="020B0702040204020203" pitchFamily="34" charset="0"/>
-              </a:rPr>
-              <a:t>Distribution of Current Place</a:t>
-            </a:r>
-          </a:p>
-          <a:p>
-            <a:pPr lvl="1"/>
-            <a:r>
-              <a:rPr lang="en-US" sz="2000" dirty="0">
-                <a:latin typeface="Selawik Semibold" panose="020B0702040204020203" pitchFamily="34" charset="0"/>
-              </a:rPr>
-              <a:t>58 in North Carolina</a:t>
-            </a:r>
-          </a:p>
-          <a:p>
-            <a:pPr lvl="1"/>
-            <a:r>
-              <a:rPr lang="en-US" sz="2000" dirty="0">
-                <a:latin typeface="Selawik Semibold" panose="020B0702040204020203" pitchFamily="34" charset="0"/>
-              </a:rPr>
-              <a:t>3</a:t>
-            </a:r>
-            <a:r>
-              <a:rPr lang="en-US" sz="2000">
-                <a:latin typeface="Selawik Semibold" panose="020B0702040204020203" pitchFamily="34" charset="0"/>
-              </a:rPr>
-              <a:t> </a:t>
-            </a:r>
-            <a:r>
-              <a:rPr lang="en-US" sz="2000" dirty="0">
-                <a:latin typeface="Selawik Semibold" panose="020B0702040204020203" pitchFamily="34" charset="0"/>
-              </a:rPr>
-              <a:t>in Another State</a:t>
-            </a:r>
-          </a:p>
-          <a:p>
-            <a:pPr lvl="1"/>
-            <a:r>
-              <a:rPr lang="en-US" sz="2000" dirty="0">
-                <a:latin typeface="Selawik Semibold" panose="020B0702040204020203" pitchFamily="34" charset="0"/>
-              </a:rPr>
-              <a:t>3 in Another Country</a:t>
-            </a:r>
-          </a:p>
-          <a:p>
-            <a:pPr lvl="1"/>
+              <a:t>Majority are Seniors (46/67)</a:t>
+            </a:r>
             <a:endParaRPr lang="en-US" sz="1600" dirty="0">
               <a:latin typeface="Selawik Semibold" panose="020B0702040204020203" pitchFamily="34" charset="0"/>
             </a:endParaRPr>
@@ -14010,10 +14630,10 @@
       </p:sp>
       <p:pic>
         <p:nvPicPr>
-          <p:cNvPr id="8" name="Picture 7" descr="Chart, bar chart&#10;&#10;Description automatically generated">
-            <a:extLst>
-              <a:ext uri="{FF2B5EF4-FFF2-40B4-BE49-F238E27FC236}">
-                <a16:creationId xmlns:a16="http://schemas.microsoft.com/office/drawing/2014/main" id="{3B02761C-0D5B-490B-81CB-8EAAB47B017E}"/>
+          <p:cNvPr id="7" name="Picture 6">
+            <a:extLst>
+              <a:ext uri="{FF2B5EF4-FFF2-40B4-BE49-F238E27FC236}">
+                <a16:creationId xmlns:a16="http://schemas.microsoft.com/office/drawing/2014/main" id="{8AFE7310-C68C-40AC-8996-47CFC2EF5EEC}"/>
               </a:ext>
             </a:extLst>
           </p:cNvPr>
@@ -14023,21 +14643,15 @@
           <p:nvPr/>
         </p:nvPicPr>
         <p:blipFill>
-          <a:blip r:embed="rId5">
-            <a:extLst>
-              <a:ext uri="{28A0092B-C50C-407E-A947-70E740481C1C}">
-                <a14:useLocalDpi xmlns:a14="http://schemas.microsoft.com/office/drawing/2010/main" val="0"/>
-              </a:ext>
-            </a:extLst>
-          </a:blip>
+          <a:blip r:embed="rId5"/>
           <a:stretch>
             <a:fillRect/>
           </a:stretch>
         </p:blipFill>
         <p:spPr>
           <a:xfrm>
-            <a:off x="98808" y="1762356"/>
-            <a:ext cx="7372336" cy="4914891"/>
+            <a:off x="61233" y="1772153"/>
+            <a:ext cx="7011511" cy="4874348"/>
           </a:xfrm>
           <a:prstGeom prst="rect">
             <a:avLst/>
@@ -14566,10 +15180,10 @@
       </p:sp>
       <p:pic>
         <p:nvPicPr>
-          <p:cNvPr id="8" name="Picture 7" descr="Chart, waterfall chart&#10;&#10;Description automatically generated">
-            <a:extLst>
-              <a:ext uri="{FF2B5EF4-FFF2-40B4-BE49-F238E27FC236}">
-                <a16:creationId xmlns:a16="http://schemas.microsoft.com/office/drawing/2014/main" id="{FAF30B90-73DE-4840-A3E5-228394818434}"/>
+          <p:cNvPr id="7" name="Picture 6">
+            <a:extLst>
+              <a:ext uri="{FF2B5EF4-FFF2-40B4-BE49-F238E27FC236}">
+                <a16:creationId xmlns:a16="http://schemas.microsoft.com/office/drawing/2014/main" id="{CF4340E1-2220-467F-8D0F-7CD4B70C7FAC}"/>
               </a:ext>
             </a:extLst>
           </p:cNvPr>
@@ -14592,8 +15206,8 @@
         </p:blipFill>
         <p:spPr>
           <a:xfrm>
-            <a:off x="162838" y="1730166"/>
-            <a:ext cx="7406536" cy="4937691"/>
+            <a:off x="62345" y="1767354"/>
+            <a:ext cx="7259782" cy="4839854"/>
           </a:xfrm>
           <a:prstGeom prst="rect">
             <a:avLst/>
@@ -15080,10 +15694,10 @@
       </p:sp>
       <p:pic>
         <p:nvPicPr>
-          <p:cNvPr id="10" name="Picture 9" descr="Chart, histogram&#10;&#10;Description automatically generated">
-            <a:extLst>
-              <a:ext uri="{FF2B5EF4-FFF2-40B4-BE49-F238E27FC236}">
-                <a16:creationId xmlns:a16="http://schemas.microsoft.com/office/drawing/2014/main" id="{B4572C55-6A3F-4AD0-B802-4BCD6CE3039E}"/>
+          <p:cNvPr id="7" name="Picture 6" descr="Chart, histogram&#10;&#10;Description automatically generated">
+            <a:extLst>
+              <a:ext uri="{FF2B5EF4-FFF2-40B4-BE49-F238E27FC236}">
+                <a16:creationId xmlns:a16="http://schemas.microsoft.com/office/drawing/2014/main" id="{93066414-1EB5-4A20-8546-0017A8236F33}"/>
               </a:ext>
             </a:extLst>
           </p:cNvPr>
@@ -15093,21 +15707,15 @@
           <p:nvPr/>
         </p:nvPicPr>
         <p:blipFill>
-          <a:blip r:embed="rId4">
-            <a:extLst>
-              <a:ext uri="{28A0092B-C50C-407E-A947-70E740481C1C}">
-                <a14:useLocalDpi xmlns:a14="http://schemas.microsoft.com/office/drawing/2010/main" val="0"/>
-              </a:ext>
-            </a:extLst>
-          </a:blip>
+          <a:blip r:embed="rId4"/>
           <a:stretch>
             <a:fillRect/>
           </a:stretch>
         </p:blipFill>
         <p:spPr>
           <a:xfrm>
-            <a:off x="54933" y="1728922"/>
-            <a:ext cx="7408403" cy="4938935"/>
+            <a:off x="48491" y="1750885"/>
+            <a:ext cx="7162800" cy="4877367"/>
           </a:xfrm>
           <a:prstGeom prst="rect">
             <a:avLst/>
@@ -15594,10 +16202,10 @@
       </p:sp>
       <p:pic>
         <p:nvPicPr>
-          <p:cNvPr id="10" name="Picture 9" descr="Chart, histogram&#10;&#10;Description automatically generated">
-            <a:extLst>
-              <a:ext uri="{FF2B5EF4-FFF2-40B4-BE49-F238E27FC236}">
-                <a16:creationId xmlns:a16="http://schemas.microsoft.com/office/drawing/2014/main" id="{49B1C893-B8A1-4988-B0F9-526DD2171B55}"/>
+          <p:cNvPr id="7" name="Picture 6" descr="Chart, histogram&#10;&#10;Description automatically generated">
+            <a:extLst>
+              <a:ext uri="{FF2B5EF4-FFF2-40B4-BE49-F238E27FC236}">
+                <a16:creationId xmlns:a16="http://schemas.microsoft.com/office/drawing/2014/main" id="{98117328-1B31-4EAE-ACBD-8893527CEED6}"/>
               </a:ext>
             </a:extLst>
           </p:cNvPr>
@@ -15607,21 +16215,15 @@
           <p:nvPr/>
         </p:nvPicPr>
         <p:blipFill>
-          <a:blip r:embed="rId4">
-            <a:extLst>
-              <a:ext uri="{28A0092B-C50C-407E-A947-70E740481C1C}">
-                <a14:useLocalDpi xmlns:a14="http://schemas.microsoft.com/office/drawing/2010/main" val="0"/>
-              </a:ext>
-            </a:extLst>
-          </a:blip>
+          <a:blip r:embed="rId4"/>
           <a:stretch>
             <a:fillRect/>
           </a:stretch>
         </p:blipFill>
         <p:spPr>
           <a:xfrm>
-            <a:off x="54933" y="1700078"/>
-            <a:ext cx="7416211" cy="4944141"/>
+            <a:off x="78222" y="1736569"/>
+            <a:ext cx="7282803" cy="4852933"/>
           </a:xfrm>
           <a:prstGeom prst="rect">
             <a:avLst/>
@@ -15936,10 +16538,10 @@
       </p:sp>
       <p:pic>
         <p:nvPicPr>
-          <p:cNvPr id="7" name="Picture 6" descr="A screenshot of a cell phone&#10;&#10;Description automatically generated">
-            <a:extLst>
-              <a:ext uri="{FF2B5EF4-FFF2-40B4-BE49-F238E27FC236}">
-                <a16:creationId xmlns:a16="http://schemas.microsoft.com/office/drawing/2014/main" id="{95008AB6-8320-4E7F-8725-4783BDC4003B}"/>
+          <p:cNvPr id="8" name="Picture 7">
+            <a:extLst>
+              <a:ext uri="{FF2B5EF4-FFF2-40B4-BE49-F238E27FC236}">
+                <a16:creationId xmlns:a16="http://schemas.microsoft.com/office/drawing/2014/main" id="{E84E6009-F05C-4117-A193-ADF6335DE0BD}"/>
               </a:ext>
             </a:extLst>
           </p:cNvPr>
@@ -15962,14 +16564,68 @@
         </p:blipFill>
         <p:spPr>
           <a:xfrm>
-            <a:off x="964503" y="1736777"/>
-            <a:ext cx="9862159" cy="4931080"/>
+            <a:off x="0" y="1700078"/>
+            <a:ext cx="9954338" cy="4977169"/>
           </a:xfrm>
           <a:prstGeom prst="rect">
             <a:avLst/>
           </a:prstGeom>
         </p:spPr>
       </p:pic>
+      <p:sp>
+        <p:nvSpPr>
+          <p:cNvPr id="14" name="TextBox 13">
+            <a:extLst>
+              <a:ext uri="{FF2B5EF4-FFF2-40B4-BE49-F238E27FC236}">
+                <a16:creationId xmlns:a16="http://schemas.microsoft.com/office/drawing/2014/main" id="{075F80BC-FF65-426F-BFEE-18370DE11A6D}"/>
+              </a:ext>
+            </a:extLst>
+          </p:cNvPr>
+          <p:cNvSpPr txBox="1"/>
+          <p:nvPr/>
+        </p:nvSpPr>
+        <p:spPr>
+          <a:xfrm>
+            <a:off x="9588789" y="2605317"/>
+            <a:ext cx="3964639" cy="584775"/>
+          </a:xfrm>
+          <a:prstGeom prst="rect">
+            <a:avLst/>
+          </a:prstGeom>
+          <a:noFill/>
+        </p:spPr>
+        <p:txBody>
+          <a:bodyPr wrap="square" rtlCol="0">
+            <a:spAutoFit/>
+          </a:bodyPr>
+          <a:lstStyle/>
+          <a:p>
+            <a:pPr marL="742950" lvl="1" indent="-285750">
+              <a:buFont typeface="Arial" panose="020B0604020202020204" pitchFamily="34" charset="0"/>
+              <a:buChar char="•"/>
+            </a:pPr>
+            <a:r>
+              <a:rPr lang="en-US" sz="1600" dirty="0">
+                <a:latin typeface="Selawik Semibold" panose="020B0702040204020203" pitchFamily="34" charset="0"/>
+              </a:rPr>
+              <a:t>Watched = Red</a:t>
+            </a:r>
+          </a:p>
+          <a:p>
+            <a:pPr marL="742950" lvl="1" indent="-285750">
+              <a:buFont typeface="Arial" panose="020B0604020202020204" pitchFamily="34" charset="0"/>
+              <a:buChar char="•"/>
+            </a:pPr>
+            <a:r>
+              <a:rPr lang="en-US" sz="1600" dirty="0">
+                <a:latin typeface="Selawik Semibold" panose="020B0702040204020203" pitchFamily="34" charset="0"/>
+              </a:rPr>
+              <a:t>Played = Blue</a:t>
+            </a:r>
+            <a:endParaRPr lang="en-US" dirty="0"/>
+          </a:p>
+        </p:txBody>
+      </p:sp>
     </p:spTree>
     <p:extLst>
       <p:ext uri="{BB962C8B-B14F-4D97-AF65-F5344CB8AC3E}">
@@ -16626,7 +17282,13 @@
               <a:rPr lang="en-US" sz="1600" dirty="0">
                 <a:latin typeface="Selawik Semibold" panose="020B0702040204020203" pitchFamily="34" charset="0"/>
               </a:rPr>
-              <a:t>Number of Countries</a:t>
+              <a:t>Number of </a:t>
+            </a:r>
+            <a:r>
+              <a:rPr lang="en-US" sz="1600" dirty="0" err="1">
+                <a:latin typeface="Selawik Semibold" panose="020B0702040204020203" pitchFamily="34" charset="0"/>
+              </a:rPr>
+              <a:t>CountriesF</a:t>
             </a:r>
             <a:endParaRPr lang="en-US" dirty="0"/>
           </a:p>

--- a/Slides/Sports Analytics 1/Sports_Analytics_1_Lecture.pptx
+++ b/Slides/Sports Analytics 1/Sports_Analytics_1_Lecture.pptx
@@ -217,7 +217,7 @@
           <a:p>
             <a:fld id="{C04E5E84-956F-4423-97B3-5936A6D8EEEE}" type="datetimeFigureOut">
               <a:rPr lang="en-US" smtClean="0"/>
-              <a:t>8/19/2021</a:t>
+              <a:t>1/5/2023</a:t>
             </a:fld>
             <a:endParaRPr lang="en-US"/>
           </a:p>
@@ -1807,7 +1807,7 @@
           <a:p>
             <a:fld id="{3881C039-66A3-4640-815B-3B5A8B7D868D}" type="datetimeFigureOut">
               <a:rPr lang="en-US" smtClean="0"/>
-              <a:t>8/19/2021</a:t>
+              <a:t>1/5/2023</a:t>
             </a:fld>
             <a:endParaRPr lang="en-US"/>
           </a:p>
@@ -2005,7 +2005,7 @@
           <a:p>
             <a:fld id="{3881C039-66A3-4640-815B-3B5A8B7D868D}" type="datetimeFigureOut">
               <a:rPr lang="en-US" smtClean="0"/>
-              <a:t>8/19/2021</a:t>
+              <a:t>1/5/2023</a:t>
             </a:fld>
             <a:endParaRPr lang="en-US"/>
           </a:p>
@@ -2213,7 +2213,7 @@
           <a:p>
             <a:fld id="{3881C039-66A3-4640-815B-3B5A8B7D868D}" type="datetimeFigureOut">
               <a:rPr lang="en-US" smtClean="0"/>
-              <a:t>8/19/2021</a:t>
+              <a:t>1/5/2023</a:t>
             </a:fld>
             <a:endParaRPr lang="en-US"/>
           </a:p>
@@ -2411,7 +2411,7 @@
           <a:p>
             <a:fld id="{3881C039-66A3-4640-815B-3B5A8B7D868D}" type="datetimeFigureOut">
               <a:rPr lang="en-US" smtClean="0"/>
-              <a:t>8/19/2021</a:t>
+              <a:t>1/5/2023</a:t>
             </a:fld>
             <a:endParaRPr lang="en-US"/>
           </a:p>
@@ -2686,7 +2686,7 @@
           <a:p>
             <a:fld id="{3881C039-66A3-4640-815B-3B5A8B7D868D}" type="datetimeFigureOut">
               <a:rPr lang="en-US" smtClean="0"/>
-              <a:t>8/19/2021</a:t>
+              <a:t>1/5/2023</a:t>
             </a:fld>
             <a:endParaRPr lang="en-US"/>
           </a:p>
@@ -2951,7 +2951,7 @@
           <a:p>
             <a:fld id="{3881C039-66A3-4640-815B-3B5A8B7D868D}" type="datetimeFigureOut">
               <a:rPr lang="en-US" smtClean="0"/>
-              <a:t>8/19/2021</a:t>
+              <a:t>1/5/2023</a:t>
             </a:fld>
             <a:endParaRPr lang="en-US"/>
           </a:p>
@@ -3363,7 +3363,7 @@
           <a:p>
             <a:fld id="{3881C039-66A3-4640-815B-3B5A8B7D868D}" type="datetimeFigureOut">
               <a:rPr lang="en-US" smtClean="0"/>
-              <a:t>8/19/2021</a:t>
+              <a:t>1/5/2023</a:t>
             </a:fld>
             <a:endParaRPr lang="en-US"/>
           </a:p>
@@ -3504,7 +3504,7 @@
           <a:p>
             <a:fld id="{3881C039-66A3-4640-815B-3B5A8B7D868D}" type="datetimeFigureOut">
               <a:rPr lang="en-US" smtClean="0"/>
-              <a:t>8/19/2021</a:t>
+              <a:t>1/5/2023</a:t>
             </a:fld>
             <a:endParaRPr lang="en-US"/>
           </a:p>
@@ -3617,7 +3617,7 @@
           <a:p>
             <a:fld id="{3881C039-66A3-4640-815B-3B5A8B7D868D}" type="datetimeFigureOut">
               <a:rPr lang="en-US" smtClean="0"/>
-              <a:t>8/19/2021</a:t>
+              <a:t>1/5/2023</a:t>
             </a:fld>
             <a:endParaRPr lang="en-US"/>
           </a:p>
@@ -3928,7 +3928,7 @@
           <a:p>
             <a:fld id="{3881C039-66A3-4640-815B-3B5A8B7D868D}" type="datetimeFigureOut">
               <a:rPr lang="en-US" smtClean="0"/>
-              <a:t>8/19/2021</a:t>
+              <a:t>1/5/2023</a:t>
             </a:fld>
             <a:endParaRPr lang="en-US"/>
           </a:p>
@@ -4216,7 +4216,7 @@
           <a:p>
             <a:fld id="{3881C039-66A3-4640-815B-3B5A8B7D868D}" type="datetimeFigureOut">
               <a:rPr lang="en-US" smtClean="0"/>
-              <a:t>8/19/2021</a:t>
+              <a:t>1/5/2023</a:t>
             </a:fld>
             <a:endParaRPr lang="en-US"/>
           </a:p>
@@ -4460,7 +4460,7 @@
           <a:p>
             <a:fld id="{3881C039-66A3-4640-815B-3B5A8B7D868D}" type="datetimeFigureOut">
               <a:rPr lang="en-US" smtClean="0"/>
-              <a:t>8/19/2021</a:t>
+              <a:t>1/5/2023</a:t>
             </a:fld>
             <a:endParaRPr lang="en-US"/>
           </a:p>

--- a/Slides/Sports Analytics 1/Sports_Analytics_1_Lecture.pptx
+++ b/Slides/Sports Analytics 1/Sports_Analytics_1_Lecture.pptx
@@ -5,7 +5,7 @@
     <p:sldMasterId id="2147483648" r:id="rId1"/>
   </p:sldMasterIdLst>
   <p:notesMasterIdLst>
-    <p:notesMasterId r:id="rId23"/>
+    <p:notesMasterId r:id="rId28"/>
   </p:notesMasterIdLst>
   <p:sldIdLst>
     <p:sldId id="256" r:id="rId2"/>
@@ -20,15 +20,20 @@
     <p:sldId id="263" r:id="rId11"/>
     <p:sldId id="264" r:id="rId12"/>
     <p:sldId id="265" r:id="rId13"/>
-    <p:sldId id="266" r:id="rId14"/>
-    <p:sldId id="285" r:id="rId15"/>
-    <p:sldId id="267" r:id="rId16"/>
-    <p:sldId id="268" r:id="rId17"/>
-    <p:sldId id="269" r:id="rId18"/>
-    <p:sldId id="270" r:id="rId19"/>
-    <p:sldId id="271" r:id="rId20"/>
-    <p:sldId id="272" r:id="rId21"/>
-    <p:sldId id="281" r:id="rId22"/>
+    <p:sldId id="286" r:id="rId14"/>
+    <p:sldId id="266" r:id="rId15"/>
+    <p:sldId id="287" r:id="rId16"/>
+    <p:sldId id="285" r:id="rId17"/>
+    <p:sldId id="267" r:id="rId18"/>
+    <p:sldId id="268" r:id="rId19"/>
+    <p:sldId id="288" r:id="rId20"/>
+    <p:sldId id="289" r:id="rId21"/>
+    <p:sldId id="290" r:id="rId22"/>
+    <p:sldId id="269" r:id="rId23"/>
+    <p:sldId id="270" r:id="rId24"/>
+    <p:sldId id="271" r:id="rId25"/>
+    <p:sldId id="272" r:id="rId26"/>
+    <p:sldId id="281" r:id="rId27"/>
   </p:sldIdLst>
   <p:sldSz cx="12192000" cy="6858000"/>
   <p:notesSz cx="6858000" cy="9144000"/>
@@ -217,7 +222,7 @@
           <a:p>
             <a:fld id="{C04E5E84-956F-4423-97B3-5936A6D8EEEE}" type="datetimeFigureOut">
               <a:rPr lang="en-US" smtClean="0"/>
-              <a:t>1/5/2023</a:t>
+              <a:t>1/9/2023</a:t>
             </a:fld>
             <a:endParaRPr lang="en-US"/>
           </a:p>
@@ -642,7 +647,7 @@
     </p:spTree>
     <p:extLst>
       <p:ext uri="{BB962C8B-B14F-4D97-AF65-F5344CB8AC3E}">
-        <p14:creationId xmlns:p14="http://schemas.microsoft.com/office/powerpoint/2010/main" val="3068367738"/>
+        <p14:creationId xmlns:p14="http://schemas.microsoft.com/office/powerpoint/2010/main" val="673645520"/>
       </p:ext>
     </p:extLst>
   </p:cSld>
@@ -726,7 +731,7 @@
     </p:spTree>
     <p:extLst>
       <p:ext uri="{BB962C8B-B14F-4D97-AF65-F5344CB8AC3E}">
-        <p14:creationId xmlns:p14="http://schemas.microsoft.com/office/powerpoint/2010/main" val="457975726"/>
+        <p14:creationId xmlns:p14="http://schemas.microsoft.com/office/powerpoint/2010/main" val="3204056461"/>
       </p:ext>
     </p:extLst>
   </p:cSld>
@@ -810,7 +815,7 @@
     </p:spTree>
     <p:extLst>
       <p:ext uri="{BB962C8B-B14F-4D97-AF65-F5344CB8AC3E}">
-        <p14:creationId xmlns:p14="http://schemas.microsoft.com/office/powerpoint/2010/main" val="432002752"/>
+        <p14:creationId xmlns:p14="http://schemas.microsoft.com/office/powerpoint/2010/main" val="3068367738"/>
       </p:ext>
     </p:extLst>
   </p:cSld>
@@ -894,7 +899,7 @@
     </p:spTree>
     <p:extLst>
       <p:ext uri="{BB962C8B-B14F-4D97-AF65-F5344CB8AC3E}">
-        <p14:creationId xmlns:p14="http://schemas.microsoft.com/office/powerpoint/2010/main" val="1454380535"/>
+        <p14:creationId xmlns:p14="http://schemas.microsoft.com/office/powerpoint/2010/main" val="837158800"/>
       </p:ext>
     </p:extLst>
   </p:cSld>
@@ -970,6 +975,426 @@
             <a:fld id="{323D9EF6-5B6D-4923-9412-628692DCC0E7}" type="slidenum">
               <a:rPr lang="en-US" smtClean="0"/>
               <a:t>20</a:t>
+            </a:fld>
+            <a:endParaRPr lang="en-US"/>
+          </a:p>
+        </p:txBody>
+      </p:sp>
+    </p:spTree>
+    <p:extLst>
+      <p:ext uri="{BB962C8B-B14F-4D97-AF65-F5344CB8AC3E}">
+        <p14:creationId xmlns:p14="http://schemas.microsoft.com/office/powerpoint/2010/main" val="570981165"/>
+      </p:ext>
+    </p:extLst>
+  </p:cSld>
+  <p:clrMapOvr>
+    <a:masterClrMapping/>
+  </p:clrMapOvr>
+</p:notes>
+</file>
+
+<file path=ppt/notesSlides/notesSlide15.xml><?xml version="1.0" encoding="utf-8"?>
+<p:notes xmlns:a="http://schemas.openxmlformats.org/drawingml/2006/main" xmlns:r="http://schemas.openxmlformats.org/officeDocument/2006/relationships" xmlns:p="http://schemas.openxmlformats.org/presentationml/2006/main">
+  <p:cSld>
+    <p:spTree>
+      <p:nvGrpSpPr>
+        <p:cNvPr id="1" name=""/>
+        <p:cNvGrpSpPr/>
+        <p:nvPr/>
+      </p:nvGrpSpPr>
+      <p:grpSpPr>
+        <a:xfrm>
+          <a:off x="0" y="0"/>
+          <a:ext cx="0" cy="0"/>
+          <a:chOff x="0" y="0"/>
+          <a:chExt cx="0" cy="0"/>
+        </a:xfrm>
+      </p:grpSpPr>
+      <p:sp>
+        <p:nvSpPr>
+          <p:cNvPr id="2" name="Slide Image Placeholder 1"/>
+          <p:cNvSpPr>
+            <a:spLocks noGrp="1" noRot="1" noChangeAspect="1"/>
+          </p:cNvSpPr>
+          <p:nvPr>
+            <p:ph type="sldImg"/>
+          </p:nvPr>
+        </p:nvSpPr>
+        <p:spPr/>
+      </p:sp>
+      <p:sp>
+        <p:nvSpPr>
+          <p:cNvPr id="3" name="Notes Placeholder 2"/>
+          <p:cNvSpPr>
+            <a:spLocks noGrp="1"/>
+          </p:cNvSpPr>
+          <p:nvPr>
+            <p:ph type="body" idx="1"/>
+          </p:nvPr>
+        </p:nvSpPr>
+        <p:spPr/>
+        <p:txBody>
+          <a:bodyPr/>
+          <a:lstStyle/>
+          <a:p>
+            <a:endParaRPr lang="en-US" dirty="0"/>
+          </a:p>
+        </p:txBody>
+      </p:sp>
+      <p:sp>
+        <p:nvSpPr>
+          <p:cNvPr id="4" name="Slide Number Placeholder 3"/>
+          <p:cNvSpPr>
+            <a:spLocks noGrp="1"/>
+          </p:cNvSpPr>
+          <p:nvPr>
+            <p:ph type="sldNum" sz="quarter" idx="5"/>
+          </p:nvPr>
+        </p:nvSpPr>
+        <p:spPr/>
+        <p:txBody>
+          <a:bodyPr/>
+          <a:lstStyle/>
+          <a:p>
+            <a:fld id="{323D9EF6-5B6D-4923-9412-628692DCC0E7}" type="slidenum">
+              <a:rPr lang="en-US" smtClean="0"/>
+              <a:t>21</a:t>
+            </a:fld>
+            <a:endParaRPr lang="en-US"/>
+          </a:p>
+        </p:txBody>
+      </p:sp>
+    </p:spTree>
+    <p:extLst>
+      <p:ext uri="{BB962C8B-B14F-4D97-AF65-F5344CB8AC3E}">
+        <p14:creationId xmlns:p14="http://schemas.microsoft.com/office/powerpoint/2010/main" val="3892749928"/>
+      </p:ext>
+    </p:extLst>
+  </p:cSld>
+  <p:clrMapOvr>
+    <a:masterClrMapping/>
+  </p:clrMapOvr>
+</p:notes>
+</file>
+
+<file path=ppt/notesSlides/notesSlide16.xml><?xml version="1.0" encoding="utf-8"?>
+<p:notes xmlns:a="http://schemas.openxmlformats.org/drawingml/2006/main" xmlns:r="http://schemas.openxmlformats.org/officeDocument/2006/relationships" xmlns:p="http://schemas.openxmlformats.org/presentationml/2006/main">
+  <p:cSld>
+    <p:spTree>
+      <p:nvGrpSpPr>
+        <p:cNvPr id="1" name=""/>
+        <p:cNvGrpSpPr/>
+        <p:nvPr/>
+      </p:nvGrpSpPr>
+      <p:grpSpPr>
+        <a:xfrm>
+          <a:off x="0" y="0"/>
+          <a:ext cx="0" cy="0"/>
+          <a:chOff x="0" y="0"/>
+          <a:chExt cx="0" cy="0"/>
+        </a:xfrm>
+      </p:grpSpPr>
+      <p:sp>
+        <p:nvSpPr>
+          <p:cNvPr id="2" name="Slide Image Placeholder 1"/>
+          <p:cNvSpPr>
+            <a:spLocks noGrp="1" noRot="1" noChangeAspect="1"/>
+          </p:cNvSpPr>
+          <p:nvPr>
+            <p:ph type="sldImg"/>
+          </p:nvPr>
+        </p:nvSpPr>
+        <p:spPr/>
+      </p:sp>
+      <p:sp>
+        <p:nvSpPr>
+          <p:cNvPr id="3" name="Notes Placeholder 2"/>
+          <p:cNvSpPr>
+            <a:spLocks noGrp="1"/>
+          </p:cNvSpPr>
+          <p:nvPr>
+            <p:ph type="body" idx="1"/>
+          </p:nvPr>
+        </p:nvSpPr>
+        <p:spPr/>
+        <p:txBody>
+          <a:bodyPr/>
+          <a:lstStyle/>
+          <a:p>
+            <a:endParaRPr lang="en-US" dirty="0"/>
+          </a:p>
+        </p:txBody>
+      </p:sp>
+      <p:sp>
+        <p:nvSpPr>
+          <p:cNvPr id="4" name="Slide Number Placeholder 3"/>
+          <p:cNvSpPr>
+            <a:spLocks noGrp="1"/>
+          </p:cNvSpPr>
+          <p:nvPr>
+            <p:ph type="sldNum" sz="quarter" idx="5"/>
+          </p:nvPr>
+        </p:nvSpPr>
+        <p:spPr/>
+        <p:txBody>
+          <a:bodyPr/>
+          <a:lstStyle/>
+          <a:p>
+            <a:fld id="{323D9EF6-5B6D-4923-9412-628692DCC0E7}" type="slidenum">
+              <a:rPr lang="en-US" smtClean="0"/>
+              <a:t>22</a:t>
+            </a:fld>
+            <a:endParaRPr lang="en-US"/>
+          </a:p>
+        </p:txBody>
+      </p:sp>
+    </p:spTree>
+    <p:extLst>
+      <p:ext uri="{BB962C8B-B14F-4D97-AF65-F5344CB8AC3E}">
+        <p14:creationId xmlns:p14="http://schemas.microsoft.com/office/powerpoint/2010/main" val="457975726"/>
+      </p:ext>
+    </p:extLst>
+  </p:cSld>
+  <p:clrMapOvr>
+    <a:masterClrMapping/>
+  </p:clrMapOvr>
+</p:notes>
+</file>
+
+<file path=ppt/notesSlides/notesSlide17.xml><?xml version="1.0" encoding="utf-8"?>
+<p:notes xmlns:a="http://schemas.openxmlformats.org/drawingml/2006/main" xmlns:r="http://schemas.openxmlformats.org/officeDocument/2006/relationships" xmlns:p="http://schemas.openxmlformats.org/presentationml/2006/main">
+  <p:cSld>
+    <p:spTree>
+      <p:nvGrpSpPr>
+        <p:cNvPr id="1" name=""/>
+        <p:cNvGrpSpPr/>
+        <p:nvPr/>
+      </p:nvGrpSpPr>
+      <p:grpSpPr>
+        <a:xfrm>
+          <a:off x="0" y="0"/>
+          <a:ext cx="0" cy="0"/>
+          <a:chOff x="0" y="0"/>
+          <a:chExt cx="0" cy="0"/>
+        </a:xfrm>
+      </p:grpSpPr>
+      <p:sp>
+        <p:nvSpPr>
+          <p:cNvPr id="2" name="Slide Image Placeholder 1"/>
+          <p:cNvSpPr>
+            <a:spLocks noGrp="1" noRot="1" noChangeAspect="1"/>
+          </p:cNvSpPr>
+          <p:nvPr>
+            <p:ph type="sldImg"/>
+          </p:nvPr>
+        </p:nvSpPr>
+        <p:spPr/>
+      </p:sp>
+      <p:sp>
+        <p:nvSpPr>
+          <p:cNvPr id="3" name="Notes Placeholder 2"/>
+          <p:cNvSpPr>
+            <a:spLocks noGrp="1"/>
+          </p:cNvSpPr>
+          <p:nvPr>
+            <p:ph type="body" idx="1"/>
+          </p:nvPr>
+        </p:nvSpPr>
+        <p:spPr/>
+        <p:txBody>
+          <a:bodyPr/>
+          <a:lstStyle/>
+          <a:p>
+            <a:endParaRPr lang="en-US" dirty="0"/>
+          </a:p>
+        </p:txBody>
+      </p:sp>
+      <p:sp>
+        <p:nvSpPr>
+          <p:cNvPr id="4" name="Slide Number Placeholder 3"/>
+          <p:cNvSpPr>
+            <a:spLocks noGrp="1"/>
+          </p:cNvSpPr>
+          <p:nvPr>
+            <p:ph type="sldNum" sz="quarter" idx="5"/>
+          </p:nvPr>
+        </p:nvSpPr>
+        <p:spPr/>
+        <p:txBody>
+          <a:bodyPr/>
+          <a:lstStyle/>
+          <a:p>
+            <a:fld id="{323D9EF6-5B6D-4923-9412-628692DCC0E7}" type="slidenum">
+              <a:rPr lang="en-US" smtClean="0"/>
+              <a:t>23</a:t>
+            </a:fld>
+            <a:endParaRPr lang="en-US"/>
+          </a:p>
+        </p:txBody>
+      </p:sp>
+    </p:spTree>
+    <p:extLst>
+      <p:ext uri="{BB962C8B-B14F-4D97-AF65-F5344CB8AC3E}">
+        <p14:creationId xmlns:p14="http://schemas.microsoft.com/office/powerpoint/2010/main" val="432002752"/>
+      </p:ext>
+    </p:extLst>
+  </p:cSld>
+  <p:clrMapOvr>
+    <a:masterClrMapping/>
+  </p:clrMapOvr>
+</p:notes>
+</file>
+
+<file path=ppt/notesSlides/notesSlide18.xml><?xml version="1.0" encoding="utf-8"?>
+<p:notes xmlns:a="http://schemas.openxmlformats.org/drawingml/2006/main" xmlns:r="http://schemas.openxmlformats.org/officeDocument/2006/relationships" xmlns:p="http://schemas.openxmlformats.org/presentationml/2006/main">
+  <p:cSld>
+    <p:spTree>
+      <p:nvGrpSpPr>
+        <p:cNvPr id="1" name=""/>
+        <p:cNvGrpSpPr/>
+        <p:nvPr/>
+      </p:nvGrpSpPr>
+      <p:grpSpPr>
+        <a:xfrm>
+          <a:off x="0" y="0"/>
+          <a:ext cx="0" cy="0"/>
+          <a:chOff x="0" y="0"/>
+          <a:chExt cx="0" cy="0"/>
+        </a:xfrm>
+      </p:grpSpPr>
+      <p:sp>
+        <p:nvSpPr>
+          <p:cNvPr id="2" name="Slide Image Placeholder 1"/>
+          <p:cNvSpPr>
+            <a:spLocks noGrp="1" noRot="1" noChangeAspect="1"/>
+          </p:cNvSpPr>
+          <p:nvPr>
+            <p:ph type="sldImg"/>
+          </p:nvPr>
+        </p:nvSpPr>
+        <p:spPr/>
+      </p:sp>
+      <p:sp>
+        <p:nvSpPr>
+          <p:cNvPr id="3" name="Notes Placeholder 2"/>
+          <p:cNvSpPr>
+            <a:spLocks noGrp="1"/>
+          </p:cNvSpPr>
+          <p:nvPr>
+            <p:ph type="body" idx="1"/>
+          </p:nvPr>
+        </p:nvSpPr>
+        <p:spPr/>
+        <p:txBody>
+          <a:bodyPr/>
+          <a:lstStyle/>
+          <a:p>
+            <a:endParaRPr lang="en-US" dirty="0"/>
+          </a:p>
+        </p:txBody>
+      </p:sp>
+      <p:sp>
+        <p:nvSpPr>
+          <p:cNvPr id="4" name="Slide Number Placeholder 3"/>
+          <p:cNvSpPr>
+            <a:spLocks noGrp="1"/>
+          </p:cNvSpPr>
+          <p:nvPr>
+            <p:ph type="sldNum" sz="quarter" idx="5"/>
+          </p:nvPr>
+        </p:nvSpPr>
+        <p:spPr/>
+        <p:txBody>
+          <a:bodyPr/>
+          <a:lstStyle/>
+          <a:p>
+            <a:fld id="{323D9EF6-5B6D-4923-9412-628692DCC0E7}" type="slidenum">
+              <a:rPr lang="en-US" smtClean="0"/>
+              <a:t>24</a:t>
+            </a:fld>
+            <a:endParaRPr lang="en-US"/>
+          </a:p>
+        </p:txBody>
+      </p:sp>
+    </p:spTree>
+    <p:extLst>
+      <p:ext uri="{BB962C8B-B14F-4D97-AF65-F5344CB8AC3E}">
+        <p14:creationId xmlns:p14="http://schemas.microsoft.com/office/powerpoint/2010/main" val="1454380535"/>
+      </p:ext>
+    </p:extLst>
+  </p:cSld>
+  <p:clrMapOvr>
+    <a:masterClrMapping/>
+  </p:clrMapOvr>
+</p:notes>
+</file>
+
+<file path=ppt/notesSlides/notesSlide19.xml><?xml version="1.0" encoding="utf-8"?>
+<p:notes xmlns:a="http://schemas.openxmlformats.org/drawingml/2006/main" xmlns:r="http://schemas.openxmlformats.org/officeDocument/2006/relationships" xmlns:p="http://schemas.openxmlformats.org/presentationml/2006/main">
+  <p:cSld>
+    <p:spTree>
+      <p:nvGrpSpPr>
+        <p:cNvPr id="1" name=""/>
+        <p:cNvGrpSpPr/>
+        <p:nvPr/>
+      </p:nvGrpSpPr>
+      <p:grpSpPr>
+        <a:xfrm>
+          <a:off x="0" y="0"/>
+          <a:ext cx="0" cy="0"/>
+          <a:chOff x="0" y="0"/>
+          <a:chExt cx="0" cy="0"/>
+        </a:xfrm>
+      </p:grpSpPr>
+      <p:sp>
+        <p:nvSpPr>
+          <p:cNvPr id="2" name="Slide Image Placeholder 1"/>
+          <p:cNvSpPr>
+            <a:spLocks noGrp="1" noRot="1" noChangeAspect="1"/>
+          </p:cNvSpPr>
+          <p:nvPr>
+            <p:ph type="sldImg"/>
+          </p:nvPr>
+        </p:nvSpPr>
+        <p:spPr/>
+      </p:sp>
+      <p:sp>
+        <p:nvSpPr>
+          <p:cNvPr id="3" name="Notes Placeholder 2"/>
+          <p:cNvSpPr>
+            <a:spLocks noGrp="1"/>
+          </p:cNvSpPr>
+          <p:nvPr>
+            <p:ph type="body" idx="1"/>
+          </p:nvPr>
+        </p:nvSpPr>
+        <p:spPr/>
+        <p:txBody>
+          <a:bodyPr/>
+          <a:lstStyle/>
+          <a:p>
+            <a:endParaRPr lang="en-US" dirty="0"/>
+          </a:p>
+        </p:txBody>
+      </p:sp>
+      <p:sp>
+        <p:nvSpPr>
+          <p:cNvPr id="4" name="Slide Number Placeholder 3"/>
+          <p:cNvSpPr>
+            <a:spLocks noGrp="1"/>
+          </p:cNvSpPr>
+          <p:nvPr>
+            <p:ph type="sldNum" sz="quarter" idx="5"/>
+          </p:nvPr>
+        </p:nvSpPr>
+        <p:spPr/>
+        <p:txBody>
+          <a:bodyPr/>
+          <a:lstStyle/>
+          <a:p>
+            <a:fld id="{323D9EF6-5B6D-4923-9412-628692DCC0E7}" type="slidenum">
+              <a:rPr lang="en-US" smtClean="0"/>
+              <a:t>25</a:t>
             </a:fld>
             <a:endParaRPr lang="en-US"/>
           </a:p>
@@ -1482,7 +1907,7 @@
     </p:spTree>
     <p:extLst>
       <p:ext uri="{BB962C8B-B14F-4D97-AF65-F5344CB8AC3E}">
-        <p14:creationId xmlns:p14="http://schemas.microsoft.com/office/powerpoint/2010/main" val="270339087"/>
+        <p14:creationId xmlns:p14="http://schemas.microsoft.com/office/powerpoint/2010/main" val="1557830548"/>
       </p:ext>
     </p:extLst>
   </p:cSld>
@@ -1566,7 +1991,7 @@
     </p:spTree>
     <p:extLst>
       <p:ext uri="{BB962C8B-B14F-4D97-AF65-F5344CB8AC3E}">
-        <p14:creationId xmlns:p14="http://schemas.microsoft.com/office/powerpoint/2010/main" val="673645520"/>
+        <p14:creationId xmlns:p14="http://schemas.microsoft.com/office/powerpoint/2010/main" val="270339087"/>
       </p:ext>
     </p:extLst>
   </p:cSld>
@@ -1650,7 +2075,7 @@
     </p:spTree>
     <p:extLst>
       <p:ext uri="{BB962C8B-B14F-4D97-AF65-F5344CB8AC3E}">
-        <p14:creationId xmlns:p14="http://schemas.microsoft.com/office/powerpoint/2010/main" val="3204056461"/>
+        <p14:creationId xmlns:p14="http://schemas.microsoft.com/office/powerpoint/2010/main" val="564086774"/>
       </p:ext>
     </p:extLst>
   </p:cSld>
@@ -1807,7 +2232,7 @@
           <a:p>
             <a:fld id="{3881C039-66A3-4640-815B-3B5A8B7D868D}" type="datetimeFigureOut">
               <a:rPr lang="en-US" smtClean="0"/>
-              <a:t>1/5/2023</a:t>
+              <a:t>1/9/2023</a:t>
             </a:fld>
             <a:endParaRPr lang="en-US"/>
           </a:p>
@@ -2005,7 +2430,7 @@
           <a:p>
             <a:fld id="{3881C039-66A3-4640-815B-3B5A8B7D868D}" type="datetimeFigureOut">
               <a:rPr lang="en-US" smtClean="0"/>
-              <a:t>1/5/2023</a:t>
+              <a:t>1/9/2023</a:t>
             </a:fld>
             <a:endParaRPr lang="en-US"/>
           </a:p>
@@ -2213,7 +2638,7 @@
           <a:p>
             <a:fld id="{3881C039-66A3-4640-815B-3B5A8B7D868D}" type="datetimeFigureOut">
               <a:rPr lang="en-US" smtClean="0"/>
-              <a:t>1/5/2023</a:t>
+              <a:t>1/9/2023</a:t>
             </a:fld>
             <a:endParaRPr lang="en-US"/>
           </a:p>
@@ -2411,7 +2836,7 @@
           <a:p>
             <a:fld id="{3881C039-66A3-4640-815B-3B5A8B7D868D}" type="datetimeFigureOut">
               <a:rPr lang="en-US" smtClean="0"/>
-              <a:t>1/5/2023</a:t>
+              <a:t>1/9/2023</a:t>
             </a:fld>
             <a:endParaRPr lang="en-US"/>
           </a:p>
@@ -2686,7 +3111,7 @@
           <a:p>
             <a:fld id="{3881C039-66A3-4640-815B-3B5A8B7D868D}" type="datetimeFigureOut">
               <a:rPr lang="en-US" smtClean="0"/>
-              <a:t>1/5/2023</a:t>
+              <a:t>1/9/2023</a:t>
             </a:fld>
             <a:endParaRPr lang="en-US"/>
           </a:p>
@@ -2951,7 +3376,7 @@
           <a:p>
             <a:fld id="{3881C039-66A3-4640-815B-3B5A8B7D868D}" type="datetimeFigureOut">
               <a:rPr lang="en-US" smtClean="0"/>
-              <a:t>1/5/2023</a:t>
+              <a:t>1/9/2023</a:t>
             </a:fld>
             <a:endParaRPr lang="en-US"/>
           </a:p>
@@ -3363,7 +3788,7 @@
           <a:p>
             <a:fld id="{3881C039-66A3-4640-815B-3B5A8B7D868D}" type="datetimeFigureOut">
               <a:rPr lang="en-US" smtClean="0"/>
-              <a:t>1/5/2023</a:t>
+              <a:t>1/9/2023</a:t>
             </a:fld>
             <a:endParaRPr lang="en-US"/>
           </a:p>
@@ -3504,7 +3929,7 @@
           <a:p>
             <a:fld id="{3881C039-66A3-4640-815B-3B5A8B7D868D}" type="datetimeFigureOut">
               <a:rPr lang="en-US" smtClean="0"/>
-              <a:t>1/5/2023</a:t>
+              <a:t>1/9/2023</a:t>
             </a:fld>
             <a:endParaRPr lang="en-US"/>
           </a:p>
@@ -3617,7 +4042,7 @@
           <a:p>
             <a:fld id="{3881C039-66A3-4640-815B-3B5A8B7D868D}" type="datetimeFigureOut">
               <a:rPr lang="en-US" smtClean="0"/>
-              <a:t>1/5/2023</a:t>
+              <a:t>1/9/2023</a:t>
             </a:fld>
             <a:endParaRPr lang="en-US"/>
           </a:p>
@@ -3928,7 +4353,7 @@
           <a:p>
             <a:fld id="{3881C039-66A3-4640-815B-3B5A8B7D868D}" type="datetimeFigureOut">
               <a:rPr lang="en-US" smtClean="0"/>
-              <a:t>1/5/2023</a:t>
+              <a:t>1/9/2023</a:t>
             </a:fld>
             <a:endParaRPr lang="en-US"/>
           </a:p>
@@ -4216,7 +4641,7 @@
           <a:p>
             <a:fld id="{3881C039-66A3-4640-815B-3B5A8B7D868D}" type="datetimeFigureOut">
               <a:rPr lang="en-US" smtClean="0"/>
-              <a:t>1/5/2023</a:t>
+              <a:t>1/9/2023</a:t>
             </a:fld>
             <a:endParaRPr lang="en-US"/>
           </a:p>
@@ -4460,7 +4885,7 @@
           <a:p>
             <a:fld id="{3881C039-66A3-4640-815B-3B5A8B7D868D}" type="datetimeFigureOut">
               <a:rPr lang="en-US" smtClean="0"/>
-              <a:t>1/5/2023</a:t>
+              <a:t>1/9/2023</a:t>
             </a:fld>
             <a:endParaRPr lang="en-US"/>
           </a:p>
@@ -5905,7 +6330,7 @@
         <p:spPr>
           <a:xfrm>
             <a:off x="838200" y="2021249"/>
-            <a:ext cx="6369424" cy="4527469"/>
+            <a:ext cx="6632942" cy="4527469"/>
           </a:xfrm>
         </p:spPr>
         <p:txBody>
@@ -5918,7 +6343,7 @@
               <a:rPr lang="en-US" sz="2400" dirty="0">
                 <a:latin typeface="Selawik Semibold" panose="020B0702040204020203" pitchFamily="34" charset="0"/>
               </a:rPr>
-              <a:t>Most Popular US Sports (sportsshow.net)</a:t>
+              <a:t>Most Popular US Sports (sportsbrowser.net)</a:t>
             </a:r>
           </a:p>
           <a:p>
@@ -5935,7 +6360,7 @@
               <a:rPr lang="en-US" sz="2000" dirty="0">
                 <a:latin typeface="Selawik Semibold" panose="020B0702040204020203" pitchFamily="34" charset="0"/>
               </a:rPr>
-              <a:t>Based on TV Viewership</a:t>
+              <a:t>Based on TV Viewership and Ratings</a:t>
             </a:r>
           </a:p>
           <a:p>
@@ -5961,7 +6386,7 @@
               <a:rPr lang="en-US" sz="1800" dirty="0">
                 <a:latin typeface="Selawik Semibold" panose="020B0702040204020203" pitchFamily="34" charset="0"/>
               </a:rPr>
-              <a:t>Football (38.8% Favorite, 111.9 Million)</a:t>
+              <a:t>Football (38.8% Viewership, 111.9 Million)</a:t>
             </a:r>
           </a:p>
           <a:p>
@@ -5970,7 +6395,7 @@
               <a:rPr lang="en-US" sz="1800" dirty="0">
                 <a:latin typeface="Selawik Semibold" panose="020B0702040204020203" pitchFamily="34" charset="0"/>
               </a:rPr>
-              <a:t>Baseball (14.8% Favorite, 40.0 Million)</a:t>
+              <a:t>Baseball (14.8% Viewership, 40.0 Million)</a:t>
             </a:r>
           </a:p>
           <a:p>
@@ -5979,7 +6404,7 @@
               <a:rPr lang="en-US" sz="1800" dirty="0">
                 <a:latin typeface="Selawik Semibold" panose="020B0702040204020203" pitchFamily="34" charset="0"/>
               </a:rPr>
-              <a:t>Basketball (15.3% Favorite, 30.8 Million)</a:t>
+              <a:t>Basketball (15.3% Viewership, 30.8 Million)</a:t>
             </a:r>
           </a:p>
           <a:p>
@@ -5988,7 +6413,7 @@
               <a:rPr lang="en-US" sz="1800" dirty="0">
                 <a:latin typeface="Selawik Semibold" panose="020B0702040204020203" pitchFamily="34" charset="0"/>
               </a:rPr>
-              <a:t>Ice Hockey (3.8% Favorite, 27.6 Million)</a:t>
+              <a:t>Ice Hockey (3.8% Viewership, 27.6 Million)</a:t>
             </a:r>
           </a:p>
           <a:p>
@@ -5997,7 +6422,7 @@
               <a:rPr lang="en-US" sz="1800" dirty="0">
                 <a:latin typeface="Selawik Semibold" panose="020B0702040204020203" pitchFamily="34" charset="0"/>
               </a:rPr>
-              <a:t>Soccer (8.2% Favorite, 27.3 Million)</a:t>
+              <a:t>Soccer (8.2% Viewership, 27.3 Million)</a:t>
             </a:r>
           </a:p>
           <a:p>
@@ -6526,7 +6951,7 @@
               <a:rPr lang="en-US" sz="2400" dirty="0">
                 <a:latin typeface="Selawik Semibold" panose="020B0702040204020203" pitchFamily="34" charset="0"/>
               </a:rPr>
-              <a:t>Revenue in Sports Leagues (howmuch.net)</a:t>
+              <a:t>Revenue in Sports Leagues (Forbes 2022)</a:t>
             </a:r>
           </a:p>
           <a:p>
@@ -6879,10 +7304,10 @@
       </p:sp>
       <p:pic>
         <p:nvPicPr>
-          <p:cNvPr id="8" name="Picture 7" descr="A picture containing screenshot&#10;&#10;Description automatically generated">
-            <a:extLst>
-              <a:ext uri="{FF2B5EF4-FFF2-40B4-BE49-F238E27FC236}">
-                <a16:creationId xmlns:a16="http://schemas.microsoft.com/office/drawing/2014/main" id="{C7A60BA4-1F06-43FE-A8F3-A95243EAF4FE}"/>
+          <p:cNvPr id="7" name="Picture 6" descr="Chart, bar chart&#10;&#10;Description automatically generated">
+            <a:extLst>
+              <a:ext uri="{FF2B5EF4-FFF2-40B4-BE49-F238E27FC236}">
+                <a16:creationId xmlns:a16="http://schemas.microsoft.com/office/drawing/2014/main" id="{00CA4986-23D4-59DC-3076-556D48B155D4}"/>
               </a:ext>
             </a:extLst>
           </p:cNvPr>
@@ -6905,8 +7330,8 @@
         </p:blipFill>
         <p:spPr>
           <a:xfrm>
-            <a:off x="1176669" y="2450847"/>
-            <a:ext cx="6506282" cy="4042028"/>
+            <a:off x="1146901" y="2507876"/>
+            <a:ext cx="4527334" cy="4071344"/>
           </a:xfrm>
           <a:prstGeom prst="rect">
             <a:avLst/>
@@ -7069,8 +7494,8 @@
         </p:nvSpPr>
         <p:spPr>
           <a:xfrm>
-            <a:off x="838199" y="2021249"/>
-            <a:ext cx="7324166" cy="4581257"/>
+            <a:off x="838199" y="2021250"/>
+            <a:ext cx="6632943" cy="486626"/>
           </a:xfrm>
         </p:spPr>
         <p:txBody>
@@ -7083,133 +7508,8 @@
               <a:rPr lang="en-US" sz="2400" dirty="0">
                 <a:latin typeface="Selawik Semibold" panose="020B0702040204020203" pitchFamily="34" charset="0"/>
               </a:rPr>
-              <a:t>Revenue in Sports Leagues (howmuch.net)</a:t>
-            </a:r>
-          </a:p>
-          <a:p>
-            <a:pPr lvl="1"/>
-            <a:endParaRPr lang="en-US" sz="2000" dirty="0">
-              <a:latin typeface="Selawik Semibold" panose="020B0702040204020203" pitchFamily="34" charset="0"/>
-            </a:endParaRPr>
-          </a:p>
-          <a:p>
-            <a:pPr lvl="1"/>
-            <a:r>
-              <a:rPr lang="en-US" sz="2000" dirty="0">
-                <a:latin typeface="Selawik Semibold" panose="020B0702040204020203" pitchFamily="34" charset="0"/>
-              </a:rPr>
-              <a:t>Majority Soccer Leagues (14/20)</a:t>
-            </a:r>
-          </a:p>
-          <a:p>
-            <a:pPr lvl="1"/>
-            <a:endParaRPr lang="en-US" sz="2000" dirty="0">
-              <a:latin typeface="Selawik Semibold" panose="020B0702040204020203" pitchFamily="34" charset="0"/>
-            </a:endParaRPr>
-          </a:p>
-          <a:p>
-            <a:pPr lvl="1"/>
-            <a:r>
-              <a:rPr lang="en-US" sz="2000" dirty="0">
-                <a:latin typeface="Selawik Semibold" panose="020B0702040204020203" pitchFamily="34" charset="0"/>
-              </a:rPr>
-              <a:t>Combined Soccer Leagues Revenue = $19.4B</a:t>
-            </a:r>
-          </a:p>
-          <a:p>
-            <a:pPr lvl="1"/>
-            <a:endParaRPr lang="en-US" sz="2000" dirty="0">
-              <a:latin typeface="Selawik Semibold" panose="020B0702040204020203" pitchFamily="34" charset="0"/>
-            </a:endParaRPr>
-          </a:p>
-          <a:p>
-            <a:pPr lvl="1"/>
-            <a:r>
-              <a:rPr lang="en-US" sz="2000" dirty="0">
-                <a:latin typeface="Selawik Semibold" panose="020B0702040204020203" pitchFamily="34" charset="0"/>
-              </a:rPr>
-              <a:t>MLS is 18</a:t>
-            </a:r>
-            <a:r>
-              <a:rPr lang="en-US" sz="2000" baseline="30000" dirty="0">
-                <a:latin typeface="Selawik Semibold" panose="020B0702040204020203" pitchFamily="34" charset="0"/>
-              </a:rPr>
-              <a:t>th</a:t>
-            </a:r>
-            <a:r>
-              <a:rPr lang="en-US" sz="2000" dirty="0">
-                <a:latin typeface="Selawik Semibold" panose="020B0702040204020203" pitchFamily="34" charset="0"/>
-              </a:rPr>
-              <a:t> on the List = $461M</a:t>
-            </a:r>
-            <a:br>
-              <a:rPr lang="en-US" sz="2000" dirty="0">
-                <a:latin typeface="Selawik Semibold" panose="020B0702040204020203" pitchFamily="34" charset="0"/>
-              </a:rPr>
-            </a:br>
-            <a:endParaRPr lang="en-US" sz="2000" dirty="0">
-              <a:latin typeface="Selawik Semibold" panose="020B0702040204020203" pitchFamily="34" charset="0"/>
-            </a:endParaRPr>
-          </a:p>
-          <a:p>
-            <a:pPr lvl="1"/>
-            <a:r>
-              <a:rPr lang="en-US" sz="2000" dirty="0">
-                <a:latin typeface="Selawik Semibold" panose="020B0702040204020203" pitchFamily="34" charset="0"/>
-              </a:rPr>
-              <a:t>4 out of top 5 are US/Canadian Leagues</a:t>
-            </a:r>
-          </a:p>
-          <a:p>
-            <a:pPr lvl="1"/>
-            <a:endParaRPr lang="en-US" sz="2000" dirty="0">
-              <a:latin typeface="Selawik Semibold" panose="020B0702040204020203" pitchFamily="34" charset="0"/>
-            </a:endParaRPr>
-          </a:p>
-          <a:p>
-            <a:pPr lvl="1"/>
-            <a:r>
-              <a:rPr lang="en-US" sz="2000" dirty="0">
-                <a:latin typeface="Selawik Semibold" panose="020B0702040204020203" pitchFamily="34" charset="0"/>
-              </a:rPr>
-              <a:t>NFL, MLB, NBA, NHL = </a:t>
-            </a:r>
-            <a:r>
-              <a:rPr lang="en-US" sz="2000">
-                <a:latin typeface="Selawik Semibold" panose="020B0702040204020203" pitchFamily="34" charset="0"/>
-              </a:rPr>
-              <a:t>$31B</a:t>
-            </a:r>
-            <a:endParaRPr lang="en-US" sz="2000" dirty="0">
-              <a:latin typeface="Selawik Semibold" panose="020B0702040204020203" pitchFamily="34" charset="0"/>
-            </a:endParaRPr>
-          </a:p>
-          <a:p>
-            <a:pPr lvl="1"/>
-            <a:endParaRPr lang="en-US" sz="2000" dirty="0">
-              <a:latin typeface="Selawik Semibold" panose="020B0702040204020203" pitchFamily="34" charset="0"/>
-            </a:endParaRPr>
-          </a:p>
-          <a:p>
-            <a:pPr lvl="1"/>
-            <a:r>
-              <a:rPr lang="en-US" sz="2000" dirty="0">
-                <a:latin typeface="Selawik Semibold" panose="020B0702040204020203" pitchFamily="34" charset="0"/>
-              </a:rPr>
-              <a:t>US Diverse Interests = Spans 5 Different Sports</a:t>
-            </a:r>
-          </a:p>
-          <a:p>
-            <a:pPr lvl="1"/>
-            <a:endParaRPr lang="en-US" sz="2000" dirty="0">
-              <a:latin typeface="Selawik Semibold" panose="020B0702040204020203" pitchFamily="34" charset="0"/>
-            </a:endParaRPr>
-          </a:p>
-          <a:p>
-            <a:pPr lvl="1"/>
-            <a:endParaRPr lang="en-US" sz="2000" dirty="0">
-              <a:latin typeface="Selawik Semibold" panose="020B0702040204020203" pitchFamily="34" charset="0"/>
-            </a:endParaRPr>
+              <a:t>Revenue in Sports Leagues (Forbes 2022)</a:t>
+            </a:r>
           </a:p>
           <a:p>
             <a:pPr lvl="1"/>
@@ -7559,10 +7859,46 @@
           </a:p>
         </p:txBody>
       </p:sp>
+      <p:pic>
+        <p:nvPicPr>
+          <p:cNvPr id="8" name="Picture 7" descr="Graphical user interface, application&#10;&#10;Description automatically generated">
+            <a:extLst>
+              <a:ext uri="{FF2B5EF4-FFF2-40B4-BE49-F238E27FC236}">
+                <a16:creationId xmlns:a16="http://schemas.microsoft.com/office/drawing/2014/main" id="{41A55D49-6774-0F25-43B3-8A9BC696729C}"/>
+              </a:ext>
+            </a:extLst>
+          </p:cNvPr>
+          <p:cNvPicPr>
+            <a:picLocks noChangeAspect="1"/>
+          </p:cNvPicPr>
+          <p:nvPr/>
+        </p:nvPicPr>
+        <p:blipFill>
+          <a:blip r:embed="rId5">
+            <a:extLst>
+              <a:ext uri="{28A0092B-C50C-407E-A947-70E740481C1C}">
+                <a14:useLocalDpi xmlns:a14="http://schemas.microsoft.com/office/drawing/2010/main" val="0"/>
+              </a:ext>
+            </a:extLst>
+          </a:blip>
+          <a:stretch>
+            <a:fillRect/>
+          </a:stretch>
+        </p:blipFill>
+        <p:spPr>
+          <a:xfrm>
+            <a:off x="1188646" y="2507876"/>
+            <a:ext cx="6467832" cy="2315274"/>
+          </a:xfrm>
+          <a:prstGeom prst="rect">
+            <a:avLst/>
+          </a:prstGeom>
+        </p:spPr>
+      </p:pic>
     </p:spTree>
     <p:extLst>
       <p:ext uri="{BB962C8B-B14F-4D97-AF65-F5344CB8AC3E}">
-        <p14:creationId xmlns:p14="http://schemas.microsoft.com/office/powerpoint/2010/main" val="80295406"/>
+        <p14:creationId xmlns:p14="http://schemas.microsoft.com/office/powerpoint/2010/main" val="1393550825"/>
       </p:ext>
     </p:extLst>
   </p:cSld>
@@ -7729,7 +8065,19 @@
               <a:rPr lang="en-US" sz="2400" dirty="0">
                 <a:latin typeface="Selawik Semibold" panose="020B0702040204020203" pitchFamily="34" charset="0"/>
               </a:rPr>
-              <a:t>Profit of Sports Leagues (Athletic Panda)</a:t>
+              <a:t>Revenue in Sports Leagues (</a:t>
+            </a:r>
+            <a:r>
+              <a:rPr lang="en-US" sz="2400" dirty="0" err="1">
+                <a:latin typeface="Selawik Semibold" panose="020B0702040204020203" pitchFamily="34" charset="0"/>
+              </a:rPr>
+              <a:t>BizVibe</a:t>
+            </a:r>
+            <a:r>
+              <a:rPr lang="en-US" sz="2400" dirty="0">
+                <a:latin typeface="Selawik Semibold" panose="020B0702040204020203" pitchFamily="34" charset="0"/>
+              </a:rPr>
+              <a:t>)</a:t>
             </a:r>
           </a:p>
           <a:p>
@@ -7744,7 +8092,43 @@
               <a:rPr lang="en-US" sz="2000" dirty="0">
                 <a:latin typeface="Selawik Semibold" panose="020B0702040204020203" pitchFamily="34" charset="0"/>
               </a:rPr>
-              <a:t>Previous Info From 2016</a:t>
+              <a:t>Measurements</a:t>
+            </a:r>
+          </a:p>
+          <a:p>
+            <a:pPr lvl="2"/>
+            <a:r>
+              <a:rPr lang="en-US" sz="1600" dirty="0">
+                <a:latin typeface="Selawik Semibold" panose="020B0702040204020203" pitchFamily="34" charset="0"/>
+              </a:rPr>
+              <a:t>TV/Broadcasting Deals</a:t>
+            </a:r>
+          </a:p>
+          <a:p>
+            <a:pPr lvl="2"/>
+            <a:r>
+              <a:rPr lang="en-US" sz="1600" dirty="0">
+                <a:latin typeface="Selawik Semibold" panose="020B0702040204020203" pitchFamily="34" charset="0"/>
+              </a:rPr>
+              <a:t>Ticket Sales</a:t>
+            </a:r>
+          </a:p>
+          <a:p>
+            <a:pPr lvl="2"/>
+            <a:r>
+              <a:rPr lang="en-US" sz="1600" dirty="0">
+                <a:latin typeface="Selawik Semibold" panose="020B0702040204020203" pitchFamily="34" charset="0"/>
+              </a:rPr>
+              <a:t>Merchandising</a:t>
+            </a:r>
+          </a:p>
+          <a:p>
+            <a:pPr lvl="2"/>
+            <a:r>
+              <a:rPr lang="en-US" sz="1600" dirty="0">
+                <a:latin typeface="Selawik Semibold" panose="020B0702040204020203" pitchFamily="34" charset="0"/>
+              </a:rPr>
+              <a:t>Licensing</a:t>
             </a:r>
           </a:p>
           <a:p>
@@ -7759,14 +8143,8 @@
               <a:rPr lang="en-US" sz="2000" dirty="0">
                 <a:latin typeface="Selawik Semibold" panose="020B0702040204020203" pitchFamily="34" charset="0"/>
               </a:rPr>
-              <a:t>Updated to 2020</a:t>
-            </a:r>
-          </a:p>
-          <a:p>
-            <a:pPr lvl="1"/>
-            <a:endParaRPr lang="en-US" sz="2000" dirty="0">
-              <a:latin typeface="Selawik Semibold" panose="020B0702040204020203" pitchFamily="34" charset="0"/>
-            </a:endParaRPr>
+              <a:t>List Based off 2020 Data</a:t>
+            </a:r>
           </a:p>
           <a:p>
             <a:pPr lvl="1"/>
@@ -8122,40 +8500,10 @@
           </a:p>
         </p:txBody>
       </p:sp>
-      <p:pic>
-        <p:nvPicPr>
-          <p:cNvPr id="7" name="Picture 6" descr="Text&#10;&#10;Description automatically generated">
-            <a:extLst>
-              <a:ext uri="{FF2B5EF4-FFF2-40B4-BE49-F238E27FC236}">
-                <a16:creationId xmlns:a16="http://schemas.microsoft.com/office/drawing/2014/main" id="{CA76271E-1D27-4872-A942-B6BB5A59BD85}"/>
-              </a:ext>
-            </a:extLst>
-          </p:cNvPr>
-          <p:cNvPicPr>
-            <a:picLocks noChangeAspect="1"/>
-          </p:cNvPicPr>
-          <p:nvPr/>
-        </p:nvPicPr>
-        <p:blipFill>
-          <a:blip r:embed="rId5"/>
-          <a:stretch>
-            <a:fillRect/>
-          </a:stretch>
-        </p:blipFill>
-        <p:spPr>
-          <a:xfrm>
-            <a:off x="1644992" y="3825379"/>
-            <a:ext cx="4148188" cy="2777127"/>
-          </a:xfrm>
-          <a:prstGeom prst="rect">
-            <a:avLst/>
-          </a:prstGeom>
-        </p:spPr>
-      </p:pic>
     </p:spTree>
     <p:extLst>
       <p:ext uri="{BB962C8B-B14F-4D97-AF65-F5344CB8AC3E}">
-        <p14:creationId xmlns:p14="http://schemas.microsoft.com/office/powerpoint/2010/main" val="3218843434"/>
+        <p14:creationId xmlns:p14="http://schemas.microsoft.com/office/powerpoint/2010/main" val="80295406"/>
       </p:ext>
     </p:extLst>
   </p:cSld>
@@ -8322,8 +8670,23 @@
               <a:rPr lang="en-US" sz="2400" dirty="0">
                 <a:latin typeface="Selawik Semibold" panose="020B0702040204020203" pitchFamily="34" charset="0"/>
               </a:rPr>
-              <a:t>Growth in Team Sports (sisugaurd.com)</a:t>
-            </a:r>
+              <a:t>Revenue in Sports Leagues (</a:t>
+            </a:r>
+            <a:r>
+              <a:rPr lang="en-US" sz="2400" dirty="0" err="1">
+                <a:latin typeface="Selawik Semibold" panose="020B0702040204020203" pitchFamily="34" charset="0"/>
+              </a:rPr>
+              <a:t>BizVibe</a:t>
+            </a:r>
+            <a:r>
+              <a:rPr lang="en-US" sz="2400" dirty="0">
+                <a:latin typeface="Selawik Semibold" panose="020B0702040204020203" pitchFamily="34" charset="0"/>
+              </a:rPr>
+              <a:t>)</a:t>
+            </a:r>
+          </a:p>
+          <a:p>
+            <a:pPr lvl="1"/>
             <a:endParaRPr lang="en-US" sz="2000" dirty="0">
               <a:latin typeface="Selawik Semibold" panose="020B0702040204020203" pitchFamily="34" charset="0"/>
             </a:endParaRPr>
@@ -8684,10 +9047,10 @@
       </p:sp>
       <p:pic>
         <p:nvPicPr>
-          <p:cNvPr id="7" name="Picture 6" descr="A screenshot of a cell phone&#10;&#10;Description automatically generated">
-            <a:extLst>
-              <a:ext uri="{FF2B5EF4-FFF2-40B4-BE49-F238E27FC236}">
-                <a16:creationId xmlns:a16="http://schemas.microsoft.com/office/drawing/2014/main" id="{ED404A5E-A92F-40E3-803A-B7C744A38ED9}"/>
+          <p:cNvPr id="10" name="Picture 9" descr="Chart, bar chart, funnel chart&#10;&#10;Description automatically generated">
+            <a:extLst>
+              <a:ext uri="{FF2B5EF4-FFF2-40B4-BE49-F238E27FC236}">
+                <a16:creationId xmlns:a16="http://schemas.microsoft.com/office/drawing/2014/main" id="{97F92B24-3D18-0FFC-48E5-F1F73FE3C4DA}"/>
               </a:ext>
             </a:extLst>
           </p:cNvPr>
@@ -8710,65 +9073,18 @@
         </p:blipFill>
         <p:spPr>
           <a:xfrm>
-            <a:off x="1211998" y="2440640"/>
-            <a:ext cx="4911998" cy="4188125"/>
+            <a:off x="1169967" y="2567424"/>
+            <a:ext cx="6433076" cy="3741278"/>
           </a:xfrm>
           <a:prstGeom prst="rect">
             <a:avLst/>
           </a:prstGeom>
         </p:spPr>
       </p:pic>
-      <p:sp>
-        <p:nvSpPr>
-          <p:cNvPr id="8" name="TextBox 7">
-            <a:extLst>
-              <a:ext uri="{FF2B5EF4-FFF2-40B4-BE49-F238E27FC236}">
-                <a16:creationId xmlns:a16="http://schemas.microsoft.com/office/drawing/2014/main" id="{2BF57D43-4A99-47D7-A02E-3A57D96B7B4F}"/>
-              </a:ext>
-            </a:extLst>
-          </p:cNvPr>
-          <p:cNvSpPr txBox="1"/>
-          <p:nvPr/>
-        </p:nvSpPr>
-        <p:spPr>
-          <a:xfrm>
-            <a:off x="6123996" y="5528278"/>
-            <a:ext cx="3825170" cy="1200329"/>
-          </a:xfrm>
-          <a:prstGeom prst="rect">
-            <a:avLst/>
-          </a:prstGeom>
-          <a:noFill/>
-        </p:spPr>
-        <p:txBody>
-          <a:bodyPr wrap="square" rtlCol="0">
-            <a:spAutoFit/>
-          </a:bodyPr>
-          <a:lstStyle/>
-          <a:p>
-            <a:r>
-              <a:rPr lang="en-US" dirty="0"/>
-              <a:t>Based on 2017 Annual Report </a:t>
-            </a:r>
-          </a:p>
-          <a:p>
-            <a:r>
-              <a:rPr lang="en-US" dirty="0"/>
-              <a:t>On US Trends in Team Sports </a:t>
-            </a:r>
-          </a:p>
-          <a:p>
-            <a:r>
-              <a:rPr lang="en-US" dirty="0"/>
-              <a:t>By Sports &amp; Fitness Industry Association (SFIA)</a:t>
-            </a:r>
-          </a:p>
-        </p:txBody>
-      </p:sp>
     </p:spTree>
     <p:extLst>
       <p:ext uri="{BB962C8B-B14F-4D97-AF65-F5344CB8AC3E}">
-        <p14:creationId xmlns:p14="http://schemas.microsoft.com/office/powerpoint/2010/main" val="567599230"/>
+        <p14:creationId xmlns:p14="http://schemas.microsoft.com/office/powerpoint/2010/main" val="179952079"/>
       </p:ext>
     </p:extLst>
   </p:cSld>
@@ -8935,11 +9251,8 @@
               <a:rPr lang="en-US" sz="2400" dirty="0">
                 <a:latin typeface="Selawik Semibold" panose="020B0702040204020203" pitchFamily="34" charset="0"/>
               </a:rPr>
-              <a:t>Growth in Team Sports (sisugaurd.com)</a:t>
-            </a:r>
-            <a:endParaRPr lang="en-US" sz="2000" dirty="0">
-              <a:latin typeface="Selawik Semibold" panose="020B0702040204020203" pitchFamily="34" charset="0"/>
-            </a:endParaRPr>
+              <a:t>Profit of Sports Leagues (Athletic Panda)</a:t>
+            </a:r>
           </a:p>
           <a:p>
             <a:pPr lvl="1"/>
@@ -8953,7 +9266,7 @@
               <a:rPr lang="en-US" sz="2000" dirty="0">
                 <a:latin typeface="Selawik Semibold" panose="020B0702040204020203" pitchFamily="34" charset="0"/>
               </a:rPr>
-              <a:t>Increase of 10.9% Across All Sports (2014-2016)</a:t>
+              <a:t>Updated to 2020</a:t>
             </a:r>
           </a:p>
           <a:p>
@@ -8964,100 +9277,13 @@
           </a:p>
           <a:p>
             <a:pPr lvl="1"/>
-            <a:r>
-              <a:rPr lang="en-US" sz="2000" dirty="0">
-                <a:latin typeface="Selawik Semibold" panose="020B0702040204020203" pitchFamily="34" charset="0"/>
-              </a:rPr>
-              <a:t>Resilient Sports Based on Age of Participants</a:t>
-            </a:r>
-          </a:p>
-          <a:p>
-            <a:pPr lvl="2"/>
-            <a:r>
-              <a:rPr lang="en-US" sz="1600" dirty="0">
-                <a:latin typeface="Selawik Semibold" panose="020B0702040204020203" pitchFamily="34" charset="0"/>
-              </a:rPr>
-              <a:t>Soccer</a:t>
-            </a:r>
-          </a:p>
-          <a:p>
-            <a:pPr lvl="2"/>
-            <a:r>
-              <a:rPr lang="en-US" sz="1600" dirty="0">
-                <a:latin typeface="Selawik Semibold" panose="020B0702040204020203" pitchFamily="34" charset="0"/>
-              </a:rPr>
-              <a:t>Volleyball</a:t>
-            </a:r>
-          </a:p>
-          <a:p>
-            <a:pPr lvl="2"/>
-            <a:r>
-              <a:rPr lang="en-US" sz="1600" dirty="0">
-                <a:latin typeface="Selawik Semibold" panose="020B0702040204020203" pitchFamily="34" charset="0"/>
-              </a:rPr>
-              <a:t>Softball</a:t>
-            </a:r>
-          </a:p>
-          <a:p>
-            <a:pPr lvl="2"/>
-            <a:r>
-              <a:rPr lang="en-US" sz="1600" dirty="0">
-                <a:latin typeface="Selawik Semibold" panose="020B0702040204020203" pitchFamily="34" charset="0"/>
-              </a:rPr>
-              <a:t>Flag Football</a:t>
-            </a:r>
-          </a:p>
-          <a:p>
-            <a:pPr lvl="1"/>
             <a:endParaRPr lang="en-US" sz="2000" dirty="0">
               <a:latin typeface="Selawik Semibold" panose="020B0702040204020203" pitchFamily="34" charset="0"/>
             </a:endParaRPr>
           </a:p>
           <a:p>
             <a:pPr lvl="1"/>
-            <a:r>
-              <a:rPr lang="en-US" sz="2000" dirty="0">
-                <a:latin typeface="Selawik Semibold" panose="020B0702040204020203" pitchFamily="34" charset="0"/>
-              </a:rPr>
-              <a:t>Declining Sports Lost 9.3M Participants</a:t>
-            </a:r>
-          </a:p>
-          <a:p>
-            <a:pPr lvl="1"/>
             <a:endParaRPr lang="en-US" sz="2000" dirty="0">
-              <a:latin typeface="Selawik Semibold" panose="020B0702040204020203" pitchFamily="34" charset="0"/>
-            </a:endParaRPr>
-          </a:p>
-          <a:p>
-            <a:pPr lvl="1"/>
-            <a:r>
-              <a:rPr lang="en-US" sz="2000" dirty="0">
-                <a:latin typeface="Selawik Semibold" panose="020B0702040204020203" pitchFamily="34" charset="0"/>
-              </a:rPr>
-              <a:t>Basketball Declined Most by 2.4M Participants</a:t>
-            </a:r>
-          </a:p>
-          <a:p>
-            <a:pPr lvl="2"/>
-            <a:endParaRPr lang="en-US" sz="1600" dirty="0">
-              <a:latin typeface="Selawik Semibold" panose="020B0702040204020203" pitchFamily="34" charset="0"/>
-            </a:endParaRPr>
-          </a:p>
-          <a:p>
-            <a:pPr lvl="2"/>
-            <a:endParaRPr lang="en-US" sz="1600" dirty="0">
-              <a:latin typeface="Selawik Semibold" panose="020B0702040204020203" pitchFamily="34" charset="0"/>
-            </a:endParaRPr>
-          </a:p>
-          <a:p>
-            <a:pPr lvl="2"/>
-            <a:endParaRPr lang="en-US" sz="1600" dirty="0">
-              <a:latin typeface="Selawik Semibold" panose="020B0702040204020203" pitchFamily="34" charset="0"/>
-            </a:endParaRPr>
-          </a:p>
-          <a:p>
-            <a:pPr lvl="2"/>
-            <a:endParaRPr lang="en-US" sz="1600" dirty="0">
               <a:latin typeface="Selawik Semibold" panose="020B0702040204020203" pitchFamily="34" charset="0"/>
             </a:endParaRPr>
           </a:p>
@@ -9403,10 +9629,40 @@
           </a:p>
         </p:txBody>
       </p:sp>
+      <p:pic>
+        <p:nvPicPr>
+          <p:cNvPr id="7" name="Picture 6" descr="Text&#10;&#10;Description automatically generated">
+            <a:extLst>
+              <a:ext uri="{FF2B5EF4-FFF2-40B4-BE49-F238E27FC236}">
+                <a16:creationId xmlns:a16="http://schemas.microsoft.com/office/drawing/2014/main" id="{CA76271E-1D27-4872-A942-B6BB5A59BD85}"/>
+              </a:ext>
+            </a:extLst>
+          </p:cNvPr>
+          <p:cNvPicPr>
+            <a:picLocks noChangeAspect="1"/>
+          </p:cNvPicPr>
+          <p:nvPr/>
+        </p:nvPicPr>
+        <p:blipFill>
+          <a:blip r:embed="rId5"/>
+          <a:stretch>
+            <a:fillRect/>
+          </a:stretch>
+        </p:blipFill>
+        <p:spPr>
+          <a:xfrm>
+            <a:off x="1645529" y="3167537"/>
+            <a:ext cx="4148188" cy="2777127"/>
+          </a:xfrm>
+          <a:prstGeom prst="rect">
+            <a:avLst/>
+          </a:prstGeom>
+        </p:spPr>
+      </p:pic>
     </p:spTree>
     <p:extLst>
       <p:ext uri="{BB962C8B-B14F-4D97-AF65-F5344CB8AC3E}">
-        <p14:creationId xmlns:p14="http://schemas.microsoft.com/office/powerpoint/2010/main" val="149536260"/>
+        <p14:creationId xmlns:p14="http://schemas.microsoft.com/office/powerpoint/2010/main" val="3218843434"/>
       </p:ext>
     </p:extLst>
   </p:cSld>
@@ -9536,7 +9792,7 @@
               <a:rPr lang="en-US" b="1" dirty="0">
                 <a:latin typeface="Selawik Semibold" panose="020B0604020202020204" pitchFamily="34" charset="0"/>
               </a:rPr>
-              <a:t>Dope Quote</a:t>
+              <a:t>Current Landscape of Sports</a:t>
             </a:r>
           </a:p>
         </p:txBody>
@@ -9559,134 +9815,35 @@
         </p:nvSpPr>
         <p:spPr>
           <a:xfrm>
-            <a:off x="838198" y="2021249"/>
-            <a:ext cx="7425020" cy="4581257"/>
+            <a:off x="838199" y="2021249"/>
+            <a:ext cx="7324166" cy="4581257"/>
           </a:xfrm>
         </p:spPr>
         <p:txBody>
           <a:bodyPr>
-            <a:normAutofit fontScale="92500" lnSpcReduction="10000"/>
+            <a:normAutofit/>
           </a:bodyPr>
           <a:lstStyle/>
           <a:p>
-            <a:pPr marL="0" indent="0">
-              <a:buNone/>
-            </a:pPr>
-            <a:r>
-              <a:rPr lang="en-US" dirty="0">
+            <a:r>
+              <a:rPr lang="en-US" sz="2400" dirty="0">
                 <a:latin typeface="Selawik Semibold" panose="020B0702040204020203" pitchFamily="34" charset="0"/>
               </a:rPr>
-              <a:t>The most meaningful way to</a:t>
-            </a:r>
-          </a:p>
-          <a:p>
-            <a:pPr marL="0" indent="0">
-              <a:buNone/>
-            </a:pPr>
-            <a:r>
-              <a:rPr lang="en-US" dirty="0">
-                <a:latin typeface="Selawik Semibold" panose="020B0702040204020203" pitchFamily="34" charset="0"/>
-              </a:rPr>
-              <a:t>differentiate your company from your</a:t>
-            </a:r>
-          </a:p>
-          <a:p>
-            <a:pPr marL="0" indent="0">
-              <a:buNone/>
-            </a:pPr>
-            <a:r>
-              <a:rPr lang="en-US" dirty="0">
-                <a:latin typeface="Selawik Semibold" panose="020B0702040204020203" pitchFamily="34" charset="0"/>
-              </a:rPr>
-              <a:t>competitors, the best way to put distance</a:t>
-            </a:r>
-          </a:p>
-          <a:p>
-            <a:pPr marL="0" indent="0">
-              <a:buNone/>
-            </a:pPr>
-            <a:r>
-              <a:rPr lang="en-US" dirty="0">
-                <a:latin typeface="Selawik Semibold" panose="020B0702040204020203" pitchFamily="34" charset="0"/>
-              </a:rPr>
-              <a:t>between you and the crowd is to do an</a:t>
-            </a:r>
-          </a:p>
-          <a:p>
-            <a:pPr marL="0" indent="0">
-              <a:buNone/>
-            </a:pPr>
-            <a:r>
-              <a:rPr lang="en-US" dirty="0">
-                <a:latin typeface="Selawik Semibold" panose="020B0702040204020203" pitchFamily="34" charset="0"/>
-              </a:rPr>
-              <a:t>outstanding job with information. </a:t>
-            </a:r>
-          </a:p>
-          <a:p>
-            <a:pPr marL="0" indent="0">
-              <a:buNone/>
-            </a:pPr>
-            <a:endParaRPr lang="en-US" dirty="0">
+              <a:t>Growth in Team Sports (sisugaurd.com)</a:t>
+            </a:r>
+            <a:endParaRPr lang="en-US" sz="2000" dirty="0">
               <a:latin typeface="Selawik Semibold" panose="020B0702040204020203" pitchFamily="34" charset="0"/>
             </a:endParaRPr>
           </a:p>
           <a:p>
-            <a:pPr marL="0" indent="0">
-              <a:buNone/>
-            </a:pPr>
-            <a:r>
-              <a:rPr lang="en-US" dirty="0">
-                <a:latin typeface="Selawik Semibold" panose="020B0702040204020203" pitchFamily="34" charset="0"/>
-              </a:rPr>
-              <a:t>How you gather, manage, and use information</a:t>
-            </a:r>
-          </a:p>
-          <a:p>
-            <a:pPr marL="0" indent="0">
-              <a:buNone/>
-            </a:pPr>
-            <a:r>
-              <a:rPr lang="en-US" dirty="0">
-                <a:latin typeface="Selawik Semibold" panose="020B0702040204020203" pitchFamily="34" charset="0"/>
-              </a:rPr>
-              <a:t>will determine whether you win or lose.</a:t>
-            </a:r>
-          </a:p>
-          <a:p>
-            <a:pPr marL="0" indent="0">
-              <a:buNone/>
-            </a:pPr>
-            <a:endParaRPr lang="en-US" dirty="0">
+            <a:pPr lvl="1"/>
+            <a:endParaRPr lang="en-US" sz="2000" dirty="0">
               <a:latin typeface="Selawik Semibold" panose="020B0702040204020203" pitchFamily="34" charset="0"/>
             </a:endParaRPr>
           </a:p>
           <a:p>
-            <a:pPr marL="0" indent="0">
-              <a:buNone/>
-            </a:pPr>
-            <a:r>
-              <a:rPr lang="en-US" dirty="0">
-                <a:latin typeface="Selawik Semibold" panose="020B0702040204020203" pitchFamily="34" charset="0"/>
-              </a:rPr>
-              <a:t>- Bill Gates</a:t>
-            </a:r>
-          </a:p>
-          <a:p>
-            <a:pPr lvl="2"/>
-            <a:endParaRPr lang="en-US" sz="1600" dirty="0">
-              <a:latin typeface="Selawik Semibold" panose="020B0702040204020203" pitchFamily="34" charset="0"/>
-            </a:endParaRPr>
-          </a:p>
-          <a:p>
-            <a:pPr lvl="2"/>
-            <a:endParaRPr lang="en-US" sz="1600" dirty="0">
-              <a:latin typeface="Selawik Semibold" panose="020B0702040204020203" pitchFamily="34" charset="0"/>
-            </a:endParaRPr>
-          </a:p>
-          <a:p>
-            <a:pPr lvl="2"/>
-            <a:endParaRPr lang="en-US" sz="1600" dirty="0">
+            <a:pPr lvl="1"/>
+            <a:endParaRPr lang="en-US" sz="2000" dirty="0">
               <a:latin typeface="Selawik Semibold" panose="020B0702040204020203" pitchFamily="34" charset="0"/>
             </a:endParaRPr>
           </a:p>
@@ -10032,10 +10189,93 @@
           </a:p>
         </p:txBody>
       </p:sp>
+      <p:pic>
+        <p:nvPicPr>
+          <p:cNvPr id="7" name="Picture 6" descr="A screenshot of a cell phone&#10;&#10;Description automatically generated">
+            <a:extLst>
+              <a:ext uri="{FF2B5EF4-FFF2-40B4-BE49-F238E27FC236}">
+                <a16:creationId xmlns:a16="http://schemas.microsoft.com/office/drawing/2014/main" id="{ED404A5E-A92F-40E3-803A-B7C744A38ED9}"/>
+              </a:ext>
+            </a:extLst>
+          </p:cNvPr>
+          <p:cNvPicPr>
+            <a:picLocks noChangeAspect="1"/>
+          </p:cNvPicPr>
+          <p:nvPr/>
+        </p:nvPicPr>
+        <p:blipFill>
+          <a:blip r:embed="rId5">
+            <a:extLst>
+              <a:ext uri="{28A0092B-C50C-407E-A947-70E740481C1C}">
+                <a14:useLocalDpi xmlns:a14="http://schemas.microsoft.com/office/drawing/2010/main" val="0"/>
+              </a:ext>
+            </a:extLst>
+          </a:blip>
+          <a:stretch>
+            <a:fillRect/>
+          </a:stretch>
+        </p:blipFill>
+        <p:spPr>
+          <a:xfrm>
+            <a:off x="1211998" y="2440640"/>
+            <a:ext cx="4911998" cy="4188125"/>
+          </a:xfrm>
+          <a:prstGeom prst="rect">
+            <a:avLst/>
+          </a:prstGeom>
+        </p:spPr>
+      </p:pic>
+      <p:sp>
+        <p:nvSpPr>
+          <p:cNvPr id="8" name="TextBox 7">
+            <a:extLst>
+              <a:ext uri="{FF2B5EF4-FFF2-40B4-BE49-F238E27FC236}">
+                <a16:creationId xmlns:a16="http://schemas.microsoft.com/office/drawing/2014/main" id="{2BF57D43-4A99-47D7-A02E-3A57D96B7B4F}"/>
+              </a:ext>
+            </a:extLst>
+          </p:cNvPr>
+          <p:cNvSpPr txBox="1"/>
+          <p:nvPr/>
+        </p:nvSpPr>
+        <p:spPr>
+          <a:xfrm>
+            <a:off x="6123996" y="5528278"/>
+            <a:ext cx="3825170" cy="1200329"/>
+          </a:xfrm>
+          <a:prstGeom prst="rect">
+            <a:avLst/>
+          </a:prstGeom>
+          <a:noFill/>
+        </p:spPr>
+        <p:txBody>
+          <a:bodyPr wrap="square" rtlCol="0">
+            <a:spAutoFit/>
+          </a:bodyPr>
+          <a:lstStyle/>
+          <a:p>
+            <a:r>
+              <a:rPr lang="en-US" dirty="0"/>
+              <a:t>Based on 2017 Annual Report </a:t>
+            </a:r>
+          </a:p>
+          <a:p>
+            <a:r>
+              <a:rPr lang="en-US" dirty="0"/>
+              <a:t>On US Trends in Team Sports </a:t>
+            </a:r>
+          </a:p>
+          <a:p>
+            <a:r>
+              <a:rPr lang="en-US" dirty="0"/>
+              <a:t>By Sports &amp; Fitness Industry Association (SFIA)</a:t>
+            </a:r>
+          </a:p>
+        </p:txBody>
+      </p:sp>
     </p:spTree>
     <p:extLst>
       <p:ext uri="{BB962C8B-B14F-4D97-AF65-F5344CB8AC3E}">
-        <p14:creationId xmlns:p14="http://schemas.microsoft.com/office/powerpoint/2010/main" val="289489808"/>
+        <p14:creationId xmlns:p14="http://schemas.microsoft.com/office/powerpoint/2010/main" val="567599230"/>
       </p:ext>
     </p:extLst>
   </p:cSld>
@@ -10165,7 +10405,7 @@
               <a:rPr lang="en-US" b="1" dirty="0">
                 <a:latin typeface="Selawik Semibold" panose="020B0604020202020204" pitchFamily="34" charset="0"/>
               </a:rPr>
-              <a:t>What is Sports Analytics?</a:t>
+              <a:t>Current Landscape of Sports</a:t>
             </a:r>
           </a:p>
         </p:txBody>
@@ -10202,44 +10442,11 @@
               <a:rPr lang="en-US" sz="2400" dirty="0">
                 <a:latin typeface="Selawik Semibold" panose="020B0702040204020203" pitchFamily="34" charset="0"/>
               </a:rPr>
-              <a:t>Defined by Ben </a:t>
-            </a:r>
-            <a:r>
-              <a:rPr lang="en-US" sz="2400" dirty="0" err="1">
-                <a:latin typeface="Selawik Semibold" panose="020B0702040204020203" pitchFamily="34" charset="0"/>
-              </a:rPr>
-              <a:t>Alamar</a:t>
+              <a:t>Growth in Team Sports (sisugaurd.com)</a:t>
             </a:r>
             <a:endParaRPr lang="en-US" sz="2000" dirty="0">
               <a:latin typeface="Selawik Semibold" panose="020B0702040204020203" pitchFamily="34" charset="0"/>
             </a:endParaRPr>
-          </a:p>
-          <a:p>
-            <a:pPr lvl="1"/>
-            <a:r>
-              <a:rPr lang="en-US" sz="2000" dirty="0">
-                <a:latin typeface="Selawik Semibold" panose="020B0702040204020203" pitchFamily="34" charset="0"/>
-              </a:rPr>
-              <a:t>Data Management</a:t>
-            </a:r>
-          </a:p>
-          <a:p>
-            <a:pPr lvl="1"/>
-            <a:r>
-              <a:rPr lang="en-US" sz="2000" dirty="0">
-                <a:latin typeface="Selawik Semibold" panose="020B0702040204020203" pitchFamily="34" charset="0"/>
-              </a:rPr>
-              <a:t>Predictive Models</a:t>
-            </a:r>
-          </a:p>
-          <a:p>
-            <a:pPr lvl="1"/>
-            <a:r>
-              <a:rPr lang="en-US" sz="2000" dirty="0">
-                <a:latin typeface="Selawik Semibold" panose="020B0702040204020203" pitchFamily="34" charset="0"/>
-              </a:rPr>
-              <a:t>Information Systems</a:t>
-            </a:r>
           </a:p>
           <a:p>
             <a:pPr lvl="1"/>
@@ -10249,9 +10456,12 @@
           </a:p>
           <a:p>
             <a:pPr lvl="1"/>
-            <a:endParaRPr lang="en-US" sz="2000" dirty="0">
-              <a:latin typeface="Selawik Semibold" panose="020B0702040204020203" pitchFamily="34" charset="0"/>
-            </a:endParaRPr>
+            <a:r>
+              <a:rPr lang="en-US" sz="2000" dirty="0">
+                <a:latin typeface="Selawik Semibold" panose="020B0702040204020203" pitchFamily="34" charset="0"/>
+              </a:rPr>
+              <a:t>Increase of 10.9% Across All Sports (2014-2016)</a:t>
+            </a:r>
           </a:p>
           <a:p>
             <a:pPr lvl="1"/>
@@ -10261,13 +10471,100 @@
           </a:p>
           <a:p>
             <a:pPr lvl="1"/>
+            <a:r>
+              <a:rPr lang="en-US" sz="2000" dirty="0">
+                <a:latin typeface="Selawik Semibold" panose="020B0702040204020203" pitchFamily="34" charset="0"/>
+              </a:rPr>
+              <a:t>Resilient Sports Based on Age of Participants</a:t>
+            </a:r>
+          </a:p>
+          <a:p>
+            <a:pPr lvl="2"/>
+            <a:r>
+              <a:rPr lang="en-US" sz="1600" dirty="0">
+                <a:latin typeface="Selawik Semibold" panose="020B0702040204020203" pitchFamily="34" charset="0"/>
+              </a:rPr>
+              <a:t>Soccer</a:t>
+            </a:r>
+          </a:p>
+          <a:p>
+            <a:pPr lvl="2"/>
+            <a:r>
+              <a:rPr lang="en-US" sz="1600" dirty="0">
+                <a:latin typeface="Selawik Semibold" panose="020B0702040204020203" pitchFamily="34" charset="0"/>
+              </a:rPr>
+              <a:t>Volleyball</a:t>
+            </a:r>
+          </a:p>
+          <a:p>
+            <a:pPr lvl="2"/>
+            <a:r>
+              <a:rPr lang="en-US" sz="1600" dirty="0">
+                <a:latin typeface="Selawik Semibold" panose="020B0702040204020203" pitchFamily="34" charset="0"/>
+              </a:rPr>
+              <a:t>Softball</a:t>
+            </a:r>
+          </a:p>
+          <a:p>
+            <a:pPr lvl="2"/>
+            <a:r>
+              <a:rPr lang="en-US" sz="1600" dirty="0">
+                <a:latin typeface="Selawik Semibold" panose="020B0702040204020203" pitchFamily="34" charset="0"/>
+              </a:rPr>
+              <a:t>Flag Football</a:t>
+            </a:r>
+          </a:p>
+          <a:p>
+            <a:pPr lvl="1"/>
             <a:endParaRPr lang="en-US" sz="2000" dirty="0">
               <a:latin typeface="Selawik Semibold" panose="020B0702040204020203" pitchFamily="34" charset="0"/>
             </a:endParaRPr>
           </a:p>
           <a:p>
             <a:pPr lvl="1"/>
+            <a:r>
+              <a:rPr lang="en-US" sz="2000" dirty="0">
+                <a:latin typeface="Selawik Semibold" panose="020B0702040204020203" pitchFamily="34" charset="0"/>
+              </a:rPr>
+              <a:t>Declining Sports Lost 9.3M Participants</a:t>
+            </a:r>
+          </a:p>
+          <a:p>
+            <a:pPr lvl="1"/>
             <a:endParaRPr lang="en-US" sz="2000" dirty="0">
+              <a:latin typeface="Selawik Semibold" panose="020B0702040204020203" pitchFamily="34" charset="0"/>
+            </a:endParaRPr>
+          </a:p>
+          <a:p>
+            <a:pPr lvl="1"/>
+            <a:r>
+              <a:rPr lang="en-US" sz="2000" dirty="0">
+                <a:latin typeface="Selawik Semibold" panose="020B0702040204020203" pitchFamily="34" charset="0"/>
+              </a:rPr>
+              <a:t>Basketball Declined Most by 2.4M Participants</a:t>
+            </a:r>
+          </a:p>
+          <a:p>
+            <a:pPr lvl="2"/>
+            <a:endParaRPr lang="en-US" sz="1600" dirty="0">
+              <a:latin typeface="Selawik Semibold" panose="020B0702040204020203" pitchFamily="34" charset="0"/>
+            </a:endParaRPr>
+          </a:p>
+          <a:p>
+            <a:pPr lvl="2"/>
+            <a:endParaRPr lang="en-US" sz="1600" dirty="0">
+              <a:latin typeface="Selawik Semibold" panose="020B0702040204020203" pitchFamily="34" charset="0"/>
+            </a:endParaRPr>
+          </a:p>
+          <a:p>
+            <a:pPr lvl="2"/>
+            <a:endParaRPr lang="en-US" sz="1600" dirty="0">
+              <a:latin typeface="Selawik Semibold" panose="020B0702040204020203" pitchFamily="34" charset="0"/>
+            </a:endParaRPr>
+          </a:p>
+          <a:p>
+            <a:pPr lvl="2"/>
+            <a:endParaRPr lang="en-US" sz="1600" dirty="0">
               <a:latin typeface="Selawik Semibold" panose="020B0702040204020203" pitchFamily="34" charset="0"/>
             </a:endParaRPr>
           </a:p>
@@ -10613,545 +10910,10 @@
           </a:p>
         </p:txBody>
       </p:sp>
-      <p:sp>
-        <p:nvSpPr>
-          <p:cNvPr id="7" name="TextBox 6">
-            <a:extLst>
-              <a:ext uri="{FF2B5EF4-FFF2-40B4-BE49-F238E27FC236}">
-                <a16:creationId xmlns:a16="http://schemas.microsoft.com/office/drawing/2014/main" id="{122E552F-CD5E-4928-A884-3509AF0AAD36}"/>
-              </a:ext>
-            </a:extLst>
-          </p:cNvPr>
-          <p:cNvSpPr txBox="1"/>
-          <p:nvPr/>
-        </p:nvSpPr>
-        <p:spPr>
-          <a:xfrm>
-            <a:off x="365718" y="3783182"/>
-            <a:ext cx="2205318" cy="954107"/>
-          </a:xfrm>
-          <a:prstGeom prst="rect">
-            <a:avLst/>
-          </a:prstGeom>
-        </p:spPr>
-        <p:style>
-          <a:lnRef idx="1">
-            <a:schemeClr val="dk1"/>
-          </a:lnRef>
-          <a:fillRef idx="3">
-            <a:schemeClr val="dk1"/>
-          </a:fillRef>
-          <a:effectRef idx="2">
-            <a:schemeClr val="dk1"/>
-          </a:effectRef>
-          <a:fontRef idx="minor">
-            <a:schemeClr val="lt1"/>
-          </a:fontRef>
-        </p:style>
-        <p:txBody>
-          <a:bodyPr wrap="square" rtlCol="0">
-            <a:spAutoFit/>
-          </a:bodyPr>
-          <a:lstStyle/>
-          <a:p>
-            <a:r>
-              <a:rPr lang="en-US" sz="2800" dirty="0"/>
-              <a:t>Data </a:t>
-            </a:r>
-          </a:p>
-          <a:p>
-            <a:r>
-              <a:rPr lang="en-US" sz="2800" dirty="0"/>
-              <a:t>Management</a:t>
-            </a:r>
-          </a:p>
-        </p:txBody>
-      </p:sp>
-      <p:sp>
-        <p:nvSpPr>
-          <p:cNvPr id="12" name="TextBox 11">
-            <a:extLst>
-              <a:ext uri="{FF2B5EF4-FFF2-40B4-BE49-F238E27FC236}">
-                <a16:creationId xmlns:a16="http://schemas.microsoft.com/office/drawing/2014/main" id="{26DA0C6F-C9E0-47D4-9FC9-FCD1D65D2721}"/>
-              </a:ext>
-            </a:extLst>
-          </p:cNvPr>
-          <p:cNvSpPr txBox="1"/>
-          <p:nvPr/>
-        </p:nvSpPr>
-        <p:spPr>
-          <a:xfrm>
-            <a:off x="353916" y="5407416"/>
-            <a:ext cx="2205318" cy="954107"/>
-          </a:xfrm>
-          <a:prstGeom prst="rect">
-            <a:avLst/>
-          </a:prstGeom>
-        </p:spPr>
-        <p:style>
-          <a:lnRef idx="1">
-            <a:schemeClr val="dk1"/>
-          </a:lnRef>
-          <a:fillRef idx="3">
-            <a:schemeClr val="dk1"/>
-          </a:fillRef>
-          <a:effectRef idx="2">
-            <a:schemeClr val="dk1"/>
-          </a:effectRef>
-          <a:fontRef idx="minor">
-            <a:schemeClr val="lt1"/>
-          </a:fontRef>
-        </p:style>
-        <p:txBody>
-          <a:bodyPr wrap="square" rtlCol="0">
-            <a:spAutoFit/>
-          </a:bodyPr>
-          <a:lstStyle/>
-          <a:p>
-            <a:r>
-              <a:rPr lang="en-US" sz="2800" dirty="0"/>
-              <a:t>Analytic Models</a:t>
-            </a:r>
-          </a:p>
-        </p:txBody>
-      </p:sp>
-      <p:sp>
-        <p:nvSpPr>
-          <p:cNvPr id="13" name="TextBox 12">
-            <a:extLst>
-              <a:ext uri="{FF2B5EF4-FFF2-40B4-BE49-F238E27FC236}">
-                <a16:creationId xmlns:a16="http://schemas.microsoft.com/office/drawing/2014/main" id="{992BD579-13F5-48CC-B1C8-16F0934F3B44}"/>
-              </a:ext>
-            </a:extLst>
-          </p:cNvPr>
-          <p:cNvSpPr txBox="1"/>
-          <p:nvPr/>
-        </p:nvSpPr>
-        <p:spPr>
-          <a:xfrm>
-            <a:off x="3225728" y="4163036"/>
-            <a:ext cx="1907548" cy="954107"/>
-          </a:xfrm>
-          <a:prstGeom prst="rect">
-            <a:avLst/>
-          </a:prstGeom>
-        </p:spPr>
-        <p:style>
-          <a:lnRef idx="1">
-            <a:schemeClr val="dk1"/>
-          </a:lnRef>
-          <a:fillRef idx="3">
-            <a:schemeClr val="dk1"/>
-          </a:fillRef>
-          <a:effectRef idx="2">
-            <a:schemeClr val="dk1"/>
-          </a:effectRef>
-          <a:fontRef idx="minor">
-            <a:schemeClr val="lt1"/>
-          </a:fontRef>
-        </p:style>
-        <p:txBody>
-          <a:bodyPr wrap="square" rtlCol="0">
-            <a:spAutoFit/>
-          </a:bodyPr>
-          <a:lstStyle/>
-          <a:p>
-            <a:r>
-              <a:rPr lang="en-US" sz="2800" dirty="0"/>
-              <a:t>Information</a:t>
-            </a:r>
-          </a:p>
-          <a:p>
-            <a:r>
-              <a:rPr lang="en-US" sz="2800" dirty="0"/>
-              <a:t>Systems</a:t>
-            </a:r>
-          </a:p>
-        </p:txBody>
-      </p:sp>
-      <p:pic>
-        <p:nvPicPr>
-          <p:cNvPr id="10" name="Picture 9" descr="Decision Maker">
-            <a:extLst>
-              <a:ext uri="{FF2B5EF4-FFF2-40B4-BE49-F238E27FC236}">
-                <a16:creationId xmlns:a16="http://schemas.microsoft.com/office/drawing/2014/main" id="{2911B196-1EA3-4ECD-850B-F7838FAD07BC}"/>
-              </a:ext>
-            </a:extLst>
-          </p:cNvPr>
-          <p:cNvPicPr>
-            <a:picLocks noChangeAspect="1"/>
-          </p:cNvPicPr>
-          <p:nvPr/>
-        </p:nvPicPr>
-        <p:blipFill>
-          <a:blip r:embed="rId5">
-            <a:extLst>
-              <a:ext uri="{28A0092B-C50C-407E-A947-70E740481C1C}">
-                <a14:useLocalDpi xmlns:a14="http://schemas.microsoft.com/office/drawing/2010/main" val="0"/>
-              </a:ext>
-            </a:extLst>
-          </a:blip>
-          <a:stretch>
-            <a:fillRect/>
-          </a:stretch>
-        </p:blipFill>
-        <p:spPr>
-          <a:xfrm>
-            <a:off x="5787968" y="4375030"/>
-            <a:ext cx="2538848" cy="1516803"/>
-          </a:xfrm>
-          <a:prstGeom prst="rect">
-            <a:avLst/>
-          </a:prstGeom>
-          <a:solidFill>
-            <a:srgbClr val="000000">
-              <a:shade val="95000"/>
-            </a:srgbClr>
-          </a:solidFill>
-          <a:ln w="28575" cap="sq">
-            <a:solidFill>
-              <a:srgbClr val="000000"/>
-            </a:solidFill>
-            <a:miter lim="800000"/>
-          </a:ln>
-          <a:effectLst>
-            <a:outerShdw blurRad="254000" dist="190500" dir="2700000" sy="90000" algn="bl" rotWithShape="0">
-              <a:srgbClr val="000000">
-                <a:alpha val="40000"/>
-              </a:srgbClr>
-            </a:outerShdw>
-          </a:effectLst>
-        </p:spPr>
-      </p:pic>
-      <p:sp>
-        <p:nvSpPr>
-          <p:cNvPr id="17" name="TextBox 16">
-            <a:extLst>
-              <a:ext uri="{FF2B5EF4-FFF2-40B4-BE49-F238E27FC236}">
-                <a16:creationId xmlns:a16="http://schemas.microsoft.com/office/drawing/2014/main" id="{50914ED0-975E-41B2-86EC-5995292303DF}"/>
-              </a:ext>
-            </a:extLst>
-          </p:cNvPr>
-          <p:cNvSpPr txBox="1"/>
-          <p:nvPr/>
-        </p:nvSpPr>
-        <p:spPr>
-          <a:xfrm>
-            <a:off x="5848506" y="5977904"/>
-            <a:ext cx="2421642" cy="523220"/>
-          </a:xfrm>
-          <a:prstGeom prst="rect">
-            <a:avLst/>
-          </a:prstGeom>
-        </p:spPr>
-        <p:style>
-          <a:lnRef idx="1">
-            <a:schemeClr val="dk1"/>
-          </a:lnRef>
-          <a:fillRef idx="3">
-            <a:schemeClr val="dk1"/>
-          </a:fillRef>
-          <a:effectRef idx="2">
-            <a:schemeClr val="dk1"/>
-          </a:effectRef>
-          <a:fontRef idx="minor">
-            <a:schemeClr val="lt1"/>
-          </a:fontRef>
-        </p:style>
-        <p:txBody>
-          <a:bodyPr wrap="square" rtlCol="0">
-            <a:spAutoFit/>
-          </a:bodyPr>
-          <a:lstStyle/>
-          <a:p>
-            <a:r>
-              <a:rPr lang="en-US" sz="2800" dirty="0"/>
-              <a:t>Decision Maker</a:t>
-            </a:r>
-          </a:p>
-        </p:txBody>
-      </p:sp>
-      <p:sp>
-        <p:nvSpPr>
-          <p:cNvPr id="18" name="Arrow: Right 17">
-            <a:extLst>
-              <a:ext uri="{FF2B5EF4-FFF2-40B4-BE49-F238E27FC236}">
-                <a16:creationId xmlns:a16="http://schemas.microsoft.com/office/drawing/2014/main" id="{034BACA9-7E25-4051-A7E8-D2B4C2C0145B}"/>
-              </a:ext>
-            </a:extLst>
-          </p:cNvPr>
-          <p:cNvSpPr/>
-          <p:nvPr/>
-        </p:nvSpPr>
-        <p:spPr>
-          <a:xfrm rot="5400000">
-            <a:off x="1139801" y="4911200"/>
-            <a:ext cx="497541" cy="318768"/>
-          </a:xfrm>
-          <a:prstGeom prst="rightArrow">
-            <a:avLst/>
-          </a:prstGeom>
-        </p:spPr>
-        <p:style>
-          <a:lnRef idx="2">
-            <a:schemeClr val="dk1">
-              <a:shade val="50000"/>
-            </a:schemeClr>
-          </a:lnRef>
-          <a:fillRef idx="1">
-            <a:schemeClr val="dk1"/>
-          </a:fillRef>
-          <a:effectRef idx="0">
-            <a:schemeClr val="dk1"/>
-          </a:effectRef>
-          <a:fontRef idx="minor">
-            <a:schemeClr val="lt1"/>
-          </a:fontRef>
-        </p:style>
-        <p:txBody>
-          <a:bodyPr rtlCol="0" anchor="ctr"/>
-          <a:lstStyle/>
-          <a:p>
-            <a:pPr algn="ctr"/>
-            <a:endParaRPr lang="en-US"/>
-          </a:p>
-        </p:txBody>
-      </p:sp>
-      <p:sp>
-        <p:nvSpPr>
-          <p:cNvPr id="20" name="Arrow: Right 19">
-            <a:extLst>
-              <a:ext uri="{FF2B5EF4-FFF2-40B4-BE49-F238E27FC236}">
-                <a16:creationId xmlns:a16="http://schemas.microsoft.com/office/drawing/2014/main" id="{8BA0E7CA-81EF-4647-8038-D30905E3C7C9}"/>
-              </a:ext>
-            </a:extLst>
-          </p:cNvPr>
-          <p:cNvSpPr/>
-          <p:nvPr/>
-        </p:nvSpPr>
-        <p:spPr>
-          <a:xfrm>
-            <a:off x="2660863" y="4375030"/>
-            <a:ext cx="497541" cy="318768"/>
-          </a:xfrm>
-          <a:prstGeom prst="rightArrow">
-            <a:avLst/>
-          </a:prstGeom>
-        </p:spPr>
-        <p:style>
-          <a:lnRef idx="2">
-            <a:schemeClr val="dk1">
-              <a:shade val="50000"/>
-            </a:schemeClr>
-          </a:lnRef>
-          <a:fillRef idx="1">
-            <a:schemeClr val="dk1"/>
-          </a:fillRef>
-          <a:effectRef idx="0">
-            <a:schemeClr val="dk1"/>
-          </a:effectRef>
-          <a:fontRef idx="minor">
-            <a:schemeClr val="lt1"/>
-          </a:fontRef>
-        </p:style>
-        <p:txBody>
-          <a:bodyPr rtlCol="0" anchor="ctr"/>
-          <a:lstStyle/>
-          <a:p>
-            <a:pPr algn="ctr"/>
-            <a:endParaRPr lang="en-US"/>
-          </a:p>
-        </p:txBody>
-      </p:sp>
-      <p:sp>
-        <p:nvSpPr>
-          <p:cNvPr id="21" name="Arrow: Right 20">
-            <a:extLst>
-              <a:ext uri="{FF2B5EF4-FFF2-40B4-BE49-F238E27FC236}">
-                <a16:creationId xmlns:a16="http://schemas.microsoft.com/office/drawing/2014/main" id="{56068537-B0AA-411A-BA6C-AF1101648815}"/>
-              </a:ext>
-            </a:extLst>
-          </p:cNvPr>
-          <p:cNvSpPr/>
-          <p:nvPr/>
-        </p:nvSpPr>
-        <p:spPr>
-          <a:xfrm rot="20363812">
-            <a:off x="2589987" y="5114621"/>
-            <a:ext cx="574536" cy="318768"/>
-          </a:xfrm>
-          <a:prstGeom prst="rightArrow">
-            <a:avLst/>
-          </a:prstGeom>
-        </p:spPr>
-        <p:style>
-          <a:lnRef idx="2">
-            <a:schemeClr val="dk1">
-              <a:shade val="50000"/>
-            </a:schemeClr>
-          </a:lnRef>
-          <a:fillRef idx="1">
-            <a:schemeClr val="dk1"/>
-          </a:fillRef>
-          <a:effectRef idx="0">
-            <a:schemeClr val="dk1"/>
-          </a:effectRef>
-          <a:fontRef idx="minor">
-            <a:schemeClr val="lt1"/>
-          </a:fontRef>
-        </p:style>
-        <p:txBody>
-          <a:bodyPr rtlCol="0" anchor="ctr"/>
-          <a:lstStyle/>
-          <a:p>
-            <a:pPr algn="ctr"/>
-            <a:endParaRPr lang="en-US"/>
-          </a:p>
-        </p:txBody>
-      </p:sp>
-      <p:sp>
-        <p:nvSpPr>
-          <p:cNvPr id="22" name="Arrow: Right 21">
-            <a:extLst>
-              <a:ext uri="{FF2B5EF4-FFF2-40B4-BE49-F238E27FC236}">
-                <a16:creationId xmlns:a16="http://schemas.microsoft.com/office/drawing/2014/main" id="{D65390E2-9ECB-47DE-9675-CB5E939AB195}"/>
-              </a:ext>
-            </a:extLst>
-          </p:cNvPr>
-          <p:cNvSpPr/>
-          <p:nvPr/>
-        </p:nvSpPr>
-        <p:spPr>
-          <a:xfrm>
-            <a:off x="2655762" y="5786866"/>
-            <a:ext cx="2965922" cy="318768"/>
-          </a:xfrm>
-          <a:prstGeom prst="rightArrow">
-            <a:avLst/>
-          </a:prstGeom>
-        </p:spPr>
-        <p:style>
-          <a:lnRef idx="2">
-            <a:schemeClr val="dk1">
-              <a:shade val="50000"/>
-            </a:schemeClr>
-          </a:lnRef>
-          <a:fillRef idx="1">
-            <a:schemeClr val="dk1"/>
-          </a:fillRef>
-          <a:effectRef idx="0">
-            <a:schemeClr val="dk1"/>
-          </a:effectRef>
-          <a:fontRef idx="minor">
-            <a:schemeClr val="lt1"/>
-          </a:fontRef>
-        </p:style>
-        <p:txBody>
-          <a:bodyPr rtlCol="0" anchor="ctr"/>
-          <a:lstStyle/>
-          <a:p>
-            <a:pPr algn="ctr"/>
-            <a:endParaRPr lang="en-US"/>
-          </a:p>
-        </p:txBody>
-      </p:sp>
-      <p:sp>
-        <p:nvSpPr>
-          <p:cNvPr id="23" name="Arrow: Right 22">
-            <a:extLst>
-              <a:ext uri="{FF2B5EF4-FFF2-40B4-BE49-F238E27FC236}">
-                <a16:creationId xmlns:a16="http://schemas.microsoft.com/office/drawing/2014/main" id="{C46C3C4B-3AA7-4E8E-8FCB-77B719504DD8}"/>
-              </a:ext>
-            </a:extLst>
-          </p:cNvPr>
-          <p:cNvSpPr/>
-          <p:nvPr/>
-        </p:nvSpPr>
-        <p:spPr>
-          <a:xfrm>
-            <a:off x="5214009" y="4695767"/>
-            <a:ext cx="497541" cy="318768"/>
-          </a:xfrm>
-          <a:prstGeom prst="rightArrow">
-            <a:avLst/>
-          </a:prstGeom>
-        </p:spPr>
-        <p:style>
-          <a:lnRef idx="2">
-            <a:schemeClr val="dk1">
-              <a:shade val="50000"/>
-            </a:schemeClr>
-          </a:lnRef>
-          <a:fillRef idx="1">
-            <a:schemeClr val="dk1"/>
-          </a:fillRef>
-          <a:effectRef idx="0">
-            <a:schemeClr val="dk1"/>
-          </a:effectRef>
-          <a:fontRef idx="minor">
-            <a:schemeClr val="lt1"/>
-          </a:fontRef>
-        </p:style>
-        <p:txBody>
-          <a:bodyPr rtlCol="0" anchor="ctr"/>
-          <a:lstStyle/>
-          <a:p>
-            <a:pPr algn="ctr"/>
-            <a:endParaRPr lang="en-US"/>
-          </a:p>
-        </p:txBody>
-      </p:sp>
-      <p:sp>
-        <p:nvSpPr>
-          <p:cNvPr id="19" name="Rectangle 18">
-            <a:extLst>
-              <a:ext uri="{FF2B5EF4-FFF2-40B4-BE49-F238E27FC236}">
-                <a16:creationId xmlns:a16="http://schemas.microsoft.com/office/drawing/2014/main" id="{0F2662DF-6B81-4BCB-BE84-0E68709D2B8F}"/>
-              </a:ext>
-            </a:extLst>
-          </p:cNvPr>
-          <p:cNvSpPr/>
-          <p:nvPr/>
-        </p:nvSpPr>
-        <p:spPr>
-          <a:xfrm>
-            <a:off x="260181" y="6334719"/>
-            <a:ext cx="4017387" cy="369332"/>
-          </a:xfrm>
-          <a:prstGeom prst="rect">
-            <a:avLst/>
-          </a:prstGeom>
-        </p:spPr>
-        <p:txBody>
-          <a:bodyPr wrap="square">
-            <a:spAutoFit/>
-          </a:bodyPr>
-          <a:lstStyle/>
-          <a:p>
-            <a:r>
-              <a:rPr lang="en-US" dirty="0"/>
-              <a:t>Based on </a:t>
-            </a:r>
-            <a:r>
-              <a:rPr lang="en-US" i="1" dirty="0"/>
-              <a:t>Sports Analytics</a:t>
-            </a:r>
-            <a:r>
-              <a:rPr lang="en-US" dirty="0"/>
-              <a:t> by Ben </a:t>
-            </a:r>
-            <a:r>
-              <a:rPr lang="en-US" dirty="0" err="1"/>
-              <a:t>Alamar</a:t>
-            </a:r>
-            <a:endParaRPr lang="en-US" dirty="0"/>
-          </a:p>
-        </p:txBody>
-      </p:sp>
     </p:spTree>
     <p:extLst>
       <p:ext uri="{BB962C8B-B14F-4D97-AF65-F5344CB8AC3E}">
-        <p14:creationId xmlns:p14="http://schemas.microsoft.com/office/powerpoint/2010/main" val="4266006054"/>
+        <p14:creationId xmlns:p14="http://schemas.microsoft.com/office/powerpoint/2010/main" val="149536260"/>
       </p:ext>
     </p:extLst>
   </p:cSld>
@@ -11281,7 +11043,7 @@
               <a:rPr lang="en-US" b="1" dirty="0">
                 <a:latin typeface="Selawik Semibold" panose="020B0604020202020204" pitchFamily="34" charset="0"/>
               </a:rPr>
-              <a:t>What is Sports Analytics?</a:t>
+              <a:t>Current Landscape of Sports</a:t>
             </a:r>
           </a:p>
         </p:txBody>
@@ -11318,53 +11080,11 @@
               <a:rPr lang="en-US" sz="2400" dirty="0">
                 <a:latin typeface="Selawik Semibold" panose="020B0702040204020203" pitchFamily="34" charset="0"/>
               </a:rPr>
-              <a:t>Purpose: To Aid an Organization’s </a:t>
-            </a:r>
-            <a:r>
-              <a:rPr lang="en-US" sz="2400" u="sng" dirty="0">
-                <a:latin typeface="Selawik Semibold" panose="020B0702040204020203" pitchFamily="34" charset="0"/>
-              </a:rPr>
-              <a:t>Decision Makers</a:t>
-            </a:r>
-            <a:r>
-              <a:rPr lang="en-US" sz="2400" dirty="0">
-                <a:latin typeface="Selawik Semibold" panose="020B0702040204020203" pitchFamily="34" charset="0"/>
-              </a:rPr>
-              <a:t> in Gaining a Competitive Advantage</a:t>
-            </a:r>
-          </a:p>
-          <a:p>
-            <a:endParaRPr lang="en-US" sz="2400" dirty="0">
+              <a:t>Growth in Team Sports (SFIA Twitter)</a:t>
+            </a:r>
+            <a:endParaRPr lang="en-US" sz="2000" dirty="0">
               <a:latin typeface="Selawik Semibold" panose="020B0702040204020203" pitchFamily="34" charset="0"/>
             </a:endParaRPr>
-          </a:p>
-          <a:p>
-            <a:r>
-              <a:rPr lang="en-US" sz="2400" dirty="0">
-                <a:latin typeface="Selawik Semibold" panose="020B0702040204020203" pitchFamily="34" charset="0"/>
-              </a:rPr>
-              <a:t>Goals</a:t>
-            </a:r>
-          </a:p>
-          <a:p>
-            <a:pPr lvl="1"/>
-            <a:r>
-              <a:rPr lang="en-US" sz="2000" dirty="0">
-                <a:latin typeface="Selawik Semibold" panose="020B0702040204020203" pitchFamily="34" charset="0"/>
-              </a:rPr>
-              <a:t>Save the Decision Maker Time by Making Information Acquisition Efficient </a:t>
-            </a:r>
-          </a:p>
-          <a:p>
-            <a:pPr marL="457200" lvl="1" indent="0">
-              <a:buNone/>
-            </a:pPr>
-            <a:r>
-              <a:rPr lang="en-US" sz="2000" dirty="0">
-                <a:latin typeface="Selawik Semibold" panose="020B0702040204020203" pitchFamily="34" charset="0"/>
-              </a:rPr>
-              <a:t>   (Data Management/Information Systems)</a:t>
-            </a:r>
           </a:p>
           <a:p>
             <a:pPr lvl="1"/>
@@ -11378,69 +11098,27 @@
               <a:rPr lang="en-US" sz="2000" dirty="0">
                 <a:latin typeface="Selawik Semibold" panose="020B0702040204020203" pitchFamily="34" charset="0"/>
               </a:rPr>
-              <a:t>Provide Decision Makers with Novel Insight</a:t>
-            </a:r>
-          </a:p>
-          <a:p>
-            <a:pPr marL="457200" lvl="1" indent="0">
-              <a:buNone/>
-            </a:pPr>
-            <a:r>
-              <a:rPr lang="en-US" sz="2000" dirty="0">
-                <a:latin typeface="Selawik Semibold" panose="020B0702040204020203" pitchFamily="34" charset="0"/>
-              </a:rPr>
-              <a:t>   (Analytic Models)</a:t>
-            </a:r>
-          </a:p>
-          <a:p>
-            <a:pPr marL="457200" lvl="1" indent="0">
-              <a:buNone/>
-            </a:pPr>
-            <a:endParaRPr lang="en-US" sz="2000" dirty="0">
-              <a:latin typeface="Selawik Semibold" panose="020B0702040204020203" pitchFamily="34" charset="0"/>
-            </a:endParaRPr>
-          </a:p>
-          <a:p>
-            <a:r>
-              <a:rPr lang="en-US" sz="2400" dirty="0">
-                <a:latin typeface="Selawik Semibold" panose="020B0702040204020203" pitchFamily="34" charset="0"/>
-              </a:rPr>
-              <a:t>We are an Accessory to the Decision Maker</a:t>
-            </a:r>
-          </a:p>
-          <a:p>
-            <a:pPr lvl="1"/>
-            <a:endParaRPr lang="en-US" sz="2000" dirty="0">
-              <a:latin typeface="Selawik Semibold" panose="020B0702040204020203" pitchFamily="34" charset="0"/>
-            </a:endParaRPr>
-          </a:p>
-          <a:p>
-            <a:pPr lvl="1"/>
-            <a:endParaRPr lang="en-US" sz="2000" dirty="0">
-              <a:latin typeface="Selawik Semibold" panose="020B0702040204020203" pitchFamily="34" charset="0"/>
-            </a:endParaRPr>
-          </a:p>
-          <a:p>
-            <a:pPr lvl="1"/>
+              <a:t>Based off 2019 Report</a:t>
+            </a:r>
             <a:endParaRPr lang="en-US" sz="1600" dirty="0">
               <a:latin typeface="Selawik Semibold" panose="020B0702040204020203" pitchFamily="34" charset="0"/>
             </a:endParaRPr>
           </a:p>
           <a:p>
-            <a:pPr lvl="1"/>
-            <a:endParaRPr lang="en-US" sz="2000" dirty="0">
+            <a:pPr lvl="2"/>
+            <a:endParaRPr lang="en-US" sz="1600" dirty="0">
               <a:latin typeface="Selawik Semibold" panose="020B0702040204020203" pitchFamily="34" charset="0"/>
             </a:endParaRPr>
           </a:p>
           <a:p>
-            <a:pPr lvl="1"/>
-            <a:endParaRPr lang="en-US" sz="2000" dirty="0">
+            <a:pPr lvl="2"/>
+            <a:endParaRPr lang="en-US" sz="1600" dirty="0">
               <a:latin typeface="Selawik Semibold" panose="020B0702040204020203" pitchFamily="34" charset="0"/>
             </a:endParaRPr>
           </a:p>
           <a:p>
-            <a:pPr lvl="1"/>
-            <a:endParaRPr lang="en-US" sz="2000" dirty="0">
+            <a:pPr lvl="2"/>
+            <a:endParaRPr lang="en-US" sz="1600" dirty="0">
               <a:latin typeface="Selawik Semibold" panose="020B0702040204020203" pitchFamily="34" charset="0"/>
             </a:endParaRPr>
           </a:p>
@@ -11786,10 +11464,46 @@
           </a:p>
         </p:txBody>
       </p:sp>
+      <p:pic>
+        <p:nvPicPr>
+          <p:cNvPr id="7" name="Picture 6" descr="Table&#10;&#10;Description automatically generated">
+            <a:extLst>
+              <a:ext uri="{FF2B5EF4-FFF2-40B4-BE49-F238E27FC236}">
+                <a16:creationId xmlns:a16="http://schemas.microsoft.com/office/drawing/2014/main" id="{AC29A090-57F8-12EE-E6FF-69DDC4C792D4}"/>
+              </a:ext>
+            </a:extLst>
+          </p:cNvPr>
+          <p:cNvPicPr>
+            <a:picLocks noChangeAspect="1"/>
+          </p:cNvPicPr>
+          <p:nvPr/>
+        </p:nvPicPr>
+        <p:blipFill>
+          <a:blip r:embed="rId5">
+            <a:extLst>
+              <a:ext uri="{28A0092B-C50C-407E-A947-70E740481C1C}">
+                <a14:useLocalDpi xmlns:a14="http://schemas.microsoft.com/office/drawing/2010/main" val="0"/>
+              </a:ext>
+            </a:extLst>
+          </a:blip>
+          <a:stretch>
+            <a:fillRect/>
+          </a:stretch>
+        </p:blipFill>
+        <p:spPr>
+          <a:xfrm>
+            <a:off x="1630509" y="3160986"/>
+            <a:ext cx="4043726" cy="3352109"/>
+          </a:xfrm>
+          <a:prstGeom prst="rect">
+            <a:avLst/>
+          </a:prstGeom>
+        </p:spPr>
+      </p:pic>
     </p:spTree>
     <p:extLst>
       <p:ext uri="{BB962C8B-B14F-4D97-AF65-F5344CB8AC3E}">
-        <p14:creationId xmlns:p14="http://schemas.microsoft.com/office/powerpoint/2010/main" val="77696106"/>
+        <p14:creationId xmlns:p14="http://schemas.microsoft.com/office/powerpoint/2010/main" val="3150732622"/>
       </p:ext>
     </p:extLst>
   </p:cSld>
@@ -12461,7 +12175,7 @@
               <a:rPr lang="en-US" b="1" dirty="0">
                 <a:latin typeface="Selawik Semibold" panose="020B0604020202020204" pitchFamily="34" charset="0"/>
               </a:rPr>
-              <a:t>What is Sports Analytics?</a:t>
+              <a:t>Current Landscape of Sports</a:t>
             </a:r>
           </a:p>
         </p:txBody>
@@ -12498,108 +12212,20 @@
               <a:rPr lang="en-US" sz="2400" dirty="0">
                 <a:latin typeface="Selawik Semibold" panose="020B0702040204020203" pitchFamily="34" charset="0"/>
               </a:rPr>
-              <a:t>Different Decision Makers</a:t>
-            </a:r>
-            <a:endParaRPr lang="en-US" sz="2000" dirty="0">
+              <a:t>Growth in Team Sports (SFIA)</a:t>
+            </a:r>
+            <a:endParaRPr lang="en-US" sz="1000" dirty="0">
               <a:latin typeface="Selawik Semibold" panose="020B0702040204020203" pitchFamily="34" charset="0"/>
             </a:endParaRPr>
           </a:p>
           <a:p>
             <a:pPr lvl="1"/>
             <a:r>
-              <a:rPr lang="en-US" sz="2000" dirty="0">
+              <a:rPr lang="en-US" sz="1600" dirty="0">
                 <a:latin typeface="Selawik Semibold" panose="020B0702040204020203" pitchFamily="34" charset="0"/>
               </a:rPr>
-              <a:t>Off-the-Field: Profit Driven</a:t>
-            </a:r>
-          </a:p>
-          <a:p>
-            <a:pPr lvl="1"/>
-            <a:r>
-              <a:rPr lang="en-US" sz="2000" dirty="0">
-                <a:latin typeface="Selawik Semibold" panose="020B0702040204020203" pitchFamily="34" charset="0"/>
-              </a:rPr>
-              <a:t>On-the-Field: Performance Driven</a:t>
-            </a:r>
-          </a:p>
-          <a:p>
-            <a:endParaRPr lang="en-US" sz="2400" dirty="0">
-              <a:latin typeface="Selawik Semibold" panose="020B0702040204020203" pitchFamily="34" charset="0"/>
-            </a:endParaRPr>
-          </a:p>
-          <a:p>
-            <a:r>
-              <a:rPr lang="en-US" sz="2400" dirty="0">
-                <a:latin typeface="Selawik Semibold" panose="020B0702040204020203" pitchFamily="34" charset="0"/>
-              </a:rPr>
-              <a:t>Skills for the Data Analyst</a:t>
-            </a:r>
-          </a:p>
-          <a:p>
-            <a:pPr lvl="1"/>
-            <a:r>
-              <a:rPr lang="en-US" sz="2000" dirty="0">
-                <a:latin typeface="Selawik Semibold" panose="020B0702040204020203" pitchFamily="34" charset="0"/>
-              </a:rPr>
-              <a:t>Competence – Ben </a:t>
-            </a:r>
-            <a:r>
-              <a:rPr lang="en-US" sz="2000" dirty="0" err="1">
-                <a:latin typeface="Selawik Semibold" panose="020B0702040204020203" pitchFamily="34" charset="0"/>
-              </a:rPr>
-              <a:t>Alamar</a:t>
-            </a:r>
-            <a:endParaRPr lang="en-US" sz="2000" dirty="0">
-              <a:latin typeface="Selawik Semibold" panose="020B0702040204020203" pitchFamily="34" charset="0"/>
-            </a:endParaRPr>
-          </a:p>
-          <a:p>
-            <a:pPr lvl="1"/>
-            <a:r>
-              <a:rPr lang="en-US" sz="2000" dirty="0">
-                <a:latin typeface="Selawik Semibold" panose="020B0702040204020203" pitchFamily="34" charset="0"/>
-              </a:rPr>
-              <a:t>Leadership – Ben </a:t>
-            </a:r>
-            <a:r>
-              <a:rPr lang="en-US" sz="2000" dirty="0" err="1">
-                <a:latin typeface="Selawik Semibold" panose="020B0702040204020203" pitchFamily="34" charset="0"/>
-              </a:rPr>
-              <a:t>Alamar</a:t>
-            </a:r>
-            <a:endParaRPr lang="en-US" sz="2000" dirty="0">
-              <a:latin typeface="Selawik Semibold" panose="020B0702040204020203" pitchFamily="34" charset="0"/>
-            </a:endParaRPr>
-          </a:p>
-          <a:p>
-            <a:pPr lvl="1"/>
-            <a:r>
-              <a:rPr lang="en-US" sz="2000" dirty="0">
-                <a:latin typeface="Selawik Semibold" panose="020B0702040204020203" pitchFamily="34" charset="0"/>
-              </a:rPr>
-              <a:t>Humility – Dr. Mario</a:t>
-            </a:r>
-          </a:p>
-          <a:p>
-            <a:pPr lvl="1"/>
-            <a:r>
-              <a:rPr lang="en-US" sz="2000" dirty="0">
-                <a:latin typeface="Selawik Semibold" panose="020B0702040204020203" pitchFamily="34" charset="0"/>
-              </a:rPr>
-              <a:t>Honesty – Dr. Mario</a:t>
-            </a:r>
-          </a:p>
-          <a:p>
-            <a:pPr lvl="1"/>
-            <a:endParaRPr lang="en-US" sz="2000" dirty="0">
-              <a:latin typeface="Selawik Semibold" panose="020B0702040204020203" pitchFamily="34" charset="0"/>
-            </a:endParaRPr>
-          </a:p>
-          <a:p>
-            <a:pPr lvl="1"/>
-            <a:endParaRPr lang="en-US" sz="2000" dirty="0">
-              <a:latin typeface="Selawik Semibold" panose="020B0702040204020203" pitchFamily="34" charset="0"/>
-            </a:endParaRPr>
+              <a:t>Interesting Information About 2022 Annual Report</a:t>
+            </a:r>
           </a:p>
           <a:p>
             <a:pPr lvl="1"/>
@@ -12609,21 +12235,75 @@
           </a:p>
           <a:p>
             <a:pPr lvl="1"/>
-            <a:endParaRPr lang="en-US" sz="2000" dirty="0">
+            <a:r>
+              <a:rPr lang="en-US" sz="1600" dirty="0">
+                <a:latin typeface="Selawik Semibold" panose="020B0702040204020203" pitchFamily="34" charset="0"/>
+              </a:rPr>
+              <a:t>Pandemic Effect on Team Sports</a:t>
+            </a:r>
+          </a:p>
+          <a:p>
+            <a:pPr lvl="2"/>
+            <a:r>
+              <a:rPr lang="en-US" sz="1400" dirty="0">
+                <a:latin typeface="Selawik Semibold" panose="020B0702040204020203" pitchFamily="34" charset="0"/>
+              </a:rPr>
+              <a:t>67 million in 2020 to 68.3 million in 2021</a:t>
+            </a:r>
+          </a:p>
+          <a:p>
+            <a:pPr lvl="2"/>
+            <a:r>
+              <a:rPr lang="en-US" sz="1400" dirty="0">
+                <a:latin typeface="Selawik Semibold" panose="020B0702040204020203" pitchFamily="34" charset="0"/>
+              </a:rPr>
+              <a:t>70.8 million in 2019</a:t>
+            </a:r>
+          </a:p>
+          <a:p>
+            <a:pPr lvl="2"/>
+            <a:endParaRPr lang="en-US" sz="1400" dirty="0">
               <a:latin typeface="Selawik Semibold" panose="020B0702040204020203" pitchFamily="34" charset="0"/>
             </a:endParaRPr>
           </a:p>
           <a:p>
             <a:pPr lvl="1"/>
-            <a:endParaRPr lang="en-US" sz="2000" dirty="0">
+            <a:r>
+              <a:rPr lang="en-US" sz="1600" dirty="0">
+                <a:latin typeface="Selawik Semibold" panose="020B0702040204020203" pitchFamily="34" charset="0"/>
+              </a:rPr>
+              <a:t>Team Sports in Ages 6 to 12 Increased by 0.6 million in 2021</a:t>
+            </a:r>
+          </a:p>
+          <a:p>
+            <a:pPr lvl="1"/>
+            <a:endParaRPr lang="en-US" sz="1600" dirty="0">
               <a:latin typeface="Selawik Semibold" panose="020B0702040204020203" pitchFamily="34" charset="0"/>
             </a:endParaRPr>
           </a:p>
           <a:p>
             <a:pPr lvl="1"/>
-            <a:endParaRPr lang="en-US" sz="2000" dirty="0">
+            <a:r>
+              <a:rPr lang="en-US" sz="1600" dirty="0">
+                <a:latin typeface="Selawik Semibold" panose="020B0702040204020203" pitchFamily="34" charset="0"/>
+              </a:rPr>
+              <a:t>Basketball Continues to be Most Played (27.1 million)</a:t>
+            </a:r>
+          </a:p>
+          <a:p>
+            <a:pPr lvl="1"/>
+            <a:endParaRPr lang="en-US" sz="1600" dirty="0">
               <a:latin typeface="Selawik Semibold" panose="020B0702040204020203" pitchFamily="34" charset="0"/>
             </a:endParaRPr>
+          </a:p>
+          <a:p>
+            <a:pPr lvl="1"/>
+            <a:r>
+              <a:rPr lang="en-US" sz="1600" dirty="0">
+                <a:latin typeface="Selawik Semibold" panose="020B0702040204020203" pitchFamily="34" charset="0"/>
+              </a:rPr>
+              <a:t>Soccer Overtook Basketball for 6-year-olds in 2021</a:t>
+            </a:r>
           </a:p>
         </p:txBody>
       </p:sp>
@@ -12970,6 +12650,3597 @@
     </p:spTree>
     <p:extLst>
       <p:ext uri="{BB962C8B-B14F-4D97-AF65-F5344CB8AC3E}">
+        <p14:creationId xmlns:p14="http://schemas.microsoft.com/office/powerpoint/2010/main" val="3926868441"/>
+      </p:ext>
+    </p:extLst>
+  </p:cSld>
+  <p:clrMapOvr>
+    <a:overrideClrMapping bg1="dk1" tx1="lt1" bg2="dk2" tx2="lt2" accent1="accent1" accent2="accent2" accent3="accent3" accent4="accent4" accent5="accent5" accent6="accent6" hlink="hlink" folHlink="folHlink"/>
+  </p:clrMapOvr>
+</p:sld>
+</file>
+
+<file path=ppt/slides/slide21.xml><?xml version="1.0" encoding="utf-8"?>
+<p:sld xmlns:a="http://schemas.openxmlformats.org/drawingml/2006/main" xmlns:r="http://schemas.openxmlformats.org/officeDocument/2006/relationships" xmlns:p="http://schemas.openxmlformats.org/presentationml/2006/main">
+  <p:cSld>
+    <p:bg>
+      <p:bgPr>
+        <a:solidFill>
+          <a:srgbClr val="395583"/>
+        </a:solidFill>
+        <a:effectLst/>
+      </p:bgPr>
+    </p:bg>
+    <p:spTree>
+      <p:nvGrpSpPr>
+        <p:cNvPr id="1" name=""/>
+        <p:cNvGrpSpPr/>
+        <p:nvPr/>
+      </p:nvGrpSpPr>
+      <p:grpSpPr>
+        <a:xfrm>
+          <a:off x="0" y="0"/>
+          <a:ext cx="0" cy="0"/>
+          <a:chOff x="0" y="0"/>
+          <a:chExt cx="0" cy="0"/>
+        </a:xfrm>
+      </p:grpSpPr>
+      <p:sp>
+        <p:nvSpPr>
+          <p:cNvPr id="25" name="Rectangle 24">
+            <a:extLst>
+              <a:ext uri="{FF2B5EF4-FFF2-40B4-BE49-F238E27FC236}">
+                <a16:creationId xmlns:a16="http://schemas.microsoft.com/office/drawing/2014/main" id="{A6792F05-2FD4-4F18-815E-15391E8B4A0E}"/>
+              </a:ext>
+              <a:ext uri="{C183D7F6-B498-43B3-948B-1728B52AA6E4}">
+                <adec:decorative xmlns:adec="http://schemas.microsoft.com/office/drawing/2017/decorative" val="1"/>
+              </a:ext>
+            </a:extLst>
+          </p:cNvPr>
+          <p:cNvSpPr>
+            <a:spLocks noGrp="1" noRot="1" noChangeAspect="1" noMove="1" noResize="1" noEditPoints="1" noAdjustHandles="1" noChangeArrowheads="1" noChangeShapeType="1" noTextEdit="1"/>
+          </p:cNvSpPr>
+          <p:nvPr>
+            <p:extLst>
+              <p:ext uri="{386F3935-93C4-4BCD-93E2-E3B085C9AB24}">
+                <p16:designElem xmlns:p16="http://schemas.microsoft.com/office/powerpoint/2015/main" val="1"/>
+              </p:ext>
+            </p:extLst>
+          </p:nvPr>
+        </p:nvSpPr>
+        <p:spPr>
+          <a:xfrm>
+            <a:off x="0" y="0"/>
+            <a:ext cx="12191999" cy="6858000"/>
+          </a:xfrm>
+          <a:prstGeom prst="rect">
+            <a:avLst/>
+          </a:prstGeom>
+          <a:solidFill>
+            <a:srgbClr val="395583"/>
+          </a:solidFill>
+          <a:ln>
+            <a:noFill/>
+          </a:ln>
+        </p:spPr>
+        <p:style>
+          <a:lnRef idx="2">
+            <a:schemeClr val="accent1">
+              <a:shade val="50000"/>
+            </a:schemeClr>
+          </a:lnRef>
+          <a:fillRef idx="1">
+            <a:schemeClr val="accent1"/>
+          </a:fillRef>
+          <a:effectRef idx="0">
+            <a:schemeClr val="accent1"/>
+          </a:effectRef>
+          <a:fontRef idx="minor">
+            <a:schemeClr val="lt1"/>
+          </a:fontRef>
+        </p:style>
+        <p:txBody>
+          <a:bodyPr rtlCol="0" anchor="ctr"/>
+          <a:lstStyle/>
+          <a:p>
+            <a:pPr algn="ctr"/>
+            <a:endParaRPr lang="en-US"/>
+          </a:p>
+        </p:txBody>
+      </p:sp>
+      <p:sp>
+        <p:nvSpPr>
+          <p:cNvPr id="2" name="Title 1">
+            <a:extLst>
+              <a:ext uri="{FF2B5EF4-FFF2-40B4-BE49-F238E27FC236}">
+                <a16:creationId xmlns:a16="http://schemas.microsoft.com/office/drawing/2014/main" id="{2589AFCC-0FF0-498C-B11F-8990DF0DAAA5}"/>
+              </a:ext>
+            </a:extLst>
+          </p:cNvPr>
+          <p:cNvSpPr>
+            <a:spLocks noGrp="1"/>
+          </p:cNvSpPr>
+          <p:nvPr>
+            <p:ph type="title"/>
+          </p:nvPr>
+        </p:nvSpPr>
+        <p:spPr>
+          <a:xfrm>
+            <a:off x="838200" y="365125"/>
+            <a:ext cx="10515600" cy="1325563"/>
+          </a:xfrm>
+        </p:spPr>
+        <p:txBody>
+          <a:bodyPr>
+            <a:normAutofit/>
+          </a:bodyPr>
+          <a:lstStyle/>
+          <a:p>
+            <a:r>
+              <a:rPr lang="en-US" b="1" dirty="0">
+                <a:latin typeface="Selawik Semibold" panose="020B0604020202020204" pitchFamily="34" charset="0"/>
+              </a:rPr>
+              <a:t>Current Landscape of Sports</a:t>
+            </a:r>
+          </a:p>
+        </p:txBody>
+      </p:sp>
+      <p:sp>
+        <p:nvSpPr>
+          <p:cNvPr id="9" name="Content Placeholder 8">
+            <a:extLst>
+              <a:ext uri="{FF2B5EF4-FFF2-40B4-BE49-F238E27FC236}">
+                <a16:creationId xmlns:a16="http://schemas.microsoft.com/office/drawing/2014/main" id="{2D995594-59F2-4020-AB6F-751BAE84ADB3}"/>
+              </a:ext>
+            </a:extLst>
+          </p:cNvPr>
+          <p:cNvSpPr>
+            <a:spLocks noGrp="1"/>
+          </p:cNvSpPr>
+          <p:nvPr>
+            <p:ph idx="1"/>
+          </p:nvPr>
+        </p:nvSpPr>
+        <p:spPr>
+          <a:xfrm>
+            <a:off x="838199" y="2021249"/>
+            <a:ext cx="7324166" cy="4581257"/>
+          </a:xfrm>
+        </p:spPr>
+        <p:txBody>
+          <a:bodyPr>
+            <a:normAutofit/>
+          </a:bodyPr>
+          <a:lstStyle/>
+          <a:p>
+            <a:r>
+              <a:rPr lang="en-US" sz="2400" dirty="0">
+                <a:latin typeface="Selawik Semibold" panose="020B0702040204020203" pitchFamily="34" charset="0"/>
+              </a:rPr>
+              <a:t>Growth in Team Sports (SFIA)</a:t>
+            </a:r>
+            <a:endParaRPr lang="en-US" sz="1000" dirty="0">
+              <a:latin typeface="Selawik Semibold" panose="020B0702040204020203" pitchFamily="34" charset="0"/>
+            </a:endParaRPr>
+          </a:p>
+          <a:p>
+            <a:pPr lvl="1"/>
+            <a:endParaRPr lang="en-US" sz="1600" dirty="0">
+              <a:latin typeface="Selawik Semibold" panose="020B0702040204020203" pitchFamily="34" charset="0"/>
+            </a:endParaRPr>
+          </a:p>
+          <a:p>
+            <a:pPr lvl="1"/>
+            <a:r>
+              <a:rPr lang="en-US" sz="1600" dirty="0">
+                <a:latin typeface="Selawik Semibold" panose="020B0702040204020203" pitchFamily="34" charset="0"/>
+              </a:rPr>
+              <a:t>Participant Rate Changes</a:t>
+            </a:r>
+          </a:p>
+          <a:p>
+            <a:pPr lvl="2"/>
+            <a:r>
+              <a:rPr lang="en-US" sz="1400" dirty="0">
+                <a:latin typeface="Selawik Semibold" panose="020B0702040204020203" pitchFamily="34" charset="0"/>
+              </a:rPr>
+              <a:t>Fast-Pitch Softball (+15.3%)</a:t>
+            </a:r>
+          </a:p>
+          <a:p>
+            <a:pPr lvl="2"/>
+            <a:r>
+              <a:rPr lang="en-US" sz="1400" dirty="0">
+                <a:latin typeface="Selawik Semibold" panose="020B0702040204020203" pitchFamily="34" charset="0"/>
+              </a:rPr>
+              <a:t>Gymnastics (+10.9%)</a:t>
+            </a:r>
+          </a:p>
+          <a:p>
+            <a:pPr lvl="2"/>
+            <a:r>
+              <a:rPr lang="en-US" sz="1400" dirty="0">
+                <a:latin typeface="Selawik Semibold" panose="020B0702040204020203" pitchFamily="34" charset="0"/>
+              </a:rPr>
+              <a:t>Court Volleyball (+8.1%)</a:t>
+            </a:r>
+          </a:p>
+          <a:p>
+            <a:pPr lvl="2"/>
+            <a:r>
+              <a:rPr lang="en-US" sz="1400" dirty="0">
+                <a:latin typeface="Selawik Semibold" panose="020B0702040204020203" pitchFamily="34" charset="0"/>
+              </a:rPr>
+              <a:t>Swimming on Team (+8%)</a:t>
+            </a:r>
+          </a:p>
+        </p:txBody>
+      </p:sp>
+      <p:pic>
+        <p:nvPicPr>
+          <p:cNvPr id="4" name="Picture 3" descr="A drawing of a cartoon character&#10;&#10;Description automatically generated">
+            <a:extLst>
+              <a:ext uri="{FF2B5EF4-FFF2-40B4-BE49-F238E27FC236}">
+                <a16:creationId xmlns:a16="http://schemas.microsoft.com/office/drawing/2014/main" id="{A7FDC859-D890-4904-9C64-27F43DA90453}"/>
+              </a:ext>
+            </a:extLst>
+          </p:cNvPr>
+          <p:cNvPicPr>
+            <a:picLocks noChangeAspect="1"/>
+          </p:cNvPicPr>
+          <p:nvPr/>
+        </p:nvPicPr>
+        <p:blipFill rotWithShape="1">
+          <a:blip r:embed="rId3">
+            <a:extLst>
+              <a:ext uri="{28A0092B-C50C-407E-A947-70E740481C1C}">
+                <a14:useLocalDpi xmlns:a14="http://schemas.microsoft.com/office/drawing/2010/main" val="0"/>
+              </a:ext>
+            </a:extLst>
+          </a:blip>
+          <a:srcRect t="5616" r="2" b="2"/>
+          <a:stretch/>
+        </p:blipFill>
+        <p:spPr>
+          <a:xfrm>
+            <a:off x="7471144" y="1700078"/>
+            <a:ext cx="4720855" cy="2583792"/>
+          </a:xfrm>
+          <a:custGeom>
+            <a:avLst/>
+            <a:gdLst>
+              <a:gd name="connsiteX0" fmla="*/ 0 w 5475077"/>
+              <a:gd name="connsiteY0" fmla="*/ 0 h 2583792"/>
+              <a:gd name="connsiteX1" fmla="*/ 5475077 w 5475077"/>
+              <a:gd name="connsiteY1" fmla="*/ 0 h 2583792"/>
+              <a:gd name="connsiteX2" fmla="*/ 5475077 w 5475077"/>
+              <a:gd name="connsiteY2" fmla="*/ 2583792 h 2583792"/>
+              <a:gd name="connsiteX3" fmla="*/ 1197192 w 5475077"/>
+              <a:gd name="connsiteY3" fmla="*/ 2583792 h 2583792"/>
+            </a:gdLst>
+            <a:ahLst/>
+            <a:cxnLst>
+              <a:cxn ang="0">
+                <a:pos x="connsiteX0" y="connsiteY0"/>
+              </a:cxn>
+              <a:cxn ang="0">
+                <a:pos x="connsiteX1" y="connsiteY1"/>
+              </a:cxn>
+              <a:cxn ang="0">
+                <a:pos x="connsiteX2" y="connsiteY2"/>
+              </a:cxn>
+              <a:cxn ang="0">
+                <a:pos x="connsiteX3" y="connsiteY3"/>
+              </a:cxn>
+            </a:cxnLst>
+            <a:rect l="l" t="t" r="r" b="b"/>
+            <a:pathLst>
+              <a:path w="5475077" h="2583792">
+                <a:moveTo>
+                  <a:pt x="0" y="0"/>
+                </a:moveTo>
+                <a:lnTo>
+                  <a:pt x="5475077" y="0"/>
+                </a:lnTo>
+                <a:lnTo>
+                  <a:pt x="5475077" y="2583792"/>
+                </a:lnTo>
+                <a:lnTo>
+                  <a:pt x="1197192" y="2583792"/>
+                </a:lnTo>
+                <a:close/>
+              </a:path>
+            </a:pathLst>
+          </a:custGeom>
+        </p:spPr>
+      </p:pic>
+      <p:pic>
+        <p:nvPicPr>
+          <p:cNvPr id="5" name="Content Placeholder 4" descr="A picture containing indoor&#10;&#10;Description automatically generated">
+            <a:extLst>
+              <a:ext uri="{FF2B5EF4-FFF2-40B4-BE49-F238E27FC236}">
+                <a16:creationId xmlns:a16="http://schemas.microsoft.com/office/drawing/2014/main" id="{A58F0E55-21F3-485B-A07F-1CE74177BDD2}"/>
+              </a:ext>
+            </a:extLst>
+          </p:cNvPr>
+          <p:cNvPicPr>
+            <a:picLocks noChangeAspect="1"/>
+          </p:cNvPicPr>
+          <p:nvPr/>
+        </p:nvPicPr>
+        <p:blipFill rotWithShape="1">
+          <a:blip r:embed="rId4">
+            <a:extLst>
+              <a:ext uri="{28A0092B-C50C-407E-A947-70E740481C1C}">
+                <a14:useLocalDpi xmlns:a14="http://schemas.microsoft.com/office/drawing/2010/main" val="0"/>
+              </a:ext>
+            </a:extLst>
+          </a:blip>
+          <a:srcRect t="5300" r="3" b="6859"/>
+          <a:stretch/>
+        </p:blipFill>
+        <p:spPr>
+          <a:xfrm>
+            <a:off x="8491869" y="4283870"/>
+            <a:ext cx="3700129" cy="2583520"/>
+          </a:xfrm>
+          <a:custGeom>
+            <a:avLst/>
+            <a:gdLst>
+              <a:gd name="connsiteX0" fmla="*/ 0 w 4277884"/>
+              <a:gd name="connsiteY0" fmla="*/ 0 h 2583520"/>
+              <a:gd name="connsiteX1" fmla="*/ 4277884 w 4277884"/>
+              <a:gd name="connsiteY1" fmla="*/ 0 h 2583520"/>
+              <a:gd name="connsiteX2" fmla="*/ 4277884 w 4277884"/>
+              <a:gd name="connsiteY2" fmla="*/ 2583520 h 2583520"/>
+              <a:gd name="connsiteX3" fmla="*/ 1192437 w 4277884"/>
+              <a:gd name="connsiteY3" fmla="*/ 2583520 h 2583520"/>
+              <a:gd name="connsiteX4" fmla="*/ 1188085 w 4277884"/>
+              <a:gd name="connsiteY4" fmla="*/ 2574129 h 2583520"/>
+              <a:gd name="connsiteX5" fmla="*/ 1192715 w 4277884"/>
+              <a:gd name="connsiteY5" fmla="*/ 2574129 h 2583520"/>
+            </a:gdLst>
+            <a:ahLst/>
+            <a:cxnLst>
+              <a:cxn ang="0">
+                <a:pos x="connsiteX0" y="connsiteY0"/>
+              </a:cxn>
+              <a:cxn ang="0">
+                <a:pos x="connsiteX1" y="connsiteY1"/>
+              </a:cxn>
+              <a:cxn ang="0">
+                <a:pos x="connsiteX2" y="connsiteY2"/>
+              </a:cxn>
+              <a:cxn ang="0">
+                <a:pos x="connsiteX3" y="connsiteY3"/>
+              </a:cxn>
+              <a:cxn ang="0">
+                <a:pos x="connsiteX4" y="connsiteY4"/>
+              </a:cxn>
+              <a:cxn ang="0">
+                <a:pos x="connsiteX5" y="connsiteY5"/>
+              </a:cxn>
+            </a:cxnLst>
+            <a:rect l="l" t="t" r="r" b="b"/>
+            <a:pathLst>
+              <a:path w="4277884" h="2583520">
+                <a:moveTo>
+                  <a:pt x="0" y="0"/>
+                </a:moveTo>
+                <a:lnTo>
+                  <a:pt x="4277884" y="0"/>
+                </a:lnTo>
+                <a:lnTo>
+                  <a:pt x="4277884" y="2583520"/>
+                </a:lnTo>
+                <a:lnTo>
+                  <a:pt x="1192437" y="2583520"/>
+                </a:lnTo>
+                <a:lnTo>
+                  <a:pt x="1188085" y="2574129"/>
+                </a:lnTo>
+                <a:lnTo>
+                  <a:pt x="1192715" y="2574129"/>
+                </a:lnTo>
+                <a:close/>
+              </a:path>
+            </a:pathLst>
+          </a:custGeom>
+        </p:spPr>
+      </p:pic>
+      <p:sp>
+        <p:nvSpPr>
+          <p:cNvPr id="6" name="Rectangle 5">
+            <a:extLst>
+              <a:ext uri="{FF2B5EF4-FFF2-40B4-BE49-F238E27FC236}">
+                <a16:creationId xmlns:a16="http://schemas.microsoft.com/office/drawing/2014/main" id="{A2901312-C3C2-4CEC-80EF-823AB4FBB726}"/>
+              </a:ext>
+            </a:extLst>
+          </p:cNvPr>
+          <p:cNvSpPr/>
+          <p:nvPr/>
+        </p:nvSpPr>
+        <p:spPr>
+          <a:xfrm>
+            <a:off x="-1" y="1608918"/>
+            <a:ext cx="12191999" cy="91160"/>
+          </a:xfrm>
+          <a:prstGeom prst="rect">
+            <a:avLst/>
+          </a:prstGeom>
+          <a:solidFill>
+            <a:schemeClr val="bg1"/>
+          </a:solidFill>
+          <a:ln>
+            <a:noFill/>
+          </a:ln>
+        </p:spPr>
+        <p:style>
+          <a:lnRef idx="2">
+            <a:schemeClr val="accent1">
+              <a:shade val="50000"/>
+            </a:schemeClr>
+          </a:lnRef>
+          <a:fillRef idx="1">
+            <a:schemeClr val="accent1"/>
+          </a:fillRef>
+          <a:effectRef idx="0">
+            <a:schemeClr val="accent1"/>
+          </a:effectRef>
+          <a:fontRef idx="minor">
+            <a:schemeClr val="lt1"/>
+          </a:fontRef>
+        </p:style>
+        <p:txBody>
+          <a:bodyPr rtlCol="0" anchor="ctr"/>
+          <a:lstStyle/>
+          <a:p>
+            <a:pPr algn="ctr"/>
+            <a:endParaRPr lang="en-US">
+              <a:solidFill>
+                <a:srgbClr val="DB5B5C"/>
+              </a:solidFill>
+            </a:endParaRPr>
+          </a:p>
+        </p:txBody>
+      </p:sp>
+      <p:sp>
+        <p:nvSpPr>
+          <p:cNvPr id="15" name="Rectangle 14">
+            <a:extLst>
+              <a:ext uri="{FF2B5EF4-FFF2-40B4-BE49-F238E27FC236}">
+                <a16:creationId xmlns:a16="http://schemas.microsoft.com/office/drawing/2014/main" id="{AD0A7C9C-CA2C-4B9B-A125-2D09D5573B44}"/>
+              </a:ext>
+            </a:extLst>
+          </p:cNvPr>
+          <p:cNvSpPr/>
+          <p:nvPr/>
+        </p:nvSpPr>
+        <p:spPr>
+          <a:xfrm>
+            <a:off x="1" y="6677247"/>
+            <a:ext cx="12191999" cy="190143"/>
+          </a:xfrm>
+          <a:prstGeom prst="rect">
+            <a:avLst/>
+          </a:prstGeom>
+          <a:solidFill>
+            <a:schemeClr val="bg1"/>
+          </a:solidFill>
+          <a:ln>
+            <a:noFill/>
+          </a:ln>
+        </p:spPr>
+        <p:style>
+          <a:lnRef idx="2">
+            <a:schemeClr val="accent1">
+              <a:shade val="50000"/>
+            </a:schemeClr>
+          </a:lnRef>
+          <a:fillRef idx="1">
+            <a:schemeClr val="accent1"/>
+          </a:fillRef>
+          <a:effectRef idx="0">
+            <a:schemeClr val="accent1"/>
+          </a:effectRef>
+          <a:fontRef idx="minor">
+            <a:schemeClr val="lt1"/>
+          </a:fontRef>
+        </p:style>
+        <p:txBody>
+          <a:bodyPr rtlCol="0" anchor="ctr"/>
+          <a:lstStyle/>
+          <a:p>
+            <a:pPr algn="ctr"/>
+            <a:endParaRPr lang="en-US">
+              <a:solidFill>
+                <a:srgbClr val="DB5B5C"/>
+              </a:solidFill>
+            </a:endParaRPr>
+          </a:p>
+        </p:txBody>
+      </p:sp>
+      <p:sp>
+        <p:nvSpPr>
+          <p:cNvPr id="16" name="Rectangle 15">
+            <a:extLst>
+              <a:ext uri="{FF2B5EF4-FFF2-40B4-BE49-F238E27FC236}">
+                <a16:creationId xmlns:a16="http://schemas.microsoft.com/office/drawing/2014/main" id="{74A085FC-1866-46D4-97F7-51AA45E48D4F}"/>
+              </a:ext>
+            </a:extLst>
+          </p:cNvPr>
+          <p:cNvSpPr/>
+          <p:nvPr/>
+        </p:nvSpPr>
+        <p:spPr>
+          <a:xfrm rot="4092292">
+            <a:off x="5790668" y="4094517"/>
+            <a:ext cx="5446699" cy="137038"/>
+          </a:xfrm>
+          <a:prstGeom prst="rect">
+            <a:avLst/>
+          </a:prstGeom>
+          <a:solidFill>
+            <a:schemeClr val="bg1"/>
+          </a:solidFill>
+          <a:ln>
+            <a:noFill/>
+          </a:ln>
+        </p:spPr>
+        <p:style>
+          <a:lnRef idx="2">
+            <a:schemeClr val="accent1">
+              <a:shade val="50000"/>
+            </a:schemeClr>
+          </a:lnRef>
+          <a:fillRef idx="1">
+            <a:schemeClr val="accent1"/>
+          </a:fillRef>
+          <a:effectRef idx="0">
+            <a:schemeClr val="accent1"/>
+          </a:effectRef>
+          <a:fontRef idx="minor">
+            <a:schemeClr val="lt1"/>
+          </a:fontRef>
+        </p:style>
+        <p:txBody>
+          <a:bodyPr rtlCol="0" anchor="ctr"/>
+          <a:lstStyle/>
+          <a:p>
+            <a:pPr algn="ctr"/>
+            <a:endParaRPr lang="en-US">
+              <a:solidFill>
+                <a:srgbClr val="DB5B5C"/>
+              </a:solidFill>
+            </a:endParaRPr>
+          </a:p>
+        </p:txBody>
+      </p:sp>
+    </p:spTree>
+    <p:extLst>
+      <p:ext uri="{BB962C8B-B14F-4D97-AF65-F5344CB8AC3E}">
+        <p14:creationId xmlns:p14="http://schemas.microsoft.com/office/powerpoint/2010/main" val="88558734"/>
+      </p:ext>
+    </p:extLst>
+  </p:cSld>
+  <p:clrMapOvr>
+    <a:overrideClrMapping bg1="dk1" tx1="lt1" bg2="dk2" tx2="lt2" accent1="accent1" accent2="accent2" accent3="accent3" accent4="accent4" accent5="accent5" accent6="accent6" hlink="hlink" folHlink="folHlink"/>
+  </p:clrMapOvr>
+</p:sld>
+</file>
+
+<file path=ppt/slides/slide22.xml><?xml version="1.0" encoding="utf-8"?>
+<p:sld xmlns:a="http://schemas.openxmlformats.org/drawingml/2006/main" xmlns:r="http://schemas.openxmlformats.org/officeDocument/2006/relationships" xmlns:p="http://schemas.openxmlformats.org/presentationml/2006/main">
+  <p:cSld>
+    <p:bg>
+      <p:bgPr>
+        <a:solidFill>
+          <a:srgbClr val="395583"/>
+        </a:solidFill>
+        <a:effectLst/>
+      </p:bgPr>
+    </p:bg>
+    <p:spTree>
+      <p:nvGrpSpPr>
+        <p:cNvPr id="1" name=""/>
+        <p:cNvGrpSpPr/>
+        <p:nvPr/>
+      </p:nvGrpSpPr>
+      <p:grpSpPr>
+        <a:xfrm>
+          <a:off x="0" y="0"/>
+          <a:ext cx="0" cy="0"/>
+          <a:chOff x="0" y="0"/>
+          <a:chExt cx="0" cy="0"/>
+        </a:xfrm>
+      </p:grpSpPr>
+      <p:sp>
+        <p:nvSpPr>
+          <p:cNvPr id="25" name="Rectangle 24">
+            <a:extLst>
+              <a:ext uri="{FF2B5EF4-FFF2-40B4-BE49-F238E27FC236}">
+                <a16:creationId xmlns:a16="http://schemas.microsoft.com/office/drawing/2014/main" id="{A6792F05-2FD4-4F18-815E-15391E8B4A0E}"/>
+              </a:ext>
+              <a:ext uri="{C183D7F6-B498-43B3-948B-1728B52AA6E4}">
+                <adec:decorative xmlns:adec="http://schemas.microsoft.com/office/drawing/2017/decorative" val="1"/>
+              </a:ext>
+            </a:extLst>
+          </p:cNvPr>
+          <p:cNvSpPr>
+            <a:spLocks noGrp="1" noRot="1" noChangeAspect="1" noMove="1" noResize="1" noEditPoints="1" noAdjustHandles="1" noChangeArrowheads="1" noChangeShapeType="1" noTextEdit="1"/>
+          </p:cNvSpPr>
+          <p:nvPr>
+            <p:extLst>
+              <p:ext uri="{386F3935-93C4-4BCD-93E2-E3B085C9AB24}">
+                <p16:designElem xmlns:p16="http://schemas.microsoft.com/office/powerpoint/2015/main" val="1"/>
+              </p:ext>
+            </p:extLst>
+          </p:nvPr>
+        </p:nvSpPr>
+        <p:spPr>
+          <a:xfrm>
+            <a:off x="0" y="0"/>
+            <a:ext cx="12191999" cy="6858000"/>
+          </a:xfrm>
+          <a:prstGeom prst="rect">
+            <a:avLst/>
+          </a:prstGeom>
+          <a:solidFill>
+            <a:srgbClr val="395583"/>
+          </a:solidFill>
+          <a:ln>
+            <a:noFill/>
+          </a:ln>
+        </p:spPr>
+        <p:style>
+          <a:lnRef idx="2">
+            <a:schemeClr val="accent1">
+              <a:shade val="50000"/>
+            </a:schemeClr>
+          </a:lnRef>
+          <a:fillRef idx="1">
+            <a:schemeClr val="accent1"/>
+          </a:fillRef>
+          <a:effectRef idx="0">
+            <a:schemeClr val="accent1"/>
+          </a:effectRef>
+          <a:fontRef idx="minor">
+            <a:schemeClr val="lt1"/>
+          </a:fontRef>
+        </p:style>
+        <p:txBody>
+          <a:bodyPr rtlCol="0" anchor="ctr"/>
+          <a:lstStyle/>
+          <a:p>
+            <a:pPr algn="ctr"/>
+            <a:endParaRPr lang="en-US"/>
+          </a:p>
+        </p:txBody>
+      </p:sp>
+      <p:sp>
+        <p:nvSpPr>
+          <p:cNvPr id="2" name="Title 1">
+            <a:extLst>
+              <a:ext uri="{FF2B5EF4-FFF2-40B4-BE49-F238E27FC236}">
+                <a16:creationId xmlns:a16="http://schemas.microsoft.com/office/drawing/2014/main" id="{2589AFCC-0FF0-498C-B11F-8990DF0DAAA5}"/>
+              </a:ext>
+            </a:extLst>
+          </p:cNvPr>
+          <p:cNvSpPr>
+            <a:spLocks noGrp="1"/>
+          </p:cNvSpPr>
+          <p:nvPr>
+            <p:ph type="title"/>
+          </p:nvPr>
+        </p:nvSpPr>
+        <p:spPr>
+          <a:xfrm>
+            <a:off x="838200" y="365125"/>
+            <a:ext cx="10515600" cy="1325563"/>
+          </a:xfrm>
+        </p:spPr>
+        <p:txBody>
+          <a:bodyPr>
+            <a:normAutofit/>
+          </a:bodyPr>
+          <a:lstStyle/>
+          <a:p>
+            <a:r>
+              <a:rPr lang="en-US" b="1" dirty="0">
+                <a:latin typeface="Selawik Semibold" panose="020B0604020202020204" pitchFamily="34" charset="0"/>
+              </a:rPr>
+              <a:t>Dope Quote</a:t>
+            </a:r>
+          </a:p>
+        </p:txBody>
+      </p:sp>
+      <p:sp>
+        <p:nvSpPr>
+          <p:cNvPr id="9" name="Content Placeholder 8">
+            <a:extLst>
+              <a:ext uri="{FF2B5EF4-FFF2-40B4-BE49-F238E27FC236}">
+                <a16:creationId xmlns:a16="http://schemas.microsoft.com/office/drawing/2014/main" id="{2D995594-59F2-4020-AB6F-751BAE84ADB3}"/>
+              </a:ext>
+            </a:extLst>
+          </p:cNvPr>
+          <p:cNvSpPr>
+            <a:spLocks noGrp="1"/>
+          </p:cNvSpPr>
+          <p:nvPr>
+            <p:ph idx="1"/>
+          </p:nvPr>
+        </p:nvSpPr>
+        <p:spPr>
+          <a:xfrm>
+            <a:off x="838198" y="2021249"/>
+            <a:ext cx="7425020" cy="4581257"/>
+          </a:xfrm>
+        </p:spPr>
+        <p:txBody>
+          <a:bodyPr>
+            <a:normAutofit fontScale="92500" lnSpcReduction="10000"/>
+          </a:bodyPr>
+          <a:lstStyle/>
+          <a:p>
+            <a:pPr marL="0" indent="0">
+              <a:buNone/>
+            </a:pPr>
+            <a:r>
+              <a:rPr lang="en-US" dirty="0">
+                <a:latin typeface="Selawik Semibold" panose="020B0702040204020203" pitchFamily="34" charset="0"/>
+              </a:rPr>
+              <a:t>The most meaningful way to</a:t>
+            </a:r>
+          </a:p>
+          <a:p>
+            <a:pPr marL="0" indent="0">
+              <a:buNone/>
+            </a:pPr>
+            <a:r>
+              <a:rPr lang="en-US" dirty="0">
+                <a:latin typeface="Selawik Semibold" panose="020B0702040204020203" pitchFamily="34" charset="0"/>
+              </a:rPr>
+              <a:t>differentiate your company from your</a:t>
+            </a:r>
+          </a:p>
+          <a:p>
+            <a:pPr marL="0" indent="0">
+              <a:buNone/>
+            </a:pPr>
+            <a:r>
+              <a:rPr lang="en-US" dirty="0">
+                <a:latin typeface="Selawik Semibold" panose="020B0702040204020203" pitchFamily="34" charset="0"/>
+              </a:rPr>
+              <a:t>competitors, the best way to put distance</a:t>
+            </a:r>
+          </a:p>
+          <a:p>
+            <a:pPr marL="0" indent="0">
+              <a:buNone/>
+            </a:pPr>
+            <a:r>
+              <a:rPr lang="en-US" dirty="0">
+                <a:latin typeface="Selawik Semibold" panose="020B0702040204020203" pitchFamily="34" charset="0"/>
+              </a:rPr>
+              <a:t>between you and the crowd is to do an</a:t>
+            </a:r>
+          </a:p>
+          <a:p>
+            <a:pPr marL="0" indent="0">
+              <a:buNone/>
+            </a:pPr>
+            <a:r>
+              <a:rPr lang="en-US" dirty="0">
+                <a:latin typeface="Selawik Semibold" panose="020B0702040204020203" pitchFamily="34" charset="0"/>
+              </a:rPr>
+              <a:t>outstanding job with information. </a:t>
+            </a:r>
+          </a:p>
+          <a:p>
+            <a:pPr marL="0" indent="0">
+              <a:buNone/>
+            </a:pPr>
+            <a:endParaRPr lang="en-US" dirty="0">
+              <a:latin typeface="Selawik Semibold" panose="020B0702040204020203" pitchFamily="34" charset="0"/>
+            </a:endParaRPr>
+          </a:p>
+          <a:p>
+            <a:pPr marL="0" indent="0">
+              <a:buNone/>
+            </a:pPr>
+            <a:r>
+              <a:rPr lang="en-US" dirty="0">
+                <a:latin typeface="Selawik Semibold" panose="020B0702040204020203" pitchFamily="34" charset="0"/>
+              </a:rPr>
+              <a:t>How you gather, manage, and use information</a:t>
+            </a:r>
+          </a:p>
+          <a:p>
+            <a:pPr marL="0" indent="0">
+              <a:buNone/>
+            </a:pPr>
+            <a:r>
+              <a:rPr lang="en-US" dirty="0">
+                <a:latin typeface="Selawik Semibold" panose="020B0702040204020203" pitchFamily="34" charset="0"/>
+              </a:rPr>
+              <a:t>will determine whether you win or lose.</a:t>
+            </a:r>
+          </a:p>
+          <a:p>
+            <a:pPr marL="0" indent="0">
+              <a:buNone/>
+            </a:pPr>
+            <a:endParaRPr lang="en-US" dirty="0">
+              <a:latin typeface="Selawik Semibold" panose="020B0702040204020203" pitchFamily="34" charset="0"/>
+            </a:endParaRPr>
+          </a:p>
+          <a:p>
+            <a:pPr marL="0" indent="0">
+              <a:buNone/>
+            </a:pPr>
+            <a:r>
+              <a:rPr lang="en-US" dirty="0">
+                <a:latin typeface="Selawik Semibold" panose="020B0702040204020203" pitchFamily="34" charset="0"/>
+              </a:rPr>
+              <a:t>- Bill Gates</a:t>
+            </a:r>
+          </a:p>
+          <a:p>
+            <a:pPr lvl="2"/>
+            <a:endParaRPr lang="en-US" sz="1600" dirty="0">
+              <a:latin typeface="Selawik Semibold" panose="020B0702040204020203" pitchFamily="34" charset="0"/>
+            </a:endParaRPr>
+          </a:p>
+          <a:p>
+            <a:pPr lvl="2"/>
+            <a:endParaRPr lang="en-US" sz="1600" dirty="0">
+              <a:latin typeface="Selawik Semibold" panose="020B0702040204020203" pitchFamily="34" charset="0"/>
+            </a:endParaRPr>
+          </a:p>
+          <a:p>
+            <a:pPr lvl="2"/>
+            <a:endParaRPr lang="en-US" sz="1600" dirty="0">
+              <a:latin typeface="Selawik Semibold" panose="020B0702040204020203" pitchFamily="34" charset="0"/>
+            </a:endParaRPr>
+          </a:p>
+        </p:txBody>
+      </p:sp>
+      <p:pic>
+        <p:nvPicPr>
+          <p:cNvPr id="4" name="Picture 3" descr="A drawing of a cartoon character&#10;&#10;Description automatically generated">
+            <a:extLst>
+              <a:ext uri="{FF2B5EF4-FFF2-40B4-BE49-F238E27FC236}">
+                <a16:creationId xmlns:a16="http://schemas.microsoft.com/office/drawing/2014/main" id="{A7FDC859-D890-4904-9C64-27F43DA90453}"/>
+              </a:ext>
+            </a:extLst>
+          </p:cNvPr>
+          <p:cNvPicPr>
+            <a:picLocks noChangeAspect="1"/>
+          </p:cNvPicPr>
+          <p:nvPr/>
+        </p:nvPicPr>
+        <p:blipFill rotWithShape="1">
+          <a:blip r:embed="rId3">
+            <a:extLst>
+              <a:ext uri="{28A0092B-C50C-407E-A947-70E740481C1C}">
+                <a14:useLocalDpi xmlns:a14="http://schemas.microsoft.com/office/drawing/2010/main" val="0"/>
+              </a:ext>
+            </a:extLst>
+          </a:blip>
+          <a:srcRect t="5616" r="2" b="2"/>
+          <a:stretch/>
+        </p:blipFill>
+        <p:spPr>
+          <a:xfrm>
+            <a:off x="7471144" y="1700078"/>
+            <a:ext cx="4720855" cy="2583792"/>
+          </a:xfrm>
+          <a:custGeom>
+            <a:avLst/>
+            <a:gdLst>
+              <a:gd name="connsiteX0" fmla="*/ 0 w 5475077"/>
+              <a:gd name="connsiteY0" fmla="*/ 0 h 2583792"/>
+              <a:gd name="connsiteX1" fmla="*/ 5475077 w 5475077"/>
+              <a:gd name="connsiteY1" fmla="*/ 0 h 2583792"/>
+              <a:gd name="connsiteX2" fmla="*/ 5475077 w 5475077"/>
+              <a:gd name="connsiteY2" fmla="*/ 2583792 h 2583792"/>
+              <a:gd name="connsiteX3" fmla="*/ 1197192 w 5475077"/>
+              <a:gd name="connsiteY3" fmla="*/ 2583792 h 2583792"/>
+            </a:gdLst>
+            <a:ahLst/>
+            <a:cxnLst>
+              <a:cxn ang="0">
+                <a:pos x="connsiteX0" y="connsiteY0"/>
+              </a:cxn>
+              <a:cxn ang="0">
+                <a:pos x="connsiteX1" y="connsiteY1"/>
+              </a:cxn>
+              <a:cxn ang="0">
+                <a:pos x="connsiteX2" y="connsiteY2"/>
+              </a:cxn>
+              <a:cxn ang="0">
+                <a:pos x="connsiteX3" y="connsiteY3"/>
+              </a:cxn>
+            </a:cxnLst>
+            <a:rect l="l" t="t" r="r" b="b"/>
+            <a:pathLst>
+              <a:path w="5475077" h="2583792">
+                <a:moveTo>
+                  <a:pt x="0" y="0"/>
+                </a:moveTo>
+                <a:lnTo>
+                  <a:pt x="5475077" y="0"/>
+                </a:lnTo>
+                <a:lnTo>
+                  <a:pt x="5475077" y="2583792"/>
+                </a:lnTo>
+                <a:lnTo>
+                  <a:pt x="1197192" y="2583792"/>
+                </a:lnTo>
+                <a:close/>
+              </a:path>
+            </a:pathLst>
+          </a:custGeom>
+        </p:spPr>
+      </p:pic>
+      <p:pic>
+        <p:nvPicPr>
+          <p:cNvPr id="5" name="Content Placeholder 4" descr="A picture containing indoor&#10;&#10;Description automatically generated">
+            <a:extLst>
+              <a:ext uri="{FF2B5EF4-FFF2-40B4-BE49-F238E27FC236}">
+                <a16:creationId xmlns:a16="http://schemas.microsoft.com/office/drawing/2014/main" id="{A58F0E55-21F3-485B-A07F-1CE74177BDD2}"/>
+              </a:ext>
+            </a:extLst>
+          </p:cNvPr>
+          <p:cNvPicPr>
+            <a:picLocks noChangeAspect="1"/>
+          </p:cNvPicPr>
+          <p:nvPr/>
+        </p:nvPicPr>
+        <p:blipFill rotWithShape="1">
+          <a:blip r:embed="rId4">
+            <a:extLst>
+              <a:ext uri="{28A0092B-C50C-407E-A947-70E740481C1C}">
+                <a14:useLocalDpi xmlns:a14="http://schemas.microsoft.com/office/drawing/2010/main" val="0"/>
+              </a:ext>
+            </a:extLst>
+          </a:blip>
+          <a:srcRect t="5300" r="3" b="6859"/>
+          <a:stretch/>
+        </p:blipFill>
+        <p:spPr>
+          <a:xfrm>
+            <a:off x="8491869" y="4283870"/>
+            <a:ext cx="3700129" cy="2583520"/>
+          </a:xfrm>
+          <a:custGeom>
+            <a:avLst/>
+            <a:gdLst>
+              <a:gd name="connsiteX0" fmla="*/ 0 w 4277884"/>
+              <a:gd name="connsiteY0" fmla="*/ 0 h 2583520"/>
+              <a:gd name="connsiteX1" fmla="*/ 4277884 w 4277884"/>
+              <a:gd name="connsiteY1" fmla="*/ 0 h 2583520"/>
+              <a:gd name="connsiteX2" fmla="*/ 4277884 w 4277884"/>
+              <a:gd name="connsiteY2" fmla="*/ 2583520 h 2583520"/>
+              <a:gd name="connsiteX3" fmla="*/ 1192437 w 4277884"/>
+              <a:gd name="connsiteY3" fmla="*/ 2583520 h 2583520"/>
+              <a:gd name="connsiteX4" fmla="*/ 1188085 w 4277884"/>
+              <a:gd name="connsiteY4" fmla="*/ 2574129 h 2583520"/>
+              <a:gd name="connsiteX5" fmla="*/ 1192715 w 4277884"/>
+              <a:gd name="connsiteY5" fmla="*/ 2574129 h 2583520"/>
+            </a:gdLst>
+            <a:ahLst/>
+            <a:cxnLst>
+              <a:cxn ang="0">
+                <a:pos x="connsiteX0" y="connsiteY0"/>
+              </a:cxn>
+              <a:cxn ang="0">
+                <a:pos x="connsiteX1" y="connsiteY1"/>
+              </a:cxn>
+              <a:cxn ang="0">
+                <a:pos x="connsiteX2" y="connsiteY2"/>
+              </a:cxn>
+              <a:cxn ang="0">
+                <a:pos x="connsiteX3" y="connsiteY3"/>
+              </a:cxn>
+              <a:cxn ang="0">
+                <a:pos x="connsiteX4" y="connsiteY4"/>
+              </a:cxn>
+              <a:cxn ang="0">
+                <a:pos x="connsiteX5" y="connsiteY5"/>
+              </a:cxn>
+            </a:cxnLst>
+            <a:rect l="l" t="t" r="r" b="b"/>
+            <a:pathLst>
+              <a:path w="4277884" h="2583520">
+                <a:moveTo>
+                  <a:pt x="0" y="0"/>
+                </a:moveTo>
+                <a:lnTo>
+                  <a:pt x="4277884" y="0"/>
+                </a:lnTo>
+                <a:lnTo>
+                  <a:pt x="4277884" y="2583520"/>
+                </a:lnTo>
+                <a:lnTo>
+                  <a:pt x="1192437" y="2583520"/>
+                </a:lnTo>
+                <a:lnTo>
+                  <a:pt x="1188085" y="2574129"/>
+                </a:lnTo>
+                <a:lnTo>
+                  <a:pt x="1192715" y="2574129"/>
+                </a:lnTo>
+                <a:close/>
+              </a:path>
+            </a:pathLst>
+          </a:custGeom>
+        </p:spPr>
+      </p:pic>
+      <p:sp>
+        <p:nvSpPr>
+          <p:cNvPr id="6" name="Rectangle 5">
+            <a:extLst>
+              <a:ext uri="{FF2B5EF4-FFF2-40B4-BE49-F238E27FC236}">
+                <a16:creationId xmlns:a16="http://schemas.microsoft.com/office/drawing/2014/main" id="{A2901312-C3C2-4CEC-80EF-823AB4FBB726}"/>
+              </a:ext>
+            </a:extLst>
+          </p:cNvPr>
+          <p:cNvSpPr/>
+          <p:nvPr/>
+        </p:nvSpPr>
+        <p:spPr>
+          <a:xfrm>
+            <a:off x="-1" y="1608918"/>
+            <a:ext cx="12191999" cy="91160"/>
+          </a:xfrm>
+          <a:prstGeom prst="rect">
+            <a:avLst/>
+          </a:prstGeom>
+          <a:solidFill>
+            <a:schemeClr val="bg1"/>
+          </a:solidFill>
+          <a:ln>
+            <a:noFill/>
+          </a:ln>
+        </p:spPr>
+        <p:style>
+          <a:lnRef idx="2">
+            <a:schemeClr val="accent1">
+              <a:shade val="50000"/>
+            </a:schemeClr>
+          </a:lnRef>
+          <a:fillRef idx="1">
+            <a:schemeClr val="accent1"/>
+          </a:fillRef>
+          <a:effectRef idx="0">
+            <a:schemeClr val="accent1"/>
+          </a:effectRef>
+          <a:fontRef idx="minor">
+            <a:schemeClr val="lt1"/>
+          </a:fontRef>
+        </p:style>
+        <p:txBody>
+          <a:bodyPr rtlCol="0" anchor="ctr"/>
+          <a:lstStyle/>
+          <a:p>
+            <a:pPr algn="ctr"/>
+            <a:endParaRPr lang="en-US">
+              <a:solidFill>
+                <a:srgbClr val="DB5B5C"/>
+              </a:solidFill>
+            </a:endParaRPr>
+          </a:p>
+        </p:txBody>
+      </p:sp>
+      <p:sp>
+        <p:nvSpPr>
+          <p:cNvPr id="15" name="Rectangle 14">
+            <a:extLst>
+              <a:ext uri="{FF2B5EF4-FFF2-40B4-BE49-F238E27FC236}">
+                <a16:creationId xmlns:a16="http://schemas.microsoft.com/office/drawing/2014/main" id="{AD0A7C9C-CA2C-4B9B-A125-2D09D5573B44}"/>
+              </a:ext>
+            </a:extLst>
+          </p:cNvPr>
+          <p:cNvSpPr/>
+          <p:nvPr/>
+        </p:nvSpPr>
+        <p:spPr>
+          <a:xfrm>
+            <a:off x="1" y="6677247"/>
+            <a:ext cx="12191999" cy="190143"/>
+          </a:xfrm>
+          <a:prstGeom prst="rect">
+            <a:avLst/>
+          </a:prstGeom>
+          <a:solidFill>
+            <a:schemeClr val="bg1"/>
+          </a:solidFill>
+          <a:ln>
+            <a:noFill/>
+          </a:ln>
+        </p:spPr>
+        <p:style>
+          <a:lnRef idx="2">
+            <a:schemeClr val="accent1">
+              <a:shade val="50000"/>
+            </a:schemeClr>
+          </a:lnRef>
+          <a:fillRef idx="1">
+            <a:schemeClr val="accent1"/>
+          </a:fillRef>
+          <a:effectRef idx="0">
+            <a:schemeClr val="accent1"/>
+          </a:effectRef>
+          <a:fontRef idx="minor">
+            <a:schemeClr val="lt1"/>
+          </a:fontRef>
+        </p:style>
+        <p:txBody>
+          <a:bodyPr rtlCol="0" anchor="ctr"/>
+          <a:lstStyle/>
+          <a:p>
+            <a:pPr algn="ctr"/>
+            <a:endParaRPr lang="en-US">
+              <a:solidFill>
+                <a:srgbClr val="DB5B5C"/>
+              </a:solidFill>
+            </a:endParaRPr>
+          </a:p>
+        </p:txBody>
+      </p:sp>
+      <p:sp>
+        <p:nvSpPr>
+          <p:cNvPr id="16" name="Rectangle 15">
+            <a:extLst>
+              <a:ext uri="{FF2B5EF4-FFF2-40B4-BE49-F238E27FC236}">
+                <a16:creationId xmlns:a16="http://schemas.microsoft.com/office/drawing/2014/main" id="{74A085FC-1866-46D4-97F7-51AA45E48D4F}"/>
+              </a:ext>
+            </a:extLst>
+          </p:cNvPr>
+          <p:cNvSpPr/>
+          <p:nvPr/>
+        </p:nvSpPr>
+        <p:spPr>
+          <a:xfrm rot="4092292">
+            <a:off x="5790668" y="4094517"/>
+            <a:ext cx="5446699" cy="137038"/>
+          </a:xfrm>
+          <a:prstGeom prst="rect">
+            <a:avLst/>
+          </a:prstGeom>
+          <a:solidFill>
+            <a:schemeClr val="bg1"/>
+          </a:solidFill>
+          <a:ln>
+            <a:noFill/>
+          </a:ln>
+        </p:spPr>
+        <p:style>
+          <a:lnRef idx="2">
+            <a:schemeClr val="accent1">
+              <a:shade val="50000"/>
+            </a:schemeClr>
+          </a:lnRef>
+          <a:fillRef idx="1">
+            <a:schemeClr val="accent1"/>
+          </a:fillRef>
+          <a:effectRef idx="0">
+            <a:schemeClr val="accent1"/>
+          </a:effectRef>
+          <a:fontRef idx="minor">
+            <a:schemeClr val="lt1"/>
+          </a:fontRef>
+        </p:style>
+        <p:txBody>
+          <a:bodyPr rtlCol="0" anchor="ctr"/>
+          <a:lstStyle/>
+          <a:p>
+            <a:pPr algn="ctr"/>
+            <a:endParaRPr lang="en-US">
+              <a:solidFill>
+                <a:srgbClr val="DB5B5C"/>
+              </a:solidFill>
+            </a:endParaRPr>
+          </a:p>
+        </p:txBody>
+      </p:sp>
+    </p:spTree>
+    <p:extLst>
+      <p:ext uri="{BB962C8B-B14F-4D97-AF65-F5344CB8AC3E}">
+        <p14:creationId xmlns:p14="http://schemas.microsoft.com/office/powerpoint/2010/main" val="289489808"/>
+      </p:ext>
+    </p:extLst>
+  </p:cSld>
+  <p:clrMapOvr>
+    <a:overrideClrMapping bg1="dk1" tx1="lt1" bg2="dk2" tx2="lt2" accent1="accent1" accent2="accent2" accent3="accent3" accent4="accent4" accent5="accent5" accent6="accent6" hlink="hlink" folHlink="folHlink"/>
+  </p:clrMapOvr>
+</p:sld>
+</file>
+
+<file path=ppt/slides/slide23.xml><?xml version="1.0" encoding="utf-8"?>
+<p:sld xmlns:a="http://schemas.openxmlformats.org/drawingml/2006/main" xmlns:r="http://schemas.openxmlformats.org/officeDocument/2006/relationships" xmlns:p="http://schemas.openxmlformats.org/presentationml/2006/main">
+  <p:cSld>
+    <p:bg>
+      <p:bgPr>
+        <a:solidFill>
+          <a:srgbClr val="395583"/>
+        </a:solidFill>
+        <a:effectLst/>
+      </p:bgPr>
+    </p:bg>
+    <p:spTree>
+      <p:nvGrpSpPr>
+        <p:cNvPr id="1" name=""/>
+        <p:cNvGrpSpPr/>
+        <p:nvPr/>
+      </p:nvGrpSpPr>
+      <p:grpSpPr>
+        <a:xfrm>
+          <a:off x="0" y="0"/>
+          <a:ext cx="0" cy="0"/>
+          <a:chOff x="0" y="0"/>
+          <a:chExt cx="0" cy="0"/>
+        </a:xfrm>
+      </p:grpSpPr>
+      <p:sp>
+        <p:nvSpPr>
+          <p:cNvPr id="25" name="Rectangle 24">
+            <a:extLst>
+              <a:ext uri="{FF2B5EF4-FFF2-40B4-BE49-F238E27FC236}">
+                <a16:creationId xmlns:a16="http://schemas.microsoft.com/office/drawing/2014/main" id="{A6792F05-2FD4-4F18-815E-15391E8B4A0E}"/>
+              </a:ext>
+              <a:ext uri="{C183D7F6-B498-43B3-948B-1728B52AA6E4}">
+                <adec:decorative xmlns:adec="http://schemas.microsoft.com/office/drawing/2017/decorative" val="1"/>
+              </a:ext>
+            </a:extLst>
+          </p:cNvPr>
+          <p:cNvSpPr>
+            <a:spLocks noGrp="1" noRot="1" noChangeAspect="1" noMove="1" noResize="1" noEditPoints="1" noAdjustHandles="1" noChangeArrowheads="1" noChangeShapeType="1" noTextEdit="1"/>
+          </p:cNvSpPr>
+          <p:nvPr>
+            <p:extLst>
+              <p:ext uri="{386F3935-93C4-4BCD-93E2-E3B085C9AB24}">
+                <p16:designElem xmlns:p16="http://schemas.microsoft.com/office/powerpoint/2015/main" val="1"/>
+              </p:ext>
+            </p:extLst>
+          </p:nvPr>
+        </p:nvSpPr>
+        <p:spPr>
+          <a:xfrm>
+            <a:off x="0" y="0"/>
+            <a:ext cx="12191999" cy="6858000"/>
+          </a:xfrm>
+          <a:prstGeom prst="rect">
+            <a:avLst/>
+          </a:prstGeom>
+          <a:solidFill>
+            <a:srgbClr val="395583"/>
+          </a:solidFill>
+          <a:ln>
+            <a:noFill/>
+          </a:ln>
+        </p:spPr>
+        <p:style>
+          <a:lnRef idx="2">
+            <a:schemeClr val="accent1">
+              <a:shade val="50000"/>
+            </a:schemeClr>
+          </a:lnRef>
+          <a:fillRef idx="1">
+            <a:schemeClr val="accent1"/>
+          </a:fillRef>
+          <a:effectRef idx="0">
+            <a:schemeClr val="accent1"/>
+          </a:effectRef>
+          <a:fontRef idx="minor">
+            <a:schemeClr val="lt1"/>
+          </a:fontRef>
+        </p:style>
+        <p:txBody>
+          <a:bodyPr rtlCol="0" anchor="ctr"/>
+          <a:lstStyle/>
+          <a:p>
+            <a:pPr algn="ctr"/>
+            <a:endParaRPr lang="en-US"/>
+          </a:p>
+        </p:txBody>
+      </p:sp>
+      <p:sp>
+        <p:nvSpPr>
+          <p:cNvPr id="2" name="Title 1">
+            <a:extLst>
+              <a:ext uri="{FF2B5EF4-FFF2-40B4-BE49-F238E27FC236}">
+                <a16:creationId xmlns:a16="http://schemas.microsoft.com/office/drawing/2014/main" id="{2589AFCC-0FF0-498C-B11F-8990DF0DAAA5}"/>
+              </a:ext>
+            </a:extLst>
+          </p:cNvPr>
+          <p:cNvSpPr>
+            <a:spLocks noGrp="1"/>
+          </p:cNvSpPr>
+          <p:nvPr>
+            <p:ph type="title"/>
+          </p:nvPr>
+        </p:nvSpPr>
+        <p:spPr>
+          <a:xfrm>
+            <a:off x="838200" y="365125"/>
+            <a:ext cx="10515600" cy="1325563"/>
+          </a:xfrm>
+        </p:spPr>
+        <p:txBody>
+          <a:bodyPr>
+            <a:normAutofit/>
+          </a:bodyPr>
+          <a:lstStyle/>
+          <a:p>
+            <a:r>
+              <a:rPr lang="en-US" b="1" dirty="0">
+                <a:latin typeface="Selawik Semibold" panose="020B0604020202020204" pitchFamily="34" charset="0"/>
+              </a:rPr>
+              <a:t>What is Sports Analytics?</a:t>
+            </a:r>
+          </a:p>
+        </p:txBody>
+      </p:sp>
+      <p:sp>
+        <p:nvSpPr>
+          <p:cNvPr id="9" name="Content Placeholder 8">
+            <a:extLst>
+              <a:ext uri="{FF2B5EF4-FFF2-40B4-BE49-F238E27FC236}">
+                <a16:creationId xmlns:a16="http://schemas.microsoft.com/office/drawing/2014/main" id="{2D995594-59F2-4020-AB6F-751BAE84ADB3}"/>
+              </a:ext>
+            </a:extLst>
+          </p:cNvPr>
+          <p:cNvSpPr>
+            <a:spLocks noGrp="1"/>
+          </p:cNvSpPr>
+          <p:nvPr>
+            <p:ph idx="1"/>
+          </p:nvPr>
+        </p:nvSpPr>
+        <p:spPr>
+          <a:xfrm>
+            <a:off x="838199" y="2021249"/>
+            <a:ext cx="7324166" cy="4581257"/>
+          </a:xfrm>
+        </p:spPr>
+        <p:txBody>
+          <a:bodyPr>
+            <a:normAutofit/>
+          </a:bodyPr>
+          <a:lstStyle/>
+          <a:p>
+            <a:r>
+              <a:rPr lang="en-US" sz="2400" dirty="0">
+                <a:latin typeface="Selawik Semibold" panose="020B0702040204020203" pitchFamily="34" charset="0"/>
+              </a:rPr>
+              <a:t>Defined by Ben </a:t>
+            </a:r>
+            <a:r>
+              <a:rPr lang="en-US" sz="2400" dirty="0" err="1">
+                <a:latin typeface="Selawik Semibold" panose="020B0702040204020203" pitchFamily="34" charset="0"/>
+              </a:rPr>
+              <a:t>Alamar</a:t>
+            </a:r>
+            <a:endParaRPr lang="en-US" sz="2000" dirty="0">
+              <a:latin typeface="Selawik Semibold" panose="020B0702040204020203" pitchFamily="34" charset="0"/>
+            </a:endParaRPr>
+          </a:p>
+          <a:p>
+            <a:pPr lvl="1"/>
+            <a:r>
+              <a:rPr lang="en-US" sz="2000" dirty="0">
+                <a:latin typeface="Selawik Semibold" panose="020B0702040204020203" pitchFamily="34" charset="0"/>
+              </a:rPr>
+              <a:t>Data Management</a:t>
+            </a:r>
+          </a:p>
+          <a:p>
+            <a:pPr lvl="1"/>
+            <a:r>
+              <a:rPr lang="en-US" sz="2000" dirty="0">
+                <a:latin typeface="Selawik Semibold" panose="020B0702040204020203" pitchFamily="34" charset="0"/>
+              </a:rPr>
+              <a:t>Predictive Models</a:t>
+            </a:r>
+          </a:p>
+          <a:p>
+            <a:pPr lvl="1"/>
+            <a:r>
+              <a:rPr lang="en-US" sz="2000" dirty="0">
+                <a:latin typeface="Selawik Semibold" panose="020B0702040204020203" pitchFamily="34" charset="0"/>
+              </a:rPr>
+              <a:t>Information Systems</a:t>
+            </a:r>
+          </a:p>
+          <a:p>
+            <a:pPr lvl="1"/>
+            <a:endParaRPr lang="en-US" sz="2000" dirty="0">
+              <a:latin typeface="Selawik Semibold" panose="020B0702040204020203" pitchFamily="34" charset="0"/>
+            </a:endParaRPr>
+          </a:p>
+          <a:p>
+            <a:pPr lvl="1"/>
+            <a:endParaRPr lang="en-US" sz="2000" dirty="0">
+              <a:latin typeface="Selawik Semibold" panose="020B0702040204020203" pitchFamily="34" charset="0"/>
+            </a:endParaRPr>
+          </a:p>
+          <a:p>
+            <a:pPr lvl="1"/>
+            <a:endParaRPr lang="en-US" sz="2000" dirty="0">
+              <a:latin typeface="Selawik Semibold" panose="020B0702040204020203" pitchFamily="34" charset="0"/>
+            </a:endParaRPr>
+          </a:p>
+          <a:p>
+            <a:pPr lvl="1"/>
+            <a:endParaRPr lang="en-US" sz="2000" dirty="0">
+              <a:latin typeface="Selawik Semibold" panose="020B0702040204020203" pitchFamily="34" charset="0"/>
+            </a:endParaRPr>
+          </a:p>
+          <a:p>
+            <a:pPr lvl="1"/>
+            <a:endParaRPr lang="en-US" sz="2000" dirty="0">
+              <a:latin typeface="Selawik Semibold" panose="020B0702040204020203" pitchFamily="34" charset="0"/>
+            </a:endParaRPr>
+          </a:p>
+        </p:txBody>
+      </p:sp>
+      <p:pic>
+        <p:nvPicPr>
+          <p:cNvPr id="4" name="Picture 3" descr="A drawing of a cartoon character&#10;&#10;Description automatically generated">
+            <a:extLst>
+              <a:ext uri="{FF2B5EF4-FFF2-40B4-BE49-F238E27FC236}">
+                <a16:creationId xmlns:a16="http://schemas.microsoft.com/office/drawing/2014/main" id="{A7FDC859-D890-4904-9C64-27F43DA90453}"/>
+              </a:ext>
+            </a:extLst>
+          </p:cNvPr>
+          <p:cNvPicPr>
+            <a:picLocks noChangeAspect="1"/>
+          </p:cNvPicPr>
+          <p:nvPr/>
+        </p:nvPicPr>
+        <p:blipFill rotWithShape="1">
+          <a:blip r:embed="rId3">
+            <a:extLst>
+              <a:ext uri="{28A0092B-C50C-407E-A947-70E740481C1C}">
+                <a14:useLocalDpi xmlns:a14="http://schemas.microsoft.com/office/drawing/2010/main" val="0"/>
+              </a:ext>
+            </a:extLst>
+          </a:blip>
+          <a:srcRect t="5616" r="2" b="2"/>
+          <a:stretch/>
+        </p:blipFill>
+        <p:spPr>
+          <a:xfrm>
+            <a:off x="7471144" y="1700078"/>
+            <a:ext cx="4720855" cy="2583792"/>
+          </a:xfrm>
+          <a:custGeom>
+            <a:avLst/>
+            <a:gdLst>
+              <a:gd name="connsiteX0" fmla="*/ 0 w 5475077"/>
+              <a:gd name="connsiteY0" fmla="*/ 0 h 2583792"/>
+              <a:gd name="connsiteX1" fmla="*/ 5475077 w 5475077"/>
+              <a:gd name="connsiteY1" fmla="*/ 0 h 2583792"/>
+              <a:gd name="connsiteX2" fmla="*/ 5475077 w 5475077"/>
+              <a:gd name="connsiteY2" fmla="*/ 2583792 h 2583792"/>
+              <a:gd name="connsiteX3" fmla="*/ 1197192 w 5475077"/>
+              <a:gd name="connsiteY3" fmla="*/ 2583792 h 2583792"/>
+            </a:gdLst>
+            <a:ahLst/>
+            <a:cxnLst>
+              <a:cxn ang="0">
+                <a:pos x="connsiteX0" y="connsiteY0"/>
+              </a:cxn>
+              <a:cxn ang="0">
+                <a:pos x="connsiteX1" y="connsiteY1"/>
+              </a:cxn>
+              <a:cxn ang="0">
+                <a:pos x="connsiteX2" y="connsiteY2"/>
+              </a:cxn>
+              <a:cxn ang="0">
+                <a:pos x="connsiteX3" y="connsiteY3"/>
+              </a:cxn>
+            </a:cxnLst>
+            <a:rect l="l" t="t" r="r" b="b"/>
+            <a:pathLst>
+              <a:path w="5475077" h="2583792">
+                <a:moveTo>
+                  <a:pt x="0" y="0"/>
+                </a:moveTo>
+                <a:lnTo>
+                  <a:pt x="5475077" y="0"/>
+                </a:lnTo>
+                <a:lnTo>
+                  <a:pt x="5475077" y="2583792"/>
+                </a:lnTo>
+                <a:lnTo>
+                  <a:pt x="1197192" y="2583792"/>
+                </a:lnTo>
+                <a:close/>
+              </a:path>
+            </a:pathLst>
+          </a:custGeom>
+        </p:spPr>
+      </p:pic>
+      <p:pic>
+        <p:nvPicPr>
+          <p:cNvPr id="5" name="Content Placeholder 4" descr="A picture containing indoor&#10;&#10;Description automatically generated">
+            <a:extLst>
+              <a:ext uri="{FF2B5EF4-FFF2-40B4-BE49-F238E27FC236}">
+                <a16:creationId xmlns:a16="http://schemas.microsoft.com/office/drawing/2014/main" id="{A58F0E55-21F3-485B-A07F-1CE74177BDD2}"/>
+              </a:ext>
+            </a:extLst>
+          </p:cNvPr>
+          <p:cNvPicPr>
+            <a:picLocks noChangeAspect="1"/>
+          </p:cNvPicPr>
+          <p:nvPr/>
+        </p:nvPicPr>
+        <p:blipFill rotWithShape="1">
+          <a:blip r:embed="rId4">
+            <a:extLst>
+              <a:ext uri="{28A0092B-C50C-407E-A947-70E740481C1C}">
+                <a14:useLocalDpi xmlns:a14="http://schemas.microsoft.com/office/drawing/2010/main" val="0"/>
+              </a:ext>
+            </a:extLst>
+          </a:blip>
+          <a:srcRect t="5300" r="3" b="6859"/>
+          <a:stretch/>
+        </p:blipFill>
+        <p:spPr>
+          <a:xfrm>
+            <a:off x="8491869" y="4283870"/>
+            <a:ext cx="3700129" cy="2583520"/>
+          </a:xfrm>
+          <a:custGeom>
+            <a:avLst/>
+            <a:gdLst>
+              <a:gd name="connsiteX0" fmla="*/ 0 w 4277884"/>
+              <a:gd name="connsiteY0" fmla="*/ 0 h 2583520"/>
+              <a:gd name="connsiteX1" fmla="*/ 4277884 w 4277884"/>
+              <a:gd name="connsiteY1" fmla="*/ 0 h 2583520"/>
+              <a:gd name="connsiteX2" fmla="*/ 4277884 w 4277884"/>
+              <a:gd name="connsiteY2" fmla="*/ 2583520 h 2583520"/>
+              <a:gd name="connsiteX3" fmla="*/ 1192437 w 4277884"/>
+              <a:gd name="connsiteY3" fmla="*/ 2583520 h 2583520"/>
+              <a:gd name="connsiteX4" fmla="*/ 1188085 w 4277884"/>
+              <a:gd name="connsiteY4" fmla="*/ 2574129 h 2583520"/>
+              <a:gd name="connsiteX5" fmla="*/ 1192715 w 4277884"/>
+              <a:gd name="connsiteY5" fmla="*/ 2574129 h 2583520"/>
+            </a:gdLst>
+            <a:ahLst/>
+            <a:cxnLst>
+              <a:cxn ang="0">
+                <a:pos x="connsiteX0" y="connsiteY0"/>
+              </a:cxn>
+              <a:cxn ang="0">
+                <a:pos x="connsiteX1" y="connsiteY1"/>
+              </a:cxn>
+              <a:cxn ang="0">
+                <a:pos x="connsiteX2" y="connsiteY2"/>
+              </a:cxn>
+              <a:cxn ang="0">
+                <a:pos x="connsiteX3" y="connsiteY3"/>
+              </a:cxn>
+              <a:cxn ang="0">
+                <a:pos x="connsiteX4" y="connsiteY4"/>
+              </a:cxn>
+              <a:cxn ang="0">
+                <a:pos x="connsiteX5" y="connsiteY5"/>
+              </a:cxn>
+            </a:cxnLst>
+            <a:rect l="l" t="t" r="r" b="b"/>
+            <a:pathLst>
+              <a:path w="4277884" h="2583520">
+                <a:moveTo>
+                  <a:pt x="0" y="0"/>
+                </a:moveTo>
+                <a:lnTo>
+                  <a:pt x="4277884" y="0"/>
+                </a:lnTo>
+                <a:lnTo>
+                  <a:pt x="4277884" y="2583520"/>
+                </a:lnTo>
+                <a:lnTo>
+                  <a:pt x="1192437" y="2583520"/>
+                </a:lnTo>
+                <a:lnTo>
+                  <a:pt x="1188085" y="2574129"/>
+                </a:lnTo>
+                <a:lnTo>
+                  <a:pt x="1192715" y="2574129"/>
+                </a:lnTo>
+                <a:close/>
+              </a:path>
+            </a:pathLst>
+          </a:custGeom>
+        </p:spPr>
+      </p:pic>
+      <p:sp>
+        <p:nvSpPr>
+          <p:cNvPr id="6" name="Rectangle 5">
+            <a:extLst>
+              <a:ext uri="{FF2B5EF4-FFF2-40B4-BE49-F238E27FC236}">
+                <a16:creationId xmlns:a16="http://schemas.microsoft.com/office/drawing/2014/main" id="{A2901312-C3C2-4CEC-80EF-823AB4FBB726}"/>
+              </a:ext>
+            </a:extLst>
+          </p:cNvPr>
+          <p:cNvSpPr/>
+          <p:nvPr/>
+        </p:nvSpPr>
+        <p:spPr>
+          <a:xfrm>
+            <a:off x="-1" y="1608918"/>
+            <a:ext cx="12191999" cy="91160"/>
+          </a:xfrm>
+          <a:prstGeom prst="rect">
+            <a:avLst/>
+          </a:prstGeom>
+          <a:solidFill>
+            <a:schemeClr val="bg1"/>
+          </a:solidFill>
+          <a:ln>
+            <a:noFill/>
+          </a:ln>
+        </p:spPr>
+        <p:style>
+          <a:lnRef idx="2">
+            <a:schemeClr val="accent1">
+              <a:shade val="50000"/>
+            </a:schemeClr>
+          </a:lnRef>
+          <a:fillRef idx="1">
+            <a:schemeClr val="accent1"/>
+          </a:fillRef>
+          <a:effectRef idx="0">
+            <a:schemeClr val="accent1"/>
+          </a:effectRef>
+          <a:fontRef idx="minor">
+            <a:schemeClr val="lt1"/>
+          </a:fontRef>
+        </p:style>
+        <p:txBody>
+          <a:bodyPr rtlCol="0" anchor="ctr"/>
+          <a:lstStyle/>
+          <a:p>
+            <a:pPr algn="ctr"/>
+            <a:endParaRPr lang="en-US">
+              <a:solidFill>
+                <a:srgbClr val="DB5B5C"/>
+              </a:solidFill>
+            </a:endParaRPr>
+          </a:p>
+        </p:txBody>
+      </p:sp>
+      <p:sp>
+        <p:nvSpPr>
+          <p:cNvPr id="15" name="Rectangle 14">
+            <a:extLst>
+              <a:ext uri="{FF2B5EF4-FFF2-40B4-BE49-F238E27FC236}">
+                <a16:creationId xmlns:a16="http://schemas.microsoft.com/office/drawing/2014/main" id="{AD0A7C9C-CA2C-4B9B-A125-2D09D5573B44}"/>
+              </a:ext>
+            </a:extLst>
+          </p:cNvPr>
+          <p:cNvSpPr/>
+          <p:nvPr/>
+        </p:nvSpPr>
+        <p:spPr>
+          <a:xfrm>
+            <a:off x="1" y="6677247"/>
+            <a:ext cx="12191999" cy="190143"/>
+          </a:xfrm>
+          <a:prstGeom prst="rect">
+            <a:avLst/>
+          </a:prstGeom>
+          <a:solidFill>
+            <a:schemeClr val="bg1"/>
+          </a:solidFill>
+          <a:ln>
+            <a:noFill/>
+          </a:ln>
+        </p:spPr>
+        <p:style>
+          <a:lnRef idx="2">
+            <a:schemeClr val="accent1">
+              <a:shade val="50000"/>
+            </a:schemeClr>
+          </a:lnRef>
+          <a:fillRef idx="1">
+            <a:schemeClr val="accent1"/>
+          </a:fillRef>
+          <a:effectRef idx="0">
+            <a:schemeClr val="accent1"/>
+          </a:effectRef>
+          <a:fontRef idx="minor">
+            <a:schemeClr val="lt1"/>
+          </a:fontRef>
+        </p:style>
+        <p:txBody>
+          <a:bodyPr rtlCol="0" anchor="ctr"/>
+          <a:lstStyle/>
+          <a:p>
+            <a:pPr algn="ctr"/>
+            <a:endParaRPr lang="en-US">
+              <a:solidFill>
+                <a:srgbClr val="DB5B5C"/>
+              </a:solidFill>
+            </a:endParaRPr>
+          </a:p>
+        </p:txBody>
+      </p:sp>
+      <p:sp>
+        <p:nvSpPr>
+          <p:cNvPr id="16" name="Rectangle 15">
+            <a:extLst>
+              <a:ext uri="{FF2B5EF4-FFF2-40B4-BE49-F238E27FC236}">
+                <a16:creationId xmlns:a16="http://schemas.microsoft.com/office/drawing/2014/main" id="{74A085FC-1866-46D4-97F7-51AA45E48D4F}"/>
+              </a:ext>
+            </a:extLst>
+          </p:cNvPr>
+          <p:cNvSpPr/>
+          <p:nvPr/>
+        </p:nvSpPr>
+        <p:spPr>
+          <a:xfrm rot="4092292">
+            <a:off x="5790668" y="4094517"/>
+            <a:ext cx="5446699" cy="137038"/>
+          </a:xfrm>
+          <a:prstGeom prst="rect">
+            <a:avLst/>
+          </a:prstGeom>
+          <a:solidFill>
+            <a:schemeClr val="bg1"/>
+          </a:solidFill>
+          <a:ln>
+            <a:noFill/>
+          </a:ln>
+        </p:spPr>
+        <p:style>
+          <a:lnRef idx="2">
+            <a:schemeClr val="accent1">
+              <a:shade val="50000"/>
+            </a:schemeClr>
+          </a:lnRef>
+          <a:fillRef idx="1">
+            <a:schemeClr val="accent1"/>
+          </a:fillRef>
+          <a:effectRef idx="0">
+            <a:schemeClr val="accent1"/>
+          </a:effectRef>
+          <a:fontRef idx="minor">
+            <a:schemeClr val="lt1"/>
+          </a:fontRef>
+        </p:style>
+        <p:txBody>
+          <a:bodyPr rtlCol="0" anchor="ctr"/>
+          <a:lstStyle/>
+          <a:p>
+            <a:pPr algn="ctr"/>
+            <a:endParaRPr lang="en-US">
+              <a:solidFill>
+                <a:srgbClr val="DB5B5C"/>
+              </a:solidFill>
+            </a:endParaRPr>
+          </a:p>
+        </p:txBody>
+      </p:sp>
+      <p:sp>
+        <p:nvSpPr>
+          <p:cNvPr id="7" name="TextBox 6">
+            <a:extLst>
+              <a:ext uri="{FF2B5EF4-FFF2-40B4-BE49-F238E27FC236}">
+                <a16:creationId xmlns:a16="http://schemas.microsoft.com/office/drawing/2014/main" id="{122E552F-CD5E-4928-A884-3509AF0AAD36}"/>
+              </a:ext>
+            </a:extLst>
+          </p:cNvPr>
+          <p:cNvSpPr txBox="1"/>
+          <p:nvPr/>
+        </p:nvSpPr>
+        <p:spPr>
+          <a:xfrm>
+            <a:off x="365718" y="3783182"/>
+            <a:ext cx="2205318" cy="954107"/>
+          </a:xfrm>
+          <a:prstGeom prst="rect">
+            <a:avLst/>
+          </a:prstGeom>
+        </p:spPr>
+        <p:style>
+          <a:lnRef idx="1">
+            <a:schemeClr val="dk1"/>
+          </a:lnRef>
+          <a:fillRef idx="3">
+            <a:schemeClr val="dk1"/>
+          </a:fillRef>
+          <a:effectRef idx="2">
+            <a:schemeClr val="dk1"/>
+          </a:effectRef>
+          <a:fontRef idx="minor">
+            <a:schemeClr val="lt1"/>
+          </a:fontRef>
+        </p:style>
+        <p:txBody>
+          <a:bodyPr wrap="square" rtlCol="0">
+            <a:spAutoFit/>
+          </a:bodyPr>
+          <a:lstStyle/>
+          <a:p>
+            <a:r>
+              <a:rPr lang="en-US" sz="2800" dirty="0"/>
+              <a:t>Data </a:t>
+            </a:r>
+          </a:p>
+          <a:p>
+            <a:r>
+              <a:rPr lang="en-US" sz="2800" dirty="0"/>
+              <a:t>Management</a:t>
+            </a:r>
+          </a:p>
+        </p:txBody>
+      </p:sp>
+      <p:sp>
+        <p:nvSpPr>
+          <p:cNvPr id="12" name="TextBox 11">
+            <a:extLst>
+              <a:ext uri="{FF2B5EF4-FFF2-40B4-BE49-F238E27FC236}">
+                <a16:creationId xmlns:a16="http://schemas.microsoft.com/office/drawing/2014/main" id="{26DA0C6F-C9E0-47D4-9FC9-FCD1D65D2721}"/>
+              </a:ext>
+            </a:extLst>
+          </p:cNvPr>
+          <p:cNvSpPr txBox="1"/>
+          <p:nvPr/>
+        </p:nvSpPr>
+        <p:spPr>
+          <a:xfrm>
+            <a:off x="353916" y="5407416"/>
+            <a:ext cx="2205318" cy="954107"/>
+          </a:xfrm>
+          <a:prstGeom prst="rect">
+            <a:avLst/>
+          </a:prstGeom>
+        </p:spPr>
+        <p:style>
+          <a:lnRef idx="1">
+            <a:schemeClr val="dk1"/>
+          </a:lnRef>
+          <a:fillRef idx="3">
+            <a:schemeClr val="dk1"/>
+          </a:fillRef>
+          <a:effectRef idx="2">
+            <a:schemeClr val="dk1"/>
+          </a:effectRef>
+          <a:fontRef idx="minor">
+            <a:schemeClr val="lt1"/>
+          </a:fontRef>
+        </p:style>
+        <p:txBody>
+          <a:bodyPr wrap="square" rtlCol="0">
+            <a:spAutoFit/>
+          </a:bodyPr>
+          <a:lstStyle/>
+          <a:p>
+            <a:r>
+              <a:rPr lang="en-US" sz="2800" dirty="0"/>
+              <a:t>Analytic Models</a:t>
+            </a:r>
+          </a:p>
+        </p:txBody>
+      </p:sp>
+      <p:sp>
+        <p:nvSpPr>
+          <p:cNvPr id="13" name="TextBox 12">
+            <a:extLst>
+              <a:ext uri="{FF2B5EF4-FFF2-40B4-BE49-F238E27FC236}">
+                <a16:creationId xmlns:a16="http://schemas.microsoft.com/office/drawing/2014/main" id="{992BD579-13F5-48CC-B1C8-16F0934F3B44}"/>
+              </a:ext>
+            </a:extLst>
+          </p:cNvPr>
+          <p:cNvSpPr txBox="1"/>
+          <p:nvPr/>
+        </p:nvSpPr>
+        <p:spPr>
+          <a:xfrm>
+            <a:off x="3225728" y="4163036"/>
+            <a:ext cx="1907548" cy="954107"/>
+          </a:xfrm>
+          <a:prstGeom prst="rect">
+            <a:avLst/>
+          </a:prstGeom>
+        </p:spPr>
+        <p:style>
+          <a:lnRef idx="1">
+            <a:schemeClr val="dk1"/>
+          </a:lnRef>
+          <a:fillRef idx="3">
+            <a:schemeClr val="dk1"/>
+          </a:fillRef>
+          <a:effectRef idx="2">
+            <a:schemeClr val="dk1"/>
+          </a:effectRef>
+          <a:fontRef idx="minor">
+            <a:schemeClr val="lt1"/>
+          </a:fontRef>
+        </p:style>
+        <p:txBody>
+          <a:bodyPr wrap="square" rtlCol="0">
+            <a:spAutoFit/>
+          </a:bodyPr>
+          <a:lstStyle/>
+          <a:p>
+            <a:r>
+              <a:rPr lang="en-US" sz="2800" dirty="0"/>
+              <a:t>Information</a:t>
+            </a:r>
+          </a:p>
+          <a:p>
+            <a:r>
+              <a:rPr lang="en-US" sz="2800" dirty="0"/>
+              <a:t>Systems</a:t>
+            </a:r>
+          </a:p>
+        </p:txBody>
+      </p:sp>
+      <p:pic>
+        <p:nvPicPr>
+          <p:cNvPr id="10" name="Picture 9" descr="Decision Maker">
+            <a:extLst>
+              <a:ext uri="{FF2B5EF4-FFF2-40B4-BE49-F238E27FC236}">
+                <a16:creationId xmlns:a16="http://schemas.microsoft.com/office/drawing/2014/main" id="{2911B196-1EA3-4ECD-850B-F7838FAD07BC}"/>
+              </a:ext>
+            </a:extLst>
+          </p:cNvPr>
+          <p:cNvPicPr>
+            <a:picLocks noChangeAspect="1"/>
+          </p:cNvPicPr>
+          <p:nvPr/>
+        </p:nvPicPr>
+        <p:blipFill>
+          <a:blip r:embed="rId5">
+            <a:extLst>
+              <a:ext uri="{28A0092B-C50C-407E-A947-70E740481C1C}">
+                <a14:useLocalDpi xmlns:a14="http://schemas.microsoft.com/office/drawing/2010/main" val="0"/>
+              </a:ext>
+            </a:extLst>
+          </a:blip>
+          <a:stretch>
+            <a:fillRect/>
+          </a:stretch>
+        </p:blipFill>
+        <p:spPr>
+          <a:xfrm>
+            <a:off x="5787968" y="4375030"/>
+            <a:ext cx="2538848" cy="1516803"/>
+          </a:xfrm>
+          <a:prstGeom prst="rect">
+            <a:avLst/>
+          </a:prstGeom>
+          <a:solidFill>
+            <a:srgbClr val="000000">
+              <a:shade val="95000"/>
+            </a:srgbClr>
+          </a:solidFill>
+          <a:ln w="28575" cap="sq">
+            <a:solidFill>
+              <a:srgbClr val="000000"/>
+            </a:solidFill>
+            <a:miter lim="800000"/>
+          </a:ln>
+          <a:effectLst>
+            <a:outerShdw blurRad="254000" dist="190500" dir="2700000" sy="90000" algn="bl" rotWithShape="0">
+              <a:srgbClr val="000000">
+                <a:alpha val="40000"/>
+              </a:srgbClr>
+            </a:outerShdw>
+          </a:effectLst>
+        </p:spPr>
+      </p:pic>
+      <p:sp>
+        <p:nvSpPr>
+          <p:cNvPr id="17" name="TextBox 16">
+            <a:extLst>
+              <a:ext uri="{FF2B5EF4-FFF2-40B4-BE49-F238E27FC236}">
+                <a16:creationId xmlns:a16="http://schemas.microsoft.com/office/drawing/2014/main" id="{50914ED0-975E-41B2-86EC-5995292303DF}"/>
+              </a:ext>
+            </a:extLst>
+          </p:cNvPr>
+          <p:cNvSpPr txBox="1"/>
+          <p:nvPr/>
+        </p:nvSpPr>
+        <p:spPr>
+          <a:xfrm>
+            <a:off x="5848506" y="5977904"/>
+            <a:ext cx="2421642" cy="523220"/>
+          </a:xfrm>
+          <a:prstGeom prst="rect">
+            <a:avLst/>
+          </a:prstGeom>
+        </p:spPr>
+        <p:style>
+          <a:lnRef idx="1">
+            <a:schemeClr val="dk1"/>
+          </a:lnRef>
+          <a:fillRef idx="3">
+            <a:schemeClr val="dk1"/>
+          </a:fillRef>
+          <a:effectRef idx="2">
+            <a:schemeClr val="dk1"/>
+          </a:effectRef>
+          <a:fontRef idx="minor">
+            <a:schemeClr val="lt1"/>
+          </a:fontRef>
+        </p:style>
+        <p:txBody>
+          <a:bodyPr wrap="square" rtlCol="0">
+            <a:spAutoFit/>
+          </a:bodyPr>
+          <a:lstStyle/>
+          <a:p>
+            <a:r>
+              <a:rPr lang="en-US" sz="2800" dirty="0"/>
+              <a:t>Decision Maker</a:t>
+            </a:r>
+          </a:p>
+        </p:txBody>
+      </p:sp>
+      <p:sp>
+        <p:nvSpPr>
+          <p:cNvPr id="18" name="Arrow: Right 17">
+            <a:extLst>
+              <a:ext uri="{FF2B5EF4-FFF2-40B4-BE49-F238E27FC236}">
+                <a16:creationId xmlns:a16="http://schemas.microsoft.com/office/drawing/2014/main" id="{034BACA9-7E25-4051-A7E8-D2B4C2C0145B}"/>
+              </a:ext>
+            </a:extLst>
+          </p:cNvPr>
+          <p:cNvSpPr/>
+          <p:nvPr/>
+        </p:nvSpPr>
+        <p:spPr>
+          <a:xfrm rot="5400000">
+            <a:off x="1139801" y="4911200"/>
+            <a:ext cx="497541" cy="318768"/>
+          </a:xfrm>
+          <a:prstGeom prst="rightArrow">
+            <a:avLst/>
+          </a:prstGeom>
+        </p:spPr>
+        <p:style>
+          <a:lnRef idx="2">
+            <a:schemeClr val="dk1">
+              <a:shade val="50000"/>
+            </a:schemeClr>
+          </a:lnRef>
+          <a:fillRef idx="1">
+            <a:schemeClr val="dk1"/>
+          </a:fillRef>
+          <a:effectRef idx="0">
+            <a:schemeClr val="dk1"/>
+          </a:effectRef>
+          <a:fontRef idx="minor">
+            <a:schemeClr val="lt1"/>
+          </a:fontRef>
+        </p:style>
+        <p:txBody>
+          <a:bodyPr rtlCol="0" anchor="ctr"/>
+          <a:lstStyle/>
+          <a:p>
+            <a:pPr algn="ctr"/>
+            <a:endParaRPr lang="en-US"/>
+          </a:p>
+        </p:txBody>
+      </p:sp>
+      <p:sp>
+        <p:nvSpPr>
+          <p:cNvPr id="20" name="Arrow: Right 19">
+            <a:extLst>
+              <a:ext uri="{FF2B5EF4-FFF2-40B4-BE49-F238E27FC236}">
+                <a16:creationId xmlns:a16="http://schemas.microsoft.com/office/drawing/2014/main" id="{8BA0E7CA-81EF-4647-8038-D30905E3C7C9}"/>
+              </a:ext>
+            </a:extLst>
+          </p:cNvPr>
+          <p:cNvSpPr/>
+          <p:nvPr/>
+        </p:nvSpPr>
+        <p:spPr>
+          <a:xfrm>
+            <a:off x="2660863" y="4375030"/>
+            <a:ext cx="497541" cy="318768"/>
+          </a:xfrm>
+          <a:prstGeom prst="rightArrow">
+            <a:avLst/>
+          </a:prstGeom>
+        </p:spPr>
+        <p:style>
+          <a:lnRef idx="2">
+            <a:schemeClr val="dk1">
+              <a:shade val="50000"/>
+            </a:schemeClr>
+          </a:lnRef>
+          <a:fillRef idx="1">
+            <a:schemeClr val="dk1"/>
+          </a:fillRef>
+          <a:effectRef idx="0">
+            <a:schemeClr val="dk1"/>
+          </a:effectRef>
+          <a:fontRef idx="minor">
+            <a:schemeClr val="lt1"/>
+          </a:fontRef>
+        </p:style>
+        <p:txBody>
+          <a:bodyPr rtlCol="0" anchor="ctr"/>
+          <a:lstStyle/>
+          <a:p>
+            <a:pPr algn="ctr"/>
+            <a:endParaRPr lang="en-US"/>
+          </a:p>
+        </p:txBody>
+      </p:sp>
+      <p:sp>
+        <p:nvSpPr>
+          <p:cNvPr id="21" name="Arrow: Right 20">
+            <a:extLst>
+              <a:ext uri="{FF2B5EF4-FFF2-40B4-BE49-F238E27FC236}">
+                <a16:creationId xmlns:a16="http://schemas.microsoft.com/office/drawing/2014/main" id="{56068537-B0AA-411A-BA6C-AF1101648815}"/>
+              </a:ext>
+            </a:extLst>
+          </p:cNvPr>
+          <p:cNvSpPr/>
+          <p:nvPr/>
+        </p:nvSpPr>
+        <p:spPr>
+          <a:xfrm rot="20363812">
+            <a:off x="2589987" y="5114621"/>
+            <a:ext cx="574536" cy="318768"/>
+          </a:xfrm>
+          <a:prstGeom prst="rightArrow">
+            <a:avLst/>
+          </a:prstGeom>
+        </p:spPr>
+        <p:style>
+          <a:lnRef idx="2">
+            <a:schemeClr val="dk1">
+              <a:shade val="50000"/>
+            </a:schemeClr>
+          </a:lnRef>
+          <a:fillRef idx="1">
+            <a:schemeClr val="dk1"/>
+          </a:fillRef>
+          <a:effectRef idx="0">
+            <a:schemeClr val="dk1"/>
+          </a:effectRef>
+          <a:fontRef idx="minor">
+            <a:schemeClr val="lt1"/>
+          </a:fontRef>
+        </p:style>
+        <p:txBody>
+          <a:bodyPr rtlCol="0" anchor="ctr"/>
+          <a:lstStyle/>
+          <a:p>
+            <a:pPr algn="ctr"/>
+            <a:endParaRPr lang="en-US"/>
+          </a:p>
+        </p:txBody>
+      </p:sp>
+      <p:sp>
+        <p:nvSpPr>
+          <p:cNvPr id="22" name="Arrow: Right 21">
+            <a:extLst>
+              <a:ext uri="{FF2B5EF4-FFF2-40B4-BE49-F238E27FC236}">
+                <a16:creationId xmlns:a16="http://schemas.microsoft.com/office/drawing/2014/main" id="{D65390E2-9ECB-47DE-9675-CB5E939AB195}"/>
+              </a:ext>
+            </a:extLst>
+          </p:cNvPr>
+          <p:cNvSpPr/>
+          <p:nvPr/>
+        </p:nvSpPr>
+        <p:spPr>
+          <a:xfrm>
+            <a:off x="2655762" y="5786866"/>
+            <a:ext cx="2965922" cy="318768"/>
+          </a:xfrm>
+          <a:prstGeom prst="rightArrow">
+            <a:avLst/>
+          </a:prstGeom>
+        </p:spPr>
+        <p:style>
+          <a:lnRef idx="2">
+            <a:schemeClr val="dk1">
+              <a:shade val="50000"/>
+            </a:schemeClr>
+          </a:lnRef>
+          <a:fillRef idx="1">
+            <a:schemeClr val="dk1"/>
+          </a:fillRef>
+          <a:effectRef idx="0">
+            <a:schemeClr val="dk1"/>
+          </a:effectRef>
+          <a:fontRef idx="minor">
+            <a:schemeClr val="lt1"/>
+          </a:fontRef>
+        </p:style>
+        <p:txBody>
+          <a:bodyPr rtlCol="0" anchor="ctr"/>
+          <a:lstStyle/>
+          <a:p>
+            <a:pPr algn="ctr"/>
+            <a:endParaRPr lang="en-US"/>
+          </a:p>
+        </p:txBody>
+      </p:sp>
+      <p:sp>
+        <p:nvSpPr>
+          <p:cNvPr id="23" name="Arrow: Right 22">
+            <a:extLst>
+              <a:ext uri="{FF2B5EF4-FFF2-40B4-BE49-F238E27FC236}">
+                <a16:creationId xmlns:a16="http://schemas.microsoft.com/office/drawing/2014/main" id="{C46C3C4B-3AA7-4E8E-8FCB-77B719504DD8}"/>
+              </a:ext>
+            </a:extLst>
+          </p:cNvPr>
+          <p:cNvSpPr/>
+          <p:nvPr/>
+        </p:nvSpPr>
+        <p:spPr>
+          <a:xfrm>
+            <a:off x="5214009" y="4695767"/>
+            <a:ext cx="497541" cy="318768"/>
+          </a:xfrm>
+          <a:prstGeom prst="rightArrow">
+            <a:avLst/>
+          </a:prstGeom>
+        </p:spPr>
+        <p:style>
+          <a:lnRef idx="2">
+            <a:schemeClr val="dk1">
+              <a:shade val="50000"/>
+            </a:schemeClr>
+          </a:lnRef>
+          <a:fillRef idx="1">
+            <a:schemeClr val="dk1"/>
+          </a:fillRef>
+          <a:effectRef idx="0">
+            <a:schemeClr val="dk1"/>
+          </a:effectRef>
+          <a:fontRef idx="minor">
+            <a:schemeClr val="lt1"/>
+          </a:fontRef>
+        </p:style>
+        <p:txBody>
+          <a:bodyPr rtlCol="0" anchor="ctr"/>
+          <a:lstStyle/>
+          <a:p>
+            <a:pPr algn="ctr"/>
+            <a:endParaRPr lang="en-US"/>
+          </a:p>
+        </p:txBody>
+      </p:sp>
+      <p:sp>
+        <p:nvSpPr>
+          <p:cNvPr id="19" name="Rectangle 18">
+            <a:extLst>
+              <a:ext uri="{FF2B5EF4-FFF2-40B4-BE49-F238E27FC236}">
+                <a16:creationId xmlns:a16="http://schemas.microsoft.com/office/drawing/2014/main" id="{0F2662DF-6B81-4BCB-BE84-0E68709D2B8F}"/>
+              </a:ext>
+            </a:extLst>
+          </p:cNvPr>
+          <p:cNvSpPr/>
+          <p:nvPr/>
+        </p:nvSpPr>
+        <p:spPr>
+          <a:xfrm>
+            <a:off x="260181" y="6334719"/>
+            <a:ext cx="4017387" cy="369332"/>
+          </a:xfrm>
+          <a:prstGeom prst="rect">
+            <a:avLst/>
+          </a:prstGeom>
+        </p:spPr>
+        <p:txBody>
+          <a:bodyPr wrap="square">
+            <a:spAutoFit/>
+          </a:bodyPr>
+          <a:lstStyle/>
+          <a:p>
+            <a:r>
+              <a:rPr lang="en-US" dirty="0"/>
+              <a:t>Based on </a:t>
+            </a:r>
+            <a:r>
+              <a:rPr lang="en-US" i="1" dirty="0"/>
+              <a:t>Sports Analytics</a:t>
+            </a:r>
+            <a:r>
+              <a:rPr lang="en-US" dirty="0"/>
+              <a:t> by Ben </a:t>
+            </a:r>
+            <a:r>
+              <a:rPr lang="en-US" dirty="0" err="1"/>
+              <a:t>Alamar</a:t>
+            </a:r>
+            <a:endParaRPr lang="en-US" dirty="0"/>
+          </a:p>
+        </p:txBody>
+      </p:sp>
+    </p:spTree>
+    <p:extLst>
+      <p:ext uri="{BB962C8B-B14F-4D97-AF65-F5344CB8AC3E}">
+        <p14:creationId xmlns:p14="http://schemas.microsoft.com/office/powerpoint/2010/main" val="4266006054"/>
+      </p:ext>
+    </p:extLst>
+  </p:cSld>
+  <p:clrMapOvr>
+    <a:overrideClrMapping bg1="dk1" tx1="lt1" bg2="dk2" tx2="lt2" accent1="accent1" accent2="accent2" accent3="accent3" accent4="accent4" accent5="accent5" accent6="accent6" hlink="hlink" folHlink="folHlink"/>
+  </p:clrMapOvr>
+</p:sld>
+</file>
+
+<file path=ppt/slides/slide24.xml><?xml version="1.0" encoding="utf-8"?>
+<p:sld xmlns:a="http://schemas.openxmlformats.org/drawingml/2006/main" xmlns:r="http://schemas.openxmlformats.org/officeDocument/2006/relationships" xmlns:p="http://schemas.openxmlformats.org/presentationml/2006/main">
+  <p:cSld>
+    <p:bg>
+      <p:bgPr>
+        <a:solidFill>
+          <a:srgbClr val="395583"/>
+        </a:solidFill>
+        <a:effectLst/>
+      </p:bgPr>
+    </p:bg>
+    <p:spTree>
+      <p:nvGrpSpPr>
+        <p:cNvPr id="1" name=""/>
+        <p:cNvGrpSpPr/>
+        <p:nvPr/>
+      </p:nvGrpSpPr>
+      <p:grpSpPr>
+        <a:xfrm>
+          <a:off x="0" y="0"/>
+          <a:ext cx="0" cy="0"/>
+          <a:chOff x="0" y="0"/>
+          <a:chExt cx="0" cy="0"/>
+        </a:xfrm>
+      </p:grpSpPr>
+      <p:sp>
+        <p:nvSpPr>
+          <p:cNvPr id="25" name="Rectangle 24">
+            <a:extLst>
+              <a:ext uri="{FF2B5EF4-FFF2-40B4-BE49-F238E27FC236}">
+                <a16:creationId xmlns:a16="http://schemas.microsoft.com/office/drawing/2014/main" id="{A6792F05-2FD4-4F18-815E-15391E8B4A0E}"/>
+              </a:ext>
+              <a:ext uri="{C183D7F6-B498-43B3-948B-1728B52AA6E4}">
+                <adec:decorative xmlns:adec="http://schemas.microsoft.com/office/drawing/2017/decorative" val="1"/>
+              </a:ext>
+            </a:extLst>
+          </p:cNvPr>
+          <p:cNvSpPr>
+            <a:spLocks noGrp="1" noRot="1" noChangeAspect="1" noMove="1" noResize="1" noEditPoints="1" noAdjustHandles="1" noChangeArrowheads="1" noChangeShapeType="1" noTextEdit="1"/>
+          </p:cNvSpPr>
+          <p:nvPr>
+            <p:extLst>
+              <p:ext uri="{386F3935-93C4-4BCD-93E2-E3B085C9AB24}">
+                <p16:designElem xmlns:p16="http://schemas.microsoft.com/office/powerpoint/2015/main" val="1"/>
+              </p:ext>
+            </p:extLst>
+          </p:nvPr>
+        </p:nvSpPr>
+        <p:spPr>
+          <a:xfrm>
+            <a:off x="0" y="0"/>
+            <a:ext cx="12191999" cy="6858000"/>
+          </a:xfrm>
+          <a:prstGeom prst="rect">
+            <a:avLst/>
+          </a:prstGeom>
+          <a:solidFill>
+            <a:srgbClr val="395583"/>
+          </a:solidFill>
+          <a:ln>
+            <a:noFill/>
+          </a:ln>
+        </p:spPr>
+        <p:style>
+          <a:lnRef idx="2">
+            <a:schemeClr val="accent1">
+              <a:shade val="50000"/>
+            </a:schemeClr>
+          </a:lnRef>
+          <a:fillRef idx="1">
+            <a:schemeClr val="accent1"/>
+          </a:fillRef>
+          <a:effectRef idx="0">
+            <a:schemeClr val="accent1"/>
+          </a:effectRef>
+          <a:fontRef idx="minor">
+            <a:schemeClr val="lt1"/>
+          </a:fontRef>
+        </p:style>
+        <p:txBody>
+          <a:bodyPr rtlCol="0" anchor="ctr"/>
+          <a:lstStyle/>
+          <a:p>
+            <a:pPr algn="ctr"/>
+            <a:endParaRPr lang="en-US"/>
+          </a:p>
+        </p:txBody>
+      </p:sp>
+      <p:sp>
+        <p:nvSpPr>
+          <p:cNvPr id="2" name="Title 1">
+            <a:extLst>
+              <a:ext uri="{FF2B5EF4-FFF2-40B4-BE49-F238E27FC236}">
+                <a16:creationId xmlns:a16="http://schemas.microsoft.com/office/drawing/2014/main" id="{2589AFCC-0FF0-498C-B11F-8990DF0DAAA5}"/>
+              </a:ext>
+            </a:extLst>
+          </p:cNvPr>
+          <p:cNvSpPr>
+            <a:spLocks noGrp="1"/>
+          </p:cNvSpPr>
+          <p:nvPr>
+            <p:ph type="title"/>
+          </p:nvPr>
+        </p:nvSpPr>
+        <p:spPr>
+          <a:xfrm>
+            <a:off x="838200" y="365125"/>
+            <a:ext cx="10515600" cy="1325563"/>
+          </a:xfrm>
+        </p:spPr>
+        <p:txBody>
+          <a:bodyPr>
+            <a:normAutofit/>
+          </a:bodyPr>
+          <a:lstStyle/>
+          <a:p>
+            <a:r>
+              <a:rPr lang="en-US" b="1" dirty="0">
+                <a:latin typeface="Selawik Semibold" panose="020B0604020202020204" pitchFamily="34" charset="0"/>
+              </a:rPr>
+              <a:t>What is Sports Analytics?</a:t>
+            </a:r>
+          </a:p>
+        </p:txBody>
+      </p:sp>
+      <p:sp>
+        <p:nvSpPr>
+          <p:cNvPr id="9" name="Content Placeholder 8">
+            <a:extLst>
+              <a:ext uri="{FF2B5EF4-FFF2-40B4-BE49-F238E27FC236}">
+                <a16:creationId xmlns:a16="http://schemas.microsoft.com/office/drawing/2014/main" id="{2D995594-59F2-4020-AB6F-751BAE84ADB3}"/>
+              </a:ext>
+            </a:extLst>
+          </p:cNvPr>
+          <p:cNvSpPr>
+            <a:spLocks noGrp="1"/>
+          </p:cNvSpPr>
+          <p:nvPr>
+            <p:ph idx="1"/>
+          </p:nvPr>
+        </p:nvSpPr>
+        <p:spPr>
+          <a:xfrm>
+            <a:off x="838199" y="2021249"/>
+            <a:ext cx="7324166" cy="4581257"/>
+          </a:xfrm>
+        </p:spPr>
+        <p:txBody>
+          <a:bodyPr>
+            <a:normAutofit/>
+          </a:bodyPr>
+          <a:lstStyle/>
+          <a:p>
+            <a:r>
+              <a:rPr lang="en-US" sz="2400" dirty="0">
+                <a:latin typeface="Selawik Semibold" panose="020B0702040204020203" pitchFamily="34" charset="0"/>
+              </a:rPr>
+              <a:t>Purpose: To Aid an Organization’s </a:t>
+            </a:r>
+            <a:r>
+              <a:rPr lang="en-US" sz="2400" u="sng" dirty="0">
+                <a:latin typeface="Selawik Semibold" panose="020B0702040204020203" pitchFamily="34" charset="0"/>
+              </a:rPr>
+              <a:t>Decision Makers</a:t>
+            </a:r>
+            <a:r>
+              <a:rPr lang="en-US" sz="2400" dirty="0">
+                <a:latin typeface="Selawik Semibold" panose="020B0702040204020203" pitchFamily="34" charset="0"/>
+              </a:rPr>
+              <a:t> in Gaining a Competitive Advantage</a:t>
+            </a:r>
+          </a:p>
+          <a:p>
+            <a:endParaRPr lang="en-US" sz="2400" dirty="0">
+              <a:latin typeface="Selawik Semibold" panose="020B0702040204020203" pitchFamily="34" charset="0"/>
+            </a:endParaRPr>
+          </a:p>
+          <a:p>
+            <a:r>
+              <a:rPr lang="en-US" sz="2400" dirty="0">
+                <a:latin typeface="Selawik Semibold" panose="020B0702040204020203" pitchFamily="34" charset="0"/>
+              </a:rPr>
+              <a:t>Goals</a:t>
+            </a:r>
+          </a:p>
+          <a:p>
+            <a:pPr lvl="1"/>
+            <a:r>
+              <a:rPr lang="en-US" sz="2000" dirty="0">
+                <a:latin typeface="Selawik Semibold" panose="020B0702040204020203" pitchFamily="34" charset="0"/>
+              </a:rPr>
+              <a:t>Save the Decision Maker Time by Making Information Acquisition Efficient </a:t>
+            </a:r>
+          </a:p>
+          <a:p>
+            <a:pPr marL="457200" lvl="1" indent="0">
+              <a:buNone/>
+            </a:pPr>
+            <a:r>
+              <a:rPr lang="en-US" sz="2000" dirty="0">
+                <a:latin typeface="Selawik Semibold" panose="020B0702040204020203" pitchFamily="34" charset="0"/>
+              </a:rPr>
+              <a:t>   (Data Management/Information Systems)</a:t>
+            </a:r>
+          </a:p>
+          <a:p>
+            <a:pPr lvl="1"/>
+            <a:endParaRPr lang="en-US" sz="2000" dirty="0">
+              <a:latin typeface="Selawik Semibold" panose="020B0702040204020203" pitchFamily="34" charset="0"/>
+            </a:endParaRPr>
+          </a:p>
+          <a:p>
+            <a:pPr lvl="1"/>
+            <a:r>
+              <a:rPr lang="en-US" sz="2000" dirty="0">
+                <a:latin typeface="Selawik Semibold" panose="020B0702040204020203" pitchFamily="34" charset="0"/>
+              </a:rPr>
+              <a:t>Provide Decision Makers with Novel Insight</a:t>
+            </a:r>
+          </a:p>
+          <a:p>
+            <a:pPr marL="457200" lvl="1" indent="0">
+              <a:buNone/>
+            </a:pPr>
+            <a:r>
+              <a:rPr lang="en-US" sz="2000" dirty="0">
+                <a:latin typeface="Selawik Semibold" panose="020B0702040204020203" pitchFamily="34" charset="0"/>
+              </a:rPr>
+              <a:t>   (Analytic Models)</a:t>
+            </a:r>
+          </a:p>
+          <a:p>
+            <a:pPr marL="457200" lvl="1" indent="0">
+              <a:buNone/>
+            </a:pPr>
+            <a:endParaRPr lang="en-US" sz="2000" dirty="0">
+              <a:latin typeface="Selawik Semibold" panose="020B0702040204020203" pitchFamily="34" charset="0"/>
+            </a:endParaRPr>
+          </a:p>
+          <a:p>
+            <a:r>
+              <a:rPr lang="en-US" sz="2400" dirty="0">
+                <a:latin typeface="Selawik Semibold" panose="020B0702040204020203" pitchFamily="34" charset="0"/>
+              </a:rPr>
+              <a:t>We are an Accessory to the Decision Maker</a:t>
+            </a:r>
+          </a:p>
+          <a:p>
+            <a:pPr lvl="1"/>
+            <a:endParaRPr lang="en-US" sz="2000" dirty="0">
+              <a:latin typeface="Selawik Semibold" panose="020B0702040204020203" pitchFamily="34" charset="0"/>
+            </a:endParaRPr>
+          </a:p>
+          <a:p>
+            <a:pPr lvl="1"/>
+            <a:endParaRPr lang="en-US" sz="2000" dirty="0">
+              <a:latin typeface="Selawik Semibold" panose="020B0702040204020203" pitchFamily="34" charset="0"/>
+            </a:endParaRPr>
+          </a:p>
+          <a:p>
+            <a:pPr lvl="1"/>
+            <a:endParaRPr lang="en-US" sz="1600" dirty="0">
+              <a:latin typeface="Selawik Semibold" panose="020B0702040204020203" pitchFamily="34" charset="0"/>
+            </a:endParaRPr>
+          </a:p>
+          <a:p>
+            <a:pPr lvl="1"/>
+            <a:endParaRPr lang="en-US" sz="2000" dirty="0">
+              <a:latin typeface="Selawik Semibold" panose="020B0702040204020203" pitchFamily="34" charset="0"/>
+            </a:endParaRPr>
+          </a:p>
+          <a:p>
+            <a:pPr lvl="1"/>
+            <a:endParaRPr lang="en-US" sz="2000" dirty="0">
+              <a:latin typeface="Selawik Semibold" panose="020B0702040204020203" pitchFamily="34" charset="0"/>
+            </a:endParaRPr>
+          </a:p>
+          <a:p>
+            <a:pPr lvl="1"/>
+            <a:endParaRPr lang="en-US" sz="2000" dirty="0">
+              <a:latin typeface="Selawik Semibold" panose="020B0702040204020203" pitchFamily="34" charset="0"/>
+            </a:endParaRPr>
+          </a:p>
+        </p:txBody>
+      </p:sp>
+      <p:pic>
+        <p:nvPicPr>
+          <p:cNvPr id="4" name="Picture 3" descr="A drawing of a cartoon character&#10;&#10;Description automatically generated">
+            <a:extLst>
+              <a:ext uri="{FF2B5EF4-FFF2-40B4-BE49-F238E27FC236}">
+                <a16:creationId xmlns:a16="http://schemas.microsoft.com/office/drawing/2014/main" id="{A7FDC859-D890-4904-9C64-27F43DA90453}"/>
+              </a:ext>
+            </a:extLst>
+          </p:cNvPr>
+          <p:cNvPicPr>
+            <a:picLocks noChangeAspect="1"/>
+          </p:cNvPicPr>
+          <p:nvPr/>
+        </p:nvPicPr>
+        <p:blipFill rotWithShape="1">
+          <a:blip r:embed="rId3">
+            <a:extLst>
+              <a:ext uri="{28A0092B-C50C-407E-A947-70E740481C1C}">
+                <a14:useLocalDpi xmlns:a14="http://schemas.microsoft.com/office/drawing/2010/main" val="0"/>
+              </a:ext>
+            </a:extLst>
+          </a:blip>
+          <a:srcRect t="5616" r="2" b="2"/>
+          <a:stretch/>
+        </p:blipFill>
+        <p:spPr>
+          <a:xfrm>
+            <a:off x="7471144" y="1700078"/>
+            <a:ext cx="4720855" cy="2583792"/>
+          </a:xfrm>
+          <a:custGeom>
+            <a:avLst/>
+            <a:gdLst>
+              <a:gd name="connsiteX0" fmla="*/ 0 w 5475077"/>
+              <a:gd name="connsiteY0" fmla="*/ 0 h 2583792"/>
+              <a:gd name="connsiteX1" fmla="*/ 5475077 w 5475077"/>
+              <a:gd name="connsiteY1" fmla="*/ 0 h 2583792"/>
+              <a:gd name="connsiteX2" fmla="*/ 5475077 w 5475077"/>
+              <a:gd name="connsiteY2" fmla="*/ 2583792 h 2583792"/>
+              <a:gd name="connsiteX3" fmla="*/ 1197192 w 5475077"/>
+              <a:gd name="connsiteY3" fmla="*/ 2583792 h 2583792"/>
+            </a:gdLst>
+            <a:ahLst/>
+            <a:cxnLst>
+              <a:cxn ang="0">
+                <a:pos x="connsiteX0" y="connsiteY0"/>
+              </a:cxn>
+              <a:cxn ang="0">
+                <a:pos x="connsiteX1" y="connsiteY1"/>
+              </a:cxn>
+              <a:cxn ang="0">
+                <a:pos x="connsiteX2" y="connsiteY2"/>
+              </a:cxn>
+              <a:cxn ang="0">
+                <a:pos x="connsiteX3" y="connsiteY3"/>
+              </a:cxn>
+            </a:cxnLst>
+            <a:rect l="l" t="t" r="r" b="b"/>
+            <a:pathLst>
+              <a:path w="5475077" h="2583792">
+                <a:moveTo>
+                  <a:pt x="0" y="0"/>
+                </a:moveTo>
+                <a:lnTo>
+                  <a:pt x="5475077" y="0"/>
+                </a:lnTo>
+                <a:lnTo>
+                  <a:pt x="5475077" y="2583792"/>
+                </a:lnTo>
+                <a:lnTo>
+                  <a:pt x="1197192" y="2583792"/>
+                </a:lnTo>
+                <a:close/>
+              </a:path>
+            </a:pathLst>
+          </a:custGeom>
+        </p:spPr>
+      </p:pic>
+      <p:pic>
+        <p:nvPicPr>
+          <p:cNvPr id="5" name="Content Placeholder 4" descr="A picture containing indoor&#10;&#10;Description automatically generated">
+            <a:extLst>
+              <a:ext uri="{FF2B5EF4-FFF2-40B4-BE49-F238E27FC236}">
+                <a16:creationId xmlns:a16="http://schemas.microsoft.com/office/drawing/2014/main" id="{A58F0E55-21F3-485B-A07F-1CE74177BDD2}"/>
+              </a:ext>
+            </a:extLst>
+          </p:cNvPr>
+          <p:cNvPicPr>
+            <a:picLocks noChangeAspect="1"/>
+          </p:cNvPicPr>
+          <p:nvPr/>
+        </p:nvPicPr>
+        <p:blipFill rotWithShape="1">
+          <a:blip r:embed="rId4">
+            <a:extLst>
+              <a:ext uri="{28A0092B-C50C-407E-A947-70E740481C1C}">
+                <a14:useLocalDpi xmlns:a14="http://schemas.microsoft.com/office/drawing/2010/main" val="0"/>
+              </a:ext>
+            </a:extLst>
+          </a:blip>
+          <a:srcRect t="5300" r="3" b="6859"/>
+          <a:stretch/>
+        </p:blipFill>
+        <p:spPr>
+          <a:xfrm>
+            <a:off x="8491869" y="4283870"/>
+            <a:ext cx="3700129" cy="2583520"/>
+          </a:xfrm>
+          <a:custGeom>
+            <a:avLst/>
+            <a:gdLst>
+              <a:gd name="connsiteX0" fmla="*/ 0 w 4277884"/>
+              <a:gd name="connsiteY0" fmla="*/ 0 h 2583520"/>
+              <a:gd name="connsiteX1" fmla="*/ 4277884 w 4277884"/>
+              <a:gd name="connsiteY1" fmla="*/ 0 h 2583520"/>
+              <a:gd name="connsiteX2" fmla="*/ 4277884 w 4277884"/>
+              <a:gd name="connsiteY2" fmla="*/ 2583520 h 2583520"/>
+              <a:gd name="connsiteX3" fmla="*/ 1192437 w 4277884"/>
+              <a:gd name="connsiteY3" fmla="*/ 2583520 h 2583520"/>
+              <a:gd name="connsiteX4" fmla="*/ 1188085 w 4277884"/>
+              <a:gd name="connsiteY4" fmla="*/ 2574129 h 2583520"/>
+              <a:gd name="connsiteX5" fmla="*/ 1192715 w 4277884"/>
+              <a:gd name="connsiteY5" fmla="*/ 2574129 h 2583520"/>
+            </a:gdLst>
+            <a:ahLst/>
+            <a:cxnLst>
+              <a:cxn ang="0">
+                <a:pos x="connsiteX0" y="connsiteY0"/>
+              </a:cxn>
+              <a:cxn ang="0">
+                <a:pos x="connsiteX1" y="connsiteY1"/>
+              </a:cxn>
+              <a:cxn ang="0">
+                <a:pos x="connsiteX2" y="connsiteY2"/>
+              </a:cxn>
+              <a:cxn ang="0">
+                <a:pos x="connsiteX3" y="connsiteY3"/>
+              </a:cxn>
+              <a:cxn ang="0">
+                <a:pos x="connsiteX4" y="connsiteY4"/>
+              </a:cxn>
+              <a:cxn ang="0">
+                <a:pos x="connsiteX5" y="connsiteY5"/>
+              </a:cxn>
+            </a:cxnLst>
+            <a:rect l="l" t="t" r="r" b="b"/>
+            <a:pathLst>
+              <a:path w="4277884" h="2583520">
+                <a:moveTo>
+                  <a:pt x="0" y="0"/>
+                </a:moveTo>
+                <a:lnTo>
+                  <a:pt x="4277884" y="0"/>
+                </a:lnTo>
+                <a:lnTo>
+                  <a:pt x="4277884" y="2583520"/>
+                </a:lnTo>
+                <a:lnTo>
+                  <a:pt x="1192437" y="2583520"/>
+                </a:lnTo>
+                <a:lnTo>
+                  <a:pt x="1188085" y="2574129"/>
+                </a:lnTo>
+                <a:lnTo>
+                  <a:pt x="1192715" y="2574129"/>
+                </a:lnTo>
+                <a:close/>
+              </a:path>
+            </a:pathLst>
+          </a:custGeom>
+        </p:spPr>
+      </p:pic>
+      <p:sp>
+        <p:nvSpPr>
+          <p:cNvPr id="6" name="Rectangle 5">
+            <a:extLst>
+              <a:ext uri="{FF2B5EF4-FFF2-40B4-BE49-F238E27FC236}">
+                <a16:creationId xmlns:a16="http://schemas.microsoft.com/office/drawing/2014/main" id="{A2901312-C3C2-4CEC-80EF-823AB4FBB726}"/>
+              </a:ext>
+            </a:extLst>
+          </p:cNvPr>
+          <p:cNvSpPr/>
+          <p:nvPr/>
+        </p:nvSpPr>
+        <p:spPr>
+          <a:xfrm>
+            <a:off x="-1" y="1608918"/>
+            <a:ext cx="12191999" cy="91160"/>
+          </a:xfrm>
+          <a:prstGeom prst="rect">
+            <a:avLst/>
+          </a:prstGeom>
+          <a:solidFill>
+            <a:schemeClr val="bg1"/>
+          </a:solidFill>
+          <a:ln>
+            <a:noFill/>
+          </a:ln>
+        </p:spPr>
+        <p:style>
+          <a:lnRef idx="2">
+            <a:schemeClr val="accent1">
+              <a:shade val="50000"/>
+            </a:schemeClr>
+          </a:lnRef>
+          <a:fillRef idx="1">
+            <a:schemeClr val="accent1"/>
+          </a:fillRef>
+          <a:effectRef idx="0">
+            <a:schemeClr val="accent1"/>
+          </a:effectRef>
+          <a:fontRef idx="minor">
+            <a:schemeClr val="lt1"/>
+          </a:fontRef>
+        </p:style>
+        <p:txBody>
+          <a:bodyPr rtlCol="0" anchor="ctr"/>
+          <a:lstStyle/>
+          <a:p>
+            <a:pPr algn="ctr"/>
+            <a:endParaRPr lang="en-US">
+              <a:solidFill>
+                <a:srgbClr val="DB5B5C"/>
+              </a:solidFill>
+            </a:endParaRPr>
+          </a:p>
+        </p:txBody>
+      </p:sp>
+      <p:sp>
+        <p:nvSpPr>
+          <p:cNvPr id="15" name="Rectangle 14">
+            <a:extLst>
+              <a:ext uri="{FF2B5EF4-FFF2-40B4-BE49-F238E27FC236}">
+                <a16:creationId xmlns:a16="http://schemas.microsoft.com/office/drawing/2014/main" id="{AD0A7C9C-CA2C-4B9B-A125-2D09D5573B44}"/>
+              </a:ext>
+            </a:extLst>
+          </p:cNvPr>
+          <p:cNvSpPr/>
+          <p:nvPr/>
+        </p:nvSpPr>
+        <p:spPr>
+          <a:xfrm>
+            <a:off x="1" y="6677247"/>
+            <a:ext cx="12191999" cy="190143"/>
+          </a:xfrm>
+          <a:prstGeom prst="rect">
+            <a:avLst/>
+          </a:prstGeom>
+          <a:solidFill>
+            <a:schemeClr val="bg1"/>
+          </a:solidFill>
+          <a:ln>
+            <a:noFill/>
+          </a:ln>
+        </p:spPr>
+        <p:style>
+          <a:lnRef idx="2">
+            <a:schemeClr val="accent1">
+              <a:shade val="50000"/>
+            </a:schemeClr>
+          </a:lnRef>
+          <a:fillRef idx="1">
+            <a:schemeClr val="accent1"/>
+          </a:fillRef>
+          <a:effectRef idx="0">
+            <a:schemeClr val="accent1"/>
+          </a:effectRef>
+          <a:fontRef idx="minor">
+            <a:schemeClr val="lt1"/>
+          </a:fontRef>
+        </p:style>
+        <p:txBody>
+          <a:bodyPr rtlCol="0" anchor="ctr"/>
+          <a:lstStyle/>
+          <a:p>
+            <a:pPr algn="ctr"/>
+            <a:endParaRPr lang="en-US">
+              <a:solidFill>
+                <a:srgbClr val="DB5B5C"/>
+              </a:solidFill>
+            </a:endParaRPr>
+          </a:p>
+        </p:txBody>
+      </p:sp>
+      <p:sp>
+        <p:nvSpPr>
+          <p:cNvPr id="16" name="Rectangle 15">
+            <a:extLst>
+              <a:ext uri="{FF2B5EF4-FFF2-40B4-BE49-F238E27FC236}">
+                <a16:creationId xmlns:a16="http://schemas.microsoft.com/office/drawing/2014/main" id="{74A085FC-1866-46D4-97F7-51AA45E48D4F}"/>
+              </a:ext>
+            </a:extLst>
+          </p:cNvPr>
+          <p:cNvSpPr/>
+          <p:nvPr/>
+        </p:nvSpPr>
+        <p:spPr>
+          <a:xfrm rot="4092292">
+            <a:off x="5790668" y="4094517"/>
+            <a:ext cx="5446699" cy="137038"/>
+          </a:xfrm>
+          <a:prstGeom prst="rect">
+            <a:avLst/>
+          </a:prstGeom>
+          <a:solidFill>
+            <a:schemeClr val="bg1"/>
+          </a:solidFill>
+          <a:ln>
+            <a:noFill/>
+          </a:ln>
+        </p:spPr>
+        <p:style>
+          <a:lnRef idx="2">
+            <a:schemeClr val="accent1">
+              <a:shade val="50000"/>
+            </a:schemeClr>
+          </a:lnRef>
+          <a:fillRef idx="1">
+            <a:schemeClr val="accent1"/>
+          </a:fillRef>
+          <a:effectRef idx="0">
+            <a:schemeClr val="accent1"/>
+          </a:effectRef>
+          <a:fontRef idx="minor">
+            <a:schemeClr val="lt1"/>
+          </a:fontRef>
+        </p:style>
+        <p:txBody>
+          <a:bodyPr rtlCol="0" anchor="ctr"/>
+          <a:lstStyle/>
+          <a:p>
+            <a:pPr algn="ctr"/>
+            <a:endParaRPr lang="en-US">
+              <a:solidFill>
+                <a:srgbClr val="DB5B5C"/>
+              </a:solidFill>
+            </a:endParaRPr>
+          </a:p>
+        </p:txBody>
+      </p:sp>
+    </p:spTree>
+    <p:extLst>
+      <p:ext uri="{BB962C8B-B14F-4D97-AF65-F5344CB8AC3E}">
+        <p14:creationId xmlns:p14="http://schemas.microsoft.com/office/powerpoint/2010/main" val="77696106"/>
+      </p:ext>
+    </p:extLst>
+  </p:cSld>
+  <p:clrMapOvr>
+    <a:overrideClrMapping bg1="dk1" tx1="lt1" bg2="dk2" tx2="lt2" accent1="accent1" accent2="accent2" accent3="accent3" accent4="accent4" accent5="accent5" accent6="accent6" hlink="hlink" folHlink="folHlink"/>
+  </p:clrMapOvr>
+</p:sld>
+</file>
+
+<file path=ppt/slides/slide25.xml><?xml version="1.0" encoding="utf-8"?>
+<p:sld xmlns:a="http://schemas.openxmlformats.org/drawingml/2006/main" xmlns:r="http://schemas.openxmlformats.org/officeDocument/2006/relationships" xmlns:p="http://schemas.openxmlformats.org/presentationml/2006/main">
+  <p:cSld>
+    <p:bg>
+      <p:bgPr>
+        <a:solidFill>
+          <a:srgbClr val="395583"/>
+        </a:solidFill>
+        <a:effectLst/>
+      </p:bgPr>
+    </p:bg>
+    <p:spTree>
+      <p:nvGrpSpPr>
+        <p:cNvPr id="1" name=""/>
+        <p:cNvGrpSpPr/>
+        <p:nvPr/>
+      </p:nvGrpSpPr>
+      <p:grpSpPr>
+        <a:xfrm>
+          <a:off x="0" y="0"/>
+          <a:ext cx="0" cy="0"/>
+          <a:chOff x="0" y="0"/>
+          <a:chExt cx="0" cy="0"/>
+        </a:xfrm>
+      </p:grpSpPr>
+      <p:sp>
+        <p:nvSpPr>
+          <p:cNvPr id="25" name="Rectangle 24">
+            <a:extLst>
+              <a:ext uri="{FF2B5EF4-FFF2-40B4-BE49-F238E27FC236}">
+                <a16:creationId xmlns:a16="http://schemas.microsoft.com/office/drawing/2014/main" id="{A6792F05-2FD4-4F18-815E-15391E8B4A0E}"/>
+              </a:ext>
+              <a:ext uri="{C183D7F6-B498-43B3-948B-1728B52AA6E4}">
+                <adec:decorative xmlns:adec="http://schemas.microsoft.com/office/drawing/2017/decorative" val="1"/>
+              </a:ext>
+            </a:extLst>
+          </p:cNvPr>
+          <p:cNvSpPr>
+            <a:spLocks noGrp="1" noRot="1" noChangeAspect="1" noMove="1" noResize="1" noEditPoints="1" noAdjustHandles="1" noChangeArrowheads="1" noChangeShapeType="1" noTextEdit="1"/>
+          </p:cNvSpPr>
+          <p:nvPr>
+            <p:extLst>
+              <p:ext uri="{386F3935-93C4-4BCD-93E2-E3B085C9AB24}">
+                <p16:designElem xmlns:p16="http://schemas.microsoft.com/office/powerpoint/2015/main" val="1"/>
+              </p:ext>
+            </p:extLst>
+          </p:nvPr>
+        </p:nvSpPr>
+        <p:spPr>
+          <a:xfrm>
+            <a:off x="0" y="0"/>
+            <a:ext cx="12191999" cy="6858000"/>
+          </a:xfrm>
+          <a:prstGeom prst="rect">
+            <a:avLst/>
+          </a:prstGeom>
+          <a:solidFill>
+            <a:srgbClr val="395583"/>
+          </a:solidFill>
+          <a:ln>
+            <a:noFill/>
+          </a:ln>
+        </p:spPr>
+        <p:style>
+          <a:lnRef idx="2">
+            <a:schemeClr val="accent1">
+              <a:shade val="50000"/>
+            </a:schemeClr>
+          </a:lnRef>
+          <a:fillRef idx="1">
+            <a:schemeClr val="accent1"/>
+          </a:fillRef>
+          <a:effectRef idx="0">
+            <a:schemeClr val="accent1"/>
+          </a:effectRef>
+          <a:fontRef idx="minor">
+            <a:schemeClr val="lt1"/>
+          </a:fontRef>
+        </p:style>
+        <p:txBody>
+          <a:bodyPr rtlCol="0" anchor="ctr"/>
+          <a:lstStyle/>
+          <a:p>
+            <a:pPr algn="ctr"/>
+            <a:endParaRPr lang="en-US"/>
+          </a:p>
+        </p:txBody>
+      </p:sp>
+      <p:sp>
+        <p:nvSpPr>
+          <p:cNvPr id="2" name="Title 1">
+            <a:extLst>
+              <a:ext uri="{FF2B5EF4-FFF2-40B4-BE49-F238E27FC236}">
+                <a16:creationId xmlns:a16="http://schemas.microsoft.com/office/drawing/2014/main" id="{2589AFCC-0FF0-498C-B11F-8990DF0DAAA5}"/>
+              </a:ext>
+            </a:extLst>
+          </p:cNvPr>
+          <p:cNvSpPr>
+            <a:spLocks noGrp="1"/>
+          </p:cNvSpPr>
+          <p:nvPr>
+            <p:ph type="title"/>
+          </p:nvPr>
+        </p:nvSpPr>
+        <p:spPr>
+          <a:xfrm>
+            <a:off x="838200" y="365125"/>
+            <a:ext cx="10515600" cy="1325563"/>
+          </a:xfrm>
+        </p:spPr>
+        <p:txBody>
+          <a:bodyPr>
+            <a:normAutofit/>
+          </a:bodyPr>
+          <a:lstStyle/>
+          <a:p>
+            <a:r>
+              <a:rPr lang="en-US" b="1" dirty="0">
+                <a:latin typeface="Selawik Semibold" panose="020B0604020202020204" pitchFamily="34" charset="0"/>
+              </a:rPr>
+              <a:t>What is Sports Analytics?</a:t>
+            </a:r>
+          </a:p>
+        </p:txBody>
+      </p:sp>
+      <p:sp>
+        <p:nvSpPr>
+          <p:cNvPr id="9" name="Content Placeholder 8">
+            <a:extLst>
+              <a:ext uri="{FF2B5EF4-FFF2-40B4-BE49-F238E27FC236}">
+                <a16:creationId xmlns:a16="http://schemas.microsoft.com/office/drawing/2014/main" id="{2D995594-59F2-4020-AB6F-751BAE84ADB3}"/>
+              </a:ext>
+            </a:extLst>
+          </p:cNvPr>
+          <p:cNvSpPr>
+            <a:spLocks noGrp="1"/>
+          </p:cNvSpPr>
+          <p:nvPr>
+            <p:ph idx="1"/>
+          </p:nvPr>
+        </p:nvSpPr>
+        <p:spPr>
+          <a:xfrm>
+            <a:off x="838199" y="2021249"/>
+            <a:ext cx="7324166" cy="4581257"/>
+          </a:xfrm>
+        </p:spPr>
+        <p:txBody>
+          <a:bodyPr>
+            <a:normAutofit/>
+          </a:bodyPr>
+          <a:lstStyle/>
+          <a:p>
+            <a:r>
+              <a:rPr lang="en-US" sz="2400" dirty="0">
+                <a:latin typeface="Selawik Semibold" panose="020B0702040204020203" pitchFamily="34" charset="0"/>
+              </a:rPr>
+              <a:t>Different Decision Makers</a:t>
+            </a:r>
+            <a:endParaRPr lang="en-US" sz="2000" dirty="0">
+              <a:latin typeface="Selawik Semibold" panose="020B0702040204020203" pitchFamily="34" charset="0"/>
+            </a:endParaRPr>
+          </a:p>
+          <a:p>
+            <a:pPr lvl="1"/>
+            <a:r>
+              <a:rPr lang="en-US" sz="2000" dirty="0">
+                <a:latin typeface="Selawik Semibold" panose="020B0702040204020203" pitchFamily="34" charset="0"/>
+              </a:rPr>
+              <a:t>Off-the-Field: Profit Driven</a:t>
+            </a:r>
+          </a:p>
+          <a:p>
+            <a:pPr lvl="1"/>
+            <a:r>
+              <a:rPr lang="en-US" sz="2000" dirty="0">
+                <a:latin typeface="Selawik Semibold" panose="020B0702040204020203" pitchFamily="34" charset="0"/>
+              </a:rPr>
+              <a:t>On-the-Field: Performance Driven</a:t>
+            </a:r>
+          </a:p>
+          <a:p>
+            <a:endParaRPr lang="en-US" sz="2400" dirty="0">
+              <a:latin typeface="Selawik Semibold" panose="020B0702040204020203" pitchFamily="34" charset="0"/>
+            </a:endParaRPr>
+          </a:p>
+          <a:p>
+            <a:r>
+              <a:rPr lang="en-US" sz="2400" dirty="0">
+                <a:latin typeface="Selawik Semibold" panose="020B0702040204020203" pitchFamily="34" charset="0"/>
+              </a:rPr>
+              <a:t>Skills for the Data Analyst</a:t>
+            </a:r>
+          </a:p>
+          <a:p>
+            <a:pPr lvl="1"/>
+            <a:r>
+              <a:rPr lang="en-US" sz="2000" dirty="0">
+                <a:latin typeface="Selawik Semibold" panose="020B0702040204020203" pitchFamily="34" charset="0"/>
+              </a:rPr>
+              <a:t>Competence – Ben </a:t>
+            </a:r>
+            <a:r>
+              <a:rPr lang="en-US" sz="2000" dirty="0" err="1">
+                <a:latin typeface="Selawik Semibold" panose="020B0702040204020203" pitchFamily="34" charset="0"/>
+              </a:rPr>
+              <a:t>Alamar</a:t>
+            </a:r>
+            <a:endParaRPr lang="en-US" sz="2000" dirty="0">
+              <a:latin typeface="Selawik Semibold" panose="020B0702040204020203" pitchFamily="34" charset="0"/>
+            </a:endParaRPr>
+          </a:p>
+          <a:p>
+            <a:pPr lvl="1"/>
+            <a:r>
+              <a:rPr lang="en-US" sz="2000" dirty="0">
+                <a:latin typeface="Selawik Semibold" panose="020B0702040204020203" pitchFamily="34" charset="0"/>
+              </a:rPr>
+              <a:t>Leadership – Ben </a:t>
+            </a:r>
+            <a:r>
+              <a:rPr lang="en-US" sz="2000" dirty="0" err="1">
+                <a:latin typeface="Selawik Semibold" panose="020B0702040204020203" pitchFamily="34" charset="0"/>
+              </a:rPr>
+              <a:t>Alamar</a:t>
+            </a:r>
+            <a:endParaRPr lang="en-US" sz="2000" dirty="0">
+              <a:latin typeface="Selawik Semibold" panose="020B0702040204020203" pitchFamily="34" charset="0"/>
+            </a:endParaRPr>
+          </a:p>
+          <a:p>
+            <a:pPr lvl="1"/>
+            <a:r>
+              <a:rPr lang="en-US" sz="2000" dirty="0">
+                <a:latin typeface="Selawik Semibold" panose="020B0702040204020203" pitchFamily="34" charset="0"/>
+              </a:rPr>
+              <a:t>Humility – Dr. Mario</a:t>
+            </a:r>
+          </a:p>
+          <a:p>
+            <a:pPr lvl="1"/>
+            <a:r>
+              <a:rPr lang="en-US" sz="2000" dirty="0">
+                <a:latin typeface="Selawik Semibold" panose="020B0702040204020203" pitchFamily="34" charset="0"/>
+              </a:rPr>
+              <a:t>Honesty – Dr. Mario</a:t>
+            </a:r>
+          </a:p>
+          <a:p>
+            <a:pPr lvl="1"/>
+            <a:endParaRPr lang="en-US" sz="2000" dirty="0">
+              <a:latin typeface="Selawik Semibold" panose="020B0702040204020203" pitchFamily="34" charset="0"/>
+            </a:endParaRPr>
+          </a:p>
+          <a:p>
+            <a:pPr lvl="1"/>
+            <a:endParaRPr lang="en-US" sz="2000" dirty="0">
+              <a:latin typeface="Selawik Semibold" panose="020B0702040204020203" pitchFamily="34" charset="0"/>
+            </a:endParaRPr>
+          </a:p>
+          <a:p>
+            <a:pPr lvl="1"/>
+            <a:endParaRPr lang="en-US" sz="1600" dirty="0">
+              <a:latin typeface="Selawik Semibold" panose="020B0702040204020203" pitchFamily="34" charset="0"/>
+            </a:endParaRPr>
+          </a:p>
+          <a:p>
+            <a:pPr lvl="1"/>
+            <a:endParaRPr lang="en-US" sz="2000" dirty="0">
+              <a:latin typeface="Selawik Semibold" panose="020B0702040204020203" pitchFamily="34" charset="0"/>
+            </a:endParaRPr>
+          </a:p>
+          <a:p>
+            <a:pPr lvl="1"/>
+            <a:endParaRPr lang="en-US" sz="2000" dirty="0">
+              <a:latin typeface="Selawik Semibold" panose="020B0702040204020203" pitchFamily="34" charset="0"/>
+            </a:endParaRPr>
+          </a:p>
+          <a:p>
+            <a:pPr lvl="1"/>
+            <a:endParaRPr lang="en-US" sz="2000" dirty="0">
+              <a:latin typeface="Selawik Semibold" panose="020B0702040204020203" pitchFamily="34" charset="0"/>
+            </a:endParaRPr>
+          </a:p>
+        </p:txBody>
+      </p:sp>
+      <p:pic>
+        <p:nvPicPr>
+          <p:cNvPr id="4" name="Picture 3" descr="A drawing of a cartoon character&#10;&#10;Description automatically generated">
+            <a:extLst>
+              <a:ext uri="{FF2B5EF4-FFF2-40B4-BE49-F238E27FC236}">
+                <a16:creationId xmlns:a16="http://schemas.microsoft.com/office/drawing/2014/main" id="{A7FDC859-D890-4904-9C64-27F43DA90453}"/>
+              </a:ext>
+            </a:extLst>
+          </p:cNvPr>
+          <p:cNvPicPr>
+            <a:picLocks noChangeAspect="1"/>
+          </p:cNvPicPr>
+          <p:nvPr/>
+        </p:nvPicPr>
+        <p:blipFill rotWithShape="1">
+          <a:blip r:embed="rId3">
+            <a:extLst>
+              <a:ext uri="{28A0092B-C50C-407E-A947-70E740481C1C}">
+                <a14:useLocalDpi xmlns:a14="http://schemas.microsoft.com/office/drawing/2010/main" val="0"/>
+              </a:ext>
+            </a:extLst>
+          </a:blip>
+          <a:srcRect t="5616" r="2" b="2"/>
+          <a:stretch/>
+        </p:blipFill>
+        <p:spPr>
+          <a:xfrm>
+            <a:off x="7471144" y="1700078"/>
+            <a:ext cx="4720855" cy="2583792"/>
+          </a:xfrm>
+          <a:custGeom>
+            <a:avLst/>
+            <a:gdLst>
+              <a:gd name="connsiteX0" fmla="*/ 0 w 5475077"/>
+              <a:gd name="connsiteY0" fmla="*/ 0 h 2583792"/>
+              <a:gd name="connsiteX1" fmla="*/ 5475077 w 5475077"/>
+              <a:gd name="connsiteY1" fmla="*/ 0 h 2583792"/>
+              <a:gd name="connsiteX2" fmla="*/ 5475077 w 5475077"/>
+              <a:gd name="connsiteY2" fmla="*/ 2583792 h 2583792"/>
+              <a:gd name="connsiteX3" fmla="*/ 1197192 w 5475077"/>
+              <a:gd name="connsiteY3" fmla="*/ 2583792 h 2583792"/>
+            </a:gdLst>
+            <a:ahLst/>
+            <a:cxnLst>
+              <a:cxn ang="0">
+                <a:pos x="connsiteX0" y="connsiteY0"/>
+              </a:cxn>
+              <a:cxn ang="0">
+                <a:pos x="connsiteX1" y="connsiteY1"/>
+              </a:cxn>
+              <a:cxn ang="0">
+                <a:pos x="connsiteX2" y="connsiteY2"/>
+              </a:cxn>
+              <a:cxn ang="0">
+                <a:pos x="connsiteX3" y="connsiteY3"/>
+              </a:cxn>
+            </a:cxnLst>
+            <a:rect l="l" t="t" r="r" b="b"/>
+            <a:pathLst>
+              <a:path w="5475077" h="2583792">
+                <a:moveTo>
+                  <a:pt x="0" y="0"/>
+                </a:moveTo>
+                <a:lnTo>
+                  <a:pt x="5475077" y="0"/>
+                </a:lnTo>
+                <a:lnTo>
+                  <a:pt x="5475077" y="2583792"/>
+                </a:lnTo>
+                <a:lnTo>
+                  <a:pt x="1197192" y="2583792"/>
+                </a:lnTo>
+                <a:close/>
+              </a:path>
+            </a:pathLst>
+          </a:custGeom>
+        </p:spPr>
+      </p:pic>
+      <p:pic>
+        <p:nvPicPr>
+          <p:cNvPr id="5" name="Content Placeholder 4" descr="A picture containing indoor&#10;&#10;Description automatically generated">
+            <a:extLst>
+              <a:ext uri="{FF2B5EF4-FFF2-40B4-BE49-F238E27FC236}">
+                <a16:creationId xmlns:a16="http://schemas.microsoft.com/office/drawing/2014/main" id="{A58F0E55-21F3-485B-A07F-1CE74177BDD2}"/>
+              </a:ext>
+            </a:extLst>
+          </p:cNvPr>
+          <p:cNvPicPr>
+            <a:picLocks noChangeAspect="1"/>
+          </p:cNvPicPr>
+          <p:nvPr/>
+        </p:nvPicPr>
+        <p:blipFill rotWithShape="1">
+          <a:blip r:embed="rId4">
+            <a:extLst>
+              <a:ext uri="{28A0092B-C50C-407E-A947-70E740481C1C}">
+                <a14:useLocalDpi xmlns:a14="http://schemas.microsoft.com/office/drawing/2010/main" val="0"/>
+              </a:ext>
+            </a:extLst>
+          </a:blip>
+          <a:srcRect t="5300" r="3" b="6859"/>
+          <a:stretch/>
+        </p:blipFill>
+        <p:spPr>
+          <a:xfrm>
+            <a:off x="8491869" y="4283870"/>
+            <a:ext cx="3700129" cy="2583520"/>
+          </a:xfrm>
+          <a:custGeom>
+            <a:avLst/>
+            <a:gdLst>
+              <a:gd name="connsiteX0" fmla="*/ 0 w 4277884"/>
+              <a:gd name="connsiteY0" fmla="*/ 0 h 2583520"/>
+              <a:gd name="connsiteX1" fmla="*/ 4277884 w 4277884"/>
+              <a:gd name="connsiteY1" fmla="*/ 0 h 2583520"/>
+              <a:gd name="connsiteX2" fmla="*/ 4277884 w 4277884"/>
+              <a:gd name="connsiteY2" fmla="*/ 2583520 h 2583520"/>
+              <a:gd name="connsiteX3" fmla="*/ 1192437 w 4277884"/>
+              <a:gd name="connsiteY3" fmla="*/ 2583520 h 2583520"/>
+              <a:gd name="connsiteX4" fmla="*/ 1188085 w 4277884"/>
+              <a:gd name="connsiteY4" fmla="*/ 2574129 h 2583520"/>
+              <a:gd name="connsiteX5" fmla="*/ 1192715 w 4277884"/>
+              <a:gd name="connsiteY5" fmla="*/ 2574129 h 2583520"/>
+            </a:gdLst>
+            <a:ahLst/>
+            <a:cxnLst>
+              <a:cxn ang="0">
+                <a:pos x="connsiteX0" y="connsiteY0"/>
+              </a:cxn>
+              <a:cxn ang="0">
+                <a:pos x="connsiteX1" y="connsiteY1"/>
+              </a:cxn>
+              <a:cxn ang="0">
+                <a:pos x="connsiteX2" y="connsiteY2"/>
+              </a:cxn>
+              <a:cxn ang="0">
+                <a:pos x="connsiteX3" y="connsiteY3"/>
+              </a:cxn>
+              <a:cxn ang="0">
+                <a:pos x="connsiteX4" y="connsiteY4"/>
+              </a:cxn>
+              <a:cxn ang="0">
+                <a:pos x="connsiteX5" y="connsiteY5"/>
+              </a:cxn>
+            </a:cxnLst>
+            <a:rect l="l" t="t" r="r" b="b"/>
+            <a:pathLst>
+              <a:path w="4277884" h="2583520">
+                <a:moveTo>
+                  <a:pt x="0" y="0"/>
+                </a:moveTo>
+                <a:lnTo>
+                  <a:pt x="4277884" y="0"/>
+                </a:lnTo>
+                <a:lnTo>
+                  <a:pt x="4277884" y="2583520"/>
+                </a:lnTo>
+                <a:lnTo>
+                  <a:pt x="1192437" y="2583520"/>
+                </a:lnTo>
+                <a:lnTo>
+                  <a:pt x="1188085" y="2574129"/>
+                </a:lnTo>
+                <a:lnTo>
+                  <a:pt x="1192715" y="2574129"/>
+                </a:lnTo>
+                <a:close/>
+              </a:path>
+            </a:pathLst>
+          </a:custGeom>
+        </p:spPr>
+      </p:pic>
+      <p:sp>
+        <p:nvSpPr>
+          <p:cNvPr id="6" name="Rectangle 5">
+            <a:extLst>
+              <a:ext uri="{FF2B5EF4-FFF2-40B4-BE49-F238E27FC236}">
+                <a16:creationId xmlns:a16="http://schemas.microsoft.com/office/drawing/2014/main" id="{A2901312-C3C2-4CEC-80EF-823AB4FBB726}"/>
+              </a:ext>
+            </a:extLst>
+          </p:cNvPr>
+          <p:cNvSpPr/>
+          <p:nvPr/>
+        </p:nvSpPr>
+        <p:spPr>
+          <a:xfrm>
+            <a:off x="-1" y="1608918"/>
+            <a:ext cx="12191999" cy="91160"/>
+          </a:xfrm>
+          <a:prstGeom prst="rect">
+            <a:avLst/>
+          </a:prstGeom>
+          <a:solidFill>
+            <a:schemeClr val="bg1"/>
+          </a:solidFill>
+          <a:ln>
+            <a:noFill/>
+          </a:ln>
+        </p:spPr>
+        <p:style>
+          <a:lnRef idx="2">
+            <a:schemeClr val="accent1">
+              <a:shade val="50000"/>
+            </a:schemeClr>
+          </a:lnRef>
+          <a:fillRef idx="1">
+            <a:schemeClr val="accent1"/>
+          </a:fillRef>
+          <a:effectRef idx="0">
+            <a:schemeClr val="accent1"/>
+          </a:effectRef>
+          <a:fontRef idx="minor">
+            <a:schemeClr val="lt1"/>
+          </a:fontRef>
+        </p:style>
+        <p:txBody>
+          <a:bodyPr rtlCol="0" anchor="ctr"/>
+          <a:lstStyle/>
+          <a:p>
+            <a:pPr algn="ctr"/>
+            <a:endParaRPr lang="en-US">
+              <a:solidFill>
+                <a:srgbClr val="DB5B5C"/>
+              </a:solidFill>
+            </a:endParaRPr>
+          </a:p>
+        </p:txBody>
+      </p:sp>
+      <p:sp>
+        <p:nvSpPr>
+          <p:cNvPr id="15" name="Rectangle 14">
+            <a:extLst>
+              <a:ext uri="{FF2B5EF4-FFF2-40B4-BE49-F238E27FC236}">
+                <a16:creationId xmlns:a16="http://schemas.microsoft.com/office/drawing/2014/main" id="{AD0A7C9C-CA2C-4B9B-A125-2D09D5573B44}"/>
+              </a:ext>
+            </a:extLst>
+          </p:cNvPr>
+          <p:cNvSpPr/>
+          <p:nvPr/>
+        </p:nvSpPr>
+        <p:spPr>
+          <a:xfrm>
+            <a:off x="1" y="6677247"/>
+            <a:ext cx="12191999" cy="190143"/>
+          </a:xfrm>
+          <a:prstGeom prst="rect">
+            <a:avLst/>
+          </a:prstGeom>
+          <a:solidFill>
+            <a:schemeClr val="bg1"/>
+          </a:solidFill>
+          <a:ln>
+            <a:noFill/>
+          </a:ln>
+        </p:spPr>
+        <p:style>
+          <a:lnRef idx="2">
+            <a:schemeClr val="accent1">
+              <a:shade val="50000"/>
+            </a:schemeClr>
+          </a:lnRef>
+          <a:fillRef idx="1">
+            <a:schemeClr val="accent1"/>
+          </a:fillRef>
+          <a:effectRef idx="0">
+            <a:schemeClr val="accent1"/>
+          </a:effectRef>
+          <a:fontRef idx="minor">
+            <a:schemeClr val="lt1"/>
+          </a:fontRef>
+        </p:style>
+        <p:txBody>
+          <a:bodyPr rtlCol="0" anchor="ctr"/>
+          <a:lstStyle/>
+          <a:p>
+            <a:pPr algn="ctr"/>
+            <a:endParaRPr lang="en-US">
+              <a:solidFill>
+                <a:srgbClr val="DB5B5C"/>
+              </a:solidFill>
+            </a:endParaRPr>
+          </a:p>
+        </p:txBody>
+      </p:sp>
+      <p:sp>
+        <p:nvSpPr>
+          <p:cNvPr id="16" name="Rectangle 15">
+            <a:extLst>
+              <a:ext uri="{FF2B5EF4-FFF2-40B4-BE49-F238E27FC236}">
+                <a16:creationId xmlns:a16="http://schemas.microsoft.com/office/drawing/2014/main" id="{74A085FC-1866-46D4-97F7-51AA45E48D4F}"/>
+              </a:ext>
+            </a:extLst>
+          </p:cNvPr>
+          <p:cNvSpPr/>
+          <p:nvPr/>
+        </p:nvSpPr>
+        <p:spPr>
+          <a:xfrm rot="4092292">
+            <a:off x="5790668" y="4094517"/>
+            <a:ext cx="5446699" cy="137038"/>
+          </a:xfrm>
+          <a:prstGeom prst="rect">
+            <a:avLst/>
+          </a:prstGeom>
+          <a:solidFill>
+            <a:schemeClr val="bg1"/>
+          </a:solidFill>
+          <a:ln>
+            <a:noFill/>
+          </a:ln>
+        </p:spPr>
+        <p:style>
+          <a:lnRef idx="2">
+            <a:schemeClr val="accent1">
+              <a:shade val="50000"/>
+            </a:schemeClr>
+          </a:lnRef>
+          <a:fillRef idx="1">
+            <a:schemeClr val="accent1"/>
+          </a:fillRef>
+          <a:effectRef idx="0">
+            <a:schemeClr val="accent1"/>
+          </a:effectRef>
+          <a:fontRef idx="minor">
+            <a:schemeClr val="lt1"/>
+          </a:fontRef>
+        </p:style>
+        <p:txBody>
+          <a:bodyPr rtlCol="0" anchor="ctr"/>
+          <a:lstStyle/>
+          <a:p>
+            <a:pPr algn="ctr"/>
+            <a:endParaRPr lang="en-US">
+              <a:solidFill>
+                <a:srgbClr val="DB5B5C"/>
+              </a:solidFill>
+            </a:endParaRPr>
+          </a:p>
+        </p:txBody>
+      </p:sp>
+    </p:spTree>
+    <p:extLst>
+      <p:ext uri="{BB962C8B-B14F-4D97-AF65-F5344CB8AC3E}">
         <p14:creationId xmlns:p14="http://schemas.microsoft.com/office/powerpoint/2010/main" val="459245495"/>
       </p:ext>
     </p:extLst>
@@ -12980,7 +16251,7 @@
 </p:sld>
 </file>
 
-<file path=ppt/slides/slide21.xml><?xml version="1.0" encoding="utf-8"?>
+<file path=ppt/slides/slide26.xml><?xml version="1.0" encoding="utf-8"?>
 <p:sld xmlns:a="http://schemas.openxmlformats.org/drawingml/2006/main" xmlns:r="http://schemas.openxmlformats.org/officeDocument/2006/relationships" xmlns:p="http://schemas.openxmlformats.org/presentationml/2006/main">
   <p:cSld>
     <p:bg>
@@ -16782,8 +20053,8 @@
         </p:nvSpPr>
         <p:spPr>
           <a:xfrm>
-            <a:off x="838200" y="2021250"/>
-            <a:ext cx="6987988" cy="1125362"/>
+            <a:off x="637478" y="2038469"/>
+            <a:ext cx="7168376" cy="1125362"/>
           </a:xfrm>
         </p:spPr>
         <p:txBody>
@@ -16796,7 +20067,7 @@
               <a:rPr lang="en-US" sz="2400" dirty="0">
                 <a:latin typeface="Selawik Semibold" panose="020B0702040204020203" pitchFamily="34" charset="0"/>
               </a:rPr>
-              <a:t>Most Popular World Sports (sportsshow.net)</a:t>
+              <a:t>Most Popular World Sports (sportsbrowser.net)</a:t>
             </a:r>
           </a:p>
           <a:p>
@@ -17282,13 +20553,7 @@
               <a:rPr lang="en-US" sz="1600" dirty="0">
                 <a:latin typeface="Selawik Semibold" panose="020B0702040204020203" pitchFamily="34" charset="0"/>
               </a:rPr>
-              <a:t>Number of </a:t>
-            </a:r>
-            <a:r>
-              <a:rPr lang="en-US" sz="1600" dirty="0" err="1">
-                <a:latin typeface="Selawik Semibold" panose="020B0702040204020203" pitchFamily="34" charset="0"/>
-              </a:rPr>
-              <a:t>CountriesF</a:t>
+              <a:t>Number of Countries</a:t>
             </a:r>
             <a:endParaRPr lang="en-US" dirty="0"/>
           </a:p>

--- a/Slides/Sports Analytics 1/Sports_Analytics_1_Lecture.pptx
+++ b/Slides/Sports Analytics 1/Sports_Analytics_1_Lecture.pptx
@@ -222,7 +222,7 @@
           <a:p>
             <a:fld id="{C04E5E84-956F-4423-97B3-5936A6D8EEEE}" type="datetimeFigureOut">
               <a:rPr lang="en-US" smtClean="0"/>
-              <a:t>1/9/2023</a:t>
+              <a:t>1/10/2023</a:t>
             </a:fld>
             <a:endParaRPr lang="en-US"/>
           </a:p>
@@ -2232,7 +2232,7 @@
           <a:p>
             <a:fld id="{3881C039-66A3-4640-815B-3B5A8B7D868D}" type="datetimeFigureOut">
               <a:rPr lang="en-US" smtClean="0"/>
-              <a:t>1/9/2023</a:t>
+              <a:t>1/10/2023</a:t>
             </a:fld>
             <a:endParaRPr lang="en-US"/>
           </a:p>
@@ -2430,7 +2430,7 @@
           <a:p>
             <a:fld id="{3881C039-66A3-4640-815B-3B5A8B7D868D}" type="datetimeFigureOut">
               <a:rPr lang="en-US" smtClean="0"/>
-              <a:t>1/9/2023</a:t>
+              <a:t>1/10/2023</a:t>
             </a:fld>
             <a:endParaRPr lang="en-US"/>
           </a:p>
@@ -2638,7 +2638,7 @@
           <a:p>
             <a:fld id="{3881C039-66A3-4640-815B-3B5A8B7D868D}" type="datetimeFigureOut">
               <a:rPr lang="en-US" smtClean="0"/>
-              <a:t>1/9/2023</a:t>
+              <a:t>1/10/2023</a:t>
             </a:fld>
             <a:endParaRPr lang="en-US"/>
           </a:p>
@@ -2836,7 +2836,7 @@
           <a:p>
             <a:fld id="{3881C039-66A3-4640-815B-3B5A8B7D868D}" type="datetimeFigureOut">
               <a:rPr lang="en-US" smtClean="0"/>
-              <a:t>1/9/2023</a:t>
+              <a:t>1/10/2023</a:t>
             </a:fld>
             <a:endParaRPr lang="en-US"/>
           </a:p>
@@ -3111,7 +3111,7 @@
           <a:p>
             <a:fld id="{3881C039-66A3-4640-815B-3B5A8B7D868D}" type="datetimeFigureOut">
               <a:rPr lang="en-US" smtClean="0"/>
-              <a:t>1/9/2023</a:t>
+              <a:t>1/10/2023</a:t>
             </a:fld>
             <a:endParaRPr lang="en-US"/>
           </a:p>
@@ -3376,7 +3376,7 @@
           <a:p>
             <a:fld id="{3881C039-66A3-4640-815B-3B5A8B7D868D}" type="datetimeFigureOut">
               <a:rPr lang="en-US" smtClean="0"/>
-              <a:t>1/9/2023</a:t>
+              <a:t>1/10/2023</a:t>
             </a:fld>
             <a:endParaRPr lang="en-US"/>
           </a:p>
@@ -3788,7 +3788,7 @@
           <a:p>
             <a:fld id="{3881C039-66A3-4640-815B-3B5A8B7D868D}" type="datetimeFigureOut">
               <a:rPr lang="en-US" smtClean="0"/>
-              <a:t>1/9/2023</a:t>
+              <a:t>1/10/2023</a:t>
             </a:fld>
             <a:endParaRPr lang="en-US"/>
           </a:p>
@@ -3929,7 +3929,7 @@
           <a:p>
             <a:fld id="{3881C039-66A3-4640-815B-3B5A8B7D868D}" type="datetimeFigureOut">
               <a:rPr lang="en-US" smtClean="0"/>
-              <a:t>1/9/2023</a:t>
+              <a:t>1/10/2023</a:t>
             </a:fld>
             <a:endParaRPr lang="en-US"/>
           </a:p>
@@ -4042,7 +4042,7 @@
           <a:p>
             <a:fld id="{3881C039-66A3-4640-815B-3B5A8B7D868D}" type="datetimeFigureOut">
               <a:rPr lang="en-US" smtClean="0"/>
-              <a:t>1/9/2023</a:t>
+              <a:t>1/10/2023</a:t>
             </a:fld>
             <a:endParaRPr lang="en-US"/>
           </a:p>
@@ -4353,7 +4353,7 @@
           <a:p>
             <a:fld id="{3881C039-66A3-4640-815B-3B5A8B7D868D}" type="datetimeFigureOut">
               <a:rPr lang="en-US" smtClean="0"/>
-              <a:t>1/9/2023</a:t>
+              <a:t>1/10/2023</a:t>
             </a:fld>
             <a:endParaRPr lang="en-US"/>
           </a:p>
@@ -4641,7 +4641,7 @@
           <a:p>
             <a:fld id="{3881C039-66A3-4640-815B-3B5A8B7D868D}" type="datetimeFigureOut">
               <a:rPr lang="en-US" smtClean="0"/>
-              <a:t>1/9/2023</a:t>
+              <a:t>1/10/2023</a:t>
             </a:fld>
             <a:endParaRPr lang="en-US"/>
           </a:p>
@@ -4885,7 +4885,7 @@
           <a:p>
             <a:fld id="{3881C039-66A3-4640-815B-3B5A8B7D868D}" type="datetimeFigureOut">
               <a:rPr lang="en-US" smtClean="0"/>
-              <a:t>1/9/2023</a:t>
+              <a:t>1/10/2023</a:t>
             </a:fld>
             <a:endParaRPr lang="en-US"/>
           </a:p>
@@ -17010,7 +17010,7 @@
               <a:rPr lang="en-US" sz="2400" dirty="0">
                 <a:latin typeface="Selawik Semibold" panose="020B0702040204020203" pitchFamily="34" charset="0"/>
               </a:rPr>
-              <a:t>67 Responses (Thank You!!)</a:t>
+              <a:t>96 Responses (Thank You!!)</a:t>
             </a:r>
           </a:p>
           <a:p>
@@ -17026,7 +17026,7 @@
               <a:rPr lang="en-US" sz="2400" dirty="0">
                 <a:latin typeface="Selawik Semibold" panose="020B0702040204020203" pitchFamily="34" charset="0"/>
               </a:rPr>
-              <a:t>Majority are Seniors (46/67)</a:t>
+              <a:t>Majority are Seniors (60/96)</a:t>
             </a:r>
             <a:endParaRPr lang="en-US" sz="1600" dirty="0">
               <a:latin typeface="Selawik Semibold" panose="020B0702040204020203" pitchFamily="34" charset="0"/>
@@ -17901,10 +17901,10 @@
       </p:sp>
       <p:pic>
         <p:nvPicPr>
-          <p:cNvPr id="7" name="Picture 6">
-            <a:extLst>
-              <a:ext uri="{FF2B5EF4-FFF2-40B4-BE49-F238E27FC236}">
-                <a16:creationId xmlns:a16="http://schemas.microsoft.com/office/drawing/2014/main" id="{8AFE7310-C68C-40AC-8996-47CFC2EF5EEC}"/>
+          <p:cNvPr id="11" name="Picture 10" descr="Chart, bar chart&#10;&#10;Description automatically generated">
+            <a:extLst>
+              <a:ext uri="{FF2B5EF4-FFF2-40B4-BE49-F238E27FC236}">
+                <a16:creationId xmlns:a16="http://schemas.microsoft.com/office/drawing/2014/main" id="{080CA9A7-5BD2-66B8-ACA4-170BA3F89E0F}"/>
               </a:ext>
             </a:extLst>
           </p:cNvPr>
@@ -17914,15 +17914,21 @@
           <p:nvPr/>
         </p:nvPicPr>
         <p:blipFill>
-          <a:blip r:embed="rId5"/>
+          <a:blip r:embed="rId5">
+            <a:extLst>
+              <a:ext uri="{28A0092B-C50C-407E-A947-70E740481C1C}">
+                <a14:useLocalDpi xmlns:a14="http://schemas.microsoft.com/office/drawing/2010/main" val="0"/>
+              </a:ext>
+            </a:extLst>
+          </a:blip>
           <a:stretch>
             <a:fillRect/>
           </a:stretch>
         </p:blipFill>
         <p:spPr>
           <a:xfrm>
-            <a:off x="61233" y="1772153"/>
-            <a:ext cx="7011511" cy="4874348"/>
+            <a:off x="310247" y="1850973"/>
+            <a:ext cx="7013188" cy="4675459"/>
           </a:xfrm>
           <a:prstGeom prst="rect">
             <a:avLst/>
@@ -18451,10 +18457,10 @@
       </p:sp>
       <p:pic>
         <p:nvPicPr>
-          <p:cNvPr id="7" name="Picture 6">
-            <a:extLst>
-              <a:ext uri="{FF2B5EF4-FFF2-40B4-BE49-F238E27FC236}">
-                <a16:creationId xmlns:a16="http://schemas.microsoft.com/office/drawing/2014/main" id="{CF4340E1-2220-467F-8D0F-7CD4B70C7FAC}"/>
+          <p:cNvPr id="11" name="Picture 10" descr="Chart, waterfall chart&#10;&#10;Description automatically generated">
+            <a:extLst>
+              <a:ext uri="{FF2B5EF4-FFF2-40B4-BE49-F238E27FC236}">
+                <a16:creationId xmlns:a16="http://schemas.microsoft.com/office/drawing/2014/main" id="{A8820463-5B58-C429-6D6B-C0A5FD5B11BF}"/>
               </a:ext>
             </a:extLst>
           </p:cNvPr>
@@ -18477,8 +18483,8 @@
         </p:blipFill>
         <p:spPr>
           <a:xfrm>
-            <a:off x="62345" y="1767354"/>
-            <a:ext cx="7259782" cy="4839854"/>
+            <a:off x="191960" y="1840924"/>
+            <a:ext cx="7132289" cy="4754858"/>
           </a:xfrm>
           <a:prstGeom prst="rect">
             <a:avLst/>
@@ -18965,10 +18971,10 @@
       </p:sp>
       <p:pic>
         <p:nvPicPr>
-          <p:cNvPr id="7" name="Picture 6" descr="Chart, histogram&#10;&#10;Description automatically generated">
-            <a:extLst>
-              <a:ext uri="{FF2B5EF4-FFF2-40B4-BE49-F238E27FC236}">
-                <a16:creationId xmlns:a16="http://schemas.microsoft.com/office/drawing/2014/main" id="{93066414-1EB5-4A20-8546-0017A8236F33}"/>
+          <p:cNvPr id="8" name="Picture 7" descr="Chart, histogram&#10;&#10;Description automatically generated">
+            <a:extLst>
+              <a:ext uri="{FF2B5EF4-FFF2-40B4-BE49-F238E27FC236}">
+                <a16:creationId xmlns:a16="http://schemas.microsoft.com/office/drawing/2014/main" id="{02C52639-516B-309D-289F-1AF8EBBC477F}"/>
               </a:ext>
             </a:extLst>
           </p:cNvPr>
@@ -18978,15 +18984,21 @@
           <p:nvPr/>
         </p:nvPicPr>
         <p:blipFill>
-          <a:blip r:embed="rId4"/>
+          <a:blip r:embed="rId4">
+            <a:extLst>
+              <a:ext uri="{28A0092B-C50C-407E-A947-70E740481C1C}">
+                <a14:useLocalDpi xmlns:a14="http://schemas.microsoft.com/office/drawing/2010/main" val="0"/>
+              </a:ext>
+            </a:extLst>
+          </a:blip>
           <a:stretch>
             <a:fillRect/>
           </a:stretch>
         </p:blipFill>
         <p:spPr>
           <a:xfrm>
-            <a:off x="48491" y="1750885"/>
-            <a:ext cx="7162800" cy="4877367"/>
+            <a:off x="107093" y="1770919"/>
+            <a:ext cx="7225060" cy="4816707"/>
           </a:xfrm>
           <a:prstGeom prst="rect">
             <a:avLst/>
@@ -19473,10 +19485,10 @@
       </p:sp>
       <p:pic>
         <p:nvPicPr>
-          <p:cNvPr id="7" name="Picture 6" descr="Chart, histogram&#10;&#10;Description automatically generated">
-            <a:extLst>
-              <a:ext uri="{FF2B5EF4-FFF2-40B4-BE49-F238E27FC236}">
-                <a16:creationId xmlns:a16="http://schemas.microsoft.com/office/drawing/2014/main" id="{98117328-1B31-4EAE-ACBD-8893527CEED6}"/>
+          <p:cNvPr id="8" name="Picture 7" descr="Chart, histogram&#10;&#10;Description automatically generated">
+            <a:extLst>
+              <a:ext uri="{FF2B5EF4-FFF2-40B4-BE49-F238E27FC236}">
+                <a16:creationId xmlns:a16="http://schemas.microsoft.com/office/drawing/2014/main" id="{18BED12B-5AB3-3AE7-3BE3-AA41412A8052}"/>
               </a:ext>
             </a:extLst>
           </p:cNvPr>
@@ -19486,15 +19498,21 @@
           <p:nvPr/>
         </p:nvPicPr>
         <p:blipFill>
-          <a:blip r:embed="rId4"/>
+          <a:blip r:embed="rId4">
+            <a:extLst>
+              <a:ext uri="{28A0092B-C50C-407E-A947-70E740481C1C}">
+                <a14:useLocalDpi xmlns:a14="http://schemas.microsoft.com/office/drawing/2010/main" val="0"/>
+              </a:ext>
+            </a:extLst>
+          </a:blip>
           <a:stretch>
             <a:fillRect/>
           </a:stretch>
         </p:blipFill>
         <p:spPr>
           <a:xfrm>
-            <a:off x="78222" y="1736569"/>
-            <a:ext cx="7282803" cy="4852933"/>
+            <a:off x="120265" y="1797099"/>
+            <a:ext cx="7198717" cy="4799145"/>
           </a:xfrm>
           <a:prstGeom prst="rect">
             <a:avLst/>
@@ -19807,12 +19825,66 @@
           </a:p>
         </p:txBody>
       </p:sp>
+      <p:sp>
+        <p:nvSpPr>
+          <p:cNvPr id="14" name="TextBox 13">
+            <a:extLst>
+              <a:ext uri="{FF2B5EF4-FFF2-40B4-BE49-F238E27FC236}">
+                <a16:creationId xmlns:a16="http://schemas.microsoft.com/office/drawing/2014/main" id="{075F80BC-FF65-426F-BFEE-18370DE11A6D}"/>
+              </a:ext>
+            </a:extLst>
+          </p:cNvPr>
+          <p:cNvSpPr txBox="1"/>
+          <p:nvPr/>
+        </p:nvSpPr>
+        <p:spPr>
+          <a:xfrm>
+            <a:off x="9588789" y="2605317"/>
+            <a:ext cx="3964639" cy="584775"/>
+          </a:xfrm>
+          <a:prstGeom prst="rect">
+            <a:avLst/>
+          </a:prstGeom>
+          <a:noFill/>
+        </p:spPr>
+        <p:txBody>
+          <a:bodyPr wrap="square" rtlCol="0">
+            <a:spAutoFit/>
+          </a:bodyPr>
+          <a:lstStyle/>
+          <a:p>
+            <a:pPr marL="742950" lvl="1" indent="-285750">
+              <a:buFont typeface="Arial" panose="020B0604020202020204" pitchFamily="34" charset="0"/>
+              <a:buChar char="•"/>
+            </a:pPr>
+            <a:r>
+              <a:rPr lang="en-US" sz="1600" dirty="0">
+                <a:latin typeface="Selawik Semibold" panose="020B0702040204020203" pitchFamily="34" charset="0"/>
+              </a:rPr>
+              <a:t>Watched = Red</a:t>
+            </a:r>
+          </a:p>
+          <a:p>
+            <a:pPr marL="742950" lvl="1" indent="-285750">
+              <a:buFont typeface="Arial" panose="020B0604020202020204" pitchFamily="34" charset="0"/>
+              <a:buChar char="•"/>
+            </a:pPr>
+            <a:r>
+              <a:rPr lang="en-US" sz="1600" dirty="0">
+                <a:latin typeface="Selawik Semibold" panose="020B0702040204020203" pitchFamily="34" charset="0"/>
+              </a:rPr>
+              <a:t>Played = Blue</a:t>
+            </a:r>
+            <a:endParaRPr lang="en-US" dirty="0"/>
+          </a:p>
+        </p:txBody>
+      </p:sp>
       <p:pic>
         <p:nvPicPr>
-          <p:cNvPr id="8" name="Picture 7">
-            <a:extLst>
-              <a:ext uri="{FF2B5EF4-FFF2-40B4-BE49-F238E27FC236}">
-                <a16:creationId xmlns:a16="http://schemas.microsoft.com/office/drawing/2014/main" id="{E84E6009-F05C-4117-A193-ADF6335DE0BD}"/>
+          <p:cNvPr id="7" name="Picture 6" descr="Chart&#10;&#10;Description automatically generated with medium confidence">
+            <a:extLst>
+              <a:ext uri="{FF2B5EF4-FFF2-40B4-BE49-F238E27FC236}">
+                <a16:creationId xmlns:a16="http://schemas.microsoft.com/office/drawing/2014/main" id="{433623C3-ADF3-E7B1-36D1-0E2F9438329D}"/>
               </a:ext>
             </a:extLst>
           </p:cNvPr>
@@ -19835,68 +19907,14 @@
         </p:blipFill>
         <p:spPr>
           <a:xfrm>
-            <a:off x="0" y="1700078"/>
-            <a:ext cx="9954338" cy="4977169"/>
+            <a:off x="111512" y="1731139"/>
+            <a:ext cx="9981420" cy="4990710"/>
           </a:xfrm>
           <a:prstGeom prst="rect">
             <a:avLst/>
           </a:prstGeom>
         </p:spPr>
       </p:pic>
-      <p:sp>
-        <p:nvSpPr>
-          <p:cNvPr id="14" name="TextBox 13">
-            <a:extLst>
-              <a:ext uri="{FF2B5EF4-FFF2-40B4-BE49-F238E27FC236}">
-                <a16:creationId xmlns:a16="http://schemas.microsoft.com/office/drawing/2014/main" id="{075F80BC-FF65-426F-BFEE-18370DE11A6D}"/>
-              </a:ext>
-            </a:extLst>
-          </p:cNvPr>
-          <p:cNvSpPr txBox="1"/>
-          <p:nvPr/>
-        </p:nvSpPr>
-        <p:spPr>
-          <a:xfrm>
-            <a:off x="9588789" y="2605317"/>
-            <a:ext cx="3964639" cy="584775"/>
-          </a:xfrm>
-          <a:prstGeom prst="rect">
-            <a:avLst/>
-          </a:prstGeom>
-          <a:noFill/>
-        </p:spPr>
-        <p:txBody>
-          <a:bodyPr wrap="square" rtlCol="0">
-            <a:spAutoFit/>
-          </a:bodyPr>
-          <a:lstStyle/>
-          <a:p>
-            <a:pPr marL="742950" lvl="1" indent="-285750">
-              <a:buFont typeface="Arial" panose="020B0604020202020204" pitchFamily="34" charset="0"/>
-              <a:buChar char="•"/>
-            </a:pPr>
-            <a:r>
-              <a:rPr lang="en-US" sz="1600" dirty="0">
-                <a:latin typeface="Selawik Semibold" panose="020B0702040204020203" pitchFamily="34" charset="0"/>
-              </a:rPr>
-              <a:t>Watched = Red</a:t>
-            </a:r>
-          </a:p>
-          <a:p>
-            <a:pPr marL="742950" lvl="1" indent="-285750">
-              <a:buFont typeface="Arial" panose="020B0604020202020204" pitchFamily="34" charset="0"/>
-              <a:buChar char="•"/>
-            </a:pPr>
-            <a:r>
-              <a:rPr lang="en-US" sz="1600" dirty="0">
-                <a:latin typeface="Selawik Semibold" panose="020B0702040204020203" pitchFamily="34" charset="0"/>
-              </a:rPr>
-              <a:t>Played = Blue</a:t>
-            </a:r>
-            <a:endParaRPr lang="en-US" dirty="0"/>
-          </a:p>
-        </p:txBody>
-      </p:sp>
     </p:spTree>
     <p:extLst>
       <p:ext uri="{BB962C8B-B14F-4D97-AF65-F5344CB8AC3E}">

--- a/Slides/Sports Analytics 1/Sports_Analytics_1_Lecture.pptx
+++ b/Slides/Sports Analytics 1/Sports_Analytics_1_Lecture.pptx
@@ -5655,7 +5655,7 @@
         </p:spPr>
         <p:txBody>
           <a:bodyPr>
-            <a:normAutofit/>
+            <a:normAutofit fontScale="92500"/>
           </a:bodyPr>
           <a:lstStyle/>
           <a:p>
@@ -5663,7 +5663,7 @@
               <a:rPr lang="en-US" sz="2400" dirty="0">
                 <a:latin typeface="Selawik Semibold" panose="020B0702040204020203" pitchFamily="34" charset="0"/>
               </a:rPr>
-              <a:t>Most Popular World Sports (sportsshow.net)</a:t>
+              <a:t>Most Popular World Sports (sportsbrowser.net)</a:t>
             </a:r>
           </a:p>
           <a:p>

--- a/Slides/Sports Analytics 1/Sports_Analytics_1_Lecture.pptx
+++ b/Slides/Sports Analytics 1/Sports_Analytics_1_Lecture.pptx
@@ -222,7 +222,7 @@
           <a:p>
             <a:fld id="{C04E5E84-956F-4423-97B3-5936A6D8EEEE}" type="datetimeFigureOut">
               <a:rPr lang="en-US" smtClean="0"/>
-              <a:t>1/10/2023</a:t>
+              <a:t>1/11/2023</a:t>
             </a:fld>
             <a:endParaRPr lang="en-US"/>
           </a:p>
@@ -2232,7 +2232,7 @@
           <a:p>
             <a:fld id="{3881C039-66A3-4640-815B-3B5A8B7D868D}" type="datetimeFigureOut">
               <a:rPr lang="en-US" smtClean="0"/>
-              <a:t>1/10/2023</a:t>
+              <a:t>1/11/2023</a:t>
             </a:fld>
             <a:endParaRPr lang="en-US"/>
           </a:p>
@@ -2430,7 +2430,7 @@
           <a:p>
             <a:fld id="{3881C039-66A3-4640-815B-3B5A8B7D868D}" type="datetimeFigureOut">
               <a:rPr lang="en-US" smtClean="0"/>
-              <a:t>1/10/2023</a:t>
+              <a:t>1/11/2023</a:t>
             </a:fld>
             <a:endParaRPr lang="en-US"/>
           </a:p>
@@ -2638,7 +2638,7 @@
           <a:p>
             <a:fld id="{3881C039-66A3-4640-815B-3B5A8B7D868D}" type="datetimeFigureOut">
               <a:rPr lang="en-US" smtClean="0"/>
-              <a:t>1/10/2023</a:t>
+              <a:t>1/11/2023</a:t>
             </a:fld>
             <a:endParaRPr lang="en-US"/>
           </a:p>
@@ -2836,7 +2836,7 @@
           <a:p>
             <a:fld id="{3881C039-66A3-4640-815B-3B5A8B7D868D}" type="datetimeFigureOut">
               <a:rPr lang="en-US" smtClean="0"/>
-              <a:t>1/10/2023</a:t>
+              <a:t>1/11/2023</a:t>
             </a:fld>
             <a:endParaRPr lang="en-US"/>
           </a:p>
@@ -3111,7 +3111,7 @@
           <a:p>
             <a:fld id="{3881C039-66A3-4640-815B-3B5A8B7D868D}" type="datetimeFigureOut">
               <a:rPr lang="en-US" smtClean="0"/>
-              <a:t>1/10/2023</a:t>
+              <a:t>1/11/2023</a:t>
             </a:fld>
             <a:endParaRPr lang="en-US"/>
           </a:p>
@@ -3376,7 +3376,7 @@
           <a:p>
             <a:fld id="{3881C039-66A3-4640-815B-3B5A8B7D868D}" type="datetimeFigureOut">
               <a:rPr lang="en-US" smtClean="0"/>
-              <a:t>1/10/2023</a:t>
+              <a:t>1/11/2023</a:t>
             </a:fld>
             <a:endParaRPr lang="en-US"/>
           </a:p>
@@ -3788,7 +3788,7 @@
           <a:p>
             <a:fld id="{3881C039-66A3-4640-815B-3B5A8B7D868D}" type="datetimeFigureOut">
               <a:rPr lang="en-US" smtClean="0"/>
-              <a:t>1/10/2023</a:t>
+              <a:t>1/11/2023</a:t>
             </a:fld>
             <a:endParaRPr lang="en-US"/>
           </a:p>
@@ -3929,7 +3929,7 @@
           <a:p>
             <a:fld id="{3881C039-66A3-4640-815B-3B5A8B7D868D}" type="datetimeFigureOut">
               <a:rPr lang="en-US" smtClean="0"/>
-              <a:t>1/10/2023</a:t>
+              <a:t>1/11/2023</a:t>
             </a:fld>
             <a:endParaRPr lang="en-US"/>
           </a:p>
@@ -4042,7 +4042,7 @@
           <a:p>
             <a:fld id="{3881C039-66A3-4640-815B-3B5A8B7D868D}" type="datetimeFigureOut">
               <a:rPr lang="en-US" smtClean="0"/>
-              <a:t>1/10/2023</a:t>
+              <a:t>1/11/2023</a:t>
             </a:fld>
             <a:endParaRPr lang="en-US"/>
           </a:p>
@@ -4353,7 +4353,7 @@
           <a:p>
             <a:fld id="{3881C039-66A3-4640-815B-3B5A8B7D868D}" type="datetimeFigureOut">
               <a:rPr lang="en-US" smtClean="0"/>
-              <a:t>1/10/2023</a:t>
+              <a:t>1/11/2023</a:t>
             </a:fld>
             <a:endParaRPr lang="en-US"/>
           </a:p>
@@ -4641,7 +4641,7 @@
           <a:p>
             <a:fld id="{3881C039-66A3-4640-815B-3B5A8B7D868D}" type="datetimeFigureOut">
               <a:rPr lang="en-US" smtClean="0"/>
-              <a:t>1/10/2023</a:t>
+              <a:t>1/11/2023</a:t>
             </a:fld>
             <a:endParaRPr lang="en-US"/>
           </a:p>
@@ -4885,7 +4885,7 @@
           <a:p>
             <a:fld id="{3881C039-66A3-4640-815B-3B5A8B7D868D}" type="datetimeFigureOut">
               <a:rPr lang="en-US" smtClean="0"/>
-              <a:t>1/10/2023</a:t>
+              <a:t>1/11/2023</a:t>
             </a:fld>
             <a:endParaRPr lang="en-US"/>
           </a:p>
@@ -15800,10 +15800,16 @@
           </a:p>
           <a:p>
             <a:r>
+              <a:rPr lang="en-US" sz="2400">
+                <a:latin typeface="Selawik Semibold" panose="020B0702040204020203" pitchFamily="34" charset="0"/>
+              </a:rPr>
+              <a:t>Attributes of the </a:t>
+            </a:r>
+            <a:r>
               <a:rPr lang="en-US" sz="2400" dirty="0">
                 <a:latin typeface="Selawik Semibold" panose="020B0702040204020203" pitchFamily="34" charset="0"/>
               </a:rPr>
-              <a:t>Skills for the Data Analyst</a:t>
+              <a:t>Data Analyst</a:t>
             </a:r>
           </a:p>
           <a:p>

--- a/Slides/Sports Analytics 1/Sports_Analytics_1_Lecture.pptx
+++ b/Slides/Sports Analytics 1/Sports_Analytics_1_Lecture.pptx
@@ -5,7 +5,7 @@
     <p:sldMasterId id="2147483648" r:id="rId1"/>
   </p:sldMasterIdLst>
   <p:notesMasterIdLst>
-    <p:notesMasterId r:id="rId28"/>
+    <p:notesMasterId r:id="rId30"/>
   </p:notesMasterIdLst>
   <p:sldIdLst>
     <p:sldId id="256" r:id="rId2"/>
@@ -19,21 +19,23 @@
     <p:sldId id="262" r:id="rId10"/>
     <p:sldId id="263" r:id="rId11"/>
     <p:sldId id="264" r:id="rId12"/>
-    <p:sldId id="265" r:id="rId13"/>
-    <p:sldId id="286" r:id="rId14"/>
-    <p:sldId id="266" r:id="rId15"/>
-    <p:sldId id="287" r:id="rId16"/>
-    <p:sldId id="285" r:id="rId17"/>
-    <p:sldId id="267" r:id="rId18"/>
-    <p:sldId id="268" r:id="rId19"/>
-    <p:sldId id="288" r:id="rId20"/>
-    <p:sldId id="289" r:id="rId21"/>
-    <p:sldId id="290" r:id="rId22"/>
-    <p:sldId id="269" r:id="rId23"/>
-    <p:sldId id="270" r:id="rId24"/>
-    <p:sldId id="271" r:id="rId25"/>
-    <p:sldId id="272" r:id="rId26"/>
-    <p:sldId id="281" r:id="rId27"/>
+    <p:sldId id="291" r:id="rId13"/>
+    <p:sldId id="265" r:id="rId14"/>
+    <p:sldId id="286" r:id="rId15"/>
+    <p:sldId id="266" r:id="rId16"/>
+    <p:sldId id="267" r:id="rId17"/>
+    <p:sldId id="268" r:id="rId18"/>
+    <p:sldId id="288" r:id="rId19"/>
+    <p:sldId id="289" r:id="rId20"/>
+    <p:sldId id="290" r:id="rId21"/>
+    <p:sldId id="292" r:id="rId22"/>
+    <p:sldId id="293" r:id="rId23"/>
+    <p:sldId id="294" r:id="rId24"/>
+    <p:sldId id="269" r:id="rId25"/>
+    <p:sldId id="270" r:id="rId26"/>
+    <p:sldId id="271" r:id="rId27"/>
+    <p:sldId id="272" r:id="rId28"/>
+    <p:sldId id="281" r:id="rId29"/>
   </p:sldIdLst>
   <p:sldSz cx="12192000" cy="6858000"/>
   <p:notesSz cx="6858000" cy="9144000"/>
@@ -222,7 +224,7 @@
           <a:p>
             <a:fld id="{C04E5E84-956F-4423-97B3-5936A6D8EEEE}" type="datetimeFigureOut">
               <a:rPr lang="en-US" smtClean="0"/>
-              <a:t>1/11/2023</a:t>
+              <a:t>1/15/2024</a:t>
             </a:fld>
             <a:endParaRPr lang="en-US"/>
           </a:p>
@@ -647,7 +649,7 @@
     </p:spTree>
     <p:extLst>
       <p:ext uri="{BB962C8B-B14F-4D97-AF65-F5344CB8AC3E}">
-        <p14:creationId xmlns:p14="http://schemas.microsoft.com/office/powerpoint/2010/main" val="673645520"/>
+        <p14:creationId xmlns:p14="http://schemas.microsoft.com/office/powerpoint/2010/main" val="3204056461"/>
       </p:ext>
     </p:extLst>
   </p:cSld>
@@ -731,7 +733,7 @@
     </p:spTree>
     <p:extLst>
       <p:ext uri="{BB962C8B-B14F-4D97-AF65-F5344CB8AC3E}">
-        <p14:creationId xmlns:p14="http://schemas.microsoft.com/office/powerpoint/2010/main" val="3204056461"/>
+        <p14:creationId xmlns:p14="http://schemas.microsoft.com/office/powerpoint/2010/main" val="3068367738"/>
       </p:ext>
     </p:extLst>
   </p:cSld>
@@ -815,7 +817,7 @@
     </p:spTree>
     <p:extLst>
       <p:ext uri="{BB962C8B-B14F-4D97-AF65-F5344CB8AC3E}">
-        <p14:creationId xmlns:p14="http://schemas.microsoft.com/office/powerpoint/2010/main" val="3068367738"/>
+        <p14:creationId xmlns:p14="http://schemas.microsoft.com/office/powerpoint/2010/main" val="837158800"/>
       </p:ext>
     </p:extLst>
   </p:cSld>
@@ -899,7 +901,7 @@
     </p:spTree>
     <p:extLst>
       <p:ext uri="{BB962C8B-B14F-4D97-AF65-F5344CB8AC3E}">
-        <p14:creationId xmlns:p14="http://schemas.microsoft.com/office/powerpoint/2010/main" val="837158800"/>
+        <p14:creationId xmlns:p14="http://schemas.microsoft.com/office/powerpoint/2010/main" val="570981165"/>
       </p:ext>
     </p:extLst>
   </p:cSld>
@@ -983,7 +985,7 @@
     </p:spTree>
     <p:extLst>
       <p:ext uri="{BB962C8B-B14F-4D97-AF65-F5344CB8AC3E}">
-        <p14:creationId xmlns:p14="http://schemas.microsoft.com/office/powerpoint/2010/main" val="570981165"/>
+        <p14:creationId xmlns:p14="http://schemas.microsoft.com/office/powerpoint/2010/main" val="3892749928"/>
       </p:ext>
     </p:extLst>
   </p:cSld>
@@ -1067,7 +1069,7 @@
     </p:spTree>
     <p:extLst>
       <p:ext uri="{BB962C8B-B14F-4D97-AF65-F5344CB8AC3E}">
-        <p14:creationId xmlns:p14="http://schemas.microsoft.com/office/powerpoint/2010/main" val="3892749928"/>
+        <p14:creationId xmlns:p14="http://schemas.microsoft.com/office/powerpoint/2010/main" val="3254070549"/>
       </p:ext>
     </p:extLst>
   </p:cSld>
@@ -1151,7 +1153,7 @@
     </p:spTree>
     <p:extLst>
       <p:ext uri="{BB962C8B-B14F-4D97-AF65-F5344CB8AC3E}">
-        <p14:creationId xmlns:p14="http://schemas.microsoft.com/office/powerpoint/2010/main" val="457975726"/>
+        <p14:creationId xmlns:p14="http://schemas.microsoft.com/office/powerpoint/2010/main" val="4015649774"/>
       </p:ext>
     </p:extLst>
   </p:cSld>
@@ -1235,7 +1237,7 @@
     </p:spTree>
     <p:extLst>
       <p:ext uri="{BB962C8B-B14F-4D97-AF65-F5344CB8AC3E}">
-        <p14:creationId xmlns:p14="http://schemas.microsoft.com/office/powerpoint/2010/main" val="432002752"/>
+        <p14:creationId xmlns:p14="http://schemas.microsoft.com/office/powerpoint/2010/main" val="4160636541"/>
       </p:ext>
     </p:extLst>
   </p:cSld>
@@ -1319,7 +1321,7 @@
     </p:spTree>
     <p:extLst>
       <p:ext uri="{BB962C8B-B14F-4D97-AF65-F5344CB8AC3E}">
-        <p14:creationId xmlns:p14="http://schemas.microsoft.com/office/powerpoint/2010/main" val="1454380535"/>
+        <p14:creationId xmlns:p14="http://schemas.microsoft.com/office/powerpoint/2010/main" val="457975726"/>
       </p:ext>
     </p:extLst>
   </p:cSld>
@@ -1403,7 +1405,7 @@
     </p:spTree>
     <p:extLst>
       <p:ext uri="{BB962C8B-B14F-4D97-AF65-F5344CB8AC3E}">
-        <p14:creationId xmlns:p14="http://schemas.microsoft.com/office/powerpoint/2010/main" val="2104318647"/>
+        <p14:creationId xmlns:p14="http://schemas.microsoft.com/office/powerpoint/2010/main" val="432002752"/>
       </p:ext>
     </p:extLst>
   </p:cSld>
@@ -1488,6 +1490,174 @@
     <p:extLst>
       <p:ext uri="{BB962C8B-B14F-4D97-AF65-F5344CB8AC3E}">
         <p14:creationId xmlns:p14="http://schemas.microsoft.com/office/powerpoint/2010/main" val="3246925537"/>
+      </p:ext>
+    </p:extLst>
+  </p:cSld>
+  <p:clrMapOvr>
+    <a:masterClrMapping/>
+  </p:clrMapOvr>
+</p:notes>
+</file>
+
+<file path=ppt/notesSlides/notesSlide20.xml><?xml version="1.0" encoding="utf-8"?>
+<p:notes xmlns:a="http://schemas.openxmlformats.org/drawingml/2006/main" xmlns:r="http://schemas.openxmlformats.org/officeDocument/2006/relationships" xmlns:p="http://schemas.openxmlformats.org/presentationml/2006/main">
+  <p:cSld>
+    <p:spTree>
+      <p:nvGrpSpPr>
+        <p:cNvPr id="1" name=""/>
+        <p:cNvGrpSpPr/>
+        <p:nvPr/>
+      </p:nvGrpSpPr>
+      <p:grpSpPr>
+        <a:xfrm>
+          <a:off x="0" y="0"/>
+          <a:ext cx="0" cy="0"/>
+          <a:chOff x="0" y="0"/>
+          <a:chExt cx="0" cy="0"/>
+        </a:xfrm>
+      </p:grpSpPr>
+      <p:sp>
+        <p:nvSpPr>
+          <p:cNvPr id="2" name="Slide Image Placeholder 1"/>
+          <p:cNvSpPr>
+            <a:spLocks noGrp="1" noRot="1" noChangeAspect="1"/>
+          </p:cNvSpPr>
+          <p:nvPr>
+            <p:ph type="sldImg"/>
+          </p:nvPr>
+        </p:nvSpPr>
+        <p:spPr/>
+      </p:sp>
+      <p:sp>
+        <p:nvSpPr>
+          <p:cNvPr id="3" name="Notes Placeholder 2"/>
+          <p:cNvSpPr>
+            <a:spLocks noGrp="1"/>
+          </p:cNvSpPr>
+          <p:nvPr>
+            <p:ph type="body" idx="1"/>
+          </p:nvPr>
+        </p:nvSpPr>
+        <p:spPr/>
+        <p:txBody>
+          <a:bodyPr/>
+          <a:lstStyle/>
+          <a:p>
+            <a:endParaRPr lang="en-US" dirty="0"/>
+          </a:p>
+        </p:txBody>
+      </p:sp>
+      <p:sp>
+        <p:nvSpPr>
+          <p:cNvPr id="4" name="Slide Number Placeholder 3"/>
+          <p:cNvSpPr>
+            <a:spLocks noGrp="1"/>
+          </p:cNvSpPr>
+          <p:nvPr>
+            <p:ph type="sldNum" sz="quarter" idx="5"/>
+          </p:nvPr>
+        </p:nvSpPr>
+        <p:spPr/>
+        <p:txBody>
+          <a:bodyPr/>
+          <a:lstStyle/>
+          <a:p>
+            <a:fld id="{323D9EF6-5B6D-4923-9412-628692DCC0E7}" type="slidenum">
+              <a:rPr lang="en-US" smtClean="0"/>
+              <a:t>26</a:t>
+            </a:fld>
+            <a:endParaRPr lang="en-US"/>
+          </a:p>
+        </p:txBody>
+      </p:sp>
+    </p:spTree>
+    <p:extLst>
+      <p:ext uri="{BB962C8B-B14F-4D97-AF65-F5344CB8AC3E}">
+        <p14:creationId xmlns:p14="http://schemas.microsoft.com/office/powerpoint/2010/main" val="1454380535"/>
+      </p:ext>
+    </p:extLst>
+  </p:cSld>
+  <p:clrMapOvr>
+    <a:masterClrMapping/>
+  </p:clrMapOvr>
+</p:notes>
+</file>
+
+<file path=ppt/notesSlides/notesSlide21.xml><?xml version="1.0" encoding="utf-8"?>
+<p:notes xmlns:a="http://schemas.openxmlformats.org/drawingml/2006/main" xmlns:r="http://schemas.openxmlformats.org/officeDocument/2006/relationships" xmlns:p="http://schemas.openxmlformats.org/presentationml/2006/main">
+  <p:cSld>
+    <p:spTree>
+      <p:nvGrpSpPr>
+        <p:cNvPr id="1" name=""/>
+        <p:cNvGrpSpPr/>
+        <p:nvPr/>
+      </p:nvGrpSpPr>
+      <p:grpSpPr>
+        <a:xfrm>
+          <a:off x="0" y="0"/>
+          <a:ext cx="0" cy="0"/>
+          <a:chOff x="0" y="0"/>
+          <a:chExt cx="0" cy="0"/>
+        </a:xfrm>
+      </p:grpSpPr>
+      <p:sp>
+        <p:nvSpPr>
+          <p:cNvPr id="2" name="Slide Image Placeholder 1"/>
+          <p:cNvSpPr>
+            <a:spLocks noGrp="1" noRot="1" noChangeAspect="1"/>
+          </p:cNvSpPr>
+          <p:nvPr>
+            <p:ph type="sldImg"/>
+          </p:nvPr>
+        </p:nvSpPr>
+        <p:spPr/>
+      </p:sp>
+      <p:sp>
+        <p:nvSpPr>
+          <p:cNvPr id="3" name="Notes Placeholder 2"/>
+          <p:cNvSpPr>
+            <a:spLocks noGrp="1"/>
+          </p:cNvSpPr>
+          <p:nvPr>
+            <p:ph type="body" idx="1"/>
+          </p:nvPr>
+        </p:nvSpPr>
+        <p:spPr/>
+        <p:txBody>
+          <a:bodyPr/>
+          <a:lstStyle/>
+          <a:p>
+            <a:endParaRPr lang="en-US" dirty="0"/>
+          </a:p>
+        </p:txBody>
+      </p:sp>
+      <p:sp>
+        <p:nvSpPr>
+          <p:cNvPr id="4" name="Slide Number Placeholder 3"/>
+          <p:cNvSpPr>
+            <a:spLocks noGrp="1"/>
+          </p:cNvSpPr>
+          <p:nvPr>
+            <p:ph type="sldNum" sz="quarter" idx="5"/>
+          </p:nvPr>
+        </p:nvSpPr>
+        <p:spPr/>
+        <p:txBody>
+          <a:bodyPr/>
+          <a:lstStyle/>
+          <a:p>
+            <a:fld id="{323D9EF6-5B6D-4923-9412-628692DCC0E7}" type="slidenum">
+              <a:rPr lang="en-US" smtClean="0"/>
+              <a:t>27</a:t>
+            </a:fld>
+            <a:endParaRPr lang="en-US"/>
+          </a:p>
+        </p:txBody>
+      </p:sp>
+    </p:spTree>
+    <p:extLst>
+      <p:ext uri="{BB962C8B-B14F-4D97-AF65-F5344CB8AC3E}">
+        <p14:creationId xmlns:p14="http://schemas.microsoft.com/office/powerpoint/2010/main" val="2104318647"/>
       </p:ext>
     </p:extLst>
   </p:cSld>
@@ -1823,7 +1993,7 @@
     </p:spTree>
     <p:extLst>
       <p:ext uri="{BB962C8B-B14F-4D97-AF65-F5344CB8AC3E}">
-        <p14:creationId xmlns:p14="http://schemas.microsoft.com/office/powerpoint/2010/main" val="3126848250"/>
+        <p14:creationId xmlns:p14="http://schemas.microsoft.com/office/powerpoint/2010/main" val="3803655638"/>
       </p:ext>
     </p:extLst>
   </p:cSld>
@@ -1907,7 +2077,7 @@
     </p:spTree>
     <p:extLst>
       <p:ext uri="{BB962C8B-B14F-4D97-AF65-F5344CB8AC3E}">
-        <p14:creationId xmlns:p14="http://schemas.microsoft.com/office/powerpoint/2010/main" val="1557830548"/>
+        <p14:creationId xmlns:p14="http://schemas.microsoft.com/office/powerpoint/2010/main" val="3126848250"/>
       </p:ext>
     </p:extLst>
   </p:cSld>
@@ -1991,7 +2161,7 @@
     </p:spTree>
     <p:extLst>
       <p:ext uri="{BB962C8B-B14F-4D97-AF65-F5344CB8AC3E}">
-        <p14:creationId xmlns:p14="http://schemas.microsoft.com/office/powerpoint/2010/main" val="270339087"/>
+        <p14:creationId xmlns:p14="http://schemas.microsoft.com/office/powerpoint/2010/main" val="1557830548"/>
       </p:ext>
     </p:extLst>
   </p:cSld>
@@ -2075,7 +2245,7 @@
     </p:spTree>
     <p:extLst>
       <p:ext uri="{BB962C8B-B14F-4D97-AF65-F5344CB8AC3E}">
-        <p14:creationId xmlns:p14="http://schemas.microsoft.com/office/powerpoint/2010/main" val="564086774"/>
+        <p14:creationId xmlns:p14="http://schemas.microsoft.com/office/powerpoint/2010/main" val="270339087"/>
       </p:ext>
     </p:extLst>
   </p:cSld>
@@ -2232,7 +2402,7 @@
           <a:p>
             <a:fld id="{3881C039-66A3-4640-815B-3B5A8B7D868D}" type="datetimeFigureOut">
               <a:rPr lang="en-US" smtClean="0"/>
-              <a:t>1/11/2023</a:t>
+              <a:t>1/15/2024</a:t>
             </a:fld>
             <a:endParaRPr lang="en-US"/>
           </a:p>
@@ -2430,7 +2600,7 @@
           <a:p>
             <a:fld id="{3881C039-66A3-4640-815B-3B5A8B7D868D}" type="datetimeFigureOut">
               <a:rPr lang="en-US" smtClean="0"/>
-              <a:t>1/11/2023</a:t>
+              <a:t>1/15/2024</a:t>
             </a:fld>
             <a:endParaRPr lang="en-US"/>
           </a:p>
@@ -2638,7 +2808,7 @@
           <a:p>
             <a:fld id="{3881C039-66A3-4640-815B-3B5A8B7D868D}" type="datetimeFigureOut">
               <a:rPr lang="en-US" smtClean="0"/>
-              <a:t>1/11/2023</a:t>
+              <a:t>1/15/2024</a:t>
             </a:fld>
             <a:endParaRPr lang="en-US"/>
           </a:p>
@@ -2836,7 +3006,7 @@
           <a:p>
             <a:fld id="{3881C039-66A3-4640-815B-3B5A8B7D868D}" type="datetimeFigureOut">
               <a:rPr lang="en-US" smtClean="0"/>
-              <a:t>1/11/2023</a:t>
+              <a:t>1/15/2024</a:t>
             </a:fld>
             <a:endParaRPr lang="en-US"/>
           </a:p>
@@ -3111,7 +3281,7 @@
           <a:p>
             <a:fld id="{3881C039-66A3-4640-815B-3B5A8B7D868D}" type="datetimeFigureOut">
               <a:rPr lang="en-US" smtClean="0"/>
-              <a:t>1/11/2023</a:t>
+              <a:t>1/15/2024</a:t>
             </a:fld>
             <a:endParaRPr lang="en-US"/>
           </a:p>
@@ -3376,7 +3546,7 @@
           <a:p>
             <a:fld id="{3881C039-66A3-4640-815B-3B5A8B7D868D}" type="datetimeFigureOut">
               <a:rPr lang="en-US" smtClean="0"/>
-              <a:t>1/11/2023</a:t>
+              <a:t>1/15/2024</a:t>
             </a:fld>
             <a:endParaRPr lang="en-US"/>
           </a:p>
@@ -3788,7 +3958,7 @@
           <a:p>
             <a:fld id="{3881C039-66A3-4640-815B-3B5A8B7D868D}" type="datetimeFigureOut">
               <a:rPr lang="en-US" smtClean="0"/>
-              <a:t>1/11/2023</a:t>
+              <a:t>1/15/2024</a:t>
             </a:fld>
             <a:endParaRPr lang="en-US"/>
           </a:p>
@@ -3929,7 +4099,7 @@
           <a:p>
             <a:fld id="{3881C039-66A3-4640-815B-3B5A8B7D868D}" type="datetimeFigureOut">
               <a:rPr lang="en-US" smtClean="0"/>
-              <a:t>1/11/2023</a:t>
+              <a:t>1/15/2024</a:t>
             </a:fld>
             <a:endParaRPr lang="en-US"/>
           </a:p>
@@ -4042,7 +4212,7 @@
           <a:p>
             <a:fld id="{3881C039-66A3-4640-815B-3B5A8B7D868D}" type="datetimeFigureOut">
               <a:rPr lang="en-US" smtClean="0"/>
-              <a:t>1/11/2023</a:t>
+              <a:t>1/15/2024</a:t>
             </a:fld>
             <a:endParaRPr lang="en-US"/>
           </a:p>
@@ -4353,7 +4523,7 @@
           <a:p>
             <a:fld id="{3881C039-66A3-4640-815B-3B5A8B7D868D}" type="datetimeFigureOut">
               <a:rPr lang="en-US" smtClean="0"/>
-              <a:t>1/11/2023</a:t>
+              <a:t>1/15/2024</a:t>
             </a:fld>
             <a:endParaRPr lang="en-US"/>
           </a:p>
@@ -4641,7 +4811,7 @@
           <a:p>
             <a:fld id="{3881C039-66A3-4640-815B-3B5A8B7D868D}" type="datetimeFigureOut">
               <a:rPr lang="en-US" smtClean="0"/>
-              <a:t>1/11/2023</a:t>
+              <a:t>1/15/2024</a:t>
             </a:fld>
             <a:endParaRPr lang="en-US"/>
           </a:p>
@@ -4885,7 +5055,7 @@
           <a:p>
             <a:fld id="{3881C039-66A3-4640-815B-3B5A8B7D868D}" type="datetimeFigureOut">
               <a:rPr lang="en-US" smtClean="0"/>
-              <a:t>1/11/2023</a:t>
+              <a:t>1/15/2024</a:t>
             </a:fld>
             <a:endParaRPr lang="en-US"/>
           </a:p>
@@ -5663,7 +5833,7 @@
               <a:rPr lang="en-US" sz="2400" dirty="0">
                 <a:latin typeface="Selawik Semibold" panose="020B0702040204020203" pitchFamily="34" charset="0"/>
               </a:rPr>
-              <a:t>Most Popular World Sports (sportsbrowser.net)</a:t>
+              <a:t>Most Popular World Sports (sportsmonkie.com)</a:t>
             </a:r>
           </a:p>
           <a:p>
@@ -6095,7 +6265,7 @@
               <a:rPr lang="en-US" dirty="0">
                 <a:latin typeface="Selawik Semibold" panose="020B0702040204020203" pitchFamily="34" charset="0"/>
               </a:rPr>
-              <a:t>Field Hockey</a:t>
+              <a:t>Field/Ice Hockey</a:t>
             </a:r>
           </a:p>
           <a:p>
@@ -6330,7 +6500,7 @@
         <p:spPr>
           <a:xfrm>
             <a:off x="838200" y="2021249"/>
-            <a:ext cx="6632942" cy="4527469"/>
+            <a:ext cx="7267832" cy="4527469"/>
           </a:xfrm>
         </p:spPr>
         <p:txBody>
@@ -6343,24 +6513,19 @@
               <a:rPr lang="en-US" sz="2400" dirty="0">
                 <a:latin typeface="Selawik Semibold" panose="020B0702040204020203" pitchFamily="34" charset="0"/>
               </a:rPr>
-              <a:t>Most Popular US Sports (sportsbrowser.net)</a:t>
-            </a:r>
-          </a:p>
-          <a:p>
-            <a:pPr marL="0" indent="0">
-              <a:buNone/>
-            </a:pPr>
-            <a:endParaRPr lang="en-US" sz="2400" dirty="0">
-              <a:latin typeface="Selawik Semibold" panose="020B0702040204020203" pitchFamily="34" charset="0"/>
-            </a:endParaRPr>
-          </a:p>
-          <a:p>
-            <a:pPr lvl="1"/>
-            <a:r>
-              <a:rPr lang="en-US" sz="2000" dirty="0">
+              <a:t>Most Popular US Sports (</a:t>
+            </a:r>
+            <a:r>
+              <a:rPr lang="en-US" sz="2400" dirty="0" err="1">
                 <a:latin typeface="Selawik Semibold" panose="020B0702040204020203" pitchFamily="34" charset="0"/>
               </a:rPr>
-              <a:t>Based on TV Viewership and Ratings</a:t>
+              <a:t>BiglySports</a:t>
+            </a:r>
+            <a:r>
+              <a:rPr lang="en-US" sz="2400" dirty="0">
+                <a:latin typeface="Selawik Semibold" panose="020B0702040204020203" pitchFamily="34" charset="0"/>
+              </a:rPr>
+              <a:t>)</a:t>
             </a:r>
           </a:p>
           <a:p>
@@ -6386,7 +6551,7 @@
               <a:rPr lang="en-US" sz="1800" dirty="0">
                 <a:latin typeface="Selawik Semibold" panose="020B0702040204020203" pitchFamily="34" charset="0"/>
               </a:rPr>
-              <a:t>Football (38.8% Viewership, 111.9 Million)</a:t>
+              <a:t>Football (139.1M Fans, 70% of Sports Fans)</a:t>
             </a:r>
           </a:p>
           <a:p>
@@ -6395,7 +6560,7 @@
               <a:rPr lang="en-US" sz="1800" dirty="0">
                 <a:latin typeface="Selawik Semibold" panose="020B0702040204020203" pitchFamily="34" charset="0"/>
               </a:rPr>
-              <a:t>Baseball (14.8% Viewership, 40.0 Million)</a:t>
+              <a:t>Basketball (121.2M Fans, 61% of Sports Fans)</a:t>
             </a:r>
           </a:p>
           <a:p>
@@ -6404,7 +6569,7 @@
               <a:rPr lang="en-US" sz="1800" dirty="0">
                 <a:latin typeface="Selawik Semibold" panose="020B0702040204020203" pitchFamily="34" charset="0"/>
               </a:rPr>
-              <a:t>Basketball (15.3% Viewership, 30.8 Million)</a:t>
+              <a:t>Baseball (113.3M Fans, 57% of Sports Fans)</a:t>
             </a:r>
           </a:p>
           <a:p>
@@ -6413,7 +6578,7 @@
               <a:rPr lang="en-US" sz="1800" dirty="0">
                 <a:latin typeface="Selawik Semibold" panose="020B0702040204020203" pitchFamily="34" charset="0"/>
               </a:rPr>
-              <a:t>Ice Hockey (3.8% Viewership, 27.6 Million)</a:t>
+              <a:t>Soccer (97.4M Fans, 49% of Sports Fans)</a:t>
             </a:r>
           </a:p>
           <a:p>
@@ -6422,13 +6587,53 @@
               <a:rPr lang="en-US" sz="1800" dirty="0">
                 <a:latin typeface="Selawik Semibold" panose="020B0702040204020203" pitchFamily="34" charset="0"/>
               </a:rPr>
-              <a:t>Soccer (8.2% Viewership, 27.3 Million)</a:t>
-            </a:r>
-          </a:p>
-          <a:p>
-            <a:pPr marL="914400" lvl="2" indent="0">
-              <a:buNone/>
-            </a:pPr>
+              <a:t>Ice Hockey (73.5M Fans, 37% of Sports Fans)</a:t>
+            </a:r>
+          </a:p>
+          <a:p>
+            <a:pPr lvl="2"/>
+            <a:r>
+              <a:rPr lang="en-US" sz="1800" dirty="0">
+                <a:latin typeface="Selawik Semibold" panose="020B0702040204020203" pitchFamily="34" charset="0"/>
+              </a:rPr>
+              <a:t>Boxing</a:t>
+            </a:r>
+          </a:p>
+          <a:p>
+            <a:pPr lvl="2"/>
+            <a:r>
+              <a:rPr lang="en-US" sz="1800" dirty="0">
+                <a:latin typeface="Selawik Semibold" panose="020B0702040204020203" pitchFamily="34" charset="0"/>
+              </a:rPr>
+              <a:t>Golf</a:t>
+            </a:r>
+          </a:p>
+          <a:p>
+            <a:pPr lvl="2"/>
+            <a:r>
+              <a:rPr lang="en-US" sz="1800" dirty="0">
+                <a:latin typeface="Selawik Semibold" panose="020B0702040204020203" pitchFamily="34" charset="0"/>
+              </a:rPr>
+              <a:t>Tennis</a:t>
+            </a:r>
+          </a:p>
+          <a:p>
+            <a:pPr lvl="2"/>
+            <a:r>
+              <a:rPr lang="en-US" sz="1800" dirty="0">
+                <a:latin typeface="Selawik Semibold" panose="020B0702040204020203" pitchFamily="34" charset="0"/>
+              </a:rPr>
+              <a:t>Motorsports</a:t>
+            </a:r>
+          </a:p>
+          <a:p>
+            <a:pPr lvl="2"/>
+            <a:r>
+              <a:rPr lang="en-US" sz="1800" dirty="0">
+                <a:latin typeface="Selawik Semibold" panose="020B0702040204020203" pitchFamily="34" charset="0"/>
+              </a:rPr>
+              <a:t>Wrestling</a:t>
+            </a:r>
             <a:endParaRPr lang="en-US" sz="1600" dirty="0">
               <a:latin typeface="Selawik Semibold" panose="020B0702040204020203" pitchFamily="34" charset="0"/>
             </a:endParaRPr>
@@ -6937,8 +7142,8 @@
         </p:nvSpPr>
         <p:spPr>
           <a:xfrm>
-            <a:off x="838199" y="2021250"/>
-            <a:ext cx="6632943" cy="486626"/>
+            <a:off x="838200" y="2021249"/>
+            <a:ext cx="7267832" cy="4527469"/>
           </a:xfrm>
         </p:spPr>
         <p:txBody>
@@ -6951,14 +7156,8 @@
               <a:rPr lang="en-US" sz="2400" dirty="0">
                 <a:latin typeface="Selawik Semibold" panose="020B0702040204020203" pitchFamily="34" charset="0"/>
               </a:rPr>
-              <a:t>Revenue in Sports Leagues (Forbes 2022)</a:t>
-            </a:r>
-          </a:p>
-          <a:p>
-            <a:pPr lvl="1"/>
-            <a:endParaRPr lang="en-US" sz="2000" dirty="0">
-              <a:latin typeface="Selawik Semibold" panose="020B0702040204020203" pitchFamily="34" charset="0"/>
-            </a:endParaRPr>
+              <a:t>Infographic About US Sports (Statista.com)</a:t>
+            </a:r>
           </a:p>
         </p:txBody>
       </p:sp>
@@ -7304,10 +7503,10 @@
       </p:sp>
       <p:pic>
         <p:nvPicPr>
-          <p:cNvPr id="7" name="Picture 6" descr="Chart, bar chart&#10;&#10;Description automatically generated">
-            <a:extLst>
-              <a:ext uri="{FF2B5EF4-FFF2-40B4-BE49-F238E27FC236}">
-                <a16:creationId xmlns:a16="http://schemas.microsoft.com/office/drawing/2014/main" id="{00CA4986-23D4-59DC-3076-556D48B155D4}"/>
+          <p:cNvPr id="7" name="Picture 6">
+            <a:extLst>
+              <a:ext uri="{FF2B5EF4-FFF2-40B4-BE49-F238E27FC236}">
+                <a16:creationId xmlns:a16="http://schemas.microsoft.com/office/drawing/2014/main" id="{8B20B5FC-5E6F-0792-CFD6-8F2ED59738FD}"/>
               </a:ext>
             </a:extLst>
           </p:cNvPr>
@@ -7317,21 +7516,15 @@
           <p:nvPr/>
         </p:nvPicPr>
         <p:blipFill>
-          <a:blip r:embed="rId5">
-            <a:extLst>
-              <a:ext uri="{28A0092B-C50C-407E-A947-70E740481C1C}">
-                <a14:useLocalDpi xmlns:a14="http://schemas.microsoft.com/office/drawing/2010/main" val="0"/>
-              </a:ext>
-            </a:extLst>
-          </a:blip>
+          <a:blip r:embed="rId5"/>
           <a:stretch>
             <a:fillRect/>
           </a:stretch>
         </p:blipFill>
         <p:spPr>
           <a:xfrm>
-            <a:off x="1146901" y="2507876"/>
-            <a:ext cx="4527334" cy="4071344"/>
+            <a:off x="1144950" y="2473807"/>
+            <a:ext cx="4652345" cy="4243347"/>
           </a:xfrm>
           <a:prstGeom prst="rect">
             <a:avLst/>
@@ -7341,7 +7534,7 @@
     </p:spTree>
     <p:extLst>
       <p:ext uri="{BB962C8B-B14F-4D97-AF65-F5344CB8AC3E}">
-        <p14:creationId xmlns:p14="http://schemas.microsoft.com/office/powerpoint/2010/main" val="4260432087"/>
+        <p14:creationId xmlns:p14="http://schemas.microsoft.com/office/powerpoint/2010/main" val="4031959493"/>
       </p:ext>
     </p:extLst>
   </p:cSld>
@@ -7861,10 +8054,10 @@
       </p:sp>
       <p:pic>
         <p:nvPicPr>
-          <p:cNvPr id="8" name="Picture 7" descr="Graphical user interface, application&#10;&#10;Description automatically generated">
-            <a:extLst>
-              <a:ext uri="{FF2B5EF4-FFF2-40B4-BE49-F238E27FC236}">
-                <a16:creationId xmlns:a16="http://schemas.microsoft.com/office/drawing/2014/main" id="{41A55D49-6774-0F25-43B3-8A9BC696729C}"/>
+          <p:cNvPr id="7" name="Picture 6" descr="Chart, bar chart&#10;&#10;Description automatically generated">
+            <a:extLst>
+              <a:ext uri="{FF2B5EF4-FFF2-40B4-BE49-F238E27FC236}">
+                <a16:creationId xmlns:a16="http://schemas.microsoft.com/office/drawing/2014/main" id="{00CA4986-23D4-59DC-3076-556D48B155D4}"/>
               </a:ext>
             </a:extLst>
           </p:cNvPr>
@@ -7887,8 +8080,8 @@
         </p:blipFill>
         <p:spPr>
           <a:xfrm>
-            <a:off x="1188646" y="2507876"/>
-            <a:ext cx="6467832" cy="2315274"/>
+            <a:off x="1146901" y="2507876"/>
+            <a:ext cx="4527334" cy="4071344"/>
           </a:xfrm>
           <a:prstGeom prst="rect">
             <a:avLst/>
@@ -7898,7 +8091,7 @@
     </p:spTree>
     <p:extLst>
       <p:ext uri="{BB962C8B-B14F-4D97-AF65-F5344CB8AC3E}">
-        <p14:creationId xmlns:p14="http://schemas.microsoft.com/office/powerpoint/2010/main" val="1393550825"/>
+        <p14:creationId xmlns:p14="http://schemas.microsoft.com/office/powerpoint/2010/main" val="4260432087"/>
       </p:ext>
     </p:extLst>
   </p:cSld>
@@ -8051,8 +8244,8 @@
         </p:nvSpPr>
         <p:spPr>
           <a:xfrm>
-            <a:off x="838199" y="2021249"/>
-            <a:ext cx="7324166" cy="4581257"/>
+            <a:off x="838199" y="2021250"/>
+            <a:ext cx="6632943" cy="486626"/>
           </a:xfrm>
         </p:spPr>
         <p:txBody>
@@ -8065,92 +8258,8 @@
               <a:rPr lang="en-US" sz="2400" dirty="0">
                 <a:latin typeface="Selawik Semibold" panose="020B0702040204020203" pitchFamily="34" charset="0"/>
               </a:rPr>
-              <a:t>Revenue in Sports Leagues (</a:t>
-            </a:r>
-            <a:r>
-              <a:rPr lang="en-US" sz="2400" dirty="0" err="1">
-                <a:latin typeface="Selawik Semibold" panose="020B0702040204020203" pitchFamily="34" charset="0"/>
-              </a:rPr>
-              <a:t>BizVibe</a:t>
-            </a:r>
-            <a:r>
-              <a:rPr lang="en-US" sz="2400" dirty="0">
-                <a:latin typeface="Selawik Semibold" panose="020B0702040204020203" pitchFamily="34" charset="0"/>
-              </a:rPr>
-              <a:t>)</a:t>
-            </a:r>
-          </a:p>
-          <a:p>
-            <a:pPr lvl="1"/>
-            <a:endParaRPr lang="en-US" sz="2000" dirty="0">
-              <a:latin typeface="Selawik Semibold" panose="020B0702040204020203" pitchFamily="34" charset="0"/>
-            </a:endParaRPr>
-          </a:p>
-          <a:p>
-            <a:pPr lvl="1"/>
-            <a:r>
-              <a:rPr lang="en-US" sz="2000" dirty="0">
-                <a:latin typeface="Selawik Semibold" panose="020B0702040204020203" pitchFamily="34" charset="0"/>
-              </a:rPr>
-              <a:t>Measurements</a:t>
-            </a:r>
-          </a:p>
-          <a:p>
-            <a:pPr lvl="2"/>
-            <a:r>
-              <a:rPr lang="en-US" sz="1600" dirty="0">
-                <a:latin typeface="Selawik Semibold" panose="020B0702040204020203" pitchFamily="34" charset="0"/>
-              </a:rPr>
-              <a:t>TV/Broadcasting Deals</a:t>
-            </a:r>
-          </a:p>
-          <a:p>
-            <a:pPr lvl="2"/>
-            <a:r>
-              <a:rPr lang="en-US" sz="1600" dirty="0">
-                <a:latin typeface="Selawik Semibold" panose="020B0702040204020203" pitchFamily="34" charset="0"/>
-              </a:rPr>
-              <a:t>Ticket Sales</a:t>
-            </a:r>
-          </a:p>
-          <a:p>
-            <a:pPr lvl="2"/>
-            <a:r>
-              <a:rPr lang="en-US" sz="1600" dirty="0">
-                <a:latin typeface="Selawik Semibold" panose="020B0702040204020203" pitchFamily="34" charset="0"/>
-              </a:rPr>
-              <a:t>Merchandising</a:t>
-            </a:r>
-          </a:p>
-          <a:p>
-            <a:pPr lvl="2"/>
-            <a:r>
-              <a:rPr lang="en-US" sz="1600" dirty="0">
-                <a:latin typeface="Selawik Semibold" panose="020B0702040204020203" pitchFamily="34" charset="0"/>
-              </a:rPr>
-              <a:t>Licensing</a:t>
-            </a:r>
-          </a:p>
-          <a:p>
-            <a:pPr lvl="1"/>
-            <a:endParaRPr lang="en-US" sz="2000" dirty="0">
-              <a:latin typeface="Selawik Semibold" panose="020B0702040204020203" pitchFamily="34" charset="0"/>
-            </a:endParaRPr>
-          </a:p>
-          <a:p>
-            <a:pPr lvl="1"/>
-            <a:r>
-              <a:rPr lang="en-US" sz="2000" dirty="0">
-                <a:latin typeface="Selawik Semibold" panose="020B0702040204020203" pitchFamily="34" charset="0"/>
-              </a:rPr>
-              <a:t>List Based off 2020 Data</a:t>
-            </a:r>
-          </a:p>
-          <a:p>
-            <a:pPr lvl="1"/>
-            <a:endParaRPr lang="en-US" sz="2000" dirty="0">
-              <a:latin typeface="Selawik Semibold" panose="020B0702040204020203" pitchFamily="34" charset="0"/>
-            </a:endParaRPr>
+              <a:t>Revenue in Sports Leagues (Forbes 2022)</a:t>
+            </a:r>
           </a:p>
           <a:p>
             <a:pPr lvl="1"/>
@@ -8500,10 +8609,46 @@
           </a:p>
         </p:txBody>
       </p:sp>
+      <p:pic>
+        <p:nvPicPr>
+          <p:cNvPr id="8" name="Picture 7" descr="Graphical user interface, application&#10;&#10;Description automatically generated">
+            <a:extLst>
+              <a:ext uri="{FF2B5EF4-FFF2-40B4-BE49-F238E27FC236}">
+                <a16:creationId xmlns:a16="http://schemas.microsoft.com/office/drawing/2014/main" id="{41A55D49-6774-0F25-43B3-8A9BC696729C}"/>
+              </a:ext>
+            </a:extLst>
+          </p:cNvPr>
+          <p:cNvPicPr>
+            <a:picLocks noChangeAspect="1"/>
+          </p:cNvPicPr>
+          <p:nvPr/>
+        </p:nvPicPr>
+        <p:blipFill>
+          <a:blip r:embed="rId5">
+            <a:extLst>
+              <a:ext uri="{28A0092B-C50C-407E-A947-70E740481C1C}">
+                <a14:useLocalDpi xmlns:a14="http://schemas.microsoft.com/office/drawing/2010/main" val="0"/>
+              </a:ext>
+            </a:extLst>
+          </a:blip>
+          <a:stretch>
+            <a:fillRect/>
+          </a:stretch>
+        </p:blipFill>
+        <p:spPr>
+          <a:xfrm>
+            <a:off x="1188646" y="2507876"/>
+            <a:ext cx="6467832" cy="2315274"/>
+          </a:xfrm>
+          <a:prstGeom prst="rect">
+            <a:avLst/>
+          </a:prstGeom>
+        </p:spPr>
+      </p:pic>
     </p:spTree>
     <p:extLst>
       <p:ext uri="{BB962C8B-B14F-4D97-AF65-F5344CB8AC3E}">
-        <p14:creationId xmlns:p14="http://schemas.microsoft.com/office/powerpoint/2010/main" val="80295406"/>
+        <p14:creationId xmlns:p14="http://schemas.microsoft.com/office/powerpoint/2010/main" val="1393550825"/>
       </p:ext>
     </p:extLst>
   </p:cSld>
@@ -8662,7 +8807,7 @@
         </p:spPr>
         <p:txBody>
           <a:bodyPr>
-            <a:normAutofit/>
+            <a:normAutofit lnSpcReduction="10000"/>
           </a:bodyPr>
           <a:lstStyle/>
           <a:p>
@@ -8670,19 +8815,114 @@
               <a:rPr lang="en-US" sz="2400" dirty="0">
                 <a:latin typeface="Selawik Semibold" panose="020B0702040204020203" pitchFamily="34" charset="0"/>
               </a:rPr>
-              <a:t>Revenue in Sports Leagues (</a:t>
-            </a:r>
-            <a:r>
-              <a:rPr lang="en-US" sz="2400" dirty="0" err="1">
+              <a:t>Revenue in Sports Leagues (Wikipedia)</a:t>
+            </a:r>
+          </a:p>
+          <a:p>
+            <a:pPr marL="457200" lvl="1" indent="0">
+              <a:buNone/>
+            </a:pPr>
+            <a:endParaRPr lang="en-US" sz="2000" dirty="0">
+              <a:latin typeface="Selawik Semibold" panose="020B0702040204020203" pitchFamily="34" charset="0"/>
+            </a:endParaRPr>
+          </a:p>
+          <a:p>
+            <a:pPr lvl="1"/>
+            <a:r>
+              <a:rPr lang="en-US" sz="2000" dirty="0">
                 <a:latin typeface="Selawik Semibold" panose="020B0702040204020203" pitchFamily="34" charset="0"/>
               </a:rPr>
-              <a:t>BizVibe</a:t>
-            </a:r>
-            <a:r>
-              <a:rPr lang="en-US" sz="2400" dirty="0">
+              <a:t>List Based off Most Recent Data (in Euro)</a:t>
+            </a:r>
+          </a:p>
+          <a:p>
+            <a:pPr lvl="2"/>
+            <a:r>
+              <a:rPr lang="en-US" sz="1600" dirty="0">
                 <a:latin typeface="Selawik Semibold" panose="020B0702040204020203" pitchFamily="34" charset="0"/>
               </a:rPr>
-              <a:t>)</a:t>
+              <a:t>NFL (American Football,18.027 Billion)</a:t>
+            </a:r>
+          </a:p>
+          <a:p>
+            <a:pPr lvl="2"/>
+            <a:r>
+              <a:rPr lang="en-US" sz="1600" dirty="0">
+                <a:latin typeface="Selawik Semibold" panose="020B0702040204020203" pitchFamily="34" charset="0"/>
+              </a:rPr>
+              <a:t>MLB (Baseball, 10.07 Billion)</a:t>
+            </a:r>
+          </a:p>
+          <a:p>
+            <a:pPr lvl="2"/>
+            <a:r>
+              <a:rPr lang="en-US" sz="1600" dirty="0">
+                <a:latin typeface="Selawik Semibold" panose="020B0702040204020203" pitchFamily="34" charset="0"/>
+              </a:rPr>
+              <a:t>NBA (Basketball, 9.951 Billion)</a:t>
+            </a:r>
+          </a:p>
+          <a:p>
+            <a:pPr lvl="2"/>
+            <a:r>
+              <a:rPr lang="en-US" sz="1600" dirty="0">
+                <a:latin typeface="Selawik Semibold" panose="020B0702040204020203" pitchFamily="34" charset="0"/>
+              </a:rPr>
+              <a:t>EPL (Soccer, 6.442 Billion, England)</a:t>
+            </a:r>
+          </a:p>
+          <a:p>
+            <a:pPr lvl="2"/>
+            <a:r>
+              <a:rPr lang="en-US" sz="1600" dirty="0">
+                <a:latin typeface="Selawik Semibold" panose="020B0702040204020203" pitchFamily="34" charset="0"/>
+              </a:rPr>
+              <a:t>NHL (Hockey, 1.4 Billion)</a:t>
+            </a:r>
+          </a:p>
+          <a:p>
+            <a:pPr lvl="2"/>
+            <a:r>
+              <a:rPr lang="en-US" sz="1600" dirty="0">
+                <a:latin typeface="Selawik Semibold" panose="020B0702040204020203" pitchFamily="34" charset="0"/>
+              </a:rPr>
+              <a:t>La Liga (Soccer, 4.443 Billion, Spain)</a:t>
+            </a:r>
+          </a:p>
+          <a:p>
+            <a:pPr lvl="2"/>
+            <a:r>
+              <a:rPr lang="en-US" sz="1600" dirty="0">
+                <a:latin typeface="Selawik Semibold" panose="020B0702040204020203" pitchFamily="34" charset="0"/>
+              </a:rPr>
+              <a:t>Bundesliga (Soccer, 3.610 Billion, Germany)</a:t>
+            </a:r>
+          </a:p>
+          <a:p>
+            <a:pPr lvl="2"/>
+            <a:r>
+              <a:rPr lang="en-US" sz="1600" dirty="0">
+                <a:latin typeface="Selawik Semibold" panose="020B0702040204020203" pitchFamily="34" charset="0"/>
+              </a:rPr>
+              <a:t>Serie A (Soccer, 2.927 Billion, Italy)</a:t>
+            </a:r>
+          </a:p>
+          <a:p>
+            <a:pPr lvl="2"/>
+            <a:r>
+              <a:rPr lang="en-US" sz="1600" dirty="0">
+                <a:latin typeface="Selawik Semibold" panose="020B0702040204020203" pitchFamily="34" charset="0"/>
+              </a:rPr>
+              <a:t>Ligue 1 (Soccer, 2.407 Billion, France)</a:t>
+            </a:r>
+          </a:p>
+          <a:p>
+            <a:pPr lvl="2"/>
+            <a:r>
+              <a:rPr lang="en-US" sz="1600" dirty="0">
+                <a:latin typeface="Selawik Semibold" panose="020B0702040204020203" pitchFamily="34" charset="0"/>
+              </a:rPr>
+              <a:t>NPB (Baseball, 1.506 Billion, Japan)</a:t>
             </a:r>
           </a:p>
           <a:p>
@@ -8690,6 +8930,15 @@
             <a:endParaRPr lang="en-US" sz="2000" dirty="0">
               <a:latin typeface="Selawik Semibold" panose="020B0702040204020203" pitchFamily="34" charset="0"/>
             </a:endParaRPr>
+          </a:p>
+          <a:p>
+            <a:pPr lvl="1"/>
+            <a:r>
+              <a:rPr lang="en-US" sz="2000" dirty="0">
+                <a:latin typeface="Selawik Semibold" panose="020B0702040204020203" pitchFamily="34" charset="0"/>
+              </a:rPr>
+              <a:t>Compare Revenue Per Team and Revenue Per Match</a:t>
+            </a:r>
           </a:p>
           <a:p>
             <a:pPr lvl="1"/>
@@ -9045,46 +9294,10 @@
           </a:p>
         </p:txBody>
       </p:sp>
-      <p:pic>
-        <p:nvPicPr>
-          <p:cNvPr id="10" name="Picture 9" descr="Chart, bar chart, funnel chart&#10;&#10;Description automatically generated">
-            <a:extLst>
-              <a:ext uri="{FF2B5EF4-FFF2-40B4-BE49-F238E27FC236}">
-                <a16:creationId xmlns:a16="http://schemas.microsoft.com/office/drawing/2014/main" id="{97F92B24-3D18-0FFC-48E5-F1F73FE3C4DA}"/>
-              </a:ext>
-            </a:extLst>
-          </p:cNvPr>
-          <p:cNvPicPr>
-            <a:picLocks noChangeAspect="1"/>
-          </p:cNvPicPr>
-          <p:nvPr/>
-        </p:nvPicPr>
-        <p:blipFill>
-          <a:blip r:embed="rId5">
-            <a:extLst>
-              <a:ext uri="{28A0092B-C50C-407E-A947-70E740481C1C}">
-                <a14:useLocalDpi xmlns:a14="http://schemas.microsoft.com/office/drawing/2010/main" val="0"/>
-              </a:ext>
-            </a:extLst>
-          </a:blip>
-          <a:stretch>
-            <a:fillRect/>
-          </a:stretch>
-        </p:blipFill>
-        <p:spPr>
-          <a:xfrm>
-            <a:off x="1169967" y="2567424"/>
-            <a:ext cx="6433076" cy="3741278"/>
-          </a:xfrm>
-          <a:prstGeom prst="rect">
-            <a:avLst/>
-          </a:prstGeom>
-        </p:spPr>
-      </p:pic>
     </p:spTree>
     <p:extLst>
       <p:ext uri="{BB962C8B-B14F-4D97-AF65-F5344CB8AC3E}">
-        <p14:creationId xmlns:p14="http://schemas.microsoft.com/office/powerpoint/2010/main" val="179952079"/>
+        <p14:creationId xmlns:p14="http://schemas.microsoft.com/office/powerpoint/2010/main" val="80295406"/>
       </p:ext>
     </p:extLst>
   </p:cSld>
@@ -9251,26 +9464,8 @@
               <a:rPr lang="en-US" sz="2400" dirty="0">
                 <a:latin typeface="Selawik Semibold" panose="020B0702040204020203" pitchFamily="34" charset="0"/>
               </a:rPr>
-              <a:t>Profit of Sports Leagues (Athletic Panda)</a:t>
-            </a:r>
-          </a:p>
-          <a:p>
-            <a:pPr lvl="1"/>
-            <a:endParaRPr lang="en-US" sz="2000" dirty="0">
-              <a:latin typeface="Selawik Semibold" panose="020B0702040204020203" pitchFamily="34" charset="0"/>
-            </a:endParaRPr>
-          </a:p>
-          <a:p>
-            <a:pPr lvl="1"/>
-            <a:r>
-              <a:rPr lang="en-US" sz="2000" dirty="0">
-                <a:latin typeface="Selawik Semibold" panose="020B0702040204020203" pitchFamily="34" charset="0"/>
-              </a:rPr>
-              <a:t>Updated to 2020</a:t>
-            </a:r>
-          </a:p>
-          <a:p>
-            <a:pPr lvl="1"/>
+              <a:t>Growth in Team Sports (sisugaurd.com)</a:t>
+            </a:r>
             <a:endParaRPr lang="en-US" sz="2000" dirty="0">
               <a:latin typeface="Selawik Semibold" panose="020B0702040204020203" pitchFamily="34" charset="0"/>
             </a:endParaRPr>
@@ -9631,10 +9826,10 @@
       </p:sp>
       <p:pic>
         <p:nvPicPr>
-          <p:cNvPr id="7" name="Picture 6" descr="Text&#10;&#10;Description automatically generated">
-            <a:extLst>
-              <a:ext uri="{FF2B5EF4-FFF2-40B4-BE49-F238E27FC236}">
-                <a16:creationId xmlns:a16="http://schemas.microsoft.com/office/drawing/2014/main" id="{CA76271E-1D27-4872-A942-B6BB5A59BD85}"/>
+          <p:cNvPr id="7" name="Picture 6" descr="A screenshot of a cell phone&#10;&#10;Description automatically generated">
+            <a:extLst>
+              <a:ext uri="{FF2B5EF4-FFF2-40B4-BE49-F238E27FC236}">
+                <a16:creationId xmlns:a16="http://schemas.microsoft.com/office/drawing/2014/main" id="{ED404A5E-A92F-40E3-803A-B7C744A38ED9}"/>
               </a:ext>
             </a:extLst>
           </p:cNvPr>
@@ -9644,25 +9839,78 @@
           <p:nvPr/>
         </p:nvPicPr>
         <p:blipFill>
-          <a:blip r:embed="rId5"/>
+          <a:blip r:embed="rId5">
+            <a:extLst>
+              <a:ext uri="{28A0092B-C50C-407E-A947-70E740481C1C}">
+                <a14:useLocalDpi xmlns:a14="http://schemas.microsoft.com/office/drawing/2010/main" val="0"/>
+              </a:ext>
+            </a:extLst>
+          </a:blip>
           <a:stretch>
             <a:fillRect/>
           </a:stretch>
         </p:blipFill>
         <p:spPr>
           <a:xfrm>
-            <a:off x="1645529" y="3167537"/>
-            <a:ext cx="4148188" cy="2777127"/>
+            <a:off x="1211998" y="2440640"/>
+            <a:ext cx="4911998" cy="4188125"/>
           </a:xfrm>
           <a:prstGeom prst="rect">
             <a:avLst/>
           </a:prstGeom>
         </p:spPr>
       </p:pic>
+      <p:sp>
+        <p:nvSpPr>
+          <p:cNvPr id="8" name="TextBox 7">
+            <a:extLst>
+              <a:ext uri="{FF2B5EF4-FFF2-40B4-BE49-F238E27FC236}">
+                <a16:creationId xmlns:a16="http://schemas.microsoft.com/office/drawing/2014/main" id="{2BF57D43-4A99-47D7-A02E-3A57D96B7B4F}"/>
+              </a:ext>
+            </a:extLst>
+          </p:cNvPr>
+          <p:cNvSpPr txBox="1"/>
+          <p:nvPr/>
+        </p:nvSpPr>
+        <p:spPr>
+          <a:xfrm>
+            <a:off x="6123996" y="5528278"/>
+            <a:ext cx="3825170" cy="1200329"/>
+          </a:xfrm>
+          <a:prstGeom prst="rect">
+            <a:avLst/>
+          </a:prstGeom>
+          <a:noFill/>
+        </p:spPr>
+        <p:txBody>
+          <a:bodyPr wrap="square" rtlCol="0">
+            <a:spAutoFit/>
+          </a:bodyPr>
+          <a:lstStyle/>
+          <a:p>
+            <a:r>
+              <a:rPr lang="en-US" dirty="0"/>
+              <a:t>Based on 2017 Annual Report </a:t>
+            </a:r>
+          </a:p>
+          <a:p>
+            <a:r>
+              <a:rPr lang="en-US" dirty="0"/>
+              <a:t>On US Trends in Team Sports </a:t>
+            </a:r>
+          </a:p>
+          <a:p>
+            <a:r>
+              <a:rPr lang="en-US" dirty="0"/>
+              <a:t>By Sports &amp; Fitness Industry Association (SFIA)</a:t>
+            </a:r>
+          </a:p>
+        </p:txBody>
+      </p:sp>
     </p:spTree>
     <p:extLst>
       <p:ext uri="{BB962C8B-B14F-4D97-AF65-F5344CB8AC3E}">
-        <p14:creationId xmlns:p14="http://schemas.microsoft.com/office/powerpoint/2010/main" val="3218843434"/>
+        <p14:creationId xmlns:p14="http://schemas.microsoft.com/office/powerpoint/2010/main" val="567599230"/>
       </p:ext>
     </p:extLst>
   </p:cSld>
@@ -9843,7 +10091,115 @@
           </a:p>
           <a:p>
             <a:pPr lvl="1"/>
+            <a:r>
+              <a:rPr lang="en-US" sz="2000" dirty="0">
+                <a:latin typeface="Selawik Semibold" panose="020B0702040204020203" pitchFamily="34" charset="0"/>
+              </a:rPr>
+              <a:t>Increase of 10.9% Across All Sports (2014-2016)</a:t>
+            </a:r>
+          </a:p>
+          <a:p>
+            <a:pPr lvl="1"/>
             <a:endParaRPr lang="en-US" sz="2000" dirty="0">
+              <a:latin typeface="Selawik Semibold" panose="020B0702040204020203" pitchFamily="34" charset="0"/>
+            </a:endParaRPr>
+          </a:p>
+          <a:p>
+            <a:pPr lvl="1"/>
+            <a:r>
+              <a:rPr lang="en-US" sz="2000" dirty="0">
+                <a:latin typeface="Selawik Semibold" panose="020B0702040204020203" pitchFamily="34" charset="0"/>
+              </a:rPr>
+              <a:t>Resilient Sports Based on Age of Participants</a:t>
+            </a:r>
+          </a:p>
+          <a:p>
+            <a:pPr lvl="2"/>
+            <a:r>
+              <a:rPr lang="en-US" sz="1600" dirty="0">
+                <a:latin typeface="Selawik Semibold" panose="020B0702040204020203" pitchFamily="34" charset="0"/>
+              </a:rPr>
+              <a:t>Soccer</a:t>
+            </a:r>
+          </a:p>
+          <a:p>
+            <a:pPr lvl="2"/>
+            <a:r>
+              <a:rPr lang="en-US" sz="1600" dirty="0">
+                <a:latin typeface="Selawik Semibold" panose="020B0702040204020203" pitchFamily="34" charset="0"/>
+              </a:rPr>
+              <a:t>Volleyball</a:t>
+            </a:r>
+          </a:p>
+          <a:p>
+            <a:pPr lvl="2"/>
+            <a:r>
+              <a:rPr lang="en-US" sz="1600" dirty="0">
+                <a:latin typeface="Selawik Semibold" panose="020B0702040204020203" pitchFamily="34" charset="0"/>
+              </a:rPr>
+              <a:t>Softball</a:t>
+            </a:r>
+          </a:p>
+          <a:p>
+            <a:pPr lvl="2"/>
+            <a:r>
+              <a:rPr lang="en-US" sz="1600" dirty="0">
+                <a:latin typeface="Selawik Semibold" panose="020B0702040204020203" pitchFamily="34" charset="0"/>
+              </a:rPr>
+              <a:t>Flag Football</a:t>
+            </a:r>
+          </a:p>
+          <a:p>
+            <a:pPr lvl="1"/>
+            <a:endParaRPr lang="en-US" sz="2000" dirty="0">
+              <a:latin typeface="Selawik Semibold" panose="020B0702040204020203" pitchFamily="34" charset="0"/>
+            </a:endParaRPr>
+          </a:p>
+          <a:p>
+            <a:pPr lvl="1"/>
+            <a:r>
+              <a:rPr lang="en-US" sz="2000" dirty="0">
+                <a:latin typeface="Selawik Semibold" panose="020B0702040204020203" pitchFamily="34" charset="0"/>
+              </a:rPr>
+              <a:t>Declining Sports Lost 9.3M Participants</a:t>
+            </a:r>
+          </a:p>
+          <a:p>
+            <a:pPr lvl="1"/>
+            <a:endParaRPr lang="en-US" sz="2000" dirty="0">
+              <a:latin typeface="Selawik Semibold" panose="020B0702040204020203" pitchFamily="34" charset="0"/>
+            </a:endParaRPr>
+          </a:p>
+          <a:p>
+            <a:pPr lvl="1"/>
+            <a:r>
+              <a:rPr lang="en-US" sz="2000" dirty="0">
+                <a:latin typeface="Selawik Semibold" panose="020B0702040204020203" pitchFamily="34" charset="0"/>
+              </a:rPr>
+              <a:t>Basketball Declined Most by 2.4M Participants</a:t>
+            </a:r>
+          </a:p>
+          <a:p>
+            <a:pPr lvl="2"/>
+            <a:endParaRPr lang="en-US" sz="1600" dirty="0">
+              <a:latin typeface="Selawik Semibold" panose="020B0702040204020203" pitchFamily="34" charset="0"/>
+            </a:endParaRPr>
+          </a:p>
+          <a:p>
+            <a:pPr lvl="2"/>
+            <a:endParaRPr lang="en-US" sz="1600" dirty="0">
+              <a:latin typeface="Selawik Semibold" panose="020B0702040204020203" pitchFamily="34" charset="0"/>
+            </a:endParaRPr>
+          </a:p>
+          <a:p>
+            <a:pPr lvl="2"/>
+            <a:endParaRPr lang="en-US" sz="1600" dirty="0">
+              <a:latin typeface="Selawik Semibold" panose="020B0702040204020203" pitchFamily="34" charset="0"/>
+            </a:endParaRPr>
+          </a:p>
+          <a:p>
+            <a:pPr lvl="2"/>
+            <a:endParaRPr lang="en-US" sz="1600" dirty="0">
               <a:latin typeface="Selawik Semibold" panose="020B0702040204020203" pitchFamily="34" charset="0"/>
             </a:endParaRPr>
           </a:p>
@@ -10189,93 +10545,10 @@
           </a:p>
         </p:txBody>
       </p:sp>
-      <p:pic>
-        <p:nvPicPr>
-          <p:cNvPr id="7" name="Picture 6" descr="A screenshot of a cell phone&#10;&#10;Description automatically generated">
-            <a:extLst>
-              <a:ext uri="{FF2B5EF4-FFF2-40B4-BE49-F238E27FC236}">
-                <a16:creationId xmlns:a16="http://schemas.microsoft.com/office/drawing/2014/main" id="{ED404A5E-A92F-40E3-803A-B7C744A38ED9}"/>
-              </a:ext>
-            </a:extLst>
-          </p:cNvPr>
-          <p:cNvPicPr>
-            <a:picLocks noChangeAspect="1"/>
-          </p:cNvPicPr>
-          <p:nvPr/>
-        </p:nvPicPr>
-        <p:blipFill>
-          <a:blip r:embed="rId5">
-            <a:extLst>
-              <a:ext uri="{28A0092B-C50C-407E-A947-70E740481C1C}">
-                <a14:useLocalDpi xmlns:a14="http://schemas.microsoft.com/office/drawing/2010/main" val="0"/>
-              </a:ext>
-            </a:extLst>
-          </a:blip>
-          <a:stretch>
-            <a:fillRect/>
-          </a:stretch>
-        </p:blipFill>
-        <p:spPr>
-          <a:xfrm>
-            <a:off x="1211998" y="2440640"/>
-            <a:ext cx="4911998" cy="4188125"/>
-          </a:xfrm>
-          <a:prstGeom prst="rect">
-            <a:avLst/>
-          </a:prstGeom>
-        </p:spPr>
-      </p:pic>
-      <p:sp>
-        <p:nvSpPr>
-          <p:cNvPr id="8" name="TextBox 7">
-            <a:extLst>
-              <a:ext uri="{FF2B5EF4-FFF2-40B4-BE49-F238E27FC236}">
-                <a16:creationId xmlns:a16="http://schemas.microsoft.com/office/drawing/2014/main" id="{2BF57D43-4A99-47D7-A02E-3A57D96B7B4F}"/>
-              </a:ext>
-            </a:extLst>
-          </p:cNvPr>
-          <p:cNvSpPr txBox="1"/>
-          <p:nvPr/>
-        </p:nvSpPr>
-        <p:spPr>
-          <a:xfrm>
-            <a:off x="6123996" y="5528278"/>
-            <a:ext cx="3825170" cy="1200329"/>
-          </a:xfrm>
-          <a:prstGeom prst="rect">
-            <a:avLst/>
-          </a:prstGeom>
-          <a:noFill/>
-        </p:spPr>
-        <p:txBody>
-          <a:bodyPr wrap="square" rtlCol="0">
-            <a:spAutoFit/>
-          </a:bodyPr>
-          <a:lstStyle/>
-          <a:p>
-            <a:r>
-              <a:rPr lang="en-US" dirty="0"/>
-              <a:t>Based on 2017 Annual Report </a:t>
-            </a:r>
-          </a:p>
-          <a:p>
-            <a:r>
-              <a:rPr lang="en-US" dirty="0"/>
-              <a:t>On US Trends in Team Sports </a:t>
-            </a:r>
-          </a:p>
-          <a:p>
-            <a:r>
-              <a:rPr lang="en-US" dirty="0"/>
-              <a:t>By Sports &amp; Fitness Industry Association (SFIA)</a:t>
-            </a:r>
-          </a:p>
-        </p:txBody>
-      </p:sp>
     </p:spTree>
     <p:extLst>
       <p:ext uri="{BB962C8B-B14F-4D97-AF65-F5344CB8AC3E}">
-        <p14:creationId xmlns:p14="http://schemas.microsoft.com/office/powerpoint/2010/main" val="567599230"/>
+        <p14:creationId xmlns:p14="http://schemas.microsoft.com/office/powerpoint/2010/main" val="149536260"/>
       </p:ext>
     </p:extLst>
   </p:cSld>
@@ -10442,7 +10715,7 @@
               <a:rPr lang="en-US" sz="2400" dirty="0">
                 <a:latin typeface="Selawik Semibold" panose="020B0702040204020203" pitchFamily="34" charset="0"/>
               </a:rPr>
-              <a:t>Growth in Team Sports (sisugaurd.com)</a:t>
+              <a:t>Growth in Team Sports (SFIA Twitter)</a:t>
             </a:r>
             <a:endParaRPr lang="en-US" sz="2000" dirty="0">
               <a:latin typeface="Selawik Semibold" panose="020B0702040204020203" pitchFamily="34" charset="0"/>
@@ -10460,92 +10733,8 @@
               <a:rPr lang="en-US" sz="2000" dirty="0">
                 <a:latin typeface="Selawik Semibold" panose="020B0702040204020203" pitchFamily="34" charset="0"/>
               </a:rPr>
-              <a:t>Increase of 10.9% Across All Sports (2014-2016)</a:t>
-            </a:r>
-          </a:p>
-          <a:p>
-            <a:pPr lvl="1"/>
-            <a:endParaRPr lang="en-US" sz="2000" dirty="0">
-              <a:latin typeface="Selawik Semibold" panose="020B0702040204020203" pitchFamily="34" charset="0"/>
-            </a:endParaRPr>
-          </a:p>
-          <a:p>
-            <a:pPr lvl="1"/>
-            <a:r>
-              <a:rPr lang="en-US" sz="2000" dirty="0">
-                <a:latin typeface="Selawik Semibold" panose="020B0702040204020203" pitchFamily="34" charset="0"/>
-              </a:rPr>
-              <a:t>Resilient Sports Based on Age of Participants</a:t>
-            </a:r>
-          </a:p>
-          <a:p>
-            <a:pPr lvl="2"/>
-            <a:r>
-              <a:rPr lang="en-US" sz="1600" dirty="0">
-                <a:latin typeface="Selawik Semibold" panose="020B0702040204020203" pitchFamily="34" charset="0"/>
-              </a:rPr>
-              <a:t>Soccer</a:t>
-            </a:r>
-          </a:p>
-          <a:p>
-            <a:pPr lvl="2"/>
-            <a:r>
-              <a:rPr lang="en-US" sz="1600" dirty="0">
-                <a:latin typeface="Selawik Semibold" panose="020B0702040204020203" pitchFamily="34" charset="0"/>
-              </a:rPr>
-              <a:t>Volleyball</a:t>
-            </a:r>
-          </a:p>
-          <a:p>
-            <a:pPr lvl="2"/>
-            <a:r>
-              <a:rPr lang="en-US" sz="1600" dirty="0">
-                <a:latin typeface="Selawik Semibold" panose="020B0702040204020203" pitchFamily="34" charset="0"/>
-              </a:rPr>
-              <a:t>Softball</a:t>
-            </a:r>
-          </a:p>
-          <a:p>
-            <a:pPr lvl="2"/>
-            <a:r>
-              <a:rPr lang="en-US" sz="1600" dirty="0">
-                <a:latin typeface="Selawik Semibold" panose="020B0702040204020203" pitchFamily="34" charset="0"/>
-              </a:rPr>
-              <a:t>Flag Football</a:t>
-            </a:r>
-          </a:p>
-          <a:p>
-            <a:pPr lvl="1"/>
-            <a:endParaRPr lang="en-US" sz="2000" dirty="0">
-              <a:latin typeface="Selawik Semibold" panose="020B0702040204020203" pitchFamily="34" charset="0"/>
-            </a:endParaRPr>
-          </a:p>
-          <a:p>
-            <a:pPr lvl="1"/>
-            <a:r>
-              <a:rPr lang="en-US" sz="2000" dirty="0">
-                <a:latin typeface="Selawik Semibold" panose="020B0702040204020203" pitchFamily="34" charset="0"/>
-              </a:rPr>
-              <a:t>Declining Sports Lost 9.3M Participants</a:t>
-            </a:r>
-          </a:p>
-          <a:p>
-            <a:pPr lvl="1"/>
-            <a:endParaRPr lang="en-US" sz="2000" dirty="0">
-              <a:latin typeface="Selawik Semibold" panose="020B0702040204020203" pitchFamily="34" charset="0"/>
-            </a:endParaRPr>
-          </a:p>
-          <a:p>
-            <a:pPr lvl="1"/>
-            <a:r>
-              <a:rPr lang="en-US" sz="2000" dirty="0">
-                <a:latin typeface="Selawik Semibold" panose="020B0702040204020203" pitchFamily="34" charset="0"/>
-              </a:rPr>
-              <a:t>Basketball Declined Most by 2.4M Participants</a:t>
-            </a:r>
-          </a:p>
-          <a:p>
-            <a:pPr lvl="2"/>
+              <a:t>Based off 2019 Report</a:t>
+            </a:r>
             <a:endParaRPr lang="en-US" sz="1600" dirty="0">
               <a:latin typeface="Selawik Semibold" panose="020B0702040204020203" pitchFamily="34" charset="0"/>
             </a:endParaRPr>
@@ -10910,10 +11099,46 @@
           </a:p>
         </p:txBody>
       </p:sp>
+      <p:pic>
+        <p:nvPicPr>
+          <p:cNvPr id="7" name="Picture 6" descr="Table&#10;&#10;Description automatically generated">
+            <a:extLst>
+              <a:ext uri="{FF2B5EF4-FFF2-40B4-BE49-F238E27FC236}">
+                <a16:creationId xmlns:a16="http://schemas.microsoft.com/office/drawing/2014/main" id="{AC29A090-57F8-12EE-E6FF-69DDC4C792D4}"/>
+              </a:ext>
+            </a:extLst>
+          </p:cNvPr>
+          <p:cNvPicPr>
+            <a:picLocks noChangeAspect="1"/>
+          </p:cNvPicPr>
+          <p:nvPr/>
+        </p:nvPicPr>
+        <p:blipFill>
+          <a:blip r:embed="rId5">
+            <a:extLst>
+              <a:ext uri="{28A0092B-C50C-407E-A947-70E740481C1C}">
+                <a14:useLocalDpi xmlns:a14="http://schemas.microsoft.com/office/drawing/2010/main" val="0"/>
+              </a:ext>
+            </a:extLst>
+          </a:blip>
+          <a:stretch>
+            <a:fillRect/>
+          </a:stretch>
+        </p:blipFill>
+        <p:spPr>
+          <a:xfrm>
+            <a:off x="1630509" y="3160986"/>
+            <a:ext cx="4043726" cy="3352109"/>
+          </a:xfrm>
+          <a:prstGeom prst="rect">
+            <a:avLst/>
+          </a:prstGeom>
+        </p:spPr>
+      </p:pic>
     </p:spTree>
     <p:extLst>
       <p:ext uri="{BB962C8B-B14F-4D97-AF65-F5344CB8AC3E}">
-        <p14:creationId xmlns:p14="http://schemas.microsoft.com/office/powerpoint/2010/main" val="149536260"/>
+        <p14:creationId xmlns:p14="http://schemas.microsoft.com/office/powerpoint/2010/main" val="3150732622"/>
       </p:ext>
     </p:extLst>
   </p:cSld>
@@ -11080,47 +11305,98 @@
               <a:rPr lang="en-US" sz="2400" dirty="0">
                 <a:latin typeface="Selawik Semibold" panose="020B0702040204020203" pitchFamily="34" charset="0"/>
               </a:rPr>
-              <a:t>Growth in Team Sports (SFIA Twitter)</a:t>
-            </a:r>
-            <a:endParaRPr lang="en-US" sz="2000" dirty="0">
+              <a:t>Growth in Team Sports (SFIA)</a:t>
+            </a:r>
+            <a:endParaRPr lang="en-US" sz="1000" dirty="0">
               <a:latin typeface="Selawik Semibold" panose="020B0702040204020203" pitchFamily="34" charset="0"/>
             </a:endParaRPr>
           </a:p>
           <a:p>
             <a:pPr lvl="1"/>
-            <a:endParaRPr lang="en-US" sz="2000" dirty="0">
-              <a:latin typeface="Selawik Semibold" panose="020B0702040204020203" pitchFamily="34" charset="0"/>
-            </a:endParaRPr>
-          </a:p>
-          <a:p>
-            <a:pPr lvl="1"/>
-            <a:r>
-              <a:rPr lang="en-US" sz="2000" dirty="0">
+            <a:r>
+              <a:rPr lang="en-US" sz="1600" dirty="0">
                 <a:latin typeface="Selawik Semibold" panose="020B0702040204020203" pitchFamily="34" charset="0"/>
               </a:rPr>
-              <a:t>Based off 2019 Report</a:t>
-            </a:r>
+              <a:t>Interesting Information About 2022 Annual Report</a:t>
+            </a:r>
+          </a:p>
+          <a:p>
+            <a:pPr lvl="1"/>
             <a:endParaRPr lang="en-US" sz="1600" dirty="0">
               <a:latin typeface="Selawik Semibold" panose="020B0702040204020203" pitchFamily="34" charset="0"/>
             </a:endParaRPr>
           </a:p>
           <a:p>
+            <a:pPr lvl="1"/>
+            <a:r>
+              <a:rPr lang="en-US" sz="1600" dirty="0">
+                <a:latin typeface="Selawik Semibold" panose="020B0702040204020203" pitchFamily="34" charset="0"/>
+              </a:rPr>
+              <a:t>Pandemic Effect on Team Sports</a:t>
+            </a:r>
+          </a:p>
+          <a:p>
             <a:pPr lvl="2"/>
+            <a:r>
+              <a:rPr lang="en-US" sz="1400" dirty="0">
+                <a:latin typeface="Selawik Semibold" panose="020B0702040204020203" pitchFamily="34" charset="0"/>
+              </a:rPr>
+              <a:t>67 million in 2020 to 68.3 million in 2021</a:t>
+            </a:r>
+          </a:p>
+          <a:p>
+            <a:pPr lvl="2"/>
+            <a:r>
+              <a:rPr lang="en-US" sz="1400" dirty="0">
+                <a:latin typeface="Selawik Semibold" panose="020B0702040204020203" pitchFamily="34" charset="0"/>
+              </a:rPr>
+              <a:t>70.8 million in 2019</a:t>
+            </a:r>
+          </a:p>
+          <a:p>
+            <a:pPr lvl="2"/>
+            <a:endParaRPr lang="en-US" sz="1400" dirty="0">
+              <a:latin typeface="Selawik Semibold" panose="020B0702040204020203" pitchFamily="34" charset="0"/>
+            </a:endParaRPr>
+          </a:p>
+          <a:p>
+            <a:pPr lvl="1"/>
+            <a:r>
+              <a:rPr lang="en-US" sz="1600" dirty="0">
+                <a:latin typeface="Selawik Semibold" panose="020B0702040204020203" pitchFamily="34" charset="0"/>
+              </a:rPr>
+              <a:t>Team Sports in Ages 6 to 12 Increased by 0.6 million in 2021</a:t>
+            </a:r>
+          </a:p>
+          <a:p>
+            <a:pPr lvl="1"/>
             <a:endParaRPr lang="en-US" sz="1600" dirty="0">
               <a:latin typeface="Selawik Semibold" panose="020B0702040204020203" pitchFamily="34" charset="0"/>
             </a:endParaRPr>
           </a:p>
           <a:p>
-            <a:pPr lvl="2"/>
+            <a:pPr lvl="1"/>
+            <a:r>
+              <a:rPr lang="en-US" sz="1600" dirty="0">
+                <a:latin typeface="Selawik Semibold" panose="020B0702040204020203" pitchFamily="34" charset="0"/>
+              </a:rPr>
+              <a:t>Basketball Continues to be Most Played (27.1 million)</a:t>
+            </a:r>
+          </a:p>
+          <a:p>
+            <a:pPr lvl="1"/>
             <a:endParaRPr lang="en-US" sz="1600" dirty="0">
               <a:latin typeface="Selawik Semibold" panose="020B0702040204020203" pitchFamily="34" charset="0"/>
             </a:endParaRPr>
           </a:p>
           <a:p>
-            <a:pPr lvl="2"/>
-            <a:endParaRPr lang="en-US" sz="1600" dirty="0">
-              <a:latin typeface="Selawik Semibold" panose="020B0702040204020203" pitchFamily="34" charset="0"/>
-            </a:endParaRPr>
+            <a:pPr lvl="1"/>
+            <a:r>
+              <a:rPr lang="en-US" sz="1600" dirty="0">
+                <a:latin typeface="Selawik Semibold" panose="020B0702040204020203" pitchFamily="34" charset="0"/>
+              </a:rPr>
+              <a:t>Soccer Overtook Basketball for 6-year-olds in 2021</a:t>
+            </a:r>
           </a:p>
         </p:txBody>
       </p:sp>
@@ -11464,46 +11740,10 @@
           </a:p>
         </p:txBody>
       </p:sp>
-      <p:pic>
-        <p:nvPicPr>
-          <p:cNvPr id="7" name="Picture 6" descr="Table&#10;&#10;Description automatically generated">
-            <a:extLst>
-              <a:ext uri="{FF2B5EF4-FFF2-40B4-BE49-F238E27FC236}">
-                <a16:creationId xmlns:a16="http://schemas.microsoft.com/office/drawing/2014/main" id="{AC29A090-57F8-12EE-E6FF-69DDC4C792D4}"/>
-              </a:ext>
-            </a:extLst>
-          </p:cNvPr>
-          <p:cNvPicPr>
-            <a:picLocks noChangeAspect="1"/>
-          </p:cNvPicPr>
-          <p:nvPr/>
-        </p:nvPicPr>
-        <p:blipFill>
-          <a:blip r:embed="rId5">
-            <a:extLst>
-              <a:ext uri="{28A0092B-C50C-407E-A947-70E740481C1C}">
-                <a14:useLocalDpi xmlns:a14="http://schemas.microsoft.com/office/drawing/2010/main" val="0"/>
-              </a:ext>
-            </a:extLst>
-          </a:blip>
-          <a:stretch>
-            <a:fillRect/>
-          </a:stretch>
-        </p:blipFill>
-        <p:spPr>
-          <a:xfrm>
-            <a:off x="1630509" y="3160986"/>
-            <a:ext cx="4043726" cy="3352109"/>
-          </a:xfrm>
-          <a:prstGeom prst="rect">
-            <a:avLst/>
-          </a:prstGeom>
-        </p:spPr>
-      </p:pic>
     </p:spTree>
     <p:extLst>
       <p:ext uri="{BB962C8B-B14F-4D97-AF65-F5344CB8AC3E}">
-        <p14:creationId xmlns:p14="http://schemas.microsoft.com/office/powerpoint/2010/main" val="3150732622"/>
+        <p14:creationId xmlns:p14="http://schemas.microsoft.com/office/powerpoint/2010/main" val="3926868441"/>
       </p:ext>
     </p:extLst>
   </p:cSld>
@@ -12220,15 +12460,6 @@
           </a:p>
           <a:p>
             <a:pPr lvl="1"/>
-            <a:r>
-              <a:rPr lang="en-US" sz="1600" dirty="0">
-                <a:latin typeface="Selawik Semibold" panose="020B0702040204020203" pitchFamily="34" charset="0"/>
-              </a:rPr>
-              <a:t>Interesting Information About 2022 Annual Report</a:t>
-            </a:r>
-          </a:p>
-          <a:p>
-            <a:pPr lvl="1"/>
             <a:endParaRPr lang="en-US" sz="1600" dirty="0">
               <a:latin typeface="Selawik Semibold" panose="020B0702040204020203" pitchFamily="34" charset="0"/>
             </a:endParaRPr>
@@ -12236,74 +12467,55 @@
           <a:p>
             <a:pPr lvl="1"/>
             <a:r>
-              <a:rPr lang="en-US" sz="1600" dirty="0">
+              <a:rPr lang="en-US" sz="2000" dirty="0">
                 <a:latin typeface="Selawik Semibold" panose="020B0702040204020203" pitchFamily="34" charset="0"/>
               </a:rPr>
-              <a:t>Pandemic Effect on Team Sports</a:t>
+              <a:t>Participant Rate Changes</a:t>
             </a:r>
           </a:p>
           <a:p>
             <a:pPr lvl="2"/>
             <a:r>
-              <a:rPr lang="en-US" sz="1400" dirty="0">
+              <a:rPr lang="en-US" dirty="0">
                 <a:latin typeface="Selawik Semibold" panose="020B0702040204020203" pitchFamily="34" charset="0"/>
               </a:rPr>
-              <a:t>67 million in 2020 to 68.3 million in 2021</a:t>
+              <a:t>Fast-Pitch Softball (+15.3%)</a:t>
             </a:r>
           </a:p>
           <a:p>
             <a:pPr lvl="2"/>
             <a:r>
-              <a:rPr lang="en-US" sz="1400" dirty="0">
+              <a:rPr lang="en-US" dirty="0">
                 <a:latin typeface="Selawik Semibold" panose="020B0702040204020203" pitchFamily="34" charset="0"/>
               </a:rPr>
-              <a:t>70.8 million in 2019</a:t>
+              <a:t>Gymnastics (+10.9%)</a:t>
             </a:r>
           </a:p>
           <a:p>
             <a:pPr lvl="2"/>
+            <a:r>
+              <a:rPr lang="en-US" dirty="0">
+                <a:latin typeface="Selawik Semibold" panose="020B0702040204020203" pitchFamily="34" charset="0"/>
+              </a:rPr>
+              <a:t>Court Volleyball (+8.1%)</a:t>
+            </a:r>
+          </a:p>
+          <a:p>
+            <a:pPr lvl="2"/>
+            <a:r>
+              <a:rPr lang="en-US" dirty="0">
+                <a:latin typeface="Selawik Semibold" panose="020B0702040204020203" pitchFamily="34" charset="0"/>
+              </a:rPr>
+              <a:t>Swimming on Team (+8%)</a:t>
+            </a:r>
+          </a:p>
+          <a:p>
+            <a:pPr marL="914400" lvl="2" indent="0">
+              <a:buNone/>
+            </a:pPr>
             <a:endParaRPr lang="en-US" sz="1400" dirty="0">
               <a:latin typeface="Selawik Semibold" panose="020B0702040204020203" pitchFamily="34" charset="0"/>
             </a:endParaRPr>
-          </a:p>
-          <a:p>
-            <a:pPr lvl="1"/>
-            <a:r>
-              <a:rPr lang="en-US" sz="1600" dirty="0">
-                <a:latin typeface="Selawik Semibold" panose="020B0702040204020203" pitchFamily="34" charset="0"/>
-              </a:rPr>
-              <a:t>Team Sports in Ages 6 to 12 Increased by 0.6 million in 2021</a:t>
-            </a:r>
-          </a:p>
-          <a:p>
-            <a:pPr lvl="1"/>
-            <a:endParaRPr lang="en-US" sz="1600" dirty="0">
-              <a:latin typeface="Selawik Semibold" panose="020B0702040204020203" pitchFamily="34" charset="0"/>
-            </a:endParaRPr>
-          </a:p>
-          <a:p>
-            <a:pPr lvl="1"/>
-            <a:r>
-              <a:rPr lang="en-US" sz="1600" dirty="0">
-                <a:latin typeface="Selawik Semibold" panose="020B0702040204020203" pitchFamily="34" charset="0"/>
-              </a:rPr>
-              <a:t>Basketball Continues to be Most Played (27.1 million)</a:t>
-            </a:r>
-          </a:p>
-          <a:p>
-            <a:pPr lvl="1"/>
-            <a:endParaRPr lang="en-US" sz="1600" dirty="0">
-              <a:latin typeface="Selawik Semibold" panose="020B0702040204020203" pitchFamily="34" charset="0"/>
-            </a:endParaRPr>
-          </a:p>
-          <a:p>
-            <a:pPr lvl="1"/>
-            <a:r>
-              <a:rPr lang="en-US" sz="1600" dirty="0">
-                <a:latin typeface="Selawik Semibold" panose="020B0702040204020203" pitchFamily="34" charset="0"/>
-              </a:rPr>
-              <a:t>Soccer Overtook Basketball for 6-year-olds in 2021</a:t>
-            </a:r>
           </a:p>
         </p:txBody>
       </p:sp>
@@ -12650,7 +12862,7 @@
     </p:spTree>
     <p:extLst>
       <p:ext uri="{BB962C8B-B14F-4D97-AF65-F5344CB8AC3E}">
-        <p14:creationId xmlns:p14="http://schemas.microsoft.com/office/powerpoint/2010/main" val="3926868441"/>
+        <p14:creationId xmlns:p14="http://schemas.microsoft.com/office/powerpoint/2010/main" val="88558734"/>
       </p:ext>
     </p:extLst>
   </p:cSld>
@@ -12809,7 +13021,7 @@
         </p:spPr>
         <p:txBody>
           <a:bodyPr>
-            <a:normAutofit/>
+            <a:normAutofit fontScale="92500" lnSpcReduction="10000"/>
           </a:bodyPr>
           <a:lstStyle/>
           <a:p>
@@ -12817,14 +13029,8 @@
               <a:rPr lang="en-US" sz="2400" dirty="0">
                 <a:latin typeface="Selawik Semibold" panose="020B0702040204020203" pitchFamily="34" charset="0"/>
               </a:rPr>
-              <a:t>Growth in Team Sports (SFIA)</a:t>
-            </a:r>
-            <a:endParaRPr lang="en-US" sz="1000" dirty="0">
-              <a:latin typeface="Selawik Semibold" panose="020B0702040204020203" pitchFamily="34" charset="0"/>
-            </a:endParaRPr>
-          </a:p>
-          <a:p>
-            <a:pPr lvl="1"/>
+              <a:t>Growth in Sports (ReCreate.com)</a:t>
+            </a:r>
             <a:endParaRPr lang="en-US" sz="1600" dirty="0">
               <a:latin typeface="Selawik Semibold" panose="020B0702040204020203" pitchFamily="34" charset="0"/>
             </a:endParaRPr>
@@ -12832,46 +13038,130 @@
           <a:p>
             <a:pPr lvl="1"/>
             <a:r>
+              <a:rPr lang="en-US" sz="2000" dirty="0">
+                <a:latin typeface="Selawik Semibold" panose="020B0702040204020203" pitchFamily="34" charset="0"/>
+              </a:rPr>
+              <a:t>Utilized Data from SFIA Report in 2023</a:t>
+            </a:r>
+          </a:p>
+          <a:p>
+            <a:pPr lvl="1"/>
+            <a:endParaRPr lang="en-US" sz="2000" dirty="0">
+              <a:latin typeface="Selawik Semibold" panose="020B0702040204020203" pitchFamily="34" charset="0"/>
+            </a:endParaRPr>
+          </a:p>
+          <a:p>
+            <a:pPr lvl="1"/>
+            <a:r>
+              <a:rPr lang="en-US" sz="2000" dirty="0">
+                <a:latin typeface="Selawik Semibold" panose="020B0702040204020203" pitchFamily="34" charset="0"/>
+              </a:rPr>
+              <a:t>77.6% of Americans (Ages 6+) Participated in at Least 1 Activity in 2022</a:t>
+            </a:r>
+          </a:p>
+          <a:p>
+            <a:pPr lvl="1"/>
+            <a:endParaRPr lang="en-US" sz="2000" dirty="0">
+              <a:latin typeface="Selawik Semibold" panose="020B0702040204020203" pitchFamily="34" charset="0"/>
+            </a:endParaRPr>
+          </a:p>
+          <a:p>
+            <a:pPr lvl="1"/>
+            <a:r>
+              <a:rPr lang="en-US" sz="2000" dirty="0">
+                <a:latin typeface="Selawik Semibold" panose="020B0702040204020203" pitchFamily="34" charset="0"/>
+              </a:rPr>
+              <a:t>Top 10 Fastest Growing Sports (2018 to 2022)</a:t>
+            </a:r>
+          </a:p>
+          <a:p>
+            <a:pPr lvl="2"/>
+            <a:r>
               <a:rPr lang="en-US" sz="1600" dirty="0">
                 <a:latin typeface="Selawik Semibold" panose="020B0702040204020203" pitchFamily="34" charset="0"/>
               </a:rPr>
-              <a:t>Participant Rate Changes</a:t>
+              <a:t>Pickleball (+171.1%)</a:t>
             </a:r>
           </a:p>
           <a:p>
             <a:pPr lvl="2"/>
             <a:r>
-              <a:rPr lang="en-US" sz="1400" dirty="0">
+              <a:rPr lang="en-US" sz="1600" dirty="0">
                 <a:latin typeface="Selawik Semibold" panose="020B0702040204020203" pitchFamily="34" charset="0"/>
               </a:rPr>
-              <a:t>Fast-Pitch Softball (+15.3%)</a:t>
+              <a:t>Alpine Touring (+115%)</a:t>
             </a:r>
           </a:p>
           <a:p>
             <a:pPr lvl="2"/>
             <a:r>
-              <a:rPr lang="en-US" sz="1400" dirty="0">
+              <a:rPr lang="en-US" sz="1600" dirty="0">
                 <a:latin typeface="Selawik Semibold" panose="020B0702040204020203" pitchFamily="34" charset="0"/>
               </a:rPr>
-              <a:t>Gymnastics (+10.9%)</a:t>
+              <a:t>Winter Fat Biking (+69.4%)</a:t>
             </a:r>
           </a:p>
           <a:p>
             <a:pPr lvl="2"/>
             <a:r>
-              <a:rPr lang="en-US" sz="1400" dirty="0">
+              <a:rPr lang="en-US" sz="1600" dirty="0">
                 <a:latin typeface="Selawik Semibold" panose="020B0702040204020203" pitchFamily="34" charset="0"/>
               </a:rPr>
-              <a:t>Court Volleyball (+8.1%)</a:t>
+              <a:t>Off-Course Golf (+67.5%)</a:t>
             </a:r>
           </a:p>
           <a:p>
             <a:pPr lvl="2"/>
             <a:r>
-              <a:rPr lang="en-US" sz="1400" dirty="0">
+              <a:rPr lang="en-US" sz="1600" dirty="0">
                 <a:latin typeface="Selawik Semibold" panose="020B0702040204020203" pitchFamily="34" charset="0"/>
               </a:rPr>
-              <a:t>Swimming on Team (+8%)</a:t>
+              <a:t>Snowboard Touring (+59.1%)</a:t>
+            </a:r>
+          </a:p>
+          <a:p>
+            <a:pPr lvl="2"/>
+            <a:r>
+              <a:rPr lang="en-US" sz="1600" dirty="0">
+                <a:latin typeface="Selawik Semibold" panose="020B0702040204020203" pitchFamily="34" charset="0"/>
+              </a:rPr>
+              <a:t>Skateboarding (+38.8%)</a:t>
+            </a:r>
+          </a:p>
+          <a:p>
+            <a:pPr lvl="2"/>
+            <a:r>
+              <a:rPr lang="en-US" sz="1600" dirty="0">
+                <a:latin typeface="Selawik Semibold" panose="020B0702040204020203" pitchFamily="34" charset="0"/>
+              </a:rPr>
+              <a:t>Trail Running (+32.4%)</a:t>
+            </a:r>
+          </a:p>
+          <a:p>
+            <a:pPr lvl="2"/>
+            <a:r>
+              <a:rPr lang="en-US" sz="1600" dirty="0">
+                <a:latin typeface="Selawik Semibold" panose="020B0702040204020203" pitchFamily="34" charset="0"/>
+              </a:rPr>
+              <a:t>Tennis (+32.3%)</a:t>
+            </a:r>
+          </a:p>
+          <a:p>
+            <a:pPr lvl="2"/>
+            <a:r>
+              <a:rPr lang="en-US" sz="1600" dirty="0">
+                <a:latin typeface="Selawik Semibold" panose="020B0702040204020203" pitchFamily="34" charset="0"/>
+              </a:rPr>
+              <a:t>Surfing (+28.5%</a:t>
+            </a:r>
+          </a:p>
+          <a:p>
+            <a:pPr lvl="2"/>
+            <a:r>
+              <a:rPr lang="en-US" sz="1600" dirty="0">
+                <a:latin typeface="Selawik Semibold" panose="020B0702040204020203" pitchFamily="34" charset="0"/>
+              </a:rPr>
+              <a:t>Kayaking (23.1%)</a:t>
             </a:r>
           </a:p>
         </p:txBody>
@@ -13219,7 +13509,7 @@
     </p:spTree>
     <p:extLst>
       <p:ext uri="{BB962C8B-B14F-4D97-AF65-F5344CB8AC3E}">
-        <p14:creationId xmlns:p14="http://schemas.microsoft.com/office/powerpoint/2010/main" val="88558734"/>
+        <p14:creationId xmlns:p14="http://schemas.microsoft.com/office/powerpoint/2010/main" val="2921932543"/>
       </p:ext>
     </p:extLst>
   </p:cSld>
@@ -13349,7 +13639,7 @@
               <a:rPr lang="en-US" b="1" dirty="0">
                 <a:latin typeface="Selawik Semibold" panose="020B0604020202020204" pitchFamily="34" charset="0"/>
               </a:rPr>
-              <a:t>Dope Quote</a:t>
+              <a:t>Current Landscape of Sports</a:t>
             </a:r>
           </a:p>
         </p:txBody>
@@ -13372,136 +13662,127 @@
         </p:nvSpPr>
         <p:spPr>
           <a:xfrm>
-            <a:off x="838198" y="2021249"/>
-            <a:ext cx="7425020" cy="4581257"/>
+            <a:off x="838199" y="2021249"/>
+            <a:ext cx="7324166" cy="4581257"/>
           </a:xfrm>
         </p:spPr>
         <p:txBody>
           <a:bodyPr>
-            <a:normAutofit fontScale="92500" lnSpcReduction="10000"/>
+            <a:normAutofit/>
           </a:bodyPr>
           <a:lstStyle/>
           <a:p>
-            <a:pPr marL="0" indent="0">
-              <a:buNone/>
-            </a:pPr>
-            <a:r>
-              <a:rPr lang="en-US" dirty="0">
+            <a:r>
+              <a:rPr lang="en-US" sz="2200" dirty="0">
                 <a:latin typeface="Selawik Semibold" panose="020B0702040204020203" pitchFamily="34" charset="0"/>
               </a:rPr>
-              <a:t>The most meaningful way to</a:t>
-            </a:r>
-          </a:p>
-          <a:p>
-            <a:pPr marL="0" indent="0">
-              <a:buNone/>
-            </a:pPr>
-            <a:r>
-              <a:rPr lang="en-US" dirty="0">
+              <a:t>Growth in Sports (ReCreate.com)</a:t>
+            </a:r>
+          </a:p>
+          <a:p>
+            <a:pPr lvl="1"/>
+            <a:endParaRPr lang="en-US" sz="1800" dirty="0">
+              <a:latin typeface="Selawik Semibold" panose="020B0702040204020203" pitchFamily="34" charset="0"/>
+            </a:endParaRPr>
+          </a:p>
+          <a:p>
+            <a:pPr lvl="1"/>
+            <a:r>
+              <a:rPr lang="en-US" sz="1800" dirty="0">
                 <a:latin typeface="Selawik Semibold" panose="020B0702040204020203" pitchFamily="34" charset="0"/>
               </a:rPr>
-              <a:t>differentiate your company from your</a:t>
-            </a:r>
-          </a:p>
-          <a:p>
-            <a:pPr marL="0" indent="0">
-              <a:buNone/>
-            </a:pPr>
-            <a:r>
-              <a:rPr lang="en-US" dirty="0">
+              <a:t>Most Popular Based Off Number of Participants</a:t>
+            </a:r>
+          </a:p>
+          <a:p>
+            <a:pPr lvl="2"/>
+            <a:r>
+              <a:rPr lang="en-US" sz="1400" dirty="0">
                 <a:latin typeface="Selawik Semibold" panose="020B0702040204020203" pitchFamily="34" charset="0"/>
               </a:rPr>
-              <a:t>competitors, the best way to put distance</a:t>
-            </a:r>
-          </a:p>
-          <a:p>
-            <a:pPr marL="0" indent="0">
-              <a:buNone/>
-            </a:pPr>
-            <a:r>
-              <a:rPr lang="en-US" dirty="0">
+              <a:t>Bicycling on Road/Paved Surface (43.55 Million)</a:t>
+            </a:r>
+          </a:p>
+          <a:p>
+            <a:pPr lvl="2"/>
+            <a:r>
+              <a:rPr lang="en-US" sz="1400" dirty="0">
                 <a:latin typeface="Selawik Semibold" panose="020B0702040204020203" pitchFamily="34" charset="0"/>
               </a:rPr>
-              <a:t>between you and the crowd is to do an</a:t>
-            </a:r>
-          </a:p>
-          <a:p>
-            <a:pPr marL="0" indent="0">
-              <a:buNone/>
-            </a:pPr>
-            <a:r>
-              <a:rPr lang="en-US" dirty="0">
+              <a:t>Bowling (42.29 Million)</a:t>
+            </a:r>
+          </a:p>
+          <a:p>
+            <a:pPr lvl="2"/>
+            <a:r>
+              <a:rPr lang="en-US" sz="1400" dirty="0">
                 <a:latin typeface="Selawik Semibold" panose="020B0702040204020203" pitchFamily="34" charset="0"/>
               </a:rPr>
-              <a:t>outstanding job with information. </a:t>
-            </a:r>
-          </a:p>
-          <a:p>
-            <a:pPr marL="0" indent="0">
-              <a:buNone/>
-            </a:pPr>
-            <a:endParaRPr lang="en-US" dirty="0">
-              <a:latin typeface="Selawik Semibold" panose="020B0702040204020203" pitchFamily="34" charset="0"/>
-            </a:endParaRPr>
-          </a:p>
-          <a:p>
-            <a:pPr marL="0" indent="0">
-              <a:buNone/>
-            </a:pPr>
-            <a:r>
-              <a:rPr lang="en-US" dirty="0">
+              <a:t>Freshwater/Other Fishing (41.82 Million)</a:t>
+            </a:r>
+          </a:p>
+          <a:p>
+            <a:pPr lvl="2"/>
+            <a:r>
+              <a:rPr lang="en-US" sz="1400" dirty="0">
                 <a:latin typeface="Selawik Semibold" panose="020B0702040204020203" pitchFamily="34" charset="0"/>
               </a:rPr>
-              <a:t>How you gather, manage, and use information</a:t>
-            </a:r>
-          </a:p>
-          <a:p>
-            <a:pPr marL="0" indent="0">
-              <a:buNone/>
-            </a:pPr>
-            <a:r>
-              <a:rPr lang="en-US" dirty="0">
+              <a:t>Basketball (28.15 Million)</a:t>
+            </a:r>
+          </a:p>
+          <a:p>
+            <a:pPr lvl="2"/>
+            <a:r>
+              <a:rPr lang="en-US" sz="1400" dirty="0">
                 <a:latin typeface="Selawik Semibold" panose="020B0702040204020203" pitchFamily="34" charset="0"/>
               </a:rPr>
-              <a:t>will determine whether you win or lose.</a:t>
-            </a:r>
-          </a:p>
-          <a:p>
-            <a:pPr marL="0" indent="0">
-              <a:buNone/>
-            </a:pPr>
-            <a:endParaRPr lang="en-US" dirty="0">
-              <a:latin typeface="Selawik Semibold" panose="020B0702040204020203" pitchFamily="34" charset="0"/>
-            </a:endParaRPr>
-          </a:p>
-          <a:p>
-            <a:pPr marL="0" indent="0">
-              <a:buNone/>
-            </a:pPr>
-            <a:r>
-              <a:rPr lang="en-US" dirty="0">
+              <a:t>Golfing on a Course (25.57 Million)</a:t>
+            </a:r>
+          </a:p>
+          <a:p>
+            <a:pPr lvl="2"/>
+            <a:r>
+              <a:rPr lang="en-US" sz="1400" dirty="0">
                 <a:latin typeface="Selawik Semibold" panose="020B0702040204020203" pitchFamily="34" charset="0"/>
               </a:rPr>
-              <a:t>- Bill Gates</a:t>
+              <a:t>Tennis (23.6 Million)</a:t>
             </a:r>
           </a:p>
           <a:p>
             <a:pPr lvl="2"/>
-            <a:endParaRPr lang="en-US" sz="1600" dirty="0">
-              <a:latin typeface="Selawik Semibold" panose="020B0702040204020203" pitchFamily="34" charset="0"/>
-            </a:endParaRPr>
+            <a:r>
+              <a:rPr lang="en-US" sz="1400" dirty="0">
+                <a:latin typeface="Selawik Semibold" panose="020B0702040204020203" pitchFamily="34" charset="0"/>
+              </a:rPr>
+              <a:t>Table Tennis (15.82 Million)</a:t>
+            </a:r>
           </a:p>
           <a:p>
             <a:pPr lvl="2"/>
-            <a:endParaRPr lang="en-US" sz="1600" dirty="0">
-              <a:latin typeface="Selawik Semibold" panose="020B0702040204020203" pitchFamily="34" charset="0"/>
-            </a:endParaRPr>
+            <a:r>
+              <a:rPr lang="en-US" sz="1400" dirty="0">
+                <a:latin typeface="Selawik Semibold" panose="020B0702040204020203" pitchFamily="34" charset="0"/>
+              </a:rPr>
+              <a:t>Off-Course Golf (15.54 Million)</a:t>
+            </a:r>
           </a:p>
           <a:p>
             <a:pPr lvl="2"/>
-            <a:endParaRPr lang="en-US" sz="1600" dirty="0">
-              <a:latin typeface="Selawik Semibold" panose="020B0702040204020203" pitchFamily="34" charset="0"/>
-            </a:endParaRPr>
+            <a:r>
+              <a:rPr lang="en-US" sz="1400" dirty="0">
+                <a:latin typeface="Selawik Semibold" panose="020B0702040204020203" pitchFamily="34" charset="0"/>
+              </a:rPr>
+              <a:t>Baseball (15.48 Million)</a:t>
+            </a:r>
+          </a:p>
+          <a:p>
+            <a:pPr lvl="2"/>
+            <a:r>
+              <a:rPr lang="en-US" sz="1400" dirty="0">
+                <a:latin typeface="Selawik Semibold" panose="020B0702040204020203" pitchFamily="34" charset="0"/>
+              </a:rPr>
+              <a:t>Saltwater Fishing (14.34 Million)</a:t>
+            </a:r>
           </a:p>
         </p:txBody>
       </p:sp>
@@ -13848,7 +14129,7 @@
     </p:spTree>
     <p:extLst>
       <p:ext uri="{BB962C8B-B14F-4D97-AF65-F5344CB8AC3E}">
-        <p14:creationId xmlns:p14="http://schemas.microsoft.com/office/powerpoint/2010/main" val="289489808"/>
+        <p14:creationId xmlns:p14="http://schemas.microsoft.com/office/powerpoint/2010/main" val="3813532303"/>
       </p:ext>
     </p:extLst>
   </p:cSld>
@@ -13978,7 +14259,7 @@
               <a:rPr lang="en-US" b="1" dirty="0">
                 <a:latin typeface="Selawik Semibold" panose="020B0604020202020204" pitchFamily="34" charset="0"/>
               </a:rPr>
-              <a:t>What is Sports Analytics?</a:t>
+              <a:t>Current Landscape of Sports</a:t>
             </a:r>
           </a:p>
         </p:txBody>
@@ -14015,74 +14296,17 @@
               <a:rPr lang="en-US" sz="2400" dirty="0">
                 <a:latin typeface="Selawik Semibold" panose="020B0702040204020203" pitchFamily="34" charset="0"/>
               </a:rPr>
-              <a:t>Defined by Ben </a:t>
-            </a:r>
-            <a:r>
-              <a:rPr lang="en-US" sz="2400" dirty="0" err="1">
+              <a:t>Growth in Sports (ReCreate.com)</a:t>
+            </a:r>
+          </a:p>
+          <a:p>
+            <a:pPr lvl="1"/>
+            <a:r>
+              <a:rPr lang="en-US" sz="2200" dirty="0">
                 <a:latin typeface="Selawik Semibold" panose="020B0702040204020203" pitchFamily="34" charset="0"/>
               </a:rPr>
-              <a:t>Alamar</a:t>
-            </a:r>
-            <a:endParaRPr lang="en-US" sz="2000" dirty="0">
-              <a:latin typeface="Selawik Semibold" panose="020B0702040204020203" pitchFamily="34" charset="0"/>
-            </a:endParaRPr>
-          </a:p>
-          <a:p>
-            <a:pPr lvl="1"/>
-            <a:r>
-              <a:rPr lang="en-US" sz="2000" dirty="0">
-                <a:latin typeface="Selawik Semibold" panose="020B0702040204020203" pitchFamily="34" charset="0"/>
-              </a:rPr>
-              <a:t>Data Management</a:t>
-            </a:r>
-          </a:p>
-          <a:p>
-            <a:pPr lvl="1"/>
-            <a:r>
-              <a:rPr lang="en-US" sz="2000" dirty="0">
-                <a:latin typeface="Selawik Semibold" panose="020B0702040204020203" pitchFamily="34" charset="0"/>
-              </a:rPr>
-              <a:t>Predictive Models</a:t>
-            </a:r>
-          </a:p>
-          <a:p>
-            <a:pPr lvl="1"/>
-            <a:r>
-              <a:rPr lang="en-US" sz="2000" dirty="0">
-                <a:latin typeface="Selawik Semibold" panose="020B0702040204020203" pitchFamily="34" charset="0"/>
-              </a:rPr>
-              <a:t>Information Systems</a:t>
-            </a:r>
-          </a:p>
-          <a:p>
-            <a:pPr lvl="1"/>
-            <a:endParaRPr lang="en-US" sz="2000" dirty="0">
-              <a:latin typeface="Selawik Semibold" panose="020B0702040204020203" pitchFamily="34" charset="0"/>
-            </a:endParaRPr>
-          </a:p>
-          <a:p>
-            <a:pPr lvl="1"/>
-            <a:endParaRPr lang="en-US" sz="2000" dirty="0">
-              <a:latin typeface="Selawik Semibold" panose="020B0702040204020203" pitchFamily="34" charset="0"/>
-            </a:endParaRPr>
-          </a:p>
-          <a:p>
-            <a:pPr lvl="1"/>
-            <a:endParaRPr lang="en-US" sz="2000" dirty="0">
-              <a:latin typeface="Selawik Semibold" panose="020B0702040204020203" pitchFamily="34" charset="0"/>
-            </a:endParaRPr>
-          </a:p>
-          <a:p>
-            <a:pPr lvl="1"/>
-            <a:endParaRPr lang="en-US" sz="2000" dirty="0">
-              <a:latin typeface="Selawik Semibold" panose="020B0702040204020203" pitchFamily="34" charset="0"/>
-            </a:endParaRPr>
-          </a:p>
-          <a:p>
-            <a:pPr lvl="1"/>
-            <a:endParaRPr lang="en-US" sz="2000" dirty="0">
-              <a:latin typeface="Selawik Semibold" panose="020B0702040204020203" pitchFamily="34" charset="0"/>
-            </a:endParaRPr>
+              <a:t>Table Based Off SFIA Data from 2023</a:t>
+            </a:r>
           </a:p>
         </p:txBody>
       </p:sp>
@@ -14426,168 +14650,12 @@
           </a:p>
         </p:txBody>
       </p:sp>
-      <p:sp>
-        <p:nvSpPr>
-          <p:cNvPr id="7" name="TextBox 6">
-            <a:extLst>
-              <a:ext uri="{FF2B5EF4-FFF2-40B4-BE49-F238E27FC236}">
-                <a16:creationId xmlns:a16="http://schemas.microsoft.com/office/drawing/2014/main" id="{122E552F-CD5E-4928-A884-3509AF0AAD36}"/>
-              </a:ext>
-            </a:extLst>
-          </p:cNvPr>
-          <p:cNvSpPr txBox="1"/>
-          <p:nvPr/>
-        </p:nvSpPr>
-        <p:spPr>
-          <a:xfrm>
-            <a:off x="365718" y="3783182"/>
-            <a:ext cx="2205318" cy="954107"/>
-          </a:xfrm>
-          <a:prstGeom prst="rect">
-            <a:avLst/>
-          </a:prstGeom>
-        </p:spPr>
-        <p:style>
-          <a:lnRef idx="1">
-            <a:schemeClr val="dk1"/>
-          </a:lnRef>
-          <a:fillRef idx="3">
-            <a:schemeClr val="dk1"/>
-          </a:fillRef>
-          <a:effectRef idx="2">
-            <a:schemeClr val="dk1"/>
-          </a:effectRef>
-          <a:fontRef idx="minor">
-            <a:schemeClr val="lt1"/>
-          </a:fontRef>
-        </p:style>
-        <p:txBody>
-          <a:bodyPr wrap="square" rtlCol="0">
-            <a:spAutoFit/>
-          </a:bodyPr>
-          <a:lstStyle/>
-          <a:p>
-            <a:r>
-              <a:rPr lang="en-US" sz="2800" dirty="0"/>
-              <a:t>Data </a:t>
-            </a:r>
-          </a:p>
-          <a:p>
-            <a:r>
-              <a:rPr lang="en-US" sz="2800" dirty="0"/>
-              <a:t>Management</a:t>
-            </a:r>
-          </a:p>
-        </p:txBody>
-      </p:sp>
-      <p:sp>
-        <p:nvSpPr>
-          <p:cNvPr id="12" name="TextBox 11">
-            <a:extLst>
-              <a:ext uri="{FF2B5EF4-FFF2-40B4-BE49-F238E27FC236}">
-                <a16:creationId xmlns:a16="http://schemas.microsoft.com/office/drawing/2014/main" id="{26DA0C6F-C9E0-47D4-9FC9-FCD1D65D2721}"/>
-              </a:ext>
-            </a:extLst>
-          </p:cNvPr>
-          <p:cNvSpPr txBox="1"/>
-          <p:nvPr/>
-        </p:nvSpPr>
-        <p:spPr>
-          <a:xfrm>
-            <a:off x="353916" y="5407416"/>
-            <a:ext cx="2205318" cy="954107"/>
-          </a:xfrm>
-          <a:prstGeom prst="rect">
-            <a:avLst/>
-          </a:prstGeom>
-        </p:spPr>
-        <p:style>
-          <a:lnRef idx="1">
-            <a:schemeClr val="dk1"/>
-          </a:lnRef>
-          <a:fillRef idx="3">
-            <a:schemeClr val="dk1"/>
-          </a:fillRef>
-          <a:effectRef idx="2">
-            <a:schemeClr val="dk1"/>
-          </a:effectRef>
-          <a:fontRef idx="minor">
-            <a:schemeClr val="lt1"/>
-          </a:fontRef>
-        </p:style>
-        <p:txBody>
-          <a:bodyPr wrap="square" rtlCol="0">
-            <a:spAutoFit/>
-          </a:bodyPr>
-          <a:lstStyle/>
-          <a:p>
-            <a:r>
-              <a:rPr lang="en-US" sz="2800" dirty="0"/>
-              <a:t>Analytic Models</a:t>
-            </a:r>
-          </a:p>
-        </p:txBody>
-      </p:sp>
-      <p:sp>
-        <p:nvSpPr>
-          <p:cNvPr id="13" name="TextBox 12">
-            <a:extLst>
-              <a:ext uri="{FF2B5EF4-FFF2-40B4-BE49-F238E27FC236}">
-                <a16:creationId xmlns:a16="http://schemas.microsoft.com/office/drawing/2014/main" id="{992BD579-13F5-48CC-B1C8-16F0934F3B44}"/>
-              </a:ext>
-            </a:extLst>
-          </p:cNvPr>
-          <p:cNvSpPr txBox="1"/>
-          <p:nvPr/>
-        </p:nvSpPr>
-        <p:spPr>
-          <a:xfrm>
-            <a:off x="3225728" y="4163036"/>
-            <a:ext cx="1907548" cy="954107"/>
-          </a:xfrm>
-          <a:prstGeom prst="rect">
-            <a:avLst/>
-          </a:prstGeom>
-        </p:spPr>
-        <p:style>
-          <a:lnRef idx="1">
-            <a:schemeClr val="dk1"/>
-          </a:lnRef>
-          <a:fillRef idx="3">
-            <a:schemeClr val="dk1"/>
-          </a:fillRef>
-          <a:effectRef idx="2">
-            <a:schemeClr val="dk1"/>
-          </a:effectRef>
-          <a:fontRef idx="minor">
-            <a:schemeClr val="lt1"/>
-          </a:fontRef>
-        </p:style>
-        <p:txBody>
-          <a:bodyPr wrap="square" rtlCol="0">
-            <a:spAutoFit/>
-          </a:bodyPr>
-          <a:lstStyle/>
-          <a:p>
-            <a:r>
-              <a:rPr lang="en-US" sz="2800" dirty="0"/>
-              <a:t>Information</a:t>
-            </a:r>
-          </a:p>
-          <a:p>
-            <a:r>
-              <a:rPr lang="en-US" sz="2800" dirty="0"/>
-              <a:t>Systems</a:t>
-            </a:r>
-          </a:p>
-        </p:txBody>
-      </p:sp>
       <p:pic>
         <p:nvPicPr>
-          <p:cNvPr id="10" name="Picture 9" descr="Decision Maker">
-            <a:extLst>
-              <a:ext uri="{FF2B5EF4-FFF2-40B4-BE49-F238E27FC236}">
-                <a16:creationId xmlns:a16="http://schemas.microsoft.com/office/drawing/2014/main" id="{2911B196-1EA3-4ECD-850B-F7838FAD07BC}"/>
+          <p:cNvPr id="7" name="Picture 6">
+            <a:extLst>
+              <a:ext uri="{FF2B5EF4-FFF2-40B4-BE49-F238E27FC236}">
+                <a16:creationId xmlns:a16="http://schemas.microsoft.com/office/drawing/2014/main" id="{6372C817-7139-06BB-C816-AC603EFFA1AF}"/>
               </a:ext>
             </a:extLst>
           </p:cNvPr>
@@ -14597,374 +14665,25 @@
           <p:nvPr/>
         </p:nvPicPr>
         <p:blipFill>
-          <a:blip r:embed="rId5">
-            <a:extLst>
-              <a:ext uri="{28A0092B-C50C-407E-A947-70E740481C1C}">
-                <a14:useLocalDpi xmlns:a14="http://schemas.microsoft.com/office/drawing/2010/main" val="0"/>
-              </a:ext>
-            </a:extLst>
-          </a:blip>
+          <a:blip r:embed="rId5"/>
           <a:stretch>
             <a:fillRect/>
           </a:stretch>
         </p:blipFill>
         <p:spPr>
           <a:xfrm>
-            <a:off x="5787968" y="4375030"/>
-            <a:ext cx="2538848" cy="1516803"/>
+            <a:off x="1657211" y="2783225"/>
+            <a:ext cx="4355611" cy="4074775"/>
           </a:xfrm>
           <a:prstGeom prst="rect">
             <a:avLst/>
           </a:prstGeom>
-          <a:solidFill>
-            <a:srgbClr val="000000">
-              <a:shade val="95000"/>
-            </a:srgbClr>
-          </a:solidFill>
-          <a:ln w="28575" cap="sq">
-            <a:solidFill>
-              <a:srgbClr val="000000"/>
-            </a:solidFill>
-            <a:miter lim="800000"/>
-          </a:ln>
-          <a:effectLst>
-            <a:outerShdw blurRad="254000" dist="190500" dir="2700000" sy="90000" algn="bl" rotWithShape="0">
-              <a:srgbClr val="000000">
-                <a:alpha val="40000"/>
-              </a:srgbClr>
-            </a:outerShdw>
-          </a:effectLst>
         </p:spPr>
       </p:pic>
-      <p:sp>
-        <p:nvSpPr>
-          <p:cNvPr id="17" name="TextBox 16">
-            <a:extLst>
-              <a:ext uri="{FF2B5EF4-FFF2-40B4-BE49-F238E27FC236}">
-                <a16:creationId xmlns:a16="http://schemas.microsoft.com/office/drawing/2014/main" id="{50914ED0-975E-41B2-86EC-5995292303DF}"/>
-              </a:ext>
-            </a:extLst>
-          </p:cNvPr>
-          <p:cNvSpPr txBox="1"/>
-          <p:nvPr/>
-        </p:nvSpPr>
-        <p:spPr>
-          <a:xfrm>
-            <a:off x="5848506" y="5977904"/>
-            <a:ext cx="2421642" cy="523220"/>
-          </a:xfrm>
-          <a:prstGeom prst="rect">
-            <a:avLst/>
-          </a:prstGeom>
-        </p:spPr>
-        <p:style>
-          <a:lnRef idx="1">
-            <a:schemeClr val="dk1"/>
-          </a:lnRef>
-          <a:fillRef idx="3">
-            <a:schemeClr val="dk1"/>
-          </a:fillRef>
-          <a:effectRef idx="2">
-            <a:schemeClr val="dk1"/>
-          </a:effectRef>
-          <a:fontRef idx="minor">
-            <a:schemeClr val="lt1"/>
-          </a:fontRef>
-        </p:style>
-        <p:txBody>
-          <a:bodyPr wrap="square" rtlCol="0">
-            <a:spAutoFit/>
-          </a:bodyPr>
-          <a:lstStyle/>
-          <a:p>
-            <a:r>
-              <a:rPr lang="en-US" sz="2800" dirty="0"/>
-              <a:t>Decision Maker</a:t>
-            </a:r>
-          </a:p>
-        </p:txBody>
-      </p:sp>
-      <p:sp>
-        <p:nvSpPr>
-          <p:cNvPr id="18" name="Arrow: Right 17">
-            <a:extLst>
-              <a:ext uri="{FF2B5EF4-FFF2-40B4-BE49-F238E27FC236}">
-                <a16:creationId xmlns:a16="http://schemas.microsoft.com/office/drawing/2014/main" id="{034BACA9-7E25-4051-A7E8-D2B4C2C0145B}"/>
-              </a:ext>
-            </a:extLst>
-          </p:cNvPr>
-          <p:cNvSpPr/>
-          <p:nvPr/>
-        </p:nvSpPr>
-        <p:spPr>
-          <a:xfrm rot="5400000">
-            <a:off x="1139801" y="4911200"/>
-            <a:ext cx="497541" cy="318768"/>
-          </a:xfrm>
-          <a:prstGeom prst="rightArrow">
-            <a:avLst/>
-          </a:prstGeom>
-        </p:spPr>
-        <p:style>
-          <a:lnRef idx="2">
-            <a:schemeClr val="dk1">
-              <a:shade val="50000"/>
-            </a:schemeClr>
-          </a:lnRef>
-          <a:fillRef idx="1">
-            <a:schemeClr val="dk1"/>
-          </a:fillRef>
-          <a:effectRef idx="0">
-            <a:schemeClr val="dk1"/>
-          </a:effectRef>
-          <a:fontRef idx="minor">
-            <a:schemeClr val="lt1"/>
-          </a:fontRef>
-        </p:style>
-        <p:txBody>
-          <a:bodyPr rtlCol="0" anchor="ctr"/>
-          <a:lstStyle/>
-          <a:p>
-            <a:pPr algn="ctr"/>
-            <a:endParaRPr lang="en-US"/>
-          </a:p>
-        </p:txBody>
-      </p:sp>
-      <p:sp>
-        <p:nvSpPr>
-          <p:cNvPr id="20" name="Arrow: Right 19">
-            <a:extLst>
-              <a:ext uri="{FF2B5EF4-FFF2-40B4-BE49-F238E27FC236}">
-                <a16:creationId xmlns:a16="http://schemas.microsoft.com/office/drawing/2014/main" id="{8BA0E7CA-81EF-4647-8038-D30905E3C7C9}"/>
-              </a:ext>
-            </a:extLst>
-          </p:cNvPr>
-          <p:cNvSpPr/>
-          <p:nvPr/>
-        </p:nvSpPr>
-        <p:spPr>
-          <a:xfrm>
-            <a:off x="2660863" y="4375030"/>
-            <a:ext cx="497541" cy="318768"/>
-          </a:xfrm>
-          <a:prstGeom prst="rightArrow">
-            <a:avLst/>
-          </a:prstGeom>
-        </p:spPr>
-        <p:style>
-          <a:lnRef idx="2">
-            <a:schemeClr val="dk1">
-              <a:shade val="50000"/>
-            </a:schemeClr>
-          </a:lnRef>
-          <a:fillRef idx="1">
-            <a:schemeClr val="dk1"/>
-          </a:fillRef>
-          <a:effectRef idx="0">
-            <a:schemeClr val="dk1"/>
-          </a:effectRef>
-          <a:fontRef idx="minor">
-            <a:schemeClr val="lt1"/>
-          </a:fontRef>
-        </p:style>
-        <p:txBody>
-          <a:bodyPr rtlCol="0" anchor="ctr"/>
-          <a:lstStyle/>
-          <a:p>
-            <a:pPr algn="ctr"/>
-            <a:endParaRPr lang="en-US"/>
-          </a:p>
-        </p:txBody>
-      </p:sp>
-      <p:sp>
-        <p:nvSpPr>
-          <p:cNvPr id="21" name="Arrow: Right 20">
-            <a:extLst>
-              <a:ext uri="{FF2B5EF4-FFF2-40B4-BE49-F238E27FC236}">
-                <a16:creationId xmlns:a16="http://schemas.microsoft.com/office/drawing/2014/main" id="{56068537-B0AA-411A-BA6C-AF1101648815}"/>
-              </a:ext>
-            </a:extLst>
-          </p:cNvPr>
-          <p:cNvSpPr/>
-          <p:nvPr/>
-        </p:nvSpPr>
-        <p:spPr>
-          <a:xfrm rot="20363812">
-            <a:off x="2589987" y="5114621"/>
-            <a:ext cx="574536" cy="318768"/>
-          </a:xfrm>
-          <a:prstGeom prst="rightArrow">
-            <a:avLst/>
-          </a:prstGeom>
-        </p:spPr>
-        <p:style>
-          <a:lnRef idx="2">
-            <a:schemeClr val="dk1">
-              <a:shade val="50000"/>
-            </a:schemeClr>
-          </a:lnRef>
-          <a:fillRef idx="1">
-            <a:schemeClr val="dk1"/>
-          </a:fillRef>
-          <a:effectRef idx="0">
-            <a:schemeClr val="dk1"/>
-          </a:effectRef>
-          <a:fontRef idx="minor">
-            <a:schemeClr val="lt1"/>
-          </a:fontRef>
-        </p:style>
-        <p:txBody>
-          <a:bodyPr rtlCol="0" anchor="ctr"/>
-          <a:lstStyle/>
-          <a:p>
-            <a:pPr algn="ctr"/>
-            <a:endParaRPr lang="en-US"/>
-          </a:p>
-        </p:txBody>
-      </p:sp>
-      <p:sp>
-        <p:nvSpPr>
-          <p:cNvPr id="22" name="Arrow: Right 21">
-            <a:extLst>
-              <a:ext uri="{FF2B5EF4-FFF2-40B4-BE49-F238E27FC236}">
-                <a16:creationId xmlns:a16="http://schemas.microsoft.com/office/drawing/2014/main" id="{D65390E2-9ECB-47DE-9675-CB5E939AB195}"/>
-              </a:ext>
-            </a:extLst>
-          </p:cNvPr>
-          <p:cNvSpPr/>
-          <p:nvPr/>
-        </p:nvSpPr>
-        <p:spPr>
-          <a:xfrm>
-            <a:off x="2655762" y="5786866"/>
-            <a:ext cx="2965922" cy="318768"/>
-          </a:xfrm>
-          <a:prstGeom prst="rightArrow">
-            <a:avLst/>
-          </a:prstGeom>
-        </p:spPr>
-        <p:style>
-          <a:lnRef idx="2">
-            <a:schemeClr val="dk1">
-              <a:shade val="50000"/>
-            </a:schemeClr>
-          </a:lnRef>
-          <a:fillRef idx="1">
-            <a:schemeClr val="dk1"/>
-          </a:fillRef>
-          <a:effectRef idx="0">
-            <a:schemeClr val="dk1"/>
-          </a:effectRef>
-          <a:fontRef idx="minor">
-            <a:schemeClr val="lt1"/>
-          </a:fontRef>
-        </p:style>
-        <p:txBody>
-          <a:bodyPr rtlCol="0" anchor="ctr"/>
-          <a:lstStyle/>
-          <a:p>
-            <a:pPr algn="ctr"/>
-            <a:endParaRPr lang="en-US"/>
-          </a:p>
-        </p:txBody>
-      </p:sp>
-      <p:sp>
-        <p:nvSpPr>
-          <p:cNvPr id="23" name="Arrow: Right 22">
-            <a:extLst>
-              <a:ext uri="{FF2B5EF4-FFF2-40B4-BE49-F238E27FC236}">
-                <a16:creationId xmlns:a16="http://schemas.microsoft.com/office/drawing/2014/main" id="{C46C3C4B-3AA7-4E8E-8FCB-77B719504DD8}"/>
-              </a:ext>
-            </a:extLst>
-          </p:cNvPr>
-          <p:cNvSpPr/>
-          <p:nvPr/>
-        </p:nvSpPr>
-        <p:spPr>
-          <a:xfrm>
-            <a:off x="5214009" y="4695767"/>
-            <a:ext cx="497541" cy="318768"/>
-          </a:xfrm>
-          <a:prstGeom prst="rightArrow">
-            <a:avLst/>
-          </a:prstGeom>
-        </p:spPr>
-        <p:style>
-          <a:lnRef idx="2">
-            <a:schemeClr val="dk1">
-              <a:shade val="50000"/>
-            </a:schemeClr>
-          </a:lnRef>
-          <a:fillRef idx="1">
-            <a:schemeClr val="dk1"/>
-          </a:fillRef>
-          <a:effectRef idx="0">
-            <a:schemeClr val="dk1"/>
-          </a:effectRef>
-          <a:fontRef idx="minor">
-            <a:schemeClr val="lt1"/>
-          </a:fontRef>
-        </p:style>
-        <p:txBody>
-          <a:bodyPr rtlCol="0" anchor="ctr"/>
-          <a:lstStyle/>
-          <a:p>
-            <a:pPr algn="ctr"/>
-            <a:endParaRPr lang="en-US"/>
-          </a:p>
-        </p:txBody>
-      </p:sp>
-      <p:sp>
-        <p:nvSpPr>
-          <p:cNvPr id="19" name="Rectangle 18">
-            <a:extLst>
-              <a:ext uri="{FF2B5EF4-FFF2-40B4-BE49-F238E27FC236}">
-                <a16:creationId xmlns:a16="http://schemas.microsoft.com/office/drawing/2014/main" id="{0F2662DF-6B81-4BCB-BE84-0E68709D2B8F}"/>
-              </a:ext>
-            </a:extLst>
-          </p:cNvPr>
-          <p:cNvSpPr/>
-          <p:nvPr/>
-        </p:nvSpPr>
-        <p:spPr>
-          <a:xfrm>
-            <a:off x="260181" y="6334719"/>
-            <a:ext cx="4017387" cy="369332"/>
-          </a:xfrm>
-          <a:prstGeom prst="rect">
-            <a:avLst/>
-          </a:prstGeom>
-        </p:spPr>
-        <p:txBody>
-          <a:bodyPr wrap="square">
-            <a:spAutoFit/>
-          </a:bodyPr>
-          <a:lstStyle/>
-          <a:p>
-            <a:r>
-              <a:rPr lang="en-US" dirty="0"/>
-              <a:t>Based on </a:t>
-            </a:r>
-            <a:r>
-              <a:rPr lang="en-US" i="1" dirty="0"/>
-              <a:t>Sports Analytics</a:t>
-            </a:r>
-            <a:r>
-              <a:rPr lang="en-US" dirty="0"/>
-              <a:t> by Ben </a:t>
-            </a:r>
-            <a:r>
-              <a:rPr lang="en-US" dirty="0" err="1"/>
-              <a:t>Alamar</a:t>
-            </a:r>
-            <a:endParaRPr lang="en-US" dirty="0"/>
-          </a:p>
-        </p:txBody>
-      </p:sp>
     </p:spTree>
     <p:extLst>
       <p:ext uri="{BB962C8B-B14F-4D97-AF65-F5344CB8AC3E}">
-        <p14:creationId xmlns:p14="http://schemas.microsoft.com/office/powerpoint/2010/main" val="4266006054"/>
+        <p14:creationId xmlns:p14="http://schemas.microsoft.com/office/powerpoint/2010/main" val="4272708253"/>
       </p:ext>
     </p:extLst>
   </p:cSld>
@@ -15094,7 +14813,7 @@
               <a:rPr lang="en-US" b="1" dirty="0">
                 <a:latin typeface="Selawik Semibold" panose="020B0604020202020204" pitchFamily="34" charset="0"/>
               </a:rPr>
-              <a:t>What is Sports Analytics?</a:t>
+              <a:t>Dope Quote</a:t>
             </a:r>
           </a:p>
         </p:txBody>
@@ -15117,143 +14836,134 @@
         </p:nvSpPr>
         <p:spPr>
           <a:xfrm>
-            <a:off x="838199" y="2021249"/>
-            <a:ext cx="7324166" cy="4581257"/>
+            <a:off x="838198" y="2021249"/>
+            <a:ext cx="7425020" cy="4581257"/>
           </a:xfrm>
         </p:spPr>
         <p:txBody>
           <a:bodyPr>
-            <a:normAutofit/>
+            <a:normAutofit fontScale="92500" lnSpcReduction="10000"/>
           </a:bodyPr>
           <a:lstStyle/>
           <a:p>
-            <a:r>
-              <a:rPr lang="en-US" sz="2400" dirty="0">
+            <a:pPr marL="0" indent="0">
+              <a:buNone/>
+            </a:pPr>
+            <a:r>
+              <a:rPr lang="en-US" dirty="0">
                 <a:latin typeface="Selawik Semibold" panose="020B0702040204020203" pitchFamily="34" charset="0"/>
               </a:rPr>
-              <a:t>Purpose: To Aid an Organization’s </a:t>
-            </a:r>
-            <a:r>
-              <a:rPr lang="en-US" sz="2400" u="sng" dirty="0">
+              <a:t>The most meaningful way to</a:t>
+            </a:r>
+          </a:p>
+          <a:p>
+            <a:pPr marL="0" indent="0">
+              <a:buNone/>
+            </a:pPr>
+            <a:r>
+              <a:rPr lang="en-US" dirty="0">
                 <a:latin typeface="Selawik Semibold" panose="020B0702040204020203" pitchFamily="34" charset="0"/>
               </a:rPr>
-              <a:t>Decision Makers</a:t>
-            </a:r>
-            <a:r>
-              <a:rPr lang="en-US" sz="2400" dirty="0">
+              <a:t>differentiate your company from your</a:t>
+            </a:r>
+          </a:p>
+          <a:p>
+            <a:pPr marL="0" indent="0">
+              <a:buNone/>
+            </a:pPr>
+            <a:r>
+              <a:rPr lang="en-US" dirty="0">
                 <a:latin typeface="Selawik Semibold" panose="020B0702040204020203" pitchFamily="34" charset="0"/>
               </a:rPr>
-              <a:t> in Gaining a Competitive Advantage</a:t>
-            </a:r>
-          </a:p>
-          <a:p>
-            <a:endParaRPr lang="en-US" sz="2400" dirty="0">
+              <a:t>competitors, the best way to put distance</a:t>
+            </a:r>
+          </a:p>
+          <a:p>
+            <a:pPr marL="0" indent="0">
+              <a:buNone/>
+            </a:pPr>
+            <a:r>
+              <a:rPr lang="en-US" dirty="0">
+                <a:latin typeface="Selawik Semibold" panose="020B0702040204020203" pitchFamily="34" charset="0"/>
+              </a:rPr>
+              <a:t>between you and the crowd is to do an</a:t>
+            </a:r>
+          </a:p>
+          <a:p>
+            <a:pPr marL="0" indent="0">
+              <a:buNone/>
+            </a:pPr>
+            <a:r>
+              <a:rPr lang="en-US" dirty="0">
+                <a:latin typeface="Selawik Semibold" panose="020B0702040204020203" pitchFamily="34" charset="0"/>
+              </a:rPr>
+              <a:t>outstanding job with information. </a:t>
+            </a:r>
+          </a:p>
+          <a:p>
+            <a:pPr marL="0" indent="0">
+              <a:buNone/>
+            </a:pPr>
+            <a:endParaRPr lang="en-US" dirty="0">
               <a:latin typeface="Selawik Semibold" panose="020B0702040204020203" pitchFamily="34" charset="0"/>
             </a:endParaRPr>
           </a:p>
           <a:p>
-            <a:r>
-              <a:rPr lang="en-US" sz="2400" dirty="0">
+            <a:pPr marL="0" indent="0">
+              <a:buNone/>
+            </a:pPr>
+            <a:r>
+              <a:rPr lang="en-US" dirty="0">
                 <a:latin typeface="Selawik Semibold" panose="020B0702040204020203" pitchFamily="34" charset="0"/>
               </a:rPr>
-              <a:t>Goals</a:t>
-            </a:r>
-          </a:p>
-          <a:p>
-            <a:pPr lvl="1"/>
-            <a:r>
-              <a:rPr lang="en-US" sz="2000" dirty="0">
+              <a:t>How you gather, manage, and use information</a:t>
+            </a:r>
+          </a:p>
+          <a:p>
+            <a:pPr marL="0" indent="0">
+              <a:buNone/>
+            </a:pPr>
+            <a:r>
+              <a:rPr lang="en-US" dirty="0">
                 <a:latin typeface="Selawik Semibold" panose="020B0702040204020203" pitchFamily="34" charset="0"/>
               </a:rPr>
-              <a:t>Save the Decision Maker Time by Making Information Acquisition Efficient </a:t>
-            </a:r>
-          </a:p>
-          <a:p>
-            <a:pPr marL="457200" lvl="1" indent="0">
+              <a:t>will determine whether you win or lose.</a:t>
+            </a:r>
+          </a:p>
+          <a:p>
+            <a:pPr marL="0" indent="0">
               <a:buNone/>
             </a:pPr>
-            <a:r>
-              <a:rPr lang="en-US" sz="2000" dirty="0">
+            <a:endParaRPr lang="en-US" dirty="0">
+              <a:latin typeface="Selawik Semibold" panose="020B0702040204020203" pitchFamily="34" charset="0"/>
+            </a:endParaRPr>
+          </a:p>
+          <a:p>
+            <a:pPr marL="0" indent="0">
+              <a:buNone/>
+            </a:pPr>
+            <a:r>
+              <a:rPr lang="en-US" dirty="0">
                 <a:latin typeface="Selawik Semibold" panose="020B0702040204020203" pitchFamily="34" charset="0"/>
               </a:rPr>
-              <a:t>   (Data Management/Information Systems)</a:t>
-            </a:r>
-          </a:p>
-          <a:p>
-            <a:pPr lvl="1"/>
-            <a:endParaRPr lang="en-US" sz="2000" dirty="0">
-              <a:latin typeface="Selawik Semibold" panose="020B0702040204020203" pitchFamily="34" charset="0"/>
-            </a:endParaRPr>
-          </a:p>
-          <a:p>
-            <a:pPr lvl="1"/>
-            <a:r>
-              <a:rPr lang="en-US" sz="2000" dirty="0">
-                <a:latin typeface="Selawik Semibold" panose="020B0702040204020203" pitchFamily="34" charset="0"/>
-              </a:rPr>
-              <a:t>Provide Decision Makers with Novel Insight</a:t>
-            </a:r>
-          </a:p>
-          <a:p>
-            <a:pPr marL="457200" lvl="1" indent="0">
-              <a:buNone/>
-            </a:pPr>
-            <a:r>
-              <a:rPr lang="en-US" sz="2000" dirty="0">
-                <a:latin typeface="Selawik Semibold" panose="020B0702040204020203" pitchFamily="34" charset="0"/>
-              </a:rPr>
-              <a:t>   (Analytic Models)</a:t>
-            </a:r>
-          </a:p>
-          <a:p>
-            <a:pPr marL="457200" lvl="1" indent="0">
-              <a:buNone/>
-            </a:pPr>
-            <a:endParaRPr lang="en-US" sz="2000" dirty="0">
-              <a:latin typeface="Selawik Semibold" panose="020B0702040204020203" pitchFamily="34" charset="0"/>
-            </a:endParaRPr>
-          </a:p>
-          <a:p>
-            <a:r>
-              <a:rPr lang="en-US" sz="2400" dirty="0">
-                <a:latin typeface="Selawik Semibold" panose="020B0702040204020203" pitchFamily="34" charset="0"/>
-              </a:rPr>
-              <a:t>We are an Accessory to the Decision Maker</a:t>
-            </a:r>
-          </a:p>
-          <a:p>
-            <a:pPr lvl="1"/>
-            <a:endParaRPr lang="en-US" sz="2000" dirty="0">
-              <a:latin typeface="Selawik Semibold" panose="020B0702040204020203" pitchFamily="34" charset="0"/>
-            </a:endParaRPr>
-          </a:p>
-          <a:p>
-            <a:pPr lvl="1"/>
-            <a:endParaRPr lang="en-US" sz="2000" dirty="0">
-              <a:latin typeface="Selawik Semibold" panose="020B0702040204020203" pitchFamily="34" charset="0"/>
-            </a:endParaRPr>
-          </a:p>
-          <a:p>
-            <a:pPr lvl="1"/>
+              <a:t>- Bill Gates</a:t>
+            </a:r>
+          </a:p>
+          <a:p>
+            <a:pPr lvl="2"/>
             <a:endParaRPr lang="en-US" sz="1600" dirty="0">
               <a:latin typeface="Selawik Semibold" panose="020B0702040204020203" pitchFamily="34" charset="0"/>
             </a:endParaRPr>
           </a:p>
           <a:p>
-            <a:pPr lvl="1"/>
-            <a:endParaRPr lang="en-US" sz="2000" dirty="0">
+            <a:pPr lvl="2"/>
+            <a:endParaRPr lang="en-US" sz="1600" dirty="0">
               <a:latin typeface="Selawik Semibold" panose="020B0702040204020203" pitchFamily="34" charset="0"/>
             </a:endParaRPr>
           </a:p>
           <a:p>
-            <a:pPr lvl="1"/>
-            <a:endParaRPr lang="en-US" sz="2000" dirty="0">
-              <a:latin typeface="Selawik Semibold" panose="020B0702040204020203" pitchFamily="34" charset="0"/>
-            </a:endParaRPr>
-          </a:p>
-          <a:p>
-            <a:pPr lvl="1"/>
-            <a:endParaRPr lang="en-US" sz="2000" dirty="0">
+            <a:pPr lvl="2"/>
+            <a:endParaRPr lang="en-US" sz="1600" dirty="0">
               <a:latin typeface="Selawik Semibold" panose="020B0702040204020203" pitchFamily="34" charset="0"/>
             </a:endParaRPr>
           </a:p>
@@ -15602,7 +15312,7 @@
     </p:spTree>
     <p:extLst>
       <p:ext uri="{BB962C8B-B14F-4D97-AF65-F5344CB8AC3E}">
-        <p14:creationId xmlns:p14="http://schemas.microsoft.com/office/powerpoint/2010/main" val="77696106"/>
+        <p14:creationId xmlns:p14="http://schemas.microsoft.com/office/powerpoint/2010/main" val="289489808"/>
       </p:ext>
     </p:extLst>
   </p:cSld>
@@ -15769,7 +15479,13 @@
               <a:rPr lang="en-US" sz="2400" dirty="0">
                 <a:latin typeface="Selawik Semibold" panose="020B0702040204020203" pitchFamily="34" charset="0"/>
               </a:rPr>
-              <a:t>Different Decision Makers</a:t>
+              <a:t>Defined by Ben </a:t>
+            </a:r>
+            <a:r>
+              <a:rPr lang="en-US" sz="2400" dirty="0" err="1">
+                <a:latin typeface="Selawik Semibold" panose="020B0702040204020203" pitchFamily="34" charset="0"/>
+              </a:rPr>
+              <a:t>Alamar</a:t>
             </a:r>
             <a:endParaRPr lang="en-US" sz="2000" dirty="0">
               <a:latin typeface="Selawik Semibold" panose="020B0702040204020203" pitchFamily="34" charset="0"/>
@@ -15781,7 +15497,7 @@
               <a:rPr lang="en-US" sz="2000" dirty="0">
                 <a:latin typeface="Selawik Semibold" panose="020B0702040204020203" pitchFamily="34" charset="0"/>
               </a:rPr>
-              <a:t>Off-the-Field: Profit Driven</a:t>
+              <a:t>Data Management</a:t>
             </a:r>
           </a:p>
           <a:p>
@@ -15790,26 +15506,7 @@
               <a:rPr lang="en-US" sz="2000" dirty="0">
                 <a:latin typeface="Selawik Semibold" panose="020B0702040204020203" pitchFamily="34" charset="0"/>
               </a:rPr>
-              <a:t>On-the-Field: Performance Driven</a:t>
-            </a:r>
-          </a:p>
-          <a:p>
-            <a:endParaRPr lang="en-US" sz="2400" dirty="0">
-              <a:latin typeface="Selawik Semibold" panose="020B0702040204020203" pitchFamily="34" charset="0"/>
-            </a:endParaRPr>
-          </a:p>
-          <a:p>
-            <a:r>
-              <a:rPr lang="en-US" sz="2400">
-                <a:latin typeface="Selawik Semibold" panose="020B0702040204020203" pitchFamily="34" charset="0"/>
-              </a:rPr>
-              <a:t>Attributes of the </a:t>
-            </a:r>
-            <a:r>
-              <a:rPr lang="en-US" sz="2400" dirty="0">
-                <a:latin typeface="Selawik Semibold" panose="020B0702040204020203" pitchFamily="34" charset="0"/>
-              </a:rPr>
-              <a:t>Data Analyst</a:t>
+              <a:t>Predictive Models</a:t>
             </a:r>
           </a:p>
           <a:p>
@@ -15818,52 +15515,7 @@
               <a:rPr lang="en-US" sz="2000" dirty="0">
                 <a:latin typeface="Selawik Semibold" panose="020B0702040204020203" pitchFamily="34" charset="0"/>
               </a:rPr>
-              <a:t>Competence – Ben </a:t>
-            </a:r>
-            <a:r>
-              <a:rPr lang="en-US" sz="2000" dirty="0" err="1">
-                <a:latin typeface="Selawik Semibold" panose="020B0702040204020203" pitchFamily="34" charset="0"/>
-              </a:rPr>
-              <a:t>Alamar</a:t>
-            </a:r>
-            <a:endParaRPr lang="en-US" sz="2000" dirty="0">
-              <a:latin typeface="Selawik Semibold" panose="020B0702040204020203" pitchFamily="34" charset="0"/>
-            </a:endParaRPr>
-          </a:p>
-          <a:p>
-            <a:pPr lvl="1"/>
-            <a:r>
-              <a:rPr lang="en-US" sz="2000" dirty="0">
-                <a:latin typeface="Selawik Semibold" panose="020B0702040204020203" pitchFamily="34" charset="0"/>
-              </a:rPr>
-              <a:t>Leadership – Ben </a:t>
-            </a:r>
-            <a:r>
-              <a:rPr lang="en-US" sz="2000" dirty="0" err="1">
-                <a:latin typeface="Selawik Semibold" panose="020B0702040204020203" pitchFamily="34" charset="0"/>
-              </a:rPr>
-              <a:t>Alamar</a:t>
-            </a:r>
-            <a:endParaRPr lang="en-US" sz="2000" dirty="0">
-              <a:latin typeface="Selawik Semibold" panose="020B0702040204020203" pitchFamily="34" charset="0"/>
-            </a:endParaRPr>
-          </a:p>
-          <a:p>
-            <a:pPr lvl="1"/>
-            <a:r>
-              <a:rPr lang="en-US" sz="2000" dirty="0">
-                <a:latin typeface="Selawik Semibold" panose="020B0702040204020203" pitchFamily="34" charset="0"/>
-              </a:rPr>
-              <a:t>Humility – Dr. Mario</a:t>
-            </a:r>
-          </a:p>
-          <a:p>
-            <a:pPr lvl="1"/>
-            <a:r>
-              <a:rPr lang="en-US" sz="2000" dirty="0">
-                <a:latin typeface="Selawik Semibold" panose="020B0702040204020203" pitchFamily="34" charset="0"/>
-              </a:rPr>
-              <a:t>Honesty – Dr. Mario</a:t>
+              <a:t>Information Systems</a:t>
             </a:r>
           </a:p>
           <a:p>
@@ -15875,12 +15527,6 @@
           <a:p>
             <a:pPr lvl="1"/>
             <a:endParaRPr lang="en-US" sz="2000" dirty="0">
-              <a:latin typeface="Selawik Semibold" panose="020B0702040204020203" pitchFamily="34" charset="0"/>
-            </a:endParaRPr>
-          </a:p>
-          <a:p>
-            <a:pPr lvl="1"/>
-            <a:endParaRPr lang="en-US" sz="1600" dirty="0">
               <a:latin typeface="Selawik Semibold" panose="020B0702040204020203" pitchFamily="34" charset="0"/>
             </a:endParaRPr>
           </a:p>
@@ -16244,6 +15890,1824 @@
           </a:p>
         </p:txBody>
       </p:sp>
+      <p:sp>
+        <p:nvSpPr>
+          <p:cNvPr id="7" name="TextBox 6">
+            <a:extLst>
+              <a:ext uri="{FF2B5EF4-FFF2-40B4-BE49-F238E27FC236}">
+                <a16:creationId xmlns:a16="http://schemas.microsoft.com/office/drawing/2014/main" id="{122E552F-CD5E-4928-A884-3509AF0AAD36}"/>
+              </a:ext>
+            </a:extLst>
+          </p:cNvPr>
+          <p:cNvSpPr txBox="1"/>
+          <p:nvPr/>
+        </p:nvSpPr>
+        <p:spPr>
+          <a:xfrm>
+            <a:off x="365718" y="3783182"/>
+            <a:ext cx="2205318" cy="954107"/>
+          </a:xfrm>
+          <a:prstGeom prst="rect">
+            <a:avLst/>
+          </a:prstGeom>
+        </p:spPr>
+        <p:style>
+          <a:lnRef idx="1">
+            <a:schemeClr val="dk1"/>
+          </a:lnRef>
+          <a:fillRef idx="3">
+            <a:schemeClr val="dk1"/>
+          </a:fillRef>
+          <a:effectRef idx="2">
+            <a:schemeClr val="dk1"/>
+          </a:effectRef>
+          <a:fontRef idx="minor">
+            <a:schemeClr val="lt1"/>
+          </a:fontRef>
+        </p:style>
+        <p:txBody>
+          <a:bodyPr wrap="square" rtlCol="0">
+            <a:spAutoFit/>
+          </a:bodyPr>
+          <a:lstStyle/>
+          <a:p>
+            <a:r>
+              <a:rPr lang="en-US" sz="2800" dirty="0"/>
+              <a:t>Data </a:t>
+            </a:r>
+          </a:p>
+          <a:p>
+            <a:r>
+              <a:rPr lang="en-US" sz="2800" dirty="0"/>
+              <a:t>Management</a:t>
+            </a:r>
+          </a:p>
+        </p:txBody>
+      </p:sp>
+      <p:sp>
+        <p:nvSpPr>
+          <p:cNvPr id="12" name="TextBox 11">
+            <a:extLst>
+              <a:ext uri="{FF2B5EF4-FFF2-40B4-BE49-F238E27FC236}">
+                <a16:creationId xmlns:a16="http://schemas.microsoft.com/office/drawing/2014/main" id="{26DA0C6F-C9E0-47D4-9FC9-FCD1D65D2721}"/>
+              </a:ext>
+            </a:extLst>
+          </p:cNvPr>
+          <p:cNvSpPr txBox="1"/>
+          <p:nvPr/>
+        </p:nvSpPr>
+        <p:spPr>
+          <a:xfrm>
+            <a:off x="353916" y="5407416"/>
+            <a:ext cx="2205318" cy="954107"/>
+          </a:xfrm>
+          <a:prstGeom prst="rect">
+            <a:avLst/>
+          </a:prstGeom>
+        </p:spPr>
+        <p:style>
+          <a:lnRef idx="1">
+            <a:schemeClr val="dk1"/>
+          </a:lnRef>
+          <a:fillRef idx="3">
+            <a:schemeClr val="dk1"/>
+          </a:fillRef>
+          <a:effectRef idx="2">
+            <a:schemeClr val="dk1"/>
+          </a:effectRef>
+          <a:fontRef idx="minor">
+            <a:schemeClr val="lt1"/>
+          </a:fontRef>
+        </p:style>
+        <p:txBody>
+          <a:bodyPr wrap="square" rtlCol="0">
+            <a:spAutoFit/>
+          </a:bodyPr>
+          <a:lstStyle/>
+          <a:p>
+            <a:r>
+              <a:rPr lang="en-US" sz="2800" dirty="0"/>
+              <a:t>Analytic Models</a:t>
+            </a:r>
+          </a:p>
+        </p:txBody>
+      </p:sp>
+      <p:sp>
+        <p:nvSpPr>
+          <p:cNvPr id="13" name="TextBox 12">
+            <a:extLst>
+              <a:ext uri="{FF2B5EF4-FFF2-40B4-BE49-F238E27FC236}">
+                <a16:creationId xmlns:a16="http://schemas.microsoft.com/office/drawing/2014/main" id="{992BD579-13F5-48CC-B1C8-16F0934F3B44}"/>
+              </a:ext>
+            </a:extLst>
+          </p:cNvPr>
+          <p:cNvSpPr txBox="1"/>
+          <p:nvPr/>
+        </p:nvSpPr>
+        <p:spPr>
+          <a:xfrm>
+            <a:off x="3225728" y="4163036"/>
+            <a:ext cx="1907548" cy="954107"/>
+          </a:xfrm>
+          <a:prstGeom prst="rect">
+            <a:avLst/>
+          </a:prstGeom>
+        </p:spPr>
+        <p:style>
+          <a:lnRef idx="1">
+            <a:schemeClr val="dk1"/>
+          </a:lnRef>
+          <a:fillRef idx="3">
+            <a:schemeClr val="dk1"/>
+          </a:fillRef>
+          <a:effectRef idx="2">
+            <a:schemeClr val="dk1"/>
+          </a:effectRef>
+          <a:fontRef idx="minor">
+            <a:schemeClr val="lt1"/>
+          </a:fontRef>
+        </p:style>
+        <p:txBody>
+          <a:bodyPr wrap="square" rtlCol="0">
+            <a:spAutoFit/>
+          </a:bodyPr>
+          <a:lstStyle/>
+          <a:p>
+            <a:r>
+              <a:rPr lang="en-US" sz="2800" dirty="0"/>
+              <a:t>Information</a:t>
+            </a:r>
+          </a:p>
+          <a:p>
+            <a:r>
+              <a:rPr lang="en-US" sz="2800" dirty="0"/>
+              <a:t>Systems</a:t>
+            </a:r>
+          </a:p>
+        </p:txBody>
+      </p:sp>
+      <p:pic>
+        <p:nvPicPr>
+          <p:cNvPr id="10" name="Picture 9" descr="Decision Maker">
+            <a:extLst>
+              <a:ext uri="{FF2B5EF4-FFF2-40B4-BE49-F238E27FC236}">
+                <a16:creationId xmlns:a16="http://schemas.microsoft.com/office/drawing/2014/main" id="{2911B196-1EA3-4ECD-850B-F7838FAD07BC}"/>
+              </a:ext>
+            </a:extLst>
+          </p:cNvPr>
+          <p:cNvPicPr>
+            <a:picLocks noChangeAspect="1"/>
+          </p:cNvPicPr>
+          <p:nvPr/>
+        </p:nvPicPr>
+        <p:blipFill>
+          <a:blip r:embed="rId5">
+            <a:extLst>
+              <a:ext uri="{28A0092B-C50C-407E-A947-70E740481C1C}">
+                <a14:useLocalDpi xmlns:a14="http://schemas.microsoft.com/office/drawing/2010/main" val="0"/>
+              </a:ext>
+            </a:extLst>
+          </a:blip>
+          <a:stretch>
+            <a:fillRect/>
+          </a:stretch>
+        </p:blipFill>
+        <p:spPr>
+          <a:xfrm>
+            <a:off x="5787968" y="4375030"/>
+            <a:ext cx="2538848" cy="1516803"/>
+          </a:xfrm>
+          <a:prstGeom prst="rect">
+            <a:avLst/>
+          </a:prstGeom>
+          <a:solidFill>
+            <a:srgbClr val="000000">
+              <a:shade val="95000"/>
+            </a:srgbClr>
+          </a:solidFill>
+          <a:ln w="28575" cap="sq">
+            <a:solidFill>
+              <a:srgbClr val="000000"/>
+            </a:solidFill>
+            <a:miter lim="800000"/>
+          </a:ln>
+          <a:effectLst>
+            <a:outerShdw blurRad="254000" dist="190500" dir="2700000" sy="90000" algn="bl" rotWithShape="0">
+              <a:srgbClr val="000000">
+                <a:alpha val="40000"/>
+              </a:srgbClr>
+            </a:outerShdw>
+          </a:effectLst>
+        </p:spPr>
+      </p:pic>
+      <p:sp>
+        <p:nvSpPr>
+          <p:cNvPr id="17" name="TextBox 16">
+            <a:extLst>
+              <a:ext uri="{FF2B5EF4-FFF2-40B4-BE49-F238E27FC236}">
+                <a16:creationId xmlns:a16="http://schemas.microsoft.com/office/drawing/2014/main" id="{50914ED0-975E-41B2-86EC-5995292303DF}"/>
+              </a:ext>
+            </a:extLst>
+          </p:cNvPr>
+          <p:cNvSpPr txBox="1"/>
+          <p:nvPr/>
+        </p:nvSpPr>
+        <p:spPr>
+          <a:xfrm>
+            <a:off x="5848506" y="5977904"/>
+            <a:ext cx="2421642" cy="523220"/>
+          </a:xfrm>
+          <a:prstGeom prst="rect">
+            <a:avLst/>
+          </a:prstGeom>
+        </p:spPr>
+        <p:style>
+          <a:lnRef idx="1">
+            <a:schemeClr val="dk1"/>
+          </a:lnRef>
+          <a:fillRef idx="3">
+            <a:schemeClr val="dk1"/>
+          </a:fillRef>
+          <a:effectRef idx="2">
+            <a:schemeClr val="dk1"/>
+          </a:effectRef>
+          <a:fontRef idx="minor">
+            <a:schemeClr val="lt1"/>
+          </a:fontRef>
+        </p:style>
+        <p:txBody>
+          <a:bodyPr wrap="square" rtlCol="0">
+            <a:spAutoFit/>
+          </a:bodyPr>
+          <a:lstStyle/>
+          <a:p>
+            <a:r>
+              <a:rPr lang="en-US" sz="2800" dirty="0"/>
+              <a:t>Decision Maker</a:t>
+            </a:r>
+          </a:p>
+        </p:txBody>
+      </p:sp>
+      <p:sp>
+        <p:nvSpPr>
+          <p:cNvPr id="18" name="Arrow: Right 17">
+            <a:extLst>
+              <a:ext uri="{FF2B5EF4-FFF2-40B4-BE49-F238E27FC236}">
+                <a16:creationId xmlns:a16="http://schemas.microsoft.com/office/drawing/2014/main" id="{034BACA9-7E25-4051-A7E8-D2B4C2C0145B}"/>
+              </a:ext>
+            </a:extLst>
+          </p:cNvPr>
+          <p:cNvSpPr/>
+          <p:nvPr/>
+        </p:nvSpPr>
+        <p:spPr>
+          <a:xfrm rot="5400000">
+            <a:off x="1139801" y="4911200"/>
+            <a:ext cx="497541" cy="318768"/>
+          </a:xfrm>
+          <a:prstGeom prst="rightArrow">
+            <a:avLst/>
+          </a:prstGeom>
+        </p:spPr>
+        <p:style>
+          <a:lnRef idx="2">
+            <a:schemeClr val="dk1">
+              <a:shade val="50000"/>
+            </a:schemeClr>
+          </a:lnRef>
+          <a:fillRef idx="1">
+            <a:schemeClr val="dk1"/>
+          </a:fillRef>
+          <a:effectRef idx="0">
+            <a:schemeClr val="dk1"/>
+          </a:effectRef>
+          <a:fontRef idx="minor">
+            <a:schemeClr val="lt1"/>
+          </a:fontRef>
+        </p:style>
+        <p:txBody>
+          <a:bodyPr rtlCol="0" anchor="ctr"/>
+          <a:lstStyle/>
+          <a:p>
+            <a:pPr algn="ctr"/>
+            <a:endParaRPr lang="en-US"/>
+          </a:p>
+        </p:txBody>
+      </p:sp>
+      <p:sp>
+        <p:nvSpPr>
+          <p:cNvPr id="20" name="Arrow: Right 19">
+            <a:extLst>
+              <a:ext uri="{FF2B5EF4-FFF2-40B4-BE49-F238E27FC236}">
+                <a16:creationId xmlns:a16="http://schemas.microsoft.com/office/drawing/2014/main" id="{8BA0E7CA-81EF-4647-8038-D30905E3C7C9}"/>
+              </a:ext>
+            </a:extLst>
+          </p:cNvPr>
+          <p:cNvSpPr/>
+          <p:nvPr/>
+        </p:nvSpPr>
+        <p:spPr>
+          <a:xfrm>
+            <a:off x="2660863" y="4375030"/>
+            <a:ext cx="497541" cy="318768"/>
+          </a:xfrm>
+          <a:prstGeom prst="rightArrow">
+            <a:avLst/>
+          </a:prstGeom>
+        </p:spPr>
+        <p:style>
+          <a:lnRef idx="2">
+            <a:schemeClr val="dk1">
+              <a:shade val="50000"/>
+            </a:schemeClr>
+          </a:lnRef>
+          <a:fillRef idx="1">
+            <a:schemeClr val="dk1"/>
+          </a:fillRef>
+          <a:effectRef idx="0">
+            <a:schemeClr val="dk1"/>
+          </a:effectRef>
+          <a:fontRef idx="minor">
+            <a:schemeClr val="lt1"/>
+          </a:fontRef>
+        </p:style>
+        <p:txBody>
+          <a:bodyPr rtlCol="0" anchor="ctr"/>
+          <a:lstStyle/>
+          <a:p>
+            <a:pPr algn="ctr"/>
+            <a:endParaRPr lang="en-US"/>
+          </a:p>
+        </p:txBody>
+      </p:sp>
+      <p:sp>
+        <p:nvSpPr>
+          <p:cNvPr id="21" name="Arrow: Right 20">
+            <a:extLst>
+              <a:ext uri="{FF2B5EF4-FFF2-40B4-BE49-F238E27FC236}">
+                <a16:creationId xmlns:a16="http://schemas.microsoft.com/office/drawing/2014/main" id="{56068537-B0AA-411A-BA6C-AF1101648815}"/>
+              </a:ext>
+            </a:extLst>
+          </p:cNvPr>
+          <p:cNvSpPr/>
+          <p:nvPr/>
+        </p:nvSpPr>
+        <p:spPr>
+          <a:xfrm rot="20363812">
+            <a:off x="2589987" y="5114621"/>
+            <a:ext cx="574536" cy="318768"/>
+          </a:xfrm>
+          <a:prstGeom prst="rightArrow">
+            <a:avLst/>
+          </a:prstGeom>
+        </p:spPr>
+        <p:style>
+          <a:lnRef idx="2">
+            <a:schemeClr val="dk1">
+              <a:shade val="50000"/>
+            </a:schemeClr>
+          </a:lnRef>
+          <a:fillRef idx="1">
+            <a:schemeClr val="dk1"/>
+          </a:fillRef>
+          <a:effectRef idx="0">
+            <a:schemeClr val="dk1"/>
+          </a:effectRef>
+          <a:fontRef idx="minor">
+            <a:schemeClr val="lt1"/>
+          </a:fontRef>
+        </p:style>
+        <p:txBody>
+          <a:bodyPr rtlCol="0" anchor="ctr"/>
+          <a:lstStyle/>
+          <a:p>
+            <a:pPr algn="ctr"/>
+            <a:endParaRPr lang="en-US"/>
+          </a:p>
+        </p:txBody>
+      </p:sp>
+      <p:sp>
+        <p:nvSpPr>
+          <p:cNvPr id="22" name="Arrow: Right 21">
+            <a:extLst>
+              <a:ext uri="{FF2B5EF4-FFF2-40B4-BE49-F238E27FC236}">
+                <a16:creationId xmlns:a16="http://schemas.microsoft.com/office/drawing/2014/main" id="{D65390E2-9ECB-47DE-9675-CB5E939AB195}"/>
+              </a:ext>
+            </a:extLst>
+          </p:cNvPr>
+          <p:cNvSpPr/>
+          <p:nvPr/>
+        </p:nvSpPr>
+        <p:spPr>
+          <a:xfrm>
+            <a:off x="2655762" y="5786866"/>
+            <a:ext cx="2965922" cy="318768"/>
+          </a:xfrm>
+          <a:prstGeom prst="rightArrow">
+            <a:avLst/>
+          </a:prstGeom>
+        </p:spPr>
+        <p:style>
+          <a:lnRef idx="2">
+            <a:schemeClr val="dk1">
+              <a:shade val="50000"/>
+            </a:schemeClr>
+          </a:lnRef>
+          <a:fillRef idx="1">
+            <a:schemeClr val="dk1"/>
+          </a:fillRef>
+          <a:effectRef idx="0">
+            <a:schemeClr val="dk1"/>
+          </a:effectRef>
+          <a:fontRef idx="minor">
+            <a:schemeClr val="lt1"/>
+          </a:fontRef>
+        </p:style>
+        <p:txBody>
+          <a:bodyPr rtlCol="0" anchor="ctr"/>
+          <a:lstStyle/>
+          <a:p>
+            <a:pPr algn="ctr"/>
+            <a:endParaRPr lang="en-US"/>
+          </a:p>
+        </p:txBody>
+      </p:sp>
+      <p:sp>
+        <p:nvSpPr>
+          <p:cNvPr id="23" name="Arrow: Right 22">
+            <a:extLst>
+              <a:ext uri="{FF2B5EF4-FFF2-40B4-BE49-F238E27FC236}">
+                <a16:creationId xmlns:a16="http://schemas.microsoft.com/office/drawing/2014/main" id="{C46C3C4B-3AA7-4E8E-8FCB-77B719504DD8}"/>
+              </a:ext>
+            </a:extLst>
+          </p:cNvPr>
+          <p:cNvSpPr/>
+          <p:nvPr/>
+        </p:nvSpPr>
+        <p:spPr>
+          <a:xfrm>
+            <a:off x="5214009" y="4695767"/>
+            <a:ext cx="497541" cy="318768"/>
+          </a:xfrm>
+          <a:prstGeom prst="rightArrow">
+            <a:avLst/>
+          </a:prstGeom>
+        </p:spPr>
+        <p:style>
+          <a:lnRef idx="2">
+            <a:schemeClr val="dk1">
+              <a:shade val="50000"/>
+            </a:schemeClr>
+          </a:lnRef>
+          <a:fillRef idx="1">
+            <a:schemeClr val="dk1"/>
+          </a:fillRef>
+          <a:effectRef idx="0">
+            <a:schemeClr val="dk1"/>
+          </a:effectRef>
+          <a:fontRef idx="minor">
+            <a:schemeClr val="lt1"/>
+          </a:fontRef>
+        </p:style>
+        <p:txBody>
+          <a:bodyPr rtlCol="0" anchor="ctr"/>
+          <a:lstStyle/>
+          <a:p>
+            <a:pPr algn="ctr"/>
+            <a:endParaRPr lang="en-US"/>
+          </a:p>
+        </p:txBody>
+      </p:sp>
+      <p:sp>
+        <p:nvSpPr>
+          <p:cNvPr id="19" name="Rectangle 18">
+            <a:extLst>
+              <a:ext uri="{FF2B5EF4-FFF2-40B4-BE49-F238E27FC236}">
+                <a16:creationId xmlns:a16="http://schemas.microsoft.com/office/drawing/2014/main" id="{0F2662DF-6B81-4BCB-BE84-0E68709D2B8F}"/>
+              </a:ext>
+            </a:extLst>
+          </p:cNvPr>
+          <p:cNvSpPr/>
+          <p:nvPr/>
+        </p:nvSpPr>
+        <p:spPr>
+          <a:xfrm>
+            <a:off x="260181" y="6334719"/>
+            <a:ext cx="4017387" cy="369332"/>
+          </a:xfrm>
+          <a:prstGeom prst="rect">
+            <a:avLst/>
+          </a:prstGeom>
+        </p:spPr>
+        <p:txBody>
+          <a:bodyPr wrap="square">
+            <a:spAutoFit/>
+          </a:bodyPr>
+          <a:lstStyle/>
+          <a:p>
+            <a:r>
+              <a:rPr lang="en-US" dirty="0"/>
+              <a:t>Based on </a:t>
+            </a:r>
+            <a:r>
+              <a:rPr lang="en-US" i="1" dirty="0"/>
+              <a:t>Sports Analytics</a:t>
+            </a:r>
+            <a:r>
+              <a:rPr lang="en-US" dirty="0"/>
+              <a:t> by Ben </a:t>
+            </a:r>
+            <a:r>
+              <a:rPr lang="en-US" dirty="0" err="1"/>
+              <a:t>Alamar</a:t>
+            </a:r>
+            <a:endParaRPr lang="en-US" dirty="0"/>
+          </a:p>
+        </p:txBody>
+      </p:sp>
+    </p:spTree>
+    <p:extLst>
+      <p:ext uri="{BB962C8B-B14F-4D97-AF65-F5344CB8AC3E}">
+        <p14:creationId xmlns:p14="http://schemas.microsoft.com/office/powerpoint/2010/main" val="4266006054"/>
+      </p:ext>
+    </p:extLst>
+  </p:cSld>
+  <p:clrMapOvr>
+    <a:overrideClrMapping bg1="dk1" tx1="lt1" bg2="dk2" tx2="lt2" accent1="accent1" accent2="accent2" accent3="accent3" accent4="accent4" accent5="accent5" accent6="accent6" hlink="hlink" folHlink="folHlink"/>
+  </p:clrMapOvr>
+</p:sld>
+</file>
+
+<file path=ppt/slides/slide26.xml><?xml version="1.0" encoding="utf-8"?>
+<p:sld xmlns:a="http://schemas.openxmlformats.org/drawingml/2006/main" xmlns:r="http://schemas.openxmlformats.org/officeDocument/2006/relationships" xmlns:p="http://schemas.openxmlformats.org/presentationml/2006/main">
+  <p:cSld>
+    <p:bg>
+      <p:bgPr>
+        <a:solidFill>
+          <a:srgbClr val="395583"/>
+        </a:solidFill>
+        <a:effectLst/>
+      </p:bgPr>
+    </p:bg>
+    <p:spTree>
+      <p:nvGrpSpPr>
+        <p:cNvPr id="1" name=""/>
+        <p:cNvGrpSpPr/>
+        <p:nvPr/>
+      </p:nvGrpSpPr>
+      <p:grpSpPr>
+        <a:xfrm>
+          <a:off x="0" y="0"/>
+          <a:ext cx="0" cy="0"/>
+          <a:chOff x="0" y="0"/>
+          <a:chExt cx="0" cy="0"/>
+        </a:xfrm>
+      </p:grpSpPr>
+      <p:sp>
+        <p:nvSpPr>
+          <p:cNvPr id="25" name="Rectangle 24">
+            <a:extLst>
+              <a:ext uri="{FF2B5EF4-FFF2-40B4-BE49-F238E27FC236}">
+                <a16:creationId xmlns:a16="http://schemas.microsoft.com/office/drawing/2014/main" id="{A6792F05-2FD4-4F18-815E-15391E8B4A0E}"/>
+              </a:ext>
+              <a:ext uri="{C183D7F6-B498-43B3-948B-1728B52AA6E4}">
+                <adec:decorative xmlns:adec="http://schemas.microsoft.com/office/drawing/2017/decorative" val="1"/>
+              </a:ext>
+            </a:extLst>
+          </p:cNvPr>
+          <p:cNvSpPr>
+            <a:spLocks noGrp="1" noRot="1" noChangeAspect="1" noMove="1" noResize="1" noEditPoints="1" noAdjustHandles="1" noChangeArrowheads="1" noChangeShapeType="1" noTextEdit="1"/>
+          </p:cNvSpPr>
+          <p:nvPr>
+            <p:extLst>
+              <p:ext uri="{386F3935-93C4-4BCD-93E2-E3B085C9AB24}">
+                <p16:designElem xmlns:p16="http://schemas.microsoft.com/office/powerpoint/2015/main" val="1"/>
+              </p:ext>
+            </p:extLst>
+          </p:nvPr>
+        </p:nvSpPr>
+        <p:spPr>
+          <a:xfrm>
+            <a:off x="0" y="0"/>
+            <a:ext cx="12191999" cy="6858000"/>
+          </a:xfrm>
+          <a:prstGeom prst="rect">
+            <a:avLst/>
+          </a:prstGeom>
+          <a:solidFill>
+            <a:srgbClr val="395583"/>
+          </a:solidFill>
+          <a:ln>
+            <a:noFill/>
+          </a:ln>
+        </p:spPr>
+        <p:style>
+          <a:lnRef idx="2">
+            <a:schemeClr val="accent1">
+              <a:shade val="50000"/>
+            </a:schemeClr>
+          </a:lnRef>
+          <a:fillRef idx="1">
+            <a:schemeClr val="accent1"/>
+          </a:fillRef>
+          <a:effectRef idx="0">
+            <a:schemeClr val="accent1"/>
+          </a:effectRef>
+          <a:fontRef idx="minor">
+            <a:schemeClr val="lt1"/>
+          </a:fontRef>
+        </p:style>
+        <p:txBody>
+          <a:bodyPr rtlCol="0" anchor="ctr"/>
+          <a:lstStyle/>
+          <a:p>
+            <a:pPr algn="ctr"/>
+            <a:endParaRPr lang="en-US"/>
+          </a:p>
+        </p:txBody>
+      </p:sp>
+      <p:sp>
+        <p:nvSpPr>
+          <p:cNvPr id="2" name="Title 1">
+            <a:extLst>
+              <a:ext uri="{FF2B5EF4-FFF2-40B4-BE49-F238E27FC236}">
+                <a16:creationId xmlns:a16="http://schemas.microsoft.com/office/drawing/2014/main" id="{2589AFCC-0FF0-498C-B11F-8990DF0DAAA5}"/>
+              </a:ext>
+            </a:extLst>
+          </p:cNvPr>
+          <p:cNvSpPr>
+            <a:spLocks noGrp="1"/>
+          </p:cNvSpPr>
+          <p:nvPr>
+            <p:ph type="title"/>
+          </p:nvPr>
+        </p:nvSpPr>
+        <p:spPr>
+          <a:xfrm>
+            <a:off x="838200" y="365125"/>
+            <a:ext cx="10515600" cy="1325563"/>
+          </a:xfrm>
+        </p:spPr>
+        <p:txBody>
+          <a:bodyPr>
+            <a:normAutofit/>
+          </a:bodyPr>
+          <a:lstStyle/>
+          <a:p>
+            <a:r>
+              <a:rPr lang="en-US" b="1" dirty="0">
+                <a:latin typeface="Selawik Semibold" panose="020B0604020202020204" pitchFamily="34" charset="0"/>
+              </a:rPr>
+              <a:t>What is Sports Analytics?</a:t>
+            </a:r>
+          </a:p>
+        </p:txBody>
+      </p:sp>
+      <p:sp>
+        <p:nvSpPr>
+          <p:cNvPr id="9" name="Content Placeholder 8">
+            <a:extLst>
+              <a:ext uri="{FF2B5EF4-FFF2-40B4-BE49-F238E27FC236}">
+                <a16:creationId xmlns:a16="http://schemas.microsoft.com/office/drawing/2014/main" id="{2D995594-59F2-4020-AB6F-751BAE84ADB3}"/>
+              </a:ext>
+            </a:extLst>
+          </p:cNvPr>
+          <p:cNvSpPr>
+            <a:spLocks noGrp="1"/>
+          </p:cNvSpPr>
+          <p:nvPr>
+            <p:ph idx="1"/>
+          </p:nvPr>
+        </p:nvSpPr>
+        <p:spPr>
+          <a:xfrm>
+            <a:off x="838199" y="2021249"/>
+            <a:ext cx="7324166" cy="4581257"/>
+          </a:xfrm>
+        </p:spPr>
+        <p:txBody>
+          <a:bodyPr>
+            <a:normAutofit/>
+          </a:bodyPr>
+          <a:lstStyle/>
+          <a:p>
+            <a:r>
+              <a:rPr lang="en-US" sz="2400" dirty="0">
+                <a:latin typeface="Selawik Semibold" panose="020B0702040204020203" pitchFamily="34" charset="0"/>
+              </a:rPr>
+              <a:t>Purpose: To Aid an Organization’s </a:t>
+            </a:r>
+            <a:r>
+              <a:rPr lang="en-US" sz="2400" u="sng" dirty="0">
+                <a:latin typeface="Selawik Semibold" panose="020B0702040204020203" pitchFamily="34" charset="0"/>
+              </a:rPr>
+              <a:t>Decision Makers</a:t>
+            </a:r>
+            <a:r>
+              <a:rPr lang="en-US" sz="2400" dirty="0">
+                <a:latin typeface="Selawik Semibold" panose="020B0702040204020203" pitchFamily="34" charset="0"/>
+              </a:rPr>
+              <a:t> in Gaining a Competitive Advantage</a:t>
+            </a:r>
+          </a:p>
+          <a:p>
+            <a:endParaRPr lang="en-US" sz="2400" dirty="0">
+              <a:latin typeface="Selawik Semibold" panose="020B0702040204020203" pitchFamily="34" charset="0"/>
+            </a:endParaRPr>
+          </a:p>
+          <a:p>
+            <a:r>
+              <a:rPr lang="en-US" sz="2400" dirty="0">
+                <a:latin typeface="Selawik Semibold" panose="020B0702040204020203" pitchFamily="34" charset="0"/>
+              </a:rPr>
+              <a:t>Goals</a:t>
+            </a:r>
+          </a:p>
+          <a:p>
+            <a:pPr lvl="1"/>
+            <a:r>
+              <a:rPr lang="en-US" sz="2000" dirty="0">
+                <a:latin typeface="Selawik Semibold" panose="020B0702040204020203" pitchFamily="34" charset="0"/>
+              </a:rPr>
+              <a:t>Save the Decision Maker Time by Making Information Acquisition Efficient </a:t>
+            </a:r>
+          </a:p>
+          <a:p>
+            <a:pPr marL="457200" lvl="1" indent="0">
+              <a:buNone/>
+            </a:pPr>
+            <a:r>
+              <a:rPr lang="en-US" sz="2000" dirty="0">
+                <a:latin typeface="Selawik Semibold" panose="020B0702040204020203" pitchFamily="34" charset="0"/>
+              </a:rPr>
+              <a:t>   (Data Management/Information Systems)</a:t>
+            </a:r>
+          </a:p>
+          <a:p>
+            <a:pPr lvl="1"/>
+            <a:endParaRPr lang="en-US" sz="2000" dirty="0">
+              <a:latin typeface="Selawik Semibold" panose="020B0702040204020203" pitchFamily="34" charset="0"/>
+            </a:endParaRPr>
+          </a:p>
+          <a:p>
+            <a:pPr lvl="1"/>
+            <a:r>
+              <a:rPr lang="en-US" sz="2000" dirty="0">
+                <a:latin typeface="Selawik Semibold" panose="020B0702040204020203" pitchFamily="34" charset="0"/>
+              </a:rPr>
+              <a:t>Provide Decision Makers with Novel Insight</a:t>
+            </a:r>
+          </a:p>
+          <a:p>
+            <a:pPr marL="457200" lvl="1" indent="0">
+              <a:buNone/>
+            </a:pPr>
+            <a:r>
+              <a:rPr lang="en-US" sz="2000" dirty="0">
+                <a:latin typeface="Selawik Semibold" panose="020B0702040204020203" pitchFamily="34" charset="0"/>
+              </a:rPr>
+              <a:t>   (Analytic Models)</a:t>
+            </a:r>
+          </a:p>
+          <a:p>
+            <a:pPr marL="457200" lvl="1" indent="0">
+              <a:buNone/>
+            </a:pPr>
+            <a:endParaRPr lang="en-US" sz="2000" dirty="0">
+              <a:latin typeface="Selawik Semibold" panose="020B0702040204020203" pitchFamily="34" charset="0"/>
+            </a:endParaRPr>
+          </a:p>
+          <a:p>
+            <a:r>
+              <a:rPr lang="en-US" sz="2400" dirty="0">
+                <a:latin typeface="Selawik Semibold" panose="020B0702040204020203" pitchFamily="34" charset="0"/>
+              </a:rPr>
+              <a:t>We are an Accessory to the Decision Maker</a:t>
+            </a:r>
+          </a:p>
+          <a:p>
+            <a:pPr lvl="1"/>
+            <a:endParaRPr lang="en-US" sz="2000" dirty="0">
+              <a:latin typeface="Selawik Semibold" panose="020B0702040204020203" pitchFamily="34" charset="0"/>
+            </a:endParaRPr>
+          </a:p>
+          <a:p>
+            <a:pPr lvl="1"/>
+            <a:endParaRPr lang="en-US" sz="2000" dirty="0">
+              <a:latin typeface="Selawik Semibold" panose="020B0702040204020203" pitchFamily="34" charset="0"/>
+            </a:endParaRPr>
+          </a:p>
+          <a:p>
+            <a:pPr lvl="1"/>
+            <a:endParaRPr lang="en-US" sz="1600" dirty="0">
+              <a:latin typeface="Selawik Semibold" panose="020B0702040204020203" pitchFamily="34" charset="0"/>
+            </a:endParaRPr>
+          </a:p>
+          <a:p>
+            <a:pPr lvl="1"/>
+            <a:endParaRPr lang="en-US" sz="2000" dirty="0">
+              <a:latin typeface="Selawik Semibold" panose="020B0702040204020203" pitchFamily="34" charset="0"/>
+            </a:endParaRPr>
+          </a:p>
+          <a:p>
+            <a:pPr lvl="1"/>
+            <a:endParaRPr lang="en-US" sz="2000" dirty="0">
+              <a:latin typeface="Selawik Semibold" panose="020B0702040204020203" pitchFamily="34" charset="0"/>
+            </a:endParaRPr>
+          </a:p>
+          <a:p>
+            <a:pPr lvl="1"/>
+            <a:endParaRPr lang="en-US" sz="2000" dirty="0">
+              <a:latin typeface="Selawik Semibold" panose="020B0702040204020203" pitchFamily="34" charset="0"/>
+            </a:endParaRPr>
+          </a:p>
+        </p:txBody>
+      </p:sp>
+      <p:pic>
+        <p:nvPicPr>
+          <p:cNvPr id="4" name="Picture 3" descr="A drawing of a cartoon character&#10;&#10;Description automatically generated">
+            <a:extLst>
+              <a:ext uri="{FF2B5EF4-FFF2-40B4-BE49-F238E27FC236}">
+                <a16:creationId xmlns:a16="http://schemas.microsoft.com/office/drawing/2014/main" id="{A7FDC859-D890-4904-9C64-27F43DA90453}"/>
+              </a:ext>
+            </a:extLst>
+          </p:cNvPr>
+          <p:cNvPicPr>
+            <a:picLocks noChangeAspect="1"/>
+          </p:cNvPicPr>
+          <p:nvPr/>
+        </p:nvPicPr>
+        <p:blipFill rotWithShape="1">
+          <a:blip r:embed="rId3">
+            <a:extLst>
+              <a:ext uri="{28A0092B-C50C-407E-A947-70E740481C1C}">
+                <a14:useLocalDpi xmlns:a14="http://schemas.microsoft.com/office/drawing/2010/main" val="0"/>
+              </a:ext>
+            </a:extLst>
+          </a:blip>
+          <a:srcRect t="5616" r="2" b="2"/>
+          <a:stretch/>
+        </p:blipFill>
+        <p:spPr>
+          <a:xfrm>
+            <a:off x="7471144" y="1700078"/>
+            <a:ext cx="4720855" cy="2583792"/>
+          </a:xfrm>
+          <a:custGeom>
+            <a:avLst/>
+            <a:gdLst>
+              <a:gd name="connsiteX0" fmla="*/ 0 w 5475077"/>
+              <a:gd name="connsiteY0" fmla="*/ 0 h 2583792"/>
+              <a:gd name="connsiteX1" fmla="*/ 5475077 w 5475077"/>
+              <a:gd name="connsiteY1" fmla="*/ 0 h 2583792"/>
+              <a:gd name="connsiteX2" fmla="*/ 5475077 w 5475077"/>
+              <a:gd name="connsiteY2" fmla="*/ 2583792 h 2583792"/>
+              <a:gd name="connsiteX3" fmla="*/ 1197192 w 5475077"/>
+              <a:gd name="connsiteY3" fmla="*/ 2583792 h 2583792"/>
+            </a:gdLst>
+            <a:ahLst/>
+            <a:cxnLst>
+              <a:cxn ang="0">
+                <a:pos x="connsiteX0" y="connsiteY0"/>
+              </a:cxn>
+              <a:cxn ang="0">
+                <a:pos x="connsiteX1" y="connsiteY1"/>
+              </a:cxn>
+              <a:cxn ang="0">
+                <a:pos x="connsiteX2" y="connsiteY2"/>
+              </a:cxn>
+              <a:cxn ang="0">
+                <a:pos x="connsiteX3" y="connsiteY3"/>
+              </a:cxn>
+            </a:cxnLst>
+            <a:rect l="l" t="t" r="r" b="b"/>
+            <a:pathLst>
+              <a:path w="5475077" h="2583792">
+                <a:moveTo>
+                  <a:pt x="0" y="0"/>
+                </a:moveTo>
+                <a:lnTo>
+                  <a:pt x="5475077" y="0"/>
+                </a:lnTo>
+                <a:lnTo>
+                  <a:pt x="5475077" y="2583792"/>
+                </a:lnTo>
+                <a:lnTo>
+                  <a:pt x="1197192" y="2583792"/>
+                </a:lnTo>
+                <a:close/>
+              </a:path>
+            </a:pathLst>
+          </a:custGeom>
+        </p:spPr>
+      </p:pic>
+      <p:pic>
+        <p:nvPicPr>
+          <p:cNvPr id="5" name="Content Placeholder 4" descr="A picture containing indoor&#10;&#10;Description automatically generated">
+            <a:extLst>
+              <a:ext uri="{FF2B5EF4-FFF2-40B4-BE49-F238E27FC236}">
+                <a16:creationId xmlns:a16="http://schemas.microsoft.com/office/drawing/2014/main" id="{A58F0E55-21F3-485B-A07F-1CE74177BDD2}"/>
+              </a:ext>
+            </a:extLst>
+          </p:cNvPr>
+          <p:cNvPicPr>
+            <a:picLocks noChangeAspect="1"/>
+          </p:cNvPicPr>
+          <p:nvPr/>
+        </p:nvPicPr>
+        <p:blipFill rotWithShape="1">
+          <a:blip r:embed="rId4">
+            <a:extLst>
+              <a:ext uri="{28A0092B-C50C-407E-A947-70E740481C1C}">
+                <a14:useLocalDpi xmlns:a14="http://schemas.microsoft.com/office/drawing/2010/main" val="0"/>
+              </a:ext>
+            </a:extLst>
+          </a:blip>
+          <a:srcRect t="5300" r="3" b="6859"/>
+          <a:stretch/>
+        </p:blipFill>
+        <p:spPr>
+          <a:xfrm>
+            <a:off x="8491869" y="4283870"/>
+            <a:ext cx="3700129" cy="2583520"/>
+          </a:xfrm>
+          <a:custGeom>
+            <a:avLst/>
+            <a:gdLst>
+              <a:gd name="connsiteX0" fmla="*/ 0 w 4277884"/>
+              <a:gd name="connsiteY0" fmla="*/ 0 h 2583520"/>
+              <a:gd name="connsiteX1" fmla="*/ 4277884 w 4277884"/>
+              <a:gd name="connsiteY1" fmla="*/ 0 h 2583520"/>
+              <a:gd name="connsiteX2" fmla="*/ 4277884 w 4277884"/>
+              <a:gd name="connsiteY2" fmla="*/ 2583520 h 2583520"/>
+              <a:gd name="connsiteX3" fmla="*/ 1192437 w 4277884"/>
+              <a:gd name="connsiteY3" fmla="*/ 2583520 h 2583520"/>
+              <a:gd name="connsiteX4" fmla="*/ 1188085 w 4277884"/>
+              <a:gd name="connsiteY4" fmla="*/ 2574129 h 2583520"/>
+              <a:gd name="connsiteX5" fmla="*/ 1192715 w 4277884"/>
+              <a:gd name="connsiteY5" fmla="*/ 2574129 h 2583520"/>
+            </a:gdLst>
+            <a:ahLst/>
+            <a:cxnLst>
+              <a:cxn ang="0">
+                <a:pos x="connsiteX0" y="connsiteY0"/>
+              </a:cxn>
+              <a:cxn ang="0">
+                <a:pos x="connsiteX1" y="connsiteY1"/>
+              </a:cxn>
+              <a:cxn ang="0">
+                <a:pos x="connsiteX2" y="connsiteY2"/>
+              </a:cxn>
+              <a:cxn ang="0">
+                <a:pos x="connsiteX3" y="connsiteY3"/>
+              </a:cxn>
+              <a:cxn ang="0">
+                <a:pos x="connsiteX4" y="connsiteY4"/>
+              </a:cxn>
+              <a:cxn ang="0">
+                <a:pos x="connsiteX5" y="connsiteY5"/>
+              </a:cxn>
+            </a:cxnLst>
+            <a:rect l="l" t="t" r="r" b="b"/>
+            <a:pathLst>
+              <a:path w="4277884" h="2583520">
+                <a:moveTo>
+                  <a:pt x="0" y="0"/>
+                </a:moveTo>
+                <a:lnTo>
+                  <a:pt x="4277884" y="0"/>
+                </a:lnTo>
+                <a:lnTo>
+                  <a:pt x="4277884" y="2583520"/>
+                </a:lnTo>
+                <a:lnTo>
+                  <a:pt x="1192437" y="2583520"/>
+                </a:lnTo>
+                <a:lnTo>
+                  <a:pt x="1188085" y="2574129"/>
+                </a:lnTo>
+                <a:lnTo>
+                  <a:pt x="1192715" y="2574129"/>
+                </a:lnTo>
+                <a:close/>
+              </a:path>
+            </a:pathLst>
+          </a:custGeom>
+        </p:spPr>
+      </p:pic>
+      <p:sp>
+        <p:nvSpPr>
+          <p:cNvPr id="6" name="Rectangle 5">
+            <a:extLst>
+              <a:ext uri="{FF2B5EF4-FFF2-40B4-BE49-F238E27FC236}">
+                <a16:creationId xmlns:a16="http://schemas.microsoft.com/office/drawing/2014/main" id="{A2901312-C3C2-4CEC-80EF-823AB4FBB726}"/>
+              </a:ext>
+            </a:extLst>
+          </p:cNvPr>
+          <p:cNvSpPr/>
+          <p:nvPr/>
+        </p:nvSpPr>
+        <p:spPr>
+          <a:xfrm>
+            <a:off x="-1" y="1608918"/>
+            <a:ext cx="12191999" cy="91160"/>
+          </a:xfrm>
+          <a:prstGeom prst="rect">
+            <a:avLst/>
+          </a:prstGeom>
+          <a:solidFill>
+            <a:schemeClr val="bg1"/>
+          </a:solidFill>
+          <a:ln>
+            <a:noFill/>
+          </a:ln>
+        </p:spPr>
+        <p:style>
+          <a:lnRef idx="2">
+            <a:schemeClr val="accent1">
+              <a:shade val="50000"/>
+            </a:schemeClr>
+          </a:lnRef>
+          <a:fillRef idx="1">
+            <a:schemeClr val="accent1"/>
+          </a:fillRef>
+          <a:effectRef idx="0">
+            <a:schemeClr val="accent1"/>
+          </a:effectRef>
+          <a:fontRef idx="minor">
+            <a:schemeClr val="lt1"/>
+          </a:fontRef>
+        </p:style>
+        <p:txBody>
+          <a:bodyPr rtlCol="0" anchor="ctr"/>
+          <a:lstStyle/>
+          <a:p>
+            <a:pPr algn="ctr"/>
+            <a:endParaRPr lang="en-US">
+              <a:solidFill>
+                <a:srgbClr val="DB5B5C"/>
+              </a:solidFill>
+            </a:endParaRPr>
+          </a:p>
+        </p:txBody>
+      </p:sp>
+      <p:sp>
+        <p:nvSpPr>
+          <p:cNvPr id="15" name="Rectangle 14">
+            <a:extLst>
+              <a:ext uri="{FF2B5EF4-FFF2-40B4-BE49-F238E27FC236}">
+                <a16:creationId xmlns:a16="http://schemas.microsoft.com/office/drawing/2014/main" id="{AD0A7C9C-CA2C-4B9B-A125-2D09D5573B44}"/>
+              </a:ext>
+            </a:extLst>
+          </p:cNvPr>
+          <p:cNvSpPr/>
+          <p:nvPr/>
+        </p:nvSpPr>
+        <p:spPr>
+          <a:xfrm>
+            <a:off x="1" y="6677247"/>
+            <a:ext cx="12191999" cy="190143"/>
+          </a:xfrm>
+          <a:prstGeom prst="rect">
+            <a:avLst/>
+          </a:prstGeom>
+          <a:solidFill>
+            <a:schemeClr val="bg1"/>
+          </a:solidFill>
+          <a:ln>
+            <a:noFill/>
+          </a:ln>
+        </p:spPr>
+        <p:style>
+          <a:lnRef idx="2">
+            <a:schemeClr val="accent1">
+              <a:shade val="50000"/>
+            </a:schemeClr>
+          </a:lnRef>
+          <a:fillRef idx="1">
+            <a:schemeClr val="accent1"/>
+          </a:fillRef>
+          <a:effectRef idx="0">
+            <a:schemeClr val="accent1"/>
+          </a:effectRef>
+          <a:fontRef idx="minor">
+            <a:schemeClr val="lt1"/>
+          </a:fontRef>
+        </p:style>
+        <p:txBody>
+          <a:bodyPr rtlCol="0" anchor="ctr"/>
+          <a:lstStyle/>
+          <a:p>
+            <a:pPr algn="ctr"/>
+            <a:endParaRPr lang="en-US">
+              <a:solidFill>
+                <a:srgbClr val="DB5B5C"/>
+              </a:solidFill>
+            </a:endParaRPr>
+          </a:p>
+        </p:txBody>
+      </p:sp>
+      <p:sp>
+        <p:nvSpPr>
+          <p:cNvPr id="16" name="Rectangle 15">
+            <a:extLst>
+              <a:ext uri="{FF2B5EF4-FFF2-40B4-BE49-F238E27FC236}">
+                <a16:creationId xmlns:a16="http://schemas.microsoft.com/office/drawing/2014/main" id="{74A085FC-1866-46D4-97F7-51AA45E48D4F}"/>
+              </a:ext>
+            </a:extLst>
+          </p:cNvPr>
+          <p:cNvSpPr/>
+          <p:nvPr/>
+        </p:nvSpPr>
+        <p:spPr>
+          <a:xfrm rot="4092292">
+            <a:off x="5790668" y="4094517"/>
+            <a:ext cx="5446699" cy="137038"/>
+          </a:xfrm>
+          <a:prstGeom prst="rect">
+            <a:avLst/>
+          </a:prstGeom>
+          <a:solidFill>
+            <a:schemeClr val="bg1"/>
+          </a:solidFill>
+          <a:ln>
+            <a:noFill/>
+          </a:ln>
+        </p:spPr>
+        <p:style>
+          <a:lnRef idx="2">
+            <a:schemeClr val="accent1">
+              <a:shade val="50000"/>
+            </a:schemeClr>
+          </a:lnRef>
+          <a:fillRef idx="1">
+            <a:schemeClr val="accent1"/>
+          </a:fillRef>
+          <a:effectRef idx="0">
+            <a:schemeClr val="accent1"/>
+          </a:effectRef>
+          <a:fontRef idx="minor">
+            <a:schemeClr val="lt1"/>
+          </a:fontRef>
+        </p:style>
+        <p:txBody>
+          <a:bodyPr rtlCol="0" anchor="ctr"/>
+          <a:lstStyle/>
+          <a:p>
+            <a:pPr algn="ctr"/>
+            <a:endParaRPr lang="en-US">
+              <a:solidFill>
+                <a:srgbClr val="DB5B5C"/>
+              </a:solidFill>
+            </a:endParaRPr>
+          </a:p>
+        </p:txBody>
+      </p:sp>
+    </p:spTree>
+    <p:extLst>
+      <p:ext uri="{BB962C8B-B14F-4D97-AF65-F5344CB8AC3E}">
+        <p14:creationId xmlns:p14="http://schemas.microsoft.com/office/powerpoint/2010/main" val="77696106"/>
+      </p:ext>
+    </p:extLst>
+  </p:cSld>
+  <p:clrMapOvr>
+    <a:overrideClrMapping bg1="dk1" tx1="lt1" bg2="dk2" tx2="lt2" accent1="accent1" accent2="accent2" accent3="accent3" accent4="accent4" accent5="accent5" accent6="accent6" hlink="hlink" folHlink="folHlink"/>
+  </p:clrMapOvr>
+</p:sld>
+</file>
+
+<file path=ppt/slides/slide27.xml><?xml version="1.0" encoding="utf-8"?>
+<p:sld xmlns:a="http://schemas.openxmlformats.org/drawingml/2006/main" xmlns:r="http://schemas.openxmlformats.org/officeDocument/2006/relationships" xmlns:p="http://schemas.openxmlformats.org/presentationml/2006/main">
+  <p:cSld>
+    <p:bg>
+      <p:bgPr>
+        <a:solidFill>
+          <a:srgbClr val="395583"/>
+        </a:solidFill>
+        <a:effectLst/>
+      </p:bgPr>
+    </p:bg>
+    <p:spTree>
+      <p:nvGrpSpPr>
+        <p:cNvPr id="1" name=""/>
+        <p:cNvGrpSpPr/>
+        <p:nvPr/>
+      </p:nvGrpSpPr>
+      <p:grpSpPr>
+        <a:xfrm>
+          <a:off x="0" y="0"/>
+          <a:ext cx="0" cy="0"/>
+          <a:chOff x="0" y="0"/>
+          <a:chExt cx="0" cy="0"/>
+        </a:xfrm>
+      </p:grpSpPr>
+      <p:sp>
+        <p:nvSpPr>
+          <p:cNvPr id="25" name="Rectangle 24">
+            <a:extLst>
+              <a:ext uri="{FF2B5EF4-FFF2-40B4-BE49-F238E27FC236}">
+                <a16:creationId xmlns:a16="http://schemas.microsoft.com/office/drawing/2014/main" id="{A6792F05-2FD4-4F18-815E-15391E8B4A0E}"/>
+              </a:ext>
+              <a:ext uri="{C183D7F6-B498-43B3-948B-1728B52AA6E4}">
+                <adec:decorative xmlns:adec="http://schemas.microsoft.com/office/drawing/2017/decorative" val="1"/>
+              </a:ext>
+            </a:extLst>
+          </p:cNvPr>
+          <p:cNvSpPr>
+            <a:spLocks noGrp="1" noRot="1" noChangeAspect="1" noMove="1" noResize="1" noEditPoints="1" noAdjustHandles="1" noChangeArrowheads="1" noChangeShapeType="1" noTextEdit="1"/>
+          </p:cNvSpPr>
+          <p:nvPr>
+            <p:extLst>
+              <p:ext uri="{386F3935-93C4-4BCD-93E2-E3B085C9AB24}">
+                <p16:designElem xmlns:p16="http://schemas.microsoft.com/office/powerpoint/2015/main" val="1"/>
+              </p:ext>
+            </p:extLst>
+          </p:nvPr>
+        </p:nvSpPr>
+        <p:spPr>
+          <a:xfrm>
+            <a:off x="0" y="0"/>
+            <a:ext cx="12191999" cy="6858000"/>
+          </a:xfrm>
+          <a:prstGeom prst="rect">
+            <a:avLst/>
+          </a:prstGeom>
+          <a:solidFill>
+            <a:srgbClr val="395583"/>
+          </a:solidFill>
+          <a:ln>
+            <a:noFill/>
+          </a:ln>
+        </p:spPr>
+        <p:style>
+          <a:lnRef idx="2">
+            <a:schemeClr val="accent1">
+              <a:shade val="50000"/>
+            </a:schemeClr>
+          </a:lnRef>
+          <a:fillRef idx="1">
+            <a:schemeClr val="accent1"/>
+          </a:fillRef>
+          <a:effectRef idx="0">
+            <a:schemeClr val="accent1"/>
+          </a:effectRef>
+          <a:fontRef idx="minor">
+            <a:schemeClr val="lt1"/>
+          </a:fontRef>
+        </p:style>
+        <p:txBody>
+          <a:bodyPr rtlCol="0" anchor="ctr"/>
+          <a:lstStyle/>
+          <a:p>
+            <a:pPr algn="ctr"/>
+            <a:endParaRPr lang="en-US"/>
+          </a:p>
+        </p:txBody>
+      </p:sp>
+      <p:sp>
+        <p:nvSpPr>
+          <p:cNvPr id="2" name="Title 1">
+            <a:extLst>
+              <a:ext uri="{FF2B5EF4-FFF2-40B4-BE49-F238E27FC236}">
+                <a16:creationId xmlns:a16="http://schemas.microsoft.com/office/drawing/2014/main" id="{2589AFCC-0FF0-498C-B11F-8990DF0DAAA5}"/>
+              </a:ext>
+            </a:extLst>
+          </p:cNvPr>
+          <p:cNvSpPr>
+            <a:spLocks noGrp="1"/>
+          </p:cNvSpPr>
+          <p:nvPr>
+            <p:ph type="title"/>
+          </p:nvPr>
+        </p:nvSpPr>
+        <p:spPr>
+          <a:xfrm>
+            <a:off x="838200" y="365125"/>
+            <a:ext cx="10515600" cy="1325563"/>
+          </a:xfrm>
+        </p:spPr>
+        <p:txBody>
+          <a:bodyPr>
+            <a:normAutofit/>
+          </a:bodyPr>
+          <a:lstStyle/>
+          <a:p>
+            <a:r>
+              <a:rPr lang="en-US" b="1" dirty="0">
+                <a:latin typeface="Selawik Semibold" panose="020B0604020202020204" pitchFamily="34" charset="0"/>
+              </a:rPr>
+              <a:t>What is Sports Analytics?</a:t>
+            </a:r>
+          </a:p>
+        </p:txBody>
+      </p:sp>
+      <p:sp>
+        <p:nvSpPr>
+          <p:cNvPr id="9" name="Content Placeholder 8">
+            <a:extLst>
+              <a:ext uri="{FF2B5EF4-FFF2-40B4-BE49-F238E27FC236}">
+                <a16:creationId xmlns:a16="http://schemas.microsoft.com/office/drawing/2014/main" id="{2D995594-59F2-4020-AB6F-751BAE84ADB3}"/>
+              </a:ext>
+            </a:extLst>
+          </p:cNvPr>
+          <p:cNvSpPr>
+            <a:spLocks noGrp="1"/>
+          </p:cNvSpPr>
+          <p:nvPr>
+            <p:ph idx="1"/>
+          </p:nvPr>
+        </p:nvSpPr>
+        <p:spPr>
+          <a:xfrm>
+            <a:off x="838199" y="2021249"/>
+            <a:ext cx="7324166" cy="4581257"/>
+          </a:xfrm>
+        </p:spPr>
+        <p:txBody>
+          <a:bodyPr>
+            <a:normAutofit/>
+          </a:bodyPr>
+          <a:lstStyle/>
+          <a:p>
+            <a:r>
+              <a:rPr lang="en-US" sz="2400" dirty="0">
+                <a:latin typeface="Selawik Semibold" panose="020B0702040204020203" pitchFamily="34" charset="0"/>
+              </a:rPr>
+              <a:t>Different Decision Makers</a:t>
+            </a:r>
+            <a:endParaRPr lang="en-US" sz="2000" dirty="0">
+              <a:latin typeface="Selawik Semibold" panose="020B0702040204020203" pitchFamily="34" charset="0"/>
+            </a:endParaRPr>
+          </a:p>
+          <a:p>
+            <a:pPr lvl="1"/>
+            <a:r>
+              <a:rPr lang="en-US" sz="2000" dirty="0">
+                <a:latin typeface="Selawik Semibold" panose="020B0702040204020203" pitchFamily="34" charset="0"/>
+              </a:rPr>
+              <a:t>Off-the-Field: Profit Driven</a:t>
+            </a:r>
+          </a:p>
+          <a:p>
+            <a:pPr lvl="1"/>
+            <a:r>
+              <a:rPr lang="en-US" sz="2000" dirty="0">
+                <a:latin typeface="Selawik Semibold" panose="020B0702040204020203" pitchFamily="34" charset="0"/>
+              </a:rPr>
+              <a:t>On-the-Field: Performance Driven</a:t>
+            </a:r>
+          </a:p>
+          <a:p>
+            <a:endParaRPr lang="en-US" sz="2400" dirty="0">
+              <a:latin typeface="Selawik Semibold" panose="020B0702040204020203" pitchFamily="34" charset="0"/>
+            </a:endParaRPr>
+          </a:p>
+          <a:p>
+            <a:r>
+              <a:rPr lang="en-US" sz="2400">
+                <a:latin typeface="Selawik Semibold" panose="020B0702040204020203" pitchFamily="34" charset="0"/>
+              </a:rPr>
+              <a:t>Attributes of the </a:t>
+            </a:r>
+            <a:r>
+              <a:rPr lang="en-US" sz="2400" dirty="0">
+                <a:latin typeface="Selawik Semibold" panose="020B0702040204020203" pitchFamily="34" charset="0"/>
+              </a:rPr>
+              <a:t>Data Analyst</a:t>
+            </a:r>
+          </a:p>
+          <a:p>
+            <a:pPr lvl="1"/>
+            <a:r>
+              <a:rPr lang="en-US" sz="2000" dirty="0">
+                <a:latin typeface="Selawik Semibold" panose="020B0702040204020203" pitchFamily="34" charset="0"/>
+              </a:rPr>
+              <a:t>Competence – Ben </a:t>
+            </a:r>
+            <a:r>
+              <a:rPr lang="en-US" sz="2000" dirty="0" err="1">
+                <a:latin typeface="Selawik Semibold" panose="020B0702040204020203" pitchFamily="34" charset="0"/>
+              </a:rPr>
+              <a:t>Alamar</a:t>
+            </a:r>
+            <a:endParaRPr lang="en-US" sz="2000" dirty="0">
+              <a:latin typeface="Selawik Semibold" panose="020B0702040204020203" pitchFamily="34" charset="0"/>
+            </a:endParaRPr>
+          </a:p>
+          <a:p>
+            <a:pPr lvl="1"/>
+            <a:r>
+              <a:rPr lang="en-US" sz="2000" dirty="0">
+                <a:latin typeface="Selawik Semibold" panose="020B0702040204020203" pitchFamily="34" charset="0"/>
+              </a:rPr>
+              <a:t>Leadership – Ben </a:t>
+            </a:r>
+            <a:r>
+              <a:rPr lang="en-US" sz="2000" dirty="0" err="1">
+                <a:latin typeface="Selawik Semibold" panose="020B0702040204020203" pitchFamily="34" charset="0"/>
+              </a:rPr>
+              <a:t>Alamar</a:t>
+            </a:r>
+            <a:endParaRPr lang="en-US" sz="2000" dirty="0">
+              <a:latin typeface="Selawik Semibold" panose="020B0702040204020203" pitchFamily="34" charset="0"/>
+            </a:endParaRPr>
+          </a:p>
+          <a:p>
+            <a:pPr lvl="1"/>
+            <a:r>
+              <a:rPr lang="en-US" sz="2000" dirty="0">
+                <a:latin typeface="Selawik Semibold" panose="020B0702040204020203" pitchFamily="34" charset="0"/>
+              </a:rPr>
+              <a:t>Humility – Dr. Mario</a:t>
+            </a:r>
+          </a:p>
+          <a:p>
+            <a:pPr lvl="1"/>
+            <a:r>
+              <a:rPr lang="en-US" sz="2000" dirty="0">
+                <a:latin typeface="Selawik Semibold" panose="020B0702040204020203" pitchFamily="34" charset="0"/>
+              </a:rPr>
+              <a:t>Honesty – Dr. Mario</a:t>
+            </a:r>
+          </a:p>
+          <a:p>
+            <a:pPr lvl="1"/>
+            <a:endParaRPr lang="en-US" sz="2000" dirty="0">
+              <a:latin typeface="Selawik Semibold" panose="020B0702040204020203" pitchFamily="34" charset="0"/>
+            </a:endParaRPr>
+          </a:p>
+          <a:p>
+            <a:pPr lvl="1"/>
+            <a:endParaRPr lang="en-US" sz="2000" dirty="0">
+              <a:latin typeface="Selawik Semibold" panose="020B0702040204020203" pitchFamily="34" charset="0"/>
+            </a:endParaRPr>
+          </a:p>
+          <a:p>
+            <a:pPr lvl="1"/>
+            <a:endParaRPr lang="en-US" sz="1600" dirty="0">
+              <a:latin typeface="Selawik Semibold" panose="020B0702040204020203" pitchFamily="34" charset="0"/>
+            </a:endParaRPr>
+          </a:p>
+          <a:p>
+            <a:pPr lvl="1"/>
+            <a:endParaRPr lang="en-US" sz="2000" dirty="0">
+              <a:latin typeface="Selawik Semibold" panose="020B0702040204020203" pitchFamily="34" charset="0"/>
+            </a:endParaRPr>
+          </a:p>
+          <a:p>
+            <a:pPr lvl="1"/>
+            <a:endParaRPr lang="en-US" sz="2000" dirty="0">
+              <a:latin typeface="Selawik Semibold" panose="020B0702040204020203" pitchFamily="34" charset="0"/>
+            </a:endParaRPr>
+          </a:p>
+          <a:p>
+            <a:pPr lvl="1"/>
+            <a:endParaRPr lang="en-US" sz="2000" dirty="0">
+              <a:latin typeface="Selawik Semibold" panose="020B0702040204020203" pitchFamily="34" charset="0"/>
+            </a:endParaRPr>
+          </a:p>
+        </p:txBody>
+      </p:sp>
+      <p:pic>
+        <p:nvPicPr>
+          <p:cNvPr id="4" name="Picture 3" descr="A drawing of a cartoon character&#10;&#10;Description automatically generated">
+            <a:extLst>
+              <a:ext uri="{FF2B5EF4-FFF2-40B4-BE49-F238E27FC236}">
+                <a16:creationId xmlns:a16="http://schemas.microsoft.com/office/drawing/2014/main" id="{A7FDC859-D890-4904-9C64-27F43DA90453}"/>
+              </a:ext>
+            </a:extLst>
+          </p:cNvPr>
+          <p:cNvPicPr>
+            <a:picLocks noChangeAspect="1"/>
+          </p:cNvPicPr>
+          <p:nvPr/>
+        </p:nvPicPr>
+        <p:blipFill rotWithShape="1">
+          <a:blip r:embed="rId3">
+            <a:extLst>
+              <a:ext uri="{28A0092B-C50C-407E-A947-70E740481C1C}">
+                <a14:useLocalDpi xmlns:a14="http://schemas.microsoft.com/office/drawing/2010/main" val="0"/>
+              </a:ext>
+            </a:extLst>
+          </a:blip>
+          <a:srcRect t="5616" r="2" b="2"/>
+          <a:stretch/>
+        </p:blipFill>
+        <p:spPr>
+          <a:xfrm>
+            <a:off x="7471144" y="1700078"/>
+            <a:ext cx="4720855" cy="2583792"/>
+          </a:xfrm>
+          <a:custGeom>
+            <a:avLst/>
+            <a:gdLst>
+              <a:gd name="connsiteX0" fmla="*/ 0 w 5475077"/>
+              <a:gd name="connsiteY0" fmla="*/ 0 h 2583792"/>
+              <a:gd name="connsiteX1" fmla="*/ 5475077 w 5475077"/>
+              <a:gd name="connsiteY1" fmla="*/ 0 h 2583792"/>
+              <a:gd name="connsiteX2" fmla="*/ 5475077 w 5475077"/>
+              <a:gd name="connsiteY2" fmla="*/ 2583792 h 2583792"/>
+              <a:gd name="connsiteX3" fmla="*/ 1197192 w 5475077"/>
+              <a:gd name="connsiteY3" fmla="*/ 2583792 h 2583792"/>
+            </a:gdLst>
+            <a:ahLst/>
+            <a:cxnLst>
+              <a:cxn ang="0">
+                <a:pos x="connsiteX0" y="connsiteY0"/>
+              </a:cxn>
+              <a:cxn ang="0">
+                <a:pos x="connsiteX1" y="connsiteY1"/>
+              </a:cxn>
+              <a:cxn ang="0">
+                <a:pos x="connsiteX2" y="connsiteY2"/>
+              </a:cxn>
+              <a:cxn ang="0">
+                <a:pos x="connsiteX3" y="connsiteY3"/>
+              </a:cxn>
+            </a:cxnLst>
+            <a:rect l="l" t="t" r="r" b="b"/>
+            <a:pathLst>
+              <a:path w="5475077" h="2583792">
+                <a:moveTo>
+                  <a:pt x="0" y="0"/>
+                </a:moveTo>
+                <a:lnTo>
+                  <a:pt x="5475077" y="0"/>
+                </a:lnTo>
+                <a:lnTo>
+                  <a:pt x="5475077" y="2583792"/>
+                </a:lnTo>
+                <a:lnTo>
+                  <a:pt x="1197192" y="2583792"/>
+                </a:lnTo>
+                <a:close/>
+              </a:path>
+            </a:pathLst>
+          </a:custGeom>
+        </p:spPr>
+      </p:pic>
+      <p:pic>
+        <p:nvPicPr>
+          <p:cNvPr id="5" name="Content Placeholder 4" descr="A picture containing indoor&#10;&#10;Description automatically generated">
+            <a:extLst>
+              <a:ext uri="{FF2B5EF4-FFF2-40B4-BE49-F238E27FC236}">
+                <a16:creationId xmlns:a16="http://schemas.microsoft.com/office/drawing/2014/main" id="{A58F0E55-21F3-485B-A07F-1CE74177BDD2}"/>
+              </a:ext>
+            </a:extLst>
+          </p:cNvPr>
+          <p:cNvPicPr>
+            <a:picLocks noChangeAspect="1"/>
+          </p:cNvPicPr>
+          <p:nvPr/>
+        </p:nvPicPr>
+        <p:blipFill rotWithShape="1">
+          <a:blip r:embed="rId4">
+            <a:extLst>
+              <a:ext uri="{28A0092B-C50C-407E-A947-70E740481C1C}">
+                <a14:useLocalDpi xmlns:a14="http://schemas.microsoft.com/office/drawing/2010/main" val="0"/>
+              </a:ext>
+            </a:extLst>
+          </a:blip>
+          <a:srcRect t="5300" r="3" b="6859"/>
+          <a:stretch/>
+        </p:blipFill>
+        <p:spPr>
+          <a:xfrm>
+            <a:off x="8491869" y="4283870"/>
+            <a:ext cx="3700129" cy="2583520"/>
+          </a:xfrm>
+          <a:custGeom>
+            <a:avLst/>
+            <a:gdLst>
+              <a:gd name="connsiteX0" fmla="*/ 0 w 4277884"/>
+              <a:gd name="connsiteY0" fmla="*/ 0 h 2583520"/>
+              <a:gd name="connsiteX1" fmla="*/ 4277884 w 4277884"/>
+              <a:gd name="connsiteY1" fmla="*/ 0 h 2583520"/>
+              <a:gd name="connsiteX2" fmla="*/ 4277884 w 4277884"/>
+              <a:gd name="connsiteY2" fmla="*/ 2583520 h 2583520"/>
+              <a:gd name="connsiteX3" fmla="*/ 1192437 w 4277884"/>
+              <a:gd name="connsiteY3" fmla="*/ 2583520 h 2583520"/>
+              <a:gd name="connsiteX4" fmla="*/ 1188085 w 4277884"/>
+              <a:gd name="connsiteY4" fmla="*/ 2574129 h 2583520"/>
+              <a:gd name="connsiteX5" fmla="*/ 1192715 w 4277884"/>
+              <a:gd name="connsiteY5" fmla="*/ 2574129 h 2583520"/>
+            </a:gdLst>
+            <a:ahLst/>
+            <a:cxnLst>
+              <a:cxn ang="0">
+                <a:pos x="connsiteX0" y="connsiteY0"/>
+              </a:cxn>
+              <a:cxn ang="0">
+                <a:pos x="connsiteX1" y="connsiteY1"/>
+              </a:cxn>
+              <a:cxn ang="0">
+                <a:pos x="connsiteX2" y="connsiteY2"/>
+              </a:cxn>
+              <a:cxn ang="0">
+                <a:pos x="connsiteX3" y="connsiteY3"/>
+              </a:cxn>
+              <a:cxn ang="0">
+                <a:pos x="connsiteX4" y="connsiteY4"/>
+              </a:cxn>
+              <a:cxn ang="0">
+                <a:pos x="connsiteX5" y="connsiteY5"/>
+              </a:cxn>
+            </a:cxnLst>
+            <a:rect l="l" t="t" r="r" b="b"/>
+            <a:pathLst>
+              <a:path w="4277884" h="2583520">
+                <a:moveTo>
+                  <a:pt x="0" y="0"/>
+                </a:moveTo>
+                <a:lnTo>
+                  <a:pt x="4277884" y="0"/>
+                </a:lnTo>
+                <a:lnTo>
+                  <a:pt x="4277884" y="2583520"/>
+                </a:lnTo>
+                <a:lnTo>
+                  <a:pt x="1192437" y="2583520"/>
+                </a:lnTo>
+                <a:lnTo>
+                  <a:pt x="1188085" y="2574129"/>
+                </a:lnTo>
+                <a:lnTo>
+                  <a:pt x="1192715" y="2574129"/>
+                </a:lnTo>
+                <a:close/>
+              </a:path>
+            </a:pathLst>
+          </a:custGeom>
+        </p:spPr>
+      </p:pic>
+      <p:sp>
+        <p:nvSpPr>
+          <p:cNvPr id="6" name="Rectangle 5">
+            <a:extLst>
+              <a:ext uri="{FF2B5EF4-FFF2-40B4-BE49-F238E27FC236}">
+                <a16:creationId xmlns:a16="http://schemas.microsoft.com/office/drawing/2014/main" id="{A2901312-C3C2-4CEC-80EF-823AB4FBB726}"/>
+              </a:ext>
+            </a:extLst>
+          </p:cNvPr>
+          <p:cNvSpPr/>
+          <p:nvPr/>
+        </p:nvSpPr>
+        <p:spPr>
+          <a:xfrm>
+            <a:off x="-1" y="1608918"/>
+            <a:ext cx="12191999" cy="91160"/>
+          </a:xfrm>
+          <a:prstGeom prst="rect">
+            <a:avLst/>
+          </a:prstGeom>
+          <a:solidFill>
+            <a:schemeClr val="bg1"/>
+          </a:solidFill>
+          <a:ln>
+            <a:noFill/>
+          </a:ln>
+        </p:spPr>
+        <p:style>
+          <a:lnRef idx="2">
+            <a:schemeClr val="accent1">
+              <a:shade val="50000"/>
+            </a:schemeClr>
+          </a:lnRef>
+          <a:fillRef idx="1">
+            <a:schemeClr val="accent1"/>
+          </a:fillRef>
+          <a:effectRef idx="0">
+            <a:schemeClr val="accent1"/>
+          </a:effectRef>
+          <a:fontRef idx="minor">
+            <a:schemeClr val="lt1"/>
+          </a:fontRef>
+        </p:style>
+        <p:txBody>
+          <a:bodyPr rtlCol="0" anchor="ctr"/>
+          <a:lstStyle/>
+          <a:p>
+            <a:pPr algn="ctr"/>
+            <a:endParaRPr lang="en-US">
+              <a:solidFill>
+                <a:srgbClr val="DB5B5C"/>
+              </a:solidFill>
+            </a:endParaRPr>
+          </a:p>
+        </p:txBody>
+      </p:sp>
+      <p:sp>
+        <p:nvSpPr>
+          <p:cNvPr id="15" name="Rectangle 14">
+            <a:extLst>
+              <a:ext uri="{FF2B5EF4-FFF2-40B4-BE49-F238E27FC236}">
+                <a16:creationId xmlns:a16="http://schemas.microsoft.com/office/drawing/2014/main" id="{AD0A7C9C-CA2C-4B9B-A125-2D09D5573B44}"/>
+              </a:ext>
+            </a:extLst>
+          </p:cNvPr>
+          <p:cNvSpPr/>
+          <p:nvPr/>
+        </p:nvSpPr>
+        <p:spPr>
+          <a:xfrm>
+            <a:off x="1" y="6677247"/>
+            <a:ext cx="12191999" cy="190143"/>
+          </a:xfrm>
+          <a:prstGeom prst="rect">
+            <a:avLst/>
+          </a:prstGeom>
+          <a:solidFill>
+            <a:schemeClr val="bg1"/>
+          </a:solidFill>
+          <a:ln>
+            <a:noFill/>
+          </a:ln>
+        </p:spPr>
+        <p:style>
+          <a:lnRef idx="2">
+            <a:schemeClr val="accent1">
+              <a:shade val="50000"/>
+            </a:schemeClr>
+          </a:lnRef>
+          <a:fillRef idx="1">
+            <a:schemeClr val="accent1"/>
+          </a:fillRef>
+          <a:effectRef idx="0">
+            <a:schemeClr val="accent1"/>
+          </a:effectRef>
+          <a:fontRef idx="minor">
+            <a:schemeClr val="lt1"/>
+          </a:fontRef>
+        </p:style>
+        <p:txBody>
+          <a:bodyPr rtlCol="0" anchor="ctr"/>
+          <a:lstStyle/>
+          <a:p>
+            <a:pPr algn="ctr"/>
+            <a:endParaRPr lang="en-US">
+              <a:solidFill>
+                <a:srgbClr val="DB5B5C"/>
+              </a:solidFill>
+            </a:endParaRPr>
+          </a:p>
+        </p:txBody>
+      </p:sp>
+      <p:sp>
+        <p:nvSpPr>
+          <p:cNvPr id="16" name="Rectangle 15">
+            <a:extLst>
+              <a:ext uri="{FF2B5EF4-FFF2-40B4-BE49-F238E27FC236}">
+                <a16:creationId xmlns:a16="http://schemas.microsoft.com/office/drawing/2014/main" id="{74A085FC-1866-46D4-97F7-51AA45E48D4F}"/>
+              </a:ext>
+            </a:extLst>
+          </p:cNvPr>
+          <p:cNvSpPr/>
+          <p:nvPr/>
+        </p:nvSpPr>
+        <p:spPr>
+          <a:xfrm rot="4092292">
+            <a:off x="5790668" y="4094517"/>
+            <a:ext cx="5446699" cy="137038"/>
+          </a:xfrm>
+          <a:prstGeom prst="rect">
+            <a:avLst/>
+          </a:prstGeom>
+          <a:solidFill>
+            <a:schemeClr val="bg1"/>
+          </a:solidFill>
+          <a:ln>
+            <a:noFill/>
+          </a:ln>
+        </p:spPr>
+        <p:style>
+          <a:lnRef idx="2">
+            <a:schemeClr val="accent1">
+              <a:shade val="50000"/>
+            </a:schemeClr>
+          </a:lnRef>
+          <a:fillRef idx="1">
+            <a:schemeClr val="accent1"/>
+          </a:fillRef>
+          <a:effectRef idx="0">
+            <a:schemeClr val="accent1"/>
+          </a:effectRef>
+          <a:fontRef idx="minor">
+            <a:schemeClr val="lt1"/>
+          </a:fontRef>
+        </p:style>
+        <p:txBody>
+          <a:bodyPr rtlCol="0" anchor="ctr"/>
+          <a:lstStyle/>
+          <a:p>
+            <a:pPr algn="ctr"/>
+            <a:endParaRPr lang="en-US">
+              <a:solidFill>
+                <a:srgbClr val="DB5B5C"/>
+              </a:solidFill>
+            </a:endParaRPr>
+          </a:p>
+        </p:txBody>
+      </p:sp>
     </p:spTree>
     <p:extLst>
       <p:ext uri="{BB962C8B-B14F-4D97-AF65-F5344CB8AC3E}">
@@ -16257,7 +17721,7 @@
 </p:sld>
 </file>
 
-<file path=ppt/slides/slide26.xml><?xml version="1.0" encoding="utf-8"?>
+<file path=ppt/slides/slide28.xml><?xml version="1.0" encoding="utf-8"?>
 <p:sld xmlns:a="http://schemas.openxmlformats.org/drawingml/2006/main" xmlns:r="http://schemas.openxmlformats.org/officeDocument/2006/relationships" xmlns:p="http://schemas.openxmlformats.org/presentationml/2006/main">
   <p:cSld>
     <p:bg>
@@ -17016,7 +18480,7 @@
               <a:rPr lang="en-US" sz="2400" dirty="0">
                 <a:latin typeface="Selawik Semibold" panose="020B0702040204020203" pitchFamily="34" charset="0"/>
               </a:rPr>
-              <a:t>96 Responses (Thank You!!)</a:t>
+              <a:t>89 Responses (Thank You!!)</a:t>
             </a:r>
           </a:p>
           <a:p>
@@ -17032,7 +18496,20 @@
               <a:rPr lang="en-US" sz="2400" dirty="0">
                 <a:latin typeface="Selawik Semibold" panose="020B0702040204020203" pitchFamily="34" charset="0"/>
               </a:rPr>
-              <a:t>Majority are Seniors (60/96)</a:t>
+              <a:t>Majority are Seniors (60/89)</a:t>
+            </a:r>
+          </a:p>
+          <a:p>
+            <a:endParaRPr lang="en-US" sz="2400" dirty="0">
+              <a:latin typeface="Selawik Semibold" panose="020B0702040204020203" pitchFamily="34" charset="0"/>
+            </a:endParaRPr>
+          </a:p>
+          <a:p>
+            <a:r>
+              <a:rPr lang="en-US" sz="2400" dirty="0">
+                <a:latin typeface="Selawik Semibold" panose="020B0702040204020203" pitchFamily="34" charset="0"/>
+              </a:rPr>
+              <a:t>Others are Juniors (29/89)</a:t>
             </a:r>
             <a:endParaRPr lang="en-US" sz="1600" dirty="0">
               <a:latin typeface="Selawik Semibold" panose="020B0702040204020203" pitchFamily="34" charset="0"/>
@@ -17907,10 +19384,10 @@
       </p:sp>
       <p:pic>
         <p:nvPicPr>
-          <p:cNvPr id="11" name="Picture 10" descr="Chart, bar chart&#10;&#10;Description automatically generated">
-            <a:extLst>
-              <a:ext uri="{FF2B5EF4-FFF2-40B4-BE49-F238E27FC236}">
-                <a16:creationId xmlns:a16="http://schemas.microsoft.com/office/drawing/2014/main" id="{080CA9A7-5BD2-66B8-ACA4-170BA3F89E0F}"/>
+          <p:cNvPr id="10" name="Picture 9" descr="A graph of a graph of a number of squares&#10;&#10;Description automatically generated with medium confidence">
+            <a:extLst>
+              <a:ext uri="{FF2B5EF4-FFF2-40B4-BE49-F238E27FC236}">
+                <a16:creationId xmlns:a16="http://schemas.microsoft.com/office/drawing/2014/main" id="{82F96C63-1E9C-A2D9-5CA0-3EB23DB83E7A}"/>
               </a:ext>
             </a:extLst>
           </p:cNvPr>
@@ -17933,8 +19410,8 @@
         </p:blipFill>
         <p:spPr>
           <a:xfrm>
-            <a:off x="310247" y="1850973"/>
-            <a:ext cx="7013188" cy="4675459"/>
+            <a:off x="86311" y="1709468"/>
+            <a:ext cx="7451669" cy="4967779"/>
           </a:xfrm>
           <a:prstGeom prst="rect">
             <a:avLst/>
@@ -18463,10 +19940,10 @@
       </p:sp>
       <p:pic>
         <p:nvPicPr>
-          <p:cNvPr id="11" name="Picture 10" descr="Chart, waterfall chart&#10;&#10;Description automatically generated">
-            <a:extLst>
-              <a:ext uri="{FF2B5EF4-FFF2-40B4-BE49-F238E27FC236}">
-                <a16:creationId xmlns:a16="http://schemas.microsoft.com/office/drawing/2014/main" id="{A8820463-5B58-C429-6D6B-C0A5FD5B11BF}"/>
+          <p:cNvPr id="10" name="Picture 9" descr="A graph of a graduation goal&#10;&#10;Description automatically generated">
+            <a:extLst>
+              <a:ext uri="{FF2B5EF4-FFF2-40B4-BE49-F238E27FC236}">
+                <a16:creationId xmlns:a16="http://schemas.microsoft.com/office/drawing/2014/main" id="{446DC2D5-F723-EF52-5A12-4B3C438AEF1A}"/>
               </a:ext>
             </a:extLst>
           </p:cNvPr>
@@ -18489,8 +19966,8 @@
         </p:blipFill>
         <p:spPr>
           <a:xfrm>
-            <a:off x="191960" y="1840924"/>
-            <a:ext cx="7132289" cy="4754858"/>
+            <a:off x="74135" y="1704326"/>
+            <a:ext cx="7477947" cy="4985298"/>
           </a:xfrm>
           <a:prstGeom prst="rect">
             <a:avLst/>
@@ -18635,178 +20112,6 @@
           </a:p>
         </p:txBody>
       </p:sp>
-      <p:pic>
-        <p:nvPicPr>
-          <p:cNvPr id="4" name="Picture 3" descr="A drawing of a cartoon character&#10;&#10;Description automatically generated">
-            <a:extLst>
-              <a:ext uri="{FF2B5EF4-FFF2-40B4-BE49-F238E27FC236}">
-                <a16:creationId xmlns:a16="http://schemas.microsoft.com/office/drawing/2014/main" id="{A7FDC859-D890-4904-9C64-27F43DA90453}"/>
-              </a:ext>
-            </a:extLst>
-          </p:cNvPr>
-          <p:cNvPicPr>
-            <a:picLocks noChangeAspect="1"/>
-          </p:cNvPicPr>
-          <p:nvPr/>
-        </p:nvPicPr>
-        <p:blipFill rotWithShape="1">
-          <a:blip r:embed="rId2">
-            <a:extLst>
-              <a:ext uri="{28A0092B-C50C-407E-A947-70E740481C1C}">
-                <a14:useLocalDpi xmlns:a14="http://schemas.microsoft.com/office/drawing/2010/main" val="0"/>
-              </a:ext>
-            </a:extLst>
-          </a:blip>
-          <a:srcRect t="5616" r="2" b="2"/>
-          <a:stretch/>
-        </p:blipFill>
-        <p:spPr>
-          <a:xfrm>
-            <a:off x="7471144" y="1700078"/>
-            <a:ext cx="4720855" cy="2583792"/>
-          </a:xfrm>
-          <a:custGeom>
-            <a:avLst/>
-            <a:gdLst>
-              <a:gd name="connsiteX0" fmla="*/ 0 w 5475077"/>
-              <a:gd name="connsiteY0" fmla="*/ 0 h 2583792"/>
-              <a:gd name="connsiteX1" fmla="*/ 5475077 w 5475077"/>
-              <a:gd name="connsiteY1" fmla="*/ 0 h 2583792"/>
-              <a:gd name="connsiteX2" fmla="*/ 5475077 w 5475077"/>
-              <a:gd name="connsiteY2" fmla="*/ 2583792 h 2583792"/>
-              <a:gd name="connsiteX3" fmla="*/ 1197192 w 5475077"/>
-              <a:gd name="connsiteY3" fmla="*/ 2583792 h 2583792"/>
-            </a:gdLst>
-            <a:ahLst/>
-            <a:cxnLst>
-              <a:cxn ang="0">
-                <a:pos x="connsiteX0" y="connsiteY0"/>
-              </a:cxn>
-              <a:cxn ang="0">
-                <a:pos x="connsiteX1" y="connsiteY1"/>
-              </a:cxn>
-              <a:cxn ang="0">
-                <a:pos x="connsiteX2" y="connsiteY2"/>
-              </a:cxn>
-              <a:cxn ang="0">
-                <a:pos x="connsiteX3" y="connsiteY3"/>
-              </a:cxn>
-            </a:cxnLst>
-            <a:rect l="l" t="t" r="r" b="b"/>
-            <a:pathLst>
-              <a:path w="5475077" h="2583792">
-                <a:moveTo>
-                  <a:pt x="0" y="0"/>
-                </a:moveTo>
-                <a:lnTo>
-                  <a:pt x="5475077" y="0"/>
-                </a:lnTo>
-                <a:lnTo>
-                  <a:pt x="5475077" y="2583792"/>
-                </a:lnTo>
-                <a:lnTo>
-                  <a:pt x="1197192" y="2583792"/>
-                </a:lnTo>
-                <a:close/>
-              </a:path>
-            </a:pathLst>
-          </a:custGeom>
-        </p:spPr>
-      </p:pic>
-      <p:pic>
-        <p:nvPicPr>
-          <p:cNvPr id="5" name="Content Placeholder 4" descr="A picture containing indoor&#10;&#10;Description automatically generated">
-            <a:extLst>
-              <a:ext uri="{FF2B5EF4-FFF2-40B4-BE49-F238E27FC236}">
-                <a16:creationId xmlns:a16="http://schemas.microsoft.com/office/drawing/2014/main" id="{A58F0E55-21F3-485B-A07F-1CE74177BDD2}"/>
-              </a:ext>
-            </a:extLst>
-          </p:cNvPr>
-          <p:cNvPicPr>
-            <a:picLocks noChangeAspect="1"/>
-          </p:cNvPicPr>
-          <p:nvPr/>
-        </p:nvPicPr>
-        <p:blipFill rotWithShape="1">
-          <a:blip r:embed="rId3">
-            <a:extLst>
-              <a:ext uri="{28A0092B-C50C-407E-A947-70E740481C1C}">
-                <a14:useLocalDpi xmlns:a14="http://schemas.microsoft.com/office/drawing/2010/main" val="0"/>
-              </a:ext>
-            </a:extLst>
-          </a:blip>
-          <a:srcRect t="5300" r="3" b="6859"/>
-          <a:stretch/>
-        </p:blipFill>
-        <p:spPr>
-          <a:xfrm>
-            <a:off x="8491869" y="4283870"/>
-            <a:ext cx="3700129" cy="2583520"/>
-          </a:xfrm>
-          <a:custGeom>
-            <a:avLst/>
-            <a:gdLst>
-              <a:gd name="connsiteX0" fmla="*/ 0 w 4277884"/>
-              <a:gd name="connsiteY0" fmla="*/ 0 h 2583520"/>
-              <a:gd name="connsiteX1" fmla="*/ 4277884 w 4277884"/>
-              <a:gd name="connsiteY1" fmla="*/ 0 h 2583520"/>
-              <a:gd name="connsiteX2" fmla="*/ 4277884 w 4277884"/>
-              <a:gd name="connsiteY2" fmla="*/ 2583520 h 2583520"/>
-              <a:gd name="connsiteX3" fmla="*/ 1192437 w 4277884"/>
-              <a:gd name="connsiteY3" fmla="*/ 2583520 h 2583520"/>
-              <a:gd name="connsiteX4" fmla="*/ 1188085 w 4277884"/>
-              <a:gd name="connsiteY4" fmla="*/ 2574129 h 2583520"/>
-              <a:gd name="connsiteX5" fmla="*/ 1192715 w 4277884"/>
-              <a:gd name="connsiteY5" fmla="*/ 2574129 h 2583520"/>
-            </a:gdLst>
-            <a:ahLst/>
-            <a:cxnLst>
-              <a:cxn ang="0">
-                <a:pos x="connsiteX0" y="connsiteY0"/>
-              </a:cxn>
-              <a:cxn ang="0">
-                <a:pos x="connsiteX1" y="connsiteY1"/>
-              </a:cxn>
-              <a:cxn ang="0">
-                <a:pos x="connsiteX2" y="connsiteY2"/>
-              </a:cxn>
-              <a:cxn ang="0">
-                <a:pos x="connsiteX3" y="connsiteY3"/>
-              </a:cxn>
-              <a:cxn ang="0">
-                <a:pos x="connsiteX4" y="connsiteY4"/>
-              </a:cxn>
-              <a:cxn ang="0">
-                <a:pos x="connsiteX5" y="connsiteY5"/>
-              </a:cxn>
-            </a:cxnLst>
-            <a:rect l="l" t="t" r="r" b="b"/>
-            <a:pathLst>
-              <a:path w="4277884" h="2583520">
-                <a:moveTo>
-                  <a:pt x="0" y="0"/>
-                </a:moveTo>
-                <a:lnTo>
-                  <a:pt x="4277884" y="0"/>
-                </a:lnTo>
-                <a:lnTo>
-                  <a:pt x="4277884" y="2583520"/>
-                </a:lnTo>
-                <a:lnTo>
-                  <a:pt x="1192437" y="2583520"/>
-                </a:lnTo>
-                <a:lnTo>
-                  <a:pt x="1188085" y="2574129"/>
-                </a:lnTo>
-                <a:lnTo>
-                  <a:pt x="1192715" y="2574129"/>
-                </a:lnTo>
-                <a:close/>
-              </a:path>
-            </a:pathLst>
-          </a:custGeom>
-        </p:spPr>
-      </p:pic>
       <p:sp>
         <p:nvSpPr>
           <p:cNvPr id="6" name="Rectangle 5">
@@ -18919,68 +20224,12 @@
           </a:p>
         </p:txBody>
       </p:sp>
-      <p:sp>
-        <p:nvSpPr>
-          <p:cNvPr id="16" name="Rectangle 15">
-            <a:extLst>
-              <a:ext uri="{FF2B5EF4-FFF2-40B4-BE49-F238E27FC236}">
-                <a16:creationId xmlns:a16="http://schemas.microsoft.com/office/drawing/2014/main" id="{74A085FC-1866-46D4-97F7-51AA45E48D4F}"/>
-              </a:ext>
-            </a:extLst>
-          </p:cNvPr>
-          <p:cNvSpPr/>
-          <p:nvPr/>
-        </p:nvSpPr>
-        <p:spPr>
-          <a:xfrm rot="4092292">
-            <a:off x="5790668" y="4094517"/>
-            <a:ext cx="5446699" cy="137038"/>
-          </a:xfrm>
-          <a:prstGeom prst="rect">
-            <a:avLst/>
-          </a:prstGeom>
-          <a:solidFill>
-            <a:schemeClr val="bg1"/>
-          </a:solidFill>
-          <a:ln>
-            <a:noFill/>
-          </a:ln>
-        </p:spPr>
-        <p:style>
-          <a:lnRef idx="2">
-            <a:schemeClr val="accent1">
-              <a:shade val="50000"/>
-            </a:schemeClr>
-          </a:lnRef>
-          <a:fillRef idx="1">
-            <a:schemeClr val="accent1"/>
-          </a:fillRef>
-          <a:effectRef idx="0">
-            <a:schemeClr val="accent1"/>
-          </a:effectRef>
-          <a:fontRef idx="minor">
-            <a:schemeClr val="lt1"/>
-          </a:fontRef>
-        </p:style>
-        <p:txBody>
-          <a:bodyPr rtlCol="0" anchor="ctr"/>
-          <a:lstStyle/>
-          <a:p>
-            <a:pPr algn="ctr"/>
-            <a:endParaRPr lang="en-US">
-              <a:solidFill>
-                <a:srgbClr val="DB5B5C"/>
-              </a:solidFill>
-            </a:endParaRPr>
-          </a:p>
-        </p:txBody>
-      </p:sp>
       <p:pic>
         <p:nvPicPr>
-          <p:cNvPr id="8" name="Picture 7" descr="Chart, histogram&#10;&#10;Description automatically generated">
-            <a:extLst>
-              <a:ext uri="{FF2B5EF4-FFF2-40B4-BE49-F238E27FC236}">
-                <a16:creationId xmlns:a16="http://schemas.microsoft.com/office/drawing/2014/main" id="{02C52639-516B-309D-289F-1AF8EBBC477F}"/>
+          <p:cNvPr id="7" name="Picture 6" descr="A graph of sports watching&#10;&#10;Description automatically generated with medium confidence">
+            <a:extLst>
+              <a:ext uri="{FF2B5EF4-FFF2-40B4-BE49-F238E27FC236}">
+                <a16:creationId xmlns:a16="http://schemas.microsoft.com/office/drawing/2014/main" id="{D9BA7513-45EC-928D-251F-A331075974FC}"/>
               </a:ext>
             </a:extLst>
           </p:cNvPr>
@@ -18990,7 +20239,7 @@
           <p:nvPr/>
         </p:nvPicPr>
         <p:blipFill>
-          <a:blip r:embed="rId4">
+          <a:blip r:embed="rId2">
             <a:extLst>
               <a:ext uri="{28A0092B-C50C-407E-A947-70E740481C1C}">
                 <a14:useLocalDpi xmlns:a14="http://schemas.microsoft.com/office/drawing/2010/main" val="0"/>
@@ -19003,14 +20252,53 @@
         </p:blipFill>
         <p:spPr>
           <a:xfrm>
-            <a:off x="107093" y="1770919"/>
-            <a:ext cx="7225060" cy="4816707"/>
+            <a:off x="1794747" y="1356041"/>
+            <a:ext cx="8124416" cy="5416277"/>
           </a:xfrm>
           <a:prstGeom prst="rect">
             <a:avLst/>
           </a:prstGeom>
         </p:spPr>
       </p:pic>
+      <p:sp>
+        <p:nvSpPr>
+          <p:cNvPr id="9" name="TextBox 8">
+            <a:extLst>
+              <a:ext uri="{FF2B5EF4-FFF2-40B4-BE49-F238E27FC236}">
+                <a16:creationId xmlns:a16="http://schemas.microsoft.com/office/drawing/2014/main" id="{DA89D491-8FC2-4F8B-210C-1032F4F3BBEA}"/>
+              </a:ext>
+            </a:extLst>
+          </p:cNvPr>
+          <p:cNvSpPr txBox="1"/>
+          <p:nvPr/>
+        </p:nvSpPr>
+        <p:spPr>
+          <a:xfrm>
+            <a:off x="2484446" y="3357665"/>
+            <a:ext cx="3447091" cy="830997"/>
+          </a:xfrm>
+          <a:prstGeom prst="rect">
+            <a:avLst/>
+          </a:prstGeom>
+          <a:noFill/>
+        </p:spPr>
+        <p:txBody>
+          <a:bodyPr wrap="square" rtlCol="0">
+            <a:spAutoFit/>
+          </a:bodyPr>
+          <a:lstStyle/>
+          <a:p>
+            <a:r>
+              <a:rPr lang="en-US" sz="2400" b="1" dirty="0">
+                <a:solidFill>
+                  <a:schemeClr val="bg1"/>
+                </a:solidFill>
+              </a:rPr>
+              <a:t>55 Unique Sports Represented</a:t>
+            </a:r>
+          </a:p>
+        </p:txBody>
+      </p:sp>
     </p:spTree>
     <p:extLst>
       <p:ext uri="{BB962C8B-B14F-4D97-AF65-F5344CB8AC3E}">
@@ -19149,178 +20437,6 @@
           </a:p>
         </p:txBody>
       </p:sp>
-      <p:pic>
-        <p:nvPicPr>
-          <p:cNvPr id="4" name="Picture 3" descr="A drawing of a cartoon character&#10;&#10;Description automatically generated">
-            <a:extLst>
-              <a:ext uri="{FF2B5EF4-FFF2-40B4-BE49-F238E27FC236}">
-                <a16:creationId xmlns:a16="http://schemas.microsoft.com/office/drawing/2014/main" id="{A7FDC859-D890-4904-9C64-27F43DA90453}"/>
-              </a:ext>
-            </a:extLst>
-          </p:cNvPr>
-          <p:cNvPicPr>
-            <a:picLocks noChangeAspect="1"/>
-          </p:cNvPicPr>
-          <p:nvPr/>
-        </p:nvPicPr>
-        <p:blipFill rotWithShape="1">
-          <a:blip r:embed="rId2">
-            <a:extLst>
-              <a:ext uri="{28A0092B-C50C-407E-A947-70E740481C1C}">
-                <a14:useLocalDpi xmlns:a14="http://schemas.microsoft.com/office/drawing/2010/main" val="0"/>
-              </a:ext>
-            </a:extLst>
-          </a:blip>
-          <a:srcRect t="5616" r="2" b="2"/>
-          <a:stretch/>
-        </p:blipFill>
-        <p:spPr>
-          <a:xfrm>
-            <a:off x="7471144" y="1700078"/>
-            <a:ext cx="4720855" cy="2583792"/>
-          </a:xfrm>
-          <a:custGeom>
-            <a:avLst/>
-            <a:gdLst>
-              <a:gd name="connsiteX0" fmla="*/ 0 w 5475077"/>
-              <a:gd name="connsiteY0" fmla="*/ 0 h 2583792"/>
-              <a:gd name="connsiteX1" fmla="*/ 5475077 w 5475077"/>
-              <a:gd name="connsiteY1" fmla="*/ 0 h 2583792"/>
-              <a:gd name="connsiteX2" fmla="*/ 5475077 w 5475077"/>
-              <a:gd name="connsiteY2" fmla="*/ 2583792 h 2583792"/>
-              <a:gd name="connsiteX3" fmla="*/ 1197192 w 5475077"/>
-              <a:gd name="connsiteY3" fmla="*/ 2583792 h 2583792"/>
-            </a:gdLst>
-            <a:ahLst/>
-            <a:cxnLst>
-              <a:cxn ang="0">
-                <a:pos x="connsiteX0" y="connsiteY0"/>
-              </a:cxn>
-              <a:cxn ang="0">
-                <a:pos x="connsiteX1" y="connsiteY1"/>
-              </a:cxn>
-              <a:cxn ang="0">
-                <a:pos x="connsiteX2" y="connsiteY2"/>
-              </a:cxn>
-              <a:cxn ang="0">
-                <a:pos x="connsiteX3" y="connsiteY3"/>
-              </a:cxn>
-            </a:cxnLst>
-            <a:rect l="l" t="t" r="r" b="b"/>
-            <a:pathLst>
-              <a:path w="5475077" h="2583792">
-                <a:moveTo>
-                  <a:pt x="0" y="0"/>
-                </a:moveTo>
-                <a:lnTo>
-                  <a:pt x="5475077" y="0"/>
-                </a:lnTo>
-                <a:lnTo>
-                  <a:pt x="5475077" y="2583792"/>
-                </a:lnTo>
-                <a:lnTo>
-                  <a:pt x="1197192" y="2583792"/>
-                </a:lnTo>
-                <a:close/>
-              </a:path>
-            </a:pathLst>
-          </a:custGeom>
-        </p:spPr>
-      </p:pic>
-      <p:pic>
-        <p:nvPicPr>
-          <p:cNvPr id="5" name="Content Placeholder 4" descr="A picture containing indoor&#10;&#10;Description automatically generated">
-            <a:extLst>
-              <a:ext uri="{FF2B5EF4-FFF2-40B4-BE49-F238E27FC236}">
-                <a16:creationId xmlns:a16="http://schemas.microsoft.com/office/drawing/2014/main" id="{A58F0E55-21F3-485B-A07F-1CE74177BDD2}"/>
-              </a:ext>
-            </a:extLst>
-          </p:cNvPr>
-          <p:cNvPicPr>
-            <a:picLocks noChangeAspect="1"/>
-          </p:cNvPicPr>
-          <p:nvPr/>
-        </p:nvPicPr>
-        <p:blipFill rotWithShape="1">
-          <a:blip r:embed="rId3">
-            <a:extLst>
-              <a:ext uri="{28A0092B-C50C-407E-A947-70E740481C1C}">
-                <a14:useLocalDpi xmlns:a14="http://schemas.microsoft.com/office/drawing/2010/main" val="0"/>
-              </a:ext>
-            </a:extLst>
-          </a:blip>
-          <a:srcRect t="5300" r="3" b="6859"/>
-          <a:stretch/>
-        </p:blipFill>
-        <p:spPr>
-          <a:xfrm>
-            <a:off x="8491869" y="4283870"/>
-            <a:ext cx="3700129" cy="2583520"/>
-          </a:xfrm>
-          <a:custGeom>
-            <a:avLst/>
-            <a:gdLst>
-              <a:gd name="connsiteX0" fmla="*/ 0 w 4277884"/>
-              <a:gd name="connsiteY0" fmla="*/ 0 h 2583520"/>
-              <a:gd name="connsiteX1" fmla="*/ 4277884 w 4277884"/>
-              <a:gd name="connsiteY1" fmla="*/ 0 h 2583520"/>
-              <a:gd name="connsiteX2" fmla="*/ 4277884 w 4277884"/>
-              <a:gd name="connsiteY2" fmla="*/ 2583520 h 2583520"/>
-              <a:gd name="connsiteX3" fmla="*/ 1192437 w 4277884"/>
-              <a:gd name="connsiteY3" fmla="*/ 2583520 h 2583520"/>
-              <a:gd name="connsiteX4" fmla="*/ 1188085 w 4277884"/>
-              <a:gd name="connsiteY4" fmla="*/ 2574129 h 2583520"/>
-              <a:gd name="connsiteX5" fmla="*/ 1192715 w 4277884"/>
-              <a:gd name="connsiteY5" fmla="*/ 2574129 h 2583520"/>
-            </a:gdLst>
-            <a:ahLst/>
-            <a:cxnLst>
-              <a:cxn ang="0">
-                <a:pos x="connsiteX0" y="connsiteY0"/>
-              </a:cxn>
-              <a:cxn ang="0">
-                <a:pos x="connsiteX1" y="connsiteY1"/>
-              </a:cxn>
-              <a:cxn ang="0">
-                <a:pos x="connsiteX2" y="connsiteY2"/>
-              </a:cxn>
-              <a:cxn ang="0">
-                <a:pos x="connsiteX3" y="connsiteY3"/>
-              </a:cxn>
-              <a:cxn ang="0">
-                <a:pos x="connsiteX4" y="connsiteY4"/>
-              </a:cxn>
-              <a:cxn ang="0">
-                <a:pos x="connsiteX5" y="connsiteY5"/>
-              </a:cxn>
-            </a:cxnLst>
-            <a:rect l="l" t="t" r="r" b="b"/>
-            <a:pathLst>
-              <a:path w="4277884" h="2583520">
-                <a:moveTo>
-                  <a:pt x="0" y="0"/>
-                </a:moveTo>
-                <a:lnTo>
-                  <a:pt x="4277884" y="0"/>
-                </a:lnTo>
-                <a:lnTo>
-                  <a:pt x="4277884" y="2583520"/>
-                </a:lnTo>
-                <a:lnTo>
-                  <a:pt x="1192437" y="2583520"/>
-                </a:lnTo>
-                <a:lnTo>
-                  <a:pt x="1188085" y="2574129"/>
-                </a:lnTo>
-                <a:lnTo>
-                  <a:pt x="1192715" y="2574129"/>
-                </a:lnTo>
-                <a:close/>
-              </a:path>
-            </a:pathLst>
-          </a:custGeom>
-        </p:spPr>
-      </p:pic>
       <p:sp>
         <p:nvSpPr>
           <p:cNvPr id="6" name="Rectangle 5">
@@ -19433,68 +20549,12 @@
           </a:p>
         </p:txBody>
       </p:sp>
-      <p:sp>
-        <p:nvSpPr>
-          <p:cNvPr id="16" name="Rectangle 15">
-            <a:extLst>
-              <a:ext uri="{FF2B5EF4-FFF2-40B4-BE49-F238E27FC236}">
-                <a16:creationId xmlns:a16="http://schemas.microsoft.com/office/drawing/2014/main" id="{74A085FC-1866-46D4-97F7-51AA45E48D4F}"/>
-              </a:ext>
-            </a:extLst>
-          </p:cNvPr>
-          <p:cNvSpPr/>
-          <p:nvPr/>
-        </p:nvSpPr>
-        <p:spPr>
-          <a:xfrm rot="4092292">
-            <a:off x="5790668" y="4094517"/>
-            <a:ext cx="5446699" cy="137038"/>
-          </a:xfrm>
-          <a:prstGeom prst="rect">
-            <a:avLst/>
-          </a:prstGeom>
-          <a:solidFill>
-            <a:schemeClr val="bg1"/>
-          </a:solidFill>
-          <a:ln>
-            <a:noFill/>
-          </a:ln>
-        </p:spPr>
-        <p:style>
-          <a:lnRef idx="2">
-            <a:schemeClr val="accent1">
-              <a:shade val="50000"/>
-            </a:schemeClr>
-          </a:lnRef>
-          <a:fillRef idx="1">
-            <a:schemeClr val="accent1"/>
-          </a:fillRef>
-          <a:effectRef idx="0">
-            <a:schemeClr val="accent1"/>
-          </a:effectRef>
-          <a:fontRef idx="minor">
-            <a:schemeClr val="lt1"/>
-          </a:fontRef>
-        </p:style>
-        <p:txBody>
-          <a:bodyPr rtlCol="0" anchor="ctr"/>
-          <a:lstStyle/>
-          <a:p>
-            <a:pPr algn="ctr"/>
-            <a:endParaRPr lang="en-US">
-              <a:solidFill>
-                <a:srgbClr val="DB5B5C"/>
-              </a:solidFill>
-            </a:endParaRPr>
-          </a:p>
-        </p:txBody>
-      </p:sp>
       <p:pic>
         <p:nvPicPr>
-          <p:cNvPr id="8" name="Picture 7" descr="Chart, histogram&#10;&#10;Description automatically generated">
-            <a:extLst>
-              <a:ext uri="{FF2B5EF4-FFF2-40B4-BE49-F238E27FC236}">
-                <a16:creationId xmlns:a16="http://schemas.microsoft.com/office/drawing/2014/main" id="{18BED12B-5AB3-3AE7-3BE3-AA41412A8052}"/>
+          <p:cNvPr id="17" name="Picture 16" descr="A graph of a sports game&#10;&#10;Description automatically generated">
+            <a:extLst>
+              <a:ext uri="{FF2B5EF4-FFF2-40B4-BE49-F238E27FC236}">
+                <a16:creationId xmlns:a16="http://schemas.microsoft.com/office/drawing/2014/main" id="{3B5D7427-7418-FF0D-1A29-039CF1BC80E9}"/>
               </a:ext>
             </a:extLst>
           </p:cNvPr>
@@ -19504,7 +20564,7 @@
           <p:nvPr/>
         </p:nvPicPr>
         <p:blipFill>
-          <a:blip r:embed="rId4">
+          <a:blip r:embed="rId2">
             <a:extLst>
               <a:ext uri="{28A0092B-C50C-407E-A947-70E740481C1C}">
                 <a14:useLocalDpi xmlns:a14="http://schemas.microsoft.com/office/drawing/2010/main" val="0"/>
@@ -19517,14 +20577,53 @@
         </p:blipFill>
         <p:spPr>
           <a:xfrm>
-            <a:off x="120265" y="1797099"/>
-            <a:ext cx="7198717" cy="4799145"/>
+            <a:off x="2065680" y="1446375"/>
+            <a:ext cx="8060635" cy="5373757"/>
           </a:xfrm>
           <a:prstGeom prst="rect">
             <a:avLst/>
           </a:prstGeom>
         </p:spPr>
       </p:pic>
+      <p:sp>
+        <p:nvSpPr>
+          <p:cNvPr id="9" name="TextBox 8">
+            <a:extLst>
+              <a:ext uri="{FF2B5EF4-FFF2-40B4-BE49-F238E27FC236}">
+                <a16:creationId xmlns:a16="http://schemas.microsoft.com/office/drawing/2014/main" id="{4FA6BE3B-023D-B2E9-F739-53D7AAA11D03}"/>
+              </a:ext>
+            </a:extLst>
+          </p:cNvPr>
+          <p:cNvSpPr txBox="1"/>
+          <p:nvPr/>
+        </p:nvSpPr>
+        <p:spPr>
+          <a:xfrm>
+            <a:off x="2862133" y="3057159"/>
+            <a:ext cx="3447091" cy="830997"/>
+          </a:xfrm>
+          <a:prstGeom prst="rect">
+            <a:avLst/>
+          </a:prstGeom>
+          <a:noFill/>
+        </p:spPr>
+        <p:txBody>
+          <a:bodyPr wrap="square" rtlCol="0">
+            <a:spAutoFit/>
+          </a:bodyPr>
+          <a:lstStyle/>
+          <a:p>
+            <a:r>
+              <a:rPr lang="en-US" sz="2400" b="1" dirty="0">
+                <a:solidFill>
+                  <a:schemeClr val="bg1"/>
+                </a:solidFill>
+              </a:rPr>
+              <a:t>49 Unique Sports Represented</a:t>
+            </a:r>
+          </a:p>
+        </p:txBody>
+      </p:sp>
     </p:spTree>
     <p:extLst>
       <p:ext uri="{BB962C8B-B14F-4D97-AF65-F5344CB8AC3E}">
@@ -19775,122 +20874,12 @@
           </a:p>
         </p:txBody>
       </p:sp>
-      <p:sp>
-        <p:nvSpPr>
-          <p:cNvPr id="16" name="Rectangle 15">
-            <a:extLst>
-              <a:ext uri="{FF2B5EF4-FFF2-40B4-BE49-F238E27FC236}">
-                <a16:creationId xmlns:a16="http://schemas.microsoft.com/office/drawing/2014/main" id="{74A085FC-1866-46D4-97F7-51AA45E48D4F}"/>
-              </a:ext>
-            </a:extLst>
-          </p:cNvPr>
-          <p:cNvSpPr/>
-          <p:nvPr/>
-        </p:nvSpPr>
-        <p:spPr>
-          <a:xfrm rot="4092292">
-            <a:off x="5790668" y="4094517"/>
-            <a:ext cx="5446699" cy="137038"/>
-          </a:xfrm>
-          <a:prstGeom prst="rect">
-            <a:avLst/>
-          </a:prstGeom>
-          <a:solidFill>
-            <a:schemeClr val="bg1"/>
-          </a:solidFill>
-          <a:ln>
-            <a:noFill/>
-          </a:ln>
-        </p:spPr>
-        <p:style>
-          <a:lnRef idx="2">
-            <a:schemeClr val="accent1">
-              <a:shade val="50000"/>
-            </a:schemeClr>
-          </a:lnRef>
-          <a:fillRef idx="1">
-            <a:schemeClr val="accent1"/>
-          </a:fillRef>
-          <a:effectRef idx="0">
-            <a:schemeClr val="accent1"/>
-          </a:effectRef>
-          <a:fontRef idx="minor">
-            <a:schemeClr val="lt1"/>
-          </a:fontRef>
-        </p:style>
-        <p:txBody>
-          <a:bodyPr rtlCol="0" anchor="ctr"/>
-          <a:lstStyle/>
-          <a:p>
-            <a:pPr algn="ctr"/>
-            <a:endParaRPr lang="en-US">
-              <a:solidFill>
-                <a:srgbClr val="DB5B5C"/>
-              </a:solidFill>
-            </a:endParaRPr>
-          </a:p>
-        </p:txBody>
-      </p:sp>
-      <p:sp>
-        <p:nvSpPr>
-          <p:cNvPr id="14" name="TextBox 13">
-            <a:extLst>
-              <a:ext uri="{FF2B5EF4-FFF2-40B4-BE49-F238E27FC236}">
-                <a16:creationId xmlns:a16="http://schemas.microsoft.com/office/drawing/2014/main" id="{075F80BC-FF65-426F-BFEE-18370DE11A6D}"/>
-              </a:ext>
-            </a:extLst>
-          </p:cNvPr>
-          <p:cNvSpPr txBox="1"/>
-          <p:nvPr/>
-        </p:nvSpPr>
-        <p:spPr>
-          <a:xfrm>
-            <a:off x="9588789" y="2605317"/>
-            <a:ext cx="3964639" cy="584775"/>
-          </a:xfrm>
-          <a:prstGeom prst="rect">
-            <a:avLst/>
-          </a:prstGeom>
-          <a:noFill/>
-        </p:spPr>
-        <p:txBody>
-          <a:bodyPr wrap="square" rtlCol="0">
-            <a:spAutoFit/>
-          </a:bodyPr>
-          <a:lstStyle/>
-          <a:p>
-            <a:pPr marL="742950" lvl="1" indent="-285750">
-              <a:buFont typeface="Arial" panose="020B0604020202020204" pitchFamily="34" charset="0"/>
-              <a:buChar char="•"/>
-            </a:pPr>
-            <a:r>
-              <a:rPr lang="en-US" sz="1600" dirty="0">
-                <a:latin typeface="Selawik Semibold" panose="020B0702040204020203" pitchFamily="34" charset="0"/>
-              </a:rPr>
-              <a:t>Watched = Red</a:t>
-            </a:r>
-          </a:p>
-          <a:p>
-            <a:pPr marL="742950" lvl="1" indent="-285750">
-              <a:buFont typeface="Arial" panose="020B0604020202020204" pitchFamily="34" charset="0"/>
-              <a:buChar char="•"/>
-            </a:pPr>
-            <a:r>
-              <a:rPr lang="en-US" sz="1600" dirty="0">
-                <a:latin typeface="Selawik Semibold" panose="020B0702040204020203" pitchFamily="34" charset="0"/>
-              </a:rPr>
-              <a:t>Played = Blue</a:t>
-            </a:r>
-            <a:endParaRPr lang="en-US" dirty="0"/>
-          </a:p>
-        </p:txBody>
-      </p:sp>
       <p:pic>
         <p:nvPicPr>
-          <p:cNvPr id="7" name="Picture 6" descr="Chart&#10;&#10;Description automatically generated with medium confidence">
-            <a:extLst>
-              <a:ext uri="{FF2B5EF4-FFF2-40B4-BE49-F238E27FC236}">
-                <a16:creationId xmlns:a16="http://schemas.microsoft.com/office/drawing/2014/main" id="{433623C3-ADF3-E7B1-36D1-0E2F9438329D}"/>
+          <p:cNvPr id="4" name="Picture 3" descr="A red and blue graph&#10;&#10;Description automatically generated">
+            <a:extLst>
+              <a:ext uri="{FF2B5EF4-FFF2-40B4-BE49-F238E27FC236}">
+                <a16:creationId xmlns:a16="http://schemas.microsoft.com/office/drawing/2014/main" id="{A12763D8-EA53-8B8E-2943-F049B61FEF84}"/>
               </a:ext>
             </a:extLst>
           </p:cNvPr>
@@ -19913,14 +20902,72 @@
         </p:blipFill>
         <p:spPr>
           <a:xfrm>
-            <a:off x="111512" y="1731139"/>
-            <a:ext cx="9981420" cy="4990710"/>
+            <a:off x="541680" y="1313072"/>
+            <a:ext cx="11108635" cy="5554318"/>
           </a:xfrm>
           <a:prstGeom prst="rect">
             <a:avLst/>
           </a:prstGeom>
         </p:spPr>
       </p:pic>
+      <p:sp>
+        <p:nvSpPr>
+          <p:cNvPr id="14" name="TextBox 13">
+            <a:extLst>
+              <a:ext uri="{FF2B5EF4-FFF2-40B4-BE49-F238E27FC236}">
+                <a16:creationId xmlns:a16="http://schemas.microsoft.com/office/drawing/2014/main" id="{075F80BC-FF65-426F-BFEE-18370DE11A6D}"/>
+              </a:ext>
+            </a:extLst>
+          </p:cNvPr>
+          <p:cNvSpPr txBox="1"/>
+          <p:nvPr/>
+        </p:nvSpPr>
+        <p:spPr>
+          <a:xfrm>
+            <a:off x="9290616" y="1494352"/>
+            <a:ext cx="3964639" cy="646331"/>
+          </a:xfrm>
+          <a:prstGeom prst="rect">
+            <a:avLst/>
+          </a:prstGeom>
+          <a:noFill/>
+        </p:spPr>
+        <p:txBody>
+          <a:bodyPr wrap="square" rtlCol="0">
+            <a:spAutoFit/>
+          </a:bodyPr>
+          <a:lstStyle/>
+          <a:p>
+            <a:pPr lvl="1"/>
+            <a:r>
+              <a:rPr lang="en-US" b="1" dirty="0">
+                <a:solidFill>
+                  <a:schemeClr val="bg1"/>
+                </a:solidFill>
+                <a:latin typeface="Selawik Semibold" panose="020B0702040204020203" pitchFamily="34" charset="0"/>
+              </a:rPr>
+              <a:t>Watched = Red</a:t>
+            </a:r>
+          </a:p>
+          <a:p>
+            <a:pPr lvl="1"/>
+            <a:r>
+              <a:rPr lang="en-US" b="1" dirty="0">
+                <a:solidFill>
+                  <a:schemeClr val="bg1"/>
+                </a:solidFill>
+                <a:latin typeface="Selawik Semibold" panose="020B0702040204020203" pitchFamily="34" charset="0"/>
+              </a:rPr>
+              <a:t>Played = Blue</a:t>
+            </a:r>
+            <a:endParaRPr lang="en-US" b="1" dirty="0">
+              <a:solidFill>
+                <a:schemeClr val="bg1"/>
+              </a:solidFill>
+            </a:endParaRPr>
+          </a:p>
+        </p:txBody>
+      </p:sp>
     </p:spTree>
     <p:extLst>
       <p:ext uri="{BB962C8B-B14F-4D97-AF65-F5344CB8AC3E}">
@@ -20091,7 +21138,7 @@
               <a:rPr lang="en-US" sz="2400" dirty="0">
                 <a:latin typeface="Selawik Semibold" panose="020B0702040204020203" pitchFamily="34" charset="0"/>
               </a:rPr>
-              <a:t>Most Popular World Sports (sportsbrowser.net)</a:t>
+              <a:t>Most Popular World Sports (sportsmonkie.com)</a:t>
             </a:r>
           </a:p>
           <a:p>

--- a/Slides/Sports Analytics 1/Sports_Analytics_1_Lecture.pptx
+++ b/Slides/Sports Analytics 1/Sports_Analytics_1_Lecture.pptx
@@ -5,7 +5,7 @@
     <p:sldMasterId id="2147483648" r:id="rId1"/>
   </p:sldMasterIdLst>
   <p:notesMasterIdLst>
-    <p:notesMasterId r:id="rId30"/>
+    <p:notesMasterId r:id="rId28"/>
   </p:notesMasterIdLst>
   <p:sldIdLst>
     <p:sldId id="256" r:id="rId2"/>
@@ -13,29 +13,27 @@
     <p:sldId id="258" r:id="rId4"/>
     <p:sldId id="283" r:id="rId5"/>
     <p:sldId id="284" r:id="rId6"/>
-    <p:sldId id="260" r:id="rId7"/>
-    <p:sldId id="259" r:id="rId8"/>
-    <p:sldId id="261" r:id="rId9"/>
-    <p:sldId id="262" r:id="rId10"/>
-    <p:sldId id="263" r:id="rId11"/>
-    <p:sldId id="264" r:id="rId12"/>
-    <p:sldId id="291" r:id="rId13"/>
-    <p:sldId id="265" r:id="rId14"/>
-    <p:sldId id="286" r:id="rId15"/>
-    <p:sldId id="266" r:id="rId16"/>
-    <p:sldId id="267" r:id="rId17"/>
-    <p:sldId id="268" r:id="rId18"/>
+    <p:sldId id="295" r:id="rId7"/>
+    <p:sldId id="260" r:id="rId8"/>
+    <p:sldId id="259" r:id="rId9"/>
+    <p:sldId id="261" r:id="rId10"/>
+    <p:sldId id="262" r:id="rId11"/>
+    <p:sldId id="263" r:id="rId12"/>
+    <p:sldId id="264" r:id="rId13"/>
+    <p:sldId id="291" r:id="rId14"/>
+    <p:sldId id="265" r:id="rId15"/>
+    <p:sldId id="286" r:id="rId16"/>
+    <p:sldId id="266" r:id="rId17"/>
+    <p:sldId id="267" r:id="rId18"/>
     <p:sldId id="288" r:id="rId19"/>
     <p:sldId id="289" r:id="rId20"/>
     <p:sldId id="290" r:id="rId21"/>
-    <p:sldId id="292" r:id="rId22"/>
-    <p:sldId id="293" r:id="rId23"/>
-    <p:sldId id="294" r:id="rId24"/>
-    <p:sldId id="269" r:id="rId25"/>
-    <p:sldId id="270" r:id="rId26"/>
-    <p:sldId id="271" r:id="rId27"/>
-    <p:sldId id="272" r:id="rId28"/>
-    <p:sldId id="281" r:id="rId29"/>
+    <p:sldId id="296" r:id="rId22"/>
+    <p:sldId id="269" r:id="rId23"/>
+    <p:sldId id="270" r:id="rId24"/>
+    <p:sldId id="271" r:id="rId25"/>
+    <p:sldId id="272" r:id="rId26"/>
+    <p:sldId id="281" r:id="rId27"/>
   </p:sldIdLst>
   <p:sldSz cx="12192000" cy="6858000"/>
   <p:notesSz cx="6858000" cy="9144000"/>
@@ -224,7 +222,7 @@
           <a:p>
             <a:fld id="{C04E5E84-956F-4423-97B3-5936A6D8EEEE}" type="datetimeFigureOut">
               <a:rPr lang="en-US" smtClean="0"/>
-              <a:t>1/15/2024</a:t>
+              <a:t>1/9/2025</a:t>
             </a:fld>
             <a:endParaRPr lang="en-US"/>
           </a:p>
@@ -649,7 +647,7 @@
     </p:spTree>
     <p:extLst>
       <p:ext uri="{BB962C8B-B14F-4D97-AF65-F5344CB8AC3E}">
-        <p14:creationId xmlns:p14="http://schemas.microsoft.com/office/powerpoint/2010/main" val="3204056461"/>
+        <p14:creationId xmlns:p14="http://schemas.microsoft.com/office/powerpoint/2010/main" val="270339087"/>
       </p:ext>
     </p:extLst>
   </p:cSld>
@@ -733,7 +731,7 @@
     </p:spTree>
     <p:extLst>
       <p:ext uri="{BB962C8B-B14F-4D97-AF65-F5344CB8AC3E}">
-        <p14:creationId xmlns:p14="http://schemas.microsoft.com/office/powerpoint/2010/main" val="3068367738"/>
+        <p14:creationId xmlns:p14="http://schemas.microsoft.com/office/powerpoint/2010/main" val="3204056461"/>
       </p:ext>
     </p:extLst>
   </p:cSld>
@@ -1000,7 +998,13 @@
   <p:cSld>
     <p:spTree>
       <p:nvGrpSpPr>
-        <p:cNvPr id="1" name=""/>
+        <p:cNvPr id="1" name="">
+          <a:extLst>
+            <a:ext uri="{FF2B5EF4-FFF2-40B4-BE49-F238E27FC236}">
+              <a16:creationId xmlns:a16="http://schemas.microsoft.com/office/drawing/2014/main" id="{EC485702-728A-83B1-2DA2-FEF7F98E556E}"/>
+            </a:ext>
+          </a:extLst>
+        </p:cNvPr>
         <p:cNvGrpSpPr/>
         <p:nvPr/>
       </p:nvGrpSpPr>
@@ -1014,7 +1018,13 @@
       </p:grpSpPr>
       <p:sp>
         <p:nvSpPr>
-          <p:cNvPr id="2" name="Slide Image Placeholder 1"/>
+          <p:cNvPr id="2" name="Slide Image Placeholder 1">
+            <a:extLst>
+              <a:ext uri="{FF2B5EF4-FFF2-40B4-BE49-F238E27FC236}">
+                <a16:creationId xmlns:a16="http://schemas.microsoft.com/office/drawing/2014/main" id="{7712BFB0-430B-BCF2-793D-99E56A43C746}"/>
+              </a:ext>
+            </a:extLst>
+          </p:cNvPr>
           <p:cNvSpPr>
             <a:spLocks noGrp="1" noRot="1" noChangeAspect="1"/>
           </p:cNvSpPr>
@@ -1026,7 +1036,13 @@
       </p:sp>
       <p:sp>
         <p:nvSpPr>
-          <p:cNvPr id="3" name="Notes Placeholder 2"/>
+          <p:cNvPr id="3" name="Notes Placeholder 2">
+            <a:extLst>
+              <a:ext uri="{FF2B5EF4-FFF2-40B4-BE49-F238E27FC236}">
+                <a16:creationId xmlns:a16="http://schemas.microsoft.com/office/drawing/2014/main" id="{2269C35C-C8D6-0C09-3117-142477DCF9D1}"/>
+              </a:ext>
+            </a:extLst>
+          </p:cNvPr>
           <p:cNvSpPr>
             <a:spLocks noGrp="1"/>
           </p:cNvSpPr>
@@ -1045,7 +1061,13 @@
       </p:sp>
       <p:sp>
         <p:nvSpPr>
-          <p:cNvPr id="4" name="Slide Number Placeholder 3"/>
+          <p:cNvPr id="4" name="Slide Number Placeholder 3">
+            <a:extLst>
+              <a:ext uri="{FF2B5EF4-FFF2-40B4-BE49-F238E27FC236}">
+                <a16:creationId xmlns:a16="http://schemas.microsoft.com/office/drawing/2014/main" id="{053F2989-54B3-9686-E169-CE6F16A2180F}"/>
+              </a:ext>
+            </a:extLst>
+          </p:cNvPr>
           <p:cNvSpPr>
             <a:spLocks noGrp="1"/>
           </p:cNvSpPr>
@@ -1069,7 +1091,7 @@
     </p:spTree>
     <p:extLst>
       <p:ext uri="{BB962C8B-B14F-4D97-AF65-F5344CB8AC3E}">
-        <p14:creationId xmlns:p14="http://schemas.microsoft.com/office/powerpoint/2010/main" val="3254070549"/>
+        <p14:creationId xmlns:p14="http://schemas.microsoft.com/office/powerpoint/2010/main" val="657596690"/>
       </p:ext>
     </p:extLst>
   </p:cSld>
@@ -1153,7 +1175,7 @@
     </p:spTree>
     <p:extLst>
       <p:ext uri="{BB962C8B-B14F-4D97-AF65-F5344CB8AC3E}">
-        <p14:creationId xmlns:p14="http://schemas.microsoft.com/office/powerpoint/2010/main" val="4015649774"/>
+        <p14:creationId xmlns:p14="http://schemas.microsoft.com/office/powerpoint/2010/main" val="457975726"/>
       </p:ext>
     </p:extLst>
   </p:cSld>
@@ -1237,7 +1259,7 @@
     </p:spTree>
     <p:extLst>
       <p:ext uri="{BB962C8B-B14F-4D97-AF65-F5344CB8AC3E}">
-        <p14:creationId xmlns:p14="http://schemas.microsoft.com/office/powerpoint/2010/main" val="4160636541"/>
+        <p14:creationId xmlns:p14="http://schemas.microsoft.com/office/powerpoint/2010/main" val="432002752"/>
       </p:ext>
     </p:extLst>
   </p:cSld>
@@ -1321,7 +1343,7 @@
     </p:spTree>
     <p:extLst>
       <p:ext uri="{BB962C8B-B14F-4D97-AF65-F5344CB8AC3E}">
-        <p14:creationId xmlns:p14="http://schemas.microsoft.com/office/powerpoint/2010/main" val="457975726"/>
+        <p14:creationId xmlns:p14="http://schemas.microsoft.com/office/powerpoint/2010/main" val="1454380535"/>
       </p:ext>
     </p:extLst>
   </p:cSld>
@@ -1405,7 +1427,7 @@
     </p:spTree>
     <p:extLst>
       <p:ext uri="{BB962C8B-B14F-4D97-AF65-F5344CB8AC3E}">
-        <p14:creationId xmlns:p14="http://schemas.microsoft.com/office/powerpoint/2010/main" val="432002752"/>
+        <p14:creationId xmlns:p14="http://schemas.microsoft.com/office/powerpoint/2010/main" val="2104318647"/>
       </p:ext>
     </p:extLst>
   </p:cSld>
@@ -1499,12 +1521,18 @@
 </p:notes>
 </file>
 
-<file path=ppt/notesSlides/notesSlide20.xml><?xml version="1.0" encoding="utf-8"?>
+<file path=ppt/notesSlides/notesSlide3.xml><?xml version="1.0" encoding="utf-8"?>
 <p:notes xmlns:a="http://schemas.openxmlformats.org/drawingml/2006/main" xmlns:r="http://schemas.openxmlformats.org/officeDocument/2006/relationships" xmlns:p="http://schemas.openxmlformats.org/presentationml/2006/main">
   <p:cSld>
     <p:spTree>
       <p:nvGrpSpPr>
-        <p:cNvPr id="1" name=""/>
+        <p:cNvPr id="1" name="">
+          <a:extLst>
+            <a:ext uri="{FF2B5EF4-FFF2-40B4-BE49-F238E27FC236}">
+              <a16:creationId xmlns:a16="http://schemas.microsoft.com/office/drawing/2014/main" id="{2D23500F-1FE6-865F-C89A-94FD7AD7AF7D}"/>
+            </a:ext>
+          </a:extLst>
+        </p:cNvPr>
         <p:cNvGrpSpPr/>
         <p:nvPr/>
       </p:nvGrpSpPr>
@@ -1518,7 +1546,13 @@
       </p:grpSpPr>
       <p:sp>
         <p:nvSpPr>
-          <p:cNvPr id="2" name="Slide Image Placeholder 1"/>
+          <p:cNvPr id="2" name="Slide Image Placeholder 1">
+            <a:extLst>
+              <a:ext uri="{FF2B5EF4-FFF2-40B4-BE49-F238E27FC236}">
+                <a16:creationId xmlns:a16="http://schemas.microsoft.com/office/drawing/2014/main" id="{F8CCB92F-DB22-80F9-1437-FCB2DD369725}"/>
+              </a:ext>
+            </a:extLst>
+          </p:cNvPr>
           <p:cNvSpPr>
             <a:spLocks noGrp="1" noRot="1" noChangeAspect="1"/>
           </p:cNvSpPr>
@@ -1530,7 +1564,13 @@
       </p:sp>
       <p:sp>
         <p:nvSpPr>
-          <p:cNvPr id="3" name="Notes Placeholder 2"/>
+          <p:cNvPr id="3" name="Notes Placeholder 2">
+            <a:extLst>
+              <a:ext uri="{FF2B5EF4-FFF2-40B4-BE49-F238E27FC236}">
+                <a16:creationId xmlns:a16="http://schemas.microsoft.com/office/drawing/2014/main" id="{ED6AB2C4-D622-6DFC-9312-486D80505A80}"/>
+              </a:ext>
+            </a:extLst>
+          </p:cNvPr>
           <p:cNvSpPr>
             <a:spLocks noGrp="1"/>
           </p:cNvSpPr>
@@ -1549,7 +1589,13 @@
       </p:sp>
       <p:sp>
         <p:nvSpPr>
-          <p:cNvPr id="4" name="Slide Number Placeholder 3"/>
+          <p:cNvPr id="4" name="Slide Number Placeholder 3">
+            <a:extLst>
+              <a:ext uri="{FF2B5EF4-FFF2-40B4-BE49-F238E27FC236}">
+                <a16:creationId xmlns:a16="http://schemas.microsoft.com/office/drawing/2014/main" id="{C9F0DEA3-5F4B-6A68-4B81-10EEB126F931}"/>
+              </a:ext>
+            </a:extLst>
+          </p:cNvPr>
           <p:cNvSpPr>
             <a:spLocks noGrp="1"/>
           </p:cNvSpPr>
@@ -1564,7 +1610,7 @@
           <a:p>
             <a:fld id="{323D9EF6-5B6D-4923-9412-628692DCC0E7}" type="slidenum">
               <a:rPr lang="en-US" smtClean="0"/>
-              <a:t>26</a:t>
+              <a:t>6</a:t>
             </a:fld>
             <a:endParaRPr lang="en-US"/>
           </a:p>
@@ -1573,175 +1619,7 @@
     </p:spTree>
     <p:extLst>
       <p:ext uri="{BB962C8B-B14F-4D97-AF65-F5344CB8AC3E}">
-        <p14:creationId xmlns:p14="http://schemas.microsoft.com/office/powerpoint/2010/main" val="1454380535"/>
-      </p:ext>
-    </p:extLst>
-  </p:cSld>
-  <p:clrMapOvr>
-    <a:masterClrMapping/>
-  </p:clrMapOvr>
-</p:notes>
-</file>
-
-<file path=ppt/notesSlides/notesSlide21.xml><?xml version="1.0" encoding="utf-8"?>
-<p:notes xmlns:a="http://schemas.openxmlformats.org/drawingml/2006/main" xmlns:r="http://schemas.openxmlformats.org/officeDocument/2006/relationships" xmlns:p="http://schemas.openxmlformats.org/presentationml/2006/main">
-  <p:cSld>
-    <p:spTree>
-      <p:nvGrpSpPr>
-        <p:cNvPr id="1" name=""/>
-        <p:cNvGrpSpPr/>
-        <p:nvPr/>
-      </p:nvGrpSpPr>
-      <p:grpSpPr>
-        <a:xfrm>
-          <a:off x="0" y="0"/>
-          <a:ext cx="0" cy="0"/>
-          <a:chOff x="0" y="0"/>
-          <a:chExt cx="0" cy="0"/>
-        </a:xfrm>
-      </p:grpSpPr>
-      <p:sp>
-        <p:nvSpPr>
-          <p:cNvPr id="2" name="Slide Image Placeholder 1"/>
-          <p:cNvSpPr>
-            <a:spLocks noGrp="1" noRot="1" noChangeAspect="1"/>
-          </p:cNvSpPr>
-          <p:nvPr>
-            <p:ph type="sldImg"/>
-          </p:nvPr>
-        </p:nvSpPr>
-        <p:spPr/>
-      </p:sp>
-      <p:sp>
-        <p:nvSpPr>
-          <p:cNvPr id="3" name="Notes Placeholder 2"/>
-          <p:cNvSpPr>
-            <a:spLocks noGrp="1"/>
-          </p:cNvSpPr>
-          <p:nvPr>
-            <p:ph type="body" idx="1"/>
-          </p:nvPr>
-        </p:nvSpPr>
-        <p:spPr/>
-        <p:txBody>
-          <a:bodyPr/>
-          <a:lstStyle/>
-          <a:p>
-            <a:endParaRPr lang="en-US" dirty="0"/>
-          </a:p>
-        </p:txBody>
-      </p:sp>
-      <p:sp>
-        <p:nvSpPr>
-          <p:cNvPr id="4" name="Slide Number Placeholder 3"/>
-          <p:cNvSpPr>
-            <a:spLocks noGrp="1"/>
-          </p:cNvSpPr>
-          <p:nvPr>
-            <p:ph type="sldNum" sz="quarter" idx="5"/>
-          </p:nvPr>
-        </p:nvSpPr>
-        <p:spPr/>
-        <p:txBody>
-          <a:bodyPr/>
-          <a:lstStyle/>
-          <a:p>
-            <a:fld id="{323D9EF6-5B6D-4923-9412-628692DCC0E7}" type="slidenum">
-              <a:rPr lang="en-US" smtClean="0"/>
-              <a:t>27</a:t>
-            </a:fld>
-            <a:endParaRPr lang="en-US"/>
-          </a:p>
-        </p:txBody>
-      </p:sp>
-    </p:spTree>
-    <p:extLst>
-      <p:ext uri="{BB962C8B-B14F-4D97-AF65-F5344CB8AC3E}">
-        <p14:creationId xmlns:p14="http://schemas.microsoft.com/office/powerpoint/2010/main" val="2104318647"/>
-      </p:ext>
-    </p:extLst>
-  </p:cSld>
-  <p:clrMapOvr>
-    <a:masterClrMapping/>
-  </p:clrMapOvr>
-</p:notes>
-</file>
-
-<file path=ppt/notesSlides/notesSlide3.xml><?xml version="1.0" encoding="utf-8"?>
-<p:notes xmlns:a="http://schemas.openxmlformats.org/drawingml/2006/main" xmlns:r="http://schemas.openxmlformats.org/officeDocument/2006/relationships" xmlns:p="http://schemas.openxmlformats.org/presentationml/2006/main">
-  <p:cSld>
-    <p:spTree>
-      <p:nvGrpSpPr>
-        <p:cNvPr id="1" name=""/>
-        <p:cNvGrpSpPr/>
-        <p:nvPr/>
-      </p:nvGrpSpPr>
-      <p:grpSpPr>
-        <a:xfrm>
-          <a:off x="0" y="0"/>
-          <a:ext cx="0" cy="0"/>
-          <a:chOff x="0" y="0"/>
-          <a:chExt cx="0" cy="0"/>
-        </a:xfrm>
-      </p:grpSpPr>
-      <p:sp>
-        <p:nvSpPr>
-          <p:cNvPr id="2" name="Slide Image Placeholder 1"/>
-          <p:cNvSpPr>
-            <a:spLocks noGrp="1" noRot="1" noChangeAspect="1"/>
-          </p:cNvSpPr>
-          <p:nvPr>
-            <p:ph type="sldImg"/>
-          </p:nvPr>
-        </p:nvSpPr>
-        <p:spPr/>
-      </p:sp>
-      <p:sp>
-        <p:nvSpPr>
-          <p:cNvPr id="3" name="Notes Placeholder 2"/>
-          <p:cNvSpPr>
-            <a:spLocks noGrp="1"/>
-          </p:cNvSpPr>
-          <p:nvPr>
-            <p:ph type="body" idx="1"/>
-          </p:nvPr>
-        </p:nvSpPr>
-        <p:spPr/>
-        <p:txBody>
-          <a:bodyPr/>
-          <a:lstStyle/>
-          <a:p>
-            <a:endParaRPr lang="en-US" dirty="0"/>
-          </a:p>
-        </p:txBody>
-      </p:sp>
-      <p:sp>
-        <p:nvSpPr>
-          <p:cNvPr id="4" name="Slide Number Placeholder 3"/>
-          <p:cNvSpPr>
-            <a:spLocks noGrp="1"/>
-          </p:cNvSpPr>
-          <p:nvPr>
-            <p:ph type="sldNum" sz="quarter" idx="5"/>
-          </p:nvPr>
-        </p:nvSpPr>
-        <p:spPr/>
-        <p:txBody>
-          <a:bodyPr/>
-          <a:lstStyle/>
-          <a:p>
-            <a:fld id="{323D9EF6-5B6D-4923-9412-628692DCC0E7}" type="slidenum">
-              <a:rPr lang="en-US" smtClean="0"/>
-              <a:t>9</a:t>
-            </a:fld>
-            <a:endParaRPr lang="en-US"/>
-          </a:p>
-        </p:txBody>
-      </p:sp>
-    </p:spTree>
-    <p:extLst>
-      <p:ext uri="{BB962C8B-B14F-4D97-AF65-F5344CB8AC3E}">
-        <p14:creationId xmlns:p14="http://schemas.microsoft.com/office/powerpoint/2010/main" val="120620059"/>
+        <p14:creationId xmlns:p14="http://schemas.microsoft.com/office/powerpoint/2010/main" val="792032528"/>
       </p:ext>
     </p:extLst>
   </p:cSld>
@@ -1825,7 +1703,7 @@
     </p:spTree>
     <p:extLst>
       <p:ext uri="{BB962C8B-B14F-4D97-AF65-F5344CB8AC3E}">
-        <p14:creationId xmlns:p14="http://schemas.microsoft.com/office/powerpoint/2010/main" val="1428420199"/>
+        <p14:creationId xmlns:p14="http://schemas.microsoft.com/office/powerpoint/2010/main" val="120620059"/>
       </p:ext>
     </p:extLst>
   </p:cSld>
@@ -1909,7 +1787,7 @@
     </p:spTree>
     <p:extLst>
       <p:ext uri="{BB962C8B-B14F-4D97-AF65-F5344CB8AC3E}">
-        <p14:creationId xmlns:p14="http://schemas.microsoft.com/office/powerpoint/2010/main" val="1751330610"/>
+        <p14:creationId xmlns:p14="http://schemas.microsoft.com/office/powerpoint/2010/main" val="1428420199"/>
       </p:ext>
     </p:extLst>
   </p:cSld>
@@ -1993,7 +1871,7 @@
     </p:spTree>
     <p:extLst>
       <p:ext uri="{BB962C8B-B14F-4D97-AF65-F5344CB8AC3E}">
-        <p14:creationId xmlns:p14="http://schemas.microsoft.com/office/powerpoint/2010/main" val="3803655638"/>
+        <p14:creationId xmlns:p14="http://schemas.microsoft.com/office/powerpoint/2010/main" val="1751330610"/>
       </p:ext>
     </p:extLst>
   </p:cSld>
@@ -2077,7 +1955,7 @@
     </p:spTree>
     <p:extLst>
       <p:ext uri="{BB962C8B-B14F-4D97-AF65-F5344CB8AC3E}">
-        <p14:creationId xmlns:p14="http://schemas.microsoft.com/office/powerpoint/2010/main" val="3126848250"/>
+        <p14:creationId xmlns:p14="http://schemas.microsoft.com/office/powerpoint/2010/main" val="3803655638"/>
       </p:ext>
     </p:extLst>
   </p:cSld>
@@ -2161,7 +2039,7 @@
     </p:spTree>
     <p:extLst>
       <p:ext uri="{BB962C8B-B14F-4D97-AF65-F5344CB8AC3E}">
-        <p14:creationId xmlns:p14="http://schemas.microsoft.com/office/powerpoint/2010/main" val="1557830548"/>
+        <p14:creationId xmlns:p14="http://schemas.microsoft.com/office/powerpoint/2010/main" val="3126848250"/>
       </p:ext>
     </p:extLst>
   </p:cSld>
@@ -2245,7 +2123,7 @@
     </p:spTree>
     <p:extLst>
       <p:ext uri="{BB962C8B-B14F-4D97-AF65-F5344CB8AC3E}">
-        <p14:creationId xmlns:p14="http://schemas.microsoft.com/office/powerpoint/2010/main" val="270339087"/>
+        <p14:creationId xmlns:p14="http://schemas.microsoft.com/office/powerpoint/2010/main" val="1557830548"/>
       </p:ext>
     </p:extLst>
   </p:cSld>
@@ -2402,7 +2280,7 @@
           <a:p>
             <a:fld id="{3881C039-66A3-4640-815B-3B5A8B7D868D}" type="datetimeFigureOut">
               <a:rPr lang="en-US" smtClean="0"/>
-              <a:t>1/15/2024</a:t>
+              <a:t>1/9/2025</a:t>
             </a:fld>
             <a:endParaRPr lang="en-US"/>
           </a:p>
@@ -2600,7 +2478,7 @@
           <a:p>
             <a:fld id="{3881C039-66A3-4640-815B-3B5A8B7D868D}" type="datetimeFigureOut">
               <a:rPr lang="en-US" smtClean="0"/>
-              <a:t>1/15/2024</a:t>
+              <a:t>1/9/2025</a:t>
             </a:fld>
             <a:endParaRPr lang="en-US"/>
           </a:p>
@@ -2808,7 +2686,7 @@
           <a:p>
             <a:fld id="{3881C039-66A3-4640-815B-3B5A8B7D868D}" type="datetimeFigureOut">
               <a:rPr lang="en-US" smtClean="0"/>
-              <a:t>1/15/2024</a:t>
+              <a:t>1/9/2025</a:t>
             </a:fld>
             <a:endParaRPr lang="en-US"/>
           </a:p>
@@ -3006,7 +2884,7 @@
           <a:p>
             <a:fld id="{3881C039-66A3-4640-815B-3B5A8B7D868D}" type="datetimeFigureOut">
               <a:rPr lang="en-US" smtClean="0"/>
-              <a:t>1/15/2024</a:t>
+              <a:t>1/9/2025</a:t>
             </a:fld>
             <a:endParaRPr lang="en-US"/>
           </a:p>
@@ -3281,7 +3159,7 @@
           <a:p>
             <a:fld id="{3881C039-66A3-4640-815B-3B5A8B7D868D}" type="datetimeFigureOut">
               <a:rPr lang="en-US" smtClean="0"/>
-              <a:t>1/15/2024</a:t>
+              <a:t>1/9/2025</a:t>
             </a:fld>
             <a:endParaRPr lang="en-US"/>
           </a:p>
@@ -3546,7 +3424,7 @@
           <a:p>
             <a:fld id="{3881C039-66A3-4640-815B-3B5A8B7D868D}" type="datetimeFigureOut">
               <a:rPr lang="en-US" smtClean="0"/>
-              <a:t>1/15/2024</a:t>
+              <a:t>1/9/2025</a:t>
             </a:fld>
             <a:endParaRPr lang="en-US"/>
           </a:p>
@@ -3958,7 +3836,7 @@
           <a:p>
             <a:fld id="{3881C039-66A3-4640-815B-3B5A8B7D868D}" type="datetimeFigureOut">
               <a:rPr lang="en-US" smtClean="0"/>
-              <a:t>1/15/2024</a:t>
+              <a:t>1/9/2025</a:t>
             </a:fld>
             <a:endParaRPr lang="en-US"/>
           </a:p>
@@ -4099,7 +3977,7 @@
           <a:p>
             <a:fld id="{3881C039-66A3-4640-815B-3B5A8B7D868D}" type="datetimeFigureOut">
               <a:rPr lang="en-US" smtClean="0"/>
-              <a:t>1/15/2024</a:t>
+              <a:t>1/9/2025</a:t>
             </a:fld>
             <a:endParaRPr lang="en-US"/>
           </a:p>
@@ -4212,7 +4090,7 @@
           <a:p>
             <a:fld id="{3881C039-66A3-4640-815B-3B5A8B7D868D}" type="datetimeFigureOut">
               <a:rPr lang="en-US" smtClean="0"/>
-              <a:t>1/15/2024</a:t>
+              <a:t>1/9/2025</a:t>
             </a:fld>
             <a:endParaRPr lang="en-US"/>
           </a:p>
@@ -4523,7 +4401,7 @@
           <a:p>
             <a:fld id="{3881C039-66A3-4640-815B-3B5A8B7D868D}" type="datetimeFigureOut">
               <a:rPr lang="en-US" smtClean="0"/>
-              <a:t>1/15/2024</a:t>
+              <a:t>1/9/2025</a:t>
             </a:fld>
             <a:endParaRPr lang="en-US"/>
           </a:p>
@@ -4811,7 +4689,7 @@
           <a:p>
             <a:fld id="{3881C039-66A3-4640-815B-3B5A8B7D868D}" type="datetimeFigureOut">
               <a:rPr lang="en-US" smtClean="0"/>
-              <a:t>1/15/2024</a:t>
+              <a:t>1/9/2025</a:t>
             </a:fld>
             <a:endParaRPr lang="en-US"/>
           </a:p>
@@ -5055,7 +4933,7 @@
           <a:p>
             <a:fld id="{3881C039-66A3-4640-815B-3B5A8B7D868D}" type="datetimeFigureOut">
               <a:rPr lang="en-US" smtClean="0"/>
-              <a:t>1/15/2024</a:t>
+              <a:t>1/9/2025</a:t>
             </a:fld>
             <a:endParaRPr lang="en-US"/>
           </a:p>
@@ -5819,13 +5697,13 @@
         </p:nvSpPr>
         <p:spPr>
           <a:xfrm>
-            <a:off x="838199" y="2021249"/>
-            <a:ext cx="6833347" cy="1132085"/>
+            <a:off x="637478" y="2038469"/>
+            <a:ext cx="7168376" cy="1125362"/>
           </a:xfrm>
         </p:spPr>
         <p:txBody>
           <a:bodyPr>
-            <a:normAutofit fontScale="92500"/>
+            <a:normAutofit/>
           </a:bodyPr>
           <a:lstStyle/>
           <a:p>
@@ -5838,17 +5716,11 @@
           </a:p>
           <a:p>
             <a:pPr lvl="1"/>
-            <a:endParaRPr lang="en-US" sz="2000" dirty="0">
-              <a:latin typeface="Selawik Semibold" panose="020B0702040204020203" pitchFamily="34" charset="0"/>
-            </a:endParaRPr>
-          </a:p>
-          <a:p>
-            <a:pPr lvl="1"/>
             <a:r>
               <a:rPr lang="en-US" sz="2000" dirty="0">
                 <a:latin typeface="Selawik Semibold" panose="020B0702040204020203" pitchFamily="34" charset="0"/>
               </a:rPr>
-              <a:t>Listed from Most to Least Popular</a:t>
+              <a:t>Based on 14 Criteria</a:t>
             </a:r>
           </a:p>
         </p:txBody>
@@ -6207,8 +6079,8 @@
         </p:nvSpPr>
         <p:spPr>
           <a:xfrm>
-            <a:off x="1210993" y="3080230"/>
-            <a:ext cx="3964639" cy="2862322"/>
+            <a:off x="1078008" y="2741996"/>
+            <a:ext cx="3964639" cy="2308324"/>
           </a:xfrm>
           <a:prstGeom prst="rect">
             <a:avLst/>
@@ -6226,10 +6098,10 @@
               <a:buChar char="•"/>
             </a:pPr>
             <a:r>
-              <a:rPr lang="en-US" dirty="0">
+              <a:rPr lang="en-US" sz="1600" dirty="0">
                 <a:latin typeface="Selawik Semibold" panose="020B0702040204020203" pitchFamily="34" charset="0"/>
               </a:rPr>
-              <a:t>Soccer</a:t>
+              <a:t>Global Fan Base</a:t>
             </a:r>
           </a:p>
           <a:p>
@@ -6238,10 +6110,10 @@
               <a:buChar char="•"/>
             </a:pPr>
             <a:r>
-              <a:rPr lang="en-US" dirty="0">
+              <a:rPr lang="en-US" sz="1600" dirty="0">
                 <a:latin typeface="Selawik Semibold" panose="020B0702040204020203" pitchFamily="34" charset="0"/>
               </a:rPr>
-              <a:t>Cricket</a:t>
+              <a:t>Viewership on TV</a:t>
             </a:r>
           </a:p>
           <a:p>
@@ -6250,10 +6122,10 @@
               <a:buChar char="•"/>
             </a:pPr>
             <a:r>
-              <a:rPr lang="en-US" dirty="0">
+              <a:rPr lang="en-US" sz="1600" dirty="0">
                 <a:latin typeface="Selawik Semibold" panose="020B0702040204020203" pitchFamily="34" charset="0"/>
               </a:rPr>
-              <a:t>Basketball</a:t>
+              <a:t>TV Rights</a:t>
             </a:r>
           </a:p>
           <a:p>
@@ -6262,10 +6134,10 @@
               <a:buChar char="•"/>
             </a:pPr>
             <a:r>
-              <a:rPr lang="en-US" dirty="0">
+              <a:rPr lang="en-US" sz="1600" dirty="0">
                 <a:latin typeface="Selawik Semibold" panose="020B0702040204020203" pitchFamily="34" charset="0"/>
               </a:rPr>
-              <a:t>Field/Ice Hockey</a:t>
+              <a:t>Internet Popularity</a:t>
             </a:r>
           </a:p>
           <a:p>
@@ -6274,10 +6146,10 @@
               <a:buChar char="•"/>
             </a:pPr>
             <a:r>
-              <a:rPr lang="en-US" dirty="0">
+              <a:rPr lang="en-US" sz="1600" dirty="0">
                 <a:latin typeface="Selawik Semibold" panose="020B0702040204020203" pitchFamily="34" charset="0"/>
               </a:rPr>
-              <a:t>Tennis</a:t>
+              <a:t>Social Media Presence</a:t>
             </a:r>
           </a:p>
           <a:p>
@@ -6286,10 +6158,10 @@
               <a:buChar char="•"/>
             </a:pPr>
             <a:r>
-              <a:rPr lang="en-US" dirty="0">
+              <a:rPr lang="en-US" sz="1600" dirty="0">
                 <a:latin typeface="Selawik Semibold" panose="020B0702040204020203" pitchFamily="34" charset="0"/>
               </a:rPr>
-              <a:t>Volleyball</a:t>
+              <a:t>Number of Professional Leagues</a:t>
             </a:r>
           </a:p>
           <a:p>
@@ -6298,10 +6170,10 @@
               <a:buChar char="•"/>
             </a:pPr>
             <a:r>
-              <a:rPr lang="en-US" dirty="0">
+              <a:rPr lang="en-US" sz="1600" dirty="0">
                 <a:latin typeface="Selawik Semibold" panose="020B0702040204020203" pitchFamily="34" charset="0"/>
               </a:rPr>
-              <a:t>Table Tennis</a:t>
+              <a:t>Average Salary of Athletes</a:t>
             </a:r>
           </a:p>
           <a:p>
@@ -6310,10 +6182,10 @@
               <a:buChar char="•"/>
             </a:pPr>
             <a:r>
-              <a:rPr lang="en-US" dirty="0">
+              <a:rPr lang="en-US" sz="1600" dirty="0">
                 <a:latin typeface="Selawik Semibold" panose="020B0702040204020203" pitchFamily="34" charset="0"/>
               </a:rPr>
-              <a:t>Baseball</a:t>
+              <a:t>Sponsorship</a:t>
             </a:r>
           </a:p>
           <a:p>
@@ -6322,31 +6194,107 @@
               <a:buChar char="•"/>
             </a:pPr>
             <a:r>
-              <a:rPr lang="en-US" dirty="0">
+              <a:rPr lang="en-US" sz="1600" dirty="0">
                 <a:latin typeface="Selawik Semibold" panose="020B0702040204020203" pitchFamily="34" charset="0"/>
               </a:rPr>
-              <a:t>American Football/Rugby</a:t>
-            </a:r>
-          </a:p>
+              <a:t>Number of Countries</a:t>
+            </a:r>
+            <a:endParaRPr lang="en-US" dirty="0"/>
+          </a:p>
+        </p:txBody>
+      </p:sp>
+      <p:sp>
+        <p:nvSpPr>
+          <p:cNvPr id="7" name="Rectangle 6">
+            <a:extLst>
+              <a:ext uri="{FF2B5EF4-FFF2-40B4-BE49-F238E27FC236}">
+                <a16:creationId xmlns:a16="http://schemas.microsoft.com/office/drawing/2014/main" id="{1DD01DA1-338C-4134-8F28-E709685D35DE}"/>
+              </a:ext>
+            </a:extLst>
+          </p:cNvPr>
+          <p:cNvSpPr/>
+          <p:nvPr/>
+        </p:nvSpPr>
+        <p:spPr>
+          <a:xfrm>
+            <a:off x="1076383" y="4939168"/>
+            <a:ext cx="3970017" cy="1323439"/>
+          </a:xfrm>
+          <a:prstGeom prst="rect">
+            <a:avLst/>
+          </a:prstGeom>
+        </p:spPr>
+        <p:txBody>
+          <a:bodyPr wrap="square">
+            <a:spAutoFit/>
+          </a:bodyPr>
+          <a:lstStyle/>
           <a:p>
             <a:pPr marL="742950" lvl="1" indent="-285750">
               <a:buFont typeface="Arial" panose="020B0604020202020204" pitchFamily="34" charset="0"/>
               <a:buChar char="•"/>
             </a:pPr>
             <a:r>
-              <a:rPr lang="en-US" dirty="0">
+              <a:rPr lang="en-US" sz="1600" dirty="0">
                 <a:latin typeface="Selawik Semibold" panose="020B0702040204020203" pitchFamily="34" charset="0"/>
               </a:rPr>
-              <a:t>Golf</a:t>
-            </a:r>
-            <a:endParaRPr lang="en-US" dirty="0"/>
+              <a:t>Biggest Competition</a:t>
+            </a:r>
+          </a:p>
+          <a:p>
+            <a:pPr marL="742950" lvl="1" indent="-285750">
+              <a:buFont typeface="Arial" panose="020B0604020202020204" pitchFamily="34" charset="0"/>
+              <a:buChar char="•"/>
+            </a:pPr>
+            <a:r>
+              <a:rPr lang="en-US" sz="1600" dirty="0">
+                <a:latin typeface="Selawik Semibold" panose="020B0702040204020203" pitchFamily="34" charset="0"/>
+              </a:rPr>
+              <a:t>Gender equality</a:t>
+            </a:r>
+          </a:p>
+          <a:p>
+            <a:pPr marL="742950" lvl="1" indent="-285750">
+              <a:buFont typeface="Arial" panose="020B0604020202020204" pitchFamily="34" charset="0"/>
+              <a:buChar char="•"/>
+            </a:pPr>
+            <a:r>
+              <a:rPr lang="en-US" sz="1600" dirty="0">
+                <a:latin typeface="Selawik Semibold" panose="020B0702040204020203" pitchFamily="34" charset="0"/>
+              </a:rPr>
+              <a:t>Access to the General Public</a:t>
+            </a:r>
+          </a:p>
+          <a:p>
+            <a:pPr marL="742950" lvl="1" indent="-285750">
+              <a:buFont typeface="Arial" panose="020B0604020202020204" pitchFamily="34" charset="0"/>
+              <a:buChar char="•"/>
+            </a:pPr>
+            <a:r>
+              <a:rPr lang="en-US" sz="1600" dirty="0">
+                <a:latin typeface="Selawik Semibold" panose="020B0702040204020203" pitchFamily="34" charset="0"/>
+              </a:rPr>
+              <a:t>Number of Amateurs</a:t>
+            </a:r>
+          </a:p>
+          <a:p>
+            <a:pPr marL="742950" lvl="1" indent="-285750">
+              <a:buFont typeface="Arial" panose="020B0604020202020204" pitchFamily="34" charset="0"/>
+              <a:buChar char="•"/>
+            </a:pPr>
+            <a:r>
+              <a:rPr lang="en-US" sz="1600" dirty="0">
+                <a:latin typeface="Selawik Semibold" panose="020B0702040204020203" pitchFamily="34" charset="0"/>
+              </a:rPr>
+              <a:t>Prominence in Headlines</a:t>
+            </a:r>
           </a:p>
         </p:txBody>
       </p:sp>
     </p:spTree>
     <p:extLst>
       <p:ext uri="{BB962C8B-B14F-4D97-AF65-F5344CB8AC3E}">
-        <p14:creationId xmlns:p14="http://schemas.microsoft.com/office/powerpoint/2010/main" val="1787284565"/>
+        <p14:creationId xmlns:p14="http://schemas.microsoft.com/office/powerpoint/2010/main" val="3372904333"/>
       </p:ext>
     </p:extLst>
   </p:cSld>
@@ -6499,13 +6447,13 @@
         </p:nvSpPr>
         <p:spPr>
           <a:xfrm>
-            <a:off x="838200" y="2021249"/>
-            <a:ext cx="7267832" cy="4527469"/>
+            <a:off x="838199" y="2021249"/>
+            <a:ext cx="6833347" cy="1132085"/>
           </a:xfrm>
         </p:spPr>
         <p:txBody>
           <a:bodyPr>
-            <a:normAutofit/>
+            <a:normAutofit fontScale="92500"/>
           </a:bodyPr>
           <a:lstStyle/>
           <a:p>
@@ -6513,26 +6461,12 @@
               <a:rPr lang="en-US" sz="2400" dirty="0">
                 <a:latin typeface="Selawik Semibold" panose="020B0702040204020203" pitchFamily="34" charset="0"/>
               </a:rPr>
-              <a:t>Most Popular US Sports (</a:t>
-            </a:r>
-            <a:r>
-              <a:rPr lang="en-US" sz="2400" dirty="0" err="1">
-                <a:latin typeface="Selawik Semibold" panose="020B0702040204020203" pitchFamily="34" charset="0"/>
-              </a:rPr>
-              <a:t>BiglySports</a:t>
-            </a:r>
-            <a:r>
-              <a:rPr lang="en-US" sz="2400" dirty="0">
-                <a:latin typeface="Selawik Semibold" panose="020B0702040204020203" pitchFamily="34" charset="0"/>
-              </a:rPr>
-              <a:t>)</a:t>
-            </a:r>
-          </a:p>
-          <a:p>
-            <a:pPr marL="457200" lvl="1" indent="0">
-              <a:buNone/>
-            </a:pPr>
-            <a:endParaRPr lang="en-US" sz="1600" dirty="0">
+              <a:t>Most Popular World Sports (sportsmonkie.com)</a:t>
+            </a:r>
+          </a:p>
+          <a:p>
+            <a:pPr lvl="1"/>
+            <a:endParaRPr lang="en-US" sz="2000" dirty="0">
               <a:latin typeface="Selawik Semibold" panose="020B0702040204020203" pitchFamily="34" charset="0"/>
             </a:endParaRPr>
           </a:p>
@@ -6544,105 +6478,6 @@
               </a:rPr>
               <a:t>Listed from Most to Least Popular</a:t>
             </a:r>
-          </a:p>
-          <a:p>
-            <a:pPr lvl="2"/>
-            <a:r>
-              <a:rPr lang="en-US" sz="1800" dirty="0">
-                <a:latin typeface="Selawik Semibold" panose="020B0702040204020203" pitchFamily="34" charset="0"/>
-              </a:rPr>
-              <a:t>Football (139.1M Fans, 70% of Sports Fans)</a:t>
-            </a:r>
-          </a:p>
-          <a:p>
-            <a:pPr lvl="2"/>
-            <a:r>
-              <a:rPr lang="en-US" sz="1800" dirty="0">
-                <a:latin typeface="Selawik Semibold" panose="020B0702040204020203" pitchFamily="34" charset="0"/>
-              </a:rPr>
-              <a:t>Basketball (121.2M Fans, 61% of Sports Fans)</a:t>
-            </a:r>
-          </a:p>
-          <a:p>
-            <a:pPr lvl="2"/>
-            <a:r>
-              <a:rPr lang="en-US" sz="1800" dirty="0">
-                <a:latin typeface="Selawik Semibold" panose="020B0702040204020203" pitchFamily="34" charset="0"/>
-              </a:rPr>
-              <a:t>Baseball (113.3M Fans, 57% of Sports Fans)</a:t>
-            </a:r>
-          </a:p>
-          <a:p>
-            <a:pPr lvl="2"/>
-            <a:r>
-              <a:rPr lang="en-US" sz="1800" dirty="0">
-                <a:latin typeface="Selawik Semibold" panose="020B0702040204020203" pitchFamily="34" charset="0"/>
-              </a:rPr>
-              <a:t>Soccer (97.4M Fans, 49% of Sports Fans)</a:t>
-            </a:r>
-          </a:p>
-          <a:p>
-            <a:pPr lvl="2"/>
-            <a:r>
-              <a:rPr lang="en-US" sz="1800" dirty="0">
-                <a:latin typeface="Selawik Semibold" panose="020B0702040204020203" pitchFamily="34" charset="0"/>
-              </a:rPr>
-              <a:t>Ice Hockey (73.5M Fans, 37% of Sports Fans)</a:t>
-            </a:r>
-          </a:p>
-          <a:p>
-            <a:pPr lvl="2"/>
-            <a:r>
-              <a:rPr lang="en-US" sz="1800" dirty="0">
-                <a:latin typeface="Selawik Semibold" panose="020B0702040204020203" pitchFamily="34" charset="0"/>
-              </a:rPr>
-              <a:t>Boxing</a:t>
-            </a:r>
-          </a:p>
-          <a:p>
-            <a:pPr lvl="2"/>
-            <a:r>
-              <a:rPr lang="en-US" sz="1800" dirty="0">
-                <a:latin typeface="Selawik Semibold" panose="020B0702040204020203" pitchFamily="34" charset="0"/>
-              </a:rPr>
-              <a:t>Golf</a:t>
-            </a:r>
-          </a:p>
-          <a:p>
-            <a:pPr lvl="2"/>
-            <a:r>
-              <a:rPr lang="en-US" sz="1800" dirty="0">
-                <a:latin typeface="Selawik Semibold" panose="020B0702040204020203" pitchFamily="34" charset="0"/>
-              </a:rPr>
-              <a:t>Tennis</a:t>
-            </a:r>
-          </a:p>
-          <a:p>
-            <a:pPr lvl="2"/>
-            <a:r>
-              <a:rPr lang="en-US" sz="1800" dirty="0">
-                <a:latin typeface="Selawik Semibold" panose="020B0702040204020203" pitchFamily="34" charset="0"/>
-              </a:rPr>
-              <a:t>Motorsports</a:t>
-            </a:r>
-          </a:p>
-          <a:p>
-            <a:pPr lvl="2"/>
-            <a:r>
-              <a:rPr lang="en-US" sz="1800" dirty="0">
-                <a:latin typeface="Selawik Semibold" panose="020B0702040204020203" pitchFamily="34" charset="0"/>
-              </a:rPr>
-              <a:t>Wrestling</a:t>
-            </a:r>
-            <a:endParaRPr lang="en-US" sz="1600" dirty="0">
-              <a:latin typeface="Selawik Semibold" panose="020B0702040204020203" pitchFamily="34" charset="0"/>
-            </a:endParaRPr>
-          </a:p>
-          <a:p>
-            <a:pPr lvl="2"/>
-            <a:endParaRPr lang="en-US" sz="1600" dirty="0">
-              <a:latin typeface="Selawik Semibold" panose="020B0702040204020203" pitchFamily="34" charset="0"/>
-            </a:endParaRPr>
           </a:p>
         </p:txBody>
       </p:sp>
@@ -6986,10 +6821,160 @@
           </a:p>
         </p:txBody>
       </p:sp>
+      <p:sp>
+        <p:nvSpPr>
+          <p:cNvPr id="3" name="TextBox 2">
+            <a:extLst>
+              <a:ext uri="{FF2B5EF4-FFF2-40B4-BE49-F238E27FC236}">
+                <a16:creationId xmlns:a16="http://schemas.microsoft.com/office/drawing/2014/main" id="{4D2D036B-AB3A-4C0B-ADAC-DCBDAFCE8A9B}"/>
+              </a:ext>
+            </a:extLst>
+          </p:cNvPr>
+          <p:cNvSpPr txBox="1"/>
+          <p:nvPr/>
+        </p:nvSpPr>
+        <p:spPr>
+          <a:xfrm>
+            <a:off x="1210993" y="3080230"/>
+            <a:ext cx="3964639" cy="2862322"/>
+          </a:xfrm>
+          <a:prstGeom prst="rect">
+            <a:avLst/>
+          </a:prstGeom>
+          <a:noFill/>
+        </p:spPr>
+        <p:txBody>
+          <a:bodyPr wrap="square" rtlCol="0">
+            <a:spAutoFit/>
+          </a:bodyPr>
+          <a:lstStyle/>
+          <a:p>
+            <a:pPr marL="742950" lvl="1" indent="-285750">
+              <a:buFont typeface="Arial" panose="020B0604020202020204" pitchFamily="34" charset="0"/>
+              <a:buChar char="•"/>
+            </a:pPr>
+            <a:r>
+              <a:rPr lang="en-US" dirty="0">
+                <a:latin typeface="Selawik Semibold" panose="020B0702040204020203" pitchFamily="34" charset="0"/>
+              </a:rPr>
+              <a:t>Soccer</a:t>
+            </a:r>
+          </a:p>
+          <a:p>
+            <a:pPr marL="742950" lvl="1" indent="-285750">
+              <a:buFont typeface="Arial" panose="020B0604020202020204" pitchFamily="34" charset="0"/>
+              <a:buChar char="•"/>
+            </a:pPr>
+            <a:r>
+              <a:rPr lang="en-US" dirty="0">
+                <a:latin typeface="Selawik Semibold" panose="020B0702040204020203" pitchFamily="34" charset="0"/>
+              </a:rPr>
+              <a:t>Cricket</a:t>
+            </a:r>
+          </a:p>
+          <a:p>
+            <a:pPr marL="742950" lvl="1" indent="-285750">
+              <a:buFont typeface="Arial" panose="020B0604020202020204" pitchFamily="34" charset="0"/>
+              <a:buChar char="•"/>
+            </a:pPr>
+            <a:r>
+              <a:rPr lang="en-US" dirty="0">
+                <a:latin typeface="Selawik Semibold" panose="020B0702040204020203" pitchFamily="34" charset="0"/>
+              </a:rPr>
+              <a:t>Basketball</a:t>
+            </a:r>
+          </a:p>
+          <a:p>
+            <a:pPr marL="742950" lvl="1" indent="-285750">
+              <a:buFont typeface="Arial" panose="020B0604020202020204" pitchFamily="34" charset="0"/>
+              <a:buChar char="•"/>
+            </a:pPr>
+            <a:r>
+              <a:rPr lang="en-US" dirty="0">
+                <a:latin typeface="Selawik Semibold" panose="020B0702040204020203" pitchFamily="34" charset="0"/>
+              </a:rPr>
+              <a:t>Field/Ice Hockey</a:t>
+            </a:r>
+          </a:p>
+          <a:p>
+            <a:pPr marL="742950" lvl="1" indent="-285750">
+              <a:buFont typeface="Arial" panose="020B0604020202020204" pitchFamily="34" charset="0"/>
+              <a:buChar char="•"/>
+            </a:pPr>
+            <a:r>
+              <a:rPr lang="en-US" dirty="0">
+                <a:latin typeface="Selawik Semibold" panose="020B0702040204020203" pitchFamily="34" charset="0"/>
+              </a:rPr>
+              <a:t>Tennis</a:t>
+            </a:r>
+          </a:p>
+          <a:p>
+            <a:pPr marL="742950" lvl="1" indent="-285750">
+              <a:buFont typeface="Arial" panose="020B0604020202020204" pitchFamily="34" charset="0"/>
+              <a:buChar char="•"/>
+            </a:pPr>
+            <a:r>
+              <a:rPr lang="en-US" dirty="0">
+                <a:latin typeface="Selawik Semibold" panose="020B0702040204020203" pitchFamily="34" charset="0"/>
+              </a:rPr>
+              <a:t>Volleyball</a:t>
+            </a:r>
+          </a:p>
+          <a:p>
+            <a:pPr marL="742950" lvl="1" indent="-285750">
+              <a:buFont typeface="Arial" panose="020B0604020202020204" pitchFamily="34" charset="0"/>
+              <a:buChar char="•"/>
+            </a:pPr>
+            <a:r>
+              <a:rPr lang="en-US" dirty="0">
+                <a:latin typeface="Selawik Semibold" panose="020B0702040204020203" pitchFamily="34" charset="0"/>
+              </a:rPr>
+              <a:t>Table Tennis</a:t>
+            </a:r>
+          </a:p>
+          <a:p>
+            <a:pPr marL="742950" lvl="1" indent="-285750">
+              <a:buFont typeface="Arial" panose="020B0604020202020204" pitchFamily="34" charset="0"/>
+              <a:buChar char="•"/>
+            </a:pPr>
+            <a:r>
+              <a:rPr lang="en-US" dirty="0">
+                <a:latin typeface="Selawik Semibold" panose="020B0702040204020203" pitchFamily="34" charset="0"/>
+              </a:rPr>
+              <a:t>Baseball</a:t>
+            </a:r>
+          </a:p>
+          <a:p>
+            <a:pPr marL="742950" lvl="1" indent="-285750">
+              <a:buFont typeface="Arial" panose="020B0604020202020204" pitchFamily="34" charset="0"/>
+              <a:buChar char="•"/>
+            </a:pPr>
+            <a:r>
+              <a:rPr lang="en-US" dirty="0">
+                <a:latin typeface="Selawik Semibold" panose="020B0702040204020203" pitchFamily="34" charset="0"/>
+              </a:rPr>
+              <a:t>American Football/Rugby</a:t>
+            </a:r>
+          </a:p>
+          <a:p>
+            <a:pPr marL="742950" lvl="1" indent="-285750">
+              <a:buFont typeface="Arial" panose="020B0604020202020204" pitchFamily="34" charset="0"/>
+              <a:buChar char="•"/>
+            </a:pPr>
+            <a:r>
+              <a:rPr lang="en-US" dirty="0">
+                <a:latin typeface="Selawik Semibold" panose="020B0702040204020203" pitchFamily="34" charset="0"/>
+              </a:rPr>
+              <a:t>Golf</a:t>
+            </a:r>
+            <a:endParaRPr lang="en-US" dirty="0"/>
+          </a:p>
+        </p:txBody>
+      </p:sp>
     </p:spTree>
     <p:extLst>
       <p:ext uri="{BB962C8B-B14F-4D97-AF65-F5344CB8AC3E}">
-        <p14:creationId xmlns:p14="http://schemas.microsoft.com/office/powerpoint/2010/main" val="540105019"/>
+        <p14:creationId xmlns:p14="http://schemas.microsoft.com/office/powerpoint/2010/main" val="1787284565"/>
       </p:ext>
     </p:extLst>
   </p:cSld>
@@ -7156,7 +7141,78 @@
               <a:rPr lang="en-US" sz="2400" dirty="0">
                 <a:latin typeface="Selawik Semibold" panose="020B0702040204020203" pitchFamily="34" charset="0"/>
               </a:rPr>
-              <a:t>Infographic About US Sports (Statista.com)</a:t>
+              <a:t>Most Popular US Sports (Gallup.com)</a:t>
+            </a:r>
+          </a:p>
+          <a:p>
+            <a:pPr marL="457200" lvl="1" indent="0">
+              <a:buNone/>
+            </a:pPr>
+            <a:endParaRPr lang="en-US" sz="1600" dirty="0">
+              <a:latin typeface="Selawik Semibold" panose="020B0702040204020203" pitchFamily="34" charset="0"/>
+            </a:endParaRPr>
+          </a:p>
+          <a:p>
+            <a:pPr lvl="1"/>
+            <a:r>
+              <a:rPr lang="en-US" sz="2000" dirty="0">
+                <a:latin typeface="Selawik Semibold" panose="020B0702040204020203" pitchFamily="34" charset="0"/>
+              </a:rPr>
+              <a:t>41% of US Adults Say Football is “Favorite”</a:t>
+            </a:r>
+          </a:p>
+          <a:p>
+            <a:pPr lvl="1"/>
+            <a:r>
+              <a:rPr lang="en-US" sz="2000" dirty="0">
+                <a:latin typeface="Selawik Semibold" panose="020B0702040204020203" pitchFamily="34" charset="0"/>
+              </a:rPr>
+              <a:t>Football has been “Favorite” Since 1972</a:t>
+            </a:r>
+          </a:p>
+          <a:p>
+            <a:pPr lvl="1"/>
+            <a:r>
+              <a:rPr lang="en-US" sz="2000" dirty="0">
+                <a:latin typeface="Selawik Semibold" panose="020B0702040204020203" pitchFamily="34" charset="0"/>
+              </a:rPr>
+              <a:t>Not True with Young Adults (Basketball)</a:t>
+            </a:r>
+          </a:p>
+          <a:p>
+            <a:pPr lvl="1"/>
+            <a:r>
+              <a:rPr lang="en-US" sz="2000" dirty="0">
+                <a:latin typeface="Selawik Semibold" panose="020B0702040204020203" pitchFamily="34" charset="0"/>
+              </a:rPr>
+              <a:t>Soccer is Interesting</a:t>
+            </a:r>
+          </a:p>
+          <a:p>
+            <a:pPr lvl="2"/>
+            <a:r>
+              <a:rPr lang="en-US" sz="1600" dirty="0">
+                <a:latin typeface="Selawik Semibold" panose="020B0702040204020203" pitchFamily="34" charset="0"/>
+              </a:rPr>
+              <a:t>&lt;2% Prior to 2004</a:t>
+            </a:r>
+          </a:p>
+          <a:p>
+            <a:pPr lvl="2"/>
+            <a:r>
+              <a:rPr lang="en-US" sz="1600" dirty="0">
+                <a:latin typeface="Selawik Semibold" panose="020B0702040204020203" pitchFamily="34" charset="0"/>
+              </a:rPr>
+              <a:t>Consistently Above 2% Since 2008 (High of 7%)</a:t>
+            </a:r>
+          </a:p>
+          <a:p>
+            <a:pPr lvl="1"/>
+            <a:r>
+              <a:rPr lang="en-US" sz="2000" dirty="0">
+                <a:latin typeface="Selawik Semibold" panose="020B0702040204020203" pitchFamily="34" charset="0"/>
+              </a:rPr>
+              <a:t>Updated to 2024</a:t>
             </a:r>
           </a:p>
         </p:txBody>
@@ -7503,10 +7559,10 @@
       </p:sp>
       <p:pic>
         <p:nvPicPr>
-          <p:cNvPr id="7" name="Picture 6">
-            <a:extLst>
-              <a:ext uri="{FF2B5EF4-FFF2-40B4-BE49-F238E27FC236}">
-                <a16:creationId xmlns:a16="http://schemas.microsoft.com/office/drawing/2014/main" id="{8B20B5FC-5E6F-0792-CFD6-8F2ED59738FD}"/>
+          <p:cNvPr id="7" name="Picture 6" descr="A graph of a sports game&#10;&#10;Description automatically generated with medium confidence">
+            <a:extLst>
+              <a:ext uri="{FF2B5EF4-FFF2-40B4-BE49-F238E27FC236}">
+                <a16:creationId xmlns:a16="http://schemas.microsoft.com/office/drawing/2014/main" id="{F2DEBC7F-F0CF-0154-04EC-9F63294FFEFF}"/>
               </a:ext>
             </a:extLst>
           </p:cNvPr>
@@ -7516,15 +7572,20 @@
           <p:nvPr/>
         </p:nvPicPr>
         <p:blipFill>
-          <a:blip r:embed="rId5"/>
-          <a:stretch>
-            <a:fillRect/>
-          </a:stretch>
+          <a:blip r:embed="rId5">
+            <a:extLst>
+              <a:ext uri="{28A0092B-C50C-407E-A947-70E740481C1C}">
+                <a14:useLocalDpi xmlns:a14="http://schemas.microsoft.com/office/drawing/2010/main" val="0"/>
+              </a:ext>
+            </a:extLst>
+          </a:blip>
+          <a:srcRect t="12660" b="9313"/>
+          <a:stretch/>
         </p:blipFill>
         <p:spPr>
           <a:xfrm>
-            <a:off x="1144950" y="2473807"/>
-            <a:ext cx="4652345" cy="4243347"/>
+            <a:off x="7466250" y="3628266"/>
+            <a:ext cx="4725750" cy="3088888"/>
           </a:xfrm>
           <a:prstGeom prst="rect">
             <a:avLst/>
@@ -7534,7 +7595,7 @@
     </p:spTree>
     <p:extLst>
       <p:ext uri="{BB962C8B-B14F-4D97-AF65-F5344CB8AC3E}">
-        <p14:creationId xmlns:p14="http://schemas.microsoft.com/office/powerpoint/2010/main" val="4031959493"/>
+        <p14:creationId xmlns:p14="http://schemas.microsoft.com/office/powerpoint/2010/main" val="540105019"/>
       </p:ext>
     </p:extLst>
   </p:cSld>
@@ -7687,8 +7748,8 @@
         </p:nvSpPr>
         <p:spPr>
           <a:xfrm>
-            <a:off x="838199" y="2021250"/>
-            <a:ext cx="6632943" cy="486626"/>
+            <a:off x="838200" y="2021249"/>
+            <a:ext cx="7267832" cy="4527469"/>
           </a:xfrm>
         </p:spPr>
         <p:txBody>
@@ -7701,14 +7762,8 @@
               <a:rPr lang="en-US" sz="2400" dirty="0">
                 <a:latin typeface="Selawik Semibold" panose="020B0702040204020203" pitchFamily="34" charset="0"/>
               </a:rPr>
-              <a:t>Revenue in Sports Leagues (Forbes 2022)</a:t>
-            </a:r>
-          </a:p>
-          <a:p>
-            <a:pPr lvl="1"/>
-            <a:endParaRPr lang="en-US" sz="2000" dirty="0">
-              <a:latin typeface="Selawik Semibold" panose="020B0702040204020203" pitchFamily="34" charset="0"/>
-            </a:endParaRPr>
+              <a:t>Infographic About US Sports (Statista.com)</a:t>
+            </a:r>
           </a:p>
         </p:txBody>
       </p:sp>
@@ -8054,10 +8109,10 @@
       </p:sp>
       <p:pic>
         <p:nvPicPr>
-          <p:cNvPr id="7" name="Picture 6" descr="Chart, bar chart&#10;&#10;Description automatically generated">
-            <a:extLst>
-              <a:ext uri="{FF2B5EF4-FFF2-40B4-BE49-F238E27FC236}">
-                <a16:creationId xmlns:a16="http://schemas.microsoft.com/office/drawing/2014/main" id="{00CA4986-23D4-59DC-3076-556D48B155D4}"/>
+          <p:cNvPr id="7" name="Picture 6">
+            <a:extLst>
+              <a:ext uri="{FF2B5EF4-FFF2-40B4-BE49-F238E27FC236}">
+                <a16:creationId xmlns:a16="http://schemas.microsoft.com/office/drawing/2014/main" id="{8B20B5FC-5E6F-0792-CFD6-8F2ED59738FD}"/>
               </a:ext>
             </a:extLst>
           </p:cNvPr>
@@ -8067,21 +8122,15 @@
           <p:nvPr/>
         </p:nvPicPr>
         <p:blipFill>
-          <a:blip r:embed="rId5">
-            <a:extLst>
-              <a:ext uri="{28A0092B-C50C-407E-A947-70E740481C1C}">
-                <a14:useLocalDpi xmlns:a14="http://schemas.microsoft.com/office/drawing/2010/main" val="0"/>
-              </a:ext>
-            </a:extLst>
-          </a:blip>
+          <a:blip r:embed="rId5"/>
           <a:stretch>
             <a:fillRect/>
           </a:stretch>
         </p:blipFill>
         <p:spPr>
           <a:xfrm>
-            <a:off x="1146901" y="2507876"/>
-            <a:ext cx="4527334" cy="4071344"/>
+            <a:off x="1144950" y="2473807"/>
+            <a:ext cx="4652345" cy="4243347"/>
           </a:xfrm>
           <a:prstGeom prst="rect">
             <a:avLst/>
@@ -8091,7 +8140,7 @@
     </p:spTree>
     <p:extLst>
       <p:ext uri="{BB962C8B-B14F-4D97-AF65-F5344CB8AC3E}">
-        <p14:creationId xmlns:p14="http://schemas.microsoft.com/office/powerpoint/2010/main" val="4260432087"/>
+        <p14:creationId xmlns:p14="http://schemas.microsoft.com/office/powerpoint/2010/main" val="4031959493"/>
       </p:ext>
     </p:extLst>
   </p:cSld>
@@ -8611,10 +8660,10 @@
       </p:sp>
       <p:pic>
         <p:nvPicPr>
-          <p:cNvPr id="8" name="Picture 7" descr="Graphical user interface, application&#10;&#10;Description automatically generated">
-            <a:extLst>
-              <a:ext uri="{FF2B5EF4-FFF2-40B4-BE49-F238E27FC236}">
-                <a16:creationId xmlns:a16="http://schemas.microsoft.com/office/drawing/2014/main" id="{41A55D49-6774-0F25-43B3-8A9BC696729C}"/>
+          <p:cNvPr id="7" name="Picture 6" descr="Chart, bar chart&#10;&#10;Description automatically generated">
+            <a:extLst>
+              <a:ext uri="{FF2B5EF4-FFF2-40B4-BE49-F238E27FC236}">
+                <a16:creationId xmlns:a16="http://schemas.microsoft.com/office/drawing/2014/main" id="{00CA4986-23D4-59DC-3076-556D48B155D4}"/>
               </a:ext>
             </a:extLst>
           </p:cNvPr>
@@ -8637,8 +8686,8 @@
         </p:blipFill>
         <p:spPr>
           <a:xfrm>
-            <a:off x="1188646" y="2507876"/>
-            <a:ext cx="6467832" cy="2315274"/>
+            <a:off x="1146901" y="2507876"/>
+            <a:ext cx="4527334" cy="4071344"/>
           </a:xfrm>
           <a:prstGeom prst="rect">
             <a:avLst/>
@@ -8648,7 +8697,7 @@
     </p:spTree>
     <p:extLst>
       <p:ext uri="{BB962C8B-B14F-4D97-AF65-F5344CB8AC3E}">
-        <p14:creationId xmlns:p14="http://schemas.microsoft.com/office/powerpoint/2010/main" val="1393550825"/>
+        <p14:creationId xmlns:p14="http://schemas.microsoft.com/office/powerpoint/2010/main" val="4260432087"/>
       </p:ext>
     </p:extLst>
   </p:cSld>
@@ -8801,13 +8850,13 @@
         </p:nvSpPr>
         <p:spPr>
           <a:xfrm>
-            <a:off x="838199" y="2021249"/>
-            <a:ext cx="7324166" cy="4581257"/>
+            <a:off x="838199" y="2021250"/>
+            <a:ext cx="6632943" cy="486626"/>
           </a:xfrm>
         </p:spPr>
         <p:txBody>
           <a:bodyPr>
-            <a:normAutofit lnSpcReduction="10000"/>
+            <a:normAutofit/>
           </a:bodyPr>
           <a:lstStyle/>
           <a:p>
@@ -8815,136 +8864,8 @@
               <a:rPr lang="en-US" sz="2400" dirty="0">
                 <a:latin typeface="Selawik Semibold" panose="020B0702040204020203" pitchFamily="34" charset="0"/>
               </a:rPr>
-              <a:t>Revenue in Sports Leagues (Wikipedia)</a:t>
-            </a:r>
-          </a:p>
-          <a:p>
-            <a:pPr marL="457200" lvl="1" indent="0">
-              <a:buNone/>
-            </a:pPr>
-            <a:endParaRPr lang="en-US" sz="2000" dirty="0">
-              <a:latin typeface="Selawik Semibold" panose="020B0702040204020203" pitchFamily="34" charset="0"/>
-            </a:endParaRPr>
-          </a:p>
-          <a:p>
-            <a:pPr lvl="1"/>
-            <a:r>
-              <a:rPr lang="en-US" sz="2000" dirty="0">
-                <a:latin typeface="Selawik Semibold" panose="020B0702040204020203" pitchFamily="34" charset="0"/>
-              </a:rPr>
-              <a:t>List Based off Most Recent Data (in Euro)</a:t>
-            </a:r>
-          </a:p>
-          <a:p>
-            <a:pPr lvl="2"/>
-            <a:r>
-              <a:rPr lang="en-US" sz="1600" dirty="0">
-                <a:latin typeface="Selawik Semibold" panose="020B0702040204020203" pitchFamily="34" charset="0"/>
-              </a:rPr>
-              <a:t>NFL (American Football,18.027 Billion)</a:t>
-            </a:r>
-          </a:p>
-          <a:p>
-            <a:pPr lvl="2"/>
-            <a:r>
-              <a:rPr lang="en-US" sz="1600" dirty="0">
-                <a:latin typeface="Selawik Semibold" panose="020B0702040204020203" pitchFamily="34" charset="0"/>
-              </a:rPr>
-              <a:t>MLB (Baseball, 10.07 Billion)</a:t>
-            </a:r>
-          </a:p>
-          <a:p>
-            <a:pPr lvl="2"/>
-            <a:r>
-              <a:rPr lang="en-US" sz="1600" dirty="0">
-                <a:latin typeface="Selawik Semibold" panose="020B0702040204020203" pitchFamily="34" charset="0"/>
-              </a:rPr>
-              <a:t>NBA (Basketball, 9.951 Billion)</a:t>
-            </a:r>
-          </a:p>
-          <a:p>
-            <a:pPr lvl="2"/>
-            <a:r>
-              <a:rPr lang="en-US" sz="1600" dirty="0">
-                <a:latin typeface="Selawik Semibold" panose="020B0702040204020203" pitchFamily="34" charset="0"/>
-              </a:rPr>
-              <a:t>EPL (Soccer, 6.442 Billion, England)</a:t>
-            </a:r>
-          </a:p>
-          <a:p>
-            <a:pPr lvl="2"/>
-            <a:r>
-              <a:rPr lang="en-US" sz="1600" dirty="0">
-                <a:latin typeface="Selawik Semibold" panose="020B0702040204020203" pitchFamily="34" charset="0"/>
-              </a:rPr>
-              <a:t>NHL (Hockey, 1.4 Billion)</a:t>
-            </a:r>
-          </a:p>
-          <a:p>
-            <a:pPr lvl="2"/>
-            <a:r>
-              <a:rPr lang="en-US" sz="1600" dirty="0">
-                <a:latin typeface="Selawik Semibold" panose="020B0702040204020203" pitchFamily="34" charset="0"/>
-              </a:rPr>
-              <a:t>La Liga (Soccer, 4.443 Billion, Spain)</a:t>
-            </a:r>
-          </a:p>
-          <a:p>
-            <a:pPr lvl="2"/>
-            <a:r>
-              <a:rPr lang="en-US" sz="1600" dirty="0">
-                <a:latin typeface="Selawik Semibold" panose="020B0702040204020203" pitchFamily="34" charset="0"/>
-              </a:rPr>
-              <a:t>Bundesliga (Soccer, 3.610 Billion, Germany)</a:t>
-            </a:r>
-          </a:p>
-          <a:p>
-            <a:pPr lvl="2"/>
-            <a:r>
-              <a:rPr lang="en-US" sz="1600" dirty="0">
-                <a:latin typeface="Selawik Semibold" panose="020B0702040204020203" pitchFamily="34" charset="0"/>
-              </a:rPr>
-              <a:t>Serie A (Soccer, 2.927 Billion, Italy)</a:t>
-            </a:r>
-          </a:p>
-          <a:p>
-            <a:pPr lvl="2"/>
-            <a:r>
-              <a:rPr lang="en-US" sz="1600" dirty="0">
-                <a:latin typeface="Selawik Semibold" panose="020B0702040204020203" pitchFamily="34" charset="0"/>
-              </a:rPr>
-              <a:t>Ligue 1 (Soccer, 2.407 Billion, France)</a:t>
-            </a:r>
-          </a:p>
-          <a:p>
-            <a:pPr lvl="2"/>
-            <a:r>
-              <a:rPr lang="en-US" sz="1600" dirty="0">
-                <a:latin typeface="Selawik Semibold" panose="020B0702040204020203" pitchFamily="34" charset="0"/>
-              </a:rPr>
-              <a:t>NPB (Baseball, 1.506 Billion, Japan)</a:t>
-            </a:r>
-          </a:p>
-          <a:p>
-            <a:pPr lvl="1"/>
-            <a:endParaRPr lang="en-US" sz="2000" dirty="0">
-              <a:latin typeface="Selawik Semibold" panose="020B0702040204020203" pitchFamily="34" charset="0"/>
-            </a:endParaRPr>
-          </a:p>
-          <a:p>
-            <a:pPr lvl="1"/>
-            <a:r>
-              <a:rPr lang="en-US" sz="2000" dirty="0">
-                <a:latin typeface="Selawik Semibold" panose="020B0702040204020203" pitchFamily="34" charset="0"/>
-              </a:rPr>
-              <a:t>Compare Revenue Per Team and Revenue Per Match</a:t>
-            </a:r>
-          </a:p>
-          <a:p>
-            <a:pPr lvl="1"/>
-            <a:endParaRPr lang="en-US" sz="2000" dirty="0">
-              <a:latin typeface="Selawik Semibold" panose="020B0702040204020203" pitchFamily="34" charset="0"/>
-            </a:endParaRPr>
+              <a:t>Revenue in Sports Leagues (Forbes 2022)</a:t>
+            </a:r>
           </a:p>
           <a:p>
             <a:pPr lvl="1"/>
@@ -9294,10 +9215,46 @@
           </a:p>
         </p:txBody>
       </p:sp>
+      <p:pic>
+        <p:nvPicPr>
+          <p:cNvPr id="8" name="Picture 7" descr="Graphical user interface, application&#10;&#10;Description automatically generated">
+            <a:extLst>
+              <a:ext uri="{FF2B5EF4-FFF2-40B4-BE49-F238E27FC236}">
+                <a16:creationId xmlns:a16="http://schemas.microsoft.com/office/drawing/2014/main" id="{41A55D49-6774-0F25-43B3-8A9BC696729C}"/>
+              </a:ext>
+            </a:extLst>
+          </p:cNvPr>
+          <p:cNvPicPr>
+            <a:picLocks noChangeAspect="1"/>
+          </p:cNvPicPr>
+          <p:nvPr/>
+        </p:nvPicPr>
+        <p:blipFill>
+          <a:blip r:embed="rId5">
+            <a:extLst>
+              <a:ext uri="{28A0092B-C50C-407E-A947-70E740481C1C}">
+                <a14:useLocalDpi xmlns:a14="http://schemas.microsoft.com/office/drawing/2010/main" val="0"/>
+              </a:ext>
+            </a:extLst>
+          </a:blip>
+          <a:stretch>
+            <a:fillRect/>
+          </a:stretch>
+        </p:blipFill>
+        <p:spPr>
+          <a:xfrm>
+            <a:off x="1188646" y="2507876"/>
+            <a:ext cx="6467832" cy="2315274"/>
+          </a:xfrm>
+          <a:prstGeom prst="rect">
+            <a:avLst/>
+          </a:prstGeom>
+        </p:spPr>
+      </p:pic>
     </p:spTree>
     <p:extLst>
       <p:ext uri="{BB962C8B-B14F-4D97-AF65-F5344CB8AC3E}">
-        <p14:creationId xmlns:p14="http://schemas.microsoft.com/office/powerpoint/2010/main" val="80295406"/>
+        <p14:creationId xmlns:p14="http://schemas.microsoft.com/office/powerpoint/2010/main" val="1393550825"/>
       </p:ext>
     </p:extLst>
   </p:cSld>
@@ -9456,7 +9413,7 @@
         </p:spPr>
         <p:txBody>
           <a:bodyPr>
-            <a:normAutofit/>
+            <a:normAutofit lnSpcReduction="10000"/>
           </a:bodyPr>
           <a:lstStyle/>
           <a:p>
@@ -9464,11 +9421,130 @@
               <a:rPr lang="en-US" sz="2400" dirty="0">
                 <a:latin typeface="Selawik Semibold" panose="020B0702040204020203" pitchFamily="34" charset="0"/>
               </a:rPr>
-              <a:t>Growth in Team Sports (sisugaurd.com)</a:t>
-            </a:r>
+              <a:t>Revenue in Sports Leagues (Wikipedia)</a:t>
+            </a:r>
+          </a:p>
+          <a:p>
+            <a:pPr marL="457200" lvl="1" indent="0">
+              <a:buNone/>
+            </a:pPr>
             <a:endParaRPr lang="en-US" sz="2000" dirty="0">
               <a:latin typeface="Selawik Semibold" panose="020B0702040204020203" pitchFamily="34" charset="0"/>
             </a:endParaRPr>
+          </a:p>
+          <a:p>
+            <a:pPr lvl="1"/>
+            <a:r>
+              <a:rPr lang="en-US" sz="2000" dirty="0">
+                <a:latin typeface="Selawik Semibold" panose="020B0702040204020203" pitchFamily="34" charset="0"/>
+              </a:rPr>
+              <a:t>List Based off Most Recent Data (in Euro)</a:t>
+            </a:r>
+          </a:p>
+          <a:p>
+            <a:pPr lvl="2"/>
+            <a:r>
+              <a:rPr lang="en-US" sz="1600" dirty="0">
+                <a:latin typeface="Selawik Semibold" panose="020B0702040204020203" pitchFamily="34" charset="0"/>
+              </a:rPr>
+              <a:t>NFL (American Football,18.027 Billion)</a:t>
+            </a:r>
+          </a:p>
+          <a:p>
+            <a:pPr lvl="2"/>
+            <a:r>
+              <a:rPr lang="en-US" sz="1600" dirty="0">
+                <a:latin typeface="Selawik Semibold" panose="020B0702040204020203" pitchFamily="34" charset="0"/>
+              </a:rPr>
+              <a:t>MLB (Baseball, 10.07 Billion)</a:t>
+            </a:r>
+          </a:p>
+          <a:p>
+            <a:pPr lvl="2"/>
+            <a:r>
+              <a:rPr lang="en-US" sz="1600" dirty="0">
+                <a:latin typeface="Selawik Semibold" panose="020B0702040204020203" pitchFamily="34" charset="0"/>
+              </a:rPr>
+              <a:t>NBA (Basketball, 9.951 Billion)</a:t>
+            </a:r>
+          </a:p>
+          <a:p>
+            <a:pPr lvl="2"/>
+            <a:r>
+              <a:rPr lang="en-US" sz="1600" dirty="0">
+                <a:latin typeface="Selawik Semibold" panose="020B0702040204020203" pitchFamily="34" charset="0"/>
+              </a:rPr>
+              <a:t>EPL (Soccer, 6.442 Billion, England)</a:t>
+            </a:r>
+          </a:p>
+          <a:p>
+            <a:pPr lvl="2"/>
+            <a:r>
+              <a:rPr lang="en-US" sz="1600" dirty="0">
+                <a:latin typeface="Selawik Semibold" panose="020B0702040204020203" pitchFamily="34" charset="0"/>
+              </a:rPr>
+              <a:t>NHL (Hockey, 1.4 Billion)</a:t>
+            </a:r>
+          </a:p>
+          <a:p>
+            <a:pPr lvl="2"/>
+            <a:r>
+              <a:rPr lang="en-US" sz="1600" dirty="0">
+                <a:latin typeface="Selawik Semibold" panose="020B0702040204020203" pitchFamily="34" charset="0"/>
+              </a:rPr>
+              <a:t>La Liga (Soccer, 4.443 Billion, Spain)</a:t>
+            </a:r>
+          </a:p>
+          <a:p>
+            <a:pPr lvl="2"/>
+            <a:r>
+              <a:rPr lang="en-US" sz="1600" dirty="0">
+                <a:latin typeface="Selawik Semibold" panose="020B0702040204020203" pitchFamily="34" charset="0"/>
+              </a:rPr>
+              <a:t>Bundesliga (Soccer, 3.610 Billion, Germany)</a:t>
+            </a:r>
+          </a:p>
+          <a:p>
+            <a:pPr lvl="2"/>
+            <a:r>
+              <a:rPr lang="en-US" sz="1600" dirty="0">
+                <a:latin typeface="Selawik Semibold" panose="020B0702040204020203" pitchFamily="34" charset="0"/>
+              </a:rPr>
+              <a:t>Serie A (Soccer, 2.927 Billion, Italy)</a:t>
+            </a:r>
+          </a:p>
+          <a:p>
+            <a:pPr lvl="2"/>
+            <a:r>
+              <a:rPr lang="en-US" sz="1600" dirty="0">
+                <a:latin typeface="Selawik Semibold" panose="020B0702040204020203" pitchFamily="34" charset="0"/>
+              </a:rPr>
+              <a:t>Ligue 1 (Soccer, 2.407 Billion, France)</a:t>
+            </a:r>
+          </a:p>
+          <a:p>
+            <a:pPr lvl="2"/>
+            <a:r>
+              <a:rPr lang="en-US" sz="1600" dirty="0">
+                <a:latin typeface="Selawik Semibold" panose="020B0702040204020203" pitchFamily="34" charset="0"/>
+              </a:rPr>
+              <a:t>NPB (Baseball, 1.506 Billion, Japan)</a:t>
+            </a:r>
+          </a:p>
+          <a:p>
+            <a:pPr lvl="1"/>
+            <a:endParaRPr lang="en-US" sz="2000" dirty="0">
+              <a:latin typeface="Selawik Semibold" panose="020B0702040204020203" pitchFamily="34" charset="0"/>
+            </a:endParaRPr>
+          </a:p>
+          <a:p>
+            <a:pPr lvl="1"/>
+            <a:r>
+              <a:rPr lang="en-US" sz="2000" dirty="0">
+                <a:latin typeface="Selawik Semibold" panose="020B0702040204020203" pitchFamily="34" charset="0"/>
+              </a:rPr>
+              <a:t>Compare Revenue Per Team and Revenue Per Match</a:t>
+            </a:r>
           </a:p>
           <a:p>
             <a:pPr lvl="1"/>
@@ -9824,93 +9900,10 @@
           </a:p>
         </p:txBody>
       </p:sp>
-      <p:pic>
-        <p:nvPicPr>
-          <p:cNvPr id="7" name="Picture 6" descr="A screenshot of a cell phone&#10;&#10;Description automatically generated">
-            <a:extLst>
-              <a:ext uri="{FF2B5EF4-FFF2-40B4-BE49-F238E27FC236}">
-                <a16:creationId xmlns:a16="http://schemas.microsoft.com/office/drawing/2014/main" id="{ED404A5E-A92F-40E3-803A-B7C744A38ED9}"/>
-              </a:ext>
-            </a:extLst>
-          </p:cNvPr>
-          <p:cNvPicPr>
-            <a:picLocks noChangeAspect="1"/>
-          </p:cNvPicPr>
-          <p:nvPr/>
-        </p:nvPicPr>
-        <p:blipFill>
-          <a:blip r:embed="rId5">
-            <a:extLst>
-              <a:ext uri="{28A0092B-C50C-407E-A947-70E740481C1C}">
-                <a14:useLocalDpi xmlns:a14="http://schemas.microsoft.com/office/drawing/2010/main" val="0"/>
-              </a:ext>
-            </a:extLst>
-          </a:blip>
-          <a:stretch>
-            <a:fillRect/>
-          </a:stretch>
-        </p:blipFill>
-        <p:spPr>
-          <a:xfrm>
-            <a:off x="1211998" y="2440640"/>
-            <a:ext cx="4911998" cy="4188125"/>
-          </a:xfrm>
-          <a:prstGeom prst="rect">
-            <a:avLst/>
-          </a:prstGeom>
-        </p:spPr>
-      </p:pic>
-      <p:sp>
-        <p:nvSpPr>
-          <p:cNvPr id="8" name="TextBox 7">
-            <a:extLst>
-              <a:ext uri="{FF2B5EF4-FFF2-40B4-BE49-F238E27FC236}">
-                <a16:creationId xmlns:a16="http://schemas.microsoft.com/office/drawing/2014/main" id="{2BF57D43-4A99-47D7-A02E-3A57D96B7B4F}"/>
-              </a:ext>
-            </a:extLst>
-          </p:cNvPr>
-          <p:cNvSpPr txBox="1"/>
-          <p:nvPr/>
-        </p:nvSpPr>
-        <p:spPr>
-          <a:xfrm>
-            <a:off x="6123996" y="5528278"/>
-            <a:ext cx="3825170" cy="1200329"/>
-          </a:xfrm>
-          <a:prstGeom prst="rect">
-            <a:avLst/>
-          </a:prstGeom>
-          <a:noFill/>
-        </p:spPr>
-        <p:txBody>
-          <a:bodyPr wrap="square" rtlCol="0">
-            <a:spAutoFit/>
-          </a:bodyPr>
-          <a:lstStyle/>
-          <a:p>
-            <a:r>
-              <a:rPr lang="en-US" dirty="0"/>
-              <a:t>Based on 2017 Annual Report </a:t>
-            </a:r>
-          </a:p>
-          <a:p>
-            <a:r>
-              <a:rPr lang="en-US" dirty="0"/>
-              <a:t>On US Trends in Team Sports </a:t>
-            </a:r>
-          </a:p>
-          <a:p>
-            <a:r>
-              <a:rPr lang="en-US" dirty="0"/>
-              <a:t>By Sports &amp; Fitness Industry Association (SFIA)</a:t>
-            </a:r>
-          </a:p>
-        </p:txBody>
-      </p:sp>
     </p:spTree>
     <p:extLst>
       <p:ext uri="{BB962C8B-B14F-4D97-AF65-F5344CB8AC3E}">
-        <p14:creationId xmlns:p14="http://schemas.microsoft.com/office/powerpoint/2010/main" val="567599230"/>
+        <p14:creationId xmlns:p14="http://schemas.microsoft.com/office/powerpoint/2010/main" val="80295406"/>
       </p:ext>
     </p:extLst>
   </p:cSld>
@@ -10091,115 +10084,7 @@
           </a:p>
           <a:p>
             <a:pPr lvl="1"/>
-            <a:r>
-              <a:rPr lang="en-US" sz="2000" dirty="0">
-                <a:latin typeface="Selawik Semibold" panose="020B0702040204020203" pitchFamily="34" charset="0"/>
-              </a:rPr>
-              <a:t>Increase of 10.9% Across All Sports (2014-2016)</a:t>
-            </a:r>
-          </a:p>
-          <a:p>
-            <a:pPr lvl="1"/>
             <a:endParaRPr lang="en-US" sz="2000" dirty="0">
-              <a:latin typeface="Selawik Semibold" panose="020B0702040204020203" pitchFamily="34" charset="0"/>
-            </a:endParaRPr>
-          </a:p>
-          <a:p>
-            <a:pPr lvl="1"/>
-            <a:r>
-              <a:rPr lang="en-US" sz="2000" dirty="0">
-                <a:latin typeface="Selawik Semibold" panose="020B0702040204020203" pitchFamily="34" charset="0"/>
-              </a:rPr>
-              <a:t>Resilient Sports Based on Age of Participants</a:t>
-            </a:r>
-          </a:p>
-          <a:p>
-            <a:pPr lvl="2"/>
-            <a:r>
-              <a:rPr lang="en-US" sz="1600" dirty="0">
-                <a:latin typeface="Selawik Semibold" panose="020B0702040204020203" pitchFamily="34" charset="0"/>
-              </a:rPr>
-              <a:t>Soccer</a:t>
-            </a:r>
-          </a:p>
-          <a:p>
-            <a:pPr lvl="2"/>
-            <a:r>
-              <a:rPr lang="en-US" sz="1600" dirty="0">
-                <a:latin typeface="Selawik Semibold" panose="020B0702040204020203" pitchFamily="34" charset="0"/>
-              </a:rPr>
-              <a:t>Volleyball</a:t>
-            </a:r>
-          </a:p>
-          <a:p>
-            <a:pPr lvl="2"/>
-            <a:r>
-              <a:rPr lang="en-US" sz="1600" dirty="0">
-                <a:latin typeface="Selawik Semibold" panose="020B0702040204020203" pitchFamily="34" charset="0"/>
-              </a:rPr>
-              <a:t>Softball</a:t>
-            </a:r>
-          </a:p>
-          <a:p>
-            <a:pPr lvl="2"/>
-            <a:r>
-              <a:rPr lang="en-US" sz="1600" dirty="0">
-                <a:latin typeface="Selawik Semibold" panose="020B0702040204020203" pitchFamily="34" charset="0"/>
-              </a:rPr>
-              <a:t>Flag Football</a:t>
-            </a:r>
-          </a:p>
-          <a:p>
-            <a:pPr lvl="1"/>
-            <a:endParaRPr lang="en-US" sz="2000" dirty="0">
-              <a:latin typeface="Selawik Semibold" panose="020B0702040204020203" pitchFamily="34" charset="0"/>
-            </a:endParaRPr>
-          </a:p>
-          <a:p>
-            <a:pPr lvl="1"/>
-            <a:r>
-              <a:rPr lang="en-US" sz="2000" dirty="0">
-                <a:latin typeface="Selawik Semibold" panose="020B0702040204020203" pitchFamily="34" charset="0"/>
-              </a:rPr>
-              <a:t>Declining Sports Lost 9.3M Participants</a:t>
-            </a:r>
-          </a:p>
-          <a:p>
-            <a:pPr lvl="1"/>
-            <a:endParaRPr lang="en-US" sz="2000" dirty="0">
-              <a:latin typeface="Selawik Semibold" panose="020B0702040204020203" pitchFamily="34" charset="0"/>
-            </a:endParaRPr>
-          </a:p>
-          <a:p>
-            <a:pPr lvl="1"/>
-            <a:r>
-              <a:rPr lang="en-US" sz="2000" dirty="0">
-                <a:latin typeface="Selawik Semibold" panose="020B0702040204020203" pitchFamily="34" charset="0"/>
-              </a:rPr>
-              <a:t>Basketball Declined Most by 2.4M Participants</a:t>
-            </a:r>
-          </a:p>
-          <a:p>
-            <a:pPr lvl="2"/>
-            <a:endParaRPr lang="en-US" sz="1600" dirty="0">
-              <a:latin typeface="Selawik Semibold" panose="020B0702040204020203" pitchFamily="34" charset="0"/>
-            </a:endParaRPr>
-          </a:p>
-          <a:p>
-            <a:pPr lvl="2"/>
-            <a:endParaRPr lang="en-US" sz="1600" dirty="0">
-              <a:latin typeface="Selawik Semibold" panose="020B0702040204020203" pitchFamily="34" charset="0"/>
-            </a:endParaRPr>
-          </a:p>
-          <a:p>
-            <a:pPr lvl="2"/>
-            <a:endParaRPr lang="en-US" sz="1600" dirty="0">
-              <a:latin typeface="Selawik Semibold" panose="020B0702040204020203" pitchFamily="34" charset="0"/>
-            </a:endParaRPr>
-          </a:p>
-          <a:p>
-            <a:pPr lvl="2"/>
-            <a:endParaRPr lang="en-US" sz="1600" dirty="0">
               <a:latin typeface="Selawik Semibold" panose="020B0702040204020203" pitchFamily="34" charset="0"/>
             </a:endParaRPr>
           </a:p>
@@ -10545,10 +10430,93 @@
           </a:p>
         </p:txBody>
       </p:sp>
+      <p:pic>
+        <p:nvPicPr>
+          <p:cNvPr id="7" name="Picture 6" descr="A screenshot of a cell phone&#10;&#10;Description automatically generated">
+            <a:extLst>
+              <a:ext uri="{FF2B5EF4-FFF2-40B4-BE49-F238E27FC236}">
+                <a16:creationId xmlns:a16="http://schemas.microsoft.com/office/drawing/2014/main" id="{ED404A5E-A92F-40E3-803A-B7C744A38ED9}"/>
+              </a:ext>
+            </a:extLst>
+          </p:cNvPr>
+          <p:cNvPicPr>
+            <a:picLocks noChangeAspect="1"/>
+          </p:cNvPicPr>
+          <p:nvPr/>
+        </p:nvPicPr>
+        <p:blipFill>
+          <a:blip r:embed="rId5">
+            <a:extLst>
+              <a:ext uri="{28A0092B-C50C-407E-A947-70E740481C1C}">
+                <a14:useLocalDpi xmlns:a14="http://schemas.microsoft.com/office/drawing/2010/main" val="0"/>
+              </a:ext>
+            </a:extLst>
+          </a:blip>
+          <a:stretch>
+            <a:fillRect/>
+          </a:stretch>
+        </p:blipFill>
+        <p:spPr>
+          <a:xfrm>
+            <a:off x="1211998" y="2440640"/>
+            <a:ext cx="4911998" cy="4188125"/>
+          </a:xfrm>
+          <a:prstGeom prst="rect">
+            <a:avLst/>
+          </a:prstGeom>
+        </p:spPr>
+      </p:pic>
+      <p:sp>
+        <p:nvSpPr>
+          <p:cNvPr id="8" name="TextBox 7">
+            <a:extLst>
+              <a:ext uri="{FF2B5EF4-FFF2-40B4-BE49-F238E27FC236}">
+                <a16:creationId xmlns:a16="http://schemas.microsoft.com/office/drawing/2014/main" id="{2BF57D43-4A99-47D7-A02E-3A57D96B7B4F}"/>
+              </a:ext>
+            </a:extLst>
+          </p:cNvPr>
+          <p:cNvSpPr txBox="1"/>
+          <p:nvPr/>
+        </p:nvSpPr>
+        <p:spPr>
+          <a:xfrm>
+            <a:off x="6123996" y="5528278"/>
+            <a:ext cx="3825170" cy="1200329"/>
+          </a:xfrm>
+          <a:prstGeom prst="rect">
+            <a:avLst/>
+          </a:prstGeom>
+          <a:noFill/>
+        </p:spPr>
+        <p:txBody>
+          <a:bodyPr wrap="square" rtlCol="0">
+            <a:spAutoFit/>
+          </a:bodyPr>
+          <a:lstStyle/>
+          <a:p>
+            <a:r>
+              <a:rPr lang="en-US" dirty="0"/>
+              <a:t>Based on 2017 Annual Report </a:t>
+            </a:r>
+          </a:p>
+          <a:p>
+            <a:r>
+              <a:rPr lang="en-US" dirty="0"/>
+              <a:t>On US Trends in Team Sports </a:t>
+            </a:r>
+          </a:p>
+          <a:p>
+            <a:r>
+              <a:rPr lang="en-US" dirty="0"/>
+              <a:t>By Sports &amp; Fitness Industry Association (SFIA)</a:t>
+            </a:r>
+          </a:p>
+        </p:txBody>
+      </p:sp>
     </p:spTree>
     <p:extLst>
       <p:ext uri="{BB962C8B-B14F-4D97-AF65-F5344CB8AC3E}">
-        <p14:creationId xmlns:p14="http://schemas.microsoft.com/office/powerpoint/2010/main" val="149536260"/>
+        <p14:creationId xmlns:p14="http://schemas.microsoft.com/office/powerpoint/2010/main" val="567599230"/>
       </p:ext>
     </p:extLst>
   </p:cSld>
@@ -11314,70 +11282,70 @@
           <a:p>
             <a:pPr lvl="1"/>
             <a:r>
+              <a:rPr lang="en-US" sz="2000" dirty="0">
+                <a:latin typeface="Selawik Semibold" panose="020B0702040204020203" pitchFamily="34" charset="0"/>
+              </a:rPr>
+              <a:t>Interesting Information About 2022 Annual Report</a:t>
+            </a:r>
+          </a:p>
+          <a:p>
+            <a:pPr lvl="1"/>
+            <a:endParaRPr lang="en-US" sz="2000" dirty="0">
+              <a:latin typeface="Selawik Semibold" panose="020B0702040204020203" pitchFamily="34" charset="0"/>
+            </a:endParaRPr>
+          </a:p>
+          <a:p>
+            <a:pPr lvl="1"/>
+            <a:r>
+              <a:rPr lang="en-US" sz="2000" dirty="0">
+                <a:latin typeface="Selawik Semibold" panose="020B0702040204020203" pitchFamily="34" charset="0"/>
+              </a:rPr>
+              <a:t>Pandemic Effect on Team Sports</a:t>
+            </a:r>
+          </a:p>
+          <a:p>
+            <a:pPr lvl="2"/>
+            <a:r>
               <a:rPr lang="en-US" sz="1600" dirty="0">
                 <a:latin typeface="Selawik Semibold" panose="020B0702040204020203" pitchFamily="34" charset="0"/>
               </a:rPr>
-              <a:t>Interesting Information About 2022 Annual Report</a:t>
-            </a:r>
-          </a:p>
-          <a:p>
-            <a:pPr lvl="1"/>
-            <a:endParaRPr lang="en-US" sz="1600" dirty="0">
-              <a:latin typeface="Selawik Semibold" panose="020B0702040204020203" pitchFamily="34" charset="0"/>
-            </a:endParaRPr>
-          </a:p>
-          <a:p>
-            <a:pPr lvl="1"/>
+              <a:t>67 million in 2020 to 68.3 million in 2021</a:t>
+            </a:r>
+          </a:p>
+          <a:p>
+            <a:pPr lvl="2"/>
             <a:r>
               <a:rPr lang="en-US" sz="1600" dirty="0">
                 <a:latin typeface="Selawik Semibold" panose="020B0702040204020203" pitchFamily="34" charset="0"/>
               </a:rPr>
-              <a:t>Pandemic Effect on Team Sports</a:t>
+              <a:t>70.8 million in 2019</a:t>
             </a:r>
           </a:p>
           <a:p>
             <a:pPr lvl="2"/>
-            <a:r>
-              <a:rPr lang="en-US" sz="1400" dirty="0">
+            <a:endParaRPr lang="en-US" dirty="0">
+              <a:latin typeface="Selawik Semibold" panose="020B0702040204020203" pitchFamily="34" charset="0"/>
+            </a:endParaRPr>
+          </a:p>
+          <a:p>
+            <a:pPr lvl="1"/>
+            <a:r>
+              <a:rPr lang="en-US" sz="2000" dirty="0">
                 <a:latin typeface="Selawik Semibold" panose="020B0702040204020203" pitchFamily="34" charset="0"/>
               </a:rPr>
-              <a:t>67 million in 2020 to 68.3 million in 2021</a:t>
-            </a:r>
-          </a:p>
-          <a:p>
-            <a:pPr lvl="2"/>
-            <a:r>
-              <a:rPr lang="en-US" sz="1400" dirty="0">
-                <a:latin typeface="Selawik Semibold" panose="020B0702040204020203" pitchFamily="34" charset="0"/>
-              </a:rPr>
-              <a:t>70.8 million in 2019</a:t>
-            </a:r>
-          </a:p>
-          <a:p>
-            <a:pPr lvl="2"/>
-            <a:endParaRPr lang="en-US" sz="1400" dirty="0">
+              <a:t>Team Sports Ages 6-12 Increased 0.6 million in 2021</a:t>
+            </a:r>
+          </a:p>
+          <a:p>
+            <a:pPr lvl="1"/>
+            <a:endParaRPr lang="en-US" sz="2000" dirty="0">
               <a:latin typeface="Selawik Semibold" panose="020B0702040204020203" pitchFamily="34" charset="0"/>
             </a:endParaRPr>
           </a:p>
           <a:p>
             <a:pPr lvl="1"/>
             <a:r>
-              <a:rPr lang="en-US" sz="1600" dirty="0">
-                <a:latin typeface="Selawik Semibold" panose="020B0702040204020203" pitchFamily="34" charset="0"/>
-              </a:rPr>
-              <a:t>Team Sports in Ages 6 to 12 Increased by 0.6 million in 2021</a:t>
-            </a:r>
-          </a:p>
-          <a:p>
-            <a:pPr lvl="1"/>
-            <a:endParaRPr lang="en-US" sz="1600" dirty="0">
-              <a:latin typeface="Selawik Semibold" panose="020B0702040204020203" pitchFamily="34" charset="0"/>
-            </a:endParaRPr>
-          </a:p>
-          <a:p>
-            <a:pPr lvl="1"/>
-            <a:r>
-              <a:rPr lang="en-US" sz="1600" dirty="0">
+              <a:rPr lang="en-US" sz="2000" dirty="0">
                 <a:latin typeface="Selawik Semibold" panose="020B0702040204020203" pitchFamily="34" charset="0"/>
               </a:rPr>
               <a:t>Basketball Continues to be Most Played (27.1 million)</a:t>
@@ -11385,14 +11353,14 @@
           </a:p>
           <a:p>
             <a:pPr lvl="1"/>
-            <a:endParaRPr lang="en-US" sz="1600" dirty="0">
+            <a:endParaRPr lang="en-US" sz="2000" dirty="0">
               <a:latin typeface="Selawik Semibold" panose="020B0702040204020203" pitchFamily="34" charset="0"/>
             </a:endParaRPr>
           </a:p>
           <a:p>
             <a:pPr lvl="1"/>
             <a:r>
-              <a:rPr lang="en-US" sz="1600" dirty="0">
+              <a:rPr lang="en-US" sz="2000" dirty="0">
                 <a:latin typeface="Selawik Semibold" panose="020B0702040204020203" pitchFamily="34" charset="0"/>
               </a:rPr>
               <a:t>Soccer Overtook Basketball for 6-year-olds in 2021</a:t>
@@ -12476,46 +12444,71 @@
           <a:p>
             <a:pPr lvl="2"/>
             <a:r>
+              <a:rPr lang="en-US" sz="1600" dirty="0">
+                <a:latin typeface="Selawik Semibold" panose="020B0702040204020203" pitchFamily="34" charset="0"/>
+              </a:rPr>
+              <a:t>Fast-Pitch Softball (+15.3%)</a:t>
+            </a:r>
+          </a:p>
+          <a:p>
+            <a:pPr lvl="2"/>
+            <a:r>
+              <a:rPr lang="en-US" sz="1600" dirty="0">
+                <a:latin typeface="Selawik Semibold" panose="020B0702040204020203" pitchFamily="34" charset="0"/>
+              </a:rPr>
+              <a:t>Gymnastics (+10.9%)</a:t>
+            </a:r>
+          </a:p>
+          <a:p>
+            <a:pPr lvl="2"/>
+            <a:r>
+              <a:rPr lang="en-US" sz="1600" dirty="0">
+                <a:latin typeface="Selawik Semibold" panose="020B0702040204020203" pitchFamily="34" charset="0"/>
+              </a:rPr>
+              <a:t>Court Volleyball (+8.1%)</a:t>
+            </a:r>
+          </a:p>
+          <a:p>
+            <a:pPr lvl="2"/>
+            <a:r>
+              <a:rPr lang="en-US" sz="1600" dirty="0">
+                <a:latin typeface="Selawik Semibold" panose="020B0702040204020203" pitchFamily="34" charset="0"/>
+              </a:rPr>
+              <a:t>Swimming on Team (+8%)</a:t>
+            </a:r>
+          </a:p>
+          <a:p>
+            <a:pPr lvl="1"/>
+            <a:endParaRPr lang="en-US" sz="1800" dirty="0">
+              <a:latin typeface="Selawik Semibold" panose="020B0702040204020203" pitchFamily="34" charset="0"/>
+            </a:endParaRPr>
+          </a:p>
+          <a:p>
+            <a:pPr lvl="1"/>
+            <a:r>
+              <a:rPr lang="en-US" sz="2000" dirty="0">
+                <a:latin typeface="Selawik Semibold" panose="020B0702040204020203" pitchFamily="34" charset="0"/>
+              </a:rPr>
+              <a:t>Team Sports Increased by 8 Million from 2022 to 2023</a:t>
+            </a:r>
+          </a:p>
+          <a:p>
+            <a:pPr lvl="1"/>
+            <a:r>
+              <a:rPr lang="en-US" sz="2000" dirty="0">
+                <a:latin typeface="Selawik Semibold" panose="020B0702040204020203" pitchFamily="34" charset="0"/>
+              </a:rPr>
+              <a:t>Sport Per Participant Continues a Downward Trend</a:t>
+            </a:r>
+          </a:p>
+          <a:p>
+            <a:pPr lvl="2"/>
+            <a:r>
               <a:rPr lang="en-US" dirty="0">
                 <a:latin typeface="Selawik Semibold" panose="020B0702040204020203" pitchFamily="34" charset="0"/>
               </a:rPr>
-              <a:t>Fast-Pitch Softball (+15.3%)</a:t>
-            </a:r>
-          </a:p>
-          <a:p>
-            <a:pPr lvl="2"/>
-            <a:r>
-              <a:rPr lang="en-US" dirty="0">
-                <a:latin typeface="Selawik Semibold" panose="020B0702040204020203" pitchFamily="34" charset="0"/>
-              </a:rPr>
-              <a:t>Gymnastics (+10.9%)</a:t>
-            </a:r>
-          </a:p>
-          <a:p>
-            <a:pPr lvl="2"/>
-            <a:r>
-              <a:rPr lang="en-US" dirty="0">
-                <a:latin typeface="Selawik Semibold" panose="020B0702040204020203" pitchFamily="34" charset="0"/>
-              </a:rPr>
-              <a:t>Court Volleyball (+8.1%)</a:t>
-            </a:r>
-          </a:p>
-          <a:p>
-            <a:pPr lvl="2"/>
-            <a:r>
-              <a:rPr lang="en-US" dirty="0">
-                <a:latin typeface="Selawik Semibold" panose="020B0702040204020203" pitchFamily="34" charset="0"/>
-              </a:rPr>
-              <a:t>Swimming on Team (+8%)</a:t>
-            </a:r>
-          </a:p>
-          <a:p>
-            <a:pPr marL="914400" lvl="2" indent="0">
-              <a:buNone/>
-            </a:pPr>
-            <a:endParaRPr lang="en-US" sz="1400" dirty="0">
-              <a:latin typeface="Selawik Semibold" panose="020B0702040204020203" pitchFamily="34" charset="0"/>
-            </a:endParaRPr>
+              <a:t>Mean  = 1.73 (Lowest in the Decade)</a:t>
+            </a:r>
           </a:p>
         </p:txBody>
       </p:sp>
@@ -12885,7 +12878,13 @@
     </p:bg>
     <p:spTree>
       <p:nvGrpSpPr>
-        <p:cNvPr id="1" name=""/>
+        <p:cNvPr id="1" name="">
+          <a:extLst>
+            <a:ext uri="{FF2B5EF4-FFF2-40B4-BE49-F238E27FC236}">
+              <a16:creationId xmlns:a16="http://schemas.microsoft.com/office/drawing/2014/main" id="{C32EDADD-602F-3957-F61F-816FB7B6962E}"/>
+            </a:ext>
+          </a:extLst>
+        </p:cNvPr>
         <p:cNvGrpSpPr/>
         <p:nvPr/>
       </p:nvGrpSpPr>
@@ -12902,7 +12901,7 @@
           <p:cNvPr id="25" name="Rectangle 24">
             <a:extLst>
               <a:ext uri="{FF2B5EF4-FFF2-40B4-BE49-F238E27FC236}">
-                <a16:creationId xmlns:a16="http://schemas.microsoft.com/office/drawing/2014/main" id="{A6792F05-2FD4-4F18-815E-15391E8B4A0E}"/>
+                <a16:creationId xmlns:a16="http://schemas.microsoft.com/office/drawing/2014/main" id="{9D23D674-21DC-DF6B-107A-D4956FEF64FF}"/>
               </a:ext>
               <a:ext uri="{C183D7F6-B498-43B3-948B-1728B52AA6E4}">
                 <adec:decorative xmlns:adec="http://schemas.microsoft.com/office/drawing/2017/decorative" val="1"/>
@@ -12965,7 +12964,7 @@
           <p:cNvPr id="2" name="Title 1">
             <a:extLst>
               <a:ext uri="{FF2B5EF4-FFF2-40B4-BE49-F238E27FC236}">
-                <a16:creationId xmlns:a16="http://schemas.microsoft.com/office/drawing/2014/main" id="{2589AFCC-0FF0-498C-B11F-8990DF0DAAA5}"/>
+                <a16:creationId xmlns:a16="http://schemas.microsoft.com/office/drawing/2014/main" id="{2D725746-AB16-60CA-3823-593ADC1E558F}"/>
               </a:ext>
             </a:extLst>
           </p:cNvPr>
@@ -13002,7 +13001,7 @@
           <p:cNvPr id="9" name="Content Placeholder 8">
             <a:extLst>
               <a:ext uri="{FF2B5EF4-FFF2-40B4-BE49-F238E27FC236}">
-                <a16:creationId xmlns:a16="http://schemas.microsoft.com/office/drawing/2014/main" id="{2D995594-59F2-4020-AB6F-751BAE84ADB3}"/>
+                <a16:creationId xmlns:a16="http://schemas.microsoft.com/office/drawing/2014/main" id="{3DEA36A2-F0C2-B954-0E78-E860425EA676}"/>
               </a:ext>
             </a:extLst>
           </p:cNvPr>
@@ -13016,12 +13015,12 @@
         <p:spPr>
           <a:xfrm>
             <a:off x="838199" y="2021249"/>
-            <a:ext cx="7324166" cy="4581257"/>
+            <a:ext cx="5109118" cy="4581257"/>
           </a:xfrm>
         </p:spPr>
         <p:txBody>
           <a:bodyPr>
-            <a:normAutofit fontScale="92500" lnSpcReduction="10000"/>
+            <a:normAutofit/>
           </a:bodyPr>
           <a:lstStyle/>
           <a:p>
@@ -13029,11 +13028,8 @@
               <a:rPr lang="en-US" sz="2400" dirty="0">
                 <a:latin typeface="Selawik Semibold" panose="020B0702040204020203" pitchFamily="34" charset="0"/>
               </a:rPr>
-              <a:t>Growth in Sports (ReCreate.com)</a:t>
-            </a:r>
-            <a:endParaRPr lang="en-US" sz="1600" dirty="0">
-              <a:latin typeface="Selawik Semibold" panose="020B0702040204020203" pitchFamily="34" charset="0"/>
-            </a:endParaRPr>
+              <a:t>Article by Florian Zandt  (Statista.com)</a:t>
+            </a:r>
           </a:p>
           <a:p>
             <a:pPr lvl="1"/>
@@ -13041,7 +13037,7 @@
               <a:rPr lang="en-US" sz="2000" dirty="0">
                 <a:latin typeface="Selawik Semibold" panose="020B0702040204020203" pitchFamily="34" charset="0"/>
               </a:rPr>
-              <a:t>Utilized Data from SFIA Report in 2023</a:t>
+              <a:t>96% of Americans Spent Time on Sports and Leisure Activities in 2021 (US BLS)</a:t>
             </a:r>
           </a:p>
           <a:p>
@@ -13056,7 +13052,7 @@
               <a:rPr lang="en-US" sz="2000" dirty="0">
                 <a:latin typeface="Selawik Semibold" panose="020B0702040204020203" pitchFamily="34" charset="0"/>
               </a:rPr>
-              <a:t>77.6% of Americans (Ages 6+) Participated in at Least 1 Activity in 2022</a:t>
+              <a:t>Number Consistent Along the Gender Divide</a:t>
             </a:r>
           </a:p>
           <a:p>
@@ -13071,97 +13067,7 @@
               <a:rPr lang="en-US" sz="2000" dirty="0">
                 <a:latin typeface="Selawik Semibold" panose="020B0702040204020203" pitchFamily="34" charset="0"/>
               </a:rPr>
-              <a:t>Top 10 Fastest Growing Sports (2018 to 2022)</a:t>
-            </a:r>
-          </a:p>
-          <a:p>
-            <a:pPr lvl="2"/>
-            <a:r>
-              <a:rPr lang="en-US" sz="1600" dirty="0">
-                <a:latin typeface="Selawik Semibold" panose="020B0702040204020203" pitchFamily="34" charset="0"/>
-              </a:rPr>
-              <a:t>Pickleball (+171.1%)</a:t>
-            </a:r>
-          </a:p>
-          <a:p>
-            <a:pPr lvl="2"/>
-            <a:r>
-              <a:rPr lang="en-US" sz="1600" dirty="0">
-                <a:latin typeface="Selawik Semibold" panose="020B0702040204020203" pitchFamily="34" charset="0"/>
-              </a:rPr>
-              <a:t>Alpine Touring (+115%)</a:t>
-            </a:r>
-          </a:p>
-          <a:p>
-            <a:pPr lvl="2"/>
-            <a:r>
-              <a:rPr lang="en-US" sz="1600" dirty="0">
-                <a:latin typeface="Selawik Semibold" panose="020B0702040204020203" pitchFamily="34" charset="0"/>
-              </a:rPr>
-              <a:t>Winter Fat Biking (+69.4%)</a:t>
-            </a:r>
-          </a:p>
-          <a:p>
-            <a:pPr lvl="2"/>
-            <a:r>
-              <a:rPr lang="en-US" sz="1600" dirty="0">
-                <a:latin typeface="Selawik Semibold" panose="020B0702040204020203" pitchFamily="34" charset="0"/>
-              </a:rPr>
-              <a:t>Off-Course Golf (+67.5%)</a:t>
-            </a:r>
-          </a:p>
-          <a:p>
-            <a:pPr lvl="2"/>
-            <a:r>
-              <a:rPr lang="en-US" sz="1600" dirty="0">
-                <a:latin typeface="Selawik Semibold" panose="020B0702040204020203" pitchFamily="34" charset="0"/>
-              </a:rPr>
-              <a:t>Snowboard Touring (+59.1%)</a:t>
-            </a:r>
-          </a:p>
-          <a:p>
-            <a:pPr lvl="2"/>
-            <a:r>
-              <a:rPr lang="en-US" sz="1600" dirty="0">
-                <a:latin typeface="Selawik Semibold" panose="020B0702040204020203" pitchFamily="34" charset="0"/>
-              </a:rPr>
-              <a:t>Skateboarding (+38.8%)</a:t>
-            </a:r>
-          </a:p>
-          <a:p>
-            <a:pPr lvl="2"/>
-            <a:r>
-              <a:rPr lang="en-US" sz="1600" dirty="0">
-                <a:latin typeface="Selawik Semibold" panose="020B0702040204020203" pitchFamily="34" charset="0"/>
-              </a:rPr>
-              <a:t>Trail Running (+32.4%)</a:t>
-            </a:r>
-          </a:p>
-          <a:p>
-            <a:pPr lvl="2"/>
-            <a:r>
-              <a:rPr lang="en-US" sz="1600" dirty="0">
-                <a:latin typeface="Selawik Semibold" panose="020B0702040204020203" pitchFamily="34" charset="0"/>
-              </a:rPr>
-              <a:t>Tennis (+32.3%)</a:t>
-            </a:r>
-          </a:p>
-          <a:p>
-            <a:pPr lvl="2"/>
-            <a:r>
-              <a:rPr lang="en-US" sz="1600" dirty="0">
-                <a:latin typeface="Selawik Semibold" panose="020B0702040204020203" pitchFamily="34" charset="0"/>
-              </a:rPr>
-              <a:t>Surfing (+28.5%</a:t>
-            </a:r>
-          </a:p>
-          <a:p>
-            <a:pPr lvl="2"/>
-            <a:r>
-              <a:rPr lang="en-US" sz="1600" dirty="0">
-                <a:latin typeface="Selawik Semibold" panose="020B0702040204020203" pitchFamily="34" charset="0"/>
-              </a:rPr>
-              <a:t>Kayaking (23.1%)</a:t>
+              <a:t>Article Focuses on Differences Between Men and Women Respondents</a:t>
             </a:r>
           </a:p>
         </p:txBody>
@@ -13171,7 +13077,7 @@
           <p:cNvPr id="4" name="Picture 3" descr="A drawing of a cartoon character&#10;&#10;Description automatically generated">
             <a:extLst>
               <a:ext uri="{FF2B5EF4-FFF2-40B4-BE49-F238E27FC236}">
-                <a16:creationId xmlns:a16="http://schemas.microsoft.com/office/drawing/2014/main" id="{A7FDC859-D890-4904-9C64-27F43DA90453}"/>
+                <a16:creationId xmlns:a16="http://schemas.microsoft.com/office/drawing/2014/main" id="{6556066A-93F4-1127-0093-7032D9DB3806}"/>
               </a:ext>
             </a:extLst>
           </p:cNvPr>
@@ -13249,7 +13155,7 @@
           <p:cNvPr id="5" name="Content Placeholder 4" descr="A picture containing indoor&#10;&#10;Description automatically generated">
             <a:extLst>
               <a:ext uri="{FF2B5EF4-FFF2-40B4-BE49-F238E27FC236}">
-                <a16:creationId xmlns:a16="http://schemas.microsoft.com/office/drawing/2014/main" id="{A58F0E55-21F3-485B-A07F-1CE74177BDD2}"/>
+                <a16:creationId xmlns:a16="http://schemas.microsoft.com/office/drawing/2014/main" id="{469BEFD7-DDBB-436A-53C5-55680D9C10A3}"/>
               </a:ext>
             </a:extLst>
           </p:cNvPr>
@@ -13343,7 +13249,7 @@
           <p:cNvPr id="6" name="Rectangle 5">
             <a:extLst>
               <a:ext uri="{FF2B5EF4-FFF2-40B4-BE49-F238E27FC236}">
-                <a16:creationId xmlns:a16="http://schemas.microsoft.com/office/drawing/2014/main" id="{A2901312-C3C2-4CEC-80EF-823AB4FBB726}"/>
+                <a16:creationId xmlns:a16="http://schemas.microsoft.com/office/drawing/2014/main" id="{F3F1858F-9AE0-9180-48D0-97C45C5BEB0D}"/>
               </a:ext>
             </a:extLst>
           </p:cNvPr>
@@ -13399,7 +13305,7 @@
           <p:cNvPr id="15" name="Rectangle 14">
             <a:extLst>
               <a:ext uri="{FF2B5EF4-FFF2-40B4-BE49-F238E27FC236}">
-                <a16:creationId xmlns:a16="http://schemas.microsoft.com/office/drawing/2014/main" id="{AD0A7C9C-CA2C-4B9B-A125-2D09D5573B44}"/>
+                <a16:creationId xmlns:a16="http://schemas.microsoft.com/office/drawing/2014/main" id="{4342294E-D525-7C9E-454D-7F8BAD725BE8}"/>
               </a:ext>
             </a:extLst>
           </p:cNvPr>
@@ -13455,7 +13361,7 @@
           <p:cNvPr id="16" name="Rectangle 15">
             <a:extLst>
               <a:ext uri="{FF2B5EF4-FFF2-40B4-BE49-F238E27FC236}">
-                <a16:creationId xmlns:a16="http://schemas.microsoft.com/office/drawing/2014/main" id="{74A085FC-1866-46D4-97F7-51AA45E48D4F}"/>
+                <a16:creationId xmlns:a16="http://schemas.microsoft.com/office/drawing/2014/main" id="{78876B09-8DC5-854E-911D-6228140682A0}"/>
               </a:ext>
             </a:extLst>
           </p:cNvPr>
@@ -13506,10 +13412,46 @@
           </a:p>
         </p:txBody>
       </p:sp>
+      <p:pic>
+        <p:nvPicPr>
+          <p:cNvPr id="7" name="Picture 6" descr="A screenshot of a graph&#10;&#10;Description automatically generated">
+            <a:extLst>
+              <a:ext uri="{FF2B5EF4-FFF2-40B4-BE49-F238E27FC236}">
+                <a16:creationId xmlns:a16="http://schemas.microsoft.com/office/drawing/2014/main" id="{A92EC190-D2B1-A60D-33AD-44329EE34B4C}"/>
+              </a:ext>
+            </a:extLst>
+          </p:cNvPr>
+          <p:cNvPicPr>
+            <a:picLocks noChangeAspect="1"/>
+          </p:cNvPicPr>
+          <p:nvPr/>
+        </p:nvPicPr>
+        <p:blipFill>
+          <a:blip r:embed="rId5">
+            <a:extLst>
+              <a:ext uri="{28A0092B-C50C-407E-A947-70E740481C1C}">
+                <a14:useLocalDpi xmlns:a14="http://schemas.microsoft.com/office/drawing/2010/main" val="0"/>
+              </a:ext>
+            </a:extLst>
+          </a:blip>
+          <a:stretch>
+            <a:fillRect/>
+          </a:stretch>
+        </p:blipFill>
+        <p:spPr>
+          <a:xfrm>
+            <a:off x="6527180" y="1516481"/>
+            <a:ext cx="5664818" cy="5293110"/>
+          </a:xfrm>
+          <a:prstGeom prst="rect">
+            <a:avLst/>
+          </a:prstGeom>
+        </p:spPr>
+      </p:pic>
     </p:spTree>
     <p:extLst>
       <p:ext uri="{BB962C8B-B14F-4D97-AF65-F5344CB8AC3E}">
-        <p14:creationId xmlns:p14="http://schemas.microsoft.com/office/powerpoint/2010/main" val="2921932543"/>
+        <p14:creationId xmlns:p14="http://schemas.microsoft.com/office/powerpoint/2010/main" val="3392819415"/>
       </p:ext>
     </p:extLst>
   </p:cSld>
@@ -13639,7 +13581,7 @@
               <a:rPr lang="en-US" b="1" dirty="0">
                 <a:latin typeface="Selawik Semibold" panose="020B0604020202020204" pitchFamily="34" charset="0"/>
               </a:rPr>
-              <a:t>Current Landscape of Sports</a:t>
+              <a:t>Dope Quote</a:t>
             </a:r>
           </a:p>
         </p:txBody>
@@ -13662,127 +13604,136 @@
         </p:nvSpPr>
         <p:spPr>
           <a:xfrm>
-            <a:off x="838199" y="2021249"/>
-            <a:ext cx="7324166" cy="4581257"/>
+            <a:off x="838198" y="2021249"/>
+            <a:ext cx="7425020" cy="4581257"/>
           </a:xfrm>
         </p:spPr>
         <p:txBody>
           <a:bodyPr>
-            <a:normAutofit/>
+            <a:normAutofit fontScale="92500" lnSpcReduction="10000"/>
           </a:bodyPr>
           <a:lstStyle/>
           <a:p>
-            <a:r>
-              <a:rPr lang="en-US" sz="2200" dirty="0">
+            <a:pPr marL="0" indent="0">
+              <a:buNone/>
+            </a:pPr>
+            <a:r>
+              <a:rPr lang="en-US" dirty="0">
                 <a:latin typeface="Selawik Semibold" panose="020B0702040204020203" pitchFamily="34" charset="0"/>
               </a:rPr>
-              <a:t>Growth in Sports (ReCreate.com)</a:t>
-            </a:r>
-          </a:p>
-          <a:p>
-            <a:pPr lvl="1"/>
-            <a:endParaRPr lang="en-US" sz="1800" dirty="0">
+              <a:t>The most meaningful way to</a:t>
+            </a:r>
+          </a:p>
+          <a:p>
+            <a:pPr marL="0" indent="0">
+              <a:buNone/>
+            </a:pPr>
+            <a:r>
+              <a:rPr lang="en-US" dirty="0">
+                <a:latin typeface="Selawik Semibold" panose="020B0702040204020203" pitchFamily="34" charset="0"/>
+              </a:rPr>
+              <a:t>differentiate your company from your</a:t>
+            </a:r>
+          </a:p>
+          <a:p>
+            <a:pPr marL="0" indent="0">
+              <a:buNone/>
+            </a:pPr>
+            <a:r>
+              <a:rPr lang="en-US" dirty="0">
+                <a:latin typeface="Selawik Semibold" panose="020B0702040204020203" pitchFamily="34" charset="0"/>
+              </a:rPr>
+              <a:t>competitors, the best way to put distance</a:t>
+            </a:r>
+          </a:p>
+          <a:p>
+            <a:pPr marL="0" indent="0">
+              <a:buNone/>
+            </a:pPr>
+            <a:r>
+              <a:rPr lang="en-US" dirty="0">
+                <a:latin typeface="Selawik Semibold" panose="020B0702040204020203" pitchFamily="34" charset="0"/>
+              </a:rPr>
+              <a:t>between you and the crowd is to do an</a:t>
+            </a:r>
+          </a:p>
+          <a:p>
+            <a:pPr marL="0" indent="0">
+              <a:buNone/>
+            </a:pPr>
+            <a:r>
+              <a:rPr lang="en-US" dirty="0">
+                <a:latin typeface="Selawik Semibold" panose="020B0702040204020203" pitchFamily="34" charset="0"/>
+              </a:rPr>
+              <a:t>outstanding job with information. </a:t>
+            </a:r>
+          </a:p>
+          <a:p>
+            <a:pPr marL="0" indent="0">
+              <a:buNone/>
+            </a:pPr>
+            <a:endParaRPr lang="en-US" dirty="0">
               <a:latin typeface="Selawik Semibold" panose="020B0702040204020203" pitchFamily="34" charset="0"/>
             </a:endParaRPr>
           </a:p>
           <a:p>
-            <a:pPr lvl="1"/>
-            <a:r>
-              <a:rPr lang="en-US" sz="1800" dirty="0">
+            <a:pPr marL="0" indent="0">
+              <a:buNone/>
+            </a:pPr>
+            <a:r>
+              <a:rPr lang="en-US" dirty="0">
                 <a:latin typeface="Selawik Semibold" panose="020B0702040204020203" pitchFamily="34" charset="0"/>
               </a:rPr>
-              <a:t>Most Popular Based Off Number of Participants</a:t>
-            </a:r>
-          </a:p>
-          <a:p>
-            <a:pPr lvl="2"/>
-            <a:r>
-              <a:rPr lang="en-US" sz="1400" dirty="0">
+              <a:t>How you gather, manage, and use information</a:t>
+            </a:r>
+          </a:p>
+          <a:p>
+            <a:pPr marL="0" indent="0">
+              <a:buNone/>
+            </a:pPr>
+            <a:r>
+              <a:rPr lang="en-US" dirty="0">
                 <a:latin typeface="Selawik Semibold" panose="020B0702040204020203" pitchFamily="34" charset="0"/>
               </a:rPr>
-              <a:t>Bicycling on Road/Paved Surface (43.55 Million)</a:t>
-            </a:r>
-          </a:p>
-          <a:p>
-            <a:pPr lvl="2"/>
-            <a:r>
-              <a:rPr lang="en-US" sz="1400" dirty="0">
+              <a:t>will determine whether you win or lose.</a:t>
+            </a:r>
+          </a:p>
+          <a:p>
+            <a:pPr marL="0" indent="0">
+              <a:buNone/>
+            </a:pPr>
+            <a:endParaRPr lang="en-US" dirty="0">
+              <a:latin typeface="Selawik Semibold" panose="020B0702040204020203" pitchFamily="34" charset="0"/>
+            </a:endParaRPr>
+          </a:p>
+          <a:p>
+            <a:pPr marL="0" indent="0">
+              <a:buNone/>
+            </a:pPr>
+            <a:r>
+              <a:rPr lang="en-US" dirty="0">
                 <a:latin typeface="Selawik Semibold" panose="020B0702040204020203" pitchFamily="34" charset="0"/>
               </a:rPr>
-              <a:t>Bowling (42.29 Million)</a:t>
+              <a:t>- Bill Gates</a:t>
             </a:r>
           </a:p>
           <a:p>
             <a:pPr lvl="2"/>
-            <a:r>
-              <a:rPr lang="en-US" sz="1400" dirty="0">
-                <a:latin typeface="Selawik Semibold" panose="020B0702040204020203" pitchFamily="34" charset="0"/>
-              </a:rPr>
-              <a:t>Freshwater/Other Fishing (41.82 Million)</a:t>
-            </a:r>
+            <a:endParaRPr lang="en-US" sz="1600" dirty="0">
+              <a:latin typeface="Selawik Semibold" panose="020B0702040204020203" pitchFamily="34" charset="0"/>
+            </a:endParaRPr>
           </a:p>
           <a:p>
             <a:pPr lvl="2"/>
-            <a:r>
-              <a:rPr lang="en-US" sz="1400" dirty="0">
-                <a:latin typeface="Selawik Semibold" panose="020B0702040204020203" pitchFamily="34" charset="0"/>
-              </a:rPr>
-              <a:t>Basketball (28.15 Million)</a:t>
-            </a:r>
+            <a:endParaRPr lang="en-US" sz="1600" dirty="0">
+              <a:latin typeface="Selawik Semibold" panose="020B0702040204020203" pitchFamily="34" charset="0"/>
+            </a:endParaRPr>
           </a:p>
           <a:p>
             <a:pPr lvl="2"/>
-            <a:r>
-              <a:rPr lang="en-US" sz="1400" dirty="0">
-                <a:latin typeface="Selawik Semibold" panose="020B0702040204020203" pitchFamily="34" charset="0"/>
-              </a:rPr>
-              <a:t>Golfing on a Course (25.57 Million)</a:t>
-            </a:r>
-          </a:p>
-          <a:p>
-            <a:pPr lvl="2"/>
-            <a:r>
-              <a:rPr lang="en-US" sz="1400" dirty="0">
-                <a:latin typeface="Selawik Semibold" panose="020B0702040204020203" pitchFamily="34" charset="0"/>
-              </a:rPr>
-              <a:t>Tennis (23.6 Million)</a:t>
-            </a:r>
-          </a:p>
-          <a:p>
-            <a:pPr lvl="2"/>
-            <a:r>
-              <a:rPr lang="en-US" sz="1400" dirty="0">
-                <a:latin typeface="Selawik Semibold" panose="020B0702040204020203" pitchFamily="34" charset="0"/>
-              </a:rPr>
-              <a:t>Table Tennis (15.82 Million)</a:t>
-            </a:r>
-          </a:p>
-          <a:p>
-            <a:pPr lvl="2"/>
-            <a:r>
-              <a:rPr lang="en-US" sz="1400" dirty="0">
-                <a:latin typeface="Selawik Semibold" panose="020B0702040204020203" pitchFamily="34" charset="0"/>
-              </a:rPr>
-              <a:t>Off-Course Golf (15.54 Million)</a:t>
-            </a:r>
-          </a:p>
-          <a:p>
-            <a:pPr lvl="2"/>
-            <a:r>
-              <a:rPr lang="en-US" sz="1400" dirty="0">
-                <a:latin typeface="Selawik Semibold" panose="020B0702040204020203" pitchFamily="34" charset="0"/>
-              </a:rPr>
-              <a:t>Baseball (15.48 Million)</a:t>
-            </a:r>
-          </a:p>
-          <a:p>
-            <a:pPr lvl="2"/>
-            <a:r>
-              <a:rPr lang="en-US" sz="1400" dirty="0">
-                <a:latin typeface="Selawik Semibold" panose="020B0702040204020203" pitchFamily="34" charset="0"/>
-              </a:rPr>
-              <a:t>Saltwater Fishing (14.34 Million)</a:t>
-            </a:r>
+            <a:endParaRPr lang="en-US" sz="1600" dirty="0">
+              <a:latin typeface="Selawik Semibold" panose="020B0702040204020203" pitchFamily="34" charset="0"/>
+            </a:endParaRPr>
           </a:p>
         </p:txBody>
       </p:sp>
@@ -14129,7 +14080,7 @@
     </p:spTree>
     <p:extLst>
       <p:ext uri="{BB962C8B-B14F-4D97-AF65-F5344CB8AC3E}">
-        <p14:creationId xmlns:p14="http://schemas.microsoft.com/office/powerpoint/2010/main" val="3813532303"/>
+        <p14:creationId xmlns:p14="http://schemas.microsoft.com/office/powerpoint/2010/main" val="289489808"/>
       </p:ext>
     </p:extLst>
   </p:cSld>
@@ -14259,7 +14210,7 @@
               <a:rPr lang="en-US" b="1" dirty="0">
                 <a:latin typeface="Selawik Semibold" panose="020B0604020202020204" pitchFamily="34" charset="0"/>
               </a:rPr>
-              <a:t>Current Landscape of Sports</a:t>
+              <a:t>What is Sports Analytics?</a:t>
             </a:r>
           </a:p>
         </p:txBody>
@@ -14296,17 +14247,74 @@
               <a:rPr lang="en-US" sz="2400" dirty="0">
                 <a:latin typeface="Selawik Semibold" panose="020B0702040204020203" pitchFamily="34" charset="0"/>
               </a:rPr>
-              <a:t>Growth in Sports (ReCreate.com)</a:t>
-            </a:r>
-          </a:p>
-          <a:p>
-            <a:pPr lvl="1"/>
-            <a:r>
-              <a:rPr lang="en-US" sz="2200" dirty="0">
+              <a:t>Defined by Ben </a:t>
+            </a:r>
+            <a:r>
+              <a:rPr lang="en-US" sz="2400" dirty="0" err="1">
                 <a:latin typeface="Selawik Semibold" panose="020B0702040204020203" pitchFamily="34" charset="0"/>
               </a:rPr>
-              <a:t>Table Based Off SFIA Data from 2023</a:t>
-            </a:r>
+              <a:t>Alamar</a:t>
+            </a:r>
+            <a:endParaRPr lang="en-US" sz="2000" dirty="0">
+              <a:latin typeface="Selawik Semibold" panose="020B0702040204020203" pitchFamily="34" charset="0"/>
+            </a:endParaRPr>
+          </a:p>
+          <a:p>
+            <a:pPr lvl="1"/>
+            <a:r>
+              <a:rPr lang="en-US" sz="2000" dirty="0">
+                <a:latin typeface="Selawik Semibold" panose="020B0702040204020203" pitchFamily="34" charset="0"/>
+              </a:rPr>
+              <a:t>Data Management</a:t>
+            </a:r>
+          </a:p>
+          <a:p>
+            <a:pPr lvl="1"/>
+            <a:r>
+              <a:rPr lang="en-US" sz="2000" dirty="0">
+                <a:latin typeface="Selawik Semibold" panose="020B0702040204020203" pitchFamily="34" charset="0"/>
+              </a:rPr>
+              <a:t>Predictive Models</a:t>
+            </a:r>
+          </a:p>
+          <a:p>
+            <a:pPr lvl="1"/>
+            <a:r>
+              <a:rPr lang="en-US" sz="2000" dirty="0">
+                <a:latin typeface="Selawik Semibold" panose="020B0702040204020203" pitchFamily="34" charset="0"/>
+              </a:rPr>
+              <a:t>Information Systems</a:t>
+            </a:r>
+          </a:p>
+          <a:p>
+            <a:pPr lvl="1"/>
+            <a:endParaRPr lang="en-US" sz="2000" dirty="0">
+              <a:latin typeface="Selawik Semibold" panose="020B0702040204020203" pitchFamily="34" charset="0"/>
+            </a:endParaRPr>
+          </a:p>
+          <a:p>
+            <a:pPr lvl="1"/>
+            <a:endParaRPr lang="en-US" sz="2000" dirty="0">
+              <a:latin typeface="Selawik Semibold" panose="020B0702040204020203" pitchFamily="34" charset="0"/>
+            </a:endParaRPr>
+          </a:p>
+          <a:p>
+            <a:pPr lvl="1"/>
+            <a:endParaRPr lang="en-US" sz="2000" dirty="0">
+              <a:latin typeface="Selawik Semibold" panose="020B0702040204020203" pitchFamily="34" charset="0"/>
+            </a:endParaRPr>
+          </a:p>
+          <a:p>
+            <a:pPr lvl="1"/>
+            <a:endParaRPr lang="en-US" sz="2000" dirty="0">
+              <a:latin typeface="Selawik Semibold" panose="020B0702040204020203" pitchFamily="34" charset="0"/>
+            </a:endParaRPr>
+          </a:p>
+          <a:p>
+            <a:pPr lvl="1"/>
+            <a:endParaRPr lang="en-US" sz="2000" dirty="0">
+              <a:latin typeface="Selawik Semibold" panose="020B0702040204020203" pitchFamily="34" charset="0"/>
+            </a:endParaRPr>
           </a:p>
         </p:txBody>
       </p:sp>
@@ -14650,12 +14658,168 @@
           </a:p>
         </p:txBody>
       </p:sp>
+      <p:sp>
+        <p:nvSpPr>
+          <p:cNvPr id="7" name="TextBox 6">
+            <a:extLst>
+              <a:ext uri="{FF2B5EF4-FFF2-40B4-BE49-F238E27FC236}">
+                <a16:creationId xmlns:a16="http://schemas.microsoft.com/office/drawing/2014/main" id="{122E552F-CD5E-4928-A884-3509AF0AAD36}"/>
+              </a:ext>
+            </a:extLst>
+          </p:cNvPr>
+          <p:cNvSpPr txBox="1"/>
+          <p:nvPr/>
+        </p:nvSpPr>
+        <p:spPr>
+          <a:xfrm>
+            <a:off x="365718" y="3783182"/>
+            <a:ext cx="2205318" cy="954107"/>
+          </a:xfrm>
+          <a:prstGeom prst="rect">
+            <a:avLst/>
+          </a:prstGeom>
+        </p:spPr>
+        <p:style>
+          <a:lnRef idx="1">
+            <a:schemeClr val="dk1"/>
+          </a:lnRef>
+          <a:fillRef idx="3">
+            <a:schemeClr val="dk1"/>
+          </a:fillRef>
+          <a:effectRef idx="2">
+            <a:schemeClr val="dk1"/>
+          </a:effectRef>
+          <a:fontRef idx="minor">
+            <a:schemeClr val="lt1"/>
+          </a:fontRef>
+        </p:style>
+        <p:txBody>
+          <a:bodyPr wrap="square" rtlCol="0">
+            <a:spAutoFit/>
+          </a:bodyPr>
+          <a:lstStyle/>
+          <a:p>
+            <a:r>
+              <a:rPr lang="en-US" sz="2800" dirty="0"/>
+              <a:t>Data </a:t>
+            </a:r>
+          </a:p>
+          <a:p>
+            <a:r>
+              <a:rPr lang="en-US" sz="2800" dirty="0"/>
+              <a:t>Management</a:t>
+            </a:r>
+          </a:p>
+        </p:txBody>
+      </p:sp>
+      <p:sp>
+        <p:nvSpPr>
+          <p:cNvPr id="12" name="TextBox 11">
+            <a:extLst>
+              <a:ext uri="{FF2B5EF4-FFF2-40B4-BE49-F238E27FC236}">
+                <a16:creationId xmlns:a16="http://schemas.microsoft.com/office/drawing/2014/main" id="{26DA0C6F-C9E0-47D4-9FC9-FCD1D65D2721}"/>
+              </a:ext>
+            </a:extLst>
+          </p:cNvPr>
+          <p:cNvSpPr txBox="1"/>
+          <p:nvPr/>
+        </p:nvSpPr>
+        <p:spPr>
+          <a:xfrm>
+            <a:off x="353916" y="5407416"/>
+            <a:ext cx="2205318" cy="954107"/>
+          </a:xfrm>
+          <a:prstGeom prst="rect">
+            <a:avLst/>
+          </a:prstGeom>
+        </p:spPr>
+        <p:style>
+          <a:lnRef idx="1">
+            <a:schemeClr val="dk1"/>
+          </a:lnRef>
+          <a:fillRef idx="3">
+            <a:schemeClr val="dk1"/>
+          </a:fillRef>
+          <a:effectRef idx="2">
+            <a:schemeClr val="dk1"/>
+          </a:effectRef>
+          <a:fontRef idx="minor">
+            <a:schemeClr val="lt1"/>
+          </a:fontRef>
+        </p:style>
+        <p:txBody>
+          <a:bodyPr wrap="square" rtlCol="0">
+            <a:spAutoFit/>
+          </a:bodyPr>
+          <a:lstStyle/>
+          <a:p>
+            <a:r>
+              <a:rPr lang="en-US" sz="2800" dirty="0"/>
+              <a:t>Analytic Models</a:t>
+            </a:r>
+          </a:p>
+        </p:txBody>
+      </p:sp>
+      <p:sp>
+        <p:nvSpPr>
+          <p:cNvPr id="13" name="TextBox 12">
+            <a:extLst>
+              <a:ext uri="{FF2B5EF4-FFF2-40B4-BE49-F238E27FC236}">
+                <a16:creationId xmlns:a16="http://schemas.microsoft.com/office/drawing/2014/main" id="{992BD579-13F5-48CC-B1C8-16F0934F3B44}"/>
+              </a:ext>
+            </a:extLst>
+          </p:cNvPr>
+          <p:cNvSpPr txBox="1"/>
+          <p:nvPr/>
+        </p:nvSpPr>
+        <p:spPr>
+          <a:xfrm>
+            <a:off x="3225728" y="4163036"/>
+            <a:ext cx="1907548" cy="954107"/>
+          </a:xfrm>
+          <a:prstGeom prst="rect">
+            <a:avLst/>
+          </a:prstGeom>
+        </p:spPr>
+        <p:style>
+          <a:lnRef idx="1">
+            <a:schemeClr val="dk1"/>
+          </a:lnRef>
+          <a:fillRef idx="3">
+            <a:schemeClr val="dk1"/>
+          </a:fillRef>
+          <a:effectRef idx="2">
+            <a:schemeClr val="dk1"/>
+          </a:effectRef>
+          <a:fontRef idx="minor">
+            <a:schemeClr val="lt1"/>
+          </a:fontRef>
+        </p:style>
+        <p:txBody>
+          <a:bodyPr wrap="square" rtlCol="0">
+            <a:spAutoFit/>
+          </a:bodyPr>
+          <a:lstStyle/>
+          <a:p>
+            <a:r>
+              <a:rPr lang="en-US" sz="2800" dirty="0"/>
+              <a:t>Information</a:t>
+            </a:r>
+          </a:p>
+          <a:p>
+            <a:r>
+              <a:rPr lang="en-US" sz="2800" dirty="0"/>
+              <a:t>Systems</a:t>
+            </a:r>
+          </a:p>
+        </p:txBody>
+      </p:sp>
       <p:pic>
         <p:nvPicPr>
-          <p:cNvPr id="7" name="Picture 6">
-            <a:extLst>
-              <a:ext uri="{FF2B5EF4-FFF2-40B4-BE49-F238E27FC236}">
-                <a16:creationId xmlns:a16="http://schemas.microsoft.com/office/drawing/2014/main" id="{6372C817-7139-06BB-C816-AC603EFFA1AF}"/>
+          <p:cNvPr id="10" name="Picture 9" descr="Decision Maker">
+            <a:extLst>
+              <a:ext uri="{FF2B5EF4-FFF2-40B4-BE49-F238E27FC236}">
+                <a16:creationId xmlns:a16="http://schemas.microsoft.com/office/drawing/2014/main" id="{2911B196-1EA3-4ECD-850B-F7838FAD07BC}"/>
               </a:ext>
             </a:extLst>
           </p:cNvPr>
@@ -14665,25 +14829,374 @@
           <p:nvPr/>
         </p:nvPicPr>
         <p:blipFill>
-          <a:blip r:embed="rId5"/>
+          <a:blip r:embed="rId5">
+            <a:extLst>
+              <a:ext uri="{28A0092B-C50C-407E-A947-70E740481C1C}">
+                <a14:useLocalDpi xmlns:a14="http://schemas.microsoft.com/office/drawing/2010/main" val="0"/>
+              </a:ext>
+            </a:extLst>
+          </a:blip>
           <a:stretch>
             <a:fillRect/>
           </a:stretch>
         </p:blipFill>
         <p:spPr>
           <a:xfrm>
-            <a:off x="1657211" y="2783225"/>
-            <a:ext cx="4355611" cy="4074775"/>
+            <a:off x="5787968" y="4375030"/>
+            <a:ext cx="2538848" cy="1516803"/>
           </a:xfrm>
           <a:prstGeom prst="rect">
             <a:avLst/>
           </a:prstGeom>
+          <a:solidFill>
+            <a:srgbClr val="000000">
+              <a:shade val="95000"/>
+            </a:srgbClr>
+          </a:solidFill>
+          <a:ln w="28575" cap="sq">
+            <a:solidFill>
+              <a:srgbClr val="000000"/>
+            </a:solidFill>
+            <a:miter lim="800000"/>
+          </a:ln>
+          <a:effectLst>
+            <a:outerShdw blurRad="254000" dist="190500" dir="2700000" sy="90000" algn="bl" rotWithShape="0">
+              <a:srgbClr val="000000">
+                <a:alpha val="40000"/>
+              </a:srgbClr>
+            </a:outerShdw>
+          </a:effectLst>
         </p:spPr>
       </p:pic>
+      <p:sp>
+        <p:nvSpPr>
+          <p:cNvPr id="17" name="TextBox 16">
+            <a:extLst>
+              <a:ext uri="{FF2B5EF4-FFF2-40B4-BE49-F238E27FC236}">
+                <a16:creationId xmlns:a16="http://schemas.microsoft.com/office/drawing/2014/main" id="{50914ED0-975E-41B2-86EC-5995292303DF}"/>
+              </a:ext>
+            </a:extLst>
+          </p:cNvPr>
+          <p:cNvSpPr txBox="1"/>
+          <p:nvPr/>
+        </p:nvSpPr>
+        <p:spPr>
+          <a:xfrm>
+            <a:off x="5848506" y="5977904"/>
+            <a:ext cx="2421642" cy="523220"/>
+          </a:xfrm>
+          <a:prstGeom prst="rect">
+            <a:avLst/>
+          </a:prstGeom>
+        </p:spPr>
+        <p:style>
+          <a:lnRef idx="1">
+            <a:schemeClr val="dk1"/>
+          </a:lnRef>
+          <a:fillRef idx="3">
+            <a:schemeClr val="dk1"/>
+          </a:fillRef>
+          <a:effectRef idx="2">
+            <a:schemeClr val="dk1"/>
+          </a:effectRef>
+          <a:fontRef idx="minor">
+            <a:schemeClr val="lt1"/>
+          </a:fontRef>
+        </p:style>
+        <p:txBody>
+          <a:bodyPr wrap="square" rtlCol="0">
+            <a:spAutoFit/>
+          </a:bodyPr>
+          <a:lstStyle/>
+          <a:p>
+            <a:r>
+              <a:rPr lang="en-US" sz="2800" dirty="0"/>
+              <a:t>Decision Maker</a:t>
+            </a:r>
+          </a:p>
+        </p:txBody>
+      </p:sp>
+      <p:sp>
+        <p:nvSpPr>
+          <p:cNvPr id="18" name="Arrow: Right 17">
+            <a:extLst>
+              <a:ext uri="{FF2B5EF4-FFF2-40B4-BE49-F238E27FC236}">
+                <a16:creationId xmlns:a16="http://schemas.microsoft.com/office/drawing/2014/main" id="{034BACA9-7E25-4051-A7E8-D2B4C2C0145B}"/>
+              </a:ext>
+            </a:extLst>
+          </p:cNvPr>
+          <p:cNvSpPr/>
+          <p:nvPr/>
+        </p:nvSpPr>
+        <p:spPr>
+          <a:xfrm rot="5400000">
+            <a:off x="1139801" y="4911200"/>
+            <a:ext cx="497541" cy="318768"/>
+          </a:xfrm>
+          <a:prstGeom prst="rightArrow">
+            <a:avLst/>
+          </a:prstGeom>
+        </p:spPr>
+        <p:style>
+          <a:lnRef idx="2">
+            <a:schemeClr val="dk1">
+              <a:shade val="50000"/>
+            </a:schemeClr>
+          </a:lnRef>
+          <a:fillRef idx="1">
+            <a:schemeClr val="dk1"/>
+          </a:fillRef>
+          <a:effectRef idx="0">
+            <a:schemeClr val="dk1"/>
+          </a:effectRef>
+          <a:fontRef idx="minor">
+            <a:schemeClr val="lt1"/>
+          </a:fontRef>
+        </p:style>
+        <p:txBody>
+          <a:bodyPr rtlCol="0" anchor="ctr"/>
+          <a:lstStyle/>
+          <a:p>
+            <a:pPr algn="ctr"/>
+            <a:endParaRPr lang="en-US"/>
+          </a:p>
+        </p:txBody>
+      </p:sp>
+      <p:sp>
+        <p:nvSpPr>
+          <p:cNvPr id="20" name="Arrow: Right 19">
+            <a:extLst>
+              <a:ext uri="{FF2B5EF4-FFF2-40B4-BE49-F238E27FC236}">
+                <a16:creationId xmlns:a16="http://schemas.microsoft.com/office/drawing/2014/main" id="{8BA0E7CA-81EF-4647-8038-D30905E3C7C9}"/>
+              </a:ext>
+            </a:extLst>
+          </p:cNvPr>
+          <p:cNvSpPr/>
+          <p:nvPr/>
+        </p:nvSpPr>
+        <p:spPr>
+          <a:xfrm>
+            <a:off x="2660863" y="4375030"/>
+            <a:ext cx="497541" cy="318768"/>
+          </a:xfrm>
+          <a:prstGeom prst="rightArrow">
+            <a:avLst/>
+          </a:prstGeom>
+        </p:spPr>
+        <p:style>
+          <a:lnRef idx="2">
+            <a:schemeClr val="dk1">
+              <a:shade val="50000"/>
+            </a:schemeClr>
+          </a:lnRef>
+          <a:fillRef idx="1">
+            <a:schemeClr val="dk1"/>
+          </a:fillRef>
+          <a:effectRef idx="0">
+            <a:schemeClr val="dk1"/>
+          </a:effectRef>
+          <a:fontRef idx="minor">
+            <a:schemeClr val="lt1"/>
+          </a:fontRef>
+        </p:style>
+        <p:txBody>
+          <a:bodyPr rtlCol="0" anchor="ctr"/>
+          <a:lstStyle/>
+          <a:p>
+            <a:pPr algn="ctr"/>
+            <a:endParaRPr lang="en-US"/>
+          </a:p>
+        </p:txBody>
+      </p:sp>
+      <p:sp>
+        <p:nvSpPr>
+          <p:cNvPr id="21" name="Arrow: Right 20">
+            <a:extLst>
+              <a:ext uri="{FF2B5EF4-FFF2-40B4-BE49-F238E27FC236}">
+                <a16:creationId xmlns:a16="http://schemas.microsoft.com/office/drawing/2014/main" id="{56068537-B0AA-411A-BA6C-AF1101648815}"/>
+              </a:ext>
+            </a:extLst>
+          </p:cNvPr>
+          <p:cNvSpPr/>
+          <p:nvPr/>
+        </p:nvSpPr>
+        <p:spPr>
+          <a:xfrm rot="20363812">
+            <a:off x="2589987" y="5114621"/>
+            <a:ext cx="574536" cy="318768"/>
+          </a:xfrm>
+          <a:prstGeom prst="rightArrow">
+            <a:avLst/>
+          </a:prstGeom>
+        </p:spPr>
+        <p:style>
+          <a:lnRef idx="2">
+            <a:schemeClr val="dk1">
+              <a:shade val="50000"/>
+            </a:schemeClr>
+          </a:lnRef>
+          <a:fillRef idx="1">
+            <a:schemeClr val="dk1"/>
+          </a:fillRef>
+          <a:effectRef idx="0">
+            <a:schemeClr val="dk1"/>
+          </a:effectRef>
+          <a:fontRef idx="minor">
+            <a:schemeClr val="lt1"/>
+          </a:fontRef>
+        </p:style>
+        <p:txBody>
+          <a:bodyPr rtlCol="0" anchor="ctr"/>
+          <a:lstStyle/>
+          <a:p>
+            <a:pPr algn="ctr"/>
+            <a:endParaRPr lang="en-US"/>
+          </a:p>
+        </p:txBody>
+      </p:sp>
+      <p:sp>
+        <p:nvSpPr>
+          <p:cNvPr id="22" name="Arrow: Right 21">
+            <a:extLst>
+              <a:ext uri="{FF2B5EF4-FFF2-40B4-BE49-F238E27FC236}">
+                <a16:creationId xmlns:a16="http://schemas.microsoft.com/office/drawing/2014/main" id="{D65390E2-9ECB-47DE-9675-CB5E939AB195}"/>
+              </a:ext>
+            </a:extLst>
+          </p:cNvPr>
+          <p:cNvSpPr/>
+          <p:nvPr/>
+        </p:nvSpPr>
+        <p:spPr>
+          <a:xfrm>
+            <a:off x="2655762" y="5786866"/>
+            <a:ext cx="2965922" cy="318768"/>
+          </a:xfrm>
+          <a:prstGeom prst="rightArrow">
+            <a:avLst/>
+          </a:prstGeom>
+        </p:spPr>
+        <p:style>
+          <a:lnRef idx="2">
+            <a:schemeClr val="dk1">
+              <a:shade val="50000"/>
+            </a:schemeClr>
+          </a:lnRef>
+          <a:fillRef idx="1">
+            <a:schemeClr val="dk1"/>
+          </a:fillRef>
+          <a:effectRef idx="0">
+            <a:schemeClr val="dk1"/>
+          </a:effectRef>
+          <a:fontRef idx="minor">
+            <a:schemeClr val="lt1"/>
+          </a:fontRef>
+        </p:style>
+        <p:txBody>
+          <a:bodyPr rtlCol="0" anchor="ctr"/>
+          <a:lstStyle/>
+          <a:p>
+            <a:pPr algn="ctr"/>
+            <a:endParaRPr lang="en-US"/>
+          </a:p>
+        </p:txBody>
+      </p:sp>
+      <p:sp>
+        <p:nvSpPr>
+          <p:cNvPr id="23" name="Arrow: Right 22">
+            <a:extLst>
+              <a:ext uri="{FF2B5EF4-FFF2-40B4-BE49-F238E27FC236}">
+                <a16:creationId xmlns:a16="http://schemas.microsoft.com/office/drawing/2014/main" id="{C46C3C4B-3AA7-4E8E-8FCB-77B719504DD8}"/>
+              </a:ext>
+            </a:extLst>
+          </p:cNvPr>
+          <p:cNvSpPr/>
+          <p:nvPr/>
+        </p:nvSpPr>
+        <p:spPr>
+          <a:xfrm>
+            <a:off x="5214009" y="4695767"/>
+            <a:ext cx="497541" cy="318768"/>
+          </a:xfrm>
+          <a:prstGeom prst="rightArrow">
+            <a:avLst/>
+          </a:prstGeom>
+        </p:spPr>
+        <p:style>
+          <a:lnRef idx="2">
+            <a:schemeClr val="dk1">
+              <a:shade val="50000"/>
+            </a:schemeClr>
+          </a:lnRef>
+          <a:fillRef idx="1">
+            <a:schemeClr val="dk1"/>
+          </a:fillRef>
+          <a:effectRef idx="0">
+            <a:schemeClr val="dk1"/>
+          </a:effectRef>
+          <a:fontRef idx="minor">
+            <a:schemeClr val="lt1"/>
+          </a:fontRef>
+        </p:style>
+        <p:txBody>
+          <a:bodyPr rtlCol="0" anchor="ctr"/>
+          <a:lstStyle/>
+          <a:p>
+            <a:pPr algn="ctr"/>
+            <a:endParaRPr lang="en-US"/>
+          </a:p>
+        </p:txBody>
+      </p:sp>
+      <p:sp>
+        <p:nvSpPr>
+          <p:cNvPr id="19" name="Rectangle 18">
+            <a:extLst>
+              <a:ext uri="{FF2B5EF4-FFF2-40B4-BE49-F238E27FC236}">
+                <a16:creationId xmlns:a16="http://schemas.microsoft.com/office/drawing/2014/main" id="{0F2662DF-6B81-4BCB-BE84-0E68709D2B8F}"/>
+              </a:ext>
+            </a:extLst>
+          </p:cNvPr>
+          <p:cNvSpPr/>
+          <p:nvPr/>
+        </p:nvSpPr>
+        <p:spPr>
+          <a:xfrm>
+            <a:off x="260181" y="6334719"/>
+            <a:ext cx="4017387" cy="369332"/>
+          </a:xfrm>
+          <a:prstGeom prst="rect">
+            <a:avLst/>
+          </a:prstGeom>
+        </p:spPr>
+        <p:txBody>
+          <a:bodyPr wrap="square">
+            <a:spAutoFit/>
+          </a:bodyPr>
+          <a:lstStyle/>
+          <a:p>
+            <a:r>
+              <a:rPr lang="en-US" dirty="0"/>
+              <a:t>Based on </a:t>
+            </a:r>
+            <a:r>
+              <a:rPr lang="en-US" i="1" dirty="0"/>
+              <a:t>Sports Analytics</a:t>
+            </a:r>
+            <a:r>
+              <a:rPr lang="en-US" dirty="0"/>
+              <a:t> by Ben </a:t>
+            </a:r>
+            <a:r>
+              <a:rPr lang="en-US" dirty="0" err="1"/>
+              <a:t>Alamar</a:t>
+            </a:r>
+            <a:endParaRPr lang="en-US" dirty="0"/>
+          </a:p>
+        </p:txBody>
+      </p:sp>
     </p:spTree>
     <p:extLst>
       <p:ext uri="{BB962C8B-B14F-4D97-AF65-F5344CB8AC3E}">
-        <p14:creationId xmlns:p14="http://schemas.microsoft.com/office/powerpoint/2010/main" val="4272708253"/>
+        <p14:creationId xmlns:p14="http://schemas.microsoft.com/office/powerpoint/2010/main" val="4266006054"/>
       </p:ext>
     </p:extLst>
   </p:cSld>
@@ -14813,7 +15326,7 @@
               <a:rPr lang="en-US" b="1" dirty="0">
                 <a:latin typeface="Selawik Semibold" panose="020B0604020202020204" pitchFamily="34" charset="0"/>
               </a:rPr>
-              <a:t>Dope Quote</a:t>
+              <a:t>What is Sports Analytics?</a:t>
             </a:r>
           </a:p>
         </p:txBody>
@@ -14836,134 +15349,143 @@
         </p:nvSpPr>
         <p:spPr>
           <a:xfrm>
-            <a:off x="838198" y="2021249"/>
-            <a:ext cx="7425020" cy="4581257"/>
+            <a:off x="838199" y="2021249"/>
+            <a:ext cx="7324166" cy="4581257"/>
           </a:xfrm>
         </p:spPr>
         <p:txBody>
           <a:bodyPr>
-            <a:normAutofit fontScale="92500" lnSpcReduction="10000"/>
+            <a:normAutofit/>
           </a:bodyPr>
           <a:lstStyle/>
           <a:p>
-            <a:pPr marL="0" indent="0">
+            <a:r>
+              <a:rPr lang="en-US" sz="2400" dirty="0">
+                <a:latin typeface="Selawik Semibold" panose="020B0702040204020203" pitchFamily="34" charset="0"/>
+              </a:rPr>
+              <a:t>Purpose: To Aid an Organization’s </a:t>
+            </a:r>
+            <a:r>
+              <a:rPr lang="en-US" sz="2400" u="sng" dirty="0">
+                <a:latin typeface="Selawik Semibold" panose="020B0702040204020203" pitchFamily="34" charset="0"/>
+              </a:rPr>
+              <a:t>Decision Makers</a:t>
+            </a:r>
+            <a:r>
+              <a:rPr lang="en-US" sz="2400" dirty="0">
+                <a:latin typeface="Selawik Semibold" panose="020B0702040204020203" pitchFamily="34" charset="0"/>
+              </a:rPr>
+              <a:t> in Gaining a Competitive Advantage</a:t>
+            </a:r>
+          </a:p>
+          <a:p>
+            <a:endParaRPr lang="en-US" sz="2400" dirty="0">
+              <a:latin typeface="Selawik Semibold" panose="020B0702040204020203" pitchFamily="34" charset="0"/>
+            </a:endParaRPr>
+          </a:p>
+          <a:p>
+            <a:r>
+              <a:rPr lang="en-US" sz="2400" dirty="0">
+                <a:latin typeface="Selawik Semibold" panose="020B0702040204020203" pitchFamily="34" charset="0"/>
+              </a:rPr>
+              <a:t>Goals</a:t>
+            </a:r>
+          </a:p>
+          <a:p>
+            <a:pPr lvl="1"/>
+            <a:r>
+              <a:rPr lang="en-US" sz="2000" dirty="0">
+                <a:latin typeface="Selawik Semibold" panose="020B0702040204020203" pitchFamily="34" charset="0"/>
+              </a:rPr>
+              <a:t>Save the Decision Maker Time by Making Information Acquisition Efficient </a:t>
+            </a:r>
+          </a:p>
+          <a:p>
+            <a:pPr marL="457200" lvl="1" indent="0">
               <a:buNone/>
             </a:pPr>
             <a:r>
-              <a:rPr lang="en-US" dirty="0">
+              <a:rPr lang="en-US" sz="2000" dirty="0">
                 <a:latin typeface="Selawik Semibold" panose="020B0702040204020203" pitchFamily="34" charset="0"/>
               </a:rPr>
-              <a:t>The most meaningful way to</a:t>
-            </a:r>
-          </a:p>
-          <a:p>
-            <a:pPr marL="0" indent="0">
+              <a:t>   (Data Management/Information Systems)</a:t>
+            </a:r>
+          </a:p>
+          <a:p>
+            <a:pPr lvl="1"/>
+            <a:endParaRPr lang="en-US" sz="2000" dirty="0">
+              <a:latin typeface="Selawik Semibold" panose="020B0702040204020203" pitchFamily="34" charset="0"/>
+            </a:endParaRPr>
+          </a:p>
+          <a:p>
+            <a:pPr lvl="1"/>
+            <a:r>
+              <a:rPr lang="en-US" sz="2000" dirty="0">
+                <a:latin typeface="Selawik Semibold" panose="020B0702040204020203" pitchFamily="34" charset="0"/>
+              </a:rPr>
+              <a:t>Provide Decision Makers with Novel Insight</a:t>
+            </a:r>
+          </a:p>
+          <a:p>
+            <a:pPr marL="457200" lvl="1" indent="0">
               <a:buNone/>
             </a:pPr>
             <a:r>
-              <a:rPr lang="en-US" dirty="0">
+              <a:rPr lang="en-US" sz="2000" dirty="0">
                 <a:latin typeface="Selawik Semibold" panose="020B0702040204020203" pitchFamily="34" charset="0"/>
               </a:rPr>
-              <a:t>differentiate your company from your</a:t>
-            </a:r>
-          </a:p>
-          <a:p>
-            <a:pPr marL="0" indent="0">
+              <a:t>   (Analytic Models)</a:t>
+            </a:r>
+          </a:p>
+          <a:p>
+            <a:pPr marL="457200" lvl="1" indent="0">
               <a:buNone/>
             </a:pPr>
-            <a:r>
-              <a:rPr lang="en-US" dirty="0">
+            <a:endParaRPr lang="en-US" sz="2000" dirty="0">
+              <a:latin typeface="Selawik Semibold" panose="020B0702040204020203" pitchFamily="34" charset="0"/>
+            </a:endParaRPr>
+          </a:p>
+          <a:p>
+            <a:r>
+              <a:rPr lang="en-US" sz="2400" dirty="0">
                 <a:latin typeface="Selawik Semibold" panose="020B0702040204020203" pitchFamily="34" charset="0"/>
               </a:rPr>
-              <a:t>competitors, the best way to put distance</a:t>
-            </a:r>
-          </a:p>
-          <a:p>
-            <a:pPr marL="0" indent="0">
-              <a:buNone/>
-            </a:pPr>
-            <a:r>
-              <a:rPr lang="en-US" dirty="0">
-                <a:latin typeface="Selawik Semibold" panose="020B0702040204020203" pitchFamily="34" charset="0"/>
-              </a:rPr>
-              <a:t>between you and the crowd is to do an</a:t>
-            </a:r>
-          </a:p>
-          <a:p>
-            <a:pPr marL="0" indent="0">
-              <a:buNone/>
-            </a:pPr>
-            <a:r>
-              <a:rPr lang="en-US" dirty="0">
-                <a:latin typeface="Selawik Semibold" panose="020B0702040204020203" pitchFamily="34" charset="0"/>
-              </a:rPr>
-              <a:t>outstanding job with information. </a:t>
-            </a:r>
-          </a:p>
-          <a:p>
-            <a:pPr marL="0" indent="0">
-              <a:buNone/>
-            </a:pPr>
-            <a:endParaRPr lang="en-US" dirty="0">
+              <a:t>We are an Accessory to the Decision Maker</a:t>
+            </a:r>
+          </a:p>
+          <a:p>
+            <a:pPr lvl="1"/>
+            <a:endParaRPr lang="en-US" sz="2000" dirty="0">
               <a:latin typeface="Selawik Semibold" panose="020B0702040204020203" pitchFamily="34" charset="0"/>
             </a:endParaRPr>
           </a:p>
           <a:p>
-            <a:pPr marL="0" indent="0">
-              <a:buNone/>
-            </a:pPr>
-            <a:r>
-              <a:rPr lang="en-US" dirty="0">
-                <a:latin typeface="Selawik Semibold" panose="020B0702040204020203" pitchFamily="34" charset="0"/>
-              </a:rPr>
-              <a:t>How you gather, manage, and use information</a:t>
-            </a:r>
-          </a:p>
-          <a:p>
-            <a:pPr marL="0" indent="0">
-              <a:buNone/>
-            </a:pPr>
-            <a:r>
-              <a:rPr lang="en-US" dirty="0">
-                <a:latin typeface="Selawik Semibold" panose="020B0702040204020203" pitchFamily="34" charset="0"/>
-              </a:rPr>
-              <a:t>will determine whether you win or lose.</a:t>
-            </a:r>
-          </a:p>
-          <a:p>
-            <a:pPr marL="0" indent="0">
-              <a:buNone/>
-            </a:pPr>
-            <a:endParaRPr lang="en-US" dirty="0">
+            <a:pPr lvl="1"/>
+            <a:endParaRPr lang="en-US" sz="2000" dirty="0">
               <a:latin typeface="Selawik Semibold" panose="020B0702040204020203" pitchFamily="34" charset="0"/>
             </a:endParaRPr>
           </a:p>
           <a:p>
-            <a:pPr marL="0" indent="0">
-              <a:buNone/>
-            </a:pPr>
-            <a:r>
-              <a:rPr lang="en-US" dirty="0">
-                <a:latin typeface="Selawik Semibold" panose="020B0702040204020203" pitchFamily="34" charset="0"/>
-              </a:rPr>
-              <a:t>- Bill Gates</a:t>
-            </a:r>
-          </a:p>
-          <a:p>
-            <a:pPr lvl="2"/>
+            <a:pPr lvl="1"/>
             <a:endParaRPr lang="en-US" sz="1600" dirty="0">
               <a:latin typeface="Selawik Semibold" panose="020B0702040204020203" pitchFamily="34" charset="0"/>
             </a:endParaRPr>
           </a:p>
           <a:p>
-            <a:pPr lvl="2"/>
-            <a:endParaRPr lang="en-US" sz="1600" dirty="0">
+            <a:pPr lvl="1"/>
+            <a:endParaRPr lang="en-US" sz="2000" dirty="0">
               <a:latin typeface="Selawik Semibold" panose="020B0702040204020203" pitchFamily="34" charset="0"/>
             </a:endParaRPr>
           </a:p>
           <a:p>
-            <a:pPr lvl="2"/>
-            <a:endParaRPr lang="en-US" sz="1600" dirty="0">
+            <a:pPr lvl="1"/>
+            <a:endParaRPr lang="en-US" sz="2000" dirty="0">
+              <a:latin typeface="Selawik Semibold" panose="020B0702040204020203" pitchFamily="34" charset="0"/>
+            </a:endParaRPr>
+          </a:p>
+          <a:p>
+            <a:pPr lvl="1"/>
+            <a:endParaRPr lang="en-US" sz="2000" dirty="0">
               <a:latin typeface="Selawik Semibold" panose="020B0702040204020203" pitchFamily="34" charset="0"/>
             </a:endParaRPr>
           </a:p>
@@ -15312,7 +15834,7 @@
     </p:spTree>
     <p:extLst>
       <p:ext uri="{BB962C8B-B14F-4D97-AF65-F5344CB8AC3E}">
-        <p14:creationId xmlns:p14="http://schemas.microsoft.com/office/powerpoint/2010/main" val="289489808"/>
+        <p14:creationId xmlns:p14="http://schemas.microsoft.com/office/powerpoint/2010/main" val="77696106"/>
       </p:ext>
     </p:extLst>
   </p:cSld>
@@ -15479,10 +16001,59 @@
               <a:rPr lang="en-US" sz="2400" dirty="0">
                 <a:latin typeface="Selawik Semibold" panose="020B0702040204020203" pitchFamily="34" charset="0"/>
               </a:rPr>
-              <a:t>Defined by Ben </a:t>
-            </a:r>
-            <a:r>
-              <a:rPr lang="en-US" sz="2400" dirty="0" err="1">
+              <a:t>Different Decision Makers</a:t>
+            </a:r>
+            <a:endParaRPr lang="en-US" sz="2000" dirty="0">
+              <a:latin typeface="Selawik Semibold" panose="020B0702040204020203" pitchFamily="34" charset="0"/>
+            </a:endParaRPr>
+          </a:p>
+          <a:p>
+            <a:pPr lvl="1"/>
+            <a:r>
+              <a:rPr lang="en-US" sz="2000" dirty="0">
+                <a:latin typeface="Selawik Semibold" panose="020B0702040204020203" pitchFamily="34" charset="0"/>
+              </a:rPr>
+              <a:t>Off-the-Field: Profit Driven</a:t>
+            </a:r>
+          </a:p>
+          <a:p>
+            <a:pPr lvl="1"/>
+            <a:r>
+              <a:rPr lang="en-US" sz="2000" dirty="0">
+                <a:latin typeface="Selawik Semibold" panose="020B0702040204020203" pitchFamily="34" charset="0"/>
+              </a:rPr>
+              <a:t>On-the-Field: Performance Driven</a:t>
+            </a:r>
+          </a:p>
+          <a:p>
+            <a:endParaRPr lang="en-US" sz="2400" dirty="0">
+              <a:latin typeface="Selawik Semibold" panose="020B0702040204020203" pitchFamily="34" charset="0"/>
+            </a:endParaRPr>
+          </a:p>
+          <a:p>
+            <a:r>
+              <a:rPr lang="en-US" sz="2400">
+                <a:latin typeface="Selawik Semibold" panose="020B0702040204020203" pitchFamily="34" charset="0"/>
+              </a:rPr>
+              <a:t>Attributes of the </a:t>
+            </a:r>
+            <a:r>
+              <a:rPr lang="en-US" sz="2400" dirty="0">
+                <a:latin typeface="Selawik Semibold" panose="020B0702040204020203" pitchFamily="34" charset="0"/>
+              </a:rPr>
+              <a:t>Data Analyst</a:t>
+            </a:r>
+          </a:p>
+          <a:p>
+            <a:pPr lvl="1"/>
+            <a:r>
+              <a:rPr lang="en-US" sz="2000" dirty="0">
+                <a:latin typeface="Selawik Semibold" panose="020B0702040204020203" pitchFamily="34" charset="0"/>
+              </a:rPr>
+              <a:t>Competence – Ben </a:t>
+            </a:r>
+            <a:r>
+              <a:rPr lang="en-US" sz="2000" dirty="0" err="1">
                 <a:latin typeface="Selawik Semibold" panose="020B0702040204020203" pitchFamily="34" charset="0"/>
               </a:rPr>
               <a:t>Alamar</a:t>
@@ -15497,8 +16068,17 @@
               <a:rPr lang="en-US" sz="2000" dirty="0">
                 <a:latin typeface="Selawik Semibold" panose="020B0702040204020203" pitchFamily="34" charset="0"/>
               </a:rPr>
-              <a:t>Data Management</a:t>
-            </a:r>
+              <a:t>Leadership – Ben </a:t>
+            </a:r>
+            <a:r>
+              <a:rPr lang="en-US" sz="2000" dirty="0" err="1">
+                <a:latin typeface="Selawik Semibold" panose="020B0702040204020203" pitchFamily="34" charset="0"/>
+              </a:rPr>
+              <a:t>Alamar</a:t>
+            </a:r>
+            <a:endParaRPr lang="en-US" sz="2000" dirty="0">
+              <a:latin typeface="Selawik Semibold" panose="020B0702040204020203" pitchFamily="34" charset="0"/>
+            </a:endParaRPr>
           </a:p>
           <a:p>
             <a:pPr lvl="1"/>
@@ -15506,7 +16086,7 @@
               <a:rPr lang="en-US" sz="2000" dirty="0">
                 <a:latin typeface="Selawik Semibold" panose="020B0702040204020203" pitchFamily="34" charset="0"/>
               </a:rPr>
-              <a:t>Predictive Models</a:t>
+              <a:t>Humility – Dr. Mario</a:t>
             </a:r>
           </a:p>
           <a:p>
@@ -15515,7 +16095,7 @@
               <a:rPr lang="en-US" sz="2000" dirty="0">
                 <a:latin typeface="Selawik Semibold" panose="020B0702040204020203" pitchFamily="34" charset="0"/>
               </a:rPr>
-              <a:t>Information Systems</a:t>
+              <a:t>Honesty – Dr. Mario</a:t>
             </a:r>
           </a:p>
           <a:p>
@@ -15527,6 +16107,12 @@
           <a:p>
             <a:pPr lvl="1"/>
             <a:endParaRPr lang="en-US" sz="2000" dirty="0">
+              <a:latin typeface="Selawik Semibold" panose="020B0702040204020203" pitchFamily="34" charset="0"/>
+            </a:endParaRPr>
+          </a:p>
+          <a:p>
+            <a:pPr lvl="1"/>
+            <a:endParaRPr lang="en-US" sz="1600" dirty="0">
               <a:latin typeface="Selawik Semibold" panose="020B0702040204020203" pitchFamily="34" charset="0"/>
             </a:endParaRPr>
           </a:p>
@@ -15890,1824 +16476,6 @@
           </a:p>
         </p:txBody>
       </p:sp>
-      <p:sp>
-        <p:nvSpPr>
-          <p:cNvPr id="7" name="TextBox 6">
-            <a:extLst>
-              <a:ext uri="{FF2B5EF4-FFF2-40B4-BE49-F238E27FC236}">
-                <a16:creationId xmlns:a16="http://schemas.microsoft.com/office/drawing/2014/main" id="{122E552F-CD5E-4928-A884-3509AF0AAD36}"/>
-              </a:ext>
-            </a:extLst>
-          </p:cNvPr>
-          <p:cNvSpPr txBox="1"/>
-          <p:nvPr/>
-        </p:nvSpPr>
-        <p:spPr>
-          <a:xfrm>
-            <a:off x="365718" y="3783182"/>
-            <a:ext cx="2205318" cy="954107"/>
-          </a:xfrm>
-          <a:prstGeom prst="rect">
-            <a:avLst/>
-          </a:prstGeom>
-        </p:spPr>
-        <p:style>
-          <a:lnRef idx="1">
-            <a:schemeClr val="dk1"/>
-          </a:lnRef>
-          <a:fillRef idx="3">
-            <a:schemeClr val="dk1"/>
-          </a:fillRef>
-          <a:effectRef idx="2">
-            <a:schemeClr val="dk1"/>
-          </a:effectRef>
-          <a:fontRef idx="minor">
-            <a:schemeClr val="lt1"/>
-          </a:fontRef>
-        </p:style>
-        <p:txBody>
-          <a:bodyPr wrap="square" rtlCol="0">
-            <a:spAutoFit/>
-          </a:bodyPr>
-          <a:lstStyle/>
-          <a:p>
-            <a:r>
-              <a:rPr lang="en-US" sz="2800" dirty="0"/>
-              <a:t>Data </a:t>
-            </a:r>
-          </a:p>
-          <a:p>
-            <a:r>
-              <a:rPr lang="en-US" sz="2800" dirty="0"/>
-              <a:t>Management</a:t>
-            </a:r>
-          </a:p>
-        </p:txBody>
-      </p:sp>
-      <p:sp>
-        <p:nvSpPr>
-          <p:cNvPr id="12" name="TextBox 11">
-            <a:extLst>
-              <a:ext uri="{FF2B5EF4-FFF2-40B4-BE49-F238E27FC236}">
-                <a16:creationId xmlns:a16="http://schemas.microsoft.com/office/drawing/2014/main" id="{26DA0C6F-C9E0-47D4-9FC9-FCD1D65D2721}"/>
-              </a:ext>
-            </a:extLst>
-          </p:cNvPr>
-          <p:cNvSpPr txBox="1"/>
-          <p:nvPr/>
-        </p:nvSpPr>
-        <p:spPr>
-          <a:xfrm>
-            <a:off x="353916" y="5407416"/>
-            <a:ext cx="2205318" cy="954107"/>
-          </a:xfrm>
-          <a:prstGeom prst="rect">
-            <a:avLst/>
-          </a:prstGeom>
-        </p:spPr>
-        <p:style>
-          <a:lnRef idx="1">
-            <a:schemeClr val="dk1"/>
-          </a:lnRef>
-          <a:fillRef idx="3">
-            <a:schemeClr val="dk1"/>
-          </a:fillRef>
-          <a:effectRef idx="2">
-            <a:schemeClr val="dk1"/>
-          </a:effectRef>
-          <a:fontRef idx="minor">
-            <a:schemeClr val="lt1"/>
-          </a:fontRef>
-        </p:style>
-        <p:txBody>
-          <a:bodyPr wrap="square" rtlCol="0">
-            <a:spAutoFit/>
-          </a:bodyPr>
-          <a:lstStyle/>
-          <a:p>
-            <a:r>
-              <a:rPr lang="en-US" sz="2800" dirty="0"/>
-              <a:t>Analytic Models</a:t>
-            </a:r>
-          </a:p>
-        </p:txBody>
-      </p:sp>
-      <p:sp>
-        <p:nvSpPr>
-          <p:cNvPr id="13" name="TextBox 12">
-            <a:extLst>
-              <a:ext uri="{FF2B5EF4-FFF2-40B4-BE49-F238E27FC236}">
-                <a16:creationId xmlns:a16="http://schemas.microsoft.com/office/drawing/2014/main" id="{992BD579-13F5-48CC-B1C8-16F0934F3B44}"/>
-              </a:ext>
-            </a:extLst>
-          </p:cNvPr>
-          <p:cNvSpPr txBox="1"/>
-          <p:nvPr/>
-        </p:nvSpPr>
-        <p:spPr>
-          <a:xfrm>
-            <a:off x="3225728" y="4163036"/>
-            <a:ext cx="1907548" cy="954107"/>
-          </a:xfrm>
-          <a:prstGeom prst="rect">
-            <a:avLst/>
-          </a:prstGeom>
-        </p:spPr>
-        <p:style>
-          <a:lnRef idx="1">
-            <a:schemeClr val="dk1"/>
-          </a:lnRef>
-          <a:fillRef idx="3">
-            <a:schemeClr val="dk1"/>
-          </a:fillRef>
-          <a:effectRef idx="2">
-            <a:schemeClr val="dk1"/>
-          </a:effectRef>
-          <a:fontRef idx="minor">
-            <a:schemeClr val="lt1"/>
-          </a:fontRef>
-        </p:style>
-        <p:txBody>
-          <a:bodyPr wrap="square" rtlCol="0">
-            <a:spAutoFit/>
-          </a:bodyPr>
-          <a:lstStyle/>
-          <a:p>
-            <a:r>
-              <a:rPr lang="en-US" sz="2800" dirty="0"/>
-              <a:t>Information</a:t>
-            </a:r>
-          </a:p>
-          <a:p>
-            <a:r>
-              <a:rPr lang="en-US" sz="2800" dirty="0"/>
-              <a:t>Systems</a:t>
-            </a:r>
-          </a:p>
-        </p:txBody>
-      </p:sp>
-      <p:pic>
-        <p:nvPicPr>
-          <p:cNvPr id="10" name="Picture 9" descr="Decision Maker">
-            <a:extLst>
-              <a:ext uri="{FF2B5EF4-FFF2-40B4-BE49-F238E27FC236}">
-                <a16:creationId xmlns:a16="http://schemas.microsoft.com/office/drawing/2014/main" id="{2911B196-1EA3-4ECD-850B-F7838FAD07BC}"/>
-              </a:ext>
-            </a:extLst>
-          </p:cNvPr>
-          <p:cNvPicPr>
-            <a:picLocks noChangeAspect="1"/>
-          </p:cNvPicPr>
-          <p:nvPr/>
-        </p:nvPicPr>
-        <p:blipFill>
-          <a:blip r:embed="rId5">
-            <a:extLst>
-              <a:ext uri="{28A0092B-C50C-407E-A947-70E740481C1C}">
-                <a14:useLocalDpi xmlns:a14="http://schemas.microsoft.com/office/drawing/2010/main" val="0"/>
-              </a:ext>
-            </a:extLst>
-          </a:blip>
-          <a:stretch>
-            <a:fillRect/>
-          </a:stretch>
-        </p:blipFill>
-        <p:spPr>
-          <a:xfrm>
-            <a:off x="5787968" y="4375030"/>
-            <a:ext cx="2538848" cy="1516803"/>
-          </a:xfrm>
-          <a:prstGeom prst="rect">
-            <a:avLst/>
-          </a:prstGeom>
-          <a:solidFill>
-            <a:srgbClr val="000000">
-              <a:shade val="95000"/>
-            </a:srgbClr>
-          </a:solidFill>
-          <a:ln w="28575" cap="sq">
-            <a:solidFill>
-              <a:srgbClr val="000000"/>
-            </a:solidFill>
-            <a:miter lim="800000"/>
-          </a:ln>
-          <a:effectLst>
-            <a:outerShdw blurRad="254000" dist="190500" dir="2700000" sy="90000" algn="bl" rotWithShape="0">
-              <a:srgbClr val="000000">
-                <a:alpha val="40000"/>
-              </a:srgbClr>
-            </a:outerShdw>
-          </a:effectLst>
-        </p:spPr>
-      </p:pic>
-      <p:sp>
-        <p:nvSpPr>
-          <p:cNvPr id="17" name="TextBox 16">
-            <a:extLst>
-              <a:ext uri="{FF2B5EF4-FFF2-40B4-BE49-F238E27FC236}">
-                <a16:creationId xmlns:a16="http://schemas.microsoft.com/office/drawing/2014/main" id="{50914ED0-975E-41B2-86EC-5995292303DF}"/>
-              </a:ext>
-            </a:extLst>
-          </p:cNvPr>
-          <p:cNvSpPr txBox="1"/>
-          <p:nvPr/>
-        </p:nvSpPr>
-        <p:spPr>
-          <a:xfrm>
-            <a:off x="5848506" y="5977904"/>
-            <a:ext cx="2421642" cy="523220"/>
-          </a:xfrm>
-          <a:prstGeom prst="rect">
-            <a:avLst/>
-          </a:prstGeom>
-        </p:spPr>
-        <p:style>
-          <a:lnRef idx="1">
-            <a:schemeClr val="dk1"/>
-          </a:lnRef>
-          <a:fillRef idx="3">
-            <a:schemeClr val="dk1"/>
-          </a:fillRef>
-          <a:effectRef idx="2">
-            <a:schemeClr val="dk1"/>
-          </a:effectRef>
-          <a:fontRef idx="minor">
-            <a:schemeClr val="lt1"/>
-          </a:fontRef>
-        </p:style>
-        <p:txBody>
-          <a:bodyPr wrap="square" rtlCol="0">
-            <a:spAutoFit/>
-          </a:bodyPr>
-          <a:lstStyle/>
-          <a:p>
-            <a:r>
-              <a:rPr lang="en-US" sz="2800" dirty="0"/>
-              <a:t>Decision Maker</a:t>
-            </a:r>
-          </a:p>
-        </p:txBody>
-      </p:sp>
-      <p:sp>
-        <p:nvSpPr>
-          <p:cNvPr id="18" name="Arrow: Right 17">
-            <a:extLst>
-              <a:ext uri="{FF2B5EF4-FFF2-40B4-BE49-F238E27FC236}">
-                <a16:creationId xmlns:a16="http://schemas.microsoft.com/office/drawing/2014/main" id="{034BACA9-7E25-4051-A7E8-D2B4C2C0145B}"/>
-              </a:ext>
-            </a:extLst>
-          </p:cNvPr>
-          <p:cNvSpPr/>
-          <p:nvPr/>
-        </p:nvSpPr>
-        <p:spPr>
-          <a:xfrm rot="5400000">
-            <a:off x="1139801" y="4911200"/>
-            <a:ext cx="497541" cy="318768"/>
-          </a:xfrm>
-          <a:prstGeom prst="rightArrow">
-            <a:avLst/>
-          </a:prstGeom>
-        </p:spPr>
-        <p:style>
-          <a:lnRef idx="2">
-            <a:schemeClr val="dk1">
-              <a:shade val="50000"/>
-            </a:schemeClr>
-          </a:lnRef>
-          <a:fillRef idx="1">
-            <a:schemeClr val="dk1"/>
-          </a:fillRef>
-          <a:effectRef idx="0">
-            <a:schemeClr val="dk1"/>
-          </a:effectRef>
-          <a:fontRef idx="minor">
-            <a:schemeClr val="lt1"/>
-          </a:fontRef>
-        </p:style>
-        <p:txBody>
-          <a:bodyPr rtlCol="0" anchor="ctr"/>
-          <a:lstStyle/>
-          <a:p>
-            <a:pPr algn="ctr"/>
-            <a:endParaRPr lang="en-US"/>
-          </a:p>
-        </p:txBody>
-      </p:sp>
-      <p:sp>
-        <p:nvSpPr>
-          <p:cNvPr id="20" name="Arrow: Right 19">
-            <a:extLst>
-              <a:ext uri="{FF2B5EF4-FFF2-40B4-BE49-F238E27FC236}">
-                <a16:creationId xmlns:a16="http://schemas.microsoft.com/office/drawing/2014/main" id="{8BA0E7CA-81EF-4647-8038-D30905E3C7C9}"/>
-              </a:ext>
-            </a:extLst>
-          </p:cNvPr>
-          <p:cNvSpPr/>
-          <p:nvPr/>
-        </p:nvSpPr>
-        <p:spPr>
-          <a:xfrm>
-            <a:off x="2660863" y="4375030"/>
-            <a:ext cx="497541" cy="318768"/>
-          </a:xfrm>
-          <a:prstGeom prst="rightArrow">
-            <a:avLst/>
-          </a:prstGeom>
-        </p:spPr>
-        <p:style>
-          <a:lnRef idx="2">
-            <a:schemeClr val="dk1">
-              <a:shade val="50000"/>
-            </a:schemeClr>
-          </a:lnRef>
-          <a:fillRef idx="1">
-            <a:schemeClr val="dk1"/>
-          </a:fillRef>
-          <a:effectRef idx="0">
-            <a:schemeClr val="dk1"/>
-          </a:effectRef>
-          <a:fontRef idx="minor">
-            <a:schemeClr val="lt1"/>
-          </a:fontRef>
-        </p:style>
-        <p:txBody>
-          <a:bodyPr rtlCol="0" anchor="ctr"/>
-          <a:lstStyle/>
-          <a:p>
-            <a:pPr algn="ctr"/>
-            <a:endParaRPr lang="en-US"/>
-          </a:p>
-        </p:txBody>
-      </p:sp>
-      <p:sp>
-        <p:nvSpPr>
-          <p:cNvPr id="21" name="Arrow: Right 20">
-            <a:extLst>
-              <a:ext uri="{FF2B5EF4-FFF2-40B4-BE49-F238E27FC236}">
-                <a16:creationId xmlns:a16="http://schemas.microsoft.com/office/drawing/2014/main" id="{56068537-B0AA-411A-BA6C-AF1101648815}"/>
-              </a:ext>
-            </a:extLst>
-          </p:cNvPr>
-          <p:cNvSpPr/>
-          <p:nvPr/>
-        </p:nvSpPr>
-        <p:spPr>
-          <a:xfrm rot="20363812">
-            <a:off x="2589987" y="5114621"/>
-            <a:ext cx="574536" cy="318768"/>
-          </a:xfrm>
-          <a:prstGeom prst="rightArrow">
-            <a:avLst/>
-          </a:prstGeom>
-        </p:spPr>
-        <p:style>
-          <a:lnRef idx="2">
-            <a:schemeClr val="dk1">
-              <a:shade val="50000"/>
-            </a:schemeClr>
-          </a:lnRef>
-          <a:fillRef idx="1">
-            <a:schemeClr val="dk1"/>
-          </a:fillRef>
-          <a:effectRef idx="0">
-            <a:schemeClr val="dk1"/>
-          </a:effectRef>
-          <a:fontRef idx="minor">
-            <a:schemeClr val="lt1"/>
-          </a:fontRef>
-        </p:style>
-        <p:txBody>
-          <a:bodyPr rtlCol="0" anchor="ctr"/>
-          <a:lstStyle/>
-          <a:p>
-            <a:pPr algn="ctr"/>
-            <a:endParaRPr lang="en-US"/>
-          </a:p>
-        </p:txBody>
-      </p:sp>
-      <p:sp>
-        <p:nvSpPr>
-          <p:cNvPr id="22" name="Arrow: Right 21">
-            <a:extLst>
-              <a:ext uri="{FF2B5EF4-FFF2-40B4-BE49-F238E27FC236}">
-                <a16:creationId xmlns:a16="http://schemas.microsoft.com/office/drawing/2014/main" id="{D65390E2-9ECB-47DE-9675-CB5E939AB195}"/>
-              </a:ext>
-            </a:extLst>
-          </p:cNvPr>
-          <p:cNvSpPr/>
-          <p:nvPr/>
-        </p:nvSpPr>
-        <p:spPr>
-          <a:xfrm>
-            <a:off x="2655762" y="5786866"/>
-            <a:ext cx="2965922" cy="318768"/>
-          </a:xfrm>
-          <a:prstGeom prst="rightArrow">
-            <a:avLst/>
-          </a:prstGeom>
-        </p:spPr>
-        <p:style>
-          <a:lnRef idx="2">
-            <a:schemeClr val="dk1">
-              <a:shade val="50000"/>
-            </a:schemeClr>
-          </a:lnRef>
-          <a:fillRef idx="1">
-            <a:schemeClr val="dk1"/>
-          </a:fillRef>
-          <a:effectRef idx="0">
-            <a:schemeClr val="dk1"/>
-          </a:effectRef>
-          <a:fontRef idx="minor">
-            <a:schemeClr val="lt1"/>
-          </a:fontRef>
-        </p:style>
-        <p:txBody>
-          <a:bodyPr rtlCol="0" anchor="ctr"/>
-          <a:lstStyle/>
-          <a:p>
-            <a:pPr algn="ctr"/>
-            <a:endParaRPr lang="en-US"/>
-          </a:p>
-        </p:txBody>
-      </p:sp>
-      <p:sp>
-        <p:nvSpPr>
-          <p:cNvPr id="23" name="Arrow: Right 22">
-            <a:extLst>
-              <a:ext uri="{FF2B5EF4-FFF2-40B4-BE49-F238E27FC236}">
-                <a16:creationId xmlns:a16="http://schemas.microsoft.com/office/drawing/2014/main" id="{C46C3C4B-3AA7-4E8E-8FCB-77B719504DD8}"/>
-              </a:ext>
-            </a:extLst>
-          </p:cNvPr>
-          <p:cNvSpPr/>
-          <p:nvPr/>
-        </p:nvSpPr>
-        <p:spPr>
-          <a:xfrm>
-            <a:off x="5214009" y="4695767"/>
-            <a:ext cx="497541" cy="318768"/>
-          </a:xfrm>
-          <a:prstGeom prst="rightArrow">
-            <a:avLst/>
-          </a:prstGeom>
-        </p:spPr>
-        <p:style>
-          <a:lnRef idx="2">
-            <a:schemeClr val="dk1">
-              <a:shade val="50000"/>
-            </a:schemeClr>
-          </a:lnRef>
-          <a:fillRef idx="1">
-            <a:schemeClr val="dk1"/>
-          </a:fillRef>
-          <a:effectRef idx="0">
-            <a:schemeClr val="dk1"/>
-          </a:effectRef>
-          <a:fontRef idx="minor">
-            <a:schemeClr val="lt1"/>
-          </a:fontRef>
-        </p:style>
-        <p:txBody>
-          <a:bodyPr rtlCol="0" anchor="ctr"/>
-          <a:lstStyle/>
-          <a:p>
-            <a:pPr algn="ctr"/>
-            <a:endParaRPr lang="en-US"/>
-          </a:p>
-        </p:txBody>
-      </p:sp>
-      <p:sp>
-        <p:nvSpPr>
-          <p:cNvPr id="19" name="Rectangle 18">
-            <a:extLst>
-              <a:ext uri="{FF2B5EF4-FFF2-40B4-BE49-F238E27FC236}">
-                <a16:creationId xmlns:a16="http://schemas.microsoft.com/office/drawing/2014/main" id="{0F2662DF-6B81-4BCB-BE84-0E68709D2B8F}"/>
-              </a:ext>
-            </a:extLst>
-          </p:cNvPr>
-          <p:cNvSpPr/>
-          <p:nvPr/>
-        </p:nvSpPr>
-        <p:spPr>
-          <a:xfrm>
-            <a:off x="260181" y="6334719"/>
-            <a:ext cx="4017387" cy="369332"/>
-          </a:xfrm>
-          <a:prstGeom prst="rect">
-            <a:avLst/>
-          </a:prstGeom>
-        </p:spPr>
-        <p:txBody>
-          <a:bodyPr wrap="square">
-            <a:spAutoFit/>
-          </a:bodyPr>
-          <a:lstStyle/>
-          <a:p>
-            <a:r>
-              <a:rPr lang="en-US" dirty="0"/>
-              <a:t>Based on </a:t>
-            </a:r>
-            <a:r>
-              <a:rPr lang="en-US" i="1" dirty="0"/>
-              <a:t>Sports Analytics</a:t>
-            </a:r>
-            <a:r>
-              <a:rPr lang="en-US" dirty="0"/>
-              <a:t> by Ben </a:t>
-            </a:r>
-            <a:r>
-              <a:rPr lang="en-US" dirty="0" err="1"/>
-              <a:t>Alamar</a:t>
-            </a:r>
-            <a:endParaRPr lang="en-US" dirty="0"/>
-          </a:p>
-        </p:txBody>
-      </p:sp>
-    </p:spTree>
-    <p:extLst>
-      <p:ext uri="{BB962C8B-B14F-4D97-AF65-F5344CB8AC3E}">
-        <p14:creationId xmlns:p14="http://schemas.microsoft.com/office/powerpoint/2010/main" val="4266006054"/>
-      </p:ext>
-    </p:extLst>
-  </p:cSld>
-  <p:clrMapOvr>
-    <a:overrideClrMapping bg1="dk1" tx1="lt1" bg2="dk2" tx2="lt2" accent1="accent1" accent2="accent2" accent3="accent3" accent4="accent4" accent5="accent5" accent6="accent6" hlink="hlink" folHlink="folHlink"/>
-  </p:clrMapOvr>
-</p:sld>
-</file>
-
-<file path=ppt/slides/slide26.xml><?xml version="1.0" encoding="utf-8"?>
-<p:sld xmlns:a="http://schemas.openxmlformats.org/drawingml/2006/main" xmlns:r="http://schemas.openxmlformats.org/officeDocument/2006/relationships" xmlns:p="http://schemas.openxmlformats.org/presentationml/2006/main">
-  <p:cSld>
-    <p:bg>
-      <p:bgPr>
-        <a:solidFill>
-          <a:srgbClr val="395583"/>
-        </a:solidFill>
-        <a:effectLst/>
-      </p:bgPr>
-    </p:bg>
-    <p:spTree>
-      <p:nvGrpSpPr>
-        <p:cNvPr id="1" name=""/>
-        <p:cNvGrpSpPr/>
-        <p:nvPr/>
-      </p:nvGrpSpPr>
-      <p:grpSpPr>
-        <a:xfrm>
-          <a:off x="0" y="0"/>
-          <a:ext cx="0" cy="0"/>
-          <a:chOff x="0" y="0"/>
-          <a:chExt cx="0" cy="0"/>
-        </a:xfrm>
-      </p:grpSpPr>
-      <p:sp>
-        <p:nvSpPr>
-          <p:cNvPr id="25" name="Rectangle 24">
-            <a:extLst>
-              <a:ext uri="{FF2B5EF4-FFF2-40B4-BE49-F238E27FC236}">
-                <a16:creationId xmlns:a16="http://schemas.microsoft.com/office/drawing/2014/main" id="{A6792F05-2FD4-4F18-815E-15391E8B4A0E}"/>
-              </a:ext>
-              <a:ext uri="{C183D7F6-B498-43B3-948B-1728B52AA6E4}">
-                <adec:decorative xmlns:adec="http://schemas.microsoft.com/office/drawing/2017/decorative" val="1"/>
-              </a:ext>
-            </a:extLst>
-          </p:cNvPr>
-          <p:cNvSpPr>
-            <a:spLocks noGrp="1" noRot="1" noChangeAspect="1" noMove="1" noResize="1" noEditPoints="1" noAdjustHandles="1" noChangeArrowheads="1" noChangeShapeType="1" noTextEdit="1"/>
-          </p:cNvSpPr>
-          <p:nvPr>
-            <p:extLst>
-              <p:ext uri="{386F3935-93C4-4BCD-93E2-E3B085C9AB24}">
-                <p16:designElem xmlns:p16="http://schemas.microsoft.com/office/powerpoint/2015/main" val="1"/>
-              </p:ext>
-            </p:extLst>
-          </p:nvPr>
-        </p:nvSpPr>
-        <p:spPr>
-          <a:xfrm>
-            <a:off x="0" y="0"/>
-            <a:ext cx="12191999" cy="6858000"/>
-          </a:xfrm>
-          <a:prstGeom prst="rect">
-            <a:avLst/>
-          </a:prstGeom>
-          <a:solidFill>
-            <a:srgbClr val="395583"/>
-          </a:solidFill>
-          <a:ln>
-            <a:noFill/>
-          </a:ln>
-        </p:spPr>
-        <p:style>
-          <a:lnRef idx="2">
-            <a:schemeClr val="accent1">
-              <a:shade val="50000"/>
-            </a:schemeClr>
-          </a:lnRef>
-          <a:fillRef idx="1">
-            <a:schemeClr val="accent1"/>
-          </a:fillRef>
-          <a:effectRef idx="0">
-            <a:schemeClr val="accent1"/>
-          </a:effectRef>
-          <a:fontRef idx="minor">
-            <a:schemeClr val="lt1"/>
-          </a:fontRef>
-        </p:style>
-        <p:txBody>
-          <a:bodyPr rtlCol="0" anchor="ctr"/>
-          <a:lstStyle/>
-          <a:p>
-            <a:pPr algn="ctr"/>
-            <a:endParaRPr lang="en-US"/>
-          </a:p>
-        </p:txBody>
-      </p:sp>
-      <p:sp>
-        <p:nvSpPr>
-          <p:cNvPr id="2" name="Title 1">
-            <a:extLst>
-              <a:ext uri="{FF2B5EF4-FFF2-40B4-BE49-F238E27FC236}">
-                <a16:creationId xmlns:a16="http://schemas.microsoft.com/office/drawing/2014/main" id="{2589AFCC-0FF0-498C-B11F-8990DF0DAAA5}"/>
-              </a:ext>
-            </a:extLst>
-          </p:cNvPr>
-          <p:cNvSpPr>
-            <a:spLocks noGrp="1"/>
-          </p:cNvSpPr>
-          <p:nvPr>
-            <p:ph type="title"/>
-          </p:nvPr>
-        </p:nvSpPr>
-        <p:spPr>
-          <a:xfrm>
-            <a:off x="838200" y="365125"/>
-            <a:ext cx="10515600" cy="1325563"/>
-          </a:xfrm>
-        </p:spPr>
-        <p:txBody>
-          <a:bodyPr>
-            <a:normAutofit/>
-          </a:bodyPr>
-          <a:lstStyle/>
-          <a:p>
-            <a:r>
-              <a:rPr lang="en-US" b="1" dirty="0">
-                <a:latin typeface="Selawik Semibold" panose="020B0604020202020204" pitchFamily="34" charset="0"/>
-              </a:rPr>
-              <a:t>What is Sports Analytics?</a:t>
-            </a:r>
-          </a:p>
-        </p:txBody>
-      </p:sp>
-      <p:sp>
-        <p:nvSpPr>
-          <p:cNvPr id="9" name="Content Placeholder 8">
-            <a:extLst>
-              <a:ext uri="{FF2B5EF4-FFF2-40B4-BE49-F238E27FC236}">
-                <a16:creationId xmlns:a16="http://schemas.microsoft.com/office/drawing/2014/main" id="{2D995594-59F2-4020-AB6F-751BAE84ADB3}"/>
-              </a:ext>
-            </a:extLst>
-          </p:cNvPr>
-          <p:cNvSpPr>
-            <a:spLocks noGrp="1"/>
-          </p:cNvSpPr>
-          <p:nvPr>
-            <p:ph idx="1"/>
-          </p:nvPr>
-        </p:nvSpPr>
-        <p:spPr>
-          <a:xfrm>
-            <a:off x="838199" y="2021249"/>
-            <a:ext cx="7324166" cy="4581257"/>
-          </a:xfrm>
-        </p:spPr>
-        <p:txBody>
-          <a:bodyPr>
-            <a:normAutofit/>
-          </a:bodyPr>
-          <a:lstStyle/>
-          <a:p>
-            <a:r>
-              <a:rPr lang="en-US" sz="2400" dirty="0">
-                <a:latin typeface="Selawik Semibold" panose="020B0702040204020203" pitchFamily="34" charset="0"/>
-              </a:rPr>
-              <a:t>Purpose: To Aid an Organization’s </a:t>
-            </a:r>
-            <a:r>
-              <a:rPr lang="en-US" sz="2400" u="sng" dirty="0">
-                <a:latin typeface="Selawik Semibold" panose="020B0702040204020203" pitchFamily="34" charset="0"/>
-              </a:rPr>
-              <a:t>Decision Makers</a:t>
-            </a:r>
-            <a:r>
-              <a:rPr lang="en-US" sz="2400" dirty="0">
-                <a:latin typeface="Selawik Semibold" panose="020B0702040204020203" pitchFamily="34" charset="0"/>
-              </a:rPr>
-              <a:t> in Gaining a Competitive Advantage</a:t>
-            </a:r>
-          </a:p>
-          <a:p>
-            <a:endParaRPr lang="en-US" sz="2400" dirty="0">
-              <a:latin typeface="Selawik Semibold" panose="020B0702040204020203" pitchFamily="34" charset="0"/>
-            </a:endParaRPr>
-          </a:p>
-          <a:p>
-            <a:r>
-              <a:rPr lang="en-US" sz="2400" dirty="0">
-                <a:latin typeface="Selawik Semibold" panose="020B0702040204020203" pitchFamily="34" charset="0"/>
-              </a:rPr>
-              <a:t>Goals</a:t>
-            </a:r>
-          </a:p>
-          <a:p>
-            <a:pPr lvl="1"/>
-            <a:r>
-              <a:rPr lang="en-US" sz="2000" dirty="0">
-                <a:latin typeface="Selawik Semibold" panose="020B0702040204020203" pitchFamily="34" charset="0"/>
-              </a:rPr>
-              <a:t>Save the Decision Maker Time by Making Information Acquisition Efficient </a:t>
-            </a:r>
-          </a:p>
-          <a:p>
-            <a:pPr marL="457200" lvl="1" indent="0">
-              <a:buNone/>
-            </a:pPr>
-            <a:r>
-              <a:rPr lang="en-US" sz="2000" dirty="0">
-                <a:latin typeface="Selawik Semibold" panose="020B0702040204020203" pitchFamily="34" charset="0"/>
-              </a:rPr>
-              <a:t>   (Data Management/Information Systems)</a:t>
-            </a:r>
-          </a:p>
-          <a:p>
-            <a:pPr lvl="1"/>
-            <a:endParaRPr lang="en-US" sz="2000" dirty="0">
-              <a:latin typeface="Selawik Semibold" panose="020B0702040204020203" pitchFamily="34" charset="0"/>
-            </a:endParaRPr>
-          </a:p>
-          <a:p>
-            <a:pPr lvl="1"/>
-            <a:r>
-              <a:rPr lang="en-US" sz="2000" dirty="0">
-                <a:latin typeface="Selawik Semibold" panose="020B0702040204020203" pitchFamily="34" charset="0"/>
-              </a:rPr>
-              <a:t>Provide Decision Makers with Novel Insight</a:t>
-            </a:r>
-          </a:p>
-          <a:p>
-            <a:pPr marL="457200" lvl="1" indent="0">
-              <a:buNone/>
-            </a:pPr>
-            <a:r>
-              <a:rPr lang="en-US" sz="2000" dirty="0">
-                <a:latin typeface="Selawik Semibold" panose="020B0702040204020203" pitchFamily="34" charset="0"/>
-              </a:rPr>
-              <a:t>   (Analytic Models)</a:t>
-            </a:r>
-          </a:p>
-          <a:p>
-            <a:pPr marL="457200" lvl="1" indent="0">
-              <a:buNone/>
-            </a:pPr>
-            <a:endParaRPr lang="en-US" sz="2000" dirty="0">
-              <a:latin typeface="Selawik Semibold" panose="020B0702040204020203" pitchFamily="34" charset="0"/>
-            </a:endParaRPr>
-          </a:p>
-          <a:p>
-            <a:r>
-              <a:rPr lang="en-US" sz="2400" dirty="0">
-                <a:latin typeface="Selawik Semibold" panose="020B0702040204020203" pitchFamily="34" charset="0"/>
-              </a:rPr>
-              <a:t>We are an Accessory to the Decision Maker</a:t>
-            </a:r>
-          </a:p>
-          <a:p>
-            <a:pPr lvl="1"/>
-            <a:endParaRPr lang="en-US" sz="2000" dirty="0">
-              <a:latin typeface="Selawik Semibold" panose="020B0702040204020203" pitchFamily="34" charset="0"/>
-            </a:endParaRPr>
-          </a:p>
-          <a:p>
-            <a:pPr lvl="1"/>
-            <a:endParaRPr lang="en-US" sz="2000" dirty="0">
-              <a:latin typeface="Selawik Semibold" panose="020B0702040204020203" pitchFamily="34" charset="0"/>
-            </a:endParaRPr>
-          </a:p>
-          <a:p>
-            <a:pPr lvl="1"/>
-            <a:endParaRPr lang="en-US" sz="1600" dirty="0">
-              <a:latin typeface="Selawik Semibold" panose="020B0702040204020203" pitchFamily="34" charset="0"/>
-            </a:endParaRPr>
-          </a:p>
-          <a:p>
-            <a:pPr lvl="1"/>
-            <a:endParaRPr lang="en-US" sz="2000" dirty="0">
-              <a:latin typeface="Selawik Semibold" panose="020B0702040204020203" pitchFamily="34" charset="0"/>
-            </a:endParaRPr>
-          </a:p>
-          <a:p>
-            <a:pPr lvl="1"/>
-            <a:endParaRPr lang="en-US" sz="2000" dirty="0">
-              <a:latin typeface="Selawik Semibold" panose="020B0702040204020203" pitchFamily="34" charset="0"/>
-            </a:endParaRPr>
-          </a:p>
-          <a:p>
-            <a:pPr lvl="1"/>
-            <a:endParaRPr lang="en-US" sz="2000" dirty="0">
-              <a:latin typeface="Selawik Semibold" panose="020B0702040204020203" pitchFamily="34" charset="0"/>
-            </a:endParaRPr>
-          </a:p>
-        </p:txBody>
-      </p:sp>
-      <p:pic>
-        <p:nvPicPr>
-          <p:cNvPr id="4" name="Picture 3" descr="A drawing of a cartoon character&#10;&#10;Description automatically generated">
-            <a:extLst>
-              <a:ext uri="{FF2B5EF4-FFF2-40B4-BE49-F238E27FC236}">
-                <a16:creationId xmlns:a16="http://schemas.microsoft.com/office/drawing/2014/main" id="{A7FDC859-D890-4904-9C64-27F43DA90453}"/>
-              </a:ext>
-            </a:extLst>
-          </p:cNvPr>
-          <p:cNvPicPr>
-            <a:picLocks noChangeAspect="1"/>
-          </p:cNvPicPr>
-          <p:nvPr/>
-        </p:nvPicPr>
-        <p:blipFill rotWithShape="1">
-          <a:blip r:embed="rId3">
-            <a:extLst>
-              <a:ext uri="{28A0092B-C50C-407E-A947-70E740481C1C}">
-                <a14:useLocalDpi xmlns:a14="http://schemas.microsoft.com/office/drawing/2010/main" val="0"/>
-              </a:ext>
-            </a:extLst>
-          </a:blip>
-          <a:srcRect t="5616" r="2" b="2"/>
-          <a:stretch/>
-        </p:blipFill>
-        <p:spPr>
-          <a:xfrm>
-            <a:off x="7471144" y="1700078"/>
-            <a:ext cx="4720855" cy="2583792"/>
-          </a:xfrm>
-          <a:custGeom>
-            <a:avLst/>
-            <a:gdLst>
-              <a:gd name="connsiteX0" fmla="*/ 0 w 5475077"/>
-              <a:gd name="connsiteY0" fmla="*/ 0 h 2583792"/>
-              <a:gd name="connsiteX1" fmla="*/ 5475077 w 5475077"/>
-              <a:gd name="connsiteY1" fmla="*/ 0 h 2583792"/>
-              <a:gd name="connsiteX2" fmla="*/ 5475077 w 5475077"/>
-              <a:gd name="connsiteY2" fmla="*/ 2583792 h 2583792"/>
-              <a:gd name="connsiteX3" fmla="*/ 1197192 w 5475077"/>
-              <a:gd name="connsiteY3" fmla="*/ 2583792 h 2583792"/>
-            </a:gdLst>
-            <a:ahLst/>
-            <a:cxnLst>
-              <a:cxn ang="0">
-                <a:pos x="connsiteX0" y="connsiteY0"/>
-              </a:cxn>
-              <a:cxn ang="0">
-                <a:pos x="connsiteX1" y="connsiteY1"/>
-              </a:cxn>
-              <a:cxn ang="0">
-                <a:pos x="connsiteX2" y="connsiteY2"/>
-              </a:cxn>
-              <a:cxn ang="0">
-                <a:pos x="connsiteX3" y="connsiteY3"/>
-              </a:cxn>
-            </a:cxnLst>
-            <a:rect l="l" t="t" r="r" b="b"/>
-            <a:pathLst>
-              <a:path w="5475077" h="2583792">
-                <a:moveTo>
-                  <a:pt x="0" y="0"/>
-                </a:moveTo>
-                <a:lnTo>
-                  <a:pt x="5475077" y="0"/>
-                </a:lnTo>
-                <a:lnTo>
-                  <a:pt x="5475077" y="2583792"/>
-                </a:lnTo>
-                <a:lnTo>
-                  <a:pt x="1197192" y="2583792"/>
-                </a:lnTo>
-                <a:close/>
-              </a:path>
-            </a:pathLst>
-          </a:custGeom>
-        </p:spPr>
-      </p:pic>
-      <p:pic>
-        <p:nvPicPr>
-          <p:cNvPr id="5" name="Content Placeholder 4" descr="A picture containing indoor&#10;&#10;Description automatically generated">
-            <a:extLst>
-              <a:ext uri="{FF2B5EF4-FFF2-40B4-BE49-F238E27FC236}">
-                <a16:creationId xmlns:a16="http://schemas.microsoft.com/office/drawing/2014/main" id="{A58F0E55-21F3-485B-A07F-1CE74177BDD2}"/>
-              </a:ext>
-            </a:extLst>
-          </p:cNvPr>
-          <p:cNvPicPr>
-            <a:picLocks noChangeAspect="1"/>
-          </p:cNvPicPr>
-          <p:nvPr/>
-        </p:nvPicPr>
-        <p:blipFill rotWithShape="1">
-          <a:blip r:embed="rId4">
-            <a:extLst>
-              <a:ext uri="{28A0092B-C50C-407E-A947-70E740481C1C}">
-                <a14:useLocalDpi xmlns:a14="http://schemas.microsoft.com/office/drawing/2010/main" val="0"/>
-              </a:ext>
-            </a:extLst>
-          </a:blip>
-          <a:srcRect t="5300" r="3" b="6859"/>
-          <a:stretch/>
-        </p:blipFill>
-        <p:spPr>
-          <a:xfrm>
-            <a:off x="8491869" y="4283870"/>
-            <a:ext cx="3700129" cy="2583520"/>
-          </a:xfrm>
-          <a:custGeom>
-            <a:avLst/>
-            <a:gdLst>
-              <a:gd name="connsiteX0" fmla="*/ 0 w 4277884"/>
-              <a:gd name="connsiteY0" fmla="*/ 0 h 2583520"/>
-              <a:gd name="connsiteX1" fmla="*/ 4277884 w 4277884"/>
-              <a:gd name="connsiteY1" fmla="*/ 0 h 2583520"/>
-              <a:gd name="connsiteX2" fmla="*/ 4277884 w 4277884"/>
-              <a:gd name="connsiteY2" fmla="*/ 2583520 h 2583520"/>
-              <a:gd name="connsiteX3" fmla="*/ 1192437 w 4277884"/>
-              <a:gd name="connsiteY3" fmla="*/ 2583520 h 2583520"/>
-              <a:gd name="connsiteX4" fmla="*/ 1188085 w 4277884"/>
-              <a:gd name="connsiteY4" fmla="*/ 2574129 h 2583520"/>
-              <a:gd name="connsiteX5" fmla="*/ 1192715 w 4277884"/>
-              <a:gd name="connsiteY5" fmla="*/ 2574129 h 2583520"/>
-            </a:gdLst>
-            <a:ahLst/>
-            <a:cxnLst>
-              <a:cxn ang="0">
-                <a:pos x="connsiteX0" y="connsiteY0"/>
-              </a:cxn>
-              <a:cxn ang="0">
-                <a:pos x="connsiteX1" y="connsiteY1"/>
-              </a:cxn>
-              <a:cxn ang="0">
-                <a:pos x="connsiteX2" y="connsiteY2"/>
-              </a:cxn>
-              <a:cxn ang="0">
-                <a:pos x="connsiteX3" y="connsiteY3"/>
-              </a:cxn>
-              <a:cxn ang="0">
-                <a:pos x="connsiteX4" y="connsiteY4"/>
-              </a:cxn>
-              <a:cxn ang="0">
-                <a:pos x="connsiteX5" y="connsiteY5"/>
-              </a:cxn>
-            </a:cxnLst>
-            <a:rect l="l" t="t" r="r" b="b"/>
-            <a:pathLst>
-              <a:path w="4277884" h="2583520">
-                <a:moveTo>
-                  <a:pt x="0" y="0"/>
-                </a:moveTo>
-                <a:lnTo>
-                  <a:pt x="4277884" y="0"/>
-                </a:lnTo>
-                <a:lnTo>
-                  <a:pt x="4277884" y="2583520"/>
-                </a:lnTo>
-                <a:lnTo>
-                  <a:pt x="1192437" y="2583520"/>
-                </a:lnTo>
-                <a:lnTo>
-                  <a:pt x="1188085" y="2574129"/>
-                </a:lnTo>
-                <a:lnTo>
-                  <a:pt x="1192715" y="2574129"/>
-                </a:lnTo>
-                <a:close/>
-              </a:path>
-            </a:pathLst>
-          </a:custGeom>
-        </p:spPr>
-      </p:pic>
-      <p:sp>
-        <p:nvSpPr>
-          <p:cNvPr id="6" name="Rectangle 5">
-            <a:extLst>
-              <a:ext uri="{FF2B5EF4-FFF2-40B4-BE49-F238E27FC236}">
-                <a16:creationId xmlns:a16="http://schemas.microsoft.com/office/drawing/2014/main" id="{A2901312-C3C2-4CEC-80EF-823AB4FBB726}"/>
-              </a:ext>
-            </a:extLst>
-          </p:cNvPr>
-          <p:cNvSpPr/>
-          <p:nvPr/>
-        </p:nvSpPr>
-        <p:spPr>
-          <a:xfrm>
-            <a:off x="-1" y="1608918"/>
-            <a:ext cx="12191999" cy="91160"/>
-          </a:xfrm>
-          <a:prstGeom prst="rect">
-            <a:avLst/>
-          </a:prstGeom>
-          <a:solidFill>
-            <a:schemeClr val="bg1"/>
-          </a:solidFill>
-          <a:ln>
-            <a:noFill/>
-          </a:ln>
-        </p:spPr>
-        <p:style>
-          <a:lnRef idx="2">
-            <a:schemeClr val="accent1">
-              <a:shade val="50000"/>
-            </a:schemeClr>
-          </a:lnRef>
-          <a:fillRef idx="1">
-            <a:schemeClr val="accent1"/>
-          </a:fillRef>
-          <a:effectRef idx="0">
-            <a:schemeClr val="accent1"/>
-          </a:effectRef>
-          <a:fontRef idx="minor">
-            <a:schemeClr val="lt1"/>
-          </a:fontRef>
-        </p:style>
-        <p:txBody>
-          <a:bodyPr rtlCol="0" anchor="ctr"/>
-          <a:lstStyle/>
-          <a:p>
-            <a:pPr algn="ctr"/>
-            <a:endParaRPr lang="en-US">
-              <a:solidFill>
-                <a:srgbClr val="DB5B5C"/>
-              </a:solidFill>
-            </a:endParaRPr>
-          </a:p>
-        </p:txBody>
-      </p:sp>
-      <p:sp>
-        <p:nvSpPr>
-          <p:cNvPr id="15" name="Rectangle 14">
-            <a:extLst>
-              <a:ext uri="{FF2B5EF4-FFF2-40B4-BE49-F238E27FC236}">
-                <a16:creationId xmlns:a16="http://schemas.microsoft.com/office/drawing/2014/main" id="{AD0A7C9C-CA2C-4B9B-A125-2D09D5573B44}"/>
-              </a:ext>
-            </a:extLst>
-          </p:cNvPr>
-          <p:cNvSpPr/>
-          <p:nvPr/>
-        </p:nvSpPr>
-        <p:spPr>
-          <a:xfrm>
-            <a:off x="1" y="6677247"/>
-            <a:ext cx="12191999" cy="190143"/>
-          </a:xfrm>
-          <a:prstGeom prst="rect">
-            <a:avLst/>
-          </a:prstGeom>
-          <a:solidFill>
-            <a:schemeClr val="bg1"/>
-          </a:solidFill>
-          <a:ln>
-            <a:noFill/>
-          </a:ln>
-        </p:spPr>
-        <p:style>
-          <a:lnRef idx="2">
-            <a:schemeClr val="accent1">
-              <a:shade val="50000"/>
-            </a:schemeClr>
-          </a:lnRef>
-          <a:fillRef idx="1">
-            <a:schemeClr val="accent1"/>
-          </a:fillRef>
-          <a:effectRef idx="0">
-            <a:schemeClr val="accent1"/>
-          </a:effectRef>
-          <a:fontRef idx="minor">
-            <a:schemeClr val="lt1"/>
-          </a:fontRef>
-        </p:style>
-        <p:txBody>
-          <a:bodyPr rtlCol="0" anchor="ctr"/>
-          <a:lstStyle/>
-          <a:p>
-            <a:pPr algn="ctr"/>
-            <a:endParaRPr lang="en-US">
-              <a:solidFill>
-                <a:srgbClr val="DB5B5C"/>
-              </a:solidFill>
-            </a:endParaRPr>
-          </a:p>
-        </p:txBody>
-      </p:sp>
-      <p:sp>
-        <p:nvSpPr>
-          <p:cNvPr id="16" name="Rectangle 15">
-            <a:extLst>
-              <a:ext uri="{FF2B5EF4-FFF2-40B4-BE49-F238E27FC236}">
-                <a16:creationId xmlns:a16="http://schemas.microsoft.com/office/drawing/2014/main" id="{74A085FC-1866-46D4-97F7-51AA45E48D4F}"/>
-              </a:ext>
-            </a:extLst>
-          </p:cNvPr>
-          <p:cNvSpPr/>
-          <p:nvPr/>
-        </p:nvSpPr>
-        <p:spPr>
-          <a:xfrm rot="4092292">
-            <a:off x="5790668" y="4094517"/>
-            <a:ext cx="5446699" cy="137038"/>
-          </a:xfrm>
-          <a:prstGeom prst="rect">
-            <a:avLst/>
-          </a:prstGeom>
-          <a:solidFill>
-            <a:schemeClr val="bg1"/>
-          </a:solidFill>
-          <a:ln>
-            <a:noFill/>
-          </a:ln>
-        </p:spPr>
-        <p:style>
-          <a:lnRef idx="2">
-            <a:schemeClr val="accent1">
-              <a:shade val="50000"/>
-            </a:schemeClr>
-          </a:lnRef>
-          <a:fillRef idx="1">
-            <a:schemeClr val="accent1"/>
-          </a:fillRef>
-          <a:effectRef idx="0">
-            <a:schemeClr val="accent1"/>
-          </a:effectRef>
-          <a:fontRef idx="minor">
-            <a:schemeClr val="lt1"/>
-          </a:fontRef>
-        </p:style>
-        <p:txBody>
-          <a:bodyPr rtlCol="0" anchor="ctr"/>
-          <a:lstStyle/>
-          <a:p>
-            <a:pPr algn="ctr"/>
-            <a:endParaRPr lang="en-US">
-              <a:solidFill>
-                <a:srgbClr val="DB5B5C"/>
-              </a:solidFill>
-            </a:endParaRPr>
-          </a:p>
-        </p:txBody>
-      </p:sp>
-    </p:spTree>
-    <p:extLst>
-      <p:ext uri="{BB962C8B-B14F-4D97-AF65-F5344CB8AC3E}">
-        <p14:creationId xmlns:p14="http://schemas.microsoft.com/office/powerpoint/2010/main" val="77696106"/>
-      </p:ext>
-    </p:extLst>
-  </p:cSld>
-  <p:clrMapOvr>
-    <a:overrideClrMapping bg1="dk1" tx1="lt1" bg2="dk2" tx2="lt2" accent1="accent1" accent2="accent2" accent3="accent3" accent4="accent4" accent5="accent5" accent6="accent6" hlink="hlink" folHlink="folHlink"/>
-  </p:clrMapOvr>
-</p:sld>
-</file>
-
-<file path=ppt/slides/slide27.xml><?xml version="1.0" encoding="utf-8"?>
-<p:sld xmlns:a="http://schemas.openxmlformats.org/drawingml/2006/main" xmlns:r="http://schemas.openxmlformats.org/officeDocument/2006/relationships" xmlns:p="http://schemas.openxmlformats.org/presentationml/2006/main">
-  <p:cSld>
-    <p:bg>
-      <p:bgPr>
-        <a:solidFill>
-          <a:srgbClr val="395583"/>
-        </a:solidFill>
-        <a:effectLst/>
-      </p:bgPr>
-    </p:bg>
-    <p:spTree>
-      <p:nvGrpSpPr>
-        <p:cNvPr id="1" name=""/>
-        <p:cNvGrpSpPr/>
-        <p:nvPr/>
-      </p:nvGrpSpPr>
-      <p:grpSpPr>
-        <a:xfrm>
-          <a:off x="0" y="0"/>
-          <a:ext cx="0" cy="0"/>
-          <a:chOff x="0" y="0"/>
-          <a:chExt cx="0" cy="0"/>
-        </a:xfrm>
-      </p:grpSpPr>
-      <p:sp>
-        <p:nvSpPr>
-          <p:cNvPr id="25" name="Rectangle 24">
-            <a:extLst>
-              <a:ext uri="{FF2B5EF4-FFF2-40B4-BE49-F238E27FC236}">
-                <a16:creationId xmlns:a16="http://schemas.microsoft.com/office/drawing/2014/main" id="{A6792F05-2FD4-4F18-815E-15391E8B4A0E}"/>
-              </a:ext>
-              <a:ext uri="{C183D7F6-B498-43B3-948B-1728B52AA6E4}">
-                <adec:decorative xmlns:adec="http://schemas.microsoft.com/office/drawing/2017/decorative" val="1"/>
-              </a:ext>
-            </a:extLst>
-          </p:cNvPr>
-          <p:cNvSpPr>
-            <a:spLocks noGrp="1" noRot="1" noChangeAspect="1" noMove="1" noResize="1" noEditPoints="1" noAdjustHandles="1" noChangeArrowheads="1" noChangeShapeType="1" noTextEdit="1"/>
-          </p:cNvSpPr>
-          <p:nvPr>
-            <p:extLst>
-              <p:ext uri="{386F3935-93C4-4BCD-93E2-E3B085C9AB24}">
-                <p16:designElem xmlns:p16="http://schemas.microsoft.com/office/powerpoint/2015/main" val="1"/>
-              </p:ext>
-            </p:extLst>
-          </p:nvPr>
-        </p:nvSpPr>
-        <p:spPr>
-          <a:xfrm>
-            <a:off x="0" y="0"/>
-            <a:ext cx="12191999" cy="6858000"/>
-          </a:xfrm>
-          <a:prstGeom prst="rect">
-            <a:avLst/>
-          </a:prstGeom>
-          <a:solidFill>
-            <a:srgbClr val="395583"/>
-          </a:solidFill>
-          <a:ln>
-            <a:noFill/>
-          </a:ln>
-        </p:spPr>
-        <p:style>
-          <a:lnRef idx="2">
-            <a:schemeClr val="accent1">
-              <a:shade val="50000"/>
-            </a:schemeClr>
-          </a:lnRef>
-          <a:fillRef idx="1">
-            <a:schemeClr val="accent1"/>
-          </a:fillRef>
-          <a:effectRef idx="0">
-            <a:schemeClr val="accent1"/>
-          </a:effectRef>
-          <a:fontRef idx="minor">
-            <a:schemeClr val="lt1"/>
-          </a:fontRef>
-        </p:style>
-        <p:txBody>
-          <a:bodyPr rtlCol="0" anchor="ctr"/>
-          <a:lstStyle/>
-          <a:p>
-            <a:pPr algn="ctr"/>
-            <a:endParaRPr lang="en-US"/>
-          </a:p>
-        </p:txBody>
-      </p:sp>
-      <p:sp>
-        <p:nvSpPr>
-          <p:cNvPr id="2" name="Title 1">
-            <a:extLst>
-              <a:ext uri="{FF2B5EF4-FFF2-40B4-BE49-F238E27FC236}">
-                <a16:creationId xmlns:a16="http://schemas.microsoft.com/office/drawing/2014/main" id="{2589AFCC-0FF0-498C-B11F-8990DF0DAAA5}"/>
-              </a:ext>
-            </a:extLst>
-          </p:cNvPr>
-          <p:cNvSpPr>
-            <a:spLocks noGrp="1"/>
-          </p:cNvSpPr>
-          <p:nvPr>
-            <p:ph type="title"/>
-          </p:nvPr>
-        </p:nvSpPr>
-        <p:spPr>
-          <a:xfrm>
-            <a:off x="838200" y="365125"/>
-            <a:ext cx="10515600" cy="1325563"/>
-          </a:xfrm>
-        </p:spPr>
-        <p:txBody>
-          <a:bodyPr>
-            <a:normAutofit/>
-          </a:bodyPr>
-          <a:lstStyle/>
-          <a:p>
-            <a:r>
-              <a:rPr lang="en-US" b="1" dirty="0">
-                <a:latin typeface="Selawik Semibold" panose="020B0604020202020204" pitchFamily="34" charset="0"/>
-              </a:rPr>
-              <a:t>What is Sports Analytics?</a:t>
-            </a:r>
-          </a:p>
-        </p:txBody>
-      </p:sp>
-      <p:sp>
-        <p:nvSpPr>
-          <p:cNvPr id="9" name="Content Placeholder 8">
-            <a:extLst>
-              <a:ext uri="{FF2B5EF4-FFF2-40B4-BE49-F238E27FC236}">
-                <a16:creationId xmlns:a16="http://schemas.microsoft.com/office/drawing/2014/main" id="{2D995594-59F2-4020-AB6F-751BAE84ADB3}"/>
-              </a:ext>
-            </a:extLst>
-          </p:cNvPr>
-          <p:cNvSpPr>
-            <a:spLocks noGrp="1"/>
-          </p:cNvSpPr>
-          <p:nvPr>
-            <p:ph idx="1"/>
-          </p:nvPr>
-        </p:nvSpPr>
-        <p:spPr>
-          <a:xfrm>
-            <a:off x="838199" y="2021249"/>
-            <a:ext cx="7324166" cy="4581257"/>
-          </a:xfrm>
-        </p:spPr>
-        <p:txBody>
-          <a:bodyPr>
-            <a:normAutofit/>
-          </a:bodyPr>
-          <a:lstStyle/>
-          <a:p>
-            <a:r>
-              <a:rPr lang="en-US" sz="2400" dirty="0">
-                <a:latin typeface="Selawik Semibold" panose="020B0702040204020203" pitchFamily="34" charset="0"/>
-              </a:rPr>
-              <a:t>Different Decision Makers</a:t>
-            </a:r>
-            <a:endParaRPr lang="en-US" sz="2000" dirty="0">
-              <a:latin typeface="Selawik Semibold" panose="020B0702040204020203" pitchFamily="34" charset="0"/>
-            </a:endParaRPr>
-          </a:p>
-          <a:p>
-            <a:pPr lvl="1"/>
-            <a:r>
-              <a:rPr lang="en-US" sz="2000" dirty="0">
-                <a:latin typeface="Selawik Semibold" panose="020B0702040204020203" pitchFamily="34" charset="0"/>
-              </a:rPr>
-              <a:t>Off-the-Field: Profit Driven</a:t>
-            </a:r>
-          </a:p>
-          <a:p>
-            <a:pPr lvl="1"/>
-            <a:r>
-              <a:rPr lang="en-US" sz="2000" dirty="0">
-                <a:latin typeface="Selawik Semibold" panose="020B0702040204020203" pitchFamily="34" charset="0"/>
-              </a:rPr>
-              <a:t>On-the-Field: Performance Driven</a:t>
-            </a:r>
-          </a:p>
-          <a:p>
-            <a:endParaRPr lang="en-US" sz="2400" dirty="0">
-              <a:latin typeface="Selawik Semibold" panose="020B0702040204020203" pitchFamily="34" charset="0"/>
-            </a:endParaRPr>
-          </a:p>
-          <a:p>
-            <a:r>
-              <a:rPr lang="en-US" sz="2400">
-                <a:latin typeface="Selawik Semibold" panose="020B0702040204020203" pitchFamily="34" charset="0"/>
-              </a:rPr>
-              <a:t>Attributes of the </a:t>
-            </a:r>
-            <a:r>
-              <a:rPr lang="en-US" sz="2400" dirty="0">
-                <a:latin typeface="Selawik Semibold" panose="020B0702040204020203" pitchFamily="34" charset="0"/>
-              </a:rPr>
-              <a:t>Data Analyst</a:t>
-            </a:r>
-          </a:p>
-          <a:p>
-            <a:pPr lvl="1"/>
-            <a:r>
-              <a:rPr lang="en-US" sz="2000" dirty="0">
-                <a:latin typeface="Selawik Semibold" panose="020B0702040204020203" pitchFamily="34" charset="0"/>
-              </a:rPr>
-              <a:t>Competence – Ben </a:t>
-            </a:r>
-            <a:r>
-              <a:rPr lang="en-US" sz="2000" dirty="0" err="1">
-                <a:latin typeface="Selawik Semibold" panose="020B0702040204020203" pitchFamily="34" charset="0"/>
-              </a:rPr>
-              <a:t>Alamar</a:t>
-            </a:r>
-            <a:endParaRPr lang="en-US" sz="2000" dirty="0">
-              <a:latin typeface="Selawik Semibold" panose="020B0702040204020203" pitchFamily="34" charset="0"/>
-            </a:endParaRPr>
-          </a:p>
-          <a:p>
-            <a:pPr lvl="1"/>
-            <a:r>
-              <a:rPr lang="en-US" sz="2000" dirty="0">
-                <a:latin typeface="Selawik Semibold" panose="020B0702040204020203" pitchFamily="34" charset="0"/>
-              </a:rPr>
-              <a:t>Leadership – Ben </a:t>
-            </a:r>
-            <a:r>
-              <a:rPr lang="en-US" sz="2000" dirty="0" err="1">
-                <a:latin typeface="Selawik Semibold" panose="020B0702040204020203" pitchFamily="34" charset="0"/>
-              </a:rPr>
-              <a:t>Alamar</a:t>
-            </a:r>
-            <a:endParaRPr lang="en-US" sz="2000" dirty="0">
-              <a:latin typeface="Selawik Semibold" panose="020B0702040204020203" pitchFamily="34" charset="0"/>
-            </a:endParaRPr>
-          </a:p>
-          <a:p>
-            <a:pPr lvl="1"/>
-            <a:r>
-              <a:rPr lang="en-US" sz="2000" dirty="0">
-                <a:latin typeface="Selawik Semibold" panose="020B0702040204020203" pitchFamily="34" charset="0"/>
-              </a:rPr>
-              <a:t>Humility – Dr. Mario</a:t>
-            </a:r>
-          </a:p>
-          <a:p>
-            <a:pPr lvl="1"/>
-            <a:r>
-              <a:rPr lang="en-US" sz="2000" dirty="0">
-                <a:latin typeface="Selawik Semibold" panose="020B0702040204020203" pitchFamily="34" charset="0"/>
-              </a:rPr>
-              <a:t>Honesty – Dr. Mario</a:t>
-            </a:r>
-          </a:p>
-          <a:p>
-            <a:pPr lvl="1"/>
-            <a:endParaRPr lang="en-US" sz="2000" dirty="0">
-              <a:latin typeface="Selawik Semibold" panose="020B0702040204020203" pitchFamily="34" charset="0"/>
-            </a:endParaRPr>
-          </a:p>
-          <a:p>
-            <a:pPr lvl="1"/>
-            <a:endParaRPr lang="en-US" sz="2000" dirty="0">
-              <a:latin typeface="Selawik Semibold" panose="020B0702040204020203" pitchFamily="34" charset="0"/>
-            </a:endParaRPr>
-          </a:p>
-          <a:p>
-            <a:pPr lvl="1"/>
-            <a:endParaRPr lang="en-US" sz="1600" dirty="0">
-              <a:latin typeface="Selawik Semibold" panose="020B0702040204020203" pitchFamily="34" charset="0"/>
-            </a:endParaRPr>
-          </a:p>
-          <a:p>
-            <a:pPr lvl="1"/>
-            <a:endParaRPr lang="en-US" sz="2000" dirty="0">
-              <a:latin typeface="Selawik Semibold" panose="020B0702040204020203" pitchFamily="34" charset="0"/>
-            </a:endParaRPr>
-          </a:p>
-          <a:p>
-            <a:pPr lvl="1"/>
-            <a:endParaRPr lang="en-US" sz="2000" dirty="0">
-              <a:latin typeface="Selawik Semibold" panose="020B0702040204020203" pitchFamily="34" charset="0"/>
-            </a:endParaRPr>
-          </a:p>
-          <a:p>
-            <a:pPr lvl="1"/>
-            <a:endParaRPr lang="en-US" sz="2000" dirty="0">
-              <a:latin typeface="Selawik Semibold" panose="020B0702040204020203" pitchFamily="34" charset="0"/>
-            </a:endParaRPr>
-          </a:p>
-        </p:txBody>
-      </p:sp>
-      <p:pic>
-        <p:nvPicPr>
-          <p:cNvPr id="4" name="Picture 3" descr="A drawing of a cartoon character&#10;&#10;Description automatically generated">
-            <a:extLst>
-              <a:ext uri="{FF2B5EF4-FFF2-40B4-BE49-F238E27FC236}">
-                <a16:creationId xmlns:a16="http://schemas.microsoft.com/office/drawing/2014/main" id="{A7FDC859-D890-4904-9C64-27F43DA90453}"/>
-              </a:ext>
-            </a:extLst>
-          </p:cNvPr>
-          <p:cNvPicPr>
-            <a:picLocks noChangeAspect="1"/>
-          </p:cNvPicPr>
-          <p:nvPr/>
-        </p:nvPicPr>
-        <p:blipFill rotWithShape="1">
-          <a:blip r:embed="rId3">
-            <a:extLst>
-              <a:ext uri="{28A0092B-C50C-407E-A947-70E740481C1C}">
-                <a14:useLocalDpi xmlns:a14="http://schemas.microsoft.com/office/drawing/2010/main" val="0"/>
-              </a:ext>
-            </a:extLst>
-          </a:blip>
-          <a:srcRect t="5616" r="2" b="2"/>
-          <a:stretch/>
-        </p:blipFill>
-        <p:spPr>
-          <a:xfrm>
-            <a:off x="7471144" y="1700078"/>
-            <a:ext cx="4720855" cy="2583792"/>
-          </a:xfrm>
-          <a:custGeom>
-            <a:avLst/>
-            <a:gdLst>
-              <a:gd name="connsiteX0" fmla="*/ 0 w 5475077"/>
-              <a:gd name="connsiteY0" fmla="*/ 0 h 2583792"/>
-              <a:gd name="connsiteX1" fmla="*/ 5475077 w 5475077"/>
-              <a:gd name="connsiteY1" fmla="*/ 0 h 2583792"/>
-              <a:gd name="connsiteX2" fmla="*/ 5475077 w 5475077"/>
-              <a:gd name="connsiteY2" fmla="*/ 2583792 h 2583792"/>
-              <a:gd name="connsiteX3" fmla="*/ 1197192 w 5475077"/>
-              <a:gd name="connsiteY3" fmla="*/ 2583792 h 2583792"/>
-            </a:gdLst>
-            <a:ahLst/>
-            <a:cxnLst>
-              <a:cxn ang="0">
-                <a:pos x="connsiteX0" y="connsiteY0"/>
-              </a:cxn>
-              <a:cxn ang="0">
-                <a:pos x="connsiteX1" y="connsiteY1"/>
-              </a:cxn>
-              <a:cxn ang="0">
-                <a:pos x="connsiteX2" y="connsiteY2"/>
-              </a:cxn>
-              <a:cxn ang="0">
-                <a:pos x="connsiteX3" y="connsiteY3"/>
-              </a:cxn>
-            </a:cxnLst>
-            <a:rect l="l" t="t" r="r" b="b"/>
-            <a:pathLst>
-              <a:path w="5475077" h="2583792">
-                <a:moveTo>
-                  <a:pt x="0" y="0"/>
-                </a:moveTo>
-                <a:lnTo>
-                  <a:pt x="5475077" y="0"/>
-                </a:lnTo>
-                <a:lnTo>
-                  <a:pt x="5475077" y="2583792"/>
-                </a:lnTo>
-                <a:lnTo>
-                  <a:pt x="1197192" y="2583792"/>
-                </a:lnTo>
-                <a:close/>
-              </a:path>
-            </a:pathLst>
-          </a:custGeom>
-        </p:spPr>
-      </p:pic>
-      <p:pic>
-        <p:nvPicPr>
-          <p:cNvPr id="5" name="Content Placeholder 4" descr="A picture containing indoor&#10;&#10;Description automatically generated">
-            <a:extLst>
-              <a:ext uri="{FF2B5EF4-FFF2-40B4-BE49-F238E27FC236}">
-                <a16:creationId xmlns:a16="http://schemas.microsoft.com/office/drawing/2014/main" id="{A58F0E55-21F3-485B-A07F-1CE74177BDD2}"/>
-              </a:ext>
-            </a:extLst>
-          </p:cNvPr>
-          <p:cNvPicPr>
-            <a:picLocks noChangeAspect="1"/>
-          </p:cNvPicPr>
-          <p:nvPr/>
-        </p:nvPicPr>
-        <p:blipFill rotWithShape="1">
-          <a:blip r:embed="rId4">
-            <a:extLst>
-              <a:ext uri="{28A0092B-C50C-407E-A947-70E740481C1C}">
-                <a14:useLocalDpi xmlns:a14="http://schemas.microsoft.com/office/drawing/2010/main" val="0"/>
-              </a:ext>
-            </a:extLst>
-          </a:blip>
-          <a:srcRect t="5300" r="3" b="6859"/>
-          <a:stretch/>
-        </p:blipFill>
-        <p:spPr>
-          <a:xfrm>
-            <a:off x="8491869" y="4283870"/>
-            <a:ext cx="3700129" cy="2583520"/>
-          </a:xfrm>
-          <a:custGeom>
-            <a:avLst/>
-            <a:gdLst>
-              <a:gd name="connsiteX0" fmla="*/ 0 w 4277884"/>
-              <a:gd name="connsiteY0" fmla="*/ 0 h 2583520"/>
-              <a:gd name="connsiteX1" fmla="*/ 4277884 w 4277884"/>
-              <a:gd name="connsiteY1" fmla="*/ 0 h 2583520"/>
-              <a:gd name="connsiteX2" fmla="*/ 4277884 w 4277884"/>
-              <a:gd name="connsiteY2" fmla="*/ 2583520 h 2583520"/>
-              <a:gd name="connsiteX3" fmla="*/ 1192437 w 4277884"/>
-              <a:gd name="connsiteY3" fmla="*/ 2583520 h 2583520"/>
-              <a:gd name="connsiteX4" fmla="*/ 1188085 w 4277884"/>
-              <a:gd name="connsiteY4" fmla="*/ 2574129 h 2583520"/>
-              <a:gd name="connsiteX5" fmla="*/ 1192715 w 4277884"/>
-              <a:gd name="connsiteY5" fmla="*/ 2574129 h 2583520"/>
-            </a:gdLst>
-            <a:ahLst/>
-            <a:cxnLst>
-              <a:cxn ang="0">
-                <a:pos x="connsiteX0" y="connsiteY0"/>
-              </a:cxn>
-              <a:cxn ang="0">
-                <a:pos x="connsiteX1" y="connsiteY1"/>
-              </a:cxn>
-              <a:cxn ang="0">
-                <a:pos x="connsiteX2" y="connsiteY2"/>
-              </a:cxn>
-              <a:cxn ang="0">
-                <a:pos x="connsiteX3" y="connsiteY3"/>
-              </a:cxn>
-              <a:cxn ang="0">
-                <a:pos x="connsiteX4" y="connsiteY4"/>
-              </a:cxn>
-              <a:cxn ang="0">
-                <a:pos x="connsiteX5" y="connsiteY5"/>
-              </a:cxn>
-            </a:cxnLst>
-            <a:rect l="l" t="t" r="r" b="b"/>
-            <a:pathLst>
-              <a:path w="4277884" h="2583520">
-                <a:moveTo>
-                  <a:pt x="0" y="0"/>
-                </a:moveTo>
-                <a:lnTo>
-                  <a:pt x="4277884" y="0"/>
-                </a:lnTo>
-                <a:lnTo>
-                  <a:pt x="4277884" y="2583520"/>
-                </a:lnTo>
-                <a:lnTo>
-                  <a:pt x="1192437" y="2583520"/>
-                </a:lnTo>
-                <a:lnTo>
-                  <a:pt x="1188085" y="2574129"/>
-                </a:lnTo>
-                <a:lnTo>
-                  <a:pt x="1192715" y="2574129"/>
-                </a:lnTo>
-                <a:close/>
-              </a:path>
-            </a:pathLst>
-          </a:custGeom>
-        </p:spPr>
-      </p:pic>
-      <p:sp>
-        <p:nvSpPr>
-          <p:cNvPr id="6" name="Rectangle 5">
-            <a:extLst>
-              <a:ext uri="{FF2B5EF4-FFF2-40B4-BE49-F238E27FC236}">
-                <a16:creationId xmlns:a16="http://schemas.microsoft.com/office/drawing/2014/main" id="{A2901312-C3C2-4CEC-80EF-823AB4FBB726}"/>
-              </a:ext>
-            </a:extLst>
-          </p:cNvPr>
-          <p:cNvSpPr/>
-          <p:nvPr/>
-        </p:nvSpPr>
-        <p:spPr>
-          <a:xfrm>
-            <a:off x="-1" y="1608918"/>
-            <a:ext cx="12191999" cy="91160"/>
-          </a:xfrm>
-          <a:prstGeom prst="rect">
-            <a:avLst/>
-          </a:prstGeom>
-          <a:solidFill>
-            <a:schemeClr val="bg1"/>
-          </a:solidFill>
-          <a:ln>
-            <a:noFill/>
-          </a:ln>
-        </p:spPr>
-        <p:style>
-          <a:lnRef idx="2">
-            <a:schemeClr val="accent1">
-              <a:shade val="50000"/>
-            </a:schemeClr>
-          </a:lnRef>
-          <a:fillRef idx="1">
-            <a:schemeClr val="accent1"/>
-          </a:fillRef>
-          <a:effectRef idx="0">
-            <a:schemeClr val="accent1"/>
-          </a:effectRef>
-          <a:fontRef idx="minor">
-            <a:schemeClr val="lt1"/>
-          </a:fontRef>
-        </p:style>
-        <p:txBody>
-          <a:bodyPr rtlCol="0" anchor="ctr"/>
-          <a:lstStyle/>
-          <a:p>
-            <a:pPr algn="ctr"/>
-            <a:endParaRPr lang="en-US">
-              <a:solidFill>
-                <a:srgbClr val="DB5B5C"/>
-              </a:solidFill>
-            </a:endParaRPr>
-          </a:p>
-        </p:txBody>
-      </p:sp>
-      <p:sp>
-        <p:nvSpPr>
-          <p:cNvPr id="15" name="Rectangle 14">
-            <a:extLst>
-              <a:ext uri="{FF2B5EF4-FFF2-40B4-BE49-F238E27FC236}">
-                <a16:creationId xmlns:a16="http://schemas.microsoft.com/office/drawing/2014/main" id="{AD0A7C9C-CA2C-4B9B-A125-2D09D5573B44}"/>
-              </a:ext>
-            </a:extLst>
-          </p:cNvPr>
-          <p:cNvSpPr/>
-          <p:nvPr/>
-        </p:nvSpPr>
-        <p:spPr>
-          <a:xfrm>
-            <a:off x="1" y="6677247"/>
-            <a:ext cx="12191999" cy="190143"/>
-          </a:xfrm>
-          <a:prstGeom prst="rect">
-            <a:avLst/>
-          </a:prstGeom>
-          <a:solidFill>
-            <a:schemeClr val="bg1"/>
-          </a:solidFill>
-          <a:ln>
-            <a:noFill/>
-          </a:ln>
-        </p:spPr>
-        <p:style>
-          <a:lnRef idx="2">
-            <a:schemeClr val="accent1">
-              <a:shade val="50000"/>
-            </a:schemeClr>
-          </a:lnRef>
-          <a:fillRef idx="1">
-            <a:schemeClr val="accent1"/>
-          </a:fillRef>
-          <a:effectRef idx="0">
-            <a:schemeClr val="accent1"/>
-          </a:effectRef>
-          <a:fontRef idx="minor">
-            <a:schemeClr val="lt1"/>
-          </a:fontRef>
-        </p:style>
-        <p:txBody>
-          <a:bodyPr rtlCol="0" anchor="ctr"/>
-          <a:lstStyle/>
-          <a:p>
-            <a:pPr algn="ctr"/>
-            <a:endParaRPr lang="en-US">
-              <a:solidFill>
-                <a:srgbClr val="DB5B5C"/>
-              </a:solidFill>
-            </a:endParaRPr>
-          </a:p>
-        </p:txBody>
-      </p:sp>
-      <p:sp>
-        <p:nvSpPr>
-          <p:cNvPr id="16" name="Rectangle 15">
-            <a:extLst>
-              <a:ext uri="{FF2B5EF4-FFF2-40B4-BE49-F238E27FC236}">
-                <a16:creationId xmlns:a16="http://schemas.microsoft.com/office/drawing/2014/main" id="{74A085FC-1866-46D4-97F7-51AA45E48D4F}"/>
-              </a:ext>
-            </a:extLst>
-          </p:cNvPr>
-          <p:cNvSpPr/>
-          <p:nvPr/>
-        </p:nvSpPr>
-        <p:spPr>
-          <a:xfrm rot="4092292">
-            <a:off x="5790668" y="4094517"/>
-            <a:ext cx="5446699" cy="137038"/>
-          </a:xfrm>
-          <a:prstGeom prst="rect">
-            <a:avLst/>
-          </a:prstGeom>
-          <a:solidFill>
-            <a:schemeClr val="bg1"/>
-          </a:solidFill>
-          <a:ln>
-            <a:noFill/>
-          </a:ln>
-        </p:spPr>
-        <p:style>
-          <a:lnRef idx="2">
-            <a:schemeClr val="accent1">
-              <a:shade val="50000"/>
-            </a:schemeClr>
-          </a:lnRef>
-          <a:fillRef idx="1">
-            <a:schemeClr val="accent1"/>
-          </a:fillRef>
-          <a:effectRef idx="0">
-            <a:schemeClr val="accent1"/>
-          </a:effectRef>
-          <a:fontRef idx="minor">
-            <a:schemeClr val="lt1"/>
-          </a:fontRef>
-        </p:style>
-        <p:txBody>
-          <a:bodyPr rtlCol="0" anchor="ctr"/>
-          <a:lstStyle/>
-          <a:p>
-            <a:pPr algn="ctr"/>
-            <a:endParaRPr lang="en-US">
-              <a:solidFill>
-                <a:srgbClr val="DB5B5C"/>
-              </a:solidFill>
-            </a:endParaRPr>
-          </a:p>
-        </p:txBody>
-      </p:sp>
     </p:spTree>
     <p:extLst>
       <p:ext uri="{BB962C8B-B14F-4D97-AF65-F5344CB8AC3E}">
@@ -17721,7 +16489,7 @@
 </p:sld>
 </file>
 
-<file path=ppt/slides/slide28.xml><?xml version="1.0" encoding="utf-8"?>
+<file path=ppt/slides/slide26.xml><?xml version="1.0" encoding="utf-8"?>
 <p:sld xmlns:a="http://schemas.openxmlformats.org/drawingml/2006/main" xmlns:r="http://schemas.openxmlformats.org/officeDocument/2006/relationships" xmlns:p="http://schemas.openxmlformats.org/presentationml/2006/main">
   <p:cSld>
     <p:bg>
@@ -18480,7 +17248,7 @@
               <a:rPr lang="en-US" sz="2400" dirty="0">
                 <a:latin typeface="Selawik Semibold" panose="020B0702040204020203" pitchFamily="34" charset="0"/>
               </a:rPr>
-              <a:t>89 Responses (Thank You!!)</a:t>
+              <a:t>75 Responses (Thank You!!)</a:t>
             </a:r>
           </a:p>
           <a:p>
@@ -18496,7 +17264,7 @@
               <a:rPr lang="en-US" sz="2400" dirty="0">
                 <a:latin typeface="Selawik Semibold" panose="020B0702040204020203" pitchFamily="34" charset="0"/>
               </a:rPr>
-              <a:t>Majority are Seniors (60/89)</a:t>
+              <a:t>Majority are Seniors (43/89)</a:t>
             </a:r>
           </a:p>
           <a:p>
@@ -18509,7 +17277,7 @@
               <a:rPr lang="en-US" sz="2400" dirty="0">
                 <a:latin typeface="Selawik Semibold" panose="020B0702040204020203" pitchFamily="34" charset="0"/>
               </a:rPr>
-              <a:t>Others are Juniors (29/89)</a:t>
+              <a:t>Others are Juniors (25/89)</a:t>
             </a:r>
             <a:endParaRPr lang="en-US" sz="1600" dirty="0">
               <a:latin typeface="Selawik Semibold" panose="020B0702040204020203" pitchFamily="34" charset="0"/>
@@ -18519,6 +17287,27 @@
             <a:endParaRPr lang="en-US" sz="2400" dirty="0">
               <a:latin typeface="Selawik Semibold" panose="020B0702040204020203" pitchFamily="34" charset="0"/>
             </a:endParaRPr>
+          </a:p>
+          <a:p>
+            <a:r>
+              <a:rPr lang="en-US" sz="2400" dirty="0">
+                <a:latin typeface="Selawik Semibold" panose="020B0702040204020203" pitchFamily="34" charset="0"/>
+              </a:rPr>
+              <a:t>Some are Sophomores (6/89)</a:t>
+            </a:r>
+          </a:p>
+          <a:p>
+            <a:endParaRPr lang="en-US" sz="2400" dirty="0">
+              <a:latin typeface="Selawik Semibold" panose="020B0702040204020203" pitchFamily="34" charset="0"/>
+            </a:endParaRPr>
+          </a:p>
+          <a:p>
+            <a:r>
+              <a:rPr lang="en-US" sz="2400" dirty="0">
+                <a:latin typeface="Selawik Semibold" panose="020B0702040204020203" pitchFamily="34" charset="0"/>
+              </a:rPr>
+              <a:t>Other = 1</a:t>
+            </a:r>
           </a:p>
         </p:txBody>
       </p:sp>
@@ -19384,10 +18173,10 @@
       </p:sp>
       <p:pic>
         <p:nvPicPr>
-          <p:cNvPr id="10" name="Picture 9" descr="A graph of a graph of a number of squares&#10;&#10;Description automatically generated with medium confidence">
-            <a:extLst>
-              <a:ext uri="{FF2B5EF4-FFF2-40B4-BE49-F238E27FC236}">
-                <a16:creationId xmlns:a16="http://schemas.microsoft.com/office/drawing/2014/main" id="{82F96C63-1E9C-A2D9-5CA0-3EB23DB83E7A}"/>
+          <p:cNvPr id="7" name="Picture 6" descr="A graph of a number of gray rectangular objects&#10;&#10;Description automatically generated with medium confidence">
+            <a:extLst>
+              <a:ext uri="{FF2B5EF4-FFF2-40B4-BE49-F238E27FC236}">
+                <a16:creationId xmlns:a16="http://schemas.microsoft.com/office/drawing/2014/main" id="{59EE551D-9842-DE1B-53C8-A208ABBB1CA7}"/>
               </a:ext>
             </a:extLst>
           </p:cNvPr>
@@ -19410,8 +18199,8 @@
         </p:blipFill>
         <p:spPr>
           <a:xfrm>
-            <a:off x="86311" y="1709468"/>
-            <a:ext cx="7451669" cy="4967779"/>
+            <a:off x="1090" y="1714593"/>
+            <a:ext cx="7422207" cy="4948138"/>
           </a:xfrm>
           <a:prstGeom prst="rect">
             <a:avLst/>
@@ -19966,14 +18755,53 @@
         </p:blipFill>
         <p:spPr>
           <a:xfrm>
-            <a:off x="74135" y="1704326"/>
-            <a:ext cx="7477947" cy="4985298"/>
+            <a:off x="-4" y="1700078"/>
+            <a:ext cx="7471145" cy="4980763"/>
           </a:xfrm>
           <a:prstGeom prst="rect">
             <a:avLst/>
           </a:prstGeom>
         </p:spPr>
       </p:pic>
+      <p:sp>
+        <p:nvSpPr>
+          <p:cNvPr id="8" name="TextBox 7">
+            <a:extLst>
+              <a:ext uri="{FF2B5EF4-FFF2-40B4-BE49-F238E27FC236}">
+                <a16:creationId xmlns:a16="http://schemas.microsoft.com/office/drawing/2014/main" id="{01491AED-71E8-4EC4-98B3-96EDC37F9D32}"/>
+              </a:ext>
+            </a:extLst>
+          </p:cNvPr>
+          <p:cNvSpPr txBox="1"/>
+          <p:nvPr/>
+        </p:nvSpPr>
+        <p:spPr>
+          <a:xfrm>
+            <a:off x="5074076" y="3299606"/>
+            <a:ext cx="2119281" cy="369332"/>
+          </a:xfrm>
+          <a:prstGeom prst="rect">
+            <a:avLst/>
+          </a:prstGeom>
+          <a:noFill/>
+        </p:spPr>
+        <p:txBody>
+          <a:bodyPr wrap="square" rtlCol="0">
+            <a:spAutoFit/>
+          </a:bodyPr>
+          <a:lstStyle/>
+          <a:p>
+            <a:r>
+              <a:rPr lang="en-US" dirty="0">
+                <a:solidFill>
+                  <a:schemeClr val="bg1"/>
+                </a:solidFill>
+              </a:rPr>
+              <a:t>Data From 2024</a:t>
+            </a:r>
+          </a:p>
+        </p:txBody>
+      </p:sp>
     </p:spTree>
     <p:extLst>
       <p:ext uri="{BB962C8B-B14F-4D97-AF65-F5344CB8AC3E}">
@@ -20000,7 +18828,13 @@
     </p:bg>
     <p:spTree>
       <p:nvGrpSpPr>
-        <p:cNvPr id="1" name=""/>
+        <p:cNvPr id="1" name="">
+          <a:extLst>
+            <a:ext uri="{FF2B5EF4-FFF2-40B4-BE49-F238E27FC236}">
+              <a16:creationId xmlns:a16="http://schemas.microsoft.com/office/drawing/2014/main" id="{AE111337-C09B-594F-C8A4-608599218ED1}"/>
+            </a:ext>
+          </a:extLst>
+        </p:cNvPr>
         <p:cNvGrpSpPr/>
         <p:nvPr/>
       </p:nvGrpSpPr>
@@ -20017,7 +18851,7 @@
           <p:cNvPr id="25" name="Rectangle 24">
             <a:extLst>
               <a:ext uri="{FF2B5EF4-FFF2-40B4-BE49-F238E27FC236}">
-                <a16:creationId xmlns:a16="http://schemas.microsoft.com/office/drawing/2014/main" id="{A6792F05-2FD4-4F18-815E-15391E8B4A0E}"/>
+                <a16:creationId xmlns:a16="http://schemas.microsoft.com/office/drawing/2014/main" id="{7A9F3628-4610-BC6F-48E3-B83EF8A84F27}"/>
               </a:ext>
               <a:ext uri="{C183D7F6-B498-43B3-948B-1728B52AA6E4}">
                 <adec:decorative xmlns:adec="http://schemas.microsoft.com/office/drawing/2017/decorative" val="1"/>
@@ -20080,7 +18914,7 @@
           <p:cNvPr id="2" name="Title 1">
             <a:extLst>
               <a:ext uri="{FF2B5EF4-FFF2-40B4-BE49-F238E27FC236}">
-                <a16:creationId xmlns:a16="http://schemas.microsoft.com/office/drawing/2014/main" id="{2589AFCC-0FF0-498C-B11F-8990DF0DAAA5}"/>
+                <a16:creationId xmlns:a16="http://schemas.microsoft.com/office/drawing/2014/main" id="{22FC2EB7-4826-EB23-D4AE-160D0238B8A3}"/>
               </a:ext>
             </a:extLst>
           </p:cNvPr>
@@ -20107,17 +18941,231 @@
               <a:rPr lang="en-US" b="1" dirty="0">
                 <a:latin typeface="Selawik Semibold" panose="020B0604020202020204" pitchFamily="34" charset="0"/>
               </a:rPr>
-              <a:t>Survey Results: Watched</a:t>
-            </a:r>
-          </a:p>
-        </p:txBody>
-      </p:sp>
+              <a:t>Survey Results: Goal After Graduation</a:t>
+            </a:r>
+          </a:p>
+        </p:txBody>
+      </p:sp>
+      <p:sp>
+        <p:nvSpPr>
+          <p:cNvPr id="9" name="Content Placeholder 8">
+            <a:extLst>
+              <a:ext uri="{FF2B5EF4-FFF2-40B4-BE49-F238E27FC236}">
+                <a16:creationId xmlns:a16="http://schemas.microsoft.com/office/drawing/2014/main" id="{34C1F6BB-CDA6-4970-A4C6-79705BC26E1C}"/>
+              </a:ext>
+            </a:extLst>
+          </p:cNvPr>
+          <p:cNvSpPr>
+            <a:spLocks noGrp="1"/>
+          </p:cNvSpPr>
+          <p:nvPr>
+            <p:ph idx="1"/>
+          </p:nvPr>
+        </p:nvSpPr>
+        <p:spPr>
+          <a:xfrm>
+            <a:off x="838200" y="2021249"/>
+            <a:ext cx="6369424" cy="4574533"/>
+          </a:xfrm>
+        </p:spPr>
+        <p:txBody>
+          <a:bodyPr>
+            <a:normAutofit/>
+          </a:bodyPr>
+          <a:lstStyle/>
+          <a:p>
+            <a:pPr marL="457200" lvl="1" indent="0">
+              <a:buNone/>
+            </a:pPr>
+            <a:endParaRPr lang="en-US" sz="1600" dirty="0">
+              <a:latin typeface="Selawik Semibold" panose="020B0702040204020203" pitchFamily="34" charset="0"/>
+            </a:endParaRPr>
+          </a:p>
+          <a:p>
+            <a:endParaRPr lang="en-US" sz="2400" dirty="0">
+              <a:latin typeface="Selawik Semibold" panose="020B0702040204020203" pitchFamily="34" charset="0"/>
+            </a:endParaRPr>
+          </a:p>
+        </p:txBody>
+      </p:sp>
+      <p:pic>
+        <p:nvPicPr>
+          <p:cNvPr id="4" name="Picture 3" descr="A drawing of a cartoon character&#10;&#10;Description automatically generated">
+            <a:extLst>
+              <a:ext uri="{FF2B5EF4-FFF2-40B4-BE49-F238E27FC236}">
+                <a16:creationId xmlns:a16="http://schemas.microsoft.com/office/drawing/2014/main" id="{79516073-55A9-EF6A-92FA-C7CF80AAFB5B}"/>
+              </a:ext>
+            </a:extLst>
+          </p:cNvPr>
+          <p:cNvPicPr>
+            <a:picLocks noChangeAspect="1"/>
+          </p:cNvPicPr>
+          <p:nvPr/>
+        </p:nvPicPr>
+        <p:blipFill rotWithShape="1">
+          <a:blip r:embed="rId3">
+            <a:extLst>
+              <a:ext uri="{28A0092B-C50C-407E-A947-70E740481C1C}">
+                <a14:useLocalDpi xmlns:a14="http://schemas.microsoft.com/office/drawing/2010/main" val="0"/>
+              </a:ext>
+            </a:extLst>
+          </a:blip>
+          <a:srcRect t="5616" r="2" b="2"/>
+          <a:stretch/>
+        </p:blipFill>
+        <p:spPr>
+          <a:xfrm>
+            <a:off x="7471144" y="1700078"/>
+            <a:ext cx="4720855" cy="2583792"/>
+          </a:xfrm>
+          <a:custGeom>
+            <a:avLst/>
+            <a:gdLst>
+              <a:gd name="connsiteX0" fmla="*/ 0 w 5475077"/>
+              <a:gd name="connsiteY0" fmla="*/ 0 h 2583792"/>
+              <a:gd name="connsiteX1" fmla="*/ 5475077 w 5475077"/>
+              <a:gd name="connsiteY1" fmla="*/ 0 h 2583792"/>
+              <a:gd name="connsiteX2" fmla="*/ 5475077 w 5475077"/>
+              <a:gd name="connsiteY2" fmla="*/ 2583792 h 2583792"/>
+              <a:gd name="connsiteX3" fmla="*/ 1197192 w 5475077"/>
+              <a:gd name="connsiteY3" fmla="*/ 2583792 h 2583792"/>
+            </a:gdLst>
+            <a:ahLst/>
+            <a:cxnLst>
+              <a:cxn ang="0">
+                <a:pos x="connsiteX0" y="connsiteY0"/>
+              </a:cxn>
+              <a:cxn ang="0">
+                <a:pos x="connsiteX1" y="connsiteY1"/>
+              </a:cxn>
+              <a:cxn ang="0">
+                <a:pos x="connsiteX2" y="connsiteY2"/>
+              </a:cxn>
+              <a:cxn ang="0">
+                <a:pos x="connsiteX3" y="connsiteY3"/>
+              </a:cxn>
+            </a:cxnLst>
+            <a:rect l="l" t="t" r="r" b="b"/>
+            <a:pathLst>
+              <a:path w="5475077" h="2583792">
+                <a:moveTo>
+                  <a:pt x="0" y="0"/>
+                </a:moveTo>
+                <a:lnTo>
+                  <a:pt x="5475077" y="0"/>
+                </a:lnTo>
+                <a:lnTo>
+                  <a:pt x="5475077" y="2583792"/>
+                </a:lnTo>
+                <a:lnTo>
+                  <a:pt x="1197192" y="2583792"/>
+                </a:lnTo>
+                <a:close/>
+              </a:path>
+            </a:pathLst>
+          </a:custGeom>
+        </p:spPr>
+      </p:pic>
+      <p:pic>
+        <p:nvPicPr>
+          <p:cNvPr id="5" name="Content Placeholder 4" descr="A picture containing indoor&#10;&#10;Description automatically generated">
+            <a:extLst>
+              <a:ext uri="{FF2B5EF4-FFF2-40B4-BE49-F238E27FC236}">
+                <a16:creationId xmlns:a16="http://schemas.microsoft.com/office/drawing/2014/main" id="{FEA0993C-6B1E-5556-FEB0-07AD313AC1B3}"/>
+              </a:ext>
+            </a:extLst>
+          </p:cNvPr>
+          <p:cNvPicPr>
+            <a:picLocks noChangeAspect="1"/>
+          </p:cNvPicPr>
+          <p:nvPr/>
+        </p:nvPicPr>
+        <p:blipFill rotWithShape="1">
+          <a:blip r:embed="rId4">
+            <a:extLst>
+              <a:ext uri="{28A0092B-C50C-407E-A947-70E740481C1C}">
+                <a14:useLocalDpi xmlns:a14="http://schemas.microsoft.com/office/drawing/2010/main" val="0"/>
+              </a:ext>
+            </a:extLst>
+          </a:blip>
+          <a:srcRect t="5300" r="3" b="6859"/>
+          <a:stretch/>
+        </p:blipFill>
+        <p:spPr>
+          <a:xfrm>
+            <a:off x="8491869" y="4283870"/>
+            <a:ext cx="3700129" cy="2583520"/>
+          </a:xfrm>
+          <a:custGeom>
+            <a:avLst/>
+            <a:gdLst>
+              <a:gd name="connsiteX0" fmla="*/ 0 w 4277884"/>
+              <a:gd name="connsiteY0" fmla="*/ 0 h 2583520"/>
+              <a:gd name="connsiteX1" fmla="*/ 4277884 w 4277884"/>
+              <a:gd name="connsiteY1" fmla="*/ 0 h 2583520"/>
+              <a:gd name="connsiteX2" fmla="*/ 4277884 w 4277884"/>
+              <a:gd name="connsiteY2" fmla="*/ 2583520 h 2583520"/>
+              <a:gd name="connsiteX3" fmla="*/ 1192437 w 4277884"/>
+              <a:gd name="connsiteY3" fmla="*/ 2583520 h 2583520"/>
+              <a:gd name="connsiteX4" fmla="*/ 1188085 w 4277884"/>
+              <a:gd name="connsiteY4" fmla="*/ 2574129 h 2583520"/>
+              <a:gd name="connsiteX5" fmla="*/ 1192715 w 4277884"/>
+              <a:gd name="connsiteY5" fmla="*/ 2574129 h 2583520"/>
+            </a:gdLst>
+            <a:ahLst/>
+            <a:cxnLst>
+              <a:cxn ang="0">
+                <a:pos x="connsiteX0" y="connsiteY0"/>
+              </a:cxn>
+              <a:cxn ang="0">
+                <a:pos x="connsiteX1" y="connsiteY1"/>
+              </a:cxn>
+              <a:cxn ang="0">
+                <a:pos x="connsiteX2" y="connsiteY2"/>
+              </a:cxn>
+              <a:cxn ang="0">
+                <a:pos x="connsiteX3" y="connsiteY3"/>
+              </a:cxn>
+              <a:cxn ang="0">
+                <a:pos x="connsiteX4" y="connsiteY4"/>
+              </a:cxn>
+              <a:cxn ang="0">
+                <a:pos x="connsiteX5" y="connsiteY5"/>
+              </a:cxn>
+            </a:cxnLst>
+            <a:rect l="l" t="t" r="r" b="b"/>
+            <a:pathLst>
+              <a:path w="4277884" h="2583520">
+                <a:moveTo>
+                  <a:pt x="0" y="0"/>
+                </a:moveTo>
+                <a:lnTo>
+                  <a:pt x="4277884" y="0"/>
+                </a:lnTo>
+                <a:lnTo>
+                  <a:pt x="4277884" y="2583520"/>
+                </a:lnTo>
+                <a:lnTo>
+                  <a:pt x="1192437" y="2583520"/>
+                </a:lnTo>
+                <a:lnTo>
+                  <a:pt x="1188085" y="2574129"/>
+                </a:lnTo>
+                <a:lnTo>
+                  <a:pt x="1192715" y="2574129"/>
+                </a:lnTo>
+                <a:close/>
+              </a:path>
+            </a:pathLst>
+          </a:custGeom>
+        </p:spPr>
+      </p:pic>
       <p:sp>
         <p:nvSpPr>
           <p:cNvPr id="6" name="Rectangle 5">
             <a:extLst>
               <a:ext uri="{FF2B5EF4-FFF2-40B4-BE49-F238E27FC236}">
-                <a16:creationId xmlns:a16="http://schemas.microsoft.com/office/drawing/2014/main" id="{A2901312-C3C2-4CEC-80EF-823AB4FBB726}"/>
+                <a16:creationId xmlns:a16="http://schemas.microsoft.com/office/drawing/2014/main" id="{77151D4B-F807-3510-EF8F-099218F7345A}"/>
               </a:ext>
             </a:extLst>
           </p:cNvPr>
@@ -20173,7 +19221,7 @@
           <p:cNvPr id="15" name="Rectangle 14">
             <a:extLst>
               <a:ext uri="{FF2B5EF4-FFF2-40B4-BE49-F238E27FC236}">
-                <a16:creationId xmlns:a16="http://schemas.microsoft.com/office/drawing/2014/main" id="{AD0A7C9C-CA2C-4B9B-A125-2D09D5573B44}"/>
+                <a16:creationId xmlns:a16="http://schemas.microsoft.com/office/drawing/2014/main" id="{3260A1A1-2616-57C0-7AB6-55781E518AAE}"/>
               </a:ext>
             </a:extLst>
           </p:cNvPr>
@@ -20224,12 +19272,68 @@
           </a:p>
         </p:txBody>
       </p:sp>
+      <p:sp>
+        <p:nvSpPr>
+          <p:cNvPr id="16" name="Rectangle 15">
+            <a:extLst>
+              <a:ext uri="{FF2B5EF4-FFF2-40B4-BE49-F238E27FC236}">
+                <a16:creationId xmlns:a16="http://schemas.microsoft.com/office/drawing/2014/main" id="{7BDCDDF6-33B2-1B30-CACF-8584E25CAAD1}"/>
+              </a:ext>
+            </a:extLst>
+          </p:cNvPr>
+          <p:cNvSpPr/>
+          <p:nvPr/>
+        </p:nvSpPr>
+        <p:spPr>
+          <a:xfrm rot="4092292">
+            <a:off x="5790668" y="4094517"/>
+            <a:ext cx="5446699" cy="137038"/>
+          </a:xfrm>
+          <a:prstGeom prst="rect">
+            <a:avLst/>
+          </a:prstGeom>
+          <a:solidFill>
+            <a:schemeClr val="bg1"/>
+          </a:solidFill>
+          <a:ln>
+            <a:noFill/>
+          </a:ln>
+        </p:spPr>
+        <p:style>
+          <a:lnRef idx="2">
+            <a:schemeClr val="accent1">
+              <a:shade val="50000"/>
+            </a:schemeClr>
+          </a:lnRef>
+          <a:fillRef idx="1">
+            <a:schemeClr val="accent1"/>
+          </a:fillRef>
+          <a:effectRef idx="0">
+            <a:schemeClr val="accent1"/>
+          </a:effectRef>
+          <a:fontRef idx="minor">
+            <a:schemeClr val="lt1"/>
+          </a:fontRef>
+        </p:style>
+        <p:txBody>
+          <a:bodyPr rtlCol="0" anchor="ctr"/>
+          <a:lstStyle/>
+          <a:p>
+            <a:pPr algn="ctr"/>
+            <a:endParaRPr lang="en-US">
+              <a:solidFill>
+                <a:srgbClr val="DB5B5C"/>
+              </a:solidFill>
+            </a:endParaRPr>
+          </a:p>
+        </p:txBody>
+      </p:sp>
       <p:pic>
         <p:nvPicPr>
-          <p:cNvPr id="7" name="Picture 6" descr="A graph of sports watching&#10;&#10;Description automatically generated with medium confidence">
-            <a:extLst>
-              <a:ext uri="{FF2B5EF4-FFF2-40B4-BE49-F238E27FC236}">
-                <a16:creationId xmlns:a16="http://schemas.microsoft.com/office/drawing/2014/main" id="{D9BA7513-45EC-928D-251F-A331075974FC}"/>
+          <p:cNvPr id="7" name="Picture 6" descr="A graph of a graduation goal&#10;&#10;Description automatically generated">
+            <a:extLst>
+              <a:ext uri="{FF2B5EF4-FFF2-40B4-BE49-F238E27FC236}">
+                <a16:creationId xmlns:a16="http://schemas.microsoft.com/office/drawing/2014/main" id="{2E5EFED4-046B-E2E6-A3F6-F44CA1E30904}"/>
               </a:ext>
             </a:extLst>
           </p:cNvPr>
@@ -20239,7 +19343,7 @@
           <p:nvPr/>
         </p:nvPicPr>
         <p:blipFill>
-          <a:blip r:embed="rId2">
+          <a:blip r:embed="rId5">
             <a:extLst>
               <a:ext uri="{28A0092B-C50C-407E-A947-70E740481C1C}">
                 <a14:useLocalDpi xmlns:a14="http://schemas.microsoft.com/office/drawing/2010/main" val="0"/>
@@ -20252,57 +19356,18 @@
         </p:blipFill>
         <p:spPr>
           <a:xfrm>
-            <a:off x="1794747" y="1356041"/>
-            <a:ext cx="8124416" cy="5416277"/>
+            <a:off x="44753" y="1696013"/>
+            <a:ext cx="7477949" cy="4985299"/>
           </a:xfrm>
           <a:prstGeom prst="rect">
             <a:avLst/>
           </a:prstGeom>
         </p:spPr>
       </p:pic>
-      <p:sp>
-        <p:nvSpPr>
-          <p:cNvPr id="9" name="TextBox 8">
-            <a:extLst>
-              <a:ext uri="{FF2B5EF4-FFF2-40B4-BE49-F238E27FC236}">
-                <a16:creationId xmlns:a16="http://schemas.microsoft.com/office/drawing/2014/main" id="{DA89D491-8FC2-4F8B-210C-1032F4F3BBEA}"/>
-              </a:ext>
-            </a:extLst>
-          </p:cNvPr>
-          <p:cNvSpPr txBox="1"/>
-          <p:nvPr/>
-        </p:nvSpPr>
-        <p:spPr>
-          <a:xfrm>
-            <a:off x="2484446" y="3357665"/>
-            <a:ext cx="3447091" cy="830997"/>
-          </a:xfrm>
-          <a:prstGeom prst="rect">
-            <a:avLst/>
-          </a:prstGeom>
-          <a:noFill/>
-        </p:spPr>
-        <p:txBody>
-          <a:bodyPr wrap="square" rtlCol="0">
-            <a:spAutoFit/>
-          </a:bodyPr>
-          <a:lstStyle/>
-          <a:p>
-            <a:r>
-              <a:rPr lang="en-US" sz="2400" b="1" dirty="0">
-                <a:solidFill>
-                  <a:schemeClr val="bg1"/>
-                </a:solidFill>
-              </a:rPr>
-              <a:t>55 Unique Sports Represented</a:t>
-            </a:r>
-          </a:p>
-        </p:txBody>
-      </p:sp>
     </p:spTree>
     <p:extLst>
       <p:ext uri="{BB962C8B-B14F-4D97-AF65-F5344CB8AC3E}">
-        <p14:creationId xmlns:p14="http://schemas.microsoft.com/office/powerpoint/2010/main" val="304653770"/>
+        <p14:creationId xmlns:p14="http://schemas.microsoft.com/office/powerpoint/2010/main" val="2397515417"/>
       </p:ext>
     </p:extLst>
   </p:cSld>
@@ -20432,7 +19497,7 @@
               <a:rPr lang="en-US" b="1" dirty="0">
                 <a:latin typeface="Selawik Semibold" panose="020B0604020202020204" pitchFamily="34" charset="0"/>
               </a:rPr>
-              <a:t>Survey Results: Played</a:t>
+              <a:t>Survey Results: Watched</a:t>
             </a:r>
           </a:p>
         </p:txBody>
@@ -20551,10 +19616,10 @@
       </p:sp>
       <p:pic>
         <p:nvPicPr>
-          <p:cNvPr id="17" name="Picture 16" descr="A graph of a sports game&#10;&#10;Description automatically generated">
-            <a:extLst>
-              <a:ext uri="{FF2B5EF4-FFF2-40B4-BE49-F238E27FC236}">
-                <a16:creationId xmlns:a16="http://schemas.microsoft.com/office/drawing/2014/main" id="{3B5D7427-7418-FF0D-1A29-039CF1BC80E9}"/>
+          <p:cNvPr id="4" name="Picture 3" descr="A graph of sports watching&#10;&#10;Description automatically generated">
+            <a:extLst>
+              <a:ext uri="{FF2B5EF4-FFF2-40B4-BE49-F238E27FC236}">
+                <a16:creationId xmlns:a16="http://schemas.microsoft.com/office/drawing/2014/main" id="{AEDBECC6-8185-3E3E-9F5F-3FB938E1BEF5}"/>
               </a:ext>
             </a:extLst>
           </p:cNvPr>
@@ -20577,8 +19642,8 @@
         </p:blipFill>
         <p:spPr>
           <a:xfrm>
-            <a:off x="2065680" y="1446375"/>
-            <a:ext cx="8060635" cy="5373757"/>
+            <a:off x="936646" y="1436221"/>
+            <a:ext cx="8132669" cy="5421779"/>
           </a:xfrm>
           <a:prstGeom prst="rect">
             <a:avLst/>
@@ -20590,7 +19655,7 @@
           <p:cNvPr id="9" name="TextBox 8">
             <a:extLst>
               <a:ext uri="{FF2B5EF4-FFF2-40B4-BE49-F238E27FC236}">
-                <a16:creationId xmlns:a16="http://schemas.microsoft.com/office/drawing/2014/main" id="{4FA6BE3B-023D-B2E9-F739-53D7AAA11D03}"/>
+                <a16:creationId xmlns:a16="http://schemas.microsoft.com/office/drawing/2014/main" id="{DA89D491-8FC2-4F8B-210C-1032F4F3BBEA}"/>
               </a:ext>
             </a:extLst>
           </p:cNvPr>
@@ -20599,7 +19664,7 @@
         </p:nvSpPr>
         <p:spPr>
           <a:xfrm>
-            <a:off x="2862133" y="3057159"/>
+            <a:off x="2490583" y="2682605"/>
             <a:ext cx="3447091" cy="830997"/>
           </a:xfrm>
           <a:prstGeom prst="rect">
@@ -20619,7 +19684,7 @@
                   <a:schemeClr val="bg1"/>
                 </a:solidFill>
               </a:rPr>
-              <a:t>49 Unique Sports Represented</a:t>
+              <a:t>56 Unique Sports Represented</a:t>
             </a:r>
           </a:p>
         </p:txBody>
@@ -20627,7 +19692,7 @@
     </p:spTree>
     <p:extLst>
       <p:ext uri="{BB962C8B-B14F-4D97-AF65-F5344CB8AC3E}">
-        <p14:creationId xmlns:p14="http://schemas.microsoft.com/office/powerpoint/2010/main" val="142465839"/>
+        <p14:creationId xmlns:p14="http://schemas.microsoft.com/office/powerpoint/2010/main" val="304653770"/>
       </p:ext>
     </p:extLst>
   </p:cSld>
@@ -20757,7 +19822,7 @@
               <a:rPr lang="en-US" b="1" dirty="0">
                 <a:latin typeface="Selawik Semibold" panose="020B0604020202020204" pitchFamily="34" charset="0"/>
               </a:rPr>
-              <a:t>Survey Results: Combined</a:t>
+              <a:t>Survey Results: Played</a:t>
             </a:r>
           </a:p>
         </p:txBody>
@@ -20876,10 +19941,10 @@
       </p:sp>
       <p:pic>
         <p:nvPicPr>
-          <p:cNvPr id="4" name="Picture 3" descr="A red and blue graph&#10;&#10;Description automatically generated">
-            <a:extLst>
-              <a:ext uri="{FF2B5EF4-FFF2-40B4-BE49-F238E27FC236}">
-                <a16:creationId xmlns:a16="http://schemas.microsoft.com/office/drawing/2014/main" id="{A12763D8-EA53-8B8E-2943-F049B61FEF84}"/>
+          <p:cNvPr id="4" name="Picture 3" descr="A graph of a sports game&#10;&#10;Description automatically generated with medium confidence">
+            <a:extLst>
+              <a:ext uri="{FF2B5EF4-FFF2-40B4-BE49-F238E27FC236}">
+                <a16:creationId xmlns:a16="http://schemas.microsoft.com/office/drawing/2014/main" id="{61D0604B-D6AE-3DF4-F98B-68995CE896A0}"/>
               </a:ext>
             </a:extLst>
           </p:cNvPr>
@@ -20902,8 +19967,8 @@
         </p:blipFill>
         <p:spPr>
           <a:xfrm>
-            <a:off x="541680" y="1313072"/>
-            <a:ext cx="11108635" cy="5554318"/>
+            <a:off x="912608" y="1434693"/>
+            <a:ext cx="8134961" cy="5423307"/>
           </a:xfrm>
           <a:prstGeom prst="rect">
             <a:avLst/>
@@ -20912,10 +19977,10 @@
       </p:pic>
       <p:sp>
         <p:nvSpPr>
-          <p:cNvPr id="14" name="TextBox 13">
-            <a:extLst>
-              <a:ext uri="{FF2B5EF4-FFF2-40B4-BE49-F238E27FC236}">
-                <a16:creationId xmlns:a16="http://schemas.microsoft.com/office/drawing/2014/main" id="{075F80BC-FF65-426F-BFEE-18370DE11A6D}"/>
+          <p:cNvPr id="9" name="TextBox 8">
+            <a:extLst>
+              <a:ext uri="{FF2B5EF4-FFF2-40B4-BE49-F238E27FC236}">
+                <a16:creationId xmlns:a16="http://schemas.microsoft.com/office/drawing/2014/main" id="{4FA6BE3B-023D-B2E9-F739-53D7AAA11D03}"/>
               </a:ext>
             </a:extLst>
           </p:cNvPr>
@@ -20924,8 +19989,8 @@
         </p:nvSpPr>
         <p:spPr>
           <a:xfrm>
-            <a:off x="9290616" y="1494352"/>
-            <a:ext cx="3964639" cy="646331"/>
+            <a:off x="1966144" y="2598003"/>
+            <a:ext cx="3447091" cy="830997"/>
           </a:xfrm>
           <a:prstGeom prst="rect">
             <a:avLst/>
@@ -20938,40 +20003,21 @@
           </a:bodyPr>
           <a:lstStyle/>
           <a:p>
-            <a:pPr lvl="1"/>
-            <a:r>
-              <a:rPr lang="en-US" b="1" dirty="0">
+            <a:r>
+              <a:rPr lang="en-US" sz="2400" b="1" dirty="0">
                 <a:solidFill>
                   <a:schemeClr val="bg1"/>
                 </a:solidFill>
-                <a:latin typeface="Selawik Semibold" panose="020B0702040204020203" pitchFamily="34" charset="0"/>
               </a:rPr>
-              <a:t>Watched = Red</a:t>
-            </a:r>
-          </a:p>
-          <a:p>
-            <a:pPr lvl="1"/>
-            <a:r>
-              <a:rPr lang="en-US" b="1" dirty="0">
-                <a:solidFill>
-                  <a:schemeClr val="bg1"/>
-                </a:solidFill>
-                <a:latin typeface="Selawik Semibold" panose="020B0702040204020203" pitchFamily="34" charset="0"/>
-              </a:rPr>
-              <a:t>Played = Blue</a:t>
-            </a:r>
-            <a:endParaRPr lang="en-US" b="1" dirty="0">
-              <a:solidFill>
-                <a:schemeClr val="bg1"/>
-              </a:solidFill>
-            </a:endParaRPr>
+              <a:t>47 Unique Sports Represented</a:t>
+            </a:r>
           </a:p>
         </p:txBody>
       </p:sp>
     </p:spTree>
     <p:extLst>
       <p:ext uri="{BB962C8B-B14F-4D97-AF65-F5344CB8AC3E}">
-        <p14:creationId xmlns:p14="http://schemas.microsoft.com/office/powerpoint/2010/main" val="3056356804"/>
+        <p14:creationId xmlns:p14="http://schemas.microsoft.com/office/powerpoint/2010/main" val="142465839"/>
       </p:ext>
     </p:extLst>
   </p:cSld>
@@ -21101,229 +20147,11 @@
               <a:rPr lang="en-US" b="1" dirty="0">
                 <a:latin typeface="Selawik Semibold" panose="020B0604020202020204" pitchFamily="34" charset="0"/>
               </a:rPr>
-              <a:t>Current Landscape of Sports</a:t>
-            </a:r>
-          </a:p>
-        </p:txBody>
-      </p:sp>
-      <p:sp>
-        <p:nvSpPr>
-          <p:cNvPr id="9" name="Content Placeholder 8">
-            <a:extLst>
-              <a:ext uri="{FF2B5EF4-FFF2-40B4-BE49-F238E27FC236}">
-                <a16:creationId xmlns:a16="http://schemas.microsoft.com/office/drawing/2014/main" id="{2D995594-59F2-4020-AB6F-751BAE84ADB3}"/>
-              </a:ext>
-            </a:extLst>
-          </p:cNvPr>
-          <p:cNvSpPr>
-            <a:spLocks noGrp="1"/>
-          </p:cNvSpPr>
-          <p:nvPr>
-            <p:ph idx="1"/>
-          </p:nvPr>
-        </p:nvSpPr>
-        <p:spPr>
-          <a:xfrm>
-            <a:off x="637478" y="2038469"/>
-            <a:ext cx="7168376" cy="1125362"/>
-          </a:xfrm>
-        </p:spPr>
-        <p:txBody>
-          <a:bodyPr>
-            <a:normAutofit/>
-          </a:bodyPr>
-          <a:lstStyle/>
-          <a:p>
-            <a:r>
-              <a:rPr lang="en-US" sz="2400" dirty="0">
-                <a:latin typeface="Selawik Semibold" panose="020B0702040204020203" pitchFamily="34" charset="0"/>
-              </a:rPr>
-              <a:t>Most Popular World Sports (sportsmonkie.com)</a:t>
-            </a:r>
-          </a:p>
-          <a:p>
-            <a:pPr lvl="1"/>
-            <a:r>
-              <a:rPr lang="en-US" sz="2000" dirty="0">
-                <a:latin typeface="Selawik Semibold" panose="020B0702040204020203" pitchFamily="34" charset="0"/>
-              </a:rPr>
-              <a:t>Based on 15 Criteria</a:t>
-            </a:r>
-          </a:p>
-        </p:txBody>
-      </p:sp>
-      <p:pic>
-        <p:nvPicPr>
-          <p:cNvPr id="4" name="Picture 3" descr="A drawing of a cartoon character&#10;&#10;Description automatically generated">
-            <a:extLst>
-              <a:ext uri="{FF2B5EF4-FFF2-40B4-BE49-F238E27FC236}">
-                <a16:creationId xmlns:a16="http://schemas.microsoft.com/office/drawing/2014/main" id="{A7FDC859-D890-4904-9C64-27F43DA90453}"/>
-              </a:ext>
-            </a:extLst>
-          </p:cNvPr>
-          <p:cNvPicPr>
-            <a:picLocks noChangeAspect="1"/>
-          </p:cNvPicPr>
-          <p:nvPr/>
-        </p:nvPicPr>
-        <p:blipFill rotWithShape="1">
-          <a:blip r:embed="rId3">
-            <a:extLst>
-              <a:ext uri="{28A0092B-C50C-407E-A947-70E740481C1C}">
-                <a14:useLocalDpi xmlns:a14="http://schemas.microsoft.com/office/drawing/2010/main" val="0"/>
-              </a:ext>
-            </a:extLst>
-          </a:blip>
-          <a:srcRect t="5616" r="2" b="2"/>
-          <a:stretch/>
-        </p:blipFill>
-        <p:spPr>
-          <a:xfrm>
-            <a:off x="7471144" y="1700078"/>
-            <a:ext cx="4720855" cy="2583792"/>
-          </a:xfrm>
-          <a:custGeom>
-            <a:avLst/>
-            <a:gdLst>
-              <a:gd name="connsiteX0" fmla="*/ 0 w 5475077"/>
-              <a:gd name="connsiteY0" fmla="*/ 0 h 2583792"/>
-              <a:gd name="connsiteX1" fmla="*/ 5475077 w 5475077"/>
-              <a:gd name="connsiteY1" fmla="*/ 0 h 2583792"/>
-              <a:gd name="connsiteX2" fmla="*/ 5475077 w 5475077"/>
-              <a:gd name="connsiteY2" fmla="*/ 2583792 h 2583792"/>
-              <a:gd name="connsiteX3" fmla="*/ 1197192 w 5475077"/>
-              <a:gd name="connsiteY3" fmla="*/ 2583792 h 2583792"/>
-            </a:gdLst>
-            <a:ahLst/>
-            <a:cxnLst>
-              <a:cxn ang="0">
-                <a:pos x="connsiteX0" y="connsiteY0"/>
-              </a:cxn>
-              <a:cxn ang="0">
-                <a:pos x="connsiteX1" y="connsiteY1"/>
-              </a:cxn>
-              <a:cxn ang="0">
-                <a:pos x="connsiteX2" y="connsiteY2"/>
-              </a:cxn>
-              <a:cxn ang="0">
-                <a:pos x="connsiteX3" y="connsiteY3"/>
-              </a:cxn>
-            </a:cxnLst>
-            <a:rect l="l" t="t" r="r" b="b"/>
-            <a:pathLst>
-              <a:path w="5475077" h="2583792">
-                <a:moveTo>
-                  <a:pt x="0" y="0"/>
-                </a:moveTo>
-                <a:lnTo>
-                  <a:pt x="5475077" y="0"/>
-                </a:lnTo>
-                <a:lnTo>
-                  <a:pt x="5475077" y="2583792"/>
-                </a:lnTo>
-                <a:lnTo>
-                  <a:pt x="1197192" y="2583792"/>
-                </a:lnTo>
-                <a:close/>
-              </a:path>
-            </a:pathLst>
-          </a:custGeom>
-        </p:spPr>
-      </p:pic>
-      <p:pic>
-        <p:nvPicPr>
-          <p:cNvPr id="5" name="Content Placeholder 4" descr="A picture containing indoor&#10;&#10;Description automatically generated">
-            <a:extLst>
-              <a:ext uri="{FF2B5EF4-FFF2-40B4-BE49-F238E27FC236}">
-                <a16:creationId xmlns:a16="http://schemas.microsoft.com/office/drawing/2014/main" id="{A58F0E55-21F3-485B-A07F-1CE74177BDD2}"/>
-              </a:ext>
-            </a:extLst>
-          </p:cNvPr>
-          <p:cNvPicPr>
-            <a:picLocks noChangeAspect="1"/>
-          </p:cNvPicPr>
-          <p:nvPr/>
-        </p:nvPicPr>
-        <p:blipFill rotWithShape="1">
-          <a:blip r:embed="rId4">
-            <a:extLst>
-              <a:ext uri="{28A0092B-C50C-407E-A947-70E740481C1C}">
-                <a14:useLocalDpi xmlns:a14="http://schemas.microsoft.com/office/drawing/2010/main" val="0"/>
-              </a:ext>
-            </a:extLst>
-          </a:blip>
-          <a:srcRect t="5300" r="3" b="6859"/>
-          <a:stretch/>
-        </p:blipFill>
-        <p:spPr>
-          <a:xfrm>
-            <a:off x="8491869" y="4283870"/>
-            <a:ext cx="3700129" cy="2583520"/>
-          </a:xfrm>
-          <a:custGeom>
-            <a:avLst/>
-            <a:gdLst>
-              <a:gd name="connsiteX0" fmla="*/ 0 w 4277884"/>
-              <a:gd name="connsiteY0" fmla="*/ 0 h 2583520"/>
-              <a:gd name="connsiteX1" fmla="*/ 4277884 w 4277884"/>
-              <a:gd name="connsiteY1" fmla="*/ 0 h 2583520"/>
-              <a:gd name="connsiteX2" fmla="*/ 4277884 w 4277884"/>
-              <a:gd name="connsiteY2" fmla="*/ 2583520 h 2583520"/>
-              <a:gd name="connsiteX3" fmla="*/ 1192437 w 4277884"/>
-              <a:gd name="connsiteY3" fmla="*/ 2583520 h 2583520"/>
-              <a:gd name="connsiteX4" fmla="*/ 1188085 w 4277884"/>
-              <a:gd name="connsiteY4" fmla="*/ 2574129 h 2583520"/>
-              <a:gd name="connsiteX5" fmla="*/ 1192715 w 4277884"/>
-              <a:gd name="connsiteY5" fmla="*/ 2574129 h 2583520"/>
-            </a:gdLst>
-            <a:ahLst/>
-            <a:cxnLst>
-              <a:cxn ang="0">
-                <a:pos x="connsiteX0" y="connsiteY0"/>
-              </a:cxn>
-              <a:cxn ang="0">
-                <a:pos x="connsiteX1" y="connsiteY1"/>
-              </a:cxn>
-              <a:cxn ang="0">
-                <a:pos x="connsiteX2" y="connsiteY2"/>
-              </a:cxn>
-              <a:cxn ang="0">
-                <a:pos x="connsiteX3" y="connsiteY3"/>
-              </a:cxn>
-              <a:cxn ang="0">
-                <a:pos x="connsiteX4" y="connsiteY4"/>
-              </a:cxn>
-              <a:cxn ang="0">
-                <a:pos x="connsiteX5" y="connsiteY5"/>
-              </a:cxn>
-            </a:cxnLst>
-            <a:rect l="l" t="t" r="r" b="b"/>
-            <a:pathLst>
-              <a:path w="4277884" h="2583520">
-                <a:moveTo>
-                  <a:pt x="0" y="0"/>
-                </a:moveTo>
-                <a:lnTo>
-                  <a:pt x="4277884" y="0"/>
-                </a:lnTo>
-                <a:lnTo>
-                  <a:pt x="4277884" y="2583520"/>
-                </a:lnTo>
-                <a:lnTo>
-                  <a:pt x="1192437" y="2583520"/>
-                </a:lnTo>
-                <a:lnTo>
-                  <a:pt x="1188085" y="2574129"/>
-                </a:lnTo>
-                <a:lnTo>
-                  <a:pt x="1192715" y="2574129"/>
-                </a:lnTo>
-                <a:close/>
-              </a:path>
-            </a:pathLst>
-          </a:custGeom>
-        </p:spPr>
-      </p:pic>
+              <a:t>Survey Results: Combined</a:t>
+            </a:r>
+          </a:p>
+        </p:txBody>
+      </p:sp>
       <p:sp>
         <p:nvSpPr>
           <p:cNvPr id="6" name="Rectangle 5">
@@ -21436,68 +20264,48 @@
           </a:p>
         </p:txBody>
       </p:sp>
-      <p:sp>
-        <p:nvSpPr>
-          <p:cNvPr id="16" name="Rectangle 15">
-            <a:extLst>
-              <a:ext uri="{FF2B5EF4-FFF2-40B4-BE49-F238E27FC236}">
-                <a16:creationId xmlns:a16="http://schemas.microsoft.com/office/drawing/2014/main" id="{74A085FC-1866-46D4-97F7-51AA45E48D4F}"/>
-              </a:ext>
-            </a:extLst>
-          </p:cNvPr>
-          <p:cNvSpPr/>
+      <p:pic>
+        <p:nvPicPr>
+          <p:cNvPr id="5" name="Picture 4" descr="A red and blue lines with black text&#10;&#10;Description automatically generated">
+            <a:extLst>
+              <a:ext uri="{FF2B5EF4-FFF2-40B4-BE49-F238E27FC236}">
+                <a16:creationId xmlns:a16="http://schemas.microsoft.com/office/drawing/2014/main" id="{C0FB3874-5A69-2734-55F9-5E0598D7CCAB}"/>
+              </a:ext>
+            </a:extLst>
+          </p:cNvPr>
+          <p:cNvPicPr>
+            <a:picLocks noChangeAspect="1"/>
+          </p:cNvPicPr>
           <p:nvPr/>
-        </p:nvSpPr>
-        <p:spPr>
-          <a:xfrm rot="4092292">
-            <a:off x="5790668" y="4094517"/>
-            <a:ext cx="5446699" cy="137038"/>
+        </p:nvPicPr>
+        <p:blipFill>
+          <a:blip r:embed="rId2">
+            <a:extLst>
+              <a:ext uri="{28A0092B-C50C-407E-A947-70E740481C1C}">
+                <a14:useLocalDpi xmlns:a14="http://schemas.microsoft.com/office/drawing/2010/main" val="0"/>
+              </a:ext>
+            </a:extLst>
+          </a:blip>
+          <a:stretch>
+            <a:fillRect/>
+          </a:stretch>
+        </p:blipFill>
+        <p:spPr>
+          <a:xfrm>
+            <a:off x="526859" y="1491290"/>
+            <a:ext cx="10746076" cy="5373038"/>
           </a:xfrm>
           <a:prstGeom prst="rect">
             <a:avLst/>
           </a:prstGeom>
-          <a:solidFill>
-            <a:schemeClr val="bg1"/>
-          </a:solidFill>
-          <a:ln>
-            <a:noFill/>
-          </a:ln>
-        </p:spPr>
-        <p:style>
-          <a:lnRef idx="2">
-            <a:schemeClr val="accent1">
-              <a:shade val="50000"/>
-            </a:schemeClr>
-          </a:lnRef>
-          <a:fillRef idx="1">
-            <a:schemeClr val="accent1"/>
-          </a:fillRef>
-          <a:effectRef idx="0">
-            <a:schemeClr val="accent1"/>
-          </a:effectRef>
-          <a:fontRef idx="minor">
-            <a:schemeClr val="lt1"/>
-          </a:fontRef>
-        </p:style>
-        <p:txBody>
-          <a:bodyPr rtlCol="0" anchor="ctr"/>
-          <a:lstStyle/>
-          <a:p>
-            <a:pPr algn="ctr"/>
-            <a:endParaRPr lang="en-US">
-              <a:solidFill>
-                <a:srgbClr val="DB5B5C"/>
-              </a:solidFill>
-            </a:endParaRPr>
-          </a:p>
-        </p:txBody>
-      </p:sp>
-      <p:sp>
-        <p:nvSpPr>
-          <p:cNvPr id="3" name="TextBox 2">
-            <a:extLst>
-              <a:ext uri="{FF2B5EF4-FFF2-40B4-BE49-F238E27FC236}">
-                <a16:creationId xmlns:a16="http://schemas.microsoft.com/office/drawing/2014/main" id="{4D2D036B-AB3A-4C0B-ADAC-DCBDAFCE8A9B}"/>
+        </p:spPr>
+      </p:pic>
+      <p:sp>
+        <p:nvSpPr>
+          <p:cNvPr id="14" name="TextBox 13">
+            <a:extLst>
+              <a:ext uri="{FF2B5EF4-FFF2-40B4-BE49-F238E27FC236}">
+                <a16:creationId xmlns:a16="http://schemas.microsoft.com/office/drawing/2014/main" id="{075F80BC-FF65-426F-BFEE-18370DE11A6D}"/>
               </a:ext>
             </a:extLst>
           </p:cNvPr>
@@ -21506,8 +20314,8 @@
         </p:nvSpPr>
         <p:spPr>
           <a:xfrm>
-            <a:off x="1078008" y="2741996"/>
-            <a:ext cx="3964639" cy="2308324"/>
+            <a:off x="8885580" y="1608918"/>
+            <a:ext cx="3964639" cy="646331"/>
           </a:xfrm>
           <a:prstGeom prst="rect">
             <a:avLst/>
@@ -21520,220 +20328,40 @@
           </a:bodyPr>
           <a:lstStyle/>
           <a:p>
-            <a:pPr marL="742950" lvl="1" indent="-285750">
-              <a:buFont typeface="Arial" panose="020B0604020202020204" pitchFamily="34" charset="0"/>
-              <a:buChar char="•"/>
-            </a:pPr>
-            <a:r>
-              <a:rPr lang="en-US" sz="1600" dirty="0">
+            <a:pPr lvl="1"/>
+            <a:r>
+              <a:rPr lang="en-US" b="1" dirty="0">
+                <a:solidFill>
+                  <a:schemeClr val="bg1"/>
+                </a:solidFill>
                 <a:latin typeface="Selawik Semibold" panose="020B0702040204020203" pitchFamily="34" charset="0"/>
               </a:rPr>
-              <a:t>Global Fan Base</a:t>
-            </a:r>
-          </a:p>
-          <a:p>
-            <a:pPr marL="742950" lvl="1" indent="-285750">
-              <a:buFont typeface="Arial" panose="020B0604020202020204" pitchFamily="34" charset="0"/>
-              <a:buChar char="•"/>
-            </a:pPr>
-            <a:r>
-              <a:rPr lang="en-US" sz="1600" dirty="0">
+              <a:t>Watched = Red</a:t>
+            </a:r>
+          </a:p>
+          <a:p>
+            <a:pPr lvl="1"/>
+            <a:r>
+              <a:rPr lang="en-US" b="1" dirty="0">
+                <a:solidFill>
+                  <a:schemeClr val="bg1"/>
+                </a:solidFill>
                 <a:latin typeface="Selawik Semibold" panose="020B0702040204020203" pitchFamily="34" charset="0"/>
               </a:rPr>
-              <a:t>Viewership on TV</a:t>
-            </a:r>
-          </a:p>
-          <a:p>
-            <a:pPr marL="742950" lvl="1" indent="-285750">
-              <a:buFont typeface="Arial" panose="020B0604020202020204" pitchFamily="34" charset="0"/>
-              <a:buChar char="•"/>
-            </a:pPr>
-            <a:r>
-              <a:rPr lang="en-US" sz="1600" dirty="0">
-                <a:latin typeface="Selawik Semibold" panose="020B0702040204020203" pitchFamily="34" charset="0"/>
-              </a:rPr>
-              <a:t>TV Rights</a:t>
-            </a:r>
-          </a:p>
-          <a:p>
-            <a:pPr marL="742950" lvl="1" indent="-285750">
-              <a:buFont typeface="Arial" panose="020B0604020202020204" pitchFamily="34" charset="0"/>
-              <a:buChar char="•"/>
-            </a:pPr>
-            <a:r>
-              <a:rPr lang="en-US" sz="1600" dirty="0">
-                <a:latin typeface="Selawik Semibold" panose="020B0702040204020203" pitchFamily="34" charset="0"/>
-              </a:rPr>
-              <a:t>Internet Popularity</a:t>
-            </a:r>
-          </a:p>
-          <a:p>
-            <a:pPr marL="742950" lvl="1" indent="-285750">
-              <a:buFont typeface="Arial" panose="020B0604020202020204" pitchFamily="34" charset="0"/>
-              <a:buChar char="•"/>
-            </a:pPr>
-            <a:r>
-              <a:rPr lang="en-US" sz="1600" dirty="0">
-                <a:latin typeface="Selawik Semibold" panose="020B0702040204020203" pitchFamily="34" charset="0"/>
-              </a:rPr>
-              <a:t>Social Media Presence</a:t>
-            </a:r>
-          </a:p>
-          <a:p>
-            <a:pPr marL="742950" lvl="1" indent="-285750">
-              <a:buFont typeface="Arial" panose="020B0604020202020204" pitchFamily="34" charset="0"/>
-              <a:buChar char="•"/>
-            </a:pPr>
-            <a:r>
-              <a:rPr lang="en-US" sz="1600" dirty="0">
-                <a:latin typeface="Selawik Semibold" panose="020B0702040204020203" pitchFamily="34" charset="0"/>
-              </a:rPr>
-              <a:t>Number of Professional Leagues</a:t>
-            </a:r>
-          </a:p>
-          <a:p>
-            <a:pPr marL="742950" lvl="1" indent="-285750">
-              <a:buFont typeface="Arial" panose="020B0604020202020204" pitchFamily="34" charset="0"/>
-              <a:buChar char="•"/>
-            </a:pPr>
-            <a:r>
-              <a:rPr lang="en-US" sz="1600" dirty="0">
-                <a:latin typeface="Selawik Semibold" panose="020B0702040204020203" pitchFamily="34" charset="0"/>
-              </a:rPr>
-              <a:t>Average Salary of Athletes</a:t>
-            </a:r>
-          </a:p>
-          <a:p>
-            <a:pPr marL="742950" lvl="1" indent="-285750">
-              <a:buFont typeface="Arial" panose="020B0604020202020204" pitchFamily="34" charset="0"/>
-              <a:buChar char="•"/>
-            </a:pPr>
-            <a:r>
-              <a:rPr lang="en-US" sz="1600" dirty="0">
-                <a:latin typeface="Selawik Semibold" panose="020B0702040204020203" pitchFamily="34" charset="0"/>
-              </a:rPr>
-              <a:t>Sponsorship</a:t>
-            </a:r>
-          </a:p>
-          <a:p>
-            <a:pPr marL="742950" lvl="1" indent="-285750">
-              <a:buFont typeface="Arial" panose="020B0604020202020204" pitchFamily="34" charset="0"/>
-              <a:buChar char="•"/>
-            </a:pPr>
-            <a:r>
-              <a:rPr lang="en-US" sz="1600" dirty="0">
-                <a:latin typeface="Selawik Semibold" panose="020B0702040204020203" pitchFamily="34" charset="0"/>
-              </a:rPr>
-              <a:t>Number of Countries</a:t>
-            </a:r>
-            <a:endParaRPr lang="en-US" dirty="0"/>
-          </a:p>
-        </p:txBody>
-      </p:sp>
-      <p:sp>
-        <p:nvSpPr>
-          <p:cNvPr id="7" name="Rectangle 6">
-            <a:extLst>
-              <a:ext uri="{FF2B5EF4-FFF2-40B4-BE49-F238E27FC236}">
-                <a16:creationId xmlns:a16="http://schemas.microsoft.com/office/drawing/2014/main" id="{1DD01DA1-338C-4134-8F28-E709685D35DE}"/>
-              </a:ext>
-            </a:extLst>
-          </p:cNvPr>
-          <p:cNvSpPr/>
-          <p:nvPr/>
-        </p:nvSpPr>
-        <p:spPr>
-          <a:xfrm>
-            <a:off x="1076383" y="4939168"/>
-            <a:ext cx="3970017" cy="1569660"/>
-          </a:xfrm>
-          <a:prstGeom prst="rect">
-            <a:avLst/>
-          </a:prstGeom>
-        </p:spPr>
-        <p:txBody>
-          <a:bodyPr wrap="square">
-            <a:spAutoFit/>
-          </a:bodyPr>
-          <a:lstStyle/>
-          <a:p>
-            <a:pPr marL="742950" lvl="1" indent="-285750">
-              <a:buFont typeface="Arial" panose="020B0604020202020204" pitchFamily="34" charset="0"/>
-              <a:buChar char="•"/>
-            </a:pPr>
-            <a:r>
-              <a:rPr lang="en-US" sz="1600" dirty="0">
-                <a:latin typeface="Selawik Semibold" panose="020B0702040204020203" pitchFamily="34" charset="0"/>
-              </a:rPr>
-              <a:t>Biggest Competition</a:t>
-            </a:r>
-          </a:p>
-          <a:p>
-            <a:pPr marL="742950" lvl="1" indent="-285750">
-              <a:buFont typeface="Arial" panose="020B0604020202020204" pitchFamily="34" charset="0"/>
-              <a:buChar char="•"/>
-            </a:pPr>
-            <a:r>
-              <a:rPr lang="en-US" sz="1600" dirty="0">
-                <a:latin typeface="Selawik Semibold" panose="020B0702040204020203" pitchFamily="34" charset="0"/>
-              </a:rPr>
-              <a:t>Relevancy Throughout the Year</a:t>
-            </a:r>
-          </a:p>
-          <a:p>
-            <a:pPr marL="742950" lvl="1" indent="-285750">
-              <a:buFont typeface="Arial" panose="020B0604020202020204" pitchFamily="34" charset="0"/>
-              <a:buChar char="•"/>
-            </a:pPr>
-            <a:r>
-              <a:rPr lang="en-US" sz="1600" dirty="0">
-                <a:latin typeface="Selawik Semibold" panose="020B0702040204020203" pitchFamily="34" charset="0"/>
-              </a:rPr>
-              <a:t>Gender equality</a:t>
-            </a:r>
-          </a:p>
-          <a:p>
-            <a:pPr marL="742950" lvl="1" indent="-285750">
-              <a:buFont typeface="Arial" panose="020B0604020202020204" pitchFamily="34" charset="0"/>
-              <a:buChar char="•"/>
-            </a:pPr>
-            <a:r>
-              <a:rPr lang="en-US" sz="1600" dirty="0">
-                <a:latin typeface="Selawik Semibold" panose="020B0702040204020203" pitchFamily="34" charset="0"/>
-              </a:rPr>
-              <a:t>Access to the General Public</a:t>
-            </a:r>
-          </a:p>
-          <a:p>
-            <a:pPr marL="742950" lvl="1" indent="-285750">
-              <a:buFont typeface="Arial" panose="020B0604020202020204" pitchFamily="34" charset="0"/>
-              <a:buChar char="•"/>
-            </a:pPr>
-            <a:r>
-              <a:rPr lang="en-US" sz="1600" dirty="0">
-                <a:latin typeface="Selawik Semibold" panose="020B0702040204020203" pitchFamily="34" charset="0"/>
-              </a:rPr>
-              <a:t>Number of Amateurs</a:t>
-            </a:r>
-          </a:p>
-          <a:p>
-            <a:pPr marL="742950" lvl="1" indent="-285750">
-              <a:buFont typeface="Arial" panose="020B0604020202020204" pitchFamily="34" charset="0"/>
-              <a:buChar char="•"/>
-            </a:pPr>
-            <a:r>
-              <a:rPr lang="en-US" sz="1600" dirty="0">
-                <a:latin typeface="Selawik Semibold" panose="020B0702040204020203" pitchFamily="34" charset="0"/>
-              </a:rPr>
-              <a:t>Prominence in Headlines</a:t>
-            </a:r>
+              <a:t>Played = Blue</a:t>
+            </a:r>
+            <a:endParaRPr lang="en-US" b="1" dirty="0">
+              <a:solidFill>
+                <a:schemeClr val="bg1"/>
+              </a:solidFill>
+            </a:endParaRPr>
           </a:p>
         </p:txBody>
       </p:sp>
     </p:spTree>
     <p:extLst>
       <p:ext uri="{BB962C8B-B14F-4D97-AF65-F5344CB8AC3E}">
-        <p14:creationId xmlns:p14="http://schemas.microsoft.com/office/powerpoint/2010/main" val="3372904333"/>
+        <p14:creationId xmlns:p14="http://schemas.microsoft.com/office/powerpoint/2010/main" val="3056356804"/>
       </p:ext>
     </p:extLst>
   </p:cSld>

--- a/Slides/Sports Analytics 1/Sports_Analytics_1_Lecture.pptx
+++ b/Slides/Sports Analytics 1/Sports_Analytics_1_Lecture.pptx
@@ -5,35 +5,34 @@
     <p:sldMasterId id="2147483648" r:id="rId1"/>
   </p:sldMasterIdLst>
   <p:notesMasterIdLst>
-    <p:notesMasterId r:id="rId28"/>
+    <p:notesMasterId r:id="rId27"/>
   </p:notesMasterIdLst>
   <p:sldIdLst>
     <p:sldId id="256" r:id="rId2"/>
     <p:sldId id="282" r:id="rId3"/>
     <p:sldId id="258" r:id="rId4"/>
     <p:sldId id="283" r:id="rId5"/>
-    <p:sldId id="284" r:id="rId6"/>
-    <p:sldId id="295" r:id="rId7"/>
-    <p:sldId id="260" r:id="rId8"/>
-    <p:sldId id="259" r:id="rId9"/>
-    <p:sldId id="261" r:id="rId10"/>
-    <p:sldId id="262" r:id="rId11"/>
-    <p:sldId id="263" r:id="rId12"/>
-    <p:sldId id="264" r:id="rId13"/>
-    <p:sldId id="291" r:id="rId14"/>
-    <p:sldId id="265" r:id="rId15"/>
-    <p:sldId id="286" r:id="rId16"/>
-    <p:sldId id="266" r:id="rId17"/>
-    <p:sldId id="267" r:id="rId18"/>
-    <p:sldId id="288" r:id="rId19"/>
-    <p:sldId id="289" r:id="rId20"/>
-    <p:sldId id="290" r:id="rId21"/>
-    <p:sldId id="296" r:id="rId22"/>
-    <p:sldId id="269" r:id="rId23"/>
-    <p:sldId id="270" r:id="rId24"/>
-    <p:sldId id="271" r:id="rId25"/>
-    <p:sldId id="272" r:id="rId26"/>
-    <p:sldId id="281" r:id="rId27"/>
+    <p:sldId id="295" r:id="rId6"/>
+    <p:sldId id="260" r:id="rId7"/>
+    <p:sldId id="259" r:id="rId8"/>
+    <p:sldId id="261" r:id="rId9"/>
+    <p:sldId id="262" r:id="rId10"/>
+    <p:sldId id="263" r:id="rId11"/>
+    <p:sldId id="264" r:id="rId12"/>
+    <p:sldId id="291" r:id="rId13"/>
+    <p:sldId id="265" r:id="rId14"/>
+    <p:sldId id="286" r:id="rId15"/>
+    <p:sldId id="266" r:id="rId16"/>
+    <p:sldId id="267" r:id="rId17"/>
+    <p:sldId id="288" r:id="rId18"/>
+    <p:sldId id="289" r:id="rId19"/>
+    <p:sldId id="290" r:id="rId20"/>
+    <p:sldId id="296" r:id="rId21"/>
+    <p:sldId id="269" r:id="rId22"/>
+    <p:sldId id="270" r:id="rId23"/>
+    <p:sldId id="271" r:id="rId24"/>
+    <p:sldId id="272" r:id="rId25"/>
+    <p:sldId id="281" r:id="rId26"/>
   </p:sldIdLst>
   <p:sldSz cx="12192000" cy="6858000"/>
   <p:notesSz cx="6858000" cy="9144000"/>
@@ -222,7 +221,7 @@
           <a:p>
             <a:fld id="{C04E5E84-956F-4423-97B3-5936A6D8EEEE}" type="datetimeFigureOut">
               <a:rPr lang="en-US" smtClean="0"/>
-              <a:t>1/9/2025</a:t>
+              <a:t>1/10/2025</a:t>
             </a:fld>
             <a:endParaRPr lang="en-US"/>
           </a:p>
@@ -647,7 +646,7 @@
     </p:spTree>
     <p:extLst>
       <p:ext uri="{BB962C8B-B14F-4D97-AF65-F5344CB8AC3E}">
-        <p14:creationId xmlns:p14="http://schemas.microsoft.com/office/powerpoint/2010/main" val="270339087"/>
+        <p14:creationId xmlns:p14="http://schemas.microsoft.com/office/powerpoint/2010/main" val="3204056461"/>
       </p:ext>
     </p:extLst>
   </p:cSld>
@@ -731,7 +730,7 @@
     </p:spTree>
     <p:extLst>
       <p:ext uri="{BB962C8B-B14F-4D97-AF65-F5344CB8AC3E}">
-        <p14:creationId xmlns:p14="http://schemas.microsoft.com/office/powerpoint/2010/main" val="3204056461"/>
+        <p14:creationId xmlns:p14="http://schemas.microsoft.com/office/powerpoint/2010/main" val="837158800"/>
       </p:ext>
     </p:extLst>
   </p:cSld>
@@ -815,7 +814,7 @@
     </p:spTree>
     <p:extLst>
       <p:ext uri="{BB962C8B-B14F-4D97-AF65-F5344CB8AC3E}">
-        <p14:creationId xmlns:p14="http://schemas.microsoft.com/office/powerpoint/2010/main" val="837158800"/>
+        <p14:creationId xmlns:p14="http://schemas.microsoft.com/office/powerpoint/2010/main" val="570981165"/>
       </p:ext>
     </p:extLst>
   </p:cSld>
@@ -899,7 +898,7 @@
     </p:spTree>
     <p:extLst>
       <p:ext uri="{BB962C8B-B14F-4D97-AF65-F5344CB8AC3E}">
-        <p14:creationId xmlns:p14="http://schemas.microsoft.com/office/powerpoint/2010/main" val="570981165"/>
+        <p14:creationId xmlns:p14="http://schemas.microsoft.com/office/powerpoint/2010/main" val="3892749928"/>
       </p:ext>
     </p:extLst>
   </p:cSld>
@@ -910,90 +909,6 @@
 </file>
 
 <file path=ppt/notesSlides/notesSlide14.xml><?xml version="1.0" encoding="utf-8"?>
-<p:notes xmlns:a="http://schemas.openxmlformats.org/drawingml/2006/main" xmlns:r="http://schemas.openxmlformats.org/officeDocument/2006/relationships" xmlns:p="http://schemas.openxmlformats.org/presentationml/2006/main">
-  <p:cSld>
-    <p:spTree>
-      <p:nvGrpSpPr>
-        <p:cNvPr id="1" name=""/>
-        <p:cNvGrpSpPr/>
-        <p:nvPr/>
-      </p:nvGrpSpPr>
-      <p:grpSpPr>
-        <a:xfrm>
-          <a:off x="0" y="0"/>
-          <a:ext cx="0" cy="0"/>
-          <a:chOff x="0" y="0"/>
-          <a:chExt cx="0" cy="0"/>
-        </a:xfrm>
-      </p:grpSpPr>
-      <p:sp>
-        <p:nvSpPr>
-          <p:cNvPr id="2" name="Slide Image Placeholder 1"/>
-          <p:cNvSpPr>
-            <a:spLocks noGrp="1" noRot="1" noChangeAspect="1"/>
-          </p:cNvSpPr>
-          <p:nvPr>
-            <p:ph type="sldImg"/>
-          </p:nvPr>
-        </p:nvSpPr>
-        <p:spPr/>
-      </p:sp>
-      <p:sp>
-        <p:nvSpPr>
-          <p:cNvPr id="3" name="Notes Placeholder 2"/>
-          <p:cNvSpPr>
-            <a:spLocks noGrp="1"/>
-          </p:cNvSpPr>
-          <p:nvPr>
-            <p:ph type="body" idx="1"/>
-          </p:nvPr>
-        </p:nvSpPr>
-        <p:spPr/>
-        <p:txBody>
-          <a:bodyPr/>
-          <a:lstStyle/>
-          <a:p>
-            <a:endParaRPr lang="en-US" dirty="0"/>
-          </a:p>
-        </p:txBody>
-      </p:sp>
-      <p:sp>
-        <p:nvSpPr>
-          <p:cNvPr id="4" name="Slide Number Placeholder 3"/>
-          <p:cNvSpPr>
-            <a:spLocks noGrp="1"/>
-          </p:cNvSpPr>
-          <p:nvPr>
-            <p:ph type="sldNum" sz="quarter" idx="5"/>
-          </p:nvPr>
-        </p:nvSpPr>
-        <p:spPr/>
-        <p:txBody>
-          <a:bodyPr/>
-          <a:lstStyle/>
-          <a:p>
-            <a:fld id="{323D9EF6-5B6D-4923-9412-628692DCC0E7}" type="slidenum">
-              <a:rPr lang="en-US" smtClean="0"/>
-              <a:t>20</a:t>
-            </a:fld>
-            <a:endParaRPr lang="en-US"/>
-          </a:p>
-        </p:txBody>
-      </p:sp>
-    </p:spTree>
-    <p:extLst>
-      <p:ext uri="{BB962C8B-B14F-4D97-AF65-F5344CB8AC3E}">
-        <p14:creationId xmlns:p14="http://schemas.microsoft.com/office/powerpoint/2010/main" val="3892749928"/>
-      </p:ext>
-    </p:extLst>
-  </p:cSld>
-  <p:clrMapOvr>
-    <a:masterClrMapping/>
-  </p:clrMapOvr>
-</p:notes>
-</file>
-
-<file path=ppt/notesSlides/notesSlide15.xml><?xml version="1.0" encoding="utf-8"?>
 <p:notes xmlns:a="http://schemas.openxmlformats.org/drawingml/2006/main" xmlns:r="http://schemas.openxmlformats.org/officeDocument/2006/relationships" xmlns:p="http://schemas.openxmlformats.org/presentationml/2006/main">
   <p:cSld>
     <p:spTree>
@@ -1082,7 +997,7 @@
           <a:p>
             <a:fld id="{323D9EF6-5B6D-4923-9412-628692DCC0E7}" type="slidenum">
               <a:rPr lang="en-US" smtClean="0"/>
-              <a:t>21</a:t>
+              <a:t>20</a:t>
             </a:fld>
             <a:endParaRPr lang="en-US"/>
           </a:p>
@@ -1092,6 +1007,90 @@
     <p:extLst>
       <p:ext uri="{BB962C8B-B14F-4D97-AF65-F5344CB8AC3E}">
         <p14:creationId xmlns:p14="http://schemas.microsoft.com/office/powerpoint/2010/main" val="657596690"/>
+      </p:ext>
+    </p:extLst>
+  </p:cSld>
+  <p:clrMapOvr>
+    <a:masterClrMapping/>
+  </p:clrMapOvr>
+</p:notes>
+</file>
+
+<file path=ppt/notesSlides/notesSlide15.xml><?xml version="1.0" encoding="utf-8"?>
+<p:notes xmlns:a="http://schemas.openxmlformats.org/drawingml/2006/main" xmlns:r="http://schemas.openxmlformats.org/officeDocument/2006/relationships" xmlns:p="http://schemas.openxmlformats.org/presentationml/2006/main">
+  <p:cSld>
+    <p:spTree>
+      <p:nvGrpSpPr>
+        <p:cNvPr id="1" name=""/>
+        <p:cNvGrpSpPr/>
+        <p:nvPr/>
+      </p:nvGrpSpPr>
+      <p:grpSpPr>
+        <a:xfrm>
+          <a:off x="0" y="0"/>
+          <a:ext cx="0" cy="0"/>
+          <a:chOff x="0" y="0"/>
+          <a:chExt cx="0" cy="0"/>
+        </a:xfrm>
+      </p:grpSpPr>
+      <p:sp>
+        <p:nvSpPr>
+          <p:cNvPr id="2" name="Slide Image Placeholder 1"/>
+          <p:cNvSpPr>
+            <a:spLocks noGrp="1" noRot="1" noChangeAspect="1"/>
+          </p:cNvSpPr>
+          <p:nvPr>
+            <p:ph type="sldImg"/>
+          </p:nvPr>
+        </p:nvSpPr>
+        <p:spPr/>
+      </p:sp>
+      <p:sp>
+        <p:nvSpPr>
+          <p:cNvPr id="3" name="Notes Placeholder 2"/>
+          <p:cNvSpPr>
+            <a:spLocks noGrp="1"/>
+          </p:cNvSpPr>
+          <p:nvPr>
+            <p:ph type="body" idx="1"/>
+          </p:nvPr>
+        </p:nvSpPr>
+        <p:spPr/>
+        <p:txBody>
+          <a:bodyPr/>
+          <a:lstStyle/>
+          <a:p>
+            <a:endParaRPr lang="en-US" dirty="0"/>
+          </a:p>
+        </p:txBody>
+      </p:sp>
+      <p:sp>
+        <p:nvSpPr>
+          <p:cNvPr id="4" name="Slide Number Placeholder 3"/>
+          <p:cNvSpPr>
+            <a:spLocks noGrp="1"/>
+          </p:cNvSpPr>
+          <p:nvPr>
+            <p:ph type="sldNum" sz="quarter" idx="5"/>
+          </p:nvPr>
+        </p:nvSpPr>
+        <p:spPr/>
+        <p:txBody>
+          <a:bodyPr/>
+          <a:lstStyle/>
+          <a:p>
+            <a:fld id="{323D9EF6-5B6D-4923-9412-628692DCC0E7}" type="slidenum">
+              <a:rPr lang="en-US" smtClean="0"/>
+              <a:t>21</a:t>
+            </a:fld>
+            <a:endParaRPr lang="en-US"/>
+          </a:p>
+        </p:txBody>
+      </p:sp>
+    </p:spTree>
+    <p:extLst>
+      <p:ext uri="{BB962C8B-B14F-4D97-AF65-F5344CB8AC3E}">
+        <p14:creationId xmlns:p14="http://schemas.microsoft.com/office/powerpoint/2010/main" val="457975726"/>
       </p:ext>
     </p:extLst>
   </p:cSld>
@@ -1175,7 +1174,7 @@
     </p:spTree>
     <p:extLst>
       <p:ext uri="{BB962C8B-B14F-4D97-AF65-F5344CB8AC3E}">
-        <p14:creationId xmlns:p14="http://schemas.microsoft.com/office/powerpoint/2010/main" val="457975726"/>
+        <p14:creationId xmlns:p14="http://schemas.microsoft.com/office/powerpoint/2010/main" val="432002752"/>
       </p:ext>
     </p:extLst>
   </p:cSld>
@@ -1259,7 +1258,7 @@
     </p:spTree>
     <p:extLst>
       <p:ext uri="{BB962C8B-B14F-4D97-AF65-F5344CB8AC3E}">
-        <p14:creationId xmlns:p14="http://schemas.microsoft.com/office/powerpoint/2010/main" val="432002752"/>
+        <p14:creationId xmlns:p14="http://schemas.microsoft.com/office/powerpoint/2010/main" val="1454380535"/>
       </p:ext>
     </p:extLst>
   </p:cSld>
@@ -1343,90 +1342,6 @@
     </p:spTree>
     <p:extLst>
       <p:ext uri="{BB962C8B-B14F-4D97-AF65-F5344CB8AC3E}">
-        <p14:creationId xmlns:p14="http://schemas.microsoft.com/office/powerpoint/2010/main" val="1454380535"/>
-      </p:ext>
-    </p:extLst>
-  </p:cSld>
-  <p:clrMapOvr>
-    <a:masterClrMapping/>
-  </p:clrMapOvr>
-</p:notes>
-</file>
-
-<file path=ppt/notesSlides/notesSlide19.xml><?xml version="1.0" encoding="utf-8"?>
-<p:notes xmlns:a="http://schemas.openxmlformats.org/drawingml/2006/main" xmlns:r="http://schemas.openxmlformats.org/officeDocument/2006/relationships" xmlns:p="http://schemas.openxmlformats.org/presentationml/2006/main">
-  <p:cSld>
-    <p:spTree>
-      <p:nvGrpSpPr>
-        <p:cNvPr id="1" name=""/>
-        <p:cNvGrpSpPr/>
-        <p:nvPr/>
-      </p:nvGrpSpPr>
-      <p:grpSpPr>
-        <a:xfrm>
-          <a:off x="0" y="0"/>
-          <a:ext cx="0" cy="0"/>
-          <a:chOff x="0" y="0"/>
-          <a:chExt cx="0" cy="0"/>
-        </a:xfrm>
-      </p:grpSpPr>
-      <p:sp>
-        <p:nvSpPr>
-          <p:cNvPr id="2" name="Slide Image Placeholder 1"/>
-          <p:cNvSpPr>
-            <a:spLocks noGrp="1" noRot="1" noChangeAspect="1"/>
-          </p:cNvSpPr>
-          <p:nvPr>
-            <p:ph type="sldImg"/>
-          </p:nvPr>
-        </p:nvSpPr>
-        <p:spPr/>
-      </p:sp>
-      <p:sp>
-        <p:nvSpPr>
-          <p:cNvPr id="3" name="Notes Placeholder 2"/>
-          <p:cNvSpPr>
-            <a:spLocks noGrp="1"/>
-          </p:cNvSpPr>
-          <p:nvPr>
-            <p:ph type="body" idx="1"/>
-          </p:nvPr>
-        </p:nvSpPr>
-        <p:spPr/>
-        <p:txBody>
-          <a:bodyPr/>
-          <a:lstStyle/>
-          <a:p>
-            <a:endParaRPr lang="en-US" dirty="0"/>
-          </a:p>
-        </p:txBody>
-      </p:sp>
-      <p:sp>
-        <p:nvSpPr>
-          <p:cNvPr id="4" name="Slide Number Placeholder 3"/>
-          <p:cNvSpPr>
-            <a:spLocks noGrp="1"/>
-          </p:cNvSpPr>
-          <p:nvPr>
-            <p:ph type="sldNum" sz="quarter" idx="5"/>
-          </p:nvPr>
-        </p:nvSpPr>
-        <p:spPr/>
-        <p:txBody>
-          <a:bodyPr/>
-          <a:lstStyle/>
-          <a:p>
-            <a:fld id="{323D9EF6-5B6D-4923-9412-628692DCC0E7}" type="slidenum">
-              <a:rPr lang="en-US" smtClean="0"/>
-              <a:t>25</a:t>
-            </a:fld>
-            <a:endParaRPr lang="en-US"/>
-          </a:p>
-        </p:txBody>
-      </p:sp>
-    </p:spTree>
-    <p:extLst>
-      <p:ext uri="{BB962C8B-B14F-4D97-AF65-F5344CB8AC3E}">
         <p14:creationId xmlns:p14="http://schemas.microsoft.com/office/powerpoint/2010/main" val="2104318647"/>
       </p:ext>
     </p:extLst>
@@ -1438,90 +1353,6 @@
 </file>
 
 <file path=ppt/notesSlides/notesSlide2.xml><?xml version="1.0" encoding="utf-8"?>
-<p:notes xmlns:a="http://schemas.openxmlformats.org/drawingml/2006/main" xmlns:r="http://schemas.openxmlformats.org/officeDocument/2006/relationships" xmlns:p="http://schemas.openxmlformats.org/presentationml/2006/main">
-  <p:cSld>
-    <p:spTree>
-      <p:nvGrpSpPr>
-        <p:cNvPr id="1" name=""/>
-        <p:cNvGrpSpPr/>
-        <p:nvPr/>
-      </p:nvGrpSpPr>
-      <p:grpSpPr>
-        <a:xfrm>
-          <a:off x="0" y="0"/>
-          <a:ext cx="0" cy="0"/>
-          <a:chOff x="0" y="0"/>
-          <a:chExt cx="0" cy="0"/>
-        </a:xfrm>
-      </p:grpSpPr>
-      <p:sp>
-        <p:nvSpPr>
-          <p:cNvPr id="2" name="Slide Image Placeholder 1"/>
-          <p:cNvSpPr>
-            <a:spLocks noGrp="1" noRot="1" noChangeAspect="1"/>
-          </p:cNvSpPr>
-          <p:nvPr>
-            <p:ph type="sldImg"/>
-          </p:nvPr>
-        </p:nvSpPr>
-        <p:spPr/>
-      </p:sp>
-      <p:sp>
-        <p:nvSpPr>
-          <p:cNvPr id="3" name="Notes Placeholder 2"/>
-          <p:cNvSpPr>
-            <a:spLocks noGrp="1"/>
-          </p:cNvSpPr>
-          <p:nvPr>
-            <p:ph type="body" idx="1"/>
-          </p:nvPr>
-        </p:nvSpPr>
-        <p:spPr/>
-        <p:txBody>
-          <a:bodyPr/>
-          <a:lstStyle/>
-          <a:p>
-            <a:endParaRPr lang="en-US" dirty="0"/>
-          </a:p>
-        </p:txBody>
-      </p:sp>
-      <p:sp>
-        <p:nvSpPr>
-          <p:cNvPr id="4" name="Slide Number Placeholder 3"/>
-          <p:cNvSpPr>
-            <a:spLocks noGrp="1"/>
-          </p:cNvSpPr>
-          <p:nvPr>
-            <p:ph type="sldNum" sz="quarter" idx="5"/>
-          </p:nvPr>
-        </p:nvSpPr>
-        <p:spPr/>
-        <p:txBody>
-          <a:bodyPr/>
-          <a:lstStyle/>
-          <a:p>
-            <a:fld id="{323D9EF6-5B6D-4923-9412-628692DCC0E7}" type="slidenum">
-              <a:rPr lang="en-US" smtClean="0"/>
-              <a:t>5</a:t>
-            </a:fld>
-            <a:endParaRPr lang="en-US"/>
-          </a:p>
-        </p:txBody>
-      </p:sp>
-    </p:spTree>
-    <p:extLst>
-      <p:ext uri="{BB962C8B-B14F-4D97-AF65-F5344CB8AC3E}">
-        <p14:creationId xmlns:p14="http://schemas.microsoft.com/office/powerpoint/2010/main" val="3246925537"/>
-      </p:ext>
-    </p:extLst>
-  </p:cSld>
-  <p:clrMapOvr>
-    <a:masterClrMapping/>
-  </p:clrMapOvr>
-</p:notes>
-</file>
-
-<file path=ppt/notesSlides/notesSlide3.xml><?xml version="1.0" encoding="utf-8"?>
 <p:notes xmlns:a="http://schemas.openxmlformats.org/drawingml/2006/main" xmlns:r="http://schemas.openxmlformats.org/officeDocument/2006/relationships" xmlns:p="http://schemas.openxmlformats.org/presentationml/2006/main">
   <p:cSld>
     <p:spTree>
@@ -1610,7 +1441,7 @@
           <a:p>
             <a:fld id="{323D9EF6-5B6D-4923-9412-628692DCC0E7}" type="slidenum">
               <a:rPr lang="en-US" smtClean="0"/>
-              <a:t>6</a:t>
+              <a:t>5</a:t>
             </a:fld>
             <a:endParaRPr lang="en-US"/>
           </a:p>
@@ -1620,6 +1451,90 @@
     <p:extLst>
       <p:ext uri="{BB962C8B-B14F-4D97-AF65-F5344CB8AC3E}">
         <p14:creationId xmlns:p14="http://schemas.microsoft.com/office/powerpoint/2010/main" val="792032528"/>
+      </p:ext>
+    </p:extLst>
+  </p:cSld>
+  <p:clrMapOvr>
+    <a:masterClrMapping/>
+  </p:clrMapOvr>
+</p:notes>
+</file>
+
+<file path=ppt/notesSlides/notesSlide3.xml><?xml version="1.0" encoding="utf-8"?>
+<p:notes xmlns:a="http://schemas.openxmlformats.org/drawingml/2006/main" xmlns:r="http://schemas.openxmlformats.org/officeDocument/2006/relationships" xmlns:p="http://schemas.openxmlformats.org/presentationml/2006/main">
+  <p:cSld>
+    <p:spTree>
+      <p:nvGrpSpPr>
+        <p:cNvPr id="1" name=""/>
+        <p:cNvGrpSpPr/>
+        <p:nvPr/>
+      </p:nvGrpSpPr>
+      <p:grpSpPr>
+        <a:xfrm>
+          <a:off x="0" y="0"/>
+          <a:ext cx="0" cy="0"/>
+          <a:chOff x="0" y="0"/>
+          <a:chExt cx="0" cy="0"/>
+        </a:xfrm>
+      </p:grpSpPr>
+      <p:sp>
+        <p:nvSpPr>
+          <p:cNvPr id="2" name="Slide Image Placeholder 1"/>
+          <p:cNvSpPr>
+            <a:spLocks noGrp="1" noRot="1" noChangeAspect="1"/>
+          </p:cNvSpPr>
+          <p:nvPr>
+            <p:ph type="sldImg"/>
+          </p:nvPr>
+        </p:nvSpPr>
+        <p:spPr/>
+      </p:sp>
+      <p:sp>
+        <p:nvSpPr>
+          <p:cNvPr id="3" name="Notes Placeholder 2"/>
+          <p:cNvSpPr>
+            <a:spLocks noGrp="1"/>
+          </p:cNvSpPr>
+          <p:nvPr>
+            <p:ph type="body" idx="1"/>
+          </p:nvPr>
+        </p:nvSpPr>
+        <p:spPr/>
+        <p:txBody>
+          <a:bodyPr/>
+          <a:lstStyle/>
+          <a:p>
+            <a:endParaRPr lang="en-US" dirty="0"/>
+          </a:p>
+        </p:txBody>
+      </p:sp>
+      <p:sp>
+        <p:nvSpPr>
+          <p:cNvPr id="4" name="Slide Number Placeholder 3"/>
+          <p:cNvSpPr>
+            <a:spLocks noGrp="1"/>
+          </p:cNvSpPr>
+          <p:nvPr>
+            <p:ph type="sldNum" sz="quarter" idx="5"/>
+          </p:nvPr>
+        </p:nvSpPr>
+        <p:spPr/>
+        <p:txBody>
+          <a:bodyPr/>
+          <a:lstStyle/>
+          <a:p>
+            <a:fld id="{323D9EF6-5B6D-4923-9412-628692DCC0E7}" type="slidenum">
+              <a:rPr lang="en-US" smtClean="0"/>
+              <a:t>9</a:t>
+            </a:fld>
+            <a:endParaRPr lang="en-US"/>
+          </a:p>
+        </p:txBody>
+      </p:sp>
+    </p:spTree>
+    <p:extLst>
+      <p:ext uri="{BB962C8B-B14F-4D97-AF65-F5344CB8AC3E}">
+        <p14:creationId xmlns:p14="http://schemas.microsoft.com/office/powerpoint/2010/main" val="120620059"/>
       </p:ext>
     </p:extLst>
   </p:cSld>
@@ -1703,7 +1618,7 @@
     </p:spTree>
     <p:extLst>
       <p:ext uri="{BB962C8B-B14F-4D97-AF65-F5344CB8AC3E}">
-        <p14:creationId xmlns:p14="http://schemas.microsoft.com/office/powerpoint/2010/main" val="120620059"/>
+        <p14:creationId xmlns:p14="http://schemas.microsoft.com/office/powerpoint/2010/main" val="1428420199"/>
       </p:ext>
     </p:extLst>
   </p:cSld>
@@ -1787,7 +1702,7 @@
     </p:spTree>
     <p:extLst>
       <p:ext uri="{BB962C8B-B14F-4D97-AF65-F5344CB8AC3E}">
-        <p14:creationId xmlns:p14="http://schemas.microsoft.com/office/powerpoint/2010/main" val="1428420199"/>
+        <p14:creationId xmlns:p14="http://schemas.microsoft.com/office/powerpoint/2010/main" val="1751330610"/>
       </p:ext>
     </p:extLst>
   </p:cSld>
@@ -1871,7 +1786,7 @@
     </p:spTree>
     <p:extLst>
       <p:ext uri="{BB962C8B-B14F-4D97-AF65-F5344CB8AC3E}">
-        <p14:creationId xmlns:p14="http://schemas.microsoft.com/office/powerpoint/2010/main" val="1751330610"/>
+        <p14:creationId xmlns:p14="http://schemas.microsoft.com/office/powerpoint/2010/main" val="3803655638"/>
       </p:ext>
     </p:extLst>
   </p:cSld>
@@ -1955,7 +1870,7 @@
     </p:spTree>
     <p:extLst>
       <p:ext uri="{BB962C8B-B14F-4D97-AF65-F5344CB8AC3E}">
-        <p14:creationId xmlns:p14="http://schemas.microsoft.com/office/powerpoint/2010/main" val="3803655638"/>
+        <p14:creationId xmlns:p14="http://schemas.microsoft.com/office/powerpoint/2010/main" val="3126848250"/>
       </p:ext>
     </p:extLst>
   </p:cSld>
@@ -2039,7 +1954,7 @@
     </p:spTree>
     <p:extLst>
       <p:ext uri="{BB962C8B-B14F-4D97-AF65-F5344CB8AC3E}">
-        <p14:creationId xmlns:p14="http://schemas.microsoft.com/office/powerpoint/2010/main" val="3126848250"/>
+        <p14:creationId xmlns:p14="http://schemas.microsoft.com/office/powerpoint/2010/main" val="1557830548"/>
       </p:ext>
     </p:extLst>
   </p:cSld>
@@ -2123,7 +2038,7 @@
     </p:spTree>
     <p:extLst>
       <p:ext uri="{BB962C8B-B14F-4D97-AF65-F5344CB8AC3E}">
-        <p14:creationId xmlns:p14="http://schemas.microsoft.com/office/powerpoint/2010/main" val="1557830548"/>
+        <p14:creationId xmlns:p14="http://schemas.microsoft.com/office/powerpoint/2010/main" val="270339087"/>
       </p:ext>
     </p:extLst>
   </p:cSld>
@@ -2280,7 +2195,7 @@
           <a:p>
             <a:fld id="{3881C039-66A3-4640-815B-3B5A8B7D868D}" type="datetimeFigureOut">
               <a:rPr lang="en-US" smtClean="0"/>
-              <a:t>1/9/2025</a:t>
+              <a:t>1/10/2025</a:t>
             </a:fld>
             <a:endParaRPr lang="en-US"/>
           </a:p>
@@ -2478,7 +2393,7 @@
           <a:p>
             <a:fld id="{3881C039-66A3-4640-815B-3B5A8B7D868D}" type="datetimeFigureOut">
               <a:rPr lang="en-US" smtClean="0"/>
-              <a:t>1/9/2025</a:t>
+              <a:t>1/10/2025</a:t>
             </a:fld>
             <a:endParaRPr lang="en-US"/>
           </a:p>
@@ -2686,7 +2601,7 @@
           <a:p>
             <a:fld id="{3881C039-66A3-4640-815B-3B5A8B7D868D}" type="datetimeFigureOut">
               <a:rPr lang="en-US" smtClean="0"/>
-              <a:t>1/9/2025</a:t>
+              <a:t>1/10/2025</a:t>
             </a:fld>
             <a:endParaRPr lang="en-US"/>
           </a:p>
@@ -2884,7 +2799,7 @@
           <a:p>
             <a:fld id="{3881C039-66A3-4640-815B-3B5A8B7D868D}" type="datetimeFigureOut">
               <a:rPr lang="en-US" smtClean="0"/>
-              <a:t>1/9/2025</a:t>
+              <a:t>1/10/2025</a:t>
             </a:fld>
             <a:endParaRPr lang="en-US"/>
           </a:p>
@@ -3159,7 +3074,7 @@
           <a:p>
             <a:fld id="{3881C039-66A3-4640-815B-3B5A8B7D868D}" type="datetimeFigureOut">
               <a:rPr lang="en-US" smtClean="0"/>
-              <a:t>1/9/2025</a:t>
+              <a:t>1/10/2025</a:t>
             </a:fld>
             <a:endParaRPr lang="en-US"/>
           </a:p>
@@ -3424,7 +3339,7 @@
           <a:p>
             <a:fld id="{3881C039-66A3-4640-815B-3B5A8B7D868D}" type="datetimeFigureOut">
               <a:rPr lang="en-US" smtClean="0"/>
-              <a:t>1/9/2025</a:t>
+              <a:t>1/10/2025</a:t>
             </a:fld>
             <a:endParaRPr lang="en-US"/>
           </a:p>
@@ -3836,7 +3751,7 @@
           <a:p>
             <a:fld id="{3881C039-66A3-4640-815B-3B5A8B7D868D}" type="datetimeFigureOut">
               <a:rPr lang="en-US" smtClean="0"/>
-              <a:t>1/9/2025</a:t>
+              <a:t>1/10/2025</a:t>
             </a:fld>
             <a:endParaRPr lang="en-US"/>
           </a:p>
@@ -3977,7 +3892,7 @@
           <a:p>
             <a:fld id="{3881C039-66A3-4640-815B-3B5A8B7D868D}" type="datetimeFigureOut">
               <a:rPr lang="en-US" smtClean="0"/>
-              <a:t>1/9/2025</a:t>
+              <a:t>1/10/2025</a:t>
             </a:fld>
             <a:endParaRPr lang="en-US"/>
           </a:p>
@@ -4090,7 +4005,7 @@
           <a:p>
             <a:fld id="{3881C039-66A3-4640-815B-3B5A8B7D868D}" type="datetimeFigureOut">
               <a:rPr lang="en-US" smtClean="0"/>
-              <a:t>1/9/2025</a:t>
+              <a:t>1/10/2025</a:t>
             </a:fld>
             <a:endParaRPr lang="en-US"/>
           </a:p>
@@ -4401,7 +4316,7 @@
           <a:p>
             <a:fld id="{3881C039-66A3-4640-815B-3B5A8B7D868D}" type="datetimeFigureOut">
               <a:rPr lang="en-US" smtClean="0"/>
-              <a:t>1/9/2025</a:t>
+              <a:t>1/10/2025</a:t>
             </a:fld>
             <a:endParaRPr lang="en-US"/>
           </a:p>
@@ -4689,7 +4604,7 @@
           <a:p>
             <a:fld id="{3881C039-66A3-4640-815B-3B5A8B7D868D}" type="datetimeFigureOut">
               <a:rPr lang="en-US" smtClean="0"/>
-              <a:t>1/9/2025</a:t>
+              <a:t>1/10/2025</a:t>
             </a:fld>
             <a:endParaRPr lang="en-US"/>
           </a:p>
@@ -4933,7 +4848,7 @@
           <a:p>
             <a:fld id="{3881C039-66A3-4640-815B-3B5A8B7D868D}" type="datetimeFigureOut">
               <a:rPr lang="en-US" smtClean="0"/>
-              <a:t>1/9/2025</a:t>
+              <a:t>1/10/2025</a:t>
             </a:fld>
             <a:endParaRPr lang="en-US"/>
           </a:p>
@@ -5697,13 +5612,13 @@
         </p:nvSpPr>
         <p:spPr>
           <a:xfrm>
-            <a:off x="637478" y="2038469"/>
-            <a:ext cx="7168376" cy="1125362"/>
+            <a:off x="838199" y="2021249"/>
+            <a:ext cx="6833347" cy="1132085"/>
           </a:xfrm>
         </p:spPr>
         <p:txBody>
           <a:bodyPr>
-            <a:normAutofit/>
+            <a:normAutofit fontScale="92500"/>
           </a:bodyPr>
           <a:lstStyle/>
           <a:p>
@@ -5716,11 +5631,17 @@
           </a:p>
           <a:p>
             <a:pPr lvl="1"/>
+            <a:endParaRPr lang="en-US" sz="2000" dirty="0">
+              <a:latin typeface="Selawik Semibold" panose="020B0702040204020203" pitchFamily="34" charset="0"/>
+            </a:endParaRPr>
+          </a:p>
+          <a:p>
+            <a:pPr lvl="1"/>
             <a:r>
               <a:rPr lang="en-US" sz="2000" dirty="0">
                 <a:latin typeface="Selawik Semibold" panose="020B0702040204020203" pitchFamily="34" charset="0"/>
               </a:rPr>
-              <a:t>Based on 14 Criteria</a:t>
+              <a:t>Listed from Most to Least Popular</a:t>
             </a:r>
           </a:p>
         </p:txBody>
@@ -6079,8 +6000,8 @@
         </p:nvSpPr>
         <p:spPr>
           <a:xfrm>
-            <a:off x="1078008" y="2741996"/>
-            <a:ext cx="3964639" cy="2308324"/>
+            <a:off x="1210993" y="3080230"/>
+            <a:ext cx="3964639" cy="2862322"/>
           </a:xfrm>
           <a:prstGeom prst="rect">
             <a:avLst/>
@@ -6098,10 +6019,10 @@
               <a:buChar char="•"/>
             </a:pPr>
             <a:r>
-              <a:rPr lang="en-US" sz="1600" dirty="0">
+              <a:rPr lang="en-US" dirty="0">
                 <a:latin typeface="Selawik Semibold" panose="020B0702040204020203" pitchFamily="34" charset="0"/>
               </a:rPr>
-              <a:t>Global Fan Base</a:t>
+              <a:t>Soccer</a:t>
             </a:r>
           </a:p>
           <a:p>
@@ -6110,10 +6031,10 @@
               <a:buChar char="•"/>
             </a:pPr>
             <a:r>
-              <a:rPr lang="en-US" sz="1600" dirty="0">
+              <a:rPr lang="en-US" dirty="0">
                 <a:latin typeface="Selawik Semibold" panose="020B0702040204020203" pitchFamily="34" charset="0"/>
               </a:rPr>
-              <a:t>Viewership on TV</a:t>
+              <a:t>Cricket</a:t>
             </a:r>
           </a:p>
           <a:p>
@@ -6122,10 +6043,10 @@
               <a:buChar char="•"/>
             </a:pPr>
             <a:r>
-              <a:rPr lang="en-US" sz="1600" dirty="0">
+              <a:rPr lang="en-US" dirty="0">
                 <a:latin typeface="Selawik Semibold" panose="020B0702040204020203" pitchFamily="34" charset="0"/>
               </a:rPr>
-              <a:t>TV Rights</a:t>
+              <a:t>Basketball</a:t>
             </a:r>
           </a:p>
           <a:p>
@@ -6134,10 +6055,10 @@
               <a:buChar char="•"/>
             </a:pPr>
             <a:r>
-              <a:rPr lang="en-US" sz="1600" dirty="0">
+              <a:rPr lang="en-US" dirty="0">
                 <a:latin typeface="Selawik Semibold" panose="020B0702040204020203" pitchFamily="34" charset="0"/>
               </a:rPr>
-              <a:t>Internet Popularity</a:t>
+              <a:t>Field/Ice Hockey</a:t>
             </a:r>
           </a:p>
           <a:p>
@@ -6146,10 +6067,10 @@
               <a:buChar char="•"/>
             </a:pPr>
             <a:r>
-              <a:rPr lang="en-US" sz="1600" dirty="0">
+              <a:rPr lang="en-US" dirty="0">
                 <a:latin typeface="Selawik Semibold" panose="020B0702040204020203" pitchFamily="34" charset="0"/>
               </a:rPr>
-              <a:t>Social Media Presence</a:t>
+              <a:t>Tennis</a:t>
             </a:r>
           </a:p>
           <a:p>
@@ -6158,10 +6079,10 @@
               <a:buChar char="•"/>
             </a:pPr>
             <a:r>
-              <a:rPr lang="en-US" sz="1600" dirty="0">
+              <a:rPr lang="en-US" dirty="0">
                 <a:latin typeface="Selawik Semibold" panose="020B0702040204020203" pitchFamily="34" charset="0"/>
               </a:rPr>
-              <a:t>Number of Professional Leagues</a:t>
+              <a:t>Volleyball</a:t>
             </a:r>
           </a:p>
           <a:p>
@@ -6170,10 +6091,10 @@
               <a:buChar char="•"/>
             </a:pPr>
             <a:r>
-              <a:rPr lang="en-US" sz="1600" dirty="0">
+              <a:rPr lang="en-US" dirty="0">
                 <a:latin typeface="Selawik Semibold" panose="020B0702040204020203" pitchFamily="34" charset="0"/>
               </a:rPr>
-              <a:t>Average Salary of Athletes</a:t>
+              <a:t>Table Tennis</a:t>
             </a:r>
           </a:p>
           <a:p>
@@ -6182,10 +6103,10 @@
               <a:buChar char="•"/>
             </a:pPr>
             <a:r>
-              <a:rPr lang="en-US" sz="1600" dirty="0">
+              <a:rPr lang="en-US" dirty="0">
                 <a:latin typeface="Selawik Semibold" panose="020B0702040204020203" pitchFamily="34" charset="0"/>
               </a:rPr>
-              <a:t>Sponsorship</a:t>
+              <a:t>Baseball</a:t>
             </a:r>
           </a:p>
           <a:p>
@@ -6194,107 +6115,31 @@
               <a:buChar char="•"/>
             </a:pPr>
             <a:r>
-              <a:rPr lang="en-US" sz="1600" dirty="0">
+              <a:rPr lang="en-US" dirty="0">
                 <a:latin typeface="Selawik Semibold" panose="020B0702040204020203" pitchFamily="34" charset="0"/>
               </a:rPr>
-              <a:t>Number of Countries</a:t>
-            </a:r>
-            <a:endParaRPr lang="en-US" dirty="0"/>
-          </a:p>
-        </p:txBody>
-      </p:sp>
-      <p:sp>
-        <p:nvSpPr>
-          <p:cNvPr id="7" name="Rectangle 6">
-            <a:extLst>
-              <a:ext uri="{FF2B5EF4-FFF2-40B4-BE49-F238E27FC236}">
-                <a16:creationId xmlns:a16="http://schemas.microsoft.com/office/drawing/2014/main" id="{1DD01DA1-338C-4134-8F28-E709685D35DE}"/>
-              </a:ext>
-            </a:extLst>
-          </p:cNvPr>
-          <p:cNvSpPr/>
-          <p:nvPr/>
-        </p:nvSpPr>
-        <p:spPr>
-          <a:xfrm>
-            <a:off x="1076383" y="4939168"/>
-            <a:ext cx="3970017" cy="1323439"/>
-          </a:xfrm>
-          <a:prstGeom prst="rect">
-            <a:avLst/>
-          </a:prstGeom>
-        </p:spPr>
-        <p:txBody>
-          <a:bodyPr wrap="square">
-            <a:spAutoFit/>
-          </a:bodyPr>
-          <a:lstStyle/>
+              <a:t>American Football/Rugby</a:t>
+            </a:r>
+          </a:p>
           <a:p>
             <a:pPr marL="742950" lvl="1" indent="-285750">
               <a:buFont typeface="Arial" panose="020B0604020202020204" pitchFamily="34" charset="0"/>
               <a:buChar char="•"/>
             </a:pPr>
             <a:r>
-              <a:rPr lang="en-US" sz="1600" dirty="0">
+              <a:rPr lang="en-US" dirty="0">
                 <a:latin typeface="Selawik Semibold" panose="020B0702040204020203" pitchFamily="34" charset="0"/>
               </a:rPr>
-              <a:t>Biggest Competition</a:t>
-            </a:r>
-          </a:p>
-          <a:p>
-            <a:pPr marL="742950" lvl="1" indent="-285750">
-              <a:buFont typeface="Arial" panose="020B0604020202020204" pitchFamily="34" charset="0"/>
-              <a:buChar char="•"/>
-            </a:pPr>
-            <a:r>
-              <a:rPr lang="en-US" sz="1600" dirty="0">
-                <a:latin typeface="Selawik Semibold" panose="020B0702040204020203" pitchFamily="34" charset="0"/>
-              </a:rPr>
-              <a:t>Gender equality</a:t>
-            </a:r>
-          </a:p>
-          <a:p>
-            <a:pPr marL="742950" lvl="1" indent="-285750">
-              <a:buFont typeface="Arial" panose="020B0604020202020204" pitchFamily="34" charset="0"/>
-              <a:buChar char="•"/>
-            </a:pPr>
-            <a:r>
-              <a:rPr lang="en-US" sz="1600" dirty="0">
-                <a:latin typeface="Selawik Semibold" panose="020B0702040204020203" pitchFamily="34" charset="0"/>
-              </a:rPr>
-              <a:t>Access to the General Public</a:t>
-            </a:r>
-          </a:p>
-          <a:p>
-            <a:pPr marL="742950" lvl="1" indent="-285750">
-              <a:buFont typeface="Arial" panose="020B0604020202020204" pitchFamily="34" charset="0"/>
-              <a:buChar char="•"/>
-            </a:pPr>
-            <a:r>
-              <a:rPr lang="en-US" sz="1600" dirty="0">
-                <a:latin typeface="Selawik Semibold" panose="020B0702040204020203" pitchFamily="34" charset="0"/>
-              </a:rPr>
-              <a:t>Number of Amateurs</a:t>
-            </a:r>
-          </a:p>
-          <a:p>
-            <a:pPr marL="742950" lvl="1" indent="-285750">
-              <a:buFont typeface="Arial" panose="020B0604020202020204" pitchFamily="34" charset="0"/>
-              <a:buChar char="•"/>
-            </a:pPr>
-            <a:r>
-              <a:rPr lang="en-US" sz="1600" dirty="0">
-                <a:latin typeface="Selawik Semibold" panose="020B0702040204020203" pitchFamily="34" charset="0"/>
-              </a:rPr>
-              <a:t>Prominence in Headlines</a:t>
-            </a:r>
+              <a:t>Golf</a:t>
+            </a:r>
+            <a:endParaRPr lang="en-US" dirty="0"/>
           </a:p>
         </p:txBody>
       </p:sp>
     </p:spTree>
     <p:extLst>
       <p:ext uri="{BB962C8B-B14F-4D97-AF65-F5344CB8AC3E}">
-        <p14:creationId xmlns:p14="http://schemas.microsoft.com/office/powerpoint/2010/main" val="3372904333"/>
+        <p14:creationId xmlns:p14="http://schemas.microsoft.com/office/powerpoint/2010/main" val="1787284565"/>
       </p:ext>
     </p:extLst>
   </p:cSld>
@@ -6447,13 +6292,13 @@
         </p:nvSpPr>
         <p:spPr>
           <a:xfrm>
-            <a:off x="838199" y="2021249"/>
-            <a:ext cx="6833347" cy="1132085"/>
+            <a:off x="838200" y="2021249"/>
+            <a:ext cx="7267832" cy="4527469"/>
           </a:xfrm>
         </p:spPr>
         <p:txBody>
           <a:bodyPr>
-            <a:normAutofit fontScale="92500"/>
+            <a:normAutofit/>
           </a:bodyPr>
           <a:lstStyle/>
           <a:p>
@@ -6461,12 +6306,14 @@
               <a:rPr lang="en-US" sz="2400" dirty="0">
                 <a:latin typeface="Selawik Semibold" panose="020B0702040204020203" pitchFamily="34" charset="0"/>
               </a:rPr>
-              <a:t>Most Popular World Sports (sportsmonkie.com)</a:t>
-            </a:r>
-          </a:p>
-          <a:p>
-            <a:pPr lvl="1"/>
-            <a:endParaRPr lang="en-US" sz="2000" dirty="0">
+              <a:t>Most Popular US Sports (Gallup.com)</a:t>
+            </a:r>
+          </a:p>
+          <a:p>
+            <a:pPr marL="457200" lvl="1" indent="0">
+              <a:buNone/>
+            </a:pPr>
+            <a:endParaRPr lang="en-US" sz="1600" dirty="0">
               <a:latin typeface="Selawik Semibold" panose="020B0702040204020203" pitchFamily="34" charset="0"/>
             </a:endParaRPr>
           </a:p>
@@ -6476,7 +6323,61 @@
               <a:rPr lang="en-US" sz="2000" dirty="0">
                 <a:latin typeface="Selawik Semibold" panose="020B0702040204020203" pitchFamily="34" charset="0"/>
               </a:rPr>
-              <a:t>Listed from Most to Least Popular</a:t>
+              <a:t>41% of US Adults Say Football is “Favorite”</a:t>
+            </a:r>
+          </a:p>
+          <a:p>
+            <a:pPr lvl="1"/>
+            <a:r>
+              <a:rPr lang="en-US" sz="2000" dirty="0">
+                <a:latin typeface="Selawik Semibold" panose="020B0702040204020203" pitchFamily="34" charset="0"/>
+              </a:rPr>
+              <a:t>Football has been “Favorite” Since 1972</a:t>
+            </a:r>
+          </a:p>
+          <a:p>
+            <a:pPr lvl="1"/>
+            <a:r>
+              <a:rPr lang="en-US" sz="2000" dirty="0">
+                <a:latin typeface="Selawik Semibold" panose="020B0702040204020203" pitchFamily="34" charset="0"/>
+              </a:rPr>
+              <a:t>Not True with Young Adults (Basketball)</a:t>
+            </a:r>
+          </a:p>
+          <a:p>
+            <a:pPr lvl="1"/>
+            <a:r>
+              <a:rPr lang="en-US" sz="2000" dirty="0">
+                <a:latin typeface="Selawik Semibold" panose="020B0702040204020203" pitchFamily="34" charset="0"/>
+              </a:rPr>
+              <a:t>Soccer is Interesting</a:t>
+            </a:r>
+          </a:p>
+          <a:p>
+            <a:pPr lvl="2"/>
+            <a:r>
+              <a:rPr lang="en-US" sz="1600" dirty="0">
+                <a:latin typeface="Selawik Semibold" panose="020B0702040204020203" pitchFamily="34" charset="0"/>
+              </a:rPr>
+              <a:t>&lt;2% Prior to 2004</a:t>
+            </a:r>
+          </a:p>
+          <a:p>
+            <a:pPr lvl="2"/>
+            <a:r>
+              <a:rPr lang="en-US" sz="1600" dirty="0">
+                <a:latin typeface="Selawik Semibold" panose="020B0702040204020203" pitchFamily="34" charset="0"/>
+              </a:rPr>
+              <a:t>Consistently Above 2% Since 2008 (High of 7%)</a:t>
+            </a:r>
+          </a:p>
+          <a:p>
+            <a:pPr lvl="1"/>
+            <a:r>
+              <a:rPr lang="en-US" sz="2000" dirty="0">
+                <a:latin typeface="Selawik Semibold" panose="020B0702040204020203" pitchFamily="34" charset="0"/>
+              </a:rPr>
+              <a:t>Updated to 2024</a:t>
             </a:r>
           </a:p>
         </p:txBody>
@@ -6821,160 +6722,45 @@
           </a:p>
         </p:txBody>
       </p:sp>
-      <p:sp>
-        <p:nvSpPr>
-          <p:cNvPr id="3" name="TextBox 2">
-            <a:extLst>
-              <a:ext uri="{FF2B5EF4-FFF2-40B4-BE49-F238E27FC236}">
-                <a16:creationId xmlns:a16="http://schemas.microsoft.com/office/drawing/2014/main" id="{4D2D036B-AB3A-4C0B-ADAC-DCBDAFCE8A9B}"/>
-              </a:ext>
-            </a:extLst>
-          </p:cNvPr>
-          <p:cNvSpPr txBox="1"/>
+      <p:pic>
+        <p:nvPicPr>
+          <p:cNvPr id="7" name="Picture 6" descr="A graph of a sports game&#10;&#10;Description automatically generated with medium confidence">
+            <a:extLst>
+              <a:ext uri="{FF2B5EF4-FFF2-40B4-BE49-F238E27FC236}">
+                <a16:creationId xmlns:a16="http://schemas.microsoft.com/office/drawing/2014/main" id="{F2DEBC7F-F0CF-0154-04EC-9F63294FFEFF}"/>
+              </a:ext>
+            </a:extLst>
+          </p:cNvPr>
+          <p:cNvPicPr>
+            <a:picLocks noChangeAspect="1"/>
+          </p:cNvPicPr>
           <p:nvPr/>
-        </p:nvSpPr>
-        <p:spPr>
-          <a:xfrm>
-            <a:off x="1210993" y="3080230"/>
-            <a:ext cx="3964639" cy="2862322"/>
+        </p:nvPicPr>
+        <p:blipFill>
+          <a:blip r:embed="rId5">
+            <a:extLst>
+              <a:ext uri="{28A0092B-C50C-407E-A947-70E740481C1C}">
+                <a14:useLocalDpi xmlns:a14="http://schemas.microsoft.com/office/drawing/2010/main" val="0"/>
+              </a:ext>
+            </a:extLst>
+          </a:blip>
+          <a:srcRect t="12660" b="9313"/>
+          <a:stretch/>
+        </p:blipFill>
+        <p:spPr>
+          <a:xfrm>
+            <a:off x="7466250" y="3628266"/>
+            <a:ext cx="4725750" cy="3088888"/>
           </a:xfrm>
           <a:prstGeom prst="rect">
             <a:avLst/>
           </a:prstGeom>
-          <a:noFill/>
-        </p:spPr>
-        <p:txBody>
-          <a:bodyPr wrap="square" rtlCol="0">
-            <a:spAutoFit/>
-          </a:bodyPr>
-          <a:lstStyle/>
-          <a:p>
-            <a:pPr marL="742950" lvl="1" indent="-285750">
-              <a:buFont typeface="Arial" panose="020B0604020202020204" pitchFamily="34" charset="0"/>
-              <a:buChar char="•"/>
-            </a:pPr>
-            <a:r>
-              <a:rPr lang="en-US" dirty="0">
-                <a:latin typeface="Selawik Semibold" panose="020B0702040204020203" pitchFamily="34" charset="0"/>
-              </a:rPr>
-              <a:t>Soccer</a:t>
-            </a:r>
-          </a:p>
-          <a:p>
-            <a:pPr marL="742950" lvl="1" indent="-285750">
-              <a:buFont typeface="Arial" panose="020B0604020202020204" pitchFamily="34" charset="0"/>
-              <a:buChar char="•"/>
-            </a:pPr>
-            <a:r>
-              <a:rPr lang="en-US" dirty="0">
-                <a:latin typeface="Selawik Semibold" panose="020B0702040204020203" pitchFamily="34" charset="0"/>
-              </a:rPr>
-              <a:t>Cricket</a:t>
-            </a:r>
-          </a:p>
-          <a:p>
-            <a:pPr marL="742950" lvl="1" indent="-285750">
-              <a:buFont typeface="Arial" panose="020B0604020202020204" pitchFamily="34" charset="0"/>
-              <a:buChar char="•"/>
-            </a:pPr>
-            <a:r>
-              <a:rPr lang="en-US" dirty="0">
-                <a:latin typeface="Selawik Semibold" panose="020B0702040204020203" pitchFamily="34" charset="0"/>
-              </a:rPr>
-              <a:t>Basketball</a:t>
-            </a:r>
-          </a:p>
-          <a:p>
-            <a:pPr marL="742950" lvl="1" indent="-285750">
-              <a:buFont typeface="Arial" panose="020B0604020202020204" pitchFamily="34" charset="0"/>
-              <a:buChar char="•"/>
-            </a:pPr>
-            <a:r>
-              <a:rPr lang="en-US" dirty="0">
-                <a:latin typeface="Selawik Semibold" panose="020B0702040204020203" pitchFamily="34" charset="0"/>
-              </a:rPr>
-              <a:t>Field/Ice Hockey</a:t>
-            </a:r>
-          </a:p>
-          <a:p>
-            <a:pPr marL="742950" lvl="1" indent="-285750">
-              <a:buFont typeface="Arial" panose="020B0604020202020204" pitchFamily="34" charset="0"/>
-              <a:buChar char="•"/>
-            </a:pPr>
-            <a:r>
-              <a:rPr lang="en-US" dirty="0">
-                <a:latin typeface="Selawik Semibold" panose="020B0702040204020203" pitchFamily="34" charset="0"/>
-              </a:rPr>
-              <a:t>Tennis</a:t>
-            </a:r>
-          </a:p>
-          <a:p>
-            <a:pPr marL="742950" lvl="1" indent="-285750">
-              <a:buFont typeface="Arial" panose="020B0604020202020204" pitchFamily="34" charset="0"/>
-              <a:buChar char="•"/>
-            </a:pPr>
-            <a:r>
-              <a:rPr lang="en-US" dirty="0">
-                <a:latin typeface="Selawik Semibold" panose="020B0702040204020203" pitchFamily="34" charset="0"/>
-              </a:rPr>
-              <a:t>Volleyball</a:t>
-            </a:r>
-          </a:p>
-          <a:p>
-            <a:pPr marL="742950" lvl="1" indent="-285750">
-              <a:buFont typeface="Arial" panose="020B0604020202020204" pitchFamily="34" charset="0"/>
-              <a:buChar char="•"/>
-            </a:pPr>
-            <a:r>
-              <a:rPr lang="en-US" dirty="0">
-                <a:latin typeface="Selawik Semibold" panose="020B0702040204020203" pitchFamily="34" charset="0"/>
-              </a:rPr>
-              <a:t>Table Tennis</a:t>
-            </a:r>
-          </a:p>
-          <a:p>
-            <a:pPr marL="742950" lvl="1" indent="-285750">
-              <a:buFont typeface="Arial" panose="020B0604020202020204" pitchFamily="34" charset="0"/>
-              <a:buChar char="•"/>
-            </a:pPr>
-            <a:r>
-              <a:rPr lang="en-US" dirty="0">
-                <a:latin typeface="Selawik Semibold" panose="020B0702040204020203" pitchFamily="34" charset="0"/>
-              </a:rPr>
-              <a:t>Baseball</a:t>
-            </a:r>
-          </a:p>
-          <a:p>
-            <a:pPr marL="742950" lvl="1" indent="-285750">
-              <a:buFont typeface="Arial" panose="020B0604020202020204" pitchFamily="34" charset="0"/>
-              <a:buChar char="•"/>
-            </a:pPr>
-            <a:r>
-              <a:rPr lang="en-US" dirty="0">
-                <a:latin typeface="Selawik Semibold" panose="020B0702040204020203" pitchFamily="34" charset="0"/>
-              </a:rPr>
-              <a:t>American Football/Rugby</a:t>
-            </a:r>
-          </a:p>
-          <a:p>
-            <a:pPr marL="742950" lvl="1" indent="-285750">
-              <a:buFont typeface="Arial" panose="020B0604020202020204" pitchFamily="34" charset="0"/>
-              <a:buChar char="•"/>
-            </a:pPr>
-            <a:r>
-              <a:rPr lang="en-US" dirty="0">
-                <a:latin typeface="Selawik Semibold" panose="020B0702040204020203" pitchFamily="34" charset="0"/>
-              </a:rPr>
-              <a:t>Golf</a:t>
-            </a:r>
-            <a:endParaRPr lang="en-US" dirty="0"/>
-          </a:p>
-        </p:txBody>
-      </p:sp>
+        </p:spPr>
+      </p:pic>
     </p:spTree>
     <p:extLst>
       <p:ext uri="{BB962C8B-B14F-4D97-AF65-F5344CB8AC3E}">
-        <p14:creationId xmlns:p14="http://schemas.microsoft.com/office/powerpoint/2010/main" val="1787284565"/>
+        <p14:creationId xmlns:p14="http://schemas.microsoft.com/office/powerpoint/2010/main" val="540105019"/>
       </p:ext>
     </p:extLst>
   </p:cSld>
@@ -7141,78 +6927,7 @@
               <a:rPr lang="en-US" sz="2400" dirty="0">
                 <a:latin typeface="Selawik Semibold" panose="020B0702040204020203" pitchFamily="34" charset="0"/>
               </a:rPr>
-              <a:t>Most Popular US Sports (Gallup.com)</a:t>
-            </a:r>
-          </a:p>
-          <a:p>
-            <a:pPr marL="457200" lvl="1" indent="0">
-              <a:buNone/>
-            </a:pPr>
-            <a:endParaRPr lang="en-US" sz="1600" dirty="0">
-              <a:latin typeface="Selawik Semibold" panose="020B0702040204020203" pitchFamily="34" charset="0"/>
-            </a:endParaRPr>
-          </a:p>
-          <a:p>
-            <a:pPr lvl="1"/>
-            <a:r>
-              <a:rPr lang="en-US" sz="2000" dirty="0">
-                <a:latin typeface="Selawik Semibold" panose="020B0702040204020203" pitchFamily="34" charset="0"/>
-              </a:rPr>
-              <a:t>41% of US Adults Say Football is “Favorite”</a:t>
-            </a:r>
-          </a:p>
-          <a:p>
-            <a:pPr lvl="1"/>
-            <a:r>
-              <a:rPr lang="en-US" sz="2000" dirty="0">
-                <a:latin typeface="Selawik Semibold" panose="020B0702040204020203" pitchFamily="34" charset="0"/>
-              </a:rPr>
-              <a:t>Football has been “Favorite” Since 1972</a:t>
-            </a:r>
-          </a:p>
-          <a:p>
-            <a:pPr lvl="1"/>
-            <a:r>
-              <a:rPr lang="en-US" sz="2000" dirty="0">
-                <a:latin typeface="Selawik Semibold" panose="020B0702040204020203" pitchFamily="34" charset="0"/>
-              </a:rPr>
-              <a:t>Not True with Young Adults (Basketball)</a:t>
-            </a:r>
-          </a:p>
-          <a:p>
-            <a:pPr lvl="1"/>
-            <a:r>
-              <a:rPr lang="en-US" sz="2000" dirty="0">
-                <a:latin typeface="Selawik Semibold" panose="020B0702040204020203" pitchFamily="34" charset="0"/>
-              </a:rPr>
-              <a:t>Soccer is Interesting</a:t>
-            </a:r>
-          </a:p>
-          <a:p>
-            <a:pPr lvl="2"/>
-            <a:r>
-              <a:rPr lang="en-US" sz="1600" dirty="0">
-                <a:latin typeface="Selawik Semibold" panose="020B0702040204020203" pitchFamily="34" charset="0"/>
-              </a:rPr>
-              <a:t>&lt;2% Prior to 2004</a:t>
-            </a:r>
-          </a:p>
-          <a:p>
-            <a:pPr lvl="2"/>
-            <a:r>
-              <a:rPr lang="en-US" sz="1600" dirty="0">
-                <a:latin typeface="Selawik Semibold" panose="020B0702040204020203" pitchFamily="34" charset="0"/>
-              </a:rPr>
-              <a:t>Consistently Above 2% Since 2008 (High of 7%)</a:t>
-            </a:r>
-          </a:p>
-          <a:p>
-            <a:pPr lvl="1"/>
-            <a:r>
-              <a:rPr lang="en-US" sz="2000" dirty="0">
-                <a:latin typeface="Selawik Semibold" panose="020B0702040204020203" pitchFamily="34" charset="0"/>
-              </a:rPr>
-              <a:t>Updated to 2024</a:t>
+              <a:t>Infographic About US Sports (Statista.com)</a:t>
             </a:r>
           </a:p>
         </p:txBody>
@@ -7559,10 +7274,10 @@
       </p:sp>
       <p:pic>
         <p:nvPicPr>
-          <p:cNvPr id="7" name="Picture 6" descr="A graph of a sports game&#10;&#10;Description automatically generated with medium confidence">
-            <a:extLst>
-              <a:ext uri="{FF2B5EF4-FFF2-40B4-BE49-F238E27FC236}">
-                <a16:creationId xmlns:a16="http://schemas.microsoft.com/office/drawing/2014/main" id="{F2DEBC7F-F0CF-0154-04EC-9F63294FFEFF}"/>
+          <p:cNvPr id="7" name="Picture 6">
+            <a:extLst>
+              <a:ext uri="{FF2B5EF4-FFF2-40B4-BE49-F238E27FC236}">
+                <a16:creationId xmlns:a16="http://schemas.microsoft.com/office/drawing/2014/main" id="{8B20B5FC-5E6F-0792-CFD6-8F2ED59738FD}"/>
               </a:ext>
             </a:extLst>
           </p:cNvPr>
@@ -7572,20 +7287,15 @@
           <p:nvPr/>
         </p:nvPicPr>
         <p:blipFill>
-          <a:blip r:embed="rId5">
-            <a:extLst>
-              <a:ext uri="{28A0092B-C50C-407E-A947-70E740481C1C}">
-                <a14:useLocalDpi xmlns:a14="http://schemas.microsoft.com/office/drawing/2010/main" val="0"/>
-              </a:ext>
-            </a:extLst>
-          </a:blip>
-          <a:srcRect t="12660" b="9313"/>
-          <a:stretch/>
+          <a:blip r:embed="rId5"/>
+          <a:stretch>
+            <a:fillRect/>
+          </a:stretch>
         </p:blipFill>
         <p:spPr>
           <a:xfrm>
-            <a:off x="7466250" y="3628266"/>
-            <a:ext cx="4725750" cy="3088888"/>
+            <a:off x="1144950" y="2473807"/>
+            <a:ext cx="4652345" cy="4243347"/>
           </a:xfrm>
           <a:prstGeom prst="rect">
             <a:avLst/>
@@ -7595,7 +7305,7 @@
     </p:spTree>
     <p:extLst>
       <p:ext uri="{BB962C8B-B14F-4D97-AF65-F5344CB8AC3E}">
-        <p14:creationId xmlns:p14="http://schemas.microsoft.com/office/powerpoint/2010/main" val="540105019"/>
+        <p14:creationId xmlns:p14="http://schemas.microsoft.com/office/powerpoint/2010/main" val="4031959493"/>
       </p:ext>
     </p:extLst>
   </p:cSld>
@@ -7748,8 +7458,8 @@
         </p:nvSpPr>
         <p:spPr>
           <a:xfrm>
-            <a:off x="838200" y="2021249"/>
-            <a:ext cx="7267832" cy="4527469"/>
+            <a:off x="838199" y="2021250"/>
+            <a:ext cx="6632943" cy="486626"/>
           </a:xfrm>
         </p:spPr>
         <p:txBody>
@@ -7762,8 +7472,14 @@
               <a:rPr lang="en-US" sz="2400" dirty="0">
                 <a:latin typeface="Selawik Semibold" panose="020B0702040204020203" pitchFamily="34" charset="0"/>
               </a:rPr>
-              <a:t>Infographic About US Sports (Statista.com)</a:t>
-            </a:r>
+              <a:t>Revenue in Sports Leagues (Forbes 2022)</a:t>
+            </a:r>
+          </a:p>
+          <a:p>
+            <a:pPr lvl="1"/>
+            <a:endParaRPr lang="en-US" sz="2000" dirty="0">
+              <a:latin typeface="Selawik Semibold" panose="020B0702040204020203" pitchFamily="34" charset="0"/>
+            </a:endParaRPr>
           </a:p>
         </p:txBody>
       </p:sp>
@@ -8109,10 +7825,10 @@
       </p:sp>
       <p:pic>
         <p:nvPicPr>
-          <p:cNvPr id="7" name="Picture 6">
-            <a:extLst>
-              <a:ext uri="{FF2B5EF4-FFF2-40B4-BE49-F238E27FC236}">
-                <a16:creationId xmlns:a16="http://schemas.microsoft.com/office/drawing/2014/main" id="{8B20B5FC-5E6F-0792-CFD6-8F2ED59738FD}"/>
+          <p:cNvPr id="7" name="Picture 6" descr="Chart, bar chart&#10;&#10;Description automatically generated">
+            <a:extLst>
+              <a:ext uri="{FF2B5EF4-FFF2-40B4-BE49-F238E27FC236}">
+                <a16:creationId xmlns:a16="http://schemas.microsoft.com/office/drawing/2014/main" id="{00CA4986-23D4-59DC-3076-556D48B155D4}"/>
               </a:ext>
             </a:extLst>
           </p:cNvPr>
@@ -8122,15 +7838,21 @@
           <p:nvPr/>
         </p:nvPicPr>
         <p:blipFill>
-          <a:blip r:embed="rId5"/>
+          <a:blip r:embed="rId5">
+            <a:extLst>
+              <a:ext uri="{28A0092B-C50C-407E-A947-70E740481C1C}">
+                <a14:useLocalDpi xmlns:a14="http://schemas.microsoft.com/office/drawing/2010/main" val="0"/>
+              </a:ext>
+            </a:extLst>
+          </a:blip>
           <a:stretch>
             <a:fillRect/>
           </a:stretch>
         </p:blipFill>
         <p:spPr>
           <a:xfrm>
-            <a:off x="1144950" y="2473807"/>
-            <a:ext cx="4652345" cy="4243347"/>
+            <a:off x="1146901" y="2507876"/>
+            <a:ext cx="4527334" cy="4071344"/>
           </a:xfrm>
           <a:prstGeom prst="rect">
             <a:avLst/>
@@ -8140,7 +7862,7 @@
     </p:spTree>
     <p:extLst>
       <p:ext uri="{BB962C8B-B14F-4D97-AF65-F5344CB8AC3E}">
-        <p14:creationId xmlns:p14="http://schemas.microsoft.com/office/powerpoint/2010/main" val="4031959493"/>
+        <p14:creationId xmlns:p14="http://schemas.microsoft.com/office/powerpoint/2010/main" val="4260432087"/>
       </p:ext>
     </p:extLst>
   </p:cSld>
@@ -8660,10 +8382,10 @@
       </p:sp>
       <p:pic>
         <p:nvPicPr>
-          <p:cNvPr id="7" name="Picture 6" descr="Chart, bar chart&#10;&#10;Description automatically generated">
-            <a:extLst>
-              <a:ext uri="{FF2B5EF4-FFF2-40B4-BE49-F238E27FC236}">
-                <a16:creationId xmlns:a16="http://schemas.microsoft.com/office/drawing/2014/main" id="{00CA4986-23D4-59DC-3076-556D48B155D4}"/>
+          <p:cNvPr id="8" name="Picture 7" descr="Graphical user interface, application&#10;&#10;Description automatically generated">
+            <a:extLst>
+              <a:ext uri="{FF2B5EF4-FFF2-40B4-BE49-F238E27FC236}">
+                <a16:creationId xmlns:a16="http://schemas.microsoft.com/office/drawing/2014/main" id="{41A55D49-6774-0F25-43B3-8A9BC696729C}"/>
               </a:ext>
             </a:extLst>
           </p:cNvPr>
@@ -8686,8 +8408,8 @@
         </p:blipFill>
         <p:spPr>
           <a:xfrm>
-            <a:off x="1146901" y="2507876"/>
-            <a:ext cx="4527334" cy="4071344"/>
+            <a:off x="1188646" y="2507876"/>
+            <a:ext cx="6467832" cy="2315274"/>
           </a:xfrm>
           <a:prstGeom prst="rect">
             <a:avLst/>
@@ -8697,7 +8419,7 @@
     </p:spTree>
     <p:extLst>
       <p:ext uri="{BB962C8B-B14F-4D97-AF65-F5344CB8AC3E}">
-        <p14:creationId xmlns:p14="http://schemas.microsoft.com/office/powerpoint/2010/main" val="4260432087"/>
+        <p14:creationId xmlns:p14="http://schemas.microsoft.com/office/powerpoint/2010/main" val="1393550825"/>
       </p:ext>
     </p:extLst>
   </p:cSld>
@@ -8850,13 +8572,13 @@
         </p:nvSpPr>
         <p:spPr>
           <a:xfrm>
-            <a:off x="838199" y="2021250"/>
-            <a:ext cx="6632943" cy="486626"/>
+            <a:off x="838199" y="2021249"/>
+            <a:ext cx="7324166" cy="4581257"/>
           </a:xfrm>
         </p:spPr>
         <p:txBody>
           <a:bodyPr>
-            <a:normAutofit/>
+            <a:normAutofit lnSpcReduction="10000"/>
           </a:bodyPr>
           <a:lstStyle/>
           <a:p>
@@ -8864,8 +8586,136 @@
               <a:rPr lang="en-US" sz="2400" dirty="0">
                 <a:latin typeface="Selawik Semibold" panose="020B0702040204020203" pitchFamily="34" charset="0"/>
               </a:rPr>
-              <a:t>Revenue in Sports Leagues (Forbes 2022)</a:t>
-            </a:r>
+              <a:t>Revenue in Sports Leagues (Wikipedia)</a:t>
+            </a:r>
+          </a:p>
+          <a:p>
+            <a:pPr marL="457200" lvl="1" indent="0">
+              <a:buNone/>
+            </a:pPr>
+            <a:endParaRPr lang="en-US" sz="2000" dirty="0">
+              <a:latin typeface="Selawik Semibold" panose="020B0702040204020203" pitchFamily="34" charset="0"/>
+            </a:endParaRPr>
+          </a:p>
+          <a:p>
+            <a:pPr lvl="1"/>
+            <a:r>
+              <a:rPr lang="en-US" sz="2000" dirty="0">
+                <a:latin typeface="Selawik Semibold" panose="020B0702040204020203" pitchFamily="34" charset="0"/>
+              </a:rPr>
+              <a:t>List Based off Most Recent Data (in Euro)</a:t>
+            </a:r>
+          </a:p>
+          <a:p>
+            <a:pPr lvl="2"/>
+            <a:r>
+              <a:rPr lang="en-US" sz="1600" dirty="0">
+                <a:latin typeface="Selawik Semibold" panose="020B0702040204020203" pitchFamily="34" charset="0"/>
+              </a:rPr>
+              <a:t>NFL (American Football,18.027 Billion)</a:t>
+            </a:r>
+          </a:p>
+          <a:p>
+            <a:pPr lvl="2"/>
+            <a:r>
+              <a:rPr lang="en-US" sz="1600" dirty="0">
+                <a:latin typeface="Selawik Semibold" panose="020B0702040204020203" pitchFamily="34" charset="0"/>
+              </a:rPr>
+              <a:t>MLB (Baseball, 10.07 Billion)</a:t>
+            </a:r>
+          </a:p>
+          <a:p>
+            <a:pPr lvl="2"/>
+            <a:r>
+              <a:rPr lang="en-US" sz="1600" dirty="0">
+                <a:latin typeface="Selawik Semibold" panose="020B0702040204020203" pitchFamily="34" charset="0"/>
+              </a:rPr>
+              <a:t>NBA (Basketball, 9.951 Billion)</a:t>
+            </a:r>
+          </a:p>
+          <a:p>
+            <a:pPr lvl="2"/>
+            <a:r>
+              <a:rPr lang="en-US" sz="1600" dirty="0">
+                <a:latin typeface="Selawik Semibold" panose="020B0702040204020203" pitchFamily="34" charset="0"/>
+              </a:rPr>
+              <a:t>EPL (Soccer, 6.442 Billion, England)</a:t>
+            </a:r>
+          </a:p>
+          <a:p>
+            <a:pPr lvl="2"/>
+            <a:r>
+              <a:rPr lang="en-US" sz="1600" dirty="0">
+                <a:latin typeface="Selawik Semibold" panose="020B0702040204020203" pitchFamily="34" charset="0"/>
+              </a:rPr>
+              <a:t>NHL (Hockey, 1.4 Billion)</a:t>
+            </a:r>
+          </a:p>
+          <a:p>
+            <a:pPr lvl="2"/>
+            <a:r>
+              <a:rPr lang="en-US" sz="1600" dirty="0">
+                <a:latin typeface="Selawik Semibold" panose="020B0702040204020203" pitchFamily="34" charset="0"/>
+              </a:rPr>
+              <a:t>La Liga (Soccer, 4.443 Billion, Spain)</a:t>
+            </a:r>
+          </a:p>
+          <a:p>
+            <a:pPr lvl="2"/>
+            <a:r>
+              <a:rPr lang="en-US" sz="1600" dirty="0">
+                <a:latin typeface="Selawik Semibold" panose="020B0702040204020203" pitchFamily="34" charset="0"/>
+              </a:rPr>
+              <a:t>Bundesliga (Soccer, 3.610 Billion, Germany)</a:t>
+            </a:r>
+          </a:p>
+          <a:p>
+            <a:pPr lvl="2"/>
+            <a:r>
+              <a:rPr lang="en-US" sz="1600" dirty="0">
+                <a:latin typeface="Selawik Semibold" panose="020B0702040204020203" pitchFamily="34" charset="0"/>
+              </a:rPr>
+              <a:t>Serie A (Soccer, 2.927 Billion, Italy)</a:t>
+            </a:r>
+          </a:p>
+          <a:p>
+            <a:pPr lvl="2"/>
+            <a:r>
+              <a:rPr lang="en-US" sz="1600" dirty="0">
+                <a:latin typeface="Selawik Semibold" panose="020B0702040204020203" pitchFamily="34" charset="0"/>
+              </a:rPr>
+              <a:t>Ligue 1 (Soccer, 2.407 Billion, France)</a:t>
+            </a:r>
+          </a:p>
+          <a:p>
+            <a:pPr lvl="2"/>
+            <a:r>
+              <a:rPr lang="en-US" sz="1600" dirty="0">
+                <a:latin typeface="Selawik Semibold" panose="020B0702040204020203" pitchFamily="34" charset="0"/>
+              </a:rPr>
+              <a:t>NPB (Baseball, 1.506 Billion, Japan)</a:t>
+            </a:r>
+          </a:p>
+          <a:p>
+            <a:pPr lvl="1"/>
+            <a:endParaRPr lang="en-US" sz="2000" dirty="0">
+              <a:latin typeface="Selawik Semibold" panose="020B0702040204020203" pitchFamily="34" charset="0"/>
+            </a:endParaRPr>
+          </a:p>
+          <a:p>
+            <a:pPr lvl="1"/>
+            <a:r>
+              <a:rPr lang="en-US" sz="2000" dirty="0">
+                <a:latin typeface="Selawik Semibold" panose="020B0702040204020203" pitchFamily="34" charset="0"/>
+              </a:rPr>
+              <a:t>Compare Revenue Per Team and Revenue Per Match</a:t>
+            </a:r>
+          </a:p>
+          <a:p>
+            <a:pPr lvl="1"/>
+            <a:endParaRPr lang="en-US" sz="2000" dirty="0">
+              <a:latin typeface="Selawik Semibold" panose="020B0702040204020203" pitchFamily="34" charset="0"/>
+            </a:endParaRPr>
           </a:p>
           <a:p>
             <a:pPr lvl="1"/>
@@ -9215,46 +9065,10 @@
           </a:p>
         </p:txBody>
       </p:sp>
-      <p:pic>
-        <p:nvPicPr>
-          <p:cNvPr id="8" name="Picture 7" descr="Graphical user interface, application&#10;&#10;Description automatically generated">
-            <a:extLst>
-              <a:ext uri="{FF2B5EF4-FFF2-40B4-BE49-F238E27FC236}">
-                <a16:creationId xmlns:a16="http://schemas.microsoft.com/office/drawing/2014/main" id="{41A55D49-6774-0F25-43B3-8A9BC696729C}"/>
-              </a:ext>
-            </a:extLst>
-          </p:cNvPr>
-          <p:cNvPicPr>
-            <a:picLocks noChangeAspect="1"/>
-          </p:cNvPicPr>
-          <p:nvPr/>
-        </p:nvPicPr>
-        <p:blipFill>
-          <a:blip r:embed="rId5">
-            <a:extLst>
-              <a:ext uri="{28A0092B-C50C-407E-A947-70E740481C1C}">
-                <a14:useLocalDpi xmlns:a14="http://schemas.microsoft.com/office/drawing/2010/main" val="0"/>
-              </a:ext>
-            </a:extLst>
-          </a:blip>
-          <a:stretch>
-            <a:fillRect/>
-          </a:stretch>
-        </p:blipFill>
-        <p:spPr>
-          <a:xfrm>
-            <a:off x="1188646" y="2507876"/>
-            <a:ext cx="6467832" cy="2315274"/>
-          </a:xfrm>
-          <a:prstGeom prst="rect">
-            <a:avLst/>
-          </a:prstGeom>
-        </p:spPr>
-      </p:pic>
     </p:spTree>
     <p:extLst>
       <p:ext uri="{BB962C8B-B14F-4D97-AF65-F5344CB8AC3E}">
-        <p14:creationId xmlns:p14="http://schemas.microsoft.com/office/powerpoint/2010/main" val="1393550825"/>
+        <p14:creationId xmlns:p14="http://schemas.microsoft.com/office/powerpoint/2010/main" val="80295406"/>
       </p:ext>
     </p:extLst>
   </p:cSld>
@@ -9413,7 +9227,7 @@
         </p:spPr>
         <p:txBody>
           <a:bodyPr>
-            <a:normAutofit lnSpcReduction="10000"/>
+            <a:normAutofit/>
           </a:bodyPr>
           <a:lstStyle/>
           <a:p>
@@ -9421,130 +9235,11 @@
               <a:rPr lang="en-US" sz="2400" dirty="0">
                 <a:latin typeface="Selawik Semibold" panose="020B0702040204020203" pitchFamily="34" charset="0"/>
               </a:rPr>
-              <a:t>Revenue in Sports Leagues (Wikipedia)</a:t>
-            </a:r>
-          </a:p>
-          <a:p>
-            <a:pPr marL="457200" lvl="1" indent="0">
-              <a:buNone/>
-            </a:pPr>
+              <a:t>Growth in Team Sports (sisugaurd.com)</a:t>
+            </a:r>
             <a:endParaRPr lang="en-US" sz="2000" dirty="0">
               <a:latin typeface="Selawik Semibold" panose="020B0702040204020203" pitchFamily="34" charset="0"/>
             </a:endParaRPr>
-          </a:p>
-          <a:p>
-            <a:pPr lvl="1"/>
-            <a:r>
-              <a:rPr lang="en-US" sz="2000" dirty="0">
-                <a:latin typeface="Selawik Semibold" panose="020B0702040204020203" pitchFamily="34" charset="0"/>
-              </a:rPr>
-              <a:t>List Based off Most Recent Data (in Euro)</a:t>
-            </a:r>
-          </a:p>
-          <a:p>
-            <a:pPr lvl="2"/>
-            <a:r>
-              <a:rPr lang="en-US" sz="1600" dirty="0">
-                <a:latin typeface="Selawik Semibold" panose="020B0702040204020203" pitchFamily="34" charset="0"/>
-              </a:rPr>
-              <a:t>NFL (American Football,18.027 Billion)</a:t>
-            </a:r>
-          </a:p>
-          <a:p>
-            <a:pPr lvl="2"/>
-            <a:r>
-              <a:rPr lang="en-US" sz="1600" dirty="0">
-                <a:latin typeface="Selawik Semibold" panose="020B0702040204020203" pitchFamily="34" charset="0"/>
-              </a:rPr>
-              <a:t>MLB (Baseball, 10.07 Billion)</a:t>
-            </a:r>
-          </a:p>
-          <a:p>
-            <a:pPr lvl="2"/>
-            <a:r>
-              <a:rPr lang="en-US" sz="1600" dirty="0">
-                <a:latin typeface="Selawik Semibold" panose="020B0702040204020203" pitchFamily="34" charset="0"/>
-              </a:rPr>
-              <a:t>NBA (Basketball, 9.951 Billion)</a:t>
-            </a:r>
-          </a:p>
-          <a:p>
-            <a:pPr lvl="2"/>
-            <a:r>
-              <a:rPr lang="en-US" sz="1600" dirty="0">
-                <a:latin typeface="Selawik Semibold" panose="020B0702040204020203" pitchFamily="34" charset="0"/>
-              </a:rPr>
-              <a:t>EPL (Soccer, 6.442 Billion, England)</a:t>
-            </a:r>
-          </a:p>
-          <a:p>
-            <a:pPr lvl="2"/>
-            <a:r>
-              <a:rPr lang="en-US" sz="1600" dirty="0">
-                <a:latin typeface="Selawik Semibold" panose="020B0702040204020203" pitchFamily="34" charset="0"/>
-              </a:rPr>
-              <a:t>NHL (Hockey, 1.4 Billion)</a:t>
-            </a:r>
-          </a:p>
-          <a:p>
-            <a:pPr lvl="2"/>
-            <a:r>
-              <a:rPr lang="en-US" sz="1600" dirty="0">
-                <a:latin typeface="Selawik Semibold" panose="020B0702040204020203" pitchFamily="34" charset="0"/>
-              </a:rPr>
-              <a:t>La Liga (Soccer, 4.443 Billion, Spain)</a:t>
-            </a:r>
-          </a:p>
-          <a:p>
-            <a:pPr lvl="2"/>
-            <a:r>
-              <a:rPr lang="en-US" sz="1600" dirty="0">
-                <a:latin typeface="Selawik Semibold" panose="020B0702040204020203" pitchFamily="34" charset="0"/>
-              </a:rPr>
-              <a:t>Bundesliga (Soccer, 3.610 Billion, Germany)</a:t>
-            </a:r>
-          </a:p>
-          <a:p>
-            <a:pPr lvl="2"/>
-            <a:r>
-              <a:rPr lang="en-US" sz="1600" dirty="0">
-                <a:latin typeface="Selawik Semibold" panose="020B0702040204020203" pitchFamily="34" charset="0"/>
-              </a:rPr>
-              <a:t>Serie A (Soccer, 2.927 Billion, Italy)</a:t>
-            </a:r>
-          </a:p>
-          <a:p>
-            <a:pPr lvl="2"/>
-            <a:r>
-              <a:rPr lang="en-US" sz="1600" dirty="0">
-                <a:latin typeface="Selawik Semibold" panose="020B0702040204020203" pitchFamily="34" charset="0"/>
-              </a:rPr>
-              <a:t>Ligue 1 (Soccer, 2.407 Billion, France)</a:t>
-            </a:r>
-          </a:p>
-          <a:p>
-            <a:pPr lvl="2"/>
-            <a:r>
-              <a:rPr lang="en-US" sz="1600" dirty="0">
-                <a:latin typeface="Selawik Semibold" panose="020B0702040204020203" pitchFamily="34" charset="0"/>
-              </a:rPr>
-              <a:t>NPB (Baseball, 1.506 Billion, Japan)</a:t>
-            </a:r>
-          </a:p>
-          <a:p>
-            <a:pPr lvl="1"/>
-            <a:endParaRPr lang="en-US" sz="2000" dirty="0">
-              <a:latin typeface="Selawik Semibold" panose="020B0702040204020203" pitchFamily="34" charset="0"/>
-            </a:endParaRPr>
-          </a:p>
-          <a:p>
-            <a:pPr lvl="1"/>
-            <a:r>
-              <a:rPr lang="en-US" sz="2000" dirty="0">
-                <a:latin typeface="Selawik Semibold" panose="020B0702040204020203" pitchFamily="34" charset="0"/>
-              </a:rPr>
-              <a:t>Compare Revenue Per Team and Revenue Per Match</a:t>
-            </a:r>
           </a:p>
           <a:p>
             <a:pPr lvl="1"/>
@@ -9900,10 +9595,93 @@
           </a:p>
         </p:txBody>
       </p:sp>
+      <p:pic>
+        <p:nvPicPr>
+          <p:cNvPr id="7" name="Picture 6" descr="A screenshot of a cell phone&#10;&#10;Description automatically generated">
+            <a:extLst>
+              <a:ext uri="{FF2B5EF4-FFF2-40B4-BE49-F238E27FC236}">
+                <a16:creationId xmlns:a16="http://schemas.microsoft.com/office/drawing/2014/main" id="{ED404A5E-A92F-40E3-803A-B7C744A38ED9}"/>
+              </a:ext>
+            </a:extLst>
+          </p:cNvPr>
+          <p:cNvPicPr>
+            <a:picLocks noChangeAspect="1"/>
+          </p:cNvPicPr>
+          <p:nvPr/>
+        </p:nvPicPr>
+        <p:blipFill>
+          <a:blip r:embed="rId5">
+            <a:extLst>
+              <a:ext uri="{28A0092B-C50C-407E-A947-70E740481C1C}">
+                <a14:useLocalDpi xmlns:a14="http://schemas.microsoft.com/office/drawing/2010/main" val="0"/>
+              </a:ext>
+            </a:extLst>
+          </a:blip>
+          <a:stretch>
+            <a:fillRect/>
+          </a:stretch>
+        </p:blipFill>
+        <p:spPr>
+          <a:xfrm>
+            <a:off x="1211998" y="2440640"/>
+            <a:ext cx="4911998" cy="4188125"/>
+          </a:xfrm>
+          <a:prstGeom prst="rect">
+            <a:avLst/>
+          </a:prstGeom>
+        </p:spPr>
+      </p:pic>
+      <p:sp>
+        <p:nvSpPr>
+          <p:cNvPr id="8" name="TextBox 7">
+            <a:extLst>
+              <a:ext uri="{FF2B5EF4-FFF2-40B4-BE49-F238E27FC236}">
+                <a16:creationId xmlns:a16="http://schemas.microsoft.com/office/drawing/2014/main" id="{2BF57D43-4A99-47D7-A02E-3A57D96B7B4F}"/>
+              </a:ext>
+            </a:extLst>
+          </p:cNvPr>
+          <p:cNvSpPr txBox="1"/>
+          <p:nvPr/>
+        </p:nvSpPr>
+        <p:spPr>
+          <a:xfrm>
+            <a:off x="6123996" y="5528278"/>
+            <a:ext cx="3825170" cy="1200329"/>
+          </a:xfrm>
+          <a:prstGeom prst="rect">
+            <a:avLst/>
+          </a:prstGeom>
+          <a:noFill/>
+        </p:spPr>
+        <p:txBody>
+          <a:bodyPr wrap="square" rtlCol="0">
+            <a:spAutoFit/>
+          </a:bodyPr>
+          <a:lstStyle/>
+          <a:p>
+            <a:r>
+              <a:rPr lang="en-US" dirty="0"/>
+              <a:t>Based on 2017 Annual Report </a:t>
+            </a:r>
+          </a:p>
+          <a:p>
+            <a:r>
+              <a:rPr lang="en-US" dirty="0"/>
+              <a:t>On US Trends in Team Sports </a:t>
+            </a:r>
+          </a:p>
+          <a:p>
+            <a:r>
+              <a:rPr lang="en-US" dirty="0"/>
+              <a:t>By Sports &amp; Fitness Industry Association (SFIA)</a:t>
+            </a:r>
+          </a:p>
+        </p:txBody>
+      </p:sp>
     </p:spTree>
     <p:extLst>
       <p:ext uri="{BB962C8B-B14F-4D97-AF65-F5344CB8AC3E}">
-        <p14:creationId xmlns:p14="http://schemas.microsoft.com/office/powerpoint/2010/main" val="80295406"/>
+        <p14:creationId xmlns:p14="http://schemas.microsoft.com/office/powerpoint/2010/main" val="567599230"/>
       </p:ext>
     </p:extLst>
   </p:cSld>
@@ -10070,7 +9848,7 @@
               <a:rPr lang="en-US" sz="2400" dirty="0">
                 <a:latin typeface="Selawik Semibold" panose="020B0702040204020203" pitchFamily="34" charset="0"/>
               </a:rPr>
-              <a:t>Growth in Team Sports (sisugaurd.com)</a:t>
+              <a:t>Growth in Team Sports (SFIA Twitter)</a:t>
             </a:r>
             <a:endParaRPr lang="en-US" sz="2000" dirty="0">
               <a:latin typeface="Selawik Semibold" panose="020B0702040204020203" pitchFamily="34" charset="0"/>
@@ -10084,7 +9862,31 @@
           </a:p>
           <a:p>
             <a:pPr lvl="1"/>
-            <a:endParaRPr lang="en-US" sz="2000" dirty="0">
+            <a:r>
+              <a:rPr lang="en-US" sz="2000" dirty="0">
+                <a:latin typeface="Selawik Semibold" panose="020B0702040204020203" pitchFamily="34" charset="0"/>
+              </a:rPr>
+              <a:t>Based off 2019 Report</a:t>
+            </a:r>
+            <a:endParaRPr lang="en-US" sz="1600" dirty="0">
+              <a:latin typeface="Selawik Semibold" panose="020B0702040204020203" pitchFamily="34" charset="0"/>
+            </a:endParaRPr>
+          </a:p>
+          <a:p>
+            <a:pPr lvl="2"/>
+            <a:endParaRPr lang="en-US" sz="1600" dirty="0">
+              <a:latin typeface="Selawik Semibold" panose="020B0702040204020203" pitchFamily="34" charset="0"/>
+            </a:endParaRPr>
+          </a:p>
+          <a:p>
+            <a:pPr lvl="2"/>
+            <a:endParaRPr lang="en-US" sz="1600" dirty="0">
+              <a:latin typeface="Selawik Semibold" panose="020B0702040204020203" pitchFamily="34" charset="0"/>
+            </a:endParaRPr>
+          </a:p>
+          <a:p>
+            <a:pPr lvl="2"/>
+            <a:endParaRPr lang="en-US" sz="1600" dirty="0">
               <a:latin typeface="Selawik Semibold" panose="020B0702040204020203" pitchFamily="34" charset="0"/>
             </a:endParaRPr>
           </a:p>
@@ -10432,10 +10234,10 @@
       </p:sp>
       <p:pic>
         <p:nvPicPr>
-          <p:cNvPr id="7" name="Picture 6" descr="A screenshot of a cell phone&#10;&#10;Description automatically generated">
-            <a:extLst>
-              <a:ext uri="{FF2B5EF4-FFF2-40B4-BE49-F238E27FC236}">
-                <a16:creationId xmlns:a16="http://schemas.microsoft.com/office/drawing/2014/main" id="{ED404A5E-A92F-40E3-803A-B7C744A38ED9}"/>
+          <p:cNvPr id="7" name="Picture 6" descr="Table&#10;&#10;Description automatically generated">
+            <a:extLst>
+              <a:ext uri="{FF2B5EF4-FFF2-40B4-BE49-F238E27FC236}">
+                <a16:creationId xmlns:a16="http://schemas.microsoft.com/office/drawing/2014/main" id="{AC29A090-57F8-12EE-E6FF-69DDC4C792D4}"/>
               </a:ext>
             </a:extLst>
           </p:cNvPr>
@@ -10458,65 +10260,18 @@
         </p:blipFill>
         <p:spPr>
           <a:xfrm>
-            <a:off x="1211998" y="2440640"/>
-            <a:ext cx="4911998" cy="4188125"/>
+            <a:off x="1630509" y="3160986"/>
+            <a:ext cx="4043726" cy="3352109"/>
           </a:xfrm>
           <a:prstGeom prst="rect">
             <a:avLst/>
           </a:prstGeom>
         </p:spPr>
       </p:pic>
-      <p:sp>
-        <p:nvSpPr>
-          <p:cNvPr id="8" name="TextBox 7">
-            <a:extLst>
-              <a:ext uri="{FF2B5EF4-FFF2-40B4-BE49-F238E27FC236}">
-                <a16:creationId xmlns:a16="http://schemas.microsoft.com/office/drawing/2014/main" id="{2BF57D43-4A99-47D7-A02E-3A57D96B7B4F}"/>
-              </a:ext>
-            </a:extLst>
-          </p:cNvPr>
-          <p:cNvSpPr txBox="1"/>
-          <p:nvPr/>
-        </p:nvSpPr>
-        <p:spPr>
-          <a:xfrm>
-            <a:off x="6123996" y="5528278"/>
-            <a:ext cx="3825170" cy="1200329"/>
-          </a:xfrm>
-          <a:prstGeom prst="rect">
-            <a:avLst/>
-          </a:prstGeom>
-          <a:noFill/>
-        </p:spPr>
-        <p:txBody>
-          <a:bodyPr wrap="square" rtlCol="0">
-            <a:spAutoFit/>
-          </a:bodyPr>
-          <a:lstStyle/>
-          <a:p>
-            <a:r>
-              <a:rPr lang="en-US" dirty="0"/>
-              <a:t>Based on 2017 Annual Report </a:t>
-            </a:r>
-          </a:p>
-          <a:p>
-            <a:r>
-              <a:rPr lang="en-US" dirty="0"/>
-              <a:t>On US Trends in Team Sports </a:t>
-            </a:r>
-          </a:p>
-          <a:p>
-            <a:r>
-              <a:rPr lang="en-US" dirty="0"/>
-              <a:t>By Sports &amp; Fitness Industry Association (SFIA)</a:t>
-            </a:r>
-          </a:p>
-        </p:txBody>
-      </p:sp>
     </p:spTree>
     <p:extLst>
       <p:ext uri="{BB962C8B-B14F-4D97-AF65-F5344CB8AC3E}">
-        <p14:creationId xmlns:p14="http://schemas.microsoft.com/office/powerpoint/2010/main" val="567599230"/>
+        <p14:creationId xmlns:p14="http://schemas.microsoft.com/office/powerpoint/2010/main" val="3150732622"/>
       </p:ext>
     </p:extLst>
   </p:cSld>
@@ -10683,11 +10438,20 @@
               <a:rPr lang="en-US" sz="2400" dirty="0">
                 <a:latin typeface="Selawik Semibold" panose="020B0702040204020203" pitchFamily="34" charset="0"/>
               </a:rPr>
-              <a:t>Growth in Team Sports (SFIA Twitter)</a:t>
-            </a:r>
-            <a:endParaRPr lang="en-US" sz="2000" dirty="0">
+              <a:t>Growth in Team Sports (SFIA)</a:t>
+            </a:r>
+            <a:endParaRPr lang="en-US" sz="1000" dirty="0">
               <a:latin typeface="Selawik Semibold" panose="020B0702040204020203" pitchFamily="34" charset="0"/>
             </a:endParaRPr>
+          </a:p>
+          <a:p>
+            <a:pPr lvl="1"/>
+            <a:r>
+              <a:rPr lang="en-US" sz="2000" dirty="0">
+                <a:latin typeface="Selawik Semibold" panose="020B0702040204020203" pitchFamily="34" charset="0"/>
+              </a:rPr>
+              <a:t>Interesting Information About 2022 Annual Report</a:t>
+            </a:r>
           </a:p>
           <a:p>
             <a:pPr lvl="1"/>
@@ -10701,29 +10465,71 @@
               <a:rPr lang="en-US" sz="2000" dirty="0">
                 <a:latin typeface="Selawik Semibold" panose="020B0702040204020203" pitchFamily="34" charset="0"/>
               </a:rPr>
-              <a:t>Based off 2019 Report</a:t>
-            </a:r>
-            <a:endParaRPr lang="en-US" sz="1600" dirty="0">
+              <a:t>Pandemic Effect on Team Sports</a:t>
+            </a:r>
+          </a:p>
+          <a:p>
+            <a:pPr lvl="2"/>
+            <a:r>
+              <a:rPr lang="en-US" sz="1600" dirty="0">
+                <a:latin typeface="Selawik Semibold" panose="020B0702040204020203" pitchFamily="34" charset="0"/>
+              </a:rPr>
+              <a:t>67 million in 2020 to 68.3 million in 2021</a:t>
+            </a:r>
+          </a:p>
+          <a:p>
+            <a:pPr lvl="2"/>
+            <a:r>
+              <a:rPr lang="en-US" sz="1600" dirty="0">
+                <a:latin typeface="Selawik Semibold" panose="020B0702040204020203" pitchFamily="34" charset="0"/>
+              </a:rPr>
+              <a:t>70.8 million in 2019</a:t>
+            </a:r>
+          </a:p>
+          <a:p>
+            <a:pPr lvl="2"/>
+            <a:endParaRPr lang="en-US" dirty="0">
               <a:latin typeface="Selawik Semibold" panose="020B0702040204020203" pitchFamily="34" charset="0"/>
             </a:endParaRPr>
           </a:p>
           <a:p>
-            <a:pPr lvl="2"/>
-            <a:endParaRPr lang="en-US" sz="1600" dirty="0">
+            <a:pPr lvl="1"/>
+            <a:r>
+              <a:rPr lang="en-US" sz="2000" dirty="0">
+                <a:latin typeface="Selawik Semibold" panose="020B0702040204020203" pitchFamily="34" charset="0"/>
+              </a:rPr>
+              <a:t>Team Sports Ages 6-12 Increased 0.6 million in 2021</a:t>
+            </a:r>
+          </a:p>
+          <a:p>
+            <a:pPr lvl="1"/>
+            <a:endParaRPr lang="en-US" sz="2000" dirty="0">
               <a:latin typeface="Selawik Semibold" panose="020B0702040204020203" pitchFamily="34" charset="0"/>
             </a:endParaRPr>
           </a:p>
           <a:p>
-            <a:pPr lvl="2"/>
-            <a:endParaRPr lang="en-US" sz="1600" dirty="0">
+            <a:pPr lvl="1"/>
+            <a:r>
+              <a:rPr lang="en-US" sz="2000" dirty="0">
+                <a:latin typeface="Selawik Semibold" panose="020B0702040204020203" pitchFamily="34" charset="0"/>
+              </a:rPr>
+              <a:t>Basketball Continues to be Most Played (27.1 million)</a:t>
+            </a:r>
+          </a:p>
+          <a:p>
+            <a:pPr lvl="1"/>
+            <a:endParaRPr lang="en-US" sz="2000" dirty="0">
               <a:latin typeface="Selawik Semibold" panose="020B0702040204020203" pitchFamily="34" charset="0"/>
             </a:endParaRPr>
           </a:p>
           <a:p>
-            <a:pPr lvl="2"/>
-            <a:endParaRPr lang="en-US" sz="1600" dirty="0">
-              <a:latin typeface="Selawik Semibold" panose="020B0702040204020203" pitchFamily="34" charset="0"/>
-            </a:endParaRPr>
+            <a:pPr lvl="1"/>
+            <a:r>
+              <a:rPr lang="en-US" sz="2000" dirty="0">
+                <a:latin typeface="Selawik Semibold" panose="020B0702040204020203" pitchFamily="34" charset="0"/>
+              </a:rPr>
+              <a:t>Soccer Overtook Basketball for 6-year-olds in 2021</a:t>
+            </a:r>
           </a:p>
         </p:txBody>
       </p:sp>
@@ -11067,46 +10873,10 @@
           </a:p>
         </p:txBody>
       </p:sp>
-      <p:pic>
-        <p:nvPicPr>
-          <p:cNvPr id="7" name="Picture 6" descr="Table&#10;&#10;Description automatically generated">
-            <a:extLst>
-              <a:ext uri="{FF2B5EF4-FFF2-40B4-BE49-F238E27FC236}">
-                <a16:creationId xmlns:a16="http://schemas.microsoft.com/office/drawing/2014/main" id="{AC29A090-57F8-12EE-E6FF-69DDC4C792D4}"/>
-              </a:ext>
-            </a:extLst>
-          </p:cNvPr>
-          <p:cNvPicPr>
-            <a:picLocks noChangeAspect="1"/>
-          </p:cNvPicPr>
-          <p:nvPr/>
-        </p:nvPicPr>
-        <p:blipFill>
-          <a:blip r:embed="rId5">
-            <a:extLst>
-              <a:ext uri="{28A0092B-C50C-407E-A947-70E740481C1C}">
-                <a14:useLocalDpi xmlns:a14="http://schemas.microsoft.com/office/drawing/2010/main" val="0"/>
-              </a:ext>
-            </a:extLst>
-          </a:blip>
-          <a:stretch>
-            <a:fillRect/>
-          </a:stretch>
-        </p:blipFill>
-        <p:spPr>
-          <a:xfrm>
-            <a:off x="1630509" y="3160986"/>
-            <a:ext cx="4043726" cy="3352109"/>
-          </a:xfrm>
-          <a:prstGeom prst="rect">
-            <a:avLst/>
-          </a:prstGeom>
-        </p:spPr>
-      </p:pic>
     </p:spTree>
     <p:extLst>
       <p:ext uri="{BB962C8B-B14F-4D97-AF65-F5344CB8AC3E}">
-        <p14:creationId xmlns:p14="http://schemas.microsoft.com/office/powerpoint/2010/main" val="3150732622"/>
+        <p14:creationId xmlns:p14="http://schemas.microsoft.com/office/powerpoint/2010/main" val="3926868441"/>
       </p:ext>
     </p:extLst>
   </p:cSld>
@@ -11281,16 +11051,58 @@
           </a:p>
           <a:p>
             <a:pPr lvl="1"/>
+            <a:endParaRPr lang="en-US" sz="1600" dirty="0">
+              <a:latin typeface="Selawik Semibold" panose="020B0702040204020203" pitchFamily="34" charset="0"/>
+            </a:endParaRPr>
+          </a:p>
+          <a:p>
+            <a:pPr lvl="1"/>
             <a:r>
               <a:rPr lang="en-US" sz="2000" dirty="0">
                 <a:latin typeface="Selawik Semibold" panose="020B0702040204020203" pitchFamily="34" charset="0"/>
               </a:rPr>
-              <a:t>Interesting Information About 2022 Annual Report</a:t>
+              <a:t>Participant Rate Changes</a:t>
+            </a:r>
+          </a:p>
+          <a:p>
+            <a:pPr lvl="2"/>
+            <a:r>
+              <a:rPr lang="en-US" sz="1600" dirty="0">
+                <a:latin typeface="Selawik Semibold" panose="020B0702040204020203" pitchFamily="34" charset="0"/>
+              </a:rPr>
+              <a:t>Fast-Pitch Softball (+15.3%)</a:t>
+            </a:r>
+          </a:p>
+          <a:p>
+            <a:pPr lvl="2"/>
+            <a:r>
+              <a:rPr lang="en-US" sz="1600" dirty="0">
+                <a:latin typeface="Selawik Semibold" panose="020B0702040204020203" pitchFamily="34" charset="0"/>
+              </a:rPr>
+              <a:t>Gymnastics (+10.9%)</a:t>
+            </a:r>
+          </a:p>
+          <a:p>
+            <a:pPr lvl="2"/>
+            <a:r>
+              <a:rPr lang="en-US" sz="1600" dirty="0">
+                <a:latin typeface="Selawik Semibold" panose="020B0702040204020203" pitchFamily="34" charset="0"/>
+              </a:rPr>
+              <a:t>Court Volleyball (+8.1%)</a:t>
+            </a:r>
+          </a:p>
+          <a:p>
+            <a:pPr lvl="2"/>
+            <a:r>
+              <a:rPr lang="en-US" sz="1600" dirty="0">
+                <a:latin typeface="Selawik Semibold" panose="020B0702040204020203" pitchFamily="34" charset="0"/>
+              </a:rPr>
+              <a:t>Swimming on Team (+8%)</a:t>
             </a:r>
           </a:p>
           <a:p>
             <a:pPr lvl="1"/>
-            <a:endParaRPr lang="en-US" sz="2000" dirty="0">
+            <a:endParaRPr lang="en-US" sz="1800" dirty="0">
               <a:latin typeface="Selawik Semibold" panose="020B0702040204020203" pitchFamily="34" charset="0"/>
             </a:endParaRPr>
           </a:p>
@@ -11300,32 +11112,8 @@
               <a:rPr lang="en-US" sz="2000" dirty="0">
                 <a:latin typeface="Selawik Semibold" panose="020B0702040204020203" pitchFamily="34" charset="0"/>
               </a:rPr>
-              <a:t>Pandemic Effect on Team Sports</a:t>
-            </a:r>
-          </a:p>
-          <a:p>
-            <a:pPr lvl="2"/>
-            <a:r>
-              <a:rPr lang="en-US" sz="1600" dirty="0">
-                <a:latin typeface="Selawik Semibold" panose="020B0702040204020203" pitchFamily="34" charset="0"/>
-              </a:rPr>
-              <a:t>67 million in 2020 to 68.3 million in 2021</a:t>
-            </a:r>
-          </a:p>
-          <a:p>
-            <a:pPr lvl="2"/>
-            <a:r>
-              <a:rPr lang="en-US" sz="1600" dirty="0">
-                <a:latin typeface="Selawik Semibold" panose="020B0702040204020203" pitchFamily="34" charset="0"/>
-              </a:rPr>
-              <a:t>70.8 million in 2019</a:t>
-            </a:r>
-          </a:p>
-          <a:p>
-            <a:pPr lvl="2"/>
-            <a:endParaRPr lang="en-US" dirty="0">
-              <a:latin typeface="Selawik Semibold" panose="020B0702040204020203" pitchFamily="34" charset="0"/>
-            </a:endParaRPr>
+              <a:t>Team Sports Increased by 8 Million from 2022 to 2023</a:t>
+            </a:r>
           </a:p>
           <a:p>
             <a:pPr lvl="1"/>
@@ -11333,37 +11121,16 @@
               <a:rPr lang="en-US" sz="2000" dirty="0">
                 <a:latin typeface="Selawik Semibold" panose="020B0702040204020203" pitchFamily="34" charset="0"/>
               </a:rPr>
-              <a:t>Team Sports Ages 6-12 Increased 0.6 million in 2021</a:t>
-            </a:r>
-          </a:p>
-          <a:p>
-            <a:pPr lvl="1"/>
-            <a:endParaRPr lang="en-US" sz="2000" dirty="0">
-              <a:latin typeface="Selawik Semibold" panose="020B0702040204020203" pitchFamily="34" charset="0"/>
-            </a:endParaRPr>
-          </a:p>
-          <a:p>
-            <a:pPr lvl="1"/>
-            <a:r>
-              <a:rPr lang="en-US" sz="2000" dirty="0">
+              <a:t>Sport Per Participant Continues a Downward Trend</a:t>
+            </a:r>
+          </a:p>
+          <a:p>
+            <a:pPr lvl="2"/>
+            <a:r>
+              <a:rPr lang="en-US" dirty="0">
                 <a:latin typeface="Selawik Semibold" panose="020B0702040204020203" pitchFamily="34" charset="0"/>
               </a:rPr>
-              <a:t>Basketball Continues to be Most Played (27.1 million)</a:t>
-            </a:r>
-          </a:p>
-          <a:p>
-            <a:pPr lvl="1"/>
-            <a:endParaRPr lang="en-US" sz="2000" dirty="0">
-              <a:latin typeface="Selawik Semibold" panose="020B0702040204020203" pitchFamily="34" charset="0"/>
-            </a:endParaRPr>
-          </a:p>
-          <a:p>
-            <a:pPr lvl="1"/>
-            <a:r>
-              <a:rPr lang="en-US" sz="2000" dirty="0">
-                <a:latin typeface="Selawik Semibold" panose="020B0702040204020203" pitchFamily="34" charset="0"/>
-              </a:rPr>
-              <a:t>Soccer Overtook Basketball for 6-year-olds in 2021</a:t>
+              <a:t>Mean  = 1.73 (Lowest in the Decade)</a:t>
             </a:r>
           </a:p>
         </p:txBody>
@@ -11711,7 +11478,7 @@
     </p:spTree>
     <p:extLst>
       <p:ext uri="{BB962C8B-B14F-4D97-AF65-F5344CB8AC3E}">
-        <p14:creationId xmlns:p14="http://schemas.microsoft.com/office/powerpoint/2010/main" val="3926868441"/>
+        <p14:creationId xmlns:p14="http://schemas.microsoft.com/office/powerpoint/2010/main" val="88558734"/>
       </p:ext>
     </p:extLst>
   </p:cSld>
@@ -12276,7 +12043,13 @@
     </p:bg>
     <p:spTree>
       <p:nvGrpSpPr>
-        <p:cNvPr id="1" name=""/>
+        <p:cNvPr id="1" name="">
+          <a:extLst>
+            <a:ext uri="{FF2B5EF4-FFF2-40B4-BE49-F238E27FC236}">
+              <a16:creationId xmlns:a16="http://schemas.microsoft.com/office/drawing/2014/main" id="{C32EDADD-602F-3957-F61F-816FB7B6962E}"/>
+            </a:ext>
+          </a:extLst>
+        </p:cNvPr>
         <p:cNvGrpSpPr/>
         <p:nvPr/>
       </p:nvGrpSpPr>
@@ -12293,7 +12066,7 @@
           <p:cNvPr id="25" name="Rectangle 24">
             <a:extLst>
               <a:ext uri="{FF2B5EF4-FFF2-40B4-BE49-F238E27FC236}">
-                <a16:creationId xmlns:a16="http://schemas.microsoft.com/office/drawing/2014/main" id="{A6792F05-2FD4-4F18-815E-15391E8B4A0E}"/>
+                <a16:creationId xmlns:a16="http://schemas.microsoft.com/office/drawing/2014/main" id="{9D23D674-21DC-DF6B-107A-D4956FEF64FF}"/>
               </a:ext>
               <a:ext uri="{C183D7F6-B498-43B3-948B-1728B52AA6E4}">
                 <adec:decorative xmlns:adec="http://schemas.microsoft.com/office/drawing/2017/decorative" val="1"/>
@@ -12356,7 +12129,7 @@
           <p:cNvPr id="2" name="Title 1">
             <a:extLst>
               <a:ext uri="{FF2B5EF4-FFF2-40B4-BE49-F238E27FC236}">
-                <a16:creationId xmlns:a16="http://schemas.microsoft.com/office/drawing/2014/main" id="{2589AFCC-0FF0-498C-B11F-8990DF0DAAA5}"/>
+                <a16:creationId xmlns:a16="http://schemas.microsoft.com/office/drawing/2014/main" id="{2D725746-AB16-60CA-3823-593ADC1E558F}"/>
               </a:ext>
             </a:extLst>
           </p:cNvPr>
@@ -12393,7 +12166,7 @@
           <p:cNvPr id="9" name="Content Placeholder 8">
             <a:extLst>
               <a:ext uri="{FF2B5EF4-FFF2-40B4-BE49-F238E27FC236}">
-                <a16:creationId xmlns:a16="http://schemas.microsoft.com/office/drawing/2014/main" id="{2D995594-59F2-4020-AB6F-751BAE84ADB3}"/>
+                <a16:creationId xmlns:a16="http://schemas.microsoft.com/office/drawing/2014/main" id="{3DEA36A2-F0C2-B954-0E78-E860425EA676}"/>
               </a:ext>
             </a:extLst>
           </p:cNvPr>
@@ -12407,7 +12180,7 @@
         <p:spPr>
           <a:xfrm>
             <a:off x="838199" y="2021249"/>
-            <a:ext cx="7324166" cy="4581257"/>
+            <a:ext cx="5109118" cy="4581257"/>
           </a:xfrm>
         </p:spPr>
         <p:txBody>
@@ -12420,17 +12193,8 @@
               <a:rPr lang="en-US" sz="2400" dirty="0">
                 <a:latin typeface="Selawik Semibold" panose="020B0702040204020203" pitchFamily="34" charset="0"/>
               </a:rPr>
-              <a:t>Growth in Team Sports (SFIA)</a:t>
-            </a:r>
-            <a:endParaRPr lang="en-US" sz="1000" dirty="0">
-              <a:latin typeface="Selawik Semibold" panose="020B0702040204020203" pitchFamily="34" charset="0"/>
-            </a:endParaRPr>
-          </a:p>
-          <a:p>
-            <a:pPr lvl="1"/>
-            <a:endParaRPr lang="en-US" sz="1600" dirty="0">
-              <a:latin typeface="Selawik Semibold" panose="020B0702040204020203" pitchFamily="34" charset="0"/>
-            </a:endParaRPr>
+              <a:t>Article by Florian Zandt  (Statista.com)</a:t>
+            </a:r>
           </a:p>
           <a:p>
             <a:pPr lvl="1"/>
@@ -12438,48 +12202,12 @@
               <a:rPr lang="en-US" sz="2000" dirty="0">
                 <a:latin typeface="Selawik Semibold" panose="020B0702040204020203" pitchFamily="34" charset="0"/>
               </a:rPr>
-              <a:t>Participant Rate Changes</a:t>
-            </a:r>
-          </a:p>
-          <a:p>
-            <a:pPr lvl="2"/>
-            <a:r>
-              <a:rPr lang="en-US" sz="1600" dirty="0">
-                <a:latin typeface="Selawik Semibold" panose="020B0702040204020203" pitchFamily="34" charset="0"/>
-              </a:rPr>
-              <a:t>Fast-Pitch Softball (+15.3%)</a:t>
-            </a:r>
-          </a:p>
-          <a:p>
-            <a:pPr lvl="2"/>
-            <a:r>
-              <a:rPr lang="en-US" sz="1600" dirty="0">
-                <a:latin typeface="Selawik Semibold" panose="020B0702040204020203" pitchFamily="34" charset="0"/>
-              </a:rPr>
-              <a:t>Gymnastics (+10.9%)</a:t>
-            </a:r>
-          </a:p>
-          <a:p>
-            <a:pPr lvl="2"/>
-            <a:r>
-              <a:rPr lang="en-US" sz="1600" dirty="0">
-                <a:latin typeface="Selawik Semibold" panose="020B0702040204020203" pitchFamily="34" charset="0"/>
-              </a:rPr>
-              <a:t>Court Volleyball (+8.1%)</a:t>
-            </a:r>
-          </a:p>
-          <a:p>
-            <a:pPr lvl="2"/>
-            <a:r>
-              <a:rPr lang="en-US" sz="1600" dirty="0">
-                <a:latin typeface="Selawik Semibold" panose="020B0702040204020203" pitchFamily="34" charset="0"/>
-              </a:rPr>
-              <a:t>Swimming on Team (+8%)</a:t>
+              <a:t>96% of Americans Spent Time on Sports and Leisure Activities in 2021 (US BLS)</a:t>
             </a:r>
           </a:p>
           <a:p>
             <a:pPr lvl="1"/>
-            <a:endParaRPr lang="en-US" sz="1800" dirty="0">
+            <a:endParaRPr lang="en-US" sz="2000" dirty="0">
               <a:latin typeface="Selawik Semibold" panose="020B0702040204020203" pitchFamily="34" charset="0"/>
             </a:endParaRPr>
           </a:p>
@@ -12489,8 +12217,14 @@
               <a:rPr lang="en-US" sz="2000" dirty="0">
                 <a:latin typeface="Selawik Semibold" panose="020B0702040204020203" pitchFamily="34" charset="0"/>
               </a:rPr>
-              <a:t>Team Sports Increased by 8 Million from 2022 to 2023</a:t>
-            </a:r>
+              <a:t>Number Consistent Along the Gender Divide</a:t>
+            </a:r>
+          </a:p>
+          <a:p>
+            <a:pPr lvl="1"/>
+            <a:endParaRPr lang="en-US" sz="2000" dirty="0">
+              <a:latin typeface="Selawik Semibold" panose="020B0702040204020203" pitchFamily="34" charset="0"/>
+            </a:endParaRPr>
           </a:p>
           <a:p>
             <a:pPr lvl="1"/>
@@ -12498,16 +12232,7 @@
               <a:rPr lang="en-US" sz="2000" dirty="0">
                 <a:latin typeface="Selawik Semibold" panose="020B0702040204020203" pitchFamily="34" charset="0"/>
               </a:rPr>
-              <a:t>Sport Per Participant Continues a Downward Trend</a:t>
-            </a:r>
-          </a:p>
-          <a:p>
-            <a:pPr lvl="2"/>
-            <a:r>
-              <a:rPr lang="en-US" dirty="0">
-                <a:latin typeface="Selawik Semibold" panose="020B0702040204020203" pitchFamily="34" charset="0"/>
-              </a:rPr>
-              <a:t>Mean  = 1.73 (Lowest in the Decade)</a:t>
+              <a:t>Article Focuses on Differences Between Men and Women Respondents</a:t>
             </a:r>
           </a:p>
         </p:txBody>
@@ -12517,7 +12242,7 @@
           <p:cNvPr id="4" name="Picture 3" descr="A drawing of a cartoon character&#10;&#10;Description automatically generated">
             <a:extLst>
               <a:ext uri="{FF2B5EF4-FFF2-40B4-BE49-F238E27FC236}">
-                <a16:creationId xmlns:a16="http://schemas.microsoft.com/office/drawing/2014/main" id="{A7FDC859-D890-4904-9C64-27F43DA90453}"/>
+                <a16:creationId xmlns:a16="http://schemas.microsoft.com/office/drawing/2014/main" id="{6556066A-93F4-1127-0093-7032D9DB3806}"/>
               </a:ext>
             </a:extLst>
           </p:cNvPr>
@@ -12595,7 +12320,7 @@
           <p:cNvPr id="5" name="Content Placeholder 4" descr="A picture containing indoor&#10;&#10;Description automatically generated">
             <a:extLst>
               <a:ext uri="{FF2B5EF4-FFF2-40B4-BE49-F238E27FC236}">
-                <a16:creationId xmlns:a16="http://schemas.microsoft.com/office/drawing/2014/main" id="{A58F0E55-21F3-485B-A07F-1CE74177BDD2}"/>
+                <a16:creationId xmlns:a16="http://schemas.microsoft.com/office/drawing/2014/main" id="{469BEFD7-DDBB-436A-53C5-55680D9C10A3}"/>
               </a:ext>
             </a:extLst>
           </p:cNvPr>
@@ -12689,7 +12414,7 @@
           <p:cNvPr id="6" name="Rectangle 5">
             <a:extLst>
               <a:ext uri="{FF2B5EF4-FFF2-40B4-BE49-F238E27FC236}">
-                <a16:creationId xmlns:a16="http://schemas.microsoft.com/office/drawing/2014/main" id="{A2901312-C3C2-4CEC-80EF-823AB4FBB726}"/>
+                <a16:creationId xmlns:a16="http://schemas.microsoft.com/office/drawing/2014/main" id="{F3F1858F-9AE0-9180-48D0-97C45C5BEB0D}"/>
               </a:ext>
             </a:extLst>
           </p:cNvPr>
@@ -12745,7 +12470,7 @@
           <p:cNvPr id="15" name="Rectangle 14">
             <a:extLst>
               <a:ext uri="{FF2B5EF4-FFF2-40B4-BE49-F238E27FC236}">
-                <a16:creationId xmlns:a16="http://schemas.microsoft.com/office/drawing/2014/main" id="{AD0A7C9C-CA2C-4B9B-A125-2D09D5573B44}"/>
+                <a16:creationId xmlns:a16="http://schemas.microsoft.com/office/drawing/2014/main" id="{4342294E-D525-7C9E-454D-7F8BAD725BE8}"/>
               </a:ext>
             </a:extLst>
           </p:cNvPr>
@@ -12801,7 +12526,7 @@
           <p:cNvPr id="16" name="Rectangle 15">
             <a:extLst>
               <a:ext uri="{FF2B5EF4-FFF2-40B4-BE49-F238E27FC236}">
-                <a16:creationId xmlns:a16="http://schemas.microsoft.com/office/drawing/2014/main" id="{74A085FC-1866-46D4-97F7-51AA45E48D4F}"/>
+                <a16:creationId xmlns:a16="http://schemas.microsoft.com/office/drawing/2014/main" id="{78876B09-8DC5-854E-911D-6228140682A0}"/>
               </a:ext>
             </a:extLst>
           </p:cNvPr>
@@ -12852,10 +12577,46 @@
           </a:p>
         </p:txBody>
       </p:sp>
+      <p:pic>
+        <p:nvPicPr>
+          <p:cNvPr id="7" name="Picture 6" descr="A screenshot of a graph&#10;&#10;Description automatically generated">
+            <a:extLst>
+              <a:ext uri="{FF2B5EF4-FFF2-40B4-BE49-F238E27FC236}">
+                <a16:creationId xmlns:a16="http://schemas.microsoft.com/office/drawing/2014/main" id="{A92EC190-D2B1-A60D-33AD-44329EE34B4C}"/>
+              </a:ext>
+            </a:extLst>
+          </p:cNvPr>
+          <p:cNvPicPr>
+            <a:picLocks noChangeAspect="1"/>
+          </p:cNvPicPr>
+          <p:nvPr/>
+        </p:nvPicPr>
+        <p:blipFill>
+          <a:blip r:embed="rId5">
+            <a:extLst>
+              <a:ext uri="{28A0092B-C50C-407E-A947-70E740481C1C}">
+                <a14:useLocalDpi xmlns:a14="http://schemas.microsoft.com/office/drawing/2010/main" val="0"/>
+              </a:ext>
+            </a:extLst>
+          </a:blip>
+          <a:stretch>
+            <a:fillRect/>
+          </a:stretch>
+        </p:blipFill>
+        <p:spPr>
+          <a:xfrm>
+            <a:off x="6527180" y="1516481"/>
+            <a:ext cx="5664818" cy="5293110"/>
+          </a:xfrm>
+          <a:prstGeom prst="rect">
+            <a:avLst/>
+          </a:prstGeom>
+        </p:spPr>
+      </p:pic>
     </p:spTree>
     <p:extLst>
       <p:ext uri="{BB962C8B-B14F-4D97-AF65-F5344CB8AC3E}">
-        <p14:creationId xmlns:p14="http://schemas.microsoft.com/office/powerpoint/2010/main" val="88558734"/>
+        <p14:creationId xmlns:p14="http://schemas.microsoft.com/office/powerpoint/2010/main" val="3392819415"/>
       </p:ext>
     </p:extLst>
   </p:cSld>
@@ -12878,13 +12639,7 @@
     </p:bg>
     <p:spTree>
       <p:nvGrpSpPr>
-        <p:cNvPr id="1" name="">
-          <a:extLst>
-            <a:ext uri="{FF2B5EF4-FFF2-40B4-BE49-F238E27FC236}">
-              <a16:creationId xmlns:a16="http://schemas.microsoft.com/office/drawing/2014/main" id="{C32EDADD-602F-3957-F61F-816FB7B6962E}"/>
-            </a:ext>
-          </a:extLst>
-        </p:cNvPr>
+        <p:cNvPr id="1" name=""/>
         <p:cNvGrpSpPr/>
         <p:nvPr/>
       </p:nvGrpSpPr>
@@ -12901,7 +12656,7 @@
           <p:cNvPr id="25" name="Rectangle 24">
             <a:extLst>
               <a:ext uri="{FF2B5EF4-FFF2-40B4-BE49-F238E27FC236}">
-                <a16:creationId xmlns:a16="http://schemas.microsoft.com/office/drawing/2014/main" id="{9D23D674-21DC-DF6B-107A-D4956FEF64FF}"/>
+                <a16:creationId xmlns:a16="http://schemas.microsoft.com/office/drawing/2014/main" id="{A6792F05-2FD4-4F18-815E-15391E8B4A0E}"/>
               </a:ext>
               <a:ext uri="{C183D7F6-B498-43B3-948B-1728B52AA6E4}">
                 <adec:decorative xmlns:adec="http://schemas.microsoft.com/office/drawing/2017/decorative" val="1"/>
@@ -12964,7 +12719,7 @@
           <p:cNvPr id="2" name="Title 1">
             <a:extLst>
               <a:ext uri="{FF2B5EF4-FFF2-40B4-BE49-F238E27FC236}">
-                <a16:creationId xmlns:a16="http://schemas.microsoft.com/office/drawing/2014/main" id="{2D725746-AB16-60CA-3823-593ADC1E558F}"/>
+                <a16:creationId xmlns:a16="http://schemas.microsoft.com/office/drawing/2014/main" id="{2589AFCC-0FF0-498C-B11F-8990DF0DAAA5}"/>
               </a:ext>
             </a:extLst>
           </p:cNvPr>
@@ -12991,7 +12746,7 @@
               <a:rPr lang="en-US" b="1" dirty="0">
                 <a:latin typeface="Selawik Semibold" panose="020B0604020202020204" pitchFamily="34" charset="0"/>
               </a:rPr>
-              <a:t>Current Landscape of Sports</a:t>
+              <a:t>Dope Quote</a:t>
             </a:r>
           </a:p>
         </p:txBody>
@@ -13001,7 +12756,7 @@
           <p:cNvPr id="9" name="Content Placeholder 8">
             <a:extLst>
               <a:ext uri="{FF2B5EF4-FFF2-40B4-BE49-F238E27FC236}">
-                <a16:creationId xmlns:a16="http://schemas.microsoft.com/office/drawing/2014/main" id="{3DEA36A2-F0C2-B954-0E78-E860425EA676}"/>
+                <a16:creationId xmlns:a16="http://schemas.microsoft.com/office/drawing/2014/main" id="{2D995594-59F2-4020-AB6F-751BAE84ADB3}"/>
               </a:ext>
             </a:extLst>
           </p:cNvPr>
@@ -13014,61 +12769,136 @@
         </p:nvSpPr>
         <p:spPr>
           <a:xfrm>
-            <a:off x="838199" y="2021249"/>
-            <a:ext cx="5109118" cy="4581257"/>
+            <a:off x="838198" y="2021249"/>
+            <a:ext cx="7425020" cy="4581257"/>
           </a:xfrm>
         </p:spPr>
         <p:txBody>
           <a:bodyPr>
-            <a:normAutofit/>
+            <a:normAutofit fontScale="92500" lnSpcReduction="10000"/>
           </a:bodyPr>
           <a:lstStyle/>
           <a:p>
-            <a:r>
-              <a:rPr lang="en-US" sz="2400" dirty="0">
+            <a:pPr marL="0" indent="0">
+              <a:buNone/>
+            </a:pPr>
+            <a:r>
+              <a:rPr lang="en-US" dirty="0">
                 <a:latin typeface="Selawik Semibold" panose="020B0702040204020203" pitchFamily="34" charset="0"/>
               </a:rPr>
-              <a:t>Article by Florian Zandt  (Statista.com)</a:t>
-            </a:r>
-          </a:p>
-          <a:p>
-            <a:pPr lvl="1"/>
-            <a:r>
-              <a:rPr lang="en-US" sz="2000" dirty="0">
+              <a:t>The most meaningful way to</a:t>
+            </a:r>
+          </a:p>
+          <a:p>
+            <a:pPr marL="0" indent="0">
+              <a:buNone/>
+            </a:pPr>
+            <a:r>
+              <a:rPr lang="en-US" dirty="0">
                 <a:latin typeface="Selawik Semibold" panose="020B0702040204020203" pitchFamily="34" charset="0"/>
               </a:rPr>
-              <a:t>96% of Americans Spent Time on Sports and Leisure Activities in 2021 (US BLS)</a:t>
-            </a:r>
-          </a:p>
-          <a:p>
-            <a:pPr lvl="1"/>
-            <a:endParaRPr lang="en-US" sz="2000" dirty="0">
+              <a:t>differentiate your company from your</a:t>
+            </a:r>
+          </a:p>
+          <a:p>
+            <a:pPr marL="0" indent="0">
+              <a:buNone/>
+            </a:pPr>
+            <a:r>
+              <a:rPr lang="en-US" dirty="0">
+                <a:latin typeface="Selawik Semibold" panose="020B0702040204020203" pitchFamily="34" charset="0"/>
+              </a:rPr>
+              <a:t>competitors, the best way to put distance</a:t>
+            </a:r>
+          </a:p>
+          <a:p>
+            <a:pPr marL="0" indent="0">
+              <a:buNone/>
+            </a:pPr>
+            <a:r>
+              <a:rPr lang="en-US" dirty="0">
+                <a:latin typeface="Selawik Semibold" panose="020B0702040204020203" pitchFamily="34" charset="0"/>
+              </a:rPr>
+              <a:t>between you and the crowd is to do an</a:t>
+            </a:r>
+          </a:p>
+          <a:p>
+            <a:pPr marL="0" indent="0">
+              <a:buNone/>
+            </a:pPr>
+            <a:r>
+              <a:rPr lang="en-US" dirty="0">
+                <a:latin typeface="Selawik Semibold" panose="020B0702040204020203" pitchFamily="34" charset="0"/>
+              </a:rPr>
+              <a:t>outstanding job with information. </a:t>
+            </a:r>
+          </a:p>
+          <a:p>
+            <a:pPr marL="0" indent="0">
+              <a:buNone/>
+            </a:pPr>
+            <a:endParaRPr lang="en-US" dirty="0">
               <a:latin typeface="Selawik Semibold" panose="020B0702040204020203" pitchFamily="34" charset="0"/>
             </a:endParaRPr>
           </a:p>
           <a:p>
-            <a:pPr lvl="1"/>
-            <a:r>
-              <a:rPr lang="en-US" sz="2000" dirty="0">
+            <a:pPr marL="0" indent="0">
+              <a:buNone/>
+            </a:pPr>
+            <a:r>
+              <a:rPr lang="en-US" dirty="0">
                 <a:latin typeface="Selawik Semibold" panose="020B0702040204020203" pitchFamily="34" charset="0"/>
               </a:rPr>
-              <a:t>Number Consistent Along the Gender Divide</a:t>
-            </a:r>
-          </a:p>
-          <a:p>
-            <a:pPr lvl="1"/>
-            <a:endParaRPr lang="en-US" sz="2000" dirty="0">
+              <a:t>How you gather, manage, and use information</a:t>
+            </a:r>
+          </a:p>
+          <a:p>
+            <a:pPr marL="0" indent="0">
+              <a:buNone/>
+            </a:pPr>
+            <a:r>
+              <a:rPr lang="en-US" dirty="0">
+                <a:latin typeface="Selawik Semibold" panose="020B0702040204020203" pitchFamily="34" charset="0"/>
+              </a:rPr>
+              <a:t>will determine whether you win or lose.</a:t>
+            </a:r>
+          </a:p>
+          <a:p>
+            <a:pPr marL="0" indent="0">
+              <a:buNone/>
+            </a:pPr>
+            <a:endParaRPr lang="en-US" dirty="0">
               <a:latin typeface="Selawik Semibold" panose="020B0702040204020203" pitchFamily="34" charset="0"/>
             </a:endParaRPr>
           </a:p>
           <a:p>
-            <a:pPr lvl="1"/>
-            <a:r>
-              <a:rPr lang="en-US" sz="2000" dirty="0">
+            <a:pPr marL="0" indent="0">
+              <a:buNone/>
+            </a:pPr>
+            <a:r>
+              <a:rPr lang="en-US" dirty="0">
                 <a:latin typeface="Selawik Semibold" panose="020B0702040204020203" pitchFamily="34" charset="0"/>
               </a:rPr>
-              <a:t>Article Focuses on Differences Between Men and Women Respondents</a:t>
-            </a:r>
+              <a:t>- Bill Gates</a:t>
+            </a:r>
+          </a:p>
+          <a:p>
+            <a:pPr lvl="2"/>
+            <a:endParaRPr lang="en-US" sz="1600" dirty="0">
+              <a:latin typeface="Selawik Semibold" panose="020B0702040204020203" pitchFamily="34" charset="0"/>
+            </a:endParaRPr>
+          </a:p>
+          <a:p>
+            <a:pPr lvl="2"/>
+            <a:endParaRPr lang="en-US" sz="1600" dirty="0">
+              <a:latin typeface="Selawik Semibold" panose="020B0702040204020203" pitchFamily="34" charset="0"/>
+            </a:endParaRPr>
+          </a:p>
+          <a:p>
+            <a:pPr lvl="2"/>
+            <a:endParaRPr lang="en-US" sz="1600" dirty="0">
+              <a:latin typeface="Selawik Semibold" panose="020B0702040204020203" pitchFamily="34" charset="0"/>
+            </a:endParaRPr>
           </a:p>
         </p:txBody>
       </p:sp>
@@ -13077,7 +12907,7 @@
           <p:cNvPr id="4" name="Picture 3" descr="A drawing of a cartoon character&#10;&#10;Description automatically generated">
             <a:extLst>
               <a:ext uri="{FF2B5EF4-FFF2-40B4-BE49-F238E27FC236}">
-                <a16:creationId xmlns:a16="http://schemas.microsoft.com/office/drawing/2014/main" id="{6556066A-93F4-1127-0093-7032D9DB3806}"/>
+                <a16:creationId xmlns:a16="http://schemas.microsoft.com/office/drawing/2014/main" id="{A7FDC859-D890-4904-9C64-27F43DA90453}"/>
               </a:ext>
             </a:extLst>
           </p:cNvPr>
@@ -13155,7 +12985,7 @@
           <p:cNvPr id="5" name="Content Placeholder 4" descr="A picture containing indoor&#10;&#10;Description automatically generated">
             <a:extLst>
               <a:ext uri="{FF2B5EF4-FFF2-40B4-BE49-F238E27FC236}">
-                <a16:creationId xmlns:a16="http://schemas.microsoft.com/office/drawing/2014/main" id="{469BEFD7-DDBB-436A-53C5-55680D9C10A3}"/>
+                <a16:creationId xmlns:a16="http://schemas.microsoft.com/office/drawing/2014/main" id="{A58F0E55-21F3-485B-A07F-1CE74177BDD2}"/>
               </a:ext>
             </a:extLst>
           </p:cNvPr>
@@ -13249,7 +13079,7 @@
           <p:cNvPr id="6" name="Rectangle 5">
             <a:extLst>
               <a:ext uri="{FF2B5EF4-FFF2-40B4-BE49-F238E27FC236}">
-                <a16:creationId xmlns:a16="http://schemas.microsoft.com/office/drawing/2014/main" id="{F3F1858F-9AE0-9180-48D0-97C45C5BEB0D}"/>
+                <a16:creationId xmlns:a16="http://schemas.microsoft.com/office/drawing/2014/main" id="{A2901312-C3C2-4CEC-80EF-823AB4FBB726}"/>
               </a:ext>
             </a:extLst>
           </p:cNvPr>
@@ -13305,7 +13135,7 @@
           <p:cNvPr id="15" name="Rectangle 14">
             <a:extLst>
               <a:ext uri="{FF2B5EF4-FFF2-40B4-BE49-F238E27FC236}">
-                <a16:creationId xmlns:a16="http://schemas.microsoft.com/office/drawing/2014/main" id="{4342294E-D525-7C9E-454D-7F8BAD725BE8}"/>
+                <a16:creationId xmlns:a16="http://schemas.microsoft.com/office/drawing/2014/main" id="{AD0A7C9C-CA2C-4B9B-A125-2D09D5573B44}"/>
               </a:ext>
             </a:extLst>
           </p:cNvPr>
@@ -13361,7 +13191,7 @@
           <p:cNvPr id="16" name="Rectangle 15">
             <a:extLst>
               <a:ext uri="{FF2B5EF4-FFF2-40B4-BE49-F238E27FC236}">
-                <a16:creationId xmlns:a16="http://schemas.microsoft.com/office/drawing/2014/main" id="{78876B09-8DC5-854E-911D-6228140682A0}"/>
+                <a16:creationId xmlns:a16="http://schemas.microsoft.com/office/drawing/2014/main" id="{74A085FC-1866-46D4-97F7-51AA45E48D4F}"/>
               </a:ext>
             </a:extLst>
           </p:cNvPr>
@@ -13412,46 +13242,10 @@
           </a:p>
         </p:txBody>
       </p:sp>
-      <p:pic>
-        <p:nvPicPr>
-          <p:cNvPr id="7" name="Picture 6" descr="A screenshot of a graph&#10;&#10;Description automatically generated">
-            <a:extLst>
-              <a:ext uri="{FF2B5EF4-FFF2-40B4-BE49-F238E27FC236}">
-                <a16:creationId xmlns:a16="http://schemas.microsoft.com/office/drawing/2014/main" id="{A92EC190-D2B1-A60D-33AD-44329EE34B4C}"/>
-              </a:ext>
-            </a:extLst>
-          </p:cNvPr>
-          <p:cNvPicPr>
-            <a:picLocks noChangeAspect="1"/>
-          </p:cNvPicPr>
-          <p:nvPr/>
-        </p:nvPicPr>
-        <p:blipFill>
-          <a:blip r:embed="rId5">
-            <a:extLst>
-              <a:ext uri="{28A0092B-C50C-407E-A947-70E740481C1C}">
-                <a14:useLocalDpi xmlns:a14="http://schemas.microsoft.com/office/drawing/2010/main" val="0"/>
-              </a:ext>
-            </a:extLst>
-          </a:blip>
-          <a:stretch>
-            <a:fillRect/>
-          </a:stretch>
-        </p:blipFill>
-        <p:spPr>
-          <a:xfrm>
-            <a:off x="6527180" y="1516481"/>
-            <a:ext cx="5664818" cy="5293110"/>
-          </a:xfrm>
-          <a:prstGeom prst="rect">
-            <a:avLst/>
-          </a:prstGeom>
-        </p:spPr>
-      </p:pic>
     </p:spTree>
     <p:extLst>
       <p:ext uri="{BB962C8B-B14F-4D97-AF65-F5344CB8AC3E}">
-        <p14:creationId xmlns:p14="http://schemas.microsoft.com/office/powerpoint/2010/main" val="3392819415"/>
+        <p14:creationId xmlns:p14="http://schemas.microsoft.com/office/powerpoint/2010/main" val="289489808"/>
       </p:ext>
     </p:extLst>
   </p:cSld>
@@ -13581,7 +13375,7 @@
               <a:rPr lang="en-US" b="1" dirty="0">
                 <a:latin typeface="Selawik Semibold" panose="020B0604020202020204" pitchFamily="34" charset="0"/>
               </a:rPr>
-              <a:t>Dope Quote</a:t>
+              <a:t>What is Sports Analytics?</a:t>
             </a:r>
           </a:p>
         </p:txBody>
@@ -13604,134 +13398,86 @@
         </p:nvSpPr>
         <p:spPr>
           <a:xfrm>
-            <a:off x="838198" y="2021249"/>
-            <a:ext cx="7425020" cy="4581257"/>
+            <a:off x="838199" y="2021249"/>
+            <a:ext cx="7324166" cy="4581257"/>
           </a:xfrm>
         </p:spPr>
         <p:txBody>
           <a:bodyPr>
-            <a:normAutofit fontScale="92500" lnSpcReduction="10000"/>
+            <a:normAutofit/>
           </a:bodyPr>
           <a:lstStyle/>
           <a:p>
-            <a:pPr marL="0" indent="0">
-              <a:buNone/>
-            </a:pPr>
-            <a:r>
-              <a:rPr lang="en-US" dirty="0">
+            <a:r>
+              <a:rPr lang="en-US" sz="2400" dirty="0">
                 <a:latin typeface="Selawik Semibold" panose="020B0702040204020203" pitchFamily="34" charset="0"/>
               </a:rPr>
-              <a:t>The most meaningful way to</a:t>
-            </a:r>
-          </a:p>
-          <a:p>
-            <a:pPr marL="0" indent="0">
-              <a:buNone/>
-            </a:pPr>
-            <a:r>
-              <a:rPr lang="en-US" dirty="0">
+              <a:t>Defined by Ben </a:t>
+            </a:r>
+            <a:r>
+              <a:rPr lang="en-US" sz="2400" dirty="0" err="1">
                 <a:latin typeface="Selawik Semibold" panose="020B0702040204020203" pitchFamily="34" charset="0"/>
               </a:rPr>
-              <a:t>differentiate your company from your</a:t>
-            </a:r>
-          </a:p>
-          <a:p>
-            <a:pPr marL="0" indent="0">
-              <a:buNone/>
-            </a:pPr>
-            <a:r>
-              <a:rPr lang="en-US" dirty="0">
+              <a:t>Alamar</a:t>
+            </a:r>
+            <a:endParaRPr lang="en-US" sz="2000" dirty="0">
+              <a:latin typeface="Selawik Semibold" panose="020B0702040204020203" pitchFamily="34" charset="0"/>
+            </a:endParaRPr>
+          </a:p>
+          <a:p>
+            <a:pPr lvl="1"/>
+            <a:r>
+              <a:rPr lang="en-US" sz="2000" dirty="0">
                 <a:latin typeface="Selawik Semibold" panose="020B0702040204020203" pitchFamily="34" charset="0"/>
               </a:rPr>
-              <a:t>competitors, the best way to put distance</a:t>
-            </a:r>
-          </a:p>
-          <a:p>
-            <a:pPr marL="0" indent="0">
-              <a:buNone/>
-            </a:pPr>
-            <a:r>
-              <a:rPr lang="en-US" dirty="0">
+              <a:t>Data Management</a:t>
+            </a:r>
+          </a:p>
+          <a:p>
+            <a:pPr lvl="1"/>
+            <a:r>
+              <a:rPr lang="en-US" sz="2000" dirty="0">
                 <a:latin typeface="Selawik Semibold" panose="020B0702040204020203" pitchFamily="34" charset="0"/>
               </a:rPr>
-              <a:t>between you and the crowd is to do an</a:t>
-            </a:r>
-          </a:p>
-          <a:p>
-            <a:pPr marL="0" indent="0">
-              <a:buNone/>
-            </a:pPr>
-            <a:r>
-              <a:rPr lang="en-US" dirty="0">
+              <a:t>Predictive Models</a:t>
+            </a:r>
+          </a:p>
+          <a:p>
+            <a:pPr lvl="1"/>
+            <a:r>
+              <a:rPr lang="en-US" sz="2000" dirty="0">
                 <a:latin typeface="Selawik Semibold" panose="020B0702040204020203" pitchFamily="34" charset="0"/>
               </a:rPr>
-              <a:t>outstanding job with information. </a:t>
-            </a:r>
-          </a:p>
-          <a:p>
-            <a:pPr marL="0" indent="0">
-              <a:buNone/>
-            </a:pPr>
-            <a:endParaRPr lang="en-US" dirty="0">
+              <a:t>Information Systems</a:t>
+            </a:r>
+          </a:p>
+          <a:p>
+            <a:pPr lvl="1"/>
+            <a:endParaRPr lang="en-US" sz="2000" dirty="0">
               <a:latin typeface="Selawik Semibold" panose="020B0702040204020203" pitchFamily="34" charset="0"/>
             </a:endParaRPr>
           </a:p>
           <a:p>
-            <a:pPr marL="0" indent="0">
-              <a:buNone/>
-            </a:pPr>
-            <a:r>
-              <a:rPr lang="en-US" dirty="0">
-                <a:latin typeface="Selawik Semibold" panose="020B0702040204020203" pitchFamily="34" charset="0"/>
-              </a:rPr>
-              <a:t>How you gather, manage, and use information</a:t>
-            </a:r>
-          </a:p>
-          <a:p>
-            <a:pPr marL="0" indent="0">
-              <a:buNone/>
-            </a:pPr>
-            <a:r>
-              <a:rPr lang="en-US" dirty="0">
-                <a:latin typeface="Selawik Semibold" panose="020B0702040204020203" pitchFamily="34" charset="0"/>
-              </a:rPr>
-              <a:t>will determine whether you win or lose.</a:t>
-            </a:r>
-          </a:p>
-          <a:p>
-            <a:pPr marL="0" indent="0">
-              <a:buNone/>
-            </a:pPr>
-            <a:endParaRPr lang="en-US" dirty="0">
+            <a:pPr lvl="1"/>
+            <a:endParaRPr lang="en-US" sz="2000" dirty="0">
               <a:latin typeface="Selawik Semibold" panose="020B0702040204020203" pitchFamily="34" charset="0"/>
             </a:endParaRPr>
           </a:p>
           <a:p>
-            <a:pPr marL="0" indent="0">
-              <a:buNone/>
-            </a:pPr>
-            <a:r>
-              <a:rPr lang="en-US" dirty="0">
-                <a:latin typeface="Selawik Semibold" panose="020B0702040204020203" pitchFamily="34" charset="0"/>
-              </a:rPr>
-              <a:t>- Bill Gates</a:t>
-            </a:r>
-          </a:p>
-          <a:p>
-            <a:pPr lvl="2"/>
-            <a:endParaRPr lang="en-US" sz="1600" dirty="0">
+            <a:pPr lvl="1"/>
+            <a:endParaRPr lang="en-US" sz="2000" dirty="0">
               <a:latin typeface="Selawik Semibold" panose="020B0702040204020203" pitchFamily="34" charset="0"/>
             </a:endParaRPr>
           </a:p>
           <a:p>
-            <a:pPr lvl="2"/>
-            <a:endParaRPr lang="en-US" sz="1600" dirty="0">
+            <a:pPr lvl="1"/>
+            <a:endParaRPr lang="en-US" sz="2000" dirty="0">
               <a:latin typeface="Selawik Semibold" panose="020B0702040204020203" pitchFamily="34" charset="0"/>
             </a:endParaRPr>
           </a:p>
           <a:p>
-            <a:pPr lvl="2"/>
-            <a:endParaRPr lang="en-US" sz="1600" dirty="0">
+            <a:pPr lvl="1"/>
+            <a:endParaRPr lang="en-US" sz="2000" dirty="0">
               <a:latin typeface="Selawik Semibold" panose="020B0702040204020203" pitchFamily="34" charset="0"/>
             </a:endParaRPr>
           </a:p>
@@ -14077,10 +13823,545 @@
           </a:p>
         </p:txBody>
       </p:sp>
+      <p:sp>
+        <p:nvSpPr>
+          <p:cNvPr id="7" name="TextBox 6">
+            <a:extLst>
+              <a:ext uri="{FF2B5EF4-FFF2-40B4-BE49-F238E27FC236}">
+                <a16:creationId xmlns:a16="http://schemas.microsoft.com/office/drawing/2014/main" id="{122E552F-CD5E-4928-A884-3509AF0AAD36}"/>
+              </a:ext>
+            </a:extLst>
+          </p:cNvPr>
+          <p:cNvSpPr txBox="1"/>
+          <p:nvPr/>
+        </p:nvSpPr>
+        <p:spPr>
+          <a:xfrm>
+            <a:off x="365718" y="3783182"/>
+            <a:ext cx="2205318" cy="954107"/>
+          </a:xfrm>
+          <a:prstGeom prst="rect">
+            <a:avLst/>
+          </a:prstGeom>
+        </p:spPr>
+        <p:style>
+          <a:lnRef idx="1">
+            <a:schemeClr val="dk1"/>
+          </a:lnRef>
+          <a:fillRef idx="3">
+            <a:schemeClr val="dk1"/>
+          </a:fillRef>
+          <a:effectRef idx="2">
+            <a:schemeClr val="dk1"/>
+          </a:effectRef>
+          <a:fontRef idx="minor">
+            <a:schemeClr val="lt1"/>
+          </a:fontRef>
+        </p:style>
+        <p:txBody>
+          <a:bodyPr wrap="square" rtlCol="0">
+            <a:spAutoFit/>
+          </a:bodyPr>
+          <a:lstStyle/>
+          <a:p>
+            <a:r>
+              <a:rPr lang="en-US" sz="2800" dirty="0"/>
+              <a:t>Data </a:t>
+            </a:r>
+          </a:p>
+          <a:p>
+            <a:r>
+              <a:rPr lang="en-US" sz="2800" dirty="0"/>
+              <a:t>Management</a:t>
+            </a:r>
+          </a:p>
+        </p:txBody>
+      </p:sp>
+      <p:sp>
+        <p:nvSpPr>
+          <p:cNvPr id="12" name="TextBox 11">
+            <a:extLst>
+              <a:ext uri="{FF2B5EF4-FFF2-40B4-BE49-F238E27FC236}">
+                <a16:creationId xmlns:a16="http://schemas.microsoft.com/office/drawing/2014/main" id="{26DA0C6F-C9E0-47D4-9FC9-FCD1D65D2721}"/>
+              </a:ext>
+            </a:extLst>
+          </p:cNvPr>
+          <p:cNvSpPr txBox="1"/>
+          <p:nvPr/>
+        </p:nvSpPr>
+        <p:spPr>
+          <a:xfrm>
+            <a:off x="353916" y="5407416"/>
+            <a:ext cx="2205318" cy="954107"/>
+          </a:xfrm>
+          <a:prstGeom prst="rect">
+            <a:avLst/>
+          </a:prstGeom>
+        </p:spPr>
+        <p:style>
+          <a:lnRef idx="1">
+            <a:schemeClr val="dk1"/>
+          </a:lnRef>
+          <a:fillRef idx="3">
+            <a:schemeClr val="dk1"/>
+          </a:fillRef>
+          <a:effectRef idx="2">
+            <a:schemeClr val="dk1"/>
+          </a:effectRef>
+          <a:fontRef idx="minor">
+            <a:schemeClr val="lt1"/>
+          </a:fontRef>
+        </p:style>
+        <p:txBody>
+          <a:bodyPr wrap="square" rtlCol="0">
+            <a:spAutoFit/>
+          </a:bodyPr>
+          <a:lstStyle/>
+          <a:p>
+            <a:r>
+              <a:rPr lang="en-US" sz="2800" dirty="0"/>
+              <a:t>Analytic Models</a:t>
+            </a:r>
+          </a:p>
+        </p:txBody>
+      </p:sp>
+      <p:sp>
+        <p:nvSpPr>
+          <p:cNvPr id="13" name="TextBox 12">
+            <a:extLst>
+              <a:ext uri="{FF2B5EF4-FFF2-40B4-BE49-F238E27FC236}">
+                <a16:creationId xmlns:a16="http://schemas.microsoft.com/office/drawing/2014/main" id="{992BD579-13F5-48CC-B1C8-16F0934F3B44}"/>
+              </a:ext>
+            </a:extLst>
+          </p:cNvPr>
+          <p:cNvSpPr txBox="1"/>
+          <p:nvPr/>
+        </p:nvSpPr>
+        <p:spPr>
+          <a:xfrm>
+            <a:off x="3225728" y="4163036"/>
+            <a:ext cx="1907548" cy="954107"/>
+          </a:xfrm>
+          <a:prstGeom prst="rect">
+            <a:avLst/>
+          </a:prstGeom>
+        </p:spPr>
+        <p:style>
+          <a:lnRef idx="1">
+            <a:schemeClr val="dk1"/>
+          </a:lnRef>
+          <a:fillRef idx="3">
+            <a:schemeClr val="dk1"/>
+          </a:fillRef>
+          <a:effectRef idx="2">
+            <a:schemeClr val="dk1"/>
+          </a:effectRef>
+          <a:fontRef idx="minor">
+            <a:schemeClr val="lt1"/>
+          </a:fontRef>
+        </p:style>
+        <p:txBody>
+          <a:bodyPr wrap="square" rtlCol="0">
+            <a:spAutoFit/>
+          </a:bodyPr>
+          <a:lstStyle/>
+          <a:p>
+            <a:r>
+              <a:rPr lang="en-US" sz="2800" dirty="0"/>
+              <a:t>Information</a:t>
+            </a:r>
+          </a:p>
+          <a:p>
+            <a:r>
+              <a:rPr lang="en-US" sz="2800" dirty="0"/>
+              <a:t>Systems</a:t>
+            </a:r>
+          </a:p>
+        </p:txBody>
+      </p:sp>
+      <p:pic>
+        <p:nvPicPr>
+          <p:cNvPr id="10" name="Picture 9" descr="Decision Maker">
+            <a:extLst>
+              <a:ext uri="{FF2B5EF4-FFF2-40B4-BE49-F238E27FC236}">
+                <a16:creationId xmlns:a16="http://schemas.microsoft.com/office/drawing/2014/main" id="{2911B196-1EA3-4ECD-850B-F7838FAD07BC}"/>
+              </a:ext>
+            </a:extLst>
+          </p:cNvPr>
+          <p:cNvPicPr>
+            <a:picLocks noChangeAspect="1"/>
+          </p:cNvPicPr>
+          <p:nvPr/>
+        </p:nvPicPr>
+        <p:blipFill>
+          <a:blip r:embed="rId5">
+            <a:extLst>
+              <a:ext uri="{28A0092B-C50C-407E-A947-70E740481C1C}">
+                <a14:useLocalDpi xmlns:a14="http://schemas.microsoft.com/office/drawing/2010/main" val="0"/>
+              </a:ext>
+            </a:extLst>
+          </a:blip>
+          <a:stretch>
+            <a:fillRect/>
+          </a:stretch>
+        </p:blipFill>
+        <p:spPr>
+          <a:xfrm>
+            <a:off x="5787968" y="4375030"/>
+            <a:ext cx="2538848" cy="1516803"/>
+          </a:xfrm>
+          <a:prstGeom prst="rect">
+            <a:avLst/>
+          </a:prstGeom>
+          <a:solidFill>
+            <a:srgbClr val="000000">
+              <a:shade val="95000"/>
+            </a:srgbClr>
+          </a:solidFill>
+          <a:ln w="28575" cap="sq">
+            <a:solidFill>
+              <a:srgbClr val="000000"/>
+            </a:solidFill>
+            <a:miter lim="800000"/>
+          </a:ln>
+          <a:effectLst>
+            <a:outerShdw blurRad="254000" dist="190500" dir="2700000" sy="90000" algn="bl" rotWithShape="0">
+              <a:srgbClr val="000000">
+                <a:alpha val="40000"/>
+              </a:srgbClr>
+            </a:outerShdw>
+          </a:effectLst>
+        </p:spPr>
+      </p:pic>
+      <p:sp>
+        <p:nvSpPr>
+          <p:cNvPr id="17" name="TextBox 16">
+            <a:extLst>
+              <a:ext uri="{FF2B5EF4-FFF2-40B4-BE49-F238E27FC236}">
+                <a16:creationId xmlns:a16="http://schemas.microsoft.com/office/drawing/2014/main" id="{50914ED0-975E-41B2-86EC-5995292303DF}"/>
+              </a:ext>
+            </a:extLst>
+          </p:cNvPr>
+          <p:cNvSpPr txBox="1"/>
+          <p:nvPr/>
+        </p:nvSpPr>
+        <p:spPr>
+          <a:xfrm>
+            <a:off x="5848506" y="5977904"/>
+            <a:ext cx="2421642" cy="523220"/>
+          </a:xfrm>
+          <a:prstGeom prst="rect">
+            <a:avLst/>
+          </a:prstGeom>
+        </p:spPr>
+        <p:style>
+          <a:lnRef idx="1">
+            <a:schemeClr val="dk1"/>
+          </a:lnRef>
+          <a:fillRef idx="3">
+            <a:schemeClr val="dk1"/>
+          </a:fillRef>
+          <a:effectRef idx="2">
+            <a:schemeClr val="dk1"/>
+          </a:effectRef>
+          <a:fontRef idx="minor">
+            <a:schemeClr val="lt1"/>
+          </a:fontRef>
+        </p:style>
+        <p:txBody>
+          <a:bodyPr wrap="square" rtlCol="0">
+            <a:spAutoFit/>
+          </a:bodyPr>
+          <a:lstStyle/>
+          <a:p>
+            <a:r>
+              <a:rPr lang="en-US" sz="2800" dirty="0"/>
+              <a:t>Decision Maker</a:t>
+            </a:r>
+          </a:p>
+        </p:txBody>
+      </p:sp>
+      <p:sp>
+        <p:nvSpPr>
+          <p:cNvPr id="18" name="Arrow: Right 17">
+            <a:extLst>
+              <a:ext uri="{FF2B5EF4-FFF2-40B4-BE49-F238E27FC236}">
+                <a16:creationId xmlns:a16="http://schemas.microsoft.com/office/drawing/2014/main" id="{034BACA9-7E25-4051-A7E8-D2B4C2C0145B}"/>
+              </a:ext>
+            </a:extLst>
+          </p:cNvPr>
+          <p:cNvSpPr/>
+          <p:nvPr/>
+        </p:nvSpPr>
+        <p:spPr>
+          <a:xfrm rot="5400000">
+            <a:off x="1139801" y="4911200"/>
+            <a:ext cx="497541" cy="318768"/>
+          </a:xfrm>
+          <a:prstGeom prst="rightArrow">
+            <a:avLst/>
+          </a:prstGeom>
+        </p:spPr>
+        <p:style>
+          <a:lnRef idx="2">
+            <a:schemeClr val="dk1">
+              <a:shade val="50000"/>
+            </a:schemeClr>
+          </a:lnRef>
+          <a:fillRef idx="1">
+            <a:schemeClr val="dk1"/>
+          </a:fillRef>
+          <a:effectRef idx="0">
+            <a:schemeClr val="dk1"/>
+          </a:effectRef>
+          <a:fontRef idx="minor">
+            <a:schemeClr val="lt1"/>
+          </a:fontRef>
+        </p:style>
+        <p:txBody>
+          <a:bodyPr rtlCol="0" anchor="ctr"/>
+          <a:lstStyle/>
+          <a:p>
+            <a:pPr algn="ctr"/>
+            <a:endParaRPr lang="en-US"/>
+          </a:p>
+        </p:txBody>
+      </p:sp>
+      <p:sp>
+        <p:nvSpPr>
+          <p:cNvPr id="20" name="Arrow: Right 19">
+            <a:extLst>
+              <a:ext uri="{FF2B5EF4-FFF2-40B4-BE49-F238E27FC236}">
+                <a16:creationId xmlns:a16="http://schemas.microsoft.com/office/drawing/2014/main" id="{8BA0E7CA-81EF-4647-8038-D30905E3C7C9}"/>
+              </a:ext>
+            </a:extLst>
+          </p:cNvPr>
+          <p:cNvSpPr/>
+          <p:nvPr/>
+        </p:nvSpPr>
+        <p:spPr>
+          <a:xfrm>
+            <a:off x="2660863" y="4375030"/>
+            <a:ext cx="497541" cy="318768"/>
+          </a:xfrm>
+          <a:prstGeom prst="rightArrow">
+            <a:avLst/>
+          </a:prstGeom>
+        </p:spPr>
+        <p:style>
+          <a:lnRef idx="2">
+            <a:schemeClr val="dk1">
+              <a:shade val="50000"/>
+            </a:schemeClr>
+          </a:lnRef>
+          <a:fillRef idx="1">
+            <a:schemeClr val="dk1"/>
+          </a:fillRef>
+          <a:effectRef idx="0">
+            <a:schemeClr val="dk1"/>
+          </a:effectRef>
+          <a:fontRef idx="minor">
+            <a:schemeClr val="lt1"/>
+          </a:fontRef>
+        </p:style>
+        <p:txBody>
+          <a:bodyPr rtlCol="0" anchor="ctr"/>
+          <a:lstStyle/>
+          <a:p>
+            <a:pPr algn="ctr"/>
+            <a:endParaRPr lang="en-US"/>
+          </a:p>
+        </p:txBody>
+      </p:sp>
+      <p:sp>
+        <p:nvSpPr>
+          <p:cNvPr id="21" name="Arrow: Right 20">
+            <a:extLst>
+              <a:ext uri="{FF2B5EF4-FFF2-40B4-BE49-F238E27FC236}">
+                <a16:creationId xmlns:a16="http://schemas.microsoft.com/office/drawing/2014/main" id="{56068537-B0AA-411A-BA6C-AF1101648815}"/>
+              </a:ext>
+            </a:extLst>
+          </p:cNvPr>
+          <p:cNvSpPr/>
+          <p:nvPr/>
+        </p:nvSpPr>
+        <p:spPr>
+          <a:xfrm rot="20363812">
+            <a:off x="2589987" y="5114621"/>
+            <a:ext cx="574536" cy="318768"/>
+          </a:xfrm>
+          <a:prstGeom prst="rightArrow">
+            <a:avLst/>
+          </a:prstGeom>
+        </p:spPr>
+        <p:style>
+          <a:lnRef idx="2">
+            <a:schemeClr val="dk1">
+              <a:shade val="50000"/>
+            </a:schemeClr>
+          </a:lnRef>
+          <a:fillRef idx="1">
+            <a:schemeClr val="dk1"/>
+          </a:fillRef>
+          <a:effectRef idx="0">
+            <a:schemeClr val="dk1"/>
+          </a:effectRef>
+          <a:fontRef idx="minor">
+            <a:schemeClr val="lt1"/>
+          </a:fontRef>
+        </p:style>
+        <p:txBody>
+          <a:bodyPr rtlCol="0" anchor="ctr"/>
+          <a:lstStyle/>
+          <a:p>
+            <a:pPr algn="ctr"/>
+            <a:endParaRPr lang="en-US"/>
+          </a:p>
+        </p:txBody>
+      </p:sp>
+      <p:sp>
+        <p:nvSpPr>
+          <p:cNvPr id="22" name="Arrow: Right 21">
+            <a:extLst>
+              <a:ext uri="{FF2B5EF4-FFF2-40B4-BE49-F238E27FC236}">
+                <a16:creationId xmlns:a16="http://schemas.microsoft.com/office/drawing/2014/main" id="{D65390E2-9ECB-47DE-9675-CB5E939AB195}"/>
+              </a:ext>
+            </a:extLst>
+          </p:cNvPr>
+          <p:cNvSpPr/>
+          <p:nvPr/>
+        </p:nvSpPr>
+        <p:spPr>
+          <a:xfrm>
+            <a:off x="2655762" y="5786866"/>
+            <a:ext cx="2965922" cy="318768"/>
+          </a:xfrm>
+          <a:prstGeom prst="rightArrow">
+            <a:avLst/>
+          </a:prstGeom>
+        </p:spPr>
+        <p:style>
+          <a:lnRef idx="2">
+            <a:schemeClr val="dk1">
+              <a:shade val="50000"/>
+            </a:schemeClr>
+          </a:lnRef>
+          <a:fillRef idx="1">
+            <a:schemeClr val="dk1"/>
+          </a:fillRef>
+          <a:effectRef idx="0">
+            <a:schemeClr val="dk1"/>
+          </a:effectRef>
+          <a:fontRef idx="minor">
+            <a:schemeClr val="lt1"/>
+          </a:fontRef>
+        </p:style>
+        <p:txBody>
+          <a:bodyPr rtlCol="0" anchor="ctr"/>
+          <a:lstStyle/>
+          <a:p>
+            <a:pPr algn="ctr"/>
+            <a:endParaRPr lang="en-US"/>
+          </a:p>
+        </p:txBody>
+      </p:sp>
+      <p:sp>
+        <p:nvSpPr>
+          <p:cNvPr id="23" name="Arrow: Right 22">
+            <a:extLst>
+              <a:ext uri="{FF2B5EF4-FFF2-40B4-BE49-F238E27FC236}">
+                <a16:creationId xmlns:a16="http://schemas.microsoft.com/office/drawing/2014/main" id="{C46C3C4B-3AA7-4E8E-8FCB-77B719504DD8}"/>
+              </a:ext>
+            </a:extLst>
+          </p:cNvPr>
+          <p:cNvSpPr/>
+          <p:nvPr/>
+        </p:nvSpPr>
+        <p:spPr>
+          <a:xfrm>
+            <a:off x="5214009" y="4695767"/>
+            <a:ext cx="497541" cy="318768"/>
+          </a:xfrm>
+          <a:prstGeom prst="rightArrow">
+            <a:avLst/>
+          </a:prstGeom>
+        </p:spPr>
+        <p:style>
+          <a:lnRef idx="2">
+            <a:schemeClr val="dk1">
+              <a:shade val="50000"/>
+            </a:schemeClr>
+          </a:lnRef>
+          <a:fillRef idx="1">
+            <a:schemeClr val="dk1"/>
+          </a:fillRef>
+          <a:effectRef idx="0">
+            <a:schemeClr val="dk1"/>
+          </a:effectRef>
+          <a:fontRef idx="minor">
+            <a:schemeClr val="lt1"/>
+          </a:fontRef>
+        </p:style>
+        <p:txBody>
+          <a:bodyPr rtlCol="0" anchor="ctr"/>
+          <a:lstStyle/>
+          <a:p>
+            <a:pPr algn="ctr"/>
+            <a:endParaRPr lang="en-US"/>
+          </a:p>
+        </p:txBody>
+      </p:sp>
+      <p:sp>
+        <p:nvSpPr>
+          <p:cNvPr id="19" name="Rectangle 18">
+            <a:extLst>
+              <a:ext uri="{FF2B5EF4-FFF2-40B4-BE49-F238E27FC236}">
+                <a16:creationId xmlns:a16="http://schemas.microsoft.com/office/drawing/2014/main" id="{0F2662DF-6B81-4BCB-BE84-0E68709D2B8F}"/>
+              </a:ext>
+            </a:extLst>
+          </p:cNvPr>
+          <p:cNvSpPr/>
+          <p:nvPr/>
+        </p:nvSpPr>
+        <p:spPr>
+          <a:xfrm>
+            <a:off x="260181" y="6334719"/>
+            <a:ext cx="4017387" cy="369332"/>
+          </a:xfrm>
+          <a:prstGeom prst="rect">
+            <a:avLst/>
+          </a:prstGeom>
+        </p:spPr>
+        <p:txBody>
+          <a:bodyPr wrap="square">
+            <a:spAutoFit/>
+          </a:bodyPr>
+          <a:lstStyle/>
+          <a:p>
+            <a:r>
+              <a:rPr lang="en-US" dirty="0"/>
+              <a:t>Based on </a:t>
+            </a:r>
+            <a:r>
+              <a:rPr lang="en-US" i="1" dirty="0"/>
+              <a:t>Sports Analytics</a:t>
+            </a:r>
+            <a:r>
+              <a:rPr lang="en-US" dirty="0"/>
+              <a:t> by Ben </a:t>
+            </a:r>
+            <a:r>
+              <a:rPr lang="en-US" dirty="0" err="1"/>
+              <a:t>Alamar</a:t>
+            </a:r>
+            <a:endParaRPr lang="en-US" dirty="0"/>
+          </a:p>
+        </p:txBody>
+      </p:sp>
     </p:spTree>
     <p:extLst>
       <p:ext uri="{BB962C8B-B14F-4D97-AF65-F5344CB8AC3E}">
-        <p14:creationId xmlns:p14="http://schemas.microsoft.com/office/powerpoint/2010/main" val="289489808"/>
+        <p14:creationId xmlns:p14="http://schemas.microsoft.com/office/powerpoint/2010/main" val="4266006054"/>
       </p:ext>
     </p:extLst>
   </p:cSld>
@@ -14247,17 +14528,33 @@
               <a:rPr lang="en-US" sz="2400" dirty="0">
                 <a:latin typeface="Selawik Semibold" panose="020B0702040204020203" pitchFamily="34" charset="0"/>
               </a:rPr>
-              <a:t>Defined by Ben </a:t>
-            </a:r>
-            <a:r>
-              <a:rPr lang="en-US" sz="2400" dirty="0" err="1">
+              <a:t>Purpose: To Aid an Organization’s </a:t>
+            </a:r>
+            <a:r>
+              <a:rPr lang="en-US" sz="2400" u="sng" dirty="0">
                 <a:latin typeface="Selawik Semibold" panose="020B0702040204020203" pitchFamily="34" charset="0"/>
               </a:rPr>
-              <a:t>Alamar</a:t>
-            </a:r>
-            <a:endParaRPr lang="en-US" sz="2000" dirty="0">
+              <a:t>Decision Makers</a:t>
+            </a:r>
+            <a:r>
+              <a:rPr lang="en-US" sz="2400" dirty="0">
+                <a:latin typeface="Selawik Semibold" panose="020B0702040204020203" pitchFamily="34" charset="0"/>
+              </a:rPr>
+              <a:t> in Gaining a Competitive Advantage</a:t>
+            </a:r>
+          </a:p>
+          <a:p>
+            <a:endParaRPr lang="en-US" sz="2400" dirty="0">
               <a:latin typeface="Selawik Semibold" panose="020B0702040204020203" pitchFamily="34" charset="0"/>
             </a:endParaRPr>
+          </a:p>
+          <a:p>
+            <a:r>
+              <a:rPr lang="en-US" sz="2400" dirty="0">
+                <a:latin typeface="Selawik Semibold" panose="020B0702040204020203" pitchFamily="34" charset="0"/>
+              </a:rPr>
+              <a:t>Goals</a:t>
+            </a:r>
           </a:p>
           <a:p>
             <a:pPr lvl="1"/>
@@ -14265,25 +14562,18 @@
               <a:rPr lang="en-US" sz="2000" dirty="0">
                 <a:latin typeface="Selawik Semibold" panose="020B0702040204020203" pitchFamily="34" charset="0"/>
               </a:rPr>
-              <a:t>Data Management</a:t>
-            </a:r>
-          </a:p>
-          <a:p>
-            <a:pPr lvl="1"/>
+              <a:t>Save the Decision Maker Time by Making Information Acquisition Efficient </a:t>
+            </a:r>
+          </a:p>
+          <a:p>
+            <a:pPr marL="457200" lvl="1" indent="0">
+              <a:buNone/>
+            </a:pPr>
             <a:r>
               <a:rPr lang="en-US" sz="2000" dirty="0">
                 <a:latin typeface="Selawik Semibold" panose="020B0702040204020203" pitchFamily="34" charset="0"/>
               </a:rPr>
-              <a:t>Predictive Models</a:t>
-            </a:r>
-          </a:p>
-          <a:p>
-            <a:pPr lvl="1"/>
-            <a:r>
-              <a:rPr lang="en-US" sz="2000" dirty="0">
-                <a:latin typeface="Selawik Semibold" panose="020B0702040204020203" pitchFamily="34" charset="0"/>
-              </a:rPr>
-              <a:t>Information Systems</a:t>
+              <a:t>   (Data Management/Information Systems)</a:t>
             </a:r>
           </a:p>
           <a:p>
@@ -14294,7 +14584,55 @@
           </a:p>
           <a:p>
             <a:pPr lvl="1"/>
+            <a:r>
+              <a:rPr lang="en-US" sz="2000" dirty="0">
+                <a:latin typeface="Selawik Semibold" panose="020B0702040204020203" pitchFamily="34" charset="0"/>
+              </a:rPr>
+              <a:t>Provide Decision Makers with Novel Insight</a:t>
+            </a:r>
+          </a:p>
+          <a:p>
+            <a:pPr marL="457200" lvl="1" indent="0">
+              <a:buNone/>
+            </a:pPr>
+            <a:r>
+              <a:rPr lang="en-US" sz="2000" dirty="0">
+                <a:latin typeface="Selawik Semibold" panose="020B0702040204020203" pitchFamily="34" charset="0"/>
+              </a:rPr>
+              <a:t>   (Analytic Models)</a:t>
+            </a:r>
+          </a:p>
+          <a:p>
+            <a:pPr marL="457200" lvl="1" indent="0">
+              <a:buNone/>
+            </a:pPr>
             <a:endParaRPr lang="en-US" sz="2000" dirty="0">
+              <a:latin typeface="Selawik Semibold" panose="020B0702040204020203" pitchFamily="34" charset="0"/>
+            </a:endParaRPr>
+          </a:p>
+          <a:p>
+            <a:r>
+              <a:rPr lang="en-US" sz="2400" dirty="0">
+                <a:latin typeface="Selawik Semibold" panose="020B0702040204020203" pitchFamily="34" charset="0"/>
+              </a:rPr>
+              <a:t>We are an Accessory to the Decision Maker</a:t>
+            </a:r>
+          </a:p>
+          <a:p>
+            <a:pPr lvl="1"/>
+            <a:endParaRPr lang="en-US" sz="2000" dirty="0">
+              <a:latin typeface="Selawik Semibold" panose="020B0702040204020203" pitchFamily="34" charset="0"/>
+            </a:endParaRPr>
+          </a:p>
+          <a:p>
+            <a:pPr lvl="1"/>
+            <a:endParaRPr lang="en-US" sz="2000" dirty="0">
+              <a:latin typeface="Selawik Semibold" panose="020B0702040204020203" pitchFamily="34" charset="0"/>
+            </a:endParaRPr>
+          </a:p>
+          <a:p>
+            <a:pPr lvl="1"/>
+            <a:endParaRPr lang="en-US" sz="1600" dirty="0">
               <a:latin typeface="Selawik Semibold" panose="020B0702040204020203" pitchFamily="34" charset="0"/>
             </a:endParaRPr>
           </a:p>
@@ -14658,545 +14996,10 @@
           </a:p>
         </p:txBody>
       </p:sp>
-      <p:sp>
-        <p:nvSpPr>
-          <p:cNvPr id="7" name="TextBox 6">
-            <a:extLst>
-              <a:ext uri="{FF2B5EF4-FFF2-40B4-BE49-F238E27FC236}">
-                <a16:creationId xmlns:a16="http://schemas.microsoft.com/office/drawing/2014/main" id="{122E552F-CD5E-4928-A884-3509AF0AAD36}"/>
-              </a:ext>
-            </a:extLst>
-          </p:cNvPr>
-          <p:cNvSpPr txBox="1"/>
-          <p:nvPr/>
-        </p:nvSpPr>
-        <p:spPr>
-          <a:xfrm>
-            <a:off x="365718" y="3783182"/>
-            <a:ext cx="2205318" cy="954107"/>
-          </a:xfrm>
-          <a:prstGeom prst="rect">
-            <a:avLst/>
-          </a:prstGeom>
-        </p:spPr>
-        <p:style>
-          <a:lnRef idx="1">
-            <a:schemeClr val="dk1"/>
-          </a:lnRef>
-          <a:fillRef idx="3">
-            <a:schemeClr val="dk1"/>
-          </a:fillRef>
-          <a:effectRef idx="2">
-            <a:schemeClr val="dk1"/>
-          </a:effectRef>
-          <a:fontRef idx="minor">
-            <a:schemeClr val="lt1"/>
-          </a:fontRef>
-        </p:style>
-        <p:txBody>
-          <a:bodyPr wrap="square" rtlCol="0">
-            <a:spAutoFit/>
-          </a:bodyPr>
-          <a:lstStyle/>
-          <a:p>
-            <a:r>
-              <a:rPr lang="en-US" sz="2800" dirty="0"/>
-              <a:t>Data </a:t>
-            </a:r>
-          </a:p>
-          <a:p>
-            <a:r>
-              <a:rPr lang="en-US" sz="2800" dirty="0"/>
-              <a:t>Management</a:t>
-            </a:r>
-          </a:p>
-        </p:txBody>
-      </p:sp>
-      <p:sp>
-        <p:nvSpPr>
-          <p:cNvPr id="12" name="TextBox 11">
-            <a:extLst>
-              <a:ext uri="{FF2B5EF4-FFF2-40B4-BE49-F238E27FC236}">
-                <a16:creationId xmlns:a16="http://schemas.microsoft.com/office/drawing/2014/main" id="{26DA0C6F-C9E0-47D4-9FC9-FCD1D65D2721}"/>
-              </a:ext>
-            </a:extLst>
-          </p:cNvPr>
-          <p:cNvSpPr txBox="1"/>
-          <p:nvPr/>
-        </p:nvSpPr>
-        <p:spPr>
-          <a:xfrm>
-            <a:off x="353916" y="5407416"/>
-            <a:ext cx="2205318" cy="954107"/>
-          </a:xfrm>
-          <a:prstGeom prst="rect">
-            <a:avLst/>
-          </a:prstGeom>
-        </p:spPr>
-        <p:style>
-          <a:lnRef idx="1">
-            <a:schemeClr val="dk1"/>
-          </a:lnRef>
-          <a:fillRef idx="3">
-            <a:schemeClr val="dk1"/>
-          </a:fillRef>
-          <a:effectRef idx="2">
-            <a:schemeClr val="dk1"/>
-          </a:effectRef>
-          <a:fontRef idx="minor">
-            <a:schemeClr val="lt1"/>
-          </a:fontRef>
-        </p:style>
-        <p:txBody>
-          <a:bodyPr wrap="square" rtlCol="0">
-            <a:spAutoFit/>
-          </a:bodyPr>
-          <a:lstStyle/>
-          <a:p>
-            <a:r>
-              <a:rPr lang="en-US" sz="2800" dirty="0"/>
-              <a:t>Analytic Models</a:t>
-            </a:r>
-          </a:p>
-        </p:txBody>
-      </p:sp>
-      <p:sp>
-        <p:nvSpPr>
-          <p:cNvPr id="13" name="TextBox 12">
-            <a:extLst>
-              <a:ext uri="{FF2B5EF4-FFF2-40B4-BE49-F238E27FC236}">
-                <a16:creationId xmlns:a16="http://schemas.microsoft.com/office/drawing/2014/main" id="{992BD579-13F5-48CC-B1C8-16F0934F3B44}"/>
-              </a:ext>
-            </a:extLst>
-          </p:cNvPr>
-          <p:cNvSpPr txBox="1"/>
-          <p:nvPr/>
-        </p:nvSpPr>
-        <p:spPr>
-          <a:xfrm>
-            <a:off x="3225728" y="4163036"/>
-            <a:ext cx="1907548" cy="954107"/>
-          </a:xfrm>
-          <a:prstGeom prst="rect">
-            <a:avLst/>
-          </a:prstGeom>
-        </p:spPr>
-        <p:style>
-          <a:lnRef idx="1">
-            <a:schemeClr val="dk1"/>
-          </a:lnRef>
-          <a:fillRef idx="3">
-            <a:schemeClr val="dk1"/>
-          </a:fillRef>
-          <a:effectRef idx="2">
-            <a:schemeClr val="dk1"/>
-          </a:effectRef>
-          <a:fontRef idx="minor">
-            <a:schemeClr val="lt1"/>
-          </a:fontRef>
-        </p:style>
-        <p:txBody>
-          <a:bodyPr wrap="square" rtlCol="0">
-            <a:spAutoFit/>
-          </a:bodyPr>
-          <a:lstStyle/>
-          <a:p>
-            <a:r>
-              <a:rPr lang="en-US" sz="2800" dirty="0"/>
-              <a:t>Information</a:t>
-            </a:r>
-          </a:p>
-          <a:p>
-            <a:r>
-              <a:rPr lang="en-US" sz="2800" dirty="0"/>
-              <a:t>Systems</a:t>
-            </a:r>
-          </a:p>
-        </p:txBody>
-      </p:sp>
-      <p:pic>
-        <p:nvPicPr>
-          <p:cNvPr id="10" name="Picture 9" descr="Decision Maker">
-            <a:extLst>
-              <a:ext uri="{FF2B5EF4-FFF2-40B4-BE49-F238E27FC236}">
-                <a16:creationId xmlns:a16="http://schemas.microsoft.com/office/drawing/2014/main" id="{2911B196-1EA3-4ECD-850B-F7838FAD07BC}"/>
-              </a:ext>
-            </a:extLst>
-          </p:cNvPr>
-          <p:cNvPicPr>
-            <a:picLocks noChangeAspect="1"/>
-          </p:cNvPicPr>
-          <p:nvPr/>
-        </p:nvPicPr>
-        <p:blipFill>
-          <a:blip r:embed="rId5">
-            <a:extLst>
-              <a:ext uri="{28A0092B-C50C-407E-A947-70E740481C1C}">
-                <a14:useLocalDpi xmlns:a14="http://schemas.microsoft.com/office/drawing/2010/main" val="0"/>
-              </a:ext>
-            </a:extLst>
-          </a:blip>
-          <a:stretch>
-            <a:fillRect/>
-          </a:stretch>
-        </p:blipFill>
-        <p:spPr>
-          <a:xfrm>
-            <a:off x="5787968" y="4375030"/>
-            <a:ext cx="2538848" cy="1516803"/>
-          </a:xfrm>
-          <a:prstGeom prst="rect">
-            <a:avLst/>
-          </a:prstGeom>
-          <a:solidFill>
-            <a:srgbClr val="000000">
-              <a:shade val="95000"/>
-            </a:srgbClr>
-          </a:solidFill>
-          <a:ln w="28575" cap="sq">
-            <a:solidFill>
-              <a:srgbClr val="000000"/>
-            </a:solidFill>
-            <a:miter lim="800000"/>
-          </a:ln>
-          <a:effectLst>
-            <a:outerShdw blurRad="254000" dist="190500" dir="2700000" sy="90000" algn="bl" rotWithShape="0">
-              <a:srgbClr val="000000">
-                <a:alpha val="40000"/>
-              </a:srgbClr>
-            </a:outerShdw>
-          </a:effectLst>
-        </p:spPr>
-      </p:pic>
-      <p:sp>
-        <p:nvSpPr>
-          <p:cNvPr id="17" name="TextBox 16">
-            <a:extLst>
-              <a:ext uri="{FF2B5EF4-FFF2-40B4-BE49-F238E27FC236}">
-                <a16:creationId xmlns:a16="http://schemas.microsoft.com/office/drawing/2014/main" id="{50914ED0-975E-41B2-86EC-5995292303DF}"/>
-              </a:ext>
-            </a:extLst>
-          </p:cNvPr>
-          <p:cNvSpPr txBox="1"/>
-          <p:nvPr/>
-        </p:nvSpPr>
-        <p:spPr>
-          <a:xfrm>
-            <a:off x="5848506" y="5977904"/>
-            <a:ext cx="2421642" cy="523220"/>
-          </a:xfrm>
-          <a:prstGeom prst="rect">
-            <a:avLst/>
-          </a:prstGeom>
-        </p:spPr>
-        <p:style>
-          <a:lnRef idx="1">
-            <a:schemeClr val="dk1"/>
-          </a:lnRef>
-          <a:fillRef idx="3">
-            <a:schemeClr val="dk1"/>
-          </a:fillRef>
-          <a:effectRef idx="2">
-            <a:schemeClr val="dk1"/>
-          </a:effectRef>
-          <a:fontRef idx="minor">
-            <a:schemeClr val="lt1"/>
-          </a:fontRef>
-        </p:style>
-        <p:txBody>
-          <a:bodyPr wrap="square" rtlCol="0">
-            <a:spAutoFit/>
-          </a:bodyPr>
-          <a:lstStyle/>
-          <a:p>
-            <a:r>
-              <a:rPr lang="en-US" sz="2800" dirty="0"/>
-              <a:t>Decision Maker</a:t>
-            </a:r>
-          </a:p>
-        </p:txBody>
-      </p:sp>
-      <p:sp>
-        <p:nvSpPr>
-          <p:cNvPr id="18" name="Arrow: Right 17">
-            <a:extLst>
-              <a:ext uri="{FF2B5EF4-FFF2-40B4-BE49-F238E27FC236}">
-                <a16:creationId xmlns:a16="http://schemas.microsoft.com/office/drawing/2014/main" id="{034BACA9-7E25-4051-A7E8-D2B4C2C0145B}"/>
-              </a:ext>
-            </a:extLst>
-          </p:cNvPr>
-          <p:cNvSpPr/>
-          <p:nvPr/>
-        </p:nvSpPr>
-        <p:spPr>
-          <a:xfrm rot="5400000">
-            <a:off x="1139801" y="4911200"/>
-            <a:ext cx="497541" cy="318768"/>
-          </a:xfrm>
-          <a:prstGeom prst="rightArrow">
-            <a:avLst/>
-          </a:prstGeom>
-        </p:spPr>
-        <p:style>
-          <a:lnRef idx="2">
-            <a:schemeClr val="dk1">
-              <a:shade val="50000"/>
-            </a:schemeClr>
-          </a:lnRef>
-          <a:fillRef idx="1">
-            <a:schemeClr val="dk1"/>
-          </a:fillRef>
-          <a:effectRef idx="0">
-            <a:schemeClr val="dk1"/>
-          </a:effectRef>
-          <a:fontRef idx="minor">
-            <a:schemeClr val="lt1"/>
-          </a:fontRef>
-        </p:style>
-        <p:txBody>
-          <a:bodyPr rtlCol="0" anchor="ctr"/>
-          <a:lstStyle/>
-          <a:p>
-            <a:pPr algn="ctr"/>
-            <a:endParaRPr lang="en-US"/>
-          </a:p>
-        </p:txBody>
-      </p:sp>
-      <p:sp>
-        <p:nvSpPr>
-          <p:cNvPr id="20" name="Arrow: Right 19">
-            <a:extLst>
-              <a:ext uri="{FF2B5EF4-FFF2-40B4-BE49-F238E27FC236}">
-                <a16:creationId xmlns:a16="http://schemas.microsoft.com/office/drawing/2014/main" id="{8BA0E7CA-81EF-4647-8038-D30905E3C7C9}"/>
-              </a:ext>
-            </a:extLst>
-          </p:cNvPr>
-          <p:cNvSpPr/>
-          <p:nvPr/>
-        </p:nvSpPr>
-        <p:spPr>
-          <a:xfrm>
-            <a:off x="2660863" y="4375030"/>
-            <a:ext cx="497541" cy="318768"/>
-          </a:xfrm>
-          <a:prstGeom prst="rightArrow">
-            <a:avLst/>
-          </a:prstGeom>
-        </p:spPr>
-        <p:style>
-          <a:lnRef idx="2">
-            <a:schemeClr val="dk1">
-              <a:shade val="50000"/>
-            </a:schemeClr>
-          </a:lnRef>
-          <a:fillRef idx="1">
-            <a:schemeClr val="dk1"/>
-          </a:fillRef>
-          <a:effectRef idx="0">
-            <a:schemeClr val="dk1"/>
-          </a:effectRef>
-          <a:fontRef idx="minor">
-            <a:schemeClr val="lt1"/>
-          </a:fontRef>
-        </p:style>
-        <p:txBody>
-          <a:bodyPr rtlCol="0" anchor="ctr"/>
-          <a:lstStyle/>
-          <a:p>
-            <a:pPr algn="ctr"/>
-            <a:endParaRPr lang="en-US"/>
-          </a:p>
-        </p:txBody>
-      </p:sp>
-      <p:sp>
-        <p:nvSpPr>
-          <p:cNvPr id="21" name="Arrow: Right 20">
-            <a:extLst>
-              <a:ext uri="{FF2B5EF4-FFF2-40B4-BE49-F238E27FC236}">
-                <a16:creationId xmlns:a16="http://schemas.microsoft.com/office/drawing/2014/main" id="{56068537-B0AA-411A-BA6C-AF1101648815}"/>
-              </a:ext>
-            </a:extLst>
-          </p:cNvPr>
-          <p:cNvSpPr/>
-          <p:nvPr/>
-        </p:nvSpPr>
-        <p:spPr>
-          <a:xfrm rot="20363812">
-            <a:off x="2589987" y="5114621"/>
-            <a:ext cx="574536" cy="318768"/>
-          </a:xfrm>
-          <a:prstGeom prst="rightArrow">
-            <a:avLst/>
-          </a:prstGeom>
-        </p:spPr>
-        <p:style>
-          <a:lnRef idx="2">
-            <a:schemeClr val="dk1">
-              <a:shade val="50000"/>
-            </a:schemeClr>
-          </a:lnRef>
-          <a:fillRef idx="1">
-            <a:schemeClr val="dk1"/>
-          </a:fillRef>
-          <a:effectRef idx="0">
-            <a:schemeClr val="dk1"/>
-          </a:effectRef>
-          <a:fontRef idx="minor">
-            <a:schemeClr val="lt1"/>
-          </a:fontRef>
-        </p:style>
-        <p:txBody>
-          <a:bodyPr rtlCol="0" anchor="ctr"/>
-          <a:lstStyle/>
-          <a:p>
-            <a:pPr algn="ctr"/>
-            <a:endParaRPr lang="en-US"/>
-          </a:p>
-        </p:txBody>
-      </p:sp>
-      <p:sp>
-        <p:nvSpPr>
-          <p:cNvPr id="22" name="Arrow: Right 21">
-            <a:extLst>
-              <a:ext uri="{FF2B5EF4-FFF2-40B4-BE49-F238E27FC236}">
-                <a16:creationId xmlns:a16="http://schemas.microsoft.com/office/drawing/2014/main" id="{D65390E2-9ECB-47DE-9675-CB5E939AB195}"/>
-              </a:ext>
-            </a:extLst>
-          </p:cNvPr>
-          <p:cNvSpPr/>
-          <p:nvPr/>
-        </p:nvSpPr>
-        <p:spPr>
-          <a:xfrm>
-            <a:off x="2655762" y="5786866"/>
-            <a:ext cx="2965922" cy="318768"/>
-          </a:xfrm>
-          <a:prstGeom prst="rightArrow">
-            <a:avLst/>
-          </a:prstGeom>
-        </p:spPr>
-        <p:style>
-          <a:lnRef idx="2">
-            <a:schemeClr val="dk1">
-              <a:shade val="50000"/>
-            </a:schemeClr>
-          </a:lnRef>
-          <a:fillRef idx="1">
-            <a:schemeClr val="dk1"/>
-          </a:fillRef>
-          <a:effectRef idx="0">
-            <a:schemeClr val="dk1"/>
-          </a:effectRef>
-          <a:fontRef idx="minor">
-            <a:schemeClr val="lt1"/>
-          </a:fontRef>
-        </p:style>
-        <p:txBody>
-          <a:bodyPr rtlCol="0" anchor="ctr"/>
-          <a:lstStyle/>
-          <a:p>
-            <a:pPr algn="ctr"/>
-            <a:endParaRPr lang="en-US"/>
-          </a:p>
-        </p:txBody>
-      </p:sp>
-      <p:sp>
-        <p:nvSpPr>
-          <p:cNvPr id="23" name="Arrow: Right 22">
-            <a:extLst>
-              <a:ext uri="{FF2B5EF4-FFF2-40B4-BE49-F238E27FC236}">
-                <a16:creationId xmlns:a16="http://schemas.microsoft.com/office/drawing/2014/main" id="{C46C3C4B-3AA7-4E8E-8FCB-77B719504DD8}"/>
-              </a:ext>
-            </a:extLst>
-          </p:cNvPr>
-          <p:cNvSpPr/>
-          <p:nvPr/>
-        </p:nvSpPr>
-        <p:spPr>
-          <a:xfrm>
-            <a:off x="5214009" y="4695767"/>
-            <a:ext cx="497541" cy="318768"/>
-          </a:xfrm>
-          <a:prstGeom prst="rightArrow">
-            <a:avLst/>
-          </a:prstGeom>
-        </p:spPr>
-        <p:style>
-          <a:lnRef idx="2">
-            <a:schemeClr val="dk1">
-              <a:shade val="50000"/>
-            </a:schemeClr>
-          </a:lnRef>
-          <a:fillRef idx="1">
-            <a:schemeClr val="dk1"/>
-          </a:fillRef>
-          <a:effectRef idx="0">
-            <a:schemeClr val="dk1"/>
-          </a:effectRef>
-          <a:fontRef idx="minor">
-            <a:schemeClr val="lt1"/>
-          </a:fontRef>
-        </p:style>
-        <p:txBody>
-          <a:bodyPr rtlCol="0" anchor="ctr"/>
-          <a:lstStyle/>
-          <a:p>
-            <a:pPr algn="ctr"/>
-            <a:endParaRPr lang="en-US"/>
-          </a:p>
-        </p:txBody>
-      </p:sp>
-      <p:sp>
-        <p:nvSpPr>
-          <p:cNvPr id="19" name="Rectangle 18">
-            <a:extLst>
-              <a:ext uri="{FF2B5EF4-FFF2-40B4-BE49-F238E27FC236}">
-                <a16:creationId xmlns:a16="http://schemas.microsoft.com/office/drawing/2014/main" id="{0F2662DF-6B81-4BCB-BE84-0E68709D2B8F}"/>
-              </a:ext>
-            </a:extLst>
-          </p:cNvPr>
-          <p:cNvSpPr/>
-          <p:nvPr/>
-        </p:nvSpPr>
-        <p:spPr>
-          <a:xfrm>
-            <a:off x="260181" y="6334719"/>
-            <a:ext cx="4017387" cy="369332"/>
-          </a:xfrm>
-          <a:prstGeom prst="rect">
-            <a:avLst/>
-          </a:prstGeom>
-        </p:spPr>
-        <p:txBody>
-          <a:bodyPr wrap="square">
-            <a:spAutoFit/>
-          </a:bodyPr>
-          <a:lstStyle/>
-          <a:p>
-            <a:r>
-              <a:rPr lang="en-US" dirty="0"/>
-              <a:t>Based on </a:t>
-            </a:r>
-            <a:r>
-              <a:rPr lang="en-US" i="1" dirty="0"/>
-              <a:t>Sports Analytics</a:t>
-            </a:r>
-            <a:r>
-              <a:rPr lang="en-US" dirty="0"/>
-              <a:t> by Ben </a:t>
-            </a:r>
-            <a:r>
-              <a:rPr lang="en-US" dirty="0" err="1"/>
-              <a:t>Alamar</a:t>
-            </a:r>
-            <a:endParaRPr lang="en-US" dirty="0"/>
-          </a:p>
-        </p:txBody>
-      </p:sp>
     </p:spTree>
     <p:extLst>
       <p:ext uri="{BB962C8B-B14F-4D97-AF65-F5344CB8AC3E}">
-        <p14:creationId xmlns:p14="http://schemas.microsoft.com/office/powerpoint/2010/main" val="4266006054"/>
+        <p14:creationId xmlns:p14="http://schemas.microsoft.com/office/powerpoint/2010/main" val="77696106"/>
       </p:ext>
     </p:extLst>
   </p:cSld>
@@ -15363,32 +15166,47 @@
               <a:rPr lang="en-US" sz="2400" dirty="0">
                 <a:latin typeface="Selawik Semibold" panose="020B0702040204020203" pitchFamily="34" charset="0"/>
               </a:rPr>
-              <a:t>Purpose: To Aid an Organization’s </a:t>
-            </a:r>
-            <a:r>
-              <a:rPr lang="en-US" sz="2400" u="sng" dirty="0">
+              <a:t>Different Decision Makers</a:t>
+            </a:r>
+            <a:endParaRPr lang="en-US" sz="2000" dirty="0">
+              <a:latin typeface="Selawik Semibold" panose="020B0702040204020203" pitchFamily="34" charset="0"/>
+            </a:endParaRPr>
+          </a:p>
+          <a:p>
+            <a:pPr lvl="1"/>
+            <a:r>
+              <a:rPr lang="en-US" sz="2000" dirty="0">
                 <a:latin typeface="Selawik Semibold" panose="020B0702040204020203" pitchFamily="34" charset="0"/>
               </a:rPr>
-              <a:t>Decision Makers</a:t>
+              <a:t>Off-the-Field: Profit Driven</a:t>
+            </a:r>
+          </a:p>
+          <a:p>
+            <a:pPr lvl="1"/>
+            <a:r>
+              <a:rPr lang="en-US" sz="2000" dirty="0">
+                <a:latin typeface="Selawik Semibold" panose="020B0702040204020203" pitchFamily="34" charset="0"/>
+              </a:rPr>
+              <a:t>On-the-Field: Performance Driven</a:t>
+            </a:r>
+          </a:p>
+          <a:p>
+            <a:endParaRPr lang="en-US" sz="2400" dirty="0">
+              <a:latin typeface="Selawik Semibold" panose="020B0702040204020203" pitchFamily="34" charset="0"/>
+            </a:endParaRPr>
+          </a:p>
+          <a:p>
+            <a:r>
+              <a:rPr lang="en-US" sz="2400">
+                <a:latin typeface="Selawik Semibold" panose="020B0702040204020203" pitchFamily="34" charset="0"/>
+              </a:rPr>
+              <a:t>Attributes of the </a:t>
             </a:r>
             <a:r>
               <a:rPr lang="en-US" sz="2400" dirty="0">
                 <a:latin typeface="Selawik Semibold" panose="020B0702040204020203" pitchFamily="34" charset="0"/>
               </a:rPr>
-              <a:t> in Gaining a Competitive Advantage</a:t>
-            </a:r>
-          </a:p>
-          <a:p>
-            <a:endParaRPr lang="en-US" sz="2400" dirty="0">
-              <a:latin typeface="Selawik Semibold" panose="020B0702040204020203" pitchFamily="34" charset="0"/>
-            </a:endParaRPr>
-          </a:p>
-          <a:p>
-            <a:r>
-              <a:rPr lang="en-US" sz="2400" dirty="0">
-                <a:latin typeface="Selawik Semibold" panose="020B0702040204020203" pitchFamily="34" charset="0"/>
-              </a:rPr>
-              <a:t>Goals</a:t>
+              <a:t>Data Analyst</a:t>
             </a:r>
           </a:p>
           <a:p>
@@ -15397,22 +15215,32 @@
               <a:rPr lang="en-US" sz="2000" dirty="0">
                 <a:latin typeface="Selawik Semibold" panose="020B0702040204020203" pitchFamily="34" charset="0"/>
               </a:rPr>
-              <a:t>Save the Decision Maker Time by Making Information Acquisition Efficient </a:t>
-            </a:r>
-          </a:p>
-          <a:p>
-            <a:pPr marL="457200" lvl="1" indent="0">
-              <a:buNone/>
-            </a:pPr>
+              <a:t>Competence – Ben </a:t>
+            </a:r>
+            <a:r>
+              <a:rPr lang="en-US" sz="2000" dirty="0" err="1">
+                <a:latin typeface="Selawik Semibold" panose="020B0702040204020203" pitchFamily="34" charset="0"/>
+              </a:rPr>
+              <a:t>Alamar</a:t>
+            </a:r>
+            <a:endParaRPr lang="en-US" sz="2000" dirty="0">
+              <a:latin typeface="Selawik Semibold" panose="020B0702040204020203" pitchFamily="34" charset="0"/>
+            </a:endParaRPr>
+          </a:p>
+          <a:p>
+            <a:pPr lvl="1"/>
             <a:r>
               <a:rPr lang="en-US" sz="2000" dirty="0">
                 <a:latin typeface="Selawik Semibold" panose="020B0702040204020203" pitchFamily="34" charset="0"/>
               </a:rPr>
-              <a:t>   (Data Management/Information Systems)</a:t>
-            </a:r>
-          </a:p>
-          <a:p>
-            <a:pPr lvl="1"/>
+              <a:t>Leadership – Ben </a:t>
+            </a:r>
+            <a:r>
+              <a:rPr lang="en-US" sz="2000" dirty="0" err="1">
+                <a:latin typeface="Selawik Semibold" panose="020B0702040204020203" pitchFamily="34" charset="0"/>
+              </a:rPr>
+              <a:t>Alamar</a:t>
+            </a:r>
             <a:endParaRPr lang="en-US" sz="2000" dirty="0">
               <a:latin typeface="Selawik Semibold" panose="020B0702040204020203" pitchFamily="34" charset="0"/>
             </a:endParaRPr>
@@ -15423,34 +15251,16 @@
               <a:rPr lang="en-US" sz="2000" dirty="0">
                 <a:latin typeface="Selawik Semibold" panose="020B0702040204020203" pitchFamily="34" charset="0"/>
               </a:rPr>
-              <a:t>Provide Decision Makers with Novel Insight</a:t>
-            </a:r>
-          </a:p>
-          <a:p>
-            <a:pPr marL="457200" lvl="1" indent="0">
-              <a:buNone/>
-            </a:pPr>
+              <a:t>Humility – Dr. Mario</a:t>
+            </a:r>
+          </a:p>
+          <a:p>
+            <a:pPr lvl="1"/>
             <a:r>
               <a:rPr lang="en-US" sz="2000" dirty="0">
                 <a:latin typeface="Selawik Semibold" panose="020B0702040204020203" pitchFamily="34" charset="0"/>
               </a:rPr>
-              <a:t>   (Analytic Models)</a:t>
-            </a:r>
-          </a:p>
-          <a:p>
-            <a:pPr marL="457200" lvl="1" indent="0">
-              <a:buNone/>
-            </a:pPr>
-            <a:endParaRPr lang="en-US" sz="2000" dirty="0">
-              <a:latin typeface="Selawik Semibold" panose="020B0702040204020203" pitchFamily="34" charset="0"/>
-            </a:endParaRPr>
-          </a:p>
-          <a:p>
-            <a:r>
-              <a:rPr lang="en-US" sz="2400" dirty="0">
-                <a:latin typeface="Selawik Semibold" panose="020B0702040204020203" pitchFamily="34" charset="0"/>
-              </a:rPr>
-              <a:t>We are an Accessory to the Decision Maker</a:t>
+              <a:t>Honesty – Dr. Mario</a:t>
             </a:r>
           </a:p>
           <a:p>
@@ -15834,7 +15644,7 @@
     </p:spTree>
     <p:extLst>
       <p:ext uri="{BB962C8B-B14F-4D97-AF65-F5344CB8AC3E}">
-        <p14:creationId xmlns:p14="http://schemas.microsoft.com/office/powerpoint/2010/main" val="77696106"/>
+        <p14:creationId xmlns:p14="http://schemas.microsoft.com/office/powerpoint/2010/main" val="459245495"/>
       </p:ext>
     </p:extLst>
   </p:cSld>
@@ -15845,651 +15655,6 @@
 </file>
 
 <file path=ppt/slides/slide25.xml><?xml version="1.0" encoding="utf-8"?>
-<p:sld xmlns:a="http://schemas.openxmlformats.org/drawingml/2006/main" xmlns:r="http://schemas.openxmlformats.org/officeDocument/2006/relationships" xmlns:p="http://schemas.openxmlformats.org/presentationml/2006/main">
-  <p:cSld>
-    <p:bg>
-      <p:bgPr>
-        <a:solidFill>
-          <a:srgbClr val="395583"/>
-        </a:solidFill>
-        <a:effectLst/>
-      </p:bgPr>
-    </p:bg>
-    <p:spTree>
-      <p:nvGrpSpPr>
-        <p:cNvPr id="1" name=""/>
-        <p:cNvGrpSpPr/>
-        <p:nvPr/>
-      </p:nvGrpSpPr>
-      <p:grpSpPr>
-        <a:xfrm>
-          <a:off x="0" y="0"/>
-          <a:ext cx="0" cy="0"/>
-          <a:chOff x="0" y="0"/>
-          <a:chExt cx="0" cy="0"/>
-        </a:xfrm>
-      </p:grpSpPr>
-      <p:sp>
-        <p:nvSpPr>
-          <p:cNvPr id="25" name="Rectangle 24">
-            <a:extLst>
-              <a:ext uri="{FF2B5EF4-FFF2-40B4-BE49-F238E27FC236}">
-                <a16:creationId xmlns:a16="http://schemas.microsoft.com/office/drawing/2014/main" id="{A6792F05-2FD4-4F18-815E-15391E8B4A0E}"/>
-              </a:ext>
-              <a:ext uri="{C183D7F6-B498-43B3-948B-1728B52AA6E4}">
-                <adec:decorative xmlns:adec="http://schemas.microsoft.com/office/drawing/2017/decorative" val="1"/>
-              </a:ext>
-            </a:extLst>
-          </p:cNvPr>
-          <p:cNvSpPr>
-            <a:spLocks noGrp="1" noRot="1" noChangeAspect="1" noMove="1" noResize="1" noEditPoints="1" noAdjustHandles="1" noChangeArrowheads="1" noChangeShapeType="1" noTextEdit="1"/>
-          </p:cNvSpPr>
-          <p:nvPr>
-            <p:extLst>
-              <p:ext uri="{386F3935-93C4-4BCD-93E2-E3B085C9AB24}">
-                <p16:designElem xmlns:p16="http://schemas.microsoft.com/office/powerpoint/2015/main" val="1"/>
-              </p:ext>
-            </p:extLst>
-          </p:nvPr>
-        </p:nvSpPr>
-        <p:spPr>
-          <a:xfrm>
-            <a:off x="0" y="0"/>
-            <a:ext cx="12191999" cy="6858000"/>
-          </a:xfrm>
-          <a:prstGeom prst="rect">
-            <a:avLst/>
-          </a:prstGeom>
-          <a:solidFill>
-            <a:srgbClr val="395583"/>
-          </a:solidFill>
-          <a:ln>
-            <a:noFill/>
-          </a:ln>
-        </p:spPr>
-        <p:style>
-          <a:lnRef idx="2">
-            <a:schemeClr val="accent1">
-              <a:shade val="50000"/>
-            </a:schemeClr>
-          </a:lnRef>
-          <a:fillRef idx="1">
-            <a:schemeClr val="accent1"/>
-          </a:fillRef>
-          <a:effectRef idx="0">
-            <a:schemeClr val="accent1"/>
-          </a:effectRef>
-          <a:fontRef idx="minor">
-            <a:schemeClr val="lt1"/>
-          </a:fontRef>
-        </p:style>
-        <p:txBody>
-          <a:bodyPr rtlCol="0" anchor="ctr"/>
-          <a:lstStyle/>
-          <a:p>
-            <a:pPr algn="ctr"/>
-            <a:endParaRPr lang="en-US"/>
-          </a:p>
-        </p:txBody>
-      </p:sp>
-      <p:sp>
-        <p:nvSpPr>
-          <p:cNvPr id="2" name="Title 1">
-            <a:extLst>
-              <a:ext uri="{FF2B5EF4-FFF2-40B4-BE49-F238E27FC236}">
-                <a16:creationId xmlns:a16="http://schemas.microsoft.com/office/drawing/2014/main" id="{2589AFCC-0FF0-498C-B11F-8990DF0DAAA5}"/>
-              </a:ext>
-            </a:extLst>
-          </p:cNvPr>
-          <p:cNvSpPr>
-            <a:spLocks noGrp="1"/>
-          </p:cNvSpPr>
-          <p:nvPr>
-            <p:ph type="title"/>
-          </p:nvPr>
-        </p:nvSpPr>
-        <p:spPr>
-          <a:xfrm>
-            <a:off x="838200" y="365125"/>
-            <a:ext cx="10515600" cy="1325563"/>
-          </a:xfrm>
-        </p:spPr>
-        <p:txBody>
-          <a:bodyPr>
-            <a:normAutofit/>
-          </a:bodyPr>
-          <a:lstStyle/>
-          <a:p>
-            <a:r>
-              <a:rPr lang="en-US" b="1" dirty="0">
-                <a:latin typeface="Selawik Semibold" panose="020B0604020202020204" pitchFamily="34" charset="0"/>
-              </a:rPr>
-              <a:t>What is Sports Analytics?</a:t>
-            </a:r>
-          </a:p>
-        </p:txBody>
-      </p:sp>
-      <p:sp>
-        <p:nvSpPr>
-          <p:cNvPr id="9" name="Content Placeholder 8">
-            <a:extLst>
-              <a:ext uri="{FF2B5EF4-FFF2-40B4-BE49-F238E27FC236}">
-                <a16:creationId xmlns:a16="http://schemas.microsoft.com/office/drawing/2014/main" id="{2D995594-59F2-4020-AB6F-751BAE84ADB3}"/>
-              </a:ext>
-            </a:extLst>
-          </p:cNvPr>
-          <p:cNvSpPr>
-            <a:spLocks noGrp="1"/>
-          </p:cNvSpPr>
-          <p:nvPr>
-            <p:ph idx="1"/>
-          </p:nvPr>
-        </p:nvSpPr>
-        <p:spPr>
-          <a:xfrm>
-            <a:off x="838199" y="2021249"/>
-            <a:ext cx="7324166" cy="4581257"/>
-          </a:xfrm>
-        </p:spPr>
-        <p:txBody>
-          <a:bodyPr>
-            <a:normAutofit/>
-          </a:bodyPr>
-          <a:lstStyle/>
-          <a:p>
-            <a:r>
-              <a:rPr lang="en-US" sz="2400" dirty="0">
-                <a:latin typeface="Selawik Semibold" panose="020B0702040204020203" pitchFamily="34" charset="0"/>
-              </a:rPr>
-              <a:t>Different Decision Makers</a:t>
-            </a:r>
-            <a:endParaRPr lang="en-US" sz="2000" dirty="0">
-              <a:latin typeface="Selawik Semibold" panose="020B0702040204020203" pitchFamily="34" charset="0"/>
-            </a:endParaRPr>
-          </a:p>
-          <a:p>
-            <a:pPr lvl="1"/>
-            <a:r>
-              <a:rPr lang="en-US" sz="2000" dirty="0">
-                <a:latin typeface="Selawik Semibold" panose="020B0702040204020203" pitchFamily="34" charset="0"/>
-              </a:rPr>
-              <a:t>Off-the-Field: Profit Driven</a:t>
-            </a:r>
-          </a:p>
-          <a:p>
-            <a:pPr lvl="1"/>
-            <a:r>
-              <a:rPr lang="en-US" sz="2000" dirty="0">
-                <a:latin typeface="Selawik Semibold" panose="020B0702040204020203" pitchFamily="34" charset="0"/>
-              </a:rPr>
-              <a:t>On-the-Field: Performance Driven</a:t>
-            </a:r>
-          </a:p>
-          <a:p>
-            <a:endParaRPr lang="en-US" sz="2400" dirty="0">
-              <a:latin typeface="Selawik Semibold" panose="020B0702040204020203" pitchFamily="34" charset="0"/>
-            </a:endParaRPr>
-          </a:p>
-          <a:p>
-            <a:r>
-              <a:rPr lang="en-US" sz="2400">
-                <a:latin typeface="Selawik Semibold" panose="020B0702040204020203" pitchFamily="34" charset="0"/>
-              </a:rPr>
-              <a:t>Attributes of the </a:t>
-            </a:r>
-            <a:r>
-              <a:rPr lang="en-US" sz="2400" dirty="0">
-                <a:latin typeface="Selawik Semibold" panose="020B0702040204020203" pitchFamily="34" charset="0"/>
-              </a:rPr>
-              <a:t>Data Analyst</a:t>
-            </a:r>
-          </a:p>
-          <a:p>
-            <a:pPr lvl="1"/>
-            <a:r>
-              <a:rPr lang="en-US" sz="2000" dirty="0">
-                <a:latin typeface="Selawik Semibold" panose="020B0702040204020203" pitchFamily="34" charset="0"/>
-              </a:rPr>
-              <a:t>Competence – Ben </a:t>
-            </a:r>
-            <a:r>
-              <a:rPr lang="en-US" sz="2000" dirty="0" err="1">
-                <a:latin typeface="Selawik Semibold" panose="020B0702040204020203" pitchFamily="34" charset="0"/>
-              </a:rPr>
-              <a:t>Alamar</a:t>
-            </a:r>
-            <a:endParaRPr lang="en-US" sz="2000" dirty="0">
-              <a:latin typeface="Selawik Semibold" panose="020B0702040204020203" pitchFamily="34" charset="0"/>
-            </a:endParaRPr>
-          </a:p>
-          <a:p>
-            <a:pPr lvl="1"/>
-            <a:r>
-              <a:rPr lang="en-US" sz="2000" dirty="0">
-                <a:latin typeface="Selawik Semibold" panose="020B0702040204020203" pitchFamily="34" charset="0"/>
-              </a:rPr>
-              <a:t>Leadership – Ben </a:t>
-            </a:r>
-            <a:r>
-              <a:rPr lang="en-US" sz="2000" dirty="0" err="1">
-                <a:latin typeface="Selawik Semibold" panose="020B0702040204020203" pitchFamily="34" charset="0"/>
-              </a:rPr>
-              <a:t>Alamar</a:t>
-            </a:r>
-            <a:endParaRPr lang="en-US" sz="2000" dirty="0">
-              <a:latin typeface="Selawik Semibold" panose="020B0702040204020203" pitchFamily="34" charset="0"/>
-            </a:endParaRPr>
-          </a:p>
-          <a:p>
-            <a:pPr lvl="1"/>
-            <a:r>
-              <a:rPr lang="en-US" sz="2000" dirty="0">
-                <a:latin typeface="Selawik Semibold" panose="020B0702040204020203" pitchFamily="34" charset="0"/>
-              </a:rPr>
-              <a:t>Humility – Dr. Mario</a:t>
-            </a:r>
-          </a:p>
-          <a:p>
-            <a:pPr lvl="1"/>
-            <a:r>
-              <a:rPr lang="en-US" sz="2000" dirty="0">
-                <a:latin typeface="Selawik Semibold" panose="020B0702040204020203" pitchFamily="34" charset="0"/>
-              </a:rPr>
-              <a:t>Honesty – Dr. Mario</a:t>
-            </a:r>
-          </a:p>
-          <a:p>
-            <a:pPr lvl="1"/>
-            <a:endParaRPr lang="en-US" sz="2000" dirty="0">
-              <a:latin typeface="Selawik Semibold" panose="020B0702040204020203" pitchFamily="34" charset="0"/>
-            </a:endParaRPr>
-          </a:p>
-          <a:p>
-            <a:pPr lvl="1"/>
-            <a:endParaRPr lang="en-US" sz="2000" dirty="0">
-              <a:latin typeface="Selawik Semibold" panose="020B0702040204020203" pitchFamily="34" charset="0"/>
-            </a:endParaRPr>
-          </a:p>
-          <a:p>
-            <a:pPr lvl="1"/>
-            <a:endParaRPr lang="en-US" sz="1600" dirty="0">
-              <a:latin typeface="Selawik Semibold" panose="020B0702040204020203" pitchFamily="34" charset="0"/>
-            </a:endParaRPr>
-          </a:p>
-          <a:p>
-            <a:pPr lvl="1"/>
-            <a:endParaRPr lang="en-US" sz="2000" dirty="0">
-              <a:latin typeface="Selawik Semibold" panose="020B0702040204020203" pitchFamily="34" charset="0"/>
-            </a:endParaRPr>
-          </a:p>
-          <a:p>
-            <a:pPr lvl="1"/>
-            <a:endParaRPr lang="en-US" sz="2000" dirty="0">
-              <a:latin typeface="Selawik Semibold" panose="020B0702040204020203" pitchFamily="34" charset="0"/>
-            </a:endParaRPr>
-          </a:p>
-          <a:p>
-            <a:pPr lvl="1"/>
-            <a:endParaRPr lang="en-US" sz="2000" dirty="0">
-              <a:latin typeface="Selawik Semibold" panose="020B0702040204020203" pitchFamily="34" charset="0"/>
-            </a:endParaRPr>
-          </a:p>
-        </p:txBody>
-      </p:sp>
-      <p:pic>
-        <p:nvPicPr>
-          <p:cNvPr id="4" name="Picture 3" descr="A drawing of a cartoon character&#10;&#10;Description automatically generated">
-            <a:extLst>
-              <a:ext uri="{FF2B5EF4-FFF2-40B4-BE49-F238E27FC236}">
-                <a16:creationId xmlns:a16="http://schemas.microsoft.com/office/drawing/2014/main" id="{A7FDC859-D890-4904-9C64-27F43DA90453}"/>
-              </a:ext>
-            </a:extLst>
-          </p:cNvPr>
-          <p:cNvPicPr>
-            <a:picLocks noChangeAspect="1"/>
-          </p:cNvPicPr>
-          <p:nvPr/>
-        </p:nvPicPr>
-        <p:blipFill rotWithShape="1">
-          <a:blip r:embed="rId3">
-            <a:extLst>
-              <a:ext uri="{28A0092B-C50C-407E-A947-70E740481C1C}">
-                <a14:useLocalDpi xmlns:a14="http://schemas.microsoft.com/office/drawing/2010/main" val="0"/>
-              </a:ext>
-            </a:extLst>
-          </a:blip>
-          <a:srcRect t="5616" r="2" b="2"/>
-          <a:stretch/>
-        </p:blipFill>
-        <p:spPr>
-          <a:xfrm>
-            <a:off x="7471144" y="1700078"/>
-            <a:ext cx="4720855" cy="2583792"/>
-          </a:xfrm>
-          <a:custGeom>
-            <a:avLst/>
-            <a:gdLst>
-              <a:gd name="connsiteX0" fmla="*/ 0 w 5475077"/>
-              <a:gd name="connsiteY0" fmla="*/ 0 h 2583792"/>
-              <a:gd name="connsiteX1" fmla="*/ 5475077 w 5475077"/>
-              <a:gd name="connsiteY1" fmla="*/ 0 h 2583792"/>
-              <a:gd name="connsiteX2" fmla="*/ 5475077 w 5475077"/>
-              <a:gd name="connsiteY2" fmla="*/ 2583792 h 2583792"/>
-              <a:gd name="connsiteX3" fmla="*/ 1197192 w 5475077"/>
-              <a:gd name="connsiteY3" fmla="*/ 2583792 h 2583792"/>
-            </a:gdLst>
-            <a:ahLst/>
-            <a:cxnLst>
-              <a:cxn ang="0">
-                <a:pos x="connsiteX0" y="connsiteY0"/>
-              </a:cxn>
-              <a:cxn ang="0">
-                <a:pos x="connsiteX1" y="connsiteY1"/>
-              </a:cxn>
-              <a:cxn ang="0">
-                <a:pos x="connsiteX2" y="connsiteY2"/>
-              </a:cxn>
-              <a:cxn ang="0">
-                <a:pos x="connsiteX3" y="connsiteY3"/>
-              </a:cxn>
-            </a:cxnLst>
-            <a:rect l="l" t="t" r="r" b="b"/>
-            <a:pathLst>
-              <a:path w="5475077" h="2583792">
-                <a:moveTo>
-                  <a:pt x="0" y="0"/>
-                </a:moveTo>
-                <a:lnTo>
-                  <a:pt x="5475077" y="0"/>
-                </a:lnTo>
-                <a:lnTo>
-                  <a:pt x="5475077" y="2583792"/>
-                </a:lnTo>
-                <a:lnTo>
-                  <a:pt x="1197192" y="2583792"/>
-                </a:lnTo>
-                <a:close/>
-              </a:path>
-            </a:pathLst>
-          </a:custGeom>
-        </p:spPr>
-      </p:pic>
-      <p:pic>
-        <p:nvPicPr>
-          <p:cNvPr id="5" name="Content Placeholder 4" descr="A picture containing indoor&#10;&#10;Description automatically generated">
-            <a:extLst>
-              <a:ext uri="{FF2B5EF4-FFF2-40B4-BE49-F238E27FC236}">
-                <a16:creationId xmlns:a16="http://schemas.microsoft.com/office/drawing/2014/main" id="{A58F0E55-21F3-485B-A07F-1CE74177BDD2}"/>
-              </a:ext>
-            </a:extLst>
-          </p:cNvPr>
-          <p:cNvPicPr>
-            <a:picLocks noChangeAspect="1"/>
-          </p:cNvPicPr>
-          <p:nvPr/>
-        </p:nvPicPr>
-        <p:blipFill rotWithShape="1">
-          <a:blip r:embed="rId4">
-            <a:extLst>
-              <a:ext uri="{28A0092B-C50C-407E-A947-70E740481C1C}">
-                <a14:useLocalDpi xmlns:a14="http://schemas.microsoft.com/office/drawing/2010/main" val="0"/>
-              </a:ext>
-            </a:extLst>
-          </a:blip>
-          <a:srcRect t="5300" r="3" b="6859"/>
-          <a:stretch/>
-        </p:blipFill>
-        <p:spPr>
-          <a:xfrm>
-            <a:off x="8491869" y="4283870"/>
-            <a:ext cx="3700129" cy="2583520"/>
-          </a:xfrm>
-          <a:custGeom>
-            <a:avLst/>
-            <a:gdLst>
-              <a:gd name="connsiteX0" fmla="*/ 0 w 4277884"/>
-              <a:gd name="connsiteY0" fmla="*/ 0 h 2583520"/>
-              <a:gd name="connsiteX1" fmla="*/ 4277884 w 4277884"/>
-              <a:gd name="connsiteY1" fmla="*/ 0 h 2583520"/>
-              <a:gd name="connsiteX2" fmla="*/ 4277884 w 4277884"/>
-              <a:gd name="connsiteY2" fmla="*/ 2583520 h 2583520"/>
-              <a:gd name="connsiteX3" fmla="*/ 1192437 w 4277884"/>
-              <a:gd name="connsiteY3" fmla="*/ 2583520 h 2583520"/>
-              <a:gd name="connsiteX4" fmla="*/ 1188085 w 4277884"/>
-              <a:gd name="connsiteY4" fmla="*/ 2574129 h 2583520"/>
-              <a:gd name="connsiteX5" fmla="*/ 1192715 w 4277884"/>
-              <a:gd name="connsiteY5" fmla="*/ 2574129 h 2583520"/>
-            </a:gdLst>
-            <a:ahLst/>
-            <a:cxnLst>
-              <a:cxn ang="0">
-                <a:pos x="connsiteX0" y="connsiteY0"/>
-              </a:cxn>
-              <a:cxn ang="0">
-                <a:pos x="connsiteX1" y="connsiteY1"/>
-              </a:cxn>
-              <a:cxn ang="0">
-                <a:pos x="connsiteX2" y="connsiteY2"/>
-              </a:cxn>
-              <a:cxn ang="0">
-                <a:pos x="connsiteX3" y="connsiteY3"/>
-              </a:cxn>
-              <a:cxn ang="0">
-                <a:pos x="connsiteX4" y="connsiteY4"/>
-              </a:cxn>
-              <a:cxn ang="0">
-                <a:pos x="connsiteX5" y="connsiteY5"/>
-              </a:cxn>
-            </a:cxnLst>
-            <a:rect l="l" t="t" r="r" b="b"/>
-            <a:pathLst>
-              <a:path w="4277884" h="2583520">
-                <a:moveTo>
-                  <a:pt x="0" y="0"/>
-                </a:moveTo>
-                <a:lnTo>
-                  <a:pt x="4277884" y="0"/>
-                </a:lnTo>
-                <a:lnTo>
-                  <a:pt x="4277884" y="2583520"/>
-                </a:lnTo>
-                <a:lnTo>
-                  <a:pt x="1192437" y="2583520"/>
-                </a:lnTo>
-                <a:lnTo>
-                  <a:pt x="1188085" y="2574129"/>
-                </a:lnTo>
-                <a:lnTo>
-                  <a:pt x="1192715" y="2574129"/>
-                </a:lnTo>
-                <a:close/>
-              </a:path>
-            </a:pathLst>
-          </a:custGeom>
-        </p:spPr>
-      </p:pic>
-      <p:sp>
-        <p:nvSpPr>
-          <p:cNvPr id="6" name="Rectangle 5">
-            <a:extLst>
-              <a:ext uri="{FF2B5EF4-FFF2-40B4-BE49-F238E27FC236}">
-                <a16:creationId xmlns:a16="http://schemas.microsoft.com/office/drawing/2014/main" id="{A2901312-C3C2-4CEC-80EF-823AB4FBB726}"/>
-              </a:ext>
-            </a:extLst>
-          </p:cNvPr>
-          <p:cNvSpPr/>
-          <p:nvPr/>
-        </p:nvSpPr>
-        <p:spPr>
-          <a:xfrm>
-            <a:off x="-1" y="1608918"/>
-            <a:ext cx="12191999" cy="91160"/>
-          </a:xfrm>
-          <a:prstGeom prst="rect">
-            <a:avLst/>
-          </a:prstGeom>
-          <a:solidFill>
-            <a:schemeClr val="bg1"/>
-          </a:solidFill>
-          <a:ln>
-            <a:noFill/>
-          </a:ln>
-        </p:spPr>
-        <p:style>
-          <a:lnRef idx="2">
-            <a:schemeClr val="accent1">
-              <a:shade val="50000"/>
-            </a:schemeClr>
-          </a:lnRef>
-          <a:fillRef idx="1">
-            <a:schemeClr val="accent1"/>
-          </a:fillRef>
-          <a:effectRef idx="0">
-            <a:schemeClr val="accent1"/>
-          </a:effectRef>
-          <a:fontRef idx="minor">
-            <a:schemeClr val="lt1"/>
-          </a:fontRef>
-        </p:style>
-        <p:txBody>
-          <a:bodyPr rtlCol="0" anchor="ctr"/>
-          <a:lstStyle/>
-          <a:p>
-            <a:pPr algn="ctr"/>
-            <a:endParaRPr lang="en-US">
-              <a:solidFill>
-                <a:srgbClr val="DB5B5C"/>
-              </a:solidFill>
-            </a:endParaRPr>
-          </a:p>
-        </p:txBody>
-      </p:sp>
-      <p:sp>
-        <p:nvSpPr>
-          <p:cNvPr id="15" name="Rectangle 14">
-            <a:extLst>
-              <a:ext uri="{FF2B5EF4-FFF2-40B4-BE49-F238E27FC236}">
-                <a16:creationId xmlns:a16="http://schemas.microsoft.com/office/drawing/2014/main" id="{AD0A7C9C-CA2C-4B9B-A125-2D09D5573B44}"/>
-              </a:ext>
-            </a:extLst>
-          </p:cNvPr>
-          <p:cNvSpPr/>
-          <p:nvPr/>
-        </p:nvSpPr>
-        <p:spPr>
-          <a:xfrm>
-            <a:off x="1" y="6677247"/>
-            <a:ext cx="12191999" cy="190143"/>
-          </a:xfrm>
-          <a:prstGeom prst="rect">
-            <a:avLst/>
-          </a:prstGeom>
-          <a:solidFill>
-            <a:schemeClr val="bg1"/>
-          </a:solidFill>
-          <a:ln>
-            <a:noFill/>
-          </a:ln>
-        </p:spPr>
-        <p:style>
-          <a:lnRef idx="2">
-            <a:schemeClr val="accent1">
-              <a:shade val="50000"/>
-            </a:schemeClr>
-          </a:lnRef>
-          <a:fillRef idx="1">
-            <a:schemeClr val="accent1"/>
-          </a:fillRef>
-          <a:effectRef idx="0">
-            <a:schemeClr val="accent1"/>
-          </a:effectRef>
-          <a:fontRef idx="minor">
-            <a:schemeClr val="lt1"/>
-          </a:fontRef>
-        </p:style>
-        <p:txBody>
-          <a:bodyPr rtlCol="0" anchor="ctr"/>
-          <a:lstStyle/>
-          <a:p>
-            <a:pPr algn="ctr"/>
-            <a:endParaRPr lang="en-US">
-              <a:solidFill>
-                <a:srgbClr val="DB5B5C"/>
-              </a:solidFill>
-            </a:endParaRPr>
-          </a:p>
-        </p:txBody>
-      </p:sp>
-      <p:sp>
-        <p:nvSpPr>
-          <p:cNvPr id="16" name="Rectangle 15">
-            <a:extLst>
-              <a:ext uri="{FF2B5EF4-FFF2-40B4-BE49-F238E27FC236}">
-                <a16:creationId xmlns:a16="http://schemas.microsoft.com/office/drawing/2014/main" id="{74A085FC-1866-46D4-97F7-51AA45E48D4F}"/>
-              </a:ext>
-            </a:extLst>
-          </p:cNvPr>
-          <p:cNvSpPr/>
-          <p:nvPr/>
-        </p:nvSpPr>
-        <p:spPr>
-          <a:xfrm rot="4092292">
-            <a:off x="5790668" y="4094517"/>
-            <a:ext cx="5446699" cy="137038"/>
-          </a:xfrm>
-          <a:prstGeom prst="rect">
-            <a:avLst/>
-          </a:prstGeom>
-          <a:solidFill>
-            <a:schemeClr val="bg1"/>
-          </a:solidFill>
-          <a:ln>
-            <a:noFill/>
-          </a:ln>
-        </p:spPr>
-        <p:style>
-          <a:lnRef idx="2">
-            <a:schemeClr val="accent1">
-              <a:shade val="50000"/>
-            </a:schemeClr>
-          </a:lnRef>
-          <a:fillRef idx="1">
-            <a:schemeClr val="accent1"/>
-          </a:fillRef>
-          <a:effectRef idx="0">
-            <a:schemeClr val="accent1"/>
-          </a:effectRef>
-          <a:fontRef idx="minor">
-            <a:schemeClr val="lt1"/>
-          </a:fontRef>
-        </p:style>
-        <p:txBody>
-          <a:bodyPr rtlCol="0" anchor="ctr"/>
-          <a:lstStyle/>
-          <a:p>
-            <a:pPr algn="ctr"/>
-            <a:endParaRPr lang="en-US">
-              <a:solidFill>
-                <a:srgbClr val="DB5B5C"/>
-              </a:solidFill>
-            </a:endParaRPr>
-          </a:p>
-        </p:txBody>
-      </p:sp>
-    </p:spTree>
-    <p:extLst>
-      <p:ext uri="{BB962C8B-B14F-4D97-AF65-F5344CB8AC3E}">
-        <p14:creationId xmlns:p14="http://schemas.microsoft.com/office/powerpoint/2010/main" val="459245495"/>
-      </p:ext>
-    </p:extLst>
-  </p:cSld>
-  <p:clrMapOvr>
-    <a:overrideClrMapping bg1="dk1" tx1="lt1" bg2="dk2" tx2="lt2" accent1="accent1" accent2="accent2" accent3="accent3" accent4="accent4" accent5="accent5" accent6="accent6" hlink="hlink" folHlink="folHlink"/>
-  </p:clrMapOvr>
-</p:sld>
-</file>
-
-<file path=ppt/slides/slide26.xml><?xml version="1.0" encoding="utf-8"?>
 <p:sld xmlns:a="http://schemas.openxmlformats.org/drawingml/2006/main" xmlns:r="http://schemas.openxmlformats.org/officeDocument/2006/relationships" xmlns:p="http://schemas.openxmlformats.org/presentationml/2006/main">
   <p:cSld>
     <p:bg>
@@ -17264,7 +16429,7 @@
               <a:rPr lang="en-US" sz="2400" dirty="0">
                 <a:latin typeface="Selawik Semibold" panose="020B0702040204020203" pitchFamily="34" charset="0"/>
               </a:rPr>
-              <a:t>Majority are Seniors (43/89)</a:t>
+              <a:t>Majority are Seniors (43/75)</a:t>
             </a:r>
           </a:p>
           <a:p>
@@ -17277,7 +16442,7 @@
               <a:rPr lang="en-US" sz="2400" dirty="0">
                 <a:latin typeface="Selawik Semibold" panose="020B0702040204020203" pitchFamily="34" charset="0"/>
               </a:rPr>
-              <a:t>Others are Juniors (25/89)</a:t>
+              <a:t>Others are Juniors (25/75)</a:t>
             </a:r>
             <a:endParaRPr lang="en-US" sz="1600" dirty="0">
               <a:latin typeface="Selawik Semibold" panose="020B0702040204020203" pitchFamily="34" charset="0"/>
@@ -17293,8 +16458,17 @@
               <a:rPr lang="en-US" sz="2400" dirty="0">
                 <a:latin typeface="Selawik Semibold" panose="020B0702040204020203" pitchFamily="34" charset="0"/>
               </a:rPr>
-              <a:t>Some are Sophomores (6/89)</a:t>
-            </a:r>
+              <a:t>Some are Sophomores </a:t>
+            </a:r>
+            <a:r>
+              <a:rPr lang="en-US" sz="2400">
+                <a:latin typeface="Selawik Semibold" panose="020B0702040204020203" pitchFamily="34" charset="0"/>
+              </a:rPr>
+              <a:t>(6/75)</a:t>
+            </a:r>
+            <a:endParaRPr lang="en-US" sz="2400" dirty="0">
+              <a:latin typeface="Selawik Semibold" panose="020B0702040204020203" pitchFamily="34" charset="0"/>
+            </a:endParaRPr>
           </a:p>
           <a:p>
             <a:endParaRPr lang="en-US" sz="2400" dirty="0">
@@ -18233,7 +17407,13 @@
     </p:bg>
     <p:spTree>
       <p:nvGrpSpPr>
-        <p:cNvPr id="1" name=""/>
+        <p:cNvPr id="1" name="">
+          <a:extLst>
+            <a:ext uri="{FF2B5EF4-FFF2-40B4-BE49-F238E27FC236}">
+              <a16:creationId xmlns:a16="http://schemas.microsoft.com/office/drawing/2014/main" id="{AE111337-C09B-594F-C8A4-608599218ED1}"/>
+            </a:ext>
+          </a:extLst>
+        </p:cNvPr>
         <p:cNvGrpSpPr/>
         <p:nvPr/>
       </p:nvGrpSpPr>
@@ -18250,7 +17430,7 @@
           <p:cNvPr id="25" name="Rectangle 24">
             <a:extLst>
               <a:ext uri="{FF2B5EF4-FFF2-40B4-BE49-F238E27FC236}">
-                <a16:creationId xmlns:a16="http://schemas.microsoft.com/office/drawing/2014/main" id="{A6792F05-2FD4-4F18-815E-15391E8B4A0E}"/>
+                <a16:creationId xmlns:a16="http://schemas.microsoft.com/office/drawing/2014/main" id="{7A9F3628-4610-BC6F-48E3-B83EF8A84F27}"/>
               </a:ext>
               <a:ext uri="{C183D7F6-B498-43B3-948B-1728B52AA6E4}">
                 <adec:decorative xmlns:adec="http://schemas.microsoft.com/office/drawing/2017/decorative" val="1"/>
@@ -18313,7 +17493,7 @@
           <p:cNvPr id="2" name="Title 1">
             <a:extLst>
               <a:ext uri="{FF2B5EF4-FFF2-40B4-BE49-F238E27FC236}">
-                <a16:creationId xmlns:a16="http://schemas.microsoft.com/office/drawing/2014/main" id="{2589AFCC-0FF0-498C-B11F-8990DF0DAAA5}"/>
+                <a16:creationId xmlns:a16="http://schemas.microsoft.com/office/drawing/2014/main" id="{22FC2EB7-4826-EB23-D4AE-160D0238B8A3}"/>
               </a:ext>
             </a:extLst>
           </p:cNvPr>
@@ -18350,7 +17530,7 @@
           <p:cNvPr id="9" name="Content Placeholder 8">
             <a:extLst>
               <a:ext uri="{FF2B5EF4-FFF2-40B4-BE49-F238E27FC236}">
-                <a16:creationId xmlns:a16="http://schemas.microsoft.com/office/drawing/2014/main" id="{2D995594-59F2-4020-AB6F-751BAE84ADB3}"/>
+                <a16:creationId xmlns:a16="http://schemas.microsoft.com/office/drawing/2014/main" id="{34C1F6BB-CDA6-4970-A4C6-79705BC26E1C}"/>
               </a:ext>
             </a:extLst>
           </p:cNvPr>
@@ -18392,7 +17572,7 @@
           <p:cNvPr id="4" name="Picture 3" descr="A drawing of a cartoon character&#10;&#10;Description automatically generated">
             <a:extLst>
               <a:ext uri="{FF2B5EF4-FFF2-40B4-BE49-F238E27FC236}">
-                <a16:creationId xmlns:a16="http://schemas.microsoft.com/office/drawing/2014/main" id="{A7FDC859-D890-4904-9C64-27F43DA90453}"/>
+                <a16:creationId xmlns:a16="http://schemas.microsoft.com/office/drawing/2014/main" id="{79516073-55A9-EF6A-92FA-C7CF80AAFB5B}"/>
               </a:ext>
             </a:extLst>
           </p:cNvPr>
@@ -18470,7 +17650,7 @@
           <p:cNvPr id="5" name="Content Placeholder 4" descr="A picture containing indoor&#10;&#10;Description automatically generated">
             <a:extLst>
               <a:ext uri="{FF2B5EF4-FFF2-40B4-BE49-F238E27FC236}">
-                <a16:creationId xmlns:a16="http://schemas.microsoft.com/office/drawing/2014/main" id="{A58F0E55-21F3-485B-A07F-1CE74177BDD2}"/>
+                <a16:creationId xmlns:a16="http://schemas.microsoft.com/office/drawing/2014/main" id="{FEA0993C-6B1E-5556-FEB0-07AD313AC1B3}"/>
               </a:ext>
             </a:extLst>
           </p:cNvPr>
@@ -18564,7 +17744,7 @@
           <p:cNvPr id="6" name="Rectangle 5">
             <a:extLst>
               <a:ext uri="{FF2B5EF4-FFF2-40B4-BE49-F238E27FC236}">
-                <a16:creationId xmlns:a16="http://schemas.microsoft.com/office/drawing/2014/main" id="{A2901312-C3C2-4CEC-80EF-823AB4FBB726}"/>
+                <a16:creationId xmlns:a16="http://schemas.microsoft.com/office/drawing/2014/main" id="{77151D4B-F807-3510-EF8F-099218F7345A}"/>
               </a:ext>
             </a:extLst>
           </p:cNvPr>
@@ -18620,7 +17800,7 @@
           <p:cNvPr id="15" name="Rectangle 14">
             <a:extLst>
               <a:ext uri="{FF2B5EF4-FFF2-40B4-BE49-F238E27FC236}">
-                <a16:creationId xmlns:a16="http://schemas.microsoft.com/office/drawing/2014/main" id="{AD0A7C9C-CA2C-4B9B-A125-2D09D5573B44}"/>
+                <a16:creationId xmlns:a16="http://schemas.microsoft.com/office/drawing/2014/main" id="{3260A1A1-2616-57C0-7AB6-55781E518AAE}"/>
               </a:ext>
             </a:extLst>
           </p:cNvPr>
@@ -18676,7 +17856,7 @@
           <p:cNvPr id="16" name="Rectangle 15">
             <a:extLst>
               <a:ext uri="{FF2B5EF4-FFF2-40B4-BE49-F238E27FC236}">
-                <a16:creationId xmlns:a16="http://schemas.microsoft.com/office/drawing/2014/main" id="{74A085FC-1866-46D4-97F7-51AA45E48D4F}"/>
+                <a16:creationId xmlns:a16="http://schemas.microsoft.com/office/drawing/2014/main" id="{7BDCDDF6-33B2-1B30-CACF-8584E25CAAD1}"/>
               </a:ext>
             </a:extLst>
           </p:cNvPr>
@@ -18729,10 +17909,10 @@
       </p:sp>
       <p:pic>
         <p:nvPicPr>
-          <p:cNvPr id="10" name="Picture 9" descr="A graph of a graduation goal&#10;&#10;Description automatically generated">
-            <a:extLst>
-              <a:ext uri="{FF2B5EF4-FFF2-40B4-BE49-F238E27FC236}">
-                <a16:creationId xmlns:a16="http://schemas.microsoft.com/office/drawing/2014/main" id="{446DC2D5-F723-EF52-5A12-4B3C438AEF1A}"/>
+          <p:cNvPr id="8" name="Picture 7" descr="A graph of a graduation goal&#10;&#10;Description automatically generated">
+            <a:extLst>
+              <a:ext uri="{FF2B5EF4-FFF2-40B4-BE49-F238E27FC236}">
+                <a16:creationId xmlns:a16="http://schemas.microsoft.com/office/drawing/2014/main" id="{CF961955-D398-CDD4-E769-8F9DF7A854F4}"/>
               </a:ext>
             </a:extLst>
           </p:cNvPr>
@@ -18755,57 +17935,18 @@
         </p:blipFill>
         <p:spPr>
           <a:xfrm>
-            <a:off x="-4" y="1700078"/>
-            <a:ext cx="7471145" cy="4980763"/>
+            <a:off x="0" y="1690688"/>
+            <a:ext cx="7451669" cy="4967779"/>
           </a:xfrm>
           <a:prstGeom prst="rect">
             <a:avLst/>
           </a:prstGeom>
         </p:spPr>
       </p:pic>
-      <p:sp>
-        <p:nvSpPr>
-          <p:cNvPr id="8" name="TextBox 7">
-            <a:extLst>
-              <a:ext uri="{FF2B5EF4-FFF2-40B4-BE49-F238E27FC236}">
-                <a16:creationId xmlns:a16="http://schemas.microsoft.com/office/drawing/2014/main" id="{01491AED-71E8-4EC4-98B3-96EDC37F9D32}"/>
-              </a:ext>
-            </a:extLst>
-          </p:cNvPr>
-          <p:cNvSpPr txBox="1"/>
-          <p:nvPr/>
-        </p:nvSpPr>
-        <p:spPr>
-          <a:xfrm>
-            <a:off x="5074076" y="3299606"/>
-            <a:ext cx="2119281" cy="369332"/>
-          </a:xfrm>
-          <a:prstGeom prst="rect">
-            <a:avLst/>
-          </a:prstGeom>
-          <a:noFill/>
-        </p:spPr>
-        <p:txBody>
-          <a:bodyPr wrap="square" rtlCol="0">
-            <a:spAutoFit/>
-          </a:bodyPr>
-          <a:lstStyle/>
-          <a:p>
-            <a:r>
-              <a:rPr lang="en-US" dirty="0">
-                <a:solidFill>
-                  <a:schemeClr val="bg1"/>
-                </a:solidFill>
-              </a:rPr>
-              <a:t>Data From 2024</a:t>
-            </a:r>
-          </a:p>
-        </p:txBody>
-      </p:sp>
     </p:spTree>
     <p:extLst>
       <p:ext uri="{BB962C8B-B14F-4D97-AF65-F5344CB8AC3E}">
-        <p14:creationId xmlns:p14="http://schemas.microsoft.com/office/powerpoint/2010/main" val="4080632901"/>
+        <p14:creationId xmlns:p14="http://schemas.microsoft.com/office/powerpoint/2010/main" val="2397515417"/>
       </p:ext>
     </p:extLst>
   </p:cSld>
@@ -18828,13 +17969,7 @@
     </p:bg>
     <p:spTree>
       <p:nvGrpSpPr>
-        <p:cNvPr id="1" name="">
-          <a:extLst>
-            <a:ext uri="{FF2B5EF4-FFF2-40B4-BE49-F238E27FC236}">
-              <a16:creationId xmlns:a16="http://schemas.microsoft.com/office/drawing/2014/main" id="{AE111337-C09B-594F-C8A4-608599218ED1}"/>
-            </a:ext>
-          </a:extLst>
-        </p:cNvPr>
+        <p:cNvPr id="1" name=""/>
         <p:cNvGrpSpPr/>
         <p:nvPr/>
       </p:nvGrpSpPr>
@@ -18851,7 +17986,7 @@
           <p:cNvPr id="25" name="Rectangle 24">
             <a:extLst>
               <a:ext uri="{FF2B5EF4-FFF2-40B4-BE49-F238E27FC236}">
-                <a16:creationId xmlns:a16="http://schemas.microsoft.com/office/drawing/2014/main" id="{7A9F3628-4610-BC6F-48E3-B83EF8A84F27}"/>
+                <a16:creationId xmlns:a16="http://schemas.microsoft.com/office/drawing/2014/main" id="{A6792F05-2FD4-4F18-815E-15391E8B4A0E}"/>
               </a:ext>
               <a:ext uri="{C183D7F6-B498-43B3-948B-1728B52AA6E4}">
                 <adec:decorative xmlns:adec="http://schemas.microsoft.com/office/drawing/2017/decorative" val="1"/>
@@ -18914,7 +18049,7 @@
           <p:cNvPr id="2" name="Title 1">
             <a:extLst>
               <a:ext uri="{FF2B5EF4-FFF2-40B4-BE49-F238E27FC236}">
-                <a16:creationId xmlns:a16="http://schemas.microsoft.com/office/drawing/2014/main" id="{22FC2EB7-4826-EB23-D4AE-160D0238B8A3}"/>
+                <a16:creationId xmlns:a16="http://schemas.microsoft.com/office/drawing/2014/main" id="{2589AFCC-0FF0-498C-B11F-8990DF0DAAA5}"/>
               </a:ext>
             </a:extLst>
           </p:cNvPr>
@@ -18941,231 +18076,17 @@
               <a:rPr lang="en-US" b="1" dirty="0">
                 <a:latin typeface="Selawik Semibold" panose="020B0604020202020204" pitchFamily="34" charset="0"/>
               </a:rPr>
-              <a:t>Survey Results: Goal After Graduation</a:t>
-            </a:r>
-          </a:p>
-        </p:txBody>
-      </p:sp>
-      <p:sp>
-        <p:nvSpPr>
-          <p:cNvPr id="9" name="Content Placeholder 8">
-            <a:extLst>
-              <a:ext uri="{FF2B5EF4-FFF2-40B4-BE49-F238E27FC236}">
-                <a16:creationId xmlns:a16="http://schemas.microsoft.com/office/drawing/2014/main" id="{34C1F6BB-CDA6-4970-A4C6-79705BC26E1C}"/>
-              </a:ext>
-            </a:extLst>
-          </p:cNvPr>
-          <p:cNvSpPr>
-            <a:spLocks noGrp="1"/>
-          </p:cNvSpPr>
-          <p:nvPr>
-            <p:ph idx="1"/>
-          </p:nvPr>
-        </p:nvSpPr>
-        <p:spPr>
-          <a:xfrm>
-            <a:off x="838200" y="2021249"/>
-            <a:ext cx="6369424" cy="4574533"/>
-          </a:xfrm>
-        </p:spPr>
-        <p:txBody>
-          <a:bodyPr>
-            <a:normAutofit/>
-          </a:bodyPr>
-          <a:lstStyle/>
-          <a:p>
-            <a:pPr marL="457200" lvl="1" indent="0">
-              <a:buNone/>
-            </a:pPr>
-            <a:endParaRPr lang="en-US" sz="1600" dirty="0">
-              <a:latin typeface="Selawik Semibold" panose="020B0702040204020203" pitchFamily="34" charset="0"/>
-            </a:endParaRPr>
-          </a:p>
-          <a:p>
-            <a:endParaRPr lang="en-US" sz="2400" dirty="0">
-              <a:latin typeface="Selawik Semibold" panose="020B0702040204020203" pitchFamily="34" charset="0"/>
-            </a:endParaRPr>
-          </a:p>
-        </p:txBody>
-      </p:sp>
-      <p:pic>
-        <p:nvPicPr>
-          <p:cNvPr id="4" name="Picture 3" descr="A drawing of a cartoon character&#10;&#10;Description automatically generated">
-            <a:extLst>
-              <a:ext uri="{FF2B5EF4-FFF2-40B4-BE49-F238E27FC236}">
-                <a16:creationId xmlns:a16="http://schemas.microsoft.com/office/drawing/2014/main" id="{79516073-55A9-EF6A-92FA-C7CF80AAFB5B}"/>
-              </a:ext>
-            </a:extLst>
-          </p:cNvPr>
-          <p:cNvPicPr>
-            <a:picLocks noChangeAspect="1"/>
-          </p:cNvPicPr>
-          <p:nvPr/>
-        </p:nvPicPr>
-        <p:blipFill rotWithShape="1">
-          <a:blip r:embed="rId3">
-            <a:extLst>
-              <a:ext uri="{28A0092B-C50C-407E-A947-70E740481C1C}">
-                <a14:useLocalDpi xmlns:a14="http://schemas.microsoft.com/office/drawing/2010/main" val="0"/>
-              </a:ext>
-            </a:extLst>
-          </a:blip>
-          <a:srcRect t="5616" r="2" b="2"/>
-          <a:stretch/>
-        </p:blipFill>
-        <p:spPr>
-          <a:xfrm>
-            <a:off x="7471144" y="1700078"/>
-            <a:ext cx="4720855" cy="2583792"/>
-          </a:xfrm>
-          <a:custGeom>
-            <a:avLst/>
-            <a:gdLst>
-              <a:gd name="connsiteX0" fmla="*/ 0 w 5475077"/>
-              <a:gd name="connsiteY0" fmla="*/ 0 h 2583792"/>
-              <a:gd name="connsiteX1" fmla="*/ 5475077 w 5475077"/>
-              <a:gd name="connsiteY1" fmla="*/ 0 h 2583792"/>
-              <a:gd name="connsiteX2" fmla="*/ 5475077 w 5475077"/>
-              <a:gd name="connsiteY2" fmla="*/ 2583792 h 2583792"/>
-              <a:gd name="connsiteX3" fmla="*/ 1197192 w 5475077"/>
-              <a:gd name="connsiteY3" fmla="*/ 2583792 h 2583792"/>
-            </a:gdLst>
-            <a:ahLst/>
-            <a:cxnLst>
-              <a:cxn ang="0">
-                <a:pos x="connsiteX0" y="connsiteY0"/>
-              </a:cxn>
-              <a:cxn ang="0">
-                <a:pos x="connsiteX1" y="connsiteY1"/>
-              </a:cxn>
-              <a:cxn ang="0">
-                <a:pos x="connsiteX2" y="connsiteY2"/>
-              </a:cxn>
-              <a:cxn ang="0">
-                <a:pos x="connsiteX3" y="connsiteY3"/>
-              </a:cxn>
-            </a:cxnLst>
-            <a:rect l="l" t="t" r="r" b="b"/>
-            <a:pathLst>
-              <a:path w="5475077" h="2583792">
-                <a:moveTo>
-                  <a:pt x="0" y="0"/>
-                </a:moveTo>
-                <a:lnTo>
-                  <a:pt x="5475077" y="0"/>
-                </a:lnTo>
-                <a:lnTo>
-                  <a:pt x="5475077" y="2583792"/>
-                </a:lnTo>
-                <a:lnTo>
-                  <a:pt x="1197192" y="2583792"/>
-                </a:lnTo>
-                <a:close/>
-              </a:path>
-            </a:pathLst>
-          </a:custGeom>
-        </p:spPr>
-      </p:pic>
-      <p:pic>
-        <p:nvPicPr>
-          <p:cNvPr id="5" name="Content Placeholder 4" descr="A picture containing indoor&#10;&#10;Description automatically generated">
-            <a:extLst>
-              <a:ext uri="{FF2B5EF4-FFF2-40B4-BE49-F238E27FC236}">
-                <a16:creationId xmlns:a16="http://schemas.microsoft.com/office/drawing/2014/main" id="{FEA0993C-6B1E-5556-FEB0-07AD313AC1B3}"/>
-              </a:ext>
-            </a:extLst>
-          </p:cNvPr>
-          <p:cNvPicPr>
-            <a:picLocks noChangeAspect="1"/>
-          </p:cNvPicPr>
-          <p:nvPr/>
-        </p:nvPicPr>
-        <p:blipFill rotWithShape="1">
-          <a:blip r:embed="rId4">
-            <a:extLst>
-              <a:ext uri="{28A0092B-C50C-407E-A947-70E740481C1C}">
-                <a14:useLocalDpi xmlns:a14="http://schemas.microsoft.com/office/drawing/2010/main" val="0"/>
-              </a:ext>
-            </a:extLst>
-          </a:blip>
-          <a:srcRect t="5300" r="3" b="6859"/>
-          <a:stretch/>
-        </p:blipFill>
-        <p:spPr>
-          <a:xfrm>
-            <a:off x="8491869" y="4283870"/>
-            <a:ext cx="3700129" cy="2583520"/>
-          </a:xfrm>
-          <a:custGeom>
-            <a:avLst/>
-            <a:gdLst>
-              <a:gd name="connsiteX0" fmla="*/ 0 w 4277884"/>
-              <a:gd name="connsiteY0" fmla="*/ 0 h 2583520"/>
-              <a:gd name="connsiteX1" fmla="*/ 4277884 w 4277884"/>
-              <a:gd name="connsiteY1" fmla="*/ 0 h 2583520"/>
-              <a:gd name="connsiteX2" fmla="*/ 4277884 w 4277884"/>
-              <a:gd name="connsiteY2" fmla="*/ 2583520 h 2583520"/>
-              <a:gd name="connsiteX3" fmla="*/ 1192437 w 4277884"/>
-              <a:gd name="connsiteY3" fmla="*/ 2583520 h 2583520"/>
-              <a:gd name="connsiteX4" fmla="*/ 1188085 w 4277884"/>
-              <a:gd name="connsiteY4" fmla="*/ 2574129 h 2583520"/>
-              <a:gd name="connsiteX5" fmla="*/ 1192715 w 4277884"/>
-              <a:gd name="connsiteY5" fmla="*/ 2574129 h 2583520"/>
-            </a:gdLst>
-            <a:ahLst/>
-            <a:cxnLst>
-              <a:cxn ang="0">
-                <a:pos x="connsiteX0" y="connsiteY0"/>
-              </a:cxn>
-              <a:cxn ang="0">
-                <a:pos x="connsiteX1" y="connsiteY1"/>
-              </a:cxn>
-              <a:cxn ang="0">
-                <a:pos x="connsiteX2" y="connsiteY2"/>
-              </a:cxn>
-              <a:cxn ang="0">
-                <a:pos x="connsiteX3" y="connsiteY3"/>
-              </a:cxn>
-              <a:cxn ang="0">
-                <a:pos x="connsiteX4" y="connsiteY4"/>
-              </a:cxn>
-              <a:cxn ang="0">
-                <a:pos x="connsiteX5" y="connsiteY5"/>
-              </a:cxn>
-            </a:cxnLst>
-            <a:rect l="l" t="t" r="r" b="b"/>
-            <a:pathLst>
-              <a:path w="4277884" h="2583520">
-                <a:moveTo>
-                  <a:pt x="0" y="0"/>
-                </a:moveTo>
-                <a:lnTo>
-                  <a:pt x="4277884" y="0"/>
-                </a:lnTo>
-                <a:lnTo>
-                  <a:pt x="4277884" y="2583520"/>
-                </a:lnTo>
-                <a:lnTo>
-                  <a:pt x="1192437" y="2583520"/>
-                </a:lnTo>
-                <a:lnTo>
-                  <a:pt x="1188085" y="2574129"/>
-                </a:lnTo>
-                <a:lnTo>
-                  <a:pt x="1192715" y="2574129"/>
-                </a:lnTo>
-                <a:close/>
-              </a:path>
-            </a:pathLst>
-          </a:custGeom>
-        </p:spPr>
-      </p:pic>
+              <a:t>Survey Results: Watched</a:t>
+            </a:r>
+          </a:p>
+        </p:txBody>
+      </p:sp>
       <p:sp>
         <p:nvSpPr>
           <p:cNvPr id="6" name="Rectangle 5">
             <a:extLst>
               <a:ext uri="{FF2B5EF4-FFF2-40B4-BE49-F238E27FC236}">
-                <a16:creationId xmlns:a16="http://schemas.microsoft.com/office/drawing/2014/main" id="{77151D4B-F807-3510-EF8F-099218F7345A}"/>
+                <a16:creationId xmlns:a16="http://schemas.microsoft.com/office/drawing/2014/main" id="{A2901312-C3C2-4CEC-80EF-823AB4FBB726}"/>
               </a:ext>
             </a:extLst>
           </p:cNvPr>
@@ -19221,7 +18142,7 @@
           <p:cNvPr id="15" name="Rectangle 14">
             <a:extLst>
               <a:ext uri="{FF2B5EF4-FFF2-40B4-BE49-F238E27FC236}">
-                <a16:creationId xmlns:a16="http://schemas.microsoft.com/office/drawing/2014/main" id="{3260A1A1-2616-57C0-7AB6-55781E518AAE}"/>
+                <a16:creationId xmlns:a16="http://schemas.microsoft.com/office/drawing/2014/main" id="{AD0A7C9C-CA2C-4B9B-A125-2D09D5573B44}"/>
               </a:ext>
             </a:extLst>
           </p:cNvPr>
@@ -19272,68 +18193,12 @@
           </a:p>
         </p:txBody>
       </p:sp>
-      <p:sp>
-        <p:nvSpPr>
-          <p:cNvPr id="16" name="Rectangle 15">
-            <a:extLst>
-              <a:ext uri="{FF2B5EF4-FFF2-40B4-BE49-F238E27FC236}">
-                <a16:creationId xmlns:a16="http://schemas.microsoft.com/office/drawing/2014/main" id="{7BDCDDF6-33B2-1B30-CACF-8584E25CAAD1}"/>
-              </a:ext>
-            </a:extLst>
-          </p:cNvPr>
-          <p:cNvSpPr/>
-          <p:nvPr/>
-        </p:nvSpPr>
-        <p:spPr>
-          <a:xfrm rot="4092292">
-            <a:off x="5790668" y="4094517"/>
-            <a:ext cx="5446699" cy="137038"/>
-          </a:xfrm>
-          <a:prstGeom prst="rect">
-            <a:avLst/>
-          </a:prstGeom>
-          <a:solidFill>
-            <a:schemeClr val="bg1"/>
-          </a:solidFill>
-          <a:ln>
-            <a:noFill/>
-          </a:ln>
-        </p:spPr>
-        <p:style>
-          <a:lnRef idx="2">
-            <a:schemeClr val="accent1">
-              <a:shade val="50000"/>
-            </a:schemeClr>
-          </a:lnRef>
-          <a:fillRef idx="1">
-            <a:schemeClr val="accent1"/>
-          </a:fillRef>
-          <a:effectRef idx="0">
-            <a:schemeClr val="accent1"/>
-          </a:effectRef>
-          <a:fontRef idx="minor">
-            <a:schemeClr val="lt1"/>
-          </a:fontRef>
-        </p:style>
-        <p:txBody>
-          <a:bodyPr rtlCol="0" anchor="ctr"/>
-          <a:lstStyle/>
-          <a:p>
-            <a:pPr algn="ctr"/>
-            <a:endParaRPr lang="en-US">
-              <a:solidFill>
-                <a:srgbClr val="DB5B5C"/>
-              </a:solidFill>
-            </a:endParaRPr>
-          </a:p>
-        </p:txBody>
-      </p:sp>
       <p:pic>
         <p:nvPicPr>
-          <p:cNvPr id="7" name="Picture 6" descr="A graph of a graduation goal&#10;&#10;Description automatically generated">
-            <a:extLst>
-              <a:ext uri="{FF2B5EF4-FFF2-40B4-BE49-F238E27FC236}">
-                <a16:creationId xmlns:a16="http://schemas.microsoft.com/office/drawing/2014/main" id="{2E5EFED4-046B-E2E6-A3F6-F44CA1E30904}"/>
+          <p:cNvPr id="4" name="Picture 3" descr="A graph of sports watching&#10;&#10;Description automatically generated">
+            <a:extLst>
+              <a:ext uri="{FF2B5EF4-FFF2-40B4-BE49-F238E27FC236}">
+                <a16:creationId xmlns:a16="http://schemas.microsoft.com/office/drawing/2014/main" id="{AEDBECC6-8185-3E3E-9F5F-3FB938E1BEF5}"/>
               </a:ext>
             </a:extLst>
           </p:cNvPr>
@@ -19343,7 +18208,7 @@
           <p:nvPr/>
         </p:nvPicPr>
         <p:blipFill>
-          <a:blip r:embed="rId5">
+          <a:blip r:embed="rId2">
             <a:extLst>
               <a:ext uri="{28A0092B-C50C-407E-A947-70E740481C1C}">
                 <a14:useLocalDpi xmlns:a14="http://schemas.microsoft.com/office/drawing/2010/main" val="0"/>
@@ -19356,18 +18221,57 @@
         </p:blipFill>
         <p:spPr>
           <a:xfrm>
-            <a:off x="44753" y="1696013"/>
-            <a:ext cx="7477949" cy="4985299"/>
+            <a:off x="936646" y="1436221"/>
+            <a:ext cx="8132669" cy="5421779"/>
           </a:xfrm>
           <a:prstGeom prst="rect">
             <a:avLst/>
           </a:prstGeom>
         </p:spPr>
       </p:pic>
+      <p:sp>
+        <p:nvSpPr>
+          <p:cNvPr id="9" name="TextBox 8">
+            <a:extLst>
+              <a:ext uri="{FF2B5EF4-FFF2-40B4-BE49-F238E27FC236}">
+                <a16:creationId xmlns:a16="http://schemas.microsoft.com/office/drawing/2014/main" id="{DA89D491-8FC2-4F8B-210C-1032F4F3BBEA}"/>
+              </a:ext>
+            </a:extLst>
+          </p:cNvPr>
+          <p:cNvSpPr txBox="1"/>
+          <p:nvPr/>
+        </p:nvSpPr>
+        <p:spPr>
+          <a:xfrm>
+            <a:off x="2490583" y="2682605"/>
+            <a:ext cx="3447091" cy="830997"/>
+          </a:xfrm>
+          <a:prstGeom prst="rect">
+            <a:avLst/>
+          </a:prstGeom>
+          <a:noFill/>
+        </p:spPr>
+        <p:txBody>
+          <a:bodyPr wrap="square" rtlCol="0">
+            <a:spAutoFit/>
+          </a:bodyPr>
+          <a:lstStyle/>
+          <a:p>
+            <a:r>
+              <a:rPr lang="en-US" sz="2400" b="1" dirty="0">
+                <a:solidFill>
+                  <a:schemeClr val="bg1"/>
+                </a:solidFill>
+              </a:rPr>
+              <a:t>56 Unique Sports Represented</a:t>
+            </a:r>
+          </a:p>
+        </p:txBody>
+      </p:sp>
     </p:spTree>
     <p:extLst>
       <p:ext uri="{BB962C8B-B14F-4D97-AF65-F5344CB8AC3E}">
-        <p14:creationId xmlns:p14="http://schemas.microsoft.com/office/powerpoint/2010/main" val="2397515417"/>
+        <p14:creationId xmlns:p14="http://schemas.microsoft.com/office/powerpoint/2010/main" val="304653770"/>
       </p:ext>
     </p:extLst>
   </p:cSld>
@@ -19497,7 +18401,7 @@
               <a:rPr lang="en-US" b="1" dirty="0">
                 <a:latin typeface="Selawik Semibold" panose="020B0604020202020204" pitchFamily="34" charset="0"/>
               </a:rPr>
-              <a:t>Survey Results: Watched</a:t>
+              <a:t>Survey Results: Played</a:t>
             </a:r>
           </a:p>
         </p:txBody>
@@ -19616,10 +18520,10 @@
       </p:sp>
       <p:pic>
         <p:nvPicPr>
-          <p:cNvPr id="4" name="Picture 3" descr="A graph of sports watching&#10;&#10;Description automatically generated">
-            <a:extLst>
-              <a:ext uri="{FF2B5EF4-FFF2-40B4-BE49-F238E27FC236}">
-                <a16:creationId xmlns:a16="http://schemas.microsoft.com/office/drawing/2014/main" id="{AEDBECC6-8185-3E3E-9F5F-3FB938E1BEF5}"/>
+          <p:cNvPr id="4" name="Picture 3" descr="A graph of a sports game&#10;&#10;Description automatically generated with medium confidence">
+            <a:extLst>
+              <a:ext uri="{FF2B5EF4-FFF2-40B4-BE49-F238E27FC236}">
+                <a16:creationId xmlns:a16="http://schemas.microsoft.com/office/drawing/2014/main" id="{61D0604B-D6AE-3DF4-F98B-68995CE896A0}"/>
               </a:ext>
             </a:extLst>
           </p:cNvPr>
@@ -19642,8 +18546,8 @@
         </p:blipFill>
         <p:spPr>
           <a:xfrm>
-            <a:off x="936646" y="1436221"/>
-            <a:ext cx="8132669" cy="5421779"/>
+            <a:off x="912608" y="1434693"/>
+            <a:ext cx="8134961" cy="5423307"/>
           </a:xfrm>
           <a:prstGeom prst="rect">
             <a:avLst/>
@@ -19655,7 +18559,7 @@
           <p:cNvPr id="9" name="TextBox 8">
             <a:extLst>
               <a:ext uri="{FF2B5EF4-FFF2-40B4-BE49-F238E27FC236}">
-                <a16:creationId xmlns:a16="http://schemas.microsoft.com/office/drawing/2014/main" id="{DA89D491-8FC2-4F8B-210C-1032F4F3BBEA}"/>
+                <a16:creationId xmlns:a16="http://schemas.microsoft.com/office/drawing/2014/main" id="{4FA6BE3B-023D-B2E9-F739-53D7AAA11D03}"/>
               </a:ext>
             </a:extLst>
           </p:cNvPr>
@@ -19664,7 +18568,7 @@
         </p:nvSpPr>
         <p:spPr>
           <a:xfrm>
-            <a:off x="2490583" y="2682605"/>
+            <a:off x="1966144" y="2598003"/>
             <a:ext cx="3447091" cy="830997"/>
           </a:xfrm>
           <a:prstGeom prst="rect">
@@ -19684,7 +18588,7 @@
                   <a:schemeClr val="bg1"/>
                 </a:solidFill>
               </a:rPr>
-              <a:t>56 Unique Sports Represented</a:t>
+              <a:t>47 Unique Sports Represented</a:t>
             </a:r>
           </a:p>
         </p:txBody>
@@ -19692,7 +18596,7 @@
     </p:spTree>
     <p:extLst>
       <p:ext uri="{BB962C8B-B14F-4D97-AF65-F5344CB8AC3E}">
-        <p14:creationId xmlns:p14="http://schemas.microsoft.com/office/powerpoint/2010/main" val="304653770"/>
+        <p14:creationId xmlns:p14="http://schemas.microsoft.com/office/powerpoint/2010/main" val="142465839"/>
       </p:ext>
     </p:extLst>
   </p:cSld>
@@ -19822,7 +18726,7 @@
               <a:rPr lang="en-US" b="1" dirty="0">
                 <a:latin typeface="Selawik Semibold" panose="020B0604020202020204" pitchFamily="34" charset="0"/>
               </a:rPr>
-              <a:t>Survey Results: Played</a:t>
+              <a:t>Survey Results: Combined</a:t>
             </a:r>
           </a:p>
         </p:txBody>
@@ -19941,10 +18845,10 @@
       </p:sp>
       <p:pic>
         <p:nvPicPr>
-          <p:cNvPr id="4" name="Picture 3" descr="A graph of a sports game&#10;&#10;Description automatically generated with medium confidence">
-            <a:extLst>
-              <a:ext uri="{FF2B5EF4-FFF2-40B4-BE49-F238E27FC236}">
-                <a16:creationId xmlns:a16="http://schemas.microsoft.com/office/drawing/2014/main" id="{61D0604B-D6AE-3DF4-F98B-68995CE896A0}"/>
+          <p:cNvPr id="5" name="Picture 4" descr="A red and blue lines with black text&#10;&#10;Description automatically generated">
+            <a:extLst>
+              <a:ext uri="{FF2B5EF4-FFF2-40B4-BE49-F238E27FC236}">
+                <a16:creationId xmlns:a16="http://schemas.microsoft.com/office/drawing/2014/main" id="{C0FB3874-5A69-2734-55F9-5E0598D7CCAB}"/>
               </a:ext>
             </a:extLst>
           </p:cNvPr>
@@ -19967,8 +18871,8 @@
         </p:blipFill>
         <p:spPr>
           <a:xfrm>
-            <a:off x="912608" y="1434693"/>
-            <a:ext cx="8134961" cy="5423307"/>
+            <a:off x="526859" y="1491290"/>
+            <a:ext cx="10746076" cy="5373038"/>
           </a:xfrm>
           <a:prstGeom prst="rect">
             <a:avLst/>
@@ -19977,10 +18881,10 @@
       </p:pic>
       <p:sp>
         <p:nvSpPr>
-          <p:cNvPr id="9" name="TextBox 8">
-            <a:extLst>
-              <a:ext uri="{FF2B5EF4-FFF2-40B4-BE49-F238E27FC236}">
-                <a16:creationId xmlns:a16="http://schemas.microsoft.com/office/drawing/2014/main" id="{4FA6BE3B-023D-B2E9-F739-53D7AAA11D03}"/>
+          <p:cNvPr id="14" name="TextBox 13">
+            <a:extLst>
+              <a:ext uri="{FF2B5EF4-FFF2-40B4-BE49-F238E27FC236}">
+                <a16:creationId xmlns:a16="http://schemas.microsoft.com/office/drawing/2014/main" id="{075F80BC-FF65-426F-BFEE-18370DE11A6D}"/>
               </a:ext>
             </a:extLst>
           </p:cNvPr>
@@ -19989,8 +18893,8 @@
         </p:nvSpPr>
         <p:spPr>
           <a:xfrm>
-            <a:off x="1966144" y="2598003"/>
-            <a:ext cx="3447091" cy="830997"/>
+            <a:off x="8885580" y="1608918"/>
+            <a:ext cx="3964639" cy="646331"/>
           </a:xfrm>
           <a:prstGeom prst="rect">
             <a:avLst/>
@@ -20003,21 +18907,40 @@
           </a:bodyPr>
           <a:lstStyle/>
           <a:p>
-            <a:r>
-              <a:rPr lang="en-US" sz="2400" b="1" dirty="0">
+            <a:pPr lvl="1"/>
+            <a:r>
+              <a:rPr lang="en-US" b="1" dirty="0">
                 <a:solidFill>
                   <a:schemeClr val="bg1"/>
                 </a:solidFill>
+                <a:latin typeface="Selawik Semibold" panose="020B0702040204020203" pitchFamily="34" charset="0"/>
               </a:rPr>
-              <a:t>47 Unique Sports Represented</a:t>
-            </a:r>
+              <a:t>Watched = Red</a:t>
+            </a:r>
+          </a:p>
+          <a:p>
+            <a:pPr lvl="1"/>
+            <a:r>
+              <a:rPr lang="en-US" b="1" dirty="0">
+                <a:solidFill>
+                  <a:schemeClr val="bg1"/>
+                </a:solidFill>
+                <a:latin typeface="Selawik Semibold" panose="020B0702040204020203" pitchFamily="34" charset="0"/>
+              </a:rPr>
+              <a:t>Played = Blue</a:t>
+            </a:r>
+            <a:endParaRPr lang="en-US" b="1" dirty="0">
+              <a:solidFill>
+                <a:schemeClr val="bg1"/>
+              </a:solidFill>
+            </a:endParaRPr>
           </a:p>
         </p:txBody>
       </p:sp>
     </p:spTree>
     <p:extLst>
       <p:ext uri="{BB962C8B-B14F-4D97-AF65-F5344CB8AC3E}">
-        <p14:creationId xmlns:p14="http://schemas.microsoft.com/office/powerpoint/2010/main" val="142465839"/>
+        <p14:creationId xmlns:p14="http://schemas.microsoft.com/office/powerpoint/2010/main" val="3056356804"/>
       </p:ext>
     </p:extLst>
   </p:cSld>
@@ -20147,11 +19070,229 @@
               <a:rPr lang="en-US" b="1" dirty="0">
                 <a:latin typeface="Selawik Semibold" panose="020B0604020202020204" pitchFamily="34" charset="0"/>
               </a:rPr>
-              <a:t>Survey Results: Combined</a:t>
-            </a:r>
-          </a:p>
-        </p:txBody>
-      </p:sp>
+              <a:t>Current Landscape of Sports</a:t>
+            </a:r>
+          </a:p>
+        </p:txBody>
+      </p:sp>
+      <p:sp>
+        <p:nvSpPr>
+          <p:cNvPr id="9" name="Content Placeholder 8">
+            <a:extLst>
+              <a:ext uri="{FF2B5EF4-FFF2-40B4-BE49-F238E27FC236}">
+                <a16:creationId xmlns:a16="http://schemas.microsoft.com/office/drawing/2014/main" id="{2D995594-59F2-4020-AB6F-751BAE84ADB3}"/>
+              </a:ext>
+            </a:extLst>
+          </p:cNvPr>
+          <p:cNvSpPr>
+            <a:spLocks noGrp="1"/>
+          </p:cNvSpPr>
+          <p:nvPr>
+            <p:ph idx="1"/>
+          </p:nvPr>
+        </p:nvSpPr>
+        <p:spPr>
+          <a:xfrm>
+            <a:off x="637478" y="2038469"/>
+            <a:ext cx="7168376" cy="1125362"/>
+          </a:xfrm>
+        </p:spPr>
+        <p:txBody>
+          <a:bodyPr>
+            <a:normAutofit/>
+          </a:bodyPr>
+          <a:lstStyle/>
+          <a:p>
+            <a:r>
+              <a:rPr lang="en-US" sz="2400" dirty="0">
+                <a:latin typeface="Selawik Semibold" panose="020B0702040204020203" pitchFamily="34" charset="0"/>
+              </a:rPr>
+              <a:t>Most Popular World Sports (sportsmonkie.com)</a:t>
+            </a:r>
+          </a:p>
+          <a:p>
+            <a:pPr lvl="1"/>
+            <a:r>
+              <a:rPr lang="en-US" sz="2000" dirty="0">
+                <a:latin typeface="Selawik Semibold" panose="020B0702040204020203" pitchFamily="34" charset="0"/>
+              </a:rPr>
+              <a:t>Based on 14 Criteria</a:t>
+            </a:r>
+          </a:p>
+        </p:txBody>
+      </p:sp>
+      <p:pic>
+        <p:nvPicPr>
+          <p:cNvPr id="4" name="Picture 3" descr="A drawing of a cartoon character&#10;&#10;Description automatically generated">
+            <a:extLst>
+              <a:ext uri="{FF2B5EF4-FFF2-40B4-BE49-F238E27FC236}">
+                <a16:creationId xmlns:a16="http://schemas.microsoft.com/office/drawing/2014/main" id="{A7FDC859-D890-4904-9C64-27F43DA90453}"/>
+              </a:ext>
+            </a:extLst>
+          </p:cNvPr>
+          <p:cNvPicPr>
+            <a:picLocks noChangeAspect="1"/>
+          </p:cNvPicPr>
+          <p:nvPr/>
+        </p:nvPicPr>
+        <p:blipFill rotWithShape="1">
+          <a:blip r:embed="rId3">
+            <a:extLst>
+              <a:ext uri="{28A0092B-C50C-407E-A947-70E740481C1C}">
+                <a14:useLocalDpi xmlns:a14="http://schemas.microsoft.com/office/drawing/2010/main" val="0"/>
+              </a:ext>
+            </a:extLst>
+          </a:blip>
+          <a:srcRect t="5616" r="2" b="2"/>
+          <a:stretch/>
+        </p:blipFill>
+        <p:spPr>
+          <a:xfrm>
+            <a:off x="7471144" y="1700078"/>
+            <a:ext cx="4720855" cy="2583792"/>
+          </a:xfrm>
+          <a:custGeom>
+            <a:avLst/>
+            <a:gdLst>
+              <a:gd name="connsiteX0" fmla="*/ 0 w 5475077"/>
+              <a:gd name="connsiteY0" fmla="*/ 0 h 2583792"/>
+              <a:gd name="connsiteX1" fmla="*/ 5475077 w 5475077"/>
+              <a:gd name="connsiteY1" fmla="*/ 0 h 2583792"/>
+              <a:gd name="connsiteX2" fmla="*/ 5475077 w 5475077"/>
+              <a:gd name="connsiteY2" fmla="*/ 2583792 h 2583792"/>
+              <a:gd name="connsiteX3" fmla="*/ 1197192 w 5475077"/>
+              <a:gd name="connsiteY3" fmla="*/ 2583792 h 2583792"/>
+            </a:gdLst>
+            <a:ahLst/>
+            <a:cxnLst>
+              <a:cxn ang="0">
+                <a:pos x="connsiteX0" y="connsiteY0"/>
+              </a:cxn>
+              <a:cxn ang="0">
+                <a:pos x="connsiteX1" y="connsiteY1"/>
+              </a:cxn>
+              <a:cxn ang="0">
+                <a:pos x="connsiteX2" y="connsiteY2"/>
+              </a:cxn>
+              <a:cxn ang="0">
+                <a:pos x="connsiteX3" y="connsiteY3"/>
+              </a:cxn>
+            </a:cxnLst>
+            <a:rect l="l" t="t" r="r" b="b"/>
+            <a:pathLst>
+              <a:path w="5475077" h="2583792">
+                <a:moveTo>
+                  <a:pt x="0" y="0"/>
+                </a:moveTo>
+                <a:lnTo>
+                  <a:pt x="5475077" y="0"/>
+                </a:lnTo>
+                <a:lnTo>
+                  <a:pt x="5475077" y="2583792"/>
+                </a:lnTo>
+                <a:lnTo>
+                  <a:pt x="1197192" y="2583792"/>
+                </a:lnTo>
+                <a:close/>
+              </a:path>
+            </a:pathLst>
+          </a:custGeom>
+        </p:spPr>
+      </p:pic>
+      <p:pic>
+        <p:nvPicPr>
+          <p:cNvPr id="5" name="Content Placeholder 4" descr="A picture containing indoor&#10;&#10;Description automatically generated">
+            <a:extLst>
+              <a:ext uri="{FF2B5EF4-FFF2-40B4-BE49-F238E27FC236}">
+                <a16:creationId xmlns:a16="http://schemas.microsoft.com/office/drawing/2014/main" id="{A58F0E55-21F3-485B-A07F-1CE74177BDD2}"/>
+              </a:ext>
+            </a:extLst>
+          </p:cNvPr>
+          <p:cNvPicPr>
+            <a:picLocks noChangeAspect="1"/>
+          </p:cNvPicPr>
+          <p:nvPr/>
+        </p:nvPicPr>
+        <p:blipFill rotWithShape="1">
+          <a:blip r:embed="rId4">
+            <a:extLst>
+              <a:ext uri="{28A0092B-C50C-407E-A947-70E740481C1C}">
+                <a14:useLocalDpi xmlns:a14="http://schemas.microsoft.com/office/drawing/2010/main" val="0"/>
+              </a:ext>
+            </a:extLst>
+          </a:blip>
+          <a:srcRect t="5300" r="3" b="6859"/>
+          <a:stretch/>
+        </p:blipFill>
+        <p:spPr>
+          <a:xfrm>
+            <a:off x="8491869" y="4283870"/>
+            <a:ext cx="3700129" cy="2583520"/>
+          </a:xfrm>
+          <a:custGeom>
+            <a:avLst/>
+            <a:gdLst>
+              <a:gd name="connsiteX0" fmla="*/ 0 w 4277884"/>
+              <a:gd name="connsiteY0" fmla="*/ 0 h 2583520"/>
+              <a:gd name="connsiteX1" fmla="*/ 4277884 w 4277884"/>
+              <a:gd name="connsiteY1" fmla="*/ 0 h 2583520"/>
+              <a:gd name="connsiteX2" fmla="*/ 4277884 w 4277884"/>
+              <a:gd name="connsiteY2" fmla="*/ 2583520 h 2583520"/>
+              <a:gd name="connsiteX3" fmla="*/ 1192437 w 4277884"/>
+              <a:gd name="connsiteY3" fmla="*/ 2583520 h 2583520"/>
+              <a:gd name="connsiteX4" fmla="*/ 1188085 w 4277884"/>
+              <a:gd name="connsiteY4" fmla="*/ 2574129 h 2583520"/>
+              <a:gd name="connsiteX5" fmla="*/ 1192715 w 4277884"/>
+              <a:gd name="connsiteY5" fmla="*/ 2574129 h 2583520"/>
+            </a:gdLst>
+            <a:ahLst/>
+            <a:cxnLst>
+              <a:cxn ang="0">
+                <a:pos x="connsiteX0" y="connsiteY0"/>
+              </a:cxn>
+              <a:cxn ang="0">
+                <a:pos x="connsiteX1" y="connsiteY1"/>
+              </a:cxn>
+              <a:cxn ang="0">
+                <a:pos x="connsiteX2" y="connsiteY2"/>
+              </a:cxn>
+              <a:cxn ang="0">
+                <a:pos x="connsiteX3" y="connsiteY3"/>
+              </a:cxn>
+              <a:cxn ang="0">
+                <a:pos x="connsiteX4" y="connsiteY4"/>
+              </a:cxn>
+              <a:cxn ang="0">
+                <a:pos x="connsiteX5" y="connsiteY5"/>
+              </a:cxn>
+            </a:cxnLst>
+            <a:rect l="l" t="t" r="r" b="b"/>
+            <a:pathLst>
+              <a:path w="4277884" h="2583520">
+                <a:moveTo>
+                  <a:pt x="0" y="0"/>
+                </a:moveTo>
+                <a:lnTo>
+                  <a:pt x="4277884" y="0"/>
+                </a:lnTo>
+                <a:lnTo>
+                  <a:pt x="4277884" y="2583520"/>
+                </a:lnTo>
+                <a:lnTo>
+                  <a:pt x="1192437" y="2583520"/>
+                </a:lnTo>
+                <a:lnTo>
+                  <a:pt x="1188085" y="2574129"/>
+                </a:lnTo>
+                <a:lnTo>
+                  <a:pt x="1192715" y="2574129"/>
+                </a:lnTo>
+                <a:close/>
+              </a:path>
+            </a:pathLst>
+          </a:custGeom>
+        </p:spPr>
+      </p:pic>
       <p:sp>
         <p:nvSpPr>
           <p:cNvPr id="6" name="Rectangle 5">
@@ -20264,48 +19405,68 @@
           </a:p>
         </p:txBody>
       </p:sp>
-      <p:pic>
-        <p:nvPicPr>
-          <p:cNvPr id="5" name="Picture 4" descr="A red and blue lines with black text&#10;&#10;Description automatically generated">
-            <a:extLst>
-              <a:ext uri="{FF2B5EF4-FFF2-40B4-BE49-F238E27FC236}">
-                <a16:creationId xmlns:a16="http://schemas.microsoft.com/office/drawing/2014/main" id="{C0FB3874-5A69-2734-55F9-5E0598D7CCAB}"/>
-              </a:ext>
-            </a:extLst>
-          </p:cNvPr>
-          <p:cNvPicPr>
-            <a:picLocks noChangeAspect="1"/>
-          </p:cNvPicPr>
+      <p:sp>
+        <p:nvSpPr>
+          <p:cNvPr id="16" name="Rectangle 15">
+            <a:extLst>
+              <a:ext uri="{FF2B5EF4-FFF2-40B4-BE49-F238E27FC236}">
+                <a16:creationId xmlns:a16="http://schemas.microsoft.com/office/drawing/2014/main" id="{74A085FC-1866-46D4-97F7-51AA45E48D4F}"/>
+              </a:ext>
+            </a:extLst>
+          </p:cNvPr>
+          <p:cNvSpPr/>
           <p:nvPr/>
-        </p:nvPicPr>
-        <p:blipFill>
-          <a:blip r:embed="rId2">
-            <a:extLst>
-              <a:ext uri="{28A0092B-C50C-407E-A947-70E740481C1C}">
-                <a14:useLocalDpi xmlns:a14="http://schemas.microsoft.com/office/drawing/2010/main" val="0"/>
-              </a:ext>
-            </a:extLst>
-          </a:blip>
-          <a:stretch>
-            <a:fillRect/>
-          </a:stretch>
-        </p:blipFill>
-        <p:spPr>
-          <a:xfrm>
-            <a:off x="526859" y="1491290"/>
-            <a:ext cx="10746076" cy="5373038"/>
+        </p:nvSpPr>
+        <p:spPr>
+          <a:xfrm rot="4092292">
+            <a:off x="5790668" y="4094517"/>
+            <a:ext cx="5446699" cy="137038"/>
           </a:xfrm>
           <a:prstGeom prst="rect">
             <a:avLst/>
           </a:prstGeom>
-        </p:spPr>
-      </p:pic>
-      <p:sp>
-        <p:nvSpPr>
-          <p:cNvPr id="14" name="TextBox 13">
-            <a:extLst>
-              <a:ext uri="{FF2B5EF4-FFF2-40B4-BE49-F238E27FC236}">
-                <a16:creationId xmlns:a16="http://schemas.microsoft.com/office/drawing/2014/main" id="{075F80BC-FF65-426F-BFEE-18370DE11A6D}"/>
+          <a:solidFill>
+            <a:schemeClr val="bg1"/>
+          </a:solidFill>
+          <a:ln>
+            <a:noFill/>
+          </a:ln>
+        </p:spPr>
+        <p:style>
+          <a:lnRef idx="2">
+            <a:schemeClr val="accent1">
+              <a:shade val="50000"/>
+            </a:schemeClr>
+          </a:lnRef>
+          <a:fillRef idx="1">
+            <a:schemeClr val="accent1"/>
+          </a:fillRef>
+          <a:effectRef idx="0">
+            <a:schemeClr val="accent1"/>
+          </a:effectRef>
+          <a:fontRef idx="minor">
+            <a:schemeClr val="lt1"/>
+          </a:fontRef>
+        </p:style>
+        <p:txBody>
+          <a:bodyPr rtlCol="0" anchor="ctr"/>
+          <a:lstStyle/>
+          <a:p>
+            <a:pPr algn="ctr"/>
+            <a:endParaRPr lang="en-US">
+              <a:solidFill>
+                <a:srgbClr val="DB5B5C"/>
+              </a:solidFill>
+            </a:endParaRPr>
+          </a:p>
+        </p:txBody>
+      </p:sp>
+      <p:sp>
+        <p:nvSpPr>
+          <p:cNvPr id="3" name="TextBox 2">
+            <a:extLst>
+              <a:ext uri="{FF2B5EF4-FFF2-40B4-BE49-F238E27FC236}">
+                <a16:creationId xmlns:a16="http://schemas.microsoft.com/office/drawing/2014/main" id="{4D2D036B-AB3A-4C0B-ADAC-DCBDAFCE8A9B}"/>
               </a:ext>
             </a:extLst>
           </p:cNvPr>
@@ -20314,8 +19475,8 @@
         </p:nvSpPr>
         <p:spPr>
           <a:xfrm>
-            <a:off x="8885580" y="1608918"/>
-            <a:ext cx="3964639" cy="646331"/>
+            <a:off x="1078008" y="2741996"/>
+            <a:ext cx="3964639" cy="2308324"/>
           </a:xfrm>
           <a:prstGeom prst="rect">
             <a:avLst/>
@@ -20328,40 +19489,208 @@
           </a:bodyPr>
           <a:lstStyle/>
           <a:p>
-            <a:pPr lvl="1"/>
-            <a:r>
-              <a:rPr lang="en-US" b="1" dirty="0">
-                <a:solidFill>
-                  <a:schemeClr val="bg1"/>
-                </a:solidFill>
+            <a:pPr marL="742950" lvl="1" indent="-285750">
+              <a:buFont typeface="Arial" panose="020B0604020202020204" pitchFamily="34" charset="0"/>
+              <a:buChar char="•"/>
+            </a:pPr>
+            <a:r>
+              <a:rPr lang="en-US" sz="1600" dirty="0">
                 <a:latin typeface="Selawik Semibold" panose="020B0702040204020203" pitchFamily="34" charset="0"/>
               </a:rPr>
-              <a:t>Watched = Red</a:t>
-            </a:r>
-          </a:p>
-          <a:p>
-            <a:pPr lvl="1"/>
-            <a:r>
-              <a:rPr lang="en-US" b="1" dirty="0">
-                <a:solidFill>
-                  <a:schemeClr val="bg1"/>
-                </a:solidFill>
+              <a:t>Global Fan Base</a:t>
+            </a:r>
+          </a:p>
+          <a:p>
+            <a:pPr marL="742950" lvl="1" indent="-285750">
+              <a:buFont typeface="Arial" panose="020B0604020202020204" pitchFamily="34" charset="0"/>
+              <a:buChar char="•"/>
+            </a:pPr>
+            <a:r>
+              <a:rPr lang="en-US" sz="1600" dirty="0">
                 <a:latin typeface="Selawik Semibold" panose="020B0702040204020203" pitchFamily="34" charset="0"/>
               </a:rPr>
-              <a:t>Played = Blue</a:t>
-            </a:r>
-            <a:endParaRPr lang="en-US" b="1" dirty="0">
-              <a:solidFill>
-                <a:schemeClr val="bg1"/>
-              </a:solidFill>
-            </a:endParaRPr>
+              <a:t>Viewership on TV</a:t>
+            </a:r>
+          </a:p>
+          <a:p>
+            <a:pPr marL="742950" lvl="1" indent="-285750">
+              <a:buFont typeface="Arial" panose="020B0604020202020204" pitchFamily="34" charset="0"/>
+              <a:buChar char="•"/>
+            </a:pPr>
+            <a:r>
+              <a:rPr lang="en-US" sz="1600" dirty="0">
+                <a:latin typeface="Selawik Semibold" panose="020B0702040204020203" pitchFamily="34" charset="0"/>
+              </a:rPr>
+              <a:t>TV Rights</a:t>
+            </a:r>
+          </a:p>
+          <a:p>
+            <a:pPr marL="742950" lvl="1" indent="-285750">
+              <a:buFont typeface="Arial" panose="020B0604020202020204" pitchFamily="34" charset="0"/>
+              <a:buChar char="•"/>
+            </a:pPr>
+            <a:r>
+              <a:rPr lang="en-US" sz="1600" dirty="0">
+                <a:latin typeface="Selawik Semibold" panose="020B0702040204020203" pitchFamily="34" charset="0"/>
+              </a:rPr>
+              <a:t>Internet Popularity</a:t>
+            </a:r>
+          </a:p>
+          <a:p>
+            <a:pPr marL="742950" lvl="1" indent="-285750">
+              <a:buFont typeface="Arial" panose="020B0604020202020204" pitchFamily="34" charset="0"/>
+              <a:buChar char="•"/>
+            </a:pPr>
+            <a:r>
+              <a:rPr lang="en-US" sz="1600" dirty="0">
+                <a:latin typeface="Selawik Semibold" panose="020B0702040204020203" pitchFamily="34" charset="0"/>
+              </a:rPr>
+              <a:t>Social Media Presence</a:t>
+            </a:r>
+          </a:p>
+          <a:p>
+            <a:pPr marL="742950" lvl="1" indent="-285750">
+              <a:buFont typeface="Arial" panose="020B0604020202020204" pitchFamily="34" charset="0"/>
+              <a:buChar char="•"/>
+            </a:pPr>
+            <a:r>
+              <a:rPr lang="en-US" sz="1600" dirty="0">
+                <a:latin typeface="Selawik Semibold" panose="020B0702040204020203" pitchFamily="34" charset="0"/>
+              </a:rPr>
+              <a:t>Number of Professional Leagues</a:t>
+            </a:r>
+          </a:p>
+          <a:p>
+            <a:pPr marL="742950" lvl="1" indent="-285750">
+              <a:buFont typeface="Arial" panose="020B0604020202020204" pitchFamily="34" charset="0"/>
+              <a:buChar char="•"/>
+            </a:pPr>
+            <a:r>
+              <a:rPr lang="en-US" sz="1600" dirty="0">
+                <a:latin typeface="Selawik Semibold" panose="020B0702040204020203" pitchFamily="34" charset="0"/>
+              </a:rPr>
+              <a:t>Average Salary of Athletes</a:t>
+            </a:r>
+          </a:p>
+          <a:p>
+            <a:pPr marL="742950" lvl="1" indent="-285750">
+              <a:buFont typeface="Arial" panose="020B0604020202020204" pitchFamily="34" charset="0"/>
+              <a:buChar char="•"/>
+            </a:pPr>
+            <a:r>
+              <a:rPr lang="en-US" sz="1600" dirty="0">
+                <a:latin typeface="Selawik Semibold" panose="020B0702040204020203" pitchFamily="34" charset="0"/>
+              </a:rPr>
+              <a:t>Sponsorship</a:t>
+            </a:r>
+          </a:p>
+          <a:p>
+            <a:pPr marL="742950" lvl="1" indent="-285750">
+              <a:buFont typeface="Arial" panose="020B0604020202020204" pitchFamily="34" charset="0"/>
+              <a:buChar char="•"/>
+            </a:pPr>
+            <a:r>
+              <a:rPr lang="en-US" sz="1600" dirty="0">
+                <a:latin typeface="Selawik Semibold" panose="020B0702040204020203" pitchFamily="34" charset="0"/>
+              </a:rPr>
+              <a:t>Number of Countries</a:t>
+            </a:r>
+            <a:endParaRPr lang="en-US" dirty="0"/>
+          </a:p>
+        </p:txBody>
+      </p:sp>
+      <p:sp>
+        <p:nvSpPr>
+          <p:cNvPr id="7" name="Rectangle 6">
+            <a:extLst>
+              <a:ext uri="{FF2B5EF4-FFF2-40B4-BE49-F238E27FC236}">
+                <a16:creationId xmlns:a16="http://schemas.microsoft.com/office/drawing/2014/main" id="{1DD01DA1-338C-4134-8F28-E709685D35DE}"/>
+              </a:ext>
+            </a:extLst>
+          </p:cNvPr>
+          <p:cNvSpPr/>
+          <p:nvPr/>
+        </p:nvSpPr>
+        <p:spPr>
+          <a:xfrm>
+            <a:off x="1076383" y="4939168"/>
+            <a:ext cx="3970017" cy="1323439"/>
+          </a:xfrm>
+          <a:prstGeom prst="rect">
+            <a:avLst/>
+          </a:prstGeom>
+        </p:spPr>
+        <p:txBody>
+          <a:bodyPr wrap="square">
+            <a:spAutoFit/>
+          </a:bodyPr>
+          <a:lstStyle/>
+          <a:p>
+            <a:pPr marL="742950" lvl="1" indent="-285750">
+              <a:buFont typeface="Arial" panose="020B0604020202020204" pitchFamily="34" charset="0"/>
+              <a:buChar char="•"/>
+            </a:pPr>
+            <a:r>
+              <a:rPr lang="en-US" sz="1600" dirty="0">
+                <a:latin typeface="Selawik Semibold" panose="020B0702040204020203" pitchFamily="34" charset="0"/>
+              </a:rPr>
+              <a:t>Biggest Competition</a:t>
+            </a:r>
+          </a:p>
+          <a:p>
+            <a:pPr marL="742950" lvl="1" indent="-285750">
+              <a:buFont typeface="Arial" panose="020B0604020202020204" pitchFamily="34" charset="0"/>
+              <a:buChar char="•"/>
+            </a:pPr>
+            <a:r>
+              <a:rPr lang="en-US" sz="1600" dirty="0">
+                <a:latin typeface="Selawik Semibold" panose="020B0702040204020203" pitchFamily="34" charset="0"/>
+              </a:rPr>
+              <a:t>Gender equality</a:t>
+            </a:r>
+          </a:p>
+          <a:p>
+            <a:pPr marL="742950" lvl="1" indent="-285750">
+              <a:buFont typeface="Arial" panose="020B0604020202020204" pitchFamily="34" charset="0"/>
+              <a:buChar char="•"/>
+            </a:pPr>
+            <a:r>
+              <a:rPr lang="en-US" sz="1600" dirty="0">
+                <a:latin typeface="Selawik Semibold" panose="020B0702040204020203" pitchFamily="34" charset="0"/>
+              </a:rPr>
+              <a:t>Access to the General Public</a:t>
+            </a:r>
+          </a:p>
+          <a:p>
+            <a:pPr marL="742950" lvl="1" indent="-285750">
+              <a:buFont typeface="Arial" panose="020B0604020202020204" pitchFamily="34" charset="0"/>
+              <a:buChar char="•"/>
+            </a:pPr>
+            <a:r>
+              <a:rPr lang="en-US" sz="1600" dirty="0">
+                <a:latin typeface="Selawik Semibold" panose="020B0702040204020203" pitchFamily="34" charset="0"/>
+              </a:rPr>
+              <a:t>Number of Amateurs</a:t>
+            </a:r>
+          </a:p>
+          <a:p>
+            <a:pPr marL="742950" lvl="1" indent="-285750">
+              <a:buFont typeface="Arial" panose="020B0604020202020204" pitchFamily="34" charset="0"/>
+              <a:buChar char="•"/>
+            </a:pPr>
+            <a:r>
+              <a:rPr lang="en-US" sz="1600" dirty="0">
+                <a:latin typeface="Selawik Semibold" panose="020B0702040204020203" pitchFamily="34" charset="0"/>
+              </a:rPr>
+              <a:t>Prominence in Headlines</a:t>
+            </a:r>
           </a:p>
         </p:txBody>
       </p:sp>
     </p:spTree>
     <p:extLst>
       <p:ext uri="{BB962C8B-B14F-4D97-AF65-F5344CB8AC3E}">
-        <p14:creationId xmlns:p14="http://schemas.microsoft.com/office/powerpoint/2010/main" val="3056356804"/>
+        <p14:creationId xmlns:p14="http://schemas.microsoft.com/office/powerpoint/2010/main" val="3372904333"/>
       </p:ext>
     </p:extLst>
   </p:cSld>

--- a/Slides/Sports Analytics 1/Sports_Analytics_1_Lecture.pptx
+++ b/Slides/Sports Analytics 1/Sports_Analytics_1_Lecture.pptx
@@ -5,7 +5,7 @@
     <p:sldMasterId id="2147483648" r:id="rId1"/>
   </p:sldMasterIdLst>
   <p:notesMasterIdLst>
-    <p:notesMasterId r:id="rId27"/>
+    <p:notesMasterId r:id="rId28"/>
   </p:notesMasterIdLst>
   <p:sldIdLst>
     <p:sldId id="256" r:id="rId2"/>
@@ -16,23 +16,24 @@
     <p:sldId id="260" r:id="rId7"/>
     <p:sldId id="259" r:id="rId8"/>
     <p:sldId id="261" r:id="rId9"/>
-    <p:sldId id="262" r:id="rId10"/>
-    <p:sldId id="263" r:id="rId11"/>
-    <p:sldId id="264" r:id="rId12"/>
-    <p:sldId id="291" r:id="rId13"/>
-    <p:sldId id="265" r:id="rId14"/>
-    <p:sldId id="286" r:id="rId15"/>
-    <p:sldId id="266" r:id="rId16"/>
-    <p:sldId id="267" r:id="rId17"/>
-    <p:sldId id="288" r:id="rId18"/>
-    <p:sldId id="289" r:id="rId19"/>
-    <p:sldId id="290" r:id="rId20"/>
-    <p:sldId id="296" r:id="rId21"/>
-    <p:sldId id="269" r:id="rId22"/>
-    <p:sldId id="270" r:id="rId23"/>
-    <p:sldId id="271" r:id="rId24"/>
-    <p:sldId id="272" r:id="rId25"/>
-    <p:sldId id="281" r:id="rId26"/>
+    <p:sldId id="263" r:id="rId10"/>
+    <p:sldId id="262" r:id="rId11"/>
+    <p:sldId id="297" r:id="rId12"/>
+    <p:sldId id="264" r:id="rId13"/>
+    <p:sldId id="291" r:id="rId14"/>
+    <p:sldId id="265" r:id="rId15"/>
+    <p:sldId id="286" r:id="rId16"/>
+    <p:sldId id="266" r:id="rId17"/>
+    <p:sldId id="267" r:id="rId18"/>
+    <p:sldId id="288" r:id="rId19"/>
+    <p:sldId id="289" r:id="rId20"/>
+    <p:sldId id="290" r:id="rId21"/>
+    <p:sldId id="296" r:id="rId22"/>
+    <p:sldId id="269" r:id="rId23"/>
+    <p:sldId id="270" r:id="rId24"/>
+    <p:sldId id="271" r:id="rId25"/>
+    <p:sldId id="272" r:id="rId26"/>
+    <p:sldId id="281" r:id="rId27"/>
   </p:sldIdLst>
   <p:sldSz cx="12192000" cy="6858000"/>
   <p:notesSz cx="6858000" cy="9144000"/>
@@ -221,7 +222,7 @@
           <a:p>
             <a:fld id="{C04E5E84-956F-4423-97B3-5936A6D8EEEE}" type="datetimeFigureOut">
               <a:rPr lang="en-US" smtClean="0"/>
-              <a:t>1/10/2025</a:t>
+              <a:t>8/19/2025</a:t>
             </a:fld>
             <a:endParaRPr lang="en-US"/>
           </a:p>
@@ -646,7 +647,7 @@
     </p:spTree>
     <p:extLst>
       <p:ext uri="{BB962C8B-B14F-4D97-AF65-F5344CB8AC3E}">
-        <p14:creationId xmlns:p14="http://schemas.microsoft.com/office/powerpoint/2010/main" val="3204056461"/>
+        <p14:creationId xmlns:p14="http://schemas.microsoft.com/office/powerpoint/2010/main" val="270339087"/>
       </p:ext>
     </p:extLst>
   </p:cSld>
@@ -730,7 +731,7 @@
     </p:spTree>
     <p:extLst>
       <p:ext uri="{BB962C8B-B14F-4D97-AF65-F5344CB8AC3E}">
-        <p14:creationId xmlns:p14="http://schemas.microsoft.com/office/powerpoint/2010/main" val="837158800"/>
+        <p14:creationId xmlns:p14="http://schemas.microsoft.com/office/powerpoint/2010/main" val="3204056461"/>
       </p:ext>
     </p:extLst>
   </p:cSld>
@@ -814,7 +815,7 @@
     </p:spTree>
     <p:extLst>
       <p:ext uri="{BB962C8B-B14F-4D97-AF65-F5344CB8AC3E}">
-        <p14:creationId xmlns:p14="http://schemas.microsoft.com/office/powerpoint/2010/main" val="570981165"/>
+        <p14:creationId xmlns:p14="http://schemas.microsoft.com/office/powerpoint/2010/main" val="837158800"/>
       </p:ext>
     </p:extLst>
   </p:cSld>
@@ -898,6 +899,90 @@
     </p:spTree>
     <p:extLst>
       <p:ext uri="{BB962C8B-B14F-4D97-AF65-F5344CB8AC3E}">
+        <p14:creationId xmlns:p14="http://schemas.microsoft.com/office/powerpoint/2010/main" val="570981165"/>
+      </p:ext>
+    </p:extLst>
+  </p:cSld>
+  <p:clrMapOvr>
+    <a:masterClrMapping/>
+  </p:clrMapOvr>
+</p:notes>
+</file>
+
+<file path=ppt/notesSlides/notesSlide14.xml><?xml version="1.0" encoding="utf-8"?>
+<p:notes xmlns:a="http://schemas.openxmlformats.org/drawingml/2006/main" xmlns:r="http://schemas.openxmlformats.org/officeDocument/2006/relationships" xmlns:p="http://schemas.openxmlformats.org/presentationml/2006/main">
+  <p:cSld>
+    <p:spTree>
+      <p:nvGrpSpPr>
+        <p:cNvPr id="1" name=""/>
+        <p:cNvGrpSpPr/>
+        <p:nvPr/>
+      </p:nvGrpSpPr>
+      <p:grpSpPr>
+        <a:xfrm>
+          <a:off x="0" y="0"/>
+          <a:ext cx="0" cy="0"/>
+          <a:chOff x="0" y="0"/>
+          <a:chExt cx="0" cy="0"/>
+        </a:xfrm>
+      </p:grpSpPr>
+      <p:sp>
+        <p:nvSpPr>
+          <p:cNvPr id="2" name="Slide Image Placeholder 1"/>
+          <p:cNvSpPr>
+            <a:spLocks noGrp="1" noRot="1" noChangeAspect="1"/>
+          </p:cNvSpPr>
+          <p:nvPr>
+            <p:ph type="sldImg"/>
+          </p:nvPr>
+        </p:nvSpPr>
+        <p:spPr/>
+      </p:sp>
+      <p:sp>
+        <p:nvSpPr>
+          <p:cNvPr id="3" name="Notes Placeholder 2"/>
+          <p:cNvSpPr>
+            <a:spLocks noGrp="1"/>
+          </p:cNvSpPr>
+          <p:nvPr>
+            <p:ph type="body" idx="1"/>
+          </p:nvPr>
+        </p:nvSpPr>
+        <p:spPr/>
+        <p:txBody>
+          <a:bodyPr/>
+          <a:lstStyle/>
+          <a:p>
+            <a:endParaRPr lang="en-US" dirty="0"/>
+          </a:p>
+        </p:txBody>
+      </p:sp>
+      <p:sp>
+        <p:nvSpPr>
+          <p:cNvPr id="4" name="Slide Number Placeholder 3"/>
+          <p:cNvSpPr>
+            <a:spLocks noGrp="1"/>
+          </p:cNvSpPr>
+          <p:nvPr>
+            <p:ph type="sldNum" sz="quarter" idx="5"/>
+          </p:nvPr>
+        </p:nvSpPr>
+        <p:spPr/>
+        <p:txBody>
+          <a:bodyPr/>
+          <a:lstStyle/>
+          <a:p>
+            <a:fld id="{323D9EF6-5B6D-4923-9412-628692DCC0E7}" type="slidenum">
+              <a:rPr lang="en-US" smtClean="0"/>
+              <a:t>20</a:t>
+            </a:fld>
+            <a:endParaRPr lang="en-US"/>
+          </a:p>
+        </p:txBody>
+      </p:sp>
+    </p:spTree>
+    <p:extLst>
+      <p:ext uri="{BB962C8B-B14F-4D97-AF65-F5344CB8AC3E}">
         <p14:creationId xmlns:p14="http://schemas.microsoft.com/office/powerpoint/2010/main" val="3892749928"/>
       </p:ext>
     </p:extLst>
@@ -908,7 +993,7 @@
 </p:notes>
 </file>
 
-<file path=ppt/notesSlides/notesSlide14.xml><?xml version="1.0" encoding="utf-8"?>
+<file path=ppt/notesSlides/notesSlide15.xml><?xml version="1.0" encoding="utf-8"?>
 <p:notes xmlns:a="http://schemas.openxmlformats.org/drawingml/2006/main" xmlns:r="http://schemas.openxmlformats.org/officeDocument/2006/relationships" xmlns:p="http://schemas.openxmlformats.org/presentationml/2006/main">
   <p:cSld>
     <p:spTree>
@@ -997,7 +1082,7 @@
           <a:p>
             <a:fld id="{323D9EF6-5B6D-4923-9412-628692DCC0E7}" type="slidenum">
               <a:rPr lang="en-US" smtClean="0"/>
-              <a:t>20</a:t>
+              <a:t>21</a:t>
             </a:fld>
             <a:endParaRPr lang="en-US"/>
           </a:p>
@@ -1007,90 +1092,6 @@
     <p:extLst>
       <p:ext uri="{BB962C8B-B14F-4D97-AF65-F5344CB8AC3E}">
         <p14:creationId xmlns:p14="http://schemas.microsoft.com/office/powerpoint/2010/main" val="657596690"/>
-      </p:ext>
-    </p:extLst>
-  </p:cSld>
-  <p:clrMapOvr>
-    <a:masterClrMapping/>
-  </p:clrMapOvr>
-</p:notes>
-</file>
-
-<file path=ppt/notesSlides/notesSlide15.xml><?xml version="1.0" encoding="utf-8"?>
-<p:notes xmlns:a="http://schemas.openxmlformats.org/drawingml/2006/main" xmlns:r="http://schemas.openxmlformats.org/officeDocument/2006/relationships" xmlns:p="http://schemas.openxmlformats.org/presentationml/2006/main">
-  <p:cSld>
-    <p:spTree>
-      <p:nvGrpSpPr>
-        <p:cNvPr id="1" name=""/>
-        <p:cNvGrpSpPr/>
-        <p:nvPr/>
-      </p:nvGrpSpPr>
-      <p:grpSpPr>
-        <a:xfrm>
-          <a:off x="0" y="0"/>
-          <a:ext cx="0" cy="0"/>
-          <a:chOff x="0" y="0"/>
-          <a:chExt cx="0" cy="0"/>
-        </a:xfrm>
-      </p:grpSpPr>
-      <p:sp>
-        <p:nvSpPr>
-          <p:cNvPr id="2" name="Slide Image Placeholder 1"/>
-          <p:cNvSpPr>
-            <a:spLocks noGrp="1" noRot="1" noChangeAspect="1"/>
-          </p:cNvSpPr>
-          <p:nvPr>
-            <p:ph type="sldImg"/>
-          </p:nvPr>
-        </p:nvSpPr>
-        <p:spPr/>
-      </p:sp>
-      <p:sp>
-        <p:nvSpPr>
-          <p:cNvPr id="3" name="Notes Placeholder 2"/>
-          <p:cNvSpPr>
-            <a:spLocks noGrp="1"/>
-          </p:cNvSpPr>
-          <p:nvPr>
-            <p:ph type="body" idx="1"/>
-          </p:nvPr>
-        </p:nvSpPr>
-        <p:spPr/>
-        <p:txBody>
-          <a:bodyPr/>
-          <a:lstStyle/>
-          <a:p>
-            <a:endParaRPr lang="en-US" dirty="0"/>
-          </a:p>
-        </p:txBody>
-      </p:sp>
-      <p:sp>
-        <p:nvSpPr>
-          <p:cNvPr id="4" name="Slide Number Placeholder 3"/>
-          <p:cNvSpPr>
-            <a:spLocks noGrp="1"/>
-          </p:cNvSpPr>
-          <p:nvPr>
-            <p:ph type="sldNum" sz="quarter" idx="5"/>
-          </p:nvPr>
-        </p:nvSpPr>
-        <p:spPr/>
-        <p:txBody>
-          <a:bodyPr/>
-          <a:lstStyle/>
-          <a:p>
-            <a:fld id="{323D9EF6-5B6D-4923-9412-628692DCC0E7}" type="slidenum">
-              <a:rPr lang="en-US" smtClean="0"/>
-              <a:t>21</a:t>
-            </a:fld>
-            <a:endParaRPr lang="en-US"/>
-          </a:p>
-        </p:txBody>
-      </p:sp>
-    </p:spTree>
-    <p:extLst>
-      <p:ext uri="{BB962C8B-B14F-4D97-AF65-F5344CB8AC3E}">
-        <p14:creationId xmlns:p14="http://schemas.microsoft.com/office/powerpoint/2010/main" val="457975726"/>
       </p:ext>
     </p:extLst>
   </p:cSld>
@@ -1174,7 +1175,7 @@
     </p:spTree>
     <p:extLst>
       <p:ext uri="{BB962C8B-B14F-4D97-AF65-F5344CB8AC3E}">
-        <p14:creationId xmlns:p14="http://schemas.microsoft.com/office/powerpoint/2010/main" val="432002752"/>
+        <p14:creationId xmlns:p14="http://schemas.microsoft.com/office/powerpoint/2010/main" val="457975726"/>
       </p:ext>
     </p:extLst>
   </p:cSld>
@@ -1258,7 +1259,7 @@
     </p:spTree>
     <p:extLst>
       <p:ext uri="{BB962C8B-B14F-4D97-AF65-F5344CB8AC3E}">
-        <p14:creationId xmlns:p14="http://schemas.microsoft.com/office/powerpoint/2010/main" val="1454380535"/>
+        <p14:creationId xmlns:p14="http://schemas.microsoft.com/office/powerpoint/2010/main" val="432002752"/>
       </p:ext>
     </p:extLst>
   </p:cSld>
@@ -1334,6 +1335,90 @@
             <a:fld id="{323D9EF6-5B6D-4923-9412-628692DCC0E7}" type="slidenum">
               <a:rPr lang="en-US" smtClean="0"/>
               <a:t>24</a:t>
+            </a:fld>
+            <a:endParaRPr lang="en-US"/>
+          </a:p>
+        </p:txBody>
+      </p:sp>
+    </p:spTree>
+    <p:extLst>
+      <p:ext uri="{BB962C8B-B14F-4D97-AF65-F5344CB8AC3E}">
+        <p14:creationId xmlns:p14="http://schemas.microsoft.com/office/powerpoint/2010/main" val="1454380535"/>
+      </p:ext>
+    </p:extLst>
+  </p:cSld>
+  <p:clrMapOvr>
+    <a:masterClrMapping/>
+  </p:clrMapOvr>
+</p:notes>
+</file>
+
+<file path=ppt/notesSlides/notesSlide19.xml><?xml version="1.0" encoding="utf-8"?>
+<p:notes xmlns:a="http://schemas.openxmlformats.org/drawingml/2006/main" xmlns:r="http://schemas.openxmlformats.org/officeDocument/2006/relationships" xmlns:p="http://schemas.openxmlformats.org/presentationml/2006/main">
+  <p:cSld>
+    <p:spTree>
+      <p:nvGrpSpPr>
+        <p:cNvPr id="1" name=""/>
+        <p:cNvGrpSpPr/>
+        <p:nvPr/>
+      </p:nvGrpSpPr>
+      <p:grpSpPr>
+        <a:xfrm>
+          <a:off x="0" y="0"/>
+          <a:ext cx="0" cy="0"/>
+          <a:chOff x="0" y="0"/>
+          <a:chExt cx="0" cy="0"/>
+        </a:xfrm>
+      </p:grpSpPr>
+      <p:sp>
+        <p:nvSpPr>
+          <p:cNvPr id="2" name="Slide Image Placeholder 1"/>
+          <p:cNvSpPr>
+            <a:spLocks noGrp="1" noRot="1" noChangeAspect="1"/>
+          </p:cNvSpPr>
+          <p:nvPr>
+            <p:ph type="sldImg"/>
+          </p:nvPr>
+        </p:nvSpPr>
+        <p:spPr/>
+      </p:sp>
+      <p:sp>
+        <p:nvSpPr>
+          <p:cNvPr id="3" name="Notes Placeholder 2"/>
+          <p:cNvSpPr>
+            <a:spLocks noGrp="1"/>
+          </p:cNvSpPr>
+          <p:nvPr>
+            <p:ph type="body" idx="1"/>
+          </p:nvPr>
+        </p:nvSpPr>
+        <p:spPr/>
+        <p:txBody>
+          <a:bodyPr/>
+          <a:lstStyle/>
+          <a:p>
+            <a:endParaRPr lang="en-US" dirty="0"/>
+          </a:p>
+        </p:txBody>
+      </p:sp>
+      <p:sp>
+        <p:nvSpPr>
+          <p:cNvPr id="4" name="Slide Number Placeholder 3"/>
+          <p:cNvSpPr>
+            <a:spLocks noGrp="1"/>
+          </p:cNvSpPr>
+          <p:nvPr>
+            <p:ph type="sldNum" sz="quarter" idx="5"/>
+          </p:nvPr>
+        </p:nvSpPr>
+        <p:spPr/>
+        <p:txBody>
+          <a:bodyPr/>
+          <a:lstStyle/>
+          <a:p>
+            <a:fld id="{323D9EF6-5B6D-4923-9412-628692DCC0E7}" type="slidenum">
+              <a:rPr lang="en-US" smtClean="0"/>
+              <a:t>25</a:t>
             </a:fld>
             <a:endParaRPr lang="en-US"/>
           </a:p>
@@ -1534,7 +1619,7 @@
     </p:spTree>
     <p:extLst>
       <p:ext uri="{BB962C8B-B14F-4D97-AF65-F5344CB8AC3E}">
-        <p14:creationId xmlns:p14="http://schemas.microsoft.com/office/powerpoint/2010/main" val="120620059"/>
+        <p14:creationId xmlns:p14="http://schemas.microsoft.com/office/powerpoint/2010/main" val="1428420199"/>
       </p:ext>
     </p:extLst>
   </p:cSld>
@@ -1618,7 +1703,7 @@
     </p:spTree>
     <p:extLst>
       <p:ext uri="{BB962C8B-B14F-4D97-AF65-F5344CB8AC3E}">
-        <p14:creationId xmlns:p14="http://schemas.microsoft.com/office/powerpoint/2010/main" val="1428420199"/>
+        <p14:creationId xmlns:p14="http://schemas.microsoft.com/office/powerpoint/2010/main" val="120620059"/>
       </p:ext>
     </p:extLst>
   </p:cSld>
@@ -1633,7 +1718,13 @@
   <p:cSld>
     <p:spTree>
       <p:nvGrpSpPr>
-        <p:cNvPr id="1" name=""/>
+        <p:cNvPr id="1" name="">
+          <a:extLst>
+            <a:ext uri="{FF2B5EF4-FFF2-40B4-BE49-F238E27FC236}">
+              <a16:creationId xmlns:a16="http://schemas.microsoft.com/office/drawing/2014/main" id="{DBBA19B7-2DA9-5A56-FE7A-0FF2E59C0237}"/>
+            </a:ext>
+          </a:extLst>
+        </p:cNvPr>
         <p:cNvGrpSpPr/>
         <p:nvPr/>
       </p:nvGrpSpPr>
@@ -1647,7 +1738,13 @@
       </p:grpSpPr>
       <p:sp>
         <p:nvSpPr>
-          <p:cNvPr id="2" name="Slide Image Placeholder 1"/>
+          <p:cNvPr id="2" name="Slide Image Placeholder 1">
+            <a:extLst>
+              <a:ext uri="{FF2B5EF4-FFF2-40B4-BE49-F238E27FC236}">
+                <a16:creationId xmlns:a16="http://schemas.microsoft.com/office/drawing/2014/main" id="{037FFB6C-D2EC-0A91-887D-E8B60180B8D3}"/>
+              </a:ext>
+            </a:extLst>
+          </p:cNvPr>
           <p:cNvSpPr>
             <a:spLocks noGrp="1" noRot="1" noChangeAspect="1"/>
           </p:cNvSpPr>
@@ -1659,7 +1756,13 @@
       </p:sp>
       <p:sp>
         <p:nvSpPr>
-          <p:cNvPr id="3" name="Notes Placeholder 2"/>
+          <p:cNvPr id="3" name="Notes Placeholder 2">
+            <a:extLst>
+              <a:ext uri="{FF2B5EF4-FFF2-40B4-BE49-F238E27FC236}">
+                <a16:creationId xmlns:a16="http://schemas.microsoft.com/office/drawing/2014/main" id="{499D3FBA-753A-DA6B-AA82-B0487A44B4DA}"/>
+              </a:ext>
+            </a:extLst>
+          </p:cNvPr>
           <p:cNvSpPr>
             <a:spLocks noGrp="1"/>
           </p:cNvSpPr>
@@ -1678,7 +1781,13 @@
       </p:sp>
       <p:sp>
         <p:nvSpPr>
-          <p:cNvPr id="4" name="Slide Number Placeholder 3"/>
+          <p:cNvPr id="4" name="Slide Number Placeholder 3">
+            <a:extLst>
+              <a:ext uri="{FF2B5EF4-FFF2-40B4-BE49-F238E27FC236}">
+                <a16:creationId xmlns:a16="http://schemas.microsoft.com/office/drawing/2014/main" id="{2D8444D5-296D-1DD5-717A-3E9228332F14}"/>
+              </a:ext>
+            </a:extLst>
+          </p:cNvPr>
           <p:cNvSpPr>
             <a:spLocks noGrp="1"/>
           </p:cNvSpPr>
@@ -1702,7 +1811,7 @@
     </p:spTree>
     <p:extLst>
       <p:ext uri="{BB962C8B-B14F-4D97-AF65-F5344CB8AC3E}">
-        <p14:creationId xmlns:p14="http://schemas.microsoft.com/office/powerpoint/2010/main" val="1751330610"/>
+        <p14:creationId xmlns:p14="http://schemas.microsoft.com/office/powerpoint/2010/main" val="3238100866"/>
       </p:ext>
     </p:extLst>
   </p:cSld>
@@ -1786,7 +1895,7 @@
     </p:spTree>
     <p:extLst>
       <p:ext uri="{BB962C8B-B14F-4D97-AF65-F5344CB8AC3E}">
-        <p14:creationId xmlns:p14="http://schemas.microsoft.com/office/powerpoint/2010/main" val="3803655638"/>
+        <p14:creationId xmlns:p14="http://schemas.microsoft.com/office/powerpoint/2010/main" val="1751330610"/>
       </p:ext>
     </p:extLst>
   </p:cSld>
@@ -1870,7 +1979,7 @@
     </p:spTree>
     <p:extLst>
       <p:ext uri="{BB962C8B-B14F-4D97-AF65-F5344CB8AC3E}">
-        <p14:creationId xmlns:p14="http://schemas.microsoft.com/office/powerpoint/2010/main" val="3126848250"/>
+        <p14:creationId xmlns:p14="http://schemas.microsoft.com/office/powerpoint/2010/main" val="3803655638"/>
       </p:ext>
     </p:extLst>
   </p:cSld>
@@ -1954,7 +2063,7 @@
     </p:spTree>
     <p:extLst>
       <p:ext uri="{BB962C8B-B14F-4D97-AF65-F5344CB8AC3E}">
-        <p14:creationId xmlns:p14="http://schemas.microsoft.com/office/powerpoint/2010/main" val="1557830548"/>
+        <p14:creationId xmlns:p14="http://schemas.microsoft.com/office/powerpoint/2010/main" val="3126848250"/>
       </p:ext>
     </p:extLst>
   </p:cSld>
@@ -2038,7 +2147,7 @@
     </p:spTree>
     <p:extLst>
       <p:ext uri="{BB962C8B-B14F-4D97-AF65-F5344CB8AC3E}">
-        <p14:creationId xmlns:p14="http://schemas.microsoft.com/office/powerpoint/2010/main" val="270339087"/>
+        <p14:creationId xmlns:p14="http://schemas.microsoft.com/office/powerpoint/2010/main" val="1557830548"/>
       </p:ext>
     </p:extLst>
   </p:cSld>
@@ -2195,7 +2304,7 @@
           <a:p>
             <a:fld id="{3881C039-66A3-4640-815B-3B5A8B7D868D}" type="datetimeFigureOut">
               <a:rPr lang="en-US" smtClean="0"/>
-              <a:t>1/10/2025</a:t>
+              <a:t>8/19/2025</a:t>
             </a:fld>
             <a:endParaRPr lang="en-US"/>
           </a:p>
@@ -2393,7 +2502,7 @@
           <a:p>
             <a:fld id="{3881C039-66A3-4640-815B-3B5A8B7D868D}" type="datetimeFigureOut">
               <a:rPr lang="en-US" smtClean="0"/>
-              <a:t>1/10/2025</a:t>
+              <a:t>8/19/2025</a:t>
             </a:fld>
             <a:endParaRPr lang="en-US"/>
           </a:p>
@@ -2601,7 +2710,7 @@
           <a:p>
             <a:fld id="{3881C039-66A3-4640-815B-3B5A8B7D868D}" type="datetimeFigureOut">
               <a:rPr lang="en-US" smtClean="0"/>
-              <a:t>1/10/2025</a:t>
+              <a:t>8/19/2025</a:t>
             </a:fld>
             <a:endParaRPr lang="en-US"/>
           </a:p>
@@ -2799,7 +2908,7 @@
           <a:p>
             <a:fld id="{3881C039-66A3-4640-815B-3B5A8B7D868D}" type="datetimeFigureOut">
               <a:rPr lang="en-US" smtClean="0"/>
-              <a:t>1/10/2025</a:t>
+              <a:t>8/19/2025</a:t>
             </a:fld>
             <a:endParaRPr lang="en-US"/>
           </a:p>
@@ -3074,7 +3183,7 @@
           <a:p>
             <a:fld id="{3881C039-66A3-4640-815B-3B5A8B7D868D}" type="datetimeFigureOut">
               <a:rPr lang="en-US" smtClean="0"/>
-              <a:t>1/10/2025</a:t>
+              <a:t>8/19/2025</a:t>
             </a:fld>
             <a:endParaRPr lang="en-US"/>
           </a:p>
@@ -3339,7 +3448,7 @@
           <a:p>
             <a:fld id="{3881C039-66A3-4640-815B-3B5A8B7D868D}" type="datetimeFigureOut">
               <a:rPr lang="en-US" smtClean="0"/>
-              <a:t>1/10/2025</a:t>
+              <a:t>8/19/2025</a:t>
             </a:fld>
             <a:endParaRPr lang="en-US"/>
           </a:p>
@@ -3751,7 +3860,7 @@
           <a:p>
             <a:fld id="{3881C039-66A3-4640-815B-3B5A8B7D868D}" type="datetimeFigureOut">
               <a:rPr lang="en-US" smtClean="0"/>
-              <a:t>1/10/2025</a:t>
+              <a:t>8/19/2025</a:t>
             </a:fld>
             <a:endParaRPr lang="en-US"/>
           </a:p>
@@ -3892,7 +4001,7 @@
           <a:p>
             <a:fld id="{3881C039-66A3-4640-815B-3B5A8B7D868D}" type="datetimeFigureOut">
               <a:rPr lang="en-US" smtClean="0"/>
-              <a:t>1/10/2025</a:t>
+              <a:t>8/19/2025</a:t>
             </a:fld>
             <a:endParaRPr lang="en-US"/>
           </a:p>
@@ -4005,7 +4114,7 @@
           <a:p>
             <a:fld id="{3881C039-66A3-4640-815B-3B5A8B7D868D}" type="datetimeFigureOut">
               <a:rPr lang="en-US" smtClean="0"/>
-              <a:t>1/10/2025</a:t>
+              <a:t>8/19/2025</a:t>
             </a:fld>
             <a:endParaRPr lang="en-US"/>
           </a:p>
@@ -4316,7 +4425,7 @@
           <a:p>
             <a:fld id="{3881C039-66A3-4640-815B-3B5A8B7D868D}" type="datetimeFigureOut">
               <a:rPr lang="en-US" smtClean="0"/>
-              <a:t>1/10/2025</a:t>
+              <a:t>8/19/2025</a:t>
             </a:fld>
             <a:endParaRPr lang="en-US"/>
           </a:p>
@@ -4604,7 +4713,7 @@
           <a:p>
             <a:fld id="{3881C039-66A3-4640-815B-3B5A8B7D868D}" type="datetimeFigureOut">
               <a:rPr lang="en-US" smtClean="0"/>
-              <a:t>1/10/2025</a:t>
+              <a:t>8/19/2025</a:t>
             </a:fld>
             <a:endParaRPr lang="en-US"/>
           </a:p>
@@ -4848,7 +4957,7 @@
           <a:p>
             <a:fld id="{3881C039-66A3-4640-815B-3B5A8B7D868D}" type="datetimeFigureOut">
               <a:rPr lang="en-US" smtClean="0"/>
-              <a:t>1/10/2025</a:t>
+              <a:t>8/19/2025</a:t>
             </a:fld>
             <a:endParaRPr lang="en-US"/>
           </a:p>
@@ -5612,13 +5721,13 @@
         </p:nvSpPr>
         <p:spPr>
           <a:xfrm>
-            <a:off x="838199" y="2021249"/>
-            <a:ext cx="6833347" cy="1132085"/>
+            <a:off x="637478" y="2038469"/>
+            <a:ext cx="7168376" cy="1125362"/>
           </a:xfrm>
         </p:spPr>
         <p:txBody>
           <a:bodyPr>
-            <a:normAutofit fontScale="92500"/>
+            <a:normAutofit/>
           </a:bodyPr>
           <a:lstStyle/>
           <a:p>
@@ -5626,14 +5735,8 @@
               <a:rPr lang="en-US" sz="2400" dirty="0">
                 <a:latin typeface="Selawik Semibold" panose="020B0702040204020203" pitchFamily="34" charset="0"/>
               </a:rPr>
-              <a:t>Most Popular World Sports (sportsmonkie.com)</a:t>
-            </a:r>
-          </a:p>
-          <a:p>
-            <a:pPr lvl="1"/>
-            <a:endParaRPr lang="en-US" sz="2000" dirty="0">
-              <a:latin typeface="Selawik Semibold" panose="020B0702040204020203" pitchFamily="34" charset="0"/>
-            </a:endParaRPr>
+              <a:t>Most Popular World Sports (worldatlas.com)</a:t>
+            </a:r>
           </a:p>
           <a:p>
             <a:pPr lvl="1"/>
@@ -5641,7 +5744,7 @@
               <a:rPr lang="en-US" sz="2000" dirty="0">
                 <a:latin typeface="Selawik Semibold" panose="020B0702040204020203" pitchFamily="34" charset="0"/>
               </a:rPr>
-              <a:t>Listed from Most to Least Popular</a:t>
+              <a:t>Based on Number of Fans</a:t>
             </a:r>
           </a:p>
         </p:txBody>
@@ -5986,160 +6089,46 @@
           </a:p>
         </p:txBody>
       </p:sp>
-      <p:sp>
-        <p:nvSpPr>
-          <p:cNvPr id="3" name="TextBox 2">
-            <a:extLst>
-              <a:ext uri="{FF2B5EF4-FFF2-40B4-BE49-F238E27FC236}">
-                <a16:creationId xmlns:a16="http://schemas.microsoft.com/office/drawing/2014/main" id="{4D2D036B-AB3A-4C0B-ADAC-DCBDAFCE8A9B}"/>
-              </a:ext>
-            </a:extLst>
-          </p:cNvPr>
-          <p:cNvSpPr txBox="1"/>
+      <p:pic>
+        <p:nvPicPr>
+          <p:cNvPr id="10" name="Picture 9" descr="A screenshot of a sports list&#10;&#10;AI-generated content may be incorrect.">
+            <a:extLst>
+              <a:ext uri="{FF2B5EF4-FFF2-40B4-BE49-F238E27FC236}">
+                <a16:creationId xmlns:a16="http://schemas.microsoft.com/office/drawing/2014/main" id="{6B320F58-50B5-2DA3-4CFB-1B4F5A1988DE}"/>
+              </a:ext>
+            </a:extLst>
+          </p:cNvPr>
+          <p:cNvPicPr>
+            <a:picLocks noChangeAspect="1"/>
+          </p:cNvPicPr>
           <p:nvPr/>
-        </p:nvSpPr>
-        <p:spPr>
-          <a:xfrm>
-            <a:off x="1210993" y="3080230"/>
-            <a:ext cx="3964639" cy="2862322"/>
+        </p:nvPicPr>
+        <p:blipFill>
+          <a:blip r:embed="rId5">
+            <a:extLst>
+              <a:ext uri="{28A0092B-C50C-407E-A947-70E740481C1C}">
+                <a14:useLocalDpi xmlns:a14="http://schemas.microsoft.com/office/drawing/2010/main" val="0"/>
+              </a:ext>
+            </a:extLst>
+          </a:blip>
+          <a:stretch>
+            <a:fillRect/>
+          </a:stretch>
+        </p:blipFill>
+        <p:spPr>
+          <a:xfrm>
+            <a:off x="1437972" y="2934481"/>
+            <a:ext cx="5051648" cy="3558394"/>
           </a:xfrm>
           <a:prstGeom prst="rect">
             <a:avLst/>
           </a:prstGeom>
-          <a:noFill/>
-        </p:spPr>
-        <p:txBody>
-          <a:bodyPr wrap="square" rtlCol="0">
-            <a:spAutoFit/>
-          </a:bodyPr>
-          <a:lstStyle/>
-          <a:p>
-            <a:pPr marL="742950" lvl="1" indent="-285750">
-              <a:buFont typeface="Arial" panose="020B0604020202020204" pitchFamily="34" charset="0"/>
-              <a:buChar char="•"/>
-            </a:pPr>
-            <a:r>
-              <a:rPr lang="en-US" dirty="0">
-                <a:latin typeface="Selawik Semibold" panose="020B0702040204020203" pitchFamily="34" charset="0"/>
-              </a:rPr>
-              <a:t>Soccer</a:t>
-            </a:r>
-          </a:p>
-          <a:p>
-            <a:pPr marL="742950" lvl="1" indent="-285750">
-              <a:buFont typeface="Arial" panose="020B0604020202020204" pitchFamily="34" charset="0"/>
-              <a:buChar char="•"/>
-            </a:pPr>
-            <a:r>
-              <a:rPr lang="en-US" dirty="0">
-                <a:latin typeface="Selawik Semibold" panose="020B0702040204020203" pitchFamily="34" charset="0"/>
-              </a:rPr>
-              <a:t>Cricket</a:t>
-            </a:r>
-          </a:p>
-          <a:p>
-            <a:pPr marL="742950" lvl="1" indent="-285750">
-              <a:buFont typeface="Arial" panose="020B0604020202020204" pitchFamily="34" charset="0"/>
-              <a:buChar char="•"/>
-            </a:pPr>
-            <a:r>
-              <a:rPr lang="en-US" dirty="0">
-                <a:latin typeface="Selawik Semibold" panose="020B0702040204020203" pitchFamily="34" charset="0"/>
-              </a:rPr>
-              <a:t>Basketball</a:t>
-            </a:r>
-          </a:p>
-          <a:p>
-            <a:pPr marL="742950" lvl="1" indent="-285750">
-              <a:buFont typeface="Arial" panose="020B0604020202020204" pitchFamily="34" charset="0"/>
-              <a:buChar char="•"/>
-            </a:pPr>
-            <a:r>
-              <a:rPr lang="en-US" dirty="0">
-                <a:latin typeface="Selawik Semibold" panose="020B0702040204020203" pitchFamily="34" charset="0"/>
-              </a:rPr>
-              <a:t>Field/Ice Hockey</a:t>
-            </a:r>
-          </a:p>
-          <a:p>
-            <a:pPr marL="742950" lvl="1" indent="-285750">
-              <a:buFont typeface="Arial" panose="020B0604020202020204" pitchFamily="34" charset="0"/>
-              <a:buChar char="•"/>
-            </a:pPr>
-            <a:r>
-              <a:rPr lang="en-US" dirty="0">
-                <a:latin typeface="Selawik Semibold" panose="020B0702040204020203" pitchFamily="34" charset="0"/>
-              </a:rPr>
-              <a:t>Tennis</a:t>
-            </a:r>
-          </a:p>
-          <a:p>
-            <a:pPr marL="742950" lvl="1" indent="-285750">
-              <a:buFont typeface="Arial" panose="020B0604020202020204" pitchFamily="34" charset="0"/>
-              <a:buChar char="•"/>
-            </a:pPr>
-            <a:r>
-              <a:rPr lang="en-US" dirty="0">
-                <a:latin typeface="Selawik Semibold" panose="020B0702040204020203" pitchFamily="34" charset="0"/>
-              </a:rPr>
-              <a:t>Volleyball</a:t>
-            </a:r>
-          </a:p>
-          <a:p>
-            <a:pPr marL="742950" lvl="1" indent="-285750">
-              <a:buFont typeface="Arial" panose="020B0604020202020204" pitchFamily="34" charset="0"/>
-              <a:buChar char="•"/>
-            </a:pPr>
-            <a:r>
-              <a:rPr lang="en-US" dirty="0">
-                <a:latin typeface="Selawik Semibold" panose="020B0702040204020203" pitchFamily="34" charset="0"/>
-              </a:rPr>
-              <a:t>Table Tennis</a:t>
-            </a:r>
-          </a:p>
-          <a:p>
-            <a:pPr marL="742950" lvl="1" indent="-285750">
-              <a:buFont typeface="Arial" panose="020B0604020202020204" pitchFamily="34" charset="0"/>
-              <a:buChar char="•"/>
-            </a:pPr>
-            <a:r>
-              <a:rPr lang="en-US" dirty="0">
-                <a:latin typeface="Selawik Semibold" panose="020B0702040204020203" pitchFamily="34" charset="0"/>
-              </a:rPr>
-              <a:t>Baseball</a:t>
-            </a:r>
-          </a:p>
-          <a:p>
-            <a:pPr marL="742950" lvl="1" indent="-285750">
-              <a:buFont typeface="Arial" panose="020B0604020202020204" pitchFamily="34" charset="0"/>
-              <a:buChar char="•"/>
-            </a:pPr>
-            <a:r>
-              <a:rPr lang="en-US" dirty="0">
-                <a:latin typeface="Selawik Semibold" panose="020B0702040204020203" pitchFamily="34" charset="0"/>
-              </a:rPr>
-              <a:t>American Football/Rugby</a:t>
-            </a:r>
-          </a:p>
-          <a:p>
-            <a:pPr marL="742950" lvl="1" indent="-285750">
-              <a:buFont typeface="Arial" panose="020B0604020202020204" pitchFamily="34" charset="0"/>
-              <a:buChar char="•"/>
-            </a:pPr>
-            <a:r>
-              <a:rPr lang="en-US" dirty="0">
-                <a:latin typeface="Selawik Semibold" panose="020B0702040204020203" pitchFamily="34" charset="0"/>
-              </a:rPr>
-              <a:t>Golf</a:t>
-            </a:r>
-            <a:endParaRPr lang="en-US" dirty="0"/>
-          </a:p>
-        </p:txBody>
-      </p:sp>
+        </p:spPr>
+      </p:pic>
     </p:spTree>
     <p:extLst>
       <p:ext uri="{BB962C8B-B14F-4D97-AF65-F5344CB8AC3E}">
-        <p14:creationId xmlns:p14="http://schemas.microsoft.com/office/powerpoint/2010/main" val="1787284565"/>
+        <p14:creationId xmlns:p14="http://schemas.microsoft.com/office/powerpoint/2010/main" val="3372904333"/>
       </p:ext>
     </p:extLst>
   </p:cSld>
@@ -6162,7 +6151,13 @@
     </p:bg>
     <p:spTree>
       <p:nvGrpSpPr>
-        <p:cNvPr id="1" name=""/>
+        <p:cNvPr id="1" name="">
+          <a:extLst>
+            <a:ext uri="{FF2B5EF4-FFF2-40B4-BE49-F238E27FC236}">
+              <a16:creationId xmlns:a16="http://schemas.microsoft.com/office/drawing/2014/main" id="{F671032F-D93B-7A36-1EB3-964E3093C736}"/>
+            </a:ext>
+          </a:extLst>
+        </p:cNvPr>
         <p:cNvGrpSpPr/>
         <p:nvPr/>
       </p:nvGrpSpPr>
@@ -6179,7 +6174,7 @@
           <p:cNvPr id="25" name="Rectangle 24">
             <a:extLst>
               <a:ext uri="{FF2B5EF4-FFF2-40B4-BE49-F238E27FC236}">
-                <a16:creationId xmlns:a16="http://schemas.microsoft.com/office/drawing/2014/main" id="{A6792F05-2FD4-4F18-815E-15391E8B4A0E}"/>
+                <a16:creationId xmlns:a16="http://schemas.microsoft.com/office/drawing/2014/main" id="{71C193F9-7F4D-68E5-3701-4D74A2CDC9E9}"/>
               </a:ext>
               <a:ext uri="{C183D7F6-B498-43B3-948B-1728B52AA6E4}">
                 <adec:decorative xmlns:adec="http://schemas.microsoft.com/office/drawing/2017/decorative" val="1"/>
@@ -6242,7 +6237,7 @@
           <p:cNvPr id="2" name="Title 1">
             <a:extLst>
               <a:ext uri="{FF2B5EF4-FFF2-40B4-BE49-F238E27FC236}">
-                <a16:creationId xmlns:a16="http://schemas.microsoft.com/office/drawing/2014/main" id="{2589AFCC-0FF0-498C-B11F-8990DF0DAAA5}"/>
+                <a16:creationId xmlns:a16="http://schemas.microsoft.com/office/drawing/2014/main" id="{8A179F39-E305-A28A-E30B-770E59EDAF03}"/>
               </a:ext>
             </a:extLst>
           </p:cNvPr>
@@ -6279,7 +6274,7 @@
           <p:cNvPr id="9" name="Content Placeholder 8">
             <a:extLst>
               <a:ext uri="{FF2B5EF4-FFF2-40B4-BE49-F238E27FC236}">
-                <a16:creationId xmlns:a16="http://schemas.microsoft.com/office/drawing/2014/main" id="{2D995594-59F2-4020-AB6F-751BAE84ADB3}"/>
+                <a16:creationId xmlns:a16="http://schemas.microsoft.com/office/drawing/2014/main" id="{A06EAF48-F559-1238-CE10-41D58FF2FA19}"/>
               </a:ext>
             </a:extLst>
           </p:cNvPr>
@@ -6292,8 +6287,8 @@
         </p:nvSpPr>
         <p:spPr>
           <a:xfrm>
-            <a:off x="838200" y="2021249"/>
-            <a:ext cx="7267832" cy="4527469"/>
+            <a:off x="637478" y="2038469"/>
+            <a:ext cx="7168376" cy="4583260"/>
           </a:xfrm>
         </p:spPr>
         <p:txBody>
@@ -6306,16 +6301,8 @@
               <a:rPr lang="en-US" sz="2400" dirty="0">
                 <a:latin typeface="Selawik Semibold" panose="020B0702040204020203" pitchFamily="34" charset="0"/>
               </a:rPr>
-              <a:t>Most Popular US Sports (Gallup.com)</a:t>
-            </a:r>
-          </a:p>
-          <a:p>
-            <a:pPr marL="457200" lvl="1" indent="0">
-              <a:buNone/>
-            </a:pPr>
-            <a:endParaRPr lang="en-US" sz="1600" dirty="0">
-              <a:latin typeface="Selawik Semibold" panose="020B0702040204020203" pitchFamily="34" charset="0"/>
-            </a:endParaRPr>
+              <a:t>Most Popular World Sports (biggestglobalsports.com)</a:t>
+            </a:r>
           </a:p>
           <a:p>
             <a:pPr lvl="1"/>
@@ -6323,7 +6310,52 @@
               <a:rPr lang="en-US" sz="2000" dirty="0">
                 <a:latin typeface="Selawik Semibold" panose="020B0702040204020203" pitchFamily="34" charset="0"/>
               </a:rPr>
-              <a:t>41% of US Adults Say Football is “Favorite”</a:t>
+              <a:t>Ranking of Top 5</a:t>
+            </a:r>
+          </a:p>
+          <a:p>
+            <a:pPr lvl="2"/>
+            <a:r>
+              <a:rPr lang="en-US" sz="1600" dirty="0">
+                <a:latin typeface="Selawik Semibold" panose="020B0702040204020203" pitchFamily="34" charset="0"/>
+              </a:rPr>
+              <a:t>Football</a:t>
+            </a:r>
+          </a:p>
+          <a:p>
+            <a:pPr lvl="2"/>
+            <a:r>
+              <a:rPr lang="en-US" sz="1600" dirty="0">
+                <a:latin typeface="Selawik Semibold" panose="020B0702040204020203" pitchFamily="34" charset="0"/>
+              </a:rPr>
+              <a:t>Basketball</a:t>
+            </a:r>
+          </a:p>
+          <a:p>
+            <a:pPr lvl="2"/>
+            <a:r>
+              <a:rPr lang="en-US" sz="1600" dirty="0">
+                <a:latin typeface="Selawik Semibold" panose="020B0702040204020203" pitchFamily="34" charset="0"/>
+              </a:rPr>
+              <a:t>Tennis</a:t>
+            </a:r>
+          </a:p>
+          <a:p>
+            <a:pPr lvl="2"/>
+            <a:r>
+              <a:rPr lang="en-US" sz="1600" dirty="0">
+                <a:latin typeface="Selawik Semibold" panose="020B0702040204020203" pitchFamily="34" charset="0"/>
+              </a:rPr>
+              <a:t>Cricket</a:t>
+            </a:r>
+          </a:p>
+          <a:p>
+            <a:pPr lvl="2"/>
+            <a:r>
+              <a:rPr lang="en-US" sz="1600" dirty="0">
+                <a:latin typeface="Selawik Semibold" panose="020B0702040204020203" pitchFamily="34" charset="0"/>
+              </a:rPr>
+              <a:t>Baseball</a:t>
             </a:r>
           </a:p>
           <a:p>
@@ -6332,7 +6364,7 @@
               <a:rPr lang="en-US" sz="2000" dirty="0">
                 <a:latin typeface="Selawik Semibold" panose="020B0702040204020203" pitchFamily="34" charset="0"/>
               </a:rPr>
-              <a:t>Football has been “Favorite” Since 1972</a:t>
+              <a:t>Gives Rationale for Metric But No Formula</a:t>
             </a:r>
           </a:p>
           <a:p>
@@ -6341,44 +6373,14 @@
               <a:rPr lang="en-US" sz="2000" dirty="0">
                 <a:latin typeface="Selawik Semibold" panose="020B0702040204020203" pitchFamily="34" charset="0"/>
               </a:rPr>
-              <a:t>Not True with Young Adults (Basketball)</a:t>
+              <a:t>Discusses Data Without Providing the Data or Preview of Data</a:t>
             </a:r>
           </a:p>
           <a:p>
             <a:pPr lvl="1"/>
-            <a:r>
-              <a:rPr lang="en-US" sz="2000" dirty="0">
-                <a:latin typeface="Selawik Semibold" panose="020B0702040204020203" pitchFamily="34" charset="0"/>
-              </a:rPr>
-              <a:t>Soccer is Interesting</a:t>
-            </a:r>
-          </a:p>
-          <a:p>
-            <a:pPr lvl="2"/>
-            <a:r>
-              <a:rPr lang="en-US" sz="1600" dirty="0">
-                <a:latin typeface="Selawik Semibold" panose="020B0702040204020203" pitchFamily="34" charset="0"/>
-              </a:rPr>
-              <a:t>&lt;2% Prior to 2004</a:t>
-            </a:r>
-          </a:p>
-          <a:p>
-            <a:pPr lvl="2"/>
-            <a:r>
-              <a:rPr lang="en-US" sz="1600" dirty="0">
-                <a:latin typeface="Selawik Semibold" panose="020B0702040204020203" pitchFamily="34" charset="0"/>
-              </a:rPr>
-              <a:t>Consistently Above 2% Since 2008 (High of 7%)</a:t>
-            </a:r>
-          </a:p>
-          <a:p>
-            <a:pPr lvl="1"/>
-            <a:r>
-              <a:rPr lang="en-US" sz="2000" dirty="0">
-                <a:latin typeface="Selawik Semibold" panose="020B0702040204020203" pitchFamily="34" charset="0"/>
-              </a:rPr>
-              <a:t>Updated to 2024</a:t>
-            </a:r>
+            <a:endParaRPr lang="en-US" sz="2000" dirty="0">
+              <a:latin typeface="Selawik Semibold" panose="020B0702040204020203" pitchFamily="34" charset="0"/>
+            </a:endParaRPr>
           </a:p>
         </p:txBody>
       </p:sp>
@@ -6387,7 +6389,7 @@
           <p:cNvPr id="4" name="Picture 3" descr="A drawing of a cartoon character&#10;&#10;Description automatically generated">
             <a:extLst>
               <a:ext uri="{FF2B5EF4-FFF2-40B4-BE49-F238E27FC236}">
-                <a16:creationId xmlns:a16="http://schemas.microsoft.com/office/drawing/2014/main" id="{A7FDC859-D890-4904-9C64-27F43DA90453}"/>
+                <a16:creationId xmlns:a16="http://schemas.microsoft.com/office/drawing/2014/main" id="{4964E1EA-1153-C794-AF71-FD0A0D3D6591}"/>
               </a:ext>
             </a:extLst>
           </p:cNvPr>
@@ -6465,7 +6467,7 @@
           <p:cNvPr id="5" name="Content Placeholder 4" descr="A picture containing indoor&#10;&#10;Description automatically generated">
             <a:extLst>
               <a:ext uri="{FF2B5EF4-FFF2-40B4-BE49-F238E27FC236}">
-                <a16:creationId xmlns:a16="http://schemas.microsoft.com/office/drawing/2014/main" id="{A58F0E55-21F3-485B-A07F-1CE74177BDD2}"/>
+                <a16:creationId xmlns:a16="http://schemas.microsoft.com/office/drawing/2014/main" id="{0EDCFD45-549E-1191-4ADA-9FFC41A7C724}"/>
               </a:ext>
             </a:extLst>
           </p:cNvPr>
@@ -6559,7 +6561,7 @@
           <p:cNvPr id="6" name="Rectangle 5">
             <a:extLst>
               <a:ext uri="{FF2B5EF4-FFF2-40B4-BE49-F238E27FC236}">
-                <a16:creationId xmlns:a16="http://schemas.microsoft.com/office/drawing/2014/main" id="{A2901312-C3C2-4CEC-80EF-823AB4FBB726}"/>
+                <a16:creationId xmlns:a16="http://schemas.microsoft.com/office/drawing/2014/main" id="{A483D322-0B6C-3053-A12F-4FD038C434B7}"/>
               </a:ext>
             </a:extLst>
           </p:cNvPr>
@@ -6615,7 +6617,7 @@
           <p:cNvPr id="15" name="Rectangle 14">
             <a:extLst>
               <a:ext uri="{FF2B5EF4-FFF2-40B4-BE49-F238E27FC236}">
-                <a16:creationId xmlns:a16="http://schemas.microsoft.com/office/drawing/2014/main" id="{AD0A7C9C-CA2C-4B9B-A125-2D09D5573B44}"/>
+                <a16:creationId xmlns:a16="http://schemas.microsoft.com/office/drawing/2014/main" id="{B71B7CFE-7136-6786-DB9D-3DDEA7972C3F}"/>
               </a:ext>
             </a:extLst>
           </p:cNvPr>
@@ -6671,7 +6673,7 @@
           <p:cNvPr id="16" name="Rectangle 15">
             <a:extLst>
               <a:ext uri="{FF2B5EF4-FFF2-40B4-BE49-F238E27FC236}">
-                <a16:creationId xmlns:a16="http://schemas.microsoft.com/office/drawing/2014/main" id="{74A085FC-1866-46D4-97F7-51AA45E48D4F}"/>
+                <a16:creationId xmlns:a16="http://schemas.microsoft.com/office/drawing/2014/main" id="{15F2EB8D-9B9E-C0C3-1240-12B42A25C811}"/>
               </a:ext>
             </a:extLst>
           </p:cNvPr>
@@ -6722,45 +6724,10 @@
           </a:p>
         </p:txBody>
       </p:sp>
-      <p:pic>
-        <p:nvPicPr>
-          <p:cNvPr id="7" name="Picture 6" descr="A graph of a sports game&#10;&#10;Description automatically generated with medium confidence">
-            <a:extLst>
-              <a:ext uri="{FF2B5EF4-FFF2-40B4-BE49-F238E27FC236}">
-                <a16:creationId xmlns:a16="http://schemas.microsoft.com/office/drawing/2014/main" id="{F2DEBC7F-F0CF-0154-04EC-9F63294FFEFF}"/>
-              </a:ext>
-            </a:extLst>
-          </p:cNvPr>
-          <p:cNvPicPr>
-            <a:picLocks noChangeAspect="1"/>
-          </p:cNvPicPr>
-          <p:nvPr/>
-        </p:nvPicPr>
-        <p:blipFill>
-          <a:blip r:embed="rId5">
-            <a:extLst>
-              <a:ext uri="{28A0092B-C50C-407E-A947-70E740481C1C}">
-                <a14:useLocalDpi xmlns:a14="http://schemas.microsoft.com/office/drawing/2010/main" val="0"/>
-              </a:ext>
-            </a:extLst>
-          </a:blip>
-          <a:srcRect t="12660" b="9313"/>
-          <a:stretch/>
-        </p:blipFill>
-        <p:spPr>
-          <a:xfrm>
-            <a:off x="7466250" y="3628266"/>
-            <a:ext cx="4725750" cy="3088888"/>
-          </a:xfrm>
-          <a:prstGeom prst="rect">
-            <a:avLst/>
-          </a:prstGeom>
-        </p:spPr>
-      </p:pic>
     </p:spTree>
     <p:extLst>
       <p:ext uri="{BB962C8B-B14F-4D97-AF65-F5344CB8AC3E}">
-        <p14:creationId xmlns:p14="http://schemas.microsoft.com/office/powerpoint/2010/main" val="540105019"/>
+        <p14:creationId xmlns:p14="http://schemas.microsoft.com/office/powerpoint/2010/main" val="3179243653"/>
       </p:ext>
     </p:extLst>
   </p:cSld>
@@ -6927,7 +6894,78 @@
               <a:rPr lang="en-US" sz="2400" dirty="0">
                 <a:latin typeface="Selawik Semibold" panose="020B0702040204020203" pitchFamily="34" charset="0"/>
               </a:rPr>
-              <a:t>Infographic About US Sports (Statista.com)</a:t>
+              <a:t>Most Popular US Sports (Gallup.com)</a:t>
+            </a:r>
+          </a:p>
+          <a:p>
+            <a:pPr marL="457200" lvl="1" indent="0">
+              <a:buNone/>
+            </a:pPr>
+            <a:endParaRPr lang="en-US" sz="1600" dirty="0">
+              <a:latin typeface="Selawik Semibold" panose="020B0702040204020203" pitchFamily="34" charset="0"/>
+            </a:endParaRPr>
+          </a:p>
+          <a:p>
+            <a:pPr lvl="1"/>
+            <a:r>
+              <a:rPr lang="en-US" sz="2000" dirty="0">
+                <a:latin typeface="Selawik Semibold" panose="020B0702040204020203" pitchFamily="34" charset="0"/>
+              </a:rPr>
+              <a:t>41% of US Adults Say Football is “Favorite”</a:t>
+            </a:r>
+          </a:p>
+          <a:p>
+            <a:pPr lvl="1"/>
+            <a:r>
+              <a:rPr lang="en-US" sz="2000" dirty="0">
+                <a:latin typeface="Selawik Semibold" panose="020B0702040204020203" pitchFamily="34" charset="0"/>
+              </a:rPr>
+              <a:t>Football has been “Favorite” Since 1972</a:t>
+            </a:r>
+          </a:p>
+          <a:p>
+            <a:pPr lvl="1"/>
+            <a:r>
+              <a:rPr lang="en-US" sz="2000" dirty="0">
+                <a:latin typeface="Selawik Semibold" panose="020B0702040204020203" pitchFamily="34" charset="0"/>
+              </a:rPr>
+              <a:t>Not True with Young Adults (Basketball)</a:t>
+            </a:r>
+          </a:p>
+          <a:p>
+            <a:pPr lvl="1"/>
+            <a:r>
+              <a:rPr lang="en-US" sz="2000" dirty="0">
+                <a:latin typeface="Selawik Semibold" panose="020B0702040204020203" pitchFamily="34" charset="0"/>
+              </a:rPr>
+              <a:t>Soccer is Interesting</a:t>
+            </a:r>
+          </a:p>
+          <a:p>
+            <a:pPr lvl="2"/>
+            <a:r>
+              <a:rPr lang="en-US" sz="1600" dirty="0">
+                <a:latin typeface="Selawik Semibold" panose="020B0702040204020203" pitchFamily="34" charset="0"/>
+              </a:rPr>
+              <a:t>&lt;2% Prior to 2004</a:t>
+            </a:r>
+          </a:p>
+          <a:p>
+            <a:pPr lvl="2"/>
+            <a:r>
+              <a:rPr lang="en-US" sz="1600" dirty="0">
+                <a:latin typeface="Selawik Semibold" panose="020B0702040204020203" pitchFamily="34" charset="0"/>
+              </a:rPr>
+              <a:t>Consistently Above 2% Since 2008 (High of 7%)</a:t>
+            </a:r>
+          </a:p>
+          <a:p>
+            <a:pPr lvl="1"/>
+            <a:r>
+              <a:rPr lang="en-US" sz="2000" dirty="0">
+                <a:latin typeface="Selawik Semibold" panose="020B0702040204020203" pitchFamily="34" charset="0"/>
+              </a:rPr>
+              <a:t>Updated to 2024</a:t>
             </a:r>
           </a:p>
         </p:txBody>
@@ -7274,10 +7312,10 @@
       </p:sp>
       <p:pic>
         <p:nvPicPr>
-          <p:cNvPr id="7" name="Picture 6">
-            <a:extLst>
-              <a:ext uri="{FF2B5EF4-FFF2-40B4-BE49-F238E27FC236}">
-                <a16:creationId xmlns:a16="http://schemas.microsoft.com/office/drawing/2014/main" id="{8B20B5FC-5E6F-0792-CFD6-8F2ED59738FD}"/>
+          <p:cNvPr id="7" name="Picture 6" descr="A graph of a sports game&#10;&#10;Description automatically generated with medium confidence">
+            <a:extLst>
+              <a:ext uri="{FF2B5EF4-FFF2-40B4-BE49-F238E27FC236}">
+                <a16:creationId xmlns:a16="http://schemas.microsoft.com/office/drawing/2014/main" id="{F2DEBC7F-F0CF-0154-04EC-9F63294FFEFF}"/>
               </a:ext>
             </a:extLst>
           </p:cNvPr>
@@ -7287,15 +7325,20 @@
           <p:nvPr/>
         </p:nvPicPr>
         <p:blipFill>
-          <a:blip r:embed="rId5"/>
-          <a:stretch>
-            <a:fillRect/>
-          </a:stretch>
+          <a:blip r:embed="rId5">
+            <a:extLst>
+              <a:ext uri="{28A0092B-C50C-407E-A947-70E740481C1C}">
+                <a14:useLocalDpi xmlns:a14="http://schemas.microsoft.com/office/drawing/2010/main" val="0"/>
+              </a:ext>
+            </a:extLst>
+          </a:blip>
+          <a:srcRect t="12660" b="9313"/>
+          <a:stretch/>
         </p:blipFill>
         <p:spPr>
           <a:xfrm>
-            <a:off x="1144950" y="2473807"/>
-            <a:ext cx="4652345" cy="4243347"/>
+            <a:off x="7466250" y="3628266"/>
+            <a:ext cx="4725750" cy="3088888"/>
           </a:xfrm>
           <a:prstGeom prst="rect">
             <a:avLst/>
@@ -7305,7 +7348,7 @@
     </p:spTree>
     <p:extLst>
       <p:ext uri="{BB962C8B-B14F-4D97-AF65-F5344CB8AC3E}">
-        <p14:creationId xmlns:p14="http://schemas.microsoft.com/office/powerpoint/2010/main" val="4031959493"/>
+        <p14:creationId xmlns:p14="http://schemas.microsoft.com/office/powerpoint/2010/main" val="540105019"/>
       </p:ext>
     </p:extLst>
   </p:cSld>
@@ -7458,8 +7501,8 @@
         </p:nvSpPr>
         <p:spPr>
           <a:xfrm>
-            <a:off x="838199" y="2021250"/>
-            <a:ext cx="6632943" cy="486626"/>
+            <a:off x="838200" y="2021249"/>
+            <a:ext cx="7267832" cy="4527469"/>
           </a:xfrm>
         </p:spPr>
         <p:txBody>
@@ -7472,14 +7515,8 @@
               <a:rPr lang="en-US" sz="2400" dirty="0">
                 <a:latin typeface="Selawik Semibold" panose="020B0702040204020203" pitchFamily="34" charset="0"/>
               </a:rPr>
-              <a:t>Revenue in Sports Leagues (Forbes 2022)</a:t>
-            </a:r>
-          </a:p>
-          <a:p>
-            <a:pPr lvl="1"/>
-            <a:endParaRPr lang="en-US" sz="2000" dirty="0">
-              <a:latin typeface="Selawik Semibold" panose="020B0702040204020203" pitchFamily="34" charset="0"/>
-            </a:endParaRPr>
+              <a:t>Infographic About US Sports (Statista.com)</a:t>
+            </a:r>
           </a:p>
         </p:txBody>
       </p:sp>
@@ -7825,10 +7862,10 @@
       </p:sp>
       <p:pic>
         <p:nvPicPr>
-          <p:cNvPr id="7" name="Picture 6" descr="Chart, bar chart&#10;&#10;Description automatically generated">
-            <a:extLst>
-              <a:ext uri="{FF2B5EF4-FFF2-40B4-BE49-F238E27FC236}">
-                <a16:creationId xmlns:a16="http://schemas.microsoft.com/office/drawing/2014/main" id="{00CA4986-23D4-59DC-3076-556D48B155D4}"/>
+          <p:cNvPr id="7" name="Picture 6">
+            <a:extLst>
+              <a:ext uri="{FF2B5EF4-FFF2-40B4-BE49-F238E27FC236}">
+                <a16:creationId xmlns:a16="http://schemas.microsoft.com/office/drawing/2014/main" id="{8B20B5FC-5E6F-0792-CFD6-8F2ED59738FD}"/>
               </a:ext>
             </a:extLst>
           </p:cNvPr>
@@ -7838,21 +7875,15 @@
           <p:nvPr/>
         </p:nvPicPr>
         <p:blipFill>
-          <a:blip r:embed="rId5">
-            <a:extLst>
-              <a:ext uri="{28A0092B-C50C-407E-A947-70E740481C1C}">
-                <a14:useLocalDpi xmlns:a14="http://schemas.microsoft.com/office/drawing/2010/main" val="0"/>
-              </a:ext>
-            </a:extLst>
-          </a:blip>
+          <a:blip r:embed="rId5"/>
           <a:stretch>
             <a:fillRect/>
           </a:stretch>
         </p:blipFill>
         <p:spPr>
           <a:xfrm>
-            <a:off x="1146901" y="2507876"/>
-            <a:ext cx="4527334" cy="4071344"/>
+            <a:off x="1144950" y="2473807"/>
+            <a:ext cx="4652345" cy="4243347"/>
           </a:xfrm>
           <a:prstGeom prst="rect">
             <a:avLst/>
@@ -7862,7 +7893,7 @@
     </p:spTree>
     <p:extLst>
       <p:ext uri="{BB962C8B-B14F-4D97-AF65-F5344CB8AC3E}">
-        <p14:creationId xmlns:p14="http://schemas.microsoft.com/office/powerpoint/2010/main" val="4260432087"/>
+        <p14:creationId xmlns:p14="http://schemas.microsoft.com/office/powerpoint/2010/main" val="4031959493"/>
       </p:ext>
     </p:extLst>
   </p:cSld>
@@ -8382,10 +8413,10 @@
       </p:sp>
       <p:pic>
         <p:nvPicPr>
-          <p:cNvPr id="8" name="Picture 7" descr="Graphical user interface, application&#10;&#10;Description automatically generated">
-            <a:extLst>
-              <a:ext uri="{FF2B5EF4-FFF2-40B4-BE49-F238E27FC236}">
-                <a16:creationId xmlns:a16="http://schemas.microsoft.com/office/drawing/2014/main" id="{41A55D49-6774-0F25-43B3-8A9BC696729C}"/>
+          <p:cNvPr id="7" name="Picture 6" descr="Chart, bar chart&#10;&#10;Description automatically generated">
+            <a:extLst>
+              <a:ext uri="{FF2B5EF4-FFF2-40B4-BE49-F238E27FC236}">
+                <a16:creationId xmlns:a16="http://schemas.microsoft.com/office/drawing/2014/main" id="{00CA4986-23D4-59DC-3076-556D48B155D4}"/>
               </a:ext>
             </a:extLst>
           </p:cNvPr>
@@ -8408,8 +8439,8 @@
         </p:blipFill>
         <p:spPr>
           <a:xfrm>
-            <a:off x="1188646" y="2507876"/>
-            <a:ext cx="6467832" cy="2315274"/>
+            <a:off x="1146901" y="2507876"/>
+            <a:ext cx="4527334" cy="4071344"/>
           </a:xfrm>
           <a:prstGeom prst="rect">
             <a:avLst/>
@@ -8419,7 +8450,7 @@
     </p:spTree>
     <p:extLst>
       <p:ext uri="{BB962C8B-B14F-4D97-AF65-F5344CB8AC3E}">
-        <p14:creationId xmlns:p14="http://schemas.microsoft.com/office/powerpoint/2010/main" val="1393550825"/>
+        <p14:creationId xmlns:p14="http://schemas.microsoft.com/office/powerpoint/2010/main" val="4260432087"/>
       </p:ext>
     </p:extLst>
   </p:cSld>
@@ -8572,13 +8603,13 @@
         </p:nvSpPr>
         <p:spPr>
           <a:xfrm>
-            <a:off x="838199" y="2021249"/>
-            <a:ext cx="7324166" cy="4581257"/>
+            <a:off x="838199" y="2021250"/>
+            <a:ext cx="6632943" cy="486626"/>
           </a:xfrm>
         </p:spPr>
         <p:txBody>
           <a:bodyPr>
-            <a:normAutofit lnSpcReduction="10000"/>
+            <a:normAutofit/>
           </a:bodyPr>
           <a:lstStyle/>
           <a:p>
@@ -8586,136 +8617,8 @@
               <a:rPr lang="en-US" sz="2400" dirty="0">
                 <a:latin typeface="Selawik Semibold" panose="020B0702040204020203" pitchFamily="34" charset="0"/>
               </a:rPr>
-              <a:t>Revenue in Sports Leagues (Wikipedia)</a:t>
-            </a:r>
-          </a:p>
-          <a:p>
-            <a:pPr marL="457200" lvl="1" indent="0">
-              <a:buNone/>
-            </a:pPr>
-            <a:endParaRPr lang="en-US" sz="2000" dirty="0">
-              <a:latin typeface="Selawik Semibold" panose="020B0702040204020203" pitchFamily="34" charset="0"/>
-            </a:endParaRPr>
-          </a:p>
-          <a:p>
-            <a:pPr lvl="1"/>
-            <a:r>
-              <a:rPr lang="en-US" sz="2000" dirty="0">
-                <a:latin typeface="Selawik Semibold" panose="020B0702040204020203" pitchFamily="34" charset="0"/>
-              </a:rPr>
-              <a:t>List Based off Most Recent Data (in Euro)</a:t>
-            </a:r>
-          </a:p>
-          <a:p>
-            <a:pPr lvl="2"/>
-            <a:r>
-              <a:rPr lang="en-US" sz="1600" dirty="0">
-                <a:latin typeface="Selawik Semibold" panose="020B0702040204020203" pitchFamily="34" charset="0"/>
-              </a:rPr>
-              <a:t>NFL (American Football,18.027 Billion)</a:t>
-            </a:r>
-          </a:p>
-          <a:p>
-            <a:pPr lvl="2"/>
-            <a:r>
-              <a:rPr lang="en-US" sz="1600" dirty="0">
-                <a:latin typeface="Selawik Semibold" panose="020B0702040204020203" pitchFamily="34" charset="0"/>
-              </a:rPr>
-              <a:t>MLB (Baseball, 10.07 Billion)</a:t>
-            </a:r>
-          </a:p>
-          <a:p>
-            <a:pPr lvl="2"/>
-            <a:r>
-              <a:rPr lang="en-US" sz="1600" dirty="0">
-                <a:latin typeface="Selawik Semibold" panose="020B0702040204020203" pitchFamily="34" charset="0"/>
-              </a:rPr>
-              <a:t>NBA (Basketball, 9.951 Billion)</a:t>
-            </a:r>
-          </a:p>
-          <a:p>
-            <a:pPr lvl="2"/>
-            <a:r>
-              <a:rPr lang="en-US" sz="1600" dirty="0">
-                <a:latin typeface="Selawik Semibold" panose="020B0702040204020203" pitchFamily="34" charset="0"/>
-              </a:rPr>
-              <a:t>EPL (Soccer, 6.442 Billion, England)</a:t>
-            </a:r>
-          </a:p>
-          <a:p>
-            <a:pPr lvl="2"/>
-            <a:r>
-              <a:rPr lang="en-US" sz="1600" dirty="0">
-                <a:latin typeface="Selawik Semibold" panose="020B0702040204020203" pitchFamily="34" charset="0"/>
-              </a:rPr>
-              <a:t>NHL (Hockey, 1.4 Billion)</a:t>
-            </a:r>
-          </a:p>
-          <a:p>
-            <a:pPr lvl="2"/>
-            <a:r>
-              <a:rPr lang="en-US" sz="1600" dirty="0">
-                <a:latin typeface="Selawik Semibold" panose="020B0702040204020203" pitchFamily="34" charset="0"/>
-              </a:rPr>
-              <a:t>La Liga (Soccer, 4.443 Billion, Spain)</a:t>
-            </a:r>
-          </a:p>
-          <a:p>
-            <a:pPr lvl="2"/>
-            <a:r>
-              <a:rPr lang="en-US" sz="1600" dirty="0">
-                <a:latin typeface="Selawik Semibold" panose="020B0702040204020203" pitchFamily="34" charset="0"/>
-              </a:rPr>
-              <a:t>Bundesliga (Soccer, 3.610 Billion, Germany)</a:t>
-            </a:r>
-          </a:p>
-          <a:p>
-            <a:pPr lvl="2"/>
-            <a:r>
-              <a:rPr lang="en-US" sz="1600" dirty="0">
-                <a:latin typeface="Selawik Semibold" panose="020B0702040204020203" pitchFamily="34" charset="0"/>
-              </a:rPr>
-              <a:t>Serie A (Soccer, 2.927 Billion, Italy)</a:t>
-            </a:r>
-          </a:p>
-          <a:p>
-            <a:pPr lvl="2"/>
-            <a:r>
-              <a:rPr lang="en-US" sz="1600" dirty="0">
-                <a:latin typeface="Selawik Semibold" panose="020B0702040204020203" pitchFamily="34" charset="0"/>
-              </a:rPr>
-              <a:t>Ligue 1 (Soccer, 2.407 Billion, France)</a:t>
-            </a:r>
-          </a:p>
-          <a:p>
-            <a:pPr lvl="2"/>
-            <a:r>
-              <a:rPr lang="en-US" sz="1600" dirty="0">
-                <a:latin typeface="Selawik Semibold" panose="020B0702040204020203" pitchFamily="34" charset="0"/>
-              </a:rPr>
-              <a:t>NPB (Baseball, 1.506 Billion, Japan)</a:t>
-            </a:r>
-          </a:p>
-          <a:p>
-            <a:pPr lvl="1"/>
-            <a:endParaRPr lang="en-US" sz="2000" dirty="0">
-              <a:latin typeface="Selawik Semibold" panose="020B0702040204020203" pitchFamily="34" charset="0"/>
-            </a:endParaRPr>
-          </a:p>
-          <a:p>
-            <a:pPr lvl="1"/>
-            <a:r>
-              <a:rPr lang="en-US" sz="2000" dirty="0">
-                <a:latin typeface="Selawik Semibold" panose="020B0702040204020203" pitchFamily="34" charset="0"/>
-              </a:rPr>
-              <a:t>Compare Revenue Per Team and Revenue Per Match</a:t>
-            </a:r>
-          </a:p>
-          <a:p>
-            <a:pPr lvl="1"/>
-            <a:endParaRPr lang="en-US" sz="2000" dirty="0">
-              <a:latin typeface="Selawik Semibold" panose="020B0702040204020203" pitchFamily="34" charset="0"/>
-            </a:endParaRPr>
+              <a:t>Revenue in Sports Leagues (Forbes 2022)</a:t>
+            </a:r>
           </a:p>
           <a:p>
             <a:pPr lvl="1"/>
@@ -9065,10 +8968,46 @@
           </a:p>
         </p:txBody>
       </p:sp>
+      <p:pic>
+        <p:nvPicPr>
+          <p:cNvPr id="8" name="Picture 7" descr="Graphical user interface, application&#10;&#10;Description automatically generated">
+            <a:extLst>
+              <a:ext uri="{FF2B5EF4-FFF2-40B4-BE49-F238E27FC236}">
+                <a16:creationId xmlns:a16="http://schemas.microsoft.com/office/drawing/2014/main" id="{41A55D49-6774-0F25-43B3-8A9BC696729C}"/>
+              </a:ext>
+            </a:extLst>
+          </p:cNvPr>
+          <p:cNvPicPr>
+            <a:picLocks noChangeAspect="1"/>
+          </p:cNvPicPr>
+          <p:nvPr/>
+        </p:nvPicPr>
+        <p:blipFill>
+          <a:blip r:embed="rId5">
+            <a:extLst>
+              <a:ext uri="{28A0092B-C50C-407E-A947-70E740481C1C}">
+                <a14:useLocalDpi xmlns:a14="http://schemas.microsoft.com/office/drawing/2010/main" val="0"/>
+              </a:ext>
+            </a:extLst>
+          </a:blip>
+          <a:stretch>
+            <a:fillRect/>
+          </a:stretch>
+        </p:blipFill>
+        <p:spPr>
+          <a:xfrm>
+            <a:off x="1188646" y="2507876"/>
+            <a:ext cx="6467832" cy="2315274"/>
+          </a:xfrm>
+          <a:prstGeom prst="rect">
+            <a:avLst/>
+          </a:prstGeom>
+        </p:spPr>
+      </p:pic>
     </p:spTree>
     <p:extLst>
       <p:ext uri="{BB962C8B-B14F-4D97-AF65-F5344CB8AC3E}">
-        <p14:creationId xmlns:p14="http://schemas.microsoft.com/office/powerpoint/2010/main" val="80295406"/>
+        <p14:creationId xmlns:p14="http://schemas.microsoft.com/office/powerpoint/2010/main" val="1393550825"/>
       </p:ext>
     </p:extLst>
   </p:cSld>
@@ -9227,7 +9166,7 @@
         </p:spPr>
         <p:txBody>
           <a:bodyPr>
-            <a:normAutofit/>
+            <a:normAutofit lnSpcReduction="10000"/>
           </a:bodyPr>
           <a:lstStyle/>
           <a:p>
@@ -9235,11 +9174,130 @@
               <a:rPr lang="en-US" sz="2400" dirty="0">
                 <a:latin typeface="Selawik Semibold" panose="020B0702040204020203" pitchFamily="34" charset="0"/>
               </a:rPr>
-              <a:t>Growth in Team Sports (sisugaurd.com)</a:t>
-            </a:r>
+              <a:t>Revenue in Sports Leagues (Wikipedia)</a:t>
+            </a:r>
+          </a:p>
+          <a:p>
+            <a:pPr marL="457200" lvl="1" indent="0">
+              <a:buNone/>
+            </a:pPr>
             <a:endParaRPr lang="en-US" sz="2000" dirty="0">
               <a:latin typeface="Selawik Semibold" panose="020B0702040204020203" pitchFamily="34" charset="0"/>
             </a:endParaRPr>
+          </a:p>
+          <a:p>
+            <a:pPr lvl="1"/>
+            <a:r>
+              <a:rPr lang="en-US" sz="2000" dirty="0">
+                <a:latin typeface="Selawik Semibold" panose="020B0702040204020203" pitchFamily="34" charset="0"/>
+              </a:rPr>
+              <a:t>List Based off Most Recent Data (in Euro)</a:t>
+            </a:r>
+          </a:p>
+          <a:p>
+            <a:pPr lvl="2"/>
+            <a:r>
+              <a:rPr lang="en-US" sz="1600" dirty="0">
+                <a:latin typeface="Selawik Semibold" panose="020B0702040204020203" pitchFamily="34" charset="0"/>
+              </a:rPr>
+              <a:t>NFL (American Football,18.027 Billion)</a:t>
+            </a:r>
+          </a:p>
+          <a:p>
+            <a:pPr lvl="2"/>
+            <a:r>
+              <a:rPr lang="en-US" sz="1600" dirty="0">
+                <a:latin typeface="Selawik Semibold" panose="020B0702040204020203" pitchFamily="34" charset="0"/>
+              </a:rPr>
+              <a:t>MLB (Baseball, 10.07 Billion)</a:t>
+            </a:r>
+          </a:p>
+          <a:p>
+            <a:pPr lvl="2"/>
+            <a:r>
+              <a:rPr lang="en-US" sz="1600" dirty="0">
+                <a:latin typeface="Selawik Semibold" panose="020B0702040204020203" pitchFamily="34" charset="0"/>
+              </a:rPr>
+              <a:t>NBA (Basketball, 9.951 Billion)</a:t>
+            </a:r>
+          </a:p>
+          <a:p>
+            <a:pPr lvl="2"/>
+            <a:r>
+              <a:rPr lang="en-US" sz="1600" dirty="0">
+                <a:latin typeface="Selawik Semibold" panose="020B0702040204020203" pitchFamily="34" charset="0"/>
+              </a:rPr>
+              <a:t>EPL (Soccer, 6.442 Billion, England)</a:t>
+            </a:r>
+          </a:p>
+          <a:p>
+            <a:pPr lvl="2"/>
+            <a:r>
+              <a:rPr lang="en-US" sz="1600" dirty="0">
+                <a:latin typeface="Selawik Semibold" panose="020B0702040204020203" pitchFamily="34" charset="0"/>
+              </a:rPr>
+              <a:t>NHL (Hockey, 1.4 Billion)</a:t>
+            </a:r>
+          </a:p>
+          <a:p>
+            <a:pPr lvl="2"/>
+            <a:r>
+              <a:rPr lang="en-US" sz="1600" dirty="0">
+                <a:latin typeface="Selawik Semibold" panose="020B0702040204020203" pitchFamily="34" charset="0"/>
+              </a:rPr>
+              <a:t>La Liga (Soccer, 4.443 Billion, Spain)</a:t>
+            </a:r>
+          </a:p>
+          <a:p>
+            <a:pPr lvl="2"/>
+            <a:r>
+              <a:rPr lang="en-US" sz="1600" dirty="0">
+                <a:latin typeface="Selawik Semibold" panose="020B0702040204020203" pitchFamily="34" charset="0"/>
+              </a:rPr>
+              <a:t>Bundesliga (Soccer, 3.610 Billion, Germany)</a:t>
+            </a:r>
+          </a:p>
+          <a:p>
+            <a:pPr lvl="2"/>
+            <a:r>
+              <a:rPr lang="en-US" sz="1600" dirty="0">
+                <a:latin typeface="Selawik Semibold" panose="020B0702040204020203" pitchFamily="34" charset="0"/>
+              </a:rPr>
+              <a:t>Serie A (Soccer, 2.927 Billion, Italy)</a:t>
+            </a:r>
+          </a:p>
+          <a:p>
+            <a:pPr lvl="2"/>
+            <a:r>
+              <a:rPr lang="en-US" sz="1600" dirty="0">
+                <a:latin typeface="Selawik Semibold" panose="020B0702040204020203" pitchFamily="34" charset="0"/>
+              </a:rPr>
+              <a:t>Ligue 1 (Soccer, 2.407 Billion, France)</a:t>
+            </a:r>
+          </a:p>
+          <a:p>
+            <a:pPr lvl="2"/>
+            <a:r>
+              <a:rPr lang="en-US" sz="1600" dirty="0">
+                <a:latin typeface="Selawik Semibold" panose="020B0702040204020203" pitchFamily="34" charset="0"/>
+              </a:rPr>
+              <a:t>NPB (Baseball, 1.506 Billion, Japan)</a:t>
+            </a:r>
+          </a:p>
+          <a:p>
+            <a:pPr lvl="1"/>
+            <a:endParaRPr lang="en-US" sz="2000" dirty="0">
+              <a:latin typeface="Selawik Semibold" panose="020B0702040204020203" pitchFamily="34" charset="0"/>
+            </a:endParaRPr>
+          </a:p>
+          <a:p>
+            <a:pPr lvl="1"/>
+            <a:r>
+              <a:rPr lang="en-US" sz="2000" dirty="0">
+                <a:latin typeface="Selawik Semibold" panose="020B0702040204020203" pitchFamily="34" charset="0"/>
+              </a:rPr>
+              <a:t>Compare Revenue Per Team and Revenue Per Match</a:t>
+            </a:r>
           </a:p>
           <a:p>
             <a:pPr lvl="1"/>
@@ -9595,93 +9653,10 @@
           </a:p>
         </p:txBody>
       </p:sp>
-      <p:pic>
-        <p:nvPicPr>
-          <p:cNvPr id="7" name="Picture 6" descr="A screenshot of a cell phone&#10;&#10;Description automatically generated">
-            <a:extLst>
-              <a:ext uri="{FF2B5EF4-FFF2-40B4-BE49-F238E27FC236}">
-                <a16:creationId xmlns:a16="http://schemas.microsoft.com/office/drawing/2014/main" id="{ED404A5E-A92F-40E3-803A-B7C744A38ED9}"/>
-              </a:ext>
-            </a:extLst>
-          </p:cNvPr>
-          <p:cNvPicPr>
-            <a:picLocks noChangeAspect="1"/>
-          </p:cNvPicPr>
-          <p:nvPr/>
-        </p:nvPicPr>
-        <p:blipFill>
-          <a:blip r:embed="rId5">
-            <a:extLst>
-              <a:ext uri="{28A0092B-C50C-407E-A947-70E740481C1C}">
-                <a14:useLocalDpi xmlns:a14="http://schemas.microsoft.com/office/drawing/2010/main" val="0"/>
-              </a:ext>
-            </a:extLst>
-          </a:blip>
-          <a:stretch>
-            <a:fillRect/>
-          </a:stretch>
-        </p:blipFill>
-        <p:spPr>
-          <a:xfrm>
-            <a:off x="1211998" y="2440640"/>
-            <a:ext cx="4911998" cy="4188125"/>
-          </a:xfrm>
-          <a:prstGeom prst="rect">
-            <a:avLst/>
-          </a:prstGeom>
-        </p:spPr>
-      </p:pic>
-      <p:sp>
-        <p:nvSpPr>
-          <p:cNvPr id="8" name="TextBox 7">
-            <a:extLst>
-              <a:ext uri="{FF2B5EF4-FFF2-40B4-BE49-F238E27FC236}">
-                <a16:creationId xmlns:a16="http://schemas.microsoft.com/office/drawing/2014/main" id="{2BF57D43-4A99-47D7-A02E-3A57D96B7B4F}"/>
-              </a:ext>
-            </a:extLst>
-          </p:cNvPr>
-          <p:cNvSpPr txBox="1"/>
-          <p:nvPr/>
-        </p:nvSpPr>
-        <p:spPr>
-          <a:xfrm>
-            <a:off x="6123996" y="5528278"/>
-            <a:ext cx="3825170" cy="1200329"/>
-          </a:xfrm>
-          <a:prstGeom prst="rect">
-            <a:avLst/>
-          </a:prstGeom>
-          <a:noFill/>
-        </p:spPr>
-        <p:txBody>
-          <a:bodyPr wrap="square" rtlCol="0">
-            <a:spAutoFit/>
-          </a:bodyPr>
-          <a:lstStyle/>
-          <a:p>
-            <a:r>
-              <a:rPr lang="en-US" dirty="0"/>
-              <a:t>Based on 2017 Annual Report </a:t>
-            </a:r>
-          </a:p>
-          <a:p>
-            <a:r>
-              <a:rPr lang="en-US" dirty="0"/>
-              <a:t>On US Trends in Team Sports </a:t>
-            </a:r>
-          </a:p>
-          <a:p>
-            <a:r>
-              <a:rPr lang="en-US" dirty="0"/>
-              <a:t>By Sports &amp; Fitness Industry Association (SFIA)</a:t>
-            </a:r>
-          </a:p>
-        </p:txBody>
-      </p:sp>
     </p:spTree>
     <p:extLst>
       <p:ext uri="{BB962C8B-B14F-4D97-AF65-F5344CB8AC3E}">
-        <p14:creationId xmlns:p14="http://schemas.microsoft.com/office/powerpoint/2010/main" val="567599230"/>
+        <p14:creationId xmlns:p14="http://schemas.microsoft.com/office/powerpoint/2010/main" val="80295406"/>
       </p:ext>
     </p:extLst>
   </p:cSld>
@@ -9848,7 +9823,7 @@
               <a:rPr lang="en-US" sz="2400" dirty="0">
                 <a:latin typeface="Selawik Semibold" panose="020B0702040204020203" pitchFamily="34" charset="0"/>
               </a:rPr>
-              <a:t>Growth in Team Sports (SFIA Twitter)</a:t>
+              <a:t>Growth in Team Sports (sisugaurd.com)</a:t>
             </a:r>
             <a:endParaRPr lang="en-US" sz="2000" dirty="0">
               <a:latin typeface="Selawik Semibold" panose="020B0702040204020203" pitchFamily="34" charset="0"/>
@@ -9862,31 +9837,7 @@
           </a:p>
           <a:p>
             <a:pPr lvl="1"/>
-            <a:r>
-              <a:rPr lang="en-US" sz="2000" dirty="0">
-                <a:latin typeface="Selawik Semibold" panose="020B0702040204020203" pitchFamily="34" charset="0"/>
-              </a:rPr>
-              <a:t>Based off 2019 Report</a:t>
-            </a:r>
-            <a:endParaRPr lang="en-US" sz="1600" dirty="0">
-              <a:latin typeface="Selawik Semibold" panose="020B0702040204020203" pitchFamily="34" charset="0"/>
-            </a:endParaRPr>
-          </a:p>
-          <a:p>
-            <a:pPr lvl="2"/>
-            <a:endParaRPr lang="en-US" sz="1600" dirty="0">
-              <a:latin typeface="Selawik Semibold" panose="020B0702040204020203" pitchFamily="34" charset="0"/>
-            </a:endParaRPr>
-          </a:p>
-          <a:p>
-            <a:pPr lvl="2"/>
-            <a:endParaRPr lang="en-US" sz="1600" dirty="0">
-              <a:latin typeface="Selawik Semibold" panose="020B0702040204020203" pitchFamily="34" charset="0"/>
-            </a:endParaRPr>
-          </a:p>
-          <a:p>
-            <a:pPr lvl="2"/>
-            <a:endParaRPr lang="en-US" sz="1600" dirty="0">
+            <a:endParaRPr lang="en-US" sz="2000" dirty="0">
               <a:latin typeface="Selawik Semibold" panose="020B0702040204020203" pitchFamily="34" charset="0"/>
             </a:endParaRPr>
           </a:p>
@@ -10234,10 +10185,10 @@
       </p:sp>
       <p:pic>
         <p:nvPicPr>
-          <p:cNvPr id="7" name="Picture 6" descr="Table&#10;&#10;Description automatically generated">
-            <a:extLst>
-              <a:ext uri="{FF2B5EF4-FFF2-40B4-BE49-F238E27FC236}">
-                <a16:creationId xmlns:a16="http://schemas.microsoft.com/office/drawing/2014/main" id="{AC29A090-57F8-12EE-E6FF-69DDC4C792D4}"/>
+          <p:cNvPr id="7" name="Picture 6" descr="A screenshot of a cell phone&#10;&#10;Description automatically generated">
+            <a:extLst>
+              <a:ext uri="{FF2B5EF4-FFF2-40B4-BE49-F238E27FC236}">
+                <a16:creationId xmlns:a16="http://schemas.microsoft.com/office/drawing/2014/main" id="{ED404A5E-A92F-40E3-803A-B7C744A38ED9}"/>
               </a:ext>
             </a:extLst>
           </p:cNvPr>
@@ -10260,18 +10211,65 @@
         </p:blipFill>
         <p:spPr>
           <a:xfrm>
-            <a:off x="1630509" y="3160986"/>
-            <a:ext cx="4043726" cy="3352109"/>
+            <a:off x="1211998" y="2440640"/>
+            <a:ext cx="4911998" cy="4188125"/>
           </a:xfrm>
           <a:prstGeom prst="rect">
             <a:avLst/>
           </a:prstGeom>
         </p:spPr>
       </p:pic>
+      <p:sp>
+        <p:nvSpPr>
+          <p:cNvPr id="8" name="TextBox 7">
+            <a:extLst>
+              <a:ext uri="{FF2B5EF4-FFF2-40B4-BE49-F238E27FC236}">
+                <a16:creationId xmlns:a16="http://schemas.microsoft.com/office/drawing/2014/main" id="{2BF57D43-4A99-47D7-A02E-3A57D96B7B4F}"/>
+              </a:ext>
+            </a:extLst>
+          </p:cNvPr>
+          <p:cNvSpPr txBox="1"/>
+          <p:nvPr/>
+        </p:nvSpPr>
+        <p:spPr>
+          <a:xfrm>
+            <a:off x="6123996" y="5528278"/>
+            <a:ext cx="3825170" cy="1200329"/>
+          </a:xfrm>
+          <a:prstGeom prst="rect">
+            <a:avLst/>
+          </a:prstGeom>
+          <a:noFill/>
+        </p:spPr>
+        <p:txBody>
+          <a:bodyPr wrap="square" rtlCol="0">
+            <a:spAutoFit/>
+          </a:bodyPr>
+          <a:lstStyle/>
+          <a:p>
+            <a:r>
+              <a:rPr lang="en-US" dirty="0"/>
+              <a:t>Based on 2017 Annual Report </a:t>
+            </a:r>
+          </a:p>
+          <a:p>
+            <a:r>
+              <a:rPr lang="en-US" dirty="0"/>
+              <a:t>On US Trends in Team Sports </a:t>
+            </a:r>
+          </a:p>
+          <a:p>
+            <a:r>
+              <a:rPr lang="en-US" dirty="0"/>
+              <a:t>By Sports &amp; Fitness Industry Association (SFIA)</a:t>
+            </a:r>
+          </a:p>
+        </p:txBody>
+      </p:sp>
     </p:spTree>
     <p:extLst>
       <p:ext uri="{BB962C8B-B14F-4D97-AF65-F5344CB8AC3E}">
-        <p14:creationId xmlns:p14="http://schemas.microsoft.com/office/powerpoint/2010/main" val="3150732622"/>
+        <p14:creationId xmlns:p14="http://schemas.microsoft.com/office/powerpoint/2010/main" val="567599230"/>
       </p:ext>
     </p:extLst>
   </p:cSld>
@@ -10438,20 +10436,11 @@
               <a:rPr lang="en-US" sz="2400" dirty="0">
                 <a:latin typeface="Selawik Semibold" panose="020B0702040204020203" pitchFamily="34" charset="0"/>
               </a:rPr>
-              <a:t>Growth in Team Sports (SFIA)</a:t>
-            </a:r>
-            <a:endParaRPr lang="en-US" sz="1000" dirty="0">
+              <a:t>Growth in Team Sports (SFIA Twitter)</a:t>
+            </a:r>
+            <a:endParaRPr lang="en-US" sz="2000" dirty="0">
               <a:latin typeface="Selawik Semibold" panose="020B0702040204020203" pitchFamily="34" charset="0"/>
             </a:endParaRPr>
-          </a:p>
-          <a:p>
-            <a:pPr lvl="1"/>
-            <a:r>
-              <a:rPr lang="en-US" sz="2000" dirty="0">
-                <a:latin typeface="Selawik Semibold" panose="020B0702040204020203" pitchFamily="34" charset="0"/>
-              </a:rPr>
-              <a:t>Interesting Information About 2022 Annual Report</a:t>
-            </a:r>
           </a:p>
           <a:p>
             <a:pPr lvl="1"/>
@@ -10465,71 +10454,29 @@
               <a:rPr lang="en-US" sz="2000" dirty="0">
                 <a:latin typeface="Selawik Semibold" panose="020B0702040204020203" pitchFamily="34" charset="0"/>
               </a:rPr>
-              <a:t>Pandemic Effect on Team Sports</a:t>
-            </a:r>
-          </a:p>
-          <a:p>
-            <a:pPr lvl="2"/>
-            <a:r>
-              <a:rPr lang="en-US" sz="1600" dirty="0">
-                <a:latin typeface="Selawik Semibold" panose="020B0702040204020203" pitchFamily="34" charset="0"/>
-              </a:rPr>
-              <a:t>67 million in 2020 to 68.3 million in 2021</a:t>
-            </a:r>
-          </a:p>
-          <a:p>
-            <a:pPr lvl="2"/>
-            <a:r>
-              <a:rPr lang="en-US" sz="1600" dirty="0">
-                <a:latin typeface="Selawik Semibold" panose="020B0702040204020203" pitchFamily="34" charset="0"/>
-              </a:rPr>
-              <a:t>70.8 million in 2019</a:t>
-            </a:r>
-          </a:p>
-          <a:p>
-            <a:pPr lvl="2"/>
-            <a:endParaRPr lang="en-US" dirty="0">
+              <a:t>Based off 2019 Report</a:t>
+            </a:r>
+            <a:endParaRPr lang="en-US" sz="1600" dirty="0">
               <a:latin typeface="Selawik Semibold" panose="020B0702040204020203" pitchFamily="34" charset="0"/>
             </a:endParaRPr>
           </a:p>
           <a:p>
-            <a:pPr lvl="1"/>
-            <a:r>
-              <a:rPr lang="en-US" sz="2000" dirty="0">
-                <a:latin typeface="Selawik Semibold" panose="020B0702040204020203" pitchFamily="34" charset="0"/>
-              </a:rPr>
-              <a:t>Team Sports Ages 6-12 Increased 0.6 million in 2021</a:t>
-            </a:r>
-          </a:p>
-          <a:p>
-            <a:pPr lvl="1"/>
-            <a:endParaRPr lang="en-US" sz="2000" dirty="0">
+            <a:pPr lvl="2"/>
+            <a:endParaRPr lang="en-US" sz="1600" dirty="0">
               <a:latin typeface="Selawik Semibold" panose="020B0702040204020203" pitchFamily="34" charset="0"/>
             </a:endParaRPr>
           </a:p>
           <a:p>
-            <a:pPr lvl="1"/>
-            <a:r>
-              <a:rPr lang="en-US" sz="2000" dirty="0">
-                <a:latin typeface="Selawik Semibold" panose="020B0702040204020203" pitchFamily="34" charset="0"/>
-              </a:rPr>
-              <a:t>Basketball Continues to be Most Played (27.1 million)</a:t>
-            </a:r>
-          </a:p>
-          <a:p>
-            <a:pPr lvl="1"/>
-            <a:endParaRPr lang="en-US" sz="2000" dirty="0">
+            <a:pPr lvl="2"/>
+            <a:endParaRPr lang="en-US" sz="1600" dirty="0">
               <a:latin typeface="Selawik Semibold" panose="020B0702040204020203" pitchFamily="34" charset="0"/>
             </a:endParaRPr>
           </a:p>
           <a:p>
-            <a:pPr lvl="1"/>
-            <a:r>
-              <a:rPr lang="en-US" sz="2000" dirty="0">
-                <a:latin typeface="Selawik Semibold" panose="020B0702040204020203" pitchFamily="34" charset="0"/>
-              </a:rPr>
-              <a:t>Soccer Overtook Basketball for 6-year-olds in 2021</a:t>
-            </a:r>
+            <a:pPr lvl="2"/>
+            <a:endParaRPr lang="en-US" sz="1600" dirty="0">
+              <a:latin typeface="Selawik Semibold" panose="020B0702040204020203" pitchFamily="34" charset="0"/>
+            </a:endParaRPr>
           </a:p>
         </p:txBody>
       </p:sp>
@@ -10873,10 +10820,46 @@
           </a:p>
         </p:txBody>
       </p:sp>
+      <p:pic>
+        <p:nvPicPr>
+          <p:cNvPr id="7" name="Picture 6" descr="Table&#10;&#10;Description automatically generated">
+            <a:extLst>
+              <a:ext uri="{FF2B5EF4-FFF2-40B4-BE49-F238E27FC236}">
+                <a16:creationId xmlns:a16="http://schemas.microsoft.com/office/drawing/2014/main" id="{AC29A090-57F8-12EE-E6FF-69DDC4C792D4}"/>
+              </a:ext>
+            </a:extLst>
+          </p:cNvPr>
+          <p:cNvPicPr>
+            <a:picLocks noChangeAspect="1"/>
+          </p:cNvPicPr>
+          <p:nvPr/>
+        </p:nvPicPr>
+        <p:blipFill>
+          <a:blip r:embed="rId5">
+            <a:extLst>
+              <a:ext uri="{28A0092B-C50C-407E-A947-70E740481C1C}">
+                <a14:useLocalDpi xmlns:a14="http://schemas.microsoft.com/office/drawing/2010/main" val="0"/>
+              </a:ext>
+            </a:extLst>
+          </a:blip>
+          <a:stretch>
+            <a:fillRect/>
+          </a:stretch>
+        </p:blipFill>
+        <p:spPr>
+          <a:xfrm>
+            <a:off x="1630509" y="3160986"/>
+            <a:ext cx="4043726" cy="3352109"/>
+          </a:xfrm>
+          <a:prstGeom prst="rect">
+            <a:avLst/>
+          </a:prstGeom>
+        </p:spPr>
+      </p:pic>
     </p:spTree>
     <p:extLst>
       <p:ext uri="{BB962C8B-B14F-4D97-AF65-F5344CB8AC3E}">
-        <p14:creationId xmlns:p14="http://schemas.microsoft.com/office/powerpoint/2010/main" val="3926868441"/>
+        <p14:creationId xmlns:p14="http://schemas.microsoft.com/office/powerpoint/2010/main" val="3150732622"/>
       </p:ext>
     </p:extLst>
   </p:cSld>
@@ -11051,17 +11034,26 @@
           </a:p>
           <a:p>
             <a:pPr lvl="1"/>
-            <a:endParaRPr lang="en-US" sz="1600" dirty="0">
-              <a:latin typeface="Selawik Semibold" panose="020B0702040204020203" pitchFamily="34" charset="0"/>
-            </a:endParaRPr>
-          </a:p>
-          <a:p>
-            <a:pPr lvl="1"/>
             <a:r>
               <a:rPr lang="en-US" sz="2000" dirty="0">
                 <a:latin typeface="Selawik Semibold" panose="020B0702040204020203" pitchFamily="34" charset="0"/>
               </a:rPr>
-              <a:t>Participant Rate Changes</a:t>
+              <a:t>Interesting Information About 2022 Annual Report</a:t>
+            </a:r>
+          </a:p>
+          <a:p>
+            <a:pPr lvl="1"/>
+            <a:endParaRPr lang="en-US" sz="2000" dirty="0">
+              <a:latin typeface="Selawik Semibold" panose="020B0702040204020203" pitchFamily="34" charset="0"/>
+            </a:endParaRPr>
+          </a:p>
+          <a:p>
+            <a:pPr lvl="1"/>
+            <a:r>
+              <a:rPr lang="en-US" sz="2000" dirty="0">
+                <a:latin typeface="Selawik Semibold" panose="020B0702040204020203" pitchFamily="34" charset="0"/>
+              </a:rPr>
+              <a:t>Pandemic Effect on Team Sports</a:t>
             </a:r>
           </a:p>
           <a:p>
@@ -11070,7 +11062,7 @@
               <a:rPr lang="en-US" sz="1600" dirty="0">
                 <a:latin typeface="Selawik Semibold" panose="020B0702040204020203" pitchFamily="34" charset="0"/>
               </a:rPr>
-              <a:t>Fast-Pitch Softball (+15.3%)</a:t>
+              <a:t>67 million in 2020 to 68.3 million in 2021</a:t>
             </a:r>
           </a:p>
           <a:p>
@@ -11079,30 +11071,12 @@
               <a:rPr lang="en-US" sz="1600" dirty="0">
                 <a:latin typeface="Selawik Semibold" panose="020B0702040204020203" pitchFamily="34" charset="0"/>
               </a:rPr>
-              <a:t>Gymnastics (+10.9%)</a:t>
+              <a:t>70.8 million in 2019</a:t>
             </a:r>
           </a:p>
           <a:p>
             <a:pPr lvl="2"/>
-            <a:r>
-              <a:rPr lang="en-US" sz="1600" dirty="0">
-                <a:latin typeface="Selawik Semibold" panose="020B0702040204020203" pitchFamily="34" charset="0"/>
-              </a:rPr>
-              <a:t>Court Volleyball (+8.1%)</a:t>
-            </a:r>
-          </a:p>
-          <a:p>
-            <a:pPr lvl="2"/>
-            <a:r>
-              <a:rPr lang="en-US" sz="1600" dirty="0">
-                <a:latin typeface="Selawik Semibold" panose="020B0702040204020203" pitchFamily="34" charset="0"/>
-              </a:rPr>
-              <a:t>Swimming on Team (+8%)</a:t>
-            </a:r>
-          </a:p>
-          <a:p>
-            <a:pPr lvl="1"/>
-            <a:endParaRPr lang="en-US" sz="1800" dirty="0">
+            <a:endParaRPr lang="en-US" dirty="0">
               <a:latin typeface="Selawik Semibold" panose="020B0702040204020203" pitchFamily="34" charset="0"/>
             </a:endParaRPr>
           </a:p>
@@ -11112,8 +11086,14 @@
               <a:rPr lang="en-US" sz="2000" dirty="0">
                 <a:latin typeface="Selawik Semibold" panose="020B0702040204020203" pitchFamily="34" charset="0"/>
               </a:rPr>
-              <a:t>Team Sports Increased by 8 Million from 2022 to 2023</a:t>
-            </a:r>
+              <a:t>Team Sports Ages 6-12 Increased 0.6 million in 2021</a:t>
+            </a:r>
+          </a:p>
+          <a:p>
+            <a:pPr lvl="1"/>
+            <a:endParaRPr lang="en-US" sz="2000" dirty="0">
+              <a:latin typeface="Selawik Semibold" panose="020B0702040204020203" pitchFamily="34" charset="0"/>
+            </a:endParaRPr>
           </a:p>
           <a:p>
             <a:pPr lvl="1"/>
@@ -11121,16 +11101,22 @@
               <a:rPr lang="en-US" sz="2000" dirty="0">
                 <a:latin typeface="Selawik Semibold" panose="020B0702040204020203" pitchFamily="34" charset="0"/>
               </a:rPr>
-              <a:t>Sport Per Participant Continues a Downward Trend</a:t>
-            </a:r>
-          </a:p>
-          <a:p>
-            <a:pPr lvl="2"/>
-            <a:r>
-              <a:rPr lang="en-US" dirty="0">
+              <a:t>Basketball Continues to be Most Played (27.1 million)</a:t>
+            </a:r>
+          </a:p>
+          <a:p>
+            <a:pPr lvl="1"/>
+            <a:endParaRPr lang="en-US" sz="2000" dirty="0">
+              <a:latin typeface="Selawik Semibold" panose="020B0702040204020203" pitchFamily="34" charset="0"/>
+            </a:endParaRPr>
+          </a:p>
+          <a:p>
+            <a:pPr lvl="1"/>
+            <a:r>
+              <a:rPr lang="en-US" sz="2000" dirty="0">
                 <a:latin typeface="Selawik Semibold" panose="020B0702040204020203" pitchFamily="34" charset="0"/>
               </a:rPr>
-              <a:t>Mean  = 1.73 (Lowest in the Decade)</a:t>
+              <a:t>Soccer Overtook Basketball for 6-year-olds in 2021</a:t>
             </a:r>
           </a:p>
         </p:txBody>
@@ -11478,7 +11464,7 @@
     </p:spTree>
     <p:extLst>
       <p:ext uri="{BB962C8B-B14F-4D97-AF65-F5344CB8AC3E}">
-        <p14:creationId xmlns:p14="http://schemas.microsoft.com/office/powerpoint/2010/main" val="88558734"/>
+        <p14:creationId xmlns:p14="http://schemas.microsoft.com/office/powerpoint/2010/main" val="3926868441"/>
       </p:ext>
     </p:extLst>
   </p:cSld>
@@ -12043,13 +12029,7 @@
     </p:bg>
     <p:spTree>
       <p:nvGrpSpPr>
-        <p:cNvPr id="1" name="">
-          <a:extLst>
-            <a:ext uri="{FF2B5EF4-FFF2-40B4-BE49-F238E27FC236}">
-              <a16:creationId xmlns:a16="http://schemas.microsoft.com/office/drawing/2014/main" id="{C32EDADD-602F-3957-F61F-816FB7B6962E}"/>
-            </a:ext>
-          </a:extLst>
-        </p:cNvPr>
+        <p:cNvPr id="1" name=""/>
         <p:cNvGrpSpPr/>
         <p:nvPr/>
       </p:nvGrpSpPr>
@@ -12066,7 +12046,7 @@
           <p:cNvPr id="25" name="Rectangle 24">
             <a:extLst>
               <a:ext uri="{FF2B5EF4-FFF2-40B4-BE49-F238E27FC236}">
-                <a16:creationId xmlns:a16="http://schemas.microsoft.com/office/drawing/2014/main" id="{9D23D674-21DC-DF6B-107A-D4956FEF64FF}"/>
+                <a16:creationId xmlns:a16="http://schemas.microsoft.com/office/drawing/2014/main" id="{A6792F05-2FD4-4F18-815E-15391E8B4A0E}"/>
               </a:ext>
               <a:ext uri="{C183D7F6-B498-43B3-948B-1728B52AA6E4}">
                 <adec:decorative xmlns:adec="http://schemas.microsoft.com/office/drawing/2017/decorative" val="1"/>
@@ -12129,7 +12109,7 @@
           <p:cNvPr id="2" name="Title 1">
             <a:extLst>
               <a:ext uri="{FF2B5EF4-FFF2-40B4-BE49-F238E27FC236}">
-                <a16:creationId xmlns:a16="http://schemas.microsoft.com/office/drawing/2014/main" id="{2D725746-AB16-60CA-3823-593ADC1E558F}"/>
+                <a16:creationId xmlns:a16="http://schemas.microsoft.com/office/drawing/2014/main" id="{2589AFCC-0FF0-498C-B11F-8990DF0DAAA5}"/>
               </a:ext>
             </a:extLst>
           </p:cNvPr>
@@ -12166,7 +12146,7 @@
           <p:cNvPr id="9" name="Content Placeholder 8">
             <a:extLst>
               <a:ext uri="{FF2B5EF4-FFF2-40B4-BE49-F238E27FC236}">
-                <a16:creationId xmlns:a16="http://schemas.microsoft.com/office/drawing/2014/main" id="{3DEA36A2-F0C2-B954-0E78-E860425EA676}"/>
+                <a16:creationId xmlns:a16="http://schemas.microsoft.com/office/drawing/2014/main" id="{2D995594-59F2-4020-AB6F-751BAE84ADB3}"/>
               </a:ext>
             </a:extLst>
           </p:cNvPr>
@@ -12180,7 +12160,7 @@
         <p:spPr>
           <a:xfrm>
             <a:off x="838199" y="2021249"/>
-            <a:ext cx="5109118" cy="4581257"/>
+            <a:ext cx="7324166" cy="4581257"/>
           </a:xfrm>
         </p:spPr>
         <p:txBody>
@@ -12193,8 +12173,17 @@
               <a:rPr lang="en-US" sz="2400" dirty="0">
                 <a:latin typeface="Selawik Semibold" panose="020B0702040204020203" pitchFamily="34" charset="0"/>
               </a:rPr>
-              <a:t>Article by Florian Zandt  (Statista.com)</a:t>
-            </a:r>
+              <a:t>Growth in Team Sports (SFIA)</a:t>
+            </a:r>
+            <a:endParaRPr lang="en-US" sz="1000" dirty="0">
+              <a:latin typeface="Selawik Semibold" panose="020B0702040204020203" pitchFamily="34" charset="0"/>
+            </a:endParaRPr>
+          </a:p>
+          <a:p>
+            <a:pPr lvl="1"/>
+            <a:endParaRPr lang="en-US" sz="1600" dirty="0">
+              <a:latin typeface="Selawik Semibold" panose="020B0702040204020203" pitchFamily="34" charset="0"/>
+            </a:endParaRPr>
           </a:p>
           <a:p>
             <a:pPr lvl="1"/>
@@ -12202,12 +12191,48 @@
               <a:rPr lang="en-US" sz="2000" dirty="0">
                 <a:latin typeface="Selawik Semibold" panose="020B0702040204020203" pitchFamily="34" charset="0"/>
               </a:rPr>
-              <a:t>96% of Americans Spent Time on Sports and Leisure Activities in 2021 (US BLS)</a:t>
+              <a:t>Participant Rate Changes</a:t>
+            </a:r>
+          </a:p>
+          <a:p>
+            <a:pPr lvl="2"/>
+            <a:r>
+              <a:rPr lang="en-US" sz="1600" dirty="0">
+                <a:latin typeface="Selawik Semibold" panose="020B0702040204020203" pitchFamily="34" charset="0"/>
+              </a:rPr>
+              <a:t>Fast-Pitch Softball (+15.3%)</a:t>
+            </a:r>
+          </a:p>
+          <a:p>
+            <a:pPr lvl="2"/>
+            <a:r>
+              <a:rPr lang="en-US" sz="1600" dirty="0">
+                <a:latin typeface="Selawik Semibold" panose="020B0702040204020203" pitchFamily="34" charset="0"/>
+              </a:rPr>
+              <a:t>Gymnastics (+10.9%)</a:t>
+            </a:r>
+          </a:p>
+          <a:p>
+            <a:pPr lvl="2"/>
+            <a:r>
+              <a:rPr lang="en-US" sz="1600" dirty="0">
+                <a:latin typeface="Selawik Semibold" panose="020B0702040204020203" pitchFamily="34" charset="0"/>
+              </a:rPr>
+              <a:t>Court Volleyball (+8.1%)</a:t>
+            </a:r>
+          </a:p>
+          <a:p>
+            <a:pPr lvl="2"/>
+            <a:r>
+              <a:rPr lang="en-US" sz="1600" dirty="0">
+                <a:latin typeface="Selawik Semibold" panose="020B0702040204020203" pitchFamily="34" charset="0"/>
+              </a:rPr>
+              <a:t>Swimming on Team (+8%)</a:t>
             </a:r>
           </a:p>
           <a:p>
             <a:pPr lvl="1"/>
-            <a:endParaRPr lang="en-US" sz="2000" dirty="0">
+            <a:endParaRPr lang="en-US" sz="1800" dirty="0">
               <a:latin typeface="Selawik Semibold" panose="020B0702040204020203" pitchFamily="34" charset="0"/>
             </a:endParaRPr>
           </a:p>
@@ -12217,14 +12242,8 @@
               <a:rPr lang="en-US" sz="2000" dirty="0">
                 <a:latin typeface="Selawik Semibold" panose="020B0702040204020203" pitchFamily="34" charset="0"/>
               </a:rPr>
-              <a:t>Number Consistent Along the Gender Divide</a:t>
-            </a:r>
-          </a:p>
-          <a:p>
-            <a:pPr lvl="1"/>
-            <a:endParaRPr lang="en-US" sz="2000" dirty="0">
-              <a:latin typeface="Selawik Semibold" panose="020B0702040204020203" pitchFamily="34" charset="0"/>
-            </a:endParaRPr>
+              <a:t>Team Sports Increased by 8 Million from 2022 to 2023</a:t>
+            </a:r>
           </a:p>
           <a:p>
             <a:pPr lvl="1"/>
@@ -12232,7 +12251,16 @@
               <a:rPr lang="en-US" sz="2000" dirty="0">
                 <a:latin typeface="Selawik Semibold" panose="020B0702040204020203" pitchFamily="34" charset="0"/>
               </a:rPr>
-              <a:t>Article Focuses on Differences Between Men and Women Respondents</a:t>
+              <a:t>Sport Per Participant Continues a Downward Trend</a:t>
+            </a:r>
+          </a:p>
+          <a:p>
+            <a:pPr lvl="2"/>
+            <a:r>
+              <a:rPr lang="en-US" dirty="0">
+                <a:latin typeface="Selawik Semibold" panose="020B0702040204020203" pitchFamily="34" charset="0"/>
+              </a:rPr>
+              <a:t>Mean  = 1.73 (Lowest in the Decade)</a:t>
             </a:r>
           </a:p>
         </p:txBody>
@@ -12242,7 +12270,7 @@
           <p:cNvPr id="4" name="Picture 3" descr="A drawing of a cartoon character&#10;&#10;Description automatically generated">
             <a:extLst>
               <a:ext uri="{FF2B5EF4-FFF2-40B4-BE49-F238E27FC236}">
-                <a16:creationId xmlns:a16="http://schemas.microsoft.com/office/drawing/2014/main" id="{6556066A-93F4-1127-0093-7032D9DB3806}"/>
+                <a16:creationId xmlns:a16="http://schemas.microsoft.com/office/drawing/2014/main" id="{A7FDC859-D890-4904-9C64-27F43DA90453}"/>
               </a:ext>
             </a:extLst>
           </p:cNvPr>
@@ -12320,7 +12348,7 @@
           <p:cNvPr id="5" name="Content Placeholder 4" descr="A picture containing indoor&#10;&#10;Description automatically generated">
             <a:extLst>
               <a:ext uri="{FF2B5EF4-FFF2-40B4-BE49-F238E27FC236}">
-                <a16:creationId xmlns:a16="http://schemas.microsoft.com/office/drawing/2014/main" id="{469BEFD7-DDBB-436A-53C5-55680D9C10A3}"/>
+                <a16:creationId xmlns:a16="http://schemas.microsoft.com/office/drawing/2014/main" id="{A58F0E55-21F3-485B-A07F-1CE74177BDD2}"/>
               </a:ext>
             </a:extLst>
           </p:cNvPr>
@@ -12414,7 +12442,7 @@
           <p:cNvPr id="6" name="Rectangle 5">
             <a:extLst>
               <a:ext uri="{FF2B5EF4-FFF2-40B4-BE49-F238E27FC236}">
-                <a16:creationId xmlns:a16="http://schemas.microsoft.com/office/drawing/2014/main" id="{F3F1858F-9AE0-9180-48D0-97C45C5BEB0D}"/>
+                <a16:creationId xmlns:a16="http://schemas.microsoft.com/office/drawing/2014/main" id="{A2901312-C3C2-4CEC-80EF-823AB4FBB726}"/>
               </a:ext>
             </a:extLst>
           </p:cNvPr>
@@ -12470,7 +12498,7 @@
           <p:cNvPr id="15" name="Rectangle 14">
             <a:extLst>
               <a:ext uri="{FF2B5EF4-FFF2-40B4-BE49-F238E27FC236}">
-                <a16:creationId xmlns:a16="http://schemas.microsoft.com/office/drawing/2014/main" id="{4342294E-D525-7C9E-454D-7F8BAD725BE8}"/>
+                <a16:creationId xmlns:a16="http://schemas.microsoft.com/office/drawing/2014/main" id="{AD0A7C9C-CA2C-4B9B-A125-2D09D5573B44}"/>
               </a:ext>
             </a:extLst>
           </p:cNvPr>
@@ -12526,7 +12554,7 @@
           <p:cNvPr id="16" name="Rectangle 15">
             <a:extLst>
               <a:ext uri="{FF2B5EF4-FFF2-40B4-BE49-F238E27FC236}">
-                <a16:creationId xmlns:a16="http://schemas.microsoft.com/office/drawing/2014/main" id="{78876B09-8DC5-854E-911D-6228140682A0}"/>
+                <a16:creationId xmlns:a16="http://schemas.microsoft.com/office/drawing/2014/main" id="{74A085FC-1866-46D4-97F7-51AA45E48D4F}"/>
               </a:ext>
             </a:extLst>
           </p:cNvPr>
@@ -12577,46 +12605,10 @@
           </a:p>
         </p:txBody>
       </p:sp>
-      <p:pic>
-        <p:nvPicPr>
-          <p:cNvPr id="7" name="Picture 6" descr="A screenshot of a graph&#10;&#10;Description automatically generated">
-            <a:extLst>
-              <a:ext uri="{FF2B5EF4-FFF2-40B4-BE49-F238E27FC236}">
-                <a16:creationId xmlns:a16="http://schemas.microsoft.com/office/drawing/2014/main" id="{A92EC190-D2B1-A60D-33AD-44329EE34B4C}"/>
-              </a:ext>
-            </a:extLst>
-          </p:cNvPr>
-          <p:cNvPicPr>
-            <a:picLocks noChangeAspect="1"/>
-          </p:cNvPicPr>
-          <p:nvPr/>
-        </p:nvPicPr>
-        <p:blipFill>
-          <a:blip r:embed="rId5">
-            <a:extLst>
-              <a:ext uri="{28A0092B-C50C-407E-A947-70E740481C1C}">
-                <a14:useLocalDpi xmlns:a14="http://schemas.microsoft.com/office/drawing/2010/main" val="0"/>
-              </a:ext>
-            </a:extLst>
-          </a:blip>
-          <a:stretch>
-            <a:fillRect/>
-          </a:stretch>
-        </p:blipFill>
-        <p:spPr>
-          <a:xfrm>
-            <a:off x="6527180" y="1516481"/>
-            <a:ext cx="5664818" cy="5293110"/>
-          </a:xfrm>
-          <a:prstGeom prst="rect">
-            <a:avLst/>
-          </a:prstGeom>
-        </p:spPr>
-      </p:pic>
     </p:spTree>
     <p:extLst>
       <p:ext uri="{BB962C8B-B14F-4D97-AF65-F5344CB8AC3E}">
-        <p14:creationId xmlns:p14="http://schemas.microsoft.com/office/powerpoint/2010/main" val="3392819415"/>
+        <p14:creationId xmlns:p14="http://schemas.microsoft.com/office/powerpoint/2010/main" val="88558734"/>
       </p:ext>
     </p:extLst>
   </p:cSld>
@@ -12639,7 +12631,13 @@
     </p:bg>
     <p:spTree>
       <p:nvGrpSpPr>
-        <p:cNvPr id="1" name=""/>
+        <p:cNvPr id="1" name="">
+          <a:extLst>
+            <a:ext uri="{FF2B5EF4-FFF2-40B4-BE49-F238E27FC236}">
+              <a16:creationId xmlns:a16="http://schemas.microsoft.com/office/drawing/2014/main" id="{C32EDADD-602F-3957-F61F-816FB7B6962E}"/>
+            </a:ext>
+          </a:extLst>
+        </p:cNvPr>
         <p:cNvGrpSpPr/>
         <p:nvPr/>
       </p:nvGrpSpPr>
@@ -12656,7 +12654,7 @@
           <p:cNvPr id="25" name="Rectangle 24">
             <a:extLst>
               <a:ext uri="{FF2B5EF4-FFF2-40B4-BE49-F238E27FC236}">
-                <a16:creationId xmlns:a16="http://schemas.microsoft.com/office/drawing/2014/main" id="{A6792F05-2FD4-4F18-815E-15391E8B4A0E}"/>
+                <a16:creationId xmlns:a16="http://schemas.microsoft.com/office/drawing/2014/main" id="{9D23D674-21DC-DF6B-107A-D4956FEF64FF}"/>
               </a:ext>
               <a:ext uri="{C183D7F6-B498-43B3-948B-1728B52AA6E4}">
                 <adec:decorative xmlns:adec="http://schemas.microsoft.com/office/drawing/2017/decorative" val="1"/>
@@ -12719,7 +12717,7 @@
           <p:cNvPr id="2" name="Title 1">
             <a:extLst>
               <a:ext uri="{FF2B5EF4-FFF2-40B4-BE49-F238E27FC236}">
-                <a16:creationId xmlns:a16="http://schemas.microsoft.com/office/drawing/2014/main" id="{2589AFCC-0FF0-498C-B11F-8990DF0DAAA5}"/>
+                <a16:creationId xmlns:a16="http://schemas.microsoft.com/office/drawing/2014/main" id="{2D725746-AB16-60CA-3823-593ADC1E558F}"/>
               </a:ext>
             </a:extLst>
           </p:cNvPr>
@@ -12746,7 +12744,7 @@
               <a:rPr lang="en-US" b="1" dirty="0">
                 <a:latin typeface="Selawik Semibold" panose="020B0604020202020204" pitchFamily="34" charset="0"/>
               </a:rPr>
-              <a:t>Dope Quote</a:t>
+              <a:t>Current Landscape of Sports</a:t>
             </a:r>
           </a:p>
         </p:txBody>
@@ -12756,7 +12754,7 @@
           <p:cNvPr id="9" name="Content Placeholder 8">
             <a:extLst>
               <a:ext uri="{FF2B5EF4-FFF2-40B4-BE49-F238E27FC236}">
-                <a16:creationId xmlns:a16="http://schemas.microsoft.com/office/drawing/2014/main" id="{2D995594-59F2-4020-AB6F-751BAE84ADB3}"/>
+                <a16:creationId xmlns:a16="http://schemas.microsoft.com/office/drawing/2014/main" id="{3DEA36A2-F0C2-B954-0E78-E860425EA676}"/>
               </a:ext>
             </a:extLst>
           </p:cNvPr>
@@ -12769,136 +12767,61 @@
         </p:nvSpPr>
         <p:spPr>
           <a:xfrm>
-            <a:off x="838198" y="2021249"/>
-            <a:ext cx="7425020" cy="4581257"/>
+            <a:off x="838199" y="2021249"/>
+            <a:ext cx="5109118" cy="4581257"/>
           </a:xfrm>
         </p:spPr>
         <p:txBody>
           <a:bodyPr>
-            <a:normAutofit fontScale="92500" lnSpcReduction="10000"/>
+            <a:normAutofit/>
           </a:bodyPr>
           <a:lstStyle/>
           <a:p>
-            <a:pPr marL="0" indent="0">
-              <a:buNone/>
-            </a:pPr>
-            <a:r>
-              <a:rPr lang="en-US" dirty="0">
+            <a:r>
+              <a:rPr lang="en-US" sz="2400" dirty="0">
                 <a:latin typeface="Selawik Semibold" panose="020B0702040204020203" pitchFamily="34" charset="0"/>
               </a:rPr>
-              <a:t>The most meaningful way to</a:t>
-            </a:r>
-          </a:p>
-          <a:p>
-            <a:pPr marL="0" indent="0">
-              <a:buNone/>
-            </a:pPr>
-            <a:r>
-              <a:rPr lang="en-US" dirty="0">
+              <a:t>Article by Florian Zandt  (Statista.com)</a:t>
+            </a:r>
+          </a:p>
+          <a:p>
+            <a:pPr lvl="1"/>
+            <a:r>
+              <a:rPr lang="en-US" sz="2000" dirty="0">
                 <a:latin typeface="Selawik Semibold" panose="020B0702040204020203" pitchFamily="34" charset="0"/>
               </a:rPr>
-              <a:t>differentiate your company from your</a:t>
-            </a:r>
-          </a:p>
-          <a:p>
-            <a:pPr marL="0" indent="0">
-              <a:buNone/>
-            </a:pPr>
-            <a:r>
-              <a:rPr lang="en-US" dirty="0">
+              <a:t>96% of Americans Spent Time on Sports and Leisure Activities in 2021 (US BLS)</a:t>
+            </a:r>
+          </a:p>
+          <a:p>
+            <a:pPr lvl="1"/>
+            <a:endParaRPr lang="en-US" sz="2000" dirty="0">
+              <a:latin typeface="Selawik Semibold" panose="020B0702040204020203" pitchFamily="34" charset="0"/>
+            </a:endParaRPr>
+          </a:p>
+          <a:p>
+            <a:pPr lvl="1"/>
+            <a:r>
+              <a:rPr lang="en-US" sz="2000" dirty="0">
                 <a:latin typeface="Selawik Semibold" panose="020B0702040204020203" pitchFamily="34" charset="0"/>
               </a:rPr>
-              <a:t>competitors, the best way to put distance</a:t>
-            </a:r>
-          </a:p>
-          <a:p>
-            <a:pPr marL="0" indent="0">
-              <a:buNone/>
-            </a:pPr>
-            <a:r>
-              <a:rPr lang="en-US" dirty="0">
+              <a:t>Number Consistent Along the Gender Divide</a:t>
+            </a:r>
+          </a:p>
+          <a:p>
+            <a:pPr lvl="1"/>
+            <a:endParaRPr lang="en-US" sz="2000" dirty="0">
+              <a:latin typeface="Selawik Semibold" panose="020B0702040204020203" pitchFamily="34" charset="0"/>
+            </a:endParaRPr>
+          </a:p>
+          <a:p>
+            <a:pPr lvl="1"/>
+            <a:r>
+              <a:rPr lang="en-US" sz="2000" dirty="0">
                 <a:latin typeface="Selawik Semibold" panose="020B0702040204020203" pitchFamily="34" charset="0"/>
               </a:rPr>
-              <a:t>between you and the crowd is to do an</a:t>
-            </a:r>
-          </a:p>
-          <a:p>
-            <a:pPr marL="0" indent="0">
-              <a:buNone/>
-            </a:pPr>
-            <a:r>
-              <a:rPr lang="en-US" dirty="0">
-                <a:latin typeface="Selawik Semibold" panose="020B0702040204020203" pitchFamily="34" charset="0"/>
-              </a:rPr>
-              <a:t>outstanding job with information. </a:t>
-            </a:r>
-          </a:p>
-          <a:p>
-            <a:pPr marL="0" indent="0">
-              <a:buNone/>
-            </a:pPr>
-            <a:endParaRPr lang="en-US" dirty="0">
-              <a:latin typeface="Selawik Semibold" panose="020B0702040204020203" pitchFamily="34" charset="0"/>
-            </a:endParaRPr>
-          </a:p>
-          <a:p>
-            <a:pPr marL="0" indent="0">
-              <a:buNone/>
-            </a:pPr>
-            <a:r>
-              <a:rPr lang="en-US" dirty="0">
-                <a:latin typeface="Selawik Semibold" panose="020B0702040204020203" pitchFamily="34" charset="0"/>
-              </a:rPr>
-              <a:t>How you gather, manage, and use information</a:t>
-            </a:r>
-          </a:p>
-          <a:p>
-            <a:pPr marL="0" indent="0">
-              <a:buNone/>
-            </a:pPr>
-            <a:r>
-              <a:rPr lang="en-US" dirty="0">
-                <a:latin typeface="Selawik Semibold" panose="020B0702040204020203" pitchFamily="34" charset="0"/>
-              </a:rPr>
-              <a:t>will determine whether you win or lose.</a:t>
-            </a:r>
-          </a:p>
-          <a:p>
-            <a:pPr marL="0" indent="0">
-              <a:buNone/>
-            </a:pPr>
-            <a:endParaRPr lang="en-US" dirty="0">
-              <a:latin typeface="Selawik Semibold" panose="020B0702040204020203" pitchFamily="34" charset="0"/>
-            </a:endParaRPr>
-          </a:p>
-          <a:p>
-            <a:pPr marL="0" indent="0">
-              <a:buNone/>
-            </a:pPr>
-            <a:r>
-              <a:rPr lang="en-US" dirty="0">
-                <a:latin typeface="Selawik Semibold" panose="020B0702040204020203" pitchFamily="34" charset="0"/>
-              </a:rPr>
-              <a:t>- Bill Gates</a:t>
-            </a:r>
-          </a:p>
-          <a:p>
-            <a:pPr lvl="2"/>
-            <a:endParaRPr lang="en-US" sz="1600" dirty="0">
-              <a:latin typeface="Selawik Semibold" panose="020B0702040204020203" pitchFamily="34" charset="0"/>
-            </a:endParaRPr>
-          </a:p>
-          <a:p>
-            <a:pPr lvl="2"/>
-            <a:endParaRPr lang="en-US" sz="1600" dirty="0">
-              <a:latin typeface="Selawik Semibold" panose="020B0702040204020203" pitchFamily="34" charset="0"/>
-            </a:endParaRPr>
-          </a:p>
-          <a:p>
-            <a:pPr lvl="2"/>
-            <a:endParaRPr lang="en-US" sz="1600" dirty="0">
-              <a:latin typeface="Selawik Semibold" panose="020B0702040204020203" pitchFamily="34" charset="0"/>
-            </a:endParaRPr>
+              <a:t>Article Focuses on Differences Between Men and Women Respondents</a:t>
+            </a:r>
           </a:p>
         </p:txBody>
       </p:sp>
@@ -12907,7 +12830,7 @@
           <p:cNvPr id="4" name="Picture 3" descr="A drawing of a cartoon character&#10;&#10;Description automatically generated">
             <a:extLst>
               <a:ext uri="{FF2B5EF4-FFF2-40B4-BE49-F238E27FC236}">
-                <a16:creationId xmlns:a16="http://schemas.microsoft.com/office/drawing/2014/main" id="{A7FDC859-D890-4904-9C64-27F43DA90453}"/>
+                <a16:creationId xmlns:a16="http://schemas.microsoft.com/office/drawing/2014/main" id="{6556066A-93F4-1127-0093-7032D9DB3806}"/>
               </a:ext>
             </a:extLst>
           </p:cNvPr>
@@ -12985,7 +12908,7 @@
           <p:cNvPr id="5" name="Content Placeholder 4" descr="A picture containing indoor&#10;&#10;Description automatically generated">
             <a:extLst>
               <a:ext uri="{FF2B5EF4-FFF2-40B4-BE49-F238E27FC236}">
-                <a16:creationId xmlns:a16="http://schemas.microsoft.com/office/drawing/2014/main" id="{A58F0E55-21F3-485B-A07F-1CE74177BDD2}"/>
+                <a16:creationId xmlns:a16="http://schemas.microsoft.com/office/drawing/2014/main" id="{469BEFD7-DDBB-436A-53C5-55680D9C10A3}"/>
               </a:ext>
             </a:extLst>
           </p:cNvPr>
@@ -13079,7 +13002,7 @@
           <p:cNvPr id="6" name="Rectangle 5">
             <a:extLst>
               <a:ext uri="{FF2B5EF4-FFF2-40B4-BE49-F238E27FC236}">
-                <a16:creationId xmlns:a16="http://schemas.microsoft.com/office/drawing/2014/main" id="{A2901312-C3C2-4CEC-80EF-823AB4FBB726}"/>
+                <a16:creationId xmlns:a16="http://schemas.microsoft.com/office/drawing/2014/main" id="{F3F1858F-9AE0-9180-48D0-97C45C5BEB0D}"/>
               </a:ext>
             </a:extLst>
           </p:cNvPr>
@@ -13135,7 +13058,7 @@
           <p:cNvPr id="15" name="Rectangle 14">
             <a:extLst>
               <a:ext uri="{FF2B5EF4-FFF2-40B4-BE49-F238E27FC236}">
-                <a16:creationId xmlns:a16="http://schemas.microsoft.com/office/drawing/2014/main" id="{AD0A7C9C-CA2C-4B9B-A125-2D09D5573B44}"/>
+                <a16:creationId xmlns:a16="http://schemas.microsoft.com/office/drawing/2014/main" id="{4342294E-D525-7C9E-454D-7F8BAD725BE8}"/>
               </a:ext>
             </a:extLst>
           </p:cNvPr>
@@ -13191,7 +13114,7 @@
           <p:cNvPr id="16" name="Rectangle 15">
             <a:extLst>
               <a:ext uri="{FF2B5EF4-FFF2-40B4-BE49-F238E27FC236}">
-                <a16:creationId xmlns:a16="http://schemas.microsoft.com/office/drawing/2014/main" id="{74A085FC-1866-46D4-97F7-51AA45E48D4F}"/>
+                <a16:creationId xmlns:a16="http://schemas.microsoft.com/office/drawing/2014/main" id="{78876B09-8DC5-854E-911D-6228140682A0}"/>
               </a:ext>
             </a:extLst>
           </p:cNvPr>
@@ -13242,10 +13165,46 @@
           </a:p>
         </p:txBody>
       </p:sp>
+      <p:pic>
+        <p:nvPicPr>
+          <p:cNvPr id="7" name="Picture 6" descr="A screenshot of a graph&#10;&#10;Description automatically generated">
+            <a:extLst>
+              <a:ext uri="{FF2B5EF4-FFF2-40B4-BE49-F238E27FC236}">
+                <a16:creationId xmlns:a16="http://schemas.microsoft.com/office/drawing/2014/main" id="{A92EC190-D2B1-A60D-33AD-44329EE34B4C}"/>
+              </a:ext>
+            </a:extLst>
+          </p:cNvPr>
+          <p:cNvPicPr>
+            <a:picLocks noChangeAspect="1"/>
+          </p:cNvPicPr>
+          <p:nvPr/>
+        </p:nvPicPr>
+        <p:blipFill>
+          <a:blip r:embed="rId5">
+            <a:extLst>
+              <a:ext uri="{28A0092B-C50C-407E-A947-70E740481C1C}">
+                <a14:useLocalDpi xmlns:a14="http://schemas.microsoft.com/office/drawing/2010/main" val="0"/>
+              </a:ext>
+            </a:extLst>
+          </a:blip>
+          <a:stretch>
+            <a:fillRect/>
+          </a:stretch>
+        </p:blipFill>
+        <p:spPr>
+          <a:xfrm>
+            <a:off x="6527180" y="1516481"/>
+            <a:ext cx="5664818" cy="5293110"/>
+          </a:xfrm>
+          <a:prstGeom prst="rect">
+            <a:avLst/>
+          </a:prstGeom>
+        </p:spPr>
+      </p:pic>
     </p:spTree>
     <p:extLst>
       <p:ext uri="{BB962C8B-B14F-4D97-AF65-F5344CB8AC3E}">
-        <p14:creationId xmlns:p14="http://schemas.microsoft.com/office/powerpoint/2010/main" val="289489808"/>
+        <p14:creationId xmlns:p14="http://schemas.microsoft.com/office/powerpoint/2010/main" val="3392819415"/>
       </p:ext>
     </p:extLst>
   </p:cSld>
@@ -13375,7 +13334,7 @@
               <a:rPr lang="en-US" b="1" dirty="0">
                 <a:latin typeface="Selawik Semibold" panose="020B0604020202020204" pitchFamily="34" charset="0"/>
               </a:rPr>
-              <a:t>What is Sports Analytics?</a:t>
+              <a:t>Dope Quote</a:t>
             </a:r>
           </a:p>
         </p:txBody>
@@ -13398,86 +13357,134 @@
         </p:nvSpPr>
         <p:spPr>
           <a:xfrm>
-            <a:off x="838199" y="2021249"/>
-            <a:ext cx="7324166" cy="4581257"/>
+            <a:off x="838198" y="2021249"/>
+            <a:ext cx="7425020" cy="4581257"/>
           </a:xfrm>
         </p:spPr>
         <p:txBody>
           <a:bodyPr>
-            <a:normAutofit/>
+            <a:normAutofit fontScale="92500" lnSpcReduction="10000"/>
           </a:bodyPr>
           <a:lstStyle/>
           <a:p>
-            <a:r>
-              <a:rPr lang="en-US" sz="2400" dirty="0">
+            <a:pPr marL="0" indent="0">
+              <a:buNone/>
+            </a:pPr>
+            <a:r>
+              <a:rPr lang="en-US" dirty="0">
                 <a:latin typeface="Selawik Semibold" panose="020B0702040204020203" pitchFamily="34" charset="0"/>
               </a:rPr>
-              <a:t>Defined by Ben </a:t>
-            </a:r>
-            <a:r>
-              <a:rPr lang="en-US" sz="2400" dirty="0" err="1">
+              <a:t>The most meaningful way to</a:t>
+            </a:r>
+          </a:p>
+          <a:p>
+            <a:pPr marL="0" indent="0">
+              <a:buNone/>
+            </a:pPr>
+            <a:r>
+              <a:rPr lang="en-US" dirty="0">
                 <a:latin typeface="Selawik Semibold" panose="020B0702040204020203" pitchFamily="34" charset="0"/>
               </a:rPr>
-              <a:t>Alamar</a:t>
-            </a:r>
-            <a:endParaRPr lang="en-US" sz="2000" dirty="0">
+              <a:t>differentiate your company from your</a:t>
+            </a:r>
+          </a:p>
+          <a:p>
+            <a:pPr marL="0" indent="0">
+              <a:buNone/>
+            </a:pPr>
+            <a:r>
+              <a:rPr lang="en-US" dirty="0">
+                <a:latin typeface="Selawik Semibold" panose="020B0702040204020203" pitchFamily="34" charset="0"/>
+              </a:rPr>
+              <a:t>competitors, the best way to put distance</a:t>
+            </a:r>
+          </a:p>
+          <a:p>
+            <a:pPr marL="0" indent="0">
+              <a:buNone/>
+            </a:pPr>
+            <a:r>
+              <a:rPr lang="en-US" dirty="0">
+                <a:latin typeface="Selawik Semibold" panose="020B0702040204020203" pitchFamily="34" charset="0"/>
+              </a:rPr>
+              <a:t>between you and the crowd is to do an</a:t>
+            </a:r>
+          </a:p>
+          <a:p>
+            <a:pPr marL="0" indent="0">
+              <a:buNone/>
+            </a:pPr>
+            <a:r>
+              <a:rPr lang="en-US" dirty="0">
+                <a:latin typeface="Selawik Semibold" panose="020B0702040204020203" pitchFamily="34" charset="0"/>
+              </a:rPr>
+              <a:t>outstanding job with information. </a:t>
+            </a:r>
+          </a:p>
+          <a:p>
+            <a:pPr marL="0" indent="0">
+              <a:buNone/>
+            </a:pPr>
+            <a:endParaRPr lang="en-US" dirty="0">
               <a:latin typeface="Selawik Semibold" panose="020B0702040204020203" pitchFamily="34" charset="0"/>
             </a:endParaRPr>
           </a:p>
           <a:p>
-            <a:pPr lvl="1"/>
-            <a:r>
-              <a:rPr lang="en-US" sz="2000" dirty="0">
+            <a:pPr marL="0" indent="0">
+              <a:buNone/>
+            </a:pPr>
+            <a:r>
+              <a:rPr lang="en-US" dirty="0">
                 <a:latin typeface="Selawik Semibold" panose="020B0702040204020203" pitchFamily="34" charset="0"/>
               </a:rPr>
-              <a:t>Data Management</a:t>
-            </a:r>
-          </a:p>
-          <a:p>
-            <a:pPr lvl="1"/>
-            <a:r>
-              <a:rPr lang="en-US" sz="2000" dirty="0">
+              <a:t>How you gather, manage, and use information</a:t>
+            </a:r>
+          </a:p>
+          <a:p>
+            <a:pPr marL="0" indent="0">
+              <a:buNone/>
+            </a:pPr>
+            <a:r>
+              <a:rPr lang="en-US" dirty="0">
                 <a:latin typeface="Selawik Semibold" panose="020B0702040204020203" pitchFamily="34" charset="0"/>
               </a:rPr>
-              <a:t>Predictive Models</a:t>
-            </a:r>
-          </a:p>
-          <a:p>
-            <a:pPr lvl="1"/>
-            <a:r>
-              <a:rPr lang="en-US" sz="2000" dirty="0">
+              <a:t>will determine whether you win or lose.</a:t>
+            </a:r>
+          </a:p>
+          <a:p>
+            <a:pPr marL="0" indent="0">
+              <a:buNone/>
+            </a:pPr>
+            <a:endParaRPr lang="en-US" dirty="0">
+              <a:latin typeface="Selawik Semibold" panose="020B0702040204020203" pitchFamily="34" charset="0"/>
+            </a:endParaRPr>
+          </a:p>
+          <a:p>
+            <a:pPr marL="0" indent="0">
+              <a:buNone/>
+            </a:pPr>
+            <a:r>
+              <a:rPr lang="en-US" dirty="0">
                 <a:latin typeface="Selawik Semibold" panose="020B0702040204020203" pitchFamily="34" charset="0"/>
               </a:rPr>
-              <a:t>Information Systems</a:t>
-            </a:r>
-          </a:p>
-          <a:p>
-            <a:pPr lvl="1"/>
-            <a:endParaRPr lang="en-US" sz="2000" dirty="0">
+              <a:t>- Bill Gates</a:t>
+            </a:r>
+          </a:p>
+          <a:p>
+            <a:pPr lvl="2"/>
+            <a:endParaRPr lang="en-US" sz="1600" dirty="0">
               <a:latin typeface="Selawik Semibold" panose="020B0702040204020203" pitchFamily="34" charset="0"/>
             </a:endParaRPr>
           </a:p>
           <a:p>
-            <a:pPr lvl="1"/>
-            <a:endParaRPr lang="en-US" sz="2000" dirty="0">
+            <a:pPr lvl="2"/>
+            <a:endParaRPr lang="en-US" sz="1600" dirty="0">
               <a:latin typeface="Selawik Semibold" panose="020B0702040204020203" pitchFamily="34" charset="0"/>
             </a:endParaRPr>
           </a:p>
           <a:p>
-            <a:pPr lvl="1"/>
-            <a:endParaRPr lang="en-US" sz="2000" dirty="0">
-              <a:latin typeface="Selawik Semibold" panose="020B0702040204020203" pitchFamily="34" charset="0"/>
-            </a:endParaRPr>
-          </a:p>
-          <a:p>
-            <a:pPr lvl="1"/>
-            <a:endParaRPr lang="en-US" sz="2000" dirty="0">
-              <a:latin typeface="Selawik Semibold" panose="020B0702040204020203" pitchFamily="34" charset="0"/>
-            </a:endParaRPr>
-          </a:p>
-          <a:p>
-            <a:pPr lvl="1"/>
-            <a:endParaRPr lang="en-US" sz="2000" dirty="0">
+            <a:pPr lvl="2"/>
+            <a:endParaRPr lang="en-US" sz="1600" dirty="0">
               <a:latin typeface="Selawik Semibold" panose="020B0702040204020203" pitchFamily="34" charset="0"/>
             </a:endParaRPr>
           </a:p>
@@ -13823,545 +13830,10 @@
           </a:p>
         </p:txBody>
       </p:sp>
-      <p:sp>
-        <p:nvSpPr>
-          <p:cNvPr id="7" name="TextBox 6">
-            <a:extLst>
-              <a:ext uri="{FF2B5EF4-FFF2-40B4-BE49-F238E27FC236}">
-                <a16:creationId xmlns:a16="http://schemas.microsoft.com/office/drawing/2014/main" id="{122E552F-CD5E-4928-A884-3509AF0AAD36}"/>
-              </a:ext>
-            </a:extLst>
-          </p:cNvPr>
-          <p:cNvSpPr txBox="1"/>
-          <p:nvPr/>
-        </p:nvSpPr>
-        <p:spPr>
-          <a:xfrm>
-            <a:off x="365718" y="3783182"/>
-            <a:ext cx="2205318" cy="954107"/>
-          </a:xfrm>
-          <a:prstGeom prst="rect">
-            <a:avLst/>
-          </a:prstGeom>
-        </p:spPr>
-        <p:style>
-          <a:lnRef idx="1">
-            <a:schemeClr val="dk1"/>
-          </a:lnRef>
-          <a:fillRef idx="3">
-            <a:schemeClr val="dk1"/>
-          </a:fillRef>
-          <a:effectRef idx="2">
-            <a:schemeClr val="dk1"/>
-          </a:effectRef>
-          <a:fontRef idx="minor">
-            <a:schemeClr val="lt1"/>
-          </a:fontRef>
-        </p:style>
-        <p:txBody>
-          <a:bodyPr wrap="square" rtlCol="0">
-            <a:spAutoFit/>
-          </a:bodyPr>
-          <a:lstStyle/>
-          <a:p>
-            <a:r>
-              <a:rPr lang="en-US" sz="2800" dirty="0"/>
-              <a:t>Data </a:t>
-            </a:r>
-          </a:p>
-          <a:p>
-            <a:r>
-              <a:rPr lang="en-US" sz="2800" dirty="0"/>
-              <a:t>Management</a:t>
-            </a:r>
-          </a:p>
-        </p:txBody>
-      </p:sp>
-      <p:sp>
-        <p:nvSpPr>
-          <p:cNvPr id="12" name="TextBox 11">
-            <a:extLst>
-              <a:ext uri="{FF2B5EF4-FFF2-40B4-BE49-F238E27FC236}">
-                <a16:creationId xmlns:a16="http://schemas.microsoft.com/office/drawing/2014/main" id="{26DA0C6F-C9E0-47D4-9FC9-FCD1D65D2721}"/>
-              </a:ext>
-            </a:extLst>
-          </p:cNvPr>
-          <p:cNvSpPr txBox="1"/>
-          <p:nvPr/>
-        </p:nvSpPr>
-        <p:spPr>
-          <a:xfrm>
-            <a:off x="353916" y="5407416"/>
-            <a:ext cx="2205318" cy="954107"/>
-          </a:xfrm>
-          <a:prstGeom prst="rect">
-            <a:avLst/>
-          </a:prstGeom>
-        </p:spPr>
-        <p:style>
-          <a:lnRef idx="1">
-            <a:schemeClr val="dk1"/>
-          </a:lnRef>
-          <a:fillRef idx="3">
-            <a:schemeClr val="dk1"/>
-          </a:fillRef>
-          <a:effectRef idx="2">
-            <a:schemeClr val="dk1"/>
-          </a:effectRef>
-          <a:fontRef idx="minor">
-            <a:schemeClr val="lt1"/>
-          </a:fontRef>
-        </p:style>
-        <p:txBody>
-          <a:bodyPr wrap="square" rtlCol="0">
-            <a:spAutoFit/>
-          </a:bodyPr>
-          <a:lstStyle/>
-          <a:p>
-            <a:r>
-              <a:rPr lang="en-US" sz="2800" dirty="0"/>
-              <a:t>Analytic Models</a:t>
-            </a:r>
-          </a:p>
-        </p:txBody>
-      </p:sp>
-      <p:sp>
-        <p:nvSpPr>
-          <p:cNvPr id="13" name="TextBox 12">
-            <a:extLst>
-              <a:ext uri="{FF2B5EF4-FFF2-40B4-BE49-F238E27FC236}">
-                <a16:creationId xmlns:a16="http://schemas.microsoft.com/office/drawing/2014/main" id="{992BD579-13F5-48CC-B1C8-16F0934F3B44}"/>
-              </a:ext>
-            </a:extLst>
-          </p:cNvPr>
-          <p:cNvSpPr txBox="1"/>
-          <p:nvPr/>
-        </p:nvSpPr>
-        <p:spPr>
-          <a:xfrm>
-            <a:off x="3225728" y="4163036"/>
-            <a:ext cx="1907548" cy="954107"/>
-          </a:xfrm>
-          <a:prstGeom prst="rect">
-            <a:avLst/>
-          </a:prstGeom>
-        </p:spPr>
-        <p:style>
-          <a:lnRef idx="1">
-            <a:schemeClr val="dk1"/>
-          </a:lnRef>
-          <a:fillRef idx="3">
-            <a:schemeClr val="dk1"/>
-          </a:fillRef>
-          <a:effectRef idx="2">
-            <a:schemeClr val="dk1"/>
-          </a:effectRef>
-          <a:fontRef idx="minor">
-            <a:schemeClr val="lt1"/>
-          </a:fontRef>
-        </p:style>
-        <p:txBody>
-          <a:bodyPr wrap="square" rtlCol="0">
-            <a:spAutoFit/>
-          </a:bodyPr>
-          <a:lstStyle/>
-          <a:p>
-            <a:r>
-              <a:rPr lang="en-US" sz="2800" dirty="0"/>
-              <a:t>Information</a:t>
-            </a:r>
-          </a:p>
-          <a:p>
-            <a:r>
-              <a:rPr lang="en-US" sz="2800" dirty="0"/>
-              <a:t>Systems</a:t>
-            </a:r>
-          </a:p>
-        </p:txBody>
-      </p:sp>
-      <p:pic>
-        <p:nvPicPr>
-          <p:cNvPr id="10" name="Picture 9" descr="Decision Maker">
-            <a:extLst>
-              <a:ext uri="{FF2B5EF4-FFF2-40B4-BE49-F238E27FC236}">
-                <a16:creationId xmlns:a16="http://schemas.microsoft.com/office/drawing/2014/main" id="{2911B196-1EA3-4ECD-850B-F7838FAD07BC}"/>
-              </a:ext>
-            </a:extLst>
-          </p:cNvPr>
-          <p:cNvPicPr>
-            <a:picLocks noChangeAspect="1"/>
-          </p:cNvPicPr>
-          <p:nvPr/>
-        </p:nvPicPr>
-        <p:blipFill>
-          <a:blip r:embed="rId5">
-            <a:extLst>
-              <a:ext uri="{28A0092B-C50C-407E-A947-70E740481C1C}">
-                <a14:useLocalDpi xmlns:a14="http://schemas.microsoft.com/office/drawing/2010/main" val="0"/>
-              </a:ext>
-            </a:extLst>
-          </a:blip>
-          <a:stretch>
-            <a:fillRect/>
-          </a:stretch>
-        </p:blipFill>
-        <p:spPr>
-          <a:xfrm>
-            <a:off x="5787968" y="4375030"/>
-            <a:ext cx="2538848" cy="1516803"/>
-          </a:xfrm>
-          <a:prstGeom prst="rect">
-            <a:avLst/>
-          </a:prstGeom>
-          <a:solidFill>
-            <a:srgbClr val="000000">
-              <a:shade val="95000"/>
-            </a:srgbClr>
-          </a:solidFill>
-          <a:ln w="28575" cap="sq">
-            <a:solidFill>
-              <a:srgbClr val="000000"/>
-            </a:solidFill>
-            <a:miter lim="800000"/>
-          </a:ln>
-          <a:effectLst>
-            <a:outerShdw blurRad="254000" dist="190500" dir="2700000" sy="90000" algn="bl" rotWithShape="0">
-              <a:srgbClr val="000000">
-                <a:alpha val="40000"/>
-              </a:srgbClr>
-            </a:outerShdw>
-          </a:effectLst>
-        </p:spPr>
-      </p:pic>
-      <p:sp>
-        <p:nvSpPr>
-          <p:cNvPr id="17" name="TextBox 16">
-            <a:extLst>
-              <a:ext uri="{FF2B5EF4-FFF2-40B4-BE49-F238E27FC236}">
-                <a16:creationId xmlns:a16="http://schemas.microsoft.com/office/drawing/2014/main" id="{50914ED0-975E-41B2-86EC-5995292303DF}"/>
-              </a:ext>
-            </a:extLst>
-          </p:cNvPr>
-          <p:cNvSpPr txBox="1"/>
-          <p:nvPr/>
-        </p:nvSpPr>
-        <p:spPr>
-          <a:xfrm>
-            <a:off x="5848506" y="5977904"/>
-            <a:ext cx="2421642" cy="523220"/>
-          </a:xfrm>
-          <a:prstGeom prst="rect">
-            <a:avLst/>
-          </a:prstGeom>
-        </p:spPr>
-        <p:style>
-          <a:lnRef idx="1">
-            <a:schemeClr val="dk1"/>
-          </a:lnRef>
-          <a:fillRef idx="3">
-            <a:schemeClr val="dk1"/>
-          </a:fillRef>
-          <a:effectRef idx="2">
-            <a:schemeClr val="dk1"/>
-          </a:effectRef>
-          <a:fontRef idx="minor">
-            <a:schemeClr val="lt1"/>
-          </a:fontRef>
-        </p:style>
-        <p:txBody>
-          <a:bodyPr wrap="square" rtlCol="0">
-            <a:spAutoFit/>
-          </a:bodyPr>
-          <a:lstStyle/>
-          <a:p>
-            <a:r>
-              <a:rPr lang="en-US" sz="2800" dirty="0"/>
-              <a:t>Decision Maker</a:t>
-            </a:r>
-          </a:p>
-        </p:txBody>
-      </p:sp>
-      <p:sp>
-        <p:nvSpPr>
-          <p:cNvPr id="18" name="Arrow: Right 17">
-            <a:extLst>
-              <a:ext uri="{FF2B5EF4-FFF2-40B4-BE49-F238E27FC236}">
-                <a16:creationId xmlns:a16="http://schemas.microsoft.com/office/drawing/2014/main" id="{034BACA9-7E25-4051-A7E8-D2B4C2C0145B}"/>
-              </a:ext>
-            </a:extLst>
-          </p:cNvPr>
-          <p:cNvSpPr/>
-          <p:nvPr/>
-        </p:nvSpPr>
-        <p:spPr>
-          <a:xfrm rot="5400000">
-            <a:off x="1139801" y="4911200"/>
-            <a:ext cx="497541" cy="318768"/>
-          </a:xfrm>
-          <a:prstGeom prst="rightArrow">
-            <a:avLst/>
-          </a:prstGeom>
-        </p:spPr>
-        <p:style>
-          <a:lnRef idx="2">
-            <a:schemeClr val="dk1">
-              <a:shade val="50000"/>
-            </a:schemeClr>
-          </a:lnRef>
-          <a:fillRef idx="1">
-            <a:schemeClr val="dk1"/>
-          </a:fillRef>
-          <a:effectRef idx="0">
-            <a:schemeClr val="dk1"/>
-          </a:effectRef>
-          <a:fontRef idx="minor">
-            <a:schemeClr val="lt1"/>
-          </a:fontRef>
-        </p:style>
-        <p:txBody>
-          <a:bodyPr rtlCol="0" anchor="ctr"/>
-          <a:lstStyle/>
-          <a:p>
-            <a:pPr algn="ctr"/>
-            <a:endParaRPr lang="en-US"/>
-          </a:p>
-        </p:txBody>
-      </p:sp>
-      <p:sp>
-        <p:nvSpPr>
-          <p:cNvPr id="20" name="Arrow: Right 19">
-            <a:extLst>
-              <a:ext uri="{FF2B5EF4-FFF2-40B4-BE49-F238E27FC236}">
-                <a16:creationId xmlns:a16="http://schemas.microsoft.com/office/drawing/2014/main" id="{8BA0E7CA-81EF-4647-8038-D30905E3C7C9}"/>
-              </a:ext>
-            </a:extLst>
-          </p:cNvPr>
-          <p:cNvSpPr/>
-          <p:nvPr/>
-        </p:nvSpPr>
-        <p:spPr>
-          <a:xfrm>
-            <a:off x="2660863" y="4375030"/>
-            <a:ext cx="497541" cy="318768"/>
-          </a:xfrm>
-          <a:prstGeom prst="rightArrow">
-            <a:avLst/>
-          </a:prstGeom>
-        </p:spPr>
-        <p:style>
-          <a:lnRef idx="2">
-            <a:schemeClr val="dk1">
-              <a:shade val="50000"/>
-            </a:schemeClr>
-          </a:lnRef>
-          <a:fillRef idx="1">
-            <a:schemeClr val="dk1"/>
-          </a:fillRef>
-          <a:effectRef idx="0">
-            <a:schemeClr val="dk1"/>
-          </a:effectRef>
-          <a:fontRef idx="minor">
-            <a:schemeClr val="lt1"/>
-          </a:fontRef>
-        </p:style>
-        <p:txBody>
-          <a:bodyPr rtlCol="0" anchor="ctr"/>
-          <a:lstStyle/>
-          <a:p>
-            <a:pPr algn="ctr"/>
-            <a:endParaRPr lang="en-US"/>
-          </a:p>
-        </p:txBody>
-      </p:sp>
-      <p:sp>
-        <p:nvSpPr>
-          <p:cNvPr id="21" name="Arrow: Right 20">
-            <a:extLst>
-              <a:ext uri="{FF2B5EF4-FFF2-40B4-BE49-F238E27FC236}">
-                <a16:creationId xmlns:a16="http://schemas.microsoft.com/office/drawing/2014/main" id="{56068537-B0AA-411A-BA6C-AF1101648815}"/>
-              </a:ext>
-            </a:extLst>
-          </p:cNvPr>
-          <p:cNvSpPr/>
-          <p:nvPr/>
-        </p:nvSpPr>
-        <p:spPr>
-          <a:xfrm rot="20363812">
-            <a:off x="2589987" y="5114621"/>
-            <a:ext cx="574536" cy="318768"/>
-          </a:xfrm>
-          <a:prstGeom prst="rightArrow">
-            <a:avLst/>
-          </a:prstGeom>
-        </p:spPr>
-        <p:style>
-          <a:lnRef idx="2">
-            <a:schemeClr val="dk1">
-              <a:shade val="50000"/>
-            </a:schemeClr>
-          </a:lnRef>
-          <a:fillRef idx="1">
-            <a:schemeClr val="dk1"/>
-          </a:fillRef>
-          <a:effectRef idx="0">
-            <a:schemeClr val="dk1"/>
-          </a:effectRef>
-          <a:fontRef idx="minor">
-            <a:schemeClr val="lt1"/>
-          </a:fontRef>
-        </p:style>
-        <p:txBody>
-          <a:bodyPr rtlCol="0" anchor="ctr"/>
-          <a:lstStyle/>
-          <a:p>
-            <a:pPr algn="ctr"/>
-            <a:endParaRPr lang="en-US"/>
-          </a:p>
-        </p:txBody>
-      </p:sp>
-      <p:sp>
-        <p:nvSpPr>
-          <p:cNvPr id="22" name="Arrow: Right 21">
-            <a:extLst>
-              <a:ext uri="{FF2B5EF4-FFF2-40B4-BE49-F238E27FC236}">
-                <a16:creationId xmlns:a16="http://schemas.microsoft.com/office/drawing/2014/main" id="{D65390E2-9ECB-47DE-9675-CB5E939AB195}"/>
-              </a:ext>
-            </a:extLst>
-          </p:cNvPr>
-          <p:cNvSpPr/>
-          <p:nvPr/>
-        </p:nvSpPr>
-        <p:spPr>
-          <a:xfrm>
-            <a:off x="2655762" y="5786866"/>
-            <a:ext cx="2965922" cy="318768"/>
-          </a:xfrm>
-          <a:prstGeom prst="rightArrow">
-            <a:avLst/>
-          </a:prstGeom>
-        </p:spPr>
-        <p:style>
-          <a:lnRef idx="2">
-            <a:schemeClr val="dk1">
-              <a:shade val="50000"/>
-            </a:schemeClr>
-          </a:lnRef>
-          <a:fillRef idx="1">
-            <a:schemeClr val="dk1"/>
-          </a:fillRef>
-          <a:effectRef idx="0">
-            <a:schemeClr val="dk1"/>
-          </a:effectRef>
-          <a:fontRef idx="minor">
-            <a:schemeClr val="lt1"/>
-          </a:fontRef>
-        </p:style>
-        <p:txBody>
-          <a:bodyPr rtlCol="0" anchor="ctr"/>
-          <a:lstStyle/>
-          <a:p>
-            <a:pPr algn="ctr"/>
-            <a:endParaRPr lang="en-US"/>
-          </a:p>
-        </p:txBody>
-      </p:sp>
-      <p:sp>
-        <p:nvSpPr>
-          <p:cNvPr id="23" name="Arrow: Right 22">
-            <a:extLst>
-              <a:ext uri="{FF2B5EF4-FFF2-40B4-BE49-F238E27FC236}">
-                <a16:creationId xmlns:a16="http://schemas.microsoft.com/office/drawing/2014/main" id="{C46C3C4B-3AA7-4E8E-8FCB-77B719504DD8}"/>
-              </a:ext>
-            </a:extLst>
-          </p:cNvPr>
-          <p:cNvSpPr/>
-          <p:nvPr/>
-        </p:nvSpPr>
-        <p:spPr>
-          <a:xfrm>
-            <a:off x="5214009" y="4695767"/>
-            <a:ext cx="497541" cy="318768"/>
-          </a:xfrm>
-          <a:prstGeom prst="rightArrow">
-            <a:avLst/>
-          </a:prstGeom>
-        </p:spPr>
-        <p:style>
-          <a:lnRef idx="2">
-            <a:schemeClr val="dk1">
-              <a:shade val="50000"/>
-            </a:schemeClr>
-          </a:lnRef>
-          <a:fillRef idx="1">
-            <a:schemeClr val="dk1"/>
-          </a:fillRef>
-          <a:effectRef idx="0">
-            <a:schemeClr val="dk1"/>
-          </a:effectRef>
-          <a:fontRef idx="minor">
-            <a:schemeClr val="lt1"/>
-          </a:fontRef>
-        </p:style>
-        <p:txBody>
-          <a:bodyPr rtlCol="0" anchor="ctr"/>
-          <a:lstStyle/>
-          <a:p>
-            <a:pPr algn="ctr"/>
-            <a:endParaRPr lang="en-US"/>
-          </a:p>
-        </p:txBody>
-      </p:sp>
-      <p:sp>
-        <p:nvSpPr>
-          <p:cNvPr id="19" name="Rectangle 18">
-            <a:extLst>
-              <a:ext uri="{FF2B5EF4-FFF2-40B4-BE49-F238E27FC236}">
-                <a16:creationId xmlns:a16="http://schemas.microsoft.com/office/drawing/2014/main" id="{0F2662DF-6B81-4BCB-BE84-0E68709D2B8F}"/>
-              </a:ext>
-            </a:extLst>
-          </p:cNvPr>
-          <p:cNvSpPr/>
-          <p:nvPr/>
-        </p:nvSpPr>
-        <p:spPr>
-          <a:xfrm>
-            <a:off x="260181" y="6334719"/>
-            <a:ext cx="4017387" cy="369332"/>
-          </a:xfrm>
-          <a:prstGeom prst="rect">
-            <a:avLst/>
-          </a:prstGeom>
-        </p:spPr>
-        <p:txBody>
-          <a:bodyPr wrap="square">
-            <a:spAutoFit/>
-          </a:bodyPr>
-          <a:lstStyle/>
-          <a:p>
-            <a:r>
-              <a:rPr lang="en-US" dirty="0"/>
-              <a:t>Based on </a:t>
-            </a:r>
-            <a:r>
-              <a:rPr lang="en-US" i="1" dirty="0"/>
-              <a:t>Sports Analytics</a:t>
-            </a:r>
-            <a:r>
-              <a:rPr lang="en-US" dirty="0"/>
-              <a:t> by Ben </a:t>
-            </a:r>
-            <a:r>
-              <a:rPr lang="en-US" dirty="0" err="1"/>
-              <a:t>Alamar</a:t>
-            </a:r>
-            <a:endParaRPr lang="en-US" dirty="0"/>
-          </a:p>
-        </p:txBody>
-      </p:sp>
     </p:spTree>
     <p:extLst>
       <p:ext uri="{BB962C8B-B14F-4D97-AF65-F5344CB8AC3E}">
-        <p14:creationId xmlns:p14="http://schemas.microsoft.com/office/powerpoint/2010/main" val="4266006054"/>
+        <p14:creationId xmlns:p14="http://schemas.microsoft.com/office/powerpoint/2010/main" val="289489808"/>
       </p:ext>
     </p:extLst>
   </p:cSld>
@@ -14528,33 +14000,17 @@
               <a:rPr lang="en-US" sz="2400" dirty="0">
                 <a:latin typeface="Selawik Semibold" panose="020B0702040204020203" pitchFamily="34" charset="0"/>
               </a:rPr>
-              <a:t>Purpose: To Aid an Organization’s </a:t>
-            </a:r>
-            <a:r>
-              <a:rPr lang="en-US" sz="2400" u="sng" dirty="0">
+              <a:t>Defined by Ben </a:t>
+            </a:r>
+            <a:r>
+              <a:rPr lang="en-US" sz="2400" dirty="0" err="1">
                 <a:latin typeface="Selawik Semibold" panose="020B0702040204020203" pitchFamily="34" charset="0"/>
               </a:rPr>
-              <a:t>Decision Makers</a:t>
-            </a:r>
-            <a:r>
-              <a:rPr lang="en-US" sz="2400" dirty="0">
-                <a:latin typeface="Selawik Semibold" panose="020B0702040204020203" pitchFamily="34" charset="0"/>
-              </a:rPr>
-              <a:t> in Gaining a Competitive Advantage</a:t>
-            </a:r>
-          </a:p>
-          <a:p>
-            <a:endParaRPr lang="en-US" sz="2400" dirty="0">
+              <a:t>Alamar</a:t>
+            </a:r>
+            <a:endParaRPr lang="en-US" sz="2000" dirty="0">
               <a:latin typeface="Selawik Semibold" panose="020B0702040204020203" pitchFamily="34" charset="0"/>
             </a:endParaRPr>
-          </a:p>
-          <a:p>
-            <a:r>
-              <a:rPr lang="en-US" sz="2400" dirty="0">
-                <a:latin typeface="Selawik Semibold" panose="020B0702040204020203" pitchFamily="34" charset="0"/>
-              </a:rPr>
-              <a:t>Goals</a:t>
-            </a:r>
           </a:p>
           <a:p>
             <a:pPr lvl="1"/>
@@ -14562,18 +14018,25 @@
               <a:rPr lang="en-US" sz="2000" dirty="0">
                 <a:latin typeface="Selawik Semibold" panose="020B0702040204020203" pitchFamily="34" charset="0"/>
               </a:rPr>
-              <a:t>Save the Decision Maker Time by Making Information Acquisition Efficient </a:t>
-            </a:r>
-          </a:p>
-          <a:p>
-            <a:pPr marL="457200" lvl="1" indent="0">
-              <a:buNone/>
-            </a:pPr>
+              <a:t>Data Management</a:t>
+            </a:r>
+          </a:p>
+          <a:p>
+            <a:pPr lvl="1"/>
             <a:r>
               <a:rPr lang="en-US" sz="2000" dirty="0">
                 <a:latin typeface="Selawik Semibold" panose="020B0702040204020203" pitchFamily="34" charset="0"/>
               </a:rPr>
-              <a:t>   (Data Management/Information Systems)</a:t>
+              <a:t>Predictive Models</a:t>
+            </a:r>
+          </a:p>
+          <a:p>
+            <a:pPr lvl="1"/>
+            <a:r>
+              <a:rPr lang="en-US" sz="2000" dirty="0">
+                <a:latin typeface="Selawik Semibold" panose="020B0702040204020203" pitchFamily="34" charset="0"/>
+              </a:rPr>
+              <a:t>Information Systems</a:t>
             </a:r>
           </a:p>
           <a:p>
@@ -14584,55 +14047,7 @@
           </a:p>
           <a:p>
             <a:pPr lvl="1"/>
-            <a:r>
-              <a:rPr lang="en-US" sz="2000" dirty="0">
-                <a:latin typeface="Selawik Semibold" panose="020B0702040204020203" pitchFamily="34" charset="0"/>
-              </a:rPr>
-              <a:t>Provide Decision Makers with Novel Insight</a:t>
-            </a:r>
-          </a:p>
-          <a:p>
-            <a:pPr marL="457200" lvl="1" indent="0">
-              <a:buNone/>
-            </a:pPr>
-            <a:r>
-              <a:rPr lang="en-US" sz="2000" dirty="0">
-                <a:latin typeface="Selawik Semibold" panose="020B0702040204020203" pitchFamily="34" charset="0"/>
-              </a:rPr>
-              <a:t>   (Analytic Models)</a:t>
-            </a:r>
-          </a:p>
-          <a:p>
-            <a:pPr marL="457200" lvl="1" indent="0">
-              <a:buNone/>
-            </a:pPr>
             <a:endParaRPr lang="en-US" sz="2000" dirty="0">
-              <a:latin typeface="Selawik Semibold" panose="020B0702040204020203" pitchFamily="34" charset="0"/>
-            </a:endParaRPr>
-          </a:p>
-          <a:p>
-            <a:r>
-              <a:rPr lang="en-US" sz="2400" dirty="0">
-                <a:latin typeface="Selawik Semibold" panose="020B0702040204020203" pitchFamily="34" charset="0"/>
-              </a:rPr>
-              <a:t>We are an Accessory to the Decision Maker</a:t>
-            </a:r>
-          </a:p>
-          <a:p>
-            <a:pPr lvl="1"/>
-            <a:endParaRPr lang="en-US" sz="2000" dirty="0">
-              <a:latin typeface="Selawik Semibold" panose="020B0702040204020203" pitchFamily="34" charset="0"/>
-            </a:endParaRPr>
-          </a:p>
-          <a:p>
-            <a:pPr lvl="1"/>
-            <a:endParaRPr lang="en-US" sz="2000" dirty="0">
-              <a:latin typeface="Selawik Semibold" panose="020B0702040204020203" pitchFamily="34" charset="0"/>
-            </a:endParaRPr>
-          </a:p>
-          <a:p>
-            <a:pPr lvl="1"/>
-            <a:endParaRPr lang="en-US" sz="1600" dirty="0">
               <a:latin typeface="Selawik Semibold" panose="020B0702040204020203" pitchFamily="34" charset="0"/>
             </a:endParaRPr>
           </a:p>
@@ -14996,10 +14411,545 @@
           </a:p>
         </p:txBody>
       </p:sp>
+      <p:sp>
+        <p:nvSpPr>
+          <p:cNvPr id="7" name="TextBox 6">
+            <a:extLst>
+              <a:ext uri="{FF2B5EF4-FFF2-40B4-BE49-F238E27FC236}">
+                <a16:creationId xmlns:a16="http://schemas.microsoft.com/office/drawing/2014/main" id="{122E552F-CD5E-4928-A884-3509AF0AAD36}"/>
+              </a:ext>
+            </a:extLst>
+          </p:cNvPr>
+          <p:cNvSpPr txBox="1"/>
+          <p:nvPr/>
+        </p:nvSpPr>
+        <p:spPr>
+          <a:xfrm>
+            <a:off x="365718" y="3783182"/>
+            <a:ext cx="2205318" cy="954107"/>
+          </a:xfrm>
+          <a:prstGeom prst="rect">
+            <a:avLst/>
+          </a:prstGeom>
+        </p:spPr>
+        <p:style>
+          <a:lnRef idx="1">
+            <a:schemeClr val="dk1"/>
+          </a:lnRef>
+          <a:fillRef idx="3">
+            <a:schemeClr val="dk1"/>
+          </a:fillRef>
+          <a:effectRef idx="2">
+            <a:schemeClr val="dk1"/>
+          </a:effectRef>
+          <a:fontRef idx="minor">
+            <a:schemeClr val="lt1"/>
+          </a:fontRef>
+        </p:style>
+        <p:txBody>
+          <a:bodyPr wrap="square" rtlCol="0">
+            <a:spAutoFit/>
+          </a:bodyPr>
+          <a:lstStyle/>
+          <a:p>
+            <a:r>
+              <a:rPr lang="en-US" sz="2800" dirty="0"/>
+              <a:t>Data </a:t>
+            </a:r>
+          </a:p>
+          <a:p>
+            <a:r>
+              <a:rPr lang="en-US" sz="2800" dirty="0"/>
+              <a:t>Management</a:t>
+            </a:r>
+          </a:p>
+        </p:txBody>
+      </p:sp>
+      <p:sp>
+        <p:nvSpPr>
+          <p:cNvPr id="12" name="TextBox 11">
+            <a:extLst>
+              <a:ext uri="{FF2B5EF4-FFF2-40B4-BE49-F238E27FC236}">
+                <a16:creationId xmlns:a16="http://schemas.microsoft.com/office/drawing/2014/main" id="{26DA0C6F-C9E0-47D4-9FC9-FCD1D65D2721}"/>
+              </a:ext>
+            </a:extLst>
+          </p:cNvPr>
+          <p:cNvSpPr txBox="1"/>
+          <p:nvPr/>
+        </p:nvSpPr>
+        <p:spPr>
+          <a:xfrm>
+            <a:off x="353916" y="5407416"/>
+            <a:ext cx="2205318" cy="954107"/>
+          </a:xfrm>
+          <a:prstGeom prst="rect">
+            <a:avLst/>
+          </a:prstGeom>
+        </p:spPr>
+        <p:style>
+          <a:lnRef idx="1">
+            <a:schemeClr val="dk1"/>
+          </a:lnRef>
+          <a:fillRef idx="3">
+            <a:schemeClr val="dk1"/>
+          </a:fillRef>
+          <a:effectRef idx="2">
+            <a:schemeClr val="dk1"/>
+          </a:effectRef>
+          <a:fontRef idx="minor">
+            <a:schemeClr val="lt1"/>
+          </a:fontRef>
+        </p:style>
+        <p:txBody>
+          <a:bodyPr wrap="square" rtlCol="0">
+            <a:spAutoFit/>
+          </a:bodyPr>
+          <a:lstStyle/>
+          <a:p>
+            <a:r>
+              <a:rPr lang="en-US" sz="2800" dirty="0"/>
+              <a:t>Analytic Models</a:t>
+            </a:r>
+          </a:p>
+        </p:txBody>
+      </p:sp>
+      <p:sp>
+        <p:nvSpPr>
+          <p:cNvPr id="13" name="TextBox 12">
+            <a:extLst>
+              <a:ext uri="{FF2B5EF4-FFF2-40B4-BE49-F238E27FC236}">
+                <a16:creationId xmlns:a16="http://schemas.microsoft.com/office/drawing/2014/main" id="{992BD579-13F5-48CC-B1C8-16F0934F3B44}"/>
+              </a:ext>
+            </a:extLst>
+          </p:cNvPr>
+          <p:cNvSpPr txBox="1"/>
+          <p:nvPr/>
+        </p:nvSpPr>
+        <p:spPr>
+          <a:xfrm>
+            <a:off x="3225728" y="4163036"/>
+            <a:ext cx="1907548" cy="954107"/>
+          </a:xfrm>
+          <a:prstGeom prst="rect">
+            <a:avLst/>
+          </a:prstGeom>
+        </p:spPr>
+        <p:style>
+          <a:lnRef idx="1">
+            <a:schemeClr val="dk1"/>
+          </a:lnRef>
+          <a:fillRef idx="3">
+            <a:schemeClr val="dk1"/>
+          </a:fillRef>
+          <a:effectRef idx="2">
+            <a:schemeClr val="dk1"/>
+          </a:effectRef>
+          <a:fontRef idx="minor">
+            <a:schemeClr val="lt1"/>
+          </a:fontRef>
+        </p:style>
+        <p:txBody>
+          <a:bodyPr wrap="square" rtlCol="0">
+            <a:spAutoFit/>
+          </a:bodyPr>
+          <a:lstStyle/>
+          <a:p>
+            <a:r>
+              <a:rPr lang="en-US" sz="2800" dirty="0"/>
+              <a:t>Information</a:t>
+            </a:r>
+          </a:p>
+          <a:p>
+            <a:r>
+              <a:rPr lang="en-US" sz="2800" dirty="0"/>
+              <a:t>Systems</a:t>
+            </a:r>
+          </a:p>
+        </p:txBody>
+      </p:sp>
+      <p:pic>
+        <p:nvPicPr>
+          <p:cNvPr id="10" name="Picture 9" descr="Decision Maker">
+            <a:extLst>
+              <a:ext uri="{FF2B5EF4-FFF2-40B4-BE49-F238E27FC236}">
+                <a16:creationId xmlns:a16="http://schemas.microsoft.com/office/drawing/2014/main" id="{2911B196-1EA3-4ECD-850B-F7838FAD07BC}"/>
+              </a:ext>
+            </a:extLst>
+          </p:cNvPr>
+          <p:cNvPicPr>
+            <a:picLocks noChangeAspect="1"/>
+          </p:cNvPicPr>
+          <p:nvPr/>
+        </p:nvPicPr>
+        <p:blipFill>
+          <a:blip r:embed="rId5">
+            <a:extLst>
+              <a:ext uri="{28A0092B-C50C-407E-A947-70E740481C1C}">
+                <a14:useLocalDpi xmlns:a14="http://schemas.microsoft.com/office/drawing/2010/main" val="0"/>
+              </a:ext>
+            </a:extLst>
+          </a:blip>
+          <a:stretch>
+            <a:fillRect/>
+          </a:stretch>
+        </p:blipFill>
+        <p:spPr>
+          <a:xfrm>
+            <a:off x="5787968" y="4375030"/>
+            <a:ext cx="2538848" cy="1516803"/>
+          </a:xfrm>
+          <a:prstGeom prst="rect">
+            <a:avLst/>
+          </a:prstGeom>
+          <a:solidFill>
+            <a:srgbClr val="000000">
+              <a:shade val="95000"/>
+            </a:srgbClr>
+          </a:solidFill>
+          <a:ln w="28575" cap="sq">
+            <a:solidFill>
+              <a:srgbClr val="000000"/>
+            </a:solidFill>
+            <a:miter lim="800000"/>
+          </a:ln>
+          <a:effectLst>
+            <a:outerShdw blurRad="254000" dist="190500" dir="2700000" sy="90000" algn="bl" rotWithShape="0">
+              <a:srgbClr val="000000">
+                <a:alpha val="40000"/>
+              </a:srgbClr>
+            </a:outerShdw>
+          </a:effectLst>
+        </p:spPr>
+      </p:pic>
+      <p:sp>
+        <p:nvSpPr>
+          <p:cNvPr id="17" name="TextBox 16">
+            <a:extLst>
+              <a:ext uri="{FF2B5EF4-FFF2-40B4-BE49-F238E27FC236}">
+                <a16:creationId xmlns:a16="http://schemas.microsoft.com/office/drawing/2014/main" id="{50914ED0-975E-41B2-86EC-5995292303DF}"/>
+              </a:ext>
+            </a:extLst>
+          </p:cNvPr>
+          <p:cNvSpPr txBox="1"/>
+          <p:nvPr/>
+        </p:nvSpPr>
+        <p:spPr>
+          <a:xfrm>
+            <a:off x="5848506" y="5977904"/>
+            <a:ext cx="2421642" cy="523220"/>
+          </a:xfrm>
+          <a:prstGeom prst="rect">
+            <a:avLst/>
+          </a:prstGeom>
+        </p:spPr>
+        <p:style>
+          <a:lnRef idx="1">
+            <a:schemeClr val="dk1"/>
+          </a:lnRef>
+          <a:fillRef idx="3">
+            <a:schemeClr val="dk1"/>
+          </a:fillRef>
+          <a:effectRef idx="2">
+            <a:schemeClr val="dk1"/>
+          </a:effectRef>
+          <a:fontRef idx="minor">
+            <a:schemeClr val="lt1"/>
+          </a:fontRef>
+        </p:style>
+        <p:txBody>
+          <a:bodyPr wrap="square" rtlCol="0">
+            <a:spAutoFit/>
+          </a:bodyPr>
+          <a:lstStyle/>
+          <a:p>
+            <a:r>
+              <a:rPr lang="en-US" sz="2800" dirty="0"/>
+              <a:t>Decision Maker</a:t>
+            </a:r>
+          </a:p>
+        </p:txBody>
+      </p:sp>
+      <p:sp>
+        <p:nvSpPr>
+          <p:cNvPr id="18" name="Arrow: Right 17">
+            <a:extLst>
+              <a:ext uri="{FF2B5EF4-FFF2-40B4-BE49-F238E27FC236}">
+                <a16:creationId xmlns:a16="http://schemas.microsoft.com/office/drawing/2014/main" id="{034BACA9-7E25-4051-A7E8-D2B4C2C0145B}"/>
+              </a:ext>
+            </a:extLst>
+          </p:cNvPr>
+          <p:cNvSpPr/>
+          <p:nvPr/>
+        </p:nvSpPr>
+        <p:spPr>
+          <a:xfrm rot="5400000">
+            <a:off x="1139801" y="4911200"/>
+            <a:ext cx="497541" cy="318768"/>
+          </a:xfrm>
+          <a:prstGeom prst="rightArrow">
+            <a:avLst/>
+          </a:prstGeom>
+        </p:spPr>
+        <p:style>
+          <a:lnRef idx="2">
+            <a:schemeClr val="dk1">
+              <a:shade val="50000"/>
+            </a:schemeClr>
+          </a:lnRef>
+          <a:fillRef idx="1">
+            <a:schemeClr val="dk1"/>
+          </a:fillRef>
+          <a:effectRef idx="0">
+            <a:schemeClr val="dk1"/>
+          </a:effectRef>
+          <a:fontRef idx="minor">
+            <a:schemeClr val="lt1"/>
+          </a:fontRef>
+        </p:style>
+        <p:txBody>
+          <a:bodyPr rtlCol="0" anchor="ctr"/>
+          <a:lstStyle/>
+          <a:p>
+            <a:pPr algn="ctr"/>
+            <a:endParaRPr lang="en-US"/>
+          </a:p>
+        </p:txBody>
+      </p:sp>
+      <p:sp>
+        <p:nvSpPr>
+          <p:cNvPr id="20" name="Arrow: Right 19">
+            <a:extLst>
+              <a:ext uri="{FF2B5EF4-FFF2-40B4-BE49-F238E27FC236}">
+                <a16:creationId xmlns:a16="http://schemas.microsoft.com/office/drawing/2014/main" id="{8BA0E7CA-81EF-4647-8038-D30905E3C7C9}"/>
+              </a:ext>
+            </a:extLst>
+          </p:cNvPr>
+          <p:cNvSpPr/>
+          <p:nvPr/>
+        </p:nvSpPr>
+        <p:spPr>
+          <a:xfrm>
+            <a:off x="2660863" y="4375030"/>
+            <a:ext cx="497541" cy="318768"/>
+          </a:xfrm>
+          <a:prstGeom prst="rightArrow">
+            <a:avLst/>
+          </a:prstGeom>
+        </p:spPr>
+        <p:style>
+          <a:lnRef idx="2">
+            <a:schemeClr val="dk1">
+              <a:shade val="50000"/>
+            </a:schemeClr>
+          </a:lnRef>
+          <a:fillRef idx="1">
+            <a:schemeClr val="dk1"/>
+          </a:fillRef>
+          <a:effectRef idx="0">
+            <a:schemeClr val="dk1"/>
+          </a:effectRef>
+          <a:fontRef idx="minor">
+            <a:schemeClr val="lt1"/>
+          </a:fontRef>
+        </p:style>
+        <p:txBody>
+          <a:bodyPr rtlCol="0" anchor="ctr"/>
+          <a:lstStyle/>
+          <a:p>
+            <a:pPr algn="ctr"/>
+            <a:endParaRPr lang="en-US"/>
+          </a:p>
+        </p:txBody>
+      </p:sp>
+      <p:sp>
+        <p:nvSpPr>
+          <p:cNvPr id="21" name="Arrow: Right 20">
+            <a:extLst>
+              <a:ext uri="{FF2B5EF4-FFF2-40B4-BE49-F238E27FC236}">
+                <a16:creationId xmlns:a16="http://schemas.microsoft.com/office/drawing/2014/main" id="{56068537-B0AA-411A-BA6C-AF1101648815}"/>
+              </a:ext>
+            </a:extLst>
+          </p:cNvPr>
+          <p:cNvSpPr/>
+          <p:nvPr/>
+        </p:nvSpPr>
+        <p:spPr>
+          <a:xfrm rot="20363812">
+            <a:off x="2589987" y="5114621"/>
+            <a:ext cx="574536" cy="318768"/>
+          </a:xfrm>
+          <a:prstGeom prst="rightArrow">
+            <a:avLst/>
+          </a:prstGeom>
+        </p:spPr>
+        <p:style>
+          <a:lnRef idx="2">
+            <a:schemeClr val="dk1">
+              <a:shade val="50000"/>
+            </a:schemeClr>
+          </a:lnRef>
+          <a:fillRef idx="1">
+            <a:schemeClr val="dk1"/>
+          </a:fillRef>
+          <a:effectRef idx="0">
+            <a:schemeClr val="dk1"/>
+          </a:effectRef>
+          <a:fontRef idx="minor">
+            <a:schemeClr val="lt1"/>
+          </a:fontRef>
+        </p:style>
+        <p:txBody>
+          <a:bodyPr rtlCol="0" anchor="ctr"/>
+          <a:lstStyle/>
+          <a:p>
+            <a:pPr algn="ctr"/>
+            <a:endParaRPr lang="en-US"/>
+          </a:p>
+        </p:txBody>
+      </p:sp>
+      <p:sp>
+        <p:nvSpPr>
+          <p:cNvPr id="22" name="Arrow: Right 21">
+            <a:extLst>
+              <a:ext uri="{FF2B5EF4-FFF2-40B4-BE49-F238E27FC236}">
+                <a16:creationId xmlns:a16="http://schemas.microsoft.com/office/drawing/2014/main" id="{D65390E2-9ECB-47DE-9675-CB5E939AB195}"/>
+              </a:ext>
+            </a:extLst>
+          </p:cNvPr>
+          <p:cNvSpPr/>
+          <p:nvPr/>
+        </p:nvSpPr>
+        <p:spPr>
+          <a:xfrm>
+            <a:off x="2655762" y="5786866"/>
+            <a:ext cx="2965922" cy="318768"/>
+          </a:xfrm>
+          <a:prstGeom prst="rightArrow">
+            <a:avLst/>
+          </a:prstGeom>
+        </p:spPr>
+        <p:style>
+          <a:lnRef idx="2">
+            <a:schemeClr val="dk1">
+              <a:shade val="50000"/>
+            </a:schemeClr>
+          </a:lnRef>
+          <a:fillRef idx="1">
+            <a:schemeClr val="dk1"/>
+          </a:fillRef>
+          <a:effectRef idx="0">
+            <a:schemeClr val="dk1"/>
+          </a:effectRef>
+          <a:fontRef idx="minor">
+            <a:schemeClr val="lt1"/>
+          </a:fontRef>
+        </p:style>
+        <p:txBody>
+          <a:bodyPr rtlCol="0" anchor="ctr"/>
+          <a:lstStyle/>
+          <a:p>
+            <a:pPr algn="ctr"/>
+            <a:endParaRPr lang="en-US"/>
+          </a:p>
+        </p:txBody>
+      </p:sp>
+      <p:sp>
+        <p:nvSpPr>
+          <p:cNvPr id="23" name="Arrow: Right 22">
+            <a:extLst>
+              <a:ext uri="{FF2B5EF4-FFF2-40B4-BE49-F238E27FC236}">
+                <a16:creationId xmlns:a16="http://schemas.microsoft.com/office/drawing/2014/main" id="{C46C3C4B-3AA7-4E8E-8FCB-77B719504DD8}"/>
+              </a:ext>
+            </a:extLst>
+          </p:cNvPr>
+          <p:cNvSpPr/>
+          <p:nvPr/>
+        </p:nvSpPr>
+        <p:spPr>
+          <a:xfrm>
+            <a:off x="5214009" y="4695767"/>
+            <a:ext cx="497541" cy="318768"/>
+          </a:xfrm>
+          <a:prstGeom prst="rightArrow">
+            <a:avLst/>
+          </a:prstGeom>
+        </p:spPr>
+        <p:style>
+          <a:lnRef idx="2">
+            <a:schemeClr val="dk1">
+              <a:shade val="50000"/>
+            </a:schemeClr>
+          </a:lnRef>
+          <a:fillRef idx="1">
+            <a:schemeClr val="dk1"/>
+          </a:fillRef>
+          <a:effectRef idx="0">
+            <a:schemeClr val="dk1"/>
+          </a:effectRef>
+          <a:fontRef idx="minor">
+            <a:schemeClr val="lt1"/>
+          </a:fontRef>
+        </p:style>
+        <p:txBody>
+          <a:bodyPr rtlCol="0" anchor="ctr"/>
+          <a:lstStyle/>
+          <a:p>
+            <a:pPr algn="ctr"/>
+            <a:endParaRPr lang="en-US"/>
+          </a:p>
+        </p:txBody>
+      </p:sp>
+      <p:sp>
+        <p:nvSpPr>
+          <p:cNvPr id="19" name="Rectangle 18">
+            <a:extLst>
+              <a:ext uri="{FF2B5EF4-FFF2-40B4-BE49-F238E27FC236}">
+                <a16:creationId xmlns:a16="http://schemas.microsoft.com/office/drawing/2014/main" id="{0F2662DF-6B81-4BCB-BE84-0E68709D2B8F}"/>
+              </a:ext>
+            </a:extLst>
+          </p:cNvPr>
+          <p:cNvSpPr/>
+          <p:nvPr/>
+        </p:nvSpPr>
+        <p:spPr>
+          <a:xfrm>
+            <a:off x="260181" y="6334719"/>
+            <a:ext cx="4017387" cy="369332"/>
+          </a:xfrm>
+          <a:prstGeom prst="rect">
+            <a:avLst/>
+          </a:prstGeom>
+        </p:spPr>
+        <p:txBody>
+          <a:bodyPr wrap="square">
+            <a:spAutoFit/>
+          </a:bodyPr>
+          <a:lstStyle/>
+          <a:p>
+            <a:r>
+              <a:rPr lang="en-US" dirty="0"/>
+              <a:t>Based on </a:t>
+            </a:r>
+            <a:r>
+              <a:rPr lang="en-US" i="1" dirty="0"/>
+              <a:t>Sports Analytics</a:t>
+            </a:r>
+            <a:r>
+              <a:rPr lang="en-US" dirty="0"/>
+              <a:t> by Ben </a:t>
+            </a:r>
+            <a:r>
+              <a:rPr lang="en-US" dirty="0" err="1"/>
+              <a:t>Alamar</a:t>
+            </a:r>
+            <a:endParaRPr lang="en-US" dirty="0"/>
+          </a:p>
+        </p:txBody>
+      </p:sp>
     </p:spTree>
     <p:extLst>
       <p:ext uri="{BB962C8B-B14F-4D97-AF65-F5344CB8AC3E}">
-        <p14:creationId xmlns:p14="http://schemas.microsoft.com/office/powerpoint/2010/main" val="77696106"/>
+        <p14:creationId xmlns:p14="http://schemas.microsoft.com/office/powerpoint/2010/main" val="4266006054"/>
       </p:ext>
     </p:extLst>
   </p:cSld>
@@ -15166,8 +15116,56 @@
               <a:rPr lang="en-US" sz="2400" dirty="0">
                 <a:latin typeface="Selawik Semibold" panose="020B0702040204020203" pitchFamily="34" charset="0"/>
               </a:rPr>
-              <a:t>Different Decision Makers</a:t>
-            </a:r>
+              <a:t>Purpose: To Aid an Organization’s </a:t>
+            </a:r>
+            <a:r>
+              <a:rPr lang="en-US" sz="2400" u="sng" dirty="0">
+                <a:latin typeface="Selawik Semibold" panose="020B0702040204020203" pitchFamily="34" charset="0"/>
+              </a:rPr>
+              <a:t>Decision Makers</a:t>
+            </a:r>
+            <a:r>
+              <a:rPr lang="en-US" sz="2400" dirty="0">
+                <a:latin typeface="Selawik Semibold" panose="020B0702040204020203" pitchFamily="34" charset="0"/>
+              </a:rPr>
+              <a:t> in Gaining a Competitive Advantage</a:t>
+            </a:r>
+          </a:p>
+          <a:p>
+            <a:endParaRPr lang="en-US" sz="2400" dirty="0">
+              <a:latin typeface="Selawik Semibold" panose="020B0702040204020203" pitchFamily="34" charset="0"/>
+            </a:endParaRPr>
+          </a:p>
+          <a:p>
+            <a:r>
+              <a:rPr lang="en-US" sz="2400" dirty="0">
+                <a:latin typeface="Selawik Semibold" panose="020B0702040204020203" pitchFamily="34" charset="0"/>
+              </a:rPr>
+              <a:t>Goals</a:t>
+            </a:r>
+          </a:p>
+          <a:p>
+            <a:pPr lvl="1"/>
+            <a:r>
+              <a:rPr lang="en-US" sz="2000" dirty="0">
+                <a:latin typeface="Selawik Semibold" panose="020B0702040204020203" pitchFamily="34" charset="0"/>
+              </a:rPr>
+              <a:t>Save the Decision Maker Time by Making Information Acquisition Efficient </a:t>
+            </a:r>
+          </a:p>
+          <a:p>
+            <a:pPr marL="457200" lvl="1" indent="0">
+              <a:buNone/>
+            </a:pPr>
+            <a:r>
+              <a:rPr lang="en-US" sz="2000" dirty="0">
+                <a:latin typeface="Selawik Semibold" panose="020B0702040204020203" pitchFamily="34" charset="0"/>
+              </a:rPr>
+              <a:t>   (Data Management/Information Systems)</a:t>
+            </a:r>
+          </a:p>
+          <a:p>
+            <a:pPr lvl="1"/>
             <a:endParaRPr lang="en-US" sz="2000" dirty="0">
               <a:latin typeface="Selawik Semibold" panose="020B0702040204020203" pitchFamily="34" charset="0"/>
             </a:endParaRPr>
@@ -15178,89 +15176,34 @@
               <a:rPr lang="en-US" sz="2000" dirty="0">
                 <a:latin typeface="Selawik Semibold" panose="020B0702040204020203" pitchFamily="34" charset="0"/>
               </a:rPr>
-              <a:t>Off-the-Field: Profit Driven</a:t>
-            </a:r>
-          </a:p>
-          <a:p>
-            <a:pPr lvl="1"/>
+              <a:t>Provide Decision Makers with Novel Insight</a:t>
+            </a:r>
+          </a:p>
+          <a:p>
+            <a:pPr marL="457200" lvl="1" indent="0">
+              <a:buNone/>
+            </a:pPr>
             <a:r>
               <a:rPr lang="en-US" sz="2000" dirty="0">
                 <a:latin typeface="Selawik Semibold" panose="020B0702040204020203" pitchFamily="34" charset="0"/>
               </a:rPr>
-              <a:t>On-the-Field: Performance Driven</a:t>
-            </a:r>
-          </a:p>
-          <a:p>
-            <a:endParaRPr lang="en-US" sz="2400" dirty="0">
+              <a:t>   (Analytic Models)</a:t>
+            </a:r>
+          </a:p>
+          <a:p>
+            <a:pPr marL="457200" lvl="1" indent="0">
+              <a:buNone/>
+            </a:pPr>
+            <a:endParaRPr lang="en-US" sz="2000" dirty="0">
               <a:latin typeface="Selawik Semibold" panose="020B0702040204020203" pitchFamily="34" charset="0"/>
             </a:endParaRPr>
           </a:p>
           <a:p>
-            <a:r>
-              <a:rPr lang="en-US" sz="2400">
-                <a:latin typeface="Selawik Semibold" panose="020B0702040204020203" pitchFamily="34" charset="0"/>
-              </a:rPr>
-              <a:t>Attributes of the </a:t>
-            </a:r>
             <a:r>
               <a:rPr lang="en-US" sz="2400" dirty="0">
                 <a:latin typeface="Selawik Semibold" panose="020B0702040204020203" pitchFamily="34" charset="0"/>
               </a:rPr>
-              <a:t>Data Analyst</a:t>
-            </a:r>
-          </a:p>
-          <a:p>
-            <a:pPr lvl="1"/>
-            <a:r>
-              <a:rPr lang="en-US" sz="2000" dirty="0">
-                <a:latin typeface="Selawik Semibold" panose="020B0702040204020203" pitchFamily="34" charset="0"/>
-              </a:rPr>
-              <a:t>Competence – Ben </a:t>
-            </a:r>
-            <a:r>
-              <a:rPr lang="en-US" sz="2000" dirty="0" err="1">
-                <a:latin typeface="Selawik Semibold" panose="020B0702040204020203" pitchFamily="34" charset="0"/>
-              </a:rPr>
-              <a:t>Alamar</a:t>
-            </a:r>
-            <a:endParaRPr lang="en-US" sz="2000" dirty="0">
-              <a:latin typeface="Selawik Semibold" panose="020B0702040204020203" pitchFamily="34" charset="0"/>
-            </a:endParaRPr>
-          </a:p>
-          <a:p>
-            <a:pPr lvl="1"/>
-            <a:r>
-              <a:rPr lang="en-US" sz="2000" dirty="0">
-                <a:latin typeface="Selawik Semibold" panose="020B0702040204020203" pitchFamily="34" charset="0"/>
-              </a:rPr>
-              <a:t>Leadership – Ben </a:t>
-            </a:r>
-            <a:r>
-              <a:rPr lang="en-US" sz="2000" dirty="0" err="1">
-                <a:latin typeface="Selawik Semibold" panose="020B0702040204020203" pitchFamily="34" charset="0"/>
-              </a:rPr>
-              <a:t>Alamar</a:t>
-            </a:r>
-            <a:endParaRPr lang="en-US" sz="2000" dirty="0">
-              <a:latin typeface="Selawik Semibold" panose="020B0702040204020203" pitchFamily="34" charset="0"/>
-            </a:endParaRPr>
-          </a:p>
-          <a:p>
-            <a:pPr lvl="1"/>
-            <a:r>
-              <a:rPr lang="en-US" sz="2000" dirty="0">
-                <a:latin typeface="Selawik Semibold" panose="020B0702040204020203" pitchFamily="34" charset="0"/>
-              </a:rPr>
-              <a:t>Humility – Dr. Mario</a:t>
-            </a:r>
-          </a:p>
-          <a:p>
-            <a:pPr lvl="1"/>
-            <a:r>
-              <a:rPr lang="en-US" sz="2000" dirty="0">
-                <a:latin typeface="Selawik Semibold" panose="020B0702040204020203" pitchFamily="34" charset="0"/>
-              </a:rPr>
-              <a:t>Honesty – Dr. Mario</a:t>
+              <a:t>We are an Accessory to the Decision Maker</a:t>
             </a:r>
           </a:p>
           <a:p>
@@ -15644,6 +15587,651 @@
     </p:spTree>
     <p:extLst>
       <p:ext uri="{BB962C8B-B14F-4D97-AF65-F5344CB8AC3E}">
+        <p14:creationId xmlns:p14="http://schemas.microsoft.com/office/powerpoint/2010/main" val="77696106"/>
+      </p:ext>
+    </p:extLst>
+  </p:cSld>
+  <p:clrMapOvr>
+    <a:overrideClrMapping bg1="dk1" tx1="lt1" bg2="dk2" tx2="lt2" accent1="accent1" accent2="accent2" accent3="accent3" accent4="accent4" accent5="accent5" accent6="accent6" hlink="hlink" folHlink="folHlink"/>
+  </p:clrMapOvr>
+</p:sld>
+</file>
+
+<file path=ppt/slides/slide25.xml><?xml version="1.0" encoding="utf-8"?>
+<p:sld xmlns:a="http://schemas.openxmlformats.org/drawingml/2006/main" xmlns:r="http://schemas.openxmlformats.org/officeDocument/2006/relationships" xmlns:p="http://schemas.openxmlformats.org/presentationml/2006/main">
+  <p:cSld>
+    <p:bg>
+      <p:bgPr>
+        <a:solidFill>
+          <a:srgbClr val="395583"/>
+        </a:solidFill>
+        <a:effectLst/>
+      </p:bgPr>
+    </p:bg>
+    <p:spTree>
+      <p:nvGrpSpPr>
+        <p:cNvPr id="1" name=""/>
+        <p:cNvGrpSpPr/>
+        <p:nvPr/>
+      </p:nvGrpSpPr>
+      <p:grpSpPr>
+        <a:xfrm>
+          <a:off x="0" y="0"/>
+          <a:ext cx="0" cy="0"/>
+          <a:chOff x="0" y="0"/>
+          <a:chExt cx="0" cy="0"/>
+        </a:xfrm>
+      </p:grpSpPr>
+      <p:sp>
+        <p:nvSpPr>
+          <p:cNvPr id="25" name="Rectangle 24">
+            <a:extLst>
+              <a:ext uri="{FF2B5EF4-FFF2-40B4-BE49-F238E27FC236}">
+                <a16:creationId xmlns:a16="http://schemas.microsoft.com/office/drawing/2014/main" id="{A6792F05-2FD4-4F18-815E-15391E8B4A0E}"/>
+              </a:ext>
+              <a:ext uri="{C183D7F6-B498-43B3-948B-1728B52AA6E4}">
+                <adec:decorative xmlns:adec="http://schemas.microsoft.com/office/drawing/2017/decorative" val="1"/>
+              </a:ext>
+            </a:extLst>
+          </p:cNvPr>
+          <p:cNvSpPr>
+            <a:spLocks noGrp="1" noRot="1" noChangeAspect="1" noMove="1" noResize="1" noEditPoints="1" noAdjustHandles="1" noChangeArrowheads="1" noChangeShapeType="1" noTextEdit="1"/>
+          </p:cNvSpPr>
+          <p:nvPr>
+            <p:extLst>
+              <p:ext uri="{386F3935-93C4-4BCD-93E2-E3B085C9AB24}">
+                <p16:designElem xmlns:p16="http://schemas.microsoft.com/office/powerpoint/2015/main" val="1"/>
+              </p:ext>
+            </p:extLst>
+          </p:nvPr>
+        </p:nvSpPr>
+        <p:spPr>
+          <a:xfrm>
+            <a:off x="0" y="0"/>
+            <a:ext cx="12191999" cy="6858000"/>
+          </a:xfrm>
+          <a:prstGeom prst="rect">
+            <a:avLst/>
+          </a:prstGeom>
+          <a:solidFill>
+            <a:srgbClr val="395583"/>
+          </a:solidFill>
+          <a:ln>
+            <a:noFill/>
+          </a:ln>
+        </p:spPr>
+        <p:style>
+          <a:lnRef idx="2">
+            <a:schemeClr val="accent1">
+              <a:shade val="50000"/>
+            </a:schemeClr>
+          </a:lnRef>
+          <a:fillRef idx="1">
+            <a:schemeClr val="accent1"/>
+          </a:fillRef>
+          <a:effectRef idx="0">
+            <a:schemeClr val="accent1"/>
+          </a:effectRef>
+          <a:fontRef idx="minor">
+            <a:schemeClr val="lt1"/>
+          </a:fontRef>
+        </p:style>
+        <p:txBody>
+          <a:bodyPr rtlCol="0" anchor="ctr"/>
+          <a:lstStyle/>
+          <a:p>
+            <a:pPr algn="ctr"/>
+            <a:endParaRPr lang="en-US"/>
+          </a:p>
+        </p:txBody>
+      </p:sp>
+      <p:sp>
+        <p:nvSpPr>
+          <p:cNvPr id="2" name="Title 1">
+            <a:extLst>
+              <a:ext uri="{FF2B5EF4-FFF2-40B4-BE49-F238E27FC236}">
+                <a16:creationId xmlns:a16="http://schemas.microsoft.com/office/drawing/2014/main" id="{2589AFCC-0FF0-498C-B11F-8990DF0DAAA5}"/>
+              </a:ext>
+            </a:extLst>
+          </p:cNvPr>
+          <p:cNvSpPr>
+            <a:spLocks noGrp="1"/>
+          </p:cNvSpPr>
+          <p:nvPr>
+            <p:ph type="title"/>
+          </p:nvPr>
+        </p:nvSpPr>
+        <p:spPr>
+          <a:xfrm>
+            <a:off x="838200" y="365125"/>
+            <a:ext cx="10515600" cy="1325563"/>
+          </a:xfrm>
+        </p:spPr>
+        <p:txBody>
+          <a:bodyPr>
+            <a:normAutofit/>
+          </a:bodyPr>
+          <a:lstStyle/>
+          <a:p>
+            <a:r>
+              <a:rPr lang="en-US" b="1" dirty="0">
+                <a:latin typeface="Selawik Semibold" panose="020B0604020202020204" pitchFamily="34" charset="0"/>
+              </a:rPr>
+              <a:t>What is Sports Analytics?</a:t>
+            </a:r>
+          </a:p>
+        </p:txBody>
+      </p:sp>
+      <p:sp>
+        <p:nvSpPr>
+          <p:cNvPr id="9" name="Content Placeholder 8">
+            <a:extLst>
+              <a:ext uri="{FF2B5EF4-FFF2-40B4-BE49-F238E27FC236}">
+                <a16:creationId xmlns:a16="http://schemas.microsoft.com/office/drawing/2014/main" id="{2D995594-59F2-4020-AB6F-751BAE84ADB3}"/>
+              </a:ext>
+            </a:extLst>
+          </p:cNvPr>
+          <p:cNvSpPr>
+            <a:spLocks noGrp="1"/>
+          </p:cNvSpPr>
+          <p:nvPr>
+            <p:ph idx="1"/>
+          </p:nvPr>
+        </p:nvSpPr>
+        <p:spPr>
+          <a:xfrm>
+            <a:off x="838199" y="2021249"/>
+            <a:ext cx="7324166" cy="4581257"/>
+          </a:xfrm>
+        </p:spPr>
+        <p:txBody>
+          <a:bodyPr>
+            <a:normAutofit/>
+          </a:bodyPr>
+          <a:lstStyle/>
+          <a:p>
+            <a:r>
+              <a:rPr lang="en-US" sz="2400" dirty="0">
+                <a:latin typeface="Selawik Semibold" panose="020B0702040204020203" pitchFamily="34" charset="0"/>
+              </a:rPr>
+              <a:t>Different Decision Makers</a:t>
+            </a:r>
+            <a:endParaRPr lang="en-US" sz="2000" dirty="0">
+              <a:latin typeface="Selawik Semibold" panose="020B0702040204020203" pitchFamily="34" charset="0"/>
+            </a:endParaRPr>
+          </a:p>
+          <a:p>
+            <a:pPr lvl="1"/>
+            <a:r>
+              <a:rPr lang="en-US" sz="2000" dirty="0">
+                <a:latin typeface="Selawik Semibold" panose="020B0702040204020203" pitchFamily="34" charset="0"/>
+              </a:rPr>
+              <a:t>Off-the-Field: Profit Driven</a:t>
+            </a:r>
+          </a:p>
+          <a:p>
+            <a:pPr lvl="1"/>
+            <a:r>
+              <a:rPr lang="en-US" sz="2000" dirty="0">
+                <a:latin typeface="Selawik Semibold" panose="020B0702040204020203" pitchFamily="34" charset="0"/>
+              </a:rPr>
+              <a:t>On-the-Field: Performance Driven</a:t>
+            </a:r>
+          </a:p>
+          <a:p>
+            <a:endParaRPr lang="en-US" sz="2400" dirty="0">
+              <a:latin typeface="Selawik Semibold" panose="020B0702040204020203" pitchFamily="34" charset="0"/>
+            </a:endParaRPr>
+          </a:p>
+          <a:p>
+            <a:r>
+              <a:rPr lang="en-US" sz="2400">
+                <a:latin typeface="Selawik Semibold" panose="020B0702040204020203" pitchFamily="34" charset="0"/>
+              </a:rPr>
+              <a:t>Attributes of the </a:t>
+            </a:r>
+            <a:r>
+              <a:rPr lang="en-US" sz="2400" dirty="0">
+                <a:latin typeface="Selawik Semibold" panose="020B0702040204020203" pitchFamily="34" charset="0"/>
+              </a:rPr>
+              <a:t>Data Analyst</a:t>
+            </a:r>
+          </a:p>
+          <a:p>
+            <a:pPr lvl="1"/>
+            <a:r>
+              <a:rPr lang="en-US" sz="2000" dirty="0">
+                <a:latin typeface="Selawik Semibold" panose="020B0702040204020203" pitchFamily="34" charset="0"/>
+              </a:rPr>
+              <a:t>Competence – Ben </a:t>
+            </a:r>
+            <a:r>
+              <a:rPr lang="en-US" sz="2000" dirty="0" err="1">
+                <a:latin typeface="Selawik Semibold" panose="020B0702040204020203" pitchFamily="34" charset="0"/>
+              </a:rPr>
+              <a:t>Alamar</a:t>
+            </a:r>
+            <a:endParaRPr lang="en-US" sz="2000" dirty="0">
+              <a:latin typeface="Selawik Semibold" panose="020B0702040204020203" pitchFamily="34" charset="0"/>
+            </a:endParaRPr>
+          </a:p>
+          <a:p>
+            <a:pPr lvl="1"/>
+            <a:r>
+              <a:rPr lang="en-US" sz="2000" dirty="0">
+                <a:latin typeface="Selawik Semibold" panose="020B0702040204020203" pitchFamily="34" charset="0"/>
+              </a:rPr>
+              <a:t>Leadership – Ben </a:t>
+            </a:r>
+            <a:r>
+              <a:rPr lang="en-US" sz="2000" dirty="0" err="1">
+                <a:latin typeface="Selawik Semibold" panose="020B0702040204020203" pitchFamily="34" charset="0"/>
+              </a:rPr>
+              <a:t>Alamar</a:t>
+            </a:r>
+            <a:endParaRPr lang="en-US" sz="2000" dirty="0">
+              <a:latin typeface="Selawik Semibold" panose="020B0702040204020203" pitchFamily="34" charset="0"/>
+            </a:endParaRPr>
+          </a:p>
+          <a:p>
+            <a:pPr lvl="1"/>
+            <a:r>
+              <a:rPr lang="en-US" sz="2000" dirty="0">
+                <a:latin typeface="Selawik Semibold" panose="020B0702040204020203" pitchFamily="34" charset="0"/>
+              </a:rPr>
+              <a:t>Humility – Dr. Mario</a:t>
+            </a:r>
+          </a:p>
+          <a:p>
+            <a:pPr lvl="1"/>
+            <a:r>
+              <a:rPr lang="en-US" sz="2000" dirty="0">
+                <a:latin typeface="Selawik Semibold" panose="020B0702040204020203" pitchFamily="34" charset="0"/>
+              </a:rPr>
+              <a:t>Honesty – Dr. Mario</a:t>
+            </a:r>
+          </a:p>
+          <a:p>
+            <a:pPr lvl="1"/>
+            <a:endParaRPr lang="en-US" sz="2000" dirty="0">
+              <a:latin typeface="Selawik Semibold" panose="020B0702040204020203" pitchFamily="34" charset="0"/>
+            </a:endParaRPr>
+          </a:p>
+          <a:p>
+            <a:pPr lvl="1"/>
+            <a:endParaRPr lang="en-US" sz="2000" dirty="0">
+              <a:latin typeface="Selawik Semibold" panose="020B0702040204020203" pitchFamily="34" charset="0"/>
+            </a:endParaRPr>
+          </a:p>
+          <a:p>
+            <a:pPr lvl="1"/>
+            <a:endParaRPr lang="en-US" sz="1600" dirty="0">
+              <a:latin typeface="Selawik Semibold" panose="020B0702040204020203" pitchFamily="34" charset="0"/>
+            </a:endParaRPr>
+          </a:p>
+          <a:p>
+            <a:pPr lvl="1"/>
+            <a:endParaRPr lang="en-US" sz="2000" dirty="0">
+              <a:latin typeface="Selawik Semibold" panose="020B0702040204020203" pitchFamily="34" charset="0"/>
+            </a:endParaRPr>
+          </a:p>
+          <a:p>
+            <a:pPr lvl="1"/>
+            <a:endParaRPr lang="en-US" sz="2000" dirty="0">
+              <a:latin typeface="Selawik Semibold" panose="020B0702040204020203" pitchFamily="34" charset="0"/>
+            </a:endParaRPr>
+          </a:p>
+          <a:p>
+            <a:pPr lvl="1"/>
+            <a:endParaRPr lang="en-US" sz="2000" dirty="0">
+              <a:latin typeface="Selawik Semibold" panose="020B0702040204020203" pitchFamily="34" charset="0"/>
+            </a:endParaRPr>
+          </a:p>
+        </p:txBody>
+      </p:sp>
+      <p:pic>
+        <p:nvPicPr>
+          <p:cNvPr id="4" name="Picture 3" descr="A drawing of a cartoon character&#10;&#10;Description automatically generated">
+            <a:extLst>
+              <a:ext uri="{FF2B5EF4-FFF2-40B4-BE49-F238E27FC236}">
+                <a16:creationId xmlns:a16="http://schemas.microsoft.com/office/drawing/2014/main" id="{A7FDC859-D890-4904-9C64-27F43DA90453}"/>
+              </a:ext>
+            </a:extLst>
+          </p:cNvPr>
+          <p:cNvPicPr>
+            <a:picLocks noChangeAspect="1"/>
+          </p:cNvPicPr>
+          <p:nvPr/>
+        </p:nvPicPr>
+        <p:blipFill rotWithShape="1">
+          <a:blip r:embed="rId3">
+            <a:extLst>
+              <a:ext uri="{28A0092B-C50C-407E-A947-70E740481C1C}">
+                <a14:useLocalDpi xmlns:a14="http://schemas.microsoft.com/office/drawing/2010/main" val="0"/>
+              </a:ext>
+            </a:extLst>
+          </a:blip>
+          <a:srcRect t="5616" r="2" b="2"/>
+          <a:stretch/>
+        </p:blipFill>
+        <p:spPr>
+          <a:xfrm>
+            <a:off x="7471144" y="1700078"/>
+            <a:ext cx="4720855" cy="2583792"/>
+          </a:xfrm>
+          <a:custGeom>
+            <a:avLst/>
+            <a:gdLst>
+              <a:gd name="connsiteX0" fmla="*/ 0 w 5475077"/>
+              <a:gd name="connsiteY0" fmla="*/ 0 h 2583792"/>
+              <a:gd name="connsiteX1" fmla="*/ 5475077 w 5475077"/>
+              <a:gd name="connsiteY1" fmla="*/ 0 h 2583792"/>
+              <a:gd name="connsiteX2" fmla="*/ 5475077 w 5475077"/>
+              <a:gd name="connsiteY2" fmla="*/ 2583792 h 2583792"/>
+              <a:gd name="connsiteX3" fmla="*/ 1197192 w 5475077"/>
+              <a:gd name="connsiteY3" fmla="*/ 2583792 h 2583792"/>
+            </a:gdLst>
+            <a:ahLst/>
+            <a:cxnLst>
+              <a:cxn ang="0">
+                <a:pos x="connsiteX0" y="connsiteY0"/>
+              </a:cxn>
+              <a:cxn ang="0">
+                <a:pos x="connsiteX1" y="connsiteY1"/>
+              </a:cxn>
+              <a:cxn ang="0">
+                <a:pos x="connsiteX2" y="connsiteY2"/>
+              </a:cxn>
+              <a:cxn ang="0">
+                <a:pos x="connsiteX3" y="connsiteY3"/>
+              </a:cxn>
+            </a:cxnLst>
+            <a:rect l="l" t="t" r="r" b="b"/>
+            <a:pathLst>
+              <a:path w="5475077" h="2583792">
+                <a:moveTo>
+                  <a:pt x="0" y="0"/>
+                </a:moveTo>
+                <a:lnTo>
+                  <a:pt x="5475077" y="0"/>
+                </a:lnTo>
+                <a:lnTo>
+                  <a:pt x="5475077" y="2583792"/>
+                </a:lnTo>
+                <a:lnTo>
+                  <a:pt x="1197192" y="2583792"/>
+                </a:lnTo>
+                <a:close/>
+              </a:path>
+            </a:pathLst>
+          </a:custGeom>
+        </p:spPr>
+      </p:pic>
+      <p:pic>
+        <p:nvPicPr>
+          <p:cNvPr id="5" name="Content Placeholder 4" descr="A picture containing indoor&#10;&#10;Description automatically generated">
+            <a:extLst>
+              <a:ext uri="{FF2B5EF4-FFF2-40B4-BE49-F238E27FC236}">
+                <a16:creationId xmlns:a16="http://schemas.microsoft.com/office/drawing/2014/main" id="{A58F0E55-21F3-485B-A07F-1CE74177BDD2}"/>
+              </a:ext>
+            </a:extLst>
+          </p:cNvPr>
+          <p:cNvPicPr>
+            <a:picLocks noChangeAspect="1"/>
+          </p:cNvPicPr>
+          <p:nvPr/>
+        </p:nvPicPr>
+        <p:blipFill rotWithShape="1">
+          <a:blip r:embed="rId4">
+            <a:extLst>
+              <a:ext uri="{28A0092B-C50C-407E-A947-70E740481C1C}">
+                <a14:useLocalDpi xmlns:a14="http://schemas.microsoft.com/office/drawing/2010/main" val="0"/>
+              </a:ext>
+            </a:extLst>
+          </a:blip>
+          <a:srcRect t="5300" r="3" b="6859"/>
+          <a:stretch/>
+        </p:blipFill>
+        <p:spPr>
+          <a:xfrm>
+            <a:off x="8491869" y="4283870"/>
+            <a:ext cx="3700129" cy="2583520"/>
+          </a:xfrm>
+          <a:custGeom>
+            <a:avLst/>
+            <a:gdLst>
+              <a:gd name="connsiteX0" fmla="*/ 0 w 4277884"/>
+              <a:gd name="connsiteY0" fmla="*/ 0 h 2583520"/>
+              <a:gd name="connsiteX1" fmla="*/ 4277884 w 4277884"/>
+              <a:gd name="connsiteY1" fmla="*/ 0 h 2583520"/>
+              <a:gd name="connsiteX2" fmla="*/ 4277884 w 4277884"/>
+              <a:gd name="connsiteY2" fmla="*/ 2583520 h 2583520"/>
+              <a:gd name="connsiteX3" fmla="*/ 1192437 w 4277884"/>
+              <a:gd name="connsiteY3" fmla="*/ 2583520 h 2583520"/>
+              <a:gd name="connsiteX4" fmla="*/ 1188085 w 4277884"/>
+              <a:gd name="connsiteY4" fmla="*/ 2574129 h 2583520"/>
+              <a:gd name="connsiteX5" fmla="*/ 1192715 w 4277884"/>
+              <a:gd name="connsiteY5" fmla="*/ 2574129 h 2583520"/>
+            </a:gdLst>
+            <a:ahLst/>
+            <a:cxnLst>
+              <a:cxn ang="0">
+                <a:pos x="connsiteX0" y="connsiteY0"/>
+              </a:cxn>
+              <a:cxn ang="0">
+                <a:pos x="connsiteX1" y="connsiteY1"/>
+              </a:cxn>
+              <a:cxn ang="0">
+                <a:pos x="connsiteX2" y="connsiteY2"/>
+              </a:cxn>
+              <a:cxn ang="0">
+                <a:pos x="connsiteX3" y="connsiteY3"/>
+              </a:cxn>
+              <a:cxn ang="0">
+                <a:pos x="connsiteX4" y="connsiteY4"/>
+              </a:cxn>
+              <a:cxn ang="0">
+                <a:pos x="connsiteX5" y="connsiteY5"/>
+              </a:cxn>
+            </a:cxnLst>
+            <a:rect l="l" t="t" r="r" b="b"/>
+            <a:pathLst>
+              <a:path w="4277884" h="2583520">
+                <a:moveTo>
+                  <a:pt x="0" y="0"/>
+                </a:moveTo>
+                <a:lnTo>
+                  <a:pt x="4277884" y="0"/>
+                </a:lnTo>
+                <a:lnTo>
+                  <a:pt x="4277884" y="2583520"/>
+                </a:lnTo>
+                <a:lnTo>
+                  <a:pt x="1192437" y="2583520"/>
+                </a:lnTo>
+                <a:lnTo>
+                  <a:pt x="1188085" y="2574129"/>
+                </a:lnTo>
+                <a:lnTo>
+                  <a:pt x="1192715" y="2574129"/>
+                </a:lnTo>
+                <a:close/>
+              </a:path>
+            </a:pathLst>
+          </a:custGeom>
+        </p:spPr>
+      </p:pic>
+      <p:sp>
+        <p:nvSpPr>
+          <p:cNvPr id="6" name="Rectangle 5">
+            <a:extLst>
+              <a:ext uri="{FF2B5EF4-FFF2-40B4-BE49-F238E27FC236}">
+                <a16:creationId xmlns:a16="http://schemas.microsoft.com/office/drawing/2014/main" id="{A2901312-C3C2-4CEC-80EF-823AB4FBB726}"/>
+              </a:ext>
+            </a:extLst>
+          </p:cNvPr>
+          <p:cNvSpPr/>
+          <p:nvPr/>
+        </p:nvSpPr>
+        <p:spPr>
+          <a:xfrm>
+            <a:off x="-1" y="1608918"/>
+            <a:ext cx="12191999" cy="91160"/>
+          </a:xfrm>
+          <a:prstGeom prst="rect">
+            <a:avLst/>
+          </a:prstGeom>
+          <a:solidFill>
+            <a:schemeClr val="bg1"/>
+          </a:solidFill>
+          <a:ln>
+            <a:noFill/>
+          </a:ln>
+        </p:spPr>
+        <p:style>
+          <a:lnRef idx="2">
+            <a:schemeClr val="accent1">
+              <a:shade val="50000"/>
+            </a:schemeClr>
+          </a:lnRef>
+          <a:fillRef idx="1">
+            <a:schemeClr val="accent1"/>
+          </a:fillRef>
+          <a:effectRef idx="0">
+            <a:schemeClr val="accent1"/>
+          </a:effectRef>
+          <a:fontRef idx="minor">
+            <a:schemeClr val="lt1"/>
+          </a:fontRef>
+        </p:style>
+        <p:txBody>
+          <a:bodyPr rtlCol="0" anchor="ctr"/>
+          <a:lstStyle/>
+          <a:p>
+            <a:pPr algn="ctr"/>
+            <a:endParaRPr lang="en-US">
+              <a:solidFill>
+                <a:srgbClr val="DB5B5C"/>
+              </a:solidFill>
+            </a:endParaRPr>
+          </a:p>
+        </p:txBody>
+      </p:sp>
+      <p:sp>
+        <p:nvSpPr>
+          <p:cNvPr id="15" name="Rectangle 14">
+            <a:extLst>
+              <a:ext uri="{FF2B5EF4-FFF2-40B4-BE49-F238E27FC236}">
+                <a16:creationId xmlns:a16="http://schemas.microsoft.com/office/drawing/2014/main" id="{AD0A7C9C-CA2C-4B9B-A125-2D09D5573B44}"/>
+              </a:ext>
+            </a:extLst>
+          </p:cNvPr>
+          <p:cNvSpPr/>
+          <p:nvPr/>
+        </p:nvSpPr>
+        <p:spPr>
+          <a:xfrm>
+            <a:off x="1" y="6677247"/>
+            <a:ext cx="12191999" cy="190143"/>
+          </a:xfrm>
+          <a:prstGeom prst="rect">
+            <a:avLst/>
+          </a:prstGeom>
+          <a:solidFill>
+            <a:schemeClr val="bg1"/>
+          </a:solidFill>
+          <a:ln>
+            <a:noFill/>
+          </a:ln>
+        </p:spPr>
+        <p:style>
+          <a:lnRef idx="2">
+            <a:schemeClr val="accent1">
+              <a:shade val="50000"/>
+            </a:schemeClr>
+          </a:lnRef>
+          <a:fillRef idx="1">
+            <a:schemeClr val="accent1"/>
+          </a:fillRef>
+          <a:effectRef idx="0">
+            <a:schemeClr val="accent1"/>
+          </a:effectRef>
+          <a:fontRef idx="minor">
+            <a:schemeClr val="lt1"/>
+          </a:fontRef>
+        </p:style>
+        <p:txBody>
+          <a:bodyPr rtlCol="0" anchor="ctr"/>
+          <a:lstStyle/>
+          <a:p>
+            <a:pPr algn="ctr"/>
+            <a:endParaRPr lang="en-US">
+              <a:solidFill>
+                <a:srgbClr val="DB5B5C"/>
+              </a:solidFill>
+            </a:endParaRPr>
+          </a:p>
+        </p:txBody>
+      </p:sp>
+      <p:sp>
+        <p:nvSpPr>
+          <p:cNvPr id="16" name="Rectangle 15">
+            <a:extLst>
+              <a:ext uri="{FF2B5EF4-FFF2-40B4-BE49-F238E27FC236}">
+                <a16:creationId xmlns:a16="http://schemas.microsoft.com/office/drawing/2014/main" id="{74A085FC-1866-46D4-97F7-51AA45E48D4F}"/>
+              </a:ext>
+            </a:extLst>
+          </p:cNvPr>
+          <p:cNvSpPr/>
+          <p:nvPr/>
+        </p:nvSpPr>
+        <p:spPr>
+          <a:xfrm rot="4092292">
+            <a:off x="5790668" y="4094517"/>
+            <a:ext cx="5446699" cy="137038"/>
+          </a:xfrm>
+          <a:prstGeom prst="rect">
+            <a:avLst/>
+          </a:prstGeom>
+          <a:solidFill>
+            <a:schemeClr val="bg1"/>
+          </a:solidFill>
+          <a:ln>
+            <a:noFill/>
+          </a:ln>
+        </p:spPr>
+        <p:style>
+          <a:lnRef idx="2">
+            <a:schemeClr val="accent1">
+              <a:shade val="50000"/>
+            </a:schemeClr>
+          </a:lnRef>
+          <a:fillRef idx="1">
+            <a:schemeClr val="accent1"/>
+          </a:fillRef>
+          <a:effectRef idx="0">
+            <a:schemeClr val="accent1"/>
+          </a:effectRef>
+          <a:fontRef idx="minor">
+            <a:schemeClr val="lt1"/>
+          </a:fontRef>
+        </p:style>
+        <p:txBody>
+          <a:bodyPr rtlCol="0" anchor="ctr"/>
+          <a:lstStyle/>
+          <a:p>
+            <a:pPr algn="ctr"/>
+            <a:endParaRPr lang="en-US">
+              <a:solidFill>
+                <a:srgbClr val="DB5B5C"/>
+              </a:solidFill>
+            </a:endParaRPr>
+          </a:p>
+        </p:txBody>
+      </p:sp>
+    </p:spTree>
+    <p:extLst>
+      <p:ext uri="{BB962C8B-B14F-4D97-AF65-F5344CB8AC3E}">
         <p14:creationId xmlns:p14="http://schemas.microsoft.com/office/powerpoint/2010/main" val="459245495"/>
       </p:ext>
     </p:extLst>
@@ -15654,7 +16242,7 @@
 </p:sld>
 </file>
 
-<file path=ppt/slides/slide25.xml><?xml version="1.0" encoding="utf-8"?>
+<file path=ppt/slides/slide26.xml><?xml version="1.0" encoding="utf-8"?>
 <p:sld xmlns:a="http://schemas.openxmlformats.org/drawingml/2006/main" xmlns:r="http://schemas.openxmlformats.org/officeDocument/2006/relationships" xmlns:p="http://schemas.openxmlformats.org/presentationml/2006/main">
   <p:cSld>
     <p:bg>
@@ -19093,8 +19681,8 @@
         </p:nvSpPr>
         <p:spPr>
           <a:xfrm>
-            <a:off x="637478" y="2038469"/>
-            <a:ext cx="7168376" cy="1125362"/>
+            <a:off x="838199" y="2021249"/>
+            <a:ext cx="6833347" cy="4646608"/>
           </a:xfrm>
         </p:spPr>
         <p:txBody>
@@ -19107,7 +19695,7 @@
               <a:rPr lang="en-US" sz="2400" dirty="0">
                 <a:latin typeface="Selawik Semibold" panose="020B0702040204020203" pitchFamily="34" charset="0"/>
               </a:rPr>
-              <a:t>Most Popular World Sports (sportsmonkie.com)</a:t>
+              <a:t>Most Popular World Sports (hdled.com)</a:t>
             </a:r>
           </a:p>
           <a:p>
@@ -19116,7 +19704,106 @@
               <a:rPr lang="en-US" sz="2000" dirty="0">
                 <a:latin typeface="Selawik Semibold" panose="020B0702040204020203" pitchFamily="34" charset="0"/>
               </a:rPr>
-              <a:t>Based on 14 Criteria</a:t>
+              <a:t>“Ranked Based Off Global Popularity, Media Coverage, and Cultural Significance”</a:t>
+            </a:r>
+          </a:p>
+          <a:p>
+            <a:pPr lvl="1"/>
+            <a:r>
+              <a:rPr lang="en-US" sz="2000" dirty="0">
+                <a:latin typeface="Selawik Semibold" panose="020B0702040204020203" pitchFamily="34" charset="0"/>
+              </a:rPr>
+              <a:t>From Most Popular to Least Popular</a:t>
+            </a:r>
+          </a:p>
+          <a:p>
+            <a:pPr lvl="2"/>
+            <a:r>
+              <a:rPr lang="en-US" sz="1600" dirty="0">
+                <a:latin typeface="Selawik Semibold" panose="020B0702040204020203" pitchFamily="34" charset="0"/>
+              </a:rPr>
+              <a:t>Soccer</a:t>
+            </a:r>
+          </a:p>
+          <a:p>
+            <a:pPr lvl="2"/>
+            <a:r>
+              <a:rPr lang="en-US" sz="1600" dirty="0">
+                <a:latin typeface="Selawik Semibold" panose="020B0702040204020203" pitchFamily="34" charset="0"/>
+              </a:rPr>
+              <a:t>Cricket</a:t>
+            </a:r>
+          </a:p>
+          <a:p>
+            <a:pPr lvl="2"/>
+            <a:r>
+              <a:rPr lang="en-US" sz="1600" dirty="0">
+                <a:latin typeface="Selawik Semibold" panose="020B0702040204020203" pitchFamily="34" charset="0"/>
+              </a:rPr>
+              <a:t>Basketball</a:t>
+            </a:r>
+          </a:p>
+          <a:p>
+            <a:pPr lvl="2"/>
+            <a:r>
+              <a:rPr lang="en-US" sz="1600" dirty="0">
+                <a:latin typeface="Selawik Semibold" panose="020B0702040204020203" pitchFamily="34" charset="0"/>
+              </a:rPr>
+              <a:t>Tennis</a:t>
+            </a:r>
+          </a:p>
+          <a:p>
+            <a:pPr lvl="2"/>
+            <a:r>
+              <a:rPr lang="en-US" sz="1600" dirty="0">
+                <a:latin typeface="Selawik Semibold" panose="020B0702040204020203" pitchFamily="34" charset="0"/>
+              </a:rPr>
+              <a:t>Hockey (Field and Ice)</a:t>
+            </a:r>
+          </a:p>
+          <a:p>
+            <a:pPr lvl="2"/>
+            <a:r>
+              <a:rPr lang="en-US" sz="1600" dirty="0">
+                <a:latin typeface="Selawik Semibold" panose="020B0702040204020203" pitchFamily="34" charset="0"/>
+              </a:rPr>
+              <a:t>American Football</a:t>
+            </a:r>
+          </a:p>
+          <a:p>
+            <a:pPr lvl="2"/>
+            <a:r>
+              <a:rPr lang="en-US" sz="1600" dirty="0">
+                <a:latin typeface="Selawik Semibold" panose="020B0702040204020203" pitchFamily="34" charset="0"/>
+              </a:rPr>
+              <a:t>Baseball</a:t>
+            </a:r>
+          </a:p>
+          <a:p>
+            <a:pPr lvl="2"/>
+            <a:r>
+              <a:rPr lang="en-US" sz="1600" dirty="0">
+                <a:latin typeface="Selawik Semibold" panose="020B0702040204020203" pitchFamily="34" charset="0"/>
+              </a:rPr>
+              <a:t>Golf</a:t>
+            </a:r>
+          </a:p>
+          <a:p>
+            <a:pPr lvl="2"/>
+            <a:r>
+              <a:rPr lang="en-US" sz="1600" dirty="0">
+                <a:latin typeface="Selawik Semibold" panose="020B0702040204020203" pitchFamily="34" charset="0"/>
+              </a:rPr>
+              <a:t>Table Tennis</a:t>
+            </a:r>
+          </a:p>
+          <a:p>
+            <a:pPr lvl="2"/>
+            <a:r>
+              <a:rPr lang="en-US" sz="1600" dirty="0">
+                <a:latin typeface="Selawik Semibold" panose="020B0702040204020203" pitchFamily="34" charset="0"/>
+              </a:rPr>
+              <a:t>Volleyball</a:t>
             </a:r>
           </a:p>
         </p:txBody>
@@ -19461,236 +20148,10 @@
           </a:p>
         </p:txBody>
       </p:sp>
-      <p:sp>
-        <p:nvSpPr>
-          <p:cNvPr id="3" name="TextBox 2">
-            <a:extLst>
-              <a:ext uri="{FF2B5EF4-FFF2-40B4-BE49-F238E27FC236}">
-                <a16:creationId xmlns:a16="http://schemas.microsoft.com/office/drawing/2014/main" id="{4D2D036B-AB3A-4C0B-ADAC-DCBDAFCE8A9B}"/>
-              </a:ext>
-            </a:extLst>
-          </p:cNvPr>
-          <p:cNvSpPr txBox="1"/>
-          <p:nvPr/>
-        </p:nvSpPr>
-        <p:spPr>
-          <a:xfrm>
-            <a:off x="1078008" y="2741996"/>
-            <a:ext cx="3964639" cy="2308324"/>
-          </a:xfrm>
-          <a:prstGeom prst="rect">
-            <a:avLst/>
-          </a:prstGeom>
-          <a:noFill/>
-        </p:spPr>
-        <p:txBody>
-          <a:bodyPr wrap="square" rtlCol="0">
-            <a:spAutoFit/>
-          </a:bodyPr>
-          <a:lstStyle/>
-          <a:p>
-            <a:pPr marL="742950" lvl="1" indent="-285750">
-              <a:buFont typeface="Arial" panose="020B0604020202020204" pitchFamily="34" charset="0"/>
-              <a:buChar char="•"/>
-            </a:pPr>
-            <a:r>
-              <a:rPr lang="en-US" sz="1600" dirty="0">
-                <a:latin typeface="Selawik Semibold" panose="020B0702040204020203" pitchFamily="34" charset="0"/>
-              </a:rPr>
-              <a:t>Global Fan Base</a:t>
-            </a:r>
-          </a:p>
-          <a:p>
-            <a:pPr marL="742950" lvl="1" indent="-285750">
-              <a:buFont typeface="Arial" panose="020B0604020202020204" pitchFamily="34" charset="0"/>
-              <a:buChar char="•"/>
-            </a:pPr>
-            <a:r>
-              <a:rPr lang="en-US" sz="1600" dirty="0">
-                <a:latin typeface="Selawik Semibold" panose="020B0702040204020203" pitchFamily="34" charset="0"/>
-              </a:rPr>
-              <a:t>Viewership on TV</a:t>
-            </a:r>
-          </a:p>
-          <a:p>
-            <a:pPr marL="742950" lvl="1" indent="-285750">
-              <a:buFont typeface="Arial" panose="020B0604020202020204" pitchFamily="34" charset="0"/>
-              <a:buChar char="•"/>
-            </a:pPr>
-            <a:r>
-              <a:rPr lang="en-US" sz="1600" dirty="0">
-                <a:latin typeface="Selawik Semibold" panose="020B0702040204020203" pitchFamily="34" charset="0"/>
-              </a:rPr>
-              <a:t>TV Rights</a:t>
-            </a:r>
-          </a:p>
-          <a:p>
-            <a:pPr marL="742950" lvl="1" indent="-285750">
-              <a:buFont typeface="Arial" panose="020B0604020202020204" pitchFamily="34" charset="0"/>
-              <a:buChar char="•"/>
-            </a:pPr>
-            <a:r>
-              <a:rPr lang="en-US" sz="1600" dirty="0">
-                <a:latin typeface="Selawik Semibold" panose="020B0702040204020203" pitchFamily="34" charset="0"/>
-              </a:rPr>
-              <a:t>Internet Popularity</a:t>
-            </a:r>
-          </a:p>
-          <a:p>
-            <a:pPr marL="742950" lvl="1" indent="-285750">
-              <a:buFont typeface="Arial" panose="020B0604020202020204" pitchFamily="34" charset="0"/>
-              <a:buChar char="•"/>
-            </a:pPr>
-            <a:r>
-              <a:rPr lang="en-US" sz="1600" dirty="0">
-                <a:latin typeface="Selawik Semibold" panose="020B0702040204020203" pitchFamily="34" charset="0"/>
-              </a:rPr>
-              <a:t>Social Media Presence</a:t>
-            </a:r>
-          </a:p>
-          <a:p>
-            <a:pPr marL="742950" lvl="1" indent="-285750">
-              <a:buFont typeface="Arial" panose="020B0604020202020204" pitchFamily="34" charset="0"/>
-              <a:buChar char="•"/>
-            </a:pPr>
-            <a:r>
-              <a:rPr lang="en-US" sz="1600" dirty="0">
-                <a:latin typeface="Selawik Semibold" panose="020B0702040204020203" pitchFamily="34" charset="0"/>
-              </a:rPr>
-              <a:t>Number of Professional Leagues</a:t>
-            </a:r>
-          </a:p>
-          <a:p>
-            <a:pPr marL="742950" lvl="1" indent="-285750">
-              <a:buFont typeface="Arial" panose="020B0604020202020204" pitchFamily="34" charset="0"/>
-              <a:buChar char="•"/>
-            </a:pPr>
-            <a:r>
-              <a:rPr lang="en-US" sz="1600" dirty="0">
-                <a:latin typeface="Selawik Semibold" panose="020B0702040204020203" pitchFamily="34" charset="0"/>
-              </a:rPr>
-              <a:t>Average Salary of Athletes</a:t>
-            </a:r>
-          </a:p>
-          <a:p>
-            <a:pPr marL="742950" lvl="1" indent="-285750">
-              <a:buFont typeface="Arial" panose="020B0604020202020204" pitchFamily="34" charset="0"/>
-              <a:buChar char="•"/>
-            </a:pPr>
-            <a:r>
-              <a:rPr lang="en-US" sz="1600" dirty="0">
-                <a:latin typeface="Selawik Semibold" panose="020B0702040204020203" pitchFamily="34" charset="0"/>
-              </a:rPr>
-              <a:t>Sponsorship</a:t>
-            </a:r>
-          </a:p>
-          <a:p>
-            <a:pPr marL="742950" lvl="1" indent="-285750">
-              <a:buFont typeface="Arial" panose="020B0604020202020204" pitchFamily="34" charset="0"/>
-              <a:buChar char="•"/>
-            </a:pPr>
-            <a:r>
-              <a:rPr lang="en-US" sz="1600" dirty="0">
-                <a:latin typeface="Selawik Semibold" panose="020B0702040204020203" pitchFamily="34" charset="0"/>
-              </a:rPr>
-              <a:t>Number of Countries</a:t>
-            </a:r>
-            <a:endParaRPr lang="en-US" dirty="0"/>
-          </a:p>
-        </p:txBody>
-      </p:sp>
-      <p:sp>
-        <p:nvSpPr>
-          <p:cNvPr id="7" name="Rectangle 6">
-            <a:extLst>
-              <a:ext uri="{FF2B5EF4-FFF2-40B4-BE49-F238E27FC236}">
-                <a16:creationId xmlns:a16="http://schemas.microsoft.com/office/drawing/2014/main" id="{1DD01DA1-338C-4134-8F28-E709685D35DE}"/>
-              </a:ext>
-            </a:extLst>
-          </p:cNvPr>
-          <p:cNvSpPr/>
-          <p:nvPr/>
-        </p:nvSpPr>
-        <p:spPr>
-          <a:xfrm>
-            <a:off x="1076383" y="4939168"/>
-            <a:ext cx="3970017" cy="1323439"/>
-          </a:xfrm>
-          <a:prstGeom prst="rect">
-            <a:avLst/>
-          </a:prstGeom>
-        </p:spPr>
-        <p:txBody>
-          <a:bodyPr wrap="square">
-            <a:spAutoFit/>
-          </a:bodyPr>
-          <a:lstStyle/>
-          <a:p>
-            <a:pPr marL="742950" lvl="1" indent="-285750">
-              <a:buFont typeface="Arial" panose="020B0604020202020204" pitchFamily="34" charset="0"/>
-              <a:buChar char="•"/>
-            </a:pPr>
-            <a:r>
-              <a:rPr lang="en-US" sz="1600" dirty="0">
-                <a:latin typeface="Selawik Semibold" panose="020B0702040204020203" pitchFamily="34" charset="0"/>
-              </a:rPr>
-              <a:t>Biggest Competition</a:t>
-            </a:r>
-          </a:p>
-          <a:p>
-            <a:pPr marL="742950" lvl="1" indent="-285750">
-              <a:buFont typeface="Arial" panose="020B0604020202020204" pitchFamily="34" charset="0"/>
-              <a:buChar char="•"/>
-            </a:pPr>
-            <a:r>
-              <a:rPr lang="en-US" sz="1600" dirty="0">
-                <a:latin typeface="Selawik Semibold" panose="020B0702040204020203" pitchFamily="34" charset="0"/>
-              </a:rPr>
-              <a:t>Gender equality</a:t>
-            </a:r>
-          </a:p>
-          <a:p>
-            <a:pPr marL="742950" lvl="1" indent="-285750">
-              <a:buFont typeface="Arial" panose="020B0604020202020204" pitchFamily="34" charset="0"/>
-              <a:buChar char="•"/>
-            </a:pPr>
-            <a:r>
-              <a:rPr lang="en-US" sz="1600" dirty="0">
-                <a:latin typeface="Selawik Semibold" panose="020B0702040204020203" pitchFamily="34" charset="0"/>
-              </a:rPr>
-              <a:t>Access to the General Public</a:t>
-            </a:r>
-          </a:p>
-          <a:p>
-            <a:pPr marL="742950" lvl="1" indent="-285750">
-              <a:buFont typeface="Arial" panose="020B0604020202020204" pitchFamily="34" charset="0"/>
-              <a:buChar char="•"/>
-            </a:pPr>
-            <a:r>
-              <a:rPr lang="en-US" sz="1600" dirty="0">
-                <a:latin typeface="Selawik Semibold" panose="020B0702040204020203" pitchFamily="34" charset="0"/>
-              </a:rPr>
-              <a:t>Number of Amateurs</a:t>
-            </a:r>
-          </a:p>
-          <a:p>
-            <a:pPr marL="742950" lvl="1" indent="-285750">
-              <a:buFont typeface="Arial" panose="020B0604020202020204" pitchFamily="34" charset="0"/>
-              <a:buChar char="•"/>
-            </a:pPr>
-            <a:r>
-              <a:rPr lang="en-US" sz="1600" dirty="0">
-                <a:latin typeface="Selawik Semibold" panose="020B0702040204020203" pitchFamily="34" charset="0"/>
-              </a:rPr>
-              <a:t>Prominence in Headlines</a:t>
-            </a:r>
-          </a:p>
-        </p:txBody>
-      </p:sp>
     </p:spTree>
     <p:extLst>
       <p:ext uri="{BB962C8B-B14F-4D97-AF65-F5344CB8AC3E}">
-        <p14:creationId xmlns:p14="http://schemas.microsoft.com/office/powerpoint/2010/main" val="3372904333"/>
+        <p14:creationId xmlns:p14="http://schemas.microsoft.com/office/powerpoint/2010/main" val="1787284565"/>
       </p:ext>
     </p:extLst>
   </p:cSld>

--- a/Slides/Sports Analytics 1/Sports_Analytics_1_Lecture.pptx
+++ b/Slides/Sports Analytics 1/Sports_Analytics_1_Lecture.pptx
@@ -222,7 +222,7 @@
           <a:p>
             <a:fld id="{C04E5E84-956F-4423-97B3-5936A6D8EEEE}" type="datetimeFigureOut">
               <a:rPr lang="en-US" smtClean="0"/>
-              <a:t>8/19/2025</a:t>
+              <a:t>8/20/2025</a:t>
             </a:fld>
             <a:endParaRPr lang="en-US"/>
           </a:p>
@@ -2304,7 +2304,7 @@
           <a:p>
             <a:fld id="{3881C039-66A3-4640-815B-3B5A8B7D868D}" type="datetimeFigureOut">
               <a:rPr lang="en-US" smtClean="0"/>
-              <a:t>8/19/2025</a:t>
+              <a:t>8/20/2025</a:t>
             </a:fld>
             <a:endParaRPr lang="en-US"/>
           </a:p>
@@ -2502,7 +2502,7 @@
           <a:p>
             <a:fld id="{3881C039-66A3-4640-815B-3B5A8B7D868D}" type="datetimeFigureOut">
               <a:rPr lang="en-US" smtClean="0"/>
-              <a:t>8/19/2025</a:t>
+              <a:t>8/20/2025</a:t>
             </a:fld>
             <a:endParaRPr lang="en-US"/>
           </a:p>
@@ -2710,7 +2710,7 @@
           <a:p>
             <a:fld id="{3881C039-66A3-4640-815B-3B5A8B7D868D}" type="datetimeFigureOut">
               <a:rPr lang="en-US" smtClean="0"/>
-              <a:t>8/19/2025</a:t>
+              <a:t>8/20/2025</a:t>
             </a:fld>
             <a:endParaRPr lang="en-US"/>
           </a:p>
@@ -2908,7 +2908,7 @@
           <a:p>
             <a:fld id="{3881C039-66A3-4640-815B-3B5A8B7D868D}" type="datetimeFigureOut">
               <a:rPr lang="en-US" smtClean="0"/>
-              <a:t>8/19/2025</a:t>
+              <a:t>8/20/2025</a:t>
             </a:fld>
             <a:endParaRPr lang="en-US"/>
           </a:p>
@@ -3183,7 +3183,7 @@
           <a:p>
             <a:fld id="{3881C039-66A3-4640-815B-3B5A8B7D868D}" type="datetimeFigureOut">
               <a:rPr lang="en-US" smtClean="0"/>
-              <a:t>8/19/2025</a:t>
+              <a:t>8/20/2025</a:t>
             </a:fld>
             <a:endParaRPr lang="en-US"/>
           </a:p>
@@ -3448,7 +3448,7 @@
           <a:p>
             <a:fld id="{3881C039-66A3-4640-815B-3B5A8B7D868D}" type="datetimeFigureOut">
               <a:rPr lang="en-US" smtClean="0"/>
-              <a:t>8/19/2025</a:t>
+              <a:t>8/20/2025</a:t>
             </a:fld>
             <a:endParaRPr lang="en-US"/>
           </a:p>
@@ -3860,7 +3860,7 @@
           <a:p>
             <a:fld id="{3881C039-66A3-4640-815B-3B5A8B7D868D}" type="datetimeFigureOut">
               <a:rPr lang="en-US" smtClean="0"/>
-              <a:t>8/19/2025</a:t>
+              <a:t>8/20/2025</a:t>
             </a:fld>
             <a:endParaRPr lang="en-US"/>
           </a:p>
@@ -4001,7 +4001,7 @@
           <a:p>
             <a:fld id="{3881C039-66A3-4640-815B-3B5A8B7D868D}" type="datetimeFigureOut">
               <a:rPr lang="en-US" smtClean="0"/>
-              <a:t>8/19/2025</a:t>
+              <a:t>8/20/2025</a:t>
             </a:fld>
             <a:endParaRPr lang="en-US"/>
           </a:p>
@@ -4114,7 +4114,7 @@
           <a:p>
             <a:fld id="{3881C039-66A3-4640-815B-3B5A8B7D868D}" type="datetimeFigureOut">
               <a:rPr lang="en-US" smtClean="0"/>
-              <a:t>8/19/2025</a:t>
+              <a:t>8/20/2025</a:t>
             </a:fld>
             <a:endParaRPr lang="en-US"/>
           </a:p>
@@ -4425,7 +4425,7 @@
           <a:p>
             <a:fld id="{3881C039-66A3-4640-815B-3B5A8B7D868D}" type="datetimeFigureOut">
               <a:rPr lang="en-US" smtClean="0"/>
-              <a:t>8/19/2025</a:t>
+              <a:t>8/20/2025</a:t>
             </a:fld>
             <a:endParaRPr lang="en-US"/>
           </a:p>
@@ -4713,7 +4713,7 @@
           <a:p>
             <a:fld id="{3881C039-66A3-4640-815B-3B5A8B7D868D}" type="datetimeFigureOut">
               <a:rPr lang="en-US" smtClean="0"/>
-              <a:t>8/19/2025</a:t>
+              <a:t>8/20/2025</a:t>
             </a:fld>
             <a:endParaRPr lang="en-US"/>
           </a:p>
@@ -4957,7 +4957,7 @@
           <a:p>
             <a:fld id="{3881C039-66A3-4640-815B-3B5A8B7D868D}" type="datetimeFigureOut">
               <a:rPr lang="en-US" smtClean="0"/>
-              <a:t>8/19/2025</a:t>
+              <a:t>8/20/2025</a:t>
             </a:fld>
             <a:endParaRPr lang="en-US"/>
           </a:p>
@@ -9200,7 +9200,7 @@
               <a:rPr lang="en-US" sz="1600" dirty="0">
                 <a:latin typeface="Selawik Semibold" panose="020B0702040204020203" pitchFamily="34" charset="0"/>
               </a:rPr>
-              <a:t>NFL (American Football,18.027 Billion)</a:t>
+              <a:t>NFL (American Football,19.299 Billion)</a:t>
             </a:r>
           </a:p>
           <a:p>
@@ -9209,7 +9209,7 @@
               <a:rPr lang="en-US" sz="1600" dirty="0">
                 <a:latin typeface="Selawik Semibold" panose="020B0702040204020203" pitchFamily="34" charset="0"/>
               </a:rPr>
-              <a:t>MLB (Baseball, 10.07 Billion)</a:t>
+              <a:t>NBA (Basketball, 12.010 Billion)</a:t>
             </a:r>
           </a:p>
           <a:p>
@@ -9218,7 +9218,7 @@
               <a:rPr lang="en-US" sz="1600" dirty="0">
                 <a:latin typeface="Selawik Semibold" panose="020B0702040204020203" pitchFamily="34" charset="0"/>
               </a:rPr>
-              <a:t>NBA (Basketball, 9.951 Billion)</a:t>
+              <a:t>MLB (Baseball, 11.807 Billion)</a:t>
             </a:r>
           </a:p>
           <a:p>
@@ -9227,7 +9227,7 @@
               <a:rPr lang="en-US" sz="1600" dirty="0">
                 <a:latin typeface="Selawik Semibold" panose="020B0702040204020203" pitchFamily="34" charset="0"/>
               </a:rPr>
-              <a:t>EPL (Soccer, 6.442 Billion, England)</a:t>
+              <a:t>EPL (Soccer, 7.5 Billion, England)</a:t>
             </a:r>
           </a:p>
           <a:p>
@@ -9236,7 +9236,7 @@
               <a:rPr lang="en-US" sz="1600" dirty="0">
                 <a:latin typeface="Selawik Semibold" panose="020B0702040204020203" pitchFamily="34" charset="0"/>
               </a:rPr>
-              <a:t>NHL (Hockey, 1.4 Billion)</a:t>
+              <a:t>NHL (Hockey, 6.006 Billion)</a:t>
             </a:r>
           </a:p>
           <a:p>
@@ -9245,7 +9245,7 @@
               <a:rPr lang="en-US" sz="1600" dirty="0">
                 <a:latin typeface="Selawik Semibold" panose="020B0702040204020203" pitchFamily="34" charset="0"/>
               </a:rPr>
-              <a:t>La Liga (Soccer, 4.443 Billion, Spain)</a:t>
+              <a:t>La Liga (Soccer, 5.240 Billion, Spain)</a:t>
             </a:r>
           </a:p>
           <a:p>
@@ -9281,7 +9281,7 @@
               <a:rPr lang="en-US" sz="1600" dirty="0">
                 <a:latin typeface="Selawik Semibold" panose="020B0702040204020203" pitchFamily="34" charset="0"/>
               </a:rPr>
-              <a:t>NPB (Baseball, 1.506 Billion, Japan)</a:t>
+              <a:t>MLS (Soccer, 1.506 Billion, US)</a:t>
             </a:r>
           </a:p>
           <a:p>
@@ -17001,7 +17001,7 @@
               <a:rPr lang="en-US" sz="2400" dirty="0">
                 <a:latin typeface="Selawik Semibold" panose="020B0702040204020203" pitchFamily="34" charset="0"/>
               </a:rPr>
-              <a:t>75 Responses (Thank You!!)</a:t>
+              <a:t>57 Responses (Thank You!!)</a:t>
             </a:r>
           </a:p>
           <a:p>
@@ -17017,7 +17017,7 @@
               <a:rPr lang="en-US" sz="2400" dirty="0">
                 <a:latin typeface="Selawik Semibold" panose="020B0702040204020203" pitchFamily="34" charset="0"/>
               </a:rPr>
-              <a:t>Majority are Seniors (43/75)</a:t>
+              <a:t>Majority are Seniors (36/57)</a:t>
             </a:r>
           </a:p>
           <a:p>
@@ -17030,35 +17030,16 @@
               <a:rPr lang="en-US" sz="2400" dirty="0">
                 <a:latin typeface="Selawik Semibold" panose="020B0702040204020203" pitchFamily="34" charset="0"/>
               </a:rPr>
-              <a:t>Others are Juniors (25/75)</a:t>
+              <a:t>Others are Juniors (20/75)</a:t>
             </a:r>
             <a:endParaRPr lang="en-US" sz="1600" dirty="0">
               <a:latin typeface="Selawik Semibold" panose="020B0702040204020203" pitchFamily="34" charset="0"/>
             </a:endParaRPr>
           </a:p>
           <a:p>
-            <a:endParaRPr lang="en-US" sz="2400" dirty="0">
-              <a:latin typeface="Selawik Semibold" panose="020B0702040204020203" pitchFamily="34" charset="0"/>
-            </a:endParaRPr>
-          </a:p>
-          <a:p>
-            <a:r>
-              <a:rPr lang="en-US" sz="2400" dirty="0">
-                <a:latin typeface="Selawik Semibold" panose="020B0702040204020203" pitchFamily="34" charset="0"/>
-              </a:rPr>
-              <a:t>Some are Sophomores </a:t>
-            </a:r>
-            <a:r>
-              <a:rPr lang="en-US" sz="2400">
-                <a:latin typeface="Selawik Semibold" panose="020B0702040204020203" pitchFamily="34" charset="0"/>
-              </a:rPr>
-              <a:t>(6/75)</a:t>
-            </a:r>
-            <a:endParaRPr lang="en-US" sz="2400" dirty="0">
-              <a:latin typeface="Selawik Semibold" panose="020B0702040204020203" pitchFamily="34" charset="0"/>
-            </a:endParaRPr>
-          </a:p>
-          <a:p>
+            <a:pPr marL="0" indent="0">
+              <a:buNone/>
+            </a:pPr>
             <a:endParaRPr lang="en-US" sz="2400" dirty="0">
               <a:latin typeface="Selawik Semibold" panose="020B0702040204020203" pitchFamily="34" charset="0"/>
             </a:endParaRPr>
@@ -17935,10 +17916,10 @@
       </p:sp>
       <p:pic>
         <p:nvPicPr>
-          <p:cNvPr id="7" name="Picture 6" descr="A graph of a number of gray rectangular objects&#10;&#10;Description automatically generated with medium confidence">
-            <a:extLst>
-              <a:ext uri="{FF2B5EF4-FFF2-40B4-BE49-F238E27FC236}">
-                <a16:creationId xmlns:a16="http://schemas.microsoft.com/office/drawing/2014/main" id="{59EE551D-9842-DE1B-53C8-A208ABBB1CA7}"/>
+          <p:cNvPr id="8" name="Picture 7" descr="A graph of a graph&#10;&#10;AI-generated content may be incorrect.">
+            <a:extLst>
+              <a:ext uri="{FF2B5EF4-FFF2-40B4-BE49-F238E27FC236}">
+                <a16:creationId xmlns:a16="http://schemas.microsoft.com/office/drawing/2014/main" id="{AB81C2CC-D171-549D-5E41-47BC3DE29092}"/>
               </a:ext>
             </a:extLst>
           </p:cNvPr>
@@ -17961,8 +17942,8 @@
         </p:blipFill>
         <p:spPr>
           <a:xfrm>
-            <a:off x="1090" y="1714593"/>
-            <a:ext cx="7422207" cy="4948138"/>
+            <a:off x="141082" y="1823758"/>
+            <a:ext cx="7066542" cy="4711028"/>
           </a:xfrm>
           <a:prstGeom prst="rect">
             <a:avLst/>
@@ -18497,10 +18478,10 @@
       </p:sp>
       <p:pic>
         <p:nvPicPr>
-          <p:cNvPr id="8" name="Picture 7" descr="A graph of a graduation goal&#10;&#10;Description automatically generated">
-            <a:extLst>
-              <a:ext uri="{FF2B5EF4-FFF2-40B4-BE49-F238E27FC236}">
-                <a16:creationId xmlns:a16="http://schemas.microsoft.com/office/drawing/2014/main" id="{CF961955-D398-CDD4-E769-8F9DF7A854F4}"/>
+          <p:cNvPr id="11" name="Picture 10" descr="A graph of a graduation goal&#10;&#10;AI-generated content may be incorrect.">
+            <a:extLst>
+              <a:ext uri="{FF2B5EF4-FFF2-40B4-BE49-F238E27FC236}">
+                <a16:creationId xmlns:a16="http://schemas.microsoft.com/office/drawing/2014/main" id="{6ADD6505-1638-047A-4776-E7AC7C78BF02}"/>
               </a:ext>
             </a:extLst>
           </p:cNvPr>
@@ -18523,8 +18504,8 @@
         </p:blipFill>
         <p:spPr>
           <a:xfrm>
-            <a:off x="0" y="1690688"/>
-            <a:ext cx="7451669" cy="4967779"/>
+            <a:off x="192204" y="1778298"/>
+            <a:ext cx="7231093" cy="4820729"/>
           </a:xfrm>
           <a:prstGeom prst="rect">
             <a:avLst/>
@@ -18783,10 +18764,10 @@
       </p:sp>
       <p:pic>
         <p:nvPicPr>
-          <p:cNvPr id="4" name="Picture 3" descr="A graph of sports watching&#10;&#10;Description automatically generated">
-            <a:extLst>
-              <a:ext uri="{FF2B5EF4-FFF2-40B4-BE49-F238E27FC236}">
-                <a16:creationId xmlns:a16="http://schemas.microsoft.com/office/drawing/2014/main" id="{AEDBECC6-8185-3E3E-9F5F-3FB938E1BEF5}"/>
+          <p:cNvPr id="5" name="Picture 4" descr="A graph of sports watching&#10;&#10;AI-generated content may be incorrect.">
+            <a:extLst>
+              <a:ext uri="{FF2B5EF4-FFF2-40B4-BE49-F238E27FC236}">
+                <a16:creationId xmlns:a16="http://schemas.microsoft.com/office/drawing/2014/main" id="{5DC0DFAA-3781-2430-AD2C-F47F2D2B04A2}"/>
               </a:ext>
             </a:extLst>
           </p:cNvPr>
@@ -18809,8 +18790,8 @@
         </p:blipFill>
         <p:spPr>
           <a:xfrm>
-            <a:off x="936646" y="1436221"/>
-            <a:ext cx="8132669" cy="5421779"/>
+            <a:off x="2031329" y="1608918"/>
+            <a:ext cx="7812689" cy="5208460"/>
           </a:xfrm>
           <a:prstGeom prst="rect">
             <a:avLst/>
@@ -18831,7 +18812,7 @@
         </p:nvSpPr>
         <p:spPr>
           <a:xfrm>
-            <a:off x="2490583" y="2682605"/>
+            <a:off x="3484812" y="2697119"/>
             <a:ext cx="3447091" cy="830997"/>
           </a:xfrm>
           <a:prstGeom prst="rect">
@@ -18851,7 +18832,7 @@
                   <a:schemeClr val="bg1"/>
                 </a:solidFill>
               </a:rPr>
-              <a:t>56 Unique Sports Represented</a:t>
+              <a:t>52 Unique Sports Represented</a:t>
             </a:r>
           </a:p>
         </p:txBody>
@@ -19108,10 +19089,10 @@
       </p:sp>
       <p:pic>
         <p:nvPicPr>
-          <p:cNvPr id="4" name="Picture 3" descr="A graph of a sports game&#10;&#10;Description automatically generated with medium confidence">
-            <a:extLst>
-              <a:ext uri="{FF2B5EF4-FFF2-40B4-BE49-F238E27FC236}">
-                <a16:creationId xmlns:a16="http://schemas.microsoft.com/office/drawing/2014/main" id="{61D0604B-D6AE-3DF4-F98B-68995CE896A0}"/>
+          <p:cNvPr id="5" name="Picture 4" descr="A graph of sports players&#10;&#10;AI-generated content may be incorrect.">
+            <a:extLst>
+              <a:ext uri="{FF2B5EF4-FFF2-40B4-BE49-F238E27FC236}">
+                <a16:creationId xmlns:a16="http://schemas.microsoft.com/office/drawing/2014/main" id="{437311EB-E0B5-6504-0A3C-DB8A3795FDFA}"/>
               </a:ext>
             </a:extLst>
           </p:cNvPr>
@@ -19134,8 +19115,8 @@
         </p:blipFill>
         <p:spPr>
           <a:xfrm>
-            <a:off x="912608" y="1434693"/>
-            <a:ext cx="8134961" cy="5423307"/>
+            <a:off x="2201332" y="1654498"/>
+            <a:ext cx="7789331" cy="5192887"/>
           </a:xfrm>
           <a:prstGeom prst="rect">
             <a:avLst/>
@@ -19156,7 +19137,7 @@
         </p:nvSpPr>
         <p:spPr>
           <a:xfrm>
-            <a:off x="1966144" y="2598003"/>
+            <a:off x="2867844" y="2229703"/>
             <a:ext cx="3447091" cy="830997"/>
           </a:xfrm>
           <a:prstGeom prst="rect">
@@ -19176,7 +19157,7 @@
                   <a:schemeClr val="bg1"/>
                 </a:solidFill>
               </a:rPr>
-              <a:t>47 Unique Sports Represented</a:t>
+              <a:t>50 Unique Sports Represented</a:t>
             </a:r>
           </a:p>
         </p:txBody>
@@ -19433,10 +19414,10 @@
       </p:sp>
       <p:pic>
         <p:nvPicPr>
-          <p:cNvPr id="5" name="Picture 4" descr="A red and blue lines with black text&#10;&#10;Description automatically generated">
-            <a:extLst>
-              <a:ext uri="{FF2B5EF4-FFF2-40B4-BE49-F238E27FC236}">
-                <a16:creationId xmlns:a16="http://schemas.microsoft.com/office/drawing/2014/main" id="{C0FB3874-5A69-2734-55F9-5E0598D7CCAB}"/>
+          <p:cNvPr id="4" name="Picture 3" descr="A red and blue rectangles with black text&#10;&#10;AI-generated content may be incorrect.">
+            <a:extLst>
+              <a:ext uri="{FF2B5EF4-FFF2-40B4-BE49-F238E27FC236}">
+                <a16:creationId xmlns:a16="http://schemas.microsoft.com/office/drawing/2014/main" id="{C7BE0595-DA54-26A1-F44B-2EC03A332618}"/>
               </a:ext>
             </a:extLst>
           </p:cNvPr>
@@ -19459,8 +19440,8 @@
         </p:blipFill>
         <p:spPr>
           <a:xfrm>
-            <a:off x="526859" y="1491290"/>
-            <a:ext cx="10746076" cy="5373038"/>
+            <a:off x="590550" y="1600200"/>
+            <a:ext cx="10515600" cy="5257800"/>
           </a:xfrm>
           <a:prstGeom prst="rect">
             <a:avLst/>
@@ -19481,7 +19462,7 @@
         </p:nvSpPr>
         <p:spPr>
           <a:xfrm>
-            <a:off x="8885580" y="1608918"/>
+            <a:off x="8701430" y="1732647"/>
             <a:ext cx="3964639" cy="646331"/>
           </a:xfrm>
           <a:prstGeom prst="rect">

--- a/Slides/Sports Analytics 1/Sports_Analytics_1_Lecture.pptx
+++ b/Slides/Sports Analytics 1/Sports_Analytics_1_Lecture.pptx
@@ -222,7 +222,7 @@
           <a:p>
             <a:fld id="{C04E5E84-956F-4423-97B3-5936A6D8EEEE}" type="datetimeFigureOut">
               <a:rPr lang="en-US" smtClean="0"/>
-              <a:t>8/20/2025</a:t>
+              <a:t>8/21/2025</a:t>
             </a:fld>
             <a:endParaRPr lang="en-US"/>
           </a:p>
@@ -2304,7 +2304,7 @@
           <a:p>
             <a:fld id="{3881C039-66A3-4640-815B-3B5A8B7D868D}" type="datetimeFigureOut">
               <a:rPr lang="en-US" smtClean="0"/>
-              <a:t>8/20/2025</a:t>
+              <a:t>8/21/2025</a:t>
             </a:fld>
             <a:endParaRPr lang="en-US"/>
           </a:p>
@@ -2502,7 +2502,7 @@
           <a:p>
             <a:fld id="{3881C039-66A3-4640-815B-3B5A8B7D868D}" type="datetimeFigureOut">
               <a:rPr lang="en-US" smtClean="0"/>
-              <a:t>8/20/2025</a:t>
+              <a:t>8/21/2025</a:t>
             </a:fld>
             <a:endParaRPr lang="en-US"/>
           </a:p>
@@ -2710,7 +2710,7 @@
           <a:p>
             <a:fld id="{3881C039-66A3-4640-815B-3B5A8B7D868D}" type="datetimeFigureOut">
               <a:rPr lang="en-US" smtClean="0"/>
-              <a:t>8/20/2025</a:t>
+              <a:t>8/21/2025</a:t>
             </a:fld>
             <a:endParaRPr lang="en-US"/>
           </a:p>
@@ -2908,7 +2908,7 @@
           <a:p>
             <a:fld id="{3881C039-66A3-4640-815B-3B5A8B7D868D}" type="datetimeFigureOut">
               <a:rPr lang="en-US" smtClean="0"/>
-              <a:t>8/20/2025</a:t>
+              <a:t>8/21/2025</a:t>
             </a:fld>
             <a:endParaRPr lang="en-US"/>
           </a:p>
@@ -3183,7 +3183,7 @@
           <a:p>
             <a:fld id="{3881C039-66A3-4640-815B-3B5A8B7D868D}" type="datetimeFigureOut">
               <a:rPr lang="en-US" smtClean="0"/>
-              <a:t>8/20/2025</a:t>
+              <a:t>8/21/2025</a:t>
             </a:fld>
             <a:endParaRPr lang="en-US"/>
           </a:p>
@@ -3448,7 +3448,7 @@
           <a:p>
             <a:fld id="{3881C039-66A3-4640-815B-3B5A8B7D868D}" type="datetimeFigureOut">
               <a:rPr lang="en-US" smtClean="0"/>
-              <a:t>8/20/2025</a:t>
+              <a:t>8/21/2025</a:t>
             </a:fld>
             <a:endParaRPr lang="en-US"/>
           </a:p>
@@ -3860,7 +3860,7 @@
           <a:p>
             <a:fld id="{3881C039-66A3-4640-815B-3B5A8B7D868D}" type="datetimeFigureOut">
               <a:rPr lang="en-US" smtClean="0"/>
-              <a:t>8/20/2025</a:t>
+              <a:t>8/21/2025</a:t>
             </a:fld>
             <a:endParaRPr lang="en-US"/>
           </a:p>
@@ -4001,7 +4001,7 @@
           <a:p>
             <a:fld id="{3881C039-66A3-4640-815B-3B5A8B7D868D}" type="datetimeFigureOut">
               <a:rPr lang="en-US" smtClean="0"/>
-              <a:t>8/20/2025</a:t>
+              <a:t>8/21/2025</a:t>
             </a:fld>
             <a:endParaRPr lang="en-US"/>
           </a:p>
@@ -4114,7 +4114,7 @@
           <a:p>
             <a:fld id="{3881C039-66A3-4640-815B-3B5A8B7D868D}" type="datetimeFigureOut">
               <a:rPr lang="en-US" smtClean="0"/>
-              <a:t>8/20/2025</a:t>
+              <a:t>8/21/2025</a:t>
             </a:fld>
             <a:endParaRPr lang="en-US"/>
           </a:p>
@@ -4425,7 +4425,7 @@
           <a:p>
             <a:fld id="{3881C039-66A3-4640-815B-3B5A8B7D868D}" type="datetimeFigureOut">
               <a:rPr lang="en-US" smtClean="0"/>
-              <a:t>8/20/2025</a:t>
+              <a:t>8/21/2025</a:t>
             </a:fld>
             <a:endParaRPr lang="en-US"/>
           </a:p>
@@ -4713,7 +4713,7 @@
           <a:p>
             <a:fld id="{3881C039-66A3-4640-815B-3B5A8B7D868D}" type="datetimeFigureOut">
               <a:rPr lang="en-US" smtClean="0"/>
-              <a:t>8/20/2025</a:t>
+              <a:t>8/21/2025</a:t>
             </a:fld>
             <a:endParaRPr lang="en-US"/>
           </a:p>
@@ -4957,7 +4957,7 @@
           <a:p>
             <a:fld id="{3881C039-66A3-4640-815B-3B5A8B7D868D}" type="datetimeFigureOut">
               <a:rPr lang="en-US" smtClean="0"/>
-              <a:t>8/20/2025</a:t>
+              <a:t>8/21/2025</a:t>
             </a:fld>
             <a:endParaRPr lang="en-US"/>
           </a:p>
@@ -14024,10 +14024,16 @@
           <a:p>
             <a:pPr lvl="1"/>
             <a:r>
+              <a:rPr lang="en-US" sz="2000">
+                <a:latin typeface="Selawik Semibold" panose="020B0702040204020203" pitchFamily="34" charset="0"/>
+              </a:rPr>
+              <a:t>Analytic </a:t>
+            </a:r>
+            <a:r>
               <a:rPr lang="en-US" sz="2000" dirty="0">
                 <a:latin typeface="Selawik Semibold" panose="020B0702040204020203" pitchFamily="34" charset="0"/>
               </a:rPr>
-              <a:t>Predictive Models</a:t>
+              <a:t>Models</a:t>
             </a:r>
           </a:p>
           <a:p>
@@ -17030,7 +17036,7 @@
               <a:rPr lang="en-US" sz="2400" dirty="0">
                 <a:latin typeface="Selawik Semibold" panose="020B0702040204020203" pitchFamily="34" charset="0"/>
               </a:rPr>
-              <a:t>Others are Juniors (20/75)</a:t>
+              <a:t>Others are Juniors (20/57)</a:t>
             </a:r>
             <a:endParaRPr lang="en-US" sz="1600" dirty="0">
               <a:latin typeface="Selawik Semibold" panose="020B0702040204020203" pitchFamily="34" charset="0"/>

--- a/Slides/Sports Analytics 1/Sports_Analytics_1_Lecture.pptx
+++ b/Slides/Sports Analytics 1/Sports_Analytics_1_Lecture.pptx
@@ -222,7 +222,7 @@
           <a:p>
             <a:fld id="{C04E5E84-956F-4423-97B3-5936A6D8EEEE}" type="datetimeFigureOut">
               <a:rPr lang="en-US" smtClean="0"/>
-              <a:t>8/21/2025</a:t>
+              <a:t>1/8/2026</a:t>
             </a:fld>
             <a:endParaRPr lang="en-US"/>
           </a:p>
@@ -2304,7 +2304,7 @@
           <a:p>
             <a:fld id="{3881C039-66A3-4640-815B-3B5A8B7D868D}" type="datetimeFigureOut">
               <a:rPr lang="en-US" smtClean="0"/>
-              <a:t>8/21/2025</a:t>
+              <a:t>1/8/2026</a:t>
             </a:fld>
             <a:endParaRPr lang="en-US"/>
           </a:p>
@@ -2502,7 +2502,7 @@
           <a:p>
             <a:fld id="{3881C039-66A3-4640-815B-3B5A8B7D868D}" type="datetimeFigureOut">
               <a:rPr lang="en-US" smtClean="0"/>
-              <a:t>8/21/2025</a:t>
+              <a:t>1/8/2026</a:t>
             </a:fld>
             <a:endParaRPr lang="en-US"/>
           </a:p>
@@ -2710,7 +2710,7 @@
           <a:p>
             <a:fld id="{3881C039-66A3-4640-815B-3B5A8B7D868D}" type="datetimeFigureOut">
               <a:rPr lang="en-US" smtClean="0"/>
-              <a:t>8/21/2025</a:t>
+              <a:t>1/8/2026</a:t>
             </a:fld>
             <a:endParaRPr lang="en-US"/>
           </a:p>
@@ -2908,7 +2908,7 @@
           <a:p>
             <a:fld id="{3881C039-66A3-4640-815B-3B5A8B7D868D}" type="datetimeFigureOut">
               <a:rPr lang="en-US" smtClean="0"/>
-              <a:t>8/21/2025</a:t>
+              <a:t>1/8/2026</a:t>
             </a:fld>
             <a:endParaRPr lang="en-US"/>
           </a:p>
@@ -3183,7 +3183,7 @@
           <a:p>
             <a:fld id="{3881C039-66A3-4640-815B-3B5A8B7D868D}" type="datetimeFigureOut">
               <a:rPr lang="en-US" smtClean="0"/>
-              <a:t>8/21/2025</a:t>
+              <a:t>1/8/2026</a:t>
             </a:fld>
             <a:endParaRPr lang="en-US"/>
           </a:p>
@@ -3448,7 +3448,7 @@
           <a:p>
             <a:fld id="{3881C039-66A3-4640-815B-3B5A8B7D868D}" type="datetimeFigureOut">
               <a:rPr lang="en-US" smtClean="0"/>
-              <a:t>8/21/2025</a:t>
+              <a:t>1/8/2026</a:t>
             </a:fld>
             <a:endParaRPr lang="en-US"/>
           </a:p>
@@ -3860,7 +3860,7 @@
           <a:p>
             <a:fld id="{3881C039-66A3-4640-815B-3B5A8B7D868D}" type="datetimeFigureOut">
               <a:rPr lang="en-US" smtClean="0"/>
-              <a:t>8/21/2025</a:t>
+              <a:t>1/8/2026</a:t>
             </a:fld>
             <a:endParaRPr lang="en-US"/>
           </a:p>
@@ -4001,7 +4001,7 @@
           <a:p>
             <a:fld id="{3881C039-66A3-4640-815B-3B5A8B7D868D}" type="datetimeFigureOut">
               <a:rPr lang="en-US" smtClean="0"/>
-              <a:t>8/21/2025</a:t>
+              <a:t>1/8/2026</a:t>
             </a:fld>
             <a:endParaRPr lang="en-US"/>
           </a:p>
@@ -4114,7 +4114,7 @@
           <a:p>
             <a:fld id="{3881C039-66A3-4640-815B-3B5A8B7D868D}" type="datetimeFigureOut">
               <a:rPr lang="en-US" smtClean="0"/>
-              <a:t>8/21/2025</a:t>
+              <a:t>1/8/2026</a:t>
             </a:fld>
             <a:endParaRPr lang="en-US"/>
           </a:p>
@@ -4425,7 +4425,7 @@
           <a:p>
             <a:fld id="{3881C039-66A3-4640-815B-3B5A8B7D868D}" type="datetimeFigureOut">
               <a:rPr lang="en-US" smtClean="0"/>
-              <a:t>8/21/2025</a:t>
+              <a:t>1/8/2026</a:t>
             </a:fld>
             <a:endParaRPr lang="en-US"/>
           </a:p>
@@ -4713,7 +4713,7 @@
           <a:p>
             <a:fld id="{3881C039-66A3-4640-815B-3B5A8B7D868D}" type="datetimeFigureOut">
               <a:rPr lang="en-US" smtClean="0"/>
-              <a:t>8/21/2025</a:t>
+              <a:t>1/8/2026</a:t>
             </a:fld>
             <a:endParaRPr lang="en-US"/>
           </a:p>
@@ -4957,7 +4957,7 @@
           <a:p>
             <a:fld id="{3881C039-66A3-4640-815B-3B5A8B7D868D}" type="datetimeFigureOut">
               <a:rPr lang="en-US" smtClean="0"/>
-              <a:t>8/21/2025</a:t>
+              <a:t>1/8/2026</a:t>
             </a:fld>
             <a:endParaRPr lang="en-US"/>
           </a:p>
@@ -9200,7 +9200,7 @@
               <a:rPr lang="en-US" sz="1600" dirty="0">
                 <a:latin typeface="Selawik Semibold" panose="020B0702040204020203" pitchFamily="34" charset="0"/>
               </a:rPr>
-              <a:t>NFL (American Football,19.299 Billion)</a:t>
+              <a:t>NFL (American Football,19.1 Billion)</a:t>
             </a:r>
           </a:p>
           <a:p>
@@ -9209,7 +9209,7 @@
               <a:rPr lang="en-US" sz="1600" dirty="0">
                 <a:latin typeface="Selawik Semibold" panose="020B0702040204020203" pitchFamily="34" charset="0"/>
               </a:rPr>
-              <a:t>NBA (Basketball, 12.010 Billion)</a:t>
+              <a:t>MLB (Baseball, 11.0 Billion) – Swapped with NBA</a:t>
             </a:r>
           </a:p>
           <a:p>
@@ -9218,7 +9218,7 @@
               <a:rPr lang="en-US" sz="1600" dirty="0">
                 <a:latin typeface="Selawik Semibold" panose="020B0702040204020203" pitchFamily="34" charset="0"/>
               </a:rPr>
-              <a:t>MLB (Baseball, 11.807 Billion)</a:t>
+              <a:t>NBA (Basketball, 10.6 Billion)</a:t>
             </a:r>
           </a:p>
           <a:p>
@@ -9227,7 +9227,7 @@
               <a:rPr lang="en-US" sz="1600" dirty="0">
                 <a:latin typeface="Selawik Semibold" panose="020B0702040204020203" pitchFamily="34" charset="0"/>
               </a:rPr>
-              <a:t>EPL (Soccer, 7.5 Billion, England)</a:t>
+              <a:t>EPL (Soccer, 7.7 Billion, England)</a:t>
             </a:r>
           </a:p>
           <a:p>
@@ -9236,7 +9236,7 @@
               <a:rPr lang="en-US" sz="1600" dirty="0">
                 <a:latin typeface="Selawik Semibold" panose="020B0702040204020203" pitchFamily="34" charset="0"/>
               </a:rPr>
-              <a:t>NHL (Hockey, 6.006 Billion)</a:t>
+              <a:t>NHL (Hockey, 6.0 Billion)</a:t>
             </a:r>
           </a:p>
           <a:p>
@@ -9245,7 +9245,7 @@
               <a:rPr lang="en-US" sz="1600" dirty="0">
                 <a:latin typeface="Selawik Semibold" panose="020B0702040204020203" pitchFamily="34" charset="0"/>
               </a:rPr>
-              <a:t>La Liga (Soccer, 5.240 Billion, Spain)</a:t>
+              <a:t>La Liga (Soccer, 5.2 Billion, Spain)</a:t>
             </a:r>
           </a:p>
           <a:p>
@@ -9254,7 +9254,7 @@
               <a:rPr lang="en-US" sz="1600" dirty="0">
                 <a:latin typeface="Selawik Semibold" panose="020B0702040204020203" pitchFamily="34" charset="0"/>
               </a:rPr>
-              <a:t>Bundesliga (Soccer, 3.610 Billion, Germany)</a:t>
+              <a:t>Bundesliga (Soccer, 4.4 Billion, Germany)</a:t>
             </a:r>
           </a:p>
           <a:p>
@@ -9263,7 +9263,7 @@
               <a:rPr lang="en-US" sz="1600" dirty="0">
                 <a:latin typeface="Selawik Semibold" panose="020B0702040204020203" pitchFamily="34" charset="0"/>
               </a:rPr>
-              <a:t>Serie A (Soccer, 2.927 Billion, Italy)</a:t>
+              <a:t>Serie A (Soccer, 3.6 Billion, Italy)</a:t>
             </a:r>
           </a:p>
           <a:p>
@@ -9272,7 +9272,7 @@
               <a:rPr lang="en-US" sz="1600" dirty="0">
                 <a:latin typeface="Selawik Semibold" panose="020B0702040204020203" pitchFamily="34" charset="0"/>
               </a:rPr>
-              <a:t>Ligue 1 (Soccer, 2.407 Billion, France)</a:t>
+              <a:t>Ligue 1 (Soccer, 2.4 Billion, France)</a:t>
             </a:r>
           </a:p>
           <a:p>
@@ -9281,7 +9281,7 @@
               <a:rPr lang="en-US" sz="1600" dirty="0">
                 <a:latin typeface="Selawik Semibold" panose="020B0702040204020203" pitchFamily="34" charset="0"/>
               </a:rPr>
-              <a:t>MLS (Soccer, 1.506 Billion, US)</a:t>
+              <a:t>MLS (Soccer, 2.2 Billion, US) – Up From 1.5 Billion</a:t>
             </a:r>
           </a:p>
           <a:p>
@@ -17007,7 +17007,7 @@
               <a:rPr lang="en-US" sz="2400" dirty="0">
                 <a:latin typeface="Selawik Semibold" panose="020B0702040204020203" pitchFamily="34" charset="0"/>
               </a:rPr>
-              <a:t>57 Responses (Thank You!!)</a:t>
+              <a:t>42 Responses (Thank You!!)</a:t>
             </a:r>
           </a:p>
           <a:p>
@@ -17023,7 +17023,7 @@
               <a:rPr lang="en-US" sz="2400" dirty="0">
                 <a:latin typeface="Selawik Semibold" panose="020B0702040204020203" pitchFamily="34" charset="0"/>
               </a:rPr>
-              <a:t>Majority are Seniors (36/57)</a:t>
+              <a:t>Seniors (14/42)</a:t>
             </a:r>
           </a:p>
           <a:p>
@@ -17036,7 +17036,7 @@
               <a:rPr lang="en-US" sz="2400" dirty="0">
                 <a:latin typeface="Selawik Semibold" panose="020B0702040204020203" pitchFamily="34" charset="0"/>
               </a:rPr>
-              <a:t>Others are Juniors (20/57)</a:t>
+              <a:t>Juniors (18/42)</a:t>
             </a:r>
             <a:endParaRPr lang="en-US" sz="1600" dirty="0">
               <a:latin typeface="Selawik Semibold" panose="020B0702040204020203" pitchFamily="34" charset="0"/>
@@ -17055,7 +17055,20 @@
               <a:rPr lang="en-US" sz="2400" dirty="0">
                 <a:latin typeface="Selawik Semibold" panose="020B0702040204020203" pitchFamily="34" charset="0"/>
               </a:rPr>
-              <a:t>Other = 1</a:t>
+              <a:t>Sophomores (9/42)</a:t>
+            </a:r>
+          </a:p>
+          <a:p>
+            <a:endParaRPr lang="en-US" sz="2400" dirty="0">
+              <a:latin typeface="Selawik Semibold" panose="020B0702040204020203" pitchFamily="34" charset="0"/>
+            </a:endParaRPr>
+          </a:p>
+          <a:p>
+            <a:r>
+              <a:rPr lang="en-US" sz="2400" dirty="0">
+                <a:latin typeface="Selawik Semibold" panose="020B0702040204020203" pitchFamily="34" charset="0"/>
+              </a:rPr>
+              <a:t>Other (1/42)</a:t>
             </a:r>
           </a:p>
         </p:txBody>
@@ -17922,10 +17935,10 @@
       </p:sp>
       <p:pic>
         <p:nvPicPr>
-          <p:cNvPr id="8" name="Picture 7" descr="A graph of a graph&#10;&#10;AI-generated content may be incorrect.">
-            <a:extLst>
-              <a:ext uri="{FF2B5EF4-FFF2-40B4-BE49-F238E27FC236}">
-                <a16:creationId xmlns:a16="http://schemas.microsoft.com/office/drawing/2014/main" id="{AB81C2CC-D171-549D-5E41-47BC3DE29092}"/>
+          <p:cNvPr id="7" name="Picture 6">
+            <a:extLst>
+              <a:ext uri="{FF2B5EF4-FFF2-40B4-BE49-F238E27FC236}">
+                <a16:creationId xmlns:a16="http://schemas.microsoft.com/office/drawing/2014/main" id="{6DA1E06C-33CF-F8E5-AE9C-2C49CB11AD47}"/>
               </a:ext>
             </a:extLst>
           </p:cNvPr>
@@ -17948,8 +17961,8 @@
         </p:blipFill>
         <p:spPr>
           <a:xfrm>
-            <a:off x="141082" y="1823758"/>
-            <a:ext cx="7066542" cy="4711028"/>
+            <a:off x="129672" y="1742199"/>
+            <a:ext cx="7341472" cy="4894315"/>
           </a:xfrm>
           <a:prstGeom prst="rect">
             <a:avLst/>
@@ -18484,10 +18497,10 @@
       </p:sp>
       <p:pic>
         <p:nvPicPr>
-          <p:cNvPr id="11" name="Picture 10" descr="A graph of a graduation goal&#10;&#10;AI-generated content may be incorrect.">
-            <a:extLst>
-              <a:ext uri="{FF2B5EF4-FFF2-40B4-BE49-F238E27FC236}">
-                <a16:creationId xmlns:a16="http://schemas.microsoft.com/office/drawing/2014/main" id="{6ADD6505-1638-047A-4776-E7AC7C78BF02}"/>
+          <p:cNvPr id="10" name="Picture 9">
+            <a:extLst>
+              <a:ext uri="{FF2B5EF4-FFF2-40B4-BE49-F238E27FC236}">
+                <a16:creationId xmlns:a16="http://schemas.microsoft.com/office/drawing/2014/main" id="{D3D966E6-3FEC-2BC1-BA70-18E75040C5AA}"/>
               </a:ext>
             </a:extLst>
           </p:cNvPr>
@@ -18510,8 +18523,8 @@
         </p:blipFill>
         <p:spPr>
           <a:xfrm>
-            <a:off x="192204" y="1778298"/>
-            <a:ext cx="7231093" cy="4820729"/>
+            <a:off x="106714" y="1744485"/>
+            <a:ext cx="7332531" cy="4888354"/>
           </a:xfrm>
           <a:prstGeom prst="rect">
             <a:avLst/>
@@ -18770,10 +18783,10 @@
       </p:sp>
       <p:pic>
         <p:nvPicPr>
-          <p:cNvPr id="5" name="Picture 4" descr="A graph of sports watching&#10;&#10;AI-generated content may be incorrect.">
-            <a:extLst>
-              <a:ext uri="{FF2B5EF4-FFF2-40B4-BE49-F238E27FC236}">
-                <a16:creationId xmlns:a16="http://schemas.microsoft.com/office/drawing/2014/main" id="{5DC0DFAA-3781-2430-AD2C-F47F2D2B04A2}"/>
+          <p:cNvPr id="11" name="Picture 10">
+            <a:extLst>
+              <a:ext uri="{FF2B5EF4-FFF2-40B4-BE49-F238E27FC236}">
+                <a16:creationId xmlns:a16="http://schemas.microsoft.com/office/drawing/2014/main" id="{3B6E84E9-6AE7-ADB0-B659-759CF263715C}"/>
               </a:ext>
             </a:extLst>
           </p:cNvPr>
@@ -18796,8 +18809,8 @@
         </p:blipFill>
         <p:spPr>
           <a:xfrm>
-            <a:off x="2031329" y="1608918"/>
-            <a:ext cx="7812689" cy="5208460"/>
+            <a:off x="1626281" y="1608918"/>
+            <a:ext cx="7910480" cy="5273654"/>
           </a:xfrm>
           <a:prstGeom prst="rect">
             <a:avLst/>
@@ -18818,7 +18831,7 @@
         </p:nvSpPr>
         <p:spPr>
           <a:xfrm>
-            <a:off x="3484812" y="2697119"/>
+            <a:off x="2981585" y="2706342"/>
             <a:ext cx="3447091" cy="830997"/>
           </a:xfrm>
           <a:prstGeom prst="rect">
@@ -18838,7 +18851,7 @@
                   <a:schemeClr val="bg1"/>
                 </a:solidFill>
               </a:rPr>
-              <a:t>52 Unique Sports Represented</a:t>
+              <a:t>54 Unique Sports Represented</a:t>
             </a:r>
           </a:p>
         </p:txBody>
@@ -19095,10 +19108,10 @@
       </p:sp>
       <p:pic>
         <p:nvPicPr>
-          <p:cNvPr id="5" name="Picture 4" descr="A graph of sports players&#10;&#10;AI-generated content may be incorrect.">
-            <a:extLst>
-              <a:ext uri="{FF2B5EF4-FFF2-40B4-BE49-F238E27FC236}">
-                <a16:creationId xmlns:a16="http://schemas.microsoft.com/office/drawing/2014/main" id="{437311EB-E0B5-6504-0A3C-DB8A3795FDFA}"/>
+          <p:cNvPr id="4" name="Picture 3">
+            <a:extLst>
+              <a:ext uri="{FF2B5EF4-FFF2-40B4-BE49-F238E27FC236}">
+                <a16:creationId xmlns:a16="http://schemas.microsoft.com/office/drawing/2014/main" id="{32BC6E8B-9E7E-0A53-2CD8-471120D7BF6F}"/>
               </a:ext>
             </a:extLst>
           </p:cNvPr>
@@ -19121,8 +19134,8 @@
         </p:blipFill>
         <p:spPr>
           <a:xfrm>
-            <a:off x="2201332" y="1654498"/>
-            <a:ext cx="7789331" cy="5192887"/>
+            <a:off x="2159186" y="1618308"/>
+            <a:ext cx="7873623" cy="5249082"/>
           </a:xfrm>
           <a:prstGeom prst="rect">
             <a:avLst/>
@@ -19143,7 +19156,7 @@
         </p:nvSpPr>
         <p:spPr>
           <a:xfrm>
-            <a:off x="2867844" y="2229703"/>
+            <a:off x="3008519" y="2468609"/>
             <a:ext cx="3447091" cy="830997"/>
           </a:xfrm>
           <a:prstGeom prst="rect">
@@ -19163,7 +19176,7 @@
                   <a:schemeClr val="bg1"/>
                 </a:solidFill>
               </a:rPr>
-              <a:t>50 Unique Sports Represented</a:t>
+              <a:t>42 Unique Sports Represented</a:t>
             </a:r>
           </a:p>
         </p:txBody>
@@ -19420,10 +19433,10 @@
       </p:sp>
       <p:pic>
         <p:nvPicPr>
-          <p:cNvPr id="4" name="Picture 3" descr="A red and blue rectangles with black text&#10;&#10;AI-generated content may be incorrect.">
-            <a:extLst>
-              <a:ext uri="{FF2B5EF4-FFF2-40B4-BE49-F238E27FC236}">
-                <a16:creationId xmlns:a16="http://schemas.microsoft.com/office/drawing/2014/main" id="{C7BE0595-DA54-26A1-F44B-2EC03A332618}"/>
+          <p:cNvPr id="8" name="Picture 7">
+            <a:extLst>
+              <a:ext uri="{FF2B5EF4-FFF2-40B4-BE49-F238E27FC236}">
+                <a16:creationId xmlns:a16="http://schemas.microsoft.com/office/drawing/2014/main" id="{662FEF91-B4B1-7F7A-D9C8-3ACFEF4A5E78}"/>
               </a:ext>
             </a:extLst>
           </p:cNvPr>
@@ -19446,8 +19459,8 @@
         </p:blipFill>
         <p:spPr>
           <a:xfrm>
-            <a:off x="590550" y="1600200"/>
-            <a:ext cx="10515600" cy="5257800"/>
+            <a:off x="838199" y="1608918"/>
+            <a:ext cx="10466414" cy="5233207"/>
           </a:xfrm>
           <a:prstGeom prst="rect">
             <a:avLst/>
@@ -19468,7 +19481,7 @@
         </p:nvSpPr>
         <p:spPr>
           <a:xfrm>
-            <a:off x="8701430" y="1732647"/>
+            <a:off x="729580" y="5902589"/>
             <a:ext cx="3964639" cy="646331"/>
           </a:xfrm>
           <a:prstGeom prst="rect">
